--- a/SagaMasterClass.pptx
+++ b/SagaMasterClass.pptx
@@ -9,11 +9,16 @@
     <p:sldId id="257" r:id="rId3"/>
     <p:sldId id="258" r:id="rId4"/>
     <p:sldId id="259" r:id="rId5"/>
-    <p:sldId id="260" r:id="rId6"/>
-    <p:sldId id="262" r:id="rId7"/>
-    <p:sldId id="261" r:id="rId8"/>
-    <p:sldId id="263" r:id="rId9"/>
-    <p:sldId id="264" r:id="rId10"/>
+    <p:sldId id="266" r:id="rId6"/>
+    <p:sldId id="265" r:id="rId7"/>
+    <p:sldId id="267" r:id="rId8"/>
+    <p:sldId id="268" r:id="rId9"/>
+    <p:sldId id="269" r:id="rId10"/>
+    <p:sldId id="270" r:id="rId11"/>
+    <p:sldId id="262" r:id="rId12"/>
+    <p:sldId id="261" r:id="rId13"/>
+    <p:sldId id="263" r:id="rId14"/>
+    <p:sldId id="264" r:id="rId15"/>
   </p:sldIdLst>
   <p:sldSz cx="12192000" cy="6858000"/>
   <p:notesSz cx="6858000" cy="9144000"/>
@@ -121,7 +126,12 @@
             <p14:sldId id="257"/>
             <p14:sldId id="258"/>
             <p14:sldId id="259"/>
-            <p14:sldId id="260"/>
+            <p14:sldId id="266"/>
+            <p14:sldId id="265"/>
+            <p14:sldId id="267"/>
+            <p14:sldId id="268"/>
+            <p14:sldId id="269"/>
+            <p14:sldId id="270"/>
             <p14:sldId id="262"/>
             <p14:sldId id="261"/>
             <p14:sldId id="263"/>
@@ -3067,6 +3077,492 @@
 </p:sld>
 </file>
 
+<file path=ppt/slides/slide10.xml><?xml version="1.0" encoding="utf-8"?>
+<p:sld xmlns:a="http://schemas.openxmlformats.org/drawingml/2006/main" xmlns:r="http://schemas.openxmlformats.org/officeDocument/2006/relationships" xmlns:p="http://schemas.openxmlformats.org/presentationml/2006/main">
+  <p:cSld>
+    <p:spTree>
+      <p:nvGrpSpPr>
+        <p:cNvPr id="1" name=""/>
+        <p:cNvGrpSpPr/>
+        <p:nvPr/>
+      </p:nvGrpSpPr>
+      <p:grpSpPr>
+        <a:xfrm>
+          <a:off x="0" y="0"/>
+          <a:ext cx="0" cy="0"/>
+          <a:chOff x="0" y="0"/>
+          <a:chExt cx="0" cy="0"/>
+        </a:xfrm>
+      </p:grpSpPr>
+      <p:sp>
+        <p:nvSpPr>
+          <p:cNvPr id="2" name="Title 1"/>
+          <p:cNvSpPr>
+            <a:spLocks noGrp="1"/>
+          </p:cNvSpPr>
+          <p:nvPr>
+            <p:ph type="title"/>
+          </p:nvPr>
+        </p:nvSpPr>
+        <p:spPr/>
+        <p:txBody>
+          <a:bodyPr/>
+          <a:lstStyle/>
+          <a:p>
+            <a:r>
+              <a:rPr lang="en-GB" dirty="0" smtClean="0"/>
+              <a:t>Emitting messages</a:t>
+            </a:r>
+            <a:endParaRPr lang="sv-SE" dirty="0"/>
+          </a:p>
+        </p:txBody>
+      </p:sp>
+      <p:sp>
+        <p:nvSpPr>
+          <p:cNvPr id="3" name="Content Placeholder 2"/>
+          <p:cNvSpPr>
+            <a:spLocks noGrp="1"/>
+          </p:cNvSpPr>
+          <p:nvPr>
+            <p:ph idx="1"/>
+          </p:nvPr>
+        </p:nvSpPr>
+        <p:spPr/>
+        <p:txBody>
+          <a:bodyPr/>
+          <a:lstStyle/>
+          <a:p>
+            <a:endParaRPr lang="sv-SE"/>
+          </a:p>
+        </p:txBody>
+      </p:sp>
+    </p:spTree>
+    <p:extLst>
+      <p:ext uri="{BB962C8B-B14F-4D97-AF65-F5344CB8AC3E}">
+        <p14:creationId xmlns:p14="http://schemas.microsoft.com/office/powerpoint/2010/main" val="203048942"/>
+      </p:ext>
+    </p:extLst>
+  </p:cSld>
+  <p:clrMapOvr>
+    <a:masterClrMapping/>
+  </p:clrMapOvr>
+</p:sld>
+</file>
+
+<file path=ppt/slides/slide11.xml><?xml version="1.0" encoding="utf-8"?>
+<p:sld xmlns:a="http://schemas.openxmlformats.org/drawingml/2006/main" xmlns:r="http://schemas.openxmlformats.org/officeDocument/2006/relationships" xmlns:p="http://schemas.openxmlformats.org/presentationml/2006/main">
+  <p:cSld>
+    <p:spTree>
+      <p:nvGrpSpPr>
+        <p:cNvPr id="1" name=""/>
+        <p:cNvGrpSpPr/>
+        <p:nvPr/>
+      </p:nvGrpSpPr>
+      <p:grpSpPr>
+        <a:xfrm>
+          <a:off x="0" y="0"/>
+          <a:ext cx="0" cy="0"/>
+          <a:chOff x="0" y="0"/>
+          <a:chExt cx="0" cy="0"/>
+        </a:xfrm>
+      </p:grpSpPr>
+      <p:sp>
+        <p:nvSpPr>
+          <p:cNvPr id="2" name="Title 1"/>
+          <p:cNvSpPr>
+            <a:spLocks noGrp="1"/>
+          </p:cNvSpPr>
+          <p:nvPr>
+            <p:ph type="title"/>
+          </p:nvPr>
+        </p:nvSpPr>
+        <p:spPr/>
+        <p:txBody>
+          <a:bodyPr/>
+          <a:lstStyle/>
+          <a:p>
+            <a:r>
+              <a:rPr lang="en-GB" dirty="0" smtClean="0"/>
+              <a:t>Sample domain walkthrough</a:t>
+            </a:r>
+            <a:endParaRPr lang="sv-SE" dirty="0"/>
+          </a:p>
+        </p:txBody>
+      </p:sp>
+      <p:sp>
+        <p:nvSpPr>
+          <p:cNvPr id="3" name="Content Placeholder 2"/>
+          <p:cNvSpPr>
+            <a:spLocks noGrp="1"/>
+          </p:cNvSpPr>
+          <p:nvPr>
+            <p:ph idx="1"/>
+          </p:nvPr>
+        </p:nvSpPr>
+        <p:spPr/>
+        <p:txBody>
+          <a:bodyPr/>
+          <a:lstStyle/>
+          <a:p>
+            <a:r>
+              <a:rPr lang="en-GB" dirty="0" smtClean="0"/>
+              <a:t>Shop</a:t>
+            </a:r>
+          </a:p>
+          <a:p>
+            <a:r>
+              <a:rPr lang="en-GB" dirty="0" smtClean="0"/>
+              <a:t>Sales</a:t>
+            </a:r>
+          </a:p>
+          <a:p>
+            <a:r>
+              <a:rPr lang="en-GB" dirty="0" smtClean="0"/>
+              <a:t>Billing</a:t>
+            </a:r>
+          </a:p>
+          <a:p>
+            <a:r>
+              <a:rPr lang="en-GB" dirty="0" smtClean="0"/>
+              <a:t>Shipping</a:t>
+            </a:r>
+          </a:p>
+          <a:p>
+            <a:r>
+              <a:rPr lang="en-GB" dirty="0" smtClean="0"/>
+              <a:t>Customer care</a:t>
+            </a:r>
+          </a:p>
+          <a:p>
+            <a:endParaRPr lang="sv-SE" dirty="0"/>
+          </a:p>
+        </p:txBody>
+      </p:sp>
+    </p:spTree>
+    <p:extLst>
+      <p:ext uri="{BB962C8B-B14F-4D97-AF65-F5344CB8AC3E}">
+        <p14:creationId xmlns:p14="http://schemas.microsoft.com/office/powerpoint/2010/main" val="327253573"/>
+      </p:ext>
+    </p:extLst>
+  </p:cSld>
+  <p:clrMapOvr>
+    <a:masterClrMapping/>
+  </p:clrMapOvr>
+</p:sld>
+</file>
+
+<file path=ppt/slides/slide12.xml><?xml version="1.0" encoding="utf-8"?>
+<p:sld xmlns:a="http://schemas.openxmlformats.org/drawingml/2006/main" xmlns:r="http://schemas.openxmlformats.org/officeDocument/2006/relationships" xmlns:p="http://schemas.openxmlformats.org/presentationml/2006/main">
+  <p:cSld>
+    <p:spTree>
+      <p:nvGrpSpPr>
+        <p:cNvPr id="1" name=""/>
+        <p:cNvGrpSpPr/>
+        <p:nvPr/>
+      </p:nvGrpSpPr>
+      <p:grpSpPr>
+        <a:xfrm>
+          <a:off x="0" y="0"/>
+          <a:ext cx="0" cy="0"/>
+          <a:chOff x="0" y="0"/>
+          <a:chExt cx="0" cy="0"/>
+        </a:xfrm>
+      </p:grpSpPr>
+      <p:sp>
+        <p:nvSpPr>
+          <p:cNvPr id="2" name="Title 1"/>
+          <p:cNvSpPr>
+            <a:spLocks noGrp="1"/>
+          </p:cNvSpPr>
+          <p:nvPr>
+            <p:ph type="title"/>
+          </p:nvPr>
+        </p:nvSpPr>
+        <p:spPr/>
+        <p:txBody>
+          <a:bodyPr/>
+          <a:lstStyle/>
+          <a:p>
+            <a:r>
+              <a:rPr lang="en-GB" dirty="0" smtClean="0"/>
+              <a:t>Exercise </a:t>
+            </a:r>
+            <a:r>
+              <a:rPr lang="en-GB" dirty="0" smtClean="0"/>
+              <a:t>1 – Order Policy saga</a:t>
+            </a:r>
+            <a:endParaRPr lang="sv-SE" dirty="0"/>
+          </a:p>
+        </p:txBody>
+      </p:sp>
+      <p:sp>
+        <p:nvSpPr>
+          <p:cNvPr id="3" name="Content Placeholder 2"/>
+          <p:cNvSpPr>
+            <a:spLocks noGrp="1"/>
+          </p:cNvSpPr>
+          <p:nvPr>
+            <p:ph idx="1"/>
+          </p:nvPr>
+        </p:nvSpPr>
+        <p:spPr/>
+        <p:txBody>
+          <a:bodyPr>
+            <a:normAutofit/>
+          </a:bodyPr>
+          <a:lstStyle/>
+          <a:p>
+            <a:r>
+              <a:rPr lang="en-GB" dirty="0" smtClean="0"/>
+              <a:t>State changes</a:t>
+            </a:r>
+          </a:p>
+          <a:p>
+            <a:pPr lvl="1"/>
+            <a:r>
+              <a:rPr lang="en-GB" dirty="0" err="1" smtClean="0"/>
+              <a:t>StartOrder</a:t>
+            </a:r>
+            <a:r>
+              <a:rPr lang="en-GB" dirty="0" smtClean="0"/>
+              <a:t> (Command)</a:t>
+            </a:r>
+            <a:endParaRPr lang="en-GB" dirty="0" smtClean="0"/>
+          </a:p>
+          <a:p>
+            <a:pPr lvl="1"/>
+            <a:r>
+              <a:rPr lang="en-GB" dirty="0" err="1" smtClean="0"/>
+              <a:t>PlaceOrder</a:t>
+            </a:r>
+            <a:r>
+              <a:rPr lang="en-GB" dirty="0" smtClean="0"/>
+              <a:t> (Command)</a:t>
+            </a:r>
+          </a:p>
+          <a:p>
+            <a:pPr lvl="1"/>
+            <a:r>
+              <a:rPr lang="en-GB" dirty="0" err="1" smtClean="0"/>
+              <a:t>CancelOrder</a:t>
+            </a:r>
+            <a:r>
+              <a:rPr lang="en-GB" dirty="0" smtClean="0"/>
+              <a:t> (Command)</a:t>
+            </a:r>
+          </a:p>
+          <a:p>
+            <a:pPr lvl="1"/>
+            <a:r>
+              <a:rPr lang="en-GB" dirty="0" err="1" smtClean="0"/>
+              <a:t>OrderAbandoned</a:t>
+            </a:r>
+            <a:r>
+              <a:rPr lang="en-GB" dirty="0" smtClean="0"/>
+              <a:t> (Event)</a:t>
+            </a:r>
+          </a:p>
+          <a:p>
+            <a:r>
+              <a:rPr lang="en-GB" dirty="0" smtClean="0"/>
+              <a:t>Business </a:t>
+            </a:r>
+            <a:r>
+              <a:rPr lang="en-GB" dirty="0" smtClean="0"/>
+              <a:t>rules:</a:t>
+            </a:r>
+            <a:endParaRPr lang="en-GB" dirty="0" smtClean="0"/>
+          </a:p>
+          <a:p>
+            <a:pPr lvl="1"/>
+            <a:r>
+              <a:rPr lang="en-GB" dirty="0" smtClean="0"/>
+              <a:t>An order is abandoned if not </a:t>
+            </a:r>
+            <a:r>
+              <a:rPr lang="en-GB" dirty="0" smtClean="0"/>
+              <a:t>cancelled </a:t>
+            </a:r>
+            <a:r>
+              <a:rPr lang="en-GB" dirty="0" smtClean="0"/>
+              <a:t>or placed within 20 </a:t>
+            </a:r>
+            <a:r>
+              <a:rPr lang="en-GB" dirty="0" smtClean="0"/>
+              <a:t>seconds</a:t>
+            </a:r>
+          </a:p>
+          <a:p>
+            <a:pPr lvl="1"/>
+            <a:r>
+              <a:rPr lang="en-GB" dirty="0" smtClean="0"/>
+              <a:t>Events should be emitted for each relevant state change</a:t>
+            </a:r>
+            <a:endParaRPr lang="en-GB" dirty="0" smtClean="0"/>
+          </a:p>
+        </p:txBody>
+      </p:sp>
+    </p:spTree>
+    <p:extLst>
+      <p:ext uri="{BB962C8B-B14F-4D97-AF65-F5344CB8AC3E}">
+        <p14:creationId xmlns:p14="http://schemas.microsoft.com/office/powerpoint/2010/main" val="613529079"/>
+      </p:ext>
+    </p:extLst>
+  </p:cSld>
+  <p:clrMapOvr>
+    <a:masterClrMapping/>
+  </p:clrMapOvr>
+</p:sld>
+</file>
+
+<file path=ppt/slides/slide13.xml><?xml version="1.0" encoding="utf-8"?>
+<p:sld xmlns:a="http://schemas.openxmlformats.org/drawingml/2006/main" xmlns:r="http://schemas.openxmlformats.org/officeDocument/2006/relationships" xmlns:p="http://schemas.openxmlformats.org/presentationml/2006/main">
+  <p:cSld>
+    <p:spTree>
+      <p:nvGrpSpPr>
+        <p:cNvPr id="1" name=""/>
+        <p:cNvGrpSpPr/>
+        <p:nvPr/>
+      </p:nvGrpSpPr>
+      <p:grpSpPr>
+        <a:xfrm>
+          <a:off x="0" y="0"/>
+          <a:ext cx="0" cy="0"/>
+          <a:chOff x="0" y="0"/>
+          <a:chExt cx="0" cy="0"/>
+        </a:xfrm>
+      </p:grpSpPr>
+      <p:sp>
+        <p:nvSpPr>
+          <p:cNvPr id="2" name="Title 1"/>
+          <p:cNvSpPr>
+            <a:spLocks noGrp="1"/>
+          </p:cNvSpPr>
+          <p:nvPr>
+            <p:ph type="title"/>
+          </p:nvPr>
+        </p:nvSpPr>
+        <p:spPr/>
+        <p:txBody>
+          <a:bodyPr/>
+          <a:lstStyle/>
+          <a:p>
+            <a:r>
+              <a:rPr lang="en-GB" dirty="0" smtClean="0"/>
+              <a:t>Walkthrough</a:t>
+            </a:r>
+            <a:endParaRPr lang="sv-SE" dirty="0"/>
+          </a:p>
+        </p:txBody>
+      </p:sp>
+      <p:sp>
+        <p:nvSpPr>
+          <p:cNvPr id="4" name="Text Placeholder 3"/>
+          <p:cNvSpPr>
+            <a:spLocks noGrp="1"/>
+          </p:cNvSpPr>
+          <p:nvPr>
+            <p:ph type="body" idx="1"/>
+          </p:nvPr>
+        </p:nvSpPr>
+        <p:spPr/>
+        <p:txBody>
+          <a:bodyPr/>
+          <a:lstStyle/>
+          <a:p>
+            <a:r>
+              <a:rPr lang="en-GB" dirty="0"/>
+              <a:t>Exercise 1</a:t>
+            </a:r>
+            <a:endParaRPr lang="sv-SE" dirty="0"/>
+          </a:p>
+        </p:txBody>
+      </p:sp>
+    </p:spTree>
+    <p:extLst>
+      <p:ext uri="{BB962C8B-B14F-4D97-AF65-F5344CB8AC3E}">
+        <p14:creationId xmlns:p14="http://schemas.microsoft.com/office/powerpoint/2010/main" val="68556685"/>
+      </p:ext>
+    </p:extLst>
+  </p:cSld>
+  <p:clrMapOvr>
+    <a:masterClrMapping/>
+  </p:clrMapOvr>
+</p:sld>
+</file>
+
+<file path=ppt/slides/slide14.xml><?xml version="1.0" encoding="utf-8"?>
+<p:sld xmlns:a="http://schemas.openxmlformats.org/drawingml/2006/main" xmlns:r="http://schemas.openxmlformats.org/officeDocument/2006/relationships" xmlns:p="http://schemas.openxmlformats.org/presentationml/2006/main">
+  <p:cSld>
+    <p:spTree>
+      <p:nvGrpSpPr>
+        <p:cNvPr id="1" name=""/>
+        <p:cNvGrpSpPr/>
+        <p:nvPr/>
+      </p:nvGrpSpPr>
+      <p:grpSpPr>
+        <a:xfrm>
+          <a:off x="0" y="0"/>
+          <a:ext cx="0" cy="0"/>
+          <a:chOff x="0" y="0"/>
+          <a:chExt cx="0" cy="0"/>
+        </a:xfrm>
+      </p:grpSpPr>
+      <p:sp>
+        <p:nvSpPr>
+          <p:cNvPr id="2" name="Title 1"/>
+          <p:cNvSpPr>
+            <a:spLocks noGrp="1"/>
+          </p:cNvSpPr>
+          <p:nvPr>
+            <p:ph type="title"/>
+          </p:nvPr>
+        </p:nvSpPr>
+        <p:spPr/>
+        <p:txBody>
+          <a:bodyPr/>
+          <a:lstStyle/>
+          <a:p>
+            <a:r>
+              <a:rPr lang="en-GB" dirty="0" smtClean="0"/>
+              <a:t>Upcoming saga changes in v6</a:t>
+            </a:r>
+            <a:endParaRPr lang="sv-SE" dirty="0"/>
+          </a:p>
+        </p:txBody>
+      </p:sp>
+      <p:sp>
+        <p:nvSpPr>
+          <p:cNvPr id="3" name="Content Placeholder 2"/>
+          <p:cNvSpPr>
+            <a:spLocks noGrp="1"/>
+          </p:cNvSpPr>
+          <p:nvPr>
+            <p:ph idx="1"/>
+          </p:nvPr>
+        </p:nvSpPr>
+        <p:spPr/>
+        <p:txBody>
+          <a:bodyPr/>
+          <a:lstStyle/>
+          <a:p>
+            <a:endParaRPr lang="sv-SE" dirty="0"/>
+          </a:p>
+        </p:txBody>
+      </p:sp>
+    </p:spTree>
+    <p:extLst>
+      <p:ext uri="{BB962C8B-B14F-4D97-AF65-F5344CB8AC3E}">
+        <p14:creationId xmlns:p14="http://schemas.microsoft.com/office/powerpoint/2010/main" val="3057996759"/>
+      </p:ext>
+    </p:extLst>
+  </p:cSld>
+  <p:clrMapOvr>
+    <a:masterClrMapping/>
+  </p:clrMapOvr>
+</p:sld>
+</file>
+
 <file path=ppt/slides/slide2.xml><?xml version="1.0" encoding="utf-8"?>
 <p:sld xmlns:a="http://schemas.openxmlformats.org/drawingml/2006/main" xmlns:r="http://schemas.openxmlformats.org/officeDocument/2006/relationships" xmlns:p="http://schemas.openxmlformats.org/presentationml/2006/main">
   <p:cSld>
@@ -3280,7 +3776,26 @@
             </a:pPr>
             <a:r>
               <a:rPr lang="en-US" dirty="0" smtClean="0"/>
-              <a:t>A saga is pattern for implementing long-lived transaction by using a series of shorter transactions</a:t>
+              <a:t>A saga is pattern for implementing long-lived transaction by using a series of shorter </a:t>
+            </a:r>
+            <a:r>
+              <a:rPr lang="en-US" dirty="0" smtClean="0"/>
+              <a:t>transactions</a:t>
+            </a:r>
+          </a:p>
+          <a:p>
+            <a:pPr marL="0" indent="0">
+              <a:buNone/>
+            </a:pPr>
+            <a:endParaRPr lang="en-US" dirty="0"/>
+          </a:p>
+          <a:p>
+            <a:pPr marL="0" indent="0">
+              <a:buNone/>
+            </a:pPr>
+            <a:r>
+              <a:rPr lang="en-GB" dirty="0"/>
+              <a:t>Sagas = message driven state machines</a:t>
             </a:r>
             <a:endParaRPr lang="sv-SE" dirty="0"/>
           </a:p>
@@ -3333,7 +3848,7 @@
           <a:p>
             <a:r>
               <a:rPr lang="en-GB" dirty="0" smtClean="0"/>
-              <a:t>Sagas = message driven state machines</a:t>
+              <a:t>Handling messages</a:t>
             </a:r>
             <a:endParaRPr lang="sv-SE" dirty="0"/>
           </a:p>
@@ -3354,21 +3869,14 @@
           <a:bodyPr/>
           <a:lstStyle/>
           <a:p>
-            <a:pPr marL="0" indent="0">
-              <a:buNone/>
-            </a:pPr>
-            <a:r>
-              <a:rPr lang="en-GB" dirty="0" smtClean="0"/>
-              <a:t>* </a:t>
-            </a:r>
-            <a:endParaRPr lang="sv-SE" dirty="0"/>
+            <a:endParaRPr lang="sv-SE"/>
           </a:p>
         </p:txBody>
       </p:sp>
     </p:spTree>
     <p:extLst>
       <p:ext uri="{BB962C8B-B14F-4D97-AF65-F5344CB8AC3E}">
-        <p14:creationId xmlns:p14="http://schemas.microsoft.com/office/powerpoint/2010/main" val="1317758497"/>
+        <p14:creationId xmlns:p14="http://schemas.microsoft.com/office/powerpoint/2010/main" val="2546748312"/>
       </p:ext>
     </p:extLst>
   </p:cSld>
@@ -3412,7 +3920,7 @@
           <a:p>
             <a:r>
               <a:rPr lang="en-GB" dirty="0" smtClean="0"/>
-              <a:t>Sample domain walkthrough</a:t>
+              <a:t>Starting sagas</a:t>
             </a:r>
             <a:endParaRPr lang="sv-SE" dirty="0"/>
           </a:p>
@@ -3433,44 +3941,14 @@
           <a:bodyPr/>
           <a:lstStyle/>
           <a:p>
-            <a:r>
-              <a:rPr lang="en-GB" dirty="0" smtClean="0"/>
-              <a:t>Shop</a:t>
-            </a:r>
-          </a:p>
-          <a:p>
-            <a:r>
-              <a:rPr lang="en-GB" dirty="0" smtClean="0"/>
-              <a:t>Sales</a:t>
-            </a:r>
-          </a:p>
-          <a:p>
-            <a:r>
-              <a:rPr lang="en-GB" dirty="0" smtClean="0"/>
-              <a:t>Billing</a:t>
-            </a:r>
-          </a:p>
-          <a:p>
-            <a:r>
-              <a:rPr lang="en-GB" dirty="0" smtClean="0"/>
-              <a:t>Shipping</a:t>
-            </a:r>
-          </a:p>
-          <a:p>
-            <a:r>
-              <a:rPr lang="en-GB" dirty="0" smtClean="0"/>
-              <a:t>Customer care</a:t>
-            </a:r>
-          </a:p>
-          <a:p>
-            <a:endParaRPr lang="sv-SE" dirty="0"/>
+            <a:endParaRPr lang="sv-SE"/>
           </a:p>
         </p:txBody>
       </p:sp>
     </p:spTree>
     <p:extLst>
       <p:ext uri="{BB962C8B-B14F-4D97-AF65-F5344CB8AC3E}">
-        <p14:creationId xmlns:p14="http://schemas.microsoft.com/office/powerpoint/2010/main" val="327253573"/>
+        <p14:creationId xmlns:p14="http://schemas.microsoft.com/office/powerpoint/2010/main" val="3569026885"/>
       </p:ext>
     </p:extLst>
   </p:cSld>
@@ -3514,7 +3992,7 @@
           <a:p>
             <a:r>
               <a:rPr lang="en-GB" dirty="0" smtClean="0"/>
-              <a:t>Exercise 1</a:t>
+              <a:t>Storing state</a:t>
             </a:r>
             <a:endParaRPr lang="sv-SE" dirty="0"/>
           </a:p>
@@ -3535,92 +4013,14 @@
           <a:bodyPr/>
           <a:lstStyle/>
           <a:p>
-            <a:r>
-              <a:rPr lang="en-GB" dirty="0" smtClean="0"/>
-              <a:t>Create the order policy saga in the sales service</a:t>
-            </a:r>
-          </a:p>
-          <a:p>
-            <a:r>
-              <a:rPr lang="en-GB" dirty="0" smtClean="0"/>
-              <a:t>Starts with the </a:t>
-            </a:r>
-            <a:r>
-              <a:rPr lang="en-GB" dirty="0" err="1" smtClean="0"/>
-              <a:t>StartOrder</a:t>
-            </a:r>
-            <a:r>
-              <a:rPr lang="en-GB" dirty="0" smtClean="0"/>
-              <a:t> command</a:t>
-            </a:r>
-            <a:endParaRPr lang="sv-SE" dirty="0" smtClean="0"/>
-          </a:p>
-          <a:p>
-            <a:r>
-              <a:rPr lang="en-GB" dirty="0" smtClean="0"/>
-              <a:t>State changes</a:t>
-            </a:r>
-          </a:p>
-          <a:p>
-            <a:pPr lvl="1"/>
-            <a:r>
-              <a:rPr lang="en-GB" dirty="0" err="1" smtClean="0"/>
-              <a:t>PlaceOrder</a:t>
-            </a:r>
-            <a:r>
-              <a:rPr lang="en-GB" dirty="0" smtClean="0"/>
-              <a:t> (Command)</a:t>
-            </a:r>
-          </a:p>
-          <a:p>
-            <a:pPr lvl="1"/>
-            <a:r>
-              <a:rPr lang="en-GB" dirty="0" err="1" smtClean="0"/>
-              <a:t>CancelOrder</a:t>
-            </a:r>
-            <a:r>
-              <a:rPr lang="en-GB" dirty="0" smtClean="0"/>
-              <a:t> (Command)</a:t>
-            </a:r>
-          </a:p>
-          <a:p>
-            <a:pPr lvl="1"/>
-            <a:r>
-              <a:rPr lang="en-GB" dirty="0" err="1" smtClean="0"/>
-              <a:t>OrderAbandoned</a:t>
-            </a:r>
-            <a:r>
-              <a:rPr lang="en-GB" dirty="0" smtClean="0"/>
-              <a:t> (Event)</a:t>
-            </a:r>
-          </a:p>
-          <a:p>
-            <a:r>
-              <a:rPr lang="en-GB" dirty="0" smtClean="0"/>
-              <a:t>Business rule:</a:t>
-            </a:r>
-          </a:p>
-          <a:p>
-            <a:pPr lvl="1"/>
-            <a:r>
-              <a:rPr lang="en-GB" dirty="0" smtClean="0"/>
-              <a:t>An order is abandoned if not </a:t>
-            </a:r>
-            <a:r>
-              <a:rPr lang="en-GB" dirty="0" err="1" smtClean="0"/>
-              <a:t>canceled</a:t>
-            </a:r>
-            <a:r>
-              <a:rPr lang="en-GB" dirty="0" smtClean="0"/>
-              <a:t> or placed within 20 seconds</a:t>
-            </a:r>
+            <a:endParaRPr lang="sv-SE"/>
           </a:p>
         </p:txBody>
       </p:sp>
     </p:spTree>
     <p:extLst>
       <p:ext uri="{BB962C8B-B14F-4D97-AF65-F5344CB8AC3E}">
-        <p14:creationId xmlns:p14="http://schemas.microsoft.com/office/powerpoint/2010/main" val="613529079"/>
+        <p14:creationId xmlns:p14="http://schemas.microsoft.com/office/powerpoint/2010/main" val="1423839945"/>
       </p:ext>
     </p:extLst>
   </p:cSld>
@@ -3664,7 +4064,7 @@
           <a:p>
             <a:r>
               <a:rPr lang="en-GB" dirty="0" smtClean="0"/>
-              <a:t>Walkthrough – Exercise 1</a:t>
+              <a:t>Mapping messages to sagas</a:t>
             </a:r>
             <a:endParaRPr lang="sv-SE" dirty="0"/>
           </a:p>
@@ -3672,27 +4072,27 @@
       </p:sp>
       <p:sp>
         <p:nvSpPr>
-          <p:cNvPr id="4" name="Text Placeholder 3"/>
-          <p:cNvSpPr>
-            <a:spLocks noGrp="1"/>
-          </p:cNvSpPr>
-          <p:nvPr>
-            <p:ph type="body" idx="1"/>
-          </p:nvPr>
-        </p:nvSpPr>
-        <p:spPr/>
-        <p:txBody>
-          <a:bodyPr/>
-          <a:lstStyle/>
-          <a:p>
-            <a:endParaRPr lang="sv-SE"/>
+          <p:cNvPr id="3" name="Content Placeholder 2"/>
+          <p:cNvSpPr>
+            <a:spLocks noGrp="1"/>
+          </p:cNvSpPr>
+          <p:nvPr>
+            <p:ph idx="1"/>
+          </p:nvPr>
+        </p:nvSpPr>
+        <p:spPr/>
+        <p:txBody>
+          <a:bodyPr/>
+          <a:lstStyle/>
+          <a:p>
+            <a:endParaRPr lang="sv-SE" dirty="0"/>
           </a:p>
         </p:txBody>
       </p:sp>
     </p:spTree>
     <p:extLst>
       <p:ext uri="{BB962C8B-B14F-4D97-AF65-F5344CB8AC3E}">
-        <p14:creationId xmlns:p14="http://schemas.microsoft.com/office/powerpoint/2010/main" val="68556685"/>
+        <p14:creationId xmlns:p14="http://schemas.microsoft.com/office/powerpoint/2010/main" val="1134505641"/>
       </p:ext>
     </p:extLst>
   </p:cSld>
@@ -3736,7 +4136,7 @@
           <a:p>
             <a:r>
               <a:rPr lang="en-GB" dirty="0" smtClean="0"/>
-              <a:t>Upcoming saga changes in v6</a:t>
+              <a:t>Requesting timeouts</a:t>
             </a:r>
             <a:endParaRPr lang="sv-SE" dirty="0"/>
           </a:p>
@@ -3757,14 +4157,14 @@
           <a:bodyPr/>
           <a:lstStyle/>
           <a:p>
-            <a:endParaRPr lang="sv-SE" dirty="0"/>
+            <a:endParaRPr lang="sv-SE"/>
           </a:p>
         </p:txBody>
       </p:sp>
     </p:spTree>
     <p:extLst>
       <p:ext uri="{BB962C8B-B14F-4D97-AF65-F5344CB8AC3E}">
-        <p14:creationId xmlns:p14="http://schemas.microsoft.com/office/powerpoint/2010/main" val="3057996759"/>
+        <p14:creationId xmlns:p14="http://schemas.microsoft.com/office/powerpoint/2010/main" val="2370430415"/>
       </p:ext>
     </p:extLst>
   </p:cSld>

--- a/SagaMasterClass.pptx
+++ b/SagaMasterClass.pptx
@@ -18,7 +18,13 @@
     <p:sldId id="262" r:id="rId12"/>
     <p:sldId id="261" r:id="rId13"/>
     <p:sldId id="263" r:id="rId14"/>
-    <p:sldId id="264" r:id="rId15"/>
+    <p:sldId id="276" r:id="rId15"/>
+    <p:sldId id="271" r:id="rId16"/>
+    <p:sldId id="272" r:id="rId17"/>
+    <p:sldId id="273" r:id="rId18"/>
+    <p:sldId id="275" r:id="rId19"/>
+    <p:sldId id="274" r:id="rId20"/>
+    <p:sldId id="264" r:id="rId21"/>
   </p:sldIdLst>
   <p:sldSz cx="12192000" cy="6858000"/>
   <p:notesSz cx="6858000" cy="9144000"/>
@@ -135,6 +141,12 @@
             <p14:sldId id="262"/>
             <p14:sldId id="261"/>
             <p14:sldId id="263"/>
+            <p14:sldId id="276"/>
+            <p14:sldId id="271"/>
+            <p14:sldId id="272"/>
+            <p14:sldId id="273"/>
+            <p14:sldId id="275"/>
+            <p14:sldId id="274"/>
             <p14:sldId id="264"/>
           </p14:sldIdLst>
         </p14:section>
@@ -3412,6 +3424,13 @@
   <p:clrMapOvr>
     <a:masterClrMapping/>
   </p:clrMapOvr>
+  <p:timing>
+    <p:tnLst>
+      <p:par>
+        <p:cTn id="1" dur="indefinite" restart="never" nodeType="tmRoot"/>
+      </p:par>
+    </p:tnLst>
+  </p:timing>
 </p:sld>
 </file>
 
@@ -3488,6 +3507,13 @@
   <p:clrMapOvr>
     <a:masterClrMapping/>
   </p:clrMapOvr>
+  <p:timing>
+    <p:tnLst>
+      <p:par>
+        <p:cTn id="1" dur="indefinite" restart="never" nodeType="tmRoot"/>
+      </p:par>
+    </p:tnLst>
+  </p:timing>
 </p:sld>
 </file>
 
@@ -3525,7 +3551,7 @@
           <a:p>
             <a:r>
               <a:rPr lang="en-GB" dirty="0" smtClean="0"/>
-              <a:t>Upcoming saga changes in v6</a:t>
+              <a:t>Event driven architectures</a:t>
             </a:r>
             <a:endParaRPr lang="sv-SE" dirty="0"/>
           </a:p>
@@ -3533,12 +3559,12 @@
       </p:sp>
       <p:sp>
         <p:nvSpPr>
-          <p:cNvPr id="3" name="Content Placeholder 2"/>
-          <p:cNvSpPr>
-            <a:spLocks noGrp="1"/>
-          </p:cNvSpPr>
-          <p:nvPr>
-            <p:ph idx="1"/>
+          <p:cNvPr id="3" name="Text Placeholder 2"/>
+          <p:cNvSpPr>
+            <a:spLocks noGrp="1"/>
+          </p:cNvSpPr>
+          <p:nvPr>
+            <p:ph type="body" idx="1"/>
           </p:nvPr>
         </p:nvSpPr>
         <p:spPr/>
@@ -3546,6 +3572,14 @@
           <a:bodyPr/>
           <a:lstStyle/>
           <a:p>
+            <a:r>
+              <a:rPr lang="en-GB" dirty="0" smtClean="0"/>
+              <a:t>Where </a:t>
+            </a:r>
+            <a:r>
+              <a:rPr lang="en-GB" smtClean="0"/>
+              <a:t>sagas rule…</a:t>
+            </a:r>
             <a:endParaRPr lang="sv-SE" dirty="0"/>
           </a:p>
         </p:txBody>
@@ -3553,7 +3587,4963 @@
     </p:spTree>
     <p:extLst>
       <p:ext uri="{BB962C8B-B14F-4D97-AF65-F5344CB8AC3E}">
-        <p14:creationId xmlns:p14="http://schemas.microsoft.com/office/powerpoint/2010/main" val="3057996759"/>
+        <p14:creationId xmlns:p14="http://schemas.microsoft.com/office/powerpoint/2010/main" val="1046798031"/>
+      </p:ext>
+    </p:extLst>
+  </p:cSld>
+  <p:clrMapOvr>
+    <a:masterClrMapping/>
+  </p:clrMapOvr>
+</p:sld>
+</file>
+
+<file path=ppt/slides/slide15.xml><?xml version="1.0" encoding="utf-8"?>
+<p:sld xmlns:a="http://schemas.openxmlformats.org/drawingml/2006/main" xmlns:r="http://schemas.openxmlformats.org/officeDocument/2006/relationships" xmlns:p="http://schemas.openxmlformats.org/presentationml/2006/main">
+  <p:cSld>
+    <p:spTree>
+      <p:nvGrpSpPr>
+        <p:cNvPr id="1" name=""/>
+        <p:cNvGrpSpPr/>
+        <p:nvPr/>
+      </p:nvGrpSpPr>
+      <p:grpSpPr>
+        <a:xfrm>
+          <a:off x="0" y="0"/>
+          <a:ext cx="0" cy="0"/>
+          <a:chOff x="0" y="0"/>
+          <a:chExt cx="0" cy="0"/>
+        </a:xfrm>
+      </p:grpSpPr>
+      <p:sp>
+        <p:nvSpPr>
+          <p:cNvPr id="6" name="Rounded Rectangle 5"/>
+          <p:cNvSpPr/>
+          <p:nvPr/>
+        </p:nvSpPr>
+        <p:spPr bwMode="auto">
+          <a:xfrm>
+            <a:off x="3744912" y="2027237"/>
+            <a:ext cx="1715784" cy="1058238"/>
+          </a:xfrm>
+          <a:prstGeom prst="roundRect">
+            <a:avLst/>
+          </a:prstGeom>
+          <a:solidFill>
+            <a:schemeClr val="accent6">
+              <a:lumMod val="40000"/>
+              <a:lumOff val="60000"/>
+            </a:schemeClr>
+          </a:solidFill>
+          <a:ln w="9525" cap="flat" cmpd="sng" algn="ctr">
+            <a:solidFill>
+              <a:srgbClr val="FFFFFF"/>
+            </a:solidFill>
+            <a:prstDash val="solid"/>
+            <a:round/>
+            <a:headEnd type="none" w="med" len="med"/>
+            <a:tailEnd type="none" w="med" len="med"/>
+          </a:ln>
+          <a:effectLst/>
+        </p:spPr>
+        <p:txBody>
+          <a:bodyPr vert="horz" wrap="square" lIns="91440" tIns="45720" rIns="91440" bIns="45720" numCol="1" rtlCol="0" anchor="t" anchorCtr="0" compatLnSpc="1">
+            <a:prstTxWarp prst="textNoShape">
+              <a:avLst/>
+            </a:prstTxWarp>
+          </a:bodyPr>
+          <a:lstStyle/>
+          <a:p>
+            <a:pPr marL="0" marR="0" lvl="0" indent="0" algn="ctr" defTabSz="914400" rtl="0" eaLnBrk="1" fontAlgn="base" latinLnBrk="0" hangingPunct="1">
+              <a:lnSpc>
+                <a:spcPct val="100000"/>
+              </a:lnSpc>
+              <a:spcBef>
+                <a:spcPct val="0"/>
+              </a:spcBef>
+              <a:spcAft>
+                <a:spcPct val="0"/>
+              </a:spcAft>
+              <a:buClrTx/>
+              <a:buSzTx/>
+              <a:buFontTx/>
+              <a:buNone/>
+              <a:tabLst/>
+              <a:defRPr/>
+            </a:pPr>
+            <a:r>
+              <a:rPr kumimoji="0" lang="en-US" sz="3200" b="1" i="0" u="none" strike="noStrike" kern="0" cap="none" spc="0" normalizeH="0" baseline="0" noProof="0" dirty="0" smtClean="0">
+                <a:ln>
+                  <a:noFill/>
+                </a:ln>
+                <a:solidFill>
+                  <a:srgbClr val="000000"/>
+                </a:solidFill>
+                <a:effectLst/>
+                <a:uLnTx/>
+                <a:uFillTx/>
+                <a:latin typeface="Franklin Gothic Medium" pitchFamily="34" charset="0"/>
+              </a:rPr>
+              <a:t>Sales</a:t>
+            </a:r>
+          </a:p>
+        </p:txBody>
+      </p:sp>
+      <p:cxnSp>
+        <p:nvCxnSpPr>
+          <p:cNvPr id="7" name="Straight Arrow Connector 6"/>
+          <p:cNvCxnSpPr/>
+          <p:nvPr/>
+        </p:nvCxnSpPr>
+        <p:spPr>
+          <a:xfrm rot="5400000">
+            <a:off x="2020996" y="3686941"/>
+            <a:ext cx="2438400" cy="1447800"/>
+          </a:xfrm>
+          <a:prstGeom prst="straightConnector1">
+            <a:avLst/>
+          </a:prstGeom>
+          <a:noFill/>
+          <a:ln w="38100" cap="flat" cmpd="sng" algn="ctr">
+            <a:solidFill>
+              <a:schemeClr val="tx1"/>
+            </a:solidFill>
+            <a:prstDash val="solid"/>
+            <a:tailEnd type="stealth" w="lg" len="lg"/>
+          </a:ln>
+          <a:effectLst/>
+        </p:spPr>
+      </p:cxnSp>
+      <p:sp>
+        <p:nvSpPr>
+          <p:cNvPr id="8" name="Rectangle 3"/>
+          <p:cNvSpPr txBox="1">
+            <a:spLocks noChangeArrowheads="1"/>
+          </p:cNvSpPr>
+          <p:nvPr/>
+        </p:nvSpPr>
+        <p:spPr>
+          <a:xfrm>
+            <a:off x="611295" y="3633605"/>
+            <a:ext cx="3275215" cy="990600"/>
+          </a:xfrm>
+          <a:prstGeom prst="rect">
+            <a:avLst/>
+          </a:prstGeom>
+        </p:spPr>
+        <p:txBody>
+          <a:bodyPr/>
+          <a:lstStyle/>
+          <a:p>
+            <a:pPr marL="411163" marR="0" lvl="0" indent="-342900" algn="l" defTabSz="914400" rtl="0" eaLnBrk="1" fontAlgn="base" latinLnBrk="0" hangingPunct="1">
+              <a:lnSpc>
+                <a:spcPct val="100000"/>
+              </a:lnSpc>
+              <a:spcBef>
+                <a:spcPts val="700"/>
+              </a:spcBef>
+              <a:spcAft>
+                <a:spcPct val="0"/>
+              </a:spcAft>
+              <a:buClr>
+                <a:srgbClr val="FFD34F"/>
+              </a:buClr>
+              <a:buSzPct val="95000"/>
+              <a:buFontTx/>
+              <a:buNone/>
+              <a:tabLst/>
+              <a:defRPr/>
+            </a:pPr>
+            <a:r>
+              <a:rPr kumimoji="0" lang="en-US" sz="2000" b="0" i="0" u="none" strike="noStrike" kern="1200" cap="none" spc="0" normalizeH="0" baseline="0" noProof="0" dirty="0" smtClean="0">
+                <a:ln>
+                  <a:noFill/>
+                </a:ln>
+                <a:solidFill>
+                  <a:sysClr val="windowText" lastClr="000000"/>
+                </a:solidFill>
+                <a:effectLst/>
+                <a:uLnTx/>
+                <a:uFillTx/>
+                <a:latin typeface="Franklin Gothic Book"/>
+                <a:ea typeface="+mn-ea"/>
+                <a:cs typeface="+mn-cs"/>
+              </a:rPr>
+              <a:t>Subscribe to </a:t>
+            </a:r>
+            <a:r>
+              <a:rPr kumimoji="0" lang="en-US" sz="2000" b="0" i="0" u="none" strike="noStrike" kern="0" cap="none" spc="0" normalizeH="0" baseline="0" noProof="0" dirty="0" smtClean="0">
+                <a:ln>
+                  <a:noFill/>
+                </a:ln>
+                <a:solidFill>
+                  <a:sysClr val="windowText" lastClr="000000"/>
+                </a:solidFill>
+                <a:effectLst/>
+                <a:uLnTx/>
+                <a:uFillTx/>
+                <a:latin typeface="Franklin Gothic Book"/>
+              </a:rPr>
+              <a:t>Customer Status Updated</a:t>
+            </a:r>
+            <a:endParaRPr kumimoji="0" lang="en-US" sz="2000" b="0" i="0" u="none" strike="noStrike" kern="1200" cap="none" spc="0" normalizeH="0" baseline="0" noProof="0" dirty="0" smtClean="0">
+              <a:ln>
+                <a:noFill/>
+              </a:ln>
+              <a:solidFill>
+                <a:sysClr val="windowText" lastClr="000000"/>
+              </a:solidFill>
+              <a:effectLst/>
+              <a:uLnTx/>
+              <a:uFillTx/>
+              <a:latin typeface="Franklin Gothic Book"/>
+              <a:ea typeface="+mn-ea"/>
+              <a:cs typeface="+mn-cs"/>
+            </a:endParaRPr>
+          </a:p>
+        </p:txBody>
+      </p:sp>
+      <p:cxnSp>
+        <p:nvCxnSpPr>
+          <p:cNvPr id="9" name="Straight Arrow Connector 8"/>
+          <p:cNvCxnSpPr/>
+          <p:nvPr/>
+        </p:nvCxnSpPr>
+        <p:spPr>
+          <a:xfrm rot="5400000" flipH="1" flipV="1">
+            <a:off x="1982896" y="3877441"/>
+            <a:ext cx="2667000" cy="1600200"/>
+          </a:xfrm>
+          <a:prstGeom prst="straightConnector1">
+            <a:avLst/>
+          </a:prstGeom>
+          <a:noFill/>
+          <a:ln w="38100" cap="flat" cmpd="sng" algn="ctr">
+            <a:solidFill>
+              <a:schemeClr val="tx1"/>
+            </a:solidFill>
+            <a:prstDash val="solid"/>
+            <a:tailEnd type="stealth" w="lg" len="lg"/>
+          </a:ln>
+          <a:effectLst/>
+        </p:spPr>
+      </p:cxnSp>
+      <p:sp>
+        <p:nvSpPr>
+          <p:cNvPr id="10" name="Rectangle 3"/>
+          <p:cNvSpPr txBox="1">
+            <a:spLocks noChangeArrowheads="1"/>
+          </p:cNvSpPr>
+          <p:nvPr/>
+        </p:nvSpPr>
+        <p:spPr>
+          <a:xfrm>
+            <a:off x="3037221" y="5401441"/>
+            <a:ext cx="3409604" cy="990600"/>
+          </a:xfrm>
+          <a:prstGeom prst="rect">
+            <a:avLst/>
+          </a:prstGeom>
+        </p:spPr>
+        <p:txBody>
+          <a:bodyPr/>
+          <a:lstStyle/>
+          <a:p>
+            <a:pPr marL="411163" marR="0" lvl="0" indent="-342900" algn="l" defTabSz="914400" rtl="0" eaLnBrk="1" fontAlgn="base" latinLnBrk="0" hangingPunct="1">
+              <a:lnSpc>
+                <a:spcPct val="100000"/>
+              </a:lnSpc>
+              <a:spcBef>
+                <a:spcPts val="700"/>
+              </a:spcBef>
+              <a:spcAft>
+                <a:spcPct val="0"/>
+              </a:spcAft>
+              <a:buClr>
+                <a:srgbClr val="FFD34F"/>
+              </a:buClr>
+              <a:buSzPct val="95000"/>
+              <a:buFontTx/>
+              <a:buNone/>
+              <a:tabLst/>
+              <a:defRPr/>
+            </a:pPr>
+            <a:r>
+              <a:rPr kumimoji="0" lang="en-US" sz="2000" b="0" i="0" u="none" strike="noStrike" kern="1200" cap="none" spc="0" normalizeH="0" baseline="0" noProof="0" dirty="0" smtClean="0">
+                <a:ln>
+                  <a:noFill/>
+                </a:ln>
+                <a:effectLst/>
+                <a:uLnTx/>
+                <a:uFillTx/>
+                <a:latin typeface="Franklin Gothic Book"/>
+                <a:ea typeface="+mn-ea"/>
+                <a:cs typeface="+mn-cs"/>
+              </a:rPr>
+              <a:t>Publish</a:t>
+            </a:r>
+          </a:p>
+          <a:p>
+            <a:pPr marL="411163" marR="0" lvl="0" indent="-342900" algn="l" defTabSz="914400" rtl="0" eaLnBrk="1" fontAlgn="base" latinLnBrk="0" hangingPunct="1">
+              <a:lnSpc>
+                <a:spcPct val="100000"/>
+              </a:lnSpc>
+              <a:spcBef>
+                <a:spcPts val="700"/>
+              </a:spcBef>
+              <a:spcAft>
+                <a:spcPct val="0"/>
+              </a:spcAft>
+              <a:buClr>
+                <a:srgbClr val="FFD34F"/>
+              </a:buClr>
+              <a:buSzPct val="95000"/>
+              <a:buFontTx/>
+              <a:buNone/>
+              <a:tabLst/>
+              <a:defRPr/>
+            </a:pPr>
+            <a:r>
+              <a:rPr kumimoji="0" lang="en-US" sz="2000" b="0" i="0" u="none" strike="noStrike" kern="0" cap="none" spc="0" normalizeH="0" baseline="0" noProof="0" dirty="0" smtClean="0">
+                <a:ln>
+                  <a:noFill/>
+                </a:ln>
+                <a:effectLst/>
+                <a:uLnTx/>
+                <a:uFillTx/>
+                <a:latin typeface="Franklin Gothic Book"/>
+              </a:rPr>
+              <a:t>Customer Status Updated</a:t>
+            </a:r>
+            <a:endParaRPr kumimoji="0" lang="en-US" sz="2000" b="0" i="0" u="none" strike="noStrike" kern="1200" cap="none" spc="0" normalizeH="0" baseline="0" noProof="0" dirty="0" smtClean="0">
+              <a:ln>
+                <a:noFill/>
+              </a:ln>
+              <a:effectLst/>
+              <a:uLnTx/>
+              <a:uFillTx/>
+              <a:latin typeface="Franklin Gothic Book"/>
+              <a:ea typeface="+mn-ea"/>
+              <a:cs typeface="+mn-cs"/>
+            </a:endParaRPr>
+          </a:p>
+        </p:txBody>
+      </p:sp>
+      <p:sp>
+        <p:nvSpPr>
+          <p:cNvPr id="11" name="Freeform 13"/>
+          <p:cNvSpPr>
+            <a:spLocks/>
+          </p:cNvSpPr>
+          <p:nvPr/>
+        </p:nvSpPr>
+        <p:spPr bwMode="auto">
+          <a:xfrm flipH="1">
+            <a:off x="3168702" y="2505841"/>
+            <a:ext cx="508000" cy="304799"/>
+          </a:xfrm>
+          <a:custGeom>
+            <a:avLst/>
+            <a:gdLst>
+              <a:gd name="T0" fmla="*/ 15875 w 320"/>
+              <a:gd name="T1" fmla="*/ 0 h 333"/>
+              <a:gd name="T2" fmla="*/ 508000 w 320"/>
+              <a:gd name="T3" fmla="*/ 6350 h 333"/>
+              <a:gd name="T4" fmla="*/ 508000 w 320"/>
+              <a:gd name="T5" fmla="*/ 528637 h 333"/>
+              <a:gd name="T6" fmla="*/ 0 w 320"/>
+              <a:gd name="T7" fmla="*/ 528637 h 333"/>
+              <a:gd name="T8" fmla="*/ 0 60000 65536"/>
+              <a:gd name="T9" fmla="*/ 0 60000 65536"/>
+              <a:gd name="T10" fmla="*/ 0 60000 65536"/>
+              <a:gd name="T11" fmla="*/ 0 60000 65536"/>
+              <a:gd name="T12" fmla="*/ 0 w 320"/>
+              <a:gd name="T13" fmla="*/ 0 h 333"/>
+              <a:gd name="T14" fmla="*/ 320 w 320"/>
+              <a:gd name="T15" fmla="*/ 333 h 333"/>
+            </a:gdLst>
+            <a:ahLst/>
+            <a:cxnLst>
+              <a:cxn ang="T8">
+                <a:pos x="T0" y="T1"/>
+              </a:cxn>
+              <a:cxn ang="T9">
+                <a:pos x="T2" y="T3"/>
+              </a:cxn>
+              <a:cxn ang="T10">
+                <a:pos x="T4" y="T5"/>
+              </a:cxn>
+              <a:cxn ang="T11">
+                <a:pos x="T6" y="T7"/>
+              </a:cxn>
+            </a:cxnLst>
+            <a:rect l="T12" t="T13" r="T14" b="T15"/>
+            <a:pathLst>
+              <a:path w="320" h="333">
+                <a:moveTo>
+                  <a:pt x="10" y="0"/>
+                </a:moveTo>
+                <a:lnTo>
+                  <a:pt x="320" y="4"/>
+                </a:lnTo>
+                <a:lnTo>
+                  <a:pt x="320" y="333"/>
+                </a:lnTo>
+                <a:lnTo>
+                  <a:pt x="0" y="333"/>
+                </a:lnTo>
+              </a:path>
+            </a:pathLst>
+          </a:custGeom>
+          <a:noFill/>
+          <a:ln w="57150">
+            <a:solidFill>
+              <a:schemeClr val="tx1"/>
+            </a:solidFill>
+            <a:round/>
+            <a:headEnd/>
+            <a:tailEnd type="stealth" w="lg" len="lg"/>
+          </a:ln>
+        </p:spPr>
+        <p:txBody>
+          <a:bodyPr wrap="none" anchor="ctr"/>
+          <a:lstStyle/>
+          <a:p>
+            <a:pPr marL="0" marR="0" lvl="0" indent="0" algn="l" defTabSz="914400" eaLnBrk="1" fontAlgn="auto" latinLnBrk="0" hangingPunct="1">
+              <a:lnSpc>
+                <a:spcPct val="100000"/>
+              </a:lnSpc>
+              <a:spcBef>
+                <a:spcPts val="0"/>
+              </a:spcBef>
+              <a:spcAft>
+                <a:spcPts val="0"/>
+              </a:spcAft>
+              <a:buClrTx/>
+              <a:buSzTx/>
+              <a:buFontTx/>
+              <a:buNone/>
+              <a:tabLst/>
+              <a:defRPr/>
+            </a:pPr>
+            <a:endParaRPr kumimoji="0" lang="en-GB" sz="1800" b="0" i="0" u="none" strike="noStrike" kern="0" cap="none" spc="0" normalizeH="0" baseline="0" noProof="0">
+              <a:ln>
+                <a:noFill/>
+              </a:ln>
+              <a:solidFill>
+                <a:sysClr val="windowText" lastClr="000000"/>
+              </a:solidFill>
+              <a:effectLst/>
+              <a:uLnTx/>
+              <a:uFillTx/>
+            </a:endParaRPr>
+          </a:p>
+        </p:txBody>
+      </p:sp>
+      <p:sp>
+        <p:nvSpPr>
+          <p:cNvPr id="12" name="Rectangle 3"/>
+          <p:cNvSpPr txBox="1">
+            <a:spLocks noChangeArrowheads="1"/>
+          </p:cNvSpPr>
+          <p:nvPr/>
+        </p:nvSpPr>
+        <p:spPr>
+          <a:xfrm>
+            <a:off x="603593" y="2429641"/>
+            <a:ext cx="2709805" cy="457200"/>
+          </a:xfrm>
+          <a:prstGeom prst="rect">
+            <a:avLst/>
+          </a:prstGeom>
+        </p:spPr>
+        <p:txBody>
+          <a:bodyPr/>
+          <a:lstStyle/>
+          <a:p>
+            <a:pPr marL="0" marR="0" lvl="0" indent="0" algn="l" defTabSz="914400" rtl="0" eaLnBrk="1" fontAlgn="base" latinLnBrk="0" hangingPunct="1">
+              <a:lnSpc>
+                <a:spcPct val="100000"/>
+              </a:lnSpc>
+              <a:spcBef>
+                <a:spcPts val="700"/>
+              </a:spcBef>
+              <a:spcAft>
+                <a:spcPct val="0"/>
+              </a:spcAft>
+              <a:buClr>
+                <a:srgbClr val="FFD34F"/>
+              </a:buClr>
+              <a:buSzPct val="95000"/>
+              <a:buFontTx/>
+              <a:buNone/>
+              <a:tabLst/>
+              <a:defRPr/>
+            </a:pPr>
+            <a:r>
+              <a:rPr kumimoji="0" lang="en-US" sz="2000" b="0" i="0" u="none" strike="noStrike" kern="1200" cap="none" spc="0" normalizeH="0" baseline="0" noProof="0" dirty="0" smtClean="0">
+                <a:ln>
+                  <a:noFill/>
+                </a:ln>
+                <a:effectLst/>
+                <a:uLnTx/>
+                <a:uFillTx/>
+                <a:latin typeface="Franklin Gothic Book"/>
+                <a:ea typeface="+mn-ea"/>
+                <a:cs typeface="+mn-cs"/>
+              </a:rPr>
+              <a:t>Save Discount Locally</a:t>
+            </a:r>
+          </a:p>
+        </p:txBody>
+      </p:sp>
+      <p:cxnSp>
+        <p:nvCxnSpPr>
+          <p:cNvPr id="13" name="Straight Arrow Connector 12"/>
+          <p:cNvCxnSpPr/>
+          <p:nvPr/>
+        </p:nvCxnSpPr>
+        <p:spPr>
+          <a:xfrm rot="16200000" flipH="1">
+            <a:off x="5335696" y="3115441"/>
+            <a:ext cx="2514600" cy="2514600"/>
+          </a:xfrm>
+          <a:prstGeom prst="straightConnector1">
+            <a:avLst/>
+          </a:prstGeom>
+          <a:noFill/>
+          <a:ln w="38100" cap="flat" cmpd="sng" algn="ctr">
+            <a:solidFill>
+              <a:schemeClr val="tx1"/>
+            </a:solidFill>
+            <a:prstDash val="solid"/>
+            <a:tailEnd type="stealth" w="lg" len="lg"/>
+          </a:ln>
+          <a:effectLst/>
+        </p:spPr>
+      </p:cxnSp>
+      <p:sp>
+        <p:nvSpPr>
+          <p:cNvPr id="14" name="Rectangle 3"/>
+          <p:cNvSpPr txBox="1">
+            <a:spLocks noChangeArrowheads="1"/>
+          </p:cNvSpPr>
+          <p:nvPr/>
+        </p:nvSpPr>
+        <p:spPr>
+          <a:xfrm>
+            <a:off x="6108576" y="3428949"/>
+            <a:ext cx="3124200" cy="990600"/>
+          </a:xfrm>
+          <a:prstGeom prst="rect">
+            <a:avLst/>
+          </a:prstGeom>
+        </p:spPr>
+        <p:txBody>
+          <a:bodyPr/>
+          <a:lstStyle/>
+          <a:p>
+            <a:pPr marL="411163" marR="0" lvl="0" indent="-342900" algn="l" defTabSz="914400" rtl="0" eaLnBrk="1" fontAlgn="base" latinLnBrk="0" hangingPunct="1">
+              <a:lnSpc>
+                <a:spcPct val="100000"/>
+              </a:lnSpc>
+              <a:spcBef>
+                <a:spcPts val="700"/>
+              </a:spcBef>
+              <a:spcAft>
+                <a:spcPct val="0"/>
+              </a:spcAft>
+              <a:buClr>
+                <a:srgbClr val="FFD34F"/>
+              </a:buClr>
+              <a:buSzPct val="95000"/>
+              <a:buFontTx/>
+              <a:buNone/>
+              <a:tabLst/>
+              <a:defRPr/>
+            </a:pPr>
+            <a:r>
+              <a:rPr kumimoji="0" lang="en-US" sz="2000" b="0" i="0" u="none" strike="noStrike" kern="1200" cap="none" spc="0" normalizeH="0" baseline="0" noProof="0" dirty="0" smtClean="0">
+                <a:ln>
+                  <a:noFill/>
+                </a:ln>
+                <a:solidFill>
+                  <a:sysClr val="windowText" lastClr="000000"/>
+                </a:solidFill>
+                <a:effectLst/>
+                <a:uLnTx/>
+                <a:uFillTx/>
+                <a:latin typeface="Franklin Gothic Book"/>
+                <a:ea typeface="+mn-ea"/>
+                <a:cs typeface="+mn-cs"/>
+              </a:rPr>
+              <a:t>Subscribe to </a:t>
+            </a:r>
+            <a:r>
+              <a:rPr kumimoji="0" lang="en-US" sz="2000" b="0" i="0" u="none" strike="noStrike" kern="0" cap="none" spc="0" normalizeH="0" baseline="0" noProof="0" dirty="0" smtClean="0">
+                <a:ln>
+                  <a:noFill/>
+                </a:ln>
+                <a:solidFill>
+                  <a:sysClr val="windowText" lastClr="000000"/>
+                </a:solidFill>
+                <a:effectLst/>
+                <a:uLnTx/>
+                <a:uFillTx/>
+                <a:latin typeface="Franklin Gothic Book"/>
+              </a:rPr>
+              <a:t>Product Pricing Updated</a:t>
+            </a:r>
+            <a:endParaRPr kumimoji="0" lang="en-US" sz="2000" b="0" i="0" u="none" strike="noStrike" kern="1200" cap="none" spc="0" normalizeH="0" baseline="0" noProof="0" dirty="0" smtClean="0">
+              <a:ln>
+                <a:noFill/>
+              </a:ln>
+              <a:solidFill>
+                <a:sysClr val="windowText" lastClr="000000"/>
+              </a:solidFill>
+              <a:effectLst/>
+              <a:uLnTx/>
+              <a:uFillTx/>
+              <a:latin typeface="Franklin Gothic Book"/>
+              <a:ea typeface="+mn-ea"/>
+              <a:cs typeface="+mn-cs"/>
+            </a:endParaRPr>
+          </a:p>
+        </p:txBody>
+      </p:sp>
+      <p:cxnSp>
+        <p:nvCxnSpPr>
+          <p:cNvPr id="15" name="Straight Arrow Connector 14"/>
+          <p:cNvCxnSpPr/>
+          <p:nvPr/>
+        </p:nvCxnSpPr>
+        <p:spPr>
+          <a:xfrm rot="16200000" flipV="1">
+            <a:off x="5221396" y="3382141"/>
+            <a:ext cx="2590800" cy="2514600"/>
+          </a:xfrm>
+          <a:prstGeom prst="straightConnector1">
+            <a:avLst/>
+          </a:prstGeom>
+          <a:noFill/>
+          <a:ln w="38100" cap="flat" cmpd="sng" algn="ctr">
+            <a:solidFill>
+              <a:schemeClr val="tx1"/>
+            </a:solidFill>
+            <a:prstDash val="solid"/>
+            <a:tailEnd type="stealth" w="lg" len="lg"/>
+          </a:ln>
+          <a:effectLst/>
+        </p:spPr>
+      </p:cxnSp>
+      <p:sp>
+        <p:nvSpPr>
+          <p:cNvPr id="16" name="Rectangle 3"/>
+          <p:cNvSpPr txBox="1">
+            <a:spLocks noChangeArrowheads="1"/>
+          </p:cNvSpPr>
+          <p:nvPr/>
+        </p:nvSpPr>
+        <p:spPr>
+          <a:xfrm>
+            <a:off x="3621896" y="4567391"/>
+            <a:ext cx="3124200" cy="990600"/>
+          </a:xfrm>
+          <a:prstGeom prst="rect">
+            <a:avLst/>
+          </a:prstGeom>
+        </p:spPr>
+        <p:txBody>
+          <a:bodyPr/>
+          <a:lstStyle/>
+          <a:p>
+            <a:pPr marL="411163" marR="0" lvl="0" indent="-342900" algn="l" defTabSz="914400" rtl="0" eaLnBrk="1" fontAlgn="base" latinLnBrk="0" hangingPunct="1">
+              <a:lnSpc>
+                <a:spcPct val="100000"/>
+              </a:lnSpc>
+              <a:spcBef>
+                <a:spcPts val="700"/>
+              </a:spcBef>
+              <a:spcAft>
+                <a:spcPct val="0"/>
+              </a:spcAft>
+              <a:buClr>
+                <a:srgbClr val="FFD34F"/>
+              </a:buClr>
+              <a:buSzPct val="95000"/>
+              <a:buFontTx/>
+              <a:buNone/>
+              <a:tabLst/>
+              <a:defRPr/>
+            </a:pPr>
+            <a:r>
+              <a:rPr kumimoji="0" lang="en-US" sz="2000" b="0" i="0" u="none" strike="noStrike" kern="1200" cap="none" spc="0" normalizeH="0" baseline="0" noProof="0" dirty="0" smtClean="0">
+                <a:ln>
+                  <a:noFill/>
+                </a:ln>
+                <a:effectLst/>
+                <a:uLnTx/>
+                <a:uFillTx/>
+                <a:latin typeface="Franklin Gothic Book"/>
+                <a:ea typeface="+mn-ea"/>
+                <a:cs typeface="+mn-cs"/>
+              </a:rPr>
+              <a:t>Publish</a:t>
+            </a:r>
+          </a:p>
+          <a:p>
+            <a:pPr marL="411163" marR="0" lvl="0" indent="-342900" algn="l" defTabSz="914400" rtl="0" eaLnBrk="1" fontAlgn="base" latinLnBrk="0" hangingPunct="1">
+              <a:lnSpc>
+                <a:spcPct val="100000"/>
+              </a:lnSpc>
+              <a:spcBef>
+                <a:spcPts val="700"/>
+              </a:spcBef>
+              <a:spcAft>
+                <a:spcPct val="0"/>
+              </a:spcAft>
+              <a:buClr>
+                <a:srgbClr val="FFD34F"/>
+              </a:buClr>
+              <a:buSzPct val="95000"/>
+              <a:buFontTx/>
+              <a:buNone/>
+              <a:tabLst/>
+              <a:defRPr/>
+            </a:pPr>
+            <a:r>
+              <a:rPr kumimoji="0" lang="en-US" sz="2000" b="0" i="0" u="none" strike="noStrike" kern="0" cap="none" spc="0" normalizeH="0" baseline="0" noProof="0" dirty="0" smtClean="0">
+                <a:ln>
+                  <a:noFill/>
+                </a:ln>
+                <a:effectLst/>
+                <a:uLnTx/>
+                <a:uFillTx/>
+                <a:latin typeface="Franklin Gothic Book"/>
+              </a:rPr>
+              <a:t>Product Pricing Updated</a:t>
+            </a:r>
+            <a:endParaRPr kumimoji="0" lang="en-US" sz="2000" b="0" i="0" u="none" strike="noStrike" kern="1200" cap="none" spc="0" normalizeH="0" baseline="0" noProof="0" dirty="0" smtClean="0">
+              <a:ln>
+                <a:noFill/>
+              </a:ln>
+              <a:effectLst/>
+              <a:uLnTx/>
+              <a:uFillTx/>
+              <a:latin typeface="Franklin Gothic Book"/>
+              <a:ea typeface="+mn-ea"/>
+              <a:cs typeface="+mn-cs"/>
+            </a:endParaRPr>
+          </a:p>
+        </p:txBody>
+      </p:sp>
+      <p:sp>
+        <p:nvSpPr>
+          <p:cNvPr id="17" name="Freeform 13"/>
+          <p:cNvSpPr>
+            <a:spLocks/>
+          </p:cNvSpPr>
+          <p:nvPr/>
+        </p:nvSpPr>
+        <p:spPr bwMode="auto">
+          <a:xfrm>
+            <a:off x="5494088" y="2505841"/>
+            <a:ext cx="508000" cy="304799"/>
+          </a:xfrm>
+          <a:custGeom>
+            <a:avLst/>
+            <a:gdLst>
+              <a:gd name="T0" fmla="*/ 15875 w 320"/>
+              <a:gd name="T1" fmla="*/ 0 h 333"/>
+              <a:gd name="T2" fmla="*/ 508000 w 320"/>
+              <a:gd name="T3" fmla="*/ 6350 h 333"/>
+              <a:gd name="T4" fmla="*/ 508000 w 320"/>
+              <a:gd name="T5" fmla="*/ 528637 h 333"/>
+              <a:gd name="T6" fmla="*/ 0 w 320"/>
+              <a:gd name="T7" fmla="*/ 528637 h 333"/>
+              <a:gd name="T8" fmla="*/ 0 60000 65536"/>
+              <a:gd name="T9" fmla="*/ 0 60000 65536"/>
+              <a:gd name="T10" fmla="*/ 0 60000 65536"/>
+              <a:gd name="T11" fmla="*/ 0 60000 65536"/>
+              <a:gd name="T12" fmla="*/ 0 w 320"/>
+              <a:gd name="T13" fmla="*/ 0 h 333"/>
+              <a:gd name="T14" fmla="*/ 320 w 320"/>
+              <a:gd name="T15" fmla="*/ 333 h 333"/>
+            </a:gdLst>
+            <a:ahLst/>
+            <a:cxnLst>
+              <a:cxn ang="T8">
+                <a:pos x="T0" y="T1"/>
+              </a:cxn>
+              <a:cxn ang="T9">
+                <a:pos x="T2" y="T3"/>
+              </a:cxn>
+              <a:cxn ang="T10">
+                <a:pos x="T4" y="T5"/>
+              </a:cxn>
+              <a:cxn ang="T11">
+                <a:pos x="T6" y="T7"/>
+              </a:cxn>
+            </a:cxnLst>
+            <a:rect l="T12" t="T13" r="T14" b="T15"/>
+            <a:pathLst>
+              <a:path w="320" h="333">
+                <a:moveTo>
+                  <a:pt x="10" y="0"/>
+                </a:moveTo>
+                <a:lnTo>
+                  <a:pt x="320" y="4"/>
+                </a:lnTo>
+                <a:lnTo>
+                  <a:pt x="320" y="333"/>
+                </a:lnTo>
+                <a:lnTo>
+                  <a:pt x="0" y="333"/>
+                </a:lnTo>
+              </a:path>
+            </a:pathLst>
+          </a:custGeom>
+          <a:noFill/>
+          <a:ln w="57150">
+            <a:solidFill>
+              <a:schemeClr val="tx1"/>
+            </a:solidFill>
+            <a:round/>
+            <a:headEnd/>
+            <a:tailEnd type="stealth" w="lg" len="lg"/>
+          </a:ln>
+        </p:spPr>
+        <p:txBody>
+          <a:bodyPr wrap="none" anchor="ctr"/>
+          <a:lstStyle/>
+          <a:p>
+            <a:pPr marL="0" marR="0" lvl="0" indent="0" algn="l" defTabSz="914400" eaLnBrk="1" fontAlgn="auto" latinLnBrk="0" hangingPunct="1">
+              <a:lnSpc>
+                <a:spcPct val="100000"/>
+              </a:lnSpc>
+              <a:spcBef>
+                <a:spcPts val="0"/>
+              </a:spcBef>
+              <a:spcAft>
+                <a:spcPts val="0"/>
+              </a:spcAft>
+              <a:buClrTx/>
+              <a:buSzTx/>
+              <a:buFontTx/>
+              <a:buNone/>
+              <a:tabLst/>
+              <a:defRPr/>
+            </a:pPr>
+            <a:endParaRPr kumimoji="0" lang="en-GB" sz="1800" b="0" i="0" u="none" strike="noStrike" kern="0" cap="none" spc="0" normalizeH="0" baseline="0" noProof="0">
+              <a:ln>
+                <a:noFill/>
+              </a:ln>
+              <a:solidFill>
+                <a:sysClr val="windowText" lastClr="000000"/>
+              </a:solidFill>
+              <a:effectLst/>
+              <a:uLnTx/>
+              <a:uFillTx/>
+            </a:endParaRPr>
+          </a:p>
+        </p:txBody>
+      </p:sp>
+      <p:sp>
+        <p:nvSpPr>
+          <p:cNvPr id="18" name="Rectangle 3"/>
+          <p:cNvSpPr txBox="1">
+            <a:spLocks noChangeArrowheads="1"/>
+          </p:cNvSpPr>
+          <p:nvPr/>
+        </p:nvSpPr>
+        <p:spPr>
+          <a:xfrm>
+            <a:off x="6021495" y="2429641"/>
+            <a:ext cx="2919153" cy="457200"/>
+          </a:xfrm>
+          <a:prstGeom prst="rect">
+            <a:avLst/>
+          </a:prstGeom>
+        </p:spPr>
+        <p:txBody>
+          <a:bodyPr/>
+          <a:lstStyle/>
+          <a:p>
+            <a:pPr marL="0" marR="0" lvl="0" indent="0" algn="l" defTabSz="914400" rtl="0" eaLnBrk="1" fontAlgn="base" latinLnBrk="0" hangingPunct="1">
+              <a:lnSpc>
+                <a:spcPct val="100000"/>
+              </a:lnSpc>
+              <a:spcBef>
+                <a:spcPts val="700"/>
+              </a:spcBef>
+              <a:spcAft>
+                <a:spcPct val="0"/>
+              </a:spcAft>
+              <a:buClr>
+                <a:srgbClr val="FFD34F"/>
+              </a:buClr>
+              <a:buSzPct val="95000"/>
+              <a:buFontTx/>
+              <a:buNone/>
+              <a:tabLst/>
+              <a:defRPr/>
+            </a:pPr>
+            <a:r>
+              <a:rPr kumimoji="0" lang="en-US" sz="2000" b="0" i="0" u="none" strike="noStrike" kern="1200" cap="none" spc="0" normalizeH="0" baseline="0" noProof="0" dirty="0" smtClean="0">
+                <a:ln>
+                  <a:noFill/>
+                </a:ln>
+                <a:effectLst/>
+                <a:uLnTx/>
+                <a:uFillTx/>
+                <a:latin typeface="Franklin Gothic Book"/>
+                <a:ea typeface="+mn-ea"/>
+                <a:cs typeface="+mn-cs"/>
+              </a:rPr>
+              <a:t>Save Pricing Locally</a:t>
+            </a:r>
+          </a:p>
+        </p:txBody>
+      </p:sp>
+      <p:pic>
+        <p:nvPicPr>
+          <p:cNvPr id="19" name="Picture 4"/>
+          <p:cNvPicPr>
+            <a:picLocks noChangeAspect="1" noChangeArrowheads="1"/>
+          </p:cNvPicPr>
+          <p:nvPr/>
+        </p:nvPicPr>
+        <p:blipFill>
+          <a:blip r:embed="rId2" cstate="print"/>
+          <a:srcRect/>
+          <a:stretch>
+            <a:fillRect/>
+          </a:stretch>
+        </p:blipFill>
+        <p:spPr bwMode="auto">
+          <a:xfrm flipH="1">
+            <a:off x="8393112" y="1742117"/>
+            <a:ext cx="1371600" cy="1371600"/>
+          </a:xfrm>
+          <a:prstGeom prst="rect">
+            <a:avLst/>
+          </a:prstGeom>
+          <a:noFill/>
+          <a:ln w="9525">
+            <a:noFill/>
+            <a:miter lim="800000"/>
+            <a:headEnd/>
+            <a:tailEnd/>
+          </a:ln>
+          <a:effectLst/>
+        </p:spPr>
+      </p:pic>
+      <p:cxnSp>
+        <p:nvCxnSpPr>
+          <p:cNvPr id="20" name="Straight Arrow Connector 19"/>
+          <p:cNvCxnSpPr/>
+          <p:nvPr/>
+        </p:nvCxnSpPr>
+        <p:spPr>
+          <a:xfrm rot="10800000" flipV="1">
+            <a:off x="5560358" y="2217307"/>
+            <a:ext cx="2468880" cy="0"/>
+          </a:xfrm>
+          <a:prstGeom prst="straightConnector1">
+            <a:avLst/>
+          </a:prstGeom>
+          <a:noFill/>
+          <a:ln w="38100" cap="flat" cmpd="sng" algn="ctr">
+            <a:solidFill>
+              <a:schemeClr val="tx1"/>
+            </a:solidFill>
+            <a:prstDash val="solid"/>
+            <a:tailEnd type="stealth" w="lg" len="lg"/>
+          </a:ln>
+          <a:effectLst/>
+        </p:spPr>
+      </p:cxnSp>
+      <p:sp>
+        <p:nvSpPr>
+          <p:cNvPr id="21" name="Rectangle 3"/>
+          <p:cNvSpPr txBox="1">
+            <a:spLocks noChangeArrowheads="1"/>
+          </p:cNvSpPr>
+          <p:nvPr/>
+        </p:nvSpPr>
+        <p:spPr>
+          <a:xfrm>
+            <a:off x="6326295" y="1802913"/>
+            <a:ext cx="1749829" cy="401782"/>
+          </a:xfrm>
+          <a:prstGeom prst="rect">
+            <a:avLst/>
+          </a:prstGeom>
+        </p:spPr>
+        <p:txBody>
+          <a:bodyPr/>
+          <a:lstStyle/>
+          <a:p>
+            <a:pPr marL="411163" marR="0" lvl="0" indent="-342900" algn="l" defTabSz="914400" rtl="0" eaLnBrk="1" fontAlgn="base" latinLnBrk="0" hangingPunct="1">
+              <a:lnSpc>
+                <a:spcPct val="100000"/>
+              </a:lnSpc>
+              <a:spcBef>
+                <a:spcPts val="700"/>
+              </a:spcBef>
+              <a:spcAft>
+                <a:spcPct val="0"/>
+              </a:spcAft>
+              <a:buClr>
+                <a:srgbClr val="FFD34F"/>
+              </a:buClr>
+              <a:buSzPct val="95000"/>
+              <a:buFontTx/>
+              <a:buNone/>
+              <a:tabLst/>
+              <a:defRPr/>
+            </a:pPr>
+            <a:r>
+              <a:rPr kumimoji="0" lang="en-US" sz="2000" b="0" i="0" u="none" strike="noStrike" kern="1200" cap="none" spc="0" normalizeH="0" baseline="0" noProof="0" dirty="0" smtClean="0">
+                <a:ln>
+                  <a:noFill/>
+                </a:ln>
+                <a:solidFill>
+                  <a:sysClr val="windowText" lastClr="000000"/>
+                </a:solidFill>
+                <a:effectLst/>
+                <a:uLnTx/>
+                <a:uFillTx/>
+                <a:latin typeface="Franklin Gothic Book"/>
+                <a:ea typeface="+mn-ea"/>
+                <a:cs typeface="+mn-cs"/>
+              </a:rPr>
+              <a:t>Place Order</a:t>
+            </a:r>
+          </a:p>
+        </p:txBody>
+      </p:sp>
+      <p:sp>
+        <p:nvSpPr>
+          <p:cNvPr id="22" name="Curved Left Arrow 21"/>
+          <p:cNvSpPr/>
+          <p:nvPr/>
+        </p:nvSpPr>
+        <p:spPr>
+          <a:xfrm>
+            <a:off x="4773498" y="2715605"/>
+            <a:ext cx="245409" cy="333061"/>
+          </a:xfrm>
+          <a:prstGeom prst="curvedLeftArrow">
+            <a:avLst/>
+          </a:prstGeom>
+          <a:solidFill>
+            <a:srgbClr val="000000"/>
+          </a:solidFill>
+          <a:ln w="25400" cap="flat" cmpd="sng" algn="ctr">
+            <a:solidFill>
+              <a:srgbClr val="000000">
+                <a:shade val="50000"/>
+              </a:srgbClr>
+            </a:solidFill>
+            <a:prstDash val="solid"/>
+          </a:ln>
+          <a:effectLst/>
+        </p:spPr>
+        <p:txBody>
+          <a:bodyPr rtlCol="0" anchor="ctr"/>
+          <a:lstStyle/>
+          <a:p>
+            <a:pPr marL="0" marR="0" lvl="0" indent="0" algn="l" defTabSz="914400" eaLnBrk="1" fontAlgn="auto" latinLnBrk="0" hangingPunct="1">
+              <a:lnSpc>
+                <a:spcPct val="100000"/>
+              </a:lnSpc>
+              <a:spcBef>
+                <a:spcPts val="0"/>
+              </a:spcBef>
+              <a:spcAft>
+                <a:spcPts val="0"/>
+              </a:spcAft>
+              <a:buClrTx/>
+              <a:buSzTx/>
+              <a:buFontTx/>
+              <a:buNone/>
+              <a:tabLst/>
+              <a:defRPr/>
+            </a:pPr>
+            <a:endParaRPr kumimoji="0" lang="en-GB" sz="1800" b="0" i="0" u="none" strike="noStrike" kern="0" cap="none" spc="0" normalizeH="0" baseline="0" noProof="0">
+              <a:ln>
+                <a:noFill/>
+              </a:ln>
+              <a:solidFill>
+                <a:srgbClr val="FFFFFF"/>
+              </a:solidFill>
+              <a:effectLst/>
+              <a:uLnTx/>
+              <a:uFillTx/>
+              <a:latin typeface="Franklin Gothic Book"/>
+              <a:ea typeface="+mn-ea"/>
+              <a:cs typeface="+mn-cs"/>
+            </a:endParaRPr>
+          </a:p>
+        </p:txBody>
+      </p:sp>
+      <p:sp>
+        <p:nvSpPr>
+          <p:cNvPr id="23" name="Curved Right Arrow 22"/>
+          <p:cNvSpPr/>
+          <p:nvPr/>
+        </p:nvSpPr>
+        <p:spPr>
+          <a:xfrm flipV="1">
+            <a:off x="4315984" y="2678739"/>
+            <a:ext cx="294491" cy="363281"/>
+          </a:xfrm>
+          <a:prstGeom prst="curvedRightArrow">
+            <a:avLst/>
+          </a:prstGeom>
+          <a:solidFill>
+            <a:srgbClr val="000000"/>
+          </a:solidFill>
+          <a:ln w="25400" cap="flat" cmpd="sng" algn="ctr">
+            <a:solidFill>
+              <a:srgbClr val="000000">
+                <a:shade val="50000"/>
+              </a:srgbClr>
+            </a:solidFill>
+            <a:prstDash val="solid"/>
+          </a:ln>
+          <a:effectLst/>
+        </p:spPr>
+        <p:txBody>
+          <a:bodyPr rtlCol="0" anchor="ctr"/>
+          <a:lstStyle/>
+          <a:p>
+            <a:pPr marL="0" marR="0" lvl="0" indent="0" algn="l" defTabSz="914400" eaLnBrk="1" fontAlgn="auto" latinLnBrk="0" hangingPunct="1">
+              <a:lnSpc>
+                <a:spcPct val="100000"/>
+              </a:lnSpc>
+              <a:spcBef>
+                <a:spcPts val="0"/>
+              </a:spcBef>
+              <a:spcAft>
+                <a:spcPts val="0"/>
+              </a:spcAft>
+              <a:buClrTx/>
+              <a:buSzTx/>
+              <a:buFontTx/>
+              <a:buNone/>
+              <a:tabLst/>
+              <a:defRPr/>
+            </a:pPr>
+            <a:endParaRPr kumimoji="0" lang="en-GB" sz="1800" b="0" i="0" u="none" strike="noStrike" kern="0" cap="none" spc="0" normalizeH="0" baseline="0" noProof="0" dirty="0">
+              <a:ln>
+                <a:noFill/>
+              </a:ln>
+              <a:solidFill>
+                <a:srgbClr val="000000"/>
+              </a:solidFill>
+              <a:effectLst/>
+              <a:uLnTx/>
+              <a:uFillTx/>
+              <a:latin typeface="Franklin Gothic Book"/>
+              <a:ea typeface="+mn-ea"/>
+              <a:cs typeface="+mn-cs"/>
+            </a:endParaRPr>
+          </a:p>
+        </p:txBody>
+      </p:sp>
+      <p:cxnSp>
+        <p:nvCxnSpPr>
+          <p:cNvPr id="24" name="Straight Arrow Connector 23"/>
+          <p:cNvCxnSpPr/>
+          <p:nvPr/>
+        </p:nvCxnSpPr>
+        <p:spPr>
+          <a:xfrm rot="16200000" flipH="1">
+            <a:off x="5107096" y="3648841"/>
+            <a:ext cx="2819400" cy="2667000"/>
+          </a:xfrm>
+          <a:prstGeom prst="straightConnector1">
+            <a:avLst/>
+          </a:prstGeom>
+          <a:noFill/>
+          <a:ln w="38100" cap="flat" cmpd="sng" algn="ctr">
+            <a:solidFill>
+              <a:schemeClr val="tx1"/>
+            </a:solidFill>
+            <a:prstDash val="solid"/>
+            <a:tailEnd type="stealth" w="lg" len="lg"/>
+          </a:ln>
+          <a:effectLst/>
+        </p:spPr>
+      </p:cxnSp>
+      <p:cxnSp>
+        <p:nvCxnSpPr>
+          <p:cNvPr id="25" name="Straight Arrow Connector 24"/>
+          <p:cNvCxnSpPr/>
+          <p:nvPr/>
+        </p:nvCxnSpPr>
+        <p:spPr>
+          <a:xfrm rot="5400000">
+            <a:off x="2020996" y="4144141"/>
+            <a:ext cx="2743200" cy="1752600"/>
+          </a:xfrm>
+          <a:prstGeom prst="straightConnector1">
+            <a:avLst/>
+          </a:prstGeom>
+          <a:noFill/>
+          <a:ln w="38100" cap="flat" cmpd="sng" algn="ctr">
+            <a:solidFill>
+              <a:schemeClr val="tx1"/>
+            </a:solidFill>
+            <a:prstDash val="solid"/>
+            <a:tailEnd type="stealth" w="lg" len="lg"/>
+          </a:ln>
+          <a:effectLst/>
+        </p:spPr>
+      </p:cxnSp>
+      <p:sp>
+        <p:nvSpPr>
+          <p:cNvPr id="26" name="Rectangle 3"/>
+          <p:cNvSpPr txBox="1">
+            <a:spLocks noChangeArrowheads="1"/>
+          </p:cNvSpPr>
+          <p:nvPr/>
+        </p:nvSpPr>
+        <p:spPr>
+          <a:xfrm>
+            <a:off x="3811696" y="6392041"/>
+            <a:ext cx="3124200" cy="533400"/>
+          </a:xfrm>
+          <a:prstGeom prst="rect">
+            <a:avLst/>
+          </a:prstGeom>
+        </p:spPr>
+        <p:txBody>
+          <a:bodyPr/>
+          <a:lstStyle/>
+          <a:p>
+            <a:pPr marL="411163" marR="0" lvl="0" indent="-342900" algn="l" defTabSz="914400" rtl="0" eaLnBrk="1" fontAlgn="base" latinLnBrk="0" hangingPunct="1">
+              <a:lnSpc>
+                <a:spcPct val="100000"/>
+              </a:lnSpc>
+              <a:spcBef>
+                <a:spcPts val="700"/>
+              </a:spcBef>
+              <a:spcAft>
+                <a:spcPct val="0"/>
+              </a:spcAft>
+              <a:buClr>
+                <a:srgbClr val="FFD34F"/>
+              </a:buClr>
+              <a:buSzPct val="95000"/>
+              <a:buFontTx/>
+              <a:buNone/>
+              <a:tabLst/>
+              <a:defRPr/>
+            </a:pPr>
+            <a:r>
+              <a:rPr kumimoji="0" lang="en-US" sz="2000" b="0" i="0" u="none" strike="noStrike" kern="1200" cap="none" spc="0" normalizeH="0" baseline="0" noProof="0" dirty="0" smtClean="0">
+                <a:ln>
+                  <a:noFill/>
+                </a:ln>
+                <a:effectLst/>
+                <a:uLnTx/>
+                <a:uFillTx/>
+                <a:latin typeface="Franklin Gothic Book"/>
+                <a:ea typeface="+mn-ea"/>
+                <a:cs typeface="+mn-cs"/>
+              </a:rPr>
+              <a:t>Publish </a:t>
+            </a:r>
+            <a:r>
+              <a:rPr kumimoji="0" lang="en-US" sz="2000" b="0" i="0" u="none" strike="noStrike" kern="0" cap="none" spc="0" normalizeH="0" baseline="0" noProof="0" dirty="0" smtClean="0">
+                <a:ln>
+                  <a:noFill/>
+                </a:ln>
+                <a:effectLst/>
+                <a:uLnTx/>
+                <a:uFillTx/>
+                <a:latin typeface="Franklin Gothic Book"/>
+              </a:rPr>
+              <a:t>Order Accepted</a:t>
+            </a:r>
+            <a:endParaRPr kumimoji="0" lang="en-US" sz="2000" b="0" i="0" u="none" strike="noStrike" kern="1200" cap="none" spc="0" normalizeH="0" baseline="0" noProof="0" dirty="0" smtClean="0">
+              <a:ln>
+                <a:noFill/>
+              </a:ln>
+              <a:effectLst/>
+              <a:uLnTx/>
+              <a:uFillTx/>
+              <a:latin typeface="Franklin Gothic Book"/>
+              <a:ea typeface="+mn-ea"/>
+              <a:cs typeface="+mn-cs"/>
+            </a:endParaRPr>
+          </a:p>
+        </p:txBody>
+      </p:sp>
+      <p:cxnSp>
+        <p:nvCxnSpPr>
+          <p:cNvPr id="27" name="Straight Arrow Connector 26"/>
+          <p:cNvCxnSpPr/>
+          <p:nvPr/>
+        </p:nvCxnSpPr>
+        <p:spPr>
+          <a:xfrm rot="5400000" flipH="1" flipV="1">
+            <a:off x="2093744" y="5152069"/>
+            <a:ext cx="838201" cy="120517"/>
+          </a:xfrm>
+          <a:prstGeom prst="straightConnector1">
+            <a:avLst/>
+          </a:prstGeom>
+          <a:noFill/>
+          <a:ln w="38100" cap="flat" cmpd="sng" algn="ctr">
+            <a:solidFill>
+              <a:schemeClr val="tx1"/>
+            </a:solidFill>
+            <a:prstDash val="solid"/>
+            <a:tailEnd type="stealth" w="lg" len="lg"/>
+          </a:ln>
+          <a:effectLst/>
+        </p:spPr>
+      </p:cxnSp>
+      <p:cxnSp>
+        <p:nvCxnSpPr>
+          <p:cNvPr id="28" name="Straight Arrow Connector 27"/>
+          <p:cNvCxnSpPr/>
+          <p:nvPr/>
+        </p:nvCxnSpPr>
+        <p:spPr>
+          <a:xfrm rot="16200000" flipV="1">
+            <a:off x="1644855" y="5089705"/>
+            <a:ext cx="824347" cy="331144"/>
+          </a:xfrm>
+          <a:prstGeom prst="straightConnector1">
+            <a:avLst/>
+          </a:prstGeom>
+          <a:noFill/>
+          <a:ln w="38100" cap="flat" cmpd="sng" algn="ctr">
+            <a:solidFill>
+              <a:schemeClr val="tx1"/>
+            </a:solidFill>
+            <a:prstDash val="solid"/>
+            <a:tailEnd type="stealth" w="lg" len="lg"/>
+          </a:ln>
+          <a:effectLst/>
+        </p:spPr>
+      </p:cxnSp>
+      <p:cxnSp>
+        <p:nvCxnSpPr>
+          <p:cNvPr id="29" name="Straight Arrow Connector 28"/>
+          <p:cNvCxnSpPr/>
+          <p:nvPr/>
+        </p:nvCxnSpPr>
+        <p:spPr>
+          <a:xfrm rot="5400000" flipH="1" flipV="1">
+            <a:off x="7948675" y="5104963"/>
+            <a:ext cx="838201" cy="120517"/>
+          </a:xfrm>
+          <a:prstGeom prst="straightConnector1">
+            <a:avLst/>
+          </a:prstGeom>
+          <a:noFill/>
+          <a:ln w="38100" cap="flat" cmpd="sng" algn="ctr">
+            <a:solidFill>
+              <a:schemeClr val="tx1"/>
+            </a:solidFill>
+            <a:prstDash val="solid"/>
+            <a:tailEnd type="stealth" w="lg" len="lg"/>
+          </a:ln>
+          <a:effectLst/>
+        </p:spPr>
+      </p:cxnSp>
+      <p:cxnSp>
+        <p:nvCxnSpPr>
+          <p:cNvPr id="30" name="Straight Arrow Connector 29"/>
+          <p:cNvCxnSpPr/>
+          <p:nvPr/>
+        </p:nvCxnSpPr>
+        <p:spPr>
+          <a:xfrm rot="16200000" flipV="1">
+            <a:off x="7499786" y="5042599"/>
+            <a:ext cx="824347" cy="331144"/>
+          </a:xfrm>
+          <a:prstGeom prst="straightConnector1">
+            <a:avLst/>
+          </a:prstGeom>
+          <a:noFill/>
+          <a:ln w="38100" cap="flat" cmpd="sng" algn="ctr">
+            <a:solidFill>
+              <a:schemeClr val="tx1"/>
+            </a:solidFill>
+            <a:prstDash val="solid"/>
+            <a:tailEnd type="stealth" w="lg" len="lg"/>
+          </a:ln>
+          <a:effectLst/>
+        </p:spPr>
+      </p:cxnSp>
+      <p:cxnSp>
+        <p:nvCxnSpPr>
+          <p:cNvPr id="31" name="Straight Arrow Connector 30"/>
+          <p:cNvCxnSpPr/>
+          <p:nvPr/>
+        </p:nvCxnSpPr>
+        <p:spPr>
+          <a:xfrm rot="16200000" flipH="1">
+            <a:off x="4668842" y="3866499"/>
+            <a:ext cx="964277" cy="498763"/>
+          </a:xfrm>
+          <a:prstGeom prst="straightConnector1">
+            <a:avLst/>
+          </a:prstGeom>
+          <a:noFill/>
+          <a:ln w="38100" cap="flat" cmpd="sng" algn="ctr">
+            <a:solidFill>
+              <a:schemeClr val="tx1"/>
+            </a:solidFill>
+            <a:prstDash val="solid"/>
+            <a:tailEnd type="stealth" w="lg" len="lg"/>
+          </a:ln>
+          <a:effectLst/>
+        </p:spPr>
+      </p:cxnSp>
+      <p:cxnSp>
+        <p:nvCxnSpPr>
+          <p:cNvPr id="32" name="Straight Arrow Connector 31"/>
+          <p:cNvCxnSpPr/>
+          <p:nvPr/>
+        </p:nvCxnSpPr>
+        <p:spPr>
+          <a:xfrm rot="5400000">
+            <a:off x="3936387" y="4058160"/>
+            <a:ext cx="947651" cy="182880"/>
+          </a:xfrm>
+          <a:prstGeom prst="straightConnector1">
+            <a:avLst/>
+          </a:prstGeom>
+          <a:noFill/>
+          <a:ln w="38100" cap="flat" cmpd="sng" algn="ctr">
+            <a:solidFill>
+              <a:schemeClr val="tx1"/>
+            </a:solidFill>
+            <a:prstDash val="solid"/>
+            <a:tailEnd type="stealth" w="lg" len="lg"/>
+          </a:ln>
+          <a:effectLst/>
+        </p:spPr>
+      </p:cxnSp>
+      <p:sp>
+        <p:nvSpPr>
+          <p:cNvPr id="33" name="Rounded Rectangle 32"/>
+          <p:cNvSpPr/>
+          <p:nvPr/>
+        </p:nvSpPr>
+        <p:spPr bwMode="auto">
+          <a:xfrm>
+            <a:off x="7883687" y="5703673"/>
+            <a:ext cx="1715784" cy="1058238"/>
+          </a:xfrm>
+          <a:prstGeom prst="roundRect">
+            <a:avLst/>
+          </a:prstGeom>
+          <a:solidFill>
+            <a:srgbClr val="FFD34F">
+              <a:lumMod val="75000"/>
+            </a:srgbClr>
+          </a:solidFill>
+          <a:ln w="9525" cap="flat" cmpd="sng" algn="ctr">
+            <a:solidFill>
+              <a:srgbClr val="FFFFFF"/>
+            </a:solidFill>
+            <a:prstDash val="solid"/>
+            <a:round/>
+            <a:headEnd type="none" w="med" len="med"/>
+            <a:tailEnd type="none" w="med" len="med"/>
+          </a:ln>
+          <a:effectLst/>
+        </p:spPr>
+        <p:txBody>
+          <a:bodyPr vert="horz" wrap="square" lIns="91440" tIns="45720" rIns="91440" bIns="45720" numCol="1" rtlCol="0" anchor="ctr" anchorCtr="0" compatLnSpc="1">
+            <a:prstTxWarp prst="textNoShape">
+              <a:avLst/>
+            </a:prstTxWarp>
+          </a:bodyPr>
+          <a:lstStyle/>
+          <a:p>
+            <a:pPr marL="0" marR="0" lvl="0" indent="0" algn="ctr" defTabSz="914400" rtl="0" eaLnBrk="1" fontAlgn="base" latinLnBrk="0" hangingPunct="1">
+              <a:lnSpc>
+                <a:spcPct val="100000"/>
+              </a:lnSpc>
+              <a:spcBef>
+                <a:spcPct val="0"/>
+              </a:spcBef>
+              <a:spcAft>
+                <a:spcPct val="0"/>
+              </a:spcAft>
+              <a:buClrTx/>
+              <a:buSzTx/>
+              <a:buFontTx/>
+              <a:buNone/>
+              <a:tabLst/>
+              <a:defRPr/>
+            </a:pPr>
+            <a:r>
+              <a:rPr kumimoji="0" lang="en-US" sz="3200" b="1" i="0" u="none" strike="noStrike" kern="0" cap="none" spc="0" normalizeH="0" baseline="0" noProof="0" dirty="0" smtClean="0">
+                <a:ln>
+                  <a:noFill/>
+                </a:ln>
+                <a:solidFill>
+                  <a:srgbClr val="000000"/>
+                </a:solidFill>
+                <a:effectLst/>
+                <a:uLnTx/>
+                <a:uFillTx/>
+                <a:latin typeface="Franklin Gothic Medium" pitchFamily="34" charset="0"/>
+              </a:rPr>
+              <a:t>Pricing</a:t>
+            </a:r>
+          </a:p>
+        </p:txBody>
+      </p:sp>
+      <p:sp>
+        <p:nvSpPr>
+          <p:cNvPr id="34" name="Rounded Rectangle 33"/>
+          <p:cNvSpPr/>
+          <p:nvPr/>
+        </p:nvSpPr>
+        <p:spPr bwMode="auto">
+          <a:xfrm>
+            <a:off x="722600" y="5713947"/>
+            <a:ext cx="1715784" cy="1058238"/>
+          </a:xfrm>
+          <a:prstGeom prst="roundRect">
+            <a:avLst/>
+          </a:prstGeom>
+          <a:solidFill>
+            <a:srgbClr val="07CF2D"/>
+          </a:solidFill>
+          <a:ln w="9525" cap="flat" cmpd="sng" algn="ctr">
+            <a:solidFill>
+              <a:srgbClr val="FFFFFF"/>
+            </a:solidFill>
+            <a:prstDash val="solid"/>
+            <a:round/>
+            <a:headEnd type="none" w="med" len="med"/>
+            <a:tailEnd type="none" w="med" len="med"/>
+          </a:ln>
+          <a:effectLst/>
+        </p:spPr>
+        <p:txBody>
+          <a:bodyPr vert="horz" wrap="square" lIns="91440" tIns="45720" rIns="91440" bIns="45720" numCol="1" rtlCol="0" anchor="ctr" anchorCtr="0" compatLnSpc="1">
+            <a:prstTxWarp prst="textNoShape">
+              <a:avLst/>
+            </a:prstTxWarp>
+          </a:bodyPr>
+          <a:lstStyle/>
+          <a:p>
+            <a:pPr marL="0" marR="0" lvl="0" indent="0" algn="ctr" defTabSz="914400" rtl="0" eaLnBrk="1" fontAlgn="base" latinLnBrk="0" hangingPunct="1">
+              <a:lnSpc>
+                <a:spcPct val="100000"/>
+              </a:lnSpc>
+              <a:spcBef>
+                <a:spcPct val="0"/>
+              </a:spcBef>
+              <a:spcAft>
+                <a:spcPct val="0"/>
+              </a:spcAft>
+              <a:buClrTx/>
+              <a:buSzTx/>
+              <a:buFontTx/>
+              <a:buNone/>
+              <a:tabLst/>
+              <a:defRPr/>
+            </a:pPr>
+            <a:r>
+              <a:rPr kumimoji="0" lang="en-US" sz="3200" b="1" i="0" u="none" strike="noStrike" kern="0" cap="none" spc="0" normalizeH="0" baseline="0" noProof="0" dirty="0" smtClean="0">
+                <a:ln>
+                  <a:noFill/>
+                </a:ln>
+                <a:solidFill>
+                  <a:srgbClr val="000000"/>
+                </a:solidFill>
+                <a:effectLst/>
+                <a:uLnTx/>
+                <a:uFillTx/>
+                <a:latin typeface="Franklin Gothic Medium" pitchFamily="34" charset="0"/>
+              </a:rPr>
+              <a:t>CRM</a:t>
+            </a:r>
+          </a:p>
+        </p:txBody>
+      </p:sp>
+      <p:sp>
+        <p:nvSpPr>
+          <p:cNvPr id="35" name="Title 1"/>
+          <p:cNvSpPr txBox="1">
+            <a:spLocks noGrp="1"/>
+          </p:cNvSpPr>
+          <p:nvPr>
+            <p:ph type="title"/>
+          </p:nvPr>
+        </p:nvSpPr>
+        <p:spPr>
+          <a:prstGeom prst="rect">
+            <a:avLst/>
+          </a:prstGeom>
+        </p:spPr>
+        <p:txBody>
+          <a:bodyPr vert="horz" lIns="91440" tIns="45720" rIns="91440" bIns="45720" rtlCol="0" anchor="ctr">
+            <a:normAutofit/>
+          </a:bodyPr>
+          <a:lstStyle>
+            <a:lvl1pPr algn="l" defTabSz="914400" rtl="0" eaLnBrk="1" latinLnBrk="0" hangingPunct="1">
+              <a:lnSpc>
+                <a:spcPct val="90000"/>
+              </a:lnSpc>
+              <a:spcBef>
+                <a:spcPct val="0"/>
+              </a:spcBef>
+              <a:buNone/>
+              <a:defRPr sz="4400" kern="1200">
+                <a:solidFill>
+                  <a:schemeClr val="tx1"/>
+                </a:solidFill>
+                <a:latin typeface="+mj-lt"/>
+                <a:ea typeface="+mj-ea"/>
+                <a:cs typeface="+mj-cs"/>
+              </a:defRPr>
+            </a:lvl1pPr>
+          </a:lstStyle>
+          <a:p>
+            <a:r>
+              <a:rPr lang="en-US" dirty="0" smtClean="0"/>
+              <a:t>Loosely Coupled Synchronization</a:t>
+            </a:r>
+            <a:endParaRPr lang="en-US" dirty="0"/>
+          </a:p>
+        </p:txBody>
+      </p:sp>
+    </p:spTree>
+    <p:extLst>
+      <p:ext uri="{BB962C8B-B14F-4D97-AF65-F5344CB8AC3E}">
+        <p14:creationId xmlns:p14="http://schemas.microsoft.com/office/powerpoint/2010/main" val="918891535"/>
+      </p:ext>
+    </p:extLst>
+  </p:cSld>
+  <p:clrMapOvr>
+    <a:masterClrMapping/>
+  </p:clrMapOvr>
+  <p:timing>
+    <p:tnLst>
+      <p:par>
+        <p:cTn id="1" dur="indefinite" restart="never" nodeType="tmRoot">
+          <p:childTnLst>
+            <p:seq concurrent="1" nextAc="seek">
+              <p:cTn id="2" dur="indefinite" nodeType="mainSeq">
+                <p:childTnLst>
+                  <p:par>
+                    <p:cTn id="3" fill="hold">
+                      <p:stCondLst>
+                        <p:cond delay="indefinite"/>
+                      </p:stCondLst>
+                      <p:childTnLst>
+                        <p:par>
+                          <p:cTn id="4" fill="hold">
+                            <p:stCondLst>
+                              <p:cond delay="0"/>
+                            </p:stCondLst>
+                            <p:childTnLst>
+                              <p:par>
+                                <p:cTn id="5" presetID="22" presetClass="entr" presetSubtype="1" fill="hold" nodeType="clickEffect">
+                                  <p:stCondLst>
+                                    <p:cond delay="0"/>
+                                  </p:stCondLst>
+                                  <p:childTnLst>
+                                    <p:set>
+                                      <p:cBhvr>
+                                        <p:cTn id="6" dur="1" fill="hold">
+                                          <p:stCondLst>
+                                            <p:cond delay="0"/>
+                                          </p:stCondLst>
+                                        </p:cTn>
+                                        <p:tgtEl>
+                                          <p:spTgt spid="7"/>
+                                        </p:tgtEl>
+                                        <p:attrNameLst>
+                                          <p:attrName>style.visibility</p:attrName>
+                                        </p:attrNameLst>
+                                      </p:cBhvr>
+                                      <p:to>
+                                        <p:strVal val="visible"/>
+                                      </p:to>
+                                    </p:set>
+                                    <p:animEffect transition="in" filter="wipe(up)">
+                                      <p:cBhvr>
+                                        <p:cTn id="7" dur="500"/>
+                                        <p:tgtEl>
+                                          <p:spTgt spid="7"/>
+                                        </p:tgtEl>
+                                      </p:cBhvr>
+                                    </p:animEffect>
+                                  </p:childTnLst>
+                                </p:cTn>
+                              </p:par>
+                            </p:childTnLst>
+                          </p:cTn>
+                        </p:par>
+                        <p:par>
+                          <p:cTn id="8" fill="hold">
+                            <p:stCondLst>
+                              <p:cond delay="500"/>
+                            </p:stCondLst>
+                            <p:childTnLst>
+                              <p:par>
+                                <p:cTn id="9" presetID="10" presetClass="entr" presetSubtype="0" fill="hold" grpId="0" nodeType="afterEffect">
+                                  <p:stCondLst>
+                                    <p:cond delay="0"/>
+                                  </p:stCondLst>
+                                  <p:childTnLst>
+                                    <p:set>
+                                      <p:cBhvr>
+                                        <p:cTn id="10" dur="1" fill="hold">
+                                          <p:stCondLst>
+                                            <p:cond delay="0"/>
+                                          </p:stCondLst>
+                                        </p:cTn>
+                                        <p:tgtEl>
+                                          <p:spTgt spid="8"/>
+                                        </p:tgtEl>
+                                        <p:attrNameLst>
+                                          <p:attrName>style.visibility</p:attrName>
+                                        </p:attrNameLst>
+                                      </p:cBhvr>
+                                      <p:to>
+                                        <p:strVal val="visible"/>
+                                      </p:to>
+                                    </p:set>
+                                    <p:animEffect transition="in" filter="fade">
+                                      <p:cBhvr>
+                                        <p:cTn id="11" dur="1000"/>
+                                        <p:tgtEl>
+                                          <p:spTgt spid="8"/>
+                                        </p:tgtEl>
+                                      </p:cBhvr>
+                                    </p:animEffect>
+                                  </p:childTnLst>
+                                </p:cTn>
+                              </p:par>
+                            </p:childTnLst>
+                          </p:cTn>
+                        </p:par>
+                      </p:childTnLst>
+                    </p:cTn>
+                  </p:par>
+                  <p:par>
+                    <p:cTn id="12" fill="hold">
+                      <p:stCondLst>
+                        <p:cond delay="indefinite"/>
+                      </p:stCondLst>
+                      <p:childTnLst>
+                        <p:par>
+                          <p:cTn id="13" fill="hold">
+                            <p:stCondLst>
+                              <p:cond delay="0"/>
+                            </p:stCondLst>
+                            <p:childTnLst>
+                              <p:par>
+                                <p:cTn id="14" presetID="22" presetClass="entr" presetSubtype="4" fill="hold" nodeType="clickEffect">
+                                  <p:stCondLst>
+                                    <p:cond delay="0"/>
+                                  </p:stCondLst>
+                                  <p:childTnLst>
+                                    <p:set>
+                                      <p:cBhvr>
+                                        <p:cTn id="15" dur="1" fill="hold">
+                                          <p:stCondLst>
+                                            <p:cond delay="0"/>
+                                          </p:stCondLst>
+                                        </p:cTn>
+                                        <p:tgtEl>
+                                          <p:spTgt spid="9"/>
+                                        </p:tgtEl>
+                                        <p:attrNameLst>
+                                          <p:attrName>style.visibility</p:attrName>
+                                        </p:attrNameLst>
+                                      </p:cBhvr>
+                                      <p:to>
+                                        <p:strVal val="visible"/>
+                                      </p:to>
+                                    </p:set>
+                                    <p:animEffect transition="in" filter="wipe(down)">
+                                      <p:cBhvr>
+                                        <p:cTn id="16" dur="500"/>
+                                        <p:tgtEl>
+                                          <p:spTgt spid="9"/>
+                                        </p:tgtEl>
+                                      </p:cBhvr>
+                                    </p:animEffect>
+                                  </p:childTnLst>
+                                </p:cTn>
+                              </p:par>
+                              <p:par>
+                                <p:cTn id="17" presetID="22" presetClass="entr" presetSubtype="4" fill="hold" nodeType="withEffect">
+                                  <p:stCondLst>
+                                    <p:cond delay="0"/>
+                                  </p:stCondLst>
+                                  <p:childTnLst>
+                                    <p:set>
+                                      <p:cBhvr>
+                                        <p:cTn id="18" dur="1" fill="hold">
+                                          <p:stCondLst>
+                                            <p:cond delay="0"/>
+                                          </p:stCondLst>
+                                        </p:cTn>
+                                        <p:tgtEl>
+                                          <p:spTgt spid="27"/>
+                                        </p:tgtEl>
+                                        <p:attrNameLst>
+                                          <p:attrName>style.visibility</p:attrName>
+                                        </p:attrNameLst>
+                                      </p:cBhvr>
+                                      <p:to>
+                                        <p:strVal val="visible"/>
+                                      </p:to>
+                                    </p:set>
+                                    <p:animEffect transition="in" filter="wipe(down)">
+                                      <p:cBhvr>
+                                        <p:cTn id="19" dur="500"/>
+                                        <p:tgtEl>
+                                          <p:spTgt spid="27"/>
+                                        </p:tgtEl>
+                                      </p:cBhvr>
+                                    </p:animEffect>
+                                  </p:childTnLst>
+                                </p:cTn>
+                              </p:par>
+                              <p:par>
+                                <p:cTn id="20" presetID="22" presetClass="entr" presetSubtype="4" fill="hold" nodeType="withEffect">
+                                  <p:stCondLst>
+                                    <p:cond delay="0"/>
+                                  </p:stCondLst>
+                                  <p:childTnLst>
+                                    <p:set>
+                                      <p:cBhvr>
+                                        <p:cTn id="21" dur="1" fill="hold">
+                                          <p:stCondLst>
+                                            <p:cond delay="0"/>
+                                          </p:stCondLst>
+                                        </p:cTn>
+                                        <p:tgtEl>
+                                          <p:spTgt spid="28"/>
+                                        </p:tgtEl>
+                                        <p:attrNameLst>
+                                          <p:attrName>style.visibility</p:attrName>
+                                        </p:attrNameLst>
+                                      </p:cBhvr>
+                                      <p:to>
+                                        <p:strVal val="visible"/>
+                                      </p:to>
+                                    </p:set>
+                                    <p:animEffect transition="in" filter="wipe(down)">
+                                      <p:cBhvr>
+                                        <p:cTn id="22" dur="500"/>
+                                        <p:tgtEl>
+                                          <p:spTgt spid="28"/>
+                                        </p:tgtEl>
+                                      </p:cBhvr>
+                                    </p:animEffect>
+                                  </p:childTnLst>
+                                </p:cTn>
+                              </p:par>
+                            </p:childTnLst>
+                          </p:cTn>
+                        </p:par>
+                        <p:par>
+                          <p:cTn id="23" fill="hold">
+                            <p:stCondLst>
+                              <p:cond delay="500"/>
+                            </p:stCondLst>
+                            <p:childTnLst>
+                              <p:par>
+                                <p:cTn id="24" presetID="10" presetClass="entr" presetSubtype="0" fill="hold" grpId="0" nodeType="afterEffect">
+                                  <p:stCondLst>
+                                    <p:cond delay="0"/>
+                                  </p:stCondLst>
+                                  <p:childTnLst>
+                                    <p:set>
+                                      <p:cBhvr>
+                                        <p:cTn id="25" dur="1" fill="hold">
+                                          <p:stCondLst>
+                                            <p:cond delay="0"/>
+                                          </p:stCondLst>
+                                        </p:cTn>
+                                        <p:tgtEl>
+                                          <p:spTgt spid="10"/>
+                                        </p:tgtEl>
+                                        <p:attrNameLst>
+                                          <p:attrName>style.visibility</p:attrName>
+                                        </p:attrNameLst>
+                                      </p:cBhvr>
+                                      <p:to>
+                                        <p:strVal val="visible"/>
+                                      </p:to>
+                                    </p:set>
+                                    <p:animEffect transition="in" filter="fade">
+                                      <p:cBhvr>
+                                        <p:cTn id="26" dur="1000"/>
+                                        <p:tgtEl>
+                                          <p:spTgt spid="10"/>
+                                        </p:tgtEl>
+                                      </p:cBhvr>
+                                    </p:animEffect>
+                                  </p:childTnLst>
+                                </p:cTn>
+                              </p:par>
+                            </p:childTnLst>
+                          </p:cTn>
+                        </p:par>
+                      </p:childTnLst>
+                    </p:cTn>
+                  </p:par>
+                  <p:par>
+                    <p:cTn id="27" fill="hold">
+                      <p:stCondLst>
+                        <p:cond delay="indefinite"/>
+                      </p:stCondLst>
+                      <p:childTnLst>
+                        <p:par>
+                          <p:cTn id="28" fill="hold">
+                            <p:stCondLst>
+                              <p:cond delay="0"/>
+                            </p:stCondLst>
+                            <p:childTnLst>
+                              <p:par>
+                                <p:cTn id="29" presetID="10" presetClass="entr" presetSubtype="0" fill="hold" grpId="0" nodeType="clickEffect">
+                                  <p:stCondLst>
+                                    <p:cond delay="0"/>
+                                  </p:stCondLst>
+                                  <p:childTnLst>
+                                    <p:set>
+                                      <p:cBhvr>
+                                        <p:cTn id="30" dur="1" fill="hold">
+                                          <p:stCondLst>
+                                            <p:cond delay="0"/>
+                                          </p:stCondLst>
+                                        </p:cTn>
+                                        <p:tgtEl>
+                                          <p:spTgt spid="12"/>
+                                        </p:tgtEl>
+                                        <p:attrNameLst>
+                                          <p:attrName>style.visibility</p:attrName>
+                                        </p:attrNameLst>
+                                      </p:cBhvr>
+                                      <p:to>
+                                        <p:strVal val="visible"/>
+                                      </p:to>
+                                    </p:set>
+                                    <p:animEffect transition="in" filter="fade">
+                                      <p:cBhvr>
+                                        <p:cTn id="31" dur="1000"/>
+                                        <p:tgtEl>
+                                          <p:spTgt spid="12"/>
+                                        </p:tgtEl>
+                                      </p:cBhvr>
+                                    </p:animEffect>
+                                  </p:childTnLst>
+                                </p:cTn>
+                              </p:par>
+                              <p:par>
+                                <p:cTn id="32" presetID="10" presetClass="entr" presetSubtype="0" fill="hold" grpId="0" nodeType="withEffect">
+                                  <p:stCondLst>
+                                    <p:cond delay="0"/>
+                                  </p:stCondLst>
+                                  <p:childTnLst>
+                                    <p:set>
+                                      <p:cBhvr>
+                                        <p:cTn id="33" dur="1" fill="hold">
+                                          <p:stCondLst>
+                                            <p:cond delay="0"/>
+                                          </p:stCondLst>
+                                        </p:cTn>
+                                        <p:tgtEl>
+                                          <p:spTgt spid="11"/>
+                                        </p:tgtEl>
+                                        <p:attrNameLst>
+                                          <p:attrName>style.visibility</p:attrName>
+                                        </p:attrNameLst>
+                                      </p:cBhvr>
+                                      <p:to>
+                                        <p:strVal val="visible"/>
+                                      </p:to>
+                                    </p:set>
+                                    <p:animEffect transition="in" filter="fade">
+                                      <p:cBhvr>
+                                        <p:cTn id="34" dur="1000"/>
+                                        <p:tgtEl>
+                                          <p:spTgt spid="11"/>
+                                        </p:tgtEl>
+                                      </p:cBhvr>
+                                    </p:animEffect>
+                                  </p:childTnLst>
+                                </p:cTn>
+                              </p:par>
+                            </p:childTnLst>
+                          </p:cTn>
+                        </p:par>
+                      </p:childTnLst>
+                    </p:cTn>
+                  </p:par>
+                  <p:par>
+                    <p:cTn id="35" fill="hold">
+                      <p:stCondLst>
+                        <p:cond delay="indefinite"/>
+                      </p:stCondLst>
+                      <p:childTnLst>
+                        <p:par>
+                          <p:cTn id="36" fill="hold">
+                            <p:stCondLst>
+                              <p:cond delay="0"/>
+                            </p:stCondLst>
+                            <p:childTnLst>
+                              <p:par>
+                                <p:cTn id="37" presetID="10" presetClass="exit" presetSubtype="0" fill="hold" grpId="1" nodeType="clickEffect">
+                                  <p:stCondLst>
+                                    <p:cond delay="0"/>
+                                  </p:stCondLst>
+                                  <p:childTnLst>
+                                    <p:animEffect transition="out" filter="fade">
+                                      <p:cBhvr>
+                                        <p:cTn id="38" dur="1000"/>
+                                        <p:tgtEl>
+                                          <p:spTgt spid="10"/>
+                                        </p:tgtEl>
+                                      </p:cBhvr>
+                                    </p:animEffect>
+                                    <p:set>
+                                      <p:cBhvr>
+                                        <p:cTn id="39" dur="1" fill="hold">
+                                          <p:stCondLst>
+                                            <p:cond delay="999"/>
+                                          </p:stCondLst>
+                                        </p:cTn>
+                                        <p:tgtEl>
+                                          <p:spTgt spid="10"/>
+                                        </p:tgtEl>
+                                        <p:attrNameLst>
+                                          <p:attrName>style.visibility</p:attrName>
+                                        </p:attrNameLst>
+                                      </p:cBhvr>
+                                      <p:to>
+                                        <p:strVal val="hidden"/>
+                                      </p:to>
+                                    </p:set>
+                                  </p:childTnLst>
+                                </p:cTn>
+                              </p:par>
+                              <p:par>
+                                <p:cTn id="40" presetID="10" presetClass="exit" presetSubtype="0" fill="hold" nodeType="withEffect">
+                                  <p:stCondLst>
+                                    <p:cond delay="0"/>
+                                  </p:stCondLst>
+                                  <p:childTnLst>
+                                    <p:animEffect transition="out" filter="fade">
+                                      <p:cBhvr>
+                                        <p:cTn id="41" dur="1000"/>
+                                        <p:tgtEl>
+                                          <p:spTgt spid="9"/>
+                                        </p:tgtEl>
+                                      </p:cBhvr>
+                                    </p:animEffect>
+                                    <p:set>
+                                      <p:cBhvr>
+                                        <p:cTn id="42" dur="1" fill="hold">
+                                          <p:stCondLst>
+                                            <p:cond delay="999"/>
+                                          </p:stCondLst>
+                                        </p:cTn>
+                                        <p:tgtEl>
+                                          <p:spTgt spid="9"/>
+                                        </p:tgtEl>
+                                        <p:attrNameLst>
+                                          <p:attrName>style.visibility</p:attrName>
+                                        </p:attrNameLst>
+                                      </p:cBhvr>
+                                      <p:to>
+                                        <p:strVal val="hidden"/>
+                                      </p:to>
+                                    </p:set>
+                                  </p:childTnLst>
+                                </p:cTn>
+                              </p:par>
+                              <p:par>
+                                <p:cTn id="43" presetID="10" presetClass="exit" presetSubtype="0" fill="hold" nodeType="withEffect">
+                                  <p:stCondLst>
+                                    <p:cond delay="0"/>
+                                  </p:stCondLst>
+                                  <p:childTnLst>
+                                    <p:animEffect transition="out" filter="fade">
+                                      <p:cBhvr>
+                                        <p:cTn id="44" dur="1000"/>
+                                        <p:tgtEl>
+                                          <p:spTgt spid="7"/>
+                                        </p:tgtEl>
+                                      </p:cBhvr>
+                                    </p:animEffect>
+                                    <p:set>
+                                      <p:cBhvr>
+                                        <p:cTn id="45" dur="1" fill="hold">
+                                          <p:stCondLst>
+                                            <p:cond delay="999"/>
+                                          </p:stCondLst>
+                                        </p:cTn>
+                                        <p:tgtEl>
+                                          <p:spTgt spid="7"/>
+                                        </p:tgtEl>
+                                        <p:attrNameLst>
+                                          <p:attrName>style.visibility</p:attrName>
+                                        </p:attrNameLst>
+                                      </p:cBhvr>
+                                      <p:to>
+                                        <p:strVal val="hidden"/>
+                                      </p:to>
+                                    </p:set>
+                                  </p:childTnLst>
+                                </p:cTn>
+                              </p:par>
+                              <p:par>
+                                <p:cTn id="46" presetID="10" presetClass="exit" presetSubtype="0" fill="hold" grpId="1" nodeType="withEffect">
+                                  <p:stCondLst>
+                                    <p:cond delay="0"/>
+                                  </p:stCondLst>
+                                  <p:childTnLst>
+                                    <p:animEffect transition="out" filter="fade">
+                                      <p:cBhvr>
+                                        <p:cTn id="47" dur="1000"/>
+                                        <p:tgtEl>
+                                          <p:spTgt spid="8"/>
+                                        </p:tgtEl>
+                                      </p:cBhvr>
+                                    </p:animEffect>
+                                    <p:set>
+                                      <p:cBhvr>
+                                        <p:cTn id="48" dur="1" fill="hold">
+                                          <p:stCondLst>
+                                            <p:cond delay="999"/>
+                                          </p:stCondLst>
+                                        </p:cTn>
+                                        <p:tgtEl>
+                                          <p:spTgt spid="8"/>
+                                        </p:tgtEl>
+                                        <p:attrNameLst>
+                                          <p:attrName>style.visibility</p:attrName>
+                                        </p:attrNameLst>
+                                      </p:cBhvr>
+                                      <p:to>
+                                        <p:strVal val="hidden"/>
+                                      </p:to>
+                                    </p:set>
+                                  </p:childTnLst>
+                                </p:cTn>
+                              </p:par>
+                              <p:par>
+                                <p:cTn id="49" presetID="10" presetClass="exit" presetSubtype="0" fill="hold" grpId="1" nodeType="withEffect">
+                                  <p:stCondLst>
+                                    <p:cond delay="0"/>
+                                  </p:stCondLst>
+                                  <p:childTnLst>
+                                    <p:animEffect transition="out" filter="fade">
+                                      <p:cBhvr>
+                                        <p:cTn id="50" dur="1000"/>
+                                        <p:tgtEl>
+                                          <p:spTgt spid="12"/>
+                                        </p:tgtEl>
+                                      </p:cBhvr>
+                                    </p:animEffect>
+                                    <p:set>
+                                      <p:cBhvr>
+                                        <p:cTn id="51" dur="1" fill="hold">
+                                          <p:stCondLst>
+                                            <p:cond delay="999"/>
+                                          </p:stCondLst>
+                                        </p:cTn>
+                                        <p:tgtEl>
+                                          <p:spTgt spid="12"/>
+                                        </p:tgtEl>
+                                        <p:attrNameLst>
+                                          <p:attrName>style.visibility</p:attrName>
+                                        </p:attrNameLst>
+                                      </p:cBhvr>
+                                      <p:to>
+                                        <p:strVal val="hidden"/>
+                                      </p:to>
+                                    </p:set>
+                                  </p:childTnLst>
+                                </p:cTn>
+                              </p:par>
+                              <p:par>
+                                <p:cTn id="52" presetID="10" presetClass="exit" presetSubtype="0" fill="hold" grpId="1" nodeType="withEffect">
+                                  <p:stCondLst>
+                                    <p:cond delay="0"/>
+                                  </p:stCondLst>
+                                  <p:childTnLst>
+                                    <p:animEffect transition="out" filter="fade">
+                                      <p:cBhvr>
+                                        <p:cTn id="53" dur="1000"/>
+                                        <p:tgtEl>
+                                          <p:spTgt spid="11"/>
+                                        </p:tgtEl>
+                                      </p:cBhvr>
+                                    </p:animEffect>
+                                    <p:set>
+                                      <p:cBhvr>
+                                        <p:cTn id="54" dur="1" fill="hold">
+                                          <p:stCondLst>
+                                            <p:cond delay="999"/>
+                                          </p:stCondLst>
+                                        </p:cTn>
+                                        <p:tgtEl>
+                                          <p:spTgt spid="11"/>
+                                        </p:tgtEl>
+                                        <p:attrNameLst>
+                                          <p:attrName>style.visibility</p:attrName>
+                                        </p:attrNameLst>
+                                      </p:cBhvr>
+                                      <p:to>
+                                        <p:strVal val="hidden"/>
+                                      </p:to>
+                                    </p:set>
+                                  </p:childTnLst>
+                                </p:cTn>
+                              </p:par>
+                              <p:par>
+                                <p:cTn id="55" presetID="10" presetClass="exit" presetSubtype="0" fill="hold" nodeType="withEffect">
+                                  <p:stCondLst>
+                                    <p:cond delay="0"/>
+                                  </p:stCondLst>
+                                  <p:childTnLst>
+                                    <p:animEffect transition="out" filter="fade">
+                                      <p:cBhvr>
+                                        <p:cTn id="56" dur="1000"/>
+                                        <p:tgtEl>
+                                          <p:spTgt spid="27"/>
+                                        </p:tgtEl>
+                                      </p:cBhvr>
+                                    </p:animEffect>
+                                    <p:set>
+                                      <p:cBhvr>
+                                        <p:cTn id="57" dur="1" fill="hold">
+                                          <p:stCondLst>
+                                            <p:cond delay="999"/>
+                                          </p:stCondLst>
+                                        </p:cTn>
+                                        <p:tgtEl>
+                                          <p:spTgt spid="27"/>
+                                        </p:tgtEl>
+                                        <p:attrNameLst>
+                                          <p:attrName>style.visibility</p:attrName>
+                                        </p:attrNameLst>
+                                      </p:cBhvr>
+                                      <p:to>
+                                        <p:strVal val="hidden"/>
+                                      </p:to>
+                                    </p:set>
+                                  </p:childTnLst>
+                                </p:cTn>
+                              </p:par>
+                              <p:par>
+                                <p:cTn id="58" presetID="10" presetClass="exit" presetSubtype="0" fill="hold" nodeType="withEffect">
+                                  <p:stCondLst>
+                                    <p:cond delay="0"/>
+                                  </p:stCondLst>
+                                  <p:childTnLst>
+                                    <p:animEffect transition="out" filter="fade">
+                                      <p:cBhvr>
+                                        <p:cTn id="59" dur="1000"/>
+                                        <p:tgtEl>
+                                          <p:spTgt spid="28"/>
+                                        </p:tgtEl>
+                                      </p:cBhvr>
+                                    </p:animEffect>
+                                    <p:set>
+                                      <p:cBhvr>
+                                        <p:cTn id="60" dur="1" fill="hold">
+                                          <p:stCondLst>
+                                            <p:cond delay="999"/>
+                                          </p:stCondLst>
+                                        </p:cTn>
+                                        <p:tgtEl>
+                                          <p:spTgt spid="28"/>
+                                        </p:tgtEl>
+                                        <p:attrNameLst>
+                                          <p:attrName>style.visibility</p:attrName>
+                                        </p:attrNameLst>
+                                      </p:cBhvr>
+                                      <p:to>
+                                        <p:strVal val="hidden"/>
+                                      </p:to>
+                                    </p:set>
+                                  </p:childTnLst>
+                                </p:cTn>
+                              </p:par>
+                            </p:childTnLst>
+                          </p:cTn>
+                        </p:par>
+                      </p:childTnLst>
+                    </p:cTn>
+                  </p:par>
+                  <p:par>
+                    <p:cTn id="61" fill="hold">
+                      <p:stCondLst>
+                        <p:cond delay="indefinite"/>
+                      </p:stCondLst>
+                      <p:childTnLst>
+                        <p:par>
+                          <p:cTn id="62" fill="hold">
+                            <p:stCondLst>
+                              <p:cond delay="0"/>
+                            </p:stCondLst>
+                            <p:childTnLst>
+                              <p:par>
+                                <p:cTn id="63" presetID="22" presetClass="entr" presetSubtype="1" fill="hold" nodeType="clickEffect">
+                                  <p:stCondLst>
+                                    <p:cond delay="0"/>
+                                  </p:stCondLst>
+                                  <p:childTnLst>
+                                    <p:set>
+                                      <p:cBhvr>
+                                        <p:cTn id="64" dur="1" fill="hold">
+                                          <p:stCondLst>
+                                            <p:cond delay="0"/>
+                                          </p:stCondLst>
+                                        </p:cTn>
+                                        <p:tgtEl>
+                                          <p:spTgt spid="13"/>
+                                        </p:tgtEl>
+                                        <p:attrNameLst>
+                                          <p:attrName>style.visibility</p:attrName>
+                                        </p:attrNameLst>
+                                      </p:cBhvr>
+                                      <p:to>
+                                        <p:strVal val="visible"/>
+                                      </p:to>
+                                    </p:set>
+                                    <p:animEffect transition="in" filter="wipe(up)">
+                                      <p:cBhvr>
+                                        <p:cTn id="65" dur="500"/>
+                                        <p:tgtEl>
+                                          <p:spTgt spid="13"/>
+                                        </p:tgtEl>
+                                      </p:cBhvr>
+                                    </p:animEffect>
+                                  </p:childTnLst>
+                                </p:cTn>
+                              </p:par>
+                            </p:childTnLst>
+                          </p:cTn>
+                        </p:par>
+                        <p:par>
+                          <p:cTn id="66" fill="hold">
+                            <p:stCondLst>
+                              <p:cond delay="500"/>
+                            </p:stCondLst>
+                            <p:childTnLst>
+                              <p:par>
+                                <p:cTn id="67" presetID="10" presetClass="entr" presetSubtype="0" fill="hold" grpId="0" nodeType="afterEffect">
+                                  <p:stCondLst>
+                                    <p:cond delay="0"/>
+                                  </p:stCondLst>
+                                  <p:childTnLst>
+                                    <p:set>
+                                      <p:cBhvr>
+                                        <p:cTn id="68" dur="1" fill="hold">
+                                          <p:stCondLst>
+                                            <p:cond delay="0"/>
+                                          </p:stCondLst>
+                                        </p:cTn>
+                                        <p:tgtEl>
+                                          <p:spTgt spid="14"/>
+                                        </p:tgtEl>
+                                        <p:attrNameLst>
+                                          <p:attrName>style.visibility</p:attrName>
+                                        </p:attrNameLst>
+                                      </p:cBhvr>
+                                      <p:to>
+                                        <p:strVal val="visible"/>
+                                      </p:to>
+                                    </p:set>
+                                    <p:animEffect transition="in" filter="fade">
+                                      <p:cBhvr>
+                                        <p:cTn id="69" dur="1000"/>
+                                        <p:tgtEl>
+                                          <p:spTgt spid="14"/>
+                                        </p:tgtEl>
+                                      </p:cBhvr>
+                                    </p:animEffect>
+                                  </p:childTnLst>
+                                </p:cTn>
+                              </p:par>
+                            </p:childTnLst>
+                          </p:cTn>
+                        </p:par>
+                      </p:childTnLst>
+                    </p:cTn>
+                  </p:par>
+                  <p:par>
+                    <p:cTn id="70" fill="hold">
+                      <p:stCondLst>
+                        <p:cond delay="indefinite"/>
+                      </p:stCondLst>
+                      <p:childTnLst>
+                        <p:par>
+                          <p:cTn id="71" fill="hold">
+                            <p:stCondLst>
+                              <p:cond delay="0"/>
+                            </p:stCondLst>
+                            <p:childTnLst>
+                              <p:par>
+                                <p:cTn id="72" presetID="22" presetClass="entr" presetSubtype="4" fill="hold" nodeType="clickEffect">
+                                  <p:stCondLst>
+                                    <p:cond delay="0"/>
+                                  </p:stCondLst>
+                                  <p:childTnLst>
+                                    <p:set>
+                                      <p:cBhvr>
+                                        <p:cTn id="73" dur="1" fill="hold">
+                                          <p:stCondLst>
+                                            <p:cond delay="0"/>
+                                          </p:stCondLst>
+                                        </p:cTn>
+                                        <p:tgtEl>
+                                          <p:spTgt spid="15"/>
+                                        </p:tgtEl>
+                                        <p:attrNameLst>
+                                          <p:attrName>style.visibility</p:attrName>
+                                        </p:attrNameLst>
+                                      </p:cBhvr>
+                                      <p:to>
+                                        <p:strVal val="visible"/>
+                                      </p:to>
+                                    </p:set>
+                                    <p:animEffect transition="in" filter="wipe(down)">
+                                      <p:cBhvr>
+                                        <p:cTn id="74" dur="500"/>
+                                        <p:tgtEl>
+                                          <p:spTgt spid="15"/>
+                                        </p:tgtEl>
+                                      </p:cBhvr>
+                                    </p:animEffect>
+                                  </p:childTnLst>
+                                </p:cTn>
+                              </p:par>
+                              <p:par>
+                                <p:cTn id="75" presetID="22" presetClass="entr" presetSubtype="4" fill="hold" nodeType="withEffect">
+                                  <p:stCondLst>
+                                    <p:cond delay="0"/>
+                                  </p:stCondLst>
+                                  <p:childTnLst>
+                                    <p:set>
+                                      <p:cBhvr>
+                                        <p:cTn id="76" dur="1" fill="hold">
+                                          <p:stCondLst>
+                                            <p:cond delay="0"/>
+                                          </p:stCondLst>
+                                        </p:cTn>
+                                        <p:tgtEl>
+                                          <p:spTgt spid="30"/>
+                                        </p:tgtEl>
+                                        <p:attrNameLst>
+                                          <p:attrName>style.visibility</p:attrName>
+                                        </p:attrNameLst>
+                                      </p:cBhvr>
+                                      <p:to>
+                                        <p:strVal val="visible"/>
+                                      </p:to>
+                                    </p:set>
+                                    <p:animEffect transition="in" filter="wipe(down)">
+                                      <p:cBhvr>
+                                        <p:cTn id="77" dur="500"/>
+                                        <p:tgtEl>
+                                          <p:spTgt spid="30"/>
+                                        </p:tgtEl>
+                                      </p:cBhvr>
+                                    </p:animEffect>
+                                  </p:childTnLst>
+                                </p:cTn>
+                              </p:par>
+                              <p:par>
+                                <p:cTn id="78" presetID="22" presetClass="entr" presetSubtype="4" fill="hold" nodeType="withEffect">
+                                  <p:stCondLst>
+                                    <p:cond delay="0"/>
+                                  </p:stCondLst>
+                                  <p:childTnLst>
+                                    <p:set>
+                                      <p:cBhvr>
+                                        <p:cTn id="79" dur="1" fill="hold">
+                                          <p:stCondLst>
+                                            <p:cond delay="0"/>
+                                          </p:stCondLst>
+                                        </p:cTn>
+                                        <p:tgtEl>
+                                          <p:spTgt spid="29"/>
+                                        </p:tgtEl>
+                                        <p:attrNameLst>
+                                          <p:attrName>style.visibility</p:attrName>
+                                        </p:attrNameLst>
+                                      </p:cBhvr>
+                                      <p:to>
+                                        <p:strVal val="visible"/>
+                                      </p:to>
+                                    </p:set>
+                                    <p:animEffect transition="in" filter="wipe(down)">
+                                      <p:cBhvr>
+                                        <p:cTn id="80" dur="500"/>
+                                        <p:tgtEl>
+                                          <p:spTgt spid="29"/>
+                                        </p:tgtEl>
+                                      </p:cBhvr>
+                                    </p:animEffect>
+                                  </p:childTnLst>
+                                </p:cTn>
+                              </p:par>
+                            </p:childTnLst>
+                          </p:cTn>
+                        </p:par>
+                        <p:par>
+                          <p:cTn id="81" fill="hold">
+                            <p:stCondLst>
+                              <p:cond delay="500"/>
+                            </p:stCondLst>
+                            <p:childTnLst>
+                              <p:par>
+                                <p:cTn id="82" presetID="10" presetClass="entr" presetSubtype="0" fill="hold" grpId="0" nodeType="afterEffect">
+                                  <p:stCondLst>
+                                    <p:cond delay="0"/>
+                                  </p:stCondLst>
+                                  <p:childTnLst>
+                                    <p:set>
+                                      <p:cBhvr>
+                                        <p:cTn id="83" dur="1" fill="hold">
+                                          <p:stCondLst>
+                                            <p:cond delay="0"/>
+                                          </p:stCondLst>
+                                        </p:cTn>
+                                        <p:tgtEl>
+                                          <p:spTgt spid="16"/>
+                                        </p:tgtEl>
+                                        <p:attrNameLst>
+                                          <p:attrName>style.visibility</p:attrName>
+                                        </p:attrNameLst>
+                                      </p:cBhvr>
+                                      <p:to>
+                                        <p:strVal val="visible"/>
+                                      </p:to>
+                                    </p:set>
+                                    <p:animEffect transition="in" filter="fade">
+                                      <p:cBhvr>
+                                        <p:cTn id="84" dur="1000"/>
+                                        <p:tgtEl>
+                                          <p:spTgt spid="16"/>
+                                        </p:tgtEl>
+                                      </p:cBhvr>
+                                    </p:animEffect>
+                                  </p:childTnLst>
+                                </p:cTn>
+                              </p:par>
+                            </p:childTnLst>
+                          </p:cTn>
+                        </p:par>
+                      </p:childTnLst>
+                    </p:cTn>
+                  </p:par>
+                  <p:par>
+                    <p:cTn id="85" fill="hold">
+                      <p:stCondLst>
+                        <p:cond delay="indefinite"/>
+                      </p:stCondLst>
+                      <p:childTnLst>
+                        <p:par>
+                          <p:cTn id="86" fill="hold">
+                            <p:stCondLst>
+                              <p:cond delay="0"/>
+                            </p:stCondLst>
+                            <p:childTnLst>
+                              <p:par>
+                                <p:cTn id="87" presetID="10" presetClass="entr" presetSubtype="0" fill="hold" grpId="0" nodeType="clickEffect">
+                                  <p:stCondLst>
+                                    <p:cond delay="0"/>
+                                  </p:stCondLst>
+                                  <p:childTnLst>
+                                    <p:set>
+                                      <p:cBhvr>
+                                        <p:cTn id="88" dur="1" fill="hold">
+                                          <p:stCondLst>
+                                            <p:cond delay="0"/>
+                                          </p:stCondLst>
+                                        </p:cTn>
+                                        <p:tgtEl>
+                                          <p:spTgt spid="17"/>
+                                        </p:tgtEl>
+                                        <p:attrNameLst>
+                                          <p:attrName>style.visibility</p:attrName>
+                                        </p:attrNameLst>
+                                      </p:cBhvr>
+                                      <p:to>
+                                        <p:strVal val="visible"/>
+                                      </p:to>
+                                    </p:set>
+                                    <p:animEffect transition="in" filter="fade">
+                                      <p:cBhvr>
+                                        <p:cTn id="89" dur="1000"/>
+                                        <p:tgtEl>
+                                          <p:spTgt spid="17"/>
+                                        </p:tgtEl>
+                                      </p:cBhvr>
+                                    </p:animEffect>
+                                  </p:childTnLst>
+                                </p:cTn>
+                              </p:par>
+                              <p:par>
+                                <p:cTn id="90" presetID="10" presetClass="entr" presetSubtype="0" fill="hold" grpId="0" nodeType="withEffect">
+                                  <p:stCondLst>
+                                    <p:cond delay="0"/>
+                                  </p:stCondLst>
+                                  <p:childTnLst>
+                                    <p:set>
+                                      <p:cBhvr>
+                                        <p:cTn id="91" dur="1" fill="hold">
+                                          <p:stCondLst>
+                                            <p:cond delay="0"/>
+                                          </p:stCondLst>
+                                        </p:cTn>
+                                        <p:tgtEl>
+                                          <p:spTgt spid="18"/>
+                                        </p:tgtEl>
+                                        <p:attrNameLst>
+                                          <p:attrName>style.visibility</p:attrName>
+                                        </p:attrNameLst>
+                                      </p:cBhvr>
+                                      <p:to>
+                                        <p:strVal val="visible"/>
+                                      </p:to>
+                                    </p:set>
+                                    <p:animEffect transition="in" filter="fade">
+                                      <p:cBhvr>
+                                        <p:cTn id="92" dur="1000"/>
+                                        <p:tgtEl>
+                                          <p:spTgt spid="18"/>
+                                        </p:tgtEl>
+                                      </p:cBhvr>
+                                    </p:animEffect>
+                                  </p:childTnLst>
+                                </p:cTn>
+                              </p:par>
+                            </p:childTnLst>
+                          </p:cTn>
+                        </p:par>
+                      </p:childTnLst>
+                    </p:cTn>
+                  </p:par>
+                  <p:par>
+                    <p:cTn id="93" fill="hold">
+                      <p:stCondLst>
+                        <p:cond delay="indefinite"/>
+                      </p:stCondLst>
+                      <p:childTnLst>
+                        <p:par>
+                          <p:cTn id="94" fill="hold">
+                            <p:stCondLst>
+                              <p:cond delay="0"/>
+                            </p:stCondLst>
+                            <p:childTnLst>
+                              <p:par>
+                                <p:cTn id="95" presetID="10" presetClass="exit" presetSubtype="0" fill="hold" grpId="1" nodeType="clickEffect">
+                                  <p:stCondLst>
+                                    <p:cond delay="0"/>
+                                  </p:stCondLst>
+                                  <p:childTnLst>
+                                    <p:animEffect transition="out" filter="fade">
+                                      <p:cBhvr>
+                                        <p:cTn id="96" dur="1000"/>
+                                        <p:tgtEl>
+                                          <p:spTgt spid="16"/>
+                                        </p:tgtEl>
+                                      </p:cBhvr>
+                                    </p:animEffect>
+                                    <p:set>
+                                      <p:cBhvr>
+                                        <p:cTn id="97" dur="1" fill="hold">
+                                          <p:stCondLst>
+                                            <p:cond delay="999"/>
+                                          </p:stCondLst>
+                                        </p:cTn>
+                                        <p:tgtEl>
+                                          <p:spTgt spid="16"/>
+                                        </p:tgtEl>
+                                        <p:attrNameLst>
+                                          <p:attrName>style.visibility</p:attrName>
+                                        </p:attrNameLst>
+                                      </p:cBhvr>
+                                      <p:to>
+                                        <p:strVal val="hidden"/>
+                                      </p:to>
+                                    </p:set>
+                                  </p:childTnLst>
+                                </p:cTn>
+                              </p:par>
+                              <p:par>
+                                <p:cTn id="98" presetID="10" presetClass="exit" presetSubtype="0" fill="hold" nodeType="withEffect">
+                                  <p:stCondLst>
+                                    <p:cond delay="0"/>
+                                  </p:stCondLst>
+                                  <p:childTnLst>
+                                    <p:animEffect transition="out" filter="fade">
+                                      <p:cBhvr>
+                                        <p:cTn id="99" dur="1000"/>
+                                        <p:tgtEl>
+                                          <p:spTgt spid="15"/>
+                                        </p:tgtEl>
+                                      </p:cBhvr>
+                                    </p:animEffect>
+                                    <p:set>
+                                      <p:cBhvr>
+                                        <p:cTn id="100" dur="1" fill="hold">
+                                          <p:stCondLst>
+                                            <p:cond delay="999"/>
+                                          </p:stCondLst>
+                                        </p:cTn>
+                                        <p:tgtEl>
+                                          <p:spTgt spid="15"/>
+                                        </p:tgtEl>
+                                        <p:attrNameLst>
+                                          <p:attrName>style.visibility</p:attrName>
+                                        </p:attrNameLst>
+                                      </p:cBhvr>
+                                      <p:to>
+                                        <p:strVal val="hidden"/>
+                                      </p:to>
+                                    </p:set>
+                                  </p:childTnLst>
+                                </p:cTn>
+                              </p:par>
+                              <p:par>
+                                <p:cTn id="101" presetID="10" presetClass="exit" presetSubtype="0" fill="hold" nodeType="withEffect">
+                                  <p:stCondLst>
+                                    <p:cond delay="0"/>
+                                  </p:stCondLst>
+                                  <p:childTnLst>
+                                    <p:animEffect transition="out" filter="fade">
+                                      <p:cBhvr>
+                                        <p:cTn id="102" dur="1000"/>
+                                        <p:tgtEl>
+                                          <p:spTgt spid="13"/>
+                                        </p:tgtEl>
+                                      </p:cBhvr>
+                                    </p:animEffect>
+                                    <p:set>
+                                      <p:cBhvr>
+                                        <p:cTn id="103" dur="1" fill="hold">
+                                          <p:stCondLst>
+                                            <p:cond delay="999"/>
+                                          </p:stCondLst>
+                                        </p:cTn>
+                                        <p:tgtEl>
+                                          <p:spTgt spid="13"/>
+                                        </p:tgtEl>
+                                        <p:attrNameLst>
+                                          <p:attrName>style.visibility</p:attrName>
+                                        </p:attrNameLst>
+                                      </p:cBhvr>
+                                      <p:to>
+                                        <p:strVal val="hidden"/>
+                                      </p:to>
+                                    </p:set>
+                                  </p:childTnLst>
+                                </p:cTn>
+                              </p:par>
+                              <p:par>
+                                <p:cTn id="104" presetID="10" presetClass="exit" presetSubtype="0" fill="hold" grpId="1" nodeType="withEffect">
+                                  <p:stCondLst>
+                                    <p:cond delay="0"/>
+                                  </p:stCondLst>
+                                  <p:childTnLst>
+                                    <p:animEffect transition="out" filter="fade">
+                                      <p:cBhvr>
+                                        <p:cTn id="105" dur="1000"/>
+                                        <p:tgtEl>
+                                          <p:spTgt spid="14"/>
+                                        </p:tgtEl>
+                                      </p:cBhvr>
+                                    </p:animEffect>
+                                    <p:set>
+                                      <p:cBhvr>
+                                        <p:cTn id="106" dur="1" fill="hold">
+                                          <p:stCondLst>
+                                            <p:cond delay="999"/>
+                                          </p:stCondLst>
+                                        </p:cTn>
+                                        <p:tgtEl>
+                                          <p:spTgt spid="14"/>
+                                        </p:tgtEl>
+                                        <p:attrNameLst>
+                                          <p:attrName>style.visibility</p:attrName>
+                                        </p:attrNameLst>
+                                      </p:cBhvr>
+                                      <p:to>
+                                        <p:strVal val="hidden"/>
+                                      </p:to>
+                                    </p:set>
+                                  </p:childTnLst>
+                                </p:cTn>
+                              </p:par>
+                              <p:par>
+                                <p:cTn id="107" presetID="10" presetClass="exit" presetSubtype="0" fill="hold" grpId="1" nodeType="withEffect">
+                                  <p:stCondLst>
+                                    <p:cond delay="0"/>
+                                  </p:stCondLst>
+                                  <p:childTnLst>
+                                    <p:animEffect transition="out" filter="fade">
+                                      <p:cBhvr>
+                                        <p:cTn id="108" dur="1000"/>
+                                        <p:tgtEl>
+                                          <p:spTgt spid="18"/>
+                                        </p:tgtEl>
+                                      </p:cBhvr>
+                                    </p:animEffect>
+                                    <p:set>
+                                      <p:cBhvr>
+                                        <p:cTn id="109" dur="1" fill="hold">
+                                          <p:stCondLst>
+                                            <p:cond delay="999"/>
+                                          </p:stCondLst>
+                                        </p:cTn>
+                                        <p:tgtEl>
+                                          <p:spTgt spid="18"/>
+                                        </p:tgtEl>
+                                        <p:attrNameLst>
+                                          <p:attrName>style.visibility</p:attrName>
+                                        </p:attrNameLst>
+                                      </p:cBhvr>
+                                      <p:to>
+                                        <p:strVal val="hidden"/>
+                                      </p:to>
+                                    </p:set>
+                                  </p:childTnLst>
+                                </p:cTn>
+                              </p:par>
+                              <p:par>
+                                <p:cTn id="110" presetID="10" presetClass="exit" presetSubtype="0" fill="hold" nodeType="withEffect">
+                                  <p:stCondLst>
+                                    <p:cond delay="0"/>
+                                  </p:stCondLst>
+                                  <p:childTnLst>
+                                    <p:animEffect transition="out" filter="fade">
+                                      <p:cBhvr>
+                                        <p:cTn id="111" dur="1000"/>
+                                        <p:tgtEl>
+                                          <p:spTgt spid="29"/>
+                                        </p:tgtEl>
+                                      </p:cBhvr>
+                                    </p:animEffect>
+                                    <p:set>
+                                      <p:cBhvr>
+                                        <p:cTn id="112" dur="1" fill="hold">
+                                          <p:stCondLst>
+                                            <p:cond delay="999"/>
+                                          </p:stCondLst>
+                                        </p:cTn>
+                                        <p:tgtEl>
+                                          <p:spTgt spid="29"/>
+                                        </p:tgtEl>
+                                        <p:attrNameLst>
+                                          <p:attrName>style.visibility</p:attrName>
+                                        </p:attrNameLst>
+                                      </p:cBhvr>
+                                      <p:to>
+                                        <p:strVal val="hidden"/>
+                                      </p:to>
+                                    </p:set>
+                                  </p:childTnLst>
+                                </p:cTn>
+                              </p:par>
+                              <p:par>
+                                <p:cTn id="113" presetID="10" presetClass="exit" presetSubtype="0" fill="hold" nodeType="withEffect">
+                                  <p:stCondLst>
+                                    <p:cond delay="0"/>
+                                  </p:stCondLst>
+                                  <p:childTnLst>
+                                    <p:animEffect transition="out" filter="fade">
+                                      <p:cBhvr>
+                                        <p:cTn id="114" dur="1000"/>
+                                        <p:tgtEl>
+                                          <p:spTgt spid="30"/>
+                                        </p:tgtEl>
+                                      </p:cBhvr>
+                                    </p:animEffect>
+                                    <p:set>
+                                      <p:cBhvr>
+                                        <p:cTn id="115" dur="1" fill="hold">
+                                          <p:stCondLst>
+                                            <p:cond delay="999"/>
+                                          </p:stCondLst>
+                                        </p:cTn>
+                                        <p:tgtEl>
+                                          <p:spTgt spid="30"/>
+                                        </p:tgtEl>
+                                        <p:attrNameLst>
+                                          <p:attrName>style.visibility</p:attrName>
+                                        </p:attrNameLst>
+                                      </p:cBhvr>
+                                      <p:to>
+                                        <p:strVal val="hidden"/>
+                                      </p:to>
+                                    </p:set>
+                                  </p:childTnLst>
+                                </p:cTn>
+                              </p:par>
+                              <p:par>
+                                <p:cTn id="116" presetID="10" presetClass="exit" presetSubtype="0" fill="hold" grpId="1" nodeType="withEffect">
+                                  <p:stCondLst>
+                                    <p:cond delay="0"/>
+                                  </p:stCondLst>
+                                  <p:childTnLst>
+                                    <p:animEffect transition="out" filter="fade">
+                                      <p:cBhvr>
+                                        <p:cTn id="117" dur="1000"/>
+                                        <p:tgtEl>
+                                          <p:spTgt spid="17"/>
+                                        </p:tgtEl>
+                                      </p:cBhvr>
+                                    </p:animEffect>
+                                    <p:set>
+                                      <p:cBhvr>
+                                        <p:cTn id="118" dur="1" fill="hold">
+                                          <p:stCondLst>
+                                            <p:cond delay="999"/>
+                                          </p:stCondLst>
+                                        </p:cTn>
+                                        <p:tgtEl>
+                                          <p:spTgt spid="17"/>
+                                        </p:tgtEl>
+                                        <p:attrNameLst>
+                                          <p:attrName>style.visibility</p:attrName>
+                                        </p:attrNameLst>
+                                      </p:cBhvr>
+                                      <p:to>
+                                        <p:strVal val="hidden"/>
+                                      </p:to>
+                                    </p:set>
+                                  </p:childTnLst>
+                                </p:cTn>
+                              </p:par>
+                            </p:childTnLst>
+                          </p:cTn>
+                        </p:par>
+                      </p:childTnLst>
+                    </p:cTn>
+                  </p:par>
+                  <p:par>
+                    <p:cTn id="119" fill="hold">
+                      <p:stCondLst>
+                        <p:cond delay="indefinite"/>
+                      </p:stCondLst>
+                      <p:childTnLst>
+                        <p:par>
+                          <p:cTn id="120" fill="hold">
+                            <p:stCondLst>
+                              <p:cond delay="0"/>
+                            </p:stCondLst>
+                            <p:childTnLst>
+                              <p:par>
+                                <p:cTn id="121" presetID="10" presetClass="entr" presetSubtype="0" fill="hold" nodeType="clickEffect">
+                                  <p:stCondLst>
+                                    <p:cond delay="0"/>
+                                  </p:stCondLst>
+                                  <p:childTnLst>
+                                    <p:set>
+                                      <p:cBhvr>
+                                        <p:cTn id="122" dur="1" fill="hold">
+                                          <p:stCondLst>
+                                            <p:cond delay="0"/>
+                                          </p:stCondLst>
+                                        </p:cTn>
+                                        <p:tgtEl>
+                                          <p:spTgt spid="19"/>
+                                        </p:tgtEl>
+                                        <p:attrNameLst>
+                                          <p:attrName>style.visibility</p:attrName>
+                                        </p:attrNameLst>
+                                      </p:cBhvr>
+                                      <p:to>
+                                        <p:strVal val="visible"/>
+                                      </p:to>
+                                    </p:set>
+                                    <p:animEffect transition="in" filter="fade">
+                                      <p:cBhvr>
+                                        <p:cTn id="123" dur="1000"/>
+                                        <p:tgtEl>
+                                          <p:spTgt spid="19"/>
+                                        </p:tgtEl>
+                                      </p:cBhvr>
+                                    </p:animEffect>
+                                  </p:childTnLst>
+                                </p:cTn>
+                              </p:par>
+                            </p:childTnLst>
+                          </p:cTn>
+                        </p:par>
+                        <p:par>
+                          <p:cTn id="124" fill="hold">
+                            <p:stCondLst>
+                              <p:cond delay="1000"/>
+                            </p:stCondLst>
+                            <p:childTnLst>
+                              <p:par>
+                                <p:cTn id="125" presetID="22" presetClass="entr" presetSubtype="2" fill="hold" nodeType="afterEffect">
+                                  <p:stCondLst>
+                                    <p:cond delay="0"/>
+                                  </p:stCondLst>
+                                  <p:childTnLst>
+                                    <p:set>
+                                      <p:cBhvr>
+                                        <p:cTn id="126" dur="1" fill="hold">
+                                          <p:stCondLst>
+                                            <p:cond delay="0"/>
+                                          </p:stCondLst>
+                                        </p:cTn>
+                                        <p:tgtEl>
+                                          <p:spTgt spid="20"/>
+                                        </p:tgtEl>
+                                        <p:attrNameLst>
+                                          <p:attrName>style.visibility</p:attrName>
+                                        </p:attrNameLst>
+                                      </p:cBhvr>
+                                      <p:to>
+                                        <p:strVal val="visible"/>
+                                      </p:to>
+                                    </p:set>
+                                    <p:animEffect transition="in" filter="wipe(right)">
+                                      <p:cBhvr>
+                                        <p:cTn id="127" dur="500"/>
+                                        <p:tgtEl>
+                                          <p:spTgt spid="20"/>
+                                        </p:tgtEl>
+                                      </p:cBhvr>
+                                    </p:animEffect>
+                                  </p:childTnLst>
+                                </p:cTn>
+                              </p:par>
+                            </p:childTnLst>
+                          </p:cTn>
+                        </p:par>
+                        <p:par>
+                          <p:cTn id="128" fill="hold">
+                            <p:stCondLst>
+                              <p:cond delay="1500"/>
+                            </p:stCondLst>
+                            <p:childTnLst>
+                              <p:par>
+                                <p:cTn id="129" presetID="10" presetClass="entr" presetSubtype="0" fill="hold" grpId="0" nodeType="afterEffect">
+                                  <p:stCondLst>
+                                    <p:cond delay="0"/>
+                                  </p:stCondLst>
+                                  <p:childTnLst>
+                                    <p:set>
+                                      <p:cBhvr>
+                                        <p:cTn id="130" dur="1" fill="hold">
+                                          <p:stCondLst>
+                                            <p:cond delay="0"/>
+                                          </p:stCondLst>
+                                        </p:cTn>
+                                        <p:tgtEl>
+                                          <p:spTgt spid="21"/>
+                                        </p:tgtEl>
+                                        <p:attrNameLst>
+                                          <p:attrName>style.visibility</p:attrName>
+                                        </p:attrNameLst>
+                                      </p:cBhvr>
+                                      <p:to>
+                                        <p:strVal val="visible"/>
+                                      </p:to>
+                                    </p:set>
+                                    <p:animEffect transition="in" filter="fade">
+                                      <p:cBhvr>
+                                        <p:cTn id="131" dur="1000"/>
+                                        <p:tgtEl>
+                                          <p:spTgt spid="21"/>
+                                        </p:tgtEl>
+                                      </p:cBhvr>
+                                    </p:animEffect>
+                                  </p:childTnLst>
+                                </p:cTn>
+                              </p:par>
+                            </p:childTnLst>
+                          </p:cTn>
+                        </p:par>
+                        <p:par>
+                          <p:cTn id="132" fill="hold">
+                            <p:stCondLst>
+                              <p:cond delay="2500"/>
+                            </p:stCondLst>
+                            <p:childTnLst>
+                              <p:par>
+                                <p:cTn id="133" presetID="22" presetClass="entr" presetSubtype="1" fill="hold" grpId="0" nodeType="afterEffect">
+                                  <p:stCondLst>
+                                    <p:cond delay="0"/>
+                                  </p:stCondLst>
+                                  <p:childTnLst>
+                                    <p:set>
+                                      <p:cBhvr>
+                                        <p:cTn id="134" dur="1" fill="hold">
+                                          <p:stCondLst>
+                                            <p:cond delay="0"/>
+                                          </p:stCondLst>
+                                        </p:cTn>
+                                        <p:tgtEl>
+                                          <p:spTgt spid="22"/>
+                                        </p:tgtEl>
+                                        <p:attrNameLst>
+                                          <p:attrName>style.visibility</p:attrName>
+                                        </p:attrNameLst>
+                                      </p:cBhvr>
+                                      <p:to>
+                                        <p:strVal val="visible"/>
+                                      </p:to>
+                                    </p:set>
+                                    <p:animEffect transition="in" filter="wipe(up)">
+                                      <p:cBhvr>
+                                        <p:cTn id="135" dur="500"/>
+                                        <p:tgtEl>
+                                          <p:spTgt spid="22"/>
+                                        </p:tgtEl>
+                                      </p:cBhvr>
+                                    </p:animEffect>
+                                  </p:childTnLst>
+                                </p:cTn>
+                              </p:par>
+                            </p:childTnLst>
+                          </p:cTn>
+                        </p:par>
+                        <p:par>
+                          <p:cTn id="136" fill="hold">
+                            <p:stCondLst>
+                              <p:cond delay="3000"/>
+                            </p:stCondLst>
+                            <p:childTnLst>
+                              <p:par>
+                                <p:cTn id="137" presetID="22" presetClass="entr" presetSubtype="4" fill="hold" grpId="0" nodeType="afterEffect">
+                                  <p:stCondLst>
+                                    <p:cond delay="0"/>
+                                  </p:stCondLst>
+                                  <p:childTnLst>
+                                    <p:set>
+                                      <p:cBhvr>
+                                        <p:cTn id="138" dur="1" fill="hold">
+                                          <p:stCondLst>
+                                            <p:cond delay="0"/>
+                                          </p:stCondLst>
+                                        </p:cTn>
+                                        <p:tgtEl>
+                                          <p:spTgt spid="23"/>
+                                        </p:tgtEl>
+                                        <p:attrNameLst>
+                                          <p:attrName>style.visibility</p:attrName>
+                                        </p:attrNameLst>
+                                      </p:cBhvr>
+                                      <p:to>
+                                        <p:strVal val="visible"/>
+                                      </p:to>
+                                    </p:set>
+                                    <p:animEffect transition="in" filter="wipe(down)">
+                                      <p:cBhvr>
+                                        <p:cTn id="139" dur="500"/>
+                                        <p:tgtEl>
+                                          <p:spTgt spid="23"/>
+                                        </p:tgtEl>
+                                      </p:cBhvr>
+                                    </p:animEffect>
+                                  </p:childTnLst>
+                                </p:cTn>
+                              </p:par>
+                            </p:childTnLst>
+                          </p:cTn>
+                        </p:par>
+                      </p:childTnLst>
+                    </p:cTn>
+                  </p:par>
+                  <p:par>
+                    <p:cTn id="140" fill="hold">
+                      <p:stCondLst>
+                        <p:cond delay="indefinite"/>
+                      </p:stCondLst>
+                      <p:childTnLst>
+                        <p:par>
+                          <p:cTn id="141" fill="hold">
+                            <p:stCondLst>
+                              <p:cond delay="0"/>
+                            </p:stCondLst>
+                            <p:childTnLst>
+                              <p:par>
+                                <p:cTn id="142" presetID="10" presetClass="entr" presetSubtype="0" fill="hold" grpId="0" nodeType="clickEffect">
+                                  <p:stCondLst>
+                                    <p:cond delay="0"/>
+                                  </p:stCondLst>
+                                  <p:childTnLst>
+                                    <p:set>
+                                      <p:cBhvr>
+                                        <p:cTn id="143" dur="1" fill="hold">
+                                          <p:stCondLst>
+                                            <p:cond delay="0"/>
+                                          </p:stCondLst>
+                                        </p:cTn>
+                                        <p:tgtEl>
+                                          <p:spTgt spid="26"/>
+                                        </p:tgtEl>
+                                        <p:attrNameLst>
+                                          <p:attrName>style.visibility</p:attrName>
+                                        </p:attrNameLst>
+                                      </p:cBhvr>
+                                      <p:to>
+                                        <p:strVal val="visible"/>
+                                      </p:to>
+                                    </p:set>
+                                    <p:animEffect transition="in" filter="fade">
+                                      <p:cBhvr>
+                                        <p:cTn id="144" dur="1000"/>
+                                        <p:tgtEl>
+                                          <p:spTgt spid="26"/>
+                                        </p:tgtEl>
+                                      </p:cBhvr>
+                                    </p:animEffect>
+                                  </p:childTnLst>
+                                </p:cTn>
+                              </p:par>
+                              <p:par>
+                                <p:cTn id="145" presetID="22" presetClass="entr" presetSubtype="1" fill="hold" nodeType="withEffect">
+                                  <p:stCondLst>
+                                    <p:cond delay="0"/>
+                                  </p:stCondLst>
+                                  <p:childTnLst>
+                                    <p:set>
+                                      <p:cBhvr>
+                                        <p:cTn id="146" dur="1" fill="hold">
+                                          <p:stCondLst>
+                                            <p:cond delay="0"/>
+                                          </p:stCondLst>
+                                        </p:cTn>
+                                        <p:tgtEl>
+                                          <p:spTgt spid="24"/>
+                                        </p:tgtEl>
+                                        <p:attrNameLst>
+                                          <p:attrName>style.visibility</p:attrName>
+                                        </p:attrNameLst>
+                                      </p:cBhvr>
+                                      <p:to>
+                                        <p:strVal val="visible"/>
+                                      </p:to>
+                                    </p:set>
+                                    <p:animEffect transition="in" filter="wipe(up)">
+                                      <p:cBhvr>
+                                        <p:cTn id="147" dur="500"/>
+                                        <p:tgtEl>
+                                          <p:spTgt spid="24"/>
+                                        </p:tgtEl>
+                                      </p:cBhvr>
+                                    </p:animEffect>
+                                  </p:childTnLst>
+                                </p:cTn>
+                              </p:par>
+                              <p:par>
+                                <p:cTn id="148" presetID="22" presetClass="entr" presetSubtype="1" fill="hold" nodeType="withEffect">
+                                  <p:stCondLst>
+                                    <p:cond delay="0"/>
+                                  </p:stCondLst>
+                                  <p:childTnLst>
+                                    <p:set>
+                                      <p:cBhvr>
+                                        <p:cTn id="149" dur="1" fill="hold">
+                                          <p:stCondLst>
+                                            <p:cond delay="0"/>
+                                          </p:stCondLst>
+                                        </p:cTn>
+                                        <p:tgtEl>
+                                          <p:spTgt spid="25"/>
+                                        </p:tgtEl>
+                                        <p:attrNameLst>
+                                          <p:attrName>style.visibility</p:attrName>
+                                        </p:attrNameLst>
+                                      </p:cBhvr>
+                                      <p:to>
+                                        <p:strVal val="visible"/>
+                                      </p:to>
+                                    </p:set>
+                                    <p:animEffect transition="in" filter="wipe(up)">
+                                      <p:cBhvr>
+                                        <p:cTn id="150" dur="500"/>
+                                        <p:tgtEl>
+                                          <p:spTgt spid="25"/>
+                                        </p:tgtEl>
+                                      </p:cBhvr>
+                                    </p:animEffect>
+                                  </p:childTnLst>
+                                </p:cTn>
+                              </p:par>
+                              <p:par>
+                                <p:cTn id="151" presetID="22" presetClass="entr" presetSubtype="1" fill="hold" nodeType="withEffect">
+                                  <p:stCondLst>
+                                    <p:cond delay="0"/>
+                                  </p:stCondLst>
+                                  <p:childTnLst>
+                                    <p:set>
+                                      <p:cBhvr>
+                                        <p:cTn id="152" dur="1" fill="hold">
+                                          <p:stCondLst>
+                                            <p:cond delay="0"/>
+                                          </p:stCondLst>
+                                        </p:cTn>
+                                        <p:tgtEl>
+                                          <p:spTgt spid="31"/>
+                                        </p:tgtEl>
+                                        <p:attrNameLst>
+                                          <p:attrName>style.visibility</p:attrName>
+                                        </p:attrNameLst>
+                                      </p:cBhvr>
+                                      <p:to>
+                                        <p:strVal val="visible"/>
+                                      </p:to>
+                                    </p:set>
+                                    <p:animEffect transition="in" filter="wipe(up)">
+                                      <p:cBhvr>
+                                        <p:cTn id="153" dur="500"/>
+                                        <p:tgtEl>
+                                          <p:spTgt spid="31"/>
+                                        </p:tgtEl>
+                                      </p:cBhvr>
+                                    </p:animEffect>
+                                  </p:childTnLst>
+                                </p:cTn>
+                              </p:par>
+                              <p:par>
+                                <p:cTn id="154" presetID="22" presetClass="entr" presetSubtype="1" fill="hold" nodeType="withEffect">
+                                  <p:stCondLst>
+                                    <p:cond delay="0"/>
+                                  </p:stCondLst>
+                                  <p:childTnLst>
+                                    <p:set>
+                                      <p:cBhvr>
+                                        <p:cTn id="155" dur="1" fill="hold">
+                                          <p:stCondLst>
+                                            <p:cond delay="0"/>
+                                          </p:stCondLst>
+                                        </p:cTn>
+                                        <p:tgtEl>
+                                          <p:spTgt spid="32"/>
+                                        </p:tgtEl>
+                                        <p:attrNameLst>
+                                          <p:attrName>style.visibility</p:attrName>
+                                        </p:attrNameLst>
+                                      </p:cBhvr>
+                                      <p:to>
+                                        <p:strVal val="visible"/>
+                                      </p:to>
+                                    </p:set>
+                                    <p:animEffect transition="in" filter="wipe(up)">
+                                      <p:cBhvr>
+                                        <p:cTn id="156" dur="500"/>
+                                        <p:tgtEl>
+                                          <p:spTgt spid="32"/>
+                                        </p:tgtEl>
+                                      </p:cBhvr>
+                                    </p:animEffect>
+                                  </p:childTnLst>
+                                </p:cTn>
+                              </p:par>
+                            </p:childTnLst>
+                          </p:cTn>
+                        </p:par>
+                      </p:childTnLst>
+                    </p:cTn>
+                  </p:par>
+                </p:childTnLst>
+              </p:cTn>
+              <p:prevCondLst>
+                <p:cond evt="onPrev" delay="0">
+                  <p:tgtEl>
+                    <p:sldTgt/>
+                  </p:tgtEl>
+                </p:cond>
+              </p:prevCondLst>
+              <p:nextCondLst>
+                <p:cond evt="onNext" delay="0">
+                  <p:tgtEl>
+                    <p:sldTgt/>
+                  </p:tgtEl>
+                </p:cond>
+              </p:nextCondLst>
+            </p:seq>
+          </p:childTnLst>
+        </p:cTn>
+      </p:par>
+    </p:tnLst>
+    <p:bldLst>
+      <p:bldP spid="8" grpId="0"/>
+      <p:bldP spid="8" grpId="1"/>
+      <p:bldP spid="10" grpId="0"/>
+      <p:bldP spid="10" grpId="1"/>
+      <p:bldP spid="11" grpId="0" animBg="1"/>
+      <p:bldP spid="11" grpId="1" animBg="1"/>
+      <p:bldP spid="12" grpId="0"/>
+      <p:bldP spid="12" grpId="1"/>
+      <p:bldP spid="14" grpId="0"/>
+      <p:bldP spid="14" grpId="1"/>
+      <p:bldP spid="16" grpId="0"/>
+      <p:bldP spid="16" grpId="1"/>
+      <p:bldP spid="17" grpId="0" animBg="1"/>
+      <p:bldP spid="17" grpId="1" animBg="1"/>
+      <p:bldP spid="18" grpId="0"/>
+      <p:bldP spid="18" grpId="1"/>
+      <p:bldP spid="21" grpId="0"/>
+      <p:bldP spid="22" grpId="0" animBg="1"/>
+      <p:bldP spid="23" grpId="0" animBg="1"/>
+      <p:bldP spid="26" grpId="0"/>
+    </p:bldLst>
+  </p:timing>
+</p:sld>
+</file>
+
+<file path=ppt/slides/slide16.xml><?xml version="1.0" encoding="utf-8"?>
+<p:sld xmlns:a="http://schemas.openxmlformats.org/drawingml/2006/main" xmlns:r="http://schemas.openxmlformats.org/officeDocument/2006/relationships" xmlns:p="http://schemas.openxmlformats.org/presentationml/2006/main">
+  <p:cSld>
+    <p:spTree>
+      <p:nvGrpSpPr>
+        <p:cNvPr id="1" name=""/>
+        <p:cNvGrpSpPr/>
+        <p:nvPr/>
+      </p:nvGrpSpPr>
+      <p:grpSpPr>
+        <a:xfrm>
+          <a:off x="0" y="0"/>
+          <a:ext cx="0" cy="0"/>
+          <a:chOff x="0" y="0"/>
+          <a:chExt cx="0" cy="0"/>
+        </a:xfrm>
+      </p:grpSpPr>
+      <p:sp>
+        <p:nvSpPr>
+          <p:cNvPr id="4" name="Rounded Rectangle 3"/>
+          <p:cNvSpPr/>
+          <p:nvPr/>
+        </p:nvSpPr>
+        <p:spPr bwMode="auto">
+          <a:xfrm>
+            <a:off x="1343328" y="1874837"/>
+            <a:ext cx="1715784" cy="1058238"/>
+          </a:xfrm>
+          <a:prstGeom prst="roundRect">
+            <a:avLst/>
+          </a:prstGeom>
+          <a:solidFill>
+            <a:schemeClr val="accent6">
+              <a:lumMod val="40000"/>
+              <a:lumOff val="60000"/>
+            </a:schemeClr>
+          </a:solidFill>
+          <a:ln w="9525" cap="flat" cmpd="sng" algn="ctr">
+            <a:solidFill>
+              <a:srgbClr val="FFFFFF"/>
+            </a:solidFill>
+            <a:prstDash val="solid"/>
+            <a:round/>
+            <a:headEnd type="none" w="med" len="med"/>
+            <a:tailEnd type="none" w="med" len="med"/>
+          </a:ln>
+          <a:effectLst/>
+        </p:spPr>
+        <p:txBody>
+          <a:bodyPr vert="horz" wrap="square" lIns="91440" tIns="45720" rIns="91440" bIns="45720" numCol="1" rtlCol="0" anchor="t" anchorCtr="0" compatLnSpc="1">
+            <a:prstTxWarp prst="textNoShape">
+              <a:avLst/>
+            </a:prstTxWarp>
+          </a:bodyPr>
+          <a:lstStyle/>
+          <a:p>
+            <a:pPr marL="0" marR="0" lvl="0" indent="0" algn="ctr" defTabSz="914400" rtl="0" eaLnBrk="1" fontAlgn="base" latinLnBrk="0" hangingPunct="1">
+              <a:lnSpc>
+                <a:spcPct val="150000"/>
+              </a:lnSpc>
+              <a:spcBef>
+                <a:spcPct val="0"/>
+              </a:spcBef>
+              <a:spcAft>
+                <a:spcPct val="0"/>
+              </a:spcAft>
+              <a:buClrTx/>
+              <a:buSzTx/>
+              <a:buFontTx/>
+              <a:buNone/>
+              <a:tabLst/>
+              <a:defRPr/>
+            </a:pPr>
+            <a:r>
+              <a:rPr kumimoji="0" lang="en-US" sz="3200" b="1" i="0" u="none" strike="noStrike" kern="0" cap="none" spc="0" normalizeH="0" baseline="0" noProof="0" dirty="0" smtClean="0">
+                <a:ln>
+                  <a:noFill/>
+                </a:ln>
+                <a:solidFill>
+                  <a:srgbClr val="000000"/>
+                </a:solidFill>
+                <a:effectLst/>
+                <a:uLnTx/>
+                <a:uFillTx/>
+                <a:latin typeface="Franklin Gothic Medium" pitchFamily="34" charset="0"/>
+              </a:rPr>
+              <a:t>Sales</a:t>
+            </a:r>
+          </a:p>
+        </p:txBody>
+      </p:sp>
+      <p:sp>
+        <p:nvSpPr>
+          <p:cNvPr id="5" name="Rectangle 3"/>
+          <p:cNvSpPr txBox="1">
+            <a:spLocks noChangeArrowheads="1"/>
+          </p:cNvSpPr>
+          <p:nvPr/>
+        </p:nvSpPr>
+        <p:spPr>
+          <a:xfrm>
+            <a:off x="7021513" y="4084637"/>
+            <a:ext cx="1600200" cy="457200"/>
+          </a:xfrm>
+          <a:prstGeom prst="rect">
+            <a:avLst/>
+          </a:prstGeom>
+        </p:spPr>
+        <p:txBody>
+          <a:bodyPr/>
+          <a:lstStyle/>
+          <a:p>
+            <a:pPr marL="0" marR="0" lvl="0" indent="0" algn="l" defTabSz="914400" rtl="0" eaLnBrk="1" fontAlgn="base" latinLnBrk="0" hangingPunct="1">
+              <a:lnSpc>
+                <a:spcPct val="100000"/>
+              </a:lnSpc>
+              <a:spcBef>
+                <a:spcPts val="700"/>
+              </a:spcBef>
+              <a:spcAft>
+                <a:spcPct val="0"/>
+              </a:spcAft>
+              <a:buClr>
+                <a:srgbClr val="FFD34F"/>
+              </a:buClr>
+              <a:buSzPct val="95000"/>
+              <a:buFontTx/>
+              <a:buNone/>
+              <a:tabLst/>
+              <a:defRPr/>
+            </a:pPr>
+            <a:r>
+              <a:rPr kumimoji="0" lang="en-US" sz="2000" b="0" i="0" u="none" strike="noStrike" kern="1200" cap="none" spc="0" normalizeH="0" baseline="0" noProof="0" dirty="0" smtClean="0">
+                <a:ln>
+                  <a:noFill/>
+                </a:ln>
+                <a:effectLst/>
+                <a:uLnTx/>
+                <a:uFillTx/>
+                <a:latin typeface="Franklin Gothic Book"/>
+                <a:ea typeface="+mn-ea"/>
+                <a:cs typeface="+mn-cs"/>
+              </a:rPr>
+              <a:t>Order Billed</a:t>
+            </a:r>
+          </a:p>
+        </p:txBody>
+      </p:sp>
+      <p:cxnSp>
+        <p:nvCxnSpPr>
+          <p:cNvPr id="6" name="Straight Arrow Connector 5"/>
+          <p:cNvCxnSpPr>
+            <a:stCxn id="4" idx="2"/>
+          </p:cNvCxnSpPr>
+          <p:nvPr/>
+        </p:nvCxnSpPr>
+        <p:spPr>
+          <a:xfrm>
+            <a:off x="2201220" y="2933075"/>
+            <a:ext cx="2266308" cy="2714690"/>
+          </a:xfrm>
+          <a:prstGeom prst="straightConnector1">
+            <a:avLst/>
+          </a:prstGeom>
+          <a:noFill/>
+          <a:ln w="38100" cap="flat" cmpd="sng" algn="ctr">
+            <a:solidFill>
+              <a:schemeClr val="tx1"/>
+            </a:solidFill>
+            <a:prstDash val="solid"/>
+            <a:tailEnd type="stealth" w="lg" len="lg"/>
+          </a:ln>
+          <a:effectLst/>
+        </p:spPr>
+      </p:cxnSp>
+      <p:cxnSp>
+        <p:nvCxnSpPr>
+          <p:cNvPr id="7" name="Straight Arrow Connector 6"/>
+          <p:cNvCxnSpPr>
+            <a:stCxn id="8" idx="2"/>
+          </p:cNvCxnSpPr>
+          <p:nvPr/>
+        </p:nvCxnSpPr>
+        <p:spPr>
+          <a:xfrm flipH="1">
+            <a:off x="5494763" y="2933075"/>
+            <a:ext cx="2269057" cy="2714690"/>
+          </a:xfrm>
+          <a:prstGeom prst="straightConnector1">
+            <a:avLst/>
+          </a:prstGeom>
+          <a:noFill/>
+          <a:ln w="38100" cap="flat" cmpd="sng" algn="ctr">
+            <a:solidFill>
+              <a:schemeClr val="tx1"/>
+            </a:solidFill>
+            <a:prstDash val="solid"/>
+            <a:tailEnd type="stealth" w="lg" len="lg"/>
+          </a:ln>
+          <a:effectLst/>
+        </p:spPr>
+      </p:cxnSp>
+      <p:sp>
+        <p:nvSpPr>
+          <p:cNvPr id="8" name="Rounded Rectangle 7"/>
+          <p:cNvSpPr/>
+          <p:nvPr/>
+        </p:nvSpPr>
+        <p:spPr bwMode="auto">
+          <a:xfrm>
+            <a:off x="6905928" y="1874837"/>
+            <a:ext cx="1715784" cy="1058238"/>
+          </a:xfrm>
+          <a:prstGeom prst="roundRect">
+            <a:avLst/>
+          </a:prstGeom>
+          <a:solidFill>
+            <a:srgbClr val="FFD34F">
+              <a:lumMod val="75000"/>
+            </a:srgbClr>
+          </a:solidFill>
+          <a:ln w="9525" cap="flat" cmpd="sng" algn="ctr">
+            <a:solidFill>
+              <a:srgbClr val="FFFFFF"/>
+            </a:solidFill>
+            <a:prstDash val="solid"/>
+            <a:round/>
+            <a:headEnd type="none" w="med" len="med"/>
+            <a:tailEnd type="none" w="med" len="med"/>
+          </a:ln>
+          <a:effectLst/>
+        </p:spPr>
+        <p:txBody>
+          <a:bodyPr vert="horz" wrap="square" lIns="91440" tIns="45720" rIns="91440" bIns="45720" numCol="1" rtlCol="0" anchor="ctr" anchorCtr="0" compatLnSpc="1">
+            <a:prstTxWarp prst="textNoShape">
+              <a:avLst/>
+            </a:prstTxWarp>
+          </a:bodyPr>
+          <a:lstStyle/>
+          <a:p>
+            <a:pPr marL="0" marR="0" lvl="0" indent="0" algn="ctr" defTabSz="914400" rtl="0" eaLnBrk="1" fontAlgn="base" latinLnBrk="0" hangingPunct="1">
+              <a:lnSpc>
+                <a:spcPct val="100000"/>
+              </a:lnSpc>
+              <a:spcBef>
+                <a:spcPct val="0"/>
+              </a:spcBef>
+              <a:spcAft>
+                <a:spcPct val="0"/>
+              </a:spcAft>
+              <a:buClrTx/>
+              <a:buSzTx/>
+              <a:buFontTx/>
+              <a:buNone/>
+              <a:tabLst/>
+              <a:defRPr/>
+            </a:pPr>
+            <a:r>
+              <a:rPr kumimoji="0" lang="en-US" sz="3200" b="1" i="0" u="none" strike="noStrike" kern="0" cap="none" spc="0" normalizeH="0" baseline="0" noProof="0" dirty="0" smtClean="0">
+                <a:ln>
+                  <a:noFill/>
+                </a:ln>
+                <a:solidFill>
+                  <a:srgbClr val="000000"/>
+                </a:solidFill>
+                <a:effectLst/>
+                <a:uLnTx/>
+                <a:uFillTx/>
+                <a:latin typeface="Franklin Gothic Medium" pitchFamily="34" charset="0"/>
+              </a:rPr>
+              <a:t>Billing</a:t>
+            </a:r>
+          </a:p>
+        </p:txBody>
+      </p:sp>
+      <p:sp>
+        <p:nvSpPr>
+          <p:cNvPr id="9" name="Rounded Rectangle 8"/>
+          <p:cNvSpPr/>
+          <p:nvPr/>
+        </p:nvSpPr>
+        <p:spPr bwMode="auto">
+          <a:xfrm>
+            <a:off x="3973512" y="5714422"/>
+            <a:ext cx="2122472" cy="1058238"/>
+          </a:xfrm>
+          <a:prstGeom prst="roundRect">
+            <a:avLst/>
+          </a:prstGeom>
+          <a:solidFill>
+            <a:srgbClr val="07CF2D"/>
+          </a:solidFill>
+          <a:ln w="9525" cap="flat" cmpd="sng" algn="ctr">
+            <a:solidFill>
+              <a:srgbClr val="FFFFFF"/>
+            </a:solidFill>
+            <a:prstDash val="solid"/>
+            <a:round/>
+            <a:headEnd type="none" w="med" len="med"/>
+            <a:tailEnd type="none" w="med" len="med"/>
+          </a:ln>
+          <a:effectLst/>
+        </p:spPr>
+        <p:txBody>
+          <a:bodyPr vert="horz" wrap="square" lIns="91440" tIns="45720" rIns="91440" bIns="45720" numCol="1" rtlCol="0" anchor="ctr" anchorCtr="0" compatLnSpc="1">
+            <a:prstTxWarp prst="textNoShape">
+              <a:avLst/>
+            </a:prstTxWarp>
+          </a:bodyPr>
+          <a:lstStyle/>
+          <a:p>
+            <a:pPr marL="0" marR="0" lvl="0" indent="0" algn="ctr" defTabSz="914400" rtl="0" eaLnBrk="1" fontAlgn="base" latinLnBrk="0" hangingPunct="1">
+              <a:lnSpc>
+                <a:spcPct val="100000"/>
+              </a:lnSpc>
+              <a:spcBef>
+                <a:spcPct val="0"/>
+              </a:spcBef>
+              <a:spcAft>
+                <a:spcPct val="0"/>
+              </a:spcAft>
+              <a:buClrTx/>
+              <a:buSzTx/>
+              <a:buFontTx/>
+              <a:buNone/>
+              <a:tabLst/>
+              <a:defRPr/>
+            </a:pPr>
+            <a:r>
+              <a:rPr kumimoji="0" lang="en-US" sz="3200" b="1" i="0" u="none" strike="noStrike" kern="0" cap="none" spc="0" normalizeH="0" baseline="0" noProof="0" dirty="0" smtClean="0">
+                <a:ln>
+                  <a:noFill/>
+                </a:ln>
+                <a:solidFill>
+                  <a:srgbClr val="000000"/>
+                </a:solidFill>
+                <a:effectLst/>
+                <a:uLnTx/>
+                <a:uFillTx/>
+                <a:latin typeface="Franklin Gothic Medium" pitchFamily="34" charset="0"/>
+              </a:rPr>
+              <a:t>Shipping</a:t>
+            </a:r>
+          </a:p>
+        </p:txBody>
+      </p:sp>
+      <p:sp>
+        <p:nvSpPr>
+          <p:cNvPr id="10" name="Rectangle 3"/>
+          <p:cNvSpPr txBox="1">
+            <a:spLocks noChangeArrowheads="1"/>
+          </p:cNvSpPr>
+          <p:nvPr/>
+        </p:nvSpPr>
+        <p:spPr>
+          <a:xfrm>
+            <a:off x="2982912" y="2865437"/>
+            <a:ext cx="1981200" cy="457200"/>
+          </a:xfrm>
+          <a:prstGeom prst="rect">
+            <a:avLst/>
+          </a:prstGeom>
+        </p:spPr>
+        <p:txBody>
+          <a:bodyPr/>
+          <a:lstStyle/>
+          <a:p>
+            <a:pPr marL="0" marR="0" lvl="0" indent="0" algn="l" defTabSz="914400" rtl="0" eaLnBrk="1" fontAlgn="base" latinLnBrk="0" hangingPunct="1">
+              <a:lnSpc>
+                <a:spcPct val="100000"/>
+              </a:lnSpc>
+              <a:spcBef>
+                <a:spcPts val="700"/>
+              </a:spcBef>
+              <a:spcAft>
+                <a:spcPct val="0"/>
+              </a:spcAft>
+              <a:buClr>
+                <a:srgbClr val="FFD34F"/>
+              </a:buClr>
+              <a:buSzPct val="95000"/>
+              <a:buFontTx/>
+              <a:buNone/>
+              <a:tabLst/>
+              <a:defRPr/>
+            </a:pPr>
+            <a:r>
+              <a:rPr kumimoji="0" lang="en-US" sz="2000" b="0" i="0" u="none" strike="noStrike" kern="1200" cap="none" spc="0" normalizeH="0" baseline="0" noProof="0" dirty="0" smtClean="0">
+                <a:ln>
+                  <a:noFill/>
+                </a:ln>
+                <a:effectLst/>
+                <a:uLnTx/>
+                <a:uFillTx/>
+                <a:latin typeface="Franklin Gothic Book"/>
+                <a:ea typeface="+mn-ea"/>
+                <a:cs typeface="+mn-cs"/>
+              </a:rPr>
+              <a:t>Order Accepted</a:t>
+            </a:r>
+          </a:p>
+        </p:txBody>
+      </p:sp>
+      <p:cxnSp>
+        <p:nvCxnSpPr>
+          <p:cNvPr id="11" name="Straight Arrow Connector 10"/>
+          <p:cNvCxnSpPr>
+            <a:stCxn id="4" idx="3"/>
+            <a:endCxn id="8" idx="1"/>
+          </p:cNvCxnSpPr>
+          <p:nvPr/>
+        </p:nvCxnSpPr>
+        <p:spPr>
+          <a:xfrm>
+            <a:off x="3059112" y="2403956"/>
+            <a:ext cx="3846816" cy="1588"/>
+          </a:xfrm>
+          <a:prstGeom prst="straightConnector1">
+            <a:avLst/>
+          </a:prstGeom>
+          <a:noFill/>
+          <a:ln w="38100" cap="flat" cmpd="sng" algn="ctr">
+            <a:solidFill>
+              <a:schemeClr val="tx1"/>
+            </a:solidFill>
+            <a:prstDash val="solid"/>
+            <a:tailEnd type="stealth" w="lg" len="lg"/>
+          </a:ln>
+          <a:effectLst/>
+        </p:spPr>
+      </p:cxnSp>
+      <p:grpSp>
+        <p:nvGrpSpPr>
+          <p:cNvPr id="12" name="Group 11"/>
+          <p:cNvGrpSpPr/>
+          <p:nvPr/>
+        </p:nvGrpSpPr>
+        <p:grpSpPr>
+          <a:xfrm>
+            <a:off x="6132512" y="5866822"/>
+            <a:ext cx="3632200" cy="609600"/>
+            <a:chOff x="6132512" y="6065837"/>
+            <a:chExt cx="3632200" cy="609600"/>
+          </a:xfrm>
+        </p:grpSpPr>
+        <p:sp>
+          <p:nvSpPr>
+            <p:cNvPr id="13" name="Freeform 13"/>
+            <p:cNvSpPr>
+              <a:spLocks/>
+            </p:cNvSpPr>
+            <p:nvPr/>
+          </p:nvSpPr>
+          <p:spPr bwMode="auto">
+            <a:xfrm>
+              <a:off x="6132512" y="6218237"/>
+              <a:ext cx="508000" cy="457200"/>
+            </a:xfrm>
+            <a:custGeom>
+              <a:avLst/>
+              <a:gdLst>
+                <a:gd name="T0" fmla="*/ 15875 w 320"/>
+                <a:gd name="T1" fmla="*/ 0 h 333"/>
+                <a:gd name="T2" fmla="*/ 508000 w 320"/>
+                <a:gd name="T3" fmla="*/ 6350 h 333"/>
+                <a:gd name="T4" fmla="*/ 508000 w 320"/>
+                <a:gd name="T5" fmla="*/ 528637 h 333"/>
+                <a:gd name="T6" fmla="*/ 0 w 320"/>
+                <a:gd name="T7" fmla="*/ 528637 h 333"/>
+                <a:gd name="T8" fmla="*/ 0 60000 65536"/>
+                <a:gd name="T9" fmla="*/ 0 60000 65536"/>
+                <a:gd name="T10" fmla="*/ 0 60000 65536"/>
+                <a:gd name="T11" fmla="*/ 0 60000 65536"/>
+                <a:gd name="T12" fmla="*/ 0 w 320"/>
+                <a:gd name="T13" fmla="*/ 0 h 333"/>
+                <a:gd name="T14" fmla="*/ 320 w 320"/>
+                <a:gd name="T15" fmla="*/ 333 h 333"/>
+              </a:gdLst>
+              <a:ahLst/>
+              <a:cxnLst>
+                <a:cxn ang="T8">
+                  <a:pos x="T0" y="T1"/>
+                </a:cxn>
+                <a:cxn ang="T9">
+                  <a:pos x="T2" y="T3"/>
+                </a:cxn>
+                <a:cxn ang="T10">
+                  <a:pos x="T4" y="T5"/>
+                </a:cxn>
+                <a:cxn ang="T11">
+                  <a:pos x="T6" y="T7"/>
+                </a:cxn>
+              </a:cxnLst>
+              <a:rect l="T12" t="T13" r="T14" b="T15"/>
+              <a:pathLst>
+                <a:path w="320" h="333">
+                  <a:moveTo>
+                    <a:pt x="10" y="0"/>
+                  </a:moveTo>
+                  <a:lnTo>
+                    <a:pt x="320" y="4"/>
+                  </a:lnTo>
+                  <a:lnTo>
+                    <a:pt x="320" y="333"/>
+                  </a:lnTo>
+                  <a:lnTo>
+                    <a:pt x="0" y="333"/>
+                  </a:lnTo>
+                </a:path>
+              </a:pathLst>
+            </a:custGeom>
+            <a:noFill/>
+            <a:ln w="57150">
+              <a:solidFill>
+                <a:schemeClr val="tx1"/>
+              </a:solidFill>
+              <a:round/>
+              <a:headEnd/>
+              <a:tailEnd type="stealth" w="lg" len="lg"/>
+            </a:ln>
+          </p:spPr>
+          <p:txBody>
+            <a:bodyPr wrap="none" anchor="ctr"/>
+            <a:lstStyle/>
+            <a:p>
+              <a:pPr marL="0" marR="0" lvl="0" indent="0" algn="l" defTabSz="914400" eaLnBrk="1" fontAlgn="auto" latinLnBrk="0" hangingPunct="1">
+                <a:lnSpc>
+                  <a:spcPct val="100000"/>
+                </a:lnSpc>
+                <a:spcBef>
+                  <a:spcPts val="0"/>
+                </a:spcBef>
+                <a:spcAft>
+                  <a:spcPts val="0"/>
+                </a:spcAft>
+                <a:buClrTx/>
+                <a:buSzTx/>
+                <a:buFontTx/>
+                <a:buNone/>
+                <a:tabLst/>
+                <a:defRPr/>
+              </a:pPr>
+              <a:endParaRPr kumimoji="0" lang="en-GB" sz="1800" b="0" i="0" u="none" strike="noStrike" kern="0" cap="none" spc="0" normalizeH="0" baseline="0" noProof="0">
+                <a:ln>
+                  <a:noFill/>
+                </a:ln>
+                <a:solidFill>
+                  <a:sysClr val="windowText" lastClr="000000"/>
+                </a:solidFill>
+                <a:effectLst/>
+                <a:uLnTx/>
+                <a:uFillTx/>
+              </a:endParaRPr>
+            </a:p>
+          </p:txBody>
+        </p:sp>
+        <p:sp>
+          <p:nvSpPr>
+            <p:cNvPr id="14" name="Rectangle 3"/>
+            <p:cNvSpPr txBox="1">
+              <a:spLocks noChangeArrowheads="1"/>
+            </p:cNvSpPr>
+            <p:nvPr/>
+          </p:nvSpPr>
+          <p:spPr>
+            <a:xfrm>
+              <a:off x="6716712" y="6065837"/>
+              <a:ext cx="3048000" cy="457200"/>
+            </a:xfrm>
+            <a:prstGeom prst="rect">
+              <a:avLst/>
+            </a:prstGeom>
+          </p:spPr>
+          <p:txBody>
+            <a:bodyPr/>
+            <a:lstStyle/>
+            <a:p>
+              <a:pPr marL="0" marR="0" lvl="0" indent="0" algn="l" defTabSz="914400" rtl="0" eaLnBrk="1" fontAlgn="base" latinLnBrk="0" hangingPunct="1">
+                <a:lnSpc>
+                  <a:spcPct val="100000"/>
+                </a:lnSpc>
+                <a:spcBef>
+                  <a:spcPts val="700"/>
+                </a:spcBef>
+                <a:spcAft>
+                  <a:spcPct val="0"/>
+                </a:spcAft>
+                <a:buClr>
+                  <a:srgbClr val="FFD34F"/>
+                </a:buClr>
+                <a:buSzPct val="95000"/>
+                <a:buFontTx/>
+                <a:buNone/>
+                <a:tabLst/>
+                <a:defRPr/>
+              </a:pPr>
+              <a:r>
+                <a:rPr kumimoji="0" lang="en-US" sz="2000" b="0" i="0" u="none" strike="noStrike" kern="1200" cap="none" spc="0" normalizeH="0" baseline="0" noProof="0" dirty="0" smtClean="0">
+                  <a:ln>
+                    <a:noFill/>
+                  </a:ln>
+                  <a:effectLst/>
+                  <a:uLnTx/>
+                  <a:uFillTx/>
+                  <a:latin typeface="Franklin Gothic Book"/>
+                  <a:ea typeface="+mn-ea"/>
+                  <a:cs typeface="+mn-cs"/>
+                </a:rPr>
+                <a:t>Process only when both events have arrived</a:t>
+              </a:r>
+            </a:p>
+          </p:txBody>
+        </p:sp>
+      </p:grpSp>
+      <p:grpSp>
+        <p:nvGrpSpPr>
+          <p:cNvPr id="15" name="Group 39"/>
+          <p:cNvGrpSpPr/>
+          <p:nvPr/>
+        </p:nvGrpSpPr>
+        <p:grpSpPr>
+          <a:xfrm>
+            <a:off x="165207" y="5743426"/>
+            <a:ext cx="3689972" cy="911445"/>
+            <a:chOff x="597125" y="4396335"/>
+            <a:chExt cx="3689972" cy="911445"/>
+          </a:xfrm>
+        </p:grpSpPr>
+        <p:sp>
+          <p:nvSpPr>
+            <p:cNvPr id="16" name="TextBox 15"/>
+            <p:cNvSpPr txBox="1"/>
+            <p:nvPr/>
+          </p:nvSpPr>
+          <p:spPr>
+            <a:xfrm>
+              <a:off x="1535831" y="4413946"/>
+              <a:ext cx="2751266" cy="893834"/>
+            </a:xfrm>
+            <a:prstGeom prst="rect">
+              <a:avLst/>
+            </a:prstGeom>
+            <a:noFill/>
+          </p:spPr>
+          <p:txBody>
+            <a:bodyPr wrap="none" rtlCol="0">
+              <a:spAutoFit/>
+            </a:bodyPr>
+            <a:lstStyle/>
+            <a:p>
+              <a:r>
+                <a:rPr lang="en-US" sz="2800" b="0" dirty="0" smtClean="0">
+                  <a:latin typeface="Calibri" pitchFamily="34" charset="0"/>
+                </a:rPr>
+                <a:t>Events may arrive</a:t>
+              </a:r>
+            </a:p>
+            <a:p>
+              <a:r>
+                <a:rPr lang="en-US" sz="2800" dirty="0" smtClean="0">
+                  <a:latin typeface="Calibri" pitchFamily="34" charset="0"/>
+                </a:rPr>
+                <a:t> out of order</a:t>
+              </a:r>
+              <a:endParaRPr lang="en-GB" sz="2800" b="0" dirty="0">
+                <a:latin typeface="Calibri" pitchFamily="34" charset="0"/>
+              </a:endParaRPr>
+            </a:p>
+          </p:txBody>
+        </p:sp>
+        <p:pic>
+          <p:nvPicPr>
+            <p:cNvPr id="17" name="Picture 2" descr="L:\Paul Nelson\TechEd\Dev\Breakouts\ARC05-IS\WARNING.png"/>
+            <p:cNvPicPr>
+              <a:picLocks noChangeAspect="1" noChangeArrowheads="1"/>
+            </p:cNvPicPr>
+            <p:nvPr/>
+          </p:nvPicPr>
+          <p:blipFill>
+            <a:blip r:embed="rId2" cstate="print"/>
+            <a:srcRect/>
+            <a:stretch>
+              <a:fillRect/>
+            </a:stretch>
+          </p:blipFill>
+          <p:spPr bwMode="auto">
+            <a:xfrm>
+              <a:off x="597125" y="4396335"/>
+              <a:ext cx="938706" cy="816797"/>
+            </a:xfrm>
+            <a:prstGeom prst="rect">
+              <a:avLst/>
+            </a:prstGeom>
+            <a:noFill/>
+          </p:spPr>
+        </p:pic>
+      </p:grpSp>
+      <p:sp>
+        <p:nvSpPr>
+          <p:cNvPr id="18" name="Title 1"/>
+          <p:cNvSpPr txBox="1">
+            <a:spLocks noGrp="1"/>
+          </p:cNvSpPr>
+          <p:nvPr>
+            <p:ph type="title"/>
+          </p:nvPr>
+        </p:nvSpPr>
+        <p:spPr>
+          <a:prstGeom prst="rect">
+            <a:avLst/>
+          </a:prstGeom>
+        </p:spPr>
+        <p:txBody>
+          <a:bodyPr vert="horz" lIns="91440" tIns="45720" rIns="91440" bIns="45720" rtlCol="0" anchor="ctr">
+            <a:normAutofit/>
+          </a:bodyPr>
+          <a:lstStyle>
+            <a:lvl1pPr algn="l" defTabSz="914400" rtl="0" eaLnBrk="1" latinLnBrk="0" hangingPunct="1">
+              <a:lnSpc>
+                <a:spcPct val="90000"/>
+              </a:lnSpc>
+              <a:spcBef>
+                <a:spcPct val="0"/>
+              </a:spcBef>
+              <a:buNone/>
+              <a:defRPr sz="4400" kern="1200">
+                <a:solidFill>
+                  <a:schemeClr val="tx1"/>
+                </a:solidFill>
+                <a:latin typeface="+mj-lt"/>
+                <a:ea typeface="+mj-ea"/>
+                <a:cs typeface="+mj-cs"/>
+              </a:defRPr>
+            </a:lvl1pPr>
+          </a:lstStyle>
+          <a:p>
+            <a:r>
+              <a:rPr lang="en-US" dirty="0" smtClean="0"/>
+              <a:t>Sagas and Services</a:t>
+            </a:r>
+            <a:endParaRPr lang="en-US" dirty="0"/>
+          </a:p>
+        </p:txBody>
+      </p:sp>
+    </p:spTree>
+    <p:extLst>
+      <p:ext uri="{BB962C8B-B14F-4D97-AF65-F5344CB8AC3E}">
+        <p14:creationId xmlns:p14="http://schemas.microsoft.com/office/powerpoint/2010/main" val="2876820636"/>
+      </p:ext>
+    </p:extLst>
+  </p:cSld>
+  <p:clrMapOvr>
+    <a:masterClrMapping/>
+  </p:clrMapOvr>
+  <p:timing>
+    <p:tnLst>
+      <p:par>
+        <p:cTn id="1" dur="indefinite" restart="never" nodeType="tmRoot">
+          <p:childTnLst>
+            <p:seq concurrent="1" nextAc="seek">
+              <p:cTn id="2" dur="indefinite" nodeType="mainSeq">
+                <p:childTnLst>
+                  <p:par>
+                    <p:cTn id="3" fill="hold">
+                      <p:stCondLst>
+                        <p:cond delay="indefinite"/>
+                      </p:stCondLst>
+                      <p:childTnLst>
+                        <p:par>
+                          <p:cTn id="4" fill="hold">
+                            <p:stCondLst>
+                              <p:cond delay="0"/>
+                            </p:stCondLst>
+                            <p:childTnLst>
+                              <p:par>
+                                <p:cTn id="5" presetID="22" presetClass="entr" presetSubtype="1" fill="hold" nodeType="clickEffect">
+                                  <p:stCondLst>
+                                    <p:cond delay="0"/>
+                                  </p:stCondLst>
+                                  <p:childTnLst>
+                                    <p:set>
+                                      <p:cBhvr>
+                                        <p:cTn id="6" dur="1" fill="hold">
+                                          <p:stCondLst>
+                                            <p:cond delay="0"/>
+                                          </p:stCondLst>
+                                        </p:cTn>
+                                        <p:tgtEl>
+                                          <p:spTgt spid="6"/>
+                                        </p:tgtEl>
+                                        <p:attrNameLst>
+                                          <p:attrName>style.visibility</p:attrName>
+                                        </p:attrNameLst>
+                                      </p:cBhvr>
+                                      <p:to>
+                                        <p:strVal val="visible"/>
+                                      </p:to>
+                                    </p:set>
+                                    <p:animEffect transition="in" filter="wipe(up)">
+                                      <p:cBhvr>
+                                        <p:cTn id="7" dur="500"/>
+                                        <p:tgtEl>
+                                          <p:spTgt spid="6"/>
+                                        </p:tgtEl>
+                                      </p:cBhvr>
+                                    </p:animEffect>
+                                  </p:childTnLst>
+                                </p:cTn>
+                              </p:par>
+                              <p:par>
+                                <p:cTn id="8" presetID="22" presetClass="entr" presetSubtype="8" fill="hold" nodeType="withEffect">
+                                  <p:stCondLst>
+                                    <p:cond delay="0"/>
+                                  </p:stCondLst>
+                                  <p:childTnLst>
+                                    <p:set>
+                                      <p:cBhvr>
+                                        <p:cTn id="9" dur="1" fill="hold">
+                                          <p:stCondLst>
+                                            <p:cond delay="0"/>
+                                          </p:stCondLst>
+                                        </p:cTn>
+                                        <p:tgtEl>
+                                          <p:spTgt spid="11"/>
+                                        </p:tgtEl>
+                                        <p:attrNameLst>
+                                          <p:attrName>style.visibility</p:attrName>
+                                        </p:attrNameLst>
+                                      </p:cBhvr>
+                                      <p:to>
+                                        <p:strVal val="visible"/>
+                                      </p:to>
+                                    </p:set>
+                                    <p:animEffect transition="in" filter="wipe(left)">
+                                      <p:cBhvr>
+                                        <p:cTn id="10" dur="500"/>
+                                        <p:tgtEl>
+                                          <p:spTgt spid="11"/>
+                                        </p:tgtEl>
+                                      </p:cBhvr>
+                                    </p:animEffect>
+                                  </p:childTnLst>
+                                </p:cTn>
+                              </p:par>
+                              <p:par>
+                                <p:cTn id="11" presetID="1" presetClass="entr" presetSubtype="0" fill="hold" grpId="0" nodeType="withEffect">
+                                  <p:stCondLst>
+                                    <p:cond delay="0"/>
+                                  </p:stCondLst>
+                                  <p:childTnLst>
+                                    <p:set>
+                                      <p:cBhvr>
+                                        <p:cTn id="12" dur="1" fill="hold">
+                                          <p:stCondLst>
+                                            <p:cond delay="0"/>
+                                          </p:stCondLst>
+                                        </p:cTn>
+                                        <p:tgtEl>
+                                          <p:spTgt spid="10"/>
+                                        </p:tgtEl>
+                                        <p:attrNameLst>
+                                          <p:attrName>style.visibility</p:attrName>
+                                        </p:attrNameLst>
+                                      </p:cBhvr>
+                                      <p:to>
+                                        <p:strVal val="visible"/>
+                                      </p:to>
+                                    </p:set>
+                                  </p:childTnLst>
+                                </p:cTn>
+                              </p:par>
+                            </p:childTnLst>
+                          </p:cTn>
+                        </p:par>
+                      </p:childTnLst>
+                    </p:cTn>
+                  </p:par>
+                  <p:par>
+                    <p:cTn id="13" fill="hold">
+                      <p:stCondLst>
+                        <p:cond delay="indefinite"/>
+                      </p:stCondLst>
+                      <p:childTnLst>
+                        <p:par>
+                          <p:cTn id="14" fill="hold">
+                            <p:stCondLst>
+                              <p:cond delay="0"/>
+                            </p:stCondLst>
+                            <p:childTnLst>
+                              <p:par>
+                                <p:cTn id="15" presetID="22" presetClass="entr" presetSubtype="2" fill="hold" nodeType="clickEffect">
+                                  <p:stCondLst>
+                                    <p:cond delay="0"/>
+                                  </p:stCondLst>
+                                  <p:childTnLst>
+                                    <p:set>
+                                      <p:cBhvr>
+                                        <p:cTn id="16" dur="1" fill="hold">
+                                          <p:stCondLst>
+                                            <p:cond delay="0"/>
+                                          </p:stCondLst>
+                                        </p:cTn>
+                                        <p:tgtEl>
+                                          <p:spTgt spid="7"/>
+                                        </p:tgtEl>
+                                        <p:attrNameLst>
+                                          <p:attrName>style.visibility</p:attrName>
+                                        </p:attrNameLst>
+                                      </p:cBhvr>
+                                      <p:to>
+                                        <p:strVal val="visible"/>
+                                      </p:to>
+                                    </p:set>
+                                    <p:animEffect transition="in" filter="wipe(right)">
+                                      <p:cBhvr>
+                                        <p:cTn id="17" dur="500"/>
+                                        <p:tgtEl>
+                                          <p:spTgt spid="7"/>
+                                        </p:tgtEl>
+                                      </p:cBhvr>
+                                    </p:animEffect>
+                                  </p:childTnLst>
+                                </p:cTn>
+                              </p:par>
+                              <p:par>
+                                <p:cTn id="18" presetID="1" presetClass="entr" presetSubtype="0" fill="hold" grpId="0" nodeType="withEffect">
+                                  <p:stCondLst>
+                                    <p:cond delay="0"/>
+                                  </p:stCondLst>
+                                  <p:childTnLst>
+                                    <p:set>
+                                      <p:cBhvr>
+                                        <p:cTn id="19" dur="1" fill="hold">
+                                          <p:stCondLst>
+                                            <p:cond delay="0"/>
+                                          </p:stCondLst>
+                                        </p:cTn>
+                                        <p:tgtEl>
+                                          <p:spTgt spid="5"/>
+                                        </p:tgtEl>
+                                        <p:attrNameLst>
+                                          <p:attrName>style.visibility</p:attrName>
+                                        </p:attrNameLst>
+                                      </p:cBhvr>
+                                      <p:to>
+                                        <p:strVal val="visible"/>
+                                      </p:to>
+                                    </p:set>
+                                  </p:childTnLst>
+                                </p:cTn>
+                              </p:par>
+                            </p:childTnLst>
+                          </p:cTn>
+                        </p:par>
+                      </p:childTnLst>
+                    </p:cTn>
+                  </p:par>
+                  <p:par>
+                    <p:cTn id="20" fill="hold">
+                      <p:stCondLst>
+                        <p:cond delay="indefinite"/>
+                      </p:stCondLst>
+                      <p:childTnLst>
+                        <p:par>
+                          <p:cTn id="21" fill="hold">
+                            <p:stCondLst>
+                              <p:cond delay="0"/>
+                            </p:stCondLst>
+                            <p:childTnLst>
+                              <p:par>
+                                <p:cTn id="22" presetID="22" presetClass="entr" presetSubtype="1" fill="hold" nodeType="clickEffect">
+                                  <p:stCondLst>
+                                    <p:cond delay="0"/>
+                                  </p:stCondLst>
+                                  <p:childTnLst>
+                                    <p:set>
+                                      <p:cBhvr>
+                                        <p:cTn id="23" dur="1" fill="hold">
+                                          <p:stCondLst>
+                                            <p:cond delay="0"/>
+                                          </p:stCondLst>
+                                        </p:cTn>
+                                        <p:tgtEl>
+                                          <p:spTgt spid="12"/>
+                                        </p:tgtEl>
+                                        <p:attrNameLst>
+                                          <p:attrName>style.visibility</p:attrName>
+                                        </p:attrNameLst>
+                                      </p:cBhvr>
+                                      <p:to>
+                                        <p:strVal val="visible"/>
+                                      </p:to>
+                                    </p:set>
+                                    <p:animEffect transition="in" filter="wipe(up)">
+                                      <p:cBhvr>
+                                        <p:cTn id="24" dur="500"/>
+                                        <p:tgtEl>
+                                          <p:spTgt spid="12"/>
+                                        </p:tgtEl>
+                                      </p:cBhvr>
+                                    </p:animEffect>
+                                  </p:childTnLst>
+                                </p:cTn>
+                              </p:par>
+                            </p:childTnLst>
+                          </p:cTn>
+                        </p:par>
+                      </p:childTnLst>
+                    </p:cTn>
+                  </p:par>
+                  <p:par>
+                    <p:cTn id="25" fill="hold">
+                      <p:stCondLst>
+                        <p:cond delay="indefinite"/>
+                      </p:stCondLst>
+                      <p:childTnLst>
+                        <p:par>
+                          <p:cTn id="26" fill="hold">
+                            <p:stCondLst>
+                              <p:cond delay="0"/>
+                            </p:stCondLst>
+                            <p:childTnLst>
+                              <p:par>
+                                <p:cTn id="27" presetID="10" presetClass="entr" presetSubtype="0" fill="hold" nodeType="clickEffect">
+                                  <p:stCondLst>
+                                    <p:cond delay="0"/>
+                                  </p:stCondLst>
+                                  <p:childTnLst>
+                                    <p:set>
+                                      <p:cBhvr>
+                                        <p:cTn id="28" dur="1" fill="hold">
+                                          <p:stCondLst>
+                                            <p:cond delay="0"/>
+                                          </p:stCondLst>
+                                        </p:cTn>
+                                        <p:tgtEl>
+                                          <p:spTgt spid="15"/>
+                                        </p:tgtEl>
+                                        <p:attrNameLst>
+                                          <p:attrName>style.visibility</p:attrName>
+                                        </p:attrNameLst>
+                                      </p:cBhvr>
+                                      <p:to>
+                                        <p:strVal val="visible"/>
+                                      </p:to>
+                                    </p:set>
+                                    <p:animEffect transition="in" filter="fade">
+                                      <p:cBhvr>
+                                        <p:cTn id="29" dur="500"/>
+                                        <p:tgtEl>
+                                          <p:spTgt spid="15"/>
+                                        </p:tgtEl>
+                                      </p:cBhvr>
+                                    </p:animEffect>
+                                  </p:childTnLst>
+                                </p:cTn>
+                              </p:par>
+                            </p:childTnLst>
+                          </p:cTn>
+                        </p:par>
+                      </p:childTnLst>
+                    </p:cTn>
+                  </p:par>
+                </p:childTnLst>
+              </p:cTn>
+              <p:prevCondLst>
+                <p:cond evt="onPrev" delay="0">
+                  <p:tgtEl>
+                    <p:sldTgt/>
+                  </p:tgtEl>
+                </p:cond>
+              </p:prevCondLst>
+              <p:nextCondLst>
+                <p:cond evt="onNext" delay="0">
+                  <p:tgtEl>
+                    <p:sldTgt/>
+                  </p:tgtEl>
+                </p:cond>
+              </p:nextCondLst>
+            </p:seq>
+          </p:childTnLst>
+        </p:cTn>
+      </p:par>
+    </p:tnLst>
+    <p:bldLst>
+      <p:bldP spid="5" grpId="0"/>
+      <p:bldP spid="10" grpId="0"/>
+    </p:bldLst>
+  </p:timing>
+</p:sld>
+</file>
+
+<file path=ppt/slides/slide17.xml><?xml version="1.0" encoding="utf-8"?>
+<p:sld xmlns:a="http://schemas.openxmlformats.org/drawingml/2006/main" xmlns:r="http://schemas.openxmlformats.org/officeDocument/2006/relationships" xmlns:p="http://schemas.openxmlformats.org/presentationml/2006/main">
+  <p:cSld>
+    <p:spTree>
+      <p:nvGrpSpPr>
+        <p:cNvPr id="1" name=""/>
+        <p:cNvGrpSpPr/>
+        <p:nvPr/>
+      </p:nvGrpSpPr>
+      <p:grpSpPr>
+        <a:xfrm>
+          <a:off x="0" y="0"/>
+          <a:ext cx="0" cy="0"/>
+          <a:chOff x="0" y="0"/>
+          <a:chExt cx="0" cy="0"/>
+        </a:xfrm>
+      </p:grpSpPr>
+      <p:sp>
+        <p:nvSpPr>
+          <p:cNvPr id="2" name="Title 1"/>
+          <p:cNvSpPr>
+            <a:spLocks noGrp="1"/>
+          </p:cNvSpPr>
+          <p:nvPr>
+            <p:ph type="title"/>
+          </p:nvPr>
+        </p:nvSpPr>
+        <p:spPr/>
+        <p:txBody>
+          <a:bodyPr/>
+          <a:lstStyle/>
+          <a:p>
+            <a:r>
+              <a:rPr lang="en-US" dirty="0"/>
+              <a:t>Starting </a:t>
+            </a:r>
+            <a:r>
+              <a:rPr lang="en-US" dirty="0" smtClean="0"/>
+              <a:t>Sagas</a:t>
+            </a:r>
+            <a:r>
+              <a:rPr lang="en-US" dirty="0"/>
+              <a:t/>
+            </a:r>
+            <a:br>
+              <a:rPr lang="en-US" dirty="0"/>
+            </a:br>
+            <a:endParaRPr lang="sv-SE" dirty="0"/>
+          </a:p>
+        </p:txBody>
+      </p:sp>
+      <p:sp>
+        <p:nvSpPr>
+          <p:cNvPr id="4" name="Title 1"/>
+          <p:cNvSpPr txBox="1">
+            <a:spLocks/>
+          </p:cNvSpPr>
+          <p:nvPr/>
+        </p:nvSpPr>
+        <p:spPr>
+          <a:xfrm>
+            <a:off x="468313" y="360363"/>
+            <a:ext cx="9610726" cy="719137"/>
+          </a:xfrm>
+          <a:prstGeom prst="rect">
+            <a:avLst/>
+          </a:prstGeom>
+        </p:spPr>
+        <p:txBody>
+          <a:bodyPr vert="horz" lIns="91440" tIns="45720" rIns="91440" bIns="45720" rtlCol="0" anchor="ctr">
+            <a:normAutofit/>
+          </a:bodyPr>
+          <a:lstStyle>
+            <a:lvl1pPr algn="l" defTabSz="914400" rtl="0" eaLnBrk="1" latinLnBrk="0" hangingPunct="1">
+              <a:lnSpc>
+                <a:spcPct val="90000"/>
+              </a:lnSpc>
+              <a:spcBef>
+                <a:spcPct val="0"/>
+              </a:spcBef>
+              <a:buNone/>
+              <a:defRPr sz="4400" kern="1200">
+                <a:solidFill>
+                  <a:schemeClr val="tx1"/>
+                </a:solidFill>
+                <a:latin typeface="+mj-lt"/>
+                <a:ea typeface="+mj-ea"/>
+                <a:cs typeface="+mj-cs"/>
+              </a:defRPr>
+            </a:lvl1pPr>
+          </a:lstStyle>
+          <a:p>
+            <a:endParaRPr lang="en-US" dirty="0"/>
+          </a:p>
+        </p:txBody>
+      </p:sp>
+      <p:sp>
+        <p:nvSpPr>
+          <p:cNvPr id="5" name="Content Placeholder 2"/>
+          <p:cNvSpPr txBox="1">
+            <a:spLocks/>
+          </p:cNvSpPr>
+          <p:nvPr/>
+        </p:nvSpPr>
+        <p:spPr>
+          <a:xfrm>
+            <a:off x="503238" y="1768475"/>
+            <a:ext cx="9577387" cy="4987925"/>
+          </a:xfrm>
+          <a:prstGeom prst="rect">
+            <a:avLst/>
+          </a:prstGeom>
+        </p:spPr>
+        <p:txBody>
+          <a:bodyPr/>
+          <a:lstStyle>
+            <a:lvl1pPr marL="228600" indent="-228600" algn="l" defTabSz="914400" rtl="0" eaLnBrk="1" latinLnBrk="0" hangingPunct="1">
+              <a:lnSpc>
+                <a:spcPct val="90000"/>
+              </a:lnSpc>
+              <a:spcBef>
+                <a:spcPts val="1000"/>
+              </a:spcBef>
+              <a:buFont typeface="Arial" panose="020B0604020202020204" pitchFamily="34" charset="0"/>
+              <a:buChar char="•"/>
+              <a:defRPr sz="2800" kern="1200">
+                <a:solidFill>
+                  <a:schemeClr val="tx1"/>
+                </a:solidFill>
+                <a:latin typeface="+mn-lt"/>
+                <a:ea typeface="+mn-ea"/>
+                <a:cs typeface="+mn-cs"/>
+              </a:defRPr>
+            </a:lvl1pPr>
+            <a:lvl2pPr marL="685800" indent="-228600" algn="l" defTabSz="914400" rtl="0" eaLnBrk="1" latinLnBrk="0" hangingPunct="1">
+              <a:lnSpc>
+                <a:spcPct val="90000"/>
+              </a:lnSpc>
+              <a:spcBef>
+                <a:spcPts val="500"/>
+              </a:spcBef>
+              <a:buFont typeface="Arial" panose="020B0604020202020204" pitchFamily="34" charset="0"/>
+              <a:buChar char="•"/>
+              <a:defRPr sz="2400" kern="1200">
+                <a:solidFill>
+                  <a:schemeClr val="tx1"/>
+                </a:solidFill>
+                <a:latin typeface="+mn-lt"/>
+                <a:ea typeface="+mn-ea"/>
+                <a:cs typeface="+mn-cs"/>
+              </a:defRPr>
+            </a:lvl2pPr>
+            <a:lvl3pPr marL="1143000" indent="-228600" algn="l" defTabSz="914400" rtl="0" eaLnBrk="1" latinLnBrk="0" hangingPunct="1">
+              <a:lnSpc>
+                <a:spcPct val="90000"/>
+              </a:lnSpc>
+              <a:spcBef>
+                <a:spcPts val="500"/>
+              </a:spcBef>
+              <a:buFont typeface="Arial" panose="020B0604020202020204" pitchFamily="34" charset="0"/>
+              <a:buChar char="•"/>
+              <a:defRPr sz="2000" kern="1200">
+                <a:solidFill>
+                  <a:schemeClr val="tx1"/>
+                </a:solidFill>
+                <a:latin typeface="+mn-lt"/>
+                <a:ea typeface="+mn-ea"/>
+                <a:cs typeface="+mn-cs"/>
+              </a:defRPr>
+            </a:lvl3pPr>
+            <a:lvl4pPr marL="1600200" indent="-228600" algn="l" defTabSz="914400" rtl="0" eaLnBrk="1" latinLnBrk="0" hangingPunct="1">
+              <a:lnSpc>
+                <a:spcPct val="90000"/>
+              </a:lnSpc>
+              <a:spcBef>
+                <a:spcPts val="500"/>
+              </a:spcBef>
+              <a:buFont typeface="Arial" panose="020B0604020202020204" pitchFamily="34" charset="0"/>
+              <a:buChar char="•"/>
+              <a:defRPr sz="1800" kern="1200">
+                <a:solidFill>
+                  <a:schemeClr val="tx1"/>
+                </a:solidFill>
+                <a:latin typeface="+mn-lt"/>
+                <a:ea typeface="+mn-ea"/>
+                <a:cs typeface="+mn-cs"/>
+              </a:defRPr>
+            </a:lvl4pPr>
+            <a:lvl5pPr marL="2057400" indent="-228600" algn="l" defTabSz="914400" rtl="0" eaLnBrk="1" latinLnBrk="0" hangingPunct="1">
+              <a:lnSpc>
+                <a:spcPct val="90000"/>
+              </a:lnSpc>
+              <a:spcBef>
+                <a:spcPts val="500"/>
+              </a:spcBef>
+              <a:buFont typeface="Arial" panose="020B0604020202020204" pitchFamily="34" charset="0"/>
+              <a:buChar char="•"/>
+              <a:defRPr sz="1800" kern="1200">
+                <a:solidFill>
+                  <a:schemeClr val="tx1"/>
+                </a:solidFill>
+                <a:latin typeface="+mn-lt"/>
+                <a:ea typeface="+mn-ea"/>
+                <a:cs typeface="+mn-cs"/>
+              </a:defRPr>
+            </a:lvl5pPr>
+            <a:lvl6pPr marL="2514600" indent="-228600" algn="l" defTabSz="914400" rtl="0" eaLnBrk="1" latinLnBrk="0" hangingPunct="1">
+              <a:lnSpc>
+                <a:spcPct val="90000"/>
+              </a:lnSpc>
+              <a:spcBef>
+                <a:spcPts val="500"/>
+              </a:spcBef>
+              <a:buFont typeface="Arial" panose="020B0604020202020204" pitchFamily="34" charset="0"/>
+              <a:buChar char="•"/>
+              <a:defRPr sz="1800" kern="1200">
+                <a:solidFill>
+                  <a:schemeClr val="tx1"/>
+                </a:solidFill>
+                <a:latin typeface="+mn-lt"/>
+                <a:ea typeface="+mn-ea"/>
+                <a:cs typeface="+mn-cs"/>
+              </a:defRPr>
+            </a:lvl6pPr>
+            <a:lvl7pPr marL="2971800" indent="-228600" algn="l" defTabSz="914400" rtl="0" eaLnBrk="1" latinLnBrk="0" hangingPunct="1">
+              <a:lnSpc>
+                <a:spcPct val="90000"/>
+              </a:lnSpc>
+              <a:spcBef>
+                <a:spcPts val="500"/>
+              </a:spcBef>
+              <a:buFont typeface="Arial" panose="020B0604020202020204" pitchFamily="34" charset="0"/>
+              <a:buChar char="•"/>
+              <a:defRPr sz="1800" kern="1200">
+                <a:solidFill>
+                  <a:schemeClr val="tx1"/>
+                </a:solidFill>
+                <a:latin typeface="+mn-lt"/>
+                <a:ea typeface="+mn-ea"/>
+                <a:cs typeface="+mn-cs"/>
+              </a:defRPr>
+            </a:lvl7pPr>
+            <a:lvl8pPr marL="3429000" indent="-228600" algn="l" defTabSz="914400" rtl="0" eaLnBrk="1" latinLnBrk="0" hangingPunct="1">
+              <a:lnSpc>
+                <a:spcPct val="90000"/>
+              </a:lnSpc>
+              <a:spcBef>
+                <a:spcPts val="500"/>
+              </a:spcBef>
+              <a:buFont typeface="Arial" panose="020B0604020202020204" pitchFamily="34" charset="0"/>
+              <a:buChar char="•"/>
+              <a:defRPr sz="1800" kern="1200">
+                <a:solidFill>
+                  <a:schemeClr val="tx1"/>
+                </a:solidFill>
+                <a:latin typeface="+mn-lt"/>
+                <a:ea typeface="+mn-ea"/>
+                <a:cs typeface="+mn-cs"/>
+              </a:defRPr>
+            </a:lvl8pPr>
+            <a:lvl9pPr marL="3886200" indent="-228600" algn="l" defTabSz="914400" rtl="0" eaLnBrk="1" latinLnBrk="0" hangingPunct="1">
+              <a:lnSpc>
+                <a:spcPct val="90000"/>
+              </a:lnSpc>
+              <a:spcBef>
+                <a:spcPts val="500"/>
+              </a:spcBef>
+              <a:buFont typeface="Arial" panose="020B0604020202020204" pitchFamily="34" charset="0"/>
+              <a:buChar char="•"/>
+              <a:defRPr sz="1800" kern="1200">
+                <a:solidFill>
+                  <a:schemeClr val="tx1"/>
+                </a:solidFill>
+                <a:latin typeface="+mn-lt"/>
+                <a:ea typeface="+mn-ea"/>
+                <a:cs typeface="+mn-cs"/>
+              </a:defRPr>
+            </a:lvl9pPr>
+          </a:lstStyle>
+          <a:p>
+            <a:r>
+              <a:rPr lang="en-US" dirty="0" smtClean="0"/>
+              <a:t>Sagas can be started by multiple messages</a:t>
+            </a:r>
+          </a:p>
+          <a:p>
+            <a:pPr lvl="1"/>
+            <a:r>
+              <a:rPr lang="en-US" dirty="0" smtClean="0"/>
+              <a:t>Implement </a:t>
+            </a:r>
+            <a:r>
+              <a:rPr lang="en-US" dirty="0" err="1" smtClean="0"/>
+              <a:t>IAmStartedByMessages</a:t>
+            </a:r>
+            <a:r>
+              <a:rPr lang="en-US" dirty="0" smtClean="0"/>
+              <a:t>&lt;&gt; for each</a:t>
+            </a:r>
+          </a:p>
+          <a:p>
+            <a:pPr lvl="1"/>
+            <a:endParaRPr lang="en-US" dirty="0" smtClean="0"/>
+          </a:p>
+          <a:p>
+            <a:r>
+              <a:rPr lang="en-US" dirty="0" smtClean="0"/>
+              <a:t>First messages should start saga, following messages should be processed by the same one</a:t>
+            </a:r>
+            <a:endParaRPr lang="en-US" dirty="0"/>
+          </a:p>
+        </p:txBody>
+      </p:sp>
+    </p:spTree>
+    <p:extLst>
+      <p:ext uri="{BB962C8B-B14F-4D97-AF65-F5344CB8AC3E}">
+        <p14:creationId xmlns:p14="http://schemas.microsoft.com/office/powerpoint/2010/main" val="1276553885"/>
+      </p:ext>
+    </p:extLst>
+  </p:cSld>
+  <p:clrMapOvr>
+    <a:masterClrMapping/>
+  </p:clrMapOvr>
+</p:sld>
+</file>
+
+<file path=ppt/slides/slide18.xml><?xml version="1.0" encoding="utf-8"?>
+<p:sld xmlns:a="http://schemas.openxmlformats.org/drawingml/2006/main" xmlns:r="http://schemas.openxmlformats.org/officeDocument/2006/relationships" xmlns:p="http://schemas.openxmlformats.org/presentationml/2006/main">
+  <p:cSld>
+    <p:spTree>
+      <p:nvGrpSpPr>
+        <p:cNvPr id="1" name=""/>
+        <p:cNvGrpSpPr/>
+        <p:nvPr/>
+      </p:nvGrpSpPr>
+      <p:grpSpPr>
+        <a:xfrm>
+          <a:off x="0" y="0"/>
+          <a:ext cx="0" cy="0"/>
+          <a:chOff x="0" y="0"/>
+          <a:chExt cx="0" cy="0"/>
+        </a:xfrm>
+      </p:grpSpPr>
+      <p:sp>
+        <p:nvSpPr>
+          <p:cNvPr id="3" name="Title 2"/>
+          <p:cNvSpPr>
+            <a:spLocks noGrp="1"/>
+          </p:cNvSpPr>
+          <p:nvPr>
+            <p:ph type="title"/>
+          </p:nvPr>
+        </p:nvSpPr>
+        <p:spPr/>
+        <p:txBody>
+          <a:bodyPr/>
+          <a:lstStyle/>
+          <a:p>
+            <a:r>
+              <a:rPr lang="en-GB" dirty="0" smtClean="0"/>
+              <a:t>Sagas and concurrency</a:t>
+            </a:r>
+            <a:endParaRPr lang="sv-SE" dirty="0"/>
+          </a:p>
+        </p:txBody>
+      </p:sp>
+      <p:sp>
+        <p:nvSpPr>
+          <p:cNvPr id="4" name="Text Placeholder 3"/>
+          <p:cNvSpPr>
+            <a:spLocks noGrp="1"/>
+          </p:cNvSpPr>
+          <p:nvPr>
+            <p:ph type="body" idx="1"/>
+          </p:nvPr>
+        </p:nvSpPr>
+        <p:spPr/>
+        <p:txBody>
+          <a:bodyPr/>
+          <a:lstStyle/>
+          <a:p>
+            <a:r>
+              <a:rPr lang="en-GB" dirty="0" smtClean="0"/>
+              <a:t>Storage matters</a:t>
+            </a:r>
+            <a:endParaRPr lang="sv-SE" dirty="0"/>
+          </a:p>
+        </p:txBody>
+      </p:sp>
+    </p:spTree>
+    <p:extLst>
+      <p:ext uri="{BB962C8B-B14F-4D97-AF65-F5344CB8AC3E}">
+        <p14:creationId xmlns:p14="http://schemas.microsoft.com/office/powerpoint/2010/main" val="1541629979"/>
+      </p:ext>
+    </p:extLst>
+  </p:cSld>
+  <p:clrMapOvr>
+    <a:masterClrMapping/>
+  </p:clrMapOvr>
+</p:sld>
+</file>
+
+<file path=ppt/slides/slide19.xml><?xml version="1.0" encoding="utf-8"?>
+<p:sld xmlns:a="http://schemas.openxmlformats.org/drawingml/2006/main" xmlns:r="http://schemas.openxmlformats.org/officeDocument/2006/relationships" xmlns:p="http://schemas.openxmlformats.org/presentationml/2006/main">
+  <p:cSld>
+    <p:spTree>
+      <p:nvGrpSpPr>
+        <p:cNvPr id="1" name=""/>
+        <p:cNvGrpSpPr/>
+        <p:nvPr/>
+      </p:nvGrpSpPr>
+      <p:grpSpPr>
+        <a:xfrm>
+          <a:off x="0" y="0"/>
+          <a:ext cx="0" cy="0"/>
+          <a:chOff x="0" y="0"/>
+          <a:chExt cx="0" cy="0"/>
+        </a:xfrm>
+      </p:grpSpPr>
+      <p:sp>
+        <p:nvSpPr>
+          <p:cNvPr id="2" name="Title 1"/>
+          <p:cNvSpPr>
+            <a:spLocks noGrp="1"/>
+          </p:cNvSpPr>
+          <p:nvPr>
+            <p:ph type="title"/>
+          </p:nvPr>
+        </p:nvSpPr>
+        <p:spPr/>
+        <p:txBody>
+          <a:bodyPr/>
+          <a:lstStyle/>
+          <a:p>
+            <a:endParaRPr lang="sv-SE"/>
+          </a:p>
+        </p:txBody>
+      </p:sp>
+    </p:spTree>
+    <p:extLst>
+      <p:ext uri="{BB962C8B-B14F-4D97-AF65-F5344CB8AC3E}">
+        <p14:creationId xmlns:p14="http://schemas.microsoft.com/office/powerpoint/2010/main" val="2046957431"/>
       </p:ext>
     </p:extLst>
   </p:cSld>
@@ -3641,6 +8631,85 @@
   <p:clrMapOvr>
     <a:masterClrMapping/>
   </p:clrMapOvr>
+</p:sld>
+</file>
+
+<file path=ppt/slides/slide20.xml><?xml version="1.0" encoding="utf-8"?>
+<p:sld xmlns:a="http://schemas.openxmlformats.org/drawingml/2006/main" xmlns:r="http://schemas.openxmlformats.org/officeDocument/2006/relationships" xmlns:p="http://schemas.openxmlformats.org/presentationml/2006/main">
+  <p:cSld>
+    <p:spTree>
+      <p:nvGrpSpPr>
+        <p:cNvPr id="1" name=""/>
+        <p:cNvGrpSpPr/>
+        <p:nvPr/>
+      </p:nvGrpSpPr>
+      <p:grpSpPr>
+        <a:xfrm>
+          <a:off x="0" y="0"/>
+          <a:ext cx="0" cy="0"/>
+          <a:chOff x="0" y="0"/>
+          <a:chExt cx="0" cy="0"/>
+        </a:xfrm>
+      </p:grpSpPr>
+      <p:sp>
+        <p:nvSpPr>
+          <p:cNvPr id="2" name="Title 1"/>
+          <p:cNvSpPr>
+            <a:spLocks noGrp="1"/>
+          </p:cNvSpPr>
+          <p:nvPr>
+            <p:ph type="title"/>
+          </p:nvPr>
+        </p:nvSpPr>
+        <p:spPr/>
+        <p:txBody>
+          <a:bodyPr/>
+          <a:lstStyle/>
+          <a:p>
+            <a:r>
+              <a:rPr lang="en-GB" dirty="0" smtClean="0"/>
+              <a:t>Upcoming saga changes in v6</a:t>
+            </a:r>
+            <a:endParaRPr lang="sv-SE" dirty="0"/>
+          </a:p>
+        </p:txBody>
+      </p:sp>
+      <p:sp>
+        <p:nvSpPr>
+          <p:cNvPr id="3" name="Content Placeholder 2"/>
+          <p:cNvSpPr>
+            <a:spLocks noGrp="1"/>
+          </p:cNvSpPr>
+          <p:nvPr>
+            <p:ph idx="1"/>
+          </p:nvPr>
+        </p:nvSpPr>
+        <p:spPr/>
+        <p:txBody>
+          <a:bodyPr/>
+          <a:lstStyle/>
+          <a:p>
+            <a:endParaRPr lang="sv-SE" dirty="0"/>
+          </a:p>
+        </p:txBody>
+      </p:sp>
+    </p:spTree>
+    <p:extLst>
+      <p:ext uri="{BB962C8B-B14F-4D97-AF65-F5344CB8AC3E}">
+        <p14:creationId xmlns:p14="http://schemas.microsoft.com/office/powerpoint/2010/main" val="3057996759"/>
+      </p:ext>
+    </p:extLst>
+  </p:cSld>
+  <p:clrMapOvr>
+    <a:masterClrMapping/>
+  </p:clrMapOvr>
+  <p:timing>
+    <p:tnLst>
+      <p:par>
+        <p:cTn id="1" dur="indefinite" restart="never" nodeType="tmRoot"/>
+      </p:par>
+    </p:tnLst>
+  </p:timing>
 </p:sld>
 </file>
 

--- a/SagaMasterClass.pptx
+++ b/SagaMasterClass.pptx
@@ -3574,11 +3574,7 @@
           <a:p>
             <a:r>
               <a:rPr lang="en-GB" dirty="0" smtClean="0"/>
-              <a:t>Where </a:t>
-            </a:r>
-            <a:r>
-              <a:rPr lang="en-GB" smtClean="0"/>
-              <a:t>sagas rule…</a:t>
+              <a:t>Where sagas rule…		</a:t>
             </a:r>
             <a:endParaRPr lang="sv-SE" dirty="0"/>
           </a:p>
@@ -8746,29 +8742,53 @@
           <a:lstStyle/>
           <a:p>
             <a:r>
+              <a:rPr lang="en-GB" smtClean="0"/>
+              <a:t>Prerequisites</a:t>
+            </a:r>
+            <a:endParaRPr lang="sv-SE" dirty="0"/>
+          </a:p>
+        </p:txBody>
+      </p:sp>
+      <p:sp>
+        <p:nvSpPr>
+          <p:cNvPr id="3" name="Content Placeholder 2"/>
+          <p:cNvSpPr>
+            <a:spLocks noGrp="1"/>
+          </p:cNvSpPr>
+          <p:nvPr>
+            <p:ph idx="1"/>
+          </p:nvPr>
+        </p:nvSpPr>
+        <p:spPr/>
+        <p:txBody>
+          <a:bodyPr/>
+          <a:lstStyle/>
+          <a:p>
+            <a:r>
               <a:rPr lang="en-GB" dirty="0" smtClean="0"/>
-              <a:t>Pre requisites</a:t>
-            </a:r>
-            <a:endParaRPr lang="sv-SE" dirty="0"/>
-          </a:p>
-        </p:txBody>
-      </p:sp>
-      <p:sp>
-        <p:nvSpPr>
-          <p:cNvPr id="3" name="Content Placeholder 2"/>
-          <p:cNvSpPr>
-            <a:spLocks noGrp="1"/>
-          </p:cNvSpPr>
-          <p:nvPr>
-            <p:ph idx="1"/>
-          </p:nvPr>
-        </p:nvSpPr>
-        <p:spPr/>
-        <p:txBody>
-          <a:bodyPr/>
-          <a:lstStyle/>
-          <a:p>
-            <a:endParaRPr lang="sv-SE"/>
+              <a:t>Latest Particular Platform</a:t>
+            </a:r>
+          </a:p>
+          <a:p>
+            <a:r>
+              <a:rPr lang="en-GB" dirty="0" smtClean="0"/>
+              <a:t>MSMQ</a:t>
+            </a:r>
+          </a:p>
+          <a:p>
+            <a:r>
+              <a:rPr lang="en-GB" dirty="0" smtClean="0"/>
+              <a:t>SQL Server</a:t>
+            </a:r>
+            <a:r>
+              <a:rPr lang="sv-SE" dirty="0"/>
+              <a:t> </a:t>
+            </a:r>
+            <a:r>
+              <a:rPr lang="sv-SE" dirty="0" smtClean="0"/>
+              <a:t>+ Management tools</a:t>
+            </a:r>
+            <a:endParaRPr lang="en-GB" dirty="0" smtClean="0"/>
           </a:p>
         </p:txBody>
       </p:sp>

--- a/SagaMasterClass.pptx
+++ b/SagaMasterClass.pptx
@@ -4,6 +4,9 @@
   <p:sldMasterIdLst>
     <p:sldMasterId id="2147483648" r:id="rId1"/>
   </p:sldMasterIdLst>
+  <p:notesMasterIdLst>
+    <p:notesMasterId r:id="rId39"/>
+  </p:notesMasterIdLst>
   <p:sldIdLst>
     <p:sldId id="256" r:id="rId2"/>
     <p:sldId id="257" r:id="rId3"/>
@@ -24,7 +27,24 @@
     <p:sldId id="273" r:id="rId18"/>
     <p:sldId id="275" r:id="rId19"/>
     <p:sldId id="274" r:id="rId20"/>
-    <p:sldId id="264" r:id="rId21"/>
+    <p:sldId id="289" r:id="rId21"/>
+    <p:sldId id="290" r:id="rId22"/>
+    <p:sldId id="291" r:id="rId23"/>
+    <p:sldId id="292" r:id="rId24"/>
+    <p:sldId id="293" r:id="rId25"/>
+    <p:sldId id="294" r:id="rId26"/>
+    <p:sldId id="288" r:id="rId27"/>
+    <p:sldId id="287" r:id="rId28"/>
+    <p:sldId id="278" r:id="rId29"/>
+    <p:sldId id="279" r:id="rId30"/>
+    <p:sldId id="280" r:id="rId31"/>
+    <p:sldId id="281" r:id="rId32"/>
+    <p:sldId id="282" r:id="rId33"/>
+    <p:sldId id="283" r:id="rId34"/>
+    <p:sldId id="284" r:id="rId35"/>
+    <p:sldId id="285" r:id="rId36"/>
+    <p:sldId id="286" r:id="rId37"/>
+    <p:sldId id="264" r:id="rId38"/>
   </p:sldIdLst>
   <p:sldSz cx="12192000" cy="6858000"/>
   <p:notesSz cx="6858000" cy="9144000"/>
@@ -147,11 +167,29 @@
             <p14:sldId id="273"/>
             <p14:sldId id="275"/>
             <p14:sldId id="274"/>
-            <p14:sldId id="264"/>
+            <p14:sldId id="289"/>
+            <p14:sldId id="290"/>
+            <p14:sldId id="291"/>
+            <p14:sldId id="292"/>
+            <p14:sldId id="293"/>
+            <p14:sldId id="294"/>
+            <p14:sldId id="288"/>
+            <p14:sldId id="287"/>
+            <p14:sldId id="278"/>
+            <p14:sldId id="279"/>
+            <p14:sldId id="280"/>
+            <p14:sldId id="281"/>
+            <p14:sldId id="282"/>
+            <p14:sldId id="283"/>
+            <p14:sldId id="284"/>
+            <p14:sldId id="285"/>
+            <p14:sldId id="286"/>
           </p14:sldIdLst>
         </p14:section>
         <p14:section name="Untitled Section" id="{705D2A12-8830-4DE1-BAF5-974EB888AEA0}">
-          <p14:sldIdLst/>
+          <p14:sldIdLst>
+            <p14:sldId id="264"/>
+          </p14:sldIdLst>
         </p14:section>
       </p14:sectionLst>
     </p:ext>
@@ -171,6 +209,1168 @@
     </p:ext>
   </p:extLst>
 </p:presentation>
+</file>
+
+<file path=ppt/notesMasters/notesMaster1.xml><?xml version="1.0" encoding="utf-8"?>
+<p:notesMaster xmlns:a="http://schemas.openxmlformats.org/drawingml/2006/main" xmlns:r="http://schemas.openxmlformats.org/officeDocument/2006/relationships" xmlns:p="http://schemas.openxmlformats.org/presentationml/2006/main">
+  <p:cSld>
+    <p:bg>
+      <p:bgRef idx="1001">
+        <a:schemeClr val="bg1"/>
+      </p:bgRef>
+    </p:bg>
+    <p:spTree>
+      <p:nvGrpSpPr>
+        <p:cNvPr id="1" name=""/>
+        <p:cNvGrpSpPr/>
+        <p:nvPr/>
+      </p:nvGrpSpPr>
+      <p:grpSpPr>
+        <a:xfrm>
+          <a:off x="0" y="0"/>
+          <a:ext cx="0" cy="0"/>
+          <a:chOff x="0" y="0"/>
+          <a:chExt cx="0" cy="0"/>
+        </a:xfrm>
+      </p:grpSpPr>
+      <p:sp>
+        <p:nvSpPr>
+          <p:cNvPr id="2" name="Header Placeholder 1"/>
+          <p:cNvSpPr>
+            <a:spLocks noGrp="1"/>
+          </p:cNvSpPr>
+          <p:nvPr>
+            <p:ph type="hdr" sz="quarter"/>
+          </p:nvPr>
+        </p:nvSpPr>
+        <p:spPr>
+          <a:xfrm>
+            <a:off x="0" y="0"/>
+            <a:ext cx="2971800" cy="458788"/>
+          </a:xfrm>
+          <a:prstGeom prst="rect">
+            <a:avLst/>
+          </a:prstGeom>
+        </p:spPr>
+        <p:txBody>
+          <a:bodyPr vert="horz" lIns="91440" tIns="45720" rIns="91440" bIns="45720" rtlCol="0"/>
+          <a:lstStyle>
+            <a:lvl1pPr algn="l">
+              <a:defRPr sz="1200"/>
+            </a:lvl1pPr>
+          </a:lstStyle>
+          <a:p>
+            <a:endParaRPr lang="sv-SE"/>
+          </a:p>
+        </p:txBody>
+      </p:sp>
+      <p:sp>
+        <p:nvSpPr>
+          <p:cNvPr id="3" name="Date Placeholder 2"/>
+          <p:cNvSpPr>
+            <a:spLocks noGrp="1"/>
+          </p:cNvSpPr>
+          <p:nvPr>
+            <p:ph type="dt" idx="1"/>
+          </p:nvPr>
+        </p:nvSpPr>
+        <p:spPr>
+          <a:xfrm>
+            <a:off x="3884613" y="0"/>
+            <a:ext cx="2971800" cy="458788"/>
+          </a:xfrm>
+          <a:prstGeom prst="rect">
+            <a:avLst/>
+          </a:prstGeom>
+        </p:spPr>
+        <p:txBody>
+          <a:bodyPr vert="horz" lIns="91440" tIns="45720" rIns="91440" bIns="45720" rtlCol="0"/>
+          <a:lstStyle>
+            <a:lvl1pPr algn="r">
+              <a:defRPr sz="1200"/>
+            </a:lvl1pPr>
+          </a:lstStyle>
+          <a:p>
+            <a:fld id="{058A98C1-2963-45B6-8396-F9770A549EA4}" type="datetimeFigureOut">
+              <a:rPr lang="sv-SE" smtClean="0"/>
+              <a:t>2015-11-23</a:t>
+            </a:fld>
+            <a:endParaRPr lang="sv-SE"/>
+          </a:p>
+        </p:txBody>
+      </p:sp>
+      <p:sp>
+        <p:nvSpPr>
+          <p:cNvPr id="4" name="Slide Image Placeholder 3"/>
+          <p:cNvSpPr>
+            <a:spLocks noGrp="1" noRot="1" noChangeAspect="1"/>
+          </p:cNvSpPr>
+          <p:nvPr>
+            <p:ph type="sldImg" idx="2"/>
+          </p:nvPr>
+        </p:nvSpPr>
+        <p:spPr>
+          <a:xfrm>
+            <a:off x="685800" y="1143000"/>
+            <a:ext cx="5486400" cy="3086100"/>
+          </a:xfrm>
+          <a:prstGeom prst="rect">
+            <a:avLst/>
+          </a:prstGeom>
+          <a:noFill/>
+          <a:ln w="12700">
+            <a:solidFill>
+              <a:prstClr val="black"/>
+            </a:solidFill>
+          </a:ln>
+        </p:spPr>
+        <p:txBody>
+          <a:bodyPr vert="horz" lIns="91440" tIns="45720" rIns="91440" bIns="45720" rtlCol="0" anchor="ctr"/>
+          <a:lstStyle/>
+          <a:p>
+            <a:endParaRPr lang="sv-SE"/>
+          </a:p>
+        </p:txBody>
+      </p:sp>
+      <p:sp>
+        <p:nvSpPr>
+          <p:cNvPr id="5" name="Notes Placeholder 4"/>
+          <p:cNvSpPr>
+            <a:spLocks noGrp="1"/>
+          </p:cNvSpPr>
+          <p:nvPr>
+            <p:ph type="body" sz="quarter" idx="3"/>
+          </p:nvPr>
+        </p:nvSpPr>
+        <p:spPr>
+          <a:xfrm>
+            <a:off x="685800" y="4400550"/>
+            <a:ext cx="5486400" cy="3600450"/>
+          </a:xfrm>
+          <a:prstGeom prst="rect">
+            <a:avLst/>
+          </a:prstGeom>
+        </p:spPr>
+        <p:txBody>
+          <a:bodyPr vert="horz" lIns="91440" tIns="45720" rIns="91440" bIns="45720" rtlCol="0"/>
+          <a:lstStyle/>
+          <a:p>
+            <a:pPr lvl="0"/>
+            <a:r>
+              <a:rPr lang="en-US" smtClean="0"/>
+              <a:t>Edit Master text styles</a:t>
+            </a:r>
+          </a:p>
+          <a:p>
+            <a:pPr lvl="1"/>
+            <a:r>
+              <a:rPr lang="en-US" smtClean="0"/>
+              <a:t>Second level</a:t>
+            </a:r>
+          </a:p>
+          <a:p>
+            <a:pPr lvl="2"/>
+            <a:r>
+              <a:rPr lang="en-US" smtClean="0"/>
+              <a:t>Third level</a:t>
+            </a:r>
+          </a:p>
+          <a:p>
+            <a:pPr lvl="3"/>
+            <a:r>
+              <a:rPr lang="en-US" smtClean="0"/>
+              <a:t>Fourth level</a:t>
+            </a:r>
+          </a:p>
+          <a:p>
+            <a:pPr lvl="4"/>
+            <a:r>
+              <a:rPr lang="en-US" smtClean="0"/>
+              <a:t>Fifth level</a:t>
+            </a:r>
+            <a:endParaRPr lang="sv-SE"/>
+          </a:p>
+        </p:txBody>
+      </p:sp>
+      <p:sp>
+        <p:nvSpPr>
+          <p:cNvPr id="6" name="Footer Placeholder 5"/>
+          <p:cNvSpPr>
+            <a:spLocks noGrp="1"/>
+          </p:cNvSpPr>
+          <p:nvPr>
+            <p:ph type="ftr" sz="quarter" idx="4"/>
+          </p:nvPr>
+        </p:nvSpPr>
+        <p:spPr>
+          <a:xfrm>
+            <a:off x="0" y="8685213"/>
+            <a:ext cx="2971800" cy="458787"/>
+          </a:xfrm>
+          <a:prstGeom prst="rect">
+            <a:avLst/>
+          </a:prstGeom>
+        </p:spPr>
+        <p:txBody>
+          <a:bodyPr vert="horz" lIns="91440" tIns="45720" rIns="91440" bIns="45720" rtlCol="0" anchor="b"/>
+          <a:lstStyle>
+            <a:lvl1pPr algn="l">
+              <a:defRPr sz="1200"/>
+            </a:lvl1pPr>
+          </a:lstStyle>
+          <a:p>
+            <a:endParaRPr lang="sv-SE"/>
+          </a:p>
+        </p:txBody>
+      </p:sp>
+      <p:sp>
+        <p:nvSpPr>
+          <p:cNvPr id="7" name="Slide Number Placeholder 6"/>
+          <p:cNvSpPr>
+            <a:spLocks noGrp="1"/>
+          </p:cNvSpPr>
+          <p:nvPr>
+            <p:ph type="sldNum" sz="quarter" idx="5"/>
+          </p:nvPr>
+        </p:nvSpPr>
+        <p:spPr>
+          <a:xfrm>
+            <a:off x="3884613" y="8685213"/>
+            <a:ext cx="2971800" cy="458787"/>
+          </a:xfrm>
+          <a:prstGeom prst="rect">
+            <a:avLst/>
+          </a:prstGeom>
+        </p:spPr>
+        <p:txBody>
+          <a:bodyPr vert="horz" lIns="91440" tIns="45720" rIns="91440" bIns="45720" rtlCol="0" anchor="b"/>
+          <a:lstStyle>
+            <a:lvl1pPr algn="r">
+              <a:defRPr sz="1200"/>
+            </a:lvl1pPr>
+          </a:lstStyle>
+          <a:p>
+            <a:fld id="{D5BB19A3-B3B6-4398-9889-160C3A008821}" type="slidenum">
+              <a:rPr lang="sv-SE" smtClean="0"/>
+              <a:t>‹#›</a:t>
+            </a:fld>
+            <a:endParaRPr lang="sv-SE"/>
+          </a:p>
+        </p:txBody>
+      </p:sp>
+    </p:spTree>
+    <p:extLst>
+      <p:ext uri="{BB962C8B-B14F-4D97-AF65-F5344CB8AC3E}">
+        <p14:creationId xmlns:p14="http://schemas.microsoft.com/office/powerpoint/2010/main" val="1636320544"/>
+      </p:ext>
+    </p:extLst>
+  </p:cSld>
+  <p:clrMap bg1="lt1" tx1="dk1" bg2="lt2" tx2="dk2" accent1="accent1" accent2="accent2" accent3="accent3" accent4="accent4" accent5="accent5" accent6="accent6" hlink="hlink" folHlink="folHlink"/>
+  <p:notesStyle>
+    <a:lvl1pPr marL="0" algn="l" defTabSz="914400" rtl="0" eaLnBrk="1" latinLnBrk="0" hangingPunct="1">
+      <a:defRPr sz="1200" kern="1200">
+        <a:solidFill>
+          <a:schemeClr val="tx1"/>
+        </a:solidFill>
+        <a:latin typeface="+mn-lt"/>
+        <a:ea typeface="+mn-ea"/>
+        <a:cs typeface="+mn-cs"/>
+      </a:defRPr>
+    </a:lvl1pPr>
+    <a:lvl2pPr marL="457200" algn="l" defTabSz="914400" rtl="0" eaLnBrk="1" latinLnBrk="0" hangingPunct="1">
+      <a:defRPr sz="1200" kern="1200">
+        <a:solidFill>
+          <a:schemeClr val="tx1"/>
+        </a:solidFill>
+        <a:latin typeface="+mn-lt"/>
+        <a:ea typeface="+mn-ea"/>
+        <a:cs typeface="+mn-cs"/>
+      </a:defRPr>
+    </a:lvl2pPr>
+    <a:lvl3pPr marL="914400" algn="l" defTabSz="914400" rtl="0" eaLnBrk="1" latinLnBrk="0" hangingPunct="1">
+      <a:defRPr sz="1200" kern="1200">
+        <a:solidFill>
+          <a:schemeClr val="tx1"/>
+        </a:solidFill>
+        <a:latin typeface="+mn-lt"/>
+        <a:ea typeface="+mn-ea"/>
+        <a:cs typeface="+mn-cs"/>
+      </a:defRPr>
+    </a:lvl3pPr>
+    <a:lvl4pPr marL="1371600" algn="l" defTabSz="914400" rtl="0" eaLnBrk="1" latinLnBrk="0" hangingPunct="1">
+      <a:defRPr sz="1200" kern="1200">
+        <a:solidFill>
+          <a:schemeClr val="tx1"/>
+        </a:solidFill>
+        <a:latin typeface="+mn-lt"/>
+        <a:ea typeface="+mn-ea"/>
+        <a:cs typeface="+mn-cs"/>
+      </a:defRPr>
+    </a:lvl4pPr>
+    <a:lvl5pPr marL="1828800" algn="l" defTabSz="914400" rtl="0" eaLnBrk="1" latinLnBrk="0" hangingPunct="1">
+      <a:defRPr sz="1200" kern="1200">
+        <a:solidFill>
+          <a:schemeClr val="tx1"/>
+        </a:solidFill>
+        <a:latin typeface="+mn-lt"/>
+        <a:ea typeface="+mn-ea"/>
+        <a:cs typeface="+mn-cs"/>
+      </a:defRPr>
+    </a:lvl5pPr>
+    <a:lvl6pPr marL="2286000" algn="l" defTabSz="914400" rtl="0" eaLnBrk="1" latinLnBrk="0" hangingPunct="1">
+      <a:defRPr sz="1200" kern="1200">
+        <a:solidFill>
+          <a:schemeClr val="tx1"/>
+        </a:solidFill>
+        <a:latin typeface="+mn-lt"/>
+        <a:ea typeface="+mn-ea"/>
+        <a:cs typeface="+mn-cs"/>
+      </a:defRPr>
+    </a:lvl6pPr>
+    <a:lvl7pPr marL="2743200" algn="l" defTabSz="914400" rtl="0" eaLnBrk="1" latinLnBrk="0" hangingPunct="1">
+      <a:defRPr sz="1200" kern="1200">
+        <a:solidFill>
+          <a:schemeClr val="tx1"/>
+        </a:solidFill>
+        <a:latin typeface="+mn-lt"/>
+        <a:ea typeface="+mn-ea"/>
+        <a:cs typeface="+mn-cs"/>
+      </a:defRPr>
+    </a:lvl7pPr>
+    <a:lvl8pPr marL="3200400" algn="l" defTabSz="914400" rtl="0" eaLnBrk="1" latinLnBrk="0" hangingPunct="1">
+      <a:defRPr sz="1200" kern="1200">
+        <a:solidFill>
+          <a:schemeClr val="tx1"/>
+        </a:solidFill>
+        <a:latin typeface="+mn-lt"/>
+        <a:ea typeface="+mn-ea"/>
+        <a:cs typeface="+mn-cs"/>
+      </a:defRPr>
+    </a:lvl8pPr>
+    <a:lvl9pPr marL="3657600" algn="l" defTabSz="914400" rtl="0" eaLnBrk="1" latinLnBrk="0" hangingPunct="1">
+      <a:defRPr sz="1200" kern="1200">
+        <a:solidFill>
+          <a:schemeClr val="tx1"/>
+        </a:solidFill>
+        <a:latin typeface="+mn-lt"/>
+        <a:ea typeface="+mn-ea"/>
+        <a:cs typeface="+mn-cs"/>
+      </a:defRPr>
+    </a:lvl9pPr>
+  </p:notesStyle>
+</p:notesMaster>
+</file>
+
+<file path=ppt/notesSlides/notesSlide1.xml><?xml version="1.0" encoding="utf-8"?>
+<p:notes xmlns:a="http://schemas.openxmlformats.org/drawingml/2006/main" xmlns:r="http://schemas.openxmlformats.org/officeDocument/2006/relationships" xmlns:p="http://schemas.openxmlformats.org/presentationml/2006/main">
+  <p:cSld>
+    <p:spTree>
+      <p:nvGrpSpPr>
+        <p:cNvPr id="1" name=""/>
+        <p:cNvGrpSpPr/>
+        <p:nvPr/>
+      </p:nvGrpSpPr>
+      <p:grpSpPr>
+        <a:xfrm>
+          <a:off x="0" y="0"/>
+          <a:ext cx="0" cy="0"/>
+          <a:chOff x="0" y="0"/>
+          <a:chExt cx="0" cy="0"/>
+        </a:xfrm>
+      </p:grpSpPr>
+      <p:sp>
+        <p:nvSpPr>
+          <p:cNvPr id="2" name="Slide Image Placeholder 1"/>
+          <p:cNvSpPr>
+            <a:spLocks noGrp="1" noRot="1" noChangeAspect="1"/>
+          </p:cNvSpPr>
+          <p:nvPr>
+            <p:ph type="sldImg"/>
+          </p:nvPr>
+        </p:nvSpPr>
+        <p:spPr/>
+      </p:sp>
+      <p:sp>
+        <p:nvSpPr>
+          <p:cNvPr id="3" name="Notes Placeholder 2"/>
+          <p:cNvSpPr>
+            <a:spLocks noGrp="1"/>
+          </p:cNvSpPr>
+          <p:nvPr>
+            <p:ph type="body" idx="1"/>
+          </p:nvPr>
+        </p:nvSpPr>
+        <p:spPr/>
+        <p:txBody>
+          <a:bodyPr/>
+          <a:lstStyle/>
+          <a:p>
+            <a:r>
+              <a:rPr lang="de-CH" dirty="0" smtClean="0"/>
+              <a:t>Klassisches Integration</a:t>
+            </a:r>
+            <a:r>
+              <a:rPr lang="de-CH" baseline="0" dirty="0" smtClean="0"/>
+              <a:t> Beispiel</a:t>
+            </a:r>
+            <a:endParaRPr lang="de-CH" dirty="0"/>
+          </a:p>
+        </p:txBody>
+      </p:sp>
+      <p:sp>
+        <p:nvSpPr>
+          <p:cNvPr id="4" name="Slide Number Placeholder 3"/>
+          <p:cNvSpPr>
+            <a:spLocks noGrp="1"/>
+          </p:cNvSpPr>
+          <p:nvPr>
+            <p:ph type="sldNum" sz="quarter" idx="10"/>
+          </p:nvPr>
+        </p:nvSpPr>
+        <p:spPr/>
+        <p:txBody>
+          <a:bodyPr/>
+          <a:lstStyle/>
+          <a:p>
+            <a:fld id="{3993D047-D8B4-43AA-8641-D9CCF4EC54F4}" type="slidenum">
+              <a:rPr lang="de-CH" smtClean="0"/>
+              <a:t>23</a:t>
+            </a:fld>
+            <a:endParaRPr lang="de-CH"/>
+          </a:p>
+        </p:txBody>
+      </p:sp>
+    </p:spTree>
+    <p:extLst>
+      <p:ext uri="{BB962C8B-B14F-4D97-AF65-F5344CB8AC3E}">
+        <p14:creationId xmlns:p14="http://schemas.microsoft.com/office/powerpoint/2010/main" val="3142864389"/>
+      </p:ext>
+    </p:extLst>
+  </p:cSld>
+  <p:clrMapOvr>
+    <a:masterClrMapping/>
+  </p:clrMapOvr>
+</p:notes>
+</file>
+
+<file path=ppt/notesSlides/notesSlide2.xml><?xml version="1.0" encoding="utf-8"?>
+<p:notes xmlns:a="http://schemas.openxmlformats.org/drawingml/2006/main" xmlns:r="http://schemas.openxmlformats.org/officeDocument/2006/relationships" xmlns:p="http://schemas.openxmlformats.org/presentationml/2006/main">
+  <p:cSld>
+    <p:spTree>
+      <p:nvGrpSpPr>
+        <p:cNvPr id="1" name=""/>
+        <p:cNvGrpSpPr/>
+        <p:nvPr/>
+      </p:nvGrpSpPr>
+      <p:grpSpPr>
+        <a:xfrm>
+          <a:off x="0" y="0"/>
+          <a:ext cx="0" cy="0"/>
+          <a:chOff x="0" y="0"/>
+          <a:chExt cx="0" cy="0"/>
+        </a:xfrm>
+      </p:grpSpPr>
+      <p:sp>
+        <p:nvSpPr>
+          <p:cNvPr id="2" name="Slide Image Placeholder 1"/>
+          <p:cNvSpPr>
+            <a:spLocks noGrp="1" noRot="1" noChangeAspect="1"/>
+          </p:cNvSpPr>
+          <p:nvPr>
+            <p:ph type="sldImg"/>
+          </p:nvPr>
+        </p:nvSpPr>
+        <p:spPr/>
+      </p:sp>
+      <p:sp>
+        <p:nvSpPr>
+          <p:cNvPr id="3" name="Notes Placeholder 2"/>
+          <p:cNvSpPr>
+            <a:spLocks noGrp="1"/>
+          </p:cNvSpPr>
+          <p:nvPr>
+            <p:ph type="body" idx="1"/>
+          </p:nvPr>
+        </p:nvSpPr>
+        <p:spPr/>
+        <p:txBody>
+          <a:bodyPr/>
+          <a:lstStyle/>
+          <a:p>
+            <a:r>
+              <a:rPr lang="de-CH" dirty="0" smtClean="0"/>
+              <a:t>Prozesshandling wie es aussehen könnte</a:t>
+            </a:r>
+            <a:endParaRPr lang="de-CH" dirty="0"/>
+          </a:p>
+        </p:txBody>
+      </p:sp>
+      <p:sp>
+        <p:nvSpPr>
+          <p:cNvPr id="4" name="Slide Number Placeholder 3"/>
+          <p:cNvSpPr>
+            <a:spLocks noGrp="1"/>
+          </p:cNvSpPr>
+          <p:nvPr>
+            <p:ph type="sldNum" sz="quarter" idx="10"/>
+          </p:nvPr>
+        </p:nvSpPr>
+        <p:spPr/>
+        <p:txBody>
+          <a:bodyPr/>
+          <a:lstStyle/>
+          <a:p>
+            <a:fld id="{3993D047-D8B4-43AA-8641-D9CCF4EC54F4}" type="slidenum">
+              <a:rPr lang="de-CH" smtClean="0"/>
+              <a:t>24</a:t>
+            </a:fld>
+            <a:endParaRPr lang="de-CH"/>
+          </a:p>
+        </p:txBody>
+      </p:sp>
+    </p:spTree>
+    <p:extLst>
+      <p:ext uri="{BB962C8B-B14F-4D97-AF65-F5344CB8AC3E}">
+        <p14:creationId xmlns:p14="http://schemas.microsoft.com/office/powerpoint/2010/main" val="1697730364"/>
+      </p:ext>
+    </p:extLst>
+  </p:cSld>
+  <p:clrMapOvr>
+    <a:masterClrMapping/>
+  </p:clrMapOvr>
+</p:notes>
+</file>
+
+<file path=ppt/notesSlides/notesSlide3.xml><?xml version="1.0" encoding="utf-8"?>
+<p:notes xmlns:a="http://schemas.openxmlformats.org/drawingml/2006/main" xmlns:r="http://schemas.openxmlformats.org/officeDocument/2006/relationships" xmlns:p="http://schemas.openxmlformats.org/presentationml/2006/main">
+  <p:cSld>
+    <p:spTree>
+      <p:nvGrpSpPr>
+        <p:cNvPr id="1" name=""/>
+        <p:cNvGrpSpPr/>
+        <p:nvPr/>
+      </p:nvGrpSpPr>
+      <p:grpSpPr>
+        <a:xfrm>
+          <a:off x="0" y="0"/>
+          <a:ext cx="0" cy="0"/>
+          <a:chOff x="0" y="0"/>
+          <a:chExt cx="0" cy="0"/>
+        </a:xfrm>
+      </p:grpSpPr>
+      <p:sp>
+        <p:nvSpPr>
+          <p:cNvPr id="2" name="Slide Image Placeholder 1"/>
+          <p:cNvSpPr>
+            <a:spLocks noGrp="1" noRot="1" noChangeAspect="1"/>
+          </p:cNvSpPr>
+          <p:nvPr>
+            <p:ph type="sldImg"/>
+          </p:nvPr>
+        </p:nvSpPr>
+        <p:spPr/>
+      </p:sp>
+      <p:sp>
+        <p:nvSpPr>
+          <p:cNvPr id="3" name="Notes Placeholder 2"/>
+          <p:cNvSpPr>
+            <a:spLocks noGrp="1"/>
+          </p:cNvSpPr>
+          <p:nvPr>
+            <p:ph type="body" idx="1"/>
+          </p:nvPr>
+        </p:nvSpPr>
+        <p:spPr/>
+        <p:txBody>
+          <a:bodyPr/>
+          <a:lstStyle/>
+          <a:p>
+            <a:pPr marL="342900" indent="-342900"/>
+            <a:r>
+              <a:rPr lang="en-US" dirty="0" smtClean="0"/>
+              <a:t>Fast </a:t>
+            </a:r>
+            <a:r>
+              <a:rPr lang="en-US" dirty="0" err="1" smtClean="0"/>
+              <a:t>wie</a:t>
+            </a:r>
+            <a:r>
+              <a:rPr lang="en-US" dirty="0" smtClean="0"/>
+              <a:t> Onion </a:t>
+            </a:r>
+            <a:r>
+              <a:rPr lang="en-US" dirty="0" err="1" smtClean="0"/>
+              <a:t>oder</a:t>
+            </a:r>
+            <a:r>
+              <a:rPr lang="en-US" dirty="0" smtClean="0"/>
+              <a:t> </a:t>
+            </a:r>
+            <a:r>
+              <a:rPr lang="en-US" dirty="0" err="1" smtClean="0"/>
+              <a:t>Hexagonale</a:t>
+            </a:r>
+            <a:r>
+              <a:rPr lang="en-US" dirty="0" smtClean="0"/>
+              <a:t> </a:t>
+            </a:r>
+            <a:r>
+              <a:rPr lang="en-US" dirty="0" err="1" smtClean="0"/>
+              <a:t>Architektur</a:t>
+            </a:r>
+            <a:r>
+              <a:rPr lang="en-US" dirty="0" smtClean="0"/>
+              <a:t>. Layering von </a:t>
+            </a:r>
+            <a:r>
+              <a:rPr lang="en-US" dirty="0" err="1" smtClean="0"/>
+              <a:t>Prozessmanagers</a:t>
+            </a:r>
+            <a:r>
+              <a:rPr lang="en-US" dirty="0" smtClean="0"/>
+              <a:t>/Sagas</a:t>
+            </a:r>
+          </a:p>
+          <a:p>
+            <a:pPr marL="342900" indent="-342900"/>
+            <a:r>
+              <a:rPr lang="en-US" dirty="0" smtClean="0"/>
+              <a:t>Die </a:t>
+            </a:r>
+            <a:r>
+              <a:rPr lang="en-US" dirty="0" err="1" smtClean="0"/>
+              <a:t>Buildingblocks</a:t>
+            </a:r>
+            <a:r>
+              <a:rPr lang="en-US" dirty="0" smtClean="0"/>
+              <a:t> </a:t>
+            </a:r>
+            <a:r>
+              <a:rPr lang="en-US" dirty="0" err="1" smtClean="0"/>
+              <a:t>zu</a:t>
+            </a:r>
+            <a:r>
+              <a:rPr lang="en-US" dirty="0" smtClean="0"/>
+              <a:t> </a:t>
+            </a:r>
+            <a:r>
+              <a:rPr lang="en-US" dirty="0" err="1" smtClean="0"/>
+              <a:t>verwenden</a:t>
+            </a:r>
+            <a:r>
+              <a:rPr lang="en-US" dirty="0" smtClean="0"/>
+              <a:t> </a:t>
+            </a:r>
+            <a:r>
+              <a:rPr lang="en-US" dirty="0" err="1" smtClean="0"/>
+              <a:t>ist</a:t>
+            </a:r>
+            <a:r>
+              <a:rPr lang="en-US" dirty="0" smtClean="0"/>
+              <a:t> </a:t>
+            </a:r>
+            <a:r>
+              <a:rPr lang="en-US" dirty="0" err="1" smtClean="0"/>
+              <a:t>einfach</a:t>
+            </a:r>
+            <a:r>
+              <a:rPr lang="en-US" dirty="0" smtClean="0"/>
+              <a:t>, </a:t>
+            </a:r>
+            <a:r>
+              <a:rPr lang="en-US" dirty="0" err="1" smtClean="0"/>
+              <a:t>schwierig</a:t>
+            </a:r>
+            <a:r>
+              <a:rPr lang="en-US" baseline="0" dirty="0" smtClean="0"/>
+              <a:t> </a:t>
+            </a:r>
+            <a:r>
+              <a:rPr lang="en-US" baseline="0" dirty="0" err="1" smtClean="0"/>
+              <a:t>ist</a:t>
+            </a:r>
+            <a:r>
+              <a:rPr lang="en-US" baseline="0" dirty="0" smtClean="0"/>
+              <a:t> den </a:t>
+            </a:r>
+            <a:r>
+              <a:rPr lang="en-US" baseline="0" dirty="0" err="1" smtClean="0"/>
+              <a:t>Prozess</a:t>
+            </a:r>
+            <a:r>
+              <a:rPr lang="en-US" baseline="0" dirty="0" smtClean="0"/>
+              <a:t> und die </a:t>
+            </a:r>
+            <a:r>
+              <a:rPr lang="en-US" baseline="0" dirty="0" err="1" smtClean="0"/>
+              <a:t>Schritte</a:t>
+            </a:r>
+            <a:r>
+              <a:rPr lang="en-US" baseline="0" dirty="0" smtClean="0"/>
+              <a:t> </a:t>
+            </a:r>
+            <a:r>
+              <a:rPr lang="en-US" baseline="0" dirty="0" err="1" smtClean="0"/>
+              <a:t>zu</a:t>
+            </a:r>
+            <a:r>
+              <a:rPr lang="en-US" baseline="0" dirty="0" smtClean="0"/>
+              <a:t> </a:t>
+            </a:r>
+            <a:r>
+              <a:rPr lang="en-US" baseline="0" dirty="0" err="1" smtClean="0"/>
+              <a:t>identifizieren</a:t>
+            </a:r>
+            <a:r>
+              <a:rPr lang="en-US" baseline="0" dirty="0" smtClean="0"/>
+              <a:t>.</a:t>
+            </a:r>
+          </a:p>
+          <a:p>
+            <a:pPr marL="342900" indent="-342900"/>
+            <a:r>
+              <a:rPr lang="en-US" baseline="0" dirty="0" err="1" smtClean="0"/>
+              <a:t>Mit</a:t>
+            </a:r>
+            <a:r>
+              <a:rPr lang="en-US" baseline="0" dirty="0" smtClean="0"/>
+              <a:t> Legacy </a:t>
+            </a:r>
+            <a:r>
+              <a:rPr lang="en-US" baseline="0" dirty="0" err="1" smtClean="0"/>
+              <a:t>Systemen</a:t>
+            </a:r>
+            <a:r>
+              <a:rPr lang="en-US" baseline="0" dirty="0" smtClean="0"/>
+              <a:t> </a:t>
+            </a:r>
+            <a:r>
+              <a:rPr lang="en-US" baseline="0" dirty="0" err="1" smtClean="0"/>
+              <a:t>ein</a:t>
+            </a:r>
+            <a:r>
+              <a:rPr lang="en-US" baseline="0" dirty="0" smtClean="0"/>
+              <a:t> </a:t>
+            </a:r>
+            <a:r>
+              <a:rPr lang="en-US" baseline="0" dirty="0" err="1" smtClean="0"/>
+              <a:t>Prozessmanager</a:t>
+            </a:r>
+            <a:r>
+              <a:rPr lang="en-US" baseline="0" dirty="0" smtClean="0"/>
+              <a:t> </a:t>
+            </a:r>
+            <a:r>
+              <a:rPr lang="en-US" baseline="0" dirty="0" err="1" smtClean="0"/>
+              <a:t>für</a:t>
+            </a:r>
+            <a:r>
+              <a:rPr lang="en-US" baseline="0" dirty="0" smtClean="0"/>
+              <a:t> den Flow, </a:t>
+            </a:r>
+            <a:r>
+              <a:rPr lang="en-US" baseline="0" dirty="0" err="1" smtClean="0"/>
+              <a:t>ein</a:t>
+            </a:r>
+            <a:r>
+              <a:rPr lang="en-US" baseline="0" dirty="0" smtClean="0"/>
+              <a:t> Adapter </a:t>
+            </a:r>
+            <a:r>
+              <a:rPr lang="en-US" baseline="0" dirty="0" err="1" smtClean="0"/>
+              <a:t>für</a:t>
+            </a:r>
+            <a:r>
+              <a:rPr lang="en-US" baseline="0" dirty="0" smtClean="0"/>
+              <a:t> die Integration</a:t>
+            </a:r>
+            <a:endParaRPr lang="en-US" dirty="0" smtClean="0"/>
+          </a:p>
+          <a:p>
+            <a:pPr marL="342900" indent="-342900"/>
+            <a:endParaRPr lang="en-US" dirty="0" smtClean="0"/>
+          </a:p>
+          <a:p>
+            <a:pPr marL="342900" indent="-342900"/>
+            <a:r>
+              <a:rPr lang="en-US" b="1" dirty="0" smtClean="0"/>
+              <a:t>Orchestration is not a thing by itself.</a:t>
+            </a:r>
+          </a:p>
+          <a:p>
+            <a:pPr marL="342900" indent="-342900"/>
+            <a:endParaRPr lang="en-US" dirty="0" smtClean="0"/>
+          </a:p>
+          <a:p>
+            <a:pPr marL="342900" indent="-342900"/>
+            <a:r>
+              <a:rPr lang="en-US" dirty="0" smtClean="0"/>
+              <a:t>Divide up workflows/orchestrations along service boundaries</a:t>
+            </a:r>
+          </a:p>
+          <a:p>
+            <a:pPr marL="738188" lvl="1" indent="-342900"/>
+            <a:r>
+              <a:rPr lang="en-US" dirty="0" smtClean="0"/>
+              <a:t>Events are published at the end of the sub-flow in a service</a:t>
+            </a:r>
+          </a:p>
+          <a:p>
+            <a:pPr marL="738188" lvl="1" indent="-342900"/>
+            <a:r>
+              <a:rPr lang="en-US" dirty="0" smtClean="0"/>
+              <a:t>Events trigger a sub-flow in other services</a:t>
+            </a:r>
+          </a:p>
+          <a:p>
+            <a:pPr marL="342900" indent="-342900"/>
+            <a:endParaRPr lang="en-US" dirty="0" smtClean="0"/>
+          </a:p>
+          <a:p>
+            <a:pPr marL="342900" indent="-342900"/>
+            <a:r>
+              <a:rPr lang="en-US" dirty="0" smtClean="0"/>
+              <a:t>Sagas can be used for CEP/ESP:</a:t>
+            </a:r>
+          </a:p>
+          <a:p>
+            <a:pPr marL="342900" indent="-342900">
+              <a:buNone/>
+            </a:pPr>
+            <a:r>
+              <a:rPr lang="en-US" dirty="0" smtClean="0"/>
+              <a:t>	complex event processing, event-stream proc.</a:t>
+            </a:r>
+          </a:p>
+        </p:txBody>
+      </p:sp>
+      <p:sp>
+        <p:nvSpPr>
+          <p:cNvPr id="4" name="Slide Number Placeholder 3"/>
+          <p:cNvSpPr>
+            <a:spLocks noGrp="1"/>
+          </p:cNvSpPr>
+          <p:nvPr>
+            <p:ph type="sldNum" sz="quarter" idx="10"/>
+          </p:nvPr>
+        </p:nvSpPr>
+        <p:spPr/>
+        <p:txBody>
+          <a:bodyPr/>
+          <a:lstStyle/>
+          <a:p>
+            <a:fld id="{3993D047-D8B4-43AA-8641-D9CCF4EC54F4}" type="slidenum">
+              <a:rPr lang="de-CH" smtClean="0"/>
+              <a:t>25</a:t>
+            </a:fld>
+            <a:endParaRPr lang="de-CH"/>
+          </a:p>
+        </p:txBody>
+      </p:sp>
+    </p:spTree>
+    <p:extLst>
+      <p:ext uri="{BB962C8B-B14F-4D97-AF65-F5344CB8AC3E}">
+        <p14:creationId xmlns:p14="http://schemas.microsoft.com/office/powerpoint/2010/main" val="2156119482"/>
+      </p:ext>
+    </p:extLst>
+  </p:cSld>
+  <p:clrMapOvr>
+    <a:masterClrMapping/>
+  </p:clrMapOvr>
+</p:notes>
+</file>
+
+<file path=ppt/notesSlides/notesSlide4.xml><?xml version="1.0" encoding="utf-8"?>
+<p:notes xmlns:a="http://schemas.openxmlformats.org/drawingml/2006/main" xmlns:r="http://schemas.openxmlformats.org/officeDocument/2006/relationships" xmlns:p="http://schemas.openxmlformats.org/presentationml/2006/main">
+  <p:cSld>
+    <p:spTree>
+      <p:nvGrpSpPr>
+        <p:cNvPr id="1" name=""/>
+        <p:cNvGrpSpPr/>
+        <p:nvPr/>
+      </p:nvGrpSpPr>
+      <p:grpSpPr>
+        <a:xfrm>
+          <a:off x="0" y="0"/>
+          <a:ext cx="0" cy="0"/>
+          <a:chOff x="0" y="0"/>
+          <a:chExt cx="0" cy="0"/>
+        </a:xfrm>
+      </p:grpSpPr>
+      <p:sp>
+        <p:nvSpPr>
+          <p:cNvPr id="2" name="Slide Image Placeholder 1"/>
+          <p:cNvSpPr>
+            <a:spLocks noGrp="1" noRot="1" noChangeAspect="1"/>
+          </p:cNvSpPr>
+          <p:nvPr>
+            <p:ph type="sldImg"/>
+          </p:nvPr>
+        </p:nvSpPr>
+        <p:spPr/>
+      </p:sp>
+      <p:sp>
+        <p:nvSpPr>
+          <p:cNvPr id="3" name="Notes Placeholder 2"/>
+          <p:cNvSpPr>
+            <a:spLocks noGrp="1"/>
+          </p:cNvSpPr>
+          <p:nvPr>
+            <p:ph type="body" idx="1"/>
+          </p:nvPr>
+        </p:nvSpPr>
+        <p:spPr/>
+        <p:txBody>
+          <a:bodyPr>
+            <a:normAutofit/>
+          </a:bodyPr>
+          <a:lstStyle/>
+          <a:p>
+            <a:r>
+              <a:rPr lang="en-US" dirty="0" smtClean="0"/>
+              <a:t>Use the “explain it to me like I was 5 years old” business analysis technique.</a:t>
+            </a:r>
+            <a:endParaRPr lang="en-US" dirty="0"/>
+          </a:p>
+        </p:txBody>
+      </p:sp>
+      <p:sp>
+        <p:nvSpPr>
+          <p:cNvPr id="4" name="Slide Number Placeholder 3"/>
+          <p:cNvSpPr>
+            <a:spLocks noGrp="1"/>
+          </p:cNvSpPr>
+          <p:nvPr>
+            <p:ph type="sldNum" idx="10"/>
+          </p:nvPr>
+        </p:nvSpPr>
+        <p:spPr/>
+        <p:txBody>
+          <a:bodyPr/>
+          <a:lstStyle/>
+          <a:p>
+            <a:fld id="{7ACA2796-6D5E-4AAD-9D66-AE6CE657D5C0}" type="slidenum">
+              <a:rPr lang="en-GB" smtClean="0"/>
+              <a:pPr/>
+              <a:t>33</a:t>
+            </a:fld>
+            <a:endParaRPr lang="en-GB"/>
+          </a:p>
+        </p:txBody>
+      </p:sp>
+    </p:spTree>
+    <p:extLst>
+      <p:ext uri="{BB962C8B-B14F-4D97-AF65-F5344CB8AC3E}">
+        <p14:creationId xmlns:p14="http://schemas.microsoft.com/office/powerpoint/2010/main" val="152178608"/>
+      </p:ext>
+    </p:extLst>
+  </p:cSld>
+  <p:clrMapOvr>
+    <a:masterClrMapping/>
+  </p:clrMapOvr>
+</p:notes>
+</file>
+
+<file path=ppt/notesSlides/notesSlide5.xml><?xml version="1.0" encoding="utf-8"?>
+<p:notes xmlns:a="http://schemas.openxmlformats.org/drawingml/2006/main" xmlns:r="http://schemas.openxmlformats.org/officeDocument/2006/relationships" xmlns:p="http://schemas.openxmlformats.org/presentationml/2006/main">
+  <p:cSld>
+    <p:spTree>
+      <p:nvGrpSpPr>
+        <p:cNvPr id="1" name=""/>
+        <p:cNvGrpSpPr/>
+        <p:nvPr/>
+      </p:nvGrpSpPr>
+      <p:grpSpPr>
+        <a:xfrm>
+          <a:off x="0" y="0"/>
+          <a:ext cx="0" cy="0"/>
+          <a:chOff x="0" y="0"/>
+          <a:chExt cx="0" cy="0"/>
+        </a:xfrm>
+      </p:grpSpPr>
+      <p:sp>
+        <p:nvSpPr>
+          <p:cNvPr id="2" name="Slide Image Placeholder 1"/>
+          <p:cNvSpPr>
+            <a:spLocks noGrp="1" noRot="1" noChangeAspect="1"/>
+          </p:cNvSpPr>
+          <p:nvPr>
+            <p:ph type="sldImg"/>
+          </p:nvPr>
+        </p:nvSpPr>
+        <p:spPr/>
+      </p:sp>
+      <p:sp>
+        <p:nvSpPr>
+          <p:cNvPr id="3" name="Notes Placeholder 2"/>
+          <p:cNvSpPr>
+            <a:spLocks noGrp="1"/>
+          </p:cNvSpPr>
+          <p:nvPr>
+            <p:ph type="body" idx="1"/>
+          </p:nvPr>
+        </p:nvSpPr>
+        <p:spPr/>
+        <p:txBody>
+          <a:bodyPr>
+            <a:normAutofit/>
+          </a:bodyPr>
+          <a:lstStyle/>
+          <a:p>
+            <a:r>
+              <a:rPr lang="en-US" dirty="0" smtClean="0"/>
+              <a:t>So, no real race condition – we have the time and space to run business logic later.</a:t>
+            </a:r>
+            <a:endParaRPr lang="en-US" dirty="0"/>
+          </a:p>
+        </p:txBody>
+      </p:sp>
+      <p:sp>
+        <p:nvSpPr>
+          <p:cNvPr id="4" name="Slide Number Placeholder 3"/>
+          <p:cNvSpPr>
+            <a:spLocks noGrp="1"/>
+          </p:cNvSpPr>
+          <p:nvPr>
+            <p:ph type="sldNum" idx="10"/>
+          </p:nvPr>
+        </p:nvSpPr>
+        <p:spPr/>
+        <p:txBody>
+          <a:bodyPr/>
+          <a:lstStyle/>
+          <a:p>
+            <a:fld id="{7ACA2796-6D5E-4AAD-9D66-AE6CE657D5C0}" type="slidenum">
+              <a:rPr lang="en-GB" smtClean="0"/>
+              <a:pPr/>
+              <a:t>34</a:t>
+            </a:fld>
+            <a:endParaRPr lang="en-GB"/>
+          </a:p>
+        </p:txBody>
+      </p:sp>
+    </p:spTree>
+    <p:extLst>
+      <p:ext uri="{BB962C8B-B14F-4D97-AF65-F5344CB8AC3E}">
+        <p14:creationId xmlns:p14="http://schemas.microsoft.com/office/powerpoint/2010/main" val="345938652"/>
+      </p:ext>
+    </p:extLst>
+  </p:cSld>
+  <p:clrMapOvr>
+    <a:masterClrMapping/>
+  </p:clrMapOvr>
+</p:notes>
+</file>
+
+<file path=ppt/notesSlides/notesSlide6.xml><?xml version="1.0" encoding="utf-8"?>
+<p:notes xmlns:a="http://schemas.openxmlformats.org/drawingml/2006/main" xmlns:r="http://schemas.openxmlformats.org/officeDocument/2006/relationships" xmlns:p="http://schemas.openxmlformats.org/presentationml/2006/main">
+  <p:cSld>
+    <p:spTree>
+      <p:nvGrpSpPr>
+        <p:cNvPr id="1" name=""/>
+        <p:cNvGrpSpPr/>
+        <p:nvPr/>
+      </p:nvGrpSpPr>
+      <p:grpSpPr>
+        <a:xfrm>
+          <a:off x="0" y="0"/>
+          <a:ext cx="0" cy="0"/>
+          <a:chOff x="0" y="0"/>
+          <a:chExt cx="0" cy="0"/>
+        </a:xfrm>
+      </p:grpSpPr>
+      <p:sp>
+        <p:nvSpPr>
+          <p:cNvPr id="2" name="Slide Image Placeholder 1"/>
+          <p:cNvSpPr>
+            <a:spLocks noGrp="1" noRot="1" noChangeAspect="1"/>
+          </p:cNvSpPr>
+          <p:nvPr>
+            <p:ph type="sldImg"/>
+          </p:nvPr>
+        </p:nvSpPr>
+        <p:spPr/>
+      </p:sp>
+      <p:sp>
+        <p:nvSpPr>
+          <p:cNvPr id="3" name="Notes Placeholder 2"/>
+          <p:cNvSpPr>
+            <a:spLocks noGrp="1"/>
+          </p:cNvSpPr>
+          <p:nvPr>
+            <p:ph type="body" idx="1"/>
+          </p:nvPr>
+        </p:nvSpPr>
+        <p:spPr/>
+        <p:txBody>
+          <a:bodyPr>
+            <a:normAutofit/>
+          </a:bodyPr>
+          <a:lstStyle/>
+          <a:p>
+            <a:r>
+              <a:rPr lang="en-US" dirty="0" smtClean="0"/>
+              <a:t>Products returned in 30 days – full refund (less shipping and handling)</a:t>
+            </a:r>
+          </a:p>
+          <a:p>
+            <a:r>
+              <a:rPr lang="en-US" dirty="0" smtClean="0"/>
+              <a:t>Products returned in 60</a:t>
+            </a:r>
+            <a:r>
+              <a:rPr lang="en-US" baseline="0" dirty="0" smtClean="0"/>
+              <a:t> days – 50% refund </a:t>
+            </a:r>
+            <a:r>
+              <a:rPr lang="en-US" dirty="0" smtClean="0"/>
+              <a:t>(less shipping and handling)</a:t>
+            </a:r>
+          </a:p>
+          <a:p>
+            <a:r>
+              <a:rPr lang="en-US" dirty="0" smtClean="0"/>
+              <a:t>Later than 60 days – no refund</a:t>
+            </a:r>
+            <a:endParaRPr lang="en-US" dirty="0"/>
+          </a:p>
+        </p:txBody>
+      </p:sp>
+      <p:sp>
+        <p:nvSpPr>
+          <p:cNvPr id="4" name="Slide Number Placeholder 3"/>
+          <p:cNvSpPr>
+            <a:spLocks noGrp="1"/>
+          </p:cNvSpPr>
+          <p:nvPr>
+            <p:ph type="sldNum" idx="10"/>
+          </p:nvPr>
+        </p:nvSpPr>
+        <p:spPr/>
+        <p:txBody>
+          <a:bodyPr/>
+          <a:lstStyle/>
+          <a:p>
+            <a:fld id="{7ACA2796-6D5E-4AAD-9D66-AE6CE657D5C0}" type="slidenum">
+              <a:rPr lang="en-GB" smtClean="0"/>
+              <a:pPr/>
+              <a:t>36</a:t>
+            </a:fld>
+            <a:endParaRPr lang="en-GB"/>
+          </a:p>
+        </p:txBody>
+      </p:sp>
+    </p:spTree>
+    <p:extLst>
+      <p:ext uri="{BB962C8B-B14F-4D97-AF65-F5344CB8AC3E}">
+        <p14:creationId xmlns:p14="http://schemas.microsoft.com/office/powerpoint/2010/main" val="2617882635"/>
+      </p:ext>
+    </p:extLst>
+  </p:cSld>
+  <p:clrMapOvr>
+    <a:masterClrMapping/>
+  </p:clrMapOvr>
+</p:notes>
 </file>
 
 <file path=ppt/slideLayouts/slideLayout1.xml><?xml version="1.0" encoding="utf-8"?>
@@ -8136,7 +9336,7 @@
             </a:r>
             <a:r>
               <a:rPr lang="en-US" dirty="0" smtClean="0"/>
-              <a:t>Sagas</a:t>
+              <a:t>Sagas – The truth</a:t>
             </a:r>
             <a:r>
               <a:rPr lang="en-US" dirty="0"/>
@@ -8532,7 +9732,11 @@
           <a:bodyPr/>
           <a:lstStyle/>
           <a:p>
-            <a:endParaRPr lang="sv-SE"/>
+            <a:r>
+              <a:rPr lang="en-GB" dirty="0" smtClean="0"/>
+              <a:t>Storage mechanics</a:t>
+            </a:r>
+            <a:endParaRPr lang="sv-SE" dirty="0"/>
           </a:p>
         </p:txBody>
       </p:sp>
@@ -8662,11 +9866,4265 @@
           <a:bodyPr/>
           <a:lstStyle/>
           <a:p>
+            <a:endParaRPr lang="sv-SE"/>
+          </a:p>
+        </p:txBody>
+      </p:sp>
+    </p:spTree>
+    <p:extLst>
+      <p:ext uri="{BB962C8B-B14F-4D97-AF65-F5344CB8AC3E}">
+        <p14:creationId xmlns:p14="http://schemas.microsoft.com/office/powerpoint/2010/main" val="3766155533"/>
+      </p:ext>
+    </p:extLst>
+  </p:cSld>
+  <p:clrMapOvr>
+    <a:masterClrMapping/>
+  </p:clrMapOvr>
+</p:sld>
+</file>
+
+<file path=ppt/slides/slide21.xml><?xml version="1.0" encoding="utf-8"?>
+<p:sld xmlns:a="http://schemas.openxmlformats.org/drawingml/2006/main" xmlns:r="http://schemas.openxmlformats.org/officeDocument/2006/relationships" xmlns:p="http://schemas.openxmlformats.org/presentationml/2006/main">
+  <p:cSld>
+    <p:spTree>
+      <p:nvGrpSpPr>
+        <p:cNvPr id="1" name=""/>
+        <p:cNvGrpSpPr/>
+        <p:nvPr/>
+      </p:nvGrpSpPr>
+      <p:grpSpPr>
+        <a:xfrm>
+          <a:off x="0" y="0"/>
+          <a:ext cx="0" cy="0"/>
+          <a:chOff x="0" y="0"/>
+          <a:chExt cx="0" cy="0"/>
+        </a:xfrm>
+      </p:grpSpPr>
+      <p:sp>
+        <p:nvSpPr>
+          <p:cNvPr id="3" name="Title 2"/>
+          <p:cNvSpPr>
+            <a:spLocks noGrp="1"/>
+          </p:cNvSpPr>
+          <p:nvPr>
+            <p:ph type="title"/>
+          </p:nvPr>
+        </p:nvSpPr>
+        <p:spPr/>
+        <p:txBody>
+          <a:bodyPr/>
+          <a:lstStyle/>
+          <a:p>
             <a:r>
               <a:rPr lang="en-GB" dirty="0" smtClean="0"/>
-              <a:t>Upcoming saga changes in v6</a:t>
+              <a:t>Sagas and integration</a:t>
             </a:r>
             <a:endParaRPr lang="sv-SE" dirty="0"/>
+          </a:p>
+        </p:txBody>
+      </p:sp>
+      <p:sp>
+        <p:nvSpPr>
+          <p:cNvPr id="4" name="Text Placeholder 3"/>
+          <p:cNvSpPr>
+            <a:spLocks noGrp="1"/>
+          </p:cNvSpPr>
+          <p:nvPr>
+            <p:ph type="body" idx="1"/>
+          </p:nvPr>
+        </p:nvSpPr>
+        <p:spPr/>
+        <p:txBody>
+          <a:bodyPr/>
+          <a:lstStyle/>
+          <a:p>
+            <a:endParaRPr lang="sv-SE"/>
+          </a:p>
+        </p:txBody>
+      </p:sp>
+    </p:spTree>
+    <p:extLst>
+      <p:ext uri="{BB962C8B-B14F-4D97-AF65-F5344CB8AC3E}">
+        <p14:creationId xmlns:p14="http://schemas.microsoft.com/office/powerpoint/2010/main" val="1991148315"/>
+      </p:ext>
+    </p:extLst>
+  </p:cSld>
+  <p:clrMapOvr>
+    <a:masterClrMapping/>
+  </p:clrMapOvr>
+</p:sld>
+</file>
+
+<file path=ppt/slides/slide22.xml><?xml version="1.0" encoding="utf-8"?>
+<p:sld xmlns:a="http://schemas.openxmlformats.org/drawingml/2006/main" xmlns:r="http://schemas.openxmlformats.org/officeDocument/2006/relationships" xmlns:p="http://schemas.openxmlformats.org/presentationml/2006/main">
+  <p:cSld>
+    <p:spTree>
+      <p:nvGrpSpPr>
+        <p:cNvPr id="1" name=""/>
+        <p:cNvGrpSpPr/>
+        <p:nvPr/>
+      </p:nvGrpSpPr>
+      <p:grpSpPr>
+        <a:xfrm>
+          <a:off x="0" y="0"/>
+          <a:ext cx="0" cy="0"/>
+          <a:chOff x="0" y="0"/>
+          <a:chExt cx="0" cy="0"/>
+        </a:xfrm>
+      </p:grpSpPr>
+      <p:sp>
+        <p:nvSpPr>
+          <p:cNvPr id="2" name="Title 1"/>
+          <p:cNvSpPr>
+            <a:spLocks noGrp="1"/>
+          </p:cNvSpPr>
+          <p:nvPr>
+            <p:ph type="title"/>
+          </p:nvPr>
+        </p:nvSpPr>
+        <p:spPr/>
+        <p:txBody>
+          <a:bodyPr/>
+          <a:lstStyle/>
+          <a:p>
+            <a:r>
+              <a:rPr lang="en-GB" dirty="0" smtClean="0"/>
+              <a:t>Observer vs Command saga</a:t>
+            </a:r>
+            <a:endParaRPr lang="sv-SE" dirty="0"/>
+          </a:p>
+        </p:txBody>
+      </p:sp>
+      <p:sp>
+        <p:nvSpPr>
+          <p:cNvPr id="3" name="Text Placeholder 2"/>
+          <p:cNvSpPr>
+            <a:spLocks noGrp="1"/>
+          </p:cNvSpPr>
+          <p:nvPr>
+            <p:ph type="body" idx="1"/>
+          </p:nvPr>
+        </p:nvSpPr>
+        <p:spPr/>
+        <p:txBody>
+          <a:bodyPr/>
+          <a:lstStyle/>
+          <a:p>
+            <a:endParaRPr lang="sv-SE"/>
+          </a:p>
+        </p:txBody>
+      </p:sp>
+    </p:spTree>
+    <p:extLst>
+      <p:ext uri="{BB962C8B-B14F-4D97-AF65-F5344CB8AC3E}">
+        <p14:creationId xmlns:p14="http://schemas.microsoft.com/office/powerpoint/2010/main" val="404682251"/>
+      </p:ext>
+    </p:extLst>
+  </p:cSld>
+  <p:clrMapOvr>
+    <a:masterClrMapping/>
+  </p:clrMapOvr>
+</p:sld>
+</file>
+
+<file path=ppt/slides/slide23.xml><?xml version="1.0" encoding="utf-8"?>
+<p:sld xmlns:a="http://schemas.openxmlformats.org/drawingml/2006/main" xmlns:r="http://schemas.openxmlformats.org/officeDocument/2006/relationships" xmlns:p="http://schemas.openxmlformats.org/presentationml/2006/main">
+  <p:cSld>
+    <p:spTree>
+      <p:nvGrpSpPr>
+        <p:cNvPr id="1" name=""/>
+        <p:cNvGrpSpPr/>
+        <p:nvPr/>
+      </p:nvGrpSpPr>
+      <p:grpSpPr>
+        <a:xfrm>
+          <a:off x="0" y="0"/>
+          <a:ext cx="0" cy="0"/>
+          <a:chOff x="0" y="0"/>
+          <a:chExt cx="0" cy="0"/>
+        </a:xfrm>
+      </p:grpSpPr>
+      <p:sp>
+        <p:nvSpPr>
+          <p:cNvPr id="2" name="Text Box 3"/>
+          <p:cNvSpPr txBox="1">
+            <a:spLocks noChangeArrowheads="1"/>
+          </p:cNvSpPr>
+          <p:nvPr/>
+        </p:nvSpPr>
+        <p:spPr bwMode="auto">
+          <a:xfrm>
+            <a:off x="1656977" y="1542363"/>
+            <a:ext cx="1524000" cy="461665"/>
+          </a:xfrm>
+          <a:prstGeom prst="rect">
+            <a:avLst/>
+          </a:prstGeom>
+          <a:noFill/>
+          <a:ln w="9525" algn="ctr">
+            <a:noFill/>
+            <a:miter lim="800000"/>
+            <a:headEnd/>
+            <a:tailEnd/>
+          </a:ln>
+          <a:effectLst/>
+        </p:spPr>
+        <p:txBody>
+          <a:bodyPr>
+            <a:spAutoFit/>
+          </a:bodyPr>
+          <a:lstStyle/>
+          <a:p>
+            <a:pPr algn="ctr"/>
+            <a:r>
+              <a:rPr lang="en-US" sz="2400" dirty="0">
+                <a:latin typeface="Steelfish Rg" panose="020B0608020202040504" pitchFamily="34" charset="0"/>
+              </a:rPr>
+              <a:t>Request</a:t>
+            </a:r>
+            <a:endParaRPr lang="en-US" sz="3200" dirty="0">
+              <a:latin typeface="Steelfish Rg" panose="020B0608020202040504" pitchFamily="34" charset="0"/>
+            </a:endParaRPr>
+          </a:p>
+        </p:txBody>
+      </p:sp>
+      <p:sp>
+        <p:nvSpPr>
+          <p:cNvPr id="3" name="Line 6"/>
+          <p:cNvSpPr>
+            <a:spLocks noChangeShapeType="1"/>
+          </p:cNvSpPr>
+          <p:nvPr/>
+        </p:nvSpPr>
+        <p:spPr bwMode="auto">
+          <a:xfrm flipH="1">
+            <a:off x="3752477" y="1637553"/>
+            <a:ext cx="0" cy="4267200"/>
+          </a:xfrm>
+          <a:prstGeom prst="line">
+            <a:avLst/>
+          </a:prstGeom>
+          <a:noFill/>
+          <a:ln w="38100">
+            <a:solidFill>
+              <a:srgbClr val="83A9E5"/>
+            </a:solidFill>
+            <a:round/>
+            <a:headEnd/>
+            <a:tailEnd/>
+          </a:ln>
+          <a:effectLst>
+            <a:outerShdw dist="35921" dir="2700000" algn="ctr" rotWithShape="0">
+              <a:schemeClr val="bg2"/>
+            </a:outerShdw>
+          </a:effectLst>
+        </p:spPr>
+        <p:txBody>
+          <a:bodyPr wrap="none" anchor="ctr"/>
+          <a:lstStyle/>
+          <a:p>
+            <a:endParaRPr lang="en-GB">
+              <a:latin typeface="Steelfish Rg" panose="020B0608020202040504" pitchFamily="34" charset="0"/>
+            </a:endParaRPr>
+          </a:p>
+        </p:txBody>
+      </p:sp>
+      <p:sp>
+        <p:nvSpPr>
+          <p:cNvPr id="4" name="Text Box 7"/>
+          <p:cNvSpPr txBox="1">
+            <a:spLocks noChangeArrowheads="1"/>
+          </p:cNvSpPr>
+          <p:nvPr/>
+        </p:nvSpPr>
+        <p:spPr bwMode="auto">
+          <a:xfrm>
+            <a:off x="3130177" y="1193053"/>
+            <a:ext cx="1282700" cy="400110"/>
+          </a:xfrm>
+          <a:prstGeom prst="rect">
+            <a:avLst/>
+          </a:prstGeom>
+          <a:solidFill>
+            <a:srgbClr val="566F97"/>
+          </a:solidFill>
+          <a:ln w="9525" algn="ctr">
+            <a:solidFill>
+              <a:schemeClr val="bg2"/>
+            </a:solidFill>
+            <a:miter lim="800000"/>
+            <a:headEnd/>
+            <a:tailEnd/>
+          </a:ln>
+          <a:effectLst/>
+        </p:spPr>
+        <p:txBody>
+          <a:bodyPr wrap="square">
+            <a:spAutoFit/>
+          </a:bodyPr>
+          <a:lstStyle/>
+          <a:p>
+            <a:pPr algn="ctr"/>
+            <a:r>
+              <a:rPr lang="en-US" sz="2000" dirty="0" smtClean="0">
+                <a:solidFill>
+                  <a:schemeClr val="bg1"/>
+                </a:solidFill>
+                <a:effectLst/>
+                <a:latin typeface="Steelfish Rg" panose="020B0608020202040504" pitchFamily="34" charset="0"/>
+              </a:rPr>
+              <a:t>System</a:t>
+            </a:r>
+            <a:endParaRPr lang="en-US" dirty="0">
+              <a:solidFill>
+                <a:schemeClr val="bg1"/>
+              </a:solidFill>
+              <a:effectLst>
+                <a:outerShdw blurRad="38100" dist="38100" dir="2700000" algn="tl">
+                  <a:srgbClr val="000000"/>
+                </a:outerShdw>
+              </a:effectLst>
+              <a:latin typeface="Steelfish Rg" panose="020B0608020202040504" pitchFamily="34" charset="0"/>
+            </a:endParaRPr>
+          </a:p>
+        </p:txBody>
+      </p:sp>
+      <p:sp>
+        <p:nvSpPr>
+          <p:cNvPr id="5" name="Line 8"/>
+          <p:cNvSpPr>
+            <a:spLocks noChangeShapeType="1"/>
+          </p:cNvSpPr>
+          <p:nvPr/>
+        </p:nvSpPr>
+        <p:spPr bwMode="auto">
+          <a:xfrm flipV="1">
+            <a:off x="1656977" y="1967753"/>
+            <a:ext cx="2019300" cy="0"/>
+          </a:xfrm>
+          <a:prstGeom prst="line">
+            <a:avLst/>
+          </a:prstGeom>
+          <a:noFill/>
+          <a:ln w="38100">
+            <a:solidFill>
+              <a:srgbClr val="83A9E5"/>
+            </a:solidFill>
+            <a:round/>
+            <a:headEnd/>
+            <a:tailEnd type="stealth" w="lg" len="lg"/>
+          </a:ln>
+          <a:effectLst>
+            <a:outerShdw dist="35921" dir="2700000" algn="ctr" rotWithShape="0">
+              <a:schemeClr val="bg2"/>
+            </a:outerShdw>
+          </a:effectLst>
+        </p:spPr>
+        <p:txBody>
+          <a:bodyPr wrap="none" anchor="ctr"/>
+          <a:lstStyle/>
+          <a:p>
+            <a:endParaRPr lang="en-GB">
+              <a:latin typeface="Steelfish Rg" panose="020B0608020202040504" pitchFamily="34" charset="0"/>
+            </a:endParaRPr>
+          </a:p>
+        </p:txBody>
+      </p:sp>
+      <p:sp>
+        <p:nvSpPr>
+          <p:cNvPr id="6" name="Rectangle 9"/>
+          <p:cNvSpPr>
+            <a:spLocks noChangeArrowheads="1"/>
+          </p:cNvSpPr>
+          <p:nvPr/>
+        </p:nvSpPr>
+        <p:spPr bwMode="auto">
+          <a:xfrm>
+            <a:off x="3688977" y="1891553"/>
+            <a:ext cx="127000" cy="3383280"/>
+          </a:xfrm>
+          <a:prstGeom prst="rect">
+            <a:avLst/>
+          </a:prstGeom>
+          <a:solidFill>
+            <a:srgbClr val="242F40"/>
+          </a:solidFill>
+          <a:ln w="9525" algn="ctr">
+            <a:solidFill>
+              <a:schemeClr val="bg2"/>
+            </a:solidFill>
+            <a:miter lim="800000"/>
+            <a:headEnd/>
+            <a:tailEnd/>
+          </a:ln>
+          <a:effectLst/>
+        </p:spPr>
+        <p:txBody>
+          <a:bodyPr wrap="none" anchor="ctr"/>
+          <a:lstStyle/>
+          <a:p>
+            <a:endParaRPr lang="en-GB">
+              <a:latin typeface="Steelfish Rg" panose="020B0608020202040504" pitchFamily="34" charset="0"/>
+            </a:endParaRPr>
+          </a:p>
+        </p:txBody>
+      </p:sp>
+      <p:sp>
+        <p:nvSpPr>
+          <p:cNvPr id="7" name="Line 10"/>
+          <p:cNvSpPr>
+            <a:spLocks noChangeShapeType="1"/>
+          </p:cNvSpPr>
+          <p:nvPr/>
+        </p:nvSpPr>
+        <p:spPr bwMode="auto">
+          <a:xfrm flipV="1">
+            <a:off x="3866777" y="2082053"/>
+            <a:ext cx="1554480" cy="0"/>
+          </a:xfrm>
+          <a:prstGeom prst="line">
+            <a:avLst/>
+          </a:prstGeom>
+          <a:noFill/>
+          <a:ln w="38100">
+            <a:solidFill>
+              <a:srgbClr val="83A9E5"/>
+            </a:solidFill>
+            <a:round/>
+            <a:headEnd/>
+            <a:tailEnd type="stealth" w="lg" len="lg"/>
+          </a:ln>
+          <a:effectLst>
+            <a:outerShdw dist="35921" dir="2700000" algn="ctr" rotWithShape="0">
+              <a:schemeClr val="bg2"/>
+            </a:outerShdw>
+          </a:effectLst>
+        </p:spPr>
+        <p:txBody>
+          <a:bodyPr wrap="none" anchor="ctr"/>
+          <a:lstStyle/>
+          <a:p>
+            <a:endParaRPr lang="en-GB">
+              <a:latin typeface="Steelfish Rg" panose="020B0608020202040504" pitchFamily="34" charset="0"/>
+            </a:endParaRPr>
+          </a:p>
+        </p:txBody>
+      </p:sp>
+      <p:sp>
+        <p:nvSpPr>
+          <p:cNvPr id="8" name="Line 11"/>
+          <p:cNvSpPr>
+            <a:spLocks noChangeShapeType="1"/>
+          </p:cNvSpPr>
+          <p:nvPr/>
+        </p:nvSpPr>
+        <p:spPr bwMode="auto">
+          <a:xfrm flipV="1">
+            <a:off x="3930277" y="4164853"/>
+            <a:ext cx="5212080" cy="0"/>
+          </a:xfrm>
+          <a:prstGeom prst="line">
+            <a:avLst/>
+          </a:prstGeom>
+          <a:noFill/>
+          <a:ln w="38100">
+            <a:solidFill>
+              <a:srgbClr val="83A9E5"/>
+            </a:solidFill>
+            <a:round/>
+            <a:headEnd/>
+            <a:tailEnd type="stealth" w="lg" len="lg"/>
+          </a:ln>
+          <a:effectLst>
+            <a:outerShdw dist="35921" dir="2700000" algn="ctr" rotWithShape="0">
+              <a:schemeClr val="bg2"/>
+            </a:outerShdw>
+          </a:effectLst>
+        </p:spPr>
+        <p:txBody>
+          <a:bodyPr wrap="none" anchor="ctr"/>
+          <a:lstStyle/>
+          <a:p>
+            <a:endParaRPr lang="en-GB">
+              <a:latin typeface="Steelfish Rg" panose="020B0608020202040504" pitchFamily="34" charset="0"/>
+            </a:endParaRPr>
+          </a:p>
+        </p:txBody>
+      </p:sp>
+      <p:sp>
+        <p:nvSpPr>
+          <p:cNvPr id="9" name="Line 12"/>
+          <p:cNvSpPr>
+            <a:spLocks noChangeShapeType="1"/>
+          </p:cNvSpPr>
+          <p:nvPr/>
+        </p:nvSpPr>
+        <p:spPr bwMode="auto">
+          <a:xfrm flipV="1">
+            <a:off x="3904877" y="2958353"/>
+            <a:ext cx="3352800" cy="0"/>
+          </a:xfrm>
+          <a:prstGeom prst="line">
+            <a:avLst/>
+          </a:prstGeom>
+          <a:noFill/>
+          <a:ln w="38100">
+            <a:solidFill>
+              <a:srgbClr val="83A9E5"/>
+            </a:solidFill>
+            <a:round/>
+            <a:headEnd/>
+            <a:tailEnd type="stealth" w="lg" len="lg"/>
+          </a:ln>
+          <a:effectLst>
+            <a:outerShdw dist="35921" dir="2700000" algn="ctr" rotWithShape="0">
+              <a:schemeClr val="bg2"/>
+            </a:outerShdw>
+          </a:effectLst>
+        </p:spPr>
+        <p:txBody>
+          <a:bodyPr wrap="none" anchor="ctr"/>
+          <a:lstStyle/>
+          <a:p>
+            <a:endParaRPr lang="en-GB">
+              <a:latin typeface="Steelfish Rg" panose="020B0608020202040504" pitchFamily="34" charset="0"/>
+            </a:endParaRPr>
+          </a:p>
+        </p:txBody>
+      </p:sp>
+      <p:sp>
+        <p:nvSpPr>
+          <p:cNvPr id="11" name="Line 6"/>
+          <p:cNvSpPr>
+            <a:spLocks noChangeShapeType="1"/>
+          </p:cNvSpPr>
+          <p:nvPr/>
+        </p:nvSpPr>
+        <p:spPr bwMode="auto">
+          <a:xfrm flipH="1">
+            <a:off x="5517777" y="1624853"/>
+            <a:ext cx="0" cy="4267200"/>
+          </a:xfrm>
+          <a:prstGeom prst="line">
+            <a:avLst/>
+          </a:prstGeom>
+          <a:noFill/>
+          <a:ln w="38100">
+            <a:solidFill>
+              <a:srgbClr val="83A9E5"/>
+            </a:solidFill>
+            <a:round/>
+            <a:headEnd/>
+            <a:tailEnd/>
+          </a:ln>
+          <a:effectLst>
+            <a:outerShdw dist="35921" dir="2700000" algn="ctr" rotWithShape="0">
+              <a:schemeClr val="bg2"/>
+            </a:outerShdw>
+          </a:effectLst>
+        </p:spPr>
+        <p:txBody>
+          <a:bodyPr wrap="none" anchor="ctr"/>
+          <a:lstStyle/>
+          <a:p>
+            <a:endParaRPr lang="en-GB">
+              <a:latin typeface="Steelfish Rg" panose="020B0608020202040504" pitchFamily="34" charset="0"/>
+            </a:endParaRPr>
+          </a:p>
+        </p:txBody>
+      </p:sp>
+      <p:sp>
+        <p:nvSpPr>
+          <p:cNvPr id="12" name="Text Box 7"/>
+          <p:cNvSpPr txBox="1">
+            <a:spLocks noChangeArrowheads="1"/>
+          </p:cNvSpPr>
+          <p:nvPr/>
+        </p:nvSpPr>
+        <p:spPr bwMode="auto">
+          <a:xfrm>
+            <a:off x="4895477" y="1180353"/>
+            <a:ext cx="1282700" cy="400110"/>
+          </a:xfrm>
+          <a:prstGeom prst="rect">
+            <a:avLst/>
+          </a:prstGeom>
+          <a:solidFill>
+            <a:srgbClr val="566F97"/>
+          </a:solidFill>
+          <a:ln w="9525" algn="ctr">
+            <a:solidFill>
+              <a:schemeClr val="bg2"/>
+            </a:solidFill>
+            <a:miter lim="800000"/>
+            <a:headEnd/>
+            <a:tailEnd/>
+          </a:ln>
+          <a:effectLst/>
+        </p:spPr>
+        <p:txBody>
+          <a:bodyPr wrap="square">
+            <a:spAutoFit/>
+          </a:bodyPr>
+          <a:lstStyle/>
+          <a:p>
+            <a:pPr algn="ctr"/>
+            <a:r>
+              <a:rPr lang="en-US" sz="2000" dirty="0" smtClean="0">
+                <a:solidFill>
+                  <a:schemeClr val="bg1"/>
+                </a:solidFill>
+                <a:effectLst/>
+                <a:latin typeface="Steelfish Rg" panose="020B0608020202040504" pitchFamily="34" charset="0"/>
+              </a:rPr>
+              <a:t>A</a:t>
+            </a:r>
+            <a:endParaRPr lang="en-US" dirty="0">
+              <a:solidFill>
+                <a:schemeClr val="bg1"/>
+              </a:solidFill>
+              <a:effectLst>
+                <a:outerShdw blurRad="38100" dist="38100" dir="2700000" algn="tl">
+                  <a:srgbClr val="000000"/>
+                </a:outerShdw>
+              </a:effectLst>
+              <a:latin typeface="Steelfish Rg" panose="020B0608020202040504" pitchFamily="34" charset="0"/>
+            </a:endParaRPr>
+          </a:p>
+        </p:txBody>
+      </p:sp>
+      <p:sp>
+        <p:nvSpPr>
+          <p:cNvPr id="13" name="Rectangle 9"/>
+          <p:cNvSpPr>
+            <a:spLocks noChangeArrowheads="1"/>
+          </p:cNvSpPr>
+          <p:nvPr/>
+        </p:nvSpPr>
+        <p:spPr bwMode="auto">
+          <a:xfrm>
+            <a:off x="5454277" y="2069353"/>
+            <a:ext cx="127000" cy="548640"/>
+          </a:xfrm>
+          <a:prstGeom prst="rect">
+            <a:avLst/>
+          </a:prstGeom>
+          <a:solidFill>
+            <a:srgbClr val="242F40"/>
+          </a:solidFill>
+          <a:ln w="9525" algn="ctr">
+            <a:solidFill>
+              <a:schemeClr val="bg2"/>
+            </a:solidFill>
+            <a:miter lim="800000"/>
+            <a:headEnd/>
+            <a:tailEnd/>
+          </a:ln>
+          <a:effectLst/>
+        </p:spPr>
+        <p:txBody>
+          <a:bodyPr wrap="none" anchor="ctr"/>
+          <a:lstStyle/>
+          <a:p>
+            <a:endParaRPr lang="en-GB">
+              <a:latin typeface="Steelfish Rg" panose="020B0608020202040504" pitchFamily="34" charset="0"/>
+            </a:endParaRPr>
+          </a:p>
+        </p:txBody>
+      </p:sp>
+      <p:sp>
+        <p:nvSpPr>
+          <p:cNvPr id="14" name="Line 6"/>
+          <p:cNvSpPr>
+            <a:spLocks noChangeShapeType="1"/>
+          </p:cNvSpPr>
+          <p:nvPr/>
+        </p:nvSpPr>
+        <p:spPr bwMode="auto">
+          <a:xfrm flipH="1">
+            <a:off x="7410077" y="1599453"/>
+            <a:ext cx="0" cy="4267200"/>
+          </a:xfrm>
+          <a:prstGeom prst="line">
+            <a:avLst/>
+          </a:prstGeom>
+          <a:noFill/>
+          <a:ln w="38100">
+            <a:solidFill>
+              <a:srgbClr val="83A9E5"/>
+            </a:solidFill>
+            <a:round/>
+            <a:headEnd/>
+            <a:tailEnd/>
+          </a:ln>
+          <a:effectLst>
+            <a:outerShdw dist="35921" dir="2700000" algn="ctr" rotWithShape="0">
+              <a:schemeClr val="bg2"/>
+            </a:outerShdw>
+          </a:effectLst>
+        </p:spPr>
+        <p:txBody>
+          <a:bodyPr wrap="none" anchor="ctr"/>
+          <a:lstStyle/>
+          <a:p>
+            <a:endParaRPr lang="en-GB">
+              <a:latin typeface="Steelfish Rg" panose="020B0608020202040504" pitchFamily="34" charset="0"/>
+            </a:endParaRPr>
+          </a:p>
+        </p:txBody>
+      </p:sp>
+      <p:sp>
+        <p:nvSpPr>
+          <p:cNvPr id="15" name="Text Box 7"/>
+          <p:cNvSpPr txBox="1">
+            <a:spLocks noChangeArrowheads="1"/>
+          </p:cNvSpPr>
+          <p:nvPr/>
+        </p:nvSpPr>
+        <p:spPr bwMode="auto">
+          <a:xfrm>
+            <a:off x="6787777" y="1154953"/>
+            <a:ext cx="1282700" cy="400110"/>
+          </a:xfrm>
+          <a:prstGeom prst="rect">
+            <a:avLst/>
+          </a:prstGeom>
+          <a:solidFill>
+            <a:srgbClr val="566F97"/>
+          </a:solidFill>
+          <a:ln w="9525" algn="ctr">
+            <a:solidFill>
+              <a:schemeClr val="bg2"/>
+            </a:solidFill>
+            <a:miter lim="800000"/>
+            <a:headEnd/>
+            <a:tailEnd/>
+          </a:ln>
+          <a:effectLst/>
+        </p:spPr>
+        <p:txBody>
+          <a:bodyPr wrap="square">
+            <a:spAutoFit/>
+          </a:bodyPr>
+          <a:lstStyle/>
+          <a:p>
+            <a:pPr algn="ctr"/>
+            <a:r>
+              <a:rPr lang="en-US" sz="2000" dirty="0" smtClean="0">
+                <a:solidFill>
+                  <a:schemeClr val="bg1"/>
+                </a:solidFill>
+                <a:effectLst/>
+                <a:latin typeface="Steelfish Rg" panose="020B0608020202040504" pitchFamily="34" charset="0"/>
+              </a:rPr>
+              <a:t>B</a:t>
+            </a:r>
+            <a:endParaRPr lang="en-US" dirty="0">
+              <a:solidFill>
+                <a:schemeClr val="bg1"/>
+              </a:solidFill>
+              <a:effectLst>
+                <a:outerShdw blurRad="38100" dist="38100" dir="2700000" algn="tl">
+                  <a:srgbClr val="000000"/>
+                </a:outerShdw>
+              </a:effectLst>
+              <a:latin typeface="Steelfish Rg" panose="020B0608020202040504" pitchFamily="34" charset="0"/>
+            </a:endParaRPr>
+          </a:p>
+        </p:txBody>
+      </p:sp>
+      <p:sp>
+        <p:nvSpPr>
+          <p:cNvPr id="16" name="Rectangle 9"/>
+          <p:cNvSpPr>
+            <a:spLocks noChangeArrowheads="1"/>
+          </p:cNvSpPr>
+          <p:nvPr/>
+        </p:nvSpPr>
+        <p:spPr bwMode="auto">
+          <a:xfrm>
+            <a:off x="7346577" y="2932953"/>
+            <a:ext cx="127000" cy="863600"/>
+          </a:xfrm>
+          <a:prstGeom prst="rect">
+            <a:avLst/>
+          </a:prstGeom>
+          <a:solidFill>
+            <a:srgbClr val="242F40"/>
+          </a:solidFill>
+          <a:ln w="9525" algn="ctr">
+            <a:solidFill>
+              <a:schemeClr val="bg2"/>
+            </a:solidFill>
+            <a:miter lim="800000"/>
+            <a:headEnd/>
+            <a:tailEnd/>
+          </a:ln>
+          <a:effectLst/>
+        </p:spPr>
+        <p:txBody>
+          <a:bodyPr wrap="none" anchor="ctr"/>
+          <a:lstStyle/>
+          <a:p>
+            <a:endParaRPr lang="en-GB">
+              <a:latin typeface="Steelfish Rg" panose="020B0608020202040504" pitchFamily="34" charset="0"/>
+            </a:endParaRPr>
+          </a:p>
+        </p:txBody>
+      </p:sp>
+      <p:sp>
+        <p:nvSpPr>
+          <p:cNvPr id="17" name="Line 6"/>
+          <p:cNvSpPr>
+            <a:spLocks noChangeShapeType="1"/>
+          </p:cNvSpPr>
+          <p:nvPr/>
+        </p:nvSpPr>
+        <p:spPr bwMode="auto">
+          <a:xfrm flipH="1">
+            <a:off x="9289677" y="1586753"/>
+            <a:ext cx="0" cy="4267200"/>
+          </a:xfrm>
+          <a:prstGeom prst="line">
+            <a:avLst/>
+          </a:prstGeom>
+          <a:noFill/>
+          <a:ln w="38100">
+            <a:solidFill>
+              <a:srgbClr val="83A9E5"/>
+            </a:solidFill>
+            <a:round/>
+            <a:headEnd/>
+            <a:tailEnd/>
+          </a:ln>
+          <a:effectLst>
+            <a:outerShdw dist="35921" dir="2700000" algn="ctr" rotWithShape="0">
+              <a:schemeClr val="bg2"/>
+            </a:outerShdw>
+          </a:effectLst>
+        </p:spPr>
+        <p:txBody>
+          <a:bodyPr wrap="none" anchor="ctr"/>
+          <a:lstStyle/>
+          <a:p>
+            <a:endParaRPr lang="en-GB">
+              <a:latin typeface="Steelfish Rg" panose="020B0608020202040504" pitchFamily="34" charset="0"/>
+            </a:endParaRPr>
+          </a:p>
+        </p:txBody>
+      </p:sp>
+      <p:sp>
+        <p:nvSpPr>
+          <p:cNvPr id="18" name="Text Box 7"/>
+          <p:cNvSpPr txBox="1">
+            <a:spLocks noChangeArrowheads="1"/>
+          </p:cNvSpPr>
+          <p:nvPr/>
+        </p:nvSpPr>
+        <p:spPr bwMode="auto">
+          <a:xfrm>
+            <a:off x="8667377" y="1142253"/>
+            <a:ext cx="1282700" cy="400110"/>
+          </a:xfrm>
+          <a:prstGeom prst="rect">
+            <a:avLst/>
+          </a:prstGeom>
+          <a:solidFill>
+            <a:srgbClr val="566F97"/>
+          </a:solidFill>
+          <a:ln w="9525" algn="ctr">
+            <a:solidFill>
+              <a:schemeClr val="bg2"/>
+            </a:solidFill>
+            <a:miter lim="800000"/>
+            <a:headEnd/>
+            <a:tailEnd/>
+          </a:ln>
+          <a:effectLst/>
+        </p:spPr>
+        <p:txBody>
+          <a:bodyPr wrap="square">
+            <a:spAutoFit/>
+          </a:bodyPr>
+          <a:lstStyle/>
+          <a:p>
+            <a:pPr algn="ctr"/>
+            <a:r>
+              <a:rPr lang="en-US" sz="2000" dirty="0" smtClean="0">
+                <a:solidFill>
+                  <a:schemeClr val="bg1"/>
+                </a:solidFill>
+                <a:effectLst/>
+                <a:latin typeface="Steelfish Rg" panose="020B0608020202040504" pitchFamily="34" charset="0"/>
+              </a:rPr>
+              <a:t>C</a:t>
+            </a:r>
+            <a:endParaRPr lang="en-US" dirty="0">
+              <a:solidFill>
+                <a:schemeClr val="bg1"/>
+              </a:solidFill>
+              <a:effectLst>
+                <a:outerShdw blurRad="38100" dist="38100" dir="2700000" algn="tl">
+                  <a:srgbClr val="000000"/>
+                </a:outerShdw>
+              </a:effectLst>
+              <a:latin typeface="Steelfish Rg" panose="020B0608020202040504" pitchFamily="34" charset="0"/>
+            </a:endParaRPr>
+          </a:p>
+        </p:txBody>
+      </p:sp>
+      <p:sp>
+        <p:nvSpPr>
+          <p:cNvPr id="19" name="Rectangle 9"/>
+          <p:cNvSpPr>
+            <a:spLocks noChangeArrowheads="1"/>
+          </p:cNvSpPr>
+          <p:nvPr/>
+        </p:nvSpPr>
+        <p:spPr bwMode="auto">
+          <a:xfrm>
+            <a:off x="9226177" y="4101353"/>
+            <a:ext cx="127000" cy="863600"/>
+          </a:xfrm>
+          <a:prstGeom prst="rect">
+            <a:avLst/>
+          </a:prstGeom>
+          <a:solidFill>
+            <a:srgbClr val="242F40"/>
+          </a:solidFill>
+          <a:ln w="9525" algn="ctr">
+            <a:solidFill>
+              <a:schemeClr val="bg2"/>
+            </a:solidFill>
+            <a:miter lim="800000"/>
+            <a:headEnd/>
+            <a:tailEnd/>
+          </a:ln>
+          <a:effectLst/>
+        </p:spPr>
+        <p:txBody>
+          <a:bodyPr wrap="none" anchor="ctr"/>
+          <a:lstStyle/>
+          <a:p>
+            <a:endParaRPr lang="en-GB">
+              <a:latin typeface="Steelfish Rg" panose="020B0608020202040504" pitchFamily="34" charset="0"/>
+            </a:endParaRPr>
+          </a:p>
+        </p:txBody>
+      </p:sp>
+      <p:sp>
+        <p:nvSpPr>
+          <p:cNvPr id="20" name="Line 10"/>
+          <p:cNvSpPr>
+            <a:spLocks noChangeShapeType="1"/>
+          </p:cNvSpPr>
+          <p:nvPr/>
+        </p:nvSpPr>
+        <p:spPr bwMode="auto">
+          <a:xfrm flipH="1" flipV="1">
+            <a:off x="3866777" y="2564653"/>
+            <a:ext cx="1554480" cy="0"/>
+          </a:xfrm>
+          <a:prstGeom prst="line">
+            <a:avLst/>
+          </a:prstGeom>
+          <a:noFill/>
+          <a:ln w="38100">
+            <a:solidFill>
+              <a:srgbClr val="83A9E5"/>
+            </a:solidFill>
+            <a:prstDash val="sysDash"/>
+            <a:round/>
+            <a:headEnd/>
+            <a:tailEnd type="stealth" w="lg" len="lg"/>
+          </a:ln>
+          <a:effectLst>
+            <a:outerShdw dist="35921" dir="2700000" algn="ctr" rotWithShape="0">
+              <a:schemeClr val="bg2"/>
+            </a:outerShdw>
+          </a:effectLst>
+        </p:spPr>
+        <p:txBody>
+          <a:bodyPr wrap="none" anchor="ctr"/>
+          <a:lstStyle/>
+          <a:p>
+            <a:endParaRPr lang="en-GB">
+              <a:latin typeface="Steelfish Rg" panose="020B0608020202040504" pitchFamily="34" charset="0"/>
+            </a:endParaRPr>
+          </a:p>
+        </p:txBody>
+      </p:sp>
+      <p:sp>
+        <p:nvSpPr>
+          <p:cNvPr id="21" name="Line 10"/>
+          <p:cNvSpPr>
+            <a:spLocks noChangeShapeType="1"/>
+          </p:cNvSpPr>
+          <p:nvPr/>
+        </p:nvSpPr>
+        <p:spPr bwMode="auto">
+          <a:xfrm flipH="1" flipV="1">
+            <a:off x="3968377" y="3733053"/>
+            <a:ext cx="3281680" cy="0"/>
+          </a:xfrm>
+          <a:prstGeom prst="line">
+            <a:avLst/>
+          </a:prstGeom>
+          <a:noFill/>
+          <a:ln w="38100">
+            <a:solidFill>
+              <a:srgbClr val="83A9E5"/>
+            </a:solidFill>
+            <a:prstDash val="sysDash"/>
+            <a:round/>
+            <a:headEnd/>
+            <a:tailEnd type="stealth" w="lg" len="lg"/>
+          </a:ln>
+          <a:effectLst>
+            <a:outerShdw dist="35921" dir="2700000" algn="ctr" rotWithShape="0">
+              <a:schemeClr val="bg2"/>
+            </a:outerShdw>
+          </a:effectLst>
+        </p:spPr>
+        <p:txBody>
+          <a:bodyPr wrap="none" anchor="ctr"/>
+          <a:lstStyle/>
+          <a:p>
+            <a:endParaRPr lang="en-GB">
+              <a:latin typeface="Steelfish Rg" panose="020B0608020202040504" pitchFamily="34" charset="0"/>
+            </a:endParaRPr>
+          </a:p>
+        </p:txBody>
+      </p:sp>
+      <p:sp>
+        <p:nvSpPr>
+          <p:cNvPr id="22" name="Line 10"/>
+          <p:cNvSpPr>
+            <a:spLocks noChangeShapeType="1"/>
+          </p:cNvSpPr>
+          <p:nvPr/>
+        </p:nvSpPr>
+        <p:spPr bwMode="auto">
+          <a:xfrm flipH="1" flipV="1">
+            <a:off x="3904877" y="4926853"/>
+            <a:ext cx="5212080" cy="0"/>
+          </a:xfrm>
+          <a:prstGeom prst="line">
+            <a:avLst/>
+          </a:prstGeom>
+          <a:noFill/>
+          <a:ln w="38100">
+            <a:solidFill>
+              <a:srgbClr val="83A9E5"/>
+            </a:solidFill>
+            <a:prstDash val="sysDash"/>
+            <a:round/>
+            <a:headEnd/>
+            <a:tailEnd type="stealth" w="lg" len="lg"/>
+          </a:ln>
+          <a:effectLst>
+            <a:outerShdw dist="35921" dir="2700000" algn="ctr" rotWithShape="0">
+              <a:schemeClr val="bg2"/>
+            </a:outerShdw>
+          </a:effectLst>
+        </p:spPr>
+        <p:txBody>
+          <a:bodyPr wrap="none" anchor="ctr"/>
+          <a:lstStyle/>
+          <a:p>
+            <a:endParaRPr lang="en-GB">
+              <a:latin typeface="Steelfish Rg" panose="020B0608020202040504" pitchFamily="34" charset="0"/>
+            </a:endParaRPr>
+          </a:p>
+        </p:txBody>
+      </p:sp>
+      <p:sp>
+        <p:nvSpPr>
+          <p:cNvPr id="23" name="Line 10"/>
+          <p:cNvSpPr>
+            <a:spLocks noChangeShapeType="1"/>
+          </p:cNvSpPr>
+          <p:nvPr/>
+        </p:nvSpPr>
+        <p:spPr bwMode="auto">
+          <a:xfrm flipH="1" flipV="1">
+            <a:off x="1961777" y="5257053"/>
+            <a:ext cx="1554480" cy="0"/>
+          </a:xfrm>
+          <a:prstGeom prst="line">
+            <a:avLst/>
+          </a:prstGeom>
+          <a:noFill/>
+          <a:ln w="38100">
+            <a:solidFill>
+              <a:srgbClr val="83A9E5"/>
+            </a:solidFill>
+            <a:prstDash val="sysDash"/>
+            <a:round/>
+            <a:headEnd/>
+            <a:tailEnd type="stealth" w="lg" len="lg"/>
+          </a:ln>
+          <a:effectLst>
+            <a:outerShdw dist="35921" dir="2700000" algn="ctr" rotWithShape="0">
+              <a:schemeClr val="bg2"/>
+            </a:outerShdw>
+          </a:effectLst>
+        </p:spPr>
+        <p:txBody>
+          <a:bodyPr wrap="none" anchor="ctr"/>
+          <a:lstStyle/>
+          <a:p>
+            <a:endParaRPr lang="en-GB">
+              <a:latin typeface="Steelfish Rg" panose="020B0608020202040504" pitchFamily="34" charset="0"/>
+            </a:endParaRPr>
+          </a:p>
+        </p:txBody>
+      </p:sp>
+      <p:sp>
+        <p:nvSpPr>
+          <p:cNvPr id="24" name="Text Box 3"/>
+          <p:cNvSpPr txBox="1">
+            <a:spLocks noChangeArrowheads="1"/>
+          </p:cNvSpPr>
+          <p:nvPr/>
+        </p:nvSpPr>
+        <p:spPr bwMode="auto">
+          <a:xfrm>
+            <a:off x="2037979" y="4789892"/>
+            <a:ext cx="1524000" cy="430887"/>
+          </a:xfrm>
+          <a:prstGeom prst="rect">
+            <a:avLst/>
+          </a:prstGeom>
+          <a:noFill/>
+          <a:ln w="9525" algn="ctr">
+            <a:noFill/>
+            <a:miter lim="800000"/>
+            <a:headEnd/>
+            <a:tailEnd/>
+          </a:ln>
+          <a:effectLst/>
+        </p:spPr>
+        <p:txBody>
+          <a:bodyPr>
+            <a:spAutoFit/>
+          </a:bodyPr>
+          <a:lstStyle/>
+          <a:p>
+            <a:pPr algn="ctr"/>
+            <a:r>
+              <a:rPr lang="en-US" sz="2200" dirty="0" smtClean="0">
+                <a:latin typeface="Steelfish Rg" panose="020B0608020202040504" pitchFamily="34" charset="0"/>
+              </a:rPr>
+              <a:t>Response</a:t>
+            </a:r>
+            <a:endParaRPr lang="en-US" sz="2200" dirty="0">
+              <a:latin typeface="Steelfish Rg" panose="020B0608020202040504" pitchFamily="34" charset="0"/>
+            </a:endParaRPr>
+          </a:p>
+        </p:txBody>
+      </p:sp>
+    </p:spTree>
+    <p:extLst>
+      <p:ext uri="{BB962C8B-B14F-4D97-AF65-F5344CB8AC3E}">
+        <p14:creationId xmlns:p14="http://schemas.microsoft.com/office/powerpoint/2010/main" val="4292647273"/>
+      </p:ext>
+    </p:extLst>
+  </p:cSld>
+  <p:clrMapOvr>
+    <a:masterClrMapping/>
+  </p:clrMapOvr>
+  <p:timing>
+    <p:tnLst>
+      <p:par>
+        <p:cTn id="1" dur="indefinite" restart="never" nodeType="tmRoot"/>
+      </p:par>
+    </p:tnLst>
+  </p:timing>
+</p:sld>
+</file>
+
+<file path=ppt/slides/slide24.xml><?xml version="1.0" encoding="utf-8"?>
+<p:sld xmlns:a="http://schemas.openxmlformats.org/drawingml/2006/main" xmlns:r="http://schemas.openxmlformats.org/officeDocument/2006/relationships" xmlns:p="http://schemas.openxmlformats.org/presentationml/2006/main">
+  <p:cSld>
+    <p:spTree>
+      <p:nvGrpSpPr>
+        <p:cNvPr id="1" name=""/>
+        <p:cNvGrpSpPr/>
+        <p:nvPr/>
+      </p:nvGrpSpPr>
+      <p:grpSpPr>
+        <a:xfrm>
+          <a:off x="0" y="0"/>
+          <a:ext cx="0" cy="0"/>
+          <a:chOff x="0" y="0"/>
+          <a:chExt cx="0" cy="0"/>
+        </a:xfrm>
+      </p:grpSpPr>
+      <p:sp>
+        <p:nvSpPr>
+          <p:cNvPr id="76" name="Line 18"/>
+          <p:cNvSpPr>
+            <a:spLocks noChangeShapeType="1"/>
+          </p:cNvSpPr>
+          <p:nvPr/>
+        </p:nvSpPr>
+        <p:spPr bwMode="auto">
+          <a:xfrm flipH="1">
+            <a:off x="4229099" y="1559846"/>
+            <a:ext cx="0" cy="4267200"/>
+          </a:xfrm>
+          <a:prstGeom prst="line">
+            <a:avLst/>
+          </a:prstGeom>
+          <a:noFill/>
+          <a:ln w="38100">
+            <a:solidFill>
+              <a:srgbClr val="83A9E5"/>
+            </a:solidFill>
+            <a:round/>
+            <a:headEnd/>
+            <a:tailEnd/>
+          </a:ln>
+          <a:effectLst>
+            <a:outerShdw dist="35921" dir="2700000" algn="ctr" rotWithShape="0">
+              <a:schemeClr val="bg2"/>
+            </a:outerShdw>
+          </a:effectLst>
+        </p:spPr>
+        <p:txBody>
+          <a:bodyPr wrap="none" anchor="ctr"/>
+          <a:lstStyle/>
+          <a:p>
+            <a:endParaRPr lang="en-GB">
+              <a:latin typeface="Steelfish Rg" panose="020B0608020202040504" pitchFamily="34" charset="0"/>
+            </a:endParaRPr>
+          </a:p>
+        </p:txBody>
+      </p:sp>
+      <p:sp>
+        <p:nvSpPr>
+          <p:cNvPr id="2" name="Text Box 2"/>
+          <p:cNvSpPr txBox="1">
+            <a:spLocks noChangeArrowheads="1"/>
+          </p:cNvSpPr>
+          <p:nvPr/>
+        </p:nvSpPr>
+        <p:spPr bwMode="auto">
+          <a:xfrm>
+            <a:off x="1894166" y="1459159"/>
+            <a:ext cx="1524000" cy="430887"/>
+          </a:xfrm>
+          <a:prstGeom prst="rect">
+            <a:avLst/>
+          </a:prstGeom>
+          <a:noFill/>
+          <a:ln w="9525" algn="ctr">
+            <a:noFill/>
+            <a:miter lim="800000"/>
+            <a:headEnd/>
+            <a:tailEnd/>
+          </a:ln>
+          <a:effectLst/>
+        </p:spPr>
+        <p:txBody>
+          <a:bodyPr>
+            <a:spAutoFit/>
+          </a:bodyPr>
+          <a:lstStyle/>
+          <a:p>
+            <a:pPr algn="ctr">
+              <a:spcBef>
+                <a:spcPct val="50000"/>
+              </a:spcBef>
+            </a:pPr>
+            <a:r>
+              <a:rPr lang="en-US" sz="2200" dirty="0">
+                <a:latin typeface="Steelfish Rg" panose="020B0608020202040504" pitchFamily="34" charset="0"/>
+                <a:cs typeface="Arial" charset="0"/>
+              </a:rPr>
+              <a:t>Request</a:t>
+            </a:r>
+          </a:p>
+        </p:txBody>
+      </p:sp>
+      <p:sp>
+        <p:nvSpPr>
+          <p:cNvPr id="3" name="Text Box 3"/>
+          <p:cNvSpPr txBox="1">
+            <a:spLocks noChangeArrowheads="1"/>
+          </p:cNvSpPr>
+          <p:nvPr/>
+        </p:nvSpPr>
+        <p:spPr bwMode="auto">
+          <a:xfrm>
+            <a:off x="6076576" y="1381311"/>
+            <a:ext cx="2146300" cy="769441"/>
+          </a:xfrm>
+          <a:prstGeom prst="rect">
+            <a:avLst/>
+          </a:prstGeom>
+          <a:noFill/>
+          <a:ln w="9525" algn="ctr">
+            <a:noFill/>
+            <a:miter lim="800000"/>
+            <a:headEnd/>
+            <a:tailEnd/>
+          </a:ln>
+          <a:effectLst/>
+        </p:spPr>
+        <p:txBody>
+          <a:bodyPr>
+            <a:spAutoFit/>
+          </a:bodyPr>
+          <a:lstStyle/>
+          <a:p>
+            <a:pPr algn="ctr">
+              <a:spcBef>
+                <a:spcPct val="50000"/>
+              </a:spcBef>
+            </a:pPr>
+            <a:r>
+              <a:rPr lang="en-US" sz="2200" dirty="0">
+                <a:latin typeface="Steelfish Rg" panose="020B0608020202040504" pitchFamily="34" charset="0"/>
+                <a:cs typeface="Arial" charset="0"/>
+              </a:rPr>
+              <a:t>Send requests to 3 other </a:t>
+            </a:r>
+            <a:r>
+              <a:rPr lang="en-US" sz="2200" dirty="0" smtClean="0">
+                <a:latin typeface="Steelfish Rg" panose="020B0608020202040504" pitchFamily="34" charset="0"/>
+                <a:cs typeface="Arial" charset="0"/>
+              </a:rPr>
+              <a:t>partners</a:t>
+            </a:r>
+            <a:endParaRPr lang="en-US" sz="2200" dirty="0">
+              <a:latin typeface="Steelfish Rg" panose="020B0608020202040504" pitchFamily="34" charset="0"/>
+              <a:cs typeface="Arial" charset="0"/>
+            </a:endParaRPr>
+          </a:p>
+        </p:txBody>
+      </p:sp>
+      <p:sp>
+        <p:nvSpPr>
+          <p:cNvPr id="4" name="Text Box 4"/>
+          <p:cNvSpPr txBox="1">
+            <a:spLocks noChangeArrowheads="1"/>
+          </p:cNvSpPr>
+          <p:nvPr/>
+        </p:nvSpPr>
+        <p:spPr bwMode="auto">
+          <a:xfrm>
+            <a:off x="5232026" y="2339104"/>
+            <a:ext cx="2146300" cy="430887"/>
+          </a:xfrm>
+          <a:prstGeom prst="rect">
+            <a:avLst/>
+          </a:prstGeom>
+          <a:noFill/>
+          <a:ln w="9525" algn="ctr">
+            <a:noFill/>
+            <a:miter lim="800000"/>
+            <a:headEnd/>
+            <a:tailEnd/>
+          </a:ln>
+          <a:effectLst/>
+        </p:spPr>
+        <p:txBody>
+          <a:bodyPr>
+            <a:spAutoFit/>
+          </a:bodyPr>
+          <a:lstStyle/>
+          <a:p>
+            <a:pPr algn="ctr">
+              <a:spcBef>
+                <a:spcPct val="50000"/>
+              </a:spcBef>
+            </a:pPr>
+            <a:r>
+              <a:rPr lang="en-US" sz="2200" dirty="0">
+                <a:latin typeface="Steelfish Rg" panose="020B0608020202040504" pitchFamily="34" charset="0"/>
+                <a:cs typeface="Arial" charset="0"/>
+              </a:rPr>
+              <a:t>Save requests state</a:t>
+            </a:r>
+          </a:p>
+        </p:txBody>
+      </p:sp>
+      <p:sp>
+        <p:nvSpPr>
+          <p:cNvPr id="5" name="Text Box 5"/>
+          <p:cNvSpPr txBox="1">
+            <a:spLocks noChangeArrowheads="1"/>
+          </p:cNvSpPr>
+          <p:nvPr/>
+        </p:nvSpPr>
+        <p:spPr bwMode="auto">
+          <a:xfrm>
+            <a:off x="2009027" y="2769991"/>
+            <a:ext cx="1524000" cy="430887"/>
+          </a:xfrm>
+          <a:prstGeom prst="rect">
+            <a:avLst/>
+          </a:prstGeom>
+          <a:noFill/>
+          <a:ln w="9525" algn="ctr">
+            <a:noFill/>
+            <a:miter lim="800000"/>
+            <a:headEnd/>
+            <a:tailEnd/>
+          </a:ln>
+          <a:effectLst/>
+        </p:spPr>
+        <p:txBody>
+          <a:bodyPr>
+            <a:spAutoFit/>
+          </a:bodyPr>
+          <a:lstStyle/>
+          <a:p>
+            <a:pPr algn="ctr">
+              <a:spcBef>
+                <a:spcPct val="50000"/>
+              </a:spcBef>
+            </a:pPr>
+            <a:r>
+              <a:rPr lang="en-US" sz="2200" dirty="0">
+                <a:latin typeface="Steelfish Rg" panose="020B0608020202040504" pitchFamily="34" charset="0"/>
+                <a:cs typeface="Arial" charset="0"/>
+              </a:rPr>
+              <a:t>Response 2</a:t>
+            </a:r>
+          </a:p>
+        </p:txBody>
+      </p:sp>
+      <p:sp>
+        <p:nvSpPr>
+          <p:cNvPr id="6" name="Text Box 6"/>
+          <p:cNvSpPr txBox="1">
+            <a:spLocks noChangeArrowheads="1"/>
+          </p:cNvSpPr>
+          <p:nvPr/>
+        </p:nvSpPr>
+        <p:spPr bwMode="auto">
+          <a:xfrm>
+            <a:off x="4334437" y="2757012"/>
+            <a:ext cx="1333500" cy="430887"/>
+          </a:xfrm>
+          <a:prstGeom prst="rect">
+            <a:avLst/>
+          </a:prstGeom>
+          <a:noFill/>
+          <a:ln w="9525" algn="ctr">
+            <a:noFill/>
+            <a:miter lim="800000"/>
+            <a:headEnd/>
+            <a:tailEnd/>
+          </a:ln>
+          <a:effectLst/>
+        </p:spPr>
+        <p:txBody>
+          <a:bodyPr>
+            <a:spAutoFit/>
+          </a:bodyPr>
+          <a:lstStyle/>
+          <a:p>
+            <a:pPr algn="ctr">
+              <a:spcBef>
+                <a:spcPct val="50000"/>
+              </a:spcBef>
+            </a:pPr>
+            <a:r>
+              <a:rPr lang="en-US" sz="2200" dirty="0">
+                <a:latin typeface="Steelfish Rg" panose="020B0608020202040504" pitchFamily="34" charset="0"/>
+                <a:cs typeface="Arial" charset="0"/>
+              </a:rPr>
+              <a:t>Update state</a:t>
+            </a:r>
+          </a:p>
+        </p:txBody>
+      </p:sp>
+      <p:sp>
+        <p:nvSpPr>
+          <p:cNvPr id="7" name="Text Box 7"/>
+          <p:cNvSpPr txBox="1">
+            <a:spLocks noChangeArrowheads="1"/>
+          </p:cNvSpPr>
+          <p:nvPr/>
+        </p:nvSpPr>
+        <p:spPr bwMode="auto">
+          <a:xfrm>
+            <a:off x="4374776" y="3273611"/>
+            <a:ext cx="1524000" cy="430887"/>
+          </a:xfrm>
+          <a:prstGeom prst="rect">
+            <a:avLst/>
+          </a:prstGeom>
+          <a:noFill/>
+          <a:ln w="9525" algn="ctr">
+            <a:noFill/>
+            <a:miter lim="800000"/>
+            <a:headEnd/>
+            <a:tailEnd/>
+          </a:ln>
+          <a:effectLst/>
+        </p:spPr>
+        <p:txBody>
+          <a:bodyPr>
+            <a:spAutoFit/>
+          </a:bodyPr>
+          <a:lstStyle/>
+          <a:p>
+            <a:pPr algn="ctr">
+              <a:spcBef>
+                <a:spcPct val="50000"/>
+              </a:spcBef>
+            </a:pPr>
+            <a:r>
+              <a:rPr lang="en-US" sz="2200" dirty="0">
+                <a:latin typeface="Steelfish Rg" panose="020B0608020202040504" pitchFamily="34" charset="0"/>
+                <a:cs typeface="Arial" charset="0"/>
+              </a:rPr>
+              <a:t>Check if done</a:t>
+            </a:r>
+          </a:p>
+        </p:txBody>
+      </p:sp>
+      <p:sp>
+        <p:nvSpPr>
+          <p:cNvPr id="8" name="Text Box 8"/>
+          <p:cNvSpPr txBox="1">
+            <a:spLocks noChangeArrowheads="1"/>
+          </p:cNvSpPr>
+          <p:nvPr/>
+        </p:nvSpPr>
+        <p:spPr bwMode="auto">
+          <a:xfrm>
+            <a:off x="2088028" y="3697669"/>
+            <a:ext cx="1524000" cy="430887"/>
+          </a:xfrm>
+          <a:prstGeom prst="rect">
+            <a:avLst/>
+          </a:prstGeom>
+          <a:noFill/>
+          <a:ln w="9525" algn="ctr">
+            <a:noFill/>
+            <a:miter lim="800000"/>
+            <a:headEnd/>
+            <a:tailEnd/>
+          </a:ln>
+          <a:effectLst/>
+        </p:spPr>
+        <p:txBody>
+          <a:bodyPr>
+            <a:spAutoFit/>
+          </a:bodyPr>
+          <a:lstStyle/>
+          <a:p>
+            <a:pPr algn="ctr">
+              <a:spcBef>
+                <a:spcPct val="50000"/>
+              </a:spcBef>
+            </a:pPr>
+            <a:r>
+              <a:rPr lang="en-US" sz="2200" dirty="0">
+                <a:latin typeface="Steelfish Rg" panose="020B0608020202040504" pitchFamily="34" charset="0"/>
+                <a:cs typeface="Arial" charset="0"/>
+              </a:rPr>
+              <a:t>Response 3</a:t>
+            </a:r>
+          </a:p>
+        </p:txBody>
+      </p:sp>
+      <p:sp>
+        <p:nvSpPr>
+          <p:cNvPr id="9" name="Text Box 9"/>
+          <p:cNvSpPr txBox="1">
+            <a:spLocks noChangeArrowheads="1"/>
+          </p:cNvSpPr>
+          <p:nvPr/>
+        </p:nvSpPr>
+        <p:spPr bwMode="auto">
+          <a:xfrm>
+            <a:off x="5174876" y="3857811"/>
+            <a:ext cx="1333500" cy="430887"/>
+          </a:xfrm>
+          <a:prstGeom prst="rect">
+            <a:avLst/>
+          </a:prstGeom>
+          <a:noFill/>
+          <a:ln w="9525" algn="ctr">
+            <a:noFill/>
+            <a:miter lim="800000"/>
+            <a:headEnd/>
+            <a:tailEnd/>
+          </a:ln>
+          <a:effectLst/>
+        </p:spPr>
+        <p:txBody>
+          <a:bodyPr>
+            <a:spAutoFit/>
+          </a:bodyPr>
+          <a:lstStyle/>
+          <a:p>
+            <a:pPr algn="ctr">
+              <a:spcBef>
+                <a:spcPct val="50000"/>
+              </a:spcBef>
+            </a:pPr>
+            <a:r>
+              <a:rPr lang="en-US" sz="2200" dirty="0">
+                <a:latin typeface="Steelfish Rg" panose="020B0608020202040504" pitchFamily="34" charset="0"/>
+                <a:cs typeface="Arial" charset="0"/>
+              </a:rPr>
+              <a:t>Update state</a:t>
+            </a:r>
+          </a:p>
+        </p:txBody>
+      </p:sp>
+      <p:sp>
+        <p:nvSpPr>
+          <p:cNvPr id="10" name="Text Box 10"/>
+          <p:cNvSpPr txBox="1">
+            <a:spLocks noChangeArrowheads="1"/>
+          </p:cNvSpPr>
+          <p:nvPr/>
+        </p:nvSpPr>
+        <p:spPr bwMode="auto">
+          <a:xfrm>
+            <a:off x="4235076" y="4162611"/>
+            <a:ext cx="1397000" cy="430887"/>
+          </a:xfrm>
+          <a:prstGeom prst="rect">
+            <a:avLst/>
+          </a:prstGeom>
+          <a:noFill/>
+          <a:ln w="9525" algn="ctr">
+            <a:noFill/>
+            <a:miter lim="800000"/>
+            <a:headEnd/>
+            <a:tailEnd/>
+          </a:ln>
+          <a:effectLst/>
+        </p:spPr>
+        <p:txBody>
+          <a:bodyPr>
+            <a:spAutoFit/>
+          </a:bodyPr>
+          <a:lstStyle/>
+          <a:p>
+            <a:pPr algn="ctr">
+              <a:spcBef>
+                <a:spcPct val="50000"/>
+              </a:spcBef>
+            </a:pPr>
+            <a:r>
+              <a:rPr lang="en-US" sz="2200" dirty="0">
+                <a:latin typeface="Steelfish Rg" panose="020B0608020202040504" pitchFamily="34" charset="0"/>
+                <a:cs typeface="Arial" charset="0"/>
+              </a:rPr>
+              <a:t>Check if done</a:t>
+            </a:r>
+          </a:p>
+        </p:txBody>
+      </p:sp>
+      <p:sp>
+        <p:nvSpPr>
+          <p:cNvPr id="11" name="Text Box 11"/>
+          <p:cNvSpPr txBox="1">
+            <a:spLocks noChangeArrowheads="1"/>
+          </p:cNvSpPr>
+          <p:nvPr/>
+        </p:nvSpPr>
+        <p:spPr bwMode="auto">
+          <a:xfrm>
+            <a:off x="2079811" y="4646580"/>
+            <a:ext cx="1524000" cy="430887"/>
+          </a:xfrm>
+          <a:prstGeom prst="rect">
+            <a:avLst/>
+          </a:prstGeom>
+          <a:noFill/>
+          <a:ln w="9525" algn="ctr">
+            <a:noFill/>
+            <a:miter lim="800000"/>
+            <a:headEnd/>
+            <a:tailEnd/>
+          </a:ln>
+          <a:effectLst/>
+        </p:spPr>
+        <p:txBody>
+          <a:bodyPr>
+            <a:spAutoFit/>
+          </a:bodyPr>
+          <a:lstStyle/>
+          <a:p>
+            <a:pPr algn="ctr">
+              <a:spcBef>
+                <a:spcPct val="50000"/>
+              </a:spcBef>
+            </a:pPr>
+            <a:r>
+              <a:rPr lang="en-US" sz="2200" dirty="0">
+                <a:latin typeface="Steelfish Rg" panose="020B0608020202040504" pitchFamily="34" charset="0"/>
+                <a:cs typeface="Arial" charset="0"/>
+              </a:rPr>
+              <a:t>Response 1</a:t>
+            </a:r>
+          </a:p>
+        </p:txBody>
+      </p:sp>
+      <p:sp>
+        <p:nvSpPr>
+          <p:cNvPr id="12" name="Text Box 12"/>
+          <p:cNvSpPr txBox="1">
+            <a:spLocks noChangeArrowheads="1"/>
+          </p:cNvSpPr>
+          <p:nvPr/>
+        </p:nvSpPr>
+        <p:spPr bwMode="auto">
+          <a:xfrm>
+            <a:off x="4654176" y="4835711"/>
+            <a:ext cx="2298700" cy="430887"/>
+          </a:xfrm>
+          <a:prstGeom prst="rect">
+            <a:avLst/>
+          </a:prstGeom>
+          <a:noFill/>
+          <a:ln w="9525" algn="ctr">
+            <a:noFill/>
+            <a:miter lim="800000"/>
+            <a:headEnd/>
+            <a:tailEnd/>
+          </a:ln>
+          <a:effectLst/>
+        </p:spPr>
+        <p:txBody>
+          <a:bodyPr>
+            <a:spAutoFit/>
+          </a:bodyPr>
+          <a:lstStyle/>
+          <a:p>
+            <a:pPr algn="ctr">
+              <a:spcBef>
+                <a:spcPct val="50000"/>
+              </a:spcBef>
+            </a:pPr>
+            <a:r>
+              <a:rPr lang="en-US" sz="2200" dirty="0">
+                <a:latin typeface="Steelfish Rg" panose="020B0608020202040504" pitchFamily="34" charset="0"/>
+                <a:cs typeface="Arial" charset="0"/>
+              </a:rPr>
+              <a:t>Update state + resolve</a:t>
+            </a:r>
+          </a:p>
+        </p:txBody>
+      </p:sp>
+      <p:sp>
+        <p:nvSpPr>
+          <p:cNvPr id="13" name="Text Box 13"/>
+          <p:cNvSpPr txBox="1">
+            <a:spLocks noChangeArrowheads="1"/>
+          </p:cNvSpPr>
+          <p:nvPr/>
+        </p:nvSpPr>
+        <p:spPr bwMode="auto">
+          <a:xfrm>
+            <a:off x="4171576" y="5267511"/>
+            <a:ext cx="1079500" cy="430887"/>
+          </a:xfrm>
+          <a:prstGeom prst="rect">
+            <a:avLst/>
+          </a:prstGeom>
+          <a:noFill/>
+          <a:ln w="9525" algn="ctr">
+            <a:noFill/>
+            <a:miter lim="800000"/>
+            <a:headEnd/>
+            <a:tailEnd/>
+          </a:ln>
+          <a:effectLst/>
+        </p:spPr>
+        <p:txBody>
+          <a:bodyPr wrap="square">
+            <a:spAutoFit/>
+          </a:bodyPr>
+          <a:lstStyle/>
+          <a:p>
+            <a:pPr algn="ctr">
+              <a:spcBef>
+                <a:spcPct val="50000"/>
+              </a:spcBef>
+            </a:pPr>
+            <a:r>
+              <a:rPr lang="en-US" sz="2200" dirty="0">
+                <a:latin typeface="Steelfish Rg" panose="020B0608020202040504" pitchFamily="34" charset="0"/>
+                <a:cs typeface="Arial" charset="0"/>
+              </a:rPr>
+              <a:t>Done! </a:t>
+            </a:r>
+          </a:p>
+        </p:txBody>
+      </p:sp>
+      <p:sp>
+        <p:nvSpPr>
+          <p:cNvPr id="14" name="Text Box 14"/>
+          <p:cNvSpPr txBox="1">
+            <a:spLocks noChangeArrowheads="1"/>
+          </p:cNvSpPr>
+          <p:nvPr/>
+        </p:nvSpPr>
+        <p:spPr bwMode="auto">
+          <a:xfrm>
+            <a:off x="6311153" y="5218359"/>
+            <a:ext cx="3695700" cy="430887"/>
+          </a:xfrm>
+          <a:prstGeom prst="rect">
+            <a:avLst/>
+          </a:prstGeom>
+          <a:noFill/>
+          <a:ln w="9525" algn="ctr">
+            <a:noFill/>
+            <a:miter lim="800000"/>
+            <a:headEnd/>
+            <a:tailEnd/>
+          </a:ln>
+          <a:effectLst/>
+        </p:spPr>
+        <p:txBody>
+          <a:bodyPr wrap="square">
+            <a:spAutoFit/>
+          </a:bodyPr>
+          <a:lstStyle/>
+          <a:p>
+            <a:pPr algn="ctr">
+              <a:spcBef>
+                <a:spcPct val="50000"/>
+              </a:spcBef>
+            </a:pPr>
+            <a:r>
+              <a:rPr lang="en-US" sz="2200" dirty="0" err="1">
+                <a:latin typeface="Steelfish Rg" panose="020B0608020202040504" pitchFamily="34" charset="0"/>
+                <a:cs typeface="Arial" charset="0"/>
+              </a:rPr>
+              <a:t>Enqueue</a:t>
+            </a:r>
+            <a:r>
+              <a:rPr lang="en-US" sz="2200" dirty="0">
+                <a:latin typeface="Steelfish Rg" panose="020B0608020202040504" pitchFamily="34" charset="0"/>
+                <a:cs typeface="Arial" charset="0"/>
+              </a:rPr>
+              <a:t> </a:t>
+            </a:r>
+            <a:r>
+              <a:rPr lang="en-US" sz="2200" dirty="0" smtClean="0">
+                <a:latin typeface="Steelfish Rg" panose="020B0608020202040504" pitchFamily="34" charset="0"/>
+                <a:cs typeface="Arial" charset="0"/>
+              </a:rPr>
+              <a:t>Response or publish event</a:t>
+            </a:r>
+            <a:endParaRPr lang="en-US" sz="2200" dirty="0">
+              <a:latin typeface="Steelfish Rg" panose="020B0608020202040504" pitchFamily="34" charset="0"/>
+              <a:cs typeface="Arial" charset="0"/>
+            </a:endParaRPr>
+          </a:p>
+        </p:txBody>
+      </p:sp>
+      <p:sp>
+        <p:nvSpPr>
+          <p:cNvPr id="15" name="Text Box 15"/>
+          <p:cNvSpPr txBox="1">
+            <a:spLocks noChangeArrowheads="1"/>
+          </p:cNvSpPr>
+          <p:nvPr/>
+        </p:nvSpPr>
+        <p:spPr bwMode="auto">
+          <a:xfrm>
+            <a:off x="2060760" y="3303313"/>
+            <a:ext cx="1524000" cy="430887"/>
+          </a:xfrm>
+          <a:prstGeom prst="rect">
+            <a:avLst/>
+          </a:prstGeom>
+          <a:noFill/>
+          <a:ln w="9525" algn="ctr">
+            <a:noFill/>
+            <a:miter lim="800000"/>
+            <a:headEnd/>
+            <a:tailEnd/>
+          </a:ln>
+          <a:effectLst/>
+        </p:spPr>
+        <p:txBody>
+          <a:bodyPr>
+            <a:spAutoFit/>
+          </a:bodyPr>
+          <a:lstStyle/>
+          <a:p>
+            <a:pPr algn="ctr">
+              <a:spcBef>
+                <a:spcPct val="50000"/>
+              </a:spcBef>
+            </a:pPr>
+            <a:r>
+              <a:rPr lang="en-US" sz="2200" dirty="0">
+                <a:latin typeface="Steelfish Rg" panose="020B0608020202040504" pitchFamily="34" charset="0"/>
+                <a:cs typeface="Arial" charset="0"/>
+              </a:rPr>
+              <a:t>Other Request</a:t>
+            </a:r>
+          </a:p>
+        </p:txBody>
+      </p:sp>
+      <p:sp>
+        <p:nvSpPr>
+          <p:cNvPr id="16" name="Text Box 16"/>
+          <p:cNvSpPr txBox="1">
+            <a:spLocks noChangeArrowheads="1"/>
+          </p:cNvSpPr>
+          <p:nvPr/>
+        </p:nvSpPr>
+        <p:spPr bwMode="auto">
+          <a:xfrm>
+            <a:off x="2111187" y="4240181"/>
+            <a:ext cx="1524000" cy="430887"/>
+          </a:xfrm>
+          <a:prstGeom prst="rect">
+            <a:avLst/>
+          </a:prstGeom>
+          <a:noFill/>
+          <a:ln w="9525" algn="ctr">
+            <a:noFill/>
+            <a:miter lim="800000"/>
+            <a:headEnd/>
+            <a:tailEnd/>
+          </a:ln>
+          <a:effectLst/>
+        </p:spPr>
+        <p:txBody>
+          <a:bodyPr>
+            <a:spAutoFit/>
+          </a:bodyPr>
+          <a:lstStyle/>
+          <a:p>
+            <a:pPr algn="ctr">
+              <a:spcBef>
+                <a:spcPct val="50000"/>
+              </a:spcBef>
+            </a:pPr>
+            <a:r>
+              <a:rPr lang="en-US" sz="2200" dirty="0">
+                <a:latin typeface="Steelfish Rg" panose="020B0608020202040504" pitchFamily="34" charset="0"/>
+                <a:cs typeface="Arial" charset="0"/>
+              </a:rPr>
+              <a:t>Other Request</a:t>
+            </a:r>
+          </a:p>
+        </p:txBody>
+      </p:sp>
+      <p:sp>
+        <p:nvSpPr>
+          <p:cNvPr id="18" name="Text Box 19"/>
+          <p:cNvSpPr txBox="1">
+            <a:spLocks noChangeArrowheads="1"/>
+          </p:cNvSpPr>
+          <p:nvPr/>
+        </p:nvSpPr>
+        <p:spPr bwMode="auto">
+          <a:xfrm>
+            <a:off x="2977776" y="1152711"/>
+            <a:ext cx="2489200" cy="400110"/>
+          </a:xfrm>
+          <a:prstGeom prst="rect">
+            <a:avLst/>
+          </a:prstGeom>
+          <a:solidFill>
+            <a:srgbClr val="566F97"/>
+          </a:solidFill>
+          <a:ln w="9525" algn="ctr">
+            <a:solidFill>
+              <a:schemeClr val="bg2"/>
+            </a:solidFill>
+            <a:miter lim="800000"/>
+            <a:headEnd/>
+            <a:tailEnd/>
+          </a:ln>
+          <a:effectLst/>
+        </p:spPr>
+        <p:txBody>
+          <a:bodyPr>
+            <a:spAutoFit/>
+          </a:bodyPr>
+          <a:lstStyle/>
+          <a:p>
+            <a:pPr algn="ctr">
+              <a:spcBef>
+                <a:spcPct val="50000"/>
+              </a:spcBef>
+            </a:pPr>
+            <a:r>
+              <a:rPr lang="en-US" sz="2000" dirty="0" smtClean="0">
+                <a:solidFill>
+                  <a:schemeClr val="bg1"/>
+                </a:solidFill>
+                <a:latin typeface="Steelfish Rg" panose="020B0608020202040504" pitchFamily="34" charset="0"/>
+                <a:cs typeface="Arial" charset="0"/>
+              </a:rPr>
+              <a:t>Process</a:t>
+            </a:r>
+            <a:endParaRPr lang="en-US" sz="2000" dirty="0">
+              <a:solidFill>
+                <a:schemeClr val="bg1"/>
+              </a:solidFill>
+              <a:latin typeface="Steelfish Rg" panose="020B0608020202040504" pitchFamily="34" charset="0"/>
+              <a:cs typeface="Arial" charset="0"/>
+            </a:endParaRPr>
+          </a:p>
+        </p:txBody>
+      </p:sp>
+      <p:sp>
+        <p:nvSpPr>
+          <p:cNvPr id="20" name="Rectangle 21"/>
+          <p:cNvSpPr>
+            <a:spLocks noChangeArrowheads="1"/>
+          </p:cNvSpPr>
+          <p:nvPr/>
+        </p:nvSpPr>
+        <p:spPr bwMode="auto">
+          <a:xfrm>
+            <a:off x="4146176" y="1851211"/>
+            <a:ext cx="127000" cy="863600"/>
+          </a:xfrm>
+          <a:prstGeom prst="rect">
+            <a:avLst/>
+          </a:prstGeom>
+          <a:solidFill>
+            <a:srgbClr val="495E7F"/>
+          </a:solidFill>
+          <a:ln w="9525" algn="ctr">
+            <a:solidFill>
+              <a:schemeClr val="bg2"/>
+            </a:solidFill>
+            <a:miter lim="800000"/>
+            <a:headEnd/>
+            <a:tailEnd/>
+          </a:ln>
+          <a:effectLst/>
+        </p:spPr>
+        <p:txBody>
+          <a:bodyPr wrap="none" anchor="ctr"/>
+          <a:lstStyle/>
+          <a:p>
+            <a:endParaRPr lang="en-GB">
+              <a:latin typeface="Steelfish Rg" panose="020B0608020202040504" pitchFamily="34" charset="0"/>
+            </a:endParaRPr>
+          </a:p>
+        </p:txBody>
+      </p:sp>
+      <p:sp>
+        <p:nvSpPr>
+          <p:cNvPr id="24" name="AutoShape 25"/>
+          <p:cNvSpPr>
+            <a:spLocks noChangeArrowheads="1"/>
+          </p:cNvSpPr>
+          <p:nvPr/>
+        </p:nvSpPr>
+        <p:spPr bwMode="auto">
+          <a:xfrm>
+            <a:off x="7270376" y="2829111"/>
+            <a:ext cx="1193800" cy="558800"/>
+          </a:xfrm>
+          <a:prstGeom prst="flowChartMagneticDisk">
+            <a:avLst/>
+          </a:prstGeom>
+          <a:solidFill>
+            <a:srgbClr val="566F97"/>
+          </a:solidFill>
+          <a:ln w="9525">
+            <a:solidFill>
+              <a:schemeClr val="bg2"/>
+            </a:solidFill>
+            <a:round/>
+            <a:headEnd/>
+            <a:tailEnd/>
+          </a:ln>
+          <a:effectLst/>
+        </p:spPr>
+        <p:txBody>
+          <a:bodyPr wrap="none" anchor="ctr"/>
+          <a:lstStyle/>
+          <a:p>
+            <a:endParaRPr lang="en-GB">
+              <a:latin typeface="Steelfish Rg" panose="020B0608020202040504" pitchFamily="34" charset="0"/>
+            </a:endParaRPr>
+          </a:p>
+        </p:txBody>
+      </p:sp>
+      <p:sp>
+        <p:nvSpPr>
+          <p:cNvPr id="25" name="Text Box 26"/>
+          <p:cNvSpPr txBox="1">
+            <a:spLocks noChangeArrowheads="1"/>
+          </p:cNvSpPr>
+          <p:nvPr/>
+        </p:nvSpPr>
+        <p:spPr bwMode="auto">
+          <a:xfrm>
+            <a:off x="7270376" y="2968811"/>
+            <a:ext cx="1181100" cy="400110"/>
+          </a:xfrm>
+          <a:prstGeom prst="rect">
+            <a:avLst/>
+          </a:prstGeom>
+          <a:noFill/>
+          <a:ln w="9525" algn="ctr">
+            <a:noFill/>
+            <a:miter lim="800000"/>
+            <a:headEnd/>
+            <a:tailEnd/>
+          </a:ln>
+          <a:effectLst/>
+        </p:spPr>
+        <p:txBody>
+          <a:bodyPr>
+            <a:spAutoFit/>
+          </a:bodyPr>
+          <a:lstStyle/>
+          <a:p>
+            <a:pPr algn="ctr">
+              <a:spcBef>
+                <a:spcPct val="50000"/>
+              </a:spcBef>
+            </a:pPr>
+            <a:r>
+              <a:rPr lang="en-US" sz="2000">
+                <a:solidFill>
+                  <a:schemeClr val="bg1"/>
+                </a:solidFill>
+                <a:latin typeface="Steelfish Rg" panose="020B0608020202040504" pitchFamily="34" charset="0"/>
+                <a:cs typeface="Arial" charset="0"/>
+              </a:rPr>
+              <a:t>Store</a:t>
+            </a:r>
+          </a:p>
+        </p:txBody>
+      </p:sp>
+      <p:sp>
+        <p:nvSpPr>
+          <p:cNvPr id="28" name="Rectangle 29"/>
+          <p:cNvSpPr>
+            <a:spLocks noChangeArrowheads="1"/>
+          </p:cNvSpPr>
+          <p:nvPr/>
+        </p:nvSpPr>
+        <p:spPr bwMode="auto">
+          <a:xfrm>
+            <a:off x="4133476" y="3159311"/>
+            <a:ext cx="127000" cy="406400"/>
+          </a:xfrm>
+          <a:prstGeom prst="rect">
+            <a:avLst/>
+          </a:prstGeom>
+          <a:solidFill>
+            <a:srgbClr val="495E7F"/>
+          </a:solidFill>
+          <a:ln w="9525" algn="ctr">
+            <a:solidFill>
+              <a:schemeClr val="bg2"/>
+            </a:solidFill>
+            <a:miter lim="800000"/>
+            <a:headEnd/>
+            <a:tailEnd/>
+          </a:ln>
+          <a:effectLst/>
+        </p:spPr>
+        <p:txBody>
+          <a:bodyPr wrap="none" anchor="ctr"/>
+          <a:lstStyle/>
+          <a:p>
+            <a:endParaRPr lang="en-GB">
+              <a:latin typeface="Steelfish Rg" panose="020B0608020202040504" pitchFamily="34" charset="0"/>
+            </a:endParaRPr>
+          </a:p>
+        </p:txBody>
+      </p:sp>
+      <p:sp>
+        <p:nvSpPr>
+          <p:cNvPr id="31" name="Rectangle 32"/>
+          <p:cNvSpPr>
+            <a:spLocks noChangeArrowheads="1"/>
+          </p:cNvSpPr>
+          <p:nvPr/>
+        </p:nvSpPr>
+        <p:spPr bwMode="auto">
+          <a:xfrm>
+            <a:off x="4146176" y="4073711"/>
+            <a:ext cx="127000" cy="406400"/>
+          </a:xfrm>
+          <a:prstGeom prst="rect">
+            <a:avLst/>
+          </a:prstGeom>
+          <a:solidFill>
+            <a:srgbClr val="495E7F"/>
+          </a:solidFill>
+          <a:ln w="9525" algn="ctr">
+            <a:solidFill>
+              <a:schemeClr val="bg2"/>
+            </a:solidFill>
+            <a:miter lim="800000"/>
+            <a:headEnd/>
+            <a:tailEnd/>
+          </a:ln>
+          <a:effectLst/>
+        </p:spPr>
+        <p:txBody>
+          <a:bodyPr wrap="none" anchor="ctr"/>
+          <a:lstStyle/>
+          <a:p>
+            <a:endParaRPr lang="en-GB">
+              <a:latin typeface="Steelfish Rg" panose="020B0608020202040504" pitchFamily="34" charset="0"/>
+            </a:endParaRPr>
+          </a:p>
+        </p:txBody>
+      </p:sp>
+      <p:sp>
+        <p:nvSpPr>
+          <p:cNvPr id="34" name="Rectangle 35"/>
+          <p:cNvSpPr>
+            <a:spLocks noChangeArrowheads="1"/>
+          </p:cNvSpPr>
+          <p:nvPr/>
+        </p:nvSpPr>
+        <p:spPr bwMode="auto">
+          <a:xfrm>
+            <a:off x="4133476" y="5038911"/>
+            <a:ext cx="127000" cy="736600"/>
+          </a:xfrm>
+          <a:prstGeom prst="rect">
+            <a:avLst/>
+          </a:prstGeom>
+          <a:solidFill>
+            <a:srgbClr val="495E7F"/>
+          </a:solidFill>
+          <a:ln w="9525" algn="ctr">
+            <a:solidFill>
+              <a:schemeClr val="bg2"/>
+            </a:solidFill>
+            <a:miter lim="800000"/>
+            <a:headEnd/>
+            <a:tailEnd/>
+          </a:ln>
+          <a:effectLst/>
+        </p:spPr>
+        <p:txBody>
+          <a:bodyPr wrap="none" anchor="ctr"/>
+          <a:lstStyle/>
+          <a:p>
+            <a:endParaRPr lang="en-GB">
+              <a:latin typeface="Steelfish Rg" panose="020B0608020202040504" pitchFamily="34" charset="0"/>
+            </a:endParaRPr>
+          </a:p>
+        </p:txBody>
+      </p:sp>
+      <p:sp>
+        <p:nvSpPr>
+          <p:cNvPr id="37" name="Text Box 38"/>
+          <p:cNvSpPr txBox="1">
+            <a:spLocks noChangeArrowheads="1"/>
+          </p:cNvSpPr>
+          <p:nvPr/>
+        </p:nvSpPr>
+        <p:spPr bwMode="auto">
+          <a:xfrm>
+            <a:off x="9543676" y="1101911"/>
+            <a:ext cx="1333500" cy="400110"/>
+          </a:xfrm>
+          <a:prstGeom prst="rect">
+            <a:avLst/>
+          </a:prstGeom>
+          <a:solidFill>
+            <a:srgbClr val="566F97"/>
+          </a:solidFill>
+          <a:ln w="9525" algn="ctr">
+            <a:solidFill>
+              <a:schemeClr val="bg2"/>
+            </a:solidFill>
+            <a:miter lim="800000"/>
+            <a:headEnd/>
+            <a:tailEnd/>
+          </a:ln>
+          <a:effectLst/>
+        </p:spPr>
+        <p:txBody>
+          <a:bodyPr>
+            <a:spAutoFit/>
+          </a:bodyPr>
+          <a:lstStyle/>
+          <a:p>
+            <a:pPr algn="ctr">
+              <a:spcBef>
+                <a:spcPct val="50000"/>
+              </a:spcBef>
+            </a:pPr>
+            <a:r>
+              <a:rPr lang="en-US" sz="2000" dirty="0">
+                <a:solidFill>
+                  <a:schemeClr val="bg1"/>
+                </a:solidFill>
+                <a:latin typeface="Steelfish Rg" panose="020B0608020202040504" pitchFamily="34" charset="0"/>
+                <a:cs typeface="Arial" charset="0"/>
+              </a:rPr>
+              <a:t>Queue</a:t>
+            </a:r>
+          </a:p>
+        </p:txBody>
+      </p:sp>
+      <p:sp>
+        <p:nvSpPr>
+          <p:cNvPr id="61" name="Line 28"/>
+          <p:cNvSpPr>
+            <a:spLocks noChangeShapeType="1"/>
+          </p:cNvSpPr>
+          <p:nvPr/>
+        </p:nvSpPr>
+        <p:spPr bwMode="auto">
+          <a:xfrm flipV="1">
+            <a:off x="2088776" y="3210111"/>
+            <a:ext cx="2019300" cy="0"/>
+          </a:xfrm>
+          <a:prstGeom prst="line">
+            <a:avLst/>
+          </a:prstGeom>
+          <a:noFill/>
+          <a:ln w="38100">
+            <a:solidFill>
+              <a:srgbClr val="83A9E5"/>
+            </a:solidFill>
+            <a:round/>
+            <a:headEnd/>
+            <a:tailEnd type="stealth" w="lg" len="lg"/>
+          </a:ln>
+          <a:effectLst>
+            <a:outerShdw dist="35921" dir="2700000" algn="ctr" rotWithShape="0">
+              <a:schemeClr val="bg2"/>
+            </a:outerShdw>
+          </a:effectLst>
+        </p:spPr>
+        <p:txBody>
+          <a:bodyPr wrap="none" anchor="ctr"/>
+          <a:lstStyle/>
+          <a:p>
+            <a:endParaRPr lang="en-GB">
+              <a:latin typeface="Steelfish Rg" panose="020B0608020202040504" pitchFamily="34" charset="0"/>
+            </a:endParaRPr>
+          </a:p>
+        </p:txBody>
+      </p:sp>
+      <p:sp>
+        <p:nvSpPr>
+          <p:cNvPr id="62" name="Line 31"/>
+          <p:cNvSpPr>
+            <a:spLocks noChangeShapeType="1"/>
+          </p:cNvSpPr>
+          <p:nvPr/>
+        </p:nvSpPr>
+        <p:spPr bwMode="auto">
+          <a:xfrm flipV="1">
+            <a:off x="2101476" y="4124511"/>
+            <a:ext cx="2019300" cy="0"/>
+          </a:xfrm>
+          <a:prstGeom prst="line">
+            <a:avLst/>
+          </a:prstGeom>
+          <a:noFill/>
+          <a:ln w="38100">
+            <a:solidFill>
+              <a:srgbClr val="83A9E5"/>
+            </a:solidFill>
+            <a:round/>
+            <a:headEnd/>
+            <a:tailEnd type="stealth" w="lg" len="lg"/>
+          </a:ln>
+          <a:effectLst>
+            <a:outerShdw dist="35921" dir="2700000" algn="ctr" rotWithShape="0">
+              <a:schemeClr val="bg2"/>
+            </a:outerShdw>
+          </a:effectLst>
+        </p:spPr>
+        <p:txBody>
+          <a:bodyPr wrap="none" anchor="ctr"/>
+          <a:lstStyle/>
+          <a:p>
+            <a:endParaRPr lang="en-GB">
+              <a:latin typeface="Steelfish Rg" panose="020B0608020202040504" pitchFamily="34" charset="0"/>
+            </a:endParaRPr>
+          </a:p>
+        </p:txBody>
+      </p:sp>
+      <p:sp>
+        <p:nvSpPr>
+          <p:cNvPr id="63" name="Line 34"/>
+          <p:cNvSpPr>
+            <a:spLocks noChangeShapeType="1"/>
+          </p:cNvSpPr>
+          <p:nvPr/>
+        </p:nvSpPr>
+        <p:spPr bwMode="auto">
+          <a:xfrm flipV="1">
+            <a:off x="2088776" y="5089711"/>
+            <a:ext cx="2019300" cy="0"/>
+          </a:xfrm>
+          <a:prstGeom prst="line">
+            <a:avLst/>
+          </a:prstGeom>
+          <a:noFill/>
+          <a:ln w="38100">
+            <a:solidFill>
+              <a:srgbClr val="83A9E5"/>
+            </a:solidFill>
+            <a:round/>
+            <a:headEnd/>
+            <a:tailEnd type="stealth" w="lg" len="lg"/>
+          </a:ln>
+          <a:effectLst>
+            <a:outerShdw dist="35921" dir="2700000" algn="ctr" rotWithShape="0">
+              <a:schemeClr val="bg2"/>
+            </a:outerShdw>
+          </a:effectLst>
+        </p:spPr>
+        <p:txBody>
+          <a:bodyPr wrap="none" anchor="ctr"/>
+          <a:lstStyle/>
+          <a:p>
+            <a:endParaRPr lang="en-GB">
+              <a:latin typeface="Steelfish Rg" panose="020B0608020202040504" pitchFamily="34" charset="0"/>
+            </a:endParaRPr>
+          </a:p>
+        </p:txBody>
+      </p:sp>
+      <p:sp>
+        <p:nvSpPr>
+          <p:cNvPr id="64" name="Line 40"/>
+          <p:cNvSpPr>
+            <a:spLocks noChangeShapeType="1"/>
+          </p:cNvSpPr>
+          <p:nvPr/>
+        </p:nvSpPr>
+        <p:spPr bwMode="auto">
+          <a:xfrm flipV="1">
+            <a:off x="2088776" y="3730811"/>
+            <a:ext cx="2019300" cy="0"/>
+          </a:xfrm>
+          <a:prstGeom prst="line">
+            <a:avLst/>
+          </a:prstGeom>
+          <a:noFill/>
+          <a:ln w="38100">
+            <a:solidFill>
+              <a:srgbClr val="83A9E5"/>
+            </a:solidFill>
+            <a:round/>
+            <a:headEnd/>
+            <a:tailEnd type="stealth" w="lg" len="lg"/>
+          </a:ln>
+          <a:effectLst>
+            <a:outerShdw dist="35921" dir="2700000" algn="ctr" rotWithShape="0">
+              <a:schemeClr val="bg2"/>
+            </a:outerShdw>
+          </a:effectLst>
+        </p:spPr>
+        <p:txBody>
+          <a:bodyPr wrap="none" anchor="ctr"/>
+          <a:lstStyle/>
+          <a:p>
+            <a:endParaRPr lang="en-GB">
+              <a:latin typeface="Steelfish Rg" panose="020B0608020202040504" pitchFamily="34" charset="0"/>
+            </a:endParaRPr>
+          </a:p>
+        </p:txBody>
+      </p:sp>
+      <p:sp>
+        <p:nvSpPr>
+          <p:cNvPr id="65" name="Line 41"/>
+          <p:cNvSpPr>
+            <a:spLocks noChangeShapeType="1"/>
+          </p:cNvSpPr>
+          <p:nvPr/>
+        </p:nvSpPr>
+        <p:spPr bwMode="auto">
+          <a:xfrm flipV="1">
+            <a:off x="2114176" y="4683311"/>
+            <a:ext cx="2019300" cy="0"/>
+          </a:xfrm>
+          <a:prstGeom prst="line">
+            <a:avLst/>
+          </a:prstGeom>
+          <a:noFill/>
+          <a:ln w="38100">
+            <a:solidFill>
+              <a:srgbClr val="83A9E5"/>
+            </a:solidFill>
+            <a:round/>
+            <a:headEnd/>
+            <a:tailEnd type="stealth" w="lg" len="lg"/>
+          </a:ln>
+          <a:effectLst>
+            <a:outerShdw dist="35921" dir="2700000" algn="ctr" rotWithShape="0">
+              <a:schemeClr val="bg2"/>
+            </a:outerShdw>
+          </a:effectLst>
+        </p:spPr>
+        <p:txBody>
+          <a:bodyPr wrap="none" anchor="ctr"/>
+          <a:lstStyle/>
+          <a:p>
+            <a:endParaRPr lang="en-GB">
+              <a:latin typeface="Steelfish Rg" panose="020B0608020202040504" pitchFamily="34" charset="0"/>
+            </a:endParaRPr>
+          </a:p>
+        </p:txBody>
+      </p:sp>
+      <p:sp>
+        <p:nvSpPr>
+          <p:cNvPr id="66" name="Line 20"/>
+          <p:cNvSpPr>
+            <a:spLocks noChangeShapeType="1"/>
+          </p:cNvSpPr>
+          <p:nvPr/>
+        </p:nvSpPr>
+        <p:spPr bwMode="auto">
+          <a:xfrm flipV="1">
+            <a:off x="2133599" y="1890046"/>
+            <a:ext cx="2019300" cy="0"/>
+          </a:xfrm>
+          <a:prstGeom prst="line">
+            <a:avLst/>
+          </a:prstGeom>
+          <a:noFill/>
+          <a:ln w="38100">
+            <a:solidFill>
+              <a:srgbClr val="83A9E5"/>
+            </a:solidFill>
+            <a:round/>
+            <a:headEnd/>
+            <a:tailEnd type="stealth" w="lg" len="lg"/>
+          </a:ln>
+          <a:effectLst>
+            <a:outerShdw dist="35921" dir="2700000" algn="ctr" rotWithShape="0">
+              <a:schemeClr val="bg2"/>
+            </a:outerShdw>
+          </a:effectLst>
+        </p:spPr>
+        <p:txBody>
+          <a:bodyPr wrap="none" anchor="ctr"/>
+          <a:lstStyle/>
+          <a:p>
+            <a:endParaRPr lang="en-GB">
+              <a:latin typeface="Steelfish Rg" panose="020B0608020202040504" pitchFamily="34" charset="0"/>
+            </a:endParaRPr>
+          </a:p>
+        </p:txBody>
+      </p:sp>
+      <p:sp>
+        <p:nvSpPr>
+          <p:cNvPr id="67" name="Line 22"/>
+          <p:cNvSpPr>
+            <a:spLocks noChangeShapeType="1"/>
+          </p:cNvSpPr>
+          <p:nvPr/>
+        </p:nvSpPr>
+        <p:spPr bwMode="auto">
+          <a:xfrm flipV="1">
+            <a:off x="4343399" y="1966246"/>
+            <a:ext cx="2019300" cy="0"/>
+          </a:xfrm>
+          <a:prstGeom prst="line">
+            <a:avLst/>
+          </a:prstGeom>
+          <a:noFill/>
+          <a:ln w="38100">
+            <a:solidFill>
+              <a:srgbClr val="83A9E5"/>
+            </a:solidFill>
+            <a:round/>
+            <a:headEnd/>
+            <a:tailEnd type="stealth" w="lg" len="lg"/>
+          </a:ln>
+          <a:effectLst>
+            <a:outerShdw dist="35921" dir="2700000" algn="ctr" rotWithShape="0">
+              <a:schemeClr val="bg2"/>
+            </a:outerShdw>
+          </a:effectLst>
+        </p:spPr>
+        <p:txBody>
+          <a:bodyPr wrap="none" anchor="ctr"/>
+          <a:lstStyle/>
+          <a:p>
+            <a:endParaRPr lang="en-GB">
+              <a:latin typeface="Steelfish Rg" panose="020B0608020202040504" pitchFamily="34" charset="0"/>
+            </a:endParaRPr>
+          </a:p>
+        </p:txBody>
+      </p:sp>
+      <p:sp>
+        <p:nvSpPr>
+          <p:cNvPr id="68" name="Line 23"/>
+          <p:cNvSpPr>
+            <a:spLocks noChangeShapeType="1"/>
+          </p:cNvSpPr>
+          <p:nvPr/>
+        </p:nvSpPr>
+        <p:spPr bwMode="auto">
+          <a:xfrm flipV="1">
+            <a:off x="4356099" y="2067846"/>
+            <a:ext cx="2019300" cy="0"/>
+          </a:xfrm>
+          <a:prstGeom prst="line">
+            <a:avLst/>
+          </a:prstGeom>
+          <a:noFill/>
+          <a:ln w="38100">
+            <a:solidFill>
+              <a:srgbClr val="83A9E5"/>
+            </a:solidFill>
+            <a:round/>
+            <a:headEnd/>
+            <a:tailEnd type="stealth" w="lg" len="lg"/>
+          </a:ln>
+          <a:effectLst>
+            <a:outerShdw dist="35921" dir="2700000" algn="ctr" rotWithShape="0">
+              <a:schemeClr val="bg2"/>
+            </a:outerShdw>
+          </a:effectLst>
+        </p:spPr>
+        <p:txBody>
+          <a:bodyPr wrap="none" anchor="ctr"/>
+          <a:lstStyle/>
+          <a:p>
+            <a:endParaRPr lang="en-GB">
+              <a:latin typeface="Steelfish Rg" panose="020B0608020202040504" pitchFamily="34" charset="0"/>
+            </a:endParaRPr>
+          </a:p>
+        </p:txBody>
+      </p:sp>
+      <p:sp>
+        <p:nvSpPr>
+          <p:cNvPr id="69" name="Line 24"/>
+          <p:cNvSpPr>
+            <a:spLocks noChangeShapeType="1"/>
+          </p:cNvSpPr>
+          <p:nvPr/>
+        </p:nvSpPr>
+        <p:spPr bwMode="auto">
+          <a:xfrm flipV="1">
+            <a:off x="4356099" y="2169446"/>
+            <a:ext cx="2019300" cy="0"/>
+          </a:xfrm>
+          <a:prstGeom prst="line">
+            <a:avLst/>
+          </a:prstGeom>
+          <a:noFill/>
+          <a:ln w="38100">
+            <a:solidFill>
+              <a:srgbClr val="83A9E5"/>
+            </a:solidFill>
+            <a:round/>
+            <a:headEnd/>
+            <a:tailEnd type="stealth" w="lg" len="lg"/>
+          </a:ln>
+          <a:effectLst>
+            <a:outerShdw dist="35921" dir="2700000" algn="ctr" rotWithShape="0">
+              <a:schemeClr val="bg2"/>
+            </a:outerShdw>
+          </a:effectLst>
+        </p:spPr>
+        <p:txBody>
+          <a:bodyPr wrap="none" anchor="ctr"/>
+          <a:lstStyle/>
+          <a:p>
+            <a:endParaRPr lang="en-GB">
+              <a:latin typeface="Steelfish Rg" panose="020B0608020202040504" pitchFamily="34" charset="0"/>
+            </a:endParaRPr>
+          </a:p>
+        </p:txBody>
+      </p:sp>
+      <p:sp>
+        <p:nvSpPr>
+          <p:cNvPr id="70" name="Line 27"/>
+          <p:cNvSpPr>
+            <a:spLocks noChangeShapeType="1"/>
+          </p:cNvSpPr>
+          <p:nvPr/>
+        </p:nvSpPr>
+        <p:spPr bwMode="auto">
+          <a:xfrm>
+            <a:off x="4368799" y="2550446"/>
+            <a:ext cx="2806700" cy="482600"/>
+          </a:xfrm>
+          <a:prstGeom prst="line">
+            <a:avLst/>
+          </a:prstGeom>
+          <a:noFill/>
+          <a:ln w="38100">
+            <a:solidFill>
+              <a:srgbClr val="83A9E5"/>
+            </a:solidFill>
+            <a:round/>
+            <a:headEnd/>
+            <a:tailEnd type="stealth" w="lg" len="lg"/>
+          </a:ln>
+          <a:effectLst>
+            <a:outerShdw dist="35921" dir="2700000" algn="ctr" rotWithShape="0">
+              <a:schemeClr val="bg2"/>
+            </a:outerShdw>
+          </a:effectLst>
+        </p:spPr>
+        <p:txBody>
+          <a:bodyPr wrap="none" anchor="ctr"/>
+          <a:lstStyle/>
+          <a:p>
+            <a:endParaRPr lang="en-GB">
+              <a:latin typeface="Steelfish Rg" panose="020B0608020202040504" pitchFamily="34" charset="0"/>
+            </a:endParaRPr>
+          </a:p>
+        </p:txBody>
+      </p:sp>
+      <p:sp>
+        <p:nvSpPr>
+          <p:cNvPr id="71" name="Line 30"/>
+          <p:cNvSpPr>
+            <a:spLocks noChangeShapeType="1"/>
+          </p:cNvSpPr>
+          <p:nvPr/>
+        </p:nvSpPr>
+        <p:spPr bwMode="auto">
+          <a:xfrm>
+            <a:off x="4356099" y="3185446"/>
+            <a:ext cx="2781300" cy="0"/>
+          </a:xfrm>
+          <a:prstGeom prst="line">
+            <a:avLst/>
+          </a:prstGeom>
+          <a:noFill/>
+          <a:ln w="38100">
+            <a:solidFill>
+              <a:srgbClr val="83A9E5"/>
+            </a:solidFill>
+            <a:round/>
+            <a:headEnd/>
+            <a:tailEnd type="stealth" w="lg" len="lg"/>
+          </a:ln>
+          <a:effectLst>
+            <a:outerShdw dist="35921" dir="2700000" algn="ctr" rotWithShape="0">
+              <a:schemeClr val="bg2"/>
+            </a:outerShdw>
+          </a:effectLst>
+        </p:spPr>
+        <p:txBody>
+          <a:bodyPr wrap="none" anchor="ctr"/>
+          <a:lstStyle/>
+          <a:p>
+            <a:endParaRPr lang="en-GB">
+              <a:latin typeface="Steelfish Rg" panose="020B0608020202040504" pitchFamily="34" charset="0"/>
+            </a:endParaRPr>
+          </a:p>
+        </p:txBody>
+      </p:sp>
+      <p:sp>
+        <p:nvSpPr>
+          <p:cNvPr id="72" name="Line 33"/>
+          <p:cNvSpPr>
+            <a:spLocks noChangeShapeType="1"/>
+          </p:cNvSpPr>
+          <p:nvPr/>
+        </p:nvSpPr>
+        <p:spPr bwMode="auto">
+          <a:xfrm flipV="1">
+            <a:off x="4368799" y="3363246"/>
+            <a:ext cx="2755900" cy="736600"/>
+          </a:xfrm>
+          <a:prstGeom prst="line">
+            <a:avLst/>
+          </a:prstGeom>
+          <a:noFill/>
+          <a:ln w="38100">
+            <a:solidFill>
+              <a:srgbClr val="83A9E5"/>
+            </a:solidFill>
+            <a:round/>
+            <a:headEnd/>
+            <a:tailEnd type="stealth" w="lg" len="lg"/>
+          </a:ln>
+          <a:effectLst>
+            <a:outerShdw dist="35921" dir="2700000" algn="ctr" rotWithShape="0">
+              <a:schemeClr val="bg2"/>
+            </a:outerShdw>
+          </a:effectLst>
+        </p:spPr>
+        <p:txBody>
+          <a:bodyPr wrap="none" anchor="ctr"/>
+          <a:lstStyle/>
+          <a:p>
+            <a:endParaRPr lang="en-GB">
+              <a:latin typeface="Steelfish Rg" panose="020B0608020202040504" pitchFamily="34" charset="0"/>
+            </a:endParaRPr>
+          </a:p>
+        </p:txBody>
+      </p:sp>
+      <p:sp>
+        <p:nvSpPr>
+          <p:cNvPr id="73" name="Line 36"/>
+          <p:cNvSpPr>
+            <a:spLocks noChangeShapeType="1"/>
+          </p:cNvSpPr>
+          <p:nvPr/>
+        </p:nvSpPr>
+        <p:spPr bwMode="auto">
+          <a:xfrm flipV="1">
+            <a:off x="4356099" y="3502946"/>
+            <a:ext cx="3517900" cy="1562100"/>
+          </a:xfrm>
+          <a:prstGeom prst="line">
+            <a:avLst/>
+          </a:prstGeom>
+          <a:noFill/>
+          <a:ln w="38100">
+            <a:solidFill>
+              <a:srgbClr val="83A9E5"/>
+            </a:solidFill>
+            <a:round/>
+            <a:headEnd/>
+            <a:tailEnd type="stealth" w="lg" len="lg"/>
+          </a:ln>
+          <a:effectLst>
+            <a:outerShdw dist="35921" dir="2700000" algn="ctr" rotWithShape="0">
+              <a:schemeClr val="bg2"/>
+            </a:outerShdw>
+          </a:effectLst>
+        </p:spPr>
+        <p:txBody>
+          <a:bodyPr wrap="none" anchor="ctr"/>
+          <a:lstStyle/>
+          <a:p>
+            <a:endParaRPr lang="en-GB">
+              <a:latin typeface="Steelfish Rg" panose="020B0608020202040504" pitchFamily="34" charset="0"/>
+            </a:endParaRPr>
+          </a:p>
+        </p:txBody>
+      </p:sp>
+      <p:sp>
+        <p:nvSpPr>
+          <p:cNvPr id="74" name="Line 39"/>
+          <p:cNvSpPr>
+            <a:spLocks noChangeShapeType="1"/>
+          </p:cNvSpPr>
+          <p:nvPr/>
+        </p:nvSpPr>
+        <p:spPr bwMode="auto">
+          <a:xfrm flipV="1">
+            <a:off x="4343399" y="5700046"/>
+            <a:ext cx="5740400" cy="0"/>
+          </a:xfrm>
+          <a:prstGeom prst="line">
+            <a:avLst/>
+          </a:prstGeom>
+          <a:noFill/>
+          <a:ln w="38100">
+            <a:solidFill>
+              <a:srgbClr val="83A9E5"/>
+            </a:solidFill>
+            <a:round/>
+            <a:headEnd/>
+            <a:tailEnd type="stealth" w="lg" len="lg"/>
+          </a:ln>
+          <a:effectLst>
+            <a:outerShdw dist="35921" dir="2700000" algn="ctr" rotWithShape="0">
+              <a:schemeClr val="bg2"/>
+            </a:outerShdw>
+          </a:effectLst>
+        </p:spPr>
+        <p:txBody>
+          <a:bodyPr wrap="none" anchor="ctr"/>
+          <a:lstStyle/>
+          <a:p>
+            <a:endParaRPr lang="en-GB">
+              <a:latin typeface="Steelfish Rg" panose="020B0608020202040504" pitchFamily="34" charset="0"/>
+            </a:endParaRPr>
+          </a:p>
+        </p:txBody>
+      </p:sp>
+      <p:sp>
+        <p:nvSpPr>
+          <p:cNvPr id="75" name="Line 37"/>
+          <p:cNvSpPr>
+            <a:spLocks noChangeShapeType="1"/>
+          </p:cNvSpPr>
+          <p:nvPr/>
+        </p:nvSpPr>
+        <p:spPr bwMode="auto">
+          <a:xfrm flipH="1">
+            <a:off x="10178676" y="1546411"/>
+            <a:ext cx="12700" cy="4254500"/>
+          </a:xfrm>
+          <a:prstGeom prst="line">
+            <a:avLst/>
+          </a:prstGeom>
+          <a:noFill/>
+          <a:ln w="38100">
+            <a:solidFill>
+              <a:srgbClr val="83A9E5"/>
+            </a:solidFill>
+            <a:round/>
+            <a:headEnd/>
+            <a:tailEnd/>
+          </a:ln>
+          <a:effectLst>
+            <a:outerShdw dist="35921" dir="2700000" algn="ctr" rotWithShape="0">
+              <a:schemeClr val="bg2"/>
+            </a:outerShdw>
+          </a:effectLst>
+        </p:spPr>
+        <p:txBody>
+          <a:bodyPr wrap="none" anchor="ctr"/>
+          <a:lstStyle/>
+          <a:p>
+            <a:endParaRPr lang="en-GB">
+              <a:latin typeface="Steelfish Rg" panose="020B0608020202040504" pitchFamily="34" charset="0"/>
+            </a:endParaRPr>
+          </a:p>
+        </p:txBody>
+      </p:sp>
+    </p:spTree>
+    <p:extLst>
+      <p:ext uri="{BB962C8B-B14F-4D97-AF65-F5344CB8AC3E}">
+        <p14:creationId xmlns:p14="http://schemas.microsoft.com/office/powerpoint/2010/main" val="2714633198"/>
+      </p:ext>
+    </p:extLst>
+  </p:cSld>
+  <p:clrMapOvr>
+    <a:masterClrMapping/>
+  </p:clrMapOvr>
+  <p:timing>
+    <p:tnLst>
+      <p:par>
+        <p:cTn id="1" dur="indefinite" restart="never" nodeType="tmRoot"/>
+      </p:par>
+    </p:tnLst>
+  </p:timing>
+</p:sld>
+</file>
+
+<file path=ppt/slides/slide25.xml><?xml version="1.0" encoding="utf-8"?>
+<p:sld xmlns:a="http://schemas.openxmlformats.org/drawingml/2006/main" xmlns:r="http://schemas.openxmlformats.org/officeDocument/2006/relationships" xmlns:p="http://schemas.openxmlformats.org/presentationml/2006/main">
+  <p:cSld>
+    <p:spTree>
+      <p:nvGrpSpPr>
+        <p:cNvPr id="1" name=""/>
+        <p:cNvGrpSpPr/>
+        <p:nvPr/>
+      </p:nvGrpSpPr>
+      <p:grpSpPr>
+        <a:xfrm>
+          <a:off x="0" y="0"/>
+          <a:ext cx="0" cy="0"/>
+          <a:chOff x="0" y="0"/>
+          <a:chExt cx="0" cy="0"/>
+        </a:xfrm>
+      </p:grpSpPr>
+      <p:sp>
+        <p:nvSpPr>
+          <p:cNvPr id="2" name="Oval 1"/>
+          <p:cNvSpPr/>
+          <p:nvPr/>
+        </p:nvSpPr>
+        <p:spPr bwMode="auto">
+          <a:xfrm>
+            <a:off x="1931147" y="1165412"/>
+            <a:ext cx="8046720" cy="4480560"/>
+          </a:xfrm>
+          <a:prstGeom prst="ellipse">
+            <a:avLst/>
+          </a:prstGeom>
+          <a:solidFill>
+            <a:srgbClr val="242F40"/>
+          </a:solidFill>
+          <a:ln w="9525" cap="flat" cmpd="sng" algn="ctr">
+            <a:solidFill>
+              <a:schemeClr val="tx1"/>
+            </a:solidFill>
+            <a:prstDash val="solid"/>
+            <a:round/>
+            <a:headEnd type="none" w="med" len="med"/>
+            <a:tailEnd type="none" w="med" len="med"/>
+          </a:ln>
+          <a:effectLst/>
+        </p:spPr>
+        <p:txBody>
+          <a:bodyPr vert="horz" wrap="square" lIns="91440" tIns="45720" rIns="91440" bIns="45720" numCol="1" rtlCol="0" anchor="ctr" anchorCtr="0" compatLnSpc="1">
+            <a:prstTxWarp prst="textNoShape">
+              <a:avLst/>
+            </a:prstTxWarp>
+          </a:bodyPr>
+          <a:lstStyle/>
+          <a:p>
+            <a:pPr marL="0" marR="0" indent="0" algn="ctr" defTabSz="914400" rtl="0" eaLnBrk="1" fontAlgn="base" latinLnBrk="0" hangingPunct="1">
+              <a:lnSpc>
+                <a:spcPct val="100000"/>
+              </a:lnSpc>
+              <a:spcBef>
+                <a:spcPct val="0"/>
+              </a:spcBef>
+              <a:spcAft>
+                <a:spcPct val="0"/>
+              </a:spcAft>
+              <a:buClrTx/>
+              <a:buSzTx/>
+              <a:buFontTx/>
+              <a:buNone/>
+              <a:tabLst/>
+            </a:pPr>
+            <a:endParaRPr lang="en-US" dirty="0" smtClean="0">
+              <a:solidFill>
+                <a:schemeClr val="bg2"/>
+              </a:solidFill>
+              <a:effectLst/>
+              <a:latin typeface="Steelfish Rg" panose="020B0608020202040504" pitchFamily="34" charset="0"/>
+            </a:endParaRPr>
+          </a:p>
+          <a:p>
+            <a:pPr marL="0" marR="0" indent="0" algn="ctr" defTabSz="914400" rtl="0" eaLnBrk="1" fontAlgn="base" latinLnBrk="0" hangingPunct="1">
+              <a:lnSpc>
+                <a:spcPct val="100000"/>
+              </a:lnSpc>
+              <a:spcBef>
+                <a:spcPct val="0"/>
+              </a:spcBef>
+              <a:spcAft>
+                <a:spcPct val="0"/>
+              </a:spcAft>
+              <a:buClrTx/>
+              <a:buSzTx/>
+              <a:buFontTx/>
+              <a:buNone/>
+              <a:tabLst/>
+            </a:pPr>
+            <a:endParaRPr lang="en-US" dirty="0" smtClean="0">
+              <a:solidFill>
+                <a:schemeClr val="bg2"/>
+              </a:solidFill>
+              <a:effectLst/>
+              <a:latin typeface="Steelfish Rg" panose="020B0608020202040504" pitchFamily="34" charset="0"/>
+            </a:endParaRPr>
+          </a:p>
+          <a:p>
+            <a:pPr marL="0" marR="0" indent="0" algn="ctr" defTabSz="914400" rtl="0" eaLnBrk="1" fontAlgn="base" latinLnBrk="0" hangingPunct="1">
+              <a:lnSpc>
+                <a:spcPct val="100000"/>
+              </a:lnSpc>
+              <a:spcBef>
+                <a:spcPct val="0"/>
+              </a:spcBef>
+              <a:spcAft>
+                <a:spcPct val="0"/>
+              </a:spcAft>
+              <a:buClrTx/>
+              <a:buSzTx/>
+              <a:buFontTx/>
+              <a:buNone/>
+              <a:tabLst/>
+            </a:pPr>
+            <a:endParaRPr lang="en-US" dirty="0" smtClean="0">
+              <a:solidFill>
+                <a:schemeClr val="bg2"/>
+              </a:solidFill>
+              <a:effectLst/>
+              <a:latin typeface="Steelfish Rg" panose="020B0608020202040504" pitchFamily="34" charset="0"/>
+            </a:endParaRPr>
+          </a:p>
+          <a:p>
+            <a:pPr marL="0" marR="0" indent="0" algn="ctr" defTabSz="914400" rtl="0" eaLnBrk="1" fontAlgn="base" latinLnBrk="0" hangingPunct="1">
+              <a:lnSpc>
+                <a:spcPct val="100000"/>
+              </a:lnSpc>
+              <a:spcBef>
+                <a:spcPct val="0"/>
+              </a:spcBef>
+              <a:spcAft>
+                <a:spcPct val="0"/>
+              </a:spcAft>
+              <a:buClrTx/>
+              <a:buSzTx/>
+              <a:buFontTx/>
+              <a:buNone/>
+              <a:tabLst/>
+            </a:pPr>
+            <a:endParaRPr lang="en-US" dirty="0" smtClean="0">
+              <a:solidFill>
+                <a:schemeClr val="bg2"/>
+              </a:solidFill>
+              <a:effectLst/>
+              <a:latin typeface="Steelfish Rg" panose="020B0608020202040504" pitchFamily="34" charset="0"/>
+            </a:endParaRPr>
+          </a:p>
+          <a:p>
+            <a:pPr marL="0" marR="0" indent="0" algn="ctr" defTabSz="914400" rtl="0" eaLnBrk="1" fontAlgn="base" latinLnBrk="0" hangingPunct="1">
+              <a:lnSpc>
+                <a:spcPct val="100000"/>
+              </a:lnSpc>
+              <a:spcBef>
+                <a:spcPct val="0"/>
+              </a:spcBef>
+              <a:spcAft>
+                <a:spcPct val="0"/>
+              </a:spcAft>
+              <a:buClrTx/>
+              <a:buSzTx/>
+              <a:buFontTx/>
+              <a:buNone/>
+              <a:tabLst/>
+            </a:pPr>
+            <a:endParaRPr lang="en-US" dirty="0" smtClean="0">
+              <a:solidFill>
+                <a:schemeClr val="bg2"/>
+              </a:solidFill>
+              <a:effectLst/>
+              <a:latin typeface="Steelfish Rg" panose="020B0608020202040504" pitchFamily="34" charset="0"/>
+            </a:endParaRPr>
+          </a:p>
+          <a:p>
+            <a:pPr marL="0" marR="0" indent="0" algn="ctr" defTabSz="914400" rtl="0" eaLnBrk="1" fontAlgn="base" latinLnBrk="0" hangingPunct="1">
+              <a:lnSpc>
+                <a:spcPct val="100000"/>
+              </a:lnSpc>
+              <a:spcBef>
+                <a:spcPct val="0"/>
+              </a:spcBef>
+              <a:spcAft>
+                <a:spcPct val="0"/>
+              </a:spcAft>
+              <a:buClrTx/>
+              <a:buSzTx/>
+              <a:buFontTx/>
+              <a:buNone/>
+              <a:tabLst/>
+            </a:pPr>
+            <a:endParaRPr lang="en-US" dirty="0" smtClean="0">
+              <a:solidFill>
+                <a:schemeClr val="bg2"/>
+              </a:solidFill>
+              <a:effectLst/>
+              <a:latin typeface="Steelfish Rg" panose="020B0608020202040504" pitchFamily="34" charset="0"/>
+            </a:endParaRPr>
+          </a:p>
+          <a:p>
+            <a:pPr marL="0" marR="0" indent="0" algn="ctr" defTabSz="914400" rtl="0" eaLnBrk="1" fontAlgn="base" latinLnBrk="0" hangingPunct="1">
+              <a:lnSpc>
+                <a:spcPct val="100000"/>
+              </a:lnSpc>
+              <a:spcBef>
+                <a:spcPct val="0"/>
+              </a:spcBef>
+              <a:spcAft>
+                <a:spcPct val="0"/>
+              </a:spcAft>
+              <a:buClrTx/>
+              <a:buSzTx/>
+              <a:buFontTx/>
+              <a:buNone/>
+              <a:tabLst/>
+            </a:pPr>
+            <a:endParaRPr lang="en-US" dirty="0" smtClean="0">
+              <a:solidFill>
+                <a:schemeClr val="bg2"/>
+              </a:solidFill>
+              <a:effectLst/>
+              <a:latin typeface="Steelfish Rg" panose="020B0608020202040504" pitchFamily="34" charset="0"/>
+            </a:endParaRPr>
+          </a:p>
+          <a:p>
+            <a:pPr marL="0" marR="0" indent="0" algn="ctr" defTabSz="914400" rtl="0" eaLnBrk="1" fontAlgn="base" latinLnBrk="0" hangingPunct="1">
+              <a:lnSpc>
+                <a:spcPct val="100000"/>
+              </a:lnSpc>
+              <a:spcBef>
+                <a:spcPct val="0"/>
+              </a:spcBef>
+              <a:spcAft>
+                <a:spcPct val="0"/>
+              </a:spcAft>
+              <a:buClrTx/>
+              <a:buSzTx/>
+              <a:buFontTx/>
+              <a:buNone/>
+              <a:tabLst/>
+            </a:pPr>
+            <a:endParaRPr kumimoji="0" lang="en-US" sz="3200" b="1" i="0" u="none" strike="noStrike" cap="none" normalizeH="0" baseline="0" dirty="0" smtClean="0">
+              <a:ln>
+                <a:noFill/>
+              </a:ln>
+              <a:solidFill>
+                <a:schemeClr val="bg2"/>
+              </a:solidFill>
+              <a:effectLst/>
+              <a:latin typeface="Steelfish Rg" panose="020B0608020202040504" pitchFamily="34" charset="0"/>
+            </a:endParaRPr>
+          </a:p>
+          <a:p>
+            <a:pPr marL="0" marR="0" indent="0" algn="ctr" defTabSz="914400" rtl="0" eaLnBrk="1" fontAlgn="base" latinLnBrk="0" hangingPunct="1">
+              <a:lnSpc>
+                <a:spcPct val="100000"/>
+              </a:lnSpc>
+              <a:spcBef>
+                <a:spcPct val="0"/>
+              </a:spcBef>
+              <a:spcAft>
+                <a:spcPct val="0"/>
+              </a:spcAft>
+              <a:buClrTx/>
+              <a:buSzTx/>
+              <a:buFontTx/>
+              <a:buNone/>
+              <a:tabLst/>
+            </a:pPr>
+            <a:endParaRPr kumimoji="0" lang="en-US" sz="3200" b="1" i="0" u="none" strike="noStrike" cap="none" normalizeH="0" baseline="0" dirty="0" smtClean="0">
+              <a:ln>
+                <a:noFill/>
+              </a:ln>
+              <a:solidFill>
+                <a:schemeClr val="bg2"/>
+              </a:solidFill>
+              <a:effectLst/>
+              <a:latin typeface="Steelfish Rg" panose="020B0608020202040504" pitchFamily="34" charset="0"/>
+            </a:endParaRPr>
+          </a:p>
+        </p:txBody>
+      </p:sp>
+      <p:sp>
+        <p:nvSpPr>
+          <p:cNvPr id="3" name="Oval 2"/>
+          <p:cNvSpPr/>
+          <p:nvPr/>
+        </p:nvSpPr>
+        <p:spPr bwMode="auto">
+          <a:xfrm>
+            <a:off x="3344657" y="2065842"/>
+            <a:ext cx="5219700" cy="2679700"/>
+          </a:xfrm>
+          <a:prstGeom prst="ellipse">
+            <a:avLst/>
+          </a:prstGeom>
+          <a:solidFill>
+            <a:srgbClr val="566F97"/>
+          </a:solidFill>
+          <a:ln w="9525" cap="flat" cmpd="sng" algn="ctr">
+            <a:solidFill>
+              <a:schemeClr val="tx1"/>
+            </a:solidFill>
+            <a:prstDash val="solid"/>
+            <a:round/>
+            <a:headEnd type="none" w="med" len="med"/>
+            <a:tailEnd type="none" w="med" len="med"/>
+          </a:ln>
+          <a:effectLst/>
+        </p:spPr>
+        <p:txBody>
+          <a:bodyPr vert="horz" wrap="square" lIns="91440" tIns="45720" rIns="91440" bIns="45720" numCol="1" rtlCol="0" anchor="ctr" anchorCtr="0" compatLnSpc="1">
+            <a:prstTxWarp prst="textNoShape">
+              <a:avLst/>
+            </a:prstTxWarp>
+          </a:bodyPr>
+          <a:lstStyle/>
+          <a:p>
+            <a:pPr marL="0" marR="0" indent="0" algn="ctr" defTabSz="914400" rtl="0" eaLnBrk="1" fontAlgn="base" latinLnBrk="0" hangingPunct="1">
+              <a:lnSpc>
+                <a:spcPct val="100000"/>
+              </a:lnSpc>
+              <a:spcBef>
+                <a:spcPct val="0"/>
+              </a:spcBef>
+              <a:spcAft>
+                <a:spcPct val="0"/>
+              </a:spcAft>
+              <a:buClrTx/>
+              <a:buSzTx/>
+              <a:buFontTx/>
+              <a:buNone/>
+              <a:tabLst/>
+            </a:pPr>
+            <a:r>
+              <a:rPr lang="en-US" sz="2800" dirty="0" smtClean="0">
+                <a:solidFill>
+                  <a:schemeClr val="bg2"/>
+                </a:solidFill>
+                <a:effectLst/>
+                <a:latin typeface="Steelfish Rg" panose="020B0608020202040504" pitchFamily="34" charset="0"/>
+              </a:rPr>
+              <a:t>Sagas</a:t>
+            </a:r>
+          </a:p>
+          <a:p>
+            <a:pPr marL="0" marR="0" indent="0" algn="ctr" defTabSz="914400" rtl="0" eaLnBrk="1" fontAlgn="base" latinLnBrk="0" hangingPunct="1">
+              <a:lnSpc>
+                <a:spcPct val="100000"/>
+              </a:lnSpc>
+              <a:spcBef>
+                <a:spcPct val="0"/>
+              </a:spcBef>
+              <a:spcAft>
+                <a:spcPct val="0"/>
+              </a:spcAft>
+              <a:buClrTx/>
+              <a:buSzTx/>
+              <a:buFontTx/>
+              <a:buNone/>
+              <a:tabLst/>
+            </a:pPr>
+            <a:endParaRPr lang="en-US" dirty="0" smtClean="0">
+              <a:solidFill>
+                <a:schemeClr val="bg2"/>
+              </a:solidFill>
+              <a:effectLst/>
+              <a:latin typeface="Steelfish Rg" panose="020B0608020202040504" pitchFamily="34" charset="0"/>
+            </a:endParaRPr>
+          </a:p>
+          <a:p>
+            <a:pPr marL="0" marR="0" indent="0" algn="ctr" defTabSz="914400" rtl="0" eaLnBrk="1" fontAlgn="base" latinLnBrk="0" hangingPunct="1">
+              <a:lnSpc>
+                <a:spcPct val="100000"/>
+              </a:lnSpc>
+              <a:spcBef>
+                <a:spcPct val="0"/>
+              </a:spcBef>
+              <a:spcAft>
+                <a:spcPct val="0"/>
+              </a:spcAft>
+              <a:buClrTx/>
+              <a:buSzTx/>
+              <a:buFontTx/>
+              <a:buNone/>
+              <a:tabLst/>
+            </a:pPr>
+            <a:endParaRPr lang="en-US" dirty="0" smtClean="0">
+              <a:solidFill>
+                <a:schemeClr val="bg2"/>
+              </a:solidFill>
+              <a:effectLst/>
+              <a:latin typeface="Steelfish Rg" panose="020B0608020202040504" pitchFamily="34" charset="0"/>
+            </a:endParaRPr>
+          </a:p>
+          <a:p>
+            <a:pPr marL="0" marR="0" indent="0" algn="ctr" defTabSz="914400" rtl="0" eaLnBrk="1" fontAlgn="base" latinLnBrk="0" hangingPunct="1">
+              <a:lnSpc>
+                <a:spcPct val="100000"/>
+              </a:lnSpc>
+              <a:spcBef>
+                <a:spcPct val="0"/>
+              </a:spcBef>
+              <a:spcAft>
+                <a:spcPct val="0"/>
+              </a:spcAft>
+              <a:buClrTx/>
+              <a:buSzTx/>
+              <a:buFontTx/>
+              <a:buNone/>
+              <a:tabLst/>
+            </a:pPr>
+            <a:endParaRPr kumimoji="0" lang="en-US" sz="3200" b="1" i="0" u="none" strike="noStrike" cap="none" normalizeH="0" baseline="0" dirty="0" smtClean="0">
+              <a:ln>
+                <a:noFill/>
+              </a:ln>
+              <a:solidFill>
+                <a:schemeClr val="bg2"/>
+              </a:solidFill>
+              <a:effectLst/>
+              <a:latin typeface="Steelfish Rg" panose="020B0608020202040504" pitchFamily="34" charset="0"/>
+            </a:endParaRPr>
+          </a:p>
+          <a:p>
+            <a:pPr marL="0" marR="0" indent="0" algn="ctr" defTabSz="914400" rtl="0" eaLnBrk="1" fontAlgn="base" latinLnBrk="0" hangingPunct="1">
+              <a:lnSpc>
+                <a:spcPct val="100000"/>
+              </a:lnSpc>
+              <a:spcBef>
+                <a:spcPct val="0"/>
+              </a:spcBef>
+              <a:spcAft>
+                <a:spcPct val="0"/>
+              </a:spcAft>
+              <a:buClrTx/>
+              <a:buSzTx/>
+              <a:buFontTx/>
+              <a:buNone/>
+              <a:tabLst/>
+            </a:pPr>
+            <a:endParaRPr kumimoji="0" lang="en-US" sz="3200" b="1" i="0" u="none" strike="noStrike" cap="none" normalizeH="0" baseline="0" dirty="0" smtClean="0">
+              <a:ln>
+                <a:noFill/>
+              </a:ln>
+              <a:solidFill>
+                <a:schemeClr val="bg2"/>
+              </a:solidFill>
+              <a:effectLst/>
+              <a:latin typeface="Steelfish Rg" panose="020B0608020202040504" pitchFamily="34" charset="0"/>
+            </a:endParaRPr>
+          </a:p>
+        </p:txBody>
+      </p:sp>
+      <p:sp>
+        <p:nvSpPr>
+          <p:cNvPr id="4" name="Oval 3"/>
+          <p:cNvSpPr/>
+          <p:nvPr/>
+        </p:nvSpPr>
+        <p:spPr bwMode="auto">
+          <a:xfrm>
+            <a:off x="4621007" y="2923092"/>
+            <a:ext cx="2667000" cy="965200"/>
+          </a:xfrm>
+          <a:prstGeom prst="ellipse">
+            <a:avLst/>
+          </a:prstGeom>
+          <a:solidFill>
+            <a:srgbClr val="83A9E5"/>
+          </a:solidFill>
+          <a:ln w="19050" cap="flat" cmpd="sng" algn="ctr">
+            <a:solidFill>
+              <a:schemeClr val="bg2"/>
+            </a:solidFill>
+            <a:prstDash val="solid"/>
+            <a:round/>
+            <a:headEnd type="none" w="med" len="med"/>
+            <a:tailEnd type="none" w="med" len="med"/>
+          </a:ln>
+          <a:effectLst/>
+        </p:spPr>
+        <p:txBody>
+          <a:bodyPr vert="horz" wrap="square" lIns="91440" tIns="45720" rIns="91440" bIns="45720" numCol="1" rtlCol="0" anchor="ctr" anchorCtr="0" compatLnSpc="1">
+            <a:prstTxWarp prst="textNoShape">
+              <a:avLst/>
+            </a:prstTxWarp>
+          </a:bodyPr>
+          <a:lstStyle/>
+          <a:p>
+            <a:pPr marL="0" marR="0" indent="0" algn="ctr" defTabSz="914400" rtl="0" eaLnBrk="1" fontAlgn="base" latinLnBrk="0" hangingPunct="1">
+              <a:lnSpc>
+                <a:spcPct val="100000"/>
+              </a:lnSpc>
+              <a:spcBef>
+                <a:spcPct val="0"/>
+              </a:spcBef>
+              <a:spcAft>
+                <a:spcPct val="0"/>
+              </a:spcAft>
+              <a:buClrTx/>
+              <a:buSzTx/>
+              <a:buFontTx/>
+              <a:buNone/>
+              <a:tabLst/>
+            </a:pPr>
+            <a:r>
+              <a:rPr lang="en-US" sz="2800" dirty="0" smtClean="0">
+                <a:solidFill>
+                  <a:schemeClr val="bg2"/>
+                </a:solidFill>
+                <a:effectLst/>
+                <a:latin typeface="Steelfish Rg" panose="020B0608020202040504" pitchFamily="34" charset="0"/>
+              </a:rPr>
+              <a:t>Logic</a:t>
+            </a:r>
+            <a:endParaRPr kumimoji="0" lang="en-US" sz="2800" b="1" i="0" u="none" strike="noStrike" cap="none" normalizeH="0" baseline="0" dirty="0" smtClean="0">
+              <a:ln>
+                <a:noFill/>
+              </a:ln>
+              <a:solidFill>
+                <a:schemeClr val="bg2"/>
+              </a:solidFill>
+              <a:effectLst/>
+              <a:latin typeface="Steelfish Rg" panose="020B0608020202040504" pitchFamily="34" charset="0"/>
+            </a:endParaRPr>
+          </a:p>
+        </p:txBody>
+      </p:sp>
+      <p:sp>
+        <p:nvSpPr>
+          <p:cNvPr id="5" name="Line 27"/>
+          <p:cNvSpPr>
+            <a:spLocks noChangeShapeType="1"/>
+          </p:cNvSpPr>
+          <p:nvPr/>
+        </p:nvSpPr>
+        <p:spPr bwMode="auto">
+          <a:xfrm flipV="1">
+            <a:off x="6744447" y="2816412"/>
+            <a:ext cx="698500" cy="381000"/>
+          </a:xfrm>
+          <a:prstGeom prst="line">
+            <a:avLst/>
+          </a:prstGeom>
+          <a:noFill/>
+          <a:ln w="38100">
+            <a:solidFill>
+              <a:schemeClr val="bg2"/>
+            </a:solidFill>
+            <a:round/>
+            <a:headEnd/>
+            <a:tailEnd type="stealth" w="lg" len="lg"/>
+          </a:ln>
+          <a:effectLst/>
+        </p:spPr>
+        <p:txBody>
+          <a:bodyPr wrap="none" anchor="ctr"/>
+          <a:lstStyle/>
+          <a:p>
+            <a:endParaRPr lang="en-GB">
+              <a:effectLst/>
+              <a:latin typeface="Steelfish Rg" panose="020B0608020202040504" pitchFamily="34" charset="0"/>
+            </a:endParaRPr>
+          </a:p>
+        </p:txBody>
+      </p:sp>
+      <p:sp>
+        <p:nvSpPr>
+          <p:cNvPr id="6" name="TextBox 5"/>
+          <p:cNvSpPr txBox="1"/>
+          <p:nvPr/>
+        </p:nvSpPr>
+        <p:spPr>
+          <a:xfrm>
+            <a:off x="6566647" y="2600512"/>
+            <a:ext cx="444352" cy="400110"/>
+          </a:xfrm>
+          <a:prstGeom prst="rect">
+            <a:avLst/>
+          </a:prstGeom>
+          <a:noFill/>
+        </p:spPr>
+        <p:txBody>
+          <a:bodyPr wrap="none" rtlCol="0">
+            <a:spAutoFit/>
+          </a:bodyPr>
+          <a:lstStyle/>
+          <a:p>
+            <a:r>
+              <a:rPr lang="en-US" sz="2000" b="0" dirty="0" err="1" smtClean="0">
+                <a:solidFill>
+                  <a:schemeClr val="bg2"/>
+                </a:solidFill>
+                <a:effectLst/>
+                <a:latin typeface="Steelfish Rg" panose="020B0608020202040504" pitchFamily="34" charset="0"/>
+              </a:rPr>
+              <a:t>msg</a:t>
+            </a:r>
+            <a:endParaRPr lang="en-US" sz="2000" b="0" dirty="0">
+              <a:solidFill>
+                <a:schemeClr val="bg2"/>
+              </a:solidFill>
+              <a:effectLst/>
+              <a:latin typeface="Steelfish Rg" panose="020B0608020202040504" pitchFamily="34" charset="0"/>
+            </a:endParaRPr>
+          </a:p>
+        </p:txBody>
+      </p:sp>
+      <p:sp>
+        <p:nvSpPr>
+          <p:cNvPr id="7" name="Line 27"/>
+          <p:cNvSpPr>
+            <a:spLocks noChangeShapeType="1"/>
+          </p:cNvSpPr>
+          <p:nvPr/>
+        </p:nvSpPr>
+        <p:spPr bwMode="auto">
+          <a:xfrm flipV="1">
+            <a:off x="8141447" y="2498912"/>
+            <a:ext cx="698500" cy="381000"/>
+          </a:xfrm>
+          <a:prstGeom prst="line">
+            <a:avLst/>
+          </a:prstGeom>
+          <a:noFill/>
+          <a:ln w="38100">
+            <a:solidFill>
+              <a:schemeClr val="bg2"/>
+            </a:solidFill>
+            <a:round/>
+            <a:headEnd/>
+            <a:tailEnd type="stealth" w="lg" len="lg"/>
+          </a:ln>
+          <a:effectLst/>
+        </p:spPr>
+        <p:txBody>
+          <a:bodyPr wrap="none" anchor="ctr"/>
+          <a:lstStyle/>
+          <a:p>
+            <a:endParaRPr lang="en-GB">
+              <a:effectLst/>
+              <a:latin typeface="Steelfish Rg" panose="020B0608020202040504" pitchFamily="34" charset="0"/>
+            </a:endParaRPr>
+          </a:p>
+        </p:txBody>
+      </p:sp>
+      <p:sp>
+        <p:nvSpPr>
+          <p:cNvPr id="8" name="TextBox 7"/>
+          <p:cNvSpPr txBox="1"/>
+          <p:nvPr/>
+        </p:nvSpPr>
+        <p:spPr>
+          <a:xfrm>
+            <a:off x="7963647" y="2283012"/>
+            <a:ext cx="444352" cy="400110"/>
+          </a:xfrm>
+          <a:prstGeom prst="rect">
+            <a:avLst/>
+          </a:prstGeom>
+          <a:noFill/>
+        </p:spPr>
+        <p:txBody>
+          <a:bodyPr wrap="none" rtlCol="0">
+            <a:spAutoFit/>
+          </a:bodyPr>
+          <a:lstStyle/>
+          <a:p>
+            <a:r>
+              <a:rPr lang="en-US" sz="2000" b="0" dirty="0" err="1" smtClean="0">
+                <a:solidFill>
+                  <a:schemeClr val="bg2"/>
+                </a:solidFill>
+                <a:effectLst/>
+                <a:latin typeface="Steelfish Rg" panose="020B0608020202040504" pitchFamily="34" charset="0"/>
+              </a:rPr>
+              <a:t>msg</a:t>
+            </a:r>
+            <a:endParaRPr lang="en-US" sz="2000" b="0" dirty="0">
+              <a:solidFill>
+                <a:schemeClr val="bg2"/>
+              </a:solidFill>
+              <a:effectLst/>
+              <a:latin typeface="Steelfish Rg" panose="020B0608020202040504" pitchFamily="34" charset="0"/>
+            </a:endParaRPr>
+          </a:p>
+        </p:txBody>
+      </p:sp>
+      <p:sp>
+        <p:nvSpPr>
+          <p:cNvPr id="9" name="Rectangle 8"/>
+          <p:cNvSpPr/>
+          <p:nvPr/>
+        </p:nvSpPr>
+        <p:spPr bwMode="auto">
+          <a:xfrm>
+            <a:off x="8890747" y="505012"/>
+            <a:ext cx="1320800" cy="850900"/>
+          </a:xfrm>
+          <a:prstGeom prst="rect">
+            <a:avLst/>
+          </a:prstGeom>
+          <a:solidFill>
+            <a:srgbClr val="231F20"/>
+          </a:solidFill>
+          <a:ln w="9525" cap="flat" cmpd="sng" algn="ctr">
+            <a:solidFill>
+              <a:schemeClr val="tx1"/>
+            </a:solidFill>
+            <a:prstDash val="solid"/>
+            <a:round/>
+            <a:headEnd type="none" w="med" len="med"/>
+            <a:tailEnd type="none" w="med" len="med"/>
+          </a:ln>
+          <a:effectLst/>
+        </p:spPr>
+        <p:txBody>
+          <a:bodyPr vert="horz" wrap="square" lIns="91440" tIns="45720" rIns="91440" bIns="45720" numCol="1" rtlCol="0" anchor="t" anchorCtr="0" compatLnSpc="1">
+            <a:prstTxWarp prst="textNoShape">
+              <a:avLst/>
+            </a:prstTxWarp>
+          </a:bodyPr>
+          <a:lstStyle/>
+          <a:p>
+            <a:pPr marL="0" marR="0" indent="0" algn="ctr" defTabSz="914400" rtl="0" eaLnBrk="1" fontAlgn="base" latinLnBrk="0" hangingPunct="1">
+              <a:lnSpc>
+                <a:spcPct val="100000"/>
+              </a:lnSpc>
+              <a:spcBef>
+                <a:spcPct val="0"/>
+              </a:spcBef>
+              <a:spcAft>
+                <a:spcPct val="0"/>
+              </a:spcAft>
+              <a:buClrTx/>
+              <a:buSzTx/>
+              <a:buFontTx/>
+              <a:buNone/>
+              <a:tabLst/>
+            </a:pPr>
+            <a:r>
+              <a:rPr kumimoji="0" lang="en-US" sz="2400" b="0" i="0" u="none" strike="noStrike" cap="none" normalizeH="0" baseline="0" dirty="0" smtClean="0">
+                <a:ln>
+                  <a:noFill/>
+                </a:ln>
+                <a:solidFill>
+                  <a:schemeClr val="bg2"/>
+                </a:solidFill>
+                <a:effectLst/>
+                <a:latin typeface="Steelfish Rg" panose="020B0608020202040504" pitchFamily="34" charset="0"/>
+              </a:rPr>
+              <a:t>Legacy App</a:t>
+            </a:r>
+          </a:p>
+        </p:txBody>
+      </p:sp>
+      <p:sp>
+        <p:nvSpPr>
+          <p:cNvPr id="10" name="Line 27"/>
+          <p:cNvSpPr>
+            <a:spLocks noChangeShapeType="1"/>
+          </p:cNvSpPr>
+          <p:nvPr/>
+        </p:nvSpPr>
+        <p:spPr bwMode="auto">
+          <a:xfrm flipV="1">
+            <a:off x="8839947" y="1381312"/>
+            <a:ext cx="635000" cy="698500"/>
+          </a:xfrm>
+          <a:prstGeom prst="line">
+            <a:avLst/>
+          </a:prstGeom>
+          <a:noFill/>
+          <a:ln w="38100">
+            <a:solidFill>
+              <a:schemeClr val="tx1"/>
+            </a:solidFill>
+            <a:round/>
+            <a:headEnd/>
+            <a:tailEnd type="stealth" w="lg" len="lg"/>
+          </a:ln>
+          <a:effectLst/>
+        </p:spPr>
+        <p:txBody>
+          <a:bodyPr wrap="none" anchor="ctr"/>
+          <a:lstStyle/>
+          <a:p>
+            <a:endParaRPr lang="en-GB">
+              <a:effectLst/>
+              <a:latin typeface="Steelfish Rg" panose="020B0608020202040504" pitchFamily="34" charset="0"/>
+            </a:endParaRPr>
+          </a:p>
+        </p:txBody>
+      </p:sp>
+      <p:sp>
+        <p:nvSpPr>
+          <p:cNvPr id="11" name="TextBox 10"/>
+          <p:cNvSpPr txBox="1"/>
+          <p:nvPr/>
+        </p:nvSpPr>
+        <p:spPr>
+          <a:xfrm>
+            <a:off x="9246347" y="1622612"/>
+            <a:ext cx="431528" cy="400110"/>
+          </a:xfrm>
+          <a:prstGeom prst="rect">
+            <a:avLst/>
+          </a:prstGeom>
+          <a:noFill/>
+        </p:spPr>
+        <p:txBody>
+          <a:bodyPr wrap="none" rtlCol="0">
+            <a:spAutoFit/>
+          </a:bodyPr>
+          <a:lstStyle/>
+          <a:p>
+            <a:r>
+              <a:rPr lang="en-US" sz="2000" b="0" dirty="0" smtClean="0">
+                <a:effectLst/>
+                <a:latin typeface="Steelfish Rg" panose="020B0608020202040504" pitchFamily="34" charset="0"/>
+              </a:rPr>
+              <a:t>RPC</a:t>
+            </a:r>
+            <a:endParaRPr lang="en-US" sz="2000" b="0" dirty="0">
+              <a:effectLst/>
+              <a:latin typeface="Steelfish Rg" panose="020B0608020202040504" pitchFamily="34" charset="0"/>
+            </a:endParaRPr>
+          </a:p>
+        </p:txBody>
+      </p:sp>
+      <p:sp>
+        <p:nvSpPr>
+          <p:cNvPr id="12" name="Rectangle 11"/>
+          <p:cNvSpPr/>
+          <p:nvPr/>
+        </p:nvSpPr>
+        <p:spPr bwMode="auto">
+          <a:xfrm>
+            <a:off x="8954247" y="5229412"/>
+            <a:ext cx="1320800" cy="850900"/>
+          </a:xfrm>
+          <a:prstGeom prst="rect">
+            <a:avLst/>
+          </a:prstGeom>
+          <a:solidFill>
+            <a:srgbClr val="231F20"/>
+          </a:solidFill>
+          <a:ln w="9525" cap="flat" cmpd="sng" algn="ctr">
+            <a:solidFill>
+              <a:schemeClr val="tx1"/>
+            </a:solidFill>
+            <a:prstDash val="solid"/>
+            <a:round/>
+            <a:headEnd type="none" w="med" len="med"/>
+            <a:tailEnd type="none" w="med" len="med"/>
+          </a:ln>
+          <a:effectLst/>
+        </p:spPr>
+        <p:txBody>
+          <a:bodyPr vert="horz" wrap="square" lIns="91440" tIns="45720" rIns="91440" bIns="45720" numCol="1" rtlCol="0" anchor="t" anchorCtr="0" compatLnSpc="1">
+            <a:prstTxWarp prst="textNoShape">
+              <a:avLst/>
+            </a:prstTxWarp>
+          </a:bodyPr>
+          <a:lstStyle/>
+          <a:p>
+            <a:pPr marL="0" marR="0" indent="0" algn="ctr" defTabSz="914400" rtl="0" eaLnBrk="1" fontAlgn="base" latinLnBrk="0" hangingPunct="1">
+              <a:lnSpc>
+                <a:spcPct val="100000"/>
+              </a:lnSpc>
+              <a:spcBef>
+                <a:spcPct val="0"/>
+              </a:spcBef>
+              <a:spcAft>
+                <a:spcPct val="0"/>
+              </a:spcAft>
+              <a:buClrTx/>
+              <a:buSzTx/>
+              <a:buFontTx/>
+              <a:buNone/>
+              <a:tabLst/>
+            </a:pPr>
+            <a:r>
+              <a:rPr kumimoji="0" lang="en-US" sz="2400" b="0" i="0" u="none" strike="noStrike" cap="none" normalizeH="0" baseline="0" dirty="0" smtClean="0">
+                <a:ln>
+                  <a:noFill/>
+                </a:ln>
+                <a:solidFill>
+                  <a:schemeClr val="bg2"/>
+                </a:solidFill>
+                <a:effectLst/>
+                <a:latin typeface="Steelfish Rg" panose="020B0608020202040504" pitchFamily="34" charset="0"/>
+              </a:rPr>
+              <a:t>3</a:t>
+            </a:r>
+            <a:r>
+              <a:rPr kumimoji="0" lang="en-US" sz="2400" b="0" i="0" u="none" strike="noStrike" cap="none" normalizeH="0" baseline="30000" dirty="0" smtClean="0">
+                <a:ln>
+                  <a:noFill/>
+                </a:ln>
+                <a:solidFill>
+                  <a:schemeClr val="bg2"/>
+                </a:solidFill>
+                <a:effectLst/>
+                <a:latin typeface="Steelfish Rg" panose="020B0608020202040504" pitchFamily="34" charset="0"/>
+              </a:rPr>
+              <a:t>rd</a:t>
+            </a:r>
+            <a:r>
+              <a:rPr kumimoji="0" lang="en-US" sz="2400" b="0" i="0" u="none" strike="noStrike" cap="none" normalizeH="0" baseline="0" dirty="0" smtClean="0">
+                <a:ln>
+                  <a:noFill/>
+                </a:ln>
+                <a:solidFill>
+                  <a:schemeClr val="bg2"/>
+                </a:solidFill>
+                <a:effectLst/>
+                <a:latin typeface="Steelfish Rg" panose="020B0608020202040504" pitchFamily="34" charset="0"/>
+              </a:rPr>
+              <a:t> party WS</a:t>
+            </a:r>
+          </a:p>
+        </p:txBody>
+      </p:sp>
+      <p:sp>
+        <p:nvSpPr>
+          <p:cNvPr id="13" name="Line 27"/>
+          <p:cNvSpPr>
+            <a:spLocks noChangeShapeType="1"/>
+          </p:cNvSpPr>
+          <p:nvPr/>
+        </p:nvSpPr>
+        <p:spPr bwMode="auto">
+          <a:xfrm>
+            <a:off x="8992347" y="4581712"/>
+            <a:ext cx="482600" cy="609600"/>
+          </a:xfrm>
+          <a:prstGeom prst="line">
+            <a:avLst/>
+          </a:prstGeom>
+          <a:noFill/>
+          <a:ln w="38100">
+            <a:solidFill>
+              <a:schemeClr val="tx1"/>
+            </a:solidFill>
+            <a:round/>
+            <a:headEnd/>
+            <a:tailEnd type="stealth" w="lg" len="lg"/>
+          </a:ln>
+          <a:effectLst/>
+        </p:spPr>
+        <p:txBody>
+          <a:bodyPr wrap="none" anchor="ctr"/>
+          <a:lstStyle/>
+          <a:p>
+            <a:endParaRPr lang="en-GB">
+              <a:effectLst/>
+              <a:latin typeface="Steelfish Rg" panose="020B0608020202040504" pitchFamily="34" charset="0"/>
+            </a:endParaRPr>
+          </a:p>
+        </p:txBody>
+      </p:sp>
+      <p:sp>
+        <p:nvSpPr>
+          <p:cNvPr id="14" name="TextBox 13"/>
+          <p:cNvSpPr txBox="1"/>
+          <p:nvPr/>
+        </p:nvSpPr>
+        <p:spPr>
+          <a:xfrm>
+            <a:off x="9525747" y="4581712"/>
+            <a:ext cx="652743" cy="400110"/>
+          </a:xfrm>
+          <a:prstGeom prst="rect">
+            <a:avLst/>
+          </a:prstGeom>
+          <a:noFill/>
+        </p:spPr>
+        <p:txBody>
+          <a:bodyPr wrap="square" rtlCol="0">
+            <a:spAutoFit/>
+          </a:bodyPr>
+          <a:lstStyle/>
+          <a:p>
+            <a:r>
+              <a:rPr lang="en-US" sz="2000" b="0" dirty="0" smtClean="0">
+                <a:effectLst/>
+                <a:latin typeface="Steelfish Rg" panose="020B0608020202040504" pitchFamily="34" charset="0"/>
+              </a:rPr>
+              <a:t>WS</a:t>
+            </a:r>
+            <a:endParaRPr lang="en-US" sz="2000" b="0" dirty="0">
+              <a:effectLst/>
+              <a:latin typeface="Steelfish Rg" panose="020B0608020202040504" pitchFamily="34" charset="0"/>
+            </a:endParaRPr>
+          </a:p>
+        </p:txBody>
+      </p:sp>
+      <p:sp>
+        <p:nvSpPr>
+          <p:cNvPr id="15" name="Line 27"/>
+          <p:cNvSpPr>
+            <a:spLocks noChangeShapeType="1"/>
+          </p:cNvSpPr>
+          <p:nvPr/>
+        </p:nvSpPr>
+        <p:spPr bwMode="auto">
+          <a:xfrm flipH="1">
+            <a:off x="8293847" y="2651312"/>
+            <a:ext cx="698500" cy="381000"/>
+          </a:xfrm>
+          <a:prstGeom prst="line">
+            <a:avLst/>
+          </a:prstGeom>
+          <a:noFill/>
+          <a:ln w="38100">
+            <a:solidFill>
+              <a:schemeClr val="bg2"/>
+            </a:solidFill>
+            <a:round/>
+            <a:headEnd/>
+            <a:tailEnd type="stealth" w="lg" len="lg"/>
+          </a:ln>
+          <a:effectLst/>
+        </p:spPr>
+        <p:txBody>
+          <a:bodyPr wrap="none" anchor="ctr"/>
+          <a:lstStyle/>
+          <a:p>
+            <a:endParaRPr lang="en-GB">
+              <a:effectLst/>
+              <a:latin typeface="Steelfish Rg" panose="020B0608020202040504" pitchFamily="34" charset="0"/>
+            </a:endParaRPr>
+          </a:p>
+        </p:txBody>
+      </p:sp>
+      <p:sp>
+        <p:nvSpPr>
+          <p:cNvPr id="16" name="Line 27"/>
+          <p:cNvSpPr>
+            <a:spLocks noChangeShapeType="1"/>
+          </p:cNvSpPr>
+          <p:nvPr/>
+        </p:nvSpPr>
+        <p:spPr bwMode="auto">
+          <a:xfrm flipH="1">
+            <a:off x="6858747" y="3006912"/>
+            <a:ext cx="698500" cy="381000"/>
+          </a:xfrm>
+          <a:prstGeom prst="line">
+            <a:avLst/>
+          </a:prstGeom>
+          <a:noFill/>
+          <a:ln w="38100">
+            <a:solidFill>
+              <a:schemeClr val="bg2"/>
+            </a:solidFill>
+            <a:round/>
+            <a:headEnd/>
+            <a:tailEnd type="stealth" w="lg" len="lg"/>
+          </a:ln>
+          <a:effectLst/>
+        </p:spPr>
+        <p:txBody>
+          <a:bodyPr wrap="none" anchor="ctr"/>
+          <a:lstStyle/>
+          <a:p>
+            <a:endParaRPr lang="en-GB">
+              <a:effectLst/>
+              <a:latin typeface="Steelfish Rg" panose="020B0608020202040504" pitchFamily="34" charset="0"/>
+            </a:endParaRPr>
+          </a:p>
+        </p:txBody>
+      </p:sp>
+      <p:sp>
+        <p:nvSpPr>
+          <p:cNvPr id="17" name="Rectangle 16"/>
+          <p:cNvSpPr/>
+          <p:nvPr/>
+        </p:nvSpPr>
+        <p:spPr>
+          <a:xfrm>
+            <a:off x="5470239" y="1468952"/>
+            <a:ext cx="968535" cy="523220"/>
+          </a:xfrm>
+          <a:prstGeom prst="rect">
+            <a:avLst/>
+          </a:prstGeom>
+        </p:spPr>
+        <p:txBody>
+          <a:bodyPr wrap="none">
+            <a:spAutoFit/>
+          </a:bodyPr>
+          <a:lstStyle/>
+          <a:p>
+            <a:r>
+              <a:rPr lang="en-US" sz="2800" dirty="0">
+                <a:solidFill>
+                  <a:schemeClr val="bg2"/>
+                </a:solidFill>
+                <a:latin typeface="Steelfish Rg" panose="020B0608020202040504" pitchFamily="34" charset="0"/>
+              </a:rPr>
+              <a:t>Adapters</a:t>
+            </a:r>
+            <a:endParaRPr lang="de-CH" sz="2800" dirty="0"/>
+          </a:p>
+        </p:txBody>
+      </p:sp>
+    </p:spTree>
+    <p:extLst>
+      <p:ext uri="{BB962C8B-B14F-4D97-AF65-F5344CB8AC3E}">
+        <p14:creationId xmlns:p14="http://schemas.microsoft.com/office/powerpoint/2010/main" val="2527709113"/>
+      </p:ext>
+    </p:extLst>
+  </p:cSld>
+  <p:clrMapOvr>
+    <a:masterClrMapping/>
+  </p:clrMapOvr>
+  <p:timing>
+    <p:tnLst>
+      <p:par>
+        <p:cTn id="1" dur="indefinite" restart="never" nodeType="tmRoot"/>
+      </p:par>
+    </p:tnLst>
+  </p:timing>
+</p:sld>
+</file>
+
+<file path=ppt/slides/slide26.xml><?xml version="1.0" encoding="utf-8"?>
+<p:sld xmlns:a="http://schemas.openxmlformats.org/drawingml/2006/main" xmlns:r="http://schemas.openxmlformats.org/officeDocument/2006/relationships" xmlns:p="http://schemas.openxmlformats.org/presentationml/2006/main">
+  <p:cSld>
+    <p:spTree>
+      <p:nvGrpSpPr>
+        <p:cNvPr id="1" name=""/>
+        <p:cNvGrpSpPr/>
+        <p:nvPr/>
+      </p:nvGrpSpPr>
+      <p:grpSpPr>
+        <a:xfrm>
+          <a:off x="0" y="0"/>
+          <a:ext cx="0" cy="0"/>
+          <a:chOff x="0" y="0"/>
+          <a:chExt cx="0" cy="0"/>
+        </a:xfrm>
+      </p:grpSpPr>
+      <p:sp>
+        <p:nvSpPr>
+          <p:cNvPr id="4" name="Title 3"/>
+          <p:cNvSpPr>
+            <a:spLocks noGrp="1"/>
+          </p:cNvSpPr>
+          <p:nvPr>
+            <p:ph type="title"/>
+          </p:nvPr>
+        </p:nvSpPr>
+        <p:spPr/>
+        <p:txBody>
+          <a:bodyPr/>
+          <a:lstStyle/>
+          <a:p>
+            <a:r>
+              <a:rPr lang="en-GB" dirty="0" smtClean="0"/>
+              <a:t>Sagas and batch jobs</a:t>
+            </a:r>
+            <a:endParaRPr lang="sv-SE" dirty="0"/>
+          </a:p>
+        </p:txBody>
+      </p:sp>
+      <p:sp>
+        <p:nvSpPr>
+          <p:cNvPr id="5" name="Text Placeholder 4"/>
+          <p:cNvSpPr>
+            <a:spLocks noGrp="1"/>
+          </p:cNvSpPr>
+          <p:nvPr>
+            <p:ph type="body" idx="1"/>
+          </p:nvPr>
+        </p:nvSpPr>
+        <p:spPr/>
+        <p:txBody>
+          <a:bodyPr/>
+          <a:lstStyle/>
+          <a:p>
+            <a:endParaRPr lang="sv-SE" dirty="0"/>
+          </a:p>
+        </p:txBody>
+      </p:sp>
+    </p:spTree>
+    <p:extLst>
+      <p:ext uri="{BB962C8B-B14F-4D97-AF65-F5344CB8AC3E}">
+        <p14:creationId xmlns:p14="http://schemas.microsoft.com/office/powerpoint/2010/main" val="1814679212"/>
+      </p:ext>
+    </p:extLst>
+  </p:cSld>
+  <p:clrMapOvr>
+    <a:masterClrMapping/>
+  </p:clrMapOvr>
+</p:sld>
+</file>
+
+<file path=ppt/slides/slide27.xml><?xml version="1.0" encoding="utf-8"?>
+<p:sld xmlns:a="http://schemas.openxmlformats.org/drawingml/2006/main" xmlns:r="http://schemas.openxmlformats.org/officeDocument/2006/relationships" xmlns:p="http://schemas.openxmlformats.org/presentationml/2006/main">
+  <p:cSld>
+    <p:spTree>
+      <p:nvGrpSpPr>
+        <p:cNvPr id="1" name=""/>
+        <p:cNvGrpSpPr/>
+        <p:nvPr/>
+      </p:nvGrpSpPr>
+      <p:grpSpPr>
+        <a:xfrm>
+          <a:off x="0" y="0"/>
+          <a:ext cx="0" cy="0"/>
+          <a:chOff x="0" y="0"/>
+          <a:chExt cx="0" cy="0"/>
+        </a:xfrm>
+      </p:grpSpPr>
+      <p:sp>
+        <p:nvSpPr>
+          <p:cNvPr id="4" name="Title 3"/>
+          <p:cNvSpPr>
+            <a:spLocks noGrp="1"/>
+          </p:cNvSpPr>
+          <p:nvPr>
+            <p:ph type="title"/>
+          </p:nvPr>
+        </p:nvSpPr>
+        <p:spPr/>
+        <p:txBody>
+          <a:bodyPr/>
+          <a:lstStyle/>
+          <a:p>
+            <a:r>
+              <a:rPr lang="en-GB" dirty="0" smtClean="0"/>
+              <a:t>Sagas are your domain model</a:t>
+            </a:r>
+            <a:endParaRPr lang="sv-SE" dirty="0"/>
+          </a:p>
+        </p:txBody>
+      </p:sp>
+      <p:sp>
+        <p:nvSpPr>
+          <p:cNvPr id="5" name="Text Placeholder 4"/>
+          <p:cNvSpPr>
+            <a:spLocks noGrp="1"/>
+          </p:cNvSpPr>
+          <p:nvPr>
+            <p:ph type="body" idx="1"/>
+          </p:nvPr>
+        </p:nvSpPr>
+        <p:spPr/>
+        <p:txBody>
+          <a:bodyPr/>
+          <a:lstStyle/>
+          <a:p>
+            <a:endParaRPr lang="sv-SE"/>
+          </a:p>
+        </p:txBody>
+      </p:sp>
+    </p:spTree>
+    <p:extLst>
+      <p:ext uri="{BB962C8B-B14F-4D97-AF65-F5344CB8AC3E}">
+        <p14:creationId xmlns:p14="http://schemas.microsoft.com/office/powerpoint/2010/main" val="1066127796"/>
+      </p:ext>
+    </p:extLst>
+  </p:cSld>
+  <p:clrMapOvr>
+    <a:masterClrMapping/>
+  </p:clrMapOvr>
+</p:sld>
+</file>
+
+<file path=ppt/slides/slide28.xml><?xml version="1.0" encoding="utf-8"?>
+<p:sld xmlns:a="http://schemas.openxmlformats.org/drawingml/2006/main" xmlns:r="http://schemas.openxmlformats.org/officeDocument/2006/relationships" xmlns:p="http://schemas.openxmlformats.org/presentationml/2006/main">
+  <p:cSld>
+    <p:spTree>
+      <p:nvGrpSpPr>
+        <p:cNvPr id="1" name=""/>
+        <p:cNvGrpSpPr/>
+        <p:nvPr/>
+      </p:nvGrpSpPr>
+      <p:grpSpPr>
+        <a:xfrm>
+          <a:off x="0" y="0"/>
+          <a:ext cx="0" cy="0"/>
+          <a:chOff x="0" y="0"/>
+          <a:chExt cx="0" cy="0"/>
+        </a:xfrm>
+      </p:grpSpPr>
+      <p:sp>
+        <p:nvSpPr>
+          <p:cNvPr id="2" name="Title 1"/>
+          <p:cNvSpPr>
+            <a:spLocks noGrp="1"/>
+          </p:cNvSpPr>
+          <p:nvPr>
+            <p:ph type="title"/>
+          </p:nvPr>
+        </p:nvSpPr>
+        <p:spPr/>
+        <p:txBody>
+          <a:bodyPr/>
+          <a:lstStyle/>
+          <a:p>
+            <a:r>
+              <a:rPr lang="en-US" dirty="0" smtClean="0"/>
+              <a:t>Race Conditions – the secret sauce</a:t>
+            </a:r>
+            <a:endParaRPr lang="en-US" dirty="0"/>
           </a:p>
         </p:txBody>
       </p:sp>
@@ -8680,19 +14138,134 @@
             <p:ph idx="1"/>
           </p:nvPr>
         </p:nvSpPr>
-        <p:spPr/>
+        <p:spPr>
+          <a:xfrm>
+            <a:off x="1980049" y="1604329"/>
+            <a:ext cx="8470968" cy="4524955"/>
+          </a:xfrm>
+        </p:spPr>
         <p:txBody>
           <a:bodyPr/>
           <a:lstStyle/>
           <a:p>
-            <a:endParaRPr lang="sv-SE" dirty="0"/>
+            <a:r>
+              <a:rPr lang="en-US" dirty="0" smtClean="0"/>
+              <a:t>Race conditions may indicate a collaborative domain – fertile ground for CQRS</a:t>
+            </a:r>
+          </a:p>
+          <a:p>
+            <a:endParaRPr lang="en-US" dirty="0" smtClean="0"/>
+          </a:p>
+          <a:p>
+            <a:r>
+              <a:rPr lang="en-US" dirty="0" smtClean="0"/>
+              <a:t>May even make you think your service boundaries are wrong</a:t>
+            </a:r>
           </a:p>
         </p:txBody>
       </p:sp>
     </p:spTree>
     <p:extLst>
       <p:ext uri="{BB962C8B-B14F-4D97-AF65-F5344CB8AC3E}">
-        <p14:creationId xmlns:p14="http://schemas.microsoft.com/office/powerpoint/2010/main" val="3057996759"/>
+        <p14:creationId xmlns:p14="http://schemas.microsoft.com/office/powerpoint/2010/main" val="1807594229"/>
+      </p:ext>
+    </p:extLst>
+  </p:cSld>
+  <p:clrMapOvr>
+    <a:masterClrMapping/>
+  </p:clrMapOvr>
+  <p:timing>
+    <p:tnLst>
+      <p:par>
+        <p:cTn id="1" dur="indefinite" restart="never" nodeType="tmRoot"/>
+      </p:par>
+    </p:tnLst>
+  </p:timing>
+</p:sld>
+</file>
+
+<file path=ppt/slides/slide29.xml><?xml version="1.0" encoding="utf-8"?>
+<p:sld xmlns:a="http://schemas.openxmlformats.org/drawingml/2006/main" xmlns:r="http://schemas.openxmlformats.org/officeDocument/2006/relationships" xmlns:p="http://schemas.openxmlformats.org/presentationml/2006/main">
+  <p:cSld>
+    <p:spTree>
+      <p:nvGrpSpPr>
+        <p:cNvPr id="1" name=""/>
+        <p:cNvGrpSpPr/>
+        <p:nvPr/>
+      </p:nvGrpSpPr>
+      <p:grpSpPr>
+        <a:xfrm>
+          <a:off x="0" y="0"/>
+          <a:ext cx="0" cy="0"/>
+          <a:chOff x="0" y="0"/>
+          <a:chExt cx="0" cy="0"/>
+        </a:xfrm>
+      </p:grpSpPr>
+      <p:sp>
+        <p:nvSpPr>
+          <p:cNvPr id="2" name="Title 1"/>
+          <p:cNvSpPr>
+            <a:spLocks noGrp="1"/>
+          </p:cNvSpPr>
+          <p:nvPr>
+            <p:ph type="title"/>
+          </p:nvPr>
+        </p:nvSpPr>
+        <p:spPr/>
+        <p:txBody>
+          <a:bodyPr/>
+          <a:lstStyle/>
+          <a:p>
+            <a:r>
+              <a:rPr lang="en-US" dirty="0" smtClean="0"/>
+              <a:t>Real World Requirements</a:t>
+            </a:r>
+            <a:endParaRPr lang="en-US" dirty="0"/>
+          </a:p>
+        </p:txBody>
+      </p:sp>
+      <p:sp>
+        <p:nvSpPr>
+          <p:cNvPr id="3" name="Content Placeholder 2"/>
+          <p:cNvSpPr>
+            <a:spLocks noGrp="1"/>
+          </p:cNvSpPr>
+          <p:nvPr>
+            <p:ph idx="1"/>
+          </p:nvPr>
+        </p:nvSpPr>
+        <p:spPr/>
+        <p:txBody>
+          <a:bodyPr/>
+          <a:lstStyle/>
+          <a:p>
+            <a:r>
+              <a:rPr lang="en-US" dirty="0" smtClean="0"/>
+              <a:t>Do not allow users to cancel shipped orders</a:t>
+            </a:r>
+          </a:p>
+          <a:p>
+            <a:r>
+              <a:rPr lang="en-US" dirty="0" smtClean="0"/>
+              <a:t>Don’t ship cancelled orders</a:t>
+            </a:r>
+          </a:p>
+          <a:p>
+            <a:endParaRPr lang="en-US" dirty="0" smtClean="0"/>
+          </a:p>
+          <a:p>
+            <a:r>
+              <a:rPr lang="en-US" dirty="0" smtClean="0"/>
+              <a:t>As we shrink the time between actions, a race condition presents itself</a:t>
+            </a:r>
+            <a:endParaRPr lang="en-US" dirty="0"/>
+          </a:p>
+        </p:txBody>
+      </p:sp>
+    </p:spTree>
+    <p:extLst>
+      <p:ext uri="{BB962C8B-B14F-4D97-AF65-F5344CB8AC3E}">
+        <p14:creationId xmlns:p14="http://schemas.microsoft.com/office/powerpoint/2010/main" val="4008778819"/>
       </p:ext>
     </p:extLst>
   </p:cSld>
@@ -8742,7 +14315,7 @@
           <a:lstStyle/>
           <a:p>
             <a:r>
-              <a:rPr lang="en-GB" smtClean="0"/>
+              <a:rPr lang="en-GB" dirty="0" smtClean="0"/>
               <a:t>Prerequisites</a:t>
             </a:r>
             <a:endParaRPr lang="sv-SE" dirty="0"/>
@@ -8772,7 +14345,7 @@
           <a:p>
             <a:r>
               <a:rPr lang="en-GB" dirty="0" smtClean="0"/>
-              <a:t>MSMQ</a:t>
+              <a:t>MSMQ + Queue Explorer</a:t>
             </a:r>
           </a:p>
           <a:p>
@@ -8802,6 +14375,3039 @@
   <p:clrMapOvr>
     <a:masterClrMapping/>
   </p:clrMapOvr>
+</p:sld>
+</file>
+
+<file path=ppt/slides/slide30.xml><?xml version="1.0" encoding="utf-8"?>
+<p:sld xmlns:a="http://schemas.openxmlformats.org/drawingml/2006/main" xmlns:r="http://schemas.openxmlformats.org/officeDocument/2006/relationships" xmlns:p="http://schemas.openxmlformats.org/presentationml/2006/main">
+  <p:cSld>
+    <p:spTree>
+      <p:nvGrpSpPr>
+        <p:cNvPr id="1" name=""/>
+        <p:cNvGrpSpPr/>
+        <p:nvPr/>
+      </p:nvGrpSpPr>
+      <p:grpSpPr>
+        <a:xfrm>
+          <a:off x="0" y="0"/>
+          <a:ext cx="0" cy="0"/>
+          <a:chOff x="0" y="0"/>
+          <a:chExt cx="0" cy="0"/>
+        </a:xfrm>
+      </p:grpSpPr>
+      <p:sp>
+        <p:nvSpPr>
+          <p:cNvPr id="2" name="Title 1"/>
+          <p:cNvSpPr>
+            <a:spLocks noGrp="1"/>
+          </p:cNvSpPr>
+          <p:nvPr>
+            <p:ph type="title"/>
+          </p:nvPr>
+        </p:nvSpPr>
+        <p:spPr/>
+        <p:txBody>
+          <a:bodyPr/>
+          <a:lstStyle/>
+          <a:p>
+            <a:r>
+              <a:rPr lang="en-US" dirty="0" smtClean="0"/>
+              <a:t>Service Boundary Issues</a:t>
+            </a:r>
+            <a:endParaRPr lang="en-US" dirty="0"/>
+          </a:p>
+        </p:txBody>
+      </p:sp>
+      <p:sp>
+        <p:nvSpPr>
+          <p:cNvPr id="3" name="Content Placeholder 2"/>
+          <p:cNvSpPr>
+            <a:spLocks noGrp="1"/>
+          </p:cNvSpPr>
+          <p:nvPr>
+            <p:ph idx="1"/>
+          </p:nvPr>
+        </p:nvSpPr>
+        <p:spPr/>
+        <p:txBody>
+          <a:bodyPr/>
+          <a:lstStyle/>
+          <a:p>
+            <a:r>
+              <a:rPr lang="en-US" dirty="0" smtClean="0"/>
+              <a:t>Cancelling an order is in the Sales service</a:t>
+            </a:r>
+          </a:p>
+          <a:p>
+            <a:r>
+              <a:rPr lang="en-US" dirty="0" smtClean="0"/>
+              <a:t>Shipping an order is in the Shipping service</a:t>
+            </a:r>
+          </a:p>
+          <a:p>
+            <a:endParaRPr lang="en-US" dirty="0" smtClean="0"/>
+          </a:p>
+          <a:p>
+            <a:r>
+              <a:rPr lang="en-US" dirty="0" smtClean="0"/>
+              <a:t>Requirements seem to imply need for consistency/transactions between services</a:t>
+            </a:r>
+            <a:endParaRPr lang="en-US" dirty="0"/>
+          </a:p>
+        </p:txBody>
+      </p:sp>
+    </p:spTree>
+    <p:extLst>
+      <p:ext uri="{BB962C8B-B14F-4D97-AF65-F5344CB8AC3E}">
+        <p14:creationId xmlns:p14="http://schemas.microsoft.com/office/powerpoint/2010/main" val="903092030"/>
+      </p:ext>
+    </p:extLst>
+  </p:cSld>
+  <p:clrMapOvr>
+    <a:masterClrMapping/>
+  </p:clrMapOvr>
+  <p:timing>
+    <p:tnLst>
+      <p:par>
+        <p:cTn id="1" dur="indefinite" restart="never" nodeType="tmRoot"/>
+      </p:par>
+    </p:tnLst>
+  </p:timing>
+</p:sld>
+</file>
+
+<file path=ppt/slides/slide31.xml><?xml version="1.0" encoding="utf-8"?>
+<p:sld xmlns:a="http://schemas.openxmlformats.org/drawingml/2006/main" xmlns:r="http://schemas.openxmlformats.org/officeDocument/2006/relationships" xmlns:p="http://schemas.openxmlformats.org/presentationml/2006/main">
+  <p:cSld>
+    <p:spTree>
+      <p:nvGrpSpPr>
+        <p:cNvPr id="1" name=""/>
+        <p:cNvGrpSpPr/>
+        <p:nvPr/>
+      </p:nvGrpSpPr>
+      <p:grpSpPr>
+        <a:xfrm>
+          <a:off x="0" y="0"/>
+          <a:ext cx="0" cy="0"/>
+          <a:chOff x="0" y="0"/>
+          <a:chExt cx="0" cy="0"/>
+        </a:xfrm>
+      </p:grpSpPr>
+      <p:sp>
+        <p:nvSpPr>
+          <p:cNvPr id="2" name="Title 1"/>
+          <p:cNvSpPr>
+            <a:spLocks noGrp="1"/>
+          </p:cNvSpPr>
+          <p:nvPr>
+            <p:ph type="title"/>
+          </p:nvPr>
+        </p:nvSpPr>
+        <p:spPr/>
+        <p:txBody>
+          <a:bodyPr/>
+          <a:lstStyle/>
+          <a:p>
+            <a:r>
+              <a:rPr lang="en-US" dirty="0" smtClean="0"/>
+              <a:t>Implementation is simple with 3-Tier</a:t>
+            </a:r>
+            <a:endParaRPr lang="en-US" dirty="0"/>
+          </a:p>
+        </p:txBody>
+      </p:sp>
+      <p:sp>
+        <p:nvSpPr>
+          <p:cNvPr id="4" name="Rectangle 3"/>
+          <p:cNvSpPr/>
+          <p:nvPr/>
+        </p:nvSpPr>
+        <p:spPr>
+          <a:xfrm>
+            <a:off x="2575906" y="1250483"/>
+            <a:ext cx="7242886" cy="5006114"/>
+          </a:xfrm>
+          <a:prstGeom prst="rect">
+            <a:avLst/>
+          </a:prstGeom>
+        </p:spPr>
+        <p:txBody>
+          <a:bodyPr wrap="square">
+            <a:spAutoFit/>
+          </a:bodyPr>
+          <a:lstStyle/>
+          <a:p>
+            <a:pPr defTabSz="829544">
+              <a:defRPr/>
+            </a:pPr>
+            <a:r>
+              <a:rPr lang="en-US" sz="2177" spc="-91" dirty="0">
+                <a:solidFill>
+                  <a:srgbClr val="0000FF"/>
+                </a:solidFill>
+                <a:latin typeface="Consolas" pitchFamily="49" charset="0"/>
+                <a:cs typeface="Arial" pitchFamily="34" charset="0"/>
+              </a:rPr>
+              <a:t>public class </a:t>
+            </a:r>
+            <a:r>
+              <a:rPr lang="en-US" sz="2177" kern="0" dirty="0">
+                <a:solidFill>
+                  <a:srgbClr val="000000"/>
+                </a:solidFill>
+                <a:latin typeface="Consolas" pitchFamily="49" charset="0"/>
+                <a:cs typeface="Courier New" pitchFamily="49" charset="0"/>
+              </a:rPr>
+              <a:t>Order</a:t>
+            </a:r>
+            <a:endParaRPr lang="en-US" sz="2177" spc="-91" dirty="0">
+              <a:solidFill>
+                <a:srgbClr val="C00000"/>
+              </a:solidFill>
+              <a:latin typeface="Consolas" pitchFamily="49" charset="0"/>
+              <a:cs typeface="Arial" pitchFamily="34" charset="0"/>
+            </a:endParaRPr>
+          </a:p>
+          <a:p>
+            <a:pPr defTabSz="829544">
+              <a:defRPr/>
+            </a:pPr>
+            <a:r>
+              <a:rPr lang="en-US" sz="2177" kern="0" dirty="0">
+                <a:solidFill>
+                  <a:srgbClr val="000000"/>
+                </a:solidFill>
+                <a:latin typeface="Consolas" pitchFamily="49" charset="0"/>
+                <a:cs typeface="Courier New" pitchFamily="49" charset="0"/>
+              </a:rPr>
+              <a:t>{</a:t>
+            </a:r>
+          </a:p>
+          <a:p>
+            <a:pPr defTabSz="829544">
+              <a:defRPr/>
+            </a:pPr>
+            <a:r>
+              <a:rPr lang="en-US" sz="2177" spc="-91" dirty="0">
+                <a:solidFill>
+                  <a:srgbClr val="0000FF"/>
+                </a:solidFill>
+                <a:latin typeface="Consolas" pitchFamily="49" charset="0"/>
+                <a:cs typeface="Arial" pitchFamily="34" charset="0"/>
+              </a:rPr>
+              <a:t>    public</a:t>
+            </a:r>
+            <a:r>
+              <a:rPr lang="en-US" sz="2903" kern="0" dirty="0">
+                <a:solidFill>
+                  <a:srgbClr val="FFFFFF"/>
+                </a:solidFill>
+                <a:latin typeface="Consolas" pitchFamily="49" charset="0"/>
+                <a:cs typeface="Courier New" pitchFamily="49" charset="0"/>
+              </a:rPr>
+              <a:t> </a:t>
+            </a:r>
+            <a:r>
+              <a:rPr lang="en-US" sz="2177" spc="-91" dirty="0">
+                <a:solidFill>
+                  <a:srgbClr val="0000FF"/>
+                </a:solidFill>
+                <a:latin typeface="Consolas" pitchFamily="49" charset="0"/>
+                <a:cs typeface="Arial" pitchFamily="34" charset="0"/>
+              </a:rPr>
+              <a:t>void</a:t>
+            </a:r>
+            <a:r>
+              <a:rPr lang="en-US" sz="2177" kern="0" dirty="0">
+                <a:solidFill>
+                  <a:srgbClr val="000000"/>
+                </a:solidFill>
+                <a:latin typeface="Consolas" pitchFamily="49" charset="0"/>
+                <a:cs typeface="Courier New" pitchFamily="49" charset="0"/>
+              </a:rPr>
+              <a:t> Cancel()</a:t>
+            </a:r>
+          </a:p>
+          <a:p>
+            <a:pPr defTabSz="829544">
+              <a:defRPr/>
+            </a:pPr>
+            <a:r>
+              <a:rPr lang="en-US" sz="2177" kern="0" dirty="0">
+                <a:solidFill>
+                  <a:srgbClr val="000000"/>
+                </a:solidFill>
+                <a:latin typeface="Consolas" pitchFamily="49" charset="0"/>
+                <a:cs typeface="Courier New" pitchFamily="49" charset="0"/>
+              </a:rPr>
+              <a:t>    {</a:t>
+            </a:r>
+          </a:p>
+          <a:p>
+            <a:pPr defTabSz="829544">
+              <a:defRPr/>
+            </a:pPr>
+            <a:r>
+              <a:rPr lang="en-US" sz="2177" kern="0" dirty="0">
+                <a:solidFill>
+                  <a:srgbClr val="000000"/>
+                </a:solidFill>
+                <a:latin typeface="Consolas" pitchFamily="49" charset="0"/>
+                <a:cs typeface="Courier New" pitchFamily="49" charset="0"/>
+              </a:rPr>
+              <a:t>        </a:t>
+            </a:r>
+            <a:r>
+              <a:rPr lang="en-US" sz="2177" spc="-91" dirty="0">
+                <a:solidFill>
+                  <a:srgbClr val="0000FF"/>
+                </a:solidFill>
+                <a:latin typeface="Consolas" pitchFamily="49" charset="0"/>
+                <a:cs typeface="Arial" pitchFamily="34" charset="0"/>
+              </a:rPr>
+              <a:t>if </a:t>
+            </a:r>
+            <a:r>
+              <a:rPr lang="en-US" sz="2177" kern="0" dirty="0">
+                <a:solidFill>
+                  <a:srgbClr val="000000"/>
+                </a:solidFill>
+                <a:latin typeface="Consolas" pitchFamily="49" charset="0"/>
+                <a:cs typeface="Courier New" pitchFamily="49" charset="0"/>
+              </a:rPr>
+              <a:t>(status != </a:t>
+            </a:r>
+            <a:r>
+              <a:rPr lang="en-US" sz="2177" spc="-91" dirty="0" err="1">
+                <a:solidFill>
+                  <a:srgbClr val="C00000"/>
+                </a:solidFill>
+                <a:latin typeface="Consolas" pitchFamily="49" charset="0"/>
+                <a:cs typeface="Arial" pitchFamily="34" charset="0"/>
+              </a:rPr>
+              <a:t>OrderStatusEnum.Shipped</a:t>
+            </a:r>
+            <a:r>
+              <a:rPr lang="en-US" sz="2177" kern="0" dirty="0">
+                <a:solidFill>
+                  <a:srgbClr val="000000"/>
+                </a:solidFill>
+                <a:latin typeface="Consolas" pitchFamily="49" charset="0"/>
+                <a:cs typeface="Courier New" pitchFamily="49" charset="0"/>
+              </a:rPr>
+              <a:t>)</a:t>
+            </a:r>
+          </a:p>
+          <a:p>
+            <a:pPr defTabSz="829544">
+              <a:defRPr/>
+            </a:pPr>
+            <a:r>
+              <a:rPr lang="en-US" sz="2177" kern="0" dirty="0">
+                <a:solidFill>
+                  <a:srgbClr val="000000"/>
+                </a:solidFill>
+                <a:latin typeface="Consolas" pitchFamily="49" charset="0"/>
+                <a:cs typeface="Courier New" pitchFamily="49" charset="0"/>
+              </a:rPr>
+              <a:t>	</a:t>
+            </a:r>
+            <a:r>
+              <a:rPr lang="en-US" sz="2177" kern="0" dirty="0">
+                <a:solidFill>
+                  <a:srgbClr val="008000"/>
+                </a:solidFill>
+                <a:latin typeface="Consolas" pitchFamily="49" charset="0"/>
+                <a:cs typeface="Courier New" pitchFamily="49" charset="0"/>
+              </a:rPr>
+              <a:t>       //cancel</a:t>
+            </a:r>
+          </a:p>
+          <a:p>
+            <a:pPr defTabSz="829544">
+              <a:defRPr/>
+            </a:pPr>
+            <a:r>
+              <a:rPr lang="en-US" sz="2177" kern="0" dirty="0">
+                <a:solidFill>
+                  <a:srgbClr val="000000"/>
+                </a:solidFill>
+                <a:latin typeface="Consolas" pitchFamily="49" charset="0"/>
+                <a:cs typeface="Courier New" pitchFamily="49" charset="0"/>
+              </a:rPr>
+              <a:t>    }</a:t>
+            </a:r>
+          </a:p>
+          <a:p>
+            <a:pPr defTabSz="829544">
+              <a:defRPr/>
+            </a:pPr>
+            <a:endParaRPr lang="en-US" sz="2177" kern="0" dirty="0">
+              <a:solidFill>
+                <a:srgbClr val="008000"/>
+              </a:solidFill>
+              <a:latin typeface="Consolas" pitchFamily="49" charset="0"/>
+              <a:cs typeface="Courier New" pitchFamily="49" charset="0"/>
+            </a:endParaRPr>
+          </a:p>
+          <a:p>
+            <a:pPr defTabSz="829544">
+              <a:defRPr/>
+            </a:pPr>
+            <a:r>
+              <a:rPr lang="en-US" sz="2177" spc="-91" dirty="0">
+                <a:solidFill>
+                  <a:srgbClr val="0000FF"/>
+                </a:solidFill>
+                <a:latin typeface="Consolas" pitchFamily="49" charset="0"/>
+                <a:cs typeface="Arial" pitchFamily="34" charset="0"/>
+              </a:rPr>
+              <a:t>    public</a:t>
+            </a:r>
+            <a:r>
+              <a:rPr lang="en-US" sz="2903" kern="0" dirty="0">
+                <a:solidFill>
+                  <a:srgbClr val="FFFFFF"/>
+                </a:solidFill>
+                <a:latin typeface="Consolas" pitchFamily="49" charset="0"/>
+                <a:cs typeface="Courier New" pitchFamily="49" charset="0"/>
+              </a:rPr>
+              <a:t> </a:t>
+            </a:r>
+            <a:r>
+              <a:rPr lang="en-US" sz="2177" spc="-91" dirty="0">
+                <a:solidFill>
+                  <a:srgbClr val="0000FF"/>
+                </a:solidFill>
+                <a:latin typeface="Consolas" pitchFamily="49" charset="0"/>
+                <a:cs typeface="Arial" pitchFamily="34" charset="0"/>
+              </a:rPr>
+              <a:t>void</a:t>
+            </a:r>
+            <a:r>
+              <a:rPr lang="en-US" sz="2177" kern="0" dirty="0">
+                <a:solidFill>
+                  <a:srgbClr val="000000"/>
+                </a:solidFill>
+                <a:latin typeface="Consolas" pitchFamily="49" charset="0"/>
+                <a:cs typeface="Courier New" pitchFamily="49" charset="0"/>
+              </a:rPr>
+              <a:t> Ship()</a:t>
+            </a:r>
+          </a:p>
+          <a:p>
+            <a:pPr defTabSz="829544">
+              <a:defRPr/>
+            </a:pPr>
+            <a:r>
+              <a:rPr lang="en-US" sz="2177" kern="0" dirty="0">
+                <a:solidFill>
+                  <a:srgbClr val="000000"/>
+                </a:solidFill>
+                <a:latin typeface="Consolas" pitchFamily="49" charset="0"/>
+                <a:cs typeface="Courier New" pitchFamily="49" charset="0"/>
+              </a:rPr>
+              <a:t>    {</a:t>
+            </a:r>
+          </a:p>
+          <a:p>
+            <a:pPr defTabSz="829544">
+              <a:defRPr/>
+            </a:pPr>
+            <a:r>
+              <a:rPr lang="en-US" sz="2177" kern="0" dirty="0">
+                <a:solidFill>
+                  <a:srgbClr val="000000"/>
+                </a:solidFill>
+                <a:latin typeface="Consolas" pitchFamily="49" charset="0"/>
+                <a:cs typeface="Courier New" pitchFamily="49" charset="0"/>
+              </a:rPr>
+              <a:t>        </a:t>
+            </a:r>
+            <a:r>
+              <a:rPr lang="en-US" sz="2177" spc="-91" dirty="0">
+                <a:solidFill>
+                  <a:srgbClr val="0000FF"/>
+                </a:solidFill>
+                <a:latin typeface="Consolas" pitchFamily="49" charset="0"/>
+                <a:cs typeface="Arial" pitchFamily="34" charset="0"/>
+              </a:rPr>
+              <a:t>if </a:t>
+            </a:r>
+            <a:r>
+              <a:rPr lang="en-US" sz="2177" kern="0" dirty="0">
+                <a:solidFill>
+                  <a:srgbClr val="000000"/>
+                </a:solidFill>
+                <a:latin typeface="Consolas" pitchFamily="49" charset="0"/>
+                <a:cs typeface="Courier New" pitchFamily="49" charset="0"/>
+              </a:rPr>
+              <a:t>(status != </a:t>
+            </a:r>
+            <a:r>
+              <a:rPr lang="en-US" sz="2177" spc="-91" dirty="0" err="1">
+                <a:solidFill>
+                  <a:srgbClr val="C00000"/>
+                </a:solidFill>
+                <a:latin typeface="Consolas" pitchFamily="49" charset="0"/>
+                <a:cs typeface="Arial" pitchFamily="34" charset="0"/>
+              </a:rPr>
+              <a:t>OrderStatusEnum.Cancelled</a:t>
+            </a:r>
+            <a:r>
+              <a:rPr lang="en-US" sz="2177" kern="0" dirty="0">
+                <a:solidFill>
+                  <a:srgbClr val="000000"/>
+                </a:solidFill>
+                <a:latin typeface="Consolas" pitchFamily="49" charset="0"/>
+                <a:cs typeface="Courier New" pitchFamily="49" charset="0"/>
+              </a:rPr>
+              <a:t>)</a:t>
+            </a:r>
+          </a:p>
+          <a:p>
+            <a:pPr defTabSz="829544">
+              <a:defRPr/>
+            </a:pPr>
+            <a:r>
+              <a:rPr lang="en-US" sz="2177" kern="0" dirty="0">
+                <a:solidFill>
+                  <a:srgbClr val="000000"/>
+                </a:solidFill>
+                <a:latin typeface="Consolas" pitchFamily="49" charset="0"/>
+                <a:cs typeface="Courier New" pitchFamily="49" charset="0"/>
+              </a:rPr>
+              <a:t>	</a:t>
+            </a:r>
+            <a:r>
+              <a:rPr lang="en-US" sz="2177" kern="0" dirty="0">
+                <a:solidFill>
+                  <a:srgbClr val="008000"/>
+                </a:solidFill>
+                <a:latin typeface="Consolas" pitchFamily="49" charset="0"/>
+                <a:cs typeface="Courier New" pitchFamily="49" charset="0"/>
+              </a:rPr>
+              <a:t>       //ship</a:t>
+            </a:r>
+          </a:p>
+          <a:p>
+            <a:pPr defTabSz="829544">
+              <a:defRPr/>
+            </a:pPr>
+            <a:r>
+              <a:rPr lang="en-US" sz="2177" kern="0" dirty="0">
+                <a:solidFill>
+                  <a:srgbClr val="000000"/>
+                </a:solidFill>
+                <a:latin typeface="Consolas" pitchFamily="49" charset="0"/>
+                <a:cs typeface="Courier New" pitchFamily="49" charset="0"/>
+              </a:rPr>
+              <a:t>    }</a:t>
+            </a:r>
+          </a:p>
+          <a:p>
+            <a:pPr defTabSz="829544">
+              <a:defRPr/>
+            </a:pPr>
+            <a:r>
+              <a:rPr lang="en-US" sz="2177" kern="0" dirty="0">
+                <a:solidFill>
+                  <a:srgbClr val="000000"/>
+                </a:solidFill>
+                <a:latin typeface="Consolas" pitchFamily="49" charset="0"/>
+                <a:cs typeface="Courier New" pitchFamily="49" charset="0"/>
+              </a:rPr>
+              <a:t>}</a:t>
+            </a:r>
+            <a:endParaRPr lang="en-US" sz="2177" kern="0" dirty="0">
+              <a:solidFill>
+                <a:srgbClr val="008000"/>
+              </a:solidFill>
+              <a:latin typeface="Consolas" pitchFamily="49" charset="0"/>
+              <a:cs typeface="Courier New" pitchFamily="49" charset="0"/>
+            </a:endParaRPr>
+          </a:p>
+        </p:txBody>
+      </p:sp>
+    </p:spTree>
+    <p:extLst>
+      <p:ext uri="{BB962C8B-B14F-4D97-AF65-F5344CB8AC3E}">
+        <p14:creationId xmlns:p14="http://schemas.microsoft.com/office/powerpoint/2010/main" val="4013277598"/>
+      </p:ext>
+    </p:extLst>
+  </p:cSld>
+  <p:clrMapOvr>
+    <a:masterClrMapping/>
+  </p:clrMapOvr>
+  <p:timing>
+    <p:tnLst>
+      <p:par>
+        <p:cTn id="1" dur="indefinite" restart="never" nodeType="tmRoot"/>
+      </p:par>
+    </p:tnLst>
+  </p:timing>
+</p:sld>
+</file>
+
+<file path=ppt/slides/slide32.xml><?xml version="1.0" encoding="utf-8"?>
+<p:sld xmlns:a="http://schemas.openxmlformats.org/drawingml/2006/main" xmlns:r="http://schemas.openxmlformats.org/officeDocument/2006/relationships" xmlns:p="http://schemas.openxmlformats.org/presentationml/2006/main">
+  <p:cSld>
+    <p:spTree>
+      <p:nvGrpSpPr>
+        <p:cNvPr id="1" name=""/>
+        <p:cNvGrpSpPr/>
+        <p:nvPr/>
+      </p:nvGrpSpPr>
+      <p:grpSpPr>
+        <a:xfrm>
+          <a:off x="0" y="0"/>
+          <a:ext cx="0" cy="0"/>
+          <a:chOff x="0" y="0"/>
+          <a:chExt cx="0" cy="0"/>
+        </a:xfrm>
+      </p:grpSpPr>
+      <p:sp>
+        <p:nvSpPr>
+          <p:cNvPr id="2" name="Title 1"/>
+          <p:cNvSpPr>
+            <a:spLocks noGrp="1"/>
+          </p:cNvSpPr>
+          <p:nvPr>
+            <p:ph type="title"/>
+          </p:nvPr>
+        </p:nvSpPr>
+        <p:spPr/>
+        <p:txBody>
+          <a:bodyPr/>
+          <a:lstStyle/>
+          <a:p>
+            <a:r>
+              <a:rPr lang="en-US" dirty="0" smtClean="0"/>
+              <a:t>Remember</a:t>
+            </a:r>
+            <a:endParaRPr lang="en-US" dirty="0"/>
+          </a:p>
+        </p:txBody>
+      </p:sp>
+      <p:sp>
+        <p:nvSpPr>
+          <p:cNvPr id="3" name="Content Placeholder 2"/>
+          <p:cNvSpPr>
+            <a:spLocks noGrp="1"/>
+          </p:cNvSpPr>
+          <p:nvPr>
+            <p:ph idx="1"/>
+          </p:nvPr>
+        </p:nvSpPr>
+        <p:spPr>
+          <a:xfrm>
+            <a:off x="1631483" y="1584327"/>
+            <a:ext cx="8916336" cy="3342453"/>
+          </a:xfrm>
+        </p:spPr>
+        <p:txBody>
+          <a:bodyPr/>
+          <a:lstStyle/>
+          <a:p>
+            <a:r>
+              <a:rPr lang="en-US" dirty="0" smtClean="0"/>
+              <a:t>In CQRS, commands don’t fail</a:t>
+            </a:r>
+          </a:p>
+          <a:p>
+            <a:endParaRPr lang="en-US" dirty="0" smtClean="0"/>
+          </a:p>
+          <a:p>
+            <a:r>
+              <a:rPr lang="en-US" dirty="0" smtClean="0"/>
+              <a:t>Race conditions don’t exist in business</a:t>
+            </a:r>
+          </a:p>
+          <a:p>
+            <a:endParaRPr lang="en-US" dirty="0" smtClean="0"/>
+          </a:p>
+          <a:p>
+            <a:r>
+              <a:rPr lang="en-US" dirty="0" smtClean="0"/>
+              <a:t>A microsecond either way shouldn’t change business objectives</a:t>
+            </a:r>
+            <a:endParaRPr lang="en-US" dirty="0"/>
+          </a:p>
+        </p:txBody>
+      </p:sp>
+    </p:spTree>
+    <p:extLst>
+      <p:ext uri="{BB962C8B-B14F-4D97-AF65-F5344CB8AC3E}">
+        <p14:creationId xmlns:p14="http://schemas.microsoft.com/office/powerpoint/2010/main" val="556446781"/>
+      </p:ext>
+    </p:extLst>
+  </p:cSld>
+  <p:clrMapOvr>
+    <a:masterClrMapping/>
+  </p:clrMapOvr>
+  <p:transition/>
+  <p:timing>
+    <p:tnLst>
+      <p:par>
+        <p:cTn id="1" dur="indefinite" restart="never" nodeType="tmRoot">
+          <p:childTnLst>
+            <p:seq concurrent="1" nextAc="seek">
+              <p:cTn id="2" dur="indefinite" nodeType="mainSeq">
+                <p:childTnLst>
+                  <p:par>
+                    <p:cTn id="3" fill="hold">
+                      <p:stCondLst>
+                        <p:cond delay="indefinite"/>
+                      </p:stCondLst>
+                      <p:childTnLst>
+                        <p:par>
+                          <p:cTn id="4" fill="hold">
+                            <p:stCondLst>
+                              <p:cond delay="0"/>
+                            </p:stCondLst>
+                            <p:childTnLst>
+                              <p:par>
+                                <p:cTn id="5" presetID="1" presetClass="entr" presetSubtype="0" fill="hold" nodeType="clickEffect">
+                                  <p:stCondLst>
+                                    <p:cond delay="0"/>
+                                  </p:stCondLst>
+                                  <p:childTnLst>
+                                    <p:set>
+                                      <p:cBhvr>
+                                        <p:cTn id="6" dur="1" fill="hold">
+                                          <p:stCondLst>
+                                            <p:cond delay="0"/>
+                                          </p:stCondLst>
+                                        </p:cTn>
+                                        <p:tgtEl>
+                                          <p:spTgt spid="3">
+                                            <p:txEl>
+                                              <p:pRg st="2" end="2"/>
+                                            </p:txEl>
+                                          </p:spTgt>
+                                        </p:tgtEl>
+                                        <p:attrNameLst>
+                                          <p:attrName>style.visibility</p:attrName>
+                                        </p:attrNameLst>
+                                      </p:cBhvr>
+                                      <p:to>
+                                        <p:strVal val="visible"/>
+                                      </p:to>
+                                    </p:set>
+                                  </p:childTnLst>
+                                </p:cTn>
+                              </p:par>
+                            </p:childTnLst>
+                          </p:cTn>
+                        </p:par>
+                      </p:childTnLst>
+                    </p:cTn>
+                  </p:par>
+                  <p:par>
+                    <p:cTn id="7" fill="hold">
+                      <p:stCondLst>
+                        <p:cond delay="indefinite"/>
+                      </p:stCondLst>
+                      <p:childTnLst>
+                        <p:par>
+                          <p:cTn id="8" fill="hold">
+                            <p:stCondLst>
+                              <p:cond delay="0"/>
+                            </p:stCondLst>
+                            <p:childTnLst>
+                              <p:par>
+                                <p:cTn id="9" presetID="1" presetClass="entr" presetSubtype="0" fill="hold" nodeType="clickEffect">
+                                  <p:stCondLst>
+                                    <p:cond delay="0"/>
+                                  </p:stCondLst>
+                                  <p:childTnLst>
+                                    <p:set>
+                                      <p:cBhvr>
+                                        <p:cTn id="10" dur="1" fill="hold">
+                                          <p:stCondLst>
+                                            <p:cond delay="0"/>
+                                          </p:stCondLst>
+                                        </p:cTn>
+                                        <p:tgtEl>
+                                          <p:spTgt spid="3">
+                                            <p:txEl>
+                                              <p:pRg st="4" end="4"/>
+                                            </p:txEl>
+                                          </p:spTgt>
+                                        </p:tgtEl>
+                                        <p:attrNameLst>
+                                          <p:attrName>style.visibility</p:attrName>
+                                        </p:attrNameLst>
+                                      </p:cBhvr>
+                                      <p:to>
+                                        <p:strVal val="visible"/>
+                                      </p:to>
+                                    </p:set>
+                                  </p:childTnLst>
+                                </p:cTn>
+                              </p:par>
+                            </p:childTnLst>
+                          </p:cTn>
+                        </p:par>
+                      </p:childTnLst>
+                    </p:cTn>
+                  </p:par>
+                </p:childTnLst>
+              </p:cTn>
+              <p:prevCondLst>
+                <p:cond evt="onPrev" delay="0">
+                  <p:tgtEl>
+                    <p:sldTgt/>
+                  </p:tgtEl>
+                </p:cond>
+              </p:prevCondLst>
+              <p:nextCondLst>
+                <p:cond evt="onNext" delay="0">
+                  <p:tgtEl>
+                    <p:sldTgt/>
+                  </p:tgtEl>
+                </p:cond>
+              </p:nextCondLst>
+            </p:seq>
+          </p:childTnLst>
+        </p:cTn>
+      </p:par>
+    </p:tnLst>
+  </p:timing>
+</p:sld>
+</file>
+
+<file path=ppt/slides/slide33.xml><?xml version="1.0" encoding="utf-8"?>
+<p:sld xmlns:a="http://schemas.openxmlformats.org/drawingml/2006/main" xmlns:r="http://schemas.openxmlformats.org/officeDocument/2006/relationships" xmlns:p="http://schemas.openxmlformats.org/presentationml/2006/main">
+  <p:cSld>
+    <p:spTree>
+      <p:nvGrpSpPr>
+        <p:cNvPr id="1" name=""/>
+        <p:cNvGrpSpPr/>
+        <p:nvPr/>
+      </p:nvGrpSpPr>
+      <p:grpSpPr>
+        <a:xfrm>
+          <a:off x="0" y="0"/>
+          <a:ext cx="0" cy="0"/>
+          <a:chOff x="0" y="0"/>
+          <a:chExt cx="0" cy="0"/>
+        </a:xfrm>
+      </p:grpSpPr>
+      <p:sp>
+        <p:nvSpPr>
+          <p:cNvPr id="3" name="Text Box 23"/>
+          <p:cNvSpPr txBox="1">
+            <a:spLocks noChangeArrowheads="1"/>
+          </p:cNvSpPr>
+          <p:nvPr/>
+        </p:nvSpPr>
+        <p:spPr bwMode="auto">
+          <a:xfrm>
+            <a:off x="1874632" y="1166045"/>
+            <a:ext cx="8243185" cy="4203585"/>
+          </a:xfrm>
+          <a:prstGeom prst="rect">
+            <a:avLst/>
+          </a:prstGeom>
+          <a:noFill/>
+          <a:ln w="9525">
+            <a:noFill/>
+            <a:miter lim="800000"/>
+            <a:headEnd/>
+            <a:tailEnd/>
+          </a:ln>
+          <a:effectLst/>
+        </p:spPr>
+        <p:txBody>
+          <a:bodyPr wrap="square" lIns="91438" tIns="45719" rIns="91438" bIns="45719">
+            <a:spAutoFit/>
+          </a:bodyPr>
+          <a:lstStyle/>
+          <a:p>
+            <a:pPr>
+              <a:spcBef>
+                <a:spcPct val="50000"/>
+              </a:spcBef>
+            </a:pPr>
+            <a:r>
+              <a:rPr lang="en-US" sz="2812" dirty="0"/>
+              <a:t>Rules:</a:t>
+            </a:r>
+          </a:p>
+          <a:p>
+            <a:pPr marL="514353" indent="-514353">
+              <a:spcBef>
+                <a:spcPct val="50000"/>
+              </a:spcBef>
+              <a:buAutoNum type="arabicPeriod"/>
+            </a:pPr>
+            <a:r>
+              <a:rPr lang="en-US" sz="2812" dirty="0"/>
+              <a:t>Cannot cancel shipped orders</a:t>
+            </a:r>
+          </a:p>
+          <a:p>
+            <a:pPr marL="971539" lvl="1" indent="-514353">
+              <a:spcBef>
+                <a:spcPct val="50000"/>
+              </a:spcBef>
+            </a:pPr>
+            <a:r>
+              <a:rPr lang="en-US" sz="2812" dirty="0"/>
+              <a:t>	Because shipping costs money</a:t>
+            </a:r>
+          </a:p>
+          <a:p>
+            <a:pPr marL="971539" lvl="1" indent="-514353">
+              <a:spcBef>
+                <a:spcPct val="50000"/>
+              </a:spcBef>
+            </a:pPr>
+            <a:r>
+              <a:rPr lang="en-US" sz="2812" dirty="0"/>
+              <a:t>	That money would be lost			 		          if the customer cancelled</a:t>
+            </a:r>
+          </a:p>
+          <a:p>
+            <a:pPr marL="971539" lvl="1" indent="-514353">
+              <a:spcBef>
+                <a:spcPct val="50000"/>
+              </a:spcBef>
+            </a:pPr>
+            <a:r>
+              <a:rPr lang="en-US" sz="2812" dirty="0"/>
+              <a:t>	Because we refund the customers money</a:t>
+            </a:r>
+          </a:p>
+          <a:p>
+            <a:pPr marL="514353" indent="-514353">
+              <a:spcBef>
+                <a:spcPct val="50000"/>
+              </a:spcBef>
+              <a:buAutoNum type="arabicPeriod"/>
+            </a:pPr>
+            <a:r>
+              <a:rPr lang="en-US" sz="2812" dirty="0"/>
+              <a:t>Don’t ship cancelled orders</a:t>
+            </a:r>
+            <a:endParaRPr lang="en-US" sz="2812" dirty="0"/>
+          </a:p>
+        </p:txBody>
+      </p:sp>
+      <p:sp>
+        <p:nvSpPr>
+          <p:cNvPr id="2" name="Title 1"/>
+          <p:cNvSpPr>
+            <a:spLocks noGrp="1"/>
+          </p:cNvSpPr>
+          <p:nvPr>
+            <p:ph type="title"/>
+          </p:nvPr>
+        </p:nvSpPr>
+        <p:spPr/>
+        <p:txBody>
+          <a:bodyPr/>
+          <a:lstStyle/>
+          <a:p>
+            <a:r>
+              <a:rPr lang="en-US" dirty="0" smtClean="0"/>
+              <a:t>Find underlying business objectives</a:t>
+            </a:r>
+            <a:endParaRPr lang="en-US" dirty="0"/>
+          </a:p>
+        </p:txBody>
+      </p:sp>
+      <p:sp>
+        <p:nvSpPr>
+          <p:cNvPr id="4" name="Oval 3"/>
+          <p:cNvSpPr/>
+          <p:nvPr/>
+        </p:nvSpPr>
+        <p:spPr bwMode="auto">
+          <a:xfrm>
+            <a:off x="8912966" y="1772169"/>
+            <a:ext cx="1638330" cy="548640"/>
+          </a:xfrm>
+          <a:prstGeom prst="ellipse">
+            <a:avLst/>
+          </a:prstGeom>
+          <a:solidFill>
+            <a:srgbClr val="FFFF00"/>
+          </a:solidFill>
+          <a:ln w="28575">
+            <a:solidFill>
+              <a:schemeClr val="bg2"/>
+            </a:solidFill>
+            <a:headEnd type="none" w="med" len="med"/>
+            <a:tailEnd type="none" w="med" len="med"/>
+          </a:ln>
+          <a:effectLst/>
+        </p:spPr>
+        <p:style>
+          <a:lnRef idx="3">
+            <a:schemeClr val="lt1"/>
+          </a:lnRef>
+          <a:fillRef idx="1">
+            <a:schemeClr val="accent1"/>
+          </a:fillRef>
+          <a:effectRef idx="1">
+            <a:schemeClr val="accent1"/>
+          </a:effectRef>
+          <a:fontRef idx="minor">
+            <a:schemeClr val="lt1"/>
+          </a:fontRef>
+        </p:style>
+        <p:txBody>
+          <a:bodyPr vert="horz" wrap="square" lIns="91435" tIns="45717" rIns="91435" bIns="45717" numCol="1" rtlCol="0" anchor="ctr" anchorCtr="0" compatLnSpc="1">
+            <a:prstTxWarp prst="textNoShape">
+              <a:avLst/>
+            </a:prstTxWarp>
+          </a:bodyPr>
+          <a:lstStyle/>
+          <a:p>
+            <a:pPr algn="ctr" defTabSz="914105"/>
+            <a:r>
+              <a:rPr lang="en-US" sz="2812" dirty="0">
+                <a:solidFill>
+                  <a:schemeClr val="tx1"/>
+                </a:solidFill>
+              </a:rPr>
+              <a:t>Why?</a:t>
+            </a:r>
+            <a:endParaRPr lang="en-US" sz="1633" dirty="0">
+              <a:solidFill>
+                <a:schemeClr val="tx1"/>
+              </a:solidFill>
+            </a:endParaRPr>
+          </a:p>
+        </p:txBody>
+      </p:sp>
+      <p:sp>
+        <p:nvSpPr>
+          <p:cNvPr id="5" name="Oval 4"/>
+          <p:cNvSpPr/>
+          <p:nvPr/>
+        </p:nvSpPr>
+        <p:spPr bwMode="auto">
+          <a:xfrm>
+            <a:off x="8863483" y="2536678"/>
+            <a:ext cx="1638330" cy="548640"/>
+          </a:xfrm>
+          <a:prstGeom prst="ellipse">
+            <a:avLst/>
+          </a:prstGeom>
+          <a:solidFill>
+            <a:srgbClr val="FFFF00"/>
+          </a:solidFill>
+          <a:ln w="28575">
+            <a:solidFill>
+              <a:schemeClr val="bg2"/>
+            </a:solidFill>
+            <a:headEnd type="none" w="med" len="med"/>
+            <a:tailEnd type="none" w="med" len="med"/>
+          </a:ln>
+          <a:effectLst/>
+        </p:spPr>
+        <p:style>
+          <a:lnRef idx="3">
+            <a:schemeClr val="lt1"/>
+          </a:lnRef>
+          <a:fillRef idx="1">
+            <a:schemeClr val="accent1"/>
+          </a:fillRef>
+          <a:effectRef idx="1">
+            <a:schemeClr val="accent1"/>
+          </a:effectRef>
+          <a:fontRef idx="minor">
+            <a:schemeClr val="lt1"/>
+          </a:fontRef>
+        </p:style>
+        <p:txBody>
+          <a:bodyPr vert="horz" wrap="square" lIns="91435" tIns="45717" rIns="91435" bIns="45717" numCol="1" rtlCol="0" anchor="ctr" anchorCtr="0" compatLnSpc="1">
+            <a:prstTxWarp prst="textNoShape">
+              <a:avLst/>
+            </a:prstTxWarp>
+          </a:bodyPr>
+          <a:lstStyle/>
+          <a:p>
+            <a:pPr algn="ctr" defTabSz="914105"/>
+            <a:r>
+              <a:rPr lang="en-US" sz="2812" dirty="0">
+                <a:solidFill>
+                  <a:schemeClr val="tx1"/>
+                </a:solidFill>
+              </a:rPr>
+              <a:t>So?</a:t>
+            </a:r>
+            <a:endParaRPr lang="en-US" sz="1633" dirty="0">
+              <a:solidFill>
+                <a:schemeClr val="tx1"/>
+              </a:solidFill>
+            </a:endParaRPr>
+          </a:p>
+        </p:txBody>
+      </p:sp>
+      <p:sp>
+        <p:nvSpPr>
+          <p:cNvPr id="6" name="Oval 5"/>
+          <p:cNvSpPr/>
+          <p:nvPr/>
+        </p:nvSpPr>
+        <p:spPr bwMode="auto">
+          <a:xfrm>
+            <a:off x="8847408" y="3361027"/>
+            <a:ext cx="1638330" cy="548640"/>
+          </a:xfrm>
+          <a:prstGeom prst="ellipse">
+            <a:avLst/>
+          </a:prstGeom>
+          <a:solidFill>
+            <a:srgbClr val="FFFF00"/>
+          </a:solidFill>
+          <a:ln w="28575">
+            <a:solidFill>
+              <a:schemeClr val="bg2"/>
+            </a:solidFill>
+            <a:headEnd type="none" w="med" len="med"/>
+            <a:tailEnd type="none" w="med" len="med"/>
+          </a:ln>
+          <a:effectLst/>
+        </p:spPr>
+        <p:style>
+          <a:lnRef idx="3">
+            <a:schemeClr val="lt1"/>
+          </a:lnRef>
+          <a:fillRef idx="1">
+            <a:schemeClr val="accent1"/>
+          </a:fillRef>
+          <a:effectRef idx="1">
+            <a:schemeClr val="accent1"/>
+          </a:effectRef>
+          <a:fontRef idx="minor">
+            <a:schemeClr val="lt1"/>
+          </a:fontRef>
+        </p:style>
+        <p:txBody>
+          <a:bodyPr vert="horz" wrap="square" lIns="91435" tIns="45717" rIns="91435" bIns="45717" numCol="1" rtlCol="0" anchor="ctr" anchorCtr="0" compatLnSpc="1">
+            <a:prstTxWarp prst="textNoShape">
+              <a:avLst/>
+            </a:prstTxWarp>
+          </a:bodyPr>
+          <a:lstStyle/>
+          <a:p>
+            <a:pPr algn="ctr" defTabSz="914105"/>
+            <a:r>
+              <a:rPr lang="en-US" sz="2812" dirty="0">
+                <a:solidFill>
+                  <a:schemeClr val="tx1"/>
+                </a:solidFill>
+              </a:rPr>
+              <a:t>Why?</a:t>
+            </a:r>
+            <a:endParaRPr lang="en-US" sz="1633" dirty="0">
+              <a:solidFill>
+                <a:schemeClr val="tx1"/>
+              </a:solidFill>
+            </a:endParaRPr>
+          </a:p>
+        </p:txBody>
+      </p:sp>
+      <p:sp>
+        <p:nvSpPr>
+          <p:cNvPr id="7" name="Rounded Rectangle 6"/>
+          <p:cNvSpPr/>
+          <p:nvPr/>
+        </p:nvSpPr>
+        <p:spPr bwMode="auto">
+          <a:xfrm>
+            <a:off x="4482781" y="5377219"/>
+            <a:ext cx="3224438" cy="914400"/>
+          </a:xfrm>
+          <a:prstGeom prst="roundRect">
+            <a:avLst/>
+          </a:prstGeom>
+          <a:ln>
+            <a:headEnd type="none" w="med" len="med"/>
+            <a:tailEnd type="none" w="med" len="med"/>
+          </a:ln>
+        </p:spPr>
+        <p:style>
+          <a:lnRef idx="1">
+            <a:schemeClr val="accent2"/>
+          </a:lnRef>
+          <a:fillRef idx="2">
+            <a:schemeClr val="accent2"/>
+          </a:fillRef>
+          <a:effectRef idx="1">
+            <a:schemeClr val="accent2"/>
+          </a:effectRef>
+          <a:fontRef idx="minor">
+            <a:schemeClr val="dk1"/>
+          </a:fontRef>
+        </p:style>
+        <p:txBody>
+          <a:bodyPr vert="horz" wrap="square" lIns="91435" tIns="45717" rIns="91435" bIns="45717" numCol="1" rtlCol="0" anchor="ctr" anchorCtr="0" compatLnSpc="1">
+            <a:prstTxWarp prst="textNoShape">
+              <a:avLst/>
+            </a:prstTxWarp>
+          </a:bodyPr>
+          <a:lstStyle/>
+          <a:p>
+            <a:pPr algn="ctr" defTabSz="914105"/>
+            <a:r>
+              <a:rPr lang="en-US" sz="2812" dirty="0">
+                <a:solidFill>
+                  <a:schemeClr val="tx1"/>
+                </a:solidFill>
+              </a:rPr>
+              <a:t>Refund Policies</a:t>
+            </a:r>
+            <a:endParaRPr lang="en-US" sz="1633" dirty="0">
+              <a:solidFill>
+                <a:schemeClr val="tx1"/>
+              </a:solidFill>
+            </a:endParaRPr>
+          </a:p>
+        </p:txBody>
+      </p:sp>
+    </p:spTree>
+    <p:extLst>
+      <p:ext uri="{BB962C8B-B14F-4D97-AF65-F5344CB8AC3E}">
+        <p14:creationId xmlns:p14="http://schemas.microsoft.com/office/powerpoint/2010/main" val="1599299233"/>
+      </p:ext>
+    </p:extLst>
+  </p:cSld>
+  <p:clrMapOvr>
+    <a:masterClrMapping/>
+  </p:clrMapOvr>
+  <p:transition/>
+  <p:timing>
+    <p:tnLst>
+      <p:par>
+        <p:cTn id="1" dur="indefinite" restart="never" nodeType="tmRoot">
+          <p:childTnLst>
+            <p:seq concurrent="1" nextAc="seek">
+              <p:cTn id="2" dur="indefinite" nodeType="mainSeq">
+                <p:childTnLst>
+                  <p:par>
+                    <p:cTn id="3" fill="hold">
+                      <p:stCondLst>
+                        <p:cond delay="indefinite"/>
+                      </p:stCondLst>
+                      <p:childTnLst>
+                        <p:par>
+                          <p:cTn id="4" fill="hold">
+                            <p:stCondLst>
+                              <p:cond delay="0"/>
+                            </p:stCondLst>
+                            <p:childTnLst>
+                              <p:par>
+                                <p:cTn id="5" presetID="1" presetClass="entr" presetSubtype="0" fill="hold" grpId="0" nodeType="clickEffect">
+                                  <p:stCondLst>
+                                    <p:cond delay="0"/>
+                                  </p:stCondLst>
+                                  <p:childTnLst>
+                                    <p:set>
+                                      <p:cBhvr>
+                                        <p:cTn id="6" dur="1" fill="hold">
+                                          <p:stCondLst>
+                                            <p:cond delay="0"/>
+                                          </p:stCondLst>
+                                        </p:cTn>
+                                        <p:tgtEl>
+                                          <p:spTgt spid="4"/>
+                                        </p:tgtEl>
+                                        <p:attrNameLst>
+                                          <p:attrName>style.visibility</p:attrName>
+                                        </p:attrNameLst>
+                                      </p:cBhvr>
+                                      <p:to>
+                                        <p:strVal val="visible"/>
+                                      </p:to>
+                                    </p:set>
+                                  </p:childTnLst>
+                                </p:cTn>
+                              </p:par>
+                            </p:childTnLst>
+                          </p:cTn>
+                        </p:par>
+                      </p:childTnLst>
+                    </p:cTn>
+                  </p:par>
+                  <p:par>
+                    <p:cTn id="7" fill="hold">
+                      <p:stCondLst>
+                        <p:cond delay="indefinite"/>
+                      </p:stCondLst>
+                      <p:childTnLst>
+                        <p:par>
+                          <p:cTn id="8" fill="hold">
+                            <p:stCondLst>
+                              <p:cond delay="0"/>
+                            </p:stCondLst>
+                            <p:childTnLst>
+                              <p:par>
+                                <p:cTn id="9" presetID="1" presetClass="entr" presetSubtype="0" fill="hold" nodeType="clickEffect">
+                                  <p:stCondLst>
+                                    <p:cond delay="0"/>
+                                  </p:stCondLst>
+                                  <p:childTnLst>
+                                    <p:set>
+                                      <p:cBhvr>
+                                        <p:cTn id="10" dur="1" fill="hold">
+                                          <p:stCondLst>
+                                            <p:cond delay="0"/>
+                                          </p:stCondLst>
+                                        </p:cTn>
+                                        <p:tgtEl>
+                                          <p:spTgt spid="3">
+                                            <p:txEl>
+                                              <p:pRg st="2" end="2"/>
+                                            </p:txEl>
+                                          </p:spTgt>
+                                        </p:tgtEl>
+                                        <p:attrNameLst>
+                                          <p:attrName>style.visibility</p:attrName>
+                                        </p:attrNameLst>
+                                      </p:cBhvr>
+                                      <p:to>
+                                        <p:strVal val="visible"/>
+                                      </p:to>
+                                    </p:set>
+                                  </p:childTnLst>
+                                </p:cTn>
+                              </p:par>
+                            </p:childTnLst>
+                          </p:cTn>
+                        </p:par>
+                      </p:childTnLst>
+                    </p:cTn>
+                  </p:par>
+                  <p:par>
+                    <p:cTn id="11" fill="hold">
+                      <p:stCondLst>
+                        <p:cond delay="indefinite"/>
+                      </p:stCondLst>
+                      <p:childTnLst>
+                        <p:par>
+                          <p:cTn id="12" fill="hold">
+                            <p:stCondLst>
+                              <p:cond delay="0"/>
+                            </p:stCondLst>
+                            <p:childTnLst>
+                              <p:par>
+                                <p:cTn id="13" presetID="1" presetClass="entr" presetSubtype="0" fill="hold" grpId="0" nodeType="clickEffect">
+                                  <p:stCondLst>
+                                    <p:cond delay="0"/>
+                                  </p:stCondLst>
+                                  <p:childTnLst>
+                                    <p:set>
+                                      <p:cBhvr>
+                                        <p:cTn id="14" dur="1" fill="hold">
+                                          <p:stCondLst>
+                                            <p:cond delay="0"/>
+                                          </p:stCondLst>
+                                        </p:cTn>
+                                        <p:tgtEl>
+                                          <p:spTgt spid="5"/>
+                                        </p:tgtEl>
+                                        <p:attrNameLst>
+                                          <p:attrName>style.visibility</p:attrName>
+                                        </p:attrNameLst>
+                                      </p:cBhvr>
+                                      <p:to>
+                                        <p:strVal val="visible"/>
+                                      </p:to>
+                                    </p:set>
+                                  </p:childTnLst>
+                                </p:cTn>
+                              </p:par>
+                            </p:childTnLst>
+                          </p:cTn>
+                        </p:par>
+                      </p:childTnLst>
+                    </p:cTn>
+                  </p:par>
+                  <p:par>
+                    <p:cTn id="15" fill="hold">
+                      <p:stCondLst>
+                        <p:cond delay="indefinite"/>
+                      </p:stCondLst>
+                      <p:childTnLst>
+                        <p:par>
+                          <p:cTn id="16" fill="hold">
+                            <p:stCondLst>
+                              <p:cond delay="0"/>
+                            </p:stCondLst>
+                            <p:childTnLst>
+                              <p:par>
+                                <p:cTn id="17" presetID="1" presetClass="entr" presetSubtype="0" fill="hold" nodeType="clickEffect">
+                                  <p:stCondLst>
+                                    <p:cond delay="0"/>
+                                  </p:stCondLst>
+                                  <p:childTnLst>
+                                    <p:set>
+                                      <p:cBhvr>
+                                        <p:cTn id="18" dur="1" fill="hold">
+                                          <p:stCondLst>
+                                            <p:cond delay="0"/>
+                                          </p:stCondLst>
+                                        </p:cTn>
+                                        <p:tgtEl>
+                                          <p:spTgt spid="3">
+                                            <p:txEl>
+                                              <p:pRg st="3" end="3"/>
+                                            </p:txEl>
+                                          </p:spTgt>
+                                        </p:tgtEl>
+                                        <p:attrNameLst>
+                                          <p:attrName>style.visibility</p:attrName>
+                                        </p:attrNameLst>
+                                      </p:cBhvr>
+                                      <p:to>
+                                        <p:strVal val="visible"/>
+                                      </p:to>
+                                    </p:set>
+                                  </p:childTnLst>
+                                </p:cTn>
+                              </p:par>
+                            </p:childTnLst>
+                          </p:cTn>
+                        </p:par>
+                      </p:childTnLst>
+                    </p:cTn>
+                  </p:par>
+                  <p:par>
+                    <p:cTn id="19" fill="hold">
+                      <p:stCondLst>
+                        <p:cond delay="indefinite"/>
+                      </p:stCondLst>
+                      <p:childTnLst>
+                        <p:par>
+                          <p:cTn id="20" fill="hold">
+                            <p:stCondLst>
+                              <p:cond delay="0"/>
+                            </p:stCondLst>
+                            <p:childTnLst>
+                              <p:par>
+                                <p:cTn id="21" presetID="1" presetClass="entr" presetSubtype="0" fill="hold" grpId="0" nodeType="clickEffect">
+                                  <p:stCondLst>
+                                    <p:cond delay="0"/>
+                                  </p:stCondLst>
+                                  <p:childTnLst>
+                                    <p:set>
+                                      <p:cBhvr>
+                                        <p:cTn id="22" dur="1" fill="hold">
+                                          <p:stCondLst>
+                                            <p:cond delay="0"/>
+                                          </p:stCondLst>
+                                        </p:cTn>
+                                        <p:tgtEl>
+                                          <p:spTgt spid="6"/>
+                                        </p:tgtEl>
+                                        <p:attrNameLst>
+                                          <p:attrName>style.visibility</p:attrName>
+                                        </p:attrNameLst>
+                                      </p:cBhvr>
+                                      <p:to>
+                                        <p:strVal val="visible"/>
+                                      </p:to>
+                                    </p:set>
+                                  </p:childTnLst>
+                                </p:cTn>
+                              </p:par>
+                            </p:childTnLst>
+                          </p:cTn>
+                        </p:par>
+                      </p:childTnLst>
+                    </p:cTn>
+                  </p:par>
+                  <p:par>
+                    <p:cTn id="23" fill="hold">
+                      <p:stCondLst>
+                        <p:cond delay="indefinite"/>
+                      </p:stCondLst>
+                      <p:childTnLst>
+                        <p:par>
+                          <p:cTn id="24" fill="hold">
+                            <p:stCondLst>
+                              <p:cond delay="0"/>
+                            </p:stCondLst>
+                            <p:childTnLst>
+                              <p:par>
+                                <p:cTn id="25" presetID="1" presetClass="entr" presetSubtype="0" fill="hold" nodeType="clickEffect">
+                                  <p:stCondLst>
+                                    <p:cond delay="0"/>
+                                  </p:stCondLst>
+                                  <p:childTnLst>
+                                    <p:set>
+                                      <p:cBhvr>
+                                        <p:cTn id="26" dur="1" fill="hold">
+                                          <p:stCondLst>
+                                            <p:cond delay="0"/>
+                                          </p:stCondLst>
+                                        </p:cTn>
+                                        <p:tgtEl>
+                                          <p:spTgt spid="3">
+                                            <p:txEl>
+                                              <p:pRg st="4" end="4"/>
+                                            </p:txEl>
+                                          </p:spTgt>
+                                        </p:tgtEl>
+                                        <p:attrNameLst>
+                                          <p:attrName>style.visibility</p:attrName>
+                                        </p:attrNameLst>
+                                      </p:cBhvr>
+                                      <p:to>
+                                        <p:strVal val="visible"/>
+                                      </p:to>
+                                    </p:set>
+                                  </p:childTnLst>
+                                </p:cTn>
+                              </p:par>
+                            </p:childTnLst>
+                          </p:cTn>
+                        </p:par>
+                      </p:childTnLst>
+                    </p:cTn>
+                  </p:par>
+                  <p:par>
+                    <p:cTn id="27" fill="hold">
+                      <p:stCondLst>
+                        <p:cond delay="indefinite"/>
+                      </p:stCondLst>
+                      <p:childTnLst>
+                        <p:par>
+                          <p:cTn id="28" fill="hold">
+                            <p:stCondLst>
+                              <p:cond delay="0"/>
+                            </p:stCondLst>
+                            <p:childTnLst>
+                              <p:par>
+                                <p:cTn id="29" presetID="1" presetClass="entr" presetSubtype="0" fill="hold" grpId="0" nodeType="clickEffect">
+                                  <p:stCondLst>
+                                    <p:cond delay="0"/>
+                                  </p:stCondLst>
+                                  <p:childTnLst>
+                                    <p:set>
+                                      <p:cBhvr>
+                                        <p:cTn id="30" dur="1" fill="hold">
+                                          <p:stCondLst>
+                                            <p:cond delay="0"/>
+                                          </p:stCondLst>
+                                        </p:cTn>
+                                        <p:tgtEl>
+                                          <p:spTgt spid="7"/>
+                                        </p:tgtEl>
+                                        <p:attrNameLst>
+                                          <p:attrName>style.visibility</p:attrName>
+                                        </p:attrNameLst>
+                                      </p:cBhvr>
+                                      <p:to>
+                                        <p:strVal val="visible"/>
+                                      </p:to>
+                                    </p:set>
+                                  </p:childTnLst>
+                                </p:cTn>
+                              </p:par>
+                            </p:childTnLst>
+                          </p:cTn>
+                        </p:par>
+                      </p:childTnLst>
+                    </p:cTn>
+                  </p:par>
+                </p:childTnLst>
+              </p:cTn>
+              <p:prevCondLst>
+                <p:cond evt="onPrev" delay="0">
+                  <p:tgtEl>
+                    <p:sldTgt/>
+                  </p:tgtEl>
+                </p:cond>
+              </p:prevCondLst>
+              <p:nextCondLst>
+                <p:cond evt="onNext" delay="0">
+                  <p:tgtEl>
+                    <p:sldTgt/>
+                  </p:tgtEl>
+                </p:cond>
+              </p:nextCondLst>
+            </p:seq>
+          </p:childTnLst>
+        </p:cTn>
+      </p:par>
+    </p:tnLst>
+    <p:bldLst>
+      <p:bldP spid="4" grpId="0" animBg="1"/>
+      <p:bldP spid="5" grpId="0" animBg="1"/>
+      <p:bldP spid="6" grpId="0" animBg="1"/>
+      <p:bldP spid="7" grpId="0" animBg="1"/>
+    </p:bldLst>
+  </p:timing>
+</p:sld>
+</file>
+
+<file path=ppt/slides/slide34.xml><?xml version="1.0" encoding="utf-8"?>
+<p:sld xmlns:a="http://schemas.openxmlformats.org/drawingml/2006/main" xmlns:r="http://schemas.openxmlformats.org/officeDocument/2006/relationships" xmlns:p="http://schemas.openxmlformats.org/presentationml/2006/main">
+  <p:cSld>
+    <p:spTree>
+      <p:nvGrpSpPr>
+        <p:cNvPr id="1" name=""/>
+        <p:cNvGrpSpPr/>
+        <p:nvPr/>
+      </p:nvGrpSpPr>
+      <p:grpSpPr>
+        <a:xfrm>
+          <a:off x="0" y="0"/>
+          <a:ext cx="0" cy="0"/>
+          <a:chOff x="0" y="0"/>
+          <a:chExt cx="0" cy="0"/>
+        </a:xfrm>
+      </p:grpSpPr>
+      <p:sp>
+        <p:nvSpPr>
+          <p:cNvPr id="2" name="Title 1"/>
+          <p:cNvSpPr>
+            <a:spLocks noGrp="1"/>
+          </p:cNvSpPr>
+          <p:nvPr>
+            <p:ph type="title"/>
+          </p:nvPr>
+        </p:nvSpPr>
+        <p:spPr/>
+        <p:txBody>
+          <a:bodyPr/>
+          <a:lstStyle/>
+          <a:p>
+            <a:r>
+              <a:rPr lang="en-US" dirty="0" smtClean="0"/>
+              <a:t>Analyze</a:t>
+            </a:r>
+            <a:endParaRPr lang="en-US" dirty="0"/>
+          </a:p>
+        </p:txBody>
+      </p:sp>
+      <p:sp>
+        <p:nvSpPr>
+          <p:cNvPr id="3" name="Text Placeholder 2"/>
+          <p:cNvSpPr>
+            <a:spLocks noGrp="1"/>
+          </p:cNvSpPr>
+          <p:nvPr>
+            <p:ph idx="1"/>
+          </p:nvPr>
+        </p:nvSpPr>
+        <p:spPr/>
+        <p:txBody>
+          <a:bodyPr/>
+          <a:lstStyle/>
+          <a:p>
+            <a:r>
+              <a:rPr lang="en-US" dirty="0" smtClean="0"/>
+              <a:t>When an order is cancelled,</a:t>
+            </a:r>
+          </a:p>
+          <a:p>
+            <a:pPr>
+              <a:buNone/>
+            </a:pPr>
+            <a:r>
+              <a:rPr lang="en-US" dirty="0" smtClean="0"/>
+              <a:t>	does the refund need to be given</a:t>
+            </a:r>
+          </a:p>
+          <a:p>
+            <a:pPr>
+              <a:buNone/>
+            </a:pPr>
+            <a:r>
+              <a:rPr lang="en-US" dirty="0" smtClean="0"/>
+              <a:t>	immediately?</a:t>
+            </a:r>
+          </a:p>
+          <a:p>
+            <a:pPr>
+              <a:buNone/>
+            </a:pPr>
+            <a:endParaRPr lang="en-US" dirty="0" smtClean="0">
+              <a:solidFill>
+                <a:schemeClr val="tx1"/>
+              </a:solidFill>
+            </a:endParaRPr>
+          </a:p>
+          <a:p>
+            <a:pPr lvl="0"/>
+            <a:r>
+              <a:rPr lang="en-US" dirty="0" smtClean="0">
+                <a:solidFill>
+                  <a:schemeClr val="tx1"/>
+                </a:solidFill>
+              </a:rPr>
+              <a:t>Can we give a partial refund?</a:t>
+            </a:r>
+          </a:p>
+          <a:p>
+            <a:pPr lvl="0"/>
+            <a:endParaRPr lang="en-US" dirty="0" smtClean="0">
+              <a:solidFill>
+                <a:schemeClr val="tx1"/>
+              </a:solidFill>
+            </a:endParaRPr>
+          </a:p>
+          <a:p>
+            <a:pPr lvl="0"/>
+            <a:endParaRPr lang="en-US" dirty="0" smtClean="0">
+              <a:gradFill>
+                <a:gsLst>
+                  <a:gs pos="0">
+                    <a:srgbClr val="FFFFFF"/>
+                  </a:gs>
+                  <a:gs pos="86000">
+                    <a:srgbClr val="FFFFFF"/>
+                  </a:gs>
+                </a:gsLst>
+                <a:lin ang="0" scaled="0"/>
+              </a:gradFill>
+            </a:endParaRPr>
+          </a:p>
+          <a:p>
+            <a:pPr>
+              <a:buNone/>
+            </a:pPr>
+            <a:endParaRPr lang="en-US" dirty="0"/>
+          </a:p>
+        </p:txBody>
+      </p:sp>
+      <p:sp>
+        <p:nvSpPr>
+          <p:cNvPr id="4" name="Oval 3"/>
+          <p:cNvSpPr/>
+          <p:nvPr/>
+        </p:nvSpPr>
+        <p:spPr bwMode="auto">
+          <a:xfrm>
+            <a:off x="8570055" y="1554343"/>
+            <a:ext cx="1638330" cy="641445"/>
+          </a:xfrm>
+          <a:prstGeom prst="ellipse">
+            <a:avLst/>
+          </a:prstGeom>
+          <a:solidFill>
+            <a:srgbClr val="FFFF00"/>
+          </a:solidFill>
+          <a:ln w="28575">
+            <a:solidFill>
+              <a:schemeClr val="bg2"/>
+            </a:solidFill>
+            <a:headEnd type="none" w="med" len="med"/>
+            <a:tailEnd type="none" w="med" len="med"/>
+          </a:ln>
+          <a:effectLst/>
+        </p:spPr>
+        <p:style>
+          <a:lnRef idx="3">
+            <a:schemeClr val="lt1"/>
+          </a:lnRef>
+          <a:fillRef idx="1">
+            <a:schemeClr val="accent1"/>
+          </a:fillRef>
+          <a:effectRef idx="1">
+            <a:schemeClr val="accent1"/>
+          </a:effectRef>
+          <a:fontRef idx="minor">
+            <a:schemeClr val="lt1"/>
+          </a:fontRef>
+        </p:style>
+        <p:txBody>
+          <a:bodyPr vert="horz" wrap="square" lIns="91435" tIns="45717" rIns="91435" bIns="45717" numCol="1" rtlCol="0" anchor="ctr" anchorCtr="0" compatLnSpc="1">
+            <a:prstTxWarp prst="textNoShape">
+              <a:avLst/>
+            </a:prstTxWarp>
+          </a:bodyPr>
+          <a:lstStyle/>
+          <a:p>
+            <a:pPr algn="ctr" defTabSz="914105"/>
+            <a:r>
+              <a:rPr lang="en-US" sz="2812" dirty="0">
+                <a:solidFill>
+                  <a:schemeClr val="tx1"/>
+                </a:solidFill>
+              </a:rPr>
+              <a:t>No</a:t>
+            </a:r>
+          </a:p>
+        </p:txBody>
+      </p:sp>
+      <p:sp>
+        <p:nvSpPr>
+          <p:cNvPr id="5" name="Oval 4"/>
+          <p:cNvSpPr/>
+          <p:nvPr/>
+        </p:nvSpPr>
+        <p:spPr bwMode="auto">
+          <a:xfrm>
+            <a:off x="8571759" y="3864027"/>
+            <a:ext cx="1638330" cy="641445"/>
+          </a:xfrm>
+          <a:prstGeom prst="ellipse">
+            <a:avLst/>
+          </a:prstGeom>
+          <a:solidFill>
+            <a:srgbClr val="FFFF00"/>
+          </a:solidFill>
+          <a:ln w="28575">
+            <a:solidFill>
+              <a:schemeClr val="bg2"/>
+            </a:solidFill>
+            <a:headEnd type="none" w="med" len="med"/>
+            <a:tailEnd type="none" w="med" len="med"/>
+          </a:ln>
+          <a:effectLst/>
+        </p:spPr>
+        <p:style>
+          <a:lnRef idx="3">
+            <a:schemeClr val="lt1"/>
+          </a:lnRef>
+          <a:fillRef idx="1">
+            <a:schemeClr val="accent1"/>
+          </a:fillRef>
+          <a:effectRef idx="1">
+            <a:schemeClr val="accent1"/>
+          </a:effectRef>
+          <a:fontRef idx="minor">
+            <a:schemeClr val="lt1"/>
+          </a:fontRef>
+        </p:style>
+        <p:txBody>
+          <a:bodyPr vert="horz" wrap="square" lIns="91435" tIns="45717" rIns="91435" bIns="45717" numCol="1" rtlCol="0" anchor="ctr" anchorCtr="0" compatLnSpc="1">
+            <a:prstTxWarp prst="textNoShape">
+              <a:avLst/>
+            </a:prstTxWarp>
+          </a:bodyPr>
+          <a:lstStyle/>
+          <a:p>
+            <a:pPr algn="ctr" defTabSz="914105"/>
+            <a:r>
+              <a:rPr lang="en-US" sz="2812" dirty="0">
+                <a:solidFill>
+                  <a:schemeClr val="tx1"/>
+                </a:solidFill>
+              </a:rPr>
+              <a:t>Yes</a:t>
+            </a:r>
+          </a:p>
+        </p:txBody>
+      </p:sp>
+    </p:spTree>
+    <p:extLst>
+      <p:ext uri="{BB962C8B-B14F-4D97-AF65-F5344CB8AC3E}">
+        <p14:creationId xmlns:p14="http://schemas.microsoft.com/office/powerpoint/2010/main" val="3344676311"/>
+      </p:ext>
+    </p:extLst>
+  </p:cSld>
+  <p:clrMapOvr>
+    <a:masterClrMapping/>
+  </p:clrMapOvr>
+  <p:transition/>
+  <p:timing>
+    <p:tnLst>
+      <p:par>
+        <p:cTn id="1" dur="indefinite" restart="never" nodeType="tmRoot">
+          <p:childTnLst>
+            <p:seq concurrent="1" nextAc="seek">
+              <p:cTn id="2" dur="indefinite" nodeType="mainSeq">
+                <p:childTnLst>
+                  <p:par>
+                    <p:cTn id="3" fill="hold">
+                      <p:stCondLst>
+                        <p:cond delay="indefinite"/>
+                      </p:stCondLst>
+                      <p:childTnLst>
+                        <p:par>
+                          <p:cTn id="4" fill="hold">
+                            <p:stCondLst>
+                              <p:cond delay="0"/>
+                            </p:stCondLst>
+                            <p:childTnLst>
+                              <p:par>
+                                <p:cTn id="5" presetID="1" presetClass="entr" presetSubtype="0" fill="hold" grpId="0" nodeType="clickEffect">
+                                  <p:stCondLst>
+                                    <p:cond delay="0"/>
+                                  </p:stCondLst>
+                                  <p:childTnLst>
+                                    <p:set>
+                                      <p:cBhvr>
+                                        <p:cTn id="6" dur="1" fill="hold">
+                                          <p:stCondLst>
+                                            <p:cond delay="0"/>
+                                          </p:stCondLst>
+                                        </p:cTn>
+                                        <p:tgtEl>
+                                          <p:spTgt spid="4"/>
+                                        </p:tgtEl>
+                                        <p:attrNameLst>
+                                          <p:attrName>style.visibility</p:attrName>
+                                        </p:attrNameLst>
+                                      </p:cBhvr>
+                                      <p:to>
+                                        <p:strVal val="visible"/>
+                                      </p:to>
+                                    </p:set>
+                                  </p:childTnLst>
+                                </p:cTn>
+                              </p:par>
+                            </p:childTnLst>
+                          </p:cTn>
+                        </p:par>
+                      </p:childTnLst>
+                    </p:cTn>
+                  </p:par>
+                  <p:par>
+                    <p:cTn id="7" fill="hold">
+                      <p:stCondLst>
+                        <p:cond delay="indefinite"/>
+                      </p:stCondLst>
+                      <p:childTnLst>
+                        <p:par>
+                          <p:cTn id="8" fill="hold">
+                            <p:stCondLst>
+                              <p:cond delay="0"/>
+                            </p:stCondLst>
+                            <p:childTnLst>
+                              <p:par>
+                                <p:cTn id="9" presetID="1" presetClass="entr" presetSubtype="0" fill="hold" nodeType="clickEffect">
+                                  <p:stCondLst>
+                                    <p:cond delay="0"/>
+                                  </p:stCondLst>
+                                  <p:childTnLst>
+                                    <p:set>
+                                      <p:cBhvr>
+                                        <p:cTn id="10" dur="1" fill="hold">
+                                          <p:stCondLst>
+                                            <p:cond delay="0"/>
+                                          </p:stCondLst>
+                                        </p:cTn>
+                                        <p:tgtEl>
+                                          <p:spTgt spid="3">
+                                            <p:txEl>
+                                              <p:pRg st="4" end="4"/>
+                                            </p:txEl>
+                                          </p:spTgt>
+                                        </p:tgtEl>
+                                        <p:attrNameLst>
+                                          <p:attrName>style.visibility</p:attrName>
+                                        </p:attrNameLst>
+                                      </p:cBhvr>
+                                      <p:to>
+                                        <p:strVal val="visible"/>
+                                      </p:to>
+                                    </p:set>
+                                  </p:childTnLst>
+                                </p:cTn>
+                              </p:par>
+                            </p:childTnLst>
+                          </p:cTn>
+                        </p:par>
+                      </p:childTnLst>
+                    </p:cTn>
+                  </p:par>
+                  <p:par>
+                    <p:cTn id="11" fill="hold">
+                      <p:stCondLst>
+                        <p:cond delay="indefinite"/>
+                      </p:stCondLst>
+                      <p:childTnLst>
+                        <p:par>
+                          <p:cTn id="12" fill="hold">
+                            <p:stCondLst>
+                              <p:cond delay="0"/>
+                            </p:stCondLst>
+                            <p:childTnLst>
+                              <p:par>
+                                <p:cTn id="13" presetID="1" presetClass="entr" presetSubtype="0" fill="hold" grpId="0" nodeType="clickEffect">
+                                  <p:stCondLst>
+                                    <p:cond delay="0"/>
+                                  </p:stCondLst>
+                                  <p:childTnLst>
+                                    <p:set>
+                                      <p:cBhvr>
+                                        <p:cTn id="14" dur="1" fill="hold">
+                                          <p:stCondLst>
+                                            <p:cond delay="0"/>
+                                          </p:stCondLst>
+                                        </p:cTn>
+                                        <p:tgtEl>
+                                          <p:spTgt spid="5"/>
+                                        </p:tgtEl>
+                                        <p:attrNameLst>
+                                          <p:attrName>style.visibility</p:attrName>
+                                        </p:attrNameLst>
+                                      </p:cBhvr>
+                                      <p:to>
+                                        <p:strVal val="visible"/>
+                                      </p:to>
+                                    </p:set>
+                                  </p:childTnLst>
+                                </p:cTn>
+                              </p:par>
+                            </p:childTnLst>
+                          </p:cTn>
+                        </p:par>
+                      </p:childTnLst>
+                    </p:cTn>
+                  </p:par>
+                </p:childTnLst>
+              </p:cTn>
+              <p:prevCondLst>
+                <p:cond evt="onPrev" delay="0">
+                  <p:tgtEl>
+                    <p:sldTgt/>
+                  </p:tgtEl>
+                </p:cond>
+              </p:prevCondLst>
+              <p:nextCondLst>
+                <p:cond evt="onNext" delay="0">
+                  <p:tgtEl>
+                    <p:sldTgt/>
+                  </p:tgtEl>
+                </p:cond>
+              </p:nextCondLst>
+            </p:seq>
+          </p:childTnLst>
+        </p:cTn>
+      </p:par>
+    </p:tnLst>
+    <p:bldLst>
+      <p:bldP spid="4" grpId="0" animBg="1"/>
+      <p:bldP spid="5" grpId="0" animBg="1"/>
+    </p:bldLst>
+  </p:timing>
+</p:sld>
+</file>
+
+<file path=ppt/slides/slide35.xml><?xml version="1.0" encoding="utf-8"?>
+<p:sld xmlns:a="http://schemas.openxmlformats.org/drawingml/2006/main" xmlns:r="http://schemas.openxmlformats.org/officeDocument/2006/relationships" xmlns:p="http://schemas.openxmlformats.org/presentationml/2006/main">
+  <p:cSld>
+    <p:spTree>
+      <p:nvGrpSpPr>
+        <p:cNvPr id="1" name=""/>
+        <p:cNvGrpSpPr/>
+        <p:nvPr/>
+      </p:nvGrpSpPr>
+      <p:grpSpPr>
+        <a:xfrm>
+          <a:off x="0" y="0"/>
+          <a:ext cx="0" cy="0"/>
+          <a:chOff x="0" y="0"/>
+          <a:chExt cx="0" cy="0"/>
+        </a:xfrm>
+      </p:grpSpPr>
+      <p:sp>
+        <p:nvSpPr>
+          <p:cNvPr id="2" name="Title 1"/>
+          <p:cNvSpPr>
+            <a:spLocks noGrp="1"/>
+          </p:cNvSpPr>
+          <p:nvPr>
+            <p:ph type="title"/>
+          </p:nvPr>
+        </p:nvSpPr>
+        <p:spPr/>
+        <p:txBody>
+          <a:bodyPr/>
+          <a:lstStyle/>
+          <a:p>
+            <a:r>
+              <a:rPr lang="en-US" dirty="0" smtClean="0"/>
+              <a:t>Dig Deeper</a:t>
+            </a:r>
+            <a:endParaRPr lang="en-US" dirty="0"/>
+          </a:p>
+        </p:txBody>
+      </p:sp>
+      <p:sp>
+        <p:nvSpPr>
+          <p:cNvPr id="3" name="Text Placeholder 2"/>
+          <p:cNvSpPr txBox="1">
+            <a:spLocks/>
+          </p:cNvSpPr>
+          <p:nvPr/>
+        </p:nvSpPr>
+        <p:spPr bwMode="auto">
+          <a:xfrm>
+            <a:off x="1523521" y="1530494"/>
+            <a:ext cx="9144960" cy="6989925"/>
+          </a:xfrm>
+          <a:prstGeom prst="rect">
+            <a:avLst/>
+          </a:prstGeom>
+          <a:noFill/>
+          <a:ln w="9525">
+            <a:noFill/>
+            <a:miter lim="800000"/>
+            <a:headEnd/>
+            <a:tailEnd/>
+          </a:ln>
+          <a:effectLst/>
+        </p:spPr>
+        <p:txBody>
+          <a:bodyPr vert="horz" wrap="square" lIns="91438" tIns="45719" rIns="91438" bIns="45719" numCol="1" anchor="t" anchorCtr="0" compatLnSpc="1">
+            <a:prstTxWarp prst="textNoShape">
+              <a:avLst/>
+            </a:prstTxWarp>
+            <a:spAutoFit/>
+          </a:bodyPr>
+          <a:lstStyle/>
+          <a:p>
+            <a:pPr marL="460378" indent="-460378" defTabSz="914406">
+              <a:lnSpc>
+                <a:spcPct val="90000"/>
+              </a:lnSpc>
+              <a:spcBef>
+                <a:spcPct val="30000"/>
+              </a:spcBef>
+              <a:buClr>
+                <a:schemeClr val="tx2"/>
+              </a:buClr>
+              <a:buSzPct val="55000"/>
+              <a:buBlip>
+                <a:blip r:embed="rId2"/>
+              </a:buBlip>
+              <a:defRPr/>
+            </a:pPr>
+            <a:r>
+              <a:rPr lang="en-US" sz="3175" kern="0" dirty="0"/>
+              <a:t>What does a customer have to do</a:t>
+            </a:r>
+          </a:p>
+          <a:p>
+            <a:pPr marL="460378" indent="-460378" defTabSz="914406">
+              <a:lnSpc>
+                <a:spcPct val="90000"/>
+              </a:lnSpc>
+              <a:spcBef>
+                <a:spcPct val="30000"/>
+              </a:spcBef>
+              <a:buClr>
+                <a:schemeClr val="tx2"/>
+              </a:buClr>
+              <a:buSzPct val="55000"/>
+              <a:defRPr/>
+            </a:pPr>
+            <a:r>
+              <a:rPr lang="en-US" sz="1633" kern="0" dirty="0">
+                <a:effectLst>
+                  <a:outerShdw blurRad="38100" dist="38100" dir="2700000" algn="tl">
+                    <a:srgbClr val="000000"/>
+                  </a:outerShdw>
+                </a:effectLst>
+              </a:rPr>
+              <a:t>	</a:t>
+            </a:r>
+            <a:r>
+              <a:rPr lang="en-US" sz="3175" kern="0" dirty="0"/>
+              <a:t>in order to get a refund?</a:t>
+            </a:r>
+          </a:p>
+          <a:p>
+            <a:pPr marL="460378" indent="-460378" defTabSz="914406">
+              <a:lnSpc>
+                <a:spcPct val="90000"/>
+              </a:lnSpc>
+              <a:spcBef>
+                <a:spcPct val="30000"/>
+              </a:spcBef>
+              <a:buClr>
+                <a:schemeClr val="tx2"/>
+              </a:buClr>
+              <a:buSzPct val="55000"/>
+              <a:defRPr/>
+            </a:pPr>
+            <a:endParaRPr lang="en-US" sz="3175" kern="0" dirty="0">
+              <a:effectLst>
+                <a:outerShdw blurRad="38100" dist="38100" dir="2700000" algn="tl">
+                  <a:srgbClr val="000000"/>
+                </a:outerShdw>
+              </a:effectLst>
+            </a:endParaRPr>
+          </a:p>
+          <a:p>
+            <a:pPr marL="460378" indent="-460378" defTabSz="914406">
+              <a:lnSpc>
+                <a:spcPct val="90000"/>
+              </a:lnSpc>
+              <a:spcBef>
+                <a:spcPct val="30000"/>
+              </a:spcBef>
+              <a:buClr>
+                <a:schemeClr val="tx2"/>
+              </a:buClr>
+              <a:buSzPct val="55000"/>
+              <a:defRPr/>
+            </a:pPr>
+            <a:r>
+              <a:rPr lang="en-US" sz="3175" kern="0" dirty="0">
+                <a:gradFill>
+                  <a:gsLst>
+                    <a:gs pos="0">
+                      <a:srgbClr val="FFFFFF"/>
+                    </a:gs>
+                    <a:gs pos="86000">
+                      <a:srgbClr val="FFFFFF"/>
+                    </a:gs>
+                  </a:gsLst>
+                  <a:lin ang="0" scaled="0"/>
+                </a:gradFill>
+                <a:effectLst>
+                  <a:outerShdw blurRad="38100" dist="38100" dir="2700000" algn="tl">
+                    <a:srgbClr val="000000"/>
+                  </a:outerShdw>
+                </a:effectLst>
+              </a:rPr>
+              <a:t>	</a:t>
+            </a:r>
+            <a:r>
+              <a:rPr lang="en-US" sz="3175" kern="0" dirty="0"/>
+              <a:t>Return the products</a:t>
+            </a:r>
+          </a:p>
+          <a:p>
+            <a:pPr marL="460378" indent="-460378" defTabSz="914406">
+              <a:lnSpc>
+                <a:spcPct val="90000"/>
+              </a:lnSpc>
+              <a:spcBef>
+                <a:spcPct val="30000"/>
+              </a:spcBef>
+              <a:buClr>
+                <a:schemeClr val="tx2"/>
+              </a:buClr>
+              <a:buSzPct val="55000"/>
+              <a:defRPr/>
+            </a:pPr>
+            <a:endParaRPr lang="en-US" sz="1633" kern="0" dirty="0"/>
+          </a:p>
+          <a:p>
+            <a:pPr marL="460378" indent="-460378" defTabSz="914406">
+              <a:lnSpc>
+                <a:spcPct val="90000"/>
+              </a:lnSpc>
+              <a:spcBef>
+                <a:spcPct val="30000"/>
+              </a:spcBef>
+              <a:buClr>
+                <a:schemeClr val="tx2"/>
+              </a:buClr>
+              <a:buSzPct val="55000"/>
+              <a:defRPr/>
+            </a:pPr>
+            <a:r>
+              <a:rPr lang="en-US" sz="3175" kern="0" dirty="0"/>
+              <a:t>	Most orders cancelled soon after they were made – buyer’s remorse</a:t>
+            </a:r>
+          </a:p>
+          <a:p>
+            <a:pPr marL="460378" indent="-460378" defTabSz="914406">
+              <a:lnSpc>
+                <a:spcPct val="90000"/>
+              </a:lnSpc>
+              <a:spcBef>
+                <a:spcPct val="30000"/>
+              </a:spcBef>
+              <a:buClr>
+                <a:schemeClr val="tx2"/>
+              </a:buClr>
+              <a:buSzPct val="55000"/>
+              <a:defRPr/>
+            </a:pPr>
+            <a:endParaRPr lang="en-US" sz="3175" kern="0" dirty="0"/>
+          </a:p>
+          <a:p>
+            <a:pPr marL="460378" indent="-460378" defTabSz="914406">
+              <a:lnSpc>
+                <a:spcPct val="90000"/>
+              </a:lnSpc>
+              <a:spcBef>
+                <a:spcPct val="30000"/>
+              </a:spcBef>
+              <a:buClr>
+                <a:schemeClr val="tx2"/>
+              </a:buClr>
+              <a:buSzPct val="55000"/>
+              <a:defRPr/>
+            </a:pPr>
+            <a:r>
+              <a:rPr lang="en-US" sz="3175" kern="0" dirty="0"/>
+              <a:t>	Implement a saga for buyer’s remorse in the Sales service</a:t>
+            </a:r>
+          </a:p>
+          <a:p>
+            <a:pPr marL="460378" indent="-460378" defTabSz="914406">
+              <a:lnSpc>
+                <a:spcPct val="90000"/>
+              </a:lnSpc>
+              <a:spcBef>
+                <a:spcPct val="30000"/>
+              </a:spcBef>
+              <a:buClr>
+                <a:schemeClr val="tx2"/>
+              </a:buClr>
+              <a:buSzPct val="55000"/>
+              <a:buBlip>
+                <a:blip r:embed="rId2"/>
+              </a:buBlip>
+              <a:defRPr/>
+            </a:pPr>
+            <a:endParaRPr lang="en-US" sz="3175" kern="0" dirty="0">
+              <a:gradFill>
+                <a:gsLst>
+                  <a:gs pos="0">
+                    <a:srgbClr val="FFFFFF"/>
+                  </a:gs>
+                  <a:gs pos="86000">
+                    <a:srgbClr val="FFFFFF"/>
+                  </a:gs>
+                </a:gsLst>
+                <a:lin ang="0" scaled="0"/>
+              </a:gradFill>
+              <a:effectLst>
+                <a:outerShdw blurRad="38100" dist="38100" dir="2700000" algn="tl">
+                  <a:srgbClr val="000000"/>
+                </a:outerShdw>
+              </a:effectLst>
+            </a:endParaRPr>
+          </a:p>
+          <a:p>
+            <a:pPr marL="460378" indent="-460378" defTabSz="914406">
+              <a:lnSpc>
+                <a:spcPct val="90000"/>
+              </a:lnSpc>
+              <a:spcBef>
+                <a:spcPct val="30000"/>
+              </a:spcBef>
+              <a:buClr>
+                <a:schemeClr val="tx2"/>
+              </a:buClr>
+              <a:buSzPct val="55000"/>
+              <a:buBlip>
+                <a:blip r:embed="rId2"/>
+              </a:buBlip>
+              <a:defRPr/>
+            </a:pPr>
+            <a:endParaRPr lang="en-US" sz="3175" kern="0" dirty="0">
+              <a:gradFill>
+                <a:gsLst>
+                  <a:gs pos="0">
+                    <a:srgbClr val="FFFFFF"/>
+                  </a:gs>
+                  <a:gs pos="86000">
+                    <a:srgbClr val="FFFFFF"/>
+                  </a:gs>
+                </a:gsLst>
+                <a:lin ang="0" scaled="0"/>
+              </a:gradFill>
+              <a:effectLst>
+                <a:outerShdw blurRad="38100" dist="38100" dir="2700000" algn="tl">
+                  <a:srgbClr val="000000"/>
+                </a:outerShdw>
+              </a:effectLst>
+            </a:endParaRPr>
+          </a:p>
+          <a:p>
+            <a:pPr marL="460378" indent="-460378" defTabSz="914406">
+              <a:lnSpc>
+                <a:spcPct val="90000"/>
+              </a:lnSpc>
+              <a:spcBef>
+                <a:spcPct val="30000"/>
+              </a:spcBef>
+              <a:buClr>
+                <a:schemeClr val="tx2"/>
+              </a:buClr>
+              <a:buSzPct val="55000"/>
+              <a:defRPr/>
+            </a:pPr>
+            <a:endParaRPr lang="en-US" sz="3175" kern="0" dirty="0">
+              <a:effectLst>
+                <a:outerShdw blurRad="38100" dist="38100" dir="2700000" algn="tl">
+                  <a:srgbClr val="000000"/>
+                </a:outerShdw>
+              </a:effectLst>
+            </a:endParaRPr>
+          </a:p>
+        </p:txBody>
+      </p:sp>
+    </p:spTree>
+    <p:extLst>
+      <p:ext uri="{BB962C8B-B14F-4D97-AF65-F5344CB8AC3E}">
+        <p14:creationId xmlns:p14="http://schemas.microsoft.com/office/powerpoint/2010/main" val="2694184773"/>
+      </p:ext>
+    </p:extLst>
+  </p:cSld>
+  <p:clrMapOvr>
+    <a:masterClrMapping/>
+  </p:clrMapOvr>
+  <p:transition/>
+  <p:timing>
+    <p:tnLst>
+      <p:par>
+        <p:cTn id="1" dur="indefinite" restart="never" nodeType="tmRoot">
+          <p:childTnLst>
+            <p:seq concurrent="1" nextAc="seek">
+              <p:cTn id="2" dur="indefinite" nodeType="mainSeq">
+                <p:childTnLst>
+                  <p:par>
+                    <p:cTn id="3" fill="hold">
+                      <p:stCondLst>
+                        <p:cond delay="indefinite"/>
+                      </p:stCondLst>
+                      <p:childTnLst>
+                        <p:par>
+                          <p:cTn id="4" fill="hold">
+                            <p:stCondLst>
+                              <p:cond delay="0"/>
+                            </p:stCondLst>
+                            <p:childTnLst>
+                              <p:par>
+                                <p:cTn id="5" presetID="1" presetClass="entr" presetSubtype="0" fill="hold" nodeType="clickEffect">
+                                  <p:stCondLst>
+                                    <p:cond delay="0"/>
+                                  </p:stCondLst>
+                                  <p:childTnLst>
+                                    <p:set>
+                                      <p:cBhvr>
+                                        <p:cTn id="6" dur="1" fill="hold">
+                                          <p:stCondLst>
+                                            <p:cond delay="0"/>
+                                          </p:stCondLst>
+                                        </p:cTn>
+                                        <p:tgtEl>
+                                          <p:spTgt spid="3">
+                                            <p:txEl>
+                                              <p:pRg st="3" end="3"/>
+                                            </p:txEl>
+                                          </p:spTgt>
+                                        </p:tgtEl>
+                                        <p:attrNameLst>
+                                          <p:attrName>style.visibility</p:attrName>
+                                        </p:attrNameLst>
+                                      </p:cBhvr>
+                                      <p:to>
+                                        <p:strVal val="visible"/>
+                                      </p:to>
+                                    </p:set>
+                                  </p:childTnLst>
+                                </p:cTn>
+                              </p:par>
+                            </p:childTnLst>
+                          </p:cTn>
+                        </p:par>
+                      </p:childTnLst>
+                    </p:cTn>
+                  </p:par>
+                  <p:par>
+                    <p:cTn id="7" fill="hold">
+                      <p:stCondLst>
+                        <p:cond delay="indefinite"/>
+                      </p:stCondLst>
+                      <p:childTnLst>
+                        <p:par>
+                          <p:cTn id="8" fill="hold">
+                            <p:stCondLst>
+                              <p:cond delay="0"/>
+                            </p:stCondLst>
+                            <p:childTnLst>
+                              <p:par>
+                                <p:cTn id="9" presetID="1" presetClass="entr" presetSubtype="0" fill="hold" nodeType="clickEffect">
+                                  <p:stCondLst>
+                                    <p:cond delay="0"/>
+                                  </p:stCondLst>
+                                  <p:childTnLst>
+                                    <p:set>
+                                      <p:cBhvr>
+                                        <p:cTn id="10" dur="1" fill="hold">
+                                          <p:stCondLst>
+                                            <p:cond delay="0"/>
+                                          </p:stCondLst>
+                                        </p:cTn>
+                                        <p:tgtEl>
+                                          <p:spTgt spid="3">
+                                            <p:txEl>
+                                              <p:pRg st="5" end="5"/>
+                                            </p:txEl>
+                                          </p:spTgt>
+                                        </p:tgtEl>
+                                        <p:attrNameLst>
+                                          <p:attrName>style.visibility</p:attrName>
+                                        </p:attrNameLst>
+                                      </p:cBhvr>
+                                      <p:to>
+                                        <p:strVal val="visible"/>
+                                      </p:to>
+                                    </p:set>
+                                  </p:childTnLst>
+                                </p:cTn>
+                              </p:par>
+                            </p:childTnLst>
+                          </p:cTn>
+                        </p:par>
+                      </p:childTnLst>
+                    </p:cTn>
+                  </p:par>
+                  <p:par>
+                    <p:cTn id="11" fill="hold">
+                      <p:stCondLst>
+                        <p:cond delay="indefinite"/>
+                      </p:stCondLst>
+                      <p:childTnLst>
+                        <p:par>
+                          <p:cTn id="12" fill="hold">
+                            <p:stCondLst>
+                              <p:cond delay="0"/>
+                            </p:stCondLst>
+                            <p:childTnLst>
+                              <p:par>
+                                <p:cTn id="13" presetID="1" presetClass="entr" presetSubtype="0" fill="hold" nodeType="clickEffect">
+                                  <p:stCondLst>
+                                    <p:cond delay="0"/>
+                                  </p:stCondLst>
+                                  <p:childTnLst>
+                                    <p:set>
+                                      <p:cBhvr>
+                                        <p:cTn id="14" dur="1" fill="hold">
+                                          <p:stCondLst>
+                                            <p:cond delay="0"/>
+                                          </p:stCondLst>
+                                        </p:cTn>
+                                        <p:tgtEl>
+                                          <p:spTgt spid="3">
+                                            <p:txEl>
+                                              <p:pRg st="7" end="7"/>
+                                            </p:txEl>
+                                          </p:spTgt>
+                                        </p:tgtEl>
+                                        <p:attrNameLst>
+                                          <p:attrName>style.visibility</p:attrName>
+                                        </p:attrNameLst>
+                                      </p:cBhvr>
+                                      <p:to>
+                                        <p:strVal val="visible"/>
+                                      </p:to>
+                                    </p:set>
+                                  </p:childTnLst>
+                                </p:cTn>
+                              </p:par>
+                            </p:childTnLst>
+                          </p:cTn>
+                        </p:par>
+                      </p:childTnLst>
+                    </p:cTn>
+                  </p:par>
+                </p:childTnLst>
+              </p:cTn>
+              <p:prevCondLst>
+                <p:cond evt="onPrev" delay="0">
+                  <p:tgtEl>
+                    <p:sldTgt/>
+                  </p:tgtEl>
+                </p:cond>
+              </p:prevCondLst>
+              <p:nextCondLst>
+                <p:cond evt="onNext" delay="0">
+                  <p:tgtEl>
+                    <p:sldTgt/>
+                  </p:tgtEl>
+                </p:cond>
+              </p:nextCondLst>
+            </p:seq>
+          </p:childTnLst>
+        </p:cTn>
+      </p:par>
+    </p:tnLst>
+  </p:timing>
+</p:sld>
+</file>
+
+<file path=ppt/slides/slide36.xml><?xml version="1.0" encoding="utf-8"?>
+<p:sld xmlns:a="http://schemas.openxmlformats.org/drawingml/2006/main" xmlns:r="http://schemas.openxmlformats.org/officeDocument/2006/relationships" xmlns:p="http://schemas.openxmlformats.org/presentationml/2006/main">
+  <p:cSld>
+    <p:spTree>
+      <p:nvGrpSpPr>
+        <p:cNvPr id="1" name=""/>
+        <p:cNvGrpSpPr/>
+        <p:nvPr/>
+      </p:nvGrpSpPr>
+      <p:grpSpPr>
+        <a:xfrm>
+          <a:off x="0" y="0"/>
+          <a:ext cx="0" cy="0"/>
+          <a:chOff x="0" y="0"/>
+          <a:chExt cx="0" cy="0"/>
+        </a:xfrm>
+      </p:grpSpPr>
+      <p:sp>
+        <p:nvSpPr>
+          <p:cNvPr id="2" name="Title 1"/>
+          <p:cNvSpPr>
+            <a:spLocks noGrp="1"/>
+          </p:cNvSpPr>
+          <p:nvPr>
+            <p:ph type="title"/>
+          </p:nvPr>
+        </p:nvSpPr>
+        <p:spPr/>
+        <p:txBody>
+          <a:bodyPr/>
+          <a:lstStyle/>
+          <a:p>
+            <a:r>
+              <a:rPr lang="en-US" dirty="0" smtClean="0"/>
+              <a:t>Consider Service Boundaries</a:t>
+            </a:r>
+            <a:endParaRPr lang="en-US" dirty="0"/>
+          </a:p>
+        </p:txBody>
+      </p:sp>
+      <p:sp>
+        <p:nvSpPr>
+          <p:cNvPr id="3" name="Rounded Rectangle 2"/>
+          <p:cNvSpPr/>
+          <p:nvPr/>
+        </p:nvSpPr>
+        <p:spPr bwMode="auto">
+          <a:xfrm>
+            <a:off x="2237243" y="2716867"/>
+            <a:ext cx="1407707" cy="698643"/>
+          </a:xfrm>
+          <a:prstGeom prst="roundRect">
+            <a:avLst/>
+          </a:prstGeom>
+          <a:solidFill>
+            <a:schemeClr val="accent1"/>
+          </a:solidFill>
+          <a:ln w="9525" cap="flat" cmpd="sng" algn="ctr">
+            <a:solidFill>
+              <a:schemeClr val="tx1"/>
+            </a:solidFill>
+            <a:prstDash val="solid"/>
+            <a:round/>
+            <a:headEnd type="none" w="med" len="med"/>
+            <a:tailEnd type="none" w="med" len="med"/>
+          </a:ln>
+          <a:effectLst/>
+        </p:spPr>
+        <p:txBody>
+          <a:bodyPr vert="horz" wrap="square" lIns="91438" tIns="45719" rIns="91438" bIns="45719" numCol="1" rtlCol="0" anchor="t" anchorCtr="0" compatLnSpc="1">
+            <a:prstTxWarp prst="textNoShape">
+              <a:avLst/>
+            </a:prstTxWarp>
+          </a:bodyPr>
+          <a:lstStyle/>
+          <a:p>
+            <a:pPr algn="ctr" defTabSz="914406"/>
+            <a:r>
+              <a:rPr lang="en-US" sz="3175" b="1" dirty="0">
+                <a:latin typeface="Franklin Gothic Medium" pitchFamily="34" charset="0"/>
+              </a:rPr>
+              <a:t>Sales</a:t>
+            </a:r>
+          </a:p>
+        </p:txBody>
+      </p:sp>
+      <p:sp>
+        <p:nvSpPr>
+          <p:cNvPr id="4" name="Rounded Rectangle 3"/>
+          <p:cNvSpPr/>
+          <p:nvPr/>
+        </p:nvSpPr>
+        <p:spPr bwMode="auto">
+          <a:xfrm>
+            <a:off x="8038903" y="2715390"/>
+            <a:ext cx="1407707" cy="698643"/>
+          </a:xfrm>
+          <a:prstGeom prst="roundRect">
+            <a:avLst/>
+          </a:prstGeom>
+          <a:solidFill>
+            <a:schemeClr val="accent1"/>
+          </a:solidFill>
+          <a:ln w="9525" cap="flat" cmpd="sng" algn="ctr">
+            <a:solidFill>
+              <a:schemeClr val="tx1"/>
+            </a:solidFill>
+            <a:prstDash val="solid"/>
+            <a:round/>
+            <a:headEnd type="none" w="med" len="med"/>
+            <a:tailEnd type="none" w="med" len="med"/>
+          </a:ln>
+          <a:effectLst/>
+        </p:spPr>
+        <p:txBody>
+          <a:bodyPr vert="horz" wrap="square" lIns="91438" tIns="45719" rIns="91438" bIns="45719" numCol="1" rtlCol="0" anchor="t" anchorCtr="0" compatLnSpc="1">
+            <a:prstTxWarp prst="textNoShape">
+              <a:avLst/>
+            </a:prstTxWarp>
+          </a:bodyPr>
+          <a:lstStyle/>
+          <a:p>
+            <a:pPr algn="ctr" defTabSz="914406"/>
+            <a:r>
+              <a:rPr lang="en-US" sz="3175" b="1" dirty="0">
+                <a:latin typeface="Franklin Gothic Medium" pitchFamily="34" charset="0"/>
+              </a:rPr>
+              <a:t>Billing</a:t>
+            </a:r>
+          </a:p>
+        </p:txBody>
+      </p:sp>
+      <p:sp>
+        <p:nvSpPr>
+          <p:cNvPr id="5" name="Rounded Rectangle 4"/>
+          <p:cNvSpPr/>
+          <p:nvPr/>
+        </p:nvSpPr>
+        <p:spPr bwMode="auto">
+          <a:xfrm>
+            <a:off x="4967209" y="2731097"/>
+            <a:ext cx="1820428" cy="698643"/>
+          </a:xfrm>
+          <a:prstGeom prst="roundRect">
+            <a:avLst/>
+          </a:prstGeom>
+          <a:solidFill>
+            <a:schemeClr val="accent1"/>
+          </a:solidFill>
+          <a:ln w="9525" cap="flat" cmpd="sng" algn="ctr">
+            <a:solidFill>
+              <a:schemeClr val="tx1"/>
+            </a:solidFill>
+            <a:prstDash val="solid"/>
+            <a:round/>
+            <a:headEnd type="none" w="med" len="med"/>
+            <a:tailEnd type="none" w="med" len="med"/>
+          </a:ln>
+          <a:effectLst/>
+        </p:spPr>
+        <p:txBody>
+          <a:bodyPr vert="horz" wrap="square" lIns="91438" tIns="45719" rIns="91438" bIns="45719" numCol="1" rtlCol="0" anchor="t" anchorCtr="0" compatLnSpc="1">
+            <a:prstTxWarp prst="textNoShape">
+              <a:avLst/>
+            </a:prstTxWarp>
+          </a:bodyPr>
+          <a:lstStyle/>
+          <a:p>
+            <a:pPr algn="ctr" defTabSz="914406"/>
+            <a:r>
+              <a:rPr lang="en-US" sz="3175" b="1" dirty="0">
+                <a:latin typeface="Franklin Gothic Medium" pitchFamily="34" charset="0"/>
+              </a:rPr>
+              <a:t>Shipping</a:t>
+            </a:r>
+          </a:p>
+        </p:txBody>
+      </p:sp>
+      <p:sp>
+        <p:nvSpPr>
+          <p:cNvPr id="7" name="TextBox 6"/>
+          <p:cNvSpPr txBox="1"/>
+          <p:nvPr/>
+        </p:nvSpPr>
+        <p:spPr>
+          <a:xfrm>
+            <a:off x="2140045" y="1859035"/>
+            <a:ext cx="2161806" cy="818427"/>
+          </a:xfrm>
+          <a:prstGeom prst="rect">
+            <a:avLst/>
+          </a:prstGeom>
+          <a:noFill/>
+        </p:spPr>
+        <p:txBody>
+          <a:bodyPr wrap="none" lIns="91438" tIns="45719" rIns="91438" bIns="45719" rtlCol="0">
+            <a:spAutoFit/>
+          </a:bodyPr>
+          <a:lstStyle/>
+          <a:p>
+            <a:r>
+              <a:rPr lang="en-US" sz="2359" dirty="0"/>
+              <a:t>Order Accepted</a:t>
+            </a:r>
+          </a:p>
+          <a:p>
+            <a:r>
+              <a:rPr lang="en-US" sz="2359" dirty="0"/>
+              <a:t>Order Cancelled</a:t>
+            </a:r>
+            <a:endParaRPr lang="en-US" sz="2359" dirty="0"/>
+          </a:p>
+        </p:txBody>
+      </p:sp>
+      <p:sp>
+        <p:nvSpPr>
+          <p:cNvPr id="8" name="TextBox 7"/>
+          <p:cNvSpPr txBox="1"/>
+          <p:nvPr/>
+        </p:nvSpPr>
+        <p:spPr>
+          <a:xfrm>
+            <a:off x="4878192" y="1853785"/>
+            <a:ext cx="2476380" cy="455379"/>
+          </a:xfrm>
+          <a:prstGeom prst="rect">
+            <a:avLst/>
+          </a:prstGeom>
+          <a:noFill/>
+        </p:spPr>
+        <p:txBody>
+          <a:bodyPr wrap="none" lIns="91438" tIns="45719" rIns="91438" bIns="45719" rtlCol="0">
+            <a:spAutoFit/>
+          </a:bodyPr>
+          <a:lstStyle/>
+          <a:p>
+            <a:r>
+              <a:rPr lang="en-US" sz="2359" dirty="0"/>
+              <a:t>Products Returned</a:t>
+            </a:r>
+            <a:endParaRPr lang="en-US" sz="2359" dirty="0"/>
+          </a:p>
+        </p:txBody>
+      </p:sp>
+      <p:sp>
+        <p:nvSpPr>
+          <p:cNvPr id="9" name="TextBox 8"/>
+          <p:cNvSpPr txBox="1"/>
+          <p:nvPr/>
+        </p:nvSpPr>
+        <p:spPr>
+          <a:xfrm>
+            <a:off x="7926587" y="1864291"/>
+            <a:ext cx="2462337" cy="818427"/>
+          </a:xfrm>
+          <a:prstGeom prst="rect">
+            <a:avLst/>
+          </a:prstGeom>
+          <a:noFill/>
+        </p:spPr>
+        <p:txBody>
+          <a:bodyPr wrap="none" lIns="91438" tIns="45719" rIns="91438" bIns="45719" rtlCol="0">
+            <a:spAutoFit/>
+          </a:bodyPr>
+          <a:lstStyle/>
+          <a:p>
+            <a:r>
+              <a:rPr lang="en-US" sz="2359" dirty="0"/>
+              <a:t>Customer Charged</a:t>
+            </a:r>
+          </a:p>
+          <a:p>
+            <a:r>
+              <a:rPr lang="en-US" sz="2359" dirty="0"/>
+              <a:t>Refund Policy</a:t>
+            </a:r>
+            <a:endParaRPr lang="en-US" sz="2359" dirty="0"/>
+          </a:p>
+        </p:txBody>
+      </p:sp>
+      <p:sp>
+        <p:nvSpPr>
+          <p:cNvPr id="10" name="TextBox 9"/>
+          <p:cNvSpPr txBox="1"/>
+          <p:nvPr/>
+        </p:nvSpPr>
+        <p:spPr>
+          <a:xfrm>
+            <a:off x="1523521" y="4337762"/>
+            <a:ext cx="9144959" cy="525078"/>
+          </a:xfrm>
+          <a:prstGeom prst="rect">
+            <a:avLst/>
+          </a:prstGeom>
+          <a:noFill/>
+        </p:spPr>
+        <p:txBody>
+          <a:bodyPr wrap="square" lIns="91438" tIns="45719" rIns="91438" bIns="45719" rtlCol="0">
+            <a:spAutoFit/>
+          </a:bodyPr>
+          <a:lstStyle/>
+          <a:p>
+            <a:pPr algn="ctr"/>
+            <a:r>
+              <a:rPr lang="en-US" sz="2812" dirty="0"/>
+              <a:t>Implement a saga for the refund policy in Billing</a:t>
+            </a:r>
+            <a:endParaRPr lang="en-GB" sz="2812" dirty="0"/>
+          </a:p>
+        </p:txBody>
+      </p:sp>
+    </p:spTree>
+    <p:extLst>
+      <p:ext uri="{BB962C8B-B14F-4D97-AF65-F5344CB8AC3E}">
+        <p14:creationId xmlns:p14="http://schemas.microsoft.com/office/powerpoint/2010/main" val="1912855590"/>
+      </p:ext>
+    </p:extLst>
+  </p:cSld>
+  <p:clrMapOvr>
+    <a:masterClrMapping/>
+  </p:clrMapOvr>
+  <p:transition/>
+  <p:timing>
+    <p:tnLst>
+      <p:par>
+        <p:cTn id="1" dur="indefinite" restart="never" nodeType="tmRoot">
+          <p:childTnLst>
+            <p:seq concurrent="1" nextAc="seek">
+              <p:cTn id="2" dur="indefinite" nodeType="mainSeq">
+                <p:childTnLst>
+                  <p:par>
+                    <p:cTn id="3" fill="hold">
+                      <p:stCondLst>
+                        <p:cond delay="indefinite"/>
+                      </p:stCondLst>
+                      <p:childTnLst>
+                        <p:par>
+                          <p:cTn id="4" fill="hold">
+                            <p:stCondLst>
+                              <p:cond delay="0"/>
+                            </p:stCondLst>
+                            <p:childTnLst>
+                              <p:par>
+                                <p:cTn id="5" presetID="1" presetClass="entr" presetSubtype="0" fill="hold" grpId="0" nodeType="clickEffect">
+                                  <p:stCondLst>
+                                    <p:cond delay="0"/>
+                                  </p:stCondLst>
+                                  <p:childTnLst>
+                                    <p:set>
+                                      <p:cBhvr>
+                                        <p:cTn id="6" dur="1" fill="hold">
+                                          <p:stCondLst>
+                                            <p:cond delay="0"/>
+                                          </p:stCondLst>
+                                        </p:cTn>
+                                        <p:tgtEl>
+                                          <p:spTgt spid="10"/>
+                                        </p:tgtEl>
+                                        <p:attrNameLst>
+                                          <p:attrName>style.visibility</p:attrName>
+                                        </p:attrNameLst>
+                                      </p:cBhvr>
+                                      <p:to>
+                                        <p:strVal val="visible"/>
+                                      </p:to>
+                                    </p:set>
+                                  </p:childTnLst>
+                                </p:cTn>
+                              </p:par>
+                            </p:childTnLst>
+                          </p:cTn>
+                        </p:par>
+                      </p:childTnLst>
+                    </p:cTn>
+                  </p:par>
+                </p:childTnLst>
+              </p:cTn>
+              <p:prevCondLst>
+                <p:cond evt="onPrev" delay="0">
+                  <p:tgtEl>
+                    <p:sldTgt/>
+                  </p:tgtEl>
+                </p:cond>
+              </p:prevCondLst>
+              <p:nextCondLst>
+                <p:cond evt="onNext" delay="0">
+                  <p:tgtEl>
+                    <p:sldTgt/>
+                  </p:tgtEl>
+                </p:cond>
+              </p:nextCondLst>
+            </p:seq>
+          </p:childTnLst>
+        </p:cTn>
+      </p:par>
+    </p:tnLst>
+    <p:bldLst>
+      <p:bldP spid="10" grpId="0"/>
+    </p:bldLst>
+  </p:timing>
+</p:sld>
+</file>
+
+<file path=ppt/slides/slide37.xml><?xml version="1.0" encoding="utf-8"?>
+<p:sld xmlns:a="http://schemas.openxmlformats.org/drawingml/2006/main" xmlns:r="http://schemas.openxmlformats.org/officeDocument/2006/relationships" xmlns:p="http://schemas.openxmlformats.org/presentationml/2006/main">
+  <p:cSld>
+    <p:spTree>
+      <p:nvGrpSpPr>
+        <p:cNvPr id="1" name=""/>
+        <p:cNvGrpSpPr/>
+        <p:nvPr/>
+      </p:nvGrpSpPr>
+      <p:grpSpPr>
+        <a:xfrm>
+          <a:off x="0" y="0"/>
+          <a:ext cx="0" cy="0"/>
+          <a:chOff x="0" y="0"/>
+          <a:chExt cx="0" cy="0"/>
+        </a:xfrm>
+      </p:grpSpPr>
+      <p:sp>
+        <p:nvSpPr>
+          <p:cNvPr id="2" name="Title 1"/>
+          <p:cNvSpPr>
+            <a:spLocks noGrp="1"/>
+          </p:cNvSpPr>
+          <p:nvPr>
+            <p:ph type="title"/>
+          </p:nvPr>
+        </p:nvSpPr>
+        <p:spPr/>
+        <p:txBody>
+          <a:bodyPr/>
+          <a:lstStyle/>
+          <a:p>
+            <a:r>
+              <a:rPr lang="en-GB" dirty="0" smtClean="0"/>
+              <a:t>Upcoming saga changes in v6</a:t>
+            </a:r>
+            <a:endParaRPr lang="sv-SE" dirty="0"/>
+          </a:p>
+        </p:txBody>
+      </p:sp>
+      <p:sp>
+        <p:nvSpPr>
+          <p:cNvPr id="4" name="Text Placeholder 3"/>
+          <p:cNvSpPr>
+            <a:spLocks noGrp="1"/>
+          </p:cNvSpPr>
+          <p:nvPr>
+            <p:ph type="body" idx="1"/>
+          </p:nvPr>
+        </p:nvSpPr>
+        <p:spPr/>
+        <p:txBody>
+          <a:bodyPr/>
+          <a:lstStyle/>
+          <a:p>
+            <a:endParaRPr lang="sv-SE"/>
+          </a:p>
+        </p:txBody>
+      </p:sp>
+    </p:spTree>
+    <p:extLst>
+      <p:ext uri="{BB962C8B-B14F-4D97-AF65-F5344CB8AC3E}">
+        <p14:creationId xmlns:p14="http://schemas.microsoft.com/office/powerpoint/2010/main" val="3057996759"/>
+      </p:ext>
+    </p:extLst>
+  </p:cSld>
+  <p:clrMapOvr>
+    <a:masterClrMapping/>
+  </p:clrMapOvr>
+  <p:timing>
+    <p:tnLst>
+      <p:par>
+        <p:cTn id="1" dur="indefinite" restart="never" nodeType="tmRoot"/>
+      </p:par>
+    </p:tnLst>
+  </p:timing>
 </p:sld>
 </file>
 
@@ -9522,4 +18128,265 @@
     </a:ext>
   </a:extLst>
 </a:theme>
+</file>
+
+<file path=ppt/theme/theme2.xml><?xml version="1.0" encoding="utf-8"?>
+<a:theme xmlns:a="http://schemas.openxmlformats.org/drawingml/2006/main" name="Office Theme">
+  <a:themeElements>
+    <a:clrScheme name="Office">
+      <a:dk1>
+        <a:sysClr val="windowText" lastClr="000000"/>
+      </a:dk1>
+      <a:lt1>
+        <a:sysClr val="window" lastClr="FFFFFF"/>
+      </a:lt1>
+      <a:dk2>
+        <a:srgbClr val="44546A"/>
+      </a:dk2>
+      <a:lt2>
+        <a:srgbClr val="E7E6E6"/>
+      </a:lt2>
+      <a:accent1>
+        <a:srgbClr val="5B9BD5"/>
+      </a:accent1>
+      <a:accent2>
+        <a:srgbClr val="ED7D31"/>
+      </a:accent2>
+      <a:accent3>
+        <a:srgbClr val="A5A5A5"/>
+      </a:accent3>
+      <a:accent4>
+        <a:srgbClr val="FFC000"/>
+      </a:accent4>
+      <a:accent5>
+        <a:srgbClr val="4472C4"/>
+      </a:accent5>
+      <a:accent6>
+        <a:srgbClr val="70AD47"/>
+      </a:accent6>
+      <a:hlink>
+        <a:srgbClr val="0563C1"/>
+      </a:hlink>
+      <a:folHlink>
+        <a:srgbClr val="954F72"/>
+      </a:folHlink>
+    </a:clrScheme>
+    <a:fontScheme name="Office">
+      <a:majorFont>
+        <a:latin typeface="Calibri Light" panose="020F0302020204030204"/>
+        <a:ea typeface=""/>
+        <a:cs typeface=""/>
+        <a:font script="Jpan" typeface="游ゴシック Light"/>
+        <a:font script="Hang" typeface="맑은 고딕"/>
+        <a:font script="Hans" typeface="等线 Light"/>
+        <a:font script="Hant" typeface="新細明體"/>
+        <a:font script="Arab" typeface="Times New Roman"/>
+        <a:font script="Hebr" typeface="Times New Roman"/>
+        <a:font script="Thai" typeface="Angsana New"/>
+        <a:font script="Ethi" typeface="Nyala"/>
+        <a:font script="Beng" typeface="Vrinda"/>
+        <a:font script="Gujr" typeface="Shruti"/>
+        <a:font script="Khmr" typeface="MoolBoran"/>
+        <a:font script="Knda" typeface="Tunga"/>
+        <a:font script="Guru" typeface="Raavi"/>
+        <a:font script="Cans" typeface="Euphemia"/>
+        <a:font script="Cher" typeface="Plantagenet Cherokee"/>
+        <a:font script="Yiii" typeface="Microsoft Yi Baiti"/>
+        <a:font script="Tibt" typeface="Microsoft Himalaya"/>
+        <a:font script="Thaa" typeface="MV Boli"/>
+        <a:font script="Deva" typeface="Mangal"/>
+        <a:font script="Telu" typeface="Gautami"/>
+        <a:font script="Taml" typeface="Latha"/>
+        <a:font script="Syrc" typeface="Estrangelo Edessa"/>
+        <a:font script="Orya" typeface="Kalinga"/>
+        <a:font script="Mlym" typeface="Kartika"/>
+        <a:font script="Laoo" typeface="DokChampa"/>
+        <a:font script="Sinh" typeface="Iskoola Pota"/>
+        <a:font script="Mong" typeface="Mongolian Baiti"/>
+        <a:font script="Viet" typeface="Times New Roman"/>
+        <a:font script="Uigh" typeface="Microsoft Uighur"/>
+        <a:font script="Geor" typeface="Sylfaen"/>
+      </a:majorFont>
+      <a:minorFont>
+        <a:latin typeface="Calibri" panose="020F0502020204030204"/>
+        <a:ea typeface=""/>
+        <a:cs typeface=""/>
+        <a:font script="Jpan" typeface="游ゴシック"/>
+        <a:font script="Hang" typeface="맑은 고딕"/>
+        <a:font script="Hans" typeface="等线"/>
+        <a:font script="Hant" typeface="新細明體"/>
+        <a:font script="Arab" typeface="Arial"/>
+        <a:font script="Hebr" typeface="Arial"/>
+        <a:font script="Thai" typeface="Cordia New"/>
+        <a:font script="Ethi" typeface="Nyala"/>
+        <a:font script="Beng" typeface="Vrinda"/>
+        <a:font script="Gujr" typeface="Shruti"/>
+        <a:font script="Khmr" typeface="DaunPenh"/>
+        <a:font script="Knda" typeface="Tunga"/>
+        <a:font script="Guru" typeface="Raavi"/>
+        <a:font script="Cans" typeface="Euphemia"/>
+        <a:font script="Cher" typeface="Plantagenet Cherokee"/>
+        <a:font script="Yiii" typeface="Microsoft Yi Baiti"/>
+        <a:font script="Tibt" typeface="Microsoft Himalaya"/>
+        <a:font script="Thaa" typeface="MV Boli"/>
+        <a:font script="Deva" typeface="Mangal"/>
+        <a:font script="Telu" typeface="Gautami"/>
+        <a:font script="Taml" typeface="Latha"/>
+        <a:font script="Syrc" typeface="Estrangelo Edessa"/>
+        <a:font script="Orya" typeface="Kalinga"/>
+        <a:font script="Mlym" typeface="Kartika"/>
+        <a:font script="Laoo" typeface="DokChampa"/>
+        <a:font script="Sinh" typeface="Iskoola Pota"/>
+        <a:font script="Mong" typeface="Mongolian Baiti"/>
+        <a:font script="Viet" typeface="Arial"/>
+        <a:font script="Uigh" typeface="Microsoft Uighur"/>
+        <a:font script="Geor" typeface="Sylfaen"/>
+      </a:minorFont>
+    </a:fontScheme>
+    <a:fmtScheme name="Office">
+      <a:fillStyleLst>
+        <a:solidFill>
+          <a:schemeClr val="phClr"/>
+        </a:solidFill>
+        <a:gradFill rotWithShape="1">
+          <a:gsLst>
+            <a:gs pos="0">
+              <a:schemeClr val="phClr">
+                <a:lumMod val="110000"/>
+                <a:satMod val="105000"/>
+                <a:tint val="67000"/>
+              </a:schemeClr>
+            </a:gs>
+            <a:gs pos="50000">
+              <a:schemeClr val="phClr">
+                <a:lumMod val="105000"/>
+                <a:satMod val="103000"/>
+                <a:tint val="73000"/>
+              </a:schemeClr>
+            </a:gs>
+            <a:gs pos="100000">
+              <a:schemeClr val="phClr">
+                <a:lumMod val="105000"/>
+                <a:satMod val="109000"/>
+                <a:tint val="81000"/>
+              </a:schemeClr>
+            </a:gs>
+          </a:gsLst>
+          <a:lin ang="5400000" scaled="0"/>
+        </a:gradFill>
+        <a:gradFill rotWithShape="1">
+          <a:gsLst>
+            <a:gs pos="0">
+              <a:schemeClr val="phClr">
+                <a:satMod val="103000"/>
+                <a:lumMod val="102000"/>
+                <a:tint val="94000"/>
+              </a:schemeClr>
+            </a:gs>
+            <a:gs pos="50000">
+              <a:schemeClr val="phClr">
+                <a:satMod val="110000"/>
+                <a:lumMod val="100000"/>
+                <a:shade val="100000"/>
+              </a:schemeClr>
+            </a:gs>
+            <a:gs pos="100000">
+              <a:schemeClr val="phClr">
+                <a:lumMod val="99000"/>
+                <a:satMod val="120000"/>
+                <a:shade val="78000"/>
+              </a:schemeClr>
+            </a:gs>
+          </a:gsLst>
+          <a:lin ang="5400000" scaled="0"/>
+        </a:gradFill>
+      </a:fillStyleLst>
+      <a:lnStyleLst>
+        <a:ln w="6350" cap="flat" cmpd="sng" algn="ctr">
+          <a:solidFill>
+            <a:schemeClr val="phClr"/>
+          </a:solidFill>
+          <a:prstDash val="solid"/>
+          <a:miter lim="800000"/>
+        </a:ln>
+        <a:ln w="12700" cap="flat" cmpd="sng" algn="ctr">
+          <a:solidFill>
+            <a:schemeClr val="phClr"/>
+          </a:solidFill>
+          <a:prstDash val="solid"/>
+          <a:miter lim="800000"/>
+        </a:ln>
+        <a:ln w="19050" cap="flat" cmpd="sng" algn="ctr">
+          <a:solidFill>
+            <a:schemeClr val="phClr"/>
+          </a:solidFill>
+          <a:prstDash val="solid"/>
+          <a:miter lim="800000"/>
+        </a:ln>
+      </a:lnStyleLst>
+      <a:effectStyleLst>
+        <a:effectStyle>
+          <a:effectLst/>
+        </a:effectStyle>
+        <a:effectStyle>
+          <a:effectLst/>
+        </a:effectStyle>
+        <a:effectStyle>
+          <a:effectLst>
+            <a:outerShdw blurRad="57150" dist="19050" dir="5400000" algn="ctr" rotWithShape="0">
+              <a:srgbClr val="000000">
+                <a:alpha val="63000"/>
+              </a:srgbClr>
+            </a:outerShdw>
+          </a:effectLst>
+        </a:effectStyle>
+      </a:effectStyleLst>
+      <a:bgFillStyleLst>
+        <a:solidFill>
+          <a:schemeClr val="phClr"/>
+        </a:solidFill>
+        <a:solidFill>
+          <a:schemeClr val="phClr">
+            <a:tint val="95000"/>
+            <a:satMod val="170000"/>
+          </a:schemeClr>
+        </a:solidFill>
+        <a:gradFill rotWithShape="1">
+          <a:gsLst>
+            <a:gs pos="0">
+              <a:schemeClr val="phClr">
+                <a:tint val="93000"/>
+                <a:satMod val="150000"/>
+                <a:shade val="98000"/>
+                <a:lumMod val="102000"/>
+              </a:schemeClr>
+            </a:gs>
+            <a:gs pos="50000">
+              <a:schemeClr val="phClr">
+                <a:tint val="98000"/>
+                <a:satMod val="130000"/>
+                <a:shade val="90000"/>
+                <a:lumMod val="103000"/>
+              </a:schemeClr>
+            </a:gs>
+            <a:gs pos="100000">
+              <a:schemeClr val="phClr">
+                <a:shade val="63000"/>
+                <a:satMod val="120000"/>
+              </a:schemeClr>
+            </a:gs>
+          </a:gsLst>
+          <a:lin ang="5400000" scaled="0"/>
+        </a:gradFill>
+      </a:bgFillStyleLst>
+    </a:fmtScheme>
+  </a:themeElements>
+  <a:objectDefaults/>
+  <a:extraClrSchemeLst/>
+  <a:extLst>
+    <a:ext uri="{05A4C25C-085E-4340-85A3-A5531E510DB2}">
+      <thm15:themeFamily xmlns:thm15="http://schemas.microsoft.com/office/thememl/2012/main" name="Office Theme" id="{62F939B6-93AF-4DB8-9C6B-D6C7DFDC589F}" vid="{4A3C46E8-61CC-4603-A589-7422A47A8E4A}"/>
+    </a:ext>
+  </a:extLst>
+</a:theme>
 </file>
--- a/SagaMasterClass.pptx
+++ b/SagaMasterClass.pptx
@@ -10387,7 +10387,7 @@
             <a:endParaRPr lang="sv-SE" dirty="0"/>
           </a:p>
           <a:p>
-            <a:endParaRPr lang="sv-SE"/>
+            <a:endParaRPr lang="sv-SE" dirty="0"/>
           </a:p>
           <a:p>
             <a:pPr marL="0" indent="0">
@@ -10462,13 +10462,99 @@
         </p:nvSpPr>
         <p:spPr/>
         <p:txBody>
-          <a:bodyPr/>
-          <a:lstStyle/>
-          <a:p>
-            <a:pPr marL="0" indent="0">
-              <a:buNone/>
-            </a:pPr>
-            <a:endParaRPr lang="sv-SE" dirty="0"/>
+          <a:bodyPr>
+            <a:normAutofit fontScale="92500" lnSpcReduction="10000"/>
+          </a:bodyPr>
+          <a:lstStyle/>
+          <a:p>
+            <a:r>
+              <a:rPr lang="en-GB" dirty="0" smtClean="0"/>
+              <a:t>Pessimistic locking</a:t>
+            </a:r>
+          </a:p>
+          <a:p>
+            <a:pPr lvl="1"/>
+            <a:r>
+              <a:rPr lang="en-GB" dirty="0" smtClean="0"/>
+              <a:t>Upgrade locks</a:t>
+            </a:r>
+          </a:p>
+          <a:p>
+            <a:pPr lvl="1"/>
+            <a:r>
+              <a:rPr lang="en-GB" dirty="0" smtClean="0"/>
+              <a:t>Ok since its just locking a single saga instance</a:t>
+            </a:r>
+          </a:p>
+          <a:p>
+            <a:pPr lvl="1"/>
+            <a:r>
+              <a:rPr lang="en-GB" dirty="0" smtClean="0"/>
+              <a:t>All messages updates saga state (usually)</a:t>
+            </a:r>
+          </a:p>
+          <a:p>
+            <a:r>
+              <a:rPr lang="en-US" dirty="0"/>
+              <a:t>exec </a:t>
+            </a:r>
+            <a:r>
+              <a:rPr lang="en-US" dirty="0" err="1"/>
+              <a:t>sp_executesql</a:t>
+            </a:r>
+            <a:r>
+              <a:rPr lang="en-US" dirty="0"/>
+              <a:t> N'UPDATE </a:t>
+            </a:r>
+            <a:r>
+              <a:rPr lang="en-US" dirty="0" err="1"/>
+              <a:t>ShippingPolicy</a:t>
+            </a:r>
+            <a:r>
+              <a:rPr lang="en-US" dirty="0"/>
+              <a:t> SET Billed = @p0 WHERE Id = @p1 AND Originator = @p2 AND </a:t>
+            </a:r>
+            <a:r>
+              <a:rPr lang="en-US" dirty="0" err="1"/>
+              <a:t>OriginalMessageId</a:t>
+            </a:r>
+            <a:r>
+              <a:rPr lang="en-US" dirty="0"/>
+              <a:t> = @p3 AND </a:t>
+            </a:r>
+            <a:r>
+              <a:rPr lang="en-US" dirty="0" err="1"/>
+              <a:t>OrderId</a:t>
+            </a:r>
+            <a:r>
+              <a:rPr lang="en-US" dirty="0"/>
+              <a:t> = @p4 AND Placed = @p5 AND Billed = @p6',N'@p0 bit,@p1 uniqueidentifier,@p2 </a:t>
+            </a:r>
+            <a:r>
+              <a:rPr lang="en-US" dirty="0" err="1"/>
+              <a:t>nvarchar</a:t>
+            </a:r>
+            <a:r>
+              <a:rPr lang="en-US" dirty="0"/>
+              <a:t>(4000),@p3 </a:t>
+            </a:r>
+            <a:r>
+              <a:rPr lang="en-US" dirty="0" err="1"/>
+              <a:t>nvarchar</a:t>
+            </a:r>
+            <a:r>
+              <a:rPr lang="en-US" dirty="0"/>
+              <a:t>(4000),@p4 </a:t>
+            </a:r>
+            <a:r>
+              <a:rPr lang="en-US" dirty="0" err="1"/>
+              <a:t>nvarchar</a:t>
+            </a:r>
+            <a:r>
+              <a:rPr lang="en-US"/>
+              <a:t>(4000),@p5 bit,@p6 bit',@p0=1,@p1='870D112B-44D1-4206-A4DB-A55B015DA80A',@p2=N'Sales@ANDREAS2015',@p3=N'baf9b6bb-a0da-41b9-8a81-a55b015d7a05',@p4=N'a23a2438-3af6-4c0a-a108-7f8e72d12083',@p5=1,@p6=0</a:t>
+            </a:r>
+            <a:endParaRPr lang="en-GB" dirty="0" smtClean="0"/>
           </a:p>
         </p:txBody>
       </p:sp>
@@ -10776,42 +10862,47 @@
           <a:p>
             <a:r>
               <a:rPr lang="en-GB" dirty="0" smtClean="0"/>
-              <a:t>Include the Billing and Shipping projects</a:t>
-            </a:r>
-          </a:p>
-          <a:p>
+              <a:t>Mak</a:t>
+            </a:r>
             <a:r>
               <a:rPr lang="en-GB" dirty="0" smtClean="0"/>
-              <a:t>Create a event handler in Billing that emits the `</a:t>
+              <a:t>e sure that the billing endpoint is stopped</a:t>
+            </a:r>
+          </a:p>
+          <a:p>
+            <a:r>
+              <a:rPr lang="en-GB" dirty="0" smtClean="0"/>
+              <a:t>Place a new order</a:t>
+            </a:r>
+          </a:p>
+          <a:p>
+            <a:r>
+              <a:rPr lang="en-GB" dirty="0" smtClean="0"/>
+              <a:t>Notice the concurrency exception </a:t>
+            </a:r>
+          </a:p>
+          <a:p>
+            <a:pPr lvl="1"/>
+            <a:r>
+              <a:rPr lang="en-GB" dirty="0" smtClean="0"/>
+              <a:t>In the </a:t>
             </a:r>
             <a:r>
               <a:rPr lang="en-GB" dirty="0" err="1" smtClean="0"/>
-              <a:t>OrderBilled</a:t>
+              <a:t>logfile</a:t>
             </a:r>
             <a:r>
               <a:rPr lang="en-GB" dirty="0" smtClean="0"/>
-              <a:t>` Event</a:t>
-            </a:r>
-          </a:p>
-          <a:p>
+              <a:t> in /bin/debug</a:t>
+            </a:r>
+          </a:p>
+          <a:p>
+            <a:pPr lvl="1"/>
             <a:r>
               <a:rPr lang="en-GB" dirty="0" smtClean="0"/>
-              <a:t>Create a Shipping saga that</a:t>
-            </a:r>
-          </a:p>
-          <a:p>
-            <a:pPr lvl="1"/>
-            <a:r>
-              <a:rPr lang="en-GB" dirty="0" smtClean="0"/>
-              <a:t>Starts a ship order sub process when the order has been accepted and billed</a:t>
-            </a:r>
-          </a:p>
-          <a:p>
-            <a:pPr lvl="1"/>
-            <a:r>
-              <a:rPr lang="en-GB" dirty="0" smtClean="0"/>
-              <a:t>For now just make the sub process a message handler</a:t>
-            </a:r>
+              <a:t>Or </a:t>
+            </a:r>
+            <a:endParaRPr lang="en-GB" dirty="0" smtClean="0"/>
           </a:p>
         </p:txBody>
       </p:sp>

--- a/SagaMasterClass.pptx
+++ b/SagaMasterClass.pptx
@@ -30,8 +30,8 @@
     <p:sldId id="275" r:id="rId21"/>
     <p:sldId id="302" r:id="rId22"/>
     <p:sldId id="303" r:id="rId23"/>
-    <p:sldId id="274" r:id="rId24"/>
-    <p:sldId id="304" r:id="rId25"/>
+    <p:sldId id="304" r:id="rId24"/>
+    <p:sldId id="274" r:id="rId25"/>
     <p:sldId id="305" r:id="rId26"/>
     <p:sldId id="289" r:id="rId27"/>
     <p:sldId id="290" r:id="rId28"/>
@@ -192,8 +192,8 @@
             <p14:sldId id="275"/>
             <p14:sldId id="302"/>
             <p14:sldId id="303"/>
+            <p14:sldId id="304"/>
             <p14:sldId id="274"/>
-            <p14:sldId id="304"/>
             <p14:sldId id="305"/>
             <p14:sldId id="289"/>
             <p14:sldId id="290"/>
@@ -5169,7 +5169,11 @@
           <a:p>
             <a:r>
               <a:rPr lang="en-GB" dirty="0" smtClean="0"/>
-              <a:t>Emitting messages</a:t>
+              <a:t>Sending </a:t>
+            </a:r>
+            <a:r>
+              <a:rPr lang="en-GB" dirty="0" smtClean="0"/>
+              <a:t>messages</a:t>
             </a:r>
             <a:endParaRPr lang="sv-SE" dirty="0"/>
           </a:p>
@@ -5190,7 +5194,44 @@
           <a:bodyPr/>
           <a:lstStyle/>
           <a:p>
-            <a:endParaRPr lang="sv-SE"/>
+            <a:r>
+              <a:rPr lang="en-GB" dirty="0" smtClean="0"/>
+              <a:t>You get access to the bus via the saga base class</a:t>
+            </a:r>
+            <a:endParaRPr lang="en-GB" dirty="0"/>
+          </a:p>
+          <a:p>
+            <a:endParaRPr lang="en-GB" dirty="0"/>
+          </a:p>
+          <a:p>
+            <a:pPr marL="0" indent="0">
+              <a:buNone/>
+            </a:pPr>
+            <a:r>
+              <a:rPr lang="en-GB" dirty="0" err="1" smtClean="0"/>
+              <a:t>t</a:t>
+            </a:r>
+            <a:r>
+              <a:rPr lang="en-GB" dirty="0" err="1" smtClean="0"/>
+              <a:t>his.Bus</a:t>
+            </a:r>
+            <a:r>
+              <a:rPr lang="en-GB" dirty="0" err="1" smtClean="0"/>
+              <a:t>.Send</a:t>
+            </a:r>
+            <a:r>
+              <a:rPr lang="en-GB" dirty="0" smtClean="0"/>
+              <a:t>(new </a:t>
+            </a:r>
+            <a:r>
+              <a:rPr lang="en-GB" dirty="0" err="1" smtClean="0"/>
+              <a:t>MyMessage</a:t>
+            </a:r>
+            <a:r>
+              <a:rPr lang="en-GB" dirty="0" smtClean="0"/>
+              <a:t>())</a:t>
+            </a:r>
+            <a:endParaRPr lang="en-GB" dirty="0" smtClean="0"/>
           </a:p>
         </p:txBody>
       </p:sp>
@@ -10418,7 +10459,11 @@
             </a:r>
             <a:r>
               <a:rPr lang="en-US" dirty="0" smtClean="0"/>
-              <a:t>&lt;&gt; for each</a:t>
+              <a:t>&lt;T&gt; </a:t>
+            </a:r>
+            <a:r>
+              <a:rPr lang="en-US" dirty="0" smtClean="0"/>
+              <a:t>for each</a:t>
             </a:r>
           </a:p>
           <a:p>
@@ -10851,7 +10896,7 @@
           <a:p>
             <a:r>
               <a:rPr lang="en-GB" dirty="0" smtClean="0"/>
-              <a:t>Creating new sagas</a:t>
+              <a:t>Concurrently starting sagas</a:t>
             </a:r>
             <a:endParaRPr lang="sv-SE" dirty="0"/>
           </a:p>
@@ -10873,8 +10918,24 @@
           <a:lstStyle/>
           <a:p>
             <a:r>
+              <a:rPr lang="en-US" dirty="0" smtClean="0"/>
+              <a:t>Make sure to add the [Unique] attribute to the correlated property</a:t>
+            </a:r>
+          </a:p>
+          <a:p>
+            <a:endParaRPr lang="en-US" dirty="0" smtClean="0"/>
+          </a:p>
+          <a:p>
+            <a:pPr marL="0" indent="0">
+              <a:buNone/>
+            </a:pPr>
+            <a:r>
+              <a:rPr lang="en-US" dirty="0" smtClean="0"/>
+              <a:t>ALTER </a:t>
+            </a:r>
+            <a:r>
               <a:rPr lang="en-US" dirty="0"/>
-              <a:t>ALTER TABLE [</a:t>
+              <a:t>TABLE [</a:t>
             </a:r>
             <a:r>
               <a:rPr lang="en-US" dirty="0" err="1"/>
@@ -10894,24 +10955,40 @@
             </a:r>
           </a:p>
           <a:p>
+            <a:pPr marL="0" indent="0">
+              <a:buNone/>
+            </a:pPr>
             <a:r>
               <a:rPr lang="sv-SE" dirty="0"/>
               <a:t>(</a:t>
             </a:r>
           </a:p>
           <a:p>
+            <a:pPr marL="0" indent="0">
+              <a:buNone/>
+            </a:pPr>
             <a:r>
               <a:rPr lang="sv-SE" dirty="0"/>
               <a:t>[OrderId] ASC</a:t>
             </a:r>
           </a:p>
           <a:p>
+            <a:pPr marL="0" indent="0">
+              <a:buNone/>
+            </a:pPr>
+            <a:r>
+              <a:rPr lang="en-US" dirty="0" smtClean="0"/>
+              <a:t>) ON </a:t>
+            </a:r>
             <a:r>
               <a:rPr lang="en-US" dirty="0"/>
-              <a:t>)WITH (PAD_INDEX = OFF, STATISTICS_NORECOMPUTE = OFF, SORT_IN_TEMPDB = OFF, IGNORE_DUP_KEY = OFF, ONLINE = OFF, ALLOW_ROW_LOCKS = ON, ALLOW_PAGE_LOCKS = ON) ON [PRIMARY]</a:t>
-            </a:r>
-          </a:p>
-          <a:p>
+              <a:t>[PRIMARY]</a:t>
+            </a:r>
+          </a:p>
+          <a:p>
+            <a:pPr marL="0" indent="0">
+              <a:buNone/>
+            </a:pPr>
             <a:r>
               <a:rPr lang="sv-SE" dirty="0"/>
               <a:t>GO</a:t>
@@ -10978,7 +11055,11 @@
           <a:p>
             <a:r>
               <a:rPr lang="en-GB" dirty="0" smtClean="0"/>
-              <a:t>Updating existing sagas</a:t>
+              <a:t>Concurrently updating </a:t>
+            </a:r>
+            <a:r>
+              <a:rPr lang="en-GB" dirty="0" smtClean="0"/>
+              <a:t>existing sagas</a:t>
             </a:r>
             <a:endParaRPr lang="sv-SE" dirty="0"/>
           </a:p>
@@ -10997,39 +11078,81 @@
         <p:spPr/>
         <p:txBody>
           <a:bodyPr>
-            <a:normAutofit fontScale="92500" lnSpcReduction="10000"/>
+            <a:normAutofit fontScale="85000" lnSpcReduction="20000"/>
           </a:bodyPr>
           <a:lstStyle/>
           <a:p>
             <a:r>
               <a:rPr lang="en-GB" dirty="0" smtClean="0"/>
-              <a:t>Pessimistic locking</a:t>
-            </a:r>
+              <a:t>Storage specific</a:t>
+            </a:r>
+          </a:p>
+          <a:p>
+            <a:r>
+              <a:rPr lang="en-GB" dirty="0" smtClean="0"/>
+              <a:t>NHibernate specifics</a:t>
+            </a:r>
+            <a:endParaRPr lang="en-GB" dirty="0" smtClean="0"/>
           </a:p>
           <a:p>
             <a:pPr lvl="1"/>
             <a:r>
               <a:rPr lang="en-GB" dirty="0" smtClean="0"/>
-              <a:t>Upgrade locks</a:t>
-            </a:r>
+              <a:t>Optimistic concurrency</a:t>
+            </a:r>
+            <a:endParaRPr lang="en-GB" dirty="0" smtClean="0"/>
           </a:p>
           <a:p>
             <a:pPr lvl="1"/>
             <a:r>
               <a:rPr lang="en-GB" dirty="0" smtClean="0"/>
-              <a:t>Ok since its just locking a single saga instance</a:t>
-            </a:r>
-          </a:p>
-          <a:p>
-            <a:pPr lvl="1"/>
+              <a:t>Prefer a version property to avoid </a:t>
+            </a:r>
+          </a:p>
+          <a:p>
+            <a:pPr lvl="2"/>
             <a:r>
               <a:rPr lang="en-GB" dirty="0" smtClean="0"/>
-              <a:t>All messages updates saga state (usually)</a:t>
-            </a:r>
-          </a:p>
-          <a:p>
-            <a:r>
-              <a:rPr lang="en-US" dirty="0"/>
+              <a:t>To big </a:t>
+            </a:r>
+            <a:r>
+              <a:rPr lang="en-GB" dirty="0" err="1" smtClean="0"/>
+              <a:t>sql</a:t>
+            </a:r>
+            <a:r>
+              <a:rPr lang="en-GB" dirty="0" smtClean="0"/>
+              <a:t> statements</a:t>
+            </a:r>
+          </a:p>
+          <a:p>
+            <a:pPr lvl="2"/>
+            <a:r>
+              <a:rPr lang="en-GB" dirty="0" smtClean="0"/>
+              <a:t>Decimal properties can cause failures due to truncation</a:t>
+            </a:r>
+          </a:p>
+          <a:p>
+            <a:pPr lvl="2"/>
+            <a:r>
+              <a:rPr lang="en-GB" dirty="0" smtClean="0"/>
+              <a:t>Public virtual </a:t>
+            </a:r>
+            <a:r>
+              <a:rPr lang="en-GB" dirty="0" err="1" smtClean="0"/>
+              <a:t>int</a:t>
+            </a:r>
+            <a:r>
+              <a:rPr lang="en-GB" dirty="0" smtClean="0"/>
+              <a:t> Version{ get; set; }</a:t>
+            </a:r>
+            <a:endParaRPr lang="en-US" dirty="0" smtClean="0"/>
+          </a:p>
+          <a:p>
+            <a:pPr marL="0" indent="0">
+              <a:buNone/>
+            </a:pPr>
+            <a:r>
+              <a:rPr lang="en-US" dirty="0" smtClean="0"/>
               <a:t>exec </a:t>
             </a:r>
             <a:r>
@@ -11046,7 +11169,15 @@
             </a:r>
             <a:r>
               <a:rPr lang="en-US" dirty="0"/>
-              <a:t> SET Billed = @p0 WHERE Id = @p1 AND Originator = @p2 AND </a:t>
+              <a:t> SET Billed = @p0 </a:t>
+            </a:r>
+            <a:r>
+              <a:rPr lang="en-US" sz="3600" dirty="0"/>
+              <a:t>WHERE</a:t>
+            </a:r>
+            <a:r>
+              <a:rPr lang="en-US" dirty="0"/>
+              <a:t> Id = @p1 AND Originator = @p2 AND </a:t>
             </a:r>
             <a:r>
               <a:rPr lang="en-US" dirty="0" err="1"/>
@@ -11139,7 +11270,162 @@
           <a:p>
             <a:r>
               <a:rPr lang="en-GB" dirty="0" smtClean="0"/>
-              <a:t>Storage mechanics</a:t>
+              <a:t>Optimizing for concurrency - NHibernate</a:t>
+            </a:r>
+            <a:endParaRPr lang="sv-SE" dirty="0"/>
+          </a:p>
+        </p:txBody>
+      </p:sp>
+      <p:sp>
+        <p:nvSpPr>
+          <p:cNvPr id="3" name="Content Placeholder 2"/>
+          <p:cNvSpPr>
+            <a:spLocks noGrp="1"/>
+          </p:cNvSpPr>
+          <p:nvPr>
+            <p:ph idx="1"/>
+          </p:nvPr>
+        </p:nvSpPr>
+        <p:spPr/>
+        <p:txBody>
+          <a:bodyPr>
+            <a:normAutofit fontScale="92500" lnSpcReduction="10000"/>
+          </a:bodyPr>
+          <a:lstStyle/>
+          <a:p>
+            <a:r>
+              <a:rPr lang="en-GB" dirty="0" err="1" smtClean="0"/>
+              <a:t>RavenDB</a:t>
+            </a:r>
+            <a:r>
+              <a:rPr lang="en-GB" dirty="0" smtClean="0"/>
+              <a:t> can’t </a:t>
+            </a:r>
+            <a:r>
+              <a:rPr lang="en-GB" smtClean="0"/>
+              <a:t>do this</a:t>
+            </a:r>
+          </a:p>
+          <a:p>
+            <a:r>
+              <a:rPr lang="en-GB" dirty="0" smtClean="0"/>
+              <a:t>Upgrade </a:t>
+            </a:r>
+            <a:r>
+              <a:rPr lang="en-GB" dirty="0"/>
+              <a:t>locks (this essentially becomes pessimistic locking)</a:t>
+            </a:r>
+          </a:p>
+          <a:p>
+            <a:pPr lvl="1"/>
+            <a:r>
+              <a:rPr lang="en-GB" dirty="0"/>
+              <a:t>Ok since its just locking a single saga instance</a:t>
+            </a:r>
+          </a:p>
+          <a:p>
+            <a:pPr lvl="1"/>
+            <a:r>
+              <a:rPr lang="en-GB" dirty="0"/>
+              <a:t>All messages updates saga state (usually</a:t>
+            </a:r>
+            <a:endParaRPr lang="en-US" dirty="0" smtClean="0"/>
+          </a:p>
+          <a:p>
+            <a:pPr marL="0" indent="0">
+              <a:buNone/>
+            </a:pPr>
+            <a:r>
+              <a:rPr lang="en-US" dirty="0" smtClean="0"/>
+              <a:t>exec </a:t>
+            </a:r>
+            <a:r>
+              <a:rPr lang="en-US" dirty="0" err="1"/>
+              <a:t>sp_executesql</a:t>
+            </a:r>
+            <a:r>
+              <a:rPr lang="en-US" dirty="0"/>
+              <a:t> N'SELECT </a:t>
+            </a:r>
+            <a:r>
+              <a:rPr lang="en-US" dirty="0" err="1"/>
+              <a:t>this_.Id</a:t>
+            </a:r>
+            <a:r>
+              <a:rPr lang="en-US" dirty="0"/>
+              <a:t> as Id0_0_, </a:t>
+            </a:r>
+            <a:r>
+              <a:rPr lang="en-US" dirty="0" err="1"/>
+              <a:t>this_.Originator</a:t>
+            </a:r>
+            <a:r>
+              <a:rPr lang="en-US" dirty="0"/>
+              <a:t> as Originator0_0_, this_.</a:t>
+            </a:r>
+            <a:r>
+              <a:rPr lang="en-US" dirty="0" err="1"/>
+              <a:t>OriginalMessageId</a:t>
+            </a:r>
+            <a:r>
+              <a:rPr lang="en-US" dirty="0"/>
+              <a:t> as Original3_0_0_, this_.</a:t>
+            </a:r>
+            <a:r>
+              <a:rPr lang="en-US" dirty="0" err="1"/>
+              <a:t>OrderId</a:t>
+            </a:r>
+            <a:r>
+              <a:rPr lang="en-US" dirty="0"/>
+              <a:t> as OrderId1_0_, this_.</a:t>
+            </a:r>
+            <a:r>
+              <a:rPr lang="en-US" dirty="0" err="1"/>
+              <a:t>SentToFedex</a:t>
+            </a:r>
+            <a:r>
+              <a:rPr lang="en-US" dirty="0"/>
+              <a:t> as SentToFe2_1_0_ FROM </a:t>
+            </a:r>
+            <a:r>
+              <a:rPr lang="en-US" dirty="0" err="1"/>
+              <a:t>ShipOrderPolicy</a:t>
+            </a:r>
+            <a:r>
+              <a:rPr lang="en-US" dirty="0"/>
+              <a:t> this_ </a:t>
+            </a:r>
+            <a:r>
+              <a:rPr lang="en-US" sz="6600" dirty="0"/>
+              <a:t>with (</a:t>
+            </a:r>
+            <a:r>
+              <a:rPr lang="en-US" sz="6600" dirty="0" err="1"/>
+              <a:t>updlock</a:t>
+            </a:r>
+            <a:r>
+              <a:rPr lang="en-US" sz="6600" dirty="0"/>
+              <a:t>, rowlock) </a:t>
+            </a:r>
+            <a:r>
+              <a:rPr lang="en-US" dirty="0"/>
+              <a:t>WHERE this_.</a:t>
+            </a:r>
+            <a:r>
+              <a:rPr lang="en-US" dirty="0" err="1"/>
+              <a:t>OrderId</a:t>
+            </a:r>
+            <a:r>
+              <a:rPr lang="en-US" dirty="0"/>
+              <a:t> = @p0',N'@p0 </a:t>
+            </a:r>
+            <a:r>
+              <a:rPr lang="en-US" dirty="0" err="1"/>
+              <a:t>nvarchar</a:t>
+            </a:r>
+            <a:r>
+              <a:rPr lang="en-US" dirty="0"/>
+              <a:t>(4000)',@p0=N'ac9598f9-79cc-4d1c-bea2-32d8b73675b4'</a:t>
             </a:r>
             <a:endParaRPr lang="sv-SE" dirty="0"/>
           </a:p>
@@ -11148,7 +11434,7 @@
     </p:spTree>
     <p:extLst>
       <p:ext uri="{BB962C8B-B14F-4D97-AF65-F5344CB8AC3E}">
-        <p14:creationId xmlns:p14="http://schemas.microsoft.com/office/powerpoint/2010/main" val="2046957431"/>
+        <p14:creationId xmlns:p14="http://schemas.microsoft.com/office/powerpoint/2010/main" val="2068426565"/>
       </p:ext>
     </p:extLst>
   </p:cSld>
@@ -11192,7 +11478,7 @@
           <a:p>
             <a:r>
               <a:rPr lang="en-GB" dirty="0" smtClean="0"/>
-              <a:t>Optimizing for concurrency</a:t>
+              <a:t>Storage mechanics</a:t>
             </a:r>
             <a:endParaRPr lang="sv-SE" dirty="0"/>
           </a:p>
@@ -11213,101 +11499,12 @@
           <a:bodyPr/>
           <a:lstStyle/>
           <a:p>
-            <a:pPr marL="0" indent="0">
-              <a:buNone/>
-            </a:pPr>
-            <a:r>
-              <a:rPr lang="en-US" dirty="0"/>
-              <a:t>exec </a:t>
-            </a:r>
-            <a:r>
-              <a:rPr lang="en-US" dirty="0" err="1"/>
-              <a:t>sp_executesql</a:t>
-            </a:r>
-            <a:r>
-              <a:rPr lang="en-US" dirty="0"/>
-              <a:t> N'SELECT </a:t>
-            </a:r>
-            <a:r>
-              <a:rPr lang="en-US" dirty="0" err="1"/>
-              <a:t>this_.Id</a:t>
-            </a:r>
-            <a:r>
-              <a:rPr lang="en-US" dirty="0"/>
-              <a:t> as Id0_0_, </a:t>
-            </a:r>
-            <a:r>
-              <a:rPr lang="en-US" dirty="0" err="1"/>
-              <a:t>this_.Originator</a:t>
-            </a:r>
-            <a:r>
-              <a:rPr lang="en-US" dirty="0"/>
-              <a:t> as Originator0_0_, this_.</a:t>
-            </a:r>
-            <a:r>
-              <a:rPr lang="en-US" dirty="0" err="1"/>
-              <a:t>OriginalMessageId</a:t>
-            </a:r>
-            <a:r>
-              <a:rPr lang="en-US" dirty="0"/>
-              <a:t> as Original3_0_0_, this_.</a:t>
-            </a:r>
-            <a:r>
-              <a:rPr lang="en-US" dirty="0" err="1"/>
-              <a:t>OrderId</a:t>
-            </a:r>
-            <a:r>
-              <a:rPr lang="en-US" dirty="0"/>
-              <a:t> as OrderId1_0_, this_.</a:t>
-            </a:r>
-            <a:r>
-              <a:rPr lang="en-US" dirty="0" err="1"/>
-              <a:t>SentToFedex</a:t>
-            </a:r>
-            <a:r>
-              <a:rPr lang="en-US" dirty="0"/>
-              <a:t> as SentToFe2_1_0_ FROM </a:t>
-            </a:r>
-            <a:r>
-              <a:rPr lang="en-US" dirty="0" err="1"/>
-              <a:t>ShipOrderPolicy</a:t>
-            </a:r>
-            <a:r>
-              <a:rPr lang="en-US" dirty="0"/>
-              <a:t> this_ </a:t>
-            </a:r>
-            <a:r>
-              <a:rPr lang="en-US" sz="6600" dirty="0"/>
-              <a:t>with (</a:t>
-            </a:r>
-            <a:r>
-              <a:rPr lang="en-US" sz="6600" dirty="0" err="1"/>
-              <a:t>updlock</a:t>
-            </a:r>
-            <a:r>
-              <a:rPr lang="en-US" sz="6600" dirty="0"/>
-              <a:t>, rowlock) </a:t>
-            </a:r>
-            <a:r>
-              <a:rPr lang="en-US" dirty="0"/>
-              <a:t>WHERE this_.</a:t>
-            </a:r>
-            <a:r>
-              <a:rPr lang="en-US" dirty="0" err="1"/>
-              <a:t>OrderId</a:t>
-            </a:r>
-            <a:r>
-              <a:rPr lang="en-US" dirty="0"/>
-              <a:t> = @p0',N'@p0 </a:t>
-            </a:r>
-            <a:r>
-              <a:rPr lang="en-US" dirty="0" err="1"/>
-              <a:t>nvarchar</a:t>
-            </a:r>
-            <a:r>
-              <a:rPr lang="en-US" dirty="0"/>
-              <a:t>(4000)',@p0=N'ac9598f9-79cc-4d1c-bea2-32d8b73675b4'</a:t>
-            </a:r>
+            <a:r>
+              <a:rPr lang="en-GB" dirty="0" smtClean="0"/>
+              <a:t>Do we need this slide?</a:t>
+            </a:r>
+          </a:p>
+          <a:p>
             <a:endParaRPr lang="sv-SE" dirty="0"/>
           </a:p>
         </p:txBody>
@@ -11315,7 +11512,7 @@
     </p:spTree>
     <p:extLst>
       <p:ext uri="{BB962C8B-B14F-4D97-AF65-F5344CB8AC3E}">
-        <p14:creationId xmlns:p14="http://schemas.microsoft.com/office/powerpoint/2010/main" val="2068426565"/>
+        <p14:creationId xmlns:p14="http://schemas.microsoft.com/office/powerpoint/2010/main" val="2046957431"/>
       </p:ext>
     </p:extLst>
   </p:cSld>
@@ -18826,8 +19023,12 @@
               <a:buNone/>
             </a:pPr>
             <a:r>
+              <a:rPr lang="en-GB" dirty="0" smtClean="0"/>
+              <a:t>In short: Sagas == </a:t>
+            </a:r>
+            <a:r>
               <a:rPr lang="en-GB" dirty="0"/>
-              <a:t>Sagas = message driven state machines</a:t>
+              <a:t>message driven state machines</a:t>
             </a:r>
             <a:endParaRPr lang="sv-SE" dirty="0"/>
           </a:p>
@@ -22635,7 +22836,54 @@
           <a:bodyPr/>
           <a:lstStyle/>
           <a:p>
-            <a:endParaRPr lang="sv-SE"/>
+            <a:r>
+              <a:rPr lang="en-GB" dirty="0" smtClean="0"/>
+              <a:t>Just like normal message handlers</a:t>
+            </a:r>
+          </a:p>
+          <a:p>
+            <a:endParaRPr lang="en-GB" dirty="0"/>
+          </a:p>
+          <a:p>
+            <a:endParaRPr lang="en-GB" dirty="0" smtClean="0"/>
+          </a:p>
+          <a:p>
+            <a:pPr marL="0" indent="0">
+              <a:buNone/>
+            </a:pPr>
+            <a:r>
+              <a:rPr lang="en-GB" dirty="0"/>
+              <a:t>c</a:t>
+            </a:r>
+            <a:r>
+              <a:rPr lang="en-GB" dirty="0" smtClean="0"/>
+              <a:t>lass </a:t>
+            </a:r>
+            <a:r>
+              <a:rPr lang="en-GB" dirty="0" err="1" smtClean="0"/>
+              <a:t>MySaga</a:t>
+            </a:r>
+            <a:r>
+              <a:rPr lang="en-GB" dirty="0" smtClean="0"/>
+              <a:t>: </a:t>
+            </a:r>
+            <a:r>
+              <a:rPr lang="en-GB" b="1" dirty="0" err="1" smtClean="0"/>
+              <a:t>IHandleMessages</a:t>
+            </a:r>
+            <a:r>
+              <a:rPr lang="en-GB" b="1" dirty="0" smtClean="0"/>
+              <a:t>&lt;</a:t>
+            </a:r>
+            <a:r>
+              <a:rPr lang="en-GB" b="1" dirty="0" err="1" smtClean="0"/>
+              <a:t>MyMessage</a:t>
+            </a:r>
+            <a:r>
+              <a:rPr lang="en-GB" b="1" dirty="0" smtClean="0"/>
+              <a:t>&gt;</a:t>
+            </a:r>
+            <a:endParaRPr lang="sv-SE" b="1" dirty="0"/>
           </a:p>
         </p:txBody>
       </p:sp>
@@ -25934,7 +26182,62 @@
           <a:bodyPr/>
           <a:lstStyle/>
           <a:p>
-            <a:endParaRPr lang="sv-SE"/>
+            <a:pPr marL="0" indent="0">
+              <a:buNone/>
+            </a:pPr>
+            <a:r>
+              <a:rPr lang="en-GB" dirty="0"/>
+              <a:t>c</a:t>
+            </a:r>
+            <a:r>
+              <a:rPr lang="en-GB" dirty="0" smtClean="0"/>
+              <a:t>lass </a:t>
+            </a:r>
+            <a:r>
+              <a:rPr lang="en-GB" dirty="0" err="1" smtClean="0"/>
+              <a:t>MySaga</a:t>
+            </a:r>
+            <a:r>
+              <a:rPr lang="en-GB" dirty="0" smtClean="0"/>
+              <a:t>: </a:t>
+            </a:r>
+            <a:r>
+              <a:rPr lang="en-GB" b="1" dirty="0" err="1" smtClean="0"/>
+              <a:t>IAmStartedByMessages</a:t>
+            </a:r>
+            <a:r>
+              <a:rPr lang="en-GB" b="1" dirty="0" smtClean="0"/>
+              <a:t>&lt;</a:t>
+            </a:r>
+            <a:r>
+              <a:rPr lang="en-GB" b="1" dirty="0" err="1" smtClean="0"/>
+              <a:t>MyStartMessage</a:t>
+            </a:r>
+            <a:r>
+              <a:rPr lang="en-GB" b="1" dirty="0" smtClean="0"/>
+              <a:t>&gt;</a:t>
+            </a:r>
+          </a:p>
+          <a:p>
+            <a:pPr marL="0" indent="0">
+              <a:buNone/>
+            </a:pPr>
+            <a:endParaRPr lang="en-GB" b="1" dirty="0"/>
+          </a:p>
+          <a:p>
+            <a:r>
+              <a:rPr lang="en-GB" dirty="0" err="1" smtClean="0"/>
+              <a:t>IAmStartedByMessages</a:t>
+            </a:r>
+            <a:r>
+              <a:rPr lang="en-GB" dirty="0" smtClean="0"/>
+              <a:t> inherits </a:t>
+            </a:r>
+            <a:r>
+              <a:rPr lang="en-GB" dirty="0" err="1" smtClean="0"/>
+              <a:t>IHandleMessages</a:t>
+            </a:r>
+            <a:endParaRPr lang="sv-SE" dirty="0"/>
           </a:p>
         </p:txBody>
       </p:sp>
@@ -26003,10 +26306,138 @@
         </p:nvSpPr>
         <p:spPr/>
         <p:txBody>
-          <a:bodyPr/>
-          <a:lstStyle/>
-          <a:p>
-            <a:endParaRPr lang="sv-SE"/>
+          <a:bodyPr>
+            <a:normAutofit/>
+          </a:bodyPr>
+          <a:lstStyle/>
+          <a:p>
+            <a:pPr marL="0" indent="0">
+              <a:buNone/>
+            </a:pPr>
+            <a:r>
+              <a:rPr lang="en-GB" dirty="0" smtClean="0"/>
+              <a:t>Class </a:t>
+            </a:r>
+            <a:r>
+              <a:rPr lang="en-GB" dirty="0" err="1" smtClean="0"/>
+              <a:t>MySaga</a:t>
+            </a:r>
+            <a:r>
+              <a:rPr lang="en-GB" dirty="0" smtClean="0"/>
+              <a:t>: </a:t>
+            </a:r>
+            <a:r>
+              <a:rPr lang="en-GB" dirty="0"/>
+              <a:t>Saga&lt; </a:t>
+            </a:r>
+            <a:r>
+              <a:rPr lang="en-GB" dirty="0" err="1" smtClean="0"/>
+              <a:t>MySaga.State</a:t>
+            </a:r>
+            <a:r>
+              <a:rPr lang="en-GB" dirty="0" smtClean="0"/>
+              <a:t>&gt;</a:t>
+            </a:r>
+          </a:p>
+          <a:p>
+            <a:r>
+              <a:rPr lang="en-GB" dirty="0" smtClean="0"/>
+              <a:t>The state clas</a:t>
+            </a:r>
+            <a:r>
+              <a:rPr lang="en-GB" dirty="0" smtClean="0"/>
+              <a:t>s should inherit from </a:t>
+            </a:r>
+            <a:r>
+              <a:rPr lang="en-GB" dirty="0" err="1" smtClean="0"/>
+              <a:t>ContainsSagaData</a:t>
+            </a:r>
+            <a:endParaRPr lang="en-GB" dirty="0" smtClean="0"/>
+          </a:p>
+          <a:p>
+            <a:pPr lvl="1"/>
+            <a:r>
+              <a:rPr lang="en-GB" dirty="0" smtClean="0"/>
+              <a:t>To allow </a:t>
+            </a:r>
+            <a:r>
+              <a:rPr lang="en-GB" dirty="0" err="1" smtClean="0"/>
+              <a:t>NServiceBus</a:t>
+            </a:r>
+            <a:r>
+              <a:rPr lang="en-GB" dirty="0" smtClean="0"/>
+              <a:t> to add metadata</a:t>
+            </a:r>
+          </a:p>
+          <a:p>
+            <a:pPr lvl="1"/>
+            <a:r>
+              <a:rPr lang="en-GB" dirty="0" smtClean="0"/>
+              <a:t>Prefer a nested class</a:t>
+            </a:r>
+            <a:endParaRPr lang="en-GB" dirty="0"/>
+          </a:p>
+          <a:p>
+            <a:pPr marL="0" indent="0">
+              <a:buNone/>
+            </a:pPr>
+            <a:r>
+              <a:rPr lang="en-GB" dirty="0" smtClean="0"/>
+              <a:t>class State: </a:t>
+            </a:r>
+            <a:r>
+              <a:rPr lang="en-GB" dirty="0" err="1" smtClean="0"/>
+              <a:t>ContainsSagaData</a:t>
+            </a:r>
+            <a:r>
+              <a:rPr lang="en-GB" dirty="0" smtClean="0"/>
+              <a:t>{</a:t>
+            </a:r>
+          </a:p>
+          <a:p>
+            <a:pPr marL="0" indent="0">
+              <a:buNone/>
+            </a:pPr>
+            <a:r>
+              <a:rPr lang="en-GB" dirty="0" smtClean="0"/>
+              <a:t>    public string </a:t>
+            </a:r>
+            <a:r>
+              <a:rPr lang="en-GB" dirty="0" err="1" smtClean="0"/>
+              <a:t>MyStateProperty</a:t>
+            </a:r>
+            <a:r>
+              <a:rPr lang="en-GB" dirty="0" smtClean="0"/>
+              <a:t>{ get; set;}</a:t>
+            </a:r>
+          </a:p>
+          <a:p>
+            <a:pPr marL="0" indent="0">
+              <a:buNone/>
+            </a:pPr>
+            <a:r>
+              <a:rPr lang="en-GB" dirty="0" smtClean="0"/>
+              <a:t>}</a:t>
+            </a:r>
+          </a:p>
+          <a:p>
+            <a:r>
+              <a:rPr lang="en-GB" dirty="0" smtClean="0"/>
+              <a:t>Access state via </a:t>
+            </a:r>
+            <a:r>
+              <a:rPr lang="en-GB" dirty="0" err="1" smtClean="0"/>
+              <a:t>this.Data</a:t>
+            </a:r>
+            <a:r>
+              <a:rPr lang="en-GB" dirty="0"/>
+              <a:t> </a:t>
+            </a:r>
+            <a:r>
+              <a:rPr lang="en-GB" dirty="0" err="1"/>
+              <a:t>MyStateProperty</a:t>
+            </a:r>
+            <a:endParaRPr lang="en-GB" dirty="0"/>
           </a:p>
         </p:txBody>
       </p:sp>
@@ -26057,7 +26488,15 @@
           <a:p>
             <a:r>
               <a:rPr lang="en-GB" dirty="0" smtClean="0"/>
-              <a:t>Mapping messages to sagas</a:t>
+              <a:t>Correlating </a:t>
+            </a:r>
+            <a:r>
+              <a:rPr lang="en-GB" dirty="0" smtClean="0"/>
+              <a:t>messages to </a:t>
+            </a:r>
+            <a:r>
+              <a:rPr lang="en-GB" dirty="0" smtClean="0"/>
+              <a:t>saga instances</a:t>
             </a:r>
             <a:endParaRPr lang="sv-SE" dirty="0"/>
           </a:p>
@@ -26075,9 +26514,132 @@
         </p:nvSpPr>
         <p:spPr/>
         <p:txBody>
-          <a:bodyPr/>
-          <a:lstStyle/>
-          <a:p>
+          <a:bodyPr>
+            <a:normAutofit lnSpcReduction="10000"/>
+          </a:bodyPr>
+          <a:lstStyle/>
+          <a:p>
+            <a:r>
+              <a:rPr lang="en-GB" dirty="0" smtClean="0"/>
+              <a:t>Decide on a property to correlate on</a:t>
+            </a:r>
+          </a:p>
+          <a:p>
+            <a:pPr lvl="1"/>
+            <a:r>
+              <a:rPr lang="en-GB" dirty="0" smtClean="0"/>
+              <a:t>Usually some kind of entity id like </a:t>
+            </a:r>
+            <a:r>
+              <a:rPr lang="en-GB" dirty="0" err="1" smtClean="0"/>
+              <a:t>OrderId</a:t>
+            </a:r>
+            <a:r>
+              <a:rPr lang="en-GB" dirty="0" smtClean="0"/>
+              <a:t>, </a:t>
+            </a:r>
+            <a:r>
+              <a:rPr lang="en-GB" dirty="0" err="1" smtClean="0"/>
+              <a:t>CustomerId</a:t>
+            </a:r>
+            <a:r>
+              <a:rPr lang="en-GB" dirty="0" smtClean="0"/>
+              <a:t> </a:t>
+            </a:r>
+            <a:r>
+              <a:rPr lang="en-GB" dirty="0" err="1" smtClean="0"/>
+              <a:t>etc</a:t>
+            </a:r>
+            <a:endParaRPr lang="en-GB" dirty="0" smtClean="0"/>
+          </a:p>
+          <a:p>
+            <a:r>
+              <a:rPr lang="en-GB" dirty="0" smtClean="0"/>
+              <a:t>Setup a mapping for each message</a:t>
+            </a:r>
+          </a:p>
+          <a:p>
+            <a:pPr lvl="1"/>
+            <a:r>
+              <a:rPr lang="en-GB" dirty="0" smtClean="0"/>
+              <a:t>Connects message property to saga property</a:t>
+            </a:r>
+            <a:endParaRPr lang="en-GB" dirty="0" smtClean="0"/>
+          </a:p>
+          <a:p>
+            <a:pPr marL="0" indent="0">
+              <a:buNone/>
+            </a:pPr>
+            <a:r>
+              <a:rPr lang="sv-SE" sz="1900" dirty="0" smtClean="0"/>
+              <a:t>override </a:t>
+            </a:r>
+            <a:r>
+              <a:rPr lang="sv-SE" sz="1900" dirty="0"/>
+              <a:t>void ConfigureHowToFindSaga(SagaPropertyMapper&lt;State&gt; mapper)</a:t>
+            </a:r>
+          </a:p>
+          <a:p>
+            <a:pPr marL="0" indent="0">
+              <a:buNone/>
+            </a:pPr>
+            <a:r>
+              <a:rPr lang="sv-SE" sz="1900" dirty="0" smtClean="0"/>
+              <a:t>{</a:t>
+            </a:r>
+            <a:endParaRPr lang="sv-SE" sz="1900" dirty="0"/>
+          </a:p>
+          <a:p>
+            <a:pPr marL="0" indent="0">
+              <a:buNone/>
+            </a:pPr>
+            <a:r>
+              <a:rPr lang="sv-SE" sz="1900" dirty="0"/>
+              <a:t>            mapper.ConfigureMapping&lt;OrderPlaced&gt;(m =&gt; m.OrderId)</a:t>
+            </a:r>
+          </a:p>
+          <a:p>
+            <a:pPr marL="0" indent="0">
+              <a:buNone/>
+            </a:pPr>
+            <a:r>
+              <a:rPr lang="sv-SE" sz="1900" dirty="0"/>
+              <a:t>                .ToSaga(s =&gt; s.OrderId);</a:t>
+            </a:r>
+          </a:p>
+          <a:p>
+            <a:pPr marL="0" indent="0">
+              <a:buNone/>
+            </a:pPr>
+            <a:r>
+              <a:rPr lang="sv-SE" sz="1900" dirty="0" smtClean="0"/>
+              <a:t>}</a:t>
+            </a:r>
+          </a:p>
+          <a:p>
+            <a:r>
+              <a:rPr lang="en-GB" dirty="0" smtClean="0"/>
+              <a:t>Make sure to set the saga property in the handler</a:t>
+            </a:r>
+          </a:p>
+          <a:p>
+            <a:pPr lvl="1"/>
+            <a:r>
+              <a:rPr lang="en-GB" dirty="0" err="1" smtClean="0"/>
+              <a:t>this.Data.Orderid</a:t>
+            </a:r>
+            <a:r>
+              <a:rPr lang="en-GB" dirty="0" smtClean="0"/>
+              <a:t> = </a:t>
+            </a:r>
+            <a:r>
+              <a:rPr lang="en-GB" dirty="0" err="1" smtClean="0"/>
+              <a:t>message.OrderId</a:t>
+            </a:r>
+            <a:r>
+              <a:rPr lang="en-GB" dirty="0" smtClean="0"/>
+              <a:t> </a:t>
+            </a:r>
             <a:endParaRPr lang="sv-SE" dirty="0"/>
           </a:p>
         </p:txBody>
@@ -26147,10 +26709,133 @@
         </p:nvSpPr>
         <p:spPr/>
         <p:txBody>
-          <a:bodyPr/>
-          <a:lstStyle/>
-          <a:p>
-            <a:endParaRPr lang="sv-SE"/>
+          <a:bodyPr>
+            <a:normAutofit lnSpcReduction="10000"/>
+          </a:bodyPr>
+          <a:lstStyle/>
+          <a:p>
+            <a:r>
+              <a:rPr lang="en-GB" dirty="0" smtClean="0"/>
+              <a:t>Timeouts == reminders for the saga it self</a:t>
+            </a:r>
+          </a:p>
+          <a:p>
+            <a:pPr lvl="1"/>
+            <a:r>
+              <a:rPr lang="en-GB" dirty="0" smtClean="0"/>
+              <a:t>Just a plain message</a:t>
+            </a:r>
+          </a:p>
+          <a:p>
+            <a:pPr marL="0" indent="0">
+              <a:buNone/>
+            </a:pPr>
+            <a:endParaRPr lang="en-GB" dirty="0"/>
+          </a:p>
+          <a:p>
+            <a:pPr marL="0" indent="0">
+              <a:buNone/>
+            </a:pPr>
+            <a:r>
+              <a:rPr lang="en-GB" dirty="0" err="1" smtClean="0"/>
+              <a:t>this.RequestTimeout</a:t>
+            </a:r>
+            <a:r>
+              <a:rPr lang="en-GB" dirty="0" smtClean="0"/>
+              <a:t>&lt;</a:t>
+            </a:r>
+            <a:r>
+              <a:rPr lang="en-GB" dirty="0" err="1" smtClean="0"/>
+              <a:t>MyTimeout</a:t>
+            </a:r>
+            <a:r>
+              <a:rPr lang="en-GB" dirty="0" smtClean="0"/>
+              <a:t>&gt;(</a:t>
+            </a:r>
+            <a:r>
+              <a:rPr lang="en-GB" dirty="0" err="1" smtClean="0"/>
+              <a:t>TimeSpan.FromSeconds</a:t>
+            </a:r>
+            <a:r>
+              <a:rPr lang="en-GB" dirty="0" smtClean="0"/>
+              <a:t>(60))</a:t>
+            </a:r>
+          </a:p>
+          <a:p>
+            <a:pPr marL="0" indent="0">
+              <a:buNone/>
+            </a:pPr>
+            <a:endParaRPr lang="en-GB" dirty="0"/>
+          </a:p>
+          <a:p>
+            <a:r>
+              <a:rPr lang="en-GB" dirty="0" smtClean="0"/>
+              <a:t>Handle them by implementing </a:t>
+            </a:r>
+            <a:r>
+              <a:rPr lang="en-GB" dirty="0" err="1" smtClean="0"/>
+              <a:t>IHandleTimeouts</a:t>
+            </a:r>
+            <a:r>
+              <a:rPr lang="en-GB" dirty="0" smtClean="0"/>
+              <a:t>&lt;</a:t>
+            </a:r>
+            <a:r>
+              <a:rPr lang="en-GB" dirty="0" err="1"/>
+              <a:t>MyTimeout</a:t>
+            </a:r>
+            <a:r>
+              <a:rPr lang="en-GB" dirty="0" smtClean="0"/>
+              <a:t>&gt;</a:t>
+            </a:r>
+          </a:p>
+          <a:p>
+            <a:pPr marL="0" indent="0">
+              <a:buNone/>
+            </a:pPr>
+            <a:r>
+              <a:rPr lang="sv-SE" dirty="0" smtClean="0"/>
+              <a:t> </a:t>
+            </a:r>
+            <a:r>
+              <a:rPr lang="sv-SE" dirty="0"/>
+              <a:t>public void </a:t>
+            </a:r>
+            <a:r>
+              <a:rPr lang="sv-SE" dirty="0" smtClean="0"/>
+              <a:t>Timeout(</a:t>
+            </a:r>
+            <a:r>
+              <a:rPr lang="en-GB" dirty="0" err="1"/>
+              <a:t>MyTimeout</a:t>
+            </a:r>
+            <a:r>
+              <a:rPr lang="sv-SE" dirty="0" smtClean="0"/>
+              <a:t> timeoutState</a:t>
+            </a:r>
+            <a:r>
+              <a:rPr lang="sv-SE" dirty="0"/>
+              <a:t>)</a:t>
+            </a:r>
+          </a:p>
+          <a:p>
+            <a:pPr marL="0" indent="0">
+              <a:buNone/>
+            </a:pPr>
+            <a:r>
+              <a:rPr lang="sv-SE" dirty="0" smtClean="0"/>
+              <a:t>{</a:t>
+            </a:r>
+          </a:p>
+          <a:p>
+            <a:pPr marL="0" indent="0">
+              <a:buNone/>
+            </a:pPr>
+            <a:r>
+              <a:rPr lang="sv-SE" dirty="0" smtClean="0"/>
+              <a:t>}</a:t>
+            </a:r>
+            <a:endParaRPr lang="en-GB" dirty="0" smtClean="0"/>
           </a:p>
         </p:txBody>
       </p:sp>

--- a/SagaMasterClass.pptx
+++ b/SagaMasterClass.pptx
@@ -5,7 +5,7 @@
     <p:sldMasterId id="2147483648" r:id="rId1"/>
   </p:sldMasterIdLst>
   <p:notesMasterIdLst>
-    <p:notesMasterId r:id="rId63"/>
+    <p:notesMasterId r:id="rId67"/>
   </p:notesMasterIdLst>
   <p:sldIdLst>
     <p:sldId id="256" r:id="rId2"/>
@@ -58,17 +58,21 @@
     <p:sldId id="316" r:id="rId49"/>
     <p:sldId id="317" r:id="rId50"/>
     <p:sldId id="318" r:id="rId51"/>
-    <p:sldId id="287" r:id="rId52"/>
-    <p:sldId id="278" r:id="rId53"/>
-    <p:sldId id="279" r:id="rId54"/>
-    <p:sldId id="280" r:id="rId55"/>
-    <p:sldId id="281" r:id="rId56"/>
-    <p:sldId id="282" r:id="rId57"/>
-    <p:sldId id="283" r:id="rId58"/>
-    <p:sldId id="284" r:id="rId59"/>
-    <p:sldId id="285" r:id="rId60"/>
-    <p:sldId id="286" r:id="rId61"/>
-    <p:sldId id="264" r:id="rId62"/>
+    <p:sldId id="323" r:id="rId52"/>
+    <p:sldId id="324" r:id="rId53"/>
+    <p:sldId id="287" r:id="rId54"/>
+    <p:sldId id="278" r:id="rId55"/>
+    <p:sldId id="279" r:id="rId56"/>
+    <p:sldId id="280" r:id="rId57"/>
+    <p:sldId id="281" r:id="rId58"/>
+    <p:sldId id="282" r:id="rId59"/>
+    <p:sldId id="283" r:id="rId60"/>
+    <p:sldId id="284" r:id="rId61"/>
+    <p:sldId id="285" r:id="rId62"/>
+    <p:sldId id="286" r:id="rId63"/>
+    <p:sldId id="325" r:id="rId64"/>
+    <p:sldId id="326" r:id="rId65"/>
+    <p:sldId id="264" r:id="rId66"/>
   </p:sldIdLst>
   <p:sldSz cx="12192000" cy="6858000"/>
   <p:notesSz cx="6858000" cy="9144000"/>
@@ -222,6 +226,8 @@
             <p14:sldId id="316"/>
             <p14:sldId id="317"/>
             <p14:sldId id="318"/>
+            <p14:sldId id="323"/>
+            <p14:sldId id="324"/>
             <p14:sldId id="287"/>
             <p14:sldId id="278"/>
             <p14:sldId id="279"/>
@@ -232,6 +238,8 @@
             <p14:sldId id="284"/>
             <p14:sldId id="285"/>
             <p14:sldId id="286"/>
+            <p14:sldId id="325"/>
+            <p14:sldId id="326"/>
           </p14:sldIdLst>
         </p14:section>
         <p14:section name="Untitled Section" id="{705D2A12-8830-4DE1-BAF5-974EB888AEA0}">
@@ -1252,7 +1260,7 @@
             <a:fld id="{7ACA2796-6D5E-4AAD-9D66-AE6CE657D5C0}" type="slidenum">
               <a:rPr lang="en-GB" smtClean="0"/>
               <a:pPr/>
-              <a:t>57</a:t>
+              <a:t>59</a:t>
             </a:fld>
             <a:endParaRPr lang="en-GB"/>
           </a:p>
@@ -1343,7 +1351,7 @@
             <a:fld id="{7ACA2796-6D5E-4AAD-9D66-AE6CE657D5C0}" type="slidenum">
               <a:rPr lang="en-GB" smtClean="0"/>
               <a:pPr/>
-              <a:t>58</a:t>
+              <a:t>60</a:t>
             </a:fld>
             <a:endParaRPr lang="en-GB"/>
           </a:p>
@@ -1454,7 +1462,7 @@
             <a:fld id="{7ACA2796-6D5E-4AAD-9D66-AE6CE657D5C0}" type="slidenum">
               <a:rPr lang="en-GB" smtClean="0"/>
               <a:pPr/>
-              <a:t>60</a:t>
+              <a:t>62</a:t>
             </a:fld>
             <a:endParaRPr lang="en-GB"/>
           </a:p>
@@ -1603,7 +1611,7 @@
           <a:p>
             <a:fld id="{D5BB19A3-B3B6-4398-9889-160C3A008821}" type="slidenum">
               <a:rPr lang="sv-SE" smtClean="0"/>
-              <a:t>61</a:t>
+              <a:t>65</a:t>
             </a:fld>
             <a:endParaRPr lang="sv-SE"/>
           </a:p>
@@ -12222,7 +12230,11 @@
           <a:bodyPr/>
           <a:lstStyle/>
           <a:p>
-            <a:endParaRPr lang="sv-SE"/>
+            <a:r>
+              <a:rPr lang="en-GB" dirty="0" smtClean="0"/>
+              <a:t>Auto correlation</a:t>
+            </a:r>
+            <a:endParaRPr lang="sv-SE" dirty="0"/>
           </a:p>
         </p:txBody>
       </p:sp>
@@ -12241,28 +12253,26 @@
           <a:bodyPr/>
           <a:lstStyle/>
           <a:p>
+            <a:pPr lvl="1"/>
+            <a:r>
+              <a:rPr lang="en-GB" dirty="0" smtClean="0"/>
+              <a:t>Avoid the need for mapping </a:t>
+            </a:r>
             <a:r>
               <a:rPr lang="en-GB" dirty="0" err="1" smtClean="0"/>
-              <a:t>ReplyToOriginator</a:t>
+              <a:t>reponses</a:t>
             </a:r>
             <a:endParaRPr lang="en-GB" dirty="0" smtClean="0"/>
           </a:p>
           <a:p>
+            <a:pPr lvl="1"/>
             <a:r>
               <a:rPr lang="en-GB" dirty="0" smtClean="0"/>
-              <a:t>Auto </a:t>
-            </a:r>
-            <a:r>
-              <a:rPr lang="en-GB" dirty="0" err="1" smtClean="0"/>
-              <a:t>correlatation</a:t>
-            </a:r>
-            <a:endParaRPr lang="en-GB" dirty="0" smtClean="0"/>
-          </a:p>
-          <a:p>
-            <a:pPr lvl="1"/>
+              <a:t>Caveat</a:t>
+            </a:r>
             <a:r>
               <a:rPr lang="en-GB" dirty="0" smtClean="0"/>
-              <a:t>Caveat: Does not work btw sagas</a:t>
+              <a:t>: Does not work btw sagas</a:t>
             </a:r>
             <a:endParaRPr lang="sv-SE" dirty="0"/>
           </a:p>
@@ -23471,7 +23481,7 @@
       </p:grpSpPr>
       <p:sp>
         <p:nvSpPr>
-          <p:cNvPr id="4" name="Title 3"/>
+          <p:cNvPr id="2" name="Title 1"/>
           <p:cNvSpPr>
             <a:spLocks noGrp="1"/>
           </p:cNvSpPr>
@@ -23486,7 +23496,19 @@
           <a:p>
             <a:r>
               <a:rPr lang="en-GB" dirty="0" smtClean="0"/>
-              <a:t>Sagas are your domain model</a:t>
+              <a:t>Exercise </a:t>
+            </a:r>
+            <a:r>
+              <a:rPr lang="en-GB" dirty="0" smtClean="0"/>
+              <a:t>5 </a:t>
+            </a:r>
+            <a:r>
+              <a:rPr lang="en-GB" dirty="0" smtClean="0"/>
+              <a:t>– </a:t>
+            </a:r>
+            <a:r>
+              <a:rPr lang="en-GB" dirty="0" smtClean="0"/>
+              <a:t>Preferred customers</a:t>
             </a:r>
             <a:endParaRPr lang="sv-SE" dirty="0"/>
           </a:p>
@@ -23494,27 +23516,33 @@
       </p:sp>
       <p:sp>
         <p:nvSpPr>
-          <p:cNvPr id="5" name="Text Placeholder 4"/>
+          <p:cNvPr id="3" name="Content Placeholder 2"/>
           <p:cNvSpPr>
             <a:spLocks noGrp="1"/>
           </p:cNvSpPr>
           <p:nvPr>
-            <p:ph type="body" idx="1"/>
+            <p:ph idx="1"/>
           </p:nvPr>
         </p:nvSpPr>
         <p:spPr/>
         <p:txBody>
-          <a:bodyPr/>
-          <a:lstStyle/>
-          <a:p>
-            <a:endParaRPr lang="sv-SE"/>
+          <a:bodyPr>
+            <a:normAutofit/>
+          </a:bodyPr>
+          <a:lstStyle/>
+          <a:p>
+            <a:r>
+              <a:rPr lang="en-GB" dirty="0" smtClean="0"/>
+              <a:t>TBD - Daniel</a:t>
+            </a:r>
+            <a:endParaRPr lang="en-GB" dirty="0" smtClean="0"/>
           </a:p>
         </p:txBody>
       </p:sp>
     </p:spTree>
     <p:extLst>
       <p:ext uri="{BB962C8B-B14F-4D97-AF65-F5344CB8AC3E}">
-        <p14:creationId xmlns:p14="http://schemas.microsoft.com/office/powerpoint/2010/main" val="1066127796"/>
+        <p14:creationId xmlns:p14="http://schemas.microsoft.com/office/powerpoint/2010/main" val="3882837462"/>
       </p:ext>
     </p:extLst>
   </p:cSld>
@@ -23564,53 +23592,44 @@
           <a:lstStyle/>
           <a:p>
             <a:r>
-              <a:rPr lang="en-US" dirty="0" smtClean="0"/>
-              <a:t>Race Conditions – the secret sauce</a:t>
-            </a:r>
-            <a:endParaRPr lang="en-US" dirty="0"/>
-          </a:p>
-        </p:txBody>
-      </p:sp>
-      <p:sp>
-        <p:nvSpPr>
-          <p:cNvPr id="3" name="Content Placeholder 2"/>
+              <a:rPr lang="en-GB" dirty="0" smtClean="0"/>
+              <a:t>Walkthrough</a:t>
+            </a:r>
+            <a:endParaRPr lang="sv-SE" dirty="0"/>
+          </a:p>
+        </p:txBody>
+      </p:sp>
+      <p:sp>
+        <p:nvSpPr>
+          <p:cNvPr id="4" name="Text Placeholder 3"/>
           <p:cNvSpPr>
             <a:spLocks noGrp="1"/>
           </p:cNvSpPr>
           <p:nvPr>
-            <p:ph idx="1"/>
+            <p:ph type="body" idx="1"/>
           </p:nvPr>
         </p:nvSpPr>
-        <p:spPr>
-          <a:xfrm>
-            <a:off x="1980049" y="1604329"/>
-            <a:ext cx="8470968" cy="4524955"/>
-          </a:xfrm>
-        </p:spPr>
+        <p:spPr/>
         <p:txBody>
           <a:bodyPr/>
           <a:lstStyle/>
           <a:p>
             <a:r>
-              <a:rPr lang="en-US" dirty="0" smtClean="0"/>
-              <a:t>Race conditions may indicate a collaborative domain – fertile ground for CQRS</a:t>
-            </a:r>
-          </a:p>
-          <a:p>
-            <a:endParaRPr lang="en-US" dirty="0" smtClean="0"/>
-          </a:p>
-          <a:p>
-            <a:r>
-              <a:rPr lang="en-US" dirty="0" smtClean="0"/>
-              <a:t>May even make you think your service boundaries are wrong</a:t>
-            </a:r>
+              <a:rPr lang="en-GB" dirty="0"/>
+              <a:t>Exercise </a:t>
+            </a:r>
+            <a:r>
+              <a:rPr lang="en-GB" dirty="0"/>
+              <a:t>5</a:t>
+            </a:r>
+            <a:endParaRPr lang="sv-SE" dirty="0"/>
           </a:p>
         </p:txBody>
       </p:sp>
     </p:spTree>
     <p:extLst>
       <p:ext uri="{BB962C8B-B14F-4D97-AF65-F5344CB8AC3E}">
-        <p14:creationId xmlns:p14="http://schemas.microsoft.com/office/powerpoint/2010/main" val="1807594229"/>
+        <p14:creationId xmlns:p14="http://schemas.microsoft.com/office/powerpoint/2010/main" val="2904774473"/>
       </p:ext>
     </p:extLst>
   </p:cSld>
@@ -23646,7 +23665,7 @@
       </p:grpSpPr>
       <p:sp>
         <p:nvSpPr>
-          <p:cNvPr id="2" name="Title 1"/>
+          <p:cNvPr id="4" name="Title 3"/>
           <p:cNvSpPr>
             <a:spLocks noGrp="1"/>
           </p:cNvSpPr>
@@ -23660,21 +23679,21 @@
           <a:lstStyle/>
           <a:p>
             <a:r>
-              <a:rPr lang="en-US" dirty="0" smtClean="0"/>
-              <a:t>Real World Requirements</a:t>
-            </a:r>
-            <a:endParaRPr lang="en-US" dirty="0"/>
-          </a:p>
-        </p:txBody>
-      </p:sp>
-      <p:sp>
-        <p:nvSpPr>
-          <p:cNvPr id="3" name="Content Placeholder 2"/>
+              <a:rPr lang="en-GB" dirty="0" smtClean="0"/>
+              <a:t>Sagas are your domain model</a:t>
+            </a:r>
+            <a:endParaRPr lang="sv-SE" dirty="0"/>
+          </a:p>
+        </p:txBody>
+      </p:sp>
+      <p:sp>
+        <p:nvSpPr>
+          <p:cNvPr id="5" name="Text Placeholder 4"/>
           <p:cNvSpPr>
             <a:spLocks noGrp="1"/>
           </p:cNvSpPr>
           <p:nvPr>
-            <p:ph idx="1"/>
+            <p:ph type="body" idx="1"/>
           </p:nvPr>
         </p:nvSpPr>
         <p:spPr/>
@@ -23682,33 +23701,14 @@
           <a:bodyPr/>
           <a:lstStyle/>
           <a:p>
-            <a:r>
-              <a:rPr lang="en-US" dirty="0" smtClean="0"/>
-              <a:t>Do not allow users to cancel shipped orders</a:t>
-            </a:r>
-          </a:p>
-          <a:p>
-            <a:r>
-              <a:rPr lang="en-US" dirty="0" smtClean="0"/>
-              <a:t>Don’t ship cancelled orders</a:t>
-            </a:r>
-          </a:p>
-          <a:p>
-            <a:endParaRPr lang="en-US" dirty="0" smtClean="0"/>
-          </a:p>
-          <a:p>
-            <a:r>
-              <a:rPr lang="en-US" dirty="0" smtClean="0"/>
-              <a:t>As we shrink the time between actions, a race condition presents itself</a:t>
-            </a:r>
-            <a:endParaRPr lang="en-US" dirty="0"/>
+            <a:endParaRPr lang="sv-SE"/>
           </a:p>
         </p:txBody>
       </p:sp>
     </p:spTree>
     <p:extLst>
       <p:ext uri="{BB962C8B-B14F-4D97-AF65-F5344CB8AC3E}">
-        <p14:creationId xmlns:p14="http://schemas.microsoft.com/office/powerpoint/2010/main" val="4008778819"/>
+        <p14:creationId xmlns:p14="http://schemas.microsoft.com/office/powerpoint/2010/main" val="1066127796"/>
       </p:ext>
     </p:extLst>
   </p:cSld>
@@ -23759,7 +23759,7 @@
           <a:p>
             <a:r>
               <a:rPr lang="en-US" dirty="0" smtClean="0"/>
-              <a:t>Service Boundary Issues</a:t>
+              <a:t>Race Conditions – the secret sauce</a:t>
             </a:r>
             <a:endParaRPr lang="en-US" dirty="0"/>
           </a:p>
@@ -23775,38 +23775,36 @@
             <p:ph idx="1"/>
           </p:nvPr>
         </p:nvSpPr>
-        <p:spPr/>
+        <p:spPr>
+          <a:xfrm>
+            <a:off x="1980049" y="1604329"/>
+            <a:ext cx="8470968" cy="4524955"/>
+          </a:xfrm>
+        </p:spPr>
         <p:txBody>
           <a:bodyPr/>
           <a:lstStyle/>
           <a:p>
             <a:r>
               <a:rPr lang="en-US" dirty="0" smtClean="0"/>
-              <a:t>Cancelling an order is in the Sales service</a:t>
-            </a:r>
+              <a:t>Race conditions may indicate a collaborative domain – fertile ground for CQRS</a:t>
+            </a:r>
+          </a:p>
+          <a:p>
+            <a:endParaRPr lang="en-US" dirty="0" smtClean="0"/>
           </a:p>
           <a:p>
             <a:r>
               <a:rPr lang="en-US" dirty="0" smtClean="0"/>
-              <a:t>Shipping an order is in the Shipping service</a:t>
-            </a:r>
-          </a:p>
-          <a:p>
-            <a:endParaRPr lang="en-US" dirty="0" smtClean="0"/>
-          </a:p>
-          <a:p>
-            <a:r>
-              <a:rPr lang="en-US" dirty="0" smtClean="0"/>
-              <a:t>Requirements seem to imply need for consistency/transactions between services</a:t>
-            </a:r>
-            <a:endParaRPr lang="en-US" dirty="0"/>
+              <a:t>May even make you think your service boundaries are wrong</a:t>
+            </a:r>
           </a:p>
         </p:txBody>
       </p:sp>
     </p:spTree>
     <p:extLst>
       <p:ext uri="{BB962C8B-B14F-4D97-AF65-F5344CB8AC3E}">
-        <p14:creationId xmlns:p14="http://schemas.microsoft.com/office/powerpoint/2010/main" val="903092030"/>
+        <p14:creationId xmlns:p14="http://schemas.microsoft.com/office/powerpoint/2010/main" val="1807594229"/>
       </p:ext>
     </p:extLst>
   </p:cSld>
@@ -23857,6 +23855,202 @@
           <a:p>
             <a:r>
               <a:rPr lang="en-US" dirty="0" smtClean="0"/>
+              <a:t>Real World Requirements</a:t>
+            </a:r>
+            <a:endParaRPr lang="en-US" dirty="0"/>
+          </a:p>
+        </p:txBody>
+      </p:sp>
+      <p:sp>
+        <p:nvSpPr>
+          <p:cNvPr id="3" name="Content Placeholder 2"/>
+          <p:cNvSpPr>
+            <a:spLocks noGrp="1"/>
+          </p:cNvSpPr>
+          <p:nvPr>
+            <p:ph idx="1"/>
+          </p:nvPr>
+        </p:nvSpPr>
+        <p:spPr/>
+        <p:txBody>
+          <a:bodyPr/>
+          <a:lstStyle/>
+          <a:p>
+            <a:r>
+              <a:rPr lang="en-US" dirty="0" smtClean="0"/>
+              <a:t>Do not allow users to cancel shipped orders</a:t>
+            </a:r>
+          </a:p>
+          <a:p>
+            <a:r>
+              <a:rPr lang="en-US" dirty="0" smtClean="0"/>
+              <a:t>Don’t ship cancelled orders</a:t>
+            </a:r>
+          </a:p>
+          <a:p>
+            <a:endParaRPr lang="en-US" dirty="0" smtClean="0"/>
+          </a:p>
+          <a:p>
+            <a:r>
+              <a:rPr lang="en-US" dirty="0" smtClean="0"/>
+              <a:t>As we shrink the time between actions, a race condition presents itself</a:t>
+            </a:r>
+            <a:endParaRPr lang="en-US" dirty="0"/>
+          </a:p>
+        </p:txBody>
+      </p:sp>
+    </p:spTree>
+    <p:extLst>
+      <p:ext uri="{BB962C8B-B14F-4D97-AF65-F5344CB8AC3E}">
+        <p14:creationId xmlns:p14="http://schemas.microsoft.com/office/powerpoint/2010/main" val="4008778819"/>
+      </p:ext>
+    </p:extLst>
+  </p:cSld>
+  <p:clrMapOvr>
+    <a:masterClrMapping/>
+  </p:clrMapOvr>
+  <p:timing>
+    <p:tnLst>
+      <p:par>
+        <p:cTn id="1" dur="indefinite" restart="never" nodeType="tmRoot"/>
+      </p:par>
+    </p:tnLst>
+  </p:timing>
+</p:sld>
+</file>
+
+<file path=ppt/slides/slide56.xml><?xml version="1.0" encoding="utf-8"?>
+<p:sld xmlns:a="http://schemas.openxmlformats.org/drawingml/2006/main" xmlns:r="http://schemas.openxmlformats.org/officeDocument/2006/relationships" xmlns:p="http://schemas.openxmlformats.org/presentationml/2006/main">
+  <p:cSld>
+    <p:spTree>
+      <p:nvGrpSpPr>
+        <p:cNvPr id="1" name=""/>
+        <p:cNvGrpSpPr/>
+        <p:nvPr/>
+      </p:nvGrpSpPr>
+      <p:grpSpPr>
+        <a:xfrm>
+          <a:off x="0" y="0"/>
+          <a:ext cx="0" cy="0"/>
+          <a:chOff x="0" y="0"/>
+          <a:chExt cx="0" cy="0"/>
+        </a:xfrm>
+      </p:grpSpPr>
+      <p:sp>
+        <p:nvSpPr>
+          <p:cNvPr id="2" name="Title 1"/>
+          <p:cNvSpPr>
+            <a:spLocks noGrp="1"/>
+          </p:cNvSpPr>
+          <p:nvPr>
+            <p:ph type="title"/>
+          </p:nvPr>
+        </p:nvSpPr>
+        <p:spPr/>
+        <p:txBody>
+          <a:bodyPr/>
+          <a:lstStyle/>
+          <a:p>
+            <a:r>
+              <a:rPr lang="en-US" dirty="0" smtClean="0"/>
+              <a:t>Service Boundary Issues</a:t>
+            </a:r>
+            <a:endParaRPr lang="en-US" dirty="0"/>
+          </a:p>
+        </p:txBody>
+      </p:sp>
+      <p:sp>
+        <p:nvSpPr>
+          <p:cNvPr id="3" name="Content Placeholder 2"/>
+          <p:cNvSpPr>
+            <a:spLocks noGrp="1"/>
+          </p:cNvSpPr>
+          <p:nvPr>
+            <p:ph idx="1"/>
+          </p:nvPr>
+        </p:nvSpPr>
+        <p:spPr/>
+        <p:txBody>
+          <a:bodyPr/>
+          <a:lstStyle/>
+          <a:p>
+            <a:r>
+              <a:rPr lang="en-US" dirty="0" smtClean="0"/>
+              <a:t>Cancelling an order is in the Sales service</a:t>
+            </a:r>
+          </a:p>
+          <a:p>
+            <a:r>
+              <a:rPr lang="en-US" dirty="0" smtClean="0"/>
+              <a:t>Shipping an order is in the Shipping service</a:t>
+            </a:r>
+          </a:p>
+          <a:p>
+            <a:endParaRPr lang="en-US" dirty="0" smtClean="0"/>
+          </a:p>
+          <a:p>
+            <a:r>
+              <a:rPr lang="en-US" dirty="0" smtClean="0"/>
+              <a:t>Requirements seem to imply need for consistency/transactions between services</a:t>
+            </a:r>
+            <a:endParaRPr lang="en-US" dirty="0"/>
+          </a:p>
+        </p:txBody>
+      </p:sp>
+    </p:spTree>
+    <p:extLst>
+      <p:ext uri="{BB962C8B-B14F-4D97-AF65-F5344CB8AC3E}">
+        <p14:creationId xmlns:p14="http://schemas.microsoft.com/office/powerpoint/2010/main" val="903092030"/>
+      </p:ext>
+    </p:extLst>
+  </p:cSld>
+  <p:clrMapOvr>
+    <a:masterClrMapping/>
+  </p:clrMapOvr>
+  <p:timing>
+    <p:tnLst>
+      <p:par>
+        <p:cTn id="1" dur="indefinite" restart="never" nodeType="tmRoot"/>
+      </p:par>
+    </p:tnLst>
+  </p:timing>
+</p:sld>
+</file>
+
+<file path=ppt/slides/slide57.xml><?xml version="1.0" encoding="utf-8"?>
+<p:sld xmlns:a="http://schemas.openxmlformats.org/drawingml/2006/main" xmlns:r="http://schemas.openxmlformats.org/officeDocument/2006/relationships" xmlns:p="http://schemas.openxmlformats.org/presentationml/2006/main">
+  <p:cSld>
+    <p:spTree>
+      <p:nvGrpSpPr>
+        <p:cNvPr id="1" name=""/>
+        <p:cNvGrpSpPr/>
+        <p:nvPr/>
+      </p:nvGrpSpPr>
+      <p:grpSpPr>
+        <a:xfrm>
+          <a:off x="0" y="0"/>
+          <a:ext cx="0" cy="0"/>
+          <a:chOff x="0" y="0"/>
+          <a:chExt cx="0" cy="0"/>
+        </a:xfrm>
+      </p:grpSpPr>
+      <p:sp>
+        <p:nvSpPr>
+          <p:cNvPr id="2" name="Title 1"/>
+          <p:cNvSpPr>
+            <a:spLocks noGrp="1"/>
+          </p:cNvSpPr>
+          <p:nvPr>
+            <p:ph type="title"/>
+          </p:nvPr>
+        </p:nvSpPr>
+        <p:spPr/>
+        <p:txBody>
+          <a:bodyPr/>
+          <a:lstStyle/>
+          <a:p>
+            <a:r>
+              <a:rPr lang="en-US" dirty="0" smtClean="0"/>
               <a:t>Implementation is simple with 3-Tier</a:t>
             </a:r>
             <a:endParaRPr lang="en-US" dirty="0"/>
@@ -24296,7 +24490,7 @@
 </p:sld>
 </file>
 
-<file path=ppt/slides/slide56.xml><?xml version="1.0" encoding="utf-8"?>
+<file path=ppt/slides/slide58.xml><?xml version="1.0" encoding="utf-8"?>
 <p:sld xmlns:a="http://schemas.openxmlformats.org/drawingml/2006/main" xmlns:r="http://schemas.openxmlformats.org/officeDocument/2006/relationships" xmlns:p="http://schemas.openxmlformats.org/presentationml/2006/main">
   <p:cSld>
     <p:spTree>
@@ -24524,7 +24718,7 @@
 </p:sld>
 </file>
 
-<file path=ppt/slides/slide57.xml><?xml version="1.0" encoding="utf-8"?>
+<file path=ppt/slides/slide59.xml><?xml version="1.0" encoding="utf-8"?>
 <p:sld xmlns:a="http://schemas.openxmlformats.org/drawingml/2006/main" xmlns:r="http://schemas.openxmlformats.org/officeDocument/2006/relationships" xmlns:p="http://schemas.openxmlformats.org/presentationml/2006/main">
   <p:cSld>
     <p:spTree>
@@ -25294,7 +25488,134 @@
 </p:sld>
 </file>
 
-<file path=ppt/slides/slide58.xml><?xml version="1.0" encoding="utf-8"?>
+<file path=ppt/slides/slide6.xml><?xml version="1.0" encoding="utf-8"?>
+<p:sld xmlns:a="http://schemas.openxmlformats.org/drawingml/2006/main" xmlns:r="http://schemas.openxmlformats.org/officeDocument/2006/relationships" xmlns:p="http://schemas.openxmlformats.org/presentationml/2006/main">
+  <p:cSld>
+    <p:spTree>
+      <p:nvGrpSpPr>
+        <p:cNvPr id="1" name=""/>
+        <p:cNvGrpSpPr/>
+        <p:nvPr/>
+      </p:nvGrpSpPr>
+      <p:grpSpPr>
+        <a:xfrm>
+          <a:off x="0" y="0"/>
+          <a:ext cx="0" cy="0"/>
+          <a:chOff x="0" y="0"/>
+          <a:chExt cx="0" cy="0"/>
+        </a:xfrm>
+      </p:grpSpPr>
+      <p:sp>
+        <p:nvSpPr>
+          <p:cNvPr id="2" name="Title 1"/>
+          <p:cNvSpPr>
+            <a:spLocks noGrp="1"/>
+          </p:cNvSpPr>
+          <p:nvPr>
+            <p:ph type="title"/>
+          </p:nvPr>
+        </p:nvSpPr>
+        <p:spPr/>
+        <p:txBody>
+          <a:bodyPr/>
+          <a:lstStyle/>
+          <a:p>
+            <a:r>
+              <a:rPr lang="en-GB" dirty="0" smtClean="0"/>
+              <a:t>Starting sagas</a:t>
+            </a:r>
+            <a:endParaRPr lang="sv-SE" dirty="0"/>
+          </a:p>
+        </p:txBody>
+      </p:sp>
+      <p:sp>
+        <p:nvSpPr>
+          <p:cNvPr id="3" name="Content Placeholder 2"/>
+          <p:cNvSpPr>
+            <a:spLocks noGrp="1"/>
+          </p:cNvSpPr>
+          <p:nvPr>
+            <p:ph idx="1"/>
+          </p:nvPr>
+        </p:nvSpPr>
+        <p:spPr/>
+        <p:txBody>
+          <a:bodyPr/>
+          <a:lstStyle/>
+          <a:p>
+            <a:pPr marL="0" indent="0">
+              <a:buNone/>
+            </a:pPr>
+            <a:r>
+              <a:rPr lang="en-GB" dirty="0"/>
+              <a:t>c</a:t>
+            </a:r>
+            <a:r>
+              <a:rPr lang="en-GB" dirty="0" smtClean="0"/>
+              <a:t>lass </a:t>
+            </a:r>
+            <a:r>
+              <a:rPr lang="en-GB" dirty="0" err="1" smtClean="0"/>
+              <a:t>MySaga</a:t>
+            </a:r>
+            <a:r>
+              <a:rPr lang="en-GB" dirty="0" smtClean="0"/>
+              <a:t>: </a:t>
+            </a:r>
+            <a:r>
+              <a:rPr lang="en-GB" b="1" dirty="0" err="1" smtClean="0"/>
+              <a:t>IAmStartedByMessages</a:t>
+            </a:r>
+            <a:r>
+              <a:rPr lang="en-GB" b="1" dirty="0" smtClean="0"/>
+              <a:t>&lt;</a:t>
+            </a:r>
+            <a:r>
+              <a:rPr lang="en-GB" b="1" dirty="0" err="1" smtClean="0"/>
+              <a:t>MyStartMessage</a:t>
+            </a:r>
+            <a:r>
+              <a:rPr lang="en-GB" b="1" dirty="0" smtClean="0"/>
+              <a:t>&gt;</a:t>
+            </a:r>
+          </a:p>
+          <a:p>
+            <a:pPr marL="0" indent="0">
+              <a:buNone/>
+            </a:pPr>
+            <a:endParaRPr lang="en-GB" b="1" dirty="0"/>
+          </a:p>
+          <a:p>
+            <a:r>
+              <a:rPr lang="en-GB" dirty="0" err="1" smtClean="0"/>
+              <a:t>IAmStartedByMessages</a:t>
+            </a:r>
+            <a:r>
+              <a:rPr lang="en-GB" dirty="0" smtClean="0"/>
+              <a:t> inherits </a:t>
+            </a:r>
+            <a:r>
+              <a:rPr lang="en-GB" dirty="0" err="1" smtClean="0"/>
+              <a:t>IHandleMessages</a:t>
+            </a:r>
+            <a:endParaRPr lang="sv-SE" dirty="0"/>
+          </a:p>
+        </p:txBody>
+      </p:sp>
+    </p:spTree>
+    <p:extLst>
+      <p:ext uri="{BB962C8B-B14F-4D97-AF65-F5344CB8AC3E}">
+        <p14:creationId xmlns:p14="http://schemas.microsoft.com/office/powerpoint/2010/main" val="3569026885"/>
+      </p:ext>
+    </p:extLst>
+  </p:cSld>
+  <p:clrMapOvr>
+    <a:masterClrMapping/>
+  </p:clrMapOvr>
+</p:sld>
+</file>
+
+<file path=ppt/slides/slide60.xml><?xml version="1.0" encoding="utf-8"?>
 <p:sld xmlns:a="http://schemas.openxmlformats.org/drawingml/2006/main" xmlns:r="http://schemas.openxmlformats.org/officeDocument/2006/relationships" xmlns:p="http://schemas.openxmlformats.org/presentationml/2006/main">
   <p:cSld>
     <p:spTree>
@@ -25732,7 +26053,7 @@
 </p:sld>
 </file>
 
-<file path=ppt/slides/slide59.xml><?xml version="1.0" encoding="utf-8"?>
+<file path=ppt/slides/slide61.xml><?xml version="1.0" encoding="utf-8"?>
 <p:sld xmlns:a="http://schemas.openxmlformats.org/drawingml/2006/main" xmlns:r="http://schemas.openxmlformats.org/officeDocument/2006/relationships" xmlns:p="http://schemas.openxmlformats.org/presentationml/2006/main">
   <p:cSld>
     <p:spTree>
@@ -26275,134 +26596,7 @@
 </p:sld>
 </file>
 
-<file path=ppt/slides/slide6.xml><?xml version="1.0" encoding="utf-8"?>
-<p:sld xmlns:a="http://schemas.openxmlformats.org/drawingml/2006/main" xmlns:r="http://schemas.openxmlformats.org/officeDocument/2006/relationships" xmlns:p="http://schemas.openxmlformats.org/presentationml/2006/main">
-  <p:cSld>
-    <p:spTree>
-      <p:nvGrpSpPr>
-        <p:cNvPr id="1" name=""/>
-        <p:cNvGrpSpPr/>
-        <p:nvPr/>
-      </p:nvGrpSpPr>
-      <p:grpSpPr>
-        <a:xfrm>
-          <a:off x="0" y="0"/>
-          <a:ext cx="0" cy="0"/>
-          <a:chOff x="0" y="0"/>
-          <a:chExt cx="0" cy="0"/>
-        </a:xfrm>
-      </p:grpSpPr>
-      <p:sp>
-        <p:nvSpPr>
-          <p:cNvPr id="2" name="Title 1"/>
-          <p:cNvSpPr>
-            <a:spLocks noGrp="1"/>
-          </p:cNvSpPr>
-          <p:nvPr>
-            <p:ph type="title"/>
-          </p:nvPr>
-        </p:nvSpPr>
-        <p:spPr/>
-        <p:txBody>
-          <a:bodyPr/>
-          <a:lstStyle/>
-          <a:p>
-            <a:r>
-              <a:rPr lang="en-GB" dirty="0" smtClean="0"/>
-              <a:t>Starting sagas</a:t>
-            </a:r>
-            <a:endParaRPr lang="sv-SE" dirty="0"/>
-          </a:p>
-        </p:txBody>
-      </p:sp>
-      <p:sp>
-        <p:nvSpPr>
-          <p:cNvPr id="3" name="Content Placeholder 2"/>
-          <p:cNvSpPr>
-            <a:spLocks noGrp="1"/>
-          </p:cNvSpPr>
-          <p:nvPr>
-            <p:ph idx="1"/>
-          </p:nvPr>
-        </p:nvSpPr>
-        <p:spPr/>
-        <p:txBody>
-          <a:bodyPr/>
-          <a:lstStyle/>
-          <a:p>
-            <a:pPr marL="0" indent="0">
-              <a:buNone/>
-            </a:pPr>
-            <a:r>
-              <a:rPr lang="en-GB" dirty="0"/>
-              <a:t>c</a:t>
-            </a:r>
-            <a:r>
-              <a:rPr lang="en-GB" dirty="0" smtClean="0"/>
-              <a:t>lass </a:t>
-            </a:r>
-            <a:r>
-              <a:rPr lang="en-GB" dirty="0" err="1" smtClean="0"/>
-              <a:t>MySaga</a:t>
-            </a:r>
-            <a:r>
-              <a:rPr lang="en-GB" dirty="0" smtClean="0"/>
-              <a:t>: </a:t>
-            </a:r>
-            <a:r>
-              <a:rPr lang="en-GB" b="1" dirty="0" err="1" smtClean="0"/>
-              <a:t>IAmStartedByMessages</a:t>
-            </a:r>
-            <a:r>
-              <a:rPr lang="en-GB" b="1" dirty="0" smtClean="0"/>
-              <a:t>&lt;</a:t>
-            </a:r>
-            <a:r>
-              <a:rPr lang="en-GB" b="1" dirty="0" err="1" smtClean="0"/>
-              <a:t>MyStartMessage</a:t>
-            </a:r>
-            <a:r>
-              <a:rPr lang="en-GB" b="1" dirty="0" smtClean="0"/>
-              <a:t>&gt;</a:t>
-            </a:r>
-          </a:p>
-          <a:p>
-            <a:pPr marL="0" indent="0">
-              <a:buNone/>
-            </a:pPr>
-            <a:endParaRPr lang="en-GB" b="1" dirty="0"/>
-          </a:p>
-          <a:p>
-            <a:r>
-              <a:rPr lang="en-GB" dirty="0" err="1" smtClean="0"/>
-              <a:t>IAmStartedByMessages</a:t>
-            </a:r>
-            <a:r>
-              <a:rPr lang="en-GB" dirty="0" smtClean="0"/>
-              <a:t> inherits </a:t>
-            </a:r>
-            <a:r>
-              <a:rPr lang="en-GB" dirty="0" err="1" smtClean="0"/>
-              <a:t>IHandleMessages</a:t>
-            </a:r>
-            <a:endParaRPr lang="sv-SE" dirty="0"/>
-          </a:p>
-        </p:txBody>
-      </p:sp>
-    </p:spTree>
-    <p:extLst>
-      <p:ext uri="{BB962C8B-B14F-4D97-AF65-F5344CB8AC3E}">
-        <p14:creationId xmlns:p14="http://schemas.microsoft.com/office/powerpoint/2010/main" val="3569026885"/>
-      </p:ext>
-    </p:extLst>
-  </p:cSld>
-  <p:clrMapOvr>
-    <a:masterClrMapping/>
-  </p:clrMapOvr>
-</p:sld>
-</file>
-
-<file path=ppt/slides/slide60.xml><?xml version="1.0" encoding="utf-8"?>
+<file path=ppt/slides/slide62.xml><?xml version="1.0" encoding="utf-8"?>
 <p:sld xmlns:a="http://schemas.openxmlformats.org/drawingml/2006/main" xmlns:r="http://schemas.openxmlformats.org/officeDocument/2006/relationships" xmlns:p="http://schemas.openxmlformats.org/presentationml/2006/main">
   <p:cSld>
     <p:spTree>
@@ -26802,7 +26996,191 @@
 </p:sld>
 </file>
 
-<file path=ppt/slides/slide61.xml><?xml version="1.0" encoding="utf-8"?>
+<file path=ppt/slides/slide63.xml><?xml version="1.0" encoding="utf-8"?>
+<p:sld xmlns:a="http://schemas.openxmlformats.org/drawingml/2006/main" xmlns:r="http://schemas.openxmlformats.org/officeDocument/2006/relationships" xmlns:p="http://schemas.openxmlformats.org/presentationml/2006/main">
+  <p:cSld>
+    <p:spTree>
+      <p:nvGrpSpPr>
+        <p:cNvPr id="1" name=""/>
+        <p:cNvGrpSpPr/>
+        <p:nvPr/>
+      </p:nvGrpSpPr>
+      <p:grpSpPr>
+        <a:xfrm>
+          <a:off x="0" y="0"/>
+          <a:ext cx="0" cy="0"/>
+          <a:chOff x="0" y="0"/>
+          <a:chExt cx="0" cy="0"/>
+        </a:xfrm>
+      </p:grpSpPr>
+      <p:sp>
+        <p:nvSpPr>
+          <p:cNvPr id="2" name="Title 1"/>
+          <p:cNvSpPr>
+            <a:spLocks noGrp="1"/>
+          </p:cNvSpPr>
+          <p:nvPr>
+            <p:ph type="title"/>
+          </p:nvPr>
+        </p:nvSpPr>
+        <p:spPr/>
+        <p:txBody>
+          <a:bodyPr/>
+          <a:lstStyle/>
+          <a:p>
+            <a:r>
+              <a:rPr lang="en-GB" dirty="0" smtClean="0"/>
+              <a:t>Exercise </a:t>
+            </a:r>
+            <a:r>
+              <a:rPr lang="en-GB" dirty="0" smtClean="0"/>
+              <a:t>6 </a:t>
+            </a:r>
+            <a:r>
+              <a:rPr lang="en-GB" dirty="0" smtClean="0"/>
+              <a:t>– </a:t>
+            </a:r>
+            <a:r>
+              <a:rPr lang="en-GB" dirty="0" smtClean="0"/>
+              <a:t>Buyers remorse</a:t>
+            </a:r>
+            <a:endParaRPr lang="sv-SE" dirty="0"/>
+          </a:p>
+        </p:txBody>
+      </p:sp>
+      <p:sp>
+        <p:nvSpPr>
+          <p:cNvPr id="3" name="Content Placeholder 2"/>
+          <p:cNvSpPr>
+            <a:spLocks noGrp="1"/>
+          </p:cNvSpPr>
+          <p:nvPr>
+            <p:ph idx="1"/>
+          </p:nvPr>
+        </p:nvSpPr>
+        <p:spPr/>
+        <p:txBody>
+          <a:bodyPr>
+            <a:normAutofit/>
+          </a:bodyPr>
+          <a:lstStyle/>
+          <a:p>
+            <a:r>
+              <a:rPr lang="en-GB" dirty="0" smtClean="0"/>
+              <a:t>TBD</a:t>
+            </a:r>
+            <a:endParaRPr lang="en-GB" dirty="0" smtClean="0"/>
+          </a:p>
+        </p:txBody>
+      </p:sp>
+    </p:spTree>
+    <p:extLst>
+      <p:ext uri="{BB962C8B-B14F-4D97-AF65-F5344CB8AC3E}">
+        <p14:creationId xmlns:p14="http://schemas.microsoft.com/office/powerpoint/2010/main" val="206784193"/>
+      </p:ext>
+    </p:extLst>
+  </p:cSld>
+  <p:clrMapOvr>
+    <a:masterClrMapping/>
+  </p:clrMapOvr>
+  <p:timing>
+    <p:tnLst>
+      <p:par>
+        <p:cTn id="1" dur="indefinite" restart="never" nodeType="tmRoot"/>
+      </p:par>
+    </p:tnLst>
+  </p:timing>
+</p:sld>
+</file>
+
+<file path=ppt/slides/slide64.xml><?xml version="1.0" encoding="utf-8"?>
+<p:sld xmlns:a="http://schemas.openxmlformats.org/drawingml/2006/main" xmlns:r="http://schemas.openxmlformats.org/officeDocument/2006/relationships" xmlns:p="http://schemas.openxmlformats.org/presentationml/2006/main">
+  <p:cSld>
+    <p:spTree>
+      <p:nvGrpSpPr>
+        <p:cNvPr id="1" name=""/>
+        <p:cNvGrpSpPr/>
+        <p:nvPr/>
+      </p:nvGrpSpPr>
+      <p:grpSpPr>
+        <a:xfrm>
+          <a:off x="0" y="0"/>
+          <a:ext cx="0" cy="0"/>
+          <a:chOff x="0" y="0"/>
+          <a:chExt cx="0" cy="0"/>
+        </a:xfrm>
+      </p:grpSpPr>
+      <p:sp>
+        <p:nvSpPr>
+          <p:cNvPr id="2" name="Title 1"/>
+          <p:cNvSpPr>
+            <a:spLocks noGrp="1"/>
+          </p:cNvSpPr>
+          <p:nvPr>
+            <p:ph type="title"/>
+          </p:nvPr>
+        </p:nvSpPr>
+        <p:spPr/>
+        <p:txBody>
+          <a:bodyPr/>
+          <a:lstStyle/>
+          <a:p>
+            <a:r>
+              <a:rPr lang="en-GB" dirty="0" smtClean="0"/>
+              <a:t>Walkthrough</a:t>
+            </a:r>
+            <a:endParaRPr lang="sv-SE" dirty="0"/>
+          </a:p>
+        </p:txBody>
+      </p:sp>
+      <p:sp>
+        <p:nvSpPr>
+          <p:cNvPr id="4" name="Text Placeholder 3"/>
+          <p:cNvSpPr>
+            <a:spLocks noGrp="1"/>
+          </p:cNvSpPr>
+          <p:nvPr>
+            <p:ph type="body" idx="1"/>
+          </p:nvPr>
+        </p:nvSpPr>
+        <p:spPr/>
+        <p:txBody>
+          <a:bodyPr/>
+          <a:lstStyle/>
+          <a:p>
+            <a:r>
+              <a:rPr lang="en-GB"/>
+              <a:t>Exercise </a:t>
+            </a:r>
+            <a:r>
+              <a:rPr lang="en-GB" dirty="0"/>
+              <a:t>6</a:t>
+            </a:r>
+            <a:endParaRPr lang="sv-SE" dirty="0"/>
+          </a:p>
+        </p:txBody>
+      </p:sp>
+    </p:spTree>
+    <p:extLst>
+      <p:ext uri="{BB962C8B-B14F-4D97-AF65-F5344CB8AC3E}">
+        <p14:creationId xmlns:p14="http://schemas.microsoft.com/office/powerpoint/2010/main" val="1756094974"/>
+      </p:ext>
+    </p:extLst>
+  </p:cSld>
+  <p:clrMapOvr>
+    <a:masterClrMapping/>
+  </p:clrMapOvr>
+  <p:timing>
+    <p:tnLst>
+      <p:par>
+        <p:cTn id="1" dur="indefinite" restart="never" nodeType="tmRoot"/>
+      </p:par>
+    </p:tnLst>
+  </p:timing>
+</p:sld>
+</file>
+
+<file path=ppt/slides/slide65.xml><?xml version="1.0" encoding="utf-8"?>
 <p:sld xmlns:a="http://schemas.openxmlformats.org/drawingml/2006/main" xmlns:r="http://schemas.openxmlformats.org/officeDocument/2006/relationships" xmlns:p="http://schemas.openxmlformats.org/presentationml/2006/main">
   <p:cSld>
     <p:spTree>

--- a/SagaMasterClass.pptx
+++ b/SagaMasterClass.pptx
@@ -349,7 +349,7 @@
           <a:p>
             <a:fld id="{058A98C1-2963-45B6-8396-F9770A549EA4}" type="datetimeFigureOut">
               <a:rPr lang="sv-SE" smtClean="0"/>
-              <a:t>2015-11-25</a:t>
+              <a:t>2015-11-26</a:t>
             </a:fld>
             <a:endParaRPr lang="sv-SE"/>
           </a:p>
@@ -744,7 +744,161 @@
             </a:r>
             <a:r>
               <a:rPr lang="en-US" dirty="0" smtClean="0"/>
-              <a:t>(4000),@p5 bit,@p6 bit',@p0=1,@p1='870D112B-44D1-4206-A4DB-A55B015DA80A',@p2=N'Sales@ANDREAS2015',@p3=N'baf9b6bb-a0da-41b9-8a81-a55b015d7a05',@p4=N'a23a2438-3af6-4c0a-a108-7f8e72d12083',@p5=1,@p6=0</a:t>
+              <a:t>(4000),@p5 bit,@p6 bit',@p0=1,@p1='870D112B-44D1-4206-A4DB-A55B015DA80A',@p2=N'Sales@ANDREAS2015',@p3=N'baf9b6bb-a0da-41b9-8a81-a55b015d7a05',@p4=N'a23a2438-3af6-4c0a-a108-7f8e72d12083',@p5=1,@</a:t>
+            </a:r>
+            <a:r>
+              <a:rPr lang="en-US" dirty="0" smtClean="0"/>
+              <a:t>p6=0</a:t>
+            </a:r>
+          </a:p>
+          <a:p>
+            <a:pPr marL="0" marR="0" indent="0" algn="l" defTabSz="914400" rtl="0" eaLnBrk="1" fontAlgn="auto" latinLnBrk="0" hangingPunct="1">
+              <a:lnSpc>
+                <a:spcPct val="100000"/>
+              </a:lnSpc>
+              <a:spcBef>
+                <a:spcPts val="0"/>
+              </a:spcBef>
+              <a:spcAft>
+                <a:spcPts val="0"/>
+              </a:spcAft>
+              <a:buClrTx/>
+              <a:buSzTx/>
+              <a:buFontTx/>
+              <a:buNone/>
+              <a:tabLst/>
+              <a:defRPr/>
+            </a:pPr>
+            <a:endParaRPr lang="en-US" dirty="0" smtClean="0"/>
+          </a:p>
+          <a:p>
+            <a:pPr marL="0" marR="0" indent="0" algn="l" defTabSz="914400" rtl="0" eaLnBrk="1" fontAlgn="auto" latinLnBrk="0" hangingPunct="1">
+              <a:lnSpc>
+                <a:spcPct val="100000"/>
+              </a:lnSpc>
+              <a:spcBef>
+                <a:spcPts val="0"/>
+              </a:spcBef>
+              <a:spcAft>
+                <a:spcPts val="0"/>
+              </a:spcAft>
+              <a:buClrTx/>
+              <a:buSzTx/>
+              <a:buFontTx/>
+              <a:buNone/>
+              <a:tabLst/>
+              <a:defRPr/>
+            </a:pPr>
+            <a:r>
+              <a:rPr lang="en-US" dirty="0" smtClean="0"/>
+              <a:t>After </a:t>
+            </a:r>
+            <a:r>
+              <a:rPr lang="en-US" dirty="0" err="1" smtClean="0"/>
+              <a:t>rowversion</a:t>
+            </a:r>
+            <a:r>
+              <a:rPr lang="en-US" dirty="0" smtClean="0"/>
+              <a:t> trick:</a:t>
+            </a:r>
+          </a:p>
+          <a:p>
+            <a:pPr marL="0" marR="0" indent="0" algn="l" defTabSz="914400" rtl="0" eaLnBrk="1" fontAlgn="auto" latinLnBrk="0" hangingPunct="1">
+              <a:lnSpc>
+                <a:spcPct val="100000"/>
+              </a:lnSpc>
+              <a:spcBef>
+                <a:spcPts val="0"/>
+              </a:spcBef>
+              <a:spcAft>
+                <a:spcPts val="0"/>
+              </a:spcAft>
+              <a:buClrTx/>
+              <a:buSzTx/>
+              <a:buFontTx/>
+              <a:buNone/>
+              <a:tabLst/>
+              <a:defRPr/>
+            </a:pPr>
+            <a:endParaRPr lang="en-US" dirty="0" smtClean="0"/>
+          </a:p>
+          <a:p>
+            <a:pPr marL="0" marR="0" indent="0" algn="l" defTabSz="914400" rtl="0" eaLnBrk="1" fontAlgn="auto" latinLnBrk="0" hangingPunct="1">
+              <a:lnSpc>
+                <a:spcPct val="100000"/>
+              </a:lnSpc>
+              <a:spcBef>
+                <a:spcPts val="0"/>
+              </a:spcBef>
+              <a:spcAft>
+                <a:spcPts val="0"/>
+              </a:spcAft>
+              <a:buClrTx/>
+              <a:buSzTx/>
+              <a:buFontTx/>
+              <a:buNone/>
+              <a:tabLst/>
+              <a:defRPr/>
+            </a:pPr>
+            <a:r>
+              <a:rPr lang="en-US" dirty="0" smtClean="0"/>
+              <a:t>exec </a:t>
+            </a:r>
+            <a:r>
+              <a:rPr lang="en-US" dirty="0" err="1" smtClean="0"/>
+              <a:t>sp_executesql</a:t>
+            </a:r>
+            <a:r>
+              <a:rPr lang="en-US" dirty="0" smtClean="0"/>
+              <a:t> N'UPDATE </a:t>
+            </a:r>
+            <a:r>
+              <a:rPr lang="en-US" dirty="0" err="1" smtClean="0"/>
+              <a:t>ShippingPolicy</a:t>
+            </a:r>
+            <a:r>
+              <a:rPr lang="en-US" dirty="0" smtClean="0"/>
+              <a:t> SET Version = @p0, </a:t>
+            </a:r>
+            <a:r>
+              <a:rPr lang="en-US" dirty="0" err="1" smtClean="0"/>
+              <a:t>OrderId</a:t>
+            </a:r>
+            <a:r>
+              <a:rPr lang="en-US" dirty="0" smtClean="0"/>
+              <a:t> = @p1, Placed = @p2, Billed = @p3, Originator = @p4, </a:t>
+            </a:r>
+            <a:r>
+              <a:rPr lang="en-US" dirty="0" err="1" smtClean="0"/>
+              <a:t>OriginalMessageId</a:t>
+            </a:r>
+            <a:r>
+              <a:rPr lang="en-US" dirty="0" smtClean="0"/>
+              <a:t> = @p5 WHERE Id = @p6 AND Version = @p7',N'@p0 int,@p1 </a:t>
+            </a:r>
+            <a:r>
+              <a:rPr lang="en-US" dirty="0" err="1" smtClean="0"/>
+              <a:t>nvarchar</a:t>
+            </a:r>
+            <a:r>
+              <a:rPr lang="en-US" dirty="0" smtClean="0"/>
+              <a:t>(4000),@p2 bit,@p3 bit,@p4 </a:t>
+            </a:r>
+            <a:r>
+              <a:rPr lang="en-US" dirty="0" err="1" smtClean="0"/>
+              <a:t>nvarchar</a:t>
+            </a:r>
+            <a:r>
+              <a:rPr lang="en-US" dirty="0" smtClean="0"/>
+              <a:t>(4000),@p5 </a:t>
+            </a:r>
+            <a:r>
+              <a:rPr lang="en-US" dirty="0" err="1" smtClean="0"/>
+              <a:t>nvarchar</a:t>
+            </a:r>
+            <a:r>
+              <a:rPr lang="en-US" dirty="0" smtClean="0"/>
+              <a:t>(4000),@p6 uniqueidentifier,@p7 int',@p0=2,@p1=N'86427be3-59a5-453d-9c75-aab2a4b466be',@p2=1,@p3=1,@p4=N'Sales@ANDREAS2015',@p5=N'b5e51adb-9d18-40b9-bcea-a55c01356c38',@p6='3FAD8522-46EE-4C0E-B18D-A55C01356DA4',@p7=1</a:t>
             </a:r>
             <a:endParaRPr lang="en-GB" dirty="0" smtClean="0"/>
           </a:p>
@@ -2879,7 +3033,7 @@
           <a:p>
             <a:fld id="{117CE5AD-8B70-46AB-83FD-10724A794102}" type="datetimeFigureOut">
               <a:rPr lang="sv-SE" smtClean="0"/>
-              <a:t>2015-11-25</a:t>
+              <a:t>2015-11-26</a:t>
             </a:fld>
             <a:endParaRPr lang="sv-SE"/>
           </a:p>
@@ -3049,7 +3203,7 @@
           <a:p>
             <a:fld id="{117CE5AD-8B70-46AB-83FD-10724A794102}" type="datetimeFigureOut">
               <a:rPr lang="sv-SE" smtClean="0"/>
-              <a:t>2015-11-25</a:t>
+              <a:t>2015-11-26</a:t>
             </a:fld>
             <a:endParaRPr lang="sv-SE"/>
           </a:p>
@@ -3229,7 +3383,7 @@
           <a:p>
             <a:fld id="{117CE5AD-8B70-46AB-83FD-10724A794102}" type="datetimeFigureOut">
               <a:rPr lang="sv-SE" smtClean="0"/>
-              <a:t>2015-11-25</a:t>
+              <a:t>2015-11-26</a:t>
             </a:fld>
             <a:endParaRPr lang="sv-SE"/>
           </a:p>
@@ -3399,7 +3553,7 @@
           <a:p>
             <a:fld id="{117CE5AD-8B70-46AB-83FD-10724A794102}" type="datetimeFigureOut">
               <a:rPr lang="sv-SE" smtClean="0"/>
-              <a:t>2015-11-25</a:t>
+              <a:t>2015-11-26</a:t>
             </a:fld>
             <a:endParaRPr lang="sv-SE"/>
           </a:p>
@@ -3645,7 +3799,7 @@
           <a:p>
             <a:fld id="{117CE5AD-8B70-46AB-83FD-10724A794102}" type="datetimeFigureOut">
               <a:rPr lang="sv-SE" smtClean="0"/>
-              <a:t>2015-11-25</a:t>
+              <a:t>2015-11-26</a:t>
             </a:fld>
             <a:endParaRPr lang="sv-SE"/>
           </a:p>
@@ -3877,7 +4031,7 @@
           <a:p>
             <a:fld id="{117CE5AD-8B70-46AB-83FD-10724A794102}" type="datetimeFigureOut">
               <a:rPr lang="sv-SE" smtClean="0"/>
-              <a:t>2015-11-25</a:t>
+              <a:t>2015-11-26</a:t>
             </a:fld>
             <a:endParaRPr lang="sv-SE"/>
           </a:p>
@@ -4244,7 +4398,7 @@
           <a:p>
             <a:fld id="{117CE5AD-8B70-46AB-83FD-10724A794102}" type="datetimeFigureOut">
               <a:rPr lang="sv-SE" smtClean="0"/>
-              <a:t>2015-11-25</a:t>
+              <a:t>2015-11-26</a:t>
             </a:fld>
             <a:endParaRPr lang="sv-SE"/>
           </a:p>
@@ -4362,7 +4516,7 @@
           <a:p>
             <a:fld id="{117CE5AD-8B70-46AB-83FD-10724A794102}" type="datetimeFigureOut">
               <a:rPr lang="sv-SE" smtClean="0"/>
-              <a:t>2015-11-25</a:t>
+              <a:t>2015-11-26</a:t>
             </a:fld>
             <a:endParaRPr lang="sv-SE"/>
           </a:p>
@@ -4457,7 +4611,7 @@
           <a:p>
             <a:fld id="{117CE5AD-8B70-46AB-83FD-10724A794102}" type="datetimeFigureOut">
               <a:rPr lang="sv-SE" smtClean="0"/>
-              <a:t>2015-11-25</a:t>
+              <a:t>2015-11-26</a:t>
             </a:fld>
             <a:endParaRPr lang="sv-SE"/>
           </a:p>
@@ -4734,7 +4888,7 @@
           <a:p>
             <a:fld id="{117CE5AD-8B70-46AB-83FD-10724A794102}" type="datetimeFigureOut">
               <a:rPr lang="sv-SE" smtClean="0"/>
-              <a:t>2015-11-25</a:t>
+              <a:t>2015-11-26</a:t>
             </a:fld>
             <a:endParaRPr lang="sv-SE"/>
           </a:p>
@@ -4987,7 +5141,7 @@
           <a:p>
             <a:fld id="{117CE5AD-8B70-46AB-83FD-10724A794102}" type="datetimeFigureOut">
               <a:rPr lang="sv-SE" smtClean="0"/>
-              <a:t>2015-11-25</a:t>
+              <a:t>2015-11-26</a:t>
             </a:fld>
             <a:endParaRPr lang="sv-SE"/>
           </a:p>
@@ -5200,7 +5354,7 @@
           <a:p>
             <a:fld id="{117CE5AD-8B70-46AB-83FD-10724A794102}" type="datetimeFigureOut">
               <a:rPr lang="sv-SE" smtClean="0"/>
-              <a:t>2015-11-25</a:t>
+              <a:t>2015-11-26</a:t>
             </a:fld>
             <a:endParaRPr lang="sv-SE"/>
           </a:p>
@@ -5698,11 +5852,7 @@
           <a:p>
             <a:r>
               <a:rPr lang="en-GB" dirty="0" smtClean="0"/>
-              <a:t>Sending </a:t>
-            </a:r>
-            <a:r>
-              <a:rPr lang="en-GB" dirty="0" smtClean="0"/>
-              <a:t>messages</a:t>
+              <a:t>Sending messages</a:t>
             </a:r>
             <a:endParaRPr lang="sv-SE" dirty="0"/>
           </a:p>
@@ -5738,15 +5888,7 @@
             </a:pPr>
             <a:r>
               <a:rPr lang="en-GB" dirty="0" err="1" smtClean="0"/>
-              <a:t>t</a:t>
-            </a:r>
-            <a:r>
-              <a:rPr lang="en-GB" dirty="0" err="1" smtClean="0"/>
-              <a:t>his.Bus</a:t>
-            </a:r>
-            <a:r>
-              <a:rPr lang="en-GB" dirty="0" err="1" smtClean="0"/>
-              <a:t>.Send</a:t>
+              <a:t>this.Bus.Send</a:t>
             </a:r>
             <a:r>
               <a:rPr lang="en-GB" dirty="0" smtClean="0"/>
@@ -5760,7 +5902,6 @@
               <a:rPr lang="en-GB" dirty="0" smtClean="0"/>
               <a:t>())</a:t>
             </a:r>
-            <a:endParaRPr lang="en-GB" dirty="0" smtClean="0"/>
           </a:p>
         </p:txBody>
       </p:sp>
@@ -10988,11 +11129,7 @@
             </a:r>
             <a:r>
               <a:rPr lang="en-US" dirty="0" smtClean="0"/>
-              <a:t>&lt;T&gt; </a:t>
-            </a:r>
-            <a:r>
-              <a:rPr lang="en-US" dirty="0" smtClean="0"/>
-              <a:t>for each</a:t>
+              <a:t>&lt;T&gt; for each</a:t>
             </a:r>
           </a:p>
           <a:p>
@@ -11291,11 +11428,7 @@
           <a:p>
             <a:r>
               <a:rPr lang="en-GB" dirty="0" smtClean="0"/>
-              <a:t>Intro to </a:t>
-            </a:r>
-            <a:r>
-              <a:rPr lang="en-GB" dirty="0" smtClean="0"/>
-              <a:t>sagas</a:t>
+              <a:t>Intro to sagas</a:t>
             </a:r>
           </a:p>
           <a:p>
@@ -11303,7 +11436,6 @@
               <a:rPr lang="en-GB" dirty="0" smtClean="0"/>
               <a:t>TBD</a:t>
             </a:r>
-            <a:endParaRPr lang="en-GB" dirty="0" smtClean="0"/>
           </a:p>
           <a:p>
             <a:pPr marL="0" indent="0">
@@ -11589,11 +11721,7 @@
           <a:p>
             <a:r>
               <a:rPr lang="en-GB" dirty="0" smtClean="0"/>
-              <a:t>Concurrently updating </a:t>
-            </a:r>
-            <a:r>
-              <a:rPr lang="en-GB" dirty="0" smtClean="0"/>
-              <a:t>existing sagas</a:t>
+              <a:t>Concurrently updating existing sagas</a:t>
             </a:r>
             <a:endParaRPr lang="sv-SE" dirty="0"/>
           </a:p>
@@ -11621,8 +11749,8 @@
               <a:t>Strategy is specific to each </a:t>
             </a:r>
             <a:r>
-              <a:rPr lang="en-GB" dirty="0" err="1" smtClean="0"/>
-              <a:t>storagae</a:t>
+              <a:rPr lang="en-GB" dirty="0" smtClean="0"/>
+              <a:t>storage</a:t>
             </a:r>
             <a:endParaRPr lang="en-GB" dirty="0" smtClean="0"/>
           </a:p>
@@ -11631,36 +11759,30 @@
               <a:rPr lang="en-GB" dirty="0" smtClean="0"/>
               <a:t>NHibernate used</a:t>
             </a:r>
-            <a:endParaRPr lang="en-GB" dirty="0" smtClean="0"/>
           </a:p>
           <a:p>
             <a:pPr lvl="1"/>
             <a:r>
               <a:rPr lang="en-GB" dirty="0" smtClean="0"/>
-              <a:t>Optimistic concurrency with a where clause</a:t>
-            </a:r>
-            <a:endParaRPr lang="en-GB" dirty="0" smtClean="0"/>
-          </a:p>
-          <a:p>
-            <a:pPr lvl="1"/>
+              <a:t>Optimistic concurrency with a where </a:t>
+            </a:r>
             <a:r>
               <a:rPr lang="en-GB" dirty="0" smtClean="0"/>
-              <a:t>We recommend </a:t>
-            </a:r>
-            <a:r>
-              <a:rPr lang="en-GB" dirty="0" err="1" smtClean="0"/>
-              <a:t>swithing</a:t>
-            </a:r>
+              <a:t>clause</a:t>
+            </a:r>
+          </a:p>
+          <a:p>
+            <a:pPr lvl="2"/>
             <a:r>
               <a:rPr lang="en-GB" dirty="0" smtClean="0"/>
-              <a:t> to a version property to avoid </a:t>
+              <a:t>Checks all properties</a:t>
             </a:r>
           </a:p>
           <a:p>
             <a:pPr lvl="2"/>
             <a:r>
               <a:rPr lang="en-GB" dirty="0" smtClean="0"/>
-              <a:t>To big </a:t>
+              <a:t>Can cause large </a:t>
             </a:r>
             <a:r>
               <a:rPr lang="en-GB" dirty="0" err="1" smtClean="0"/>
@@ -11674,15 +11796,67 @@
           <a:p>
             <a:pPr lvl="2"/>
             <a:r>
+              <a:rPr lang="en-GB" dirty="0"/>
+              <a:t>Decimal properties can cause failures due to truncation</a:t>
+            </a:r>
+          </a:p>
+          <a:p>
+            <a:pPr lvl="2"/>
+            <a:endParaRPr lang="en-GB" dirty="0" smtClean="0"/>
+          </a:p>
+          <a:p>
+            <a:pPr lvl="1"/>
+            <a:r>
               <a:rPr lang="en-GB" dirty="0" smtClean="0"/>
-              <a:t>Decimal properties can cause failures due to truncation</a:t>
-            </a:r>
-          </a:p>
-          <a:p>
-            <a:pPr lvl="2"/>
+              <a:t>Consider using a </a:t>
+            </a:r>
+            <a:r>
+              <a:rPr lang="en-GB" dirty="0" err="1" smtClean="0"/>
+              <a:t>rowversion</a:t>
+            </a:r>
             <a:r>
               <a:rPr lang="en-GB" dirty="0" smtClean="0"/>
-              <a:t>Public virtual </a:t>
+              <a:t> </a:t>
+            </a:r>
+            <a:r>
+              <a:rPr lang="en-GB" dirty="0" smtClean="0"/>
+              <a:t>property to avoid </a:t>
+            </a:r>
+            <a:r>
+              <a:rPr lang="en-GB" dirty="0" smtClean="0"/>
+              <a:t>the above issues</a:t>
+            </a:r>
+            <a:endParaRPr lang="en-GB" dirty="0" smtClean="0"/>
+          </a:p>
+          <a:p>
+            <a:pPr marL="914400" lvl="2" indent="0">
+              <a:buNone/>
+            </a:pPr>
+            <a:r>
+              <a:rPr lang="sv-SE" dirty="0" smtClean="0"/>
+              <a:t>[</a:t>
+            </a:r>
+            <a:r>
+              <a:rPr lang="sv-SE" dirty="0"/>
+              <a:t>RowVersion] </a:t>
+            </a:r>
+            <a:endParaRPr lang="en-GB" dirty="0" smtClean="0"/>
+          </a:p>
+          <a:p>
+            <a:pPr marL="914400" lvl="2" indent="0">
+              <a:buNone/>
+            </a:pPr>
+            <a:r>
+              <a:rPr lang="en-GB" dirty="0" smtClean="0"/>
+              <a:t>p</a:t>
+            </a:r>
+            <a:r>
+              <a:rPr lang="en-GB" dirty="0" smtClean="0"/>
+              <a:t>ublic </a:t>
+            </a:r>
+            <a:r>
+              <a:rPr lang="en-GB" dirty="0" smtClean="0"/>
+              <a:t>virtual </a:t>
             </a:r>
             <a:r>
               <a:rPr lang="en-GB" dirty="0" err="1" smtClean="0"/>
@@ -11690,8 +11864,17 @@
             </a:r>
             <a:r>
               <a:rPr lang="en-GB" dirty="0" smtClean="0"/>
-              <a:t> Version{ get; set; }</a:t>
-            </a:r>
+              <a:t> Version{ get; set; </a:t>
+            </a:r>
+            <a:r>
+              <a:rPr lang="en-GB" dirty="0" smtClean="0"/>
+              <a:t>}</a:t>
+            </a:r>
+          </a:p>
+          <a:p>
+            <a:pPr marL="914400" lvl="2" indent="0">
+              <a:buNone/>
+            </a:pPr>
             <a:endParaRPr lang="en-US" dirty="0" smtClean="0"/>
           </a:p>
         </p:txBody>
@@ -11938,19 +12121,7 @@
           <a:p>
             <a:r>
               <a:rPr lang="en-GB" dirty="0" smtClean="0"/>
-              <a:t>Exercise </a:t>
-            </a:r>
-            <a:r>
-              <a:rPr lang="en-GB" dirty="0" smtClean="0"/>
-              <a:t>3 </a:t>
-            </a:r>
-            <a:r>
-              <a:rPr lang="en-GB" dirty="0" smtClean="0"/>
-              <a:t>– </a:t>
-            </a:r>
-            <a:r>
-              <a:rPr lang="en-GB" dirty="0" smtClean="0"/>
-              <a:t>Concurrency</a:t>
+              <a:t>Exercise 3 – Concurrency</a:t>
             </a:r>
             <a:endParaRPr lang="sv-SE" dirty="0"/>
           </a:p>
@@ -11975,18 +12146,25 @@
           <a:p>
             <a:r>
               <a:rPr lang="en-GB" dirty="0" smtClean="0"/>
-              <a:t>Mak</a:t>
-            </a:r>
+              <a:t>Make sure that the billing endpoint is stopped</a:t>
+            </a:r>
+          </a:p>
+          <a:p>
             <a:r>
               <a:rPr lang="en-GB" dirty="0" smtClean="0"/>
-              <a:t>e sure that the billing endpoint is stopped</a:t>
-            </a:r>
-          </a:p>
-          <a:p>
+              <a:t>Place a new </a:t>
+            </a:r>
             <a:r>
               <a:rPr lang="en-GB" dirty="0" smtClean="0"/>
-              <a:t>Place a new order</a:t>
-            </a:r>
+              <a:t>order</a:t>
+            </a:r>
+          </a:p>
+          <a:p>
+            <a:r>
+              <a:rPr lang="en-GB" dirty="0" smtClean="0"/>
+              <a:t>Start the Shipping endpoint after the Billing event has arrived</a:t>
+            </a:r>
+            <a:endParaRPr lang="en-GB" dirty="0" smtClean="0"/>
           </a:p>
           <a:p>
             <a:r>
@@ -12006,14 +12184,26 @@
             </a:r>
             <a:r>
               <a:rPr lang="en-GB" dirty="0" smtClean="0"/>
-              <a:t> in /bin/debug</a:t>
+              <a:t> in /</a:t>
+            </a:r>
+            <a:r>
+              <a:rPr lang="en-GB" dirty="0" smtClean="0"/>
+              <a:t>bin/debug</a:t>
             </a:r>
           </a:p>
           <a:p>
             <a:pPr lvl="1"/>
             <a:r>
               <a:rPr lang="en-GB" dirty="0" smtClean="0"/>
-              <a:t>Or </a:t>
+              <a:t>Or in </a:t>
+            </a:r>
+            <a:r>
+              <a:rPr lang="en-GB" smtClean="0"/>
+              <a:t>sqlprofiler</a:t>
+            </a:r>
+            <a:r>
+              <a:rPr lang="en-GB" smtClean="0"/>
+              <a:t> </a:t>
             </a:r>
             <a:endParaRPr lang="en-GB" dirty="0" smtClean="0"/>
           </a:p>
@@ -12268,11 +12458,7 @@
             <a:pPr lvl="1"/>
             <a:r>
               <a:rPr lang="en-GB" dirty="0" smtClean="0"/>
-              <a:t>Caveat</a:t>
-            </a:r>
-            <a:r>
-              <a:rPr lang="en-GB" dirty="0" smtClean="0"/>
-              <a:t>: Does not work btw sagas</a:t>
+              <a:t>Caveat: Does not work btw sagas</a:t>
             </a:r>
             <a:endParaRPr lang="sv-SE" dirty="0"/>
           </a:p>
@@ -14562,15 +14748,7 @@
             </a:r>
             <a:r>
               <a:rPr lang="en-GB" dirty="0" smtClean="0"/>
-              <a:t> </a:t>
-            </a:r>
-            <a:r>
-              <a:rPr lang="en-GB" dirty="0" smtClean="0"/>
-              <a:t>– </a:t>
-            </a:r>
-            <a:r>
-              <a:rPr lang="en-GB" dirty="0" smtClean="0"/>
-              <a:t>Shipping integration</a:t>
+              <a:t> – Shipping integration</a:t>
             </a:r>
             <a:endParaRPr lang="sv-SE" dirty="0"/>
           </a:p>
@@ -14597,7 +14775,6 @@
               <a:rPr lang="en-GB" dirty="0" smtClean="0"/>
               <a:t>TBD - Daniel</a:t>
             </a:r>
-            <a:endParaRPr lang="en-GB" dirty="0" smtClean="0"/>
           </a:p>
         </p:txBody>
       </p:sp>
@@ -19353,14 +19530,7 @@
                 <a:latin typeface="Courier New" pitchFamily="49" charset="0"/>
                 <a:cs typeface="Courier New" pitchFamily="49" charset="0"/>
               </a:rPr>
-              <a:t> customers</a:t>
-            </a:r>
-            <a:r>
-              <a:rPr lang="sv-SE" sz="2800" dirty="0">
-                <a:latin typeface="Courier New" pitchFamily="49" charset="0"/>
-                <a:cs typeface="Courier New" pitchFamily="49" charset="0"/>
-              </a:rPr>
-              <a:t>)</a:t>
+              <a:t> customers)</a:t>
             </a:r>
           </a:p>
           <a:p>
@@ -19371,10 +19541,6 @@
               </a:rPr>
               <a:t>{</a:t>
             </a:r>
-            <a:endParaRPr lang="sv-SE" sz="2800" dirty="0">
-              <a:latin typeface="Courier New" pitchFamily="49" charset="0"/>
-              <a:cs typeface="Courier New" pitchFamily="49" charset="0"/>
-            </a:endParaRPr>
           </a:p>
           <a:p>
             <a:r>
@@ -19382,14 +19548,7 @@
                 <a:latin typeface="Courier New" pitchFamily="49" charset="0"/>
                 <a:cs typeface="Courier New" pitchFamily="49" charset="0"/>
               </a:rPr>
-              <a:t> </a:t>
-            </a:r>
-            <a:r>
-              <a:rPr lang="sv-SE" sz="2800" dirty="0">
-                <a:latin typeface="Courier New" pitchFamily="49" charset="0"/>
-                <a:cs typeface="Courier New" pitchFamily="49" charset="0"/>
-              </a:rPr>
-              <a:t> </a:t>
+              <a:t>  </a:t>
             </a:r>
             <a:r>
               <a:rPr lang="sv-SE" sz="2800" dirty="0">
@@ -19408,6 +19567,26 @@
               </a:rPr>
               <a:t> orderTotal = customer.Orders</a:t>
             </a:r>
+          </a:p>
+          <a:p>
+            <a:r>
+              <a:rPr lang="sv-SE" sz="2800" dirty="0">
+                <a:latin typeface="Courier New" pitchFamily="49" charset="0"/>
+                <a:cs typeface="Courier New" pitchFamily="49" charset="0"/>
+              </a:rPr>
+              <a:t>   .Where(o=&gt; o.OrderDate &lt; 365.DaysAgo)</a:t>
+            </a:r>
+          </a:p>
+          <a:p>
+            <a:r>
+              <a:rPr lang="sv-SE" sz="2800" dirty="0">
+                <a:latin typeface="Courier New" pitchFamily="49" charset="0"/>
+                <a:cs typeface="Courier New" pitchFamily="49" charset="0"/>
+              </a:rPr>
+              <a:t>   .Sum(order =&gt; order.OrderValue);</a:t>
+            </a:r>
+          </a:p>
+          <a:p>
             <a:endParaRPr lang="sv-SE" sz="2800" dirty="0">
               <a:latin typeface="Courier New" pitchFamily="49" charset="0"/>
               <a:cs typeface="Courier New" pitchFamily="49" charset="0"/>
@@ -19419,84 +19598,7 @@
                 <a:latin typeface="Courier New" pitchFamily="49" charset="0"/>
                 <a:cs typeface="Courier New" pitchFamily="49" charset="0"/>
               </a:rPr>
-              <a:t> </a:t>
-            </a:r>
-            <a:r>
-              <a:rPr lang="sv-SE" sz="2800" dirty="0">
-                <a:latin typeface="Courier New" pitchFamily="49" charset="0"/>
-                <a:cs typeface="Courier New" pitchFamily="49" charset="0"/>
-              </a:rPr>
-              <a:t>  .Where(o=&gt; o.OrderDate &lt; 365.DaysAgo)</a:t>
-            </a:r>
-            <a:endParaRPr lang="sv-SE" sz="2800" dirty="0">
-              <a:latin typeface="Courier New" pitchFamily="49" charset="0"/>
-              <a:cs typeface="Courier New" pitchFamily="49" charset="0"/>
-            </a:endParaRPr>
-          </a:p>
-          <a:p>
-            <a:r>
-              <a:rPr lang="sv-SE" sz="2800" dirty="0">
-                <a:latin typeface="Courier New" pitchFamily="49" charset="0"/>
-                <a:cs typeface="Courier New" pitchFamily="49" charset="0"/>
-              </a:rPr>
-              <a:t>   </a:t>
-            </a:r>
-            <a:r>
-              <a:rPr lang="sv-SE" sz="2800" dirty="0">
-                <a:latin typeface="Courier New" pitchFamily="49" charset="0"/>
-                <a:cs typeface="Courier New" pitchFamily="49" charset="0"/>
-              </a:rPr>
-              <a:t>.</a:t>
-            </a:r>
-            <a:r>
-              <a:rPr lang="sv-SE" sz="2800" dirty="0">
-                <a:latin typeface="Courier New" pitchFamily="49" charset="0"/>
-                <a:cs typeface="Courier New" pitchFamily="49" charset="0"/>
-              </a:rPr>
-              <a:t>Sum(order =&gt; order.OrderValue);</a:t>
-            </a:r>
-          </a:p>
-          <a:p>
-            <a:endParaRPr lang="sv-SE" sz="2800" dirty="0">
-              <a:latin typeface="Courier New" pitchFamily="49" charset="0"/>
-              <a:cs typeface="Courier New" pitchFamily="49" charset="0"/>
-            </a:endParaRPr>
-          </a:p>
-          <a:p>
-            <a:r>
-              <a:rPr lang="sv-SE" sz="2800" dirty="0">
-                <a:latin typeface="Courier New" pitchFamily="49" charset="0"/>
-                <a:cs typeface="Courier New" pitchFamily="49" charset="0"/>
-              </a:rPr>
-              <a:t> </a:t>
-            </a:r>
-            <a:r>
-              <a:rPr lang="sv-SE" sz="2800" dirty="0">
-                <a:latin typeface="Courier New" pitchFamily="49" charset="0"/>
-                <a:cs typeface="Courier New" pitchFamily="49" charset="0"/>
-              </a:rPr>
-              <a:t> customer.Prefered </a:t>
-            </a:r>
-            <a:r>
-              <a:rPr lang="sv-SE" sz="2800" dirty="0">
-                <a:latin typeface="Courier New" pitchFamily="49" charset="0"/>
-                <a:cs typeface="Courier New" pitchFamily="49" charset="0"/>
-              </a:rPr>
-              <a:t>= orderTotal </a:t>
-            </a:r>
-            <a:r>
-              <a:rPr lang="sv-SE" sz="2800" dirty="0">
-                <a:latin typeface="Courier New" pitchFamily="49" charset="0"/>
-                <a:cs typeface="Courier New" pitchFamily="49" charset="0"/>
-              </a:rPr>
-              <a:t>&gt; </a:t>
-            </a:r>
-            <a:r>
-              <a:rPr lang="sv-SE" sz="2800" dirty="0">
-                <a:latin typeface="Courier New" pitchFamily="49" charset="0"/>
-                <a:cs typeface="Courier New" pitchFamily="49" charset="0"/>
-              </a:rPr>
-              <a:t>5000;</a:t>
+              <a:t>  customer.Prefered = orderTotal &gt; 5000;</a:t>
             </a:r>
           </a:p>
           <a:p>
@@ -19507,10 +19609,6 @@
               </a:rPr>
               <a:t>}</a:t>
             </a:r>
-            <a:endParaRPr lang="sv-SE" sz="2800" dirty="0">
-              <a:latin typeface="Courier New" pitchFamily="49" charset="0"/>
-              <a:cs typeface="Courier New" pitchFamily="49" charset="0"/>
-            </a:endParaRPr>
           </a:p>
         </p:txBody>
       </p:sp>
@@ -19828,15 +19926,7 @@
                   <a:schemeClr val="bg1"/>
                 </a:solidFill>
               </a:rPr>
-              <a:t>m</a:t>
-            </a:r>
-            <a:r>
-              <a:rPr lang="sv-SE" sz="5400" b="1" dirty="0">
-                <a:solidFill>
-                  <a:schemeClr val="bg1"/>
-                </a:solidFill>
-              </a:rPr>
-              <a:t>ore ”real time”</a:t>
+              <a:t>more ”real time”</a:t>
             </a:r>
             <a:endParaRPr lang="sv-SE" sz="2400" b="1" dirty="0">
               <a:solidFill>
@@ -19953,14 +20043,7 @@
                 <a:latin typeface="Courier New" pitchFamily="49" charset="0"/>
                 <a:cs typeface="Courier New" pitchFamily="49" charset="0"/>
               </a:rPr>
-              <a:t> customers</a:t>
-            </a:r>
-            <a:r>
-              <a:rPr lang="sv-SE" sz="2800" dirty="0">
-                <a:latin typeface="Courier New" pitchFamily="49" charset="0"/>
-                <a:cs typeface="Courier New" pitchFamily="49" charset="0"/>
-              </a:rPr>
-              <a:t>)</a:t>
+              <a:t> customers)</a:t>
             </a:r>
           </a:p>
           <a:p>
@@ -19971,10 +20054,6 @@
               </a:rPr>
               <a:t>{</a:t>
             </a:r>
-            <a:endParaRPr lang="sv-SE" sz="2800" dirty="0">
-              <a:latin typeface="Courier New" pitchFamily="49" charset="0"/>
-              <a:cs typeface="Courier New" pitchFamily="49" charset="0"/>
-            </a:endParaRPr>
           </a:p>
           <a:p>
             <a:r>
@@ -19982,14 +20061,7 @@
                 <a:latin typeface="Courier New" pitchFamily="49" charset="0"/>
                 <a:cs typeface="Courier New" pitchFamily="49" charset="0"/>
               </a:rPr>
-              <a:t> </a:t>
-            </a:r>
-            <a:r>
-              <a:rPr lang="sv-SE" sz="2800" dirty="0">
-                <a:latin typeface="Courier New" pitchFamily="49" charset="0"/>
-                <a:cs typeface="Courier New" pitchFamily="49" charset="0"/>
-              </a:rPr>
-              <a:t> </a:t>
+              <a:t>  </a:t>
             </a:r>
             <a:r>
               <a:rPr lang="sv-SE" sz="2800" dirty="0">
@@ -20008,6 +20080,26 @@
               </a:rPr>
               <a:t> orderTotal = customer.Orders</a:t>
             </a:r>
+          </a:p>
+          <a:p>
+            <a:r>
+              <a:rPr lang="sv-SE" sz="2800" dirty="0">
+                <a:latin typeface="Courier New" pitchFamily="49" charset="0"/>
+                <a:cs typeface="Courier New" pitchFamily="49" charset="0"/>
+              </a:rPr>
+              <a:t>   .Where(o=&gt; o.OrderDate &lt; 365.DaysAgo)</a:t>
+            </a:r>
+          </a:p>
+          <a:p>
+            <a:r>
+              <a:rPr lang="sv-SE" sz="2800" dirty="0">
+                <a:latin typeface="Courier New" pitchFamily="49" charset="0"/>
+                <a:cs typeface="Courier New" pitchFamily="49" charset="0"/>
+              </a:rPr>
+              <a:t>   .Sum(order =&gt; order.OrderValue);</a:t>
+            </a:r>
+          </a:p>
+          <a:p>
             <a:endParaRPr lang="sv-SE" sz="2800" dirty="0">
               <a:latin typeface="Courier New" pitchFamily="49" charset="0"/>
               <a:cs typeface="Courier New" pitchFamily="49" charset="0"/>
@@ -20019,84 +20111,7 @@
                 <a:latin typeface="Courier New" pitchFamily="49" charset="0"/>
                 <a:cs typeface="Courier New" pitchFamily="49" charset="0"/>
               </a:rPr>
-              <a:t> </a:t>
-            </a:r>
-            <a:r>
-              <a:rPr lang="sv-SE" sz="2800" dirty="0">
-                <a:latin typeface="Courier New" pitchFamily="49" charset="0"/>
-                <a:cs typeface="Courier New" pitchFamily="49" charset="0"/>
-              </a:rPr>
-              <a:t>  .Where(o=&gt; o.OrderDate &lt; 365.DaysAgo)</a:t>
-            </a:r>
-            <a:endParaRPr lang="sv-SE" sz="2800" dirty="0">
-              <a:latin typeface="Courier New" pitchFamily="49" charset="0"/>
-              <a:cs typeface="Courier New" pitchFamily="49" charset="0"/>
-            </a:endParaRPr>
-          </a:p>
-          <a:p>
-            <a:r>
-              <a:rPr lang="sv-SE" sz="2800" dirty="0">
-                <a:latin typeface="Courier New" pitchFamily="49" charset="0"/>
-                <a:cs typeface="Courier New" pitchFamily="49" charset="0"/>
-              </a:rPr>
-              <a:t>   </a:t>
-            </a:r>
-            <a:r>
-              <a:rPr lang="sv-SE" sz="2800" dirty="0">
-                <a:latin typeface="Courier New" pitchFamily="49" charset="0"/>
-                <a:cs typeface="Courier New" pitchFamily="49" charset="0"/>
-              </a:rPr>
-              <a:t>.</a:t>
-            </a:r>
-            <a:r>
-              <a:rPr lang="sv-SE" sz="2800" dirty="0">
-                <a:latin typeface="Courier New" pitchFamily="49" charset="0"/>
-                <a:cs typeface="Courier New" pitchFamily="49" charset="0"/>
-              </a:rPr>
-              <a:t>Sum(order =&gt; order.OrderValue);</a:t>
-            </a:r>
-          </a:p>
-          <a:p>
-            <a:endParaRPr lang="sv-SE" sz="2800" dirty="0">
-              <a:latin typeface="Courier New" pitchFamily="49" charset="0"/>
-              <a:cs typeface="Courier New" pitchFamily="49" charset="0"/>
-            </a:endParaRPr>
-          </a:p>
-          <a:p>
-            <a:r>
-              <a:rPr lang="sv-SE" sz="2800" dirty="0">
-                <a:latin typeface="Courier New" pitchFamily="49" charset="0"/>
-                <a:cs typeface="Courier New" pitchFamily="49" charset="0"/>
-              </a:rPr>
-              <a:t> </a:t>
-            </a:r>
-            <a:r>
-              <a:rPr lang="sv-SE" sz="2800" dirty="0">
-                <a:latin typeface="Courier New" pitchFamily="49" charset="0"/>
-                <a:cs typeface="Courier New" pitchFamily="49" charset="0"/>
-              </a:rPr>
-              <a:t> customer.Prefered </a:t>
-            </a:r>
-            <a:r>
-              <a:rPr lang="sv-SE" sz="2800" dirty="0">
-                <a:latin typeface="Courier New" pitchFamily="49" charset="0"/>
-                <a:cs typeface="Courier New" pitchFamily="49" charset="0"/>
-              </a:rPr>
-              <a:t>= orderTotal </a:t>
-            </a:r>
-            <a:r>
-              <a:rPr lang="sv-SE" sz="2800" dirty="0">
-                <a:latin typeface="Courier New" pitchFamily="49" charset="0"/>
-                <a:cs typeface="Courier New" pitchFamily="49" charset="0"/>
-              </a:rPr>
-              <a:t>&gt; </a:t>
-            </a:r>
-            <a:r>
-              <a:rPr lang="sv-SE" sz="2800" dirty="0">
-                <a:latin typeface="Courier New" pitchFamily="49" charset="0"/>
-                <a:cs typeface="Courier New" pitchFamily="49" charset="0"/>
-              </a:rPr>
-              <a:t>5000;</a:t>
+              <a:t>  customer.Prefered = orderTotal &gt; 5000;</a:t>
             </a:r>
           </a:p>
           <a:p>
@@ -20107,10 +20122,6 @@
               </a:rPr>
               <a:t>}</a:t>
             </a:r>
-            <a:endParaRPr lang="sv-SE" sz="2800" dirty="0">
-              <a:latin typeface="Courier New" pitchFamily="49" charset="0"/>
-              <a:cs typeface="Courier New" pitchFamily="49" charset="0"/>
-            </a:endParaRPr>
           </a:p>
         </p:txBody>
       </p:sp>
@@ -20747,11 +20758,6 @@
               </a:rPr>
               <a:t>100 $</a:t>
             </a:r>
-            <a:endParaRPr lang="sv-SE" dirty="0">
-              <a:solidFill>
-                <a:schemeClr val="bg1"/>
-              </a:solidFill>
-            </a:endParaRPr>
           </a:p>
         </p:txBody>
       </p:sp>
@@ -20909,11 +20915,6 @@
                 </a:rPr>
                 <a:t>300 $</a:t>
               </a:r>
-              <a:endParaRPr lang="sv-SE" dirty="0">
-                <a:solidFill>
-                  <a:schemeClr val="bg1"/>
-                </a:solidFill>
-              </a:endParaRPr>
             </a:p>
           </p:txBody>
         </p:sp>
@@ -21072,11 +21073,6 @@
                 </a:rPr>
                 <a:t>250 $</a:t>
               </a:r>
-              <a:endParaRPr lang="sv-SE" dirty="0">
-                <a:solidFill>
-                  <a:schemeClr val="bg1"/>
-                </a:solidFill>
-              </a:endParaRPr>
             </a:p>
           </p:txBody>
         </p:sp>
@@ -21724,15 +21720,7 @@
                   <a:schemeClr val="bg1"/>
                 </a:solidFill>
               </a:rPr>
-              <a:t>f</a:t>
-            </a:r>
-            <a:r>
-              <a:rPr lang="sv-SE" sz="5400" b="1" dirty="0">
-                <a:solidFill>
-                  <a:schemeClr val="bg1"/>
-                </a:solidFill>
-              </a:rPr>
-              <a:t>uture?</a:t>
+              <a:t>future?</a:t>
             </a:r>
           </a:p>
           <a:p>
@@ -22477,11 +22465,6 @@
                 </a:rPr>
                 <a:t>100 $</a:t>
               </a:r>
-              <a:endParaRPr lang="sv-SE" dirty="0">
-                <a:solidFill>
-                  <a:schemeClr val="bg1"/>
-                </a:solidFill>
-              </a:endParaRPr>
             </a:p>
           </p:txBody>
         </p:sp>
@@ -22640,11 +22623,6 @@
                 </a:rPr>
                 <a:t>300 $</a:t>
               </a:r>
-              <a:endParaRPr lang="sv-SE" dirty="0">
-                <a:solidFill>
-                  <a:schemeClr val="bg1"/>
-                </a:solidFill>
-              </a:endParaRPr>
             </a:p>
           </p:txBody>
         </p:sp>
@@ -22802,11 +22780,6 @@
                 </a:rPr>
                 <a:t>- 100 $</a:t>
               </a:r>
-              <a:endParaRPr lang="sv-SE" dirty="0">
-                <a:solidFill>
-                  <a:schemeClr val="bg1"/>
-                </a:solidFill>
-              </a:endParaRPr>
             </a:p>
           </p:txBody>
         </p:sp>
@@ -22949,11 +22922,6 @@
                 </a:rPr>
                 <a:t>- 300 $</a:t>
               </a:r>
-              <a:endParaRPr lang="sv-SE" dirty="0">
-                <a:solidFill>
-                  <a:schemeClr val="bg1"/>
-                </a:solidFill>
-              </a:endParaRPr>
             </a:p>
           </p:txBody>
         </p:sp>
@@ -23496,19 +23464,7 @@
           <a:p>
             <a:r>
               <a:rPr lang="en-GB" dirty="0" smtClean="0"/>
-              <a:t>Exercise </a:t>
-            </a:r>
-            <a:r>
-              <a:rPr lang="en-GB" dirty="0" smtClean="0"/>
-              <a:t>5 </a:t>
-            </a:r>
-            <a:r>
-              <a:rPr lang="en-GB" dirty="0" smtClean="0"/>
-              <a:t>– </a:t>
-            </a:r>
-            <a:r>
-              <a:rPr lang="en-GB" dirty="0" smtClean="0"/>
-              <a:t>Preferred customers</a:t>
+              <a:t>Exercise 5 – Preferred customers</a:t>
             </a:r>
             <a:endParaRPr lang="sv-SE" dirty="0"/>
           </a:p>
@@ -23535,7 +23491,6 @@
               <a:rPr lang="en-GB" dirty="0" smtClean="0"/>
               <a:t>TBD - Daniel</a:t>
             </a:r>
-            <a:endParaRPr lang="en-GB" dirty="0" smtClean="0"/>
           </a:p>
         </p:txBody>
       </p:sp>
@@ -23616,11 +23571,7 @@
           <a:p>
             <a:r>
               <a:rPr lang="en-GB" dirty="0"/>
-              <a:t>Exercise </a:t>
-            </a:r>
-            <a:r>
-              <a:rPr lang="en-GB" dirty="0"/>
-              <a:t>5</a:t>
+              <a:t>Exercise 5</a:t>
             </a:r>
             <a:endParaRPr lang="sv-SE" dirty="0"/>
           </a:p>
@@ -27030,19 +26981,7 @@
           <a:p>
             <a:r>
               <a:rPr lang="en-GB" dirty="0" smtClean="0"/>
-              <a:t>Exercise </a:t>
-            </a:r>
-            <a:r>
-              <a:rPr lang="en-GB" dirty="0" smtClean="0"/>
-              <a:t>6 </a:t>
-            </a:r>
-            <a:r>
-              <a:rPr lang="en-GB" dirty="0" smtClean="0"/>
-              <a:t>– </a:t>
-            </a:r>
-            <a:r>
-              <a:rPr lang="en-GB" dirty="0" smtClean="0"/>
-              <a:t>Buyers remorse</a:t>
+              <a:t>Exercise 6 – Buyers remorse</a:t>
             </a:r>
             <a:endParaRPr lang="sv-SE" dirty="0"/>
           </a:p>
@@ -27069,7 +27008,6 @@
               <a:rPr lang="en-GB" dirty="0" smtClean="0"/>
               <a:t>TBD</a:t>
             </a:r>
-            <a:endParaRPr lang="en-GB" dirty="0" smtClean="0"/>
           </a:p>
         </p:txBody>
       </p:sp>
@@ -27351,11 +27289,7 @@
           <a:p>
             <a:r>
               <a:rPr lang="en-GB" dirty="0" smtClean="0"/>
-              <a:t>The state clas</a:t>
-            </a:r>
-            <a:r>
-              <a:rPr lang="en-GB" dirty="0" smtClean="0"/>
-              <a:t>s should inherit from </a:t>
+              <a:t>The state class should inherit from </a:t>
             </a:r>
             <a:r>
               <a:rPr lang="en-GB" dirty="0" err="1" smtClean="0"/>
@@ -27396,7 +27330,7 @@
             </a:r>
             <a:r>
               <a:rPr lang="en-GB" dirty="0" err="1" smtClean="0"/>
-              <a:t>ContainsSagaData</a:t>
+              <a:t>ContainSagaData</a:t>
             </a:r>
             <a:r>
               <a:rPr lang="en-GB" dirty="0" smtClean="0"/>
@@ -27497,15 +27431,7 @@
           <a:p>
             <a:r>
               <a:rPr lang="en-GB" dirty="0" smtClean="0"/>
-              <a:t>Correlating </a:t>
-            </a:r>
-            <a:r>
-              <a:rPr lang="en-GB" dirty="0" smtClean="0"/>
-              <a:t>messages to </a:t>
-            </a:r>
-            <a:r>
-              <a:rPr lang="en-GB" dirty="0" smtClean="0"/>
-              <a:t>saga instances</a:t>
+              <a:t>Correlating messages to saga instances</a:t>
             </a:r>
             <a:endParaRPr lang="sv-SE" dirty="0"/>
           </a:p>
@@ -27573,7 +27499,6 @@
               <a:rPr lang="en-GB" dirty="0" smtClean="0"/>
               <a:t>Connects message property to saga property</a:t>
             </a:r>
-            <a:endParaRPr lang="en-GB" dirty="0" smtClean="0"/>
           </a:p>
           <a:p>
             <a:pPr marL="0" indent="0">

--- a/SagaMasterClass.pptx
+++ b/SagaMasterClass.pptx
@@ -5,7 +5,7 @@
     <p:sldMasterId id="2147483648" r:id="rId1"/>
   </p:sldMasterIdLst>
   <p:notesMasterIdLst>
-    <p:notesMasterId r:id="rId82"/>
+    <p:notesMasterId r:id="rId81"/>
   </p:notesMasterIdLst>
   <p:sldIdLst>
     <p:sldId id="256" r:id="rId2"/>
@@ -69,25 +69,24 @@
     <p:sldId id="315" r:id="rId60"/>
     <p:sldId id="316" r:id="rId61"/>
     <p:sldId id="317" r:id="rId62"/>
-    <p:sldId id="318" r:id="rId63"/>
-    <p:sldId id="323" r:id="rId64"/>
-    <p:sldId id="324" r:id="rId65"/>
-    <p:sldId id="337" r:id="rId66"/>
-    <p:sldId id="338" r:id="rId67"/>
-    <p:sldId id="287" r:id="rId68"/>
-    <p:sldId id="278" r:id="rId69"/>
-    <p:sldId id="279" r:id="rId70"/>
-    <p:sldId id="280" r:id="rId71"/>
-    <p:sldId id="281" r:id="rId72"/>
-    <p:sldId id="282" r:id="rId73"/>
-    <p:sldId id="283" r:id="rId74"/>
-    <p:sldId id="284" r:id="rId75"/>
-    <p:sldId id="285" r:id="rId76"/>
-    <p:sldId id="286" r:id="rId77"/>
-    <p:sldId id="325" r:id="rId78"/>
-    <p:sldId id="326" r:id="rId79"/>
-    <p:sldId id="264" r:id="rId80"/>
-    <p:sldId id="339" r:id="rId81"/>
+    <p:sldId id="323" r:id="rId63"/>
+    <p:sldId id="324" r:id="rId64"/>
+    <p:sldId id="337" r:id="rId65"/>
+    <p:sldId id="338" r:id="rId66"/>
+    <p:sldId id="287" r:id="rId67"/>
+    <p:sldId id="278" r:id="rId68"/>
+    <p:sldId id="279" r:id="rId69"/>
+    <p:sldId id="280" r:id="rId70"/>
+    <p:sldId id="281" r:id="rId71"/>
+    <p:sldId id="282" r:id="rId72"/>
+    <p:sldId id="283" r:id="rId73"/>
+    <p:sldId id="284" r:id="rId74"/>
+    <p:sldId id="285" r:id="rId75"/>
+    <p:sldId id="286" r:id="rId76"/>
+    <p:sldId id="325" r:id="rId77"/>
+    <p:sldId id="326" r:id="rId78"/>
+    <p:sldId id="264" r:id="rId79"/>
+    <p:sldId id="339" r:id="rId80"/>
   </p:sldIdLst>
   <p:sldSz cx="12192000" cy="6858000"/>
   <p:notesSz cx="6858000" cy="9144000"/>
@@ -252,7 +251,6 @@
             <p14:sldId id="315"/>
             <p14:sldId id="316"/>
             <p14:sldId id="317"/>
-            <p14:sldId id="318"/>
             <p14:sldId id="323"/>
             <p14:sldId id="324"/>
             <p14:sldId id="337"/>
@@ -785,11 +783,7 @@
           <a:p>
             <a:r>
               <a:rPr lang="de-CH" dirty="0" smtClean="0"/>
-              <a:t>Important to note here is that the Timeout Data doesn’t have to be a message type. It can be any poco</a:t>
-            </a:r>
-            <a:r>
-              <a:rPr lang="de-CH" dirty="0" smtClean="0"/>
-              <a:t>.</a:t>
+              <a:t>Important to note here is that the Timeout Data doesn’t have to be a message type. It can be any poco.</a:t>
             </a:r>
           </a:p>
           <a:p>
@@ -2464,47 +2458,16 @@
         </p:nvSpPr>
         <p:spPr/>
         <p:txBody>
-          <a:bodyPr/>
-          <a:lstStyle/>
-          <a:p>
-            <a:r>
-              <a:rPr lang="sv-SE" dirty="0" smtClean="0"/>
-              <a:t>Memento (2000)</a:t>
-            </a:r>
-          </a:p>
-          <a:p>
-            <a:pPr marL="0" marR="0" indent="0" algn="l" defTabSz="914400" rtl="0" eaLnBrk="1" fontAlgn="auto" latinLnBrk="0" hangingPunct="1">
-              <a:lnSpc>
-                <a:spcPct val="100000"/>
-              </a:lnSpc>
-              <a:spcBef>
-                <a:spcPts val="0"/>
-              </a:spcBef>
-              <a:spcAft>
-                <a:spcPts val="0"/>
-              </a:spcAft>
-              <a:buClrTx/>
-              <a:buSzTx/>
-              <a:buFontTx/>
-              <a:buNone/>
-              <a:tabLst/>
-              <a:defRPr/>
-            </a:pPr>
-            <a:r>
-              <a:rPr lang="sv-SE" sz="1200" b="1" i="0" kern="1200" dirty="0" smtClean="0">
-                <a:solidFill>
-                  <a:schemeClr val="tx1"/>
-                </a:solidFill>
-                <a:effectLst/>
-                <a:latin typeface="+mn-lt"/>
-                <a:ea typeface="+mn-ea"/>
-                <a:cs typeface="+mn-cs"/>
-              </a:rPr>
-              <a:t>Guy Pearce</a:t>
-            </a:r>
-          </a:p>
-          <a:p>
-            <a:endParaRPr lang="sv-SE" dirty="0"/>
+          <a:bodyPr>
+            <a:normAutofit/>
+          </a:bodyPr>
+          <a:lstStyle/>
+          <a:p>
+            <a:r>
+              <a:rPr lang="en-US" dirty="0" smtClean="0"/>
+              <a:t>Use the “explain it to me like I was 5 years old” business analysis technique.</a:t>
+            </a:r>
+            <a:endParaRPr lang="en-US" dirty="0"/>
           </a:p>
         </p:txBody>
       </p:sp>
@@ -2515,7 +2478,7 @@
             <a:spLocks noGrp="1"/>
           </p:cNvSpPr>
           <p:nvPr>
-            <p:ph type="sldNum" sz="quarter" idx="10"/>
+            <p:ph type="sldNum" idx="10"/>
           </p:nvPr>
         </p:nvSpPr>
         <p:spPr/>
@@ -2523,18 +2486,19 @@
           <a:bodyPr/>
           <a:lstStyle/>
           <a:p>
-            <a:fld id="{A905A5AB-8DC5-4B60-A895-8FAC0E3D9A22}" type="slidenum">
-              <a:rPr lang="sv-SE" smtClean="0"/>
-              <a:t>62</a:t>
+            <a:fld id="{7ACA2796-6D5E-4AAD-9D66-AE6CE657D5C0}" type="slidenum">
+              <a:rPr lang="en-GB" smtClean="0"/>
+              <a:pPr/>
+              <a:t>72</a:t>
             </a:fld>
-            <a:endParaRPr lang="sv-SE"/>
+            <a:endParaRPr lang="en-GB"/>
           </a:p>
         </p:txBody>
       </p:sp>
     </p:spTree>
     <p:extLst>
       <p:ext uri="{BB962C8B-B14F-4D97-AF65-F5344CB8AC3E}">
-        <p14:creationId xmlns:p14="http://schemas.microsoft.com/office/powerpoint/2010/main" val="857064391"/>
+        <p14:creationId xmlns:p14="http://schemas.microsoft.com/office/powerpoint/2010/main" val="152178608"/>
       </p:ext>
     </p:extLst>
   </p:cSld>
@@ -2592,7 +2556,7 @@
           <a:p>
             <a:r>
               <a:rPr lang="en-US" dirty="0" smtClean="0"/>
-              <a:t>Use the “explain it to me like I was 5 years old” business analysis technique.</a:t>
+              <a:t>So, no real race condition – we have the time and space to run business logic later.</a:t>
             </a:r>
             <a:endParaRPr lang="en-US" dirty="0"/>
           </a:p>
@@ -2625,7 +2589,7 @@
     </p:spTree>
     <p:extLst>
       <p:ext uri="{BB962C8B-B14F-4D97-AF65-F5344CB8AC3E}">
-        <p14:creationId xmlns:p14="http://schemas.microsoft.com/office/powerpoint/2010/main" val="152178608"/>
+        <p14:creationId xmlns:p14="http://schemas.microsoft.com/office/powerpoint/2010/main" val="345938652"/>
       </p:ext>
     </p:extLst>
   </p:cSld>
@@ -2683,7 +2647,27 @@
           <a:p>
             <a:r>
               <a:rPr lang="en-US" dirty="0" smtClean="0"/>
-              <a:t>So, no real race condition – we have the time and space to run business logic later.</a:t>
+              <a:t>Products returned in 30 days – full refund (less shipping and handling)</a:t>
+            </a:r>
+          </a:p>
+          <a:p>
+            <a:r>
+              <a:rPr lang="en-US" dirty="0" smtClean="0"/>
+              <a:t>Products returned in 60</a:t>
+            </a:r>
+            <a:r>
+              <a:rPr lang="en-US" baseline="0" dirty="0" smtClean="0"/>
+              <a:t> days – 50% refund </a:t>
+            </a:r>
+            <a:r>
+              <a:rPr lang="en-US" dirty="0" smtClean="0"/>
+              <a:t>(less shipping and handling)</a:t>
+            </a:r>
+          </a:p>
+          <a:p>
+            <a:r>
+              <a:rPr lang="en-US" dirty="0" smtClean="0"/>
+              <a:t>Later than 60 days – no refund</a:t>
             </a:r>
             <a:endParaRPr lang="en-US" dirty="0"/>
           </a:p>
@@ -2707,7 +2691,7 @@
             <a:fld id="{7ACA2796-6D5E-4AAD-9D66-AE6CE657D5C0}" type="slidenum">
               <a:rPr lang="en-GB" smtClean="0"/>
               <a:pPr/>
-              <a:t>74</a:t>
+              <a:t>75</a:t>
             </a:fld>
             <a:endParaRPr lang="en-GB"/>
           </a:p>
@@ -2716,7 +2700,7 @@
     </p:spTree>
     <p:extLst>
       <p:ext uri="{BB962C8B-B14F-4D97-AF65-F5344CB8AC3E}">
-        <p14:creationId xmlns:p14="http://schemas.microsoft.com/office/powerpoint/2010/main" val="345938652"/>
+        <p14:creationId xmlns:p14="http://schemas.microsoft.com/office/powerpoint/2010/main" val="2617882635"/>
       </p:ext>
     </p:extLst>
   </p:cSld>
@@ -2767,117 +2751,6 @@
         </p:nvSpPr>
         <p:spPr/>
         <p:txBody>
-          <a:bodyPr>
-            <a:normAutofit/>
-          </a:bodyPr>
-          <a:lstStyle/>
-          <a:p>
-            <a:r>
-              <a:rPr lang="en-US" dirty="0" smtClean="0"/>
-              <a:t>Products returned in 30 days – full refund (less shipping and handling)</a:t>
-            </a:r>
-          </a:p>
-          <a:p>
-            <a:r>
-              <a:rPr lang="en-US" dirty="0" smtClean="0"/>
-              <a:t>Products returned in 60</a:t>
-            </a:r>
-            <a:r>
-              <a:rPr lang="en-US" baseline="0" dirty="0" smtClean="0"/>
-              <a:t> days – 50% refund </a:t>
-            </a:r>
-            <a:r>
-              <a:rPr lang="en-US" dirty="0" smtClean="0"/>
-              <a:t>(less shipping and handling)</a:t>
-            </a:r>
-          </a:p>
-          <a:p>
-            <a:r>
-              <a:rPr lang="en-US" dirty="0" smtClean="0"/>
-              <a:t>Later than 60 days – no refund</a:t>
-            </a:r>
-            <a:endParaRPr lang="en-US" dirty="0"/>
-          </a:p>
-        </p:txBody>
-      </p:sp>
-      <p:sp>
-        <p:nvSpPr>
-          <p:cNvPr id="4" name="Slide Number Placeholder 3"/>
-          <p:cNvSpPr>
-            <a:spLocks noGrp="1"/>
-          </p:cNvSpPr>
-          <p:nvPr>
-            <p:ph type="sldNum" idx="10"/>
-          </p:nvPr>
-        </p:nvSpPr>
-        <p:spPr/>
-        <p:txBody>
-          <a:bodyPr/>
-          <a:lstStyle/>
-          <a:p>
-            <a:fld id="{7ACA2796-6D5E-4AAD-9D66-AE6CE657D5C0}" type="slidenum">
-              <a:rPr lang="en-GB" smtClean="0"/>
-              <a:pPr/>
-              <a:t>76</a:t>
-            </a:fld>
-            <a:endParaRPr lang="en-GB"/>
-          </a:p>
-        </p:txBody>
-      </p:sp>
-    </p:spTree>
-    <p:extLst>
-      <p:ext uri="{BB962C8B-B14F-4D97-AF65-F5344CB8AC3E}">
-        <p14:creationId xmlns:p14="http://schemas.microsoft.com/office/powerpoint/2010/main" val="2617882635"/>
-      </p:ext>
-    </p:extLst>
-  </p:cSld>
-  <p:clrMapOvr>
-    <a:masterClrMapping/>
-  </p:clrMapOvr>
-</p:notes>
-</file>
-
-<file path=ppt/notesSlides/notesSlide28.xml><?xml version="1.0" encoding="utf-8"?>
-<p:notes xmlns:a="http://schemas.openxmlformats.org/drawingml/2006/main" xmlns:r="http://schemas.openxmlformats.org/officeDocument/2006/relationships" xmlns:p="http://schemas.openxmlformats.org/presentationml/2006/main">
-  <p:cSld>
-    <p:spTree>
-      <p:nvGrpSpPr>
-        <p:cNvPr id="1" name=""/>
-        <p:cNvGrpSpPr/>
-        <p:nvPr/>
-      </p:nvGrpSpPr>
-      <p:grpSpPr>
-        <a:xfrm>
-          <a:off x="0" y="0"/>
-          <a:ext cx="0" cy="0"/>
-          <a:chOff x="0" y="0"/>
-          <a:chExt cx="0" cy="0"/>
-        </a:xfrm>
-      </p:grpSpPr>
-      <p:sp>
-        <p:nvSpPr>
-          <p:cNvPr id="2" name="Slide Image Placeholder 1"/>
-          <p:cNvSpPr>
-            <a:spLocks noGrp="1" noRot="1" noChangeAspect="1"/>
-          </p:cNvSpPr>
-          <p:nvPr>
-            <p:ph type="sldImg"/>
-          </p:nvPr>
-        </p:nvSpPr>
-        <p:spPr/>
-      </p:sp>
-      <p:sp>
-        <p:nvSpPr>
-          <p:cNvPr id="3" name="Notes Placeholder 2"/>
-          <p:cNvSpPr>
-            <a:spLocks noGrp="1"/>
-          </p:cNvSpPr>
-          <p:nvPr>
-            <p:ph type="body" idx="1"/>
-          </p:nvPr>
-        </p:nvSpPr>
-        <p:spPr/>
-        <p:txBody>
           <a:bodyPr/>
           <a:lstStyle/>
           <a:p>
@@ -2967,7 +2840,7 @@
           <a:p>
             <a:fld id="{D5BB19A3-B3B6-4398-9889-160C3A008821}" type="slidenum">
               <a:rPr lang="sv-SE" smtClean="0"/>
-              <a:t>79</a:t>
+              <a:t>78</a:t>
             </a:fld>
             <a:endParaRPr lang="sv-SE"/>
           </a:p>
@@ -7071,11 +6944,7 @@
           <a:p>
             <a:r>
               <a:rPr lang="en-GB" dirty="0" smtClean="0"/>
-              <a:t>Sample </a:t>
-            </a:r>
-            <a:r>
-              <a:rPr lang="en-GB" dirty="0" smtClean="0"/>
-              <a:t>domain</a:t>
+              <a:t>Sample domain</a:t>
             </a:r>
             <a:endParaRPr lang="sv-SE" dirty="0"/>
           </a:p>
@@ -7106,7 +6975,6 @@
               <a:rPr lang="en-GB" dirty="0" smtClean="0"/>
               <a:t>Shop</a:t>
             </a:r>
-            <a:endParaRPr lang="en-GB" dirty="0" smtClean="0"/>
           </a:p>
           <a:p>
             <a:r>
@@ -17000,21 +16868,12 @@
               <a:rPr lang="en-GB" dirty="0" smtClean="0"/>
               <a:t> timestamp trick?</a:t>
             </a:r>
-            <a:endParaRPr lang="en-GB" dirty="0" smtClean="0"/>
           </a:p>
           <a:p>
             <a:pPr lvl="1"/>
             <a:r>
               <a:rPr lang="en-GB" dirty="0" smtClean="0"/>
-              <a:t>Consider using a </a:t>
-            </a:r>
-            <a:r>
-              <a:rPr lang="en-GB" dirty="0" smtClean="0"/>
-              <a:t>row version </a:t>
-            </a:r>
-            <a:r>
-              <a:rPr lang="en-GB" dirty="0" smtClean="0"/>
-              <a:t>property to avoid the above issues</a:t>
+              <a:t>Consider using a row version property to avoid the above issues</a:t>
             </a:r>
           </a:p>
           <a:p>
@@ -17045,11 +16904,7 @@
             </a:r>
             <a:r>
               <a:rPr lang="en-GB" dirty="0" smtClean="0"/>
-              <a:t> Version{ get; set; </a:t>
-            </a:r>
-            <a:r>
-              <a:rPr lang="en-GB" dirty="0" smtClean="0"/>
-              <a:t>}</a:t>
+              <a:t> Version{ get; set; }</a:t>
             </a:r>
           </a:p>
           <a:p>
@@ -17271,11 +17126,7 @@
           <a:p>
             <a:r>
               <a:rPr lang="en-GB" dirty="0" smtClean="0"/>
-              <a:t>Start the Shipping endpoint after the Billing event has </a:t>
-            </a:r>
-            <a:r>
-              <a:rPr lang="en-GB" dirty="0" smtClean="0"/>
-              <a:t>arrived</a:t>
+              <a:t>Start the Shipping endpoint after the Billing event has arrived</a:t>
             </a:r>
           </a:p>
           <a:p>
@@ -17284,7 +17135,6 @@
               <a:rPr lang="en-GB" dirty="0" smtClean="0"/>
               <a:t>Note that the shipping endpoint is configured to run multi threaded</a:t>
             </a:r>
-            <a:endParaRPr lang="en-GB" dirty="0" smtClean="0"/>
           </a:p>
           <a:p>
             <a:r>
@@ -17321,7 +17171,6 @@
               <a:rPr lang="en-GB" dirty="0" smtClean="0"/>
               <a:t> </a:t>
             </a:r>
-            <a:endParaRPr lang="en-GB" dirty="0" smtClean="0"/>
           </a:p>
           <a:p>
             <a:r>
@@ -17503,7 +17352,6 @@
               <a:rPr lang="en-GB" dirty="0" smtClean="0"/>
               <a:t>MSMQ</a:t>
             </a:r>
-            <a:endParaRPr lang="en-GB" dirty="0" smtClean="0"/>
           </a:p>
           <a:p>
             <a:r>
@@ -17516,13 +17364,8 @@
             <a:pPr lvl="1"/>
             <a:r>
               <a:rPr lang="sv-SE" dirty="0" smtClean="0"/>
-              <a:t>Including Management </a:t>
-            </a:r>
-            <a:r>
-              <a:rPr lang="sv-SE" dirty="0" smtClean="0"/>
-              <a:t>tools</a:t>
-            </a:r>
-            <a:endParaRPr lang="sv-SE" dirty="0" smtClean="0"/>
+              <a:t>Including Management tools</a:t>
+            </a:r>
           </a:p>
           <a:p>
             <a:r>
@@ -17638,7 +17481,6 @@
               <a:rPr lang="en-GB" dirty="0" smtClean="0"/>
               <a:t>TBD draw the diagram</a:t>
             </a:r>
-            <a:endParaRPr lang="en-GB" dirty="0" smtClean="0"/>
           </a:p>
           <a:p>
             <a:endParaRPr lang="sv-SE" dirty="0"/>
@@ -38248,7 +38090,7 @@
 </file>
 
 <file path=ppt/slides/slide62.xml><?xml version="1.0" encoding="utf-8"?>
-<p:sld xmlns:a="http://schemas.openxmlformats.org/drawingml/2006/main" xmlns:r="http://schemas.openxmlformats.org/officeDocument/2006/relationships" xmlns:p="http://schemas.openxmlformats.org/presentationml/2006/main" show="0">
+<p:sld xmlns:a="http://schemas.openxmlformats.org/drawingml/2006/main" xmlns:r="http://schemas.openxmlformats.org/officeDocument/2006/relationships" xmlns:p="http://schemas.openxmlformats.org/presentationml/2006/main">
   <p:cSld>
     <p:spTree>
       <p:nvGrpSpPr>
@@ -38279,7 +38121,11 @@
           <a:bodyPr/>
           <a:lstStyle/>
           <a:p>
-            <a:endParaRPr lang="sv-SE"/>
+            <a:r>
+              <a:rPr lang="en-GB" dirty="0" smtClean="0"/>
+              <a:t>Exercise 5 – Preferred customers</a:t>
+            </a:r>
+            <a:endParaRPr lang="sv-SE" dirty="0"/>
           </a:p>
         </p:txBody>
       </p:sp>
@@ -38295,118 +38141,125 @@
         </p:nvSpPr>
         <p:spPr/>
         <p:txBody>
-          <a:bodyPr/>
-          <a:lstStyle/>
-          <a:p>
-            <a:endParaRPr lang="sv-SE"/>
-          </a:p>
-        </p:txBody>
-      </p:sp>
-      <p:pic>
-        <p:nvPicPr>
-          <p:cNvPr id="7170" name="Picture 2" descr="http://www.wallypfister.com/wp-content/gallery/memento_1/memento.jpg"/>
-          <p:cNvPicPr>
-            <a:picLocks noChangeAspect="1" noChangeArrowheads="1"/>
-          </p:cNvPicPr>
-          <p:nvPr/>
-        </p:nvPicPr>
-        <p:blipFill>
-          <a:blip r:embed="rId3">
-            <a:extLst>
-              <a:ext uri="{28A0092B-C50C-407E-A947-70E740481C1C}">
-                <a14:useLocalDpi xmlns:a14="http://schemas.microsoft.com/office/drawing/2010/main" val="0"/>
-              </a:ext>
-            </a:extLst>
-          </a:blip>
-          <a:srcRect/>
-          <a:stretch>
-            <a:fillRect/>
-          </a:stretch>
-        </p:blipFill>
-        <p:spPr bwMode="auto">
-          <a:xfrm>
-            <a:off x="-744761" y="-27384"/>
-            <a:ext cx="12240681" cy="6885384"/>
-          </a:xfrm>
-          <a:prstGeom prst="rect">
-            <a:avLst/>
-          </a:prstGeom>
-          <a:noFill/>
-          <a:extLst>
-            <a:ext uri="{909E8E84-426E-40DD-AFC4-6F175D3DCCD1}">
-              <a14:hiddenFill xmlns:a14="http://schemas.microsoft.com/office/drawing/2010/main">
-                <a:solidFill>
-                  <a:srgbClr val="FFFFFF"/>
-                </a:solidFill>
-              </a14:hiddenFill>
-            </a:ext>
-          </a:extLst>
-        </p:spPr>
-      </p:pic>
-      <p:sp>
-        <p:nvSpPr>
-          <p:cNvPr id="5" name="TextBox 4"/>
-          <p:cNvSpPr txBox="1"/>
-          <p:nvPr/>
-        </p:nvSpPr>
-        <p:spPr>
-          <a:xfrm>
-            <a:off x="-528736" y="5818038"/>
-            <a:ext cx="12745416" cy="1292662"/>
-          </a:xfrm>
-          <a:prstGeom prst="rect">
-            <a:avLst/>
-          </a:prstGeom>
-          <a:solidFill>
-            <a:schemeClr val="tx1">
-              <a:alpha val="60000"/>
-            </a:schemeClr>
-          </a:solidFill>
-        </p:spPr>
-        <p:txBody>
-          <a:bodyPr wrap="square" rtlCol="0">
-            <a:spAutoFit/>
+          <a:bodyPr>
+            <a:normAutofit/>
           </a:bodyPr>
           <a:lstStyle/>
           <a:p>
-            <a:pPr algn="ctr"/>
-            <a:r>
-              <a:rPr lang="sv-SE" sz="5400" b="1" dirty="0">
-                <a:solidFill>
-                  <a:schemeClr val="bg1"/>
-                </a:solidFill>
-              </a:rPr>
-              <a:t>Note to self</a:t>
-            </a:r>
-          </a:p>
-          <a:p>
-            <a:pPr algn="ctr"/>
-            <a:endParaRPr lang="sv-SE" sz="2400" b="1" dirty="0">
-              <a:solidFill>
-                <a:schemeClr val="bg1"/>
-              </a:solidFill>
-            </a:endParaRPr>
+            <a:r>
+              <a:rPr lang="en-GB" dirty="0" smtClean="0"/>
+              <a:t>Create a </a:t>
+            </a:r>
+            <a:r>
+              <a:rPr lang="en-GB" dirty="0" err="1" smtClean="0"/>
+              <a:t>CustomerCare</a:t>
+            </a:r>
+            <a:r>
+              <a:rPr lang="en-GB" dirty="0" smtClean="0"/>
+              <a:t> service</a:t>
+            </a:r>
+          </a:p>
+          <a:p>
+            <a:pPr lvl="1"/>
+            <a:r>
+              <a:rPr lang="en-GB" dirty="0" smtClean="0"/>
+              <a:t>Build the preferred customer policy</a:t>
+            </a:r>
+          </a:p>
+          <a:p>
+            <a:pPr lvl="1"/>
+            <a:r>
+              <a:rPr lang="en-GB" dirty="0" smtClean="0"/>
+              <a:t>Emit </a:t>
+            </a:r>
+            <a:r>
+              <a:rPr lang="en-GB" dirty="0" err="1" smtClean="0"/>
+              <a:t>CustomerMadePrefered</a:t>
+            </a:r>
+            <a:r>
+              <a:rPr lang="en-GB" dirty="0" smtClean="0"/>
+              <a:t> and </a:t>
+            </a:r>
+            <a:r>
+              <a:rPr lang="en-GB" dirty="0" err="1" smtClean="0"/>
+              <a:t>CustomerDemoted</a:t>
+            </a:r>
+            <a:r>
+              <a:rPr lang="en-GB" dirty="0" smtClean="0"/>
+              <a:t> events</a:t>
+            </a:r>
+          </a:p>
+          <a:p>
+            <a:r>
+              <a:rPr lang="en-GB" dirty="0" smtClean="0"/>
+              <a:t>Calculate customer discounts based on the above events</a:t>
+            </a:r>
+          </a:p>
+          <a:p>
+            <a:pPr lvl="1"/>
+            <a:r>
+              <a:rPr lang="en-GB" dirty="0" err="1" smtClean="0"/>
+              <a:t>Console.WriteLine</a:t>
+            </a:r>
+            <a:r>
+              <a:rPr lang="en-GB" dirty="0" smtClean="0"/>
+              <a:t> is good enough</a:t>
+            </a:r>
+          </a:p>
+          <a:p>
+            <a:r>
+              <a:rPr lang="en-GB" dirty="0" smtClean="0"/>
+              <a:t>Business rules</a:t>
+            </a:r>
+          </a:p>
+          <a:p>
+            <a:pPr lvl="1"/>
+            <a:r>
+              <a:rPr lang="en-GB" dirty="0" smtClean="0"/>
+              <a:t>Orders are valid for 20 seconds</a:t>
+            </a:r>
+          </a:p>
+          <a:p>
+            <a:pPr lvl="1"/>
+            <a:r>
+              <a:rPr lang="en-GB" dirty="0" smtClean="0"/>
+              <a:t>Customers with a running total above 5000$ is considered preferred</a:t>
+            </a:r>
+          </a:p>
+          <a:p>
+            <a:r>
+              <a:rPr lang="en-GB" dirty="0" smtClean="0"/>
+              <a:t>Use `</a:t>
+            </a:r>
+            <a:r>
+              <a:rPr lang="en-GB" dirty="0" err="1" smtClean="0"/>
+              <a:t>placeorder</a:t>
+            </a:r>
+            <a:r>
+              <a:rPr lang="en-GB" dirty="0" smtClean="0"/>
+              <a:t> {amount}` in the shop application </a:t>
+            </a:r>
+            <a:r>
+              <a:rPr lang="en-GB" smtClean="0"/>
+              <a:t>to test</a:t>
+            </a:r>
+            <a:endParaRPr lang="en-GB" dirty="0" smtClean="0"/>
+          </a:p>
+          <a:p>
+            <a:endParaRPr lang="en-GB" dirty="0" smtClean="0"/>
           </a:p>
         </p:txBody>
       </p:sp>
     </p:spTree>
     <p:extLst>
       <p:ext uri="{BB962C8B-B14F-4D97-AF65-F5344CB8AC3E}">
-        <p14:creationId xmlns:p14="http://schemas.microsoft.com/office/powerpoint/2010/main" val="405626244"/>
+        <p14:creationId xmlns:p14="http://schemas.microsoft.com/office/powerpoint/2010/main" val="3882837462"/>
       </p:ext>
     </p:extLst>
   </p:cSld>
   <p:clrMapOvr>
     <a:masterClrMapping/>
   </p:clrMapOvr>
-  <mc:AlternateContent xmlns:mc="http://schemas.openxmlformats.org/markup-compatibility/2006">
-    <mc:Choice xmlns:p14="http://schemas.microsoft.com/office/powerpoint/2010/main" Requires="p14">
-      <p:transition spd="slow" p14:dur="2000"/>
-    </mc:Choice>
-    <mc:Fallback>
-      <p:transition spd="slow"/>
-    </mc:Fallback>
-  </mc:AlternateContent>
   <p:timing>
     <p:tnLst>
       <p:par>
@@ -38451,7 +38304,7 @@
           <a:p>
             <a:r>
               <a:rPr lang="en-GB" dirty="0" smtClean="0"/>
-              <a:t>Exercise 5 – Preferred customers</a:t>
+              <a:t>Walkthrough</a:t>
             </a:r>
             <a:endParaRPr lang="sv-SE" dirty="0"/>
           </a:p>
@@ -38459,32 +38312,31 @@
       </p:sp>
       <p:sp>
         <p:nvSpPr>
-          <p:cNvPr id="3" name="Content Placeholder 2"/>
+          <p:cNvPr id="4" name="Text Placeholder 3"/>
           <p:cNvSpPr>
             <a:spLocks noGrp="1"/>
           </p:cNvSpPr>
           <p:nvPr>
-            <p:ph idx="1"/>
+            <p:ph type="body" idx="1"/>
           </p:nvPr>
         </p:nvSpPr>
         <p:spPr/>
         <p:txBody>
-          <a:bodyPr>
-            <a:normAutofit/>
-          </a:bodyPr>
-          <a:lstStyle/>
-          <a:p>
-            <a:r>
-              <a:rPr lang="en-GB" dirty="0" smtClean="0"/>
-              <a:t>TBD - Daniel</a:t>
-            </a:r>
+          <a:bodyPr/>
+          <a:lstStyle/>
+          <a:p>
+            <a:r>
+              <a:rPr lang="en-GB" dirty="0"/>
+              <a:t>Exercise 5</a:t>
+            </a:r>
+            <a:endParaRPr lang="sv-SE" dirty="0"/>
           </a:p>
         </p:txBody>
       </p:sp>
     </p:spTree>
     <p:extLst>
       <p:ext uri="{BB962C8B-B14F-4D97-AF65-F5344CB8AC3E}">
-        <p14:creationId xmlns:p14="http://schemas.microsoft.com/office/powerpoint/2010/main" val="3882837462"/>
+        <p14:creationId xmlns:p14="http://schemas.microsoft.com/office/powerpoint/2010/main" val="2904774473"/>
       </p:ext>
     </p:extLst>
   </p:cSld>
@@ -38535,7 +38387,7 @@
           <a:p>
             <a:r>
               <a:rPr lang="en-GB" dirty="0" smtClean="0"/>
-              <a:t>Walkthrough</a:t>
+              <a:t>Rescheduling of timeouts</a:t>
             </a:r>
             <a:endParaRPr lang="sv-SE" dirty="0"/>
           </a:p>
@@ -38543,7 +38395,7 @@
       </p:sp>
       <p:sp>
         <p:nvSpPr>
-          <p:cNvPr id="4" name="Text Placeholder 3"/>
+          <p:cNvPr id="3" name="Text Placeholder 2"/>
           <p:cNvSpPr>
             <a:spLocks noGrp="1"/>
           </p:cNvSpPr>
@@ -38556,10 +38408,6 @@
           <a:bodyPr/>
           <a:lstStyle/>
           <a:p>
-            <a:r>
-              <a:rPr lang="en-GB" dirty="0"/>
-              <a:t>Exercise 5</a:t>
-            </a:r>
             <a:endParaRPr lang="sv-SE" dirty="0"/>
           </a:p>
         </p:txBody>
@@ -38567,20 +38415,13 @@
     </p:spTree>
     <p:extLst>
       <p:ext uri="{BB962C8B-B14F-4D97-AF65-F5344CB8AC3E}">
-        <p14:creationId xmlns:p14="http://schemas.microsoft.com/office/powerpoint/2010/main" val="2904774473"/>
+        <p14:creationId xmlns:p14="http://schemas.microsoft.com/office/powerpoint/2010/main" val="2188304921"/>
       </p:ext>
     </p:extLst>
   </p:cSld>
   <p:clrMapOvr>
     <a:masterClrMapping/>
   </p:clrMapOvr>
-  <p:timing>
-    <p:tnLst>
-      <p:par>
-        <p:cTn id="1" dur="indefinite" restart="never" nodeType="tmRoot"/>
-      </p:par>
-    </p:tnLst>
-  </p:timing>
 </p:sld>
 </file>
 
@@ -38603,7 +38444,7 @@
       </p:grpSpPr>
       <p:sp>
         <p:nvSpPr>
-          <p:cNvPr id="2" name="Title 1"/>
+          <p:cNvPr id="4" name="Title 3"/>
           <p:cNvSpPr>
             <a:spLocks noGrp="1"/>
           </p:cNvSpPr>
@@ -38618,7 +38459,7 @@
           <a:p>
             <a:r>
               <a:rPr lang="en-GB" dirty="0" smtClean="0"/>
-              <a:t>Rescheduling of timeouts</a:t>
+              <a:t>Put some code here</a:t>
             </a:r>
             <a:endParaRPr lang="sv-SE" dirty="0"/>
           </a:p>
@@ -38626,12 +38467,12 @@
       </p:sp>
       <p:sp>
         <p:nvSpPr>
-          <p:cNvPr id="3" name="Text Placeholder 2"/>
+          <p:cNvPr id="5" name="Content Placeholder 4"/>
           <p:cNvSpPr>
             <a:spLocks noGrp="1"/>
           </p:cNvSpPr>
           <p:nvPr>
-            <p:ph type="body" idx="1"/>
+            <p:ph idx="1"/>
           </p:nvPr>
         </p:nvSpPr>
         <p:spPr/>
@@ -38639,14 +38480,14 @@
           <a:bodyPr/>
           <a:lstStyle/>
           <a:p>
-            <a:endParaRPr lang="sv-SE" dirty="0"/>
+            <a:endParaRPr lang="sv-SE"/>
           </a:p>
         </p:txBody>
       </p:sp>
     </p:spTree>
     <p:extLst>
       <p:ext uri="{BB962C8B-B14F-4D97-AF65-F5344CB8AC3E}">
-        <p14:creationId xmlns:p14="http://schemas.microsoft.com/office/powerpoint/2010/main" val="2188304921"/>
+        <p14:creationId xmlns:p14="http://schemas.microsoft.com/office/powerpoint/2010/main" val="3911019974"/>
       </p:ext>
     </p:extLst>
   </p:cSld>
@@ -38690,7 +38531,7 @@
           <a:p>
             <a:r>
               <a:rPr lang="en-GB" dirty="0" smtClean="0"/>
-              <a:t>Put some code here</a:t>
+              <a:t>Sagas are your domain model</a:t>
             </a:r>
             <a:endParaRPr lang="sv-SE" dirty="0"/>
           </a:p>
@@ -38698,12 +38539,12 @@
       </p:sp>
       <p:sp>
         <p:nvSpPr>
-          <p:cNvPr id="5" name="Content Placeholder 4"/>
+          <p:cNvPr id="5" name="Text Placeholder 4"/>
           <p:cNvSpPr>
             <a:spLocks noGrp="1"/>
           </p:cNvSpPr>
           <p:nvPr>
-            <p:ph idx="1"/>
+            <p:ph type="body" idx="1"/>
           </p:nvPr>
         </p:nvSpPr>
         <p:spPr/>
@@ -38718,13 +38559,20 @@
     </p:spTree>
     <p:extLst>
       <p:ext uri="{BB962C8B-B14F-4D97-AF65-F5344CB8AC3E}">
-        <p14:creationId xmlns:p14="http://schemas.microsoft.com/office/powerpoint/2010/main" val="3911019974"/>
+        <p14:creationId xmlns:p14="http://schemas.microsoft.com/office/powerpoint/2010/main" val="1066127796"/>
       </p:ext>
     </p:extLst>
   </p:cSld>
   <p:clrMapOvr>
     <a:masterClrMapping/>
   </p:clrMapOvr>
+  <p:timing>
+    <p:tnLst>
+      <p:par>
+        <p:cTn id="1" dur="indefinite" restart="never" nodeType="tmRoot"/>
+      </p:par>
+    </p:tnLst>
+  </p:timing>
 </p:sld>
 </file>
 
@@ -38747,7 +38595,7 @@
       </p:grpSpPr>
       <p:sp>
         <p:nvSpPr>
-          <p:cNvPr id="4" name="Title 3"/>
+          <p:cNvPr id="2" name="Title 1"/>
           <p:cNvSpPr>
             <a:spLocks noGrp="1"/>
           </p:cNvSpPr>
@@ -38761,36 +38609,53 @@
           <a:lstStyle/>
           <a:p>
             <a:r>
-              <a:rPr lang="en-GB" dirty="0" smtClean="0"/>
-              <a:t>Sagas are your domain model</a:t>
-            </a:r>
-            <a:endParaRPr lang="sv-SE" dirty="0"/>
-          </a:p>
-        </p:txBody>
-      </p:sp>
-      <p:sp>
-        <p:nvSpPr>
-          <p:cNvPr id="5" name="Text Placeholder 4"/>
+              <a:rPr lang="en-US" dirty="0" smtClean="0"/>
+              <a:t>Race Conditions – the secret sauce</a:t>
+            </a:r>
+            <a:endParaRPr lang="en-US" dirty="0"/>
+          </a:p>
+        </p:txBody>
+      </p:sp>
+      <p:sp>
+        <p:nvSpPr>
+          <p:cNvPr id="3" name="Content Placeholder 2"/>
           <p:cNvSpPr>
             <a:spLocks noGrp="1"/>
           </p:cNvSpPr>
           <p:nvPr>
-            <p:ph type="body" idx="1"/>
+            <p:ph idx="1"/>
           </p:nvPr>
         </p:nvSpPr>
-        <p:spPr/>
+        <p:spPr>
+          <a:xfrm>
+            <a:off x="1980049" y="1604329"/>
+            <a:ext cx="8470968" cy="4524955"/>
+          </a:xfrm>
+        </p:spPr>
         <p:txBody>
           <a:bodyPr/>
           <a:lstStyle/>
           <a:p>
-            <a:endParaRPr lang="sv-SE"/>
+            <a:r>
+              <a:rPr lang="en-US" dirty="0" smtClean="0"/>
+              <a:t>Race conditions may indicate a collaborative domain – fertile ground for CQRS</a:t>
+            </a:r>
+          </a:p>
+          <a:p>
+            <a:endParaRPr lang="en-US" dirty="0" smtClean="0"/>
+          </a:p>
+          <a:p>
+            <a:r>
+              <a:rPr lang="en-US" dirty="0" smtClean="0"/>
+              <a:t>May even make you think your service boundaries are wrong</a:t>
+            </a:r>
           </a:p>
         </p:txBody>
       </p:sp>
     </p:spTree>
     <p:extLst>
       <p:ext uri="{BB962C8B-B14F-4D97-AF65-F5344CB8AC3E}">
-        <p14:creationId xmlns:p14="http://schemas.microsoft.com/office/powerpoint/2010/main" val="1066127796"/>
+        <p14:creationId xmlns:p14="http://schemas.microsoft.com/office/powerpoint/2010/main" val="1807594229"/>
       </p:ext>
     </p:extLst>
   </p:cSld>
@@ -38841,7 +38706,7 @@
           <a:p>
             <a:r>
               <a:rPr lang="en-US" dirty="0" smtClean="0"/>
-              <a:t>Race Conditions – the secret sauce</a:t>
+              <a:t>Real World Requirements</a:t>
             </a:r>
             <a:endParaRPr lang="en-US" dirty="0"/>
           </a:p>
@@ -38857,19 +38722,20 @@
             <p:ph idx="1"/>
           </p:nvPr>
         </p:nvSpPr>
-        <p:spPr>
-          <a:xfrm>
-            <a:off x="1980049" y="1604329"/>
-            <a:ext cx="8470968" cy="4524955"/>
-          </a:xfrm>
-        </p:spPr>
+        <p:spPr/>
         <p:txBody>
           <a:bodyPr/>
           <a:lstStyle/>
           <a:p>
             <a:r>
               <a:rPr lang="en-US" dirty="0" smtClean="0"/>
-              <a:t>Race conditions may indicate a collaborative domain – fertile ground for CQRS</a:t>
+              <a:t>Do not allow users to cancel shipped orders</a:t>
+            </a:r>
+          </a:p>
+          <a:p>
+            <a:r>
+              <a:rPr lang="en-US" dirty="0" smtClean="0"/>
+              <a:t>Don’t ship cancelled orders</a:t>
             </a:r>
           </a:p>
           <a:p>
@@ -38878,15 +38744,16 @@
           <a:p>
             <a:r>
               <a:rPr lang="en-US" dirty="0" smtClean="0"/>
-              <a:t>May even make you think your service boundaries are wrong</a:t>
-            </a:r>
+              <a:t>As we shrink the time between actions, a race condition presents itself</a:t>
+            </a:r>
+            <a:endParaRPr lang="en-US" dirty="0"/>
           </a:p>
         </p:txBody>
       </p:sp>
     </p:spTree>
     <p:extLst>
       <p:ext uri="{BB962C8B-B14F-4D97-AF65-F5344CB8AC3E}">
-        <p14:creationId xmlns:p14="http://schemas.microsoft.com/office/powerpoint/2010/main" val="1807594229"/>
+        <p14:creationId xmlns:p14="http://schemas.microsoft.com/office/powerpoint/2010/main" val="4008778819"/>
       </p:ext>
     </p:extLst>
   </p:cSld>
@@ -38937,7 +38804,7 @@
           <a:p>
             <a:r>
               <a:rPr lang="en-US" dirty="0" smtClean="0"/>
-              <a:t>Real World Requirements</a:t>
+              <a:t>Service Boundary Issues</a:t>
             </a:r>
             <a:endParaRPr lang="en-US" dirty="0"/>
           </a:p>
@@ -38960,13 +38827,13 @@
           <a:p>
             <a:r>
               <a:rPr lang="en-US" dirty="0" smtClean="0"/>
-              <a:t>Do not allow users to cancel shipped orders</a:t>
+              <a:t>Cancelling an order is in the Sales service</a:t>
             </a:r>
           </a:p>
           <a:p>
             <a:r>
               <a:rPr lang="en-US" dirty="0" smtClean="0"/>
-              <a:t>Don’t ship cancelled orders</a:t>
+              <a:t>Shipping an order is in the Shipping service</a:t>
             </a:r>
           </a:p>
           <a:p>
@@ -38975,7 +38842,7 @@
           <a:p>
             <a:r>
               <a:rPr lang="en-US" dirty="0" smtClean="0"/>
-              <a:t>As we shrink the time between actions, a race condition presents itself</a:t>
+              <a:t>Requirements seem to imply need for consistency/transactions between services</a:t>
             </a:r>
             <a:endParaRPr lang="en-US" dirty="0"/>
           </a:p>
@@ -38984,7 +38851,7 @@
     </p:spTree>
     <p:extLst>
       <p:ext uri="{BB962C8B-B14F-4D97-AF65-F5344CB8AC3E}">
-        <p14:creationId xmlns:p14="http://schemas.microsoft.com/office/powerpoint/2010/main" val="4008778819"/>
+        <p14:creationId xmlns:p14="http://schemas.microsoft.com/office/powerpoint/2010/main" val="903092030"/>
       </p:ext>
     </p:extLst>
   </p:cSld>
@@ -39242,104 +39109,6 @@
           <a:p>
             <a:r>
               <a:rPr lang="en-US" dirty="0" smtClean="0"/>
-              <a:t>Service Boundary Issues</a:t>
-            </a:r>
-            <a:endParaRPr lang="en-US" dirty="0"/>
-          </a:p>
-        </p:txBody>
-      </p:sp>
-      <p:sp>
-        <p:nvSpPr>
-          <p:cNvPr id="3" name="Content Placeholder 2"/>
-          <p:cNvSpPr>
-            <a:spLocks noGrp="1"/>
-          </p:cNvSpPr>
-          <p:nvPr>
-            <p:ph idx="1"/>
-          </p:nvPr>
-        </p:nvSpPr>
-        <p:spPr/>
-        <p:txBody>
-          <a:bodyPr/>
-          <a:lstStyle/>
-          <a:p>
-            <a:r>
-              <a:rPr lang="en-US" dirty="0" smtClean="0"/>
-              <a:t>Cancelling an order is in the Sales service</a:t>
-            </a:r>
-          </a:p>
-          <a:p>
-            <a:r>
-              <a:rPr lang="en-US" dirty="0" smtClean="0"/>
-              <a:t>Shipping an order is in the Shipping service</a:t>
-            </a:r>
-          </a:p>
-          <a:p>
-            <a:endParaRPr lang="en-US" dirty="0" smtClean="0"/>
-          </a:p>
-          <a:p>
-            <a:r>
-              <a:rPr lang="en-US" dirty="0" smtClean="0"/>
-              <a:t>Requirements seem to imply need for consistency/transactions between services</a:t>
-            </a:r>
-            <a:endParaRPr lang="en-US" dirty="0"/>
-          </a:p>
-        </p:txBody>
-      </p:sp>
-    </p:spTree>
-    <p:extLst>
-      <p:ext uri="{BB962C8B-B14F-4D97-AF65-F5344CB8AC3E}">
-        <p14:creationId xmlns:p14="http://schemas.microsoft.com/office/powerpoint/2010/main" val="903092030"/>
-      </p:ext>
-    </p:extLst>
-  </p:cSld>
-  <p:clrMapOvr>
-    <a:masterClrMapping/>
-  </p:clrMapOvr>
-  <p:timing>
-    <p:tnLst>
-      <p:par>
-        <p:cTn id="1" dur="indefinite" restart="never" nodeType="tmRoot"/>
-      </p:par>
-    </p:tnLst>
-  </p:timing>
-</p:sld>
-</file>
-
-<file path=ppt/slides/slide71.xml><?xml version="1.0" encoding="utf-8"?>
-<p:sld xmlns:a="http://schemas.openxmlformats.org/drawingml/2006/main" xmlns:r="http://schemas.openxmlformats.org/officeDocument/2006/relationships" xmlns:p="http://schemas.openxmlformats.org/presentationml/2006/main">
-  <p:cSld>
-    <p:spTree>
-      <p:nvGrpSpPr>
-        <p:cNvPr id="1" name=""/>
-        <p:cNvGrpSpPr/>
-        <p:nvPr/>
-      </p:nvGrpSpPr>
-      <p:grpSpPr>
-        <a:xfrm>
-          <a:off x="0" y="0"/>
-          <a:ext cx="0" cy="0"/>
-          <a:chOff x="0" y="0"/>
-          <a:chExt cx="0" cy="0"/>
-        </a:xfrm>
-      </p:grpSpPr>
-      <p:sp>
-        <p:nvSpPr>
-          <p:cNvPr id="2" name="Title 1"/>
-          <p:cNvSpPr>
-            <a:spLocks noGrp="1"/>
-          </p:cNvSpPr>
-          <p:nvPr>
-            <p:ph type="title"/>
-          </p:nvPr>
-        </p:nvSpPr>
-        <p:spPr/>
-        <p:txBody>
-          <a:bodyPr/>
-          <a:lstStyle/>
-          <a:p>
-            <a:r>
-              <a:rPr lang="en-US" dirty="0" smtClean="0"/>
               <a:t>Implementation is simple with 3-Tier</a:t>
             </a:r>
             <a:endParaRPr lang="en-US" dirty="0"/>
@@ -39779,7 +39548,7 @@
 </p:sld>
 </file>
 
-<file path=ppt/slides/slide72.xml><?xml version="1.0" encoding="utf-8"?>
+<file path=ppt/slides/slide71.xml><?xml version="1.0" encoding="utf-8"?>
 <p:sld xmlns:a="http://schemas.openxmlformats.org/drawingml/2006/main" xmlns:r="http://schemas.openxmlformats.org/officeDocument/2006/relationships" xmlns:p="http://schemas.openxmlformats.org/presentationml/2006/main">
   <p:cSld>
     <p:spTree>
@@ -40007,7 +39776,7 @@
 </p:sld>
 </file>
 
-<file path=ppt/slides/slide73.xml><?xml version="1.0" encoding="utf-8"?>
+<file path=ppt/slides/slide72.xml><?xml version="1.0" encoding="utf-8"?>
 <p:sld xmlns:a="http://schemas.openxmlformats.org/drawingml/2006/main" xmlns:r="http://schemas.openxmlformats.org/officeDocument/2006/relationships" xmlns:p="http://schemas.openxmlformats.org/presentationml/2006/main">
   <p:cSld>
     <p:spTree>
@@ -40777,7 +40546,7 @@
 </p:sld>
 </file>
 
-<file path=ppt/slides/slide74.xml><?xml version="1.0" encoding="utf-8"?>
+<file path=ppt/slides/slide73.xml><?xml version="1.0" encoding="utf-8"?>
 <p:sld xmlns:a="http://schemas.openxmlformats.org/drawingml/2006/main" xmlns:r="http://schemas.openxmlformats.org/officeDocument/2006/relationships" xmlns:p="http://schemas.openxmlformats.org/presentationml/2006/main">
   <p:cSld>
     <p:spTree>
@@ -41215,7 +40984,7 @@
 </p:sld>
 </file>
 
-<file path=ppt/slides/slide75.xml><?xml version="1.0" encoding="utf-8"?>
+<file path=ppt/slides/slide74.xml><?xml version="1.0" encoding="utf-8"?>
 <p:sld xmlns:a="http://schemas.openxmlformats.org/drawingml/2006/main" xmlns:r="http://schemas.openxmlformats.org/officeDocument/2006/relationships" xmlns:p="http://schemas.openxmlformats.org/presentationml/2006/main">
   <p:cSld>
     <p:spTree>
@@ -41758,7 +41527,7 @@
 </p:sld>
 </file>
 
-<file path=ppt/slides/slide76.xml><?xml version="1.0" encoding="utf-8"?>
+<file path=ppt/slides/slide75.xml><?xml version="1.0" encoding="utf-8"?>
 <p:sld xmlns:a="http://schemas.openxmlformats.org/drawingml/2006/main" xmlns:r="http://schemas.openxmlformats.org/officeDocument/2006/relationships" xmlns:p="http://schemas.openxmlformats.org/presentationml/2006/main">
   <p:cSld>
     <p:spTree>
@@ -42158,6 +41927,90 @@
 </p:sld>
 </file>
 
+<file path=ppt/slides/slide76.xml><?xml version="1.0" encoding="utf-8"?>
+<p:sld xmlns:a="http://schemas.openxmlformats.org/drawingml/2006/main" xmlns:r="http://schemas.openxmlformats.org/officeDocument/2006/relationships" xmlns:p="http://schemas.openxmlformats.org/presentationml/2006/main">
+  <p:cSld>
+    <p:spTree>
+      <p:nvGrpSpPr>
+        <p:cNvPr id="1" name=""/>
+        <p:cNvGrpSpPr/>
+        <p:nvPr/>
+      </p:nvGrpSpPr>
+      <p:grpSpPr>
+        <a:xfrm>
+          <a:off x="0" y="0"/>
+          <a:ext cx="0" cy="0"/>
+          <a:chOff x="0" y="0"/>
+          <a:chExt cx="0" cy="0"/>
+        </a:xfrm>
+      </p:grpSpPr>
+      <p:sp>
+        <p:nvSpPr>
+          <p:cNvPr id="2" name="Title 1"/>
+          <p:cNvSpPr>
+            <a:spLocks noGrp="1"/>
+          </p:cNvSpPr>
+          <p:nvPr>
+            <p:ph type="title"/>
+          </p:nvPr>
+        </p:nvSpPr>
+        <p:spPr/>
+        <p:txBody>
+          <a:bodyPr/>
+          <a:lstStyle/>
+          <a:p>
+            <a:r>
+              <a:rPr lang="en-GB" dirty="0" smtClean="0"/>
+              <a:t>Exercise 6 – Buyers remorse</a:t>
+            </a:r>
+            <a:endParaRPr lang="sv-SE" dirty="0"/>
+          </a:p>
+        </p:txBody>
+      </p:sp>
+      <p:sp>
+        <p:nvSpPr>
+          <p:cNvPr id="3" name="Content Placeholder 2"/>
+          <p:cNvSpPr>
+            <a:spLocks noGrp="1"/>
+          </p:cNvSpPr>
+          <p:nvPr>
+            <p:ph idx="1"/>
+          </p:nvPr>
+        </p:nvSpPr>
+        <p:spPr/>
+        <p:txBody>
+          <a:bodyPr>
+            <a:normAutofit/>
+          </a:bodyPr>
+          <a:lstStyle/>
+          <a:p>
+            <a:r>
+              <a:rPr lang="en-GB" dirty="0" smtClean="0"/>
+              <a:t>TBD</a:t>
+            </a:r>
+          </a:p>
+        </p:txBody>
+      </p:sp>
+    </p:spTree>
+    <p:extLst>
+      <p:ext uri="{BB962C8B-B14F-4D97-AF65-F5344CB8AC3E}">
+        <p14:creationId xmlns:p14="http://schemas.microsoft.com/office/powerpoint/2010/main" val="206784193"/>
+      </p:ext>
+    </p:extLst>
+  </p:cSld>
+  <p:clrMapOvr>
+    <a:masterClrMapping/>
+  </p:clrMapOvr>
+  <p:timing>
+    <p:tnLst>
+      <p:par>
+        <p:cTn id="1" dur="indefinite" restart="never" nodeType="tmRoot"/>
+      </p:par>
+    </p:tnLst>
+  </p:timing>
+</p:sld>
+</file>
+
 <file path=ppt/slides/slide77.xml><?xml version="1.0" encoding="utf-8"?>
 <p:sld xmlns:a="http://schemas.openxmlformats.org/drawingml/2006/main" xmlns:r="http://schemas.openxmlformats.org/officeDocument/2006/relationships" xmlns:p="http://schemas.openxmlformats.org/presentationml/2006/main">
   <p:cSld>
@@ -42192,7 +42045,7 @@
           <a:p>
             <a:r>
               <a:rPr lang="en-GB" dirty="0" smtClean="0"/>
-              <a:t>Exercise 6 – Buyers remorse</a:t>
+              <a:t>Walkthrough</a:t>
             </a:r>
             <a:endParaRPr lang="sv-SE" dirty="0"/>
           </a:p>
@@ -42200,32 +42053,35 @@
       </p:sp>
       <p:sp>
         <p:nvSpPr>
-          <p:cNvPr id="3" name="Content Placeholder 2"/>
+          <p:cNvPr id="4" name="Text Placeholder 3"/>
           <p:cNvSpPr>
             <a:spLocks noGrp="1"/>
           </p:cNvSpPr>
           <p:nvPr>
-            <p:ph idx="1"/>
+            <p:ph type="body" idx="1"/>
           </p:nvPr>
         </p:nvSpPr>
         <p:spPr/>
         <p:txBody>
-          <a:bodyPr>
-            <a:normAutofit/>
-          </a:bodyPr>
-          <a:lstStyle/>
-          <a:p>
-            <a:r>
-              <a:rPr lang="en-GB" dirty="0" smtClean="0"/>
-              <a:t>TBD</a:t>
-            </a:r>
+          <a:bodyPr/>
+          <a:lstStyle/>
+          <a:p>
+            <a:r>
+              <a:rPr lang="en-GB"/>
+              <a:t>Exercise </a:t>
+            </a:r>
+            <a:r>
+              <a:rPr lang="en-GB" dirty="0"/>
+              <a:t>6</a:t>
+            </a:r>
+            <a:endParaRPr lang="sv-SE" dirty="0"/>
           </a:p>
         </p:txBody>
       </p:sp>
     </p:spTree>
     <p:extLst>
       <p:ext uri="{BB962C8B-B14F-4D97-AF65-F5344CB8AC3E}">
-        <p14:creationId xmlns:p14="http://schemas.microsoft.com/office/powerpoint/2010/main" val="206784193"/>
+        <p14:creationId xmlns:p14="http://schemas.microsoft.com/office/powerpoint/2010/main" val="1756094974"/>
       </p:ext>
     </p:extLst>
   </p:cSld>
@@ -42276,7 +42132,7 @@
           <a:p>
             <a:r>
               <a:rPr lang="en-GB" dirty="0" smtClean="0"/>
-              <a:t>Walkthrough</a:t>
+              <a:t>Upcoming saga changes in v6</a:t>
             </a:r>
             <a:endParaRPr lang="sv-SE" dirty="0"/>
           </a:p>
@@ -42297,14 +42153,6 @@
           <a:bodyPr/>
           <a:lstStyle/>
           <a:p>
-            <a:r>
-              <a:rPr lang="en-GB"/>
-              <a:t>Exercise </a:t>
-            </a:r>
-            <a:r>
-              <a:rPr lang="en-GB" dirty="0"/>
-              <a:t>6</a:t>
-            </a:r>
             <a:endParaRPr lang="sv-SE" dirty="0"/>
           </a:p>
         </p:txBody>
@@ -42312,7 +42160,7 @@
     </p:spTree>
     <p:extLst>
       <p:ext uri="{BB962C8B-B14F-4D97-AF65-F5344CB8AC3E}">
-        <p14:creationId xmlns:p14="http://schemas.microsoft.com/office/powerpoint/2010/main" val="1756094974"/>
+        <p14:creationId xmlns:p14="http://schemas.microsoft.com/office/powerpoint/2010/main" val="3057996759"/>
       </p:ext>
     </p:extLst>
   </p:cSld>
@@ -42348,7 +42196,7 @@
       </p:grpSpPr>
       <p:sp>
         <p:nvSpPr>
-          <p:cNvPr id="2" name="Title 1"/>
+          <p:cNvPr id="4" name="Title 3"/>
           <p:cNvSpPr>
             <a:spLocks noGrp="1"/>
           </p:cNvSpPr>
@@ -42363,7 +42211,7 @@
           <a:p>
             <a:r>
               <a:rPr lang="en-GB" dirty="0" smtClean="0"/>
-              <a:t>Upcoming saga changes in v6</a:t>
+              <a:t>Less sharp edges</a:t>
             </a:r>
             <a:endParaRPr lang="sv-SE" dirty="0"/>
           </a:p>
@@ -42371,12 +42219,12 @@
       </p:sp>
       <p:sp>
         <p:nvSpPr>
-          <p:cNvPr id="4" name="Text Placeholder 3"/>
+          <p:cNvPr id="5" name="Content Placeholder 4"/>
           <p:cNvSpPr>
             <a:spLocks noGrp="1"/>
           </p:cNvSpPr>
           <p:nvPr>
-            <p:ph type="body" idx="1"/>
+            <p:ph idx="1"/>
           </p:nvPr>
         </p:nvSpPr>
         <p:spPr/>
@@ -42384,6 +42232,14 @@
           <a:bodyPr/>
           <a:lstStyle/>
           <a:p>
+            <a:r>
+              <a:rPr lang="en-GB" dirty="0" smtClean="0"/>
+              <a:t>TBD </a:t>
+            </a:r>
+            <a:r>
+              <a:rPr lang="en-GB" dirty="0" err="1" smtClean="0"/>
+              <a:t>andreas</a:t>
+            </a:r>
             <a:endParaRPr lang="sv-SE" dirty="0"/>
           </a:p>
         </p:txBody>
@@ -42391,20 +42247,13 @@
     </p:spTree>
     <p:extLst>
       <p:ext uri="{BB962C8B-B14F-4D97-AF65-F5344CB8AC3E}">
-        <p14:creationId xmlns:p14="http://schemas.microsoft.com/office/powerpoint/2010/main" val="3057996759"/>
+        <p14:creationId xmlns:p14="http://schemas.microsoft.com/office/powerpoint/2010/main" val="2355084911"/>
       </p:ext>
     </p:extLst>
   </p:cSld>
   <p:clrMapOvr>
     <a:masterClrMapping/>
   </p:clrMapOvr>
-  <p:timing>
-    <p:tnLst>
-      <p:par>
-        <p:cTn id="1" dur="indefinite" restart="never" nodeType="tmRoot"/>
-      </p:par>
-    </p:tnLst>
-  </p:timing>
 </p:sld>
 </file>
 
@@ -42596,11 +42445,7 @@
           <a:p>
             <a:r>
               <a:rPr lang="en-GB" dirty="0" smtClean="0"/>
-              <a:t>Make sure to set the saga property </a:t>
-            </a:r>
-            <a:r>
-              <a:rPr lang="en-GB" dirty="0" smtClean="0"/>
-              <a:t>when starting the saga</a:t>
+              <a:t>Make sure to set the saga property when starting the saga</a:t>
             </a:r>
             <a:endParaRPr lang="en-GB" dirty="0"/>
           </a:p>
@@ -42614,11 +42459,7 @@
             </a:r>
             <a:r>
               <a:rPr lang="en-GB" dirty="0" smtClean="0"/>
-              <a:t> </a:t>
-            </a:r>
-            <a:r>
-              <a:rPr lang="en-GB" dirty="0" smtClean="0"/>
-              <a:t>= </a:t>
+              <a:t> = </a:t>
             </a:r>
             <a:r>
               <a:rPr lang="en-GB" dirty="0" err="1" smtClean="0"/>
@@ -42636,86 +42477,6 @@
     <p:extLst>
       <p:ext uri="{BB962C8B-B14F-4D97-AF65-F5344CB8AC3E}">
         <p14:creationId xmlns:p14="http://schemas.microsoft.com/office/powerpoint/2010/main" val="1134505641"/>
-      </p:ext>
-    </p:extLst>
-  </p:cSld>
-  <p:clrMapOvr>
-    <a:masterClrMapping/>
-  </p:clrMapOvr>
-</p:sld>
-</file>
-
-<file path=ppt/slides/slide80.xml><?xml version="1.0" encoding="utf-8"?>
-<p:sld xmlns:a="http://schemas.openxmlformats.org/drawingml/2006/main" xmlns:r="http://schemas.openxmlformats.org/officeDocument/2006/relationships" xmlns:p="http://schemas.openxmlformats.org/presentationml/2006/main">
-  <p:cSld>
-    <p:spTree>
-      <p:nvGrpSpPr>
-        <p:cNvPr id="1" name=""/>
-        <p:cNvGrpSpPr/>
-        <p:nvPr/>
-      </p:nvGrpSpPr>
-      <p:grpSpPr>
-        <a:xfrm>
-          <a:off x="0" y="0"/>
-          <a:ext cx="0" cy="0"/>
-          <a:chOff x="0" y="0"/>
-          <a:chExt cx="0" cy="0"/>
-        </a:xfrm>
-      </p:grpSpPr>
-      <p:sp>
-        <p:nvSpPr>
-          <p:cNvPr id="4" name="Title 3"/>
-          <p:cNvSpPr>
-            <a:spLocks noGrp="1"/>
-          </p:cNvSpPr>
-          <p:nvPr>
-            <p:ph type="title"/>
-          </p:nvPr>
-        </p:nvSpPr>
-        <p:spPr/>
-        <p:txBody>
-          <a:bodyPr/>
-          <a:lstStyle/>
-          <a:p>
-            <a:r>
-              <a:rPr lang="en-GB" dirty="0" smtClean="0"/>
-              <a:t>Less sharp edges</a:t>
-            </a:r>
-            <a:endParaRPr lang="sv-SE" dirty="0"/>
-          </a:p>
-        </p:txBody>
-      </p:sp>
-      <p:sp>
-        <p:nvSpPr>
-          <p:cNvPr id="5" name="Content Placeholder 4"/>
-          <p:cNvSpPr>
-            <a:spLocks noGrp="1"/>
-          </p:cNvSpPr>
-          <p:nvPr>
-            <p:ph idx="1"/>
-          </p:nvPr>
-        </p:nvSpPr>
-        <p:spPr/>
-        <p:txBody>
-          <a:bodyPr/>
-          <a:lstStyle/>
-          <a:p>
-            <a:r>
-              <a:rPr lang="en-GB" dirty="0" smtClean="0"/>
-              <a:t>TBD </a:t>
-            </a:r>
-            <a:r>
-              <a:rPr lang="en-GB" dirty="0" err="1" smtClean="0"/>
-              <a:t>andreas</a:t>
-            </a:r>
-            <a:endParaRPr lang="sv-SE" dirty="0"/>
-          </a:p>
-        </p:txBody>
-      </p:sp>
-    </p:spTree>
-    <p:extLst>
-      <p:ext uri="{BB962C8B-B14F-4D97-AF65-F5344CB8AC3E}">
-        <p14:creationId xmlns:p14="http://schemas.microsoft.com/office/powerpoint/2010/main" val="2355084911"/>
       </p:ext>
     </p:extLst>
   </p:cSld>
@@ -42784,15 +42545,7 @@
           <a:p>
             <a:r>
               <a:rPr lang="en-GB" dirty="0" smtClean="0"/>
-              <a:t>Timeouts </a:t>
-            </a:r>
-            <a:r>
-              <a:rPr lang="en-GB" dirty="0" smtClean="0"/>
-              <a:t>are </a:t>
-            </a:r>
-            <a:r>
-              <a:rPr lang="en-GB" dirty="0" smtClean="0"/>
-              <a:t>reminders for the saga it self</a:t>
+              <a:t>Timeouts are reminders for the saga it self</a:t>
             </a:r>
           </a:p>
           <a:p>

--- a/SagaMasterClass.pptx
+++ b/SagaMasterClass.pptx
@@ -6845,19 +6845,31 @@
               <a:buNone/>
             </a:pPr>
             <a:r>
-              <a:rPr lang="en-GB" dirty="0" err="1" smtClean="0"/>
+              <a:rPr lang="en-GB" dirty="0" err="1" smtClean="0">
+                <a:latin typeface="Consolas" panose="020B0609020204030204" pitchFamily="49" charset="0"/>
+                <a:cs typeface="Consolas" panose="020B0609020204030204" pitchFamily="49" charset="0"/>
+              </a:rPr>
               <a:t>this.Bus.Send</a:t>
             </a:r>
             <a:r>
-              <a:rPr lang="en-GB" dirty="0" smtClean="0"/>
+              <a:rPr lang="en-GB" dirty="0" smtClean="0">
+                <a:latin typeface="Consolas" panose="020B0609020204030204" pitchFamily="49" charset="0"/>
+                <a:cs typeface="Consolas" panose="020B0609020204030204" pitchFamily="49" charset="0"/>
+              </a:rPr>
               <a:t>(new </a:t>
             </a:r>
             <a:r>
-              <a:rPr lang="en-GB" dirty="0" err="1" smtClean="0"/>
+              <a:rPr lang="en-GB" dirty="0" err="1" smtClean="0">
+                <a:latin typeface="Consolas" panose="020B0609020204030204" pitchFamily="49" charset="0"/>
+                <a:cs typeface="Consolas" panose="020B0609020204030204" pitchFamily="49" charset="0"/>
+              </a:rPr>
               <a:t>MyMessage</a:t>
             </a:r>
             <a:r>
-              <a:rPr lang="en-GB" dirty="0" smtClean="0"/>
+              <a:rPr lang="en-GB" dirty="0" smtClean="0">
+                <a:latin typeface="Consolas" panose="020B0609020204030204" pitchFamily="49" charset="0"/>
+                <a:cs typeface="Consolas" panose="020B0609020204030204" pitchFamily="49" charset="0"/>
+              </a:rPr>
               <a:t>())</a:t>
             </a:r>
           </a:p>
@@ -6865,29 +6877,47 @@
             <a:pPr marL="0" indent="0">
               <a:buNone/>
             </a:pPr>
-            <a:endParaRPr lang="en-GB" dirty="0"/>
+            <a:endParaRPr lang="en-GB" dirty="0">
+              <a:latin typeface="Consolas" panose="020B0609020204030204" pitchFamily="49" charset="0"/>
+              <a:cs typeface="Consolas" panose="020B0609020204030204" pitchFamily="49" charset="0"/>
+            </a:endParaRPr>
           </a:p>
           <a:p>
             <a:pPr marL="0" indent="0">
               <a:buNone/>
             </a:pPr>
             <a:r>
-              <a:rPr lang="en-GB" dirty="0" err="1" smtClean="0"/>
+              <a:rPr lang="en-GB" dirty="0" err="1" smtClean="0">
+                <a:latin typeface="Consolas" panose="020B0609020204030204" pitchFamily="49" charset="0"/>
+                <a:cs typeface="Consolas" panose="020B0609020204030204" pitchFamily="49" charset="0"/>
+              </a:rPr>
               <a:t>this.Bus.Publish</a:t>
             </a:r>
             <a:r>
-              <a:rPr lang="en-GB" dirty="0" smtClean="0"/>
+              <a:rPr lang="en-GB" dirty="0" smtClean="0">
+                <a:latin typeface="Consolas" panose="020B0609020204030204" pitchFamily="49" charset="0"/>
+                <a:cs typeface="Consolas" panose="020B0609020204030204" pitchFamily="49" charset="0"/>
+              </a:rPr>
               <a:t>(new </a:t>
             </a:r>
             <a:r>
-              <a:rPr lang="en-GB" dirty="0" err="1" smtClean="0"/>
+              <a:rPr lang="en-GB" dirty="0" err="1" smtClean="0">
+                <a:latin typeface="Consolas" panose="020B0609020204030204" pitchFamily="49" charset="0"/>
+                <a:cs typeface="Consolas" panose="020B0609020204030204" pitchFamily="49" charset="0"/>
+              </a:rPr>
               <a:t>MyEvent</a:t>
             </a:r>
             <a:r>
-              <a:rPr lang="en-GB" dirty="0" smtClean="0"/>
+              <a:rPr lang="en-GB" dirty="0" smtClean="0">
+                <a:latin typeface="Consolas" panose="020B0609020204030204" pitchFamily="49" charset="0"/>
+                <a:cs typeface="Consolas" panose="020B0609020204030204" pitchFamily="49" charset="0"/>
+              </a:rPr>
               <a:t>())</a:t>
             </a:r>
-            <a:endParaRPr lang="en-GB" dirty="0"/>
+            <a:endParaRPr lang="en-GB" dirty="0">
+              <a:latin typeface="Consolas" panose="020B0609020204030204" pitchFamily="49" charset="0"/>
+              <a:cs typeface="Consolas" panose="020B0609020204030204" pitchFamily="49" charset="0"/>
+            </a:endParaRPr>
           </a:p>
           <a:p>
             <a:pPr marL="0" indent="0">
@@ -16658,27 +16688,45 @@
               <a:buNone/>
             </a:pPr>
             <a:r>
-              <a:rPr lang="en-US" dirty="0" smtClean="0"/>
+              <a:rPr lang="en-US" dirty="0" smtClean="0">
+                <a:latin typeface="Consolas" panose="020B0609020204030204" pitchFamily="49" charset="0"/>
+                <a:cs typeface="Consolas" panose="020B0609020204030204" pitchFamily="49" charset="0"/>
+              </a:rPr>
               <a:t>ALTER </a:t>
             </a:r>
             <a:r>
-              <a:rPr lang="en-US" dirty="0"/>
+              <a:rPr lang="en-US" dirty="0">
+                <a:latin typeface="Consolas" panose="020B0609020204030204" pitchFamily="49" charset="0"/>
+                <a:cs typeface="Consolas" panose="020B0609020204030204" pitchFamily="49" charset="0"/>
+              </a:rPr>
               <a:t>TABLE [</a:t>
             </a:r>
             <a:r>
-              <a:rPr lang="en-US" dirty="0" err="1"/>
+              <a:rPr lang="en-US" dirty="0" err="1">
+                <a:latin typeface="Consolas" panose="020B0609020204030204" pitchFamily="49" charset="0"/>
+                <a:cs typeface="Consolas" panose="020B0609020204030204" pitchFamily="49" charset="0"/>
+              </a:rPr>
               <a:t>dbo</a:t>
             </a:r>
             <a:r>
-              <a:rPr lang="en-US" dirty="0"/>
+              <a:rPr lang="en-US" dirty="0">
+                <a:latin typeface="Consolas" panose="020B0609020204030204" pitchFamily="49" charset="0"/>
+                <a:cs typeface="Consolas" panose="020B0609020204030204" pitchFamily="49" charset="0"/>
+              </a:rPr>
               <a:t>].[</a:t>
             </a:r>
             <a:r>
-              <a:rPr lang="en-US" dirty="0" err="1"/>
+              <a:rPr lang="en-US" dirty="0" err="1">
+                <a:latin typeface="Consolas" panose="020B0609020204030204" pitchFamily="49" charset="0"/>
+                <a:cs typeface="Consolas" panose="020B0609020204030204" pitchFamily="49" charset="0"/>
+              </a:rPr>
               <a:t>ShippingPolicy</a:t>
             </a:r>
             <a:r>
-              <a:rPr lang="en-US" dirty="0"/>
+              <a:rPr lang="en-US" dirty="0">
+                <a:latin typeface="Consolas" panose="020B0609020204030204" pitchFamily="49" charset="0"/>
+                <a:cs typeface="Consolas" panose="020B0609020204030204" pitchFamily="49" charset="0"/>
+              </a:rPr>
               <a:t>] ADD UNIQUE NONCLUSTERED </a:t>
             </a:r>
           </a:p>
@@ -16687,23 +16735,38 @@
               <a:buNone/>
             </a:pPr>
             <a:r>
-              <a:rPr lang="sv-SE" dirty="0" smtClean="0"/>
+              <a:rPr lang="sv-SE" dirty="0" smtClean="0">
+                <a:latin typeface="Consolas" panose="020B0609020204030204" pitchFamily="49" charset="0"/>
+                <a:cs typeface="Consolas" panose="020B0609020204030204" pitchFamily="49" charset="0"/>
+              </a:rPr>
               <a:t>([</a:t>
             </a:r>
             <a:r>
-              <a:rPr lang="sv-SE" dirty="0"/>
+              <a:rPr lang="sv-SE" dirty="0">
+                <a:latin typeface="Consolas" panose="020B0609020204030204" pitchFamily="49" charset="0"/>
+                <a:cs typeface="Consolas" panose="020B0609020204030204" pitchFamily="49" charset="0"/>
+              </a:rPr>
               <a:t>OrderId] </a:t>
             </a:r>
             <a:r>
-              <a:rPr lang="sv-SE" dirty="0" smtClean="0"/>
+              <a:rPr lang="sv-SE" dirty="0" smtClean="0">
+                <a:latin typeface="Consolas" panose="020B0609020204030204" pitchFamily="49" charset="0"/>
+                <a:cs typeface="Consolas" panose="020B0609020204030204" pitchFamily="49" charset="0"/>
+              </a:rPr>
               <a:t>ASC</a:t>
             </a:r>
             <a:r>
-              <a:rPr lang="en-US" dirty="0" smtClean="0"/>
+              <a:rPr lang="en-US" dirty="0" smtClean="0">
+                <a:latin typeface="Consolas" panose="020B0609020204030204" pitchFamily="49" charset="0"/>
+                <a:cs typeface="Consolas" panose="020B0609020204030204" pitchFamily="49" charset="0"/>
+              </a:rPr>
               <a:t>) ON </a:t>
             </a:r>
             <a:r>
-              <a:rPr lang="en-US" dirty="0"/>
+              <a:rPr lang="en-US" dirty="0">
+                <a:latin typeface="Consolas" panose="020B0609020204030204" pitchFamily="49" charset="0"/>
+                <a:cs typeface="Consolas" panose="020B0609020204030204" pitchFamily="49" charset="0"/>
+              </a:rPr>
               <a:t>[PRIMARY]</a:t>
             </a:r>
           </a:p>
@@ -16712,7 +16775,10 @@
               <a:buNone/>
             </a:pPr>
             <a:r>
-              <a:rPr lang="sv-SE" dirty="0"/>
+              <a:rPr lang="sv-SE" dirty="0">
+                <a:latin typeface="Consolas" panose="020B0609020204030204" pitchFamily="49" charset="0"/>
+                <a:cs typeface="Consolas" panose="020B0609020204030204" pitchFamily="49" charset="0"/>
+              </a:rPr>
               <a:t>GO</a:t>
             </a:r>
           </a:p>
@@ -33758,38 +33824,65 @@
               <a:buNone/>
             </a:pPr>
             <a:r>
-              <a:rPr lang="en-GB" dirty="0"/>
+              <a:rPr lang="en-GB" b="1" dirty="0">
+                <a:latin typeface="Consolas" panose="020B0609020204030204" pitchFamily="49" charset="0"/>
+                <a:cs typeface="Consolas" panose="020B0609020204030204" pitchFamily="49" charset="0"/>
+              </a:rPr>
               <a:t>c</a:t>
             </a:r>
             <a:r>
-              <a:rPr lang="en-GB" dirty="0" smtClean="0"/>
+              <a:rPr lang="en-GB" b="1" dirty="0" smtClean="0">
+                <a:latin typeface="Consolas" panose="020B0609020204030204" pitchFamily="49" charset="0"/>
+                <a:cs typeface="Consolas" panose="020B0609020204030204" pitchFamily="49" charset="0"/>
+              </a:rPr>
               <a:t>lass </a:t>
             </a:r>
             <a:r>
-              <a:rPr lang="en-GB" dirty="0" err="1" smtClean="0"/>
+              <a:rPr lang="en-GB" b="1" dirty="0" err="1" smtClean="0">
+                <a:latin typeface="Consolas" panose="020B0609020204030204" pitchFamily="49" charset="0"/>
+                <a:cs typeface="Consolas" panose="020B0609020204030204" pitchFamily="49" charset="0"/>
+              </a:rPr>
               <a:t>MySaga</a:t>
             </a:r>
             <a:r>
-              <a:rPr lang="en-GB" dirty="0" smtClean="0"/>
+              <a:rPr lang="en-GB" b="1" dirty="0" smtClean="0">
+                <a:latin typeface="Consolas" panose="020B0609020204030204" pitchFamily="49" charset="0"/>
+                <a:cs typeface="Consolas" panose="020B0609020204030204" pitchFamily="49" charset="0"/>
+              </a:rPr>
               <a:t>: </a:t>
             </a:r>
             <a:r>
-              <a:rPr lang="en-GB" b="1" dirty="0" err="1" smtClean="0"/>
+              <a:rPr lang="en-GB" b="1" dirty="0" err="1" smtClean="0">
+                <a:latin typeface="Consolas" panose="020B0609020204030204" pitchFamily="49" charset="0"/>
+                <a:cs typeface="Consolas" panose="020B0609020204030204" pitchFamily="49" charset="0"/>
+              </a:rPr>
               <a:t>IHandleMessages</a:t>
             </a:r>
             <a:r>
-              <a:rPr lang="en-GB" b="1" dirty="0" smtClean="0"/>
+              <a:rPr lang="en-GB" b="1" dirty="0" smtClean="0">
+                <a:latin typeface="Consolas" panose="020B0609020204030204" pitchFamily="49" charset="0"/>
+                <a:cs typeface="Consolas" panose="020B0609020204030204" pitchFamily="49" charset="0"/>
+              </a:rPr>
               <a:t>&lt;</a:t>
             </a:r>
             <a:r>
-              <a:rPr lang="en-GB" b="1" dirty="0" err="1" smtClean="0"/>
+              <a:rPr lang="en-GB" b="1" dirty="0" err="1" smtClean="0">
+                <a:latin typeface="Consolas" panose="020B0609020204030204" pitchFamily="49" charset="0"/>
+                <a:cs typeface="Consolas" panose="020B0609020204030204" pitchFamily="49" charset="0"/>
+              </a:rPr>
               <a:t>MyMessage</a:t>
             </a:r>
             <a:r>
-              <a:rPr lang="en-GB" b="1" dirty="0" smtClean="0"/>
+              <a:rPr lang="en-GB" b="1" dirty="0" smtClean="0">
+                <a:latin typeface="Consolas" panose="020B0609020204030204" pitchFamily="49" charset="0"/>
+                <a:cs typeface="Consolas" panose="020B0609020204030204" pitchFamily="49" charset="0"/>
+              </a:rPr>
               <a:t>&gt;</a:t>
             </a:r>
-            <a:endParaRPr lang="sv-SE" b="1" dirty="0"/>
+            <a:endParaRPr lang="sv-SE" b="1" dirty="0">
+              <a:latin typeface="Consolas" panose="020B0609020204030204" pitchFamily="49" charset="0"/>
+              <a:cs typeface="Consolas" panose="020B0609020204030204" pitchFamily="49" charset="0"/>
+            </a:endParaRPr>
           </a:p>
         </p:txBody>
       </p:sp>
@@ -36599,35 +36692,59 @@
               <a:buNone/>
             </a:pPr>
             <a:r>
-              <a:rPr lang="en-GB" dirty="0"/>
+              <a:rPr lang="en-GB" dirty="0">
+                <a:latin typeface="Consolas" panose="020B0609020204030204" pitchFamily="49" charset="0"/>
+                <a:cs typeface="Consolas" panose="020B0609020204030204" pitchFamily="49" charset="0"/>
+              </a:rPr>
               <a:t>c</a:t>
             </a:r>
             <a:r>
-              <a:rPr lang="en-GB" dirty="0" smtClean="0"/>
+              <a:rPr lang="en-GB" dirty="0" smtClean="0">
+                <a:latin typeface="Consolas" panose="020B0609020204030204" pitchFamily="49" charset="0"/>
+                <a:cs typeface="Consolas" panose="020B0609020204030204" pitchFamily="49" charset="0"/>
+              </a:rPr>
               <a:t>lass </a:t>
             </a:r>
             <a:r>
-              <a:rPr lang="en-GB" dirty="0" err="1" smtClean="0"/>
+              <a:rPr lang="en-GB" dirty="0" err="1" smtClean="0">
+                <a:latin typeface="Consolas" panose="020B0609020204030204" pitchFamily="49" charset="0"/>
+                <a:cs typeface="Consolas" panose="020B0609020204030204" pitchFamily="49" charset="0"/>
+              </a:rPr>
               <a:t>MySaga</a:t>
             </a:r>
             <a:r>
-              <a:rPr lang="en-GB" dirty="0" smtClean="0"/>
+              <a:rPr lang="en-GB" dirty="0" smtClean="0">
+                <a:latin typeface="Consolas" panose="020B0609020204030204" pitchFamily="49" charset="0"/>
+                <a:cs typeface="Consolas" panose="020B0609020204030204" pitchFamily="49" charset="0"/>
+              </a:rPr>
               <a:t>: </a:t>
             </a:r>
             <a:r>
-              <a:rPr lang="en-GB" b="1" dirty="0" err="1" smtClean="0"/>
+              <a:rPr lang="en-GB" b="1" dirty="0" err="1" smtClean="0">
+                <a:latin typeface="Consolas" panose="020B0609020204030204" pitchFamily="49" charset="0"/>
+                <a:cs typeface="Consolas" panose="020B0609020204030204" pitchFamily="49" charset="0"/>
+              </a:rPr>
               <a:t>IAmStartedByMessages</a:t>
             </a:r>
             <a:r>
-              <a:rPr lang="en-GB" b="1" dirty="0" smtClean="0"/>
+              <a:rPr lang="en-GB" b="1" dirty="0" smtClean="0">
+                <a:latin typeface="Consolas" panose="020B0609020204030204" pitchFamily="49" charset="0"/>
+                <a:cs typeface="Consolas" panose="020B0609020204030204" pitchFamily="49" charset="0"/>
+              </a:rPr>
               <a:t>&lt;</a:t>
             </a:r>
             <a:r>
-              <a:rPr lang="en-GB" b="1" dirty="0" err="1" smtClean="0"/>
+              <a:rPr lang="en-GB" b="1" dirty="0" err="1" smtClean="0">
+                <a:latin typeface="Consolas" panose="020B0609020204030204" pitchFamily="49" charset="0"/>
+                <a:cs typeface="Consolas" panose="020B0609020204030204" pitchFamily="49" charset="0"/>
+              </a:rPr>
               <a:t>MyStartMessage</a:t>
             </a:r>
             <a:r>
-              <a:rPr lang="en-GB" b="1" dirty="0" smtClean="0"/>
+              <a:rPr lang="en-GB" b="1" dirty="0" smtClean="0">
+                <a:latin typeface="Consolas" panose="020B0609020204030204" pitchFamily="49" charset="0"/>
+                <a:cs typeface="Consolas" panose="020B0609020204030204" pitchFamily="49" charset="0"/>
+              </a:rPr>
               <a:t>&gt;</a:t>
             </a:r>
           </a:p>
@@ -38929,31 +39046,52 @@
               <a:buNone/>
             </a:pPr>
             <a:r>
-              <a:rPr lang="en-GB" dirty="0"/>
+              <a:rPr lang="en-GB" dirty="0">
+                <a:latin typeface="Consolas" panose="020B0609020204030204" pitchFamily="49" charset="0"/>
+                <a:cs typeface="Consolas" panose="020B0609020204030204" pitchFamily="49" charset="0"/>
+              </a:rPr>
               <a:t>c</a:t>
             </a:r>
             <a:r>
-              <a:rPr lang="en-GB" dirty="0" smtClean="0"/>
+              <a:rPr lang="en-GB" dirty="0" smtClean="0">
+                <a:latin typeface="Consolas" panose="020B0609020204030204" pitchFamily="49" charset="0"/>
+                <a:cs typeface="Consolas" panose="020B0609020204030204" pitchFamily="49" charset="0"/>
+              </a:rPr>
               <a:t>lass </a:t>
             </a:r>
             <a:r>
-              <a:rPr lang="en-GB" dirty="0" err="1" smtClean="0"/>
+              <a:rPr lang="en-GB" dirty="0" err="1" smtClean="0">
+                <a:latin typeface="Consolas" panose="020B0609020204030204" pitchFamily="49" charset="0"/>
+                <a:cs typeface="Consolas" panose="020B0609020204030204" pitchFamily="49" charset="0"/>
+              </a:rPr>
               <a:t>MySaga</a:t>
             </a:r>
             <a:r>
-              <a:rPr lang="en-GB" dirty="0" smtClean="0"/>
+              <a:rPr lang="en-GB" dirty="0" smtClean="0">
+                <a:latin typeface="Consolas" panose="020B0609020204030204" pitchFamily="49" charset="0"/>
+                <a:cs typeface="Consolas" panose="020B0609020204030204" pitchFamily="49" charset="0"/>
+              </a:rPr>
               <a:t>: </a:t>
             </a:r>
             <a:r>
-              <a:rPr lang="en-GB" dirty="0"/>
+              <a:rPr lang="en-GB" dirty="0">
+                <a:latin typeface="Consolas" panose="020B0609020204030204" pitchFamily="49" charset="0"/>
+                <a:cs typeface="Consolas" panose="020B0609020204030204" pitchFamily="49" charset="0"/>
+              </a:rPr>
               <a:t>Saga&lt; </a:t>
             </a:r>
             <a:r>
-              <a:rPr lang="en-GB" b="1" dirty="0" err="1" smtClean="0"/>
+              <a:rPr lang="en-GB" b="1" dirty="0" err="1" smtClean="0">
+                <a:latin typeface="Consolas" panose="020B0609020204030204" pitchFamily="49" charset="0"/>
+                <a:cs typeface="Consolas" panose="020B0609020204030204" pitchFamily="49" charset="0"/>
+              </a:rPr>
               <a:t>MySaga.State</a:t>
             </a:r>
             <a:r>
-              <a:rPr lang="en-GB" dirty="0" smtClean="0"/>
+              <a:rPr lang="en-GB" dirty="0" smtClean="0">
+                <a:latin typeface="Consolas" panose="020B0609020204030204" pitchFamily="49" charset="0"/>
+                <a:cs typeface="Consolas" panose="020B0609020204030204" pitchFamily="49" charset="0"/>
+              </a:rPr>
               <a:t>&gt;</a:t>
             </a:r>
           </a:p>
@@ -39003,32 +39141,54 @@
               <a:buNone/>
             </a:pPr>
             <a:r>
-              <a:rPr lang="en-GB" dirty="0" smtClean="0"/>
+              <a:rPr lang="en-GB" dirty="0" smtClean="0">
+                <a:latin typeface="Consolas" panose="020B0609020204030204" pitchFamily="49" charset="0"/>
+                <a:cs typeface="Consolas" panose="020B0609020204030204" pitchFamily="49" charset="0"/>
+              </a:rPr>
               <a:t>class State: </a:t>
             </a:r>
             <a:r>
-              <a:rPr lang="en-GB" dirty="0" err="1" smtClean="0"/>
+              <a:rPr lang="en-GB" dirty="0" err="1" smtClean="0">
+                <a:latin typeface="Consolas" panose="020B0609020204030204" pitchFamily="49" charset="0"/>
+                <a:cs typeface="Consolas" panose="020B0609020204030204" pitchFamily="49" charset="0"/>
+              </a:rPr>
               <a:t>ContainSagaData</a:t>
             </a:r>
             <a:r>
-              <a:rPr lang="en-GB" dirty="0" smtClean="0"/>
-              <a:t>{</a:t>
-            </a:r>
+              <a:rPr lang="en-GB" dirty="0" smtClean="0">
+                <a:latin typeface="Consolas" panose="020B0609020204030204" pitchFamily="49" charset="0"/>
+                <a:cs typeface="Consolas" panose="020B0609020204030204" pitchFamily="49" charset="0"/>
+              </a:rPr>
+              <a:t> {</a:t>
+            </a:r>
+            <a:endParaRPr lang="en-GB" dirty="0" smtClean="0">
+              <a:latin typeface="Consolas" panose="020B0609020204030204" pitchFamily="49" charset="0"/>
+              <a:cs typeface="Consolas" panose="020B0609020204030204" pitchFamily="49" charset="0"/>
+            </a:endParaRPr>
           </a:p>
           <a:p>
             <a:pPr marL="0" indent="0">
               <a:buNone/>
             </a:pPr>
             <a:r>
-              <a:rPr lang="en-GB" dirty="0" smtClean="0"/>
+              <a:rPr lang="en-GB" dirty="0" smtClean="0">
+                <a:latin typeface="Consolas" panose="020B0609020204030204" pitchFamily="49" charset="0"/>
+                <a:cs typeface="Consolas" panose="020B0609020204030204" pitchFamily="49" charset="0"/>
+              </a:rPr>
               <a:t>    public string </a:t>
             </a:r>
             <a:r>
-              <a:rPr lang="en-GB" dirty="0" err="1" smtClean="0"/>
+              <a:rPr lang="en-GB" dirty="0" err="1" smtClean="0">
+                <a:latin typeface="Consolas" panose="020B0609020204030204" pitchFamily="49" charset="0"/>
+                <a:cs typeface="Consolas" panose="020B0609020204030204" pitchFamily="49" charset="0"/>
+              </a:rPr>
               <a:t>MyState</a:t>
             </a:r>
             <a:r>
-              <a:rPr lang="en-GB" dirty="0" smtClean="0"/>
+              <a:rPr lang="en-GB" dirty="0" smtClean="0">
+                <a:latin typeface="Consolas" panose="020B0609020204030204" pitchFamily="49" charset="0"/>
+                <a:cs typeface="Consolas" panose="020B0609020204030204" pitchFamily="49" charset="0"/>
+              </a:rPr>
               <a:t>{ get; set;}</a:t>
             </a:r>
           </a:p>
@@ -39037,7 +39197,10 @@
               <a:buNone/>
             </a:pPr>
             <a:r>
-              <a:rPr lang="en-GB" dirty="0" smtClean="0"/>
+              <a:rPr lang="en-GB" dirty="0" smtClean="0">
+                <a:latin typeface="Consolas" panose="020B0609020204030204" pitchFamily="49" charset="0"/>
+                <a:cs typeface="Consolas" panose="020B0609020204030204" pitchFamily="49" charset="0"/>
+              </a:rPr>
               <a:t>}</a:t>
             </a:r>
           </a:p>
@@ -42365,11 +42528,17 @@
               <a:buNone/>
             </a:pPr>
             <a:r>
-              <a:rPr lang="sv-SE" sz="1900" dirty="0" smtClean="0"/>
+              <a:rPr lang="sv-SE" sz="1900" dirty="0" smtClean="0">
+                <a:latin typeface="Consolas" panose="020B0609020204030204" pitchFamily="49" charset="0"/>
+                <a:cs typeface="Consolas" panose="020B0609020204030204" pitchFamily="49" charset="0"/>
+              </a:rPr>
               <a:t>override </a:t>
             </a:r>
             <a:r>
-              <a:rPr lang="sv-SE" sz="1900" dirty="0"/>
+              <a:rPr lang="sv-SE" sz="1900" dirty="0">
+                <a:latin typeface="Consolas" panose="020B0609020204030204" pitchFamily="49" charset="0"/>
+                <a:cs typeface="Consolas" panose="020B0609020204030204" pitchFamily="49" charset="0"/>
+              </a:rPr>
               <a:t>void ConfigureHowToFindSaga(SagaPropertyMapper&lt;State&gt; mapper)</a:t>
             </a:r>
           </a:p>
@@ -42378,33 +42547,54 @@
               <a:buNone/>
             </a:pPr>
             <a:r>
-              <a:rPr lang="sv-SE" sz="1900" dirty="0" smtClean="0"/>
+              <a:rPr lang="sv-SE" sz="1900" dirty="0" smtClean="0">
+                <a:latin typeface="Consolas" panose="020B0609020204030204" pitchFamily="49" charset="0"/>
+                <a:cs typeface="Consolas" panose="020B0609020204030204" pitchFamily="49" charset="0"/>
+              </a:rPr>
               <a:t>{</a:t>
             </a:r>
-            <a:endParaRPr lang="sv-SE" sz="1900" dirty="0"/>
+            <a:endParaRPr lang="sv-SE" sz="1900" dirty="0">
+              <a:latin typeface="Consolas" panose="020B0609020204030204" pitchFamily="49" charset="0"/>
+              <a:cs typeface="Consolas" panose="020B0609020204030204" pitchFamily="49" charset="0"/>
+            </a:endParaRPr>
           </a:p>
           <a:p>
             <a:pPr marL="0" indent="0">
               <a:buNone/>
             </a:pPr>
             <a:r>
-              <a:rPr lang="sv-SE" sz="1900" dirty="0"/>
+              <a:rPr lang="sv-SE" sz="1900" dirty="0">
+                <a:latin typeface="Consolas" panose="020B0609020204030204" pitchFamily="49" charset="0"/>
+                <a:cs typeface="Consolas" panose="020B0609020204030204" pitchFamily="49" charset="0"/>
+              </a:rPr>
               <a:t>            mapper.ConfigureMapping&lt;OrderPlaced&gt;(</a:t>
             </a:r>
             <a:r>
-              <a:rPr lang="sv-SE" sz="1900" dirty="0" smtClean="0"/>
+              <a:rPr lang="sv-SE" sz="1900" dirty="0" smtClean="0">
+                <a:latin typeface="Consolas" panose="020B0609020204030204" pitchFamily="49" charset="0"/>
+                <a:cs typeface="Consolas" panose="020B0609020204030204" pitchFamily="49" charset="0"/>
+              </a:rPr>
               <a:t>msg </a:t>
             </a:r>
             <a:r>
-              <a:rPr lang="sv-SE" sz="1900" dirty="0"/>
+              <a:rPr lang="sv-SE" sz="1900" dirty="0">
+                <a:latin typeface="Consolas" panose="020B0609020204030204" pitchFamily="49" charset="0"/>
+                <a:cs typeface="Consolas" panose="020B0609020204030204" pitchFamily="49" charset="0"/>
+              </a:rPr>
               <a:t>=&gt; </a:t>
             </a:r>
             <a:r>
-              <a:rPr lang="sv-SE" sz="1900" dirty="0" smtClean="0"/>
+              <a:rPr lang="sv-SE" sz="1900" dirty="0" smtClean="0">
+                <a:latin typeface="Consolas" panose="020B0609020204030204" pitchFamily="49" charset="0"/>
+                <a:cs typeface="Consolas" panose="020B0609020204030204" pitchFamily="49" charset="0"/>
+              </a:rPr>
               <a:t>msg.OrderId</a:t>
             </a:r>
             <a:r>
-              <a:rPr lang="sv-SE" sz="1900" dirty="0"/>
+              <a:rPr lang="sv-SE" sz="1900" dirty="0">
+                <a:latin typeface="Consolas" panose="020B0609020204030204" pitchFamily="49" charset="0"/>
+                <a:cs typeface="Consolas" panose="020B0609020204030204" pitchFamily="49" charset="0"/>
+              </a:rPr>
               <a:t>)</a:t>
             </a:r>
           </a:p>
@@ -42413,23 +42603,38 @@
               <a:buNone/>
             </a:pPr>
             <a:r>
-              <a:rPr lang="sv-SE" sz="1900" dirty="0"/>
+              <a:rPr lang="sv-SE" sz="1900" dirty="0">
+                <a:latin typeface="Consolas" panose="020B0609020204030204" pitchFamily="49" charset="0"/>
+                <a:cs typeface="Consolas" panose="020B0609020204030204" pitchFamily="49" charset="0"/>
+              </a:rPr>
               <a:t>                .</a:t>
             </a:r>
             <a:r>
-              <a:rPr lang="sv-SE" sz="1900" dirty="0" smtClean="0"/>
+              <a:rPr lang="sv-SE" sz="1900" dirty="0" smtClean="0">
+                <a:latin typeface="Consolas" panose="020B0609020204030204" pitchFamily="49" charset="0"/>
+                <a:cs typeface="Consolas" panose="020B0609020204030204" pitchFamily="49" charset="0"/>
+              </a:rPr>
               <a:t>ToSaga(state </a:t>
             </a:r>
             <a:r>
-              <a:rPr lang="sv-SE" sz="1900" dirty="0"/>
+              <a:rPr lang="sv-SE" sz="1900" dirty="0">
+                <a:latin typeface="Consolas" panose="020B0609020204030204" pitchFamily="49" charset="0"/>
+                <a:cs typeface="Consolas" panose="020B0609020204030204" pitchFamily="49" charset="0"/>
+              </a:rPr>
               <a:t>=&gt; </a:t>
             </a:r>
             <a:r>
-              <a:rPr lang="sv-SE" sz="1900" dirty="0" smtClean="0"/>
+              <a:rPr lang="sv-SE" sz="1900" dirty="0" smtClean="0">
+                <a:latin typeface="Consolas" panose="020B0609020204030204" pitchFamily="49" charset="0"/>
+                <a:cs typeface="Consolas" panose="020B0609020204030204" pitchFamily="49" charset="0"/>
+              </a:rPr>
               <a:t>state.OrderId</a:t>
             </a:r>
             <a:r>
-              <a:rPr lang="sv-SE" sz="1900" dirty="0"/>
+              <a:rPr lang="sv-SE" sz="1900" dirty="0">
+                <a:latin typeface="Consolas" panose="020B0609020204030204" pitchFamily="49" charset="0"/>
+                <a:cs typeface="Consolas" panose="020B0609020204030204" pitchFamily="49" charset="0"/>
+              </a:rPr>
               <a:t>);</a:t>
             </a:r>
           </a:p>
@@ -42438,7 +42643,10 @@
               <a:buNone/>
             </a:pPr>
             <a:r>
-              <a:rPr lang="sv-SE" sz="1900" dirty="0" smtClean="0"/>
+              <a:rPr lang="sv-SE" sz="1900" dirty="0" smtClean="0">
+                <a:latin typeface="Consolas" panose="020B0609020204030204" pitchFamily="49" charset="0"/>
+                <a:cs typeface="Consolas" panose="020B0609020204030204" pitchFamily="49" charset="0"/>
+              </a:rPr>
               <a:t>}</a:t>
             </a:r>
           </a:p>
@@ -42539,7 +42747,7 @@
         <p:spPr/>
         <p:txBody>
           <a:bodyPr>
-            <a:normAutofit lnSpcReduction="10000"/>
+            <a:normAutofit fontScale="92500"/>
           </a:bodyPr>
           <a:lstStyle/>
           <a:p>
@@ -42566,27 +42774,45 @@
               <a:buNone/>
             </a:pPr>
             <a:r>
-              <a:rPr lang="en-GB" dirty="0" err="1" smtClean="0"/>
+              <a:rPr lang="en-GB" dirty="0" err="1" smtClean="0">
+                <a:latin typeface="Consolas" panose="020B0609020204030204" pitchFamily="49" charset="0"/>
+                <a:cs typeface="Consolas" panose="020B0609020204030204" pitchFamily="49" charset="0"/>
+              </a:rPr>
               <a:t>this.RequestTimeout</a:t>
             </a:r>
             <a:r>
-              <a:rPr lang="en-GB" dirty="0" smtClean="0"/>
+              <a:rPr lang="en-GB" dirty="0" smtClean="0">
+                <a:latin typeface="Consolas" panose="020B0609020204030204" pitchFamily="49" charset="0"/>
+                <a:cs typeface="Consolas" panose="020B0609020204030204" pitchFamily="49" charset="0"/>
+              </a:rPr>
               <a:t>&lt;</a:t>
             </a:r>
             <a:r>
-              <a:rPr lang="en-GB" dirty="0" err="1" smtClean="0"/>
+              <a:rPr lang="en-GB" dirty="0" err="1" smtClean="0">
+                <a:latin typeface="Consolas" panose="020B0609020204030204" pitchFamily="49" charset="0"/>
+                <a:cs typeface="Consolas" panose="020B0609020204030204" pitchFamily="49" charset="0"/>
+              </a:rPr>
               <a:t>MyTimeout</a:t>
             </a:r>
             <a:r>
-              <a:rPr lang="en-GB" dirty="0" smtClean="0"/>
+              <a:rPr lang="en-GB" dirty="0" smtClean="0">
+                <a:latin typeface="Consolas" panose="020B0609020204030204" pitchFamily="49" charset="0"/>
+                <a:cs typeface="Consolas" panose="020B0609020204030204" pitchFamily="49" charset="0"/>
+              </a:rPr>
               <a:t>&gt;(</a:t>
             </a:r>
             <a:r>
-              <a:rPr lang="en-GB" dirty="0" err="1" smtClean="0"/>
+              <a:rPr lang="en-GB" dirty="0" err="1" smtClean="0">
+                <a:latin typeface="Consolas" panose="020B0609020204030204" pitchFamily="49" charset="0"/>
+                <a:cs typeface="Consolas" panose="020B0609020204030204" pitchFamily="49" charset="0"/>
+              </a:rPr>
               <a:t>TimeSpan.FromSeconds</a:t>
             </a:r>
             <a:r>
-              <a:rPr lang="en-GB" dirty="0" smtClean="0"/>
+              <a:rPr lang="en-GB" dirty="0" smtClean="0">
+                <a:latin typeface="Consolas" panose="020B0609020204030204" pitchFamily="49" charset="0"/>
+                <a:cs typeface="Consolas" panose="020B0609020204030204" pitchFamily="49" charset="0"/>
+              </a:rPr>
               <a:t>(60))</a:t>
             </a:r>
           </a:p>
@@ -42623,27 +42849,45 @@
               <a:buNone/>
             </a:pPr>
             <a:r>
-              <a:rPr lang="sv-SE" dirty="0" smtClean="0"/>
+              <a:rPr lang="sv-SE" dirty="0" smtClean="0">
+                <a:latin typeface="Consolas" panose="020B0609020204030204" pitchFamily="49" charset="0"/>
+                <a:cs typeface="Consolas" panose="020B0609020204030204" pitchFamily="49" charset="0"/>
+              </a:rPr>
               <a:t> </a:t>
             </a:r>
             <a:r>
-              <a:rPr lang="sv-SE" dirty="0"/>
+              <a:rPr lang="sv-SE" dirty="0">
+                <a:latin typeface="Consolas" panose="020B0609020204030204" pitchFamily="49" charset="0"/>
+                <a:cs typeface="Consolas" panose="020B0609020204030204" pitchFamily="49" charset="0"/>
+              </a:rPr>
               <a:t>public void </a:t>
             </a:r>
             <a:r>
-              <a:rPr lang="sv-SE" dirty="0" smtClean="0"/>
+              <a:rPr lang="sv-SE" dirty="0" smtClean="0">
+                <a:latin typeface="Consolas" panose="020B0609020204030204" pitchFamily="49" charset="0"/>
+                <a:cs typeface="Consolas" panose="020B0609020204030204" pitchFamily="49" charset="0"/>
+              </a:rPr>
               <a:t>Timeout(</a:t>
             </a:r>
             <a:r>
-              <a:rPr lang="en-GB" dirty="0" err="1"/>
+              <a:rPr lang="en-GB" dirty="0" err="1">
+                <a:latin typeface="Consolas" panose="020B0609020204030204" pitchFamily="49" charset="0"/>
+                <a:cs typeface="Consolas" panose="020B0609020204030204" pitchFamily="49" charset="0"/>
+              </a:rPr>
               <a:t>MyTimeout</a:t>
             </a:r>
             <a:r>
-              <a:rPr lang="sv-SE" dirty="0" smtClean="0"/>
+              <a:rPr lang="sv-SE" dirty="0" smtClean="0">
+                <a:latin typeface="Consolas" panose="020B0609020204030204" pitchFamily="49" charset="0"/>
+                <a:cs typeface="Consolas" panose="020B0609020204030204" pitchFamily="49" charset="0"/>
+              </a:rPr>
               <a:t> timeoutState</a:t>
             </a:r>
             <a:r>
-              <a:rPr lang="sv-SE" dirty="0"/>
+              <a:rPr lang="sv-SE" dirty="0">
+                <a:latin typeface="Consolas" panose="020B0609020204030204" pitchFamily="49" charset="0"/>
+                <a:cs typeface="Consolas" panose="020B0609020204030204" pitchFamily="49" charset="0"/>
+              </a:rPr>
               <a:t>)</a:t>
             </a:r>
           </a:p>
@@ -42652,7 +42896,10 @@
               <a:buNone/>
             </a:pPr>
             <a:r>
-              <a:rPr lang="sv-SE" dirty="0" smtClean="0"/>
+              <a:rPr lang="sv-SE" dirty="0" smtClean="0">
+                <a:latin typeface="Consolas" panose="020B0609020204030204" pitchFamily="49" charset="0"/>
+                <a:cs typeface="Consolas" panose="020B0609020204030204" pitchFamily="49" charset="0"/>
+              </a:rPr>
               <a:t>{</a:t>
             </a:r>
           </a:p>
@@ -42661,10 +42908,16 @@
               <a:buNone/>
             </a:pPr>
             <a:r>
-              <a:rPr lang="sv-SE" dirty="0" smtClean="0"/>
+              <a:rPr lang="sv-SE" dirty="0" smtClean="0">
+                <a:latin typeface="Consolas" panose="020B0609020204030204" pitchFamily="49" charset="0"/>
+                <a:cs typeface="Consolas" panose="020B0609020204030204" pitchFamily="49" charset="0"/>
+              </a:rPr>
               <a:t>}</a:t>
             </a:r>
-            <a:endParaRPr lang="en-GB" dirty="0" smtClean="0"/>
+            <a:endParaRPr lang="en-GB" dirty="0" smtClean="0">
+              <a:latin typeface="Consolas" panose="020B0609020204030204" pitchFamily="49" charset="0"/>
+              <a:cs typeface="Consolas" panose="020B0609020204030204" pitchFamily="49" charset="0"/>
+            </a:endParaRPr>
           </a:p>
         </p:txBody>
       </p:sp>

--- a/SagaMasterClass.pptx
+++ b/SagaMasterClass.pptx
@@ -26217,8 +26217,61 @@
           <a:p>
             <a:r>
               <a:rPr lang="en-GB" dirty="0" smtClean="0"/>
-              <a:t>TBD - Daniel</a:t>
-            </a:r>
+              <a:t>Create a </a:t>
+            </a:r>
+            <a:r>
+              <a:rPr lang="en-GB" dirty="0" err="1" smtClean="0"/>
+              <a:t>ShipOrder</a:t>
+            </a:r>
+            <a:r>
+              <a:rPr lang="en-GB" dirty="0" smtClean="0"/>
+              <a:t> Policy</a:t>
+            </a:r>
+            <a:endParaRPr lang="en-GB" dirty="0" smtClean="0"/>
+          </a:p>
+          <a:p>
+            <a:r>
+              <a:rPr lang="en-GB" dirty="0" smtClean="0"/>
+              <a:t>Create a </a:t>
+            </a:r>
+            <a:r>
+              <a:rPr lang="en-GB" dirty="0" err="1" smtClean="0"/>
+              <a:t>Fedex.Gateway</a:t>
+            </a:r>
+            <a:endParaRPr lang="en-GB" dirty="0" smtClean="0"/>
+          </a:p>
+          <a:p>
+            <a:r>
+              <a:rPr lang="en-GB" dirty="0" smtClean="0"/>
+              <a:t>Create a </a:t>
+            </a:r>
+            <a:r>
+              <a:rPr lang="en-GB" dirty="0" err="1" smtClean="0"/>
+              <a:t>Ups.Gateway</a:t>
+            </a:r>
+            <a:endParaRPr lang="en-GB" dirty="0" smtClean="0"/>
+          </a:p>
+          <a:p>
+            <a:r>
+              <a:rPr lang="en-GB" dirty="0" smtClean="0"/>
+              <a:t>Use the provided </a:t>
+            </a:r>
+            <a:r>
+              <a:rPr lang="en-GB" dirty="0" err="1" smtClean="0"/>
+              <a:t>Fedex.Simulator</a:t>
+            </a:r>
+            <a:r>
+              <a:rPr lang="en-GB" dirty="0" smtClean="0"/>
+              <a:t> </a:t>
+            </a:r>
+            <a:br>
+              <a:rPr lang="en-GB" dirty="0" smtClean="0"/>
+            </a:br>
+            <a:r>
+              <a:rPr lang="en-GB" dirty="0" smtClean="0"/>
+              <a:t>GET http://localhost:8888/fedex/shipit</a:t>
+            </a:r>
+            <a:endParaRPr lang="en-GB" dirty="0" smtClean="0"/>
           </a:p>
         </p:txBody>
       </p:sp>
@@ -26480,7 +26533,11 @@
             </a:r>
             <a:r>
               <a:rPr lang="en-US" dirty="0" smtClean="0"/>
-              <a:t> do returns?</a:t>
+              <a:t> </a:t>
+            </a:r>
+            <a:r>
+              <a:rPr lang="en-US" dirty="0" smtClean="0"/>
+              <a:t>does return?</a:t>
             </a:r>
             <a:endParaRPr lang="en-US" dirty="0"/>
           </a:p>
@@ -39161,10 +39218,6 @@
               </a:rPr>
               <a:t> {</a:t>
             </a:r>
-            <a:endParaRPr lang="en-GB" dirty="0" smtClean="0">
-              <a:latin typeface="Consolas" panose="020B0609020204030204" pitchFamily="49" charset="0"/>
-              <a:cs typeface="Consolas" panose="020B0609020204030204" pitchFamily="49" charset="0"/>
-            </a:endParaRPr>
           </a:p>
           <a:p>
             <a:pPr marL="0" indent="0">

--- a/SagaMasterClass.pptx
+++ b/SagaMasterClass.pptx
@@ -377,7 +377,7 @@
           <a:p>
             <a:fld id="{058A98C1-2963-45B6-8396-F9770A549EA4}" type="datetimeFigureOut">
               <a:rPr lang="sv-SE" smtClean="0"/>
-              <a:t>2015-11-27</a:t>
+              <a:t>2015-11-28</a:t>
             </a:fld>
             <a:endParaRPr lang="sv-SE"/>
           </a:p>
@@ -3991,7 +3991,7 @@
           <a:p>
             <a:fld id="{117CE5AD-8B70-46AB-83FD-10724A794102}" type="datetimeFigureOut">
               <a:rPr lang="sv-SE" smtClean="0"/>
-              <a:t>2015-11-27</a:t>
+              <a:t>2015-11-28</a:t>
             </a:fld>
             <a:endParaRPr lang="sv-SE"/>
           </a:p>
@@ -4161,7 +4161,7 @@
           <a:p>
             <a:fld id="{117CE5AD-8B70-46AB-83FD-10724A794102}" type="datetimeFigureOut">
               <a:rPr lang="sv-SE" smtClean="0"/>
-              <a:t>2015-11-27</a:t>
+              <a:t>2015-11-28</a:t>
             </a:fld>
             <a:endParaRPr lang="sv-SE"/>
           </a:p>
@@ -4341,7 +4341,7 @@
           <a:p>
             <a:fld id="{117CE5AD-8B70-46AB-83FD-10724A794102}" type="datetimeFigureOut">
               <a:rPr lang="sv-SE" smtClean="0"/>
-              <a:t>2015-11-27</a:t>
+              <a:t>2015-11-28</a:t>
             </a:fld>
             <a:endParaRPr lang="sv-SE"/>
           </a:p>
@@ -4511,7 +4511,7 @@
           <a:p>
             <a:fld id="{117CE5AD-8B70-46AB-83FD-10724A794102}" type="datetimeFigureOut">
               <a:rPr lang="sv-SE" smtClean="0"/>
-              <a:t>2015-11-27</a:t>
+              <a:t>2015-11-28</a:t>
             </a:fld>
             <a:endParaRPr lang="sv-SE"/>
           </a:p>
@@ -4757,7 +4757,7 @@
           <a:p>
             <a:fld id="{117CE5AD-8B70-46AB-83FD-10724A794102}" type="datetimeFigureOut">
               <a:rPr lang="sv-SE" smtClean="0"/>
-              <a:t>2015-11-27</a:t>
+              <a:t>2015-11-28</a:t>
             </a:fld>
             <a:endParaRPr lang="sv-SE"/>
           </a:p>
@@ -4989,7 +4989,7 @@
           <a:p>
             <a:fld id="{117CE5AD-8B70-46AB-83FD-10724A794102}" type="datetimeFigureOut">
               <a:rPr lang="sv-SE" smtClean="0"/>
-              <a:t>2015-11-27</a:t>
+              <a:t>2015-11-28</a:t>
             </a:fld>
             <a:endParaRPr lang="sv-SE"/>
           </a:p>
@@ -5356,7 +5356,7 @@
           <a:p>
             <a:fld id="{117CE5AD-8B70-46AB-83FD-10724A794102}" type="datetimeFigureOut">
               <a:rPr lang="sv-SE" smtClean="0"/>
-              <a:t>2015-11-27</a:t>
+              <a:t>2015-11-28</a:t>
             </a:fld>
             <a:endParaRPr lang="sv-SE"/>
           </a:p>
@@ -5474,7 +5474,7 @@
           <a:p>
             <a:fld id="{117CE5AD-8B70-46AB-83FD-10724A794102}" type="datetimeFigureOut">
               <a:rPr lang="sv-SE" smtClean="0"/>
-              <a:t>2015-11-27</a:t>
+              <a:t>2015-11-28</a:t>
             </a:fld>
             <a:endParaRPr lang="sv-SE"/>
           </a:p>
@@ -5569,7 +5569,7 @@
           <a:p>
             <a:fld id="{117CE5AD-8B70-46AB-83FD-10724A794102}" type="datetimeFigureOut">
               <a:rPr lang="sv-SE" smtClean="0"/>
-              <a:t>2015-11-27</a:t>
+              <a:t>2015-11-28</a:t>
             </a:fld>
             <a:endParaRPr lang="sv-SE"/>
           </a:p>
@@ -5846,7 +5846,7 @@
           <a:p>
             <a:fld id="{117CE5AD-8B70-46AB-83FD-10724A794102}" type="datetimeFigureOut">
               <a:rPr lang="sv-SE" smtClean="0"/>
-              <a:t>2015-11-27</a:t>
+              <a:t>2015-11-28</a:t>
             </a:fld>
             <a:endParaRPr lang="sv-SE"/>
           </a:p>
@@ -6099,7 +6099,7 @@
           <a:p>
             <a:fld id="{117CE5AD-8B70-46AB-83FD-10724A794102}" type="datetimeFigureOut">
               <a:rPr lang="sv-SE" smtClean="0"/>
-              <a:t>2015-11-27</a:t>
+              <a:t>2015-11-28</a:t>
             </a:fld>
             <a:endParaRPr lang="sv-SE"/>
           </a:p>
@@ -6312,7 +6312,7 @@
           <a:p>
             <a:fld id="{117CE5AD-8B70-46AB-83FD-10724A794102}" type="datetimeFigureOut">
               <a:rPr lang="sv-SE" smtClean="0"/>
-              <a:t>2015-11-27</a:t>
+              <a:t>2015-11-28</a:t>
             </a:fld>
             <a:endParaRPr lang="sv-SE"/>
           </a:p>
@@ -6773,6 +6773,13 @@
   <p:clrMapOvr>
     <a:masterClrMapping/>
   </p:clrMapOvr>
+  <p:timing>
+    <p:tnLst>
+      <p:par>
+        <p:cTn id="1" dur="indefinite" restart="never" nodeType="tmRoot"/>
+      </p:par>
+    </p:tnLst>
+  </p:timing>
 </p:sld>
 </file>
 
@@ -12497,6 +12504,13 @@
   <p:clrMapOvr>
     <a:masterClrMapping/>
   </p:clrMapOvr>
+  <p:timing>
+    <p:tnLst>
+      <p:par>
+        <p:cTn id="1" dur="indefinite" restart="never" nodeType="tmRoot"/>
+      </p:par>
+    </p:tnLst>
+  </p:timing>
 </p:sld>
 </file>
 
@@ -17454,11 +17468,15 @@
             <a:pPr lvl="1"/>
             <a:r>
               <a:rPr lang="en-GB" dirty="0" err="1" smtClean="0"/>
-              <a:t>Coquin</a:t>
+              <a:t>Cogin</a:t>
             </a:r>
             <a:r>
               <a:rPr lang="en-GB" dirty="0" smtClean="0"/>
-              <a:t> Queue </a:t>
+              <a:t> </a:t>
+            </a:r>
+            <a:r>
+              <a:rPr lang="en-GB" dirty="0" smtClean="0"/>
+              <a:t>Queue </a:t>
             </a:r>
             <a:r>
               <a:rPr lang="en-GB" dirty="0"/>
@@ -17485,6 +17503,13 @@
   <p:clrMapOvr>
     <a:masterClrMapping/>
   </p:clrMapOvr>
+  <p:timing>
+    <p:tnLst>
+      <p:par>
+        <p:cTn id="1" dur="indefinite" restart="never" nodeType="tmRoot"/>
+      </p:par>
+    </p:tnLst>
+  </p:timing>
 </p:sld>
 </file>
 
@@ -26227,7 +26252,6 @@
               <a:rPr lang="en-GB" dirty="0" smtClean="0"/>
               <a:t> Policy</a:t>
             </a:r>
-            <a:endParaRPr lang="en-GB" dirty="0" smtClean="0"/>
           </a:p>
           <a:p>
             <a:r>
@@ -26271,7 +26295,6 @@
               <a:rPr lang="en-GB" dirty="0" smtClean="0"/>
               <a:t>GET http://localhost:8888/fedex/shipit</a:t>
             </a:r>
-            <a:endParaRPr lang="en-GB" dirty="0" smtClean="0"/>
           </a:p>
         </p:txBody>
       </p:sp>
@@ -26390,6 +26413,13 @@
   <p:clrMapOvr>
     <a:masterClrMapping/>
   </p:clrMapOvr>
+  <p:timing>
+    <p:tnLst>
+      <p:par>
+        <p:cTn id="1" dur="indefinite" restart="never" nodeType="tmRoot"/>
+      </p:par>
+    </p:tnLst>
+  </p:timing>
 </p:sld>
 </file>
 
@@ -26533,11 +26563,7 @@
             </a:r>
             <a:r>
               <a:rPr lang="en-US" dirty="0" smtClean="0"/>
-              <a:t> </a:t>
-            </a:r>
-            <a:r>
-              <a:rPr lang="en-US" dirty="0" smtClean="0"/>
-              <a:t>does return?</a:t>
+              <a:t> does return?</a:t>
             </a:r>
             <a:endParaRPr lang="en-US" dirty="0"/>
           </a:p>
@@ -34681,11 +34707,11 @@
   <p:clrMapOvr>
     <a:masterClrMapping/>
   </p:clrMapOvr>
-  <mc:AlternateContent xmlns:mc="http://schemas.openxmlformats.org/markup-compatibility/2006" xmlns:p14="http://schemas.microsoft.com/office/powerpoint/2010/main">
-    <mc:Choice Requires="p14">
+  <mc:AlternateContent xmlns:mc="http://schemas.openxmlformats.org/markup-compatibility/2006">
+    <mc:Choice xmlns:p14="http://schemas.microsoft.com/office/powerpoint/2010/main" Requires="p14">
       <p:transition spd="slow" p14:dur="2000"/>
     </mc:Choice>
-    <mc:Fallback xmlns="">
+    <mc:Fallback>
       <p:transition spd="slow"/>
     </mc:Fallback>
   </mc:AlternateContent>
@@ -34859,11 +34885,11 @@
   <p:clrMapOvr>
     <a:masterClrMapping/>
   </p:clrMapOvr>
-  <mc:AlternateContent xmlns:mc="http://schemas.openxmlformats.org/markup-compatibility/2006" xmlns:p14="http://schemas.microsoft.com/office/powerpoint/2010/main">
-    <mc:Choice Requires="p14">
+  <mc:AlternateContent xmlns:mc="http://schemas.openxmlformats.org/markup-compatibility/2006">
+    <mc:Choice xmlns:p14="http://schemas.microsoft.com/office/powerpoint/2010/main" Requires="p14">
       <p:transition spd="slow" p14:dur="2000"/>
     </mc:Choice>
-    <mc:Fallback xmlns="">
+    <mc:Fallback>
       <p:transition spd="slow"/>
     </mc:Fallback>
   </mc:AlternateContent>
@@ -35226,11 +35252,11 @@
   <p:clrMapOvr>
     <a:masterClrMapping/>
   </p:clrMapOvr>
-  <mc:AlternateContent xmlns:mc="http://schemas.openxmlformats.org/markup-compatibility/2006" xmlns:p14="http://schemas.microsoft.com/office/powerpoint/2010/main">
-    <mc:Choice Requires="p14">
+  <mc:AlternateContent xmlns:mc="http://schemas.openxmlformats.org/markup-compatibility/2006">
+    <mc:Choice xmlns:p14="http://schemas.microsoft.com/office/powerpoint/2010/main" Requires="p14">
       <p:transition spd="slow" p14:dur="2000"/>
     </mc:Choice>
-    <mc:Fallback xmlns="">
+    <mc:Fallback>
       <p:transition spd="slow"/>
     </mc:Fallback>
   </mc:AlternateContent>
@@ -35398,11 +35424,11 @@
   <p:clrMapOvr>
     <a:masterClrMapping/>
   </p:clrMapOvr>
-  <mc:AlternateContent xmlns:mc="http://schemas.openxmlformats.org/markup-compatibility/2006" xmlns:p14="http://schemas.microsoft.com/office/powerpoint/2010/main">
-    <mc:Choice Requires="p14">
+  <mc:AlternateContent xmlns:mc="http://schemas.openxmlformats.org/markup-compatibility/2006">
+    <mc:Choice xmlns:p14="http://schemas.microsoft.com/office/powerpoint/2010/main" Requires="p14">
       <p:transition spd="slow" p14:dur="2000"/>
     </mc:Choice>
-    <mc:Fallback xmlns="">
+    <mc:Fallback>
       <p:transition spd="slow"/>
     </mc:Fallback>
   </mc:AlternateContent>

--- a/SagaMasterClass.pptx
+++ b/SagaMasterClass.pptx
@@ -7052,6 +7052,13 @@
   <p:clrMapOvr>
     <a:masterClrMapping/>
   </p:clrMapOvr>
+  <p:timing>
+    <p:tnLst>
+      <p:par>
+        <p:cTn id="1" dur="indefinite" restart="never" nodeType="tmRoot"/>
+      </p:par>
+    </p:tnLst>
+  </p:timing>
 </p:sld>
 </file>
 
@@ -17099,8 +17106,9 @@
             </a:r>
             <a:r>
               <a:rPr lang="en-GB" dirty="0" smtClean="0"/>
-              <a:t>usually</a:t>
-            </a:r>
+              <a:t>usually)</a:t>
+            </a:r>
+            <a:endParaRPr lang="en-GB" dirty="0" smtClean="0"/>
           </a:p>
           <a:p>
             <a:r>

--- a/SagaMasterClass.pptx
+++ b/SagaMasterClass.pptx
@@ -293,6 +293,263 @@
     </p:ext>
   </p:extLst>
 </p:presentation>
+</file>
+
+<file path=ppt/commentAuthors.xml><?xml version="1.0" encoding="utf-8"?>
+<p:cmAuthorLst xmlns:a="http://schemas.openxmlformats.org/drawingml/2006/main" xmlns:r="http://schemas.openxmlformats.org/officeDocument/2006/relationships" xmlns:p="http://schemas.openxmlformats.org/presentationml/2006/main">
+  <p:cmAuthor id="7" name="David Boike" initials="djb [7]" lastIdx="1" clrIdx="6">
+    <p:extLst>
+      <p:ext uri="{19B8F6BF-5375-455C-9EA6-DF929625EA0E}">
+        <p15:presenceInfo xmlns:p15="http://schemas.microsoft.com/office/powerpoint/2012/main" userId="" providerId=""/>
+      </p:ext>
+    </p:extLst>
+  </p:cmAuthor>
+  <p:cmAuthor id="1" name="David Boike" initials="djb" lastIdx="1" clrIdx="0">
+    <p:extLst>
+      <p:ext uri="{19B8F6BF-5375-455C-9EA6-DF929625EA0E}">
+        <p15:presenceInfo xmlns:p15="http://schemas.microsoft.com/office/powerpoint/2012/main" userId="" providerId=""/>
+      </p:ext>
+    </p:extLst>
+  </p:cmAuthor>
+  <p:cmAuthor id="8" name="David Boike" initials="djb [8]" lastIdx="1" clrIdx="7">
+    <p:extLst>
+      <p:ext uri="{19B8F6BF-5375-455C-9EA6-DF929625EA0E}">
+        <p15:presenceInfo xmlns:p15="http://schemas.microsoft.com/office/powerpoint/2012/main" userId="" providerId=""/>
+      </p:ext>
+    </p:extLst>
+  </p:cmAuthor>
+  <p:cmAuthor id="2" name="David Boike" initials="djb [2]" lastIdx="1" clrIdx="1">
+    <p:extLst>
+      <p:ext uri="{19B8F6BF-5375-455C-9EA6-DF929625EA0E}">
+        <p15:presenceInfo xmlns:p15="http://schemas.microsoft.com/office/powerpoint/2012/main" userId="" providerId=""/>
+      </p:ext>
+    </p:extLst>
+  </p:cmAuthor>
+  <p:cmAuthor id="9" name="David Boike" initials="djb [9]" lastIdx="1" clrIdx="8">
+    <p:extLst>
+      <p:ext uri="{19B8F6BF-5375-455C-9EA6-DF929625EA0E}">
+        <p15:presenceInfo xmlns:p15="http://schemas.microsoft.com/office/powerpoint/2012/main" userId="" providerId=""/>
+      </p:ext>
+    </p:extLst>
+  </p:cmAuthor>
+  <p:cmAuthor id="3" name="David Boike" initials="djb [3]" lastIdx="1" clrIdx="2">
+    <p:extLst>
+      <p:ext uri="{19B8F6BF-5375-455C-9EA6-DF929625EA0E}">
+        <p15:presenceInfo xmlns:p15="http://schemas.microsoft.com/office/powerpoint/2012/main" userId="" providerId=""/>
+      </p:ext>
+    </p:extLst>
+  </p:cmAuthor>
+  <p:cmAuthor id="10" name="David Boike" initials="djb [10]" lastIdx="1" clrIdx="9">
+    <p:extLst>
+      <p:ext uri="{19B8F6BF-5375-455C-9EA6-DF929625EA0E}">
+        <p15:presenceInfo xmlns:p15="http://schemas.microsoft.com/office/powerpoint/2012/main" userId="" providerId=""/>
+      </p:ext>
+    </p:extLst>
+  </p:cmAuthor>
+  <p:cmAuthor id="4" name="David Boike" initials="djb [4]" lastIdx="1" clrIdx="3">
+    <p:extLst>
+      <p:ext uri="{19B8F6BF-5375-455C-9EA6-DF929625EA0E}">
+        <p15:presenceInfo xmlns:p15="http://schemas.microsoft.com/office/powerpoint/2012/main" userId="" providerId=""/>
+      </p:ext>
+    </p:extLst>
+  </p:cmAuthor>
+  <p:cmAuthor id="11" name="David Boike" initials="djb [11]" lastIdx="1" clrIdx="10">
+    <p:extLst>
+      <p:ext uri="{19B8F6BF-5375-455C-9EA6-DF929625EA0E}">
+        <p15:presenceInfo xmlns:p15="http://schemas.microsoft.com/office/powerpoint/2012/main" userId="" providerId=""/>
+      </p:ext>
+    </p:extLst>
+  </p:cmAuthor>
+  <p:cmAuthor id="5" name="David Boike" initials="djb [5]" lastIdx="1" clrIdx="4">
+    <p:extLst>
+      <p:ext uri="{19B8F6BF-5375-455C-9EA6-DF929625EA0E}">
+        <p15:presenceInfo xmlns:p15="http://schemas.microsoft.com/office/powerpoint/2012/main" userId="" providerId=""/>
+      </p:ext>
+    </p:extLst>
+  </p:cmAuthor>
+  <p:cmAuthor id="12" name="David Boike" initials="djb [12]" lastIdx="1" clrIdx="11">
+    <p:extLst>
+      <p:ext uri="{19B8F6BF-5375-455C-9EA6-DF929625EA0E}">
+        <p15:presenceInfo xmlns:p15="http://schemas.microsoft.com/office/powerpoint/2012/main" userId="" providerId=""/>
+      </p:ext>
+    </p:extLst>
+  </p:cmAuthor>
+  <p:cmAuthor id="6" name="David Boike" initials="djb [6]" lastIdx="1" clrIdx="5">
+    <p:extLst>
+      <p:ext uri="{19B8F6BF-5375-455C-9EA6-DF929625EA0E}">
+        <p15:presenceInfo xmlns:p15="http://schemas.microsoft.com/office/powerpoint/2012/main" userId="" providerId=""/>
+      </p:ext>
+    </p:extLst>
+  </p:cmAuthor>
+</p:cmAuthorLst>
+</file>
+
+<file path=ppt/comments/comment1.xml><?xml version="1.0" encoding="utf-8"?>
+<p:cmLst xmlns:a="http://schemas.openxmlformats.org/drawingml/2006/main" xmlns:r="http://schemas.openxmlformats.org/officeDocument/2006/relationships" xmlns:p="http://schemas.openxmlformats.org/presentationml/2006/main">
+  <p:cm authorId="1" dt="2015-11-28T22:00:30.722" idx="1">
+    <p:pos x="2864" y="1175"/>
+    <p:text>Picture needed</p:text>
+    <p:extLst>
+      <p:ext uri="{C676402C-5697-4E1C-873F-D02D1690AC5C}">
+        <p15:threadingInfo xmlns:p15="http://schemas.microsoft.com/office/powerpoint/2012/main" timeZoneBias="360"/>
+      </p:ext>
+    </p:extLst>
+  </p:cm>
+</p:cmLst>
+</file>
+
+<file path=ppt/comments/comment10.xml><?xml version="1.0" encoding="utf-8"?>
+<p:cmLst xmlns:a="http://schemas.openxmlformats.org/drawingml/2006/main" xmlns:r="http://schemas.openxmlformats.org/officeDocument/2006/relationships" xmlns:p="http://schemas.openxmlformats.org/presentationml/2006/main">
+  <p:cm authorId="10" dt="2015-11-28T22:20:12.652" idx="1">
+    <p:pos x="3456" y="2803"/>
+    <p:text>You mean the running total is only valid for 20 seconds? That could be quick to test.</p:text>
+    <p:extLst>
+      <p:ext uri="{C676402C-5697-4E1C-873F-D02D1690AC5C}">
+        <p15:threadingInfo xmlns:p15="http://schemas.microsoft.com/office/powerpoint/2012/main" timeZoneBias="360"/>
+      </p:ext>
+    </p:extLst>
+  </p:cm>
+</p:cmLst>
+</file>
+
+<file path=ppt/comments/comment11.xml><?xml version="1.0" encoding="utf-8"?>
+<p:cmLst xmlns:a="http://schemas.openxmlformats.org/drawingml/2006/main" xmlns:r="http://schemas.openxmlformats.org/officeDocument/2006/relationships" xmlns:p="http://schemas.openxmlformats.org/presentationml/2006/main">
+  <p:cm authorId="11" dt="2015-11-28T22:20:58.104" idx="1">
+    <p:pos x="10" y="10"/>
+    <p:text>Code missing</p:text>
+    <p:extLst>
+      <p:ext uri="{C676402C-5697-4E1C-873F-D02D1690AC5C}">
+        <p15:threadingInfo xmlns:p15="http://schemas.microsoft.com/office/powerpoint/2012/main" timeZoneBias="360"/>
+      </p:ext>
+    </p:extLst>
+  </p:cm>
+</p:cmLst>
+</file>
+
+<file path=ppt/comments/comment12.xml><?xml version="1.0" encoding="utf-8"?>
+<p:cmLst xmlns:a="http://schemas.openxmlformats.org/drawingml/2006/main" xmlns:r="http://schemas.openxmlformats.org/officeDocument/2006/relationships" xmlns:p="http://schemas.openxmlformats.org/presentationml/2006/main">
+  <p:cm authorId="12" dt="2015-11-28T22:24:07.803" idx="1">
+    <p:pos x="10" y="10"/>
+    <p:text>Buyers Remorse Exercise still TBD</p:text>
+    <p:extLst>
+      <p:ext uri="{C676402C-5697-4E1C-873F-D02D1690AC5C}">
+        <p15:threadingInfo xmlns:p15="http://schemas.microsoft.com/office/powerpoint/2012/main" timeZoneBias="360"/>
+      </p:ext>
+    </p:extLst>
+  </p:cm>
+</p:cmLst>
+</file>
+
+<file path=ppt/comments/comment2.xml><?xml version="1.0" encoding="utf-8"?>
+<p:cmLst xmlns:a="http://schemas.openxmlformats.org/drawingml/2006/main" xmlns:r="http://schemas.openxmlformats.org/officeDocument/2006/relationships" xmlns:p="http://schemas.openxmlformats.org/presentationml/2006/main">
+  <p:cm authorId="2" dt="2015-11-28T22:01:00.322" idx="1">
+    <p:pos x="4231" y="2629"/>
+    <p:text>Daniel bytearray timestamp trick?</p:text>
+    <p:extLst>
+      <p:ext uri="{C676402C-5697-4E1C-873F-D02D1690AC5C}">
+        <p15:threadingInfo xmlns:p15="http://schemas.microsoft.com/office/powerpoint/2012/main" timeZoneBias="360"/>
+      </p:ext>
+    </p:extLst>
+  </p:cm>
+</p:cmLst>
+</file>
+
+<file path=ppt/comments/comment3.xml><?xml version="1.0" encoding="utf-8"?>
+<p:cmLst xmlns:a="http://schemas.openxmlformats.org/drawingml/2006/main" xmlns:r="http://schemas.openxmlformats.org/officeDocument/2006/relationships" xmlns:p="http://schemas.openxmlformats.org/presentationml/2006/main">
+  <p:cm authorId="3" dt="2015-11-28T22:02:07.394" idx="1">
+    <p:pos x="3927" y="1917"/>
+    <p:text>This slide is about NHibernate. Why is it mentioning RavenDB? Should there be a RavenDB slide?</p:text>
+    <p:extLst>
+      <p:ext uri="{C676402C-5697-4E1C-873F-D02D1690AC5C}">
+        <p15:threadingInfo xmlns:p15="http://schemas.microsoft.com/office/powerpoint/2012/main" timeZoneBias="360"/>
+      </p:ext>
+    </p:extLst>
+  </p:cm>
+</p:cmLst>
+</file>
+
+<file path=ppt/comments/comment4.xml><?xml version="1.0" encoding="utf-8"?>
+<p:cmLst xmlns:a="http://schemas.openxmlformats.org/drawingml/2006/main" xmlns:r="http://schemas.openxmlformats.org/officeDocument/2006/relationships" xmlns:p="http://schemas.openxmlformats.org/presentationml/2006/main">
+  <p:cm authorId="4" dt="2015-11-28T22:02:37.166" idx="1">
+    <p:pos x="2786" y="1173"/>
+    <p:text>Storage mechanics diagram needed</p:text>
+    <p:extLst>
+      <p:ext uri="{C676402C-5697-4E1C-873F-D02D1690AC5C}">
+        <p15:threadingInfo xmlns:p15="http://schemas.microsoft.com/office/powerpoint/2012/main" timeZoneBias="360"/>
+      </p:ext>
+    </p:extLst>
+  </p:cm>
+</p:cmLst>
+</file>
+
+<file path=ppt/comments/comment5.xml><?xml version="1.0" encoding="utf-8"?>
+<p:cmLst xmlns:a="http://schemas.openxmlformats.org/drawingml/2006/main" xmlns:r="http://schemas.openxmlformats.org/officeDocument/2006/relationships" xmlns:p="http://schemas.openxmlformats.org/presentationml/2006/main">
+  <p:cm authorId="5" dt="2015-11-28T22:06:52.015" idx="1">
+    <p:pos x="3142" y="1382"/>
+    <p:text>between?</p:text>
+    <p:extLst>
+      <p:ext uri="{C676402C-5697-4E1C-873F-D02D1690AC5C}">
+        <p15:threadingInfo xmlns:p15="http://schemas.microsoft.com/office/powerpoint/2012/main" timeZoneBias="360"/>
+      </p:ext>
+    </p:extLst>
+  </p:cm>
+</p:cmLst>
+</file>
+
+<file path=ppt/comments/comment6.xml><?xml version="1.0" encoding="utf-8"?>
+<p:cmLst xmlns:a="http://schemas.openxmlformats.org/drawingml/2006/main" xmlns:r="http://schemas.openxmlformats.org/officeDocument/2006/relationships" xmlns:p="http://schemas.openxmlformats.org/presentationml/2006/main">
+  <p:cm authorId="6" dt="2015-11-28T22:08:07.600" idx="1">
+    <p:pos x="10" y="10"/>
+    <p:text>Yellow highlight for me is on "ing SomeS" and "ate.SomeS" ... Is this just because I'm using PowerPoint for Mac?</p:text>
+    <p:extLst>
+      <p:ext uri="{C676402C-5697-4E1C-873F-D02D1690AC5C}">
+        <p15:threadingInfo xmlns:p15="http://schemas.microsoft.com/office/powerpoint/2012/main" timeZoneBias="360"/>
+      </p:ext>
+    </p:extLst>
+  </p:cm>
+</p:cmLst>
+</file>
+
+<file path=ppt/comments/comment7.xml><?xml version="1.0" encoding="utf-8"?>
+<p:cmLst xmlns:a="http://schemas.openxmlformats.org/drawingml/2006/main" xmlns:r="http://schemas.openxmlformats.org/officeDocument/2006/relationships" xmlns:p="http://schemas.openxmlformats.org/presentationml/2006/main">
+  <p:cm authorId="7" dt="2015-11-28T22:11:22.325" idx="1">
+    <p:pos x="10" y="10"/>
+    <p:text>UPS gateway and UPS logo missing?</p:text>
+    <p:extLst>
+      <p:ext uri="{C676402C-5697-4E1C-873F-D02D1690AC5C}">
+        <p15:threadingInfo xmlns:p15="http://schemas.microsoft.com/office/powerpoint/2012/main" timeZoneBias="360"/>
+      </p:ext>
+    </p:extLst>
+  </p:cm>
+</p:cmLst>
+</file>
+
+<file path=ppt/comments/comment8.xml><?xml version="1.0" encoding="utf-8"?>
+<p:cmLst xmlns:a="http://schemas.openxmlformats.org/drawingml/2006/main" xmlns:r="http://schemas.openxmlformats.org/officeDocument/2006/relationships" xmlns:p="http://schemas.openxmlformats.org/presentationml/2006/main">
+  <p:cm authorId="8" dt="2015-11-28T22:12:58.581" idx="1">
+    <p:pos x="10" y="10"/>
+    <p:text>The text here looks like an absolute mess for me.</p:text>
+    <p:extLst>
+      <p:ext uri="{C676402C-5697-4E1C-873F-D02D1690AC5C}">
+        <p15:threadingInfo xmlns:p15="http://schemas.microsoft.com/office/powerpoint/2012/main" timeZoneBias="360"/>
+      </p:ext>
+    </p:extLst>
+  </p:cm>
+</p:cmLst>
+</file>
+
+<file path=ppt/comments/comment9.xml><?xml version="1.0" encoding="utf-8"?>
+<p:cmLst xmlns:a="http://schemas.openxmlformats.org/drawingml/2006/main" xmlns:r="http://schemas.openxmlformats.org/officeDocument/2006/relationships" xmlns:p="http://schemas.openxmlformats.org/presentationml/2006/main">
+  <p:cm authorId="9" dt="2015-11-28T22:14:10.089" idx="1">
+    <p:pos x="10" y="10"/>
+    <p:text>A bit lost on this slide. And notes in German?</p:text>
+    <p:extLst>
+      <p:ext uri="{C676402C-5697-4E1C-873F-D02D1690AC5C}">
+        <p15:threadingInfo xmlns:p15="http://schemas.microsoft.com/office/powerpoint/2012/main" timeZoneBias="360"/>
+      </p:ext>
+    </p:extLst>
+  </p:cm>
+</p:cmLst>
 </file>
 
 <file path=ppt/notesMasters/notesMaster1.xml><?xml version="1.0" encoding="utf-8"?>
@@ -17108,7 +17365,6 @@
               <a:rPr lang="en-GB" dirty="0" smtClean="0"/>
               <a:t>usually)</a:t>
             </a:r>
-            <a:endParaRPr lang="en-GB" dirty="0" smtClean="0"/>
           </a:p>
           <a:p>
             <a:r>
@@ -17480,11 +17736,7 @@
             </a:r>
             <a:r>
               <a:rPr lang="en-GB" dirty="0" smtClean="0"/>
-              <a:t> </a:t>
-            </a:r>
-            <a:r>
-              <a:rPr lang="en-GB" dirty="0" smtClean="0"/>
-              <a:t>Queue </a:t>
+              <a:t> Queue </a:t>
             </a:r>
             <a:r>
               <a:rPr lang="en-GB" dirty="0"/>
@@ -17757,6 +18009,13 @@
   <p:clrMapOvr>
     <a:masterClrMapping/>
   </p:clrMapOvr>
+  <p:timing>
+    <p:tnLst>
+      <p:par>
+        <p:cTn id="1" dur="indefinite" restart="never" nodeType="tmRoot"/>
+      </p:par>
+    </p:tnLst>
+  </p:timing>
 </p:sld>
 </file>
 
@@ -18214,7 +18473,15 @@
           <a:p>
             <a:r>
               <a:rPr lang="en-GB" dirty="0" smtClean="0"/>
-              <a:t>Dealing with non transactional resources</a:t>
+              <a:t>Dealing with </a:t>
+            </a:r>
+            <a:r>
+              <a:rPr lang="en-GB" dirty="0" smtClean="0"/>
+              <a:t>non-transactional </a:t>
+            </a:r>
+            <a:r>
+              <a:rPr lang="en-GB" dirty="0" smtClean="0"/>
+              <a:t>resources</a:t>
             </a:r>
             <a:endParaRPr lang="sv-SE" dirty="0"/>
           </a:p>
@@ -29845,6 +30112,13 @@
   <p:clrMapOvr>
     <a:masterClrMapping/>
   </p:clrMapOvr>
+  <p:timing>
+    <p:tnLst>
+      <p:par>
+        <p:cTn id="1" dur="indefinite" restart="never" nodeType="tmRoot"/>
+      </p:par>
+    </p:tnLst>
+  </p:timing>
 </p:sld>
 </file>
 
@@ -35453,6 +35727,14 @@
 <file path=ppt/slides/slide58.xml><?xml version="1.0" encoding="utf-8"?>
 <p:sld xmlns:a="http://schemas.openxmlformats.org/drawingml/2006/main" xmlns:r="http://schemas.openxmlformats.org/officeDocument/2006/relationships" xmlns:p="http://schemas.openxmlformats.org/presentationml/2006/main">
   <p:cSld>
+    <p:bg>
+      <p:bgPr>
+        <a:solidFill>
+          <a:schemeClr val="tx1"/>
+        </a:solidFill>
+        <a:effectLst/>
+      </p:bgPr>
+    </p:bg>
     <p:spTree>
       <p:nvGrpSpPr>
         <p:cNvPr id="1" name=""/>
@@ -36554,6 +36836,14 @@
 <file path=ppt/slides/slide59.xml><?xml version="1.0" encoding="utf-8"?>
 <p:sld xmlns:a="http://schemas.openxmlformats.org/drawingml/2006/main" xmlns:r="http://schemas.openxmlformats.org/officeDocument/2006/relationships" xmlns:p="http://schemas.openxmlformats.org/presentationml/2006/main">
   <p:cSld>
+    <p:bg>
+      <p:bgPr>
+        <a:solidFill>
+          <a:schemeClr val="tx1"/>
+        </a:solidFill>
+        <a:effectLst/>
+      </p:bgPr>
+    </p:bg>
     <p:spTree>
       <p:nvGrpSpPr>
         <p:cNvPr id="1" name=""/>
@@ -36904,6 +37194,14 @@
 <file path=ppt/slides/slide60.xml><?xml version="1.0" encoding="utf-8"?>
 <p:sld xmlns:a="http://schemas.openxmlformats.org/drawingml/2006/main" xmlns:r="http://schemas.openxmlformats.org/officeDocument/2006/relationships" xmlns:p="http://schemas.openxmlformats.org/presentationml/2006/main">
   <p:cSld>
+    <p:bg>
+      <p:bgPr>
+        <a:solidFill>
+          <a:schemeClr val="tx1"/>
+        </a:solidFill>
+        <a:effectLst/>
+      </p:bgPr>
+    </p:bg>
     <p:spTree>
       <p:nvGrpSpPr>
         <p:cNvPr id="1" name=""/>
@@ -37066,6 +37364,14 @@
 <file path=ppt/slides/slide61.xml><?xml version="1.0" encoding="utf-8"?>
 <p:sld xmlns:a="http://schemas.openxmlformats.org/drawingml/2006/main" xmlns:r="http://schemas.openxmlformats.org/officeDocument/2006/relationships" xmlns:p="http://schemas.openxmlformats.org/presentationml/2006/main">
   <p:cSld>
+    <p:bg>
+      <p:bgPr>
+        <a:solidFill>
+          <a:schemeClr val="tx1"/>
+        </a:solidFill>
+        <a:effectLst/>
+      </p:bgPr>
+    </p:bg>
     <p:spTree>
       <p:nvGrpSpPr>
         <p:cNvPr id="1" name=""/>
@@ -38431,7 +38737,15 @@
             <a:pPr lvl="1"/>
             <a:r>
               <a:rPr lang="en-GB" dirty="0" smtClean="0"/>
-              <a:t>Customers with a running total above 5000$ is considered preferred</a:t>
+              <a:t>Customers with a running total above </a:t>
+            </a:r>
+            <a:r>
+              <a:rPr lang="en-GB" dirty="0" smtClean="0"/>
+              <a:t>$5000 </a:t>
+            </a:r>
+            <a:r>
+              <a:rPr lang="en-GB" dirty="0" smtClean="0"/>
+              <a:t>is considered preferred</a:t>
             </a:r>
           </a:p>
           <a:p>
@@ -38445,13 +38759,8 @@
             </a:r>
             <a:r>
               <a:rPr lang="en-GB" dirty="0" smtClean="0"/>
-              <a:t> {amount}` in the shop application </a:t>
-            </a:r>
-            <a:r>
-              <a:rPr lang="en-GB" smtClean="0"/>
-              <a:t>to test</a:t>
-            </a:r>
-            <a:endParaRPr lang="en-GB" dirty="0" smtClean="0"/>
+              <a:t> {amount}` in the shop application to test</a:t>
+            </a:r>
           </a:p>
           <a:p>
             <a:endParaRPr lang="en-GB" dirty="0" smtClean="0"/>

--- a/SagaMasterClass.pptx
+++ b/SagaMasterClass.pptx
@@ -297,87 +297,46 @@
 
 <file path=ppt/commentAuthors.xml><?xml version="1.0" encoding="utf-8"?>
 <p:cmAuthorLst xmlns:a="http://schemas.openxmlformats.org/drawingml/2006/main" xmlns:r="http://schemas.openxmlformats.org/officeDocument/2006/relationships" xmlns:p="http://schemas.openxmlformats.org/presentationml/2006/main">
+  <p:cmAuthor id="1" name="David Boike" initials="djb" lastIdx="1" clrIdx="0">
+    <p:extLst/>
+  </p:cmAuthor>
+  <p:cmAuthor id="2" name="David Boike" initials="djb [2]" lastIdx="1" clrIdx="1">
+    <p:extLst/>
+  </p:cmAuthor>
+  <p:cmAuthor id="3" name="David Boike" initials="djb [3]" lastIdx="1" clrIdx="2">
+    <p:extLst/>
+  </p:cmAuthor>
+  <p:cmAuthor id="4" name="David Boike" initials="djb [4]" lastIdx="1" clrIdx="3">
+    <p:extLst/>
+  </p:cmAuthor>
+  <p:cmAuthor id="5" name="David Boike" initials="djb [5]" lastIdx="1" clrIdx="4">
+    <p:extLst/>
+  </p:cmAuthor>
+  <p:cmAuthor id="6" name="David Boike" initials="djb [6]" lastIdx="1" clrIdx="5">
+    <p:extLst/>
+  </p:cmAuthor>
   <p:cmAuthor id="7" name="David Boike" initials="djb [7]" lastIdx="1" clrIdx="6">
+    <p:extLst/>
+  </p:cmAuthor>
+  <p:cmAuthor id="8" name="David Boike" initials="djb [8]" lastIdx="1" clrIdx="7">
+    <p:extLst/>
+  </p:cmAuthor>
+  <p:cmAuthor id="9" name="David Boike" initials="djb [9]" lastIdx="1" clrIdx="8">
+    <p:extLst/>
+  </p:cmAuthor>
+  <p:cmAuthor id="10" name="David Boike" initials="djb [10]" lastIdx="1" clrIdx="9">
+    <p:extLst/>
+  </p:cmAuthor>
+  <p:cmAuthor id="11" name="David Boike" initials="djb [11]" lastIdx="1" clrIdx="10">
+    <p:extLst/>
+  </p:cmAuthor>
+  <p:cmAuthor id="12" name="David Boike" initials="djb [12]" lastIdx="1" clrIdx="11">
+    <p:extLst/>
+  </p:cmAuthor>
+  <p:cmAuthor id="13" name="andreas.ohlund" initials="a" lastIdx="5" clrIdx="12">
     <p:extLst>
       <p:ext uri="{19B8F6BF-5375-455C-9EA6-DF929625EA0E}">
-        <p15:presenceInfo xmlns:p15="http://schemas.microsoft.com/office/powerpoint/2012/main" userId="" providerId=""/>
-      </p:ext>
-    </p:extLst>
-  </p:cmAuthor>
-  <p:cmAuthor id="1" name="David Boike" initials="djb" lastIdx="1" clrIdx="0">
-    <p:extLst>
-      <p:ext uri="{19B8F6BF-5375-455C-9EA6-DF929625EA0E}">
-        <p15:presenceInfo xmlns:p15="http://schemas.microsoft.com/office/powerpoint/2012/main" userId="" providerId=""/>
-      </p:ext>
-    </p:extLst>
-  </p:cmAuthor>
-  <p:cmAuthor id="8" name="David Boike" initials="djb [8]" lastIdx="1" clrIdx="7">
-    <p:extLst>
-      <p:ext uri="{19B8F6BF-5375-455C-9EA6-DF929625EA0E}">
-        <p15:presenceInfo xmlns:p15="http://schemas.microsoft.com/office/powerpoint/2012/main" userId="" providerId=""/>
-      </p:ext>
-    </p:extLst>
-  </p:cmAuthor>
-  <p:cmAuthor id="2" name="David Boike" initials="djb [2]" lastIdx="1" clrIdx="1">
-    <p:extLst>
-      <p:ext uri="{19B8F6BF-5375-455C-9EA6-DF929625EA0E}">
-        <p15:presenceInfo xmlns:p15="http://schemas.microsoft.com/office/powerpoint/2012/main" userId="" providerId=""/>
-      </p:ext>
-    </p:extLst>
-  </p:cmAuthor>
-  <p:cmAuthor id="9" name="David Boike" initials="djb [9]" lastIdx="1" clrIdx="8">
-    <p:extLst>
-      <p:ext uri="{19B8F6BF-5375-455C-9EA6-DF929625EA0E}">
-        <p15:presenceInfo xmlns:p15="http://schemas.microsoft.com/office/powerpoint/2012/main" userId="" providerId=""/>
-      </p:ext>
-    </p:extLst>
-  </p:cmAuthor>
-  <p:cmAuthor id="3" name="David Boike" initials="djb [3]" lastIdx="1" clrIdx="2">
-    <p:extLst>
-      <p:ext uri="{19B8F6BF-5375-455C-9EA6-DF929625EA0E}">
-        <p15:presenceInfo xmlns:p15="http://schemas.microsoft.com/office/powerpoint/2012/main" userId="" providerId=""/>
-      </p:ext>
-    </p:extLst>
-  </p:cmAuthor>
-  <p:cmAuthor id="10" name="David Boike" initials="djb [10]" lastIdx="1" clrIdx="9">
-    <p:extLst>
-      <p:ext uri="{19B8F6BF-5375-455C-9EA6-DF929625EA0E}">
-        <p15:presenceInfo xmlns:p15="http://schemas.microsoft.com/office/powerpoint/2012/main" userId="" providerId=""/>
-      </p:ext>
-    </p:extLst>
-  </p:cmAuthor>
-  <p:cmAuthor id="4" name="David Boike" initials="djb [4]" lastIdx="1" clrIdx="3">
-    <p:extLst>
-      <p:ext uri="{19B8F6BF-5375-455C-9EA6-DF929625EA0E}">
-        <p15:presenceInfo xmlns:p15="http://schemas.microsoft.com/office/powerpoint/2012/main" userId="" providerId=""/>
-      </p:ext>
-    </p:extLst>
-  </p:cmAuthor>
-  <p:cmAuthor id="11" name="David Boike" initials="djb [11]" lastIdx="1" clrIdx="10">
-    <p:extLst>
-      <p:ext uri="{19B8F6BF-5375-455C-9EA6-DF929625EA0E}">
-        <p15:presenceInfo xmlns:p15="http://schemas.microsoft.com/office/powerpoint/2012/main" userId="" providerId=""/>
-      </p:ext>
-    </p:extLst>
-  </p:cmAuthor>
-  <p:cmAuthor id="5" name="David Boike" initials="djb [5]" lastIdx="1" clrIdx="4">
-    <p:extLst>
-      <p:ext uri="{19B8F6BF-5375-455C-9EA6-DF929625EA0E}">
-        <p15:presenceInfo xmlns:p15="http://schemas.microsoft.com/office/powerpoint/2012/main" userId="" providerId=""/>
-      </p:ext>
-    </p:extLst>
-  </p:cmAuthor>
-  <p:cmAuthor id="12" name="David Boike" initials="djb [12]" lastIdx="1" clrIdx="11">
-    <p:extLst>
-      <p:ext uri="{19B8F6BF-5375-455C-9EA6-DF929625EA0E}">
-        <p15:presenceInfo xmlns:p15="http://schemas.microsoft.com/office/powerpoint/2012/main" userId="" providerId=""/>
-      </p:ext>
-    </p:extLst>
-  </p:cmAuthor>
-  <p:cmAuthor id="6" name="David Boike" initials="djb [6]" lastIdx="1" clrIdx="5">
-    <p:extLst>
-      <p:ext uri="{19B8F6BF-5375-455C-9EA6-DF929625EA0E}">
-        <p15:presenceInfo xmlns:p15="http://schemas.microsoft.com/office/powerpoint/2012/main" userId="" providerId=""/>
+        <p15:presenceInfo xmlns:p15="http://schemas.microsoft.com/office/powerpoint/2012/main" userId="andreas.ohlund" providerId="None"/>
       </p:ext>
     </p:extLst>
   </p:cmAuthor>
@@ -385,62 +344,6 @@
 </file>
 
 <file path=ppt/comments/comment1.xml><?xml version="1.0" encoding="utf-8"?>
-<p:cmLst xmlns:a="http://schemas.openxmlformats.org/drawingml/2006/main" xmlns:r="http://schemas.openxmlformats.org/officeDocument/2006/relationships" xmlns:p="http://schemas.openxmlformats.org/presentationml/2006/main">
-  <p:cm authorId="1" dt="2015-11-28T22:00:30.722" idx="1">
-    <p:pos x="2864" y="1175"/>
-    <p:text>Picture needed</p:text>
-    <p:extLst>
-      <p:ext uri="{C676402C-5697-4E1C-873F-D02D1690AC5C}">
-        <p15:threadingInfo xmlns:p15="http://schemas.microsoft.com/office/powerpoint/2012/main" timeZoneBias="360"/>
-      </p:ext>
-    </p:extLst>
-  </p:cm>
-</p:cmLst>
-</file>
-
-<file path=ppt/comments/comment10.xml><?xml version="1.0" encoding="utf-8"?>
-<p:cmLst xmlns:a="http://schemas.openxmlformats.org/drawingml/2006/main" xmlns:r="http://schemas.openxmlformats.org/officeDocument/2006/relationships" xmlns:p="http://schemas.openxmlformats.org/presentationml/2006/main">
-  <p:cm authorId="10" dt="2015-11-28T22:20:12.652" idx="1">
-    <p:pos x="3456" y="2803"/>
-    <p:text>You mean the running total is only valid for 20 seconds? That could be quick to test.</p:text>
-    <p:extLst>
-      <p:ext uri="{C676402C-5697-4E1C-873F-D02D1690AC5C}">
-        <p15:threadingInfo xmlns:p15="http://schemas.microsoft.com/office/powerpoint/2012/main" timeZoneBias="360"/>
-      </p:ext>
-    </p:extLst>
-  </p:cm>
-</p:cmLst>
-</file>
-
-<file path=ppt/comments/comment11.xml><?xml version="1.0" encoding="utf-8"?>
-<p:cmLst xmlns:a="http://schemas.openxmlformats.org/drawingml/2006/main" xmlns:r="http://schemas.openxmlformats.org/officeDocument/2006/relationships" xmlns:p="http://schemas.openxmlformats.org/presentationml/2006/main">
-  <p:cm authorId="11" dt="2015-11-28T22:20:58.104" idx="1">
-    <p:pos x="10" y="10"/>
-    <p:text>Code missing</p:text>
-    <p:extLst>
-      <p:ext uri="{C676402C-5697-4E1C-873F-D02D1690AC5C}">
-        <p15:threadingInfo xmlns:p15="http://schemas.microsoft.com/office/powerpoint/2012/main" timeZoneBias="360"/>
-      </p:ext>
-    </p:extLst>
-  </p:cm>
-</p:cmLst>
-</file>
-
-<file path=ppt/comments/comment12.xml><?xml version="1.0" encoding="utf-8"?>
-<p:cmLst xmlns:a="http://schemas.openxmlformats.org/drawingml/2006/main" xmlns:r="http://schemas.openxmlformats.org/officeDocument/2006/relationships" xmlns:p="http://schemas.openxmlformats.org/presentationml/2006/main">
-  <p:cm authorId="12" dt="2015-11-28T22:24:07.803" idx="1">
-    <p:pos x="10" y="10"/>
-    <p:text>Buyers Remorse Exercise still TBD</p:text>
-    <p:extLst>
-      <p:ext uri="{C676402C-5697-4E1C-873F-D02D1690AC5C}">
-        <p15:threadingInfo xmlns:p15="http://schemas.microsoft.com/office/powerpoint/2012/main" timeZoneBias="360"/>
-      </p:ext>
-    </p:extLst>
-  </p:cm>
-</p:cmLst>
-</file>
-
-<file path=ppt/comments/comment2.xml><?xml version="1.0" encoding="utf-8"?>
 <p:cmLst xmlns:a="http://schemas.openxmlformats.org/drawingml/2006/main" xmlns:r="http://schemas.openxmlformats.org/officeDocument/2006/relationships" xmlns:p="http://schemas.openxmlformats.org/presentationml/2006/main">
   <p:cm authorId="2" dt="2015-11-28T22:01:00.322" idx="1">
     <p:pos x="4231" y="2629"/>
@@ -454,21 +357,7 @@
 </p:cmLst>
 </file>
 
-<file path=ppt/comments/comment3.xml><?xml version="1.0" encoding="utf-8"?>
-<p:cmLst xmlns:a="http://schemas.openxmlformats.org/drawingml/2006/main" xmlns:r="http://schemas.openxmlformats.org/officeDocument/2006/relationships" xmlns:p="http://schemas.openxmlformats.org/presentationml/2006/main">
-  <p:cm authorId="3" dt="2015-11-28T22:02:07.394" idx="1">
-    <p:pos x="3927" y="1917"/>
-    <p:text>This slide is about NHibernate. Why is it mentioning RavenDB? Should there be a RavenDB slide?</p:text>
-    <p:extLst>
-      <p:ext uri="{C676402C-5697-4E1C-873F-D02D1690AC5C}">
-        <p15:threadingInfo xmlns:p15="http://schemas.microsoft.com/office/powerpoint/2012/main" timeZoneBias="360"/>
-      </p:ext>
-    </p:extLst>
-  </p:cm>
-</p:cmLst>
-</file>
-
-<file path=ppt/comments/comment4.xml><?xml version="1.0" encoding="utf-8"?>
+<file path=ppt/comments/comment2.xml><?xml version="1.0" encoding="utf-8"?>
 <p:cmLst xmlns:a="http://schemas.openxmlformats.org/drawingml/2006/main" xmlns:r="http://schemas.openxmlformats.org/officeDocument/2006/relationships" xmlns:p="http://schemas.openxmlformats.org/presentationml/2006/main">
   <p:cm authorId="4" dt="2015-11-28T22:02:37.166" idx="1">
     <p:pos x="2786" y="1173"/>
@@ -482,7 +371,7 @@
 </p:cmLst>
 </file>
 
-<file path=ppt/comments/comment5.xml><?xml version="1.0" encoding="utf-8"?>
+<file path=ppt/comments/comment3.xml><?xml version="1.0" encoding="utf-8"?>
 <p:cmLst xmlns:a="http://schemas.openxmlformats.org/drawingml/2006/main" xmlns:r="http://schemas.openxmlformats.org/officeDocument/2006/relationships" xmlns:p="http://schemas.openxmlformats.org/presentationml/2006/main">
   <p:cm authorId="5" dt="2015-11-28T22:06:52.015" idx="1">
     <p:pos x="3142" y="1382"/>
@@ -496,35 +385,7 @@
 </p:cmLst>
 </file>
 
-<file path=ppt/comments/comment6.xml><?xml version="1.0" encoding="utf-8"?>
-<p:cmLst xmlns:a="http://schemas.openxmlformats.org/drawingml/2006/main" xmlns:r="http://schemas.openxmlformats.org/officeDocument/2006/relationships" xmlns:p="http://schemas.openxmlformats.org/presentationml/2006/main">
-  <p:cm authorId="6" dt="2015-11-28T22:08:07.600" idx="1">
-    <p:pos x="10" y="10"/>
-    <p:text>Yellow highlight for me is on "ing SomeS" and "ate.SomeS" ... Is this just because I'm using PowerPoint for Mac?</p:text>
-    <p:extLst>
-      <p:ext uri="{C676402C-5697-4E1C-873F-D02D1690AC5C}">
-        <p15:threadingInfo xmlns:p15="http://schemas.microsoft.com/office/powerpoint/2012/main" timeZoneBias="360"/>
-      </p:ext>
-    </p:extLst>
-  </p:cm>
-</p:cmLst>
-</file>
-
-<file path=ppt/comments/comment7.xml><?xml version="1.0" encoding="utf-8"?>
-<p:cmLst xmlns:a="http://schemas.openxmlformats.org/drawingml/2006/main" xmlns:r="http://schemas.openxmlformats.org/officeDocument/2006/relationships" xmlns:p="http://schemas.openxmlformats.org/presentationml/2006/main">
-  <p:cm authorId="7" dt="2015-11-28T22:11:22.325" idx="1">
-    <p:pos x="10" y="10"/>
-    <p:text>UPS gateway and UPS logo missing?</p:text>
-    <p:extLst>
-      <p:ext uri="{C676402C-5697-4E1C-873F-D02D1690AC5C}">
-        <p15:threadingInfo xmlns:p15="http://schemas.microsoft.com/office/powerpoint/2012/main" timeZoneBias="360"/>
-      </p:ext>
-    </p:extLst>
-  </p:cm>
-</p:cmLst>
-</file>
-
-<file path=ppt/comments/comment8.xml><?xml version="1.0" encoding="utf-8"?>
+<file path=ppt/comments/comment4.xml><?xml version="1.0" encoding="utf-8"?>
 <p:cmLst xmlns:a="http://schemas.openxmlformats.org/drawingml/2006/main" xmlns:r="http://schemas.openxmlformats.org/officeDocument/2006/relationships" xmlns:p="http://schemas.openxmlformats.org/presentationml/2006/main">
   <p:cm authorId="8" dt="2015-11-28T22:12:58.581" idx="1">
     <p:pos x="10" y="10"/>
@@ -535,10 +396,21 @@
       </p:ext>
     </p:extLst>
   </p:cm>
+  <p:cm authorId="13" dt="2015-11-30T10:06:31.812" idx="1">
+    <p:pos x="10" y="146"/>
+    <p:text>Daniel will fix :)</p:text>
+    <p:extLst>
+      <p:ext uri="{C676402C-5697-4E1C-873F-D02D1690AC5C}">
+        <p15:threadingInfo xmlns:p15="http://schemas.microsoft.com/office/powerpoint/2012/main" timeZoneBias="-60">
+          <p15:parentCm authorId="8" idx="1"/>
+        </p15:threadingInfo>
+      </p:ext>
+    </p:extLst>
+  </p:cm>
 </p:cmLst>
 </file>
 
-<file path=ppt/comments/comment9.xml><?xml version="1.0" encoding="utf-8"?>
+<file path=ppt/comments/comment5.xml><?xml version="1.0" encoding="utf-8"?>
 <p:cmLst xmlns:a="http://schemas.openxmlformats.org/drawingml/2006/main" xmlns:r="http://schemas.openxmlformats.org/officeDocument/2006/relationships" xmlns:p="http://schemas.openxmlformats.org/presentationml/2006/main">
   <p:cm authorId="9" dt="2015-11-28T22:14:10.089" idx="1">
     <p:pos x="10" y="10"/>
@@ -546,6 +418,92 @@
     <p:extLst>
       <p:ext uri="{C676402C-5697-4E1C-873F-D02D1690AC5C}">
         <p15:threadingInfo xmlns:p15="http://schemas.microsoft.com/office/powerpoint/2012/main" timeZoneBias="360"/>
+      </p:ext>
+    </p:extLst>
+  </p:cm>
+  <p:cm authorId="13" dt="2015-11-30T10:06:54.149" idx="2">
+    <p:pos x="10" y="146"/>
+    <p:text>Daniel will fix</p:text>
+    <p:extLst>
+      <p:ext uri="{C676402C-5697-4E1C-873F-D02D1690AC5C}">
+        <p15:threadingInfo xmlns:p15="http://schemas.microsoft.com/office/powerpoint/2012/main" timeZoneBias="-60">
+          <p15:parentCm authorId="9" idx="1"/>
+        </p15:threadingInfo>
+      </p:ext>
+    </p:extLst>
+  </p:cm>
+</p:cmLst>
+</file>
+
+<file path=ppt/comments/comment6.xml><?xml version="1.0" encoding="utf-8"?>
+<p:cmLst xmlns:a="http://schemas.openxmlformats.org/drawingml/2006/main" xmlns:r="http://schemas.openxmlformats.org/officeDocument/2006/relationships" xmlns:p="http://schemas.openxmlformats.org/presentationml/2006/main">
+  <p:cm authorId="10" dt="2015-11-28T22:20:12.652" idx="1">
+    <p:pos x="3456" y="2803"/>
+    <p:text>You mean the running total is only valid for 20 seconds? That could be quick to test.</p:text>
+    <p:extLst>
+      <p:ext uri="{C676402C-5697-4E1C-873F-D02D1690AC5C}">
+        <p15:threadingInfo xmlns:p15="http://schemas.microsoft.com/office/powerpoint/2012/main" timeZoneBias="360"/>
+      </p:ext>
+    </p:extLst>
+  </p:cm>
+  <p:cm authorId="13" dt="2015-11-30T10:08:36.430" idx="3">
+    <p:pos x="3456" y="2939"/>
+    <p:text>reworded</p:text>
+    <p:extLst>
+      <p:ext uri="{C676402C-5697-4E1C-873F-D02D1690AC5C}">
+        <p15:threadingInfo xmlns:p15="http://schemas.microsoft.com/office/powerpoint/2012/main" timeZoneBias="-60">
+          <p15:parentCm authorId="10" idx="1"/>
+        </p15:threadingInfo>
+      </p:ext>
+    </p:extLst>
+  </p:cm>
+</p:cmLst>
+</file>
+
+<file path=ppt/comments/comment7.xml><?xml version="1.0" encoding="utf-8"?>
+<p:cmLst xmlns:a="http://schemas.openxmlformats.org/drawingml/2006/main" xmlns:r="http://schemas.openxmlformats.org/officeDocument/2006/relationships" xmlns:p="http://schemas.openxmlformats.org/presentationml/2006/main">
+  <p:cm authorId="11" dt="2015-11-28T22:20:58.104" idx="1">
+    <p:pos x="10" y="10"/>
+    <p:text>Code missing</p:text>
+    <p:extLst>
+      <p:ext uri="{C676402C-5697-4E1C-873F-D02D1690AC5C}">
+        <p15:threadingInfo xmlns:p15="http://schemas.microsoft.com/office/powerpoint/2012/main" timeZoneBias="360"/>
+      </p:ext>
+    </p:extLst>
+  </p:cm>
+  <p:cm authorId="13" dt="2015-11-30T10:13:54.682" idx="4">
+    <p:pos x="10" y="146"/>
+    <p:text>Code added</p:text>
+    <p:extLst>
+      <p:ext uri="{C676402C-5697-4E1C-873F-D02D1690AC5C}">
+        <p15:threadingInfo xmlns:p15="http://schemas.microsoft.com/office/powerpoint/2012/main" timeZoneBias="-60">
+          <p15:parentCm authorId="11" idx="1"/>
+        </p15:threadingInfo>
+      </p:ext>
+    </p:extLst>
+  </p:cm>
+</p:cmLst>
+</file>
+
+<file path=ppt/comments/comment8.xml><?xml version="1.0" encoding="utf-8"?>
+<p:cmLst xmlns:a="http://schemas.openxmlformats.org/drawingml/2006/main" xmlns:r="http://schemas.openxmlformats.org/officeDocument/2006/relationships" xmlns:p="http://schemas.openxmlformats.org/presentationml/2006/main">
+  <p:cm authorId="12" dt="2015-11-28T22:24:07.803" idx="1">
+    <p:pos x="10" y="10"/>
+    <p:text>Buyers Remorse Exercise still TBD</p:text>
+    <p:extLst>
+      <p:ext uri="{C676402C-5697-4E1C-873F-D02D1690AC5C}">
+        <p15:threadingInfo xmlns:p15="http://schemas.microsoft.com/office/powerpoint/2012/main" timeZoneBias="360"/>
+      </p:ext>
+    </p:extLst>
+  </p:cm>
+  <p:cm authorId="13" dt="2015-11-30T10:16:00.231" idx="5">
+    <p:pos x="10" y="146"/>
+    <p:text>Added instructions, no code yet. Not sure we need it</p:text>
+    <p:extLst>
+      <p:ext uri="{C676402C-5697-4E1C-873F-D02D1690AC5C}">
+        <p15:threadingInfo xmlns:p15="http://schemas.microsoft.com/office/powerpoint/2012/main" timeZoneBias="-60">
+          <p15:parentCm authorId="12" idx="1"/>
+        </p15:threadingInfo>
       </p:ext>
     </p:extLst>
   </p:cm>
@@ -634,7 +592,7 @@
           <a:p>
             <a:fld id="{058A98C1-2963-45B6-8396-F9770A549EA4}" type="datetimeFigureOut">
               <a:rPr lang="sv-SE" smtClean="0"/>
-              <a:t>2015-11-28</a:t>
+              <a:t>2015-11-30</a:t>
             </a:fld>
             <a:endParaRPr lang="sv-SE"/>
           </a:p>
@@ -952,7 +910,7 @@
             </a:r>
             <a:r>
               <a:rPr lang="en-GB" baseline="0" dirty="0" smtClean="0"/>
-              <a:t> [Unique] attribute is left out on purpose, we’ll handle this later in the course</a:t>
+              <a:t> database guys from the 80’ies needed to break up long business process into shorter parts to avoid massive locking</a:t>
             </a:r>
             <a:endParaRPr lang="sv-SE" dirty="0"/>
           </a:p>
@@ -975,7 +933,7 @@
           <a:p>
             <a:fld id="{D5BB19A3-B3B6-4398-9889-160C3A008821}" type="slidenum">
               <a:rPr lang="sv-SE" smtClean="0"/>
-              <a:t>7</a:t>
+              <a:t>4</a:t>
             </a:fld>
             <a:endParaRPr lang="sv-SE"/>
           </a:p>
@@ -984,7 +942,7 @@
     </p:spTree>
     <p:extLst>
       <p:ext uri="{BB962C8B-B14F-4D97-AF65-F5344CB8AC3E}">
-        <p14:creationId xmlns:p14="http://schemas.microsoft.com/office/powerpoint/2010/main" val="1306195027"/>
+        <p14:creationId xmlns:p14="http://schemas.microsoft.com/office/powerpoint/2010/main" val="2376517489"/>
       </p:ext>
     </p:extLst>
   </p:cSld>
@@ -1038,17 +996,7 @@
           <a:bodyPr/>
           <a:lstStyle/>
           <a:p>
-            <a:r>
-              <a:rPr lang="de-CH" dirty="0" smtClean="0"/>
-              <a:t>Important to note here is that the Timeout Data doesn’t have to be a message type. It can be any poco.</a:t>
-            </a:r>
-          </a:p>
-          <a:p>
-            <a:r>
-              <a:rPr lang="de-CH" dirty="0" smtClean="0"/>
-              <a:t>Why is there no virtual since the TM persister will serialize it to a string format</a:t>
-            </a:r>
-            <a:endParaRPr lang="de-CH" dirty="0"/>
+            <a:endParaRPr lang="sv-SE" dirty="0"/>
           </a:p>
         </p:txBody>
       </p:sp>
@@ -1059,7 +1007,7 @@
             <a:spLocks noGrp="1"/>
           </p:cNvSpPr>
           <p:nvPr>
-            <p:ph type="sldNum" idx="10"/>
+            <p:ph type="sldNum" sz="quarter" idx="10"/>
           </p:nvPr>
         </p:nvSpPr>
         <p:spPr/>
@@ -1067,19 +1015,18 @@
           <a:bodyPr/>
           <a:lstStyle/>
           <a:p>
-            <a:fld id="{7ACA2796-6D5E-4AAD-9D66-AE6CE657D5C0}" type="slidenum">
-              <a:rPr lang="en-GB" smtClean="0"/>
-              <a:pPr/>
-              <a:t>33</a:t>
+            <a:fld id="{D5BB19A3-B3B6-4398-9889-160C3A008821}" type="slidenum">
+              <a:rPr lang="sv-SE" smtClean="0"/>
+              <a:t>29</a:t>
             </a:fld>
-            <a:endParaRPr lang="en-GB"/>
+            <a:endParaRPr lang="sv-SE"/>
           </a:p>
         </p:txBody>
       </p:sp>
     </p:spTree>
     <p:extLst>
       <p:ext uri="{BB962C8B-B14F-4D97-AF65-F5344CB8AC3E}">
-        <p14:creationId xmlns:p14="http://schemas.microsoft.com/office/powerpoint/2010/main" val="3241142037"/>
+        <p14:creationId xmlns:p14="http://schemas.microsoft.com/office/powerpoint/2010/main" val="2250360170"/>
       </p:ext>
     </p:extLst>
   </p:cSld>
@@ -1130,30 +1077,20 @@
         </p:nvSpPr>
         <p:spPr/>
         <p:txBody>
-          <a:bodyPr>
-            <a:normAutofit/>
-          </a:bodyPr>
-          <a:lstStyle/>
-          <a:p>
-            <a:r>
-              <a:rPr lang="en-US" dirty="0" smtClean="0"/>
-              <a:t>Talk about </a:t>
-            </a:r>
-            <a:r>
-              <a:rPr lang="en-US" dirty="0" err="1" smtClean="0"/>
-              <a:t>idempotency</a:t>
-            </a:r>
-            <a:r>
-              <a:rPr lang="en-US" dirty="0" smtClean="0"/>
-              <a:t> so that duplicate calls due to retries will</a:t>
-            </a:r>
-            <a:r>
-              <a:rPr lang="en-US" baseline="0" dirty="0" smtClean="0"/>
-              <a:t> be OK – use of the message ID as a correlation ID in the web service</a:t>
-            </a:r>
-          </a:p>
-          <a:p>
-            <a:endParaRPr lang="en-US" dirty="0"/>
+          <a:bodyPr/>
+          <a:lstStyle/>
+          <a:p>
+            <a:r>
+              <a:rPr lang="de-CH" dirty="0" smtClean="0"/>
+              <a:t>Important to note here is that the Timeout Data doesn’t have to be a message type. It can be any poco.</a:t>
+            </a:r>
+          </a:p>
+          <a:p>
+            <a:r>
+              <a:rPr lang="de-CH" dirty="0" smtClean="0"/>
+              <a:t>Why is there no virtual since the TM persister will serialize it to a string format</a:t>
+            </a:r>
+            <a:endParaRPr lang="de-CH" dirty="0"/>
           </a:p>
         </p:txBody>
       </p:sp>
@@ -1175,7 +1112,7 @@
             <a:fld id="{7ACA2796-6D5E-4AAD-9D66-AE6CE657D5C0}" type="slidenum">
               <a:rPr lang="en-GB" smtClean="0"/>
               <a:pPr/>
-              <a:t>37</a:t>
+              <a:t>33</a:t>
             </a:fld>
             <a:endParaRPr lang="en-GB"/>
           </a:p>
@@ -1184,7 +1121,7 @@
     </p:spTree>
     <p:extLst>
       <p:ext uri="{BB962C8B-B14F-4D97-AF65-F5344CB8AC3E}">
-        <p14:creationId xmlns:p14="http://schemas.microsoft.com/office/powerpoint/2010/main" val="2393542536"/>
+        <p14:creationId xmlns:p14="http://schemas.microsoft.com/office/powerpoint/2010/main" val="3241142037"/>
       </p:ext>
     </p:extLst>
   </p:cSld>
@@ -1242,33 +1179,22 @@
           <a:p>
             <a:r>
               <a:rPr lang="en-US" dirty="0" smtClean="0"/>
-              <a:t>Fed Ex is our</a:t>
+              <a:t>Talk about </a:t>
+            </a:r>
+            <a:r>
+              <a:rPr lang="en-US" dirty="0" err="1" smtClean="0"/>
+              <a:t>idempotency</a:t>
+            </a:r>
+            <a:r>
+              <a:rPr lang="en-US" dirty="0" smtClean="0"/>
+              <a:t> so that duplicate calls due to retries will</a:t>
             </a:r>
             <a:r>
               <a:rPr lang="en-US" baseline="0" dirty="0" smtClean="0"/>
-              <a:t> preferred shipping provider, but if they don’t answer in a timely manner, we’ll turn to other shipping providers like UPS</a:t>
-            </a:r>
-          </a:p>
-          <a:p>
-            <a:endParaRPr lang="en-US" baseline="0" dirty="0" smtClean="0"/>
-          </a:p>
-          <a:p>
-            <a:r>
-              <a:rPr lang="en-US" baseline="0" dirty="0" smtClean="0"/>
-              <a:t>What happens if we shutdown part of the system, the </a:t>
-            </a:r>
-            <a:r>
-              <a:rPr lang="en-US" baseline="0" dirty="0" err="1" smtClean="0"/>
-              <a:t>fedex</a:t>
-            </a:r>
-            <a:r>
-              <a:rPr lang="en-US" baseline="0" dirty="0" smtClean="0"/>
-              <a:t> proxy is still running, succeeds and we restart shipping while the timeout is </a:t>
-            </a:r>
-            <a:r>
-              <a:rPr lang="en-US" baseline="0" smtClean="0"/>
-              <a:t>over?</a:t>
-            </a:r>
+              <a:t> be OK – use of the message ID as a correlation ID in the web service</a:t>
+            </a:r>
+          </a:p>
+          <a:p>
             <a:endParaRPr lang="en-US" dirty="0"/>
           </a:p>
         </p:txBody>
@@ -1291,7 +1217,7 @@
             <a:fld id="{7ACA2796-6D5E-4AAD-9D66-AE6CE657D5C0}" type="slidenum">
               <a:rPr lang="en-GB" smtClean="0"/>
               <a:pPr/>
-              <a:t>38</a:t>
+              <a:t>37</a:t>
             </a:fld>
             <a:endParaRPr lang="en-GB"/>
           </a:p>
@@ -1300,7 +1226,7 @@
     </p:spTree>
     <p:extLst>
       <p:ext uri="{BB962C8B-B14F-4D97-AF65-F5344CB8AC3E}">
-        <p14:creationId xmlns:p14="http://schemas.microsoft.com/office/powerpoint/2010/main" val="990345126"/>
+        <p14:creationId xmlns:p14="http://schemas.microsoft.com/office/powerpoint/2010/main" val="2393542536"/>
       </p:ext>
     </p:extLst>
   </p:cSld>
@@ -1358,19 +1284,32 @@
           <a:p>
             <a:r>
               <a:rPr lang="en-US" dirty="0" smtClean="0"/>
-              <a:t>Demonstrate</a:t>
+              <a:t>Fed Ex is our</a:t>
             </a:r>
             <a:r>
               <a:rPr lang="en-US" baseline="0" dirty="0" smtClean="0"/>
-              <a:t> sample: </a:t>
+              <a:t> preferred shipping provider, but if they don’t answer in a timely manner, we’ll turn to other shipping providers like UPS</a:t>
+            </a:r>
+          </a:p>
+          <a:p>
+            <a:endParaRPr lang="en-US" baseline="0" dirty="0" smtClean="0"/>
+          </a:p>
+          <a:p>
+            <a:r>
+              <a:rPr lang="en-US" baseline="0" dirty="0" smtClean="0"/>
+              <a:t>What happens if we shutdown part of the system, the </a:t>
             </a:r>
             <a:r>
               <a:rPr lang="en-US" baseline="0" dirty="0" err="1" smtClean="0"/>
-              <a:t>WcfIntegration</a:t>
+              <a:t>fedex</a:t>
             </a:r>
             <a:r>
               <a:rPr lang="en-US" baseline="0" dirty="0" smtClean="0"/>
-              <a:t> (NServiceBus Main Repo Integration Tests)</a:t>
+              <a:t> proxy is still running, succeeds and we restart shipping while the timeout is </a:t>
+            </a:r>
+            <a:r>
+              <a:rPr lang="en-US" baseline="0" smtClean="0"/>
+              <a:t>over?</a:t>
             </a:r>
             <a:endParaRPr lang="en-US" dirty="0"/>
           </a:p>
@@ -1394,7 +1333,7 @@
             <a:fld id="{7ACA2796-6D5E-4AAD-9D66-AE6CE657D5C0}" type="slidenum">
               <a:rPr lang="en-GB" smtClean="0"/>
               <a:pPr/>
-              <a:t>43</a:t>
+              <a:t>38</a:t>
             </a:fld>
             <a:endParaRPr lang="en-GB"/>
           </a:p>
@@ -1403,7 +1342,7 @@
     </p:spTree>
     <p:extLst>
       <p:ext uri="{BB962C8B-B14F-4D97-AF65-F5344CB8AC3E}">
-        <p14:creationId xmlns:p14="http://schemas.microsoft.com/office/powerpoint/2010/main" val="58117029"/>
+        <p14:creationId xmlns:p14="http://schemas.microsoft.com/office/powerpoint/2010/main" val="990345126"/>
       </p:ext>
     </p:extLst>
   </p:cSld>
@@ -1454,24 +1393,28 @@
         </p:nvSpPr>
         <p:spPr/>
         <p:txBody>
-          <a:bodyPr/>
-          <a:lstStyle/>
-          <a:p>
-            <a:r>
-              <a:rPr lang="en-GB" dirty="0" smtClean="0"/>
-              <a:t>Observer</a:t>
-            </a:r>
-            <a:r>
-              <a:rPr lang="en-GB" baseline="0" dirty="0" smtClean="0"/>
-              <a:t> sagas live fro ever</a:t>
-            </a:r>
-          </a:p>
-          <a:p>
-            <a:r>
-              <a:rPr lang="en-GB" baseline="0" dirty="0" smtClean="0"/>
-              <a:t>Command sagas complete when done</a:t>
-            </a:r>
-            <a:endParaRPr lang="sv-SE" dirty="0"/>
+          <a:bodyPr>
+            <a:normAutofit/>
+          </a:bodyPr>
+          <a:lstStyle/>
+          <a:p>
+            <a:r>
+              <a:rPr lang="en-US" dirty="0" smtClean="0"/>
+              <a:t>Demonstrate</a:t>
+            </a:r>
+            <a:r>
+              <a:rPr lang="en-US" baseline="0" dirty="0" smtClean="0"/>
+              <a:t> sample: </a:t>
+            </a:r>
+            <a:r>
+              <a:rPr lang="en-US" baseline="0" dirty="0" err="1" smtClean="0"/>
+              <a:t>WcfIntegration</a:t>
+            </a:r>
+            <a:r>
+              <a:rPr lang="en-US" baseline="0" dirty="0" smtClean="0"/>
+              <a:t> (NServiceBus Main Repo Integration Tests)</a:t>
+            </a:r>
+            <a:endParaRPr lang="en-US" dirty="0"/>
           </a:p>
         </p:txBody>
       </p:sp>
@@ -1482,7 +1425,7 @@
             <a:spLocks noGrp="1"/>
           </p:cNvSpPr>
           <p:nvPr>
-            <p:ph type="sldNum" sz="quarter" idx="10"/>
+            <p:ph type="sldNum" idx="10"/>
           </p:nvPr>
         </p:nvSpPr>
         <p:spPr/>
@@ -1490,18 +1433,19 @@
           <a:bodyPr/>
           <a:lstStyle/>
           <a:p>
-            <a:fld id="{D5BB19A3-B3B6-4398-9889-160C3A008821}" type="slidenum">
-              <a:rPr lang="sv-SE" smtClean="0"/>
-              <a:t>45</a:t>
+            <a:fld id="{7ACA2796-6D5E-4AAD-9D66-AE6CE657D5C0}" type="slidenum">
+              <a:rPr lang="en-GB" smtClean="0"/>
+              <a:pPr/>
+              <a:t>43</a:t>
             </a:fld>
-            <a:endParaRPr lang="sv-SE"/>
+            <a:endParaRPr lang="en-GB"/>
           </a:p>
         </p:txBody>
       </p:sp>
     </p:spTree>
     <p:extLst>
       <p:ext uri="{BB962C8B-B14F-4D97-AF65-F5344CB8AC3E}">
-        <p14:creationId xmlns:p14="http://schemas.microsoft.com/office/powerpoint/2010/main" val="4076966085"/>
+        <p14:creationId xmlns:p14="http://schemas.microsoft.com/office/powerpoint/2010/main" val="58117029"/>
       </p:ext>
     </p:extLst>
   </p:cSld>
@@ -1556,14 +1500,20 @@
           <a:lstStyle/>
           <a:p>
             <a:r>
-              <a:rPr lang="de-CH" dirty="0" smtClean="0"/>
-              <a:t>Klassisches Integration</a:t>
-            </a:r>
-            <a:r>
-              <a:rPr lang="de-CH" baseline="0" dirty="0" smtClean="0"/>
-              <a:t> Beispiel</a:t>
-            </a:r>
-            <a:endParaRPr lang="de-CH" dirty="0"/>
+              <a:rPr lang="en-GB" dirty="0" smtClean="0"/>
+              <a:t>Observer</a:t>
+            </a:r>
+            <a:r>
+              <a:rPr lang="en-GB" baseline="0" dirty="0" smtClean="0"/>
+              <a:t> sagas live fro ever</a:t>
+            </a:r>
+          </a:p>
+          <a:p>
+            <a:r>
+              <a:rPr lang="en-GB" baseline="0" dirty="0" smtClean="0"/>
+              <a:t>Command sagas complete when done</a:t>
+            </a:r>
+            <a:endParaRPr lang="sv-SE" dirty="0"/>
           </a:p>
         </p:txBody>
       </p:sp>
@@ -1582,18 +1532,18 @@
           <a:bodyPr/>
           <a:lstStyle/>
           <a:p>
-            <a:fld id="{3993D047-D8B4-43AA-8641-D9CCF4EC54F4}" type="slidenum">
-              <a:rPr lang="de-CH" smtClean="0"/>
-              <a:t>46</a:t>
+            <a:fld id="{D5BB19A3-B3B6-4398-9889-160C3A008821}" type="slidenum">
+              <a:rPr lang="sv-SE" smtClean="0"/>
+              <a:t>45</a:t>
             </a:fld>
-            <a:endParaRPr lang="de-CH"/>
+            <a:endParaRPr lang="sv-SE"/>
           </a:p>
         </p:txBody>
       </p:sp>
     </p:spTree>
     <p:extLst>
       <p:ext uri="{BB962C8B-B14F-4D97-AF65-F5344CB8AC3E}">
-        <p14:creationId xmlns:p14="http://schemas.microsoft.com/office/powerpoint/2010/main" val="3142864389"/>
+        <p14:creationId xmlns:p14="http://schemas.microsoft.com/office/powerpoint/2010/main" val="4076966085"/>
       </p:ext>
     </p:extLst>
   </p:cSld>
@@ -1649,7 +1599,11 @@
           <a:p>
             <a:r>
               <a:rPr lang="de-CH" dirty="0" smtClean="0"/>
-              <a:t>Prozesshandling wie es aussehen könnte</a:t>
+              <a:t>Klassisches Integration</a:t>
+            </a:r>
+            <a:r>
+              <a:rPr lang="de-CH" baseline="0" dirty="0" smtClean="0"/>
+              <a:t> Beispiel</a:t>
             </a:r>
             <a:endParaRPr lang="de-CH" dirty="0"/>
           </a:p>
@@ -1672,7 +1626,7 @@
           <a:p>
             <a:fld id="{3993D047-D8B4-43AA-8641-D9CCF4EC54F4}" type="slidenum">
               <a:rPr lang="de-CH" smtClean="0"/>
-              <a:t>47</a:t>
+              <a:t>46</a:t>
             </a:fld>
             <a:endParaRPr lang="de-CH"/>
           </a:p>
@@ -1681,7 +1635,7 @@
     </p:spTree>
     <p:extLst>
       <p:ext uri="{BB962C8B-B14F-4D97-AF65-F5344CB8AC3E}">
-        <p14:creationId xmlns:p14="http://schemas.microsoft.com/office/powerpoint/2010/main" val="1697730364"/>
+        <p14:creationId xmlns:p14="http://schemas.microsoft.com/office/powerpoint/2010/main" val="3142864389"/>
       </p:ext>
     </p:extLst>
   </p:cSld>
@@ -1735,262 +1689,11 @@
           <a:bodyPr/>
           <a:lstStyle/>
           <a:p>
-            <a:pPr marL="342900" indent="-342900"/>
-            <a:r>
-              <a:rPr lang="en-US" dirty="0" smtClean="0"/>
-              <a:t>Fast </a:t>
-            </a:r>
-            <a:r>
-              <a:rPr lang="en-US" dirty="0" err="1" smtClean="0"/>
-              <a:t>wie</a:t>
-            </a:r>
-            <a:r>
-              <a:rPr lang="en-US" dirty="0" smtClean="0"/>
-              <a:t> Onion </a:t>
-            </a:r>
-            <a:r>
-              <a:rPr lang="en-US" dirty="0" err="1" smtClean="0"/>
-              <a:t>oder</a:t>
-            </a:r>
-            <a:r>
-              <a:rPr lang="en-US" dirty="0" smtClean="0"/>
-              <a:t> </a:t>
-            </a:r>
-            <a:r>
-              <a:rPr lang="en-US" dirty="0" err="1" smtClean="0"/>
-              <a:t>Hexagonale</a:t>
-            </a:r>
-            <a:r>
-              <a:rPr lang="en-US" dirty="0" smtClean="0"/>
-              <a:t> </a:t>
-            </a:r>
-            <a:r>
-              <a:rPr lang="en-US" dirty="0" err="1" smtClean="0"/>
-              <a:t>Architektur</a:t>
-            </a:r>
-            <a:r>
-              <a:rPr lang="en-US" dirty="0" smtClean="0"/>
-              <a:t>. Layering von </a:t>
-            </a:r>
-            <a:r>
-              <a:rPr lang="en-US" dirty="0" err="1" smtClean="0"/>
-              <a:t>Prozessmanagers</a:t>
-            </a:r>
-            <a:r>
-              <a:rPr lang="en-US" dirty="0" smtClean="0"/>
-              <a:t>/Sagas</a:t>
-            </a:r>
-          </a:p>
-          <a:p>
-            <a:pPr marL="342900" indent="-342900"/>
-            <a:r>
-              <a:rPr lang="en-US" dirty="0" smtClean="0"/>
-              <a:t>Die </a:t>
-            </a:r>
-            <a:r>
-              <a:rPr lang="en-US" dirty="0" err="1" smtClean="0"/>
-              <a:t>Buildingblocks</a:t>
-            </a:r>
-            <a:r>
-              <a:rPr lang="en-US" dirty="0" smtClean="0"/>
-              <a:t> </a:t>
-            </a:r>
-            <a:r>
-              <a:rPr lang="en-US" dirty="0" err="1" smtClean="0"/>
-              <a:t>zu</a:t>
-            </a:r>
-            <a:r>
-              <a:rPr lang="en-US" dirty="0" smtClean="0"/>
-              <a:t> </a:t>
-            </a:r>
-            <a:r>
-              <a:rPr lang="en-US" dirty="0" err="1" smtClean="0"/>
-              <a:t>verwenden</a:t>
-            </a:r>
-            <a:r>
-              <a:rPr lang="en-US" dirty="0" smtClean="0"/>
-              <a:t> </a:t>
-            </a:r>
-            <a:r>
-              <a:rPr lang="en-US" dirty="0" err="1" smtClean="0"/>
-              <a:t>ist</a:t>
-            </a:r>
-            <a:r>
-              <a:rPr lang="en-US" dirty="0" smtClean="0"/>
-              <a:t> </a:t>
-            </a:r>
-            <a:r>
-              <a:rPr lang="en-US" dirty="0" err="1" smtClean="0"/>
-              <a:t>einfach</a:t>
-            </a:r>
-            <a:r>
-              <a:rPr lang="en-US" dirty="0" smtClean="0"/>
-              <a:t>, </a:t>
-            </a:r>
-            <a:r>
-              <a:rPr lang="en-US" dirty="0" err="1" smtClean="0"/>
-              <a:t>schwierig</a:t>
-            </a:r>
-            <a:r>
-              <a:rPr lang="en-US" baseline="0" dirty="0" smtClean="0"/>
-              <a:t> </a:t>
-            </a:r>
-            <a:r>
-              <a:rPr lang="en-US" baseline="0" dirty="0" err="1" smtClean="0"/>
-              <a:t>ist</a:t>
-            </a:r>
-            <a:r>
-              <a:rPr lang="en-US" baseline="0" dirty="0" smtClean="0"/>
-              <a:t> den </a:t>
-            </a:r>
-            <a:r>
-              <a:rPr lang="en-US" baseline="0" dirty="0" err="1" smtClean="0"/>
-              <a:t>Prozess</a:t>
-            </a:r>
-            <a:r>
-              <a:rPr lang="en-US" baseline="0" dirty="0" smtClean="0"/>
-              <a:t> und die </a:t>
-            </a:r>
-            <a:r>
-              <a:rPr lang="en-US" baseline="0" dirty="0" err="1" smtClean="0"/>
-              <a:t>Schritte</a:t>
-            </a:r>
-            <a:r>
-              <a:rPr lang="en-US" baseline="0" dirty="0" smtClean="0"/>
-              <a:t> </a:t>
-            </a:r>
-            <a:r>
-              <a:rPr lang="en-US" baseline="0" dirty="0" err="1" smtClean="0"/>
-              <a:t>zu</a:t>
-            </a:r>
-            <a:r>
-              <a:rPr lang="en-US" baseline="0" dirty="0" smtClean="0"/>
-              <a:t> </a:t>
-            </a:r>
-            <a:r>
-              <a:rPr lang="en-US" baseline="0" dirty="0" err="1" smtClean="0"/>
-              <a:t>identifizieren</a:t>
-            </a:r>
-            <a:r>
-              <a:rPr lang="en-US" baseline="0" dirty="0" smtClean="0"/>
-              <a:t>.</a:t>
-            </a:r>
-          </a:p>
-          <a:p>
-            <a:pPr marL="342900" indent="-342900"/>
-            <a:r>
-              <a:rPr lang="en-US" baseline="0" dirty="0" err="1" smtClean="0"/>
-              <a:t>Mit</a:t>
-            </a:r>
-            <a:r>
-              <a:rPr lang="en-US" baseline="0" dirty="0" smtClean="0"/>
-              <a:t> Legacy </a:t>
-            </a:r>
-            <a:r>
-              <a:rPr lang="en-US" baseline="0" dirty="0" err="1" smtClean="0"/>
-              <a:t>Systemen</a:t>
-            </a:r>
-            <a:r>
-              <a:rPr lang="en-US" baseline="0" dirty="0" smtClean="0"/>
-              <a:t> </a:t>
-            </a:r>
-            <a:r>
-              <a:rPr lang="en-US" baseline="0" dirty="0" err="1" smtClean="0"/>
-              <a:t>ein</a:t>
-            </a:r>
-            <a:r>
-              <a:rPr lang="en-US" baseline="0" dirty="0" smtClean="0"/>
-              <a:t> </a:t>
-            </a:r>
-            <a:r>
-              <a:rPr lang="en-US" baseline="0" dirty="0" err="1" smtClean="0"/>
-              <a:t>Prozessmanager</a:t>
-            </a:r>
-            <a:r>
-              <a:rPr lang="en-US" baseline="0" dirty="0" smtClean="0"/>
-              <a:t> </a:t>
-            </a:r>
-            <a:r>
-              <a:rPr lang="en-US" baseline="0" dirty="0" err="1" smtClean="0"/>
-              <a:t>für</a:t>
-            </a:r>
-            <a:r>
-              <a:rPr lang="en-US" baseline="0" dirty="0" smtClean="0"/>
-              <a:t> den Flow, </a:t>
-            </a:r>
-            <a:r>
-              <a:rPr lang="en-US" baseline="0" dirty="0" err="1" smtClean="0"/>
-              <a:t>ein</a:t>
-            </a:r>
-            <a:r>
-              <a:rPr lang="en-US" baseline="0" dirty="0" smtClean="0"/>
-              <a:t> Adapter </a:t>
-            </a:r>
-            <a:r>
-              <a:rPr lang="en-US" baseline="0" dirty="0" err="1" smtClean="0"/>
-              <a:t>für</a:t>
-            </a:r>
-            <a:r>
-              <a:rPr lang="en-US" baseline="0" dirty="0" smtClean="0"/>
-              <a:t> die Integration</a:t>
-            </a:r>
-            <a:endParaRPr lang="en-US" dirty="0" smtClean="0"/>
-          </a:p>
-          <a:p>
-            <a:pPr marL="342900" indent="-342900"/>
-            <a:endParaRPr lang="en-US" dirty="0" smtClean="0"/>
-          </a:p>
-          <a:p>
-            <a:pPr marL="342900" indent="-342900"/>
-            <a:r>
-              <a:rPr lang="en-US" b="1" dirty="0" smtClean="0"/>
-              <a:t>Orchestration is not a thing by itself.</a:t>
-            </a:r>
-          </a:p>
-          <a:p>
-            <a:pPr marL="342900" indent="-342900"/>
-            <a:endParaRPr lang="en-US" dirty="0" smtClean="0"/>
-          </a:p>
-          <a:p>
-            <a:pPr marL="342900" indent="-342900"/>
-            <a:r>
-              <a:rPr lang="en-US" dirty="0" smtClean="0"/>
-              <a:t>Divide up workflows/orchestrations along service boundaries</a:t>
-            </a:r>
-          </a:p>
-          <a:p>
-            <a:pPr marL="738188" lvl="1" indent="-342900"/>
-            <a:r>
-              <a:rPr lang="en-US" dirty="0" smtClean="0"/>
-              <a:t>Events are published at the end of the sub-flow in a service</a:t>
-            </a:r>
-          </a:p>
-          <a:p>
-            <a:pPr marL="738188" lvl="1" indent="-342900"/>
-            <a:r>
-              <a:rPr lang="en-US" dirty="0" smtClean="0"/>
-              <a:t>Events trigger a sub-flow in other services</a:t>
-            </a:r>
-          </a:p>
-          <a:p>
-            <a:pPr marL="342900" indent="-342900"/>
-            <a:endParaRPr lang="en-US" dirty="0" smtClean="0"/>
-          </a:p>
-          <a:p>
-            <a:pPr marL="342900" indent="-342900"/>
-            <a:r>
-              <a:rPr lang="en-US" dirty="0" smtClean="0"/>
-              <a:t>Sagas can be used for CEP/ESP:</a:t>
-            </a:r>
-          </a:p>
-          <a:p>
-            <a:pPr marL="342900" indent="-342900">
-              <a:buNone/>
-            </a:pPr>
-            <a:r>
-              <a:rPr lang="en-US" dirty="0" smtClean="0"/>
-              <a:t>	complex event processing, event-stream proc.</a:t>
-            </a:r>
+            <a:r>
+              <a:rPr lang="de-CH" dirty="0" smtClean="0"/>
+              <a:t>Prozesshandling wie es aussehen könnte</a:t>
+            </a:r>
+            <a:endParaRPr lang="de-CH" dirty="0"/>
           </a:p>
         </p:txBody>
       </p:sp>
@@ -2011,7 +1714,7 @@
           <a:p>
             <a:fld id="{3993D047-D8B4-43AA-8641-D9CCF4EC54F4}" type="slidenum">
               <a:rPr lang="de-CH" smtClean="0"/>
-              <a:t>48</a:t>
+              <a:t>47</a:t>
             </a:fld>
             <a:endParaRPr lang="de-CH"/>
           </a:p>
@@ -2020,7 +1723,7 @@
     </p:spTree>
     <p:extLst>
       <p:ext uri="{BB962C8B-B14F-4D97-AF65-F5344CB8AC3E}">
-        <p14:creationId xmlns:p14="http://schemas.microsoft.com/office/powerpoint/2010/main" val="2156119482"/>
+        <p14:creationId xmlns:p14="http://schemas.microsoft.com/office/powerpoint/2010/main" val="1697730364"/>
       </p:ext>
     </p:extLst>
   </p:cSld>
@@ -2074,11 +1777,262 @@
           <a:bodyPr/>
           <a:lstStyle/>
           <a:p>
-            <a:r>
-              <a:rPr lang="sv-SE" dirty="0" smtClean="0"/>
-              <a:t>Now we call them Scheduled tasks</a:t>
-            </a:r>
-            <a:endParaRPr lang="sv-SE" dirty="0"/>
+            <a:pPr marL="342900" indent="-342900"/>
+            <a:r>
+              <a:rPr lang="en-US" dirty="0" smtClean="0"/>
+              <a:t>Fast </a:t>
+            </a:r>
+            <a:r>
+              <a:rPr lang="en-US" dirty="0" err="1" smtClean="0"/>
+              <a:t>wie</a:t>
+            </a:r>
+            <a:r>
+              <a:rPr lang="en-US" dirty="0" smtClean="0"/>
+              <a:t> Onion </a:t>
+            </a:r>
+            <a:r>
+              <a:rPr lang="en-US" dirty="0" err="1" smtClean="0"/>
+              <a:t>oder</a:t>
+            </a:r>
+            <a:r>
+              <a:rPr lang="en-US" dirty="0" smtClean="0"/>
+              <a:t> </a:t>
+            </a:r>
+            <a:r>
+              <a:rPr lang="en-US" dirty="0" err="1" smtClean="0"/>
+              <a:t>Hexagonale</a:t>
+            </a:r>
+            <a:r>
+              <a:rPr lang="en-US" dirty="0" smtClean="0"/>
+              <a:t> </a:t>
+            </a:r>
+            <a:r>
+              <a:rPr lang="en-US" dirty="0" err="1" smtClean="0"/>
+              <a:t>Architektur</a:t>
+            </a:r>
+            <a:r>
+              <a:rPr lang="en-US" dirty="0" smtClean="0"/>
+              <a:t>. Layering von </a:t>
+            </a:r>
+            <a:r>
+              <a:rPr lang="en-US" dirty="0" err="1" smtClean="0"/>
+              <a:t>Prozessmanagers</a:t>
+            </a:r>
+            <a:r>
+              <a:rPr lang="en-US" dirty="0" smtClean="0"/>
+              <a:t>/Sagas</a:t>
+            </a:r>
+          </a:p>
+          <a:p>
+            <a:pPr marL="342900" indent="-342900"/>
+            <a:r>
+              <a:rPr lang="en-US" dirty="0" smtClean="0"/>
+              <a:t>Die </a:t>
+            </a:r>
+            <a:r>
+              <a:rPr lang="en-US" dirty="0" err="1" smtClean="0"/>
+              <a:t>Buildingblocks</a:t>
+            </a:r>
+            <a:r>
+              <a:rPr lang="en-US" dirty="0" smtClean="0"/>
+              <a:t> </a:t>
+            </a:r>
+            <a:r>
+              <a:rPr lang="en-US" dirty="0" err="1" smtClean="0"/>
+              <a:t>zu</a:t>
+            </a:r>
+            <a:r>
+              <a:rPr lang="en-US" dirty="0" smtClean="0"/>
+              <a:t> </a:t>
+            </a:r>
+            <a:r>
+              <a:rPr lang="en-US" dirty="0" err="1" smtClean="0"/>
+              <a:t>verwenden</a:t>
+            </a:r>
+            <a:r>
+              <a:rPr lang="en-US" dirty="0" smtClean="0"/>
+              <a:t> </a:t>
+            </a:r>
+            <a:r>
+              <a:rPr lang="en-US" dirty="0" err="1" smtClean="0"/>
+              <a:t>ist</a:t>
+            </a:r>
+            <a:r>
+              <a:rPr lang="en-US" dirty="0" smtClean="0"/>
+              <a:t> </a:t>
+            </a:r>
+            <a:r>
+              <a:rPr lang="en-US" dirty="0" err="1" smtClean="0"/>
+              <a:t>einfach</a:t>
+            </a:r>
+            <a:r>
+              <a:rPr lang="en-US" dirty="0" smtClean="0"/>
+              <a:t>, </a:t>
+            </a:r>
+            <a:r>
+              <a:rPr lang="en-US" dirty="0" err="1" smtClean="0"/>
+              <a:t>schwierig</a:t>
+            </a:r>
+            <a:r>
+              <a:rPr lang="en-US" baseline="0" dirty="0" smtClean="0"/>
+              <a:t> </a:t>
+            </a:r>
+            <a:r>
+              <a:rPr lang="en-US" baseline="0" dirty="0" err="1" smtClean="0"/>
+              <a:t>ist</a:t>
+            </a:r>
+            <a:r>
+              <a:rPr lang="en-US" baseline="0" dirty="0" smtClean="0"/>
+              <a:t> den </a:t>
+            </a:r>
+            <a:r>
+              <a:rPr lang="en-US" baseline="0" dirty="0" err="1" smtClean="0"/>
+              <a:t>Prozess</a:t>
+            </a:r>
+            <a:r>
+              <a:rPr lang="en-US" baseline="0" dirty="0" smtClean="0"/>
+              <a:t> und die </a:t>
+            </a:r>
+            <a:r>
+              <a:rPr lang="en-US" baseline="0" dirty="0" err="1" smtClean="0"/>
+              <a:t>Schritte</a:t>
+            </a:r>
+            <a:r>
+              <a:rPr lang="en-US" baseline="0" dirty="0" smtClean="0"/>
+              <a:t> </a:t>
+            </a:r>
+            <a:r>
+              <a:rPr lang="en-US" baseline="0" dirty="0" err="1" smtClean="0"/>
+              <a:t>zu</a:t>
+            </a:r>
+            <a:r>
+              <a:rPr lang="en-US" baseline="0" dirty="0" smtClean="0"/>
+              <a:t> </a:t>
+            </a:r>
+            <a:r>
+              <a:rPr lang="en-US" baseline="0" dirty="0" err="1" smtClean="0"/>
+              <a:t>identifizieren</a:t>
+            </a:r>
+            <a:r>
+              <a:rPr lang="en-US" baseline="0" dirty="0" smtClean="0"/>
+              <a:t>.</a:t>
+            </a:r>
+          </a:p>
+          <a:p>
+            <a:pPr marL="342900" indent="-342900"/>
+            <a:r>
+              <a:rPr lang="en-US" baseline="0" dirty="0" err="1" smtClean="0"/>
+              <a:t>Mit</a:t>
+            </a:r>
+            <a:r>
+              <a:rPr lang="en-US" baseline="0" dirty="0" smtClean="0"/>
+              <a:t> Legacy </a:t>
+            </a:r>
+            <a:r>
+              <a:rPr lang="en-US" baseline="0" dirty="0" err="1" smtClean="0"/>
+              <a:t>Systemen</a:t>
+            </a:r>
+            <a:r>
+              <a:rPr lang="en-US" baseline="0" dirty="0" smtClean="0"/>
+              <a:t> </a:t>
+            </a:r>
+            <a:r>
+              <a:rPr lang="en-US" baseline="0" dirty="0" err="1" smtClean="0"/>
+              <a:t>ein</a:t>
+            </a:r>
+            <a:r>
+              <a:rPr lang="en-US" baseline="0" dirty="0" smtClean="0"/>
+              <a:t> </a:t>
+            </a:r>
+            <a:r>
+              <a:rPr lang="en-US" baseline="0" dirty="0" err="1" smtClean="0"/>
+              <a:t>Prozessmanager</a:t>
+            </a:r>
+            <a:r>
+              <a:rPr lang="en-US" baseline="0" dirty="0" smtClean="0"/>
+              <a:t> </a:t>
+            </a:r>
+            <a:r>
+              <a:rPr lang="en-US" baseline="0" dirty="0" err="1" smtClean="0"/>
+              <a:t>für</a:t>
+            </a:r>
+            <a:r>
+              <a:rPr lang="en-US" baseline="0" dirty="0" smtClean="0"/>
+              <a:t> den Flow, </a:t>
+            </a:r>
+            <a:r>
+              <a:rPr lang="en-US" baseline="0" dirty="0" err="1" smtClean="0"/>
+              <a:t>ein</a:t>
+            </a:r>
+            <a:r>
+              <a:rPr lang="en-US" baseline="0" dirty="0" smtClean="0"/>
+              <a:t> Adapter </a:t>
+            </a:r>
+            <a:r>
+              <a:rPr lang="en-US" baseline="0" dirty="0" err="1" smtClean="0"/>
+              <a:t>für</a:t>
+            </a:r>
+            <a:r>
+              <a:rPr lang="en-US" baseline="0" dirty="0" smtClean="0"/>
+              <a:t> die Integration</a:t>
+            </a:r>
+            <a:endParaRPr lang="en-US" dirty="0" smtClean="0"/>
+          </a:p>
+          <a:p>
+            <a:pPr marL="342900" indent="-342900"/>
+            <a:endParaRPr lang="en-US" dirty="0" smtClean="0"/>
+          </a:p>
+          <a:p>
+            <a:pPr marL="342900" indent="-342900"/>
+            <a:r>
+              <a:rPr lang="en-US" b="1" dirty="0" smtClean="0"/>
+              <a:t>Orchestration is not a thing by itself.</a:t>
+            </a:r>
+          </a:p>
+          <a:p>
+            <a:pPr marL="342900" indent="-342900"/>
+            <a:endParaRPr lang="en-US" dirty="0" smtClean="0"/>
+          </a:p>
+          <a:p>
+            <a:pPr marL="342900" indent="-342900"/>
+            <a:r>
+              <a:rPr lang="en-US" dirty="0" smtClean="0"/>
+              <a:t>Divide up workflows/orchestrations along service boundaries</a:t>
+            </a:r>
+          </a:p>
+          <a:p>
+            <a:pPr marL="738188" lvl="1" indent="-342900"/>
+            <a:r>
+              <a:rPr lang="en-US" dirty="0" smtClean="0"/>
+              <a:t>Events are published at the end of the sub-flow in a service</a:t>
+            </a:r>
+          </a:p>
+          <a:p>
+            <a:pPr marL="738188" lvl="1" indent="-342900"/>
+            <a:r>
+              <a:rPr lang="en-US" dirty="0" smtClean="0"/>
+              <a:t>Events trigger a sub-flow in other services</a:t>
+            </a:r>
+          </a:p>
+          <a:p>
+            <a:pPr marL="342900" indent="-342900"/>
+            <a:endParaRPr lang="en-US" dirty="0" smtClean="0"/>
+          </a:p>
+          <a:p>
+            <a:pPr marL="342900" indent="-342900"/>
+            <a:r>
+              <a:rPr lang="en-US" dirty="0" smtClean="0"/>
+              <a:t>Sagas can be used for CEP/ESP:</a:t>
+            </a:r>
+          </a:p>
+          <a:p>
+            <a:pPr marL="342900" indent="-342900">
+              <a:buNone/>
+            </a:pPr>
+            <a:r>
+              <a:rPr lang="en-US" dirty="0" smtClean="0"/>
+              <a:t>	complex event processing, event-stream proc.</a:t>
+            </a:r>
           </a:p>
         </p:txBody>
       </p:sp>
@@ -2097,18 +2051,18 @@
           <a:bodyPr/>
           <a:lstStyle/>
           <a:p>
-            <a:fld id="{A905A5AB-8DC5-4B60-A895-8FAC0E3D9A22}" type="slidenum">
-              <a:rPr lang="sv-SE" smtClean="0"/>
-              <a:t>51</a:t>
+            <a:fld id="{3993D047-D8B4-43AA-8641-D9CCF4EC54F4}" type="slidenum">
+              <a:rPr lang="de-CH" smtClean="0"/>
+              <a:t>48</a:t>
             </a:fld>
-            <a:endParaRPr lang="sv-SE"/>
+            <a:endParaRPr lang="de-CH"/>
           </a:p>
         </p:txBody>
       </p:sp>
     </p:spTree>
     <p:extLst>
       <p:ext uri="{BB962C8B-B14F-4D97-AF65-F5344CB8AC3E}">
-        <p14:creationId xmlns:p14="http://schemas.microsoft.com/office/powerpoint/2010/main" val="64758777"/>
+        <p14:creationId xmlns:p14="http://schemas.microsoft.com/office/powerpoint/2010/main" val="2156119482"/>
       </p:ext>
     </p:extLst>
   </p:cSld>
@@ -2164,29 +2118,7 @@
           <a:p>
             <a:r>
               <a:rPr lang="sv-SE" dirty="0" smtClean="0"/>
-              <a:t>Domain</a:t>
-            </a:r>
-            <a:r>
-              <a:rPr lang="sv-SE" baseline="0" dirty="0" smtClean="0"/>
-              <a:t>model</a:t>
-            </a:r>
-          </a:p>
-          <a:p>
-            <a:r>
-              <a:rPr lang="sv-SE" baseline="0" dirty="0" smtClean="0"/>
-              <a:t>Select n+1</a:t>
-            </a:r>
-          </a:p>
-          <a:p>
-            <a:r>
-              <a:rPr lang="sv-SE" baseline="0" dirty="0" smtClean="0"/>
-              <a:t>Fetching strategies</a:t>
-            </a:r>
-          </a:p>
-          <a:p>
-            <a:r>
-              <a:rPr lang="sv-SE" baseline="0" dirty="0" smtClean="0"/>
-              <a:t>Lets run them during the night</a:t>
+              <a:t>Now we call them Scheduled tasks</a:t>
             </a:r>
             <a:endParaRPr lang="sv-SE" dirty="0"/>
           </a:p>
@@ -2209,7 +2141,7 @@
           <a:p>
             <a:fld id="{A905A5AB-8DC5-4B60-A895-8FAC0E3D9A22}" type="slidenum">
               <a:rPr lang="sv-SE" smtClean="0"/>
-              <a:t>52</a:t>
+              <a:t>51</a:t>
             </a:fld>
             <a:endParaRPr lang="sv-SE"/>
           </a:p>
@@ -2218,7 +2150,7 @@
     </p:spTree>
     <p:extLst>
       <p:ext uri="{BB962C8B-B14F-4D97-AF65-F5344CB8AC3E}">
-        <p14:creationId xmlns:p14="http://schemas.microsoft.com/office/powerpoint/2010/main" val="1202191226"/>
+        <p14:creationId xmlns:p14="http://schemas.microsoft.com/office/powerpoint/2010/main" val="64758777"/>
       </p:ext>
     </p:extLst>
   </p:cSld>
@@ -2272,6 +2204,14 @@
           <a:bodyPr/>
           <a:lstStyle/>
           <a:p>
+            <a:r>
+              <a:rPr lang="en-GB" dirty="0" smtClean="0"/>
+              <a:t>The</a:t>
+            </a:r>
+            <a:r>
+              <a:rPr lang="en-GB" baseline="0" dirty="0" smtClean="0"/>
+              <a:t> [Unique] attribute is left out on purpose, we’ll handle this later in the course</a:t>
+            </a:r>
             <a:endParaRPr lang="sv-SE" dirty="0"/>
           </a:p>
         </p:txBody>
@@ -2293,7 +2233,7 @@
           <a:p>
             <a:fld id="{D5BB19A3-B3B6-4398-9889-160C3A008821}" type="slidenum">
               <a:rPr lang="sv-SE" smtClean="0"/>
-              <a:t>15</a:t>
+              <a:t>7</a:t>
             </a:fld>
             <a:endParaRPr lang="sv-SE"/>
           </a:p>
@@ -2302,7 +2242,7 @@
     </p:spTree>
     <p:extLst>
       <p:ext uri="{BB962C8B-B14F-4D97-AF65-F5344CB8AC3E}">
-        <p14:creationId xmlns:p14="http://schemas.microsoft.com/office/powerpoint/2010/main" val="2836389182"/>
+        <p14:creationId xmlns:p14="http://schemas.microsoft.com/office/powerpoint/2010/main" val="1306195027"/>
       </p:ext>
     </p:extLst>
   </p:cSld>
@@ -2358,7 +2298,29 @@
           <a:p>
             <a:r>
               <a:rPr lang="sv-SE" dirty="0" smtClean="0"/>
-              <a:t>The opposite of real time</a:t>
+              <a:t>Domain</a:t>
+            </a:r>
+            <a:r>
+              <a:rPr lang="sv-SE" baseline="0" dirty="0" smtClean="0"/>
+              <a:t>model</a:t>
+            </a:r>
+          </a:p>
+          <a:p>
+            <a:r>
+              <a:rPr lang="sv-SE" baseline="0" dirty="0" smtClean="0"/>
+              <a:t>Select n+1</a:t>
+            </a:r>
+          </a:p>
+          <a:p>
+            <a:r>
+              <a:rPr lang="sv-SE" baseline="0" dirty="0" smtClean="0"/>
+              <a:t>Fetching strategies</a:t>
+            </a:r>
+          </a:p>
+          <a:p>
+            <a:r>
+              <a:rPr lang="sv-SE" baseline="0" dirty="0" smtClean="0"/>
+              <a:t>Lets run them during the night</a:t>
             </a:r>
             <a:endParaRPr lang="sv-SE" dirty="0"/>
           </a:p>
@@ -2381,7 +2343,7 @@
           <a:p>
             <a:fld id="{A905A5AB-8DC5-4B60-A895-8FAC0E3D9A22}" type="slidenum">
               <a:rPr lang="sv-SE" smtClean="0"/>
-              <a:t>54</a:t>
+              <a:t>52</a:t>
             </a:fld>
             <a:endParaRPr lang="sv-SE"/>
           </a:p>
@@ -2390,7 +2352,7 @@
     </p:spTree>
     <p:extLst>
       <p:ext uri="{BB962C8B-B14F-4D97-AF65-F5344CB8AC3E}">
-        <p14:creationId xmlns:p14="http://schemas.microsoft.com/office/powerpoint/2010/main" val="3204017180"/>
+        <p14:creationId xmlns:p14="http://schemas.microsoft.com/office/powerpoint/2010/main" val="1202191226"/>
       </p:ext>
     </p:extLst>
   </p:cSld>
@@ -2446,17 +2408,7 @@
           <a:p>
             <a:r>
               <a:rPr lang="sv-SE" dirty="0" smtClean="0"/>
-              <a:t>What happens if the user buys twice the same day?</a:t>
-            </a:r>
-          </a:p>
-          <a:p>
-            <a:r>
-              <a:rPr lang="sv-SE" dirty="0" smtClean="0"/>
-              <a:t>Asking</a:t>
-            </a:r>
-            <a:r>
-              <a:rPr lang="sv-SE" baseline="0" dirty="0" smtClean="0"/>
-              <a:t> the business can be tricky</a:t>
+              <a:t>The opposite of real time</a:t>
             </a:r>
             <a:endParaRPr lang="sv-SE" dirty="0"/>
           </a:p>
@@ -2479,7 +2431,7 @@
           <a:p>
             <a:fld id="{A905A5AB-8DC5-4B60-A895-8FAC0E3D9A22}" type="slidenum">
               <a:rPr lang="sv-SE" smtClean="0"/>
-              <a:t>55</a:t>
+              <a:t>54</a:t>
             </a:fld>
             <a:endParaRPr lang="sv-SE"/>
           </a:p>
@@ -2488,7 +2440,7 @@
     </p:spTree>
     <p:extLst>
       <p:ext uri="{BB962C8B-B14F-4D97-AF65-F5344CB8AC3E}">
-        <p14:creationId xmlns:p14="http://schemas.microsoft.com/office/powerpoint/2010/main" val="1068677106"/>
+        <p14:creationId xmlns:p14="http://schemas.microsoft.com/office/powerpoint/2010/main" val="3204017180"/>
       </p:ext>
     </p:extLst>
   </p:cSld>
@@ -2544,11 +2496,17 @@
           <a:p>
             <a:r>
               <a:rPr lang="sv-SE" dirty="0" smtClean="0"/>
-              <a:t>We have</a:t>
+              <a:t>What happens if the user buys twice the same day?</a:t>
+            </a:r>
+          </a:p>
+          <a:p>
+            <a:r>
+              <a:rPr lang="sv-SE" dirty="0" smtClean="0"/>
+              <a:t>Asking</a:t>
             </a:r>
             <a:r>
               <a:rPr lang="sv-SE" baseline="0" dirty="0" smtClean="0"/>
-              <a:t> trained the business to think in batches</a:t>
+              <a:t> the business can be tricky</a:t>
             </a:r>
             <a:endParaRPr lang="sv-SE" dirty="0"/>
           </a:p>
@@ -2571,7 +2529,7 @@
           <a:p>
             <a:fld id="{A905A5AB-8DC5-4B60-A895-8FAC0E3D9A22}" type="slidenum">
               <a:rPr lang="sv-SE" smtClean="0"/>
-              <a:t>56</a:t>
+              <a:t>55</a:t>
             </a:fld>
             <a:endParaRPr lang="sv-SE"/>
           </a:p>
@@ -2580,7 +2538,7 @@
     </p:spTree>
     <p:extLst>
       <p:ext uri="{BB962C8B-B14F-4D97-AF65-F5344CB8AC3E}">
-        <p14:creationId xmlns:p14="http://schemas.microsoft.com/office/powerpoint/2010/main" val="4058034003"/>
+        <p14:creationId xmlns:p14="http://schemas.microsoft.com/office/powerpoint/2010/main" val="1068677106"/>
       </p:ext>
     </p:extLst>
   </p:cSld>
@@ -2634,6 +2592,14 @@
           <a:bodyPr/>
           <a:lstStyle/>
           <a:p>
+            <a:r>
+              <a:rPr lang="sv-SE" dirty="0" smtClean="0"/>
+              <a:t>We have</a:t>
+            </a:r>
+            <a:r>
+              <a:rPr lang="sv-SE" baseline="0" dirty="0" smtClean="0"/>
+              <a:t> trained the business to think in batches</a:t>
+            </a:r>
             <a:endParaRPr lang="sv-SE" dirty="0"/>
           </a:p>
         </p:txBody>
@@ -2653,9 +2619,9 @@
           <a:bodyPr/>
           <a:lstStyle/>
           <a:p>
-            <a:fld id="{D5BB19A3-B3B6-4398-9889-160C3A008821}" type="slidenum">
+            <a:fld id="{A905A5AB-8DC5-4B60-A895-8FAC0E3D9A22}" type="slidenum">
               <a:rPr lang="sv-SE" smtClean="0"/>
-              <a:t>58</a:t>
+              <a:t>56</a:t>
             </a:fld>
             <a:endParaRPr lang="sv-SE"/>
           </a:p>
@@ -2664,7 +2630,7 @@
     </p:spTree>
     <p:extLst>
       <p:ext uri="{BB962C8B-B14F-4D97-AF65-F5344CB8AC3E}">
-        <p14:creationId xmlns:p14="http://schemas.microsoft.com/office/powerpoint/2010/main" val="3204655635"/>
+        <p14:creationId xmlns:p14="http://schemas.microsoft.com/office/powerpoint/2010/main" val="4058034003"/>
       </p:ext>
     </p:extLst>
   </p:cSld>
@@ -2715,16 +2681,10 @@
         </p:nvSpPr>
         <p:spPr/>
         <p:txBody>
-          <a:bodyPr>
-            <a:normAutofit/>
-          </a:bodyPr>
-          <a:lstStyle/>
-          <a:p>
-            <a:r>
-              <a:rPr lang="en-US" dirty="0" smtClean="0"/>
-              <a:t>Use the “explain it to me like I was 5 years old” business analysis technique.</a:t>
-            </a:r>
-            <a:endParaRPr lang="en-US" dirty="0"/>
+          <a:bodyPr/>
+          <a:lstStyle/>
+          <a:p>
+            <a:endParaRPr lang="sv-SE" dirty="0"/>
           </a:p>
         </p:txBody>
       </p:sp>
@@ -2735,7 +2695,7 @@
             <a:spLocks noGrp="1"/>
           </p:cNvSpPr>
           <p:nvPr>
-            <p:ph type="sldNum" idx="10"/>
+            <p:ph type="sldNum" sz="quarter" idx="10"/>
           </p:nvPr>
         </p:nvSpPr>
         <p:spPr/>
@@ -2743,19 +2703,18 @@
           <a:bodyPr/>
           <a:lstStyle/>
           <a:p>
-            <a:fld id="{7ACA2796-6D5E-4AAD-9D66-AE6CE657D5C0}" type="slidenum">
-              <a:rPr lang="en-GB" smtClean="0"/>
-              <a:pPr/>
-              <a:t>72</a:t>
+            <a:fld id="{D5BB19A3-B3B6-4398-9889-160C3A008821}" type="slidenum">
+              <a:rPr lang="sv-SE" smtClean="0"/>
+              <a:t>58</a:t>
             </a:fld>
-            <a:endParaRPr lang="en-GB"/>
+            <a:endParaRPr lang="sv-SE"/>
           </a:p>
         </p:txBody>
       </p:sp>
     </p:spTree>
     <p:extLst>
       <p:ext uri="{BB962C8B-B14F-4D97-AF65-F5344CB8AC3E}">
-        <p14:creationId xmlns:p14="http://schemas.microsoft.com/office/powerpoint/2010/main" val="152178608"/>
+        <p14:creationId xmlns:p14="http://schemas.microsoft.com/office/powerpoint/2010/main" val="3204655635"/>
       </p:ext>
     </p:extLst>
   </p:cSld>
@@ -2806,16 +2765,22 @@
         </p:nvSpPr>
         <p:spPr/>
         <p:txBody>
-          <a:bodyPr>
-            <a:normAutofit/>
-          </a:bodyPr>
-          <a:lstStyle/>
-          <a:p>
-            <a:r>
-              <a:rPr lang="en-US" dirty="0" smtClean="0"/>
-              <a:t>So, no real race condition – we have the time and space to run business logic later.</a:t>
-            </a:r>
-            <a:endParaRPr lang="en-US" dirty="0"/>
+          <a:bodyPr/>
+          <a:lstStyle/>
+          <a:p>
+            <a:r>
+              <a:rPr lang="en-GB" dirty="0" err="1" smtClean="0"/>
+              <a:t>parseJson</a:t>
+            </a:r>
+            <a:r>
+              <a:rPr lang="en-GB" baseline="0" dirty="0" smtClean="0"/>
+              <a:t> is a custom </a:t>
+            </a:r>
+            <a:r>
+              <a:rPr lang="en-GB" baseline="0" dirty="0" err="1" smtClean="0"/>
+              <a:t>func</a:t>
+            </a:r>
+            <a:endParaRPr lang="sv-SE" dirty="0"/>
           </a:p>
         </p:txBody>
       </p:sp>
@@ -2826,7 +2791,7 @@
             <a:spLocks noGrp="1"/>
           </p:cNvSpPr>
           <p:nvPr>
-            <p:ph type="sldNum" idx="10"/>
+            <p:ph type="sldNum" sz="quarter" idx="10"/>
           </p:nvPr>
         </p:nvSpPr>
         <p:spPr/>
@@ -2834,19 +2799,18 @@
           <a:bodyPr/>
           <a:lstStyle/>
           <a:p>
-            <a:fld id="{7ACA2796-6D5E-4AAD-9D66-AE6CE657D5C0}" type="slidenum">
-              <a:rPr lang="en-GB" smtClean="0"/>
-              <a:pPr/>
-              <a:t>73</a:t>
+            <a:fld id="{D5BB19A3-B3B6-4398-9889-160C3A008821}" type="slidenum">
+              <a:rPr lang="sv-SE" smtClean="0"/>
+              <a:t>65</a:t>
             </a:fld>
-            <a:endParaRPr lang="en-GB"/>
+            <a:endParaRPr lang="sv-SE"/>
           </a:p>
         </p:txBody>
       </p:sp>
     </p:spTree>
     <p:extLst>
       <p:ext uri="{BB962C8B-B14F-4D97-AF65-F5344CB8AC3E}">
-        <p14:creationId xmlns:p14="http://schemas.microsoft.com/office/powerpoint/2010/main" val="345938652"/>
+        <p14:creationId xmlns:p14="http://schemas.microsoft.com/office/powerpoint/2010/main" val="4029256152"/>
       </p:ext>
     </p:extLst>
   </p:cSld>
@@ -2904,6 +2868,188 @@
           <a:p>
             <a:r>
               <a:rPr lang="en-US" dirty="0" smtClean="0"/>
+              <a:t>Use the “explain it to me like I was 5 years old” business analysis technique.</a:t>
+            </a:r>
+            <a:endParaRPr lang="en-US" dirty="0"/>
+          </a:p>
+        </p:txBody>
+      </p:sp>
+      <p:sp>
+        <p:nvSpPr>
+          <p:cNvPr id="4" name="Slide Number Placeholder 3"/>
+          <p:cNvSpPr>
+            <a:spLocks noGrp="1"/>
+          </p:cNvSpPr>
+          <p:nvPr>
+            <p:ph type="sldNum" idx="10"/>
+          </p:nvPr>
+        </p:nvSpPr>
+        <p:spPr/>
+        <p:txBody>
+          <a:bodyPr/>
+          <a:lstStyle/>
+          <a:p>
+            <a:fld id="{7ACA2796-6D5E-4AAD-9D66-AE6CE657D5C0}" type="slidenum">
+              <a:rPr lang="en-GB" smtClean="0"/>
+              <a:pPr/>
+              <a:t>72</a:t>
+            </a:fld>
+            <a:endParaRPr lang="en-GB"/>
+          </a:p>
+        </p:txBody>
+      </p:sp>
+    </p:spTree>
+    <p:extLst>
+      <p:ext uri="{BB962C8B-B14F-4D97-AF65-F5344CB8AC3E}">
+        <p14:creationId xmlns:p14="http://schemas.microsoft.com/office/powerpoint/2010/main" val="152178608"/>
+      </p:ext>
+    </p:extLst>
+  </p:cSld>
+  <p:clrMapOvr>
+    <a:masterClrMapping/>
+  </p:clrMapOvr>
+</p:notes>
+</file>
+
+<file path=ppt/notesSlides/notesSlide27.xml><?xml version="1.0" encoding="utf-8"?>
+<p:notes xmlns:a="http://schemas.openxmlformats.org/drawingml/2006/main" xmlns:r="http://schemas.openxmlformats.org/officeDocument/2006/relationships" xmlns:p="http://schemas.openxmlformats.org/presentationml/2006/main">
+  <p:cSld>
+    <p:spTree>
+      <p:nvGrpSpPr>
+        <p:cNvPr id="1" name=""/>
+        <p:cNvGrpSpPr/>
+        <p:nvPr/>
+      </p:nvGrpSpPr>
+      <p:grpSpPr>
+        <a:xfrm>
+          <a:off x="0" y="0"/>
+          <a:ext cx="0" cy="0"/>
+          <a:chOff x="0" y="0"/>
+          <a:chExt cx="0" cy="0"/>
+        </a:xfrm>
+      </p:grpSpPr>
+      <p:sp>
+        <p:nvSpPr>
+          <p:cNvPr id="2" name="Slide Image Placeholder 1"/>
+          <p:cNvSpPr>
+            <a:spLocks noGrp="1" noRot="1" noChangeAspect="1"/>
+          </p:cNvSpPr>
+          <p:nvPr>
+            <p:ph type="sldImg"/>
+          </p:nvPr>
+        </p:nvSpPr>
+        <p:spPr/>
+      </p:sp>
+      <p:sp>
+        <p:nvSpPr>
+          <p:cNvPr id="3" name="Notes Placeholder 2"/>
+          <p:cNvSpPr>
+            <a:spLocks noGrp="1"/>
+          </p:cNvSpPr>
+          <p:nvPr>
+            <p:ph type="body" idx="1"/>
+          </p:nvPr>
+        </p:nvSpPr>
+        <p:spPr/>
+        <p:txBody>
+          <a:bodyPr>
+            <a:normAutofit/>
+          </a:bodyPr>
+          <a:lstStyle/>
+          <a:p>
+            <a:r>
+              <a:rPr lang="en-US" dirty="0" smtClean="0"/>
+              <a:t>So, no real race condition – we have the time and space to run business logic later.</a:t>
+            </a:r>
+            <a:endParaRPr lang="en-US" dirty="0"/>
+          </a:p>
+        </p:txBody>
+      </p:sp>
+      <p:sp>
+        <p:nvSpPr>
+          <p:cNvPr id="4" name="Slide Number Placeholder 3"/>
+          <p:cNvSpPr>
+            <a:spLocks noGrp="1"/>
+          </p:cNvSpPr>
+          <p:nvPr>
+            <p:ph type="sldNum" idx="10"/>
+          </p:nvPr>
+        </p:nvSpPr>
+        <p:spPr/>
+        <p:txBody>
+          <a:bodyPr/>
+          <a:lstStyle/>
+          <a:p>
+            <a:fld id="{7ACA2796-6D5E-4AAD-9D66-AE6CE657D5C0}" type="slidenum">
+              <a:rPr lang="en-GB" smtClean="0"/>
+              <a:pPr/>
+              <a:t>73</a:t>
+            </a:fld>
+            <a:endParaRPr lang="en-GB"/>
+          </a:p>
+        </p:txBody>
+      </p:sp>
+    </p:spTree>
+    <p:extLst>
+      <p:ext uri="{BB962C8B-B14F-4D97-AF65-F5344CB8AC3E}">
+        <p14:creationId xmlns:p14="http://schemas.microsoft.com/office/powerpoint/2010/main" val="345938652"/>
+      </p:ext>
+    </p:extLst>
+  </p:cSld>
+  <p:clrMapOvr>
+    <a:masterClrMapping/>
+  </p:clrMapOvr>
+</p:notes>
+</file>
+
+<file path=ppt/notesSlides/notesSlide28.xml><?xml version="1.0" encoding="utf-8"?>
+<p:notes xmlns:a="http://schemas.openxmlformats.org/drawingml/2006/main" xmlns:r="http://schemas.openxmlformats.org/officeDocument/2006/relationships" xmlns:p="http://schemas.openxmlformats.org/presentationml/2006/main">
+  <p:cSld>
+    <p:spTree>
+      <p:nvGrpSpPr>
+        <p:cNvPr id="1" name=""/>
+        <p:cNvGrpSpPr/>
+        <p:nvPr/>
+      </p:nvGrpSpPr>
+      <p:grpSpPr>
+        <a:xfrm>
+          <a:off x="0" y="0"/>
+          <a:ext cx="0" cy="0"/>
+          <a:chOff x="0" y="0"/>
+          <a:chExt cx="0" cy="0"/>
+        </a:xfrm>
+      </p:grpSpPr>
+      <p:sp>
+        <p:nvSpPr>
+          <p:cNvPr id="2" name="Slide Image Placeholder 1"/>
+          <p:cNvSpPr>
+            <a:spLocks noGrp="1" noRot="1" noChangeAspect="1"/>
+          </p:cNvSpPr>
+          <p:nvPr>
+            <p:ph type="sldImg"/>
+          </p:nvPr>
+        </p:nvSpPr>
+        <p:spPr/>
+      </p:sp>
+      <p:sp>
+        <p:nvSpPr>
+          <p:cNvPr id="3" name="Notes Placeholder 2"/>
+          <p:cNvSpPr>
+            <a:spLocks noGrp="1"/>
+          </p:cNvSpPr>
+          <p:nvPr>
+            <p:ph type="body" idx="1"/>
+          </p:nvPr>
+        </p:nvSpPr>
+        <p:spPr/>
+        <p:txBody>
+          <a:bodyPr>
+            <a:normAutofit/>
+          </a:bodyPr>
+          <a:lstStyle/>
+          <a:p>
+            <a:r>
+              <a:rPr lang="en-US" dirty="0" smtClean="0"/>
               <a:t>Products returned in 30 days – full refund (less shipping and handling)</a:t>
             </a:r>
           </a:p>
@@ -2967,7 +3113,7 @@
 </p:notes>
 </file>
 
-<file path=ppt/notesSlides/notesSlide27.xml><?xml version="1.0" encoding="utf-8"?>
+<file path=ppt/notesSlides/notesSlide29.xml><?xml version="1.0" encoding="utf-8"?>
 <p:notes xmlns:a="http://schemas.openxmlformats.org/drawingml/2006/main" xmlns:r="http://schemas.openxmlformats.org/officeDocument/2006/relationships" xmlns:p="http://schemas.openxmlformats.org/presentationml/2006/main">
   <p:cSld>
     <p:spTree>
@@ -3160,10 +3306,6 @@
           <a:bodyPr/>
           <a:lstStyle/>
           <a:p>
-            <a:r>
-              <a:rPr lang="en-GB" dirty="0" smtClean="0"/>
-              <a:t>Bring one of the pairs up to demo (volunteer)</a:t>
-            </a:r>
             <a:endParaRPr lang="sv-SE" dirty="0"/>
           </a:p>
         </p:txBody>
@@ -3185,7 +3327,7 @@
           <a:p>
             <a:fld id="{D5BB19A3-B3B6-4398-9889-160C3A008821}" type="slidenum">
               <a:rPr lang="sv-SE" smtClean="0"/>
-              <a:t>19</a:t>
+              <a:t>15</a:t>
             </a:fld>
             <a:endParaRPr lang="sv-SE"/>
           </a:p>
@@ -3194,7 +3336,7 @@
     </p:spTree>
     <p:extLst>
       <p:ext uri="{BB962C8B-B14F-4D97-AF65-F5344CB8AC3E}">
-        <p14:creationId xmlns:p14="http://schemas.microsoft.com/office/powerpoint/2010/main" val="119303218"/>
+        <p14:creationId xmlns:p14="http://schemas.microsoft.com/office/powerpoint/2010/main" val="2836389182"/>
       </p:ext>
     </p:extLst>
   </p:cSld>
@@ -3249,28 +3391,9 @@
           <a:lstStyle/>
           <a:p>
             <a:r>
-              <a:rPr lang="sv-SE" dirty="0" smtClean="0"/>
-              <a:t>Database down</a:t>
-            </a:r>
-            <a:r>
-              <a:rPr lang="sv-SE" baseline="0" dirty="0" smtClean="0"/>
-              <a:t> not necessarily == PANIC .... Could be failing over to a failover partner and will be back up in ~90 seconds</a:t>
-            </a:r>
-            <a:endParaRPr lang="sv-SE" dirty="0" smtClean="0"/>
-          </a:p>
-          <a:p>
-            <a:endParaRPr lang="sv-SE" dirty="0" smtClean="0"/>
-          </a:p>
-          <a:p>
-            <a:r>
-              <a:rPr lang="sv-SE" dirty="0" smtClean="0"/>
-              <a:t>ActiveMq: Uses it’s own SLR mechanism</a:t>
-            </a:r>
-          </a:p>
-          <a:p>
-            <a:endParaRPr lang="sv-SE" dirty="0" smtClean="0"/>
-          </a:p>
-          <a:p>
+              <a:rPr lang="en-GB" dirty="0" smtClean="0"/>
+              <a:t>Bring one of the pairs up to demo (volunteer)</a:t>
+            </a:r>
             <a:endParaRPr lang="sv-SE" dirty="0"/>
           </a:p>
         </p:txBody>
@@ -3282,7 +3405,7 @@
             <a:spLocks noGrp="1"/>
           </p:cNvSpPr>
           <p:nvPr>
-            <p:ph type="sldNum" idx="10"/>
+            <p:ph type="sldNum" sz="quarter" idx="10"/>
           </p:nvPr>
         </p:nvSpPr>
         <p:spPr/>
@@ -3290,19 +3413,18 @@
           <a:bodyPr/>
           <a:lstStyle/>
           <a:p>
-            <a:fld id="{7ACA2796-6D5E-4AAD-9D66-AE6CE657D5C0}" type="slidenum">
-              <a:rPr lang="en-GB" smtClean="0"/>
-              <a:pPr/>
-              <a:t>22</a:t>
+            <a:fld id="{D5BB19A3-B3B6-4398-9889-160C3A008821}" type="slidenum">
+              <a:rPr lang="sv-SE" smtClean="0"/>
+              <a:t>19</a:t>
             </a:fld>
-            <a:endParaRPr lang="en-GB"/>
+            <a:endParaRPr lang="sv-SE"/>
           </a:p>
         </p:txBody>
       </p:sp>
     </p:spTree>
     <p:extLst>
       <p:ext uri="{BB962C8B-B14F-4D97-AF65-F5344CB8AC3E}">
-        <p14:creationId xmlns:p14="http://schemas.microsoft.com/office/powerpoint/2010/main" val="2700156319"/>
+        <p14:creationId xmlns:p14="http://schemas.microsoft.com/office/powerpoint/2010/main" val="119303218"/>
       </p:ext>
     </p:extLst>
   </p:cSld>
@@ -3357,32 +3479,28 @@
           <a:lstStyle/>
           <a:p>
             <a:r>
-              <a:rPr lang="en-GB" dirty="0" smtClean="0"/>
-              <a:t>You are exposed to concurrency when</a:t>
-            </a:r>
-            <a:r>
-              <a:rPr lang="en-GB" baseline="0" dirty="0" smtClean="0"/>
-              <a:t> </a:t>
-            </a:r>
-            <a:r>
-              <a:rPr lang="en-GB" dirty="0" smtClean="0"/>
-              <a:t>concurrency SETTINGS &gt;1 </a:t>
-            </a:r>
-          </a:p>
-          <a:p>
-            <a:endParaRPr lang="en-GB" dirty="0" smtClean="0"/>
-          </a:p>
-          <a:p>
-            <a:r>
-              <a:rPr lang="en-GB" dirty="0" smtClean="0"/>
-              <a:t>will the default in v6</a:t>
-            </a:r>
-          </a:p>
-          <a:p>
-            <a:pPr marL="0" indent="0">
-              <a:buFont typeface="Arial" panose="020B0604020202020204" pitchFamily="34" charset="0"/>
-              <a:buNone/>
-            </a:pPr>
+              <a:rPr lang="sv-SE" dirty="0" smtClean="0"/>
+              <a:t>Database down</a:t>
+            </a:r>
+            <a:r>
+              <a:rPr lang="sv-SE" baseline="0" dirty="0" smtClean="0"/>
+              <a:t> not necessarily == PANIC .... Could be failing over to a failover partner and will be back up in ~90 seconds</a:t>
+            </a:r>
+            <a:endParaRPr lang="sv-SE" dirty="0" smtClean="0"/>
+          </a:p>
+          <a:p>
+            <a:endParaRPr lang="sv-SE" dirty="0" smtClean="0"/>
+          </a:p>
+          <a:p>
+            <a:r>
+              <a:rPr lang="sv-SE" dirty="0" smtClean="0"/>
+              <a:t>ActiveMq: Uses it’s own SLR mechanism</a:t>
+            </a:r>
+          </a:p>
+          <a:p>
+            <a:endParaRPr lang="sv-SE" dirty="0" smtClean="0"/>
+          </a:p>
+          <a:p>
             <a:endParaRPr lang="sv-SE" dirty="0"/>
           </a:p>
         </p:txBody>
@@ -3394,7 +3512,7 @@
             <a:spLocks noGrp="1"/>
           </p:cNvSpPr>
           <p:nvPr>
-            <p:ph type="sldNum" sz="quarter" idx="10"/>
+            <p:ph type="sldNum" idx="10"/>
           </p:nvPr>
         </p:nvSpPr>
         <p:spPr/>
@@ -3402,18 +3520,19 @@
           <a:bodyPr/>
           <a:lstStyle/>
           <a:p>
-            <a:fld id="{D5BB19A3-B3B6-4398-9889-160C3A008821}" type="slidenum">
-              <a:rPr lang="sv-SE" smtClean="0"/>
-              <a:t>24</a:t>
+            <a:fld id="{7ACA2796-6D5E-4AAD-9D66-AE6CE657D5C0}" type="slidenum">
+              <a:rPr lang="en-GB" smtClean="0"/>
+              <a:pPr/>
+              <a:t>22</a:t>
             </a:fld>
-            <a:endParaRPr lang="sv-SE"/>
+            <a:endParaRPr lang="en-GB"/>
           </a:p>
         </p:txBody>
       </p:sp>
     </p:spTree>
     <p:extLst>
       <p:ext uri="{BB962C8B-B14F-4D97-AF65-F5344CB8AC3E}">
-        <p14:creationId xmlns:p14="http://schemas.microsoft.com/office/powerpoint/2010/main" val="3550659935"/>
+        <p14:creationId xmlns:p14="http://schemas.microsoft.com/office/powerpoint/2010/main" val="2700156319"/>
       </p:ext>
     </p:extLst>
   </p:cSld>
@@ -3469,12 +3588,31 @@
           <a:p>
             <a:r>
               <a:rPr lang="en-GB" dirty="0" smtClean="0"/>
-              <a:t>This is the exercise</a:t>
+              <a:t>You are exposed to concurrency when</a:t>
             </a:r>
             <a:r>
               <a:rPr lang="en-GB" baseline="0" dirty="0" smtClean="0"/>
-              <a:t> they just coded</a:t>
-            </a:r>
+              <a:t> </a:t>
+            </a:r>
+            <a:r>
+              <a:rPr lang="en-GB" dirty="0" smtClean="0"/>
+              <a:t>concurrency SETTINGS &gt;1 </a:t>
+            </a:r>
+          </a:p>
+          <a:p>
+            <a:endParaRPr lang="en-GB" dirty="0" smtClean="0"/>
+          </a:p>
+          <a:p>
+            <a:r>
+              <a:rPr lang="en-GB" dirty="0" smtClean="0"/>
+              <a:t>will the default in v6</a:t>
+            </a:r>
+          </a:p>
+          <a:p>
+            <a:pPr marL="0" indent="0">
+              <a:buFont typeface="Arial" panose="020B0604020202020204" pitchFamily="34" charset="0"/>
+              <a:buNone/>
+            </a:pPr>
             <a:endParaRPr lang="sv-SE" dirty="0"/>
           </a:p>
         </p:txBody>
@@ -3496,7 +3634,7 @@
           <a:p>
             <a:fld id="{D5BB19A3-B3B6-4398-9889-160C3A008821}" type="slidenum">
               <a:rPr lang="sv-SE" smtClean="0"/>
-              <a:t>25</a:t>
+              <a:t>24</a:t>
             </a:fld>
             <a:endParaRPr lang="sv-SE"/>
           </a:p>
@@ -3505,7 +3643,7 @@
     </p:spTree>
     <p:extLst>
       <p:ext uri="{BB962C8B-B14F-4D97-AF65-F5344CB8AC3E}">
-        <p14:creationId xmlns:p14="http://schemas.microsoft.com/office/powerpoint/2010/main" val="3704050602"/>
+        <p14:creationId xmlns:p14="http://schemas.microsoft.com/office/powerpoint/2010/main" val="3550659935"/>
       </p:ext>
     </p:extLst>
   </p:cSld>
@@ -3559,244 +3697,14 @@
           <a:bodyPr/>
           <a:lstStyle/>
           <a:p>
-            <a:pPr marL="0" marR="0" indent="0" algn="l" defTabSz="914400" rtl="0" eaLnBrk="1" fontAlgn="auto" latinLnBrk="0" hangingPunct="1">
-              <a:lnSpc>
-                <a:spcPct val="100000"/>
-              </a:lnSpc>
-              <a:spcBef>
-                <a:spcPts val="0"/>
-              </a:spcBef>
-              <a:spcAft>
-                <a:spcPts val="0"/>
-              </a:spcAft>
-              <a:buClrTx/>
-              <a:buSzTx/>
-              <a:buFontTx/>
-              <a:buNone/>
-              <a:tabLst/>
-              <a:defRPr/>
-            </a:pPr>
-            <a:r>
-              <a:rPr lang="en-US" dirty="0" smtClean="0"/>
-              <a:t>exec </a:t>
-            </a:r>
-            <a:r>
-              <a:rPr lang="en-US" dirty="0" err="1" smtClean="0"/>
-              <a:t>sp_executesql</a:t>
-            </a:r>
-            <a:r>
-              <a:rPr lang="en-US" dirty="0" smtClean="0"/>
-              <a:t> N'UPDATE </a:t>
-            </a:r>
-            <a:r>
-              <a:rPr lang="en-US" dirty="0" err="1" smtClean="0"/>
-              <a:t>ShippingPolicy</a:t>
-            </a:r>
-            <a:r>
-              <a:rPr lang="en-US" dirty="0" smtClean="0"/>
-              <a:t> SET Billed = @p0 </a:t>
-            </a:r>
-            <a:r>
-              <a:rPr lang="en-US" sz="1600" dirty="0" smtClean="0"/>
-              <a:t>WHERE</a:t>
-            </a:r>
-            <a:r>
-              <a:rPr lang="en-US" dirty="0" smtClean="0"/>
-              <a:t> Id = @p1 AND Originator = @p2 AND </a:t>
-            </a:r>
-            <a:r>
-              <a:rPr lang="en-US" dirty="0" err="1" smtClean="0"/>
-              <a:t>OriginalMessageId</a:t>
-            </a:r>
-            <a:r>
-              <a:rPr lang="en-US" dirty="0" smtClean="0"/>
-              <a:t> = @p3 AND </a:t>
-            </a:r>
-            <a:r>
-              <a:rPr lang="en-US" dirty="0" err="1" smtClean="0"/>
-              <a:t>OrderId</a:t>
-            </a:r>
-            <a:r>
-              <a:rPr lang="en-US" dirty="0" smtClean="0"/>
-              <a:t> = @p4 AND Placed = @p5 AND Billed = @p6',N'@p0 bit,@p1 uniqueidentifier,@p2 </a:t>
-            </a:r>
-            <a:r>
-              <a:rPr lang="en-US" dirty="0" err="1" smtClean="0"/>
-              <a:t>nvarchar</a:t>
-            </a:r>
-            <a:r>
-              <a:rPr lang="en-US" dirty="0" smtClean="0"/>
-              <a:t>(4000),@p3 </a:t>
-            </a:r>
-            <a:r>
-              <a:rPr lang="en-US" dirty="0" err="1" smtClean="0"/>
-              <a:t>nvarchar</a:t>
-            </a:r>
-            <a:r>
-              <a:rPr lang="en-US" dirty="0" smtClean="0"/>
-              <a:t>(4000),@p4 </a:t>
-            </a:r>
-            <a:r>
-              <a:rPr lang="en-US" dirty="0" err="1" smtClean="0"/>
-              <a:t>nvarchar</a:t>
-            </a:r>
-            <a:r>
-              <a:rPr lang="en-US" dirty="0" smtClean="0"/>
-              <a:t>(4000),@p5 bit,@p6 bit',@p0=1,@p1='870D112B-44D1-4206-A4DB-A55B015DA80A',@p2=N'Sales@ANDREAS2015',@p3=N'baf9b6bb-a0da-41b9-8a81-a55b015d7a05',@p4=N'a23a2438-3af6-4c0a-a108-7f8e72d12083',@p5=1,@p6=0</a:t>
-            </a:r>
-          </a:p>
-          <a:p>
-            <a:pPr marL="0" marR="0" indent="0" algn="l" defTabSz="914400" rtl="0" eaLnBrk="1" fontAlgn="auto" latinLnBrk="0" hangingPunct="1">
-              <a:lnSpc>
-                <a:spcPct val="100000"/>
-              </a:lnSpc>
-              <a:spcBef>
-                <a:spcPts val="0"/>
-              </a:spcBef>
-              <a:spcAft>
-                <a:spcPts val="0"/>
-              </a:spcAft>
-              <a:buClrTx/>
-              <a:buSzTx/>
-              <a:buFontTx/>
-              <a:buNone/>
-              <a:tabLst/>
-              <a:defRPr/>
-            </a:pPr>
-            <a:endParaRPr lang="en-US" dirty="0" smtClean="0"/>
-          </a:p>
-          <a:p>
-            <a:pPr marL="0" marR="0" indent="0" algn="l" defTabSz="914400" rtl="0" eaLnBrk="1" fontAlgn="auto" latinLnBrk="0" hangingPunct="1">
-              <a:lnSpc>
-                <a:spcPct val="100000"/>
-              </a:lnSpc>
-              <a:spcBef>
-                <a:spcPts val="0"/>
-              </a:spcBef>
-              <a:spcAft>
-                <a:spcPts val="0"/>
-              </a:spcAft>
-              <a:buClrTx/>
-              <a:buSzTx/>
-              <a:buFontTx/>
-              <a:buNone/>
-              <a:tabLst/>
-              <a:defRPr/>
-            </a:pPr>
-            <a:r>
-              <a:rPr lang="en-US" dirty="0" smtClean="0"/>
-              <a:t>After </a:t>
-            </a:r>
-            <a:r>
-              <a:rPr lang="en-US" dirty="0" err="1" smtClean="0"/>
-              <a:t>rowversion</a:t>
-            </a:r>
-            <a:r>
-              <a:rPr lang="en-US" dirty="0" smtClean="0"/>
-              <a:t> trick:</a:t>
-            </a:r>
-          </a:p>
-          <a:p>
-            <a:pPr marL="0" marR="0" indent="0" algn="l" defTabSz="914400" rtl="0" eaLnBrk="1" fontAlgn="auto" latinLnBrk="0" hangingPunct="1">
-              <a:lnSpc>
-                <a:spcPct val="100000"/>
-              </a:lnSpc>
-              <a:spcBef>
-                <a:spcPts val="0"/>
-              </a:spcBef>
-              <a:spcAft>
-                <a:spcPts val="0"/>
-              </a:spcAft>
-              <a:buClrTx/>
-              <a:buSzTx/>
-              <a:buFontTx/>
-              <a:buNone/>
-              <a:tabLst/>
-              <a:defRPr/>
-            </a:pPr>
-            <a:endParaRPr lang="en-US" dirty="0" smtClean="0"/>
-          </a:p>
-          <a:p>
-            <a:pPr marL="0" marR="0" indent="0" algn="l" defTabSz="914400" rtl="0" eaLnBrk="1" fontAlgn="auto" latinLnBrk="0" hangingPunct="1">
-              <a:lnSpc>
-                <a:spcPct val="100000"/>
-              </a:lnSpc>
-              <a:spcBef>
-                <a:spcPts val="0"/>
-              </a:spcBef>
-              <a:spcAft>
-                <a:spcPts val="0"/>
-              </a:spcAft>
-              <a:buClrTx/>
-              <a:buSzTx/>
-              <a:buFontTx/>
-              <a:buNone/>
-              <a:tabLst/>
-              <a:defRPr/>
-            </a:pPr>
-            <a:r>
-              <a:rPr lang="en-US" dirty="0" smtClean="0"/>
-              <a:t>exec </a:t>
-            </a:r>
-            <a:r>
-              <a:rPr lang="en-US" dirty="0" err="1" smtClean="0"/>
-              <a:t>sp_executesql</a:t>
-            </a:r>
-            <a:r>
-              <a:rPr lang="en-US" dirty="0" smtClean="0"/>
-              <a:t> N'UPDATE </a:t>
-            </a:r>
-            <a:r>
-              <a:rPr lang="en-US" dirty="0" err="1" smtClean="0"/>
-              <a:t>ShippingPolicy</a:t>
-            </a:r>
-            <a:r>
-              <a:rPr lang="en-US" dirty="0" smtClean="0"/>
-              <a:t> SET Version = @p0, </a:t>
-            </a:r>
-            <a:r>
-              <a:rPr lang="en-US" dirty="0" err="1" smtClean="0"/>
-              <a:t>OrderId</a:t>
-            </a:r>
-            <a:r>
-              <a:rPr lang="en-US" dirty="0" smtClean="0"/>
-              <a:t> = @p1, Placed = @p2, Billed = @p3, Originator = @p4, </a:t>
-            </a:r>
-            <a:r>
-              <a:rPr lang="en-US" dirty="0" err="1" smtClean="0"/>
-              <a:t>OriginalMessageId</a:t>
-            </a:r>
-            <a:r>
-              <a:rPr lang="en-US" dirty="0" smtClean="0"/>
-              <a:t> = @p5 WHERE Id = @p6 AND Version = @p7',N'@p0 int,@p1 </a:t>
-            </a:r>
-            <a:r>
-              <a:rPr lang="en-US" dirty="0" err="1" smtClean="0"/>
-              <a:t>nvarchar</a:t>
-            </a:r>
-            <a:r>
-              <a:rPr lang="en-US" dirty="0" smtClean="0"/>
-              <a:t>(4000),@p2 bit,@p3 bit,@p4 </a:t>
-            </a:r>
-            <a:r>
-              <a:rPr lang="en-US" dirty="0" err="1" smtClean="0"/>
-              <a:t>nvarchar</a:t>
-            </a:r>
-            <a:r>
-              <a:rPr lang="en-US" dirty="0" smtClean="0"/>
-              <a:t>(4000),@p5 </a:t>
-            </a:r>
-            <a:r>
-              <a:rPr lang="en-US" dirty="0" err="1" smtClean="0"/>
-              <a:t>nvarchar</a:t>
-            </a:r>
-            <a:r>
-              <a:rPr lang="en-US" dirty="0" smtClean="0"/>
-              <a:t>(4000),@p6 uniqueidentifier,@p7 int',@p0=2,@p1=N'86427be3-59a5-453d-9c75-aab2a4b466be',@p2=1,@p3=1,@p4=N'Sales@ANDREAS2015',@p5=N'b5e51adb-9d18-40b9-bcea-a55c01356c38',@p6='3FAD8522-46EE-4C0E-B18D-A55C01356DA4',@p7=1</a:t>
-            </a:r>
-            <a:endParaRPr lang="en-GB" dirty="0" smtClean="0"/>
-          </a:p>
-          <a:p>
+            <a:r>
+              <a:rPr lang="en-GB" dirty="0" smtClean="0"/>
+              <a:t>This is the exercise</a:t>
+            </a:r>
+            <a:r>
+              <a:rPr lang="en-GB" baseline="0" dirty="0" smtClean="0"/>
+              <a:t> they just coded</a:t>
+            </a:r>
             <a:endParaRPr lang="sv-SE" dirty="0"/>
           </a:p>
         </p:txBody>
@@ -3818,7 +3726,7 @@
           <a:p>
             <a:fld id="{D5BB19A3-B3B6-4398-9889-160C3A008821}" type="slidenum">
               <a:rPr lang="sv-SE" smtClean="0"/>
-              <a:t>26</a:t>
+              <a:t>25</a:t>
             </a:fld>
             <a:endParaRPr lang="sv-SE"/>
           </a:p>
@@ -3827,7 +3735,7 @@
     </p:spTree>
     <p:extLst>
       <p:ext uri="{BB962C8B-B14F-4D97-AF65-F5344CB8AC3E}">
-        <p14:creationId xmlns:p14="http://schemas.microsoft.com/office/powerpoint/2010/main" val="3287629598"/>
+        <p14:creationId xmlns:p14="http://schemas.microsoft.com/office/powerpoint/2010/main" val="3704050602"/>
       </p:ext>
     </p:extLst>
   </p:cSld>
@@ -3908,23 +3816,23 @@
             </a:r>
             <a:r>
               <a:rPr lang="en-US" dirty="0" smtClean="0"/>
-              <a:t> N'SELECT </a:t>
+              <a:t> N'UPDATE </a:t>
             </a:r>
             <a:r>
               <a:rPr lang="en-US" dirty="0" err="1" smtClean="0"/>
-              <a:t>this_.Id</a:t>
+              <a:t>ShippingPolicy</a:t>
             </a:r>
             <a:r>
               <a:rPr lang="en-US" dirty="0" smtClean="0"/>
-              <a:t> as Id0_0_, </a:t>
-            </a:r>
-            <a:r>
-              <a:rPr lang="en-US" dirty="0" err="1" smtClean="0"/>
-              <a:t>this_.Originator</a:t>
+              <a:t> SET Billed = @p0 </a:t>
+            </a:r>
+            <a:r>
+              <a:rPr lang="en-US" sz="1600" dirty="0" smtClean="0"/>
+              <a:t>WHERE</a:t>
             </a:r>
             <a:r>
               <a:rPr lang="en-US" dirty="0" smtClean="0"/>
-              <a:t> as Originator0_0_, this_.</a:t>
+              <a:t> Id = @p1 AND Originator = @p2 AND </a:t>
             </a:r>
             <a:r>
               <a:rPr lang="en-US" dirty="0" err="1" smtClean="0"/>
@@ -3932,7 +3840,7 @@
             </a:r>
             <a:r>
               <a:rPr lang="en-US" dirty="0" smtClean="0"/>
-              <a:t> as Original3_0_0_, this_.</a:t>
+              <a:t> = @p3 AND </a:t>
             </a:r>
             <a:r>
               <a:rPr lang="en-US" dirty="0" err="1" smtClean="0"/>
@@ -3940,39 +3848,141 @@
             </a:r>
             <a:r>
               <a:rPr lang="en-US" dirty="0" smtClean="0"/>
-              <a:t> as OrderId1_0_, this_.</a:t>
+              <a:t> = @p4 AND Placed = @p5 AND Billed = @p6',N'@p0 bit,@p1 uniqueidentifier,@p2 </a:t>
             </a:r>
             <a:r>
               <a:rPr lang="en-US" dirty="0" err="1" smtClean="0"/>
-              <a:t>SentToFedex</a:t>
+              <a:t>nvarchar</a:t>
             </a:r>
             <a:r>
               <a:rPr lang="en-US" dirty="0" smtClean="0"/>
-              <a:t> as SentToFe2_1_0_ FROM </a:t>
+              <a:t>(4000),@p3 </a:t>
             </a:r>
             <a:r>
               <a:rPr lang="en-US" dirty="0" err="1" smtClean="0"/>
-              <a:t>ShipOrderPolicy</a:t>
+              <a:t>nvarchar</a:t>
             </a:r>
             <a:r>
               <a:rPr lang="en-US" dirty="0" smtClean="0"/>
-              <a:t> this_ </a:t>
-            </a:r>
-            <a:r>
-              <a:rPr lang="en-US" sz="3600" dirty="0" smtClean="0"/>
-              <a:t>with (</a:t>
-            </a:r>
-            <a:r>
-              <a:rPr lang="en-US" sz="3600" dirty="0" err="1" smtClean="0"/>
-              <a:t>updlock</a:t>
-            </a:r>
-            <a:r>
-              <a:rPr lang="en-US" sz="3600" dirty="0" smtClean="0"/>
-              <a:t>, rowlock) </a:t>
+              <a:t>(4000),@p4 </a:t>
+            </a:r>
+            <a:r>
+              <a:rPr lang="en-US" dirty="0" err="1" smtClean="0"/>
+              <a:t>nvarchar</a:t>
             </a:r>
             <a:r>
               <a:rPr lang="en-US" dirty="0" smtClean="0"/>
-              <a:t>WHERE this_.</a:t>
+              <a:t>(4000),@p5 bit,@p6 bit',@p0=1,@p1='870D112B-44D1-4206-A4DB-A55B015DA80A',@p2=N'Sales@ANDREAS2015',@p3=N'baf9b6bb-a0da-41b9-8a81-a55b015d7a05',@p4=N'a23a2438-3af6-4c0a-a108-7f8e72d12083',@p5=1,@p6=0</a:t>
+            </a:r>
+          </a:p>
+          <a:p>
+            <a:pPr marL="0" marR="0" indent="0" algn="l" defTabSz="914400" rtl="0" eaLnBrk="1" fontAlgn="auto" latinLnBrk="0" hangingPunct="1">
+              <a:lnSpc>
+                <a:spcPct val="100000"/>
+              </a:lnSpc>
+              <a:spcBef>
+                <a:spcPts val="0"/>
+              </a:spcBef>
+              <a:spcAft>
+                <a:spcPts val="0"/>
+              </a:spcAft>
+              <a:buClrTx/>
+              <a:buSzTx/>
+              <a:buFontTx/>
+              <a:buNone/>
+              <a:tabLst/>
+              <a:defRPr/>
+            </a:pPr>
+            <a:endParaRPr lang="en-US" dirty="0" smtClean="0"/>
+          </a:p>
+          <a:p>
+            <a:pPr marL="0" marR="0" indent="0" algn="l" defTabSz="914400" rtl="0" eaLnBrk="1" fontAlgn="auto" latinLnBrk="0" hangingPunct="1">
+              <a:lnSpc>
+                <a:spcPct val="100000"/>
+              </a:lnSpc>
+              <a:spcBef>
+                <a:spcPts val="0"/>
+              </a:spcBef>
+              <a:spcAft>
+                <a:spcPts val="0"/>
+              </a:spcAft>
+              <a:buClrTx/>
+              <a:buSzTx/>
+              <a:buFontTx/>
+              <a:buNone/>
+              <a:tabLst/>
+              <a:defRPr/>
+            </a:pPr>
+            <a:r>
+              <a:rPr lang="en-US" dirty="0" smtClean="0"/>
+              <a:t>After </a:t>
+            </a:r>
+            <a:r>
+              <a:rPr lang="en-US" dirty="0" err="1" smtClean="0"/>
+              <a:t>rowversion</a:t>
+            </a:r>
+            <a:r>
+              <a:rPr lang="en-US" dirty="0" smtClean="0"/>
+              <a:t> trick:</a:t>
+            </a:r>
+          </a:p>
+          <a:p>
+            <a:pPr marL="0" marR="0" indent="0" algn="l" defTabSz="914400" rtl="0" eaLnBrk="1" fontAlgn="auto" latinLnBrk="0" hangingPunct="1">
+              <a:lnSpc>
+                <a:spcPct val="100000"/>
+              </a:lnSpc>
+              <a:spcBef>
+                <a:spcPts val="0"/>
+              </a:spcBef>
+              <a:spcAft>
+                <a:spcPts val="0"/>
+              </a:spcAft>
+              <a:buClrTx/>
+              <a:buSzTx/>
+              <a:buFontTx/>
+              <a:buNone/>
+              <a:tabLst/>
+              <a:defRPr/>
+            </a:pPr>
+            <a:endParaRPr lang="en-US" dirty="0" smtClean="0"/>
+          </a:p>
+          <a:p>
+            <a:pPr marL="0" marR="0" indent="0" algn="l" defTabSz="914400" rtl="0" eaLnBrk="1" fontAlgn="auto" latinLnBrk="0" hangingPunct="1">
+              <a:lnSpc>
+                <a:spcPct val="100000"/>
+              </a:lnSpc>
+              <a:spcBef>
+                <a:spcPts val="0"/>
+              </a:spcBef>
+              <a:spcAft>
+                <a:spcPts val="0"/>
+              </a:spcAft>
+              <a:buClrTx/>
+              <a:buSzTx/>
+              <a:buFontTx/>
+              <a:buNone/>
+              <a:tabLst/>
+              <a:defRPr/>
+            </a:pPr>
+            <a:r>
+              <a:rPr lang="en-US" dirty="0" smtClean="0"/>
+              <a:t>exec </a:t>
+            </a:r>
+            <a:r>
+              <a:rPr lang="en-US" dirty="0" err="1" smtClean="0"/>
+              <a:t>sp_executesql</a:t>
+            </a:r>
+            <a:r>
+              <a:rPr lang="en-US" dirty="0" smtClean="0"/>
+              <a:t> N'UPDATE </a:t>
+            </a:r>
+            <a:r>
+              <a:rPr lang="en-US" dirty="0" err="1" smtClean="0"/>
+              <a:t>ShippingPolicy</a:t>
+            </a:r>
+            <a:r>
+              <a:rPr lang="en-US" dirty="0" smtClean="0"/>
+              <a:t> SET Version = @p0, </a:t>
             </a:r>
             <a:r>
               <a:rPr lang="en-US" dirty="0" err="1" smtClean="0"/>
@@ -3980,7 +3990,15 @@
             </a:r>
             <a:r>
               <a:rPr lang="en-US" dirty="0" smtClean="0"/>
-              <a:t> = @p0',N'@p0 </a:t>
+              <a:t> = @p1, Placed = @p2, Billed = @p3, Originator = @p4, </a:t>
+            </a:r>
+            <a:r>
+              <a:rPr lang="en-US" dirty="0" err="1" smtClean="0"/>
+              <a:t>OriginalMessageId</a:t>
+            </a:r>
+            <a:r>
+              <a:rPr lang="en-US" dirty="0" smtClean="0"/>
+              <a:t> = @p5 WHERE Id = @p6 AND Version = @p7',N'@p0 int,@p1 </a:t>
             </a:r>
             <a:r>
               <a:rPr lang="en-US" dirty="0" err="1" smtClean="0"/>
@@ -3988,9 +4006,25 @@
             </a:r>
             <a:r>
               <a:rPr lang="en-US" dirty="0" smtClean="0"/>
-              <a:t>(4000)',@p0=N'ac9598f9-79cc-4d1c-bea2-32d8b73675b4'</a:t>
-            </a:r>
-            <a:endParaRPr lang="sv-SE" dirty="0" smtClean="0"/>
+              <a:t>(4000),@p2 bit,@p3 bit,@p4 </a:t>
+            </a:r>
+            <a:r>
+              <a:rPr lang="en-US" dirty="0" err="1" smtClean="0"/>
+              <a:t>nvarchar</a:t>
+            </a:r>
+            <a:r>
+              <a:rPr lang="en-US" dirty="0" smtClean="0"/>
+              <a:t>(4000),@p5 </a:t>
+            </a:r>
+            <a:r>
+              <a:rPr lang="en-US" dirty="0" err="1" smtClean="0"/>
+              <a:t>nvarchar</a:t>
+            </a:r>
+            <a:r>
+              <a:rPr lang="en-US" dirty="0" smtClean="0"/>
+              <a:t>(4000),@p6 uniqueidentifier,@p7 int',@p0=2,@p1=N'86427be3-59a5-453d-9c75-aab2a4b466be',@p2=1,@p3=1,@p4=N'Sales@ANDREAS2015',@p5=N'b5e51adb-9d18-40b9-bcea-a55c01356c38',@p6='3FAD8522-46EE-4C0E-B18D-A55C01356DA4',@p7=1</a:t>
+            </a:r>
+            <a:endParaRPr lang="en-GB" dirty="0" smtClean="0"/>
           </a:p>
           <a:p>
             <a:endParaRPr lang="sv-SE" dirty="0"/>
@@ -4014,7 +4048,7 @@
           <a:p>
             <a:fld id="{D5BB19A3-B3B6-4398-9889-160C3A008821}" type="slidenum">
               <a:rPr lang="sv-SE" smtClean="0"/>
-              <a:t>27</a:t>
+              <a:t>26</a:t>
             </a:fld>
             <a:endParaRPr lang="sv-SE"/>
           </a:p>
@@ -4023,7 +4057,7 @@
     </p:spTree>
     <p:extLst>
       <p:ext uri="{BB962C8B-B14F-4D97-AF65-F5344CB8AC3E}">
-        <p14:creationId xmlns:p14="http://schemas.microsoft.com/office/powerpoint/2010/main" val="1433424628"/>
+        <p14:creationId xmlns:p14="http://schemas.microsoft.com/office/powerpoint/2010/main" val="3287629598"/>
       </p:ext>
     </p:extLst>
   </p:cSld>
@@ -4077,6 +4111,118 @@
           <a:bodyPr/>
           <a:lstStyle/>
           <a:p>
+            <a:pPr marL="0" marR="0" indent="0" algn="l" defTabSz="914400" rtl="0" eaLnBrk="1" fontAlgn="auto" latinLnBrk="0" hangingPunct="1">
+              <a:lnSpc>
+                <a:spcPct val="100000"/>
+              </a:lnSpc>
+              <a:spcBef>
+                <a:spcPts val="0"/>
+              </a:spcBef>
+              <a:spcAft>
+                <a:spcPts val="0"/>
+              </a:spcAft>
+              <a:buClrTx/>
+              <a:buSzTx/>
+              <a:buFontTx/>
+              <a:buNone/>
+              <a:tabLst/>
+              <a:defRPr/>
+            </a:pPr>
+            <a:r>
+              <a:rPr lang="en-US" dirty="0" smtClean="0"/>
+              <a:t>exec </a:t>
+            </a:r>
+            <a:r>
+              <a:rPr lang="en-US" dirty="0" err="1" smtClean="0"/>
+              <a:t>sp_executesql</a:t>
+            </a:r>
+            <a:r>
+              <a:rPr lang="en-US" dirty="0" smtClean="0"/>
+              <a:t> N'SELECT </a:t>
+            </a:r>
+            <a:r>
+              <a:rPr lang="en-US" dirty="0" err="1" smtClean="0"/>
+              <a:t>this_.Id</a:t>
+            </a:r>
+            <a:r>
+              <a:rPr lang="en-US" dirty="0" smtClean="0"/>
+              <a:t> as Id0_0_, </a:t>
+            </a:r>
+            <a:r>
+              <a:rPr lang="en-US" dirty="0" err="1" smtClean="0"/>
+              <a:t>this_.Originator</a:t>
+            </a:r>
+            <a:r>
+              <a:rPr lang="en-US" dirty="0" smtClean="0"/>
+              <a:t> as Originator0_0_, this_.</a:t>
+            </a:r>
+            <a:r>
+              <a:rPr lang="en-US" dirty="0" err="1" smtClean="0"/>
+              <a:t>OriginalMessageId</a:t>
+            </a:r>
+            <a:r>
+              <a:rPr lang="en-US" dirty="0" smtClean="0"/>
+              <a:t> as Original3_0_0_, this_.</a:t>
+            </a:r>
+            <a:r>
+              <a:rPr lang="en-US" dirty="0" err="1" smtClean="0"/>
+              <a:t>OrderId</a:t>
+            </a:r>
+            <a:r>
+              <a:rPr lang="en-US" dirty="0" smtClean="0"/>
+              <a:t> as OrderId1_0_, this_.</a:t>
+            </a:r>
+            <a:r>
+              <a:rPr lang="en-US" dirty="0" err="1" smtClean="0"/>
+              <a:t>SentToFedex</a:t>
+            </a:r>
+            <a:r>
+              <a:rPr lang="en-US" dirty="0" smtClean="0"/>
+              <a:t> as SentToFe2_1_0_ FROM </a:t>
+            </a:r>
+            <a:r>
+              <a:rPr lang="en-US" dirty="0" err="1" smtClean="0"/>
+              <a:t>ShipOrderPolicy</a:t>
+            </a:r>
+            <a:r>
+              <a:rPr lang="en-US" dirty="0" smtClean="0"/>
+              <a:t> this_ </a:t>
+            </a:r>
+            <a:r>
+              <a:rPr lang="en-US" sz="3600" dirty="0" smtClean="0"/>
+              <a:t>with (</a:t>
+            </a:r>
+            <a:r>
+              <a:rPr lang="en-US" sz="3600" dirty="0" err="1" smtClean="0"/>
+              <a:t>updlock</a:t>
+            </a:r>
+            <a:r>
+              <a:rPr lang="en-US" sz="3600" dirty="0" smtClean="0"/>
+              <a:t>, rowlock) </a:t>
+            </a:r>
+            <a:r>
+              <a:rPr lang="en-US" dirty="0" smtClean="0"/>
+              <a:t>WHERE this_.</a:t>
+            </a:r>
+            <a:r>
+              <a:rPr lang="en-US" dirty="0" err="1" smtClean="0"/>
+              <a:t>OrderId</a:t>
+            </a:r>
+            <a:r>
+              <a:rPr lang="en-US" dirty="0" smtClean="0"/>
+              <a:t> = @p0',N'@p0 </a:t>
+            </a:r>
+            <a:r>
+              <a:rPr lang="en-US" dirty="0" err="1" smtClean="0"/>
+              <a:t>nvarchar</a:t>
+            </a:r>
+            <a:r>
+              <a:rPr lang="en-US" dirty="0" smtClean="0"/>
+              <a:t>(4000)',@p0=N'ac9598f9-79cc-4d1c-bea2-32d8b73675b4'</a:t>
+            </a:r>
+            <a:endParaRPr lang="sv-SE" dirty="0" smtClean="0"/>
+          </a:p>
+          <a:p>
             <a:endParaRPr lang="sv-SE" dirty="0"/>
           </a:p>
         </p:txBody>
@@ -4098,7 +4244,7 @@
           <a:p>
             <a:fld id="{D5BB19A3-B3B6-4398-9889-160C3A008821}" type="slidenum">
               <a:rPr lang="sv-SE" smtClean="0"/>
-              <a:t>29</a:t>
+              <a:t>27</a:t>
             </a:fld>
             <a:endParaRPr lang="sv-SE"/>
           </a:p>
@@ -4107,7 +4253,7 @@
     </p:spTree>
     <p:extLst>
       <p:ext uri="{BB962C8B-B14F-4D97-AF65-F5344CB8AC3E}">
-        <p14:creationId xmlns:p14="http://schemas.microsoft.com/office/powerpoint/2010/main" val="2250360170"/>
+        <p14:creationId xmlns:p14="http://schemas.microsoft.com/office/powerpoint/2010/main" val="1433424628"/>
       </p:ext>
     </p:extLst>
   </p:cSld>
@@ -4248,7 +4394,7 @@
           <a:p>
             <a:fld id="{117CE5AD-8B70-46AB-83FD-10724A794102}" type="datetimeFigureOut">
               <a:rPr lang="sv-SE" smtClean="0"/>
-              <a:t>2015-11-28</a:t>
+              <a:t>2015-11-30</a:t>
             </a:fld>
             <a:endParaRPr lang="sv-SE"/>
           </a:p>
@@ -4418,7 +4564,7 @@
           <a:p>
             <a:fld id="{117CE5AD-8B70-46AB-83FD-10724A794102}" type="datetimeFigureOut">
               <a:rPr lang="sv-SE" smtClean="0"/>
-              <a:t>2015-11-28</a:t>
+              <a:t>2015-11-30</a:t>
             </a:fld>
             <a:endParaRPr lang="sv-SE"/>
           </a:p>
@@ -4598,7 +4744,7 @@
           <a:p>
             <a:fld id="{117CE5AD-8B70-46AB-83FD-10724A794102}" type="datetimeFigureOut">
               <a:rPr lang="sv-SE" smtClean="0"/>
-              <a:t>2015-11-28</a:t>
+              <a:t>2015-11-30</a:t>
             </a:fld>
             <a:endParaRPr lang="sv-SE"/>
           </a:p>
@@ -4768,7 +4914,7 @@
           <a:p>
             <a:fld id="{117CE5AD-8B70-46AB-83FD-10724A794102}" type="datetimeFigureOut">
               <a:rPr lang="sv-SE" smtClean="0"/>
-              <a:t>2015-11-28</a:t>
+              <a:t>2015-11-30</a:t>
             </a:fld>
             <a:endParaRPr lang="sv-SE"/>
           </a:p>
@@ -5014,7 +5160,7 @@
           <a:p>
             <a:fld id="{117CE5AD-8B70-46AB-83FD-10724A794102}" type="datetimeFigureOut">
               <a:rPr lang="sv-SE" smtClean="0"/>
-              <a:t>2015-11-28</a:t>
+              <a:t>2015-11-30</a:t>
             </a:fld>
             <a:endParaRPr lang="sv-SE"/>
           </a:p>
@@ -5246,7 +5392,7 @@
           <a:p>
             <a:fld id="{117CE5AD-8B70-46AB-83FD-10724A794102}" type="datetimeFigureOut">
               <a:rPr lang="sv-SE" smtClean="0"/>
-              <a:t>2015-11-28</a:t>
+              <a:t>2015-11-30</a:t>
             </a:fld>
             <a:endParaRPr lang="sv-SE"/>
           </a:p>
@@ -5613,7 +5759,7 @@
           <a:p>
             <a:fld id="{117CE5AD-8B70-46AB-83FD-10724A794102}" type="datetimeFigureOut">
               <a:rPr lang="sv-SE" smtClean="0"/>
-              <a:t>2015-11-28</a:t>
+              <a:t>2015-11-30</a:t>
             </a:fld>
             <a:endParaRPr lang="sv-SE"/>
           </a:p>
@@ -5731,7 +5877,7 @@
           <a:p>
             <a:fld id="{117CE5AD-8B70-46AB-83FD-10724A794102}" type="datetimeFigureOut">
               <a:rPr lang="sv-SE" smtClean="0"/>
-              <a:t>2015-11-28</a:t>
+              <a:t>2015-11-30</a:t>
             </a:fld>
             <a:endParaRPr lang="sv-SE"/>
           </a:p>
@@ -5826,7 +5972,7 @@
           <a:p>
             <a:fld id="{117CE5AD-8B70-46AB-83FD-10724A794102}" type="datetimeFigureOut">
               <a:rPr lang="sv-SE" smtClean="0"/>
-              <a:t>2015-11-28</a:t>
+              <a:t>2015-11-30</a:t>
             </a:fld>
             <a:endParaRPr lang="sv-SE"/>
           </a:p>
@@ -6103,7 +6249,7 @@
           <a:p>
             <a:fld id="{117CE5AD-8B70-46AB-83FD-10724A794102}" type="datetimeFigureOut">
               <a:rPr lang="sv-SE" smtClean="0"/>
-              <a:t>2015-11-28</a:t>
+              <a:t>2015-11-30</a:t>
             </a:fld>
             <a:endParaRPr lang="sv-SE"/>
           </a:p>
@@ -6356,7 +6502,7 @@
           <a:p>
             <a:fld id="{117CE5AD-8B70-46AB-83FD-10724A794102}" type="datetimeFigureOut">
               <a:rPr lang="sv-SE" smtClean="0"/>
-              <a:t>2015-11-28</a:t>
+              <a:t>2015-11-30</a:t>
             </a:fld>
             <a:endParaRPr lang="sv-SE"/>
           </a:p>
@@ -6569,7 +6715,7 @@
           <a:p>
             <a:fld id="{117CE5AD-8B70-46AB-83FD-10724A794102}" type="datetimeFigureOut">
               <a:rPr lang="sv-SE" smtClean="0"/>
-              <a:t>2015-11-28</a:t>
+              <a:t>2015-11-30</a:t>
             </a:fld>
             <a:endParaRPr lang="sv-SE"/>
           </a:p>
@@ -7223,6 +7369,77 @@
       </p:grpSpPr>
       <p:sp>
         <p:nvSpPr>
+          <p:cNvPr id="10" name="Rounded Rectangle 9"/>
+          <p:cNvSpPr/>
+          <p:nvPr/>
+        </p:nvSpPr>
+        <p:spPr bwMode="auto">
+          <a:xfrm>
+            <a:off x="3361039" y="1690688"/>
+            <a:ext cx="3149728" cy="4314243"/>
+          </a:xfrm>
+          <a:prstGeom prst="roundRect">
+            <a:avLst/>
+          </a:prstGeom>
+          <a:solidFill>
+            <a:schemeClr val="bg2"/>
+          </a:solidFill>
+          <a:ln w="9525" cap="flat" cmpd="sng" algn="ctr">
+            <a:solidFill>
+              <a:srgbClr val="FFFFFF"/>
+            </a:solidFill>
+            <a:prstDash val="solid"/>
+            <a:round/>
+            <a:headEnd type="none" w="med" len="med"/>
+            <a:tailEnd type="none" w="med" len="med"/>
+          </a:ln>
+          <a:effectLst/>
+        </p:spPr>
+        <p:txBody>
+          <a:bodyPr vert="horz" wrap="square" lIns="91440" tIns="45720" rIns="91440" bIns="45720" numCol="1" rtlCol="0" anchor="t" anchorCtr="0" compatLnSpc="1">
+            <a:prstTxWarp prst="textNoShape">
+              <a:avLst/>
+            </a:prstTxWarp>
+          </a:bodyPr>
+          <a:lstStyle/>
+          <a:p>
+            <a:pPr marL="0" marR="0" lvl="0" indent="0" algn="ctr" defTabSz="914400" rtl="0" eaLnBrk="1" fontAlgn="base" latinLnBrk="0" hangingPunct="1">
+              <a:lnSpc>
+                <a:spcPct val="150000"/>
+              </a:lnSpc>
+              <a:spcBef>
+                <a:spcPct val="0"/>
+              </a:spcBef>
+              <a:spcAft>
+                <a:spcPct val="0"/>
+              </a:spcAft>
+              <a:buClrTx/>
+              <a:buSzTx/>
+              <a:buFontTx/>
+              <a:buNone/>
+              <a:tabLst/>
+              <a:defRPr/>
+            </a:pPr>
+            <a:r>
+              <a:rPr kumimoji="0" lang="en-US" sz="3200" b="1" i="0" u="none" strike="noStrike" kern="0" cap="none" spc="0" normalizeH="0" baseline="0" noProof="0" dirty="0" smtClean="0">
+                <a:ln>
+                  <a:noFill/>
+                </a:ln>
+                <a:solidFill>
+                  <a:srgbClr val="000000"/>
+                </a:solidFill>
+                <a:effectLst/>
+                <a:uLnTx/>
+                <a:uFillTx/>
+                <a:latin typeface="Franklin Gothic Medium" pitchFamily="34" charset="0"/>
+              </a:rPr>
+              <a:t>Shop</a:t>
+            </a:r>
+          </a:p>
+        </p:txBody>
+      </p:sp>
+      <p:sp>
+        <p:nvSpPr>
           <p:cNvPr id="2" name="Title 1"/>
           <p:cNvSpPr>
             <a:spLocks noGrp="1"/>
@@ -7246,53 +7463,343 @@
       </p:sp>
       <p:sp>
         <p:nvSpPr>
-          <p:cNvPr id="3" name="Content Placeholder 2"/>
-          <p:cNvSpPr>
-            <a:spLocks noGrp="1"/>
-          </p:cNvSpPr>
-          <p:nvPr>
-            <p:ph idx="1"/>
-          </p:nvPr>
-        </p:nvSpPr>
-        <p:spPr/>
-        <p:txBody>
-          <a:bodyPr/>
-          <a:lstStyle/>
-          <a:p>
-            <a:r>
-              <a:rPr lang="en-GB" dirty="0" smtClean="0"/>
-              <a:t>TODO: Create a picture</a:t>
-            </a:r>
-          </a:p>
-          <a:p>
-            <a:r>
-              <a:rPr lang="en-GB" dirty="0" smtClean="0"/>
-              <a:t>Shop</a:t>
-            </a:r>
-          </a:p>
-          <a:p>
-            <a:r>
-              <a:rPr lang="en-GB" dirty="0" smtClean="0"/>
+          <p:cNvPr id="4" name="Rounded Rectangle 3"/>
+          <p:cNvSpPr/>
+          <p:nvPr/>
+        </p:nvSpPr>
+        <p:spPr bwMode="auto">
+          <a:xfrm>
+            <a:off x="5995647" y="2057815"/>
+            <a:ext cx="2903276" cy="851426"/>
+          </a:xfrm>
+          <a:prstGeom prst="roundRect">
+            <a:avLst/>
+          </a:prstGeom>
+          <a:solidFill>
+            <a:schemeClr val="accent6">
+              <a:lumMod val="40000"/>
+              <a:lumOff val="60000"/>
+            </a:schemeClr>
+          </a:solidFill>
+          <a:ln w="9525" cap="flat" cmpd="sng" algn="ctr">
+            <a:solidFill>
+              <a:srgbClr val="FFFFFF"/>
+            </a:solidFill>
+            <a:prstDash val="solid"/>
+            <a:round/>
+            <a:headEnd type="none" w="med" len="med"/>
+            <a:tailEnd type="none" w="med" len="med"/>
+          </a:ln>
+          <a:effectLst/>
+        </p:spPr>
+        <p:txBody>
+          <a:bodyPr vert="horz" wrap="square" lIns="91440" tIns="45720" rIns="91440" bIns="45720" numCol="1" rtlCol="0" anchor="t" anchorCtr="0" compatLnSpc="1">
+            <a:prstTxWarp prst="textNoShape">
+              <a:avLst/>
+            </a:prstTxWarp>
+          </a:bodyPr>
+          <a:lstStyle/>
+          <a:p>
+            <a:pPr marL="0" marR="0" lvl="0" indent="0" algn="ctr" defTabSz="914400" rtl="0" eaLnBrk="1" fontAlgn="base" latinLnBrk="0" hangingPunct="1">
+              <a:lnSpc>
+                <a:spcPct val="150000"/>
+              </a:lnSpc>
+              <a:spcBef>
+                <a:spcPct val="0"/>
+              </a:spcBef>
+              <a:spcAft>
+                <a:spcPct val="0"/>
+              </a:spcAft>
+              <a:buClrTx/>
+              <a:buSzTx/>
+              <a:buFontTx/>
+              <a:buNone/>
+              <a:tabLst/>
+              <a:defRPr/>
+            </a:pPr>
+            <a:r>
+              <a:rPr kumimoji="0" lang="en-US" sz="3200" b="1" i="0" u="none" strike="noStrike" kern="0" cap="none" spc="0" normalizeH="0" baseline="0" noProof="0" dirty="0" smtClean="0">
+                <a:ln>
+                  <a:noFill/>
+                </a:ln>
+                <a:solidFill>
+                  <a:srgbClr val="000000"/>
+                </a:solidFill>
+                <a:effectLst/>
+                <a:uLnTx/>
+                <a:uFillTx/>
+                <a:latin typeface="Franklin Gothic Medium" pitchFamily="34" charset="0"/>
+              </a:rPr>
               <a:t>Sales</a:t>
             </a:r>
           </a:p>
-          <a:p>
-            <a:r>
-              <a:rPr lang="en-GB" dirty="0" smtClean="0"/>
+        </p:txBody>
+      </p:sp>
+      <p:sp>
+        <p:nvSpPr>
+          <p:cNvPr id="5" name="Rounded Rectangle 4"/>
+          <p:cNvSpPr/>
+          <p:nvPr/>
+        </p:nvSpPr>
+        <p:spPr bwMode="auto">
+          <a:xfrm>
+            <a:off x="5995648" y="4008181"/>
+            <a:ext cx="2903277" cy="853816"/>
+          </a:xfrm>
+          <a:prstGeom prst="roundRect">
+            <a:avLst/>
+          </a:prstGeom>
+          <a:solidFill>
+            <a:srgbClr val="FFD34F">
+              <a:lumMod val="75000"/>
+            </a:srgbClr>
+          </a:solidFill>
+          <a:ln w="9525" cap="flat" cmpd="sng" algn="ctr">
+            <a:solidFill>
+              <a:srgbClr val="FFFFFF"/>
+            </a:solidFill>
+            <a:prstDash val="solid"/>
+            <a:round/>
+            <a:headEnd type="none" w="med" len="med"/>
+            <a:tailEnd type="none" w="med" len="med"/>
+          </a:ln>
+          <a:effectLst/>
+        </p:spPr>
+        <p:txBody>
+          <a:bodyPr vert="horz" wrap="square" lIns="91440" tIns="45720" rIns="91440" bIns="45720" numCol="1" rtlCol="0" anchor="ctr" anchorCtr="0" compatLnSpc="1">
+            <a:prstTxWarp prst="textNoShape">
+              <a:avLst/>
+            </a:prstTxWarp>
+          </a:bodyPr>
+          <a:lstStyle/>
+          <a:p>
+            <a:pPr marL="0" marR="0" lvl="0" indent="0" algn="ctr" defTabSz="914400" rtl="0" eaLnBrk="1" fontAlgn="base" latinLnBrk="0" hangingPunct="1">
+              <a:lnSpc>
+                <a:spcPct val="100000"/>
+              </a:lnSpc>
+              <a:spcBef>
+                <a:spcPct val="0"/>
+              </a:spcBef>
+              <a:spcAft>
+                <a:spcPct val="0"/>
+              </a:spcAft>
+              <a:buClrTx/>
+              <a:buSzTx/>
+              <a:buFontTx/>
+              <a:buNone/>
+              <a:tabLst/>
+              <a:defRPr/>
+            </a:pPr>
+            <a:r>
+              <a:rPr kumimoji="0" lang="en-US" sz="3200" b="1" i="0" u="none" strike="noStrike" kern="0" cap="none" spc="0" normalizeH="0" baseline="0" noProof="0" dirty="0" smtClean="0">
+                <a:ln>
+                  <a:noFill/>
+                </a:ln>
+                <a:solidFill>
+                  <a:srgbClr val="000000"/>
+                </a:solidFill>
+                <a:effectLst/>
+                <a:uLnTx/>
+                <a:uFillTx/>
+                <a:latin typeface="Franklin Gothic Medium" pitchFamily="34" charset="0"/>
+              </a:rPr>
               <a:t>Billing</a:t>
             </a:r>
           </a:p>
-          <a:p>
-            <a:r>
-              <a:rPr lang="en-GB" dirty="0" smtClean="0"/>
+        </p:txBody>
+      </p:sp>
+      <p:sp>
+        <p:nvSpPr>
+          <p:cNvPr id="6" name="Rounded Rectangle 5"/>
+          <p:cNvSpPr/>
+          <p:nvPr/>
+        </p:nvSpPr>
+        <p:spPr bwMode="auto">
+          <a:xfrm>
+            <a:off x="5995646" y="4946693"/>
+            <a:ext cx="2903277" cy="868363"/>
+          </a:xfrm>
+          <a:prstGeom prst="roundRect">
+            <a:avLst/>
+          </a:prstGeom>
+          <a:solidFill>
+            <a:srgbClr val="07CF2D"/>
+          </a:solidFill>
+          <a:ln w="9525" cap="flat" cmpd="sng" algn="ctr">
+            <a:solidFill>
+              <a:srgbClr val="FFFFFF"/>
+            </a:solidFill>
+            <a:prstDash val="solid"/>
+            <a:round/>
+            <a:headEnd type="none" w="med" len="med"/>
+            <a:tailEnd type="none" w="med" len="med"/>
+          </a:ln>
+          <a:effectLst/>
+        </p:spPr>
+        <p:txBody>
+          <a:bodyPr vert="horz" wrap="square" lIns="91440" tIns="45720" rIns="91440" bIns="45720" numCol="1" rtlCol="0" anchor="ctr" anchorCtr="0" compatLnSpc="1">
+            <a:prstTxWarp prst="textNoShape">
+              <a:avLst/>
+            </a:prstTxWarp>
+          </a:bodyPr>
+          <a:lstStyle/>
+          <a:p>
+            <a:pPr marL="0" marR="0" lvl="0" indent="0" algn="ctr" defTabSz="914400" rtl="0" eaLnBrk="1" fontAlgn="base" latinLnBrk="0" hangingPunct="1">
+              <a:lnSpc>
+                <a:spcPct val="100000"/>
+              </a:lnSpc>
+              <a:spcBef>
+                <a:spcPct val="0"/>
+              </a:spcBef>
+              <a:spcAft>
+                <a:spcPct val="0"/>
+              </a:spcAft>
+              <a:buClrTx/>
+              <a:buSzTx/>
+              <a:buFontTx/>
+              <a:buNone/>
+              <a:tabLst/>
+              <a:defRPr/>
+            </a:pPr>
+            <a:r>
+              <a:rPr kumimoji="0" lang="en-US" sz="3200" b="1" i="0" u="none" strike="noStrike" kern="0" cap="none" spc="0" normalizeH="0" baseline="0" noProof="0" dirty="0" smtClean="0">
+                <a:ln>
+                  <a:noFill/>
+                </a:ln>
+                <a:solidFill>
+                  <a:srgbClr val="000000"/>
+                </a:solidFill>
+                <a:effectLst/>
+                <a:uLnTx/>
+                <a:uFillTx/>
+                <a:latin typeface="Franklin Gothic Medium" pitchFamily="34" charset="0"/>
+              </a:rPr>
               <a:t>Shipping</a:t>
             </a:r>
           </a:p>
-          <a:p>
-            <a:r>
-              <a:rPr lang="en-GB" dirty="0" smtClean="0"/>
-              <a:t>Customer care</a:t>
-            </a:r>
+        </p:txBody>
+      </p:sp>
+      <p:sp>
+        <p:nvSpPr>
+          <p:cNvPr id="7" name="Rounded Rectangle 6"/>
+          <p:cNvSpPr/>
+          <p:nvPr/>
+        </p:nvSpPr>
+        <p:spPr bwMode="auto">
+          <a:xfrm>
+            <a:off x="5995648" y="3016252"/>
+            <a:ext cx="2903277" cy="920578"/>
+          </a:xfrm>
+          <a:prstGeom prst="roundRect">
+            <a:avLst/>
+          </a:prstGeom>
+          <a:solidFill>
+            <a:schemeClr val="accent2"/>
+          </a:solidFill>
+          <a:ln w="9525" cap="flat" cmpd="sng" algn="ctr">
+            <a:solidFill>
+              <a:srgbClr val="FFFFFF"/>
+            </a:solidFill>
+            <a:prstDash val="solid"/>
+            <a:round/>
+            <a:headEnd type="none" w="med" len="med"/>
+            <a:tailEnd type="none" w="med" len="med"/>
+          </a:ln>
+          <a:effectLst/>
+        </p:spPr>
+        <p:txBody>
+          <a:bodyPr vert="horz" wrap="square" lIns="91440" tIns="45720" rIns="91440" bIns="45720" numCol="1" rtlCol="0" anchor="t" anchorCtr="0" compatLnSpc="1">
+            <a:prstTxWarp prst="textNoShape">
+              <a:avLst/>
+            </a:prstTxWarp>
+          </a:bodyPr>
+          <a:lstStyle/>
+          <a:p>
+            <a:pPr marL="0" marR="0" lvl="0" indent="0" algn="ctr" defTabSz="914400" rtl="0" eaLnBrk="1" fontAlgn="base" latinLnBrk="0" hangingPunct="1">
+              <a:lnSpc>
+                <a:spcPct val="150000"/>
+              </a:lnSpc>
+              <a:spcBef>
+                <a:spcPct val="0"/>
+              </a:spcBef>
+              <a:spcAft>
+                <a:spcPct val="0"/>
+              </a:spcAft>
+              <a:buClrTx/>
+              <a:buSzTx/>
+              <a:buFontTx/>
+              <a:buNone/>
+              <a:tabLst/>
+              <a:defRPr/>
+            </a:pPr>
+            <a:r>
+              <a:rPr kumimoji="0" lang="en-US" sz="3200" b="1" i="0" u="none" strike="noStrike" kern="0" cap="none" spc="0" normalizeH="0" baseline="0" noProof="0" dirty="0" err="1" smtClean="0">
+                <a:ln>
+                  <a:noFill/>
+                </a:ln>
+                <a:solidFill>
+                  <a:srgbClr val="000000"/>
+                </a:solidFill>
+                <a:effectLst/>
+                <a:uLnTx/>
+                <a:uFillTx/>
+                <a:latin typeface="Franklin Gothic Medium" pitchFamily="34" charset="0"/>
+              </a:rPr>
+              <a:t>CustomerCare</a:t>
+            </a:r>
+            <a:endParaRPr kumimoji="0" lang="en-US" sz="3200" b="1" i="0" u="none" strike="noStrike" kern="0" cap="none" spc="0" normalizeH="0" baseline="0" noProof="0" dirty="0" smtClean="0">
+              <a:ln>
+                <a:noFill/>
+              </a:ln>
+              <a:solidFill>
+                <a:srgbClr val="000000"/>
+              </a:solidFill>
+              <a:effectLst/>
+              <a:uLnTx/>
+              <a:uFillTx/>
+              <a:latin typeface="Franklin Gothic Medium" pitchFamily="34" charset="0"/>
+            </a:endParaRPr>
+          </a:p>
+        </p:txBody>
+      </p:sp>
+      <p:sp>
+        <p:nvSpPr>
+          <p:cNvPr id="11" name="TextBox 10"/>
+          <p:cNvSpPr txBox="1"/>
+          <p:nvPr/>
+        </p:nvSpPr>
+        <p:spPr>
+          <a:xfrm>
+            <a:off x="3965275" y="6059392"/>
+            <a:ext cx="2545492" cy="738664"/>
+          </a:xfrm>
+          <a:prstGeom prst="rect">
+            <a:avLst/>
+          </a:prstGeom>
+          <a:noFill/>
+        </p:spPr>
+        <p:txBody>
+          <a:bodyPr wrap="square" rtlCol="0">
+            <a:spAutoFit/>
+          </a:bodyPr>
+          <a:lstStyle/>
+          <a:p>
+            <a:pPr lvl="0"/>
+            <a:r>
+              <a:rPr lang="en-US" sz="2400" b="1" kern="0" dirty="0" smtClean="0">
+                <a:solidFill>
+                  <a:srgbClr val="000000"/>
+                </a:solidFill>
+                <a:latin typeface="Franklin Gothic Medium" pitchFamily="34" charset="0"/>
+              </a:rPr>
+              <a:t>Composite UI</a:t>
+            </a:r>
+            <a:endParaRPr lang="en-US" sz="2400" b="1" kern="0" dirty="0">
+              <a:solidFill>
+                <a:srgbClr val="000000"/>
+              </a:solidFill>
+              <a:latin typeface="Franklin Gothic Medium" pitchFamily="34" charset="0"/>
+            </a:endParaRPr>
           </a:p>
           <a:p>
             <a:endParaRPr lang="sv-SE" dirty="0"/>
@@ -17368,16 +17875,24 @@
           </a:p>
           <a:p>
             <a:r>
-              <a:rPr lang="en-GB" dirty="0" err="1"/>
-              <a:t>RavenDB</a:t>
-            </a:r>
-            <a:r>
-              <a:rPr lang="en-GB" dirty="0"/>
-              <a:t> </a:t>
-            </a:r>
-            <a:r>
               <a:rPr lang="en-GB" dirty="0" smtClean="0"/>
-              <a:t>has no concept of locking</a:t>
+              <a:t>Control locking with the </a:t>
+            </a:r>
+            <a:r>
+              <a:rPr lang="en-GB" b="1" dirty="0" smtClean="0"/>
+              <a:t>[</a:t>
+            </a:r>
+            <a:r>
+              <a:rPr lang="en-GB" b="1" dirty="0" err="1" smtClean="0"/>
+              <a:t>LockMode</a:t>
+            </a:r>
+            <a:r>
+              <a:rPr lang="en-GB" b="1" dirty="0" smtClean="0"/>
+              <a:t>.{Mode}] </a:t>
+            </a:r>
+            <a:r>
+              <a:rPr lang="en-GB" dirty="0" smtClean="0"/>
+              <a:t>attribute</a:t>
             </a:r>
             <a:endParaRPr lang="en-GB" dirty="0"/>
           </a:p>
@@ -17720,8 +18235,8 @@
           <a:p>
             <a:pPr lvl="1"/>
             <a:r>
-              <a:rPr lang="en-GB" dirty="0"/>
-              <a:t>Latest Particular </a:t>
+              <a:rPr lang="en-GB" dirty="0" smtClean="0"/>
+              <a:t>Particular </a:t>
             </a:r>
             <a:r>
               <a:rPr lang="en-GB" dirty="0" smtClean="0"/>
@@ -18038,122 +18553,6 @@
       </p:grpSpPr>
       <p:sp>
         <p:nvSpPr>
-          <p:cNvPr id="9" name="Rectangle 8"/>
-          <p:cNvSpPr/>
-          <p:nvPr/>
-        </p:nvSpPr>
-        <p:spPr bwMode="auto">
-          <a:xfrm>
-            <a:off x="3538291" y="4604163"/>
-            <a:ext cx="1209727" cy="276509"/>
-          </a:xfrm>
-          <a:prstGeom prst="rect">
-            <a:avLst/>
-          </a:prstGeom>
-          <a:solidFill>
-            <a:srgbClr val="FFFF00"/>
-          </a:solidFill>
-          <a:ln w="9525" cap="flat" cmpd="sng" algn="ctr">
-            <a:solidFill>
-              <a:schemeClr val="tx1"/>
-            </a:solidFill>
-            <a:prstDash val="solid"/>
-            <a:round/>
-            <a:headEnd type="none" w="med" len="med"/>
-            <a:tailEnd type="none" w="med" len="med"/>
-          </a:ln>
-          <a:effectLst/>
-        </p:spPr>
-        <p:txBody>
-          <a:bodyPr vert="horz" wrap="square" lIns="82953" tIns="41476" rIns="82953" bIns="41476" numCol="1" rtlCol="0" anchor="t" anchorCtr="0" compatLnSpc="1">
-            <a:prstTxWarp prst="textNoShape">
-              <a:avLst/>
-            </a:prstTxWarp>
-          </a:bodyPr>
-          <a:lstStyle/>
-          <a:p>
-            <a:pPr defTabSz="407571" fontAlgn="base" hangingPunct="0">
-              <a:lnSpc>
-                <a:spcPct val="93000"/>
-              </a:lnSpc>
-              <a:spcBef>
-                <a:spcPct val="0"/>
-              </a:spcBef>
-              <a:spcAft>
-                <a:spcPct val="0"/>
-              </a:spcAft>
-              <a:buClr>
-                <a:srgbClr val="000000"/>
-              </a:buClr>
-              <a:buSzPct val="45000"/>
-            </a:pPr>
-            <a:endParaRPr lang="en-US" sz="1814">
-              <a:latin typeface="Arial" charset="0"/>
-              <a:ea typeface="MS Gothic" charset="-128"/>
-            </a:endParaRPr>
-          </a:p>
-        </p:txBody>
-      </p:sp>
-      <p:sp>
-        <p:nvSpPr>
-          <p:cNvPr id="7" name="Rectangle 6"/>
-          <p:cNvSpPr/>
-          <p:nvPr/>
-        </p:nvSpPr>
-        <p:spPr bwMode="auto">
-          <a:xfrm>
-            <a:off x="4120688" y="2599473"/>
-            <a:ext cx="1254660" cy="276509"/>
-          </a:xfrm>
-          <a:prstGeom prst="rect">
-            <a:avLst/>
-          </a:prstGeom>
-          <a:solidFill>
-            <a:srgbClr val="FFFF00"/>
-          </a:solidFill>
-          <a:ln w="9525" cap="flat" cmpd="sng" algn="ctr">
-            <a:solidFill>
-              <a:schemeClr val="tx1"/>
-            </a:solidFill>
-            <a:prstDash val="solid"/>
-            <a:round/>
-            <a:headEnd type="none" w="med" len="med"/>
-            <a:tailEnd type="none" w="med" len="med"/>
-          </a:ln>
-          <a:effectLst/>
-        </p:spPr>
-        <p:txBody>
-          <a:bodyPr vert="horz" wrap="square" lIns="82953" tIns="41476" rIns="82953" bIns="41476" numCol="1" rtlCol="0" anchor="t" anchorCtr="0" compatLnSpc="1">
-            <a:prstTxWarp prst="textNoShape">
-              <a:avLst/>
-            </a:prstTxWarp>
-          </a:bodyPr>
-          <a:lstStyle/>
-          <a:p>
-            <a:pPr defTabSz="407571" fontAlgn="base" hangingPunct="0">
-              <a:lnSpc>
-                <a:spcPct val="93000"/>
-              </a:lnSpc>
-              <a:spcBef>
-                <a:spcPct val="0"/>
-              </a:spcBef>
-              <a:spcAft>
-                <a:spcPct val="0"/>
-              </a:spcAft>
-              <a:buClr>
-                <a:srgbClr val="000000"/>
-              </a:buClr>
-              <a:buSzPct val="45000"/>
-            </a:pPr>
-            <a:endParaRPr lang="en-US" sz="1814">
-              <a:latin typeface="Arial" charset="0"/>
-              <a:ea typeface="MS Gothic" charset="-128"/>
-            </a:endParaRPr>
-          </a:p>
-        </p:txBody>
-      </p:sp>
-      <p:sp>
-        <p:nvSpPr>
           <p:cNvPr id="2" name="Title 1"/>
           <p:cNvSpPr>
             <a:spLocks noGrp="1"/>
@@ -18183,8 +18582,8 @@
         </p:nvSpPr>
         <p:spPr>
           <a:xfrm>
-            <a:off x="1944043" y="2046588"/>
-            <a:ext cx="8092210" cy="1209049"/>
+            <a:off x="2049895" y="4336556"/>
+            <a:ext cx="8092210" cy="1815882"/>
           </a:xfrm>
           <a:prstGeom prst="rect">
             <a:avLst/>
@@ -18197,101 +18596,49 @@
           <a:lstStyle/>
           <a:p>
             <a:r>
-              <a:rPr lang="en-US" sz="1814" dirty="0">
-                <a:solidFill>
-                  <a:srgbClr val="3333CC">
-                    <a:lumMod val="50000"/>
-                  </a:srgbClr>
-                </a:solidFill>
-                <a:latin typeface="Consolas" pitchFamily="49" charset="0"/>
-              </a:rPr>
+              <a:rPr lang="en-US" sz="2800" dirty="0"/>
               <a:t>public class </a:t>
             </a:r>
             <a:r>
-              <a:rPr lang="en-US" sz="1814" dirty="0" err="1">
-                <a:latin typeface="Consolas" pitchFamily="49" charset="0"/>
-              </a:rPr>
+              <a:rPr lang="en-US" sz="2800" dirty="0" err="1"/>
               <a:t>FedexTimedOut</a:t>
             </a:r>
-            <a:endParaRPr lang="en-US" sz="1814" dirty="0">
-              <a:latin typeface="Consolas" pitchFamily="49" charset="0"/>
-            </a:endParaRPr>
-          </a:p>
-          <a:p>
-            <a:r>
-              <a:rPr lang="en-US" sz="1814" dirty="0">
-                <a:latin typeface="Consolas" pitchFamily="49" charset="0"/>
-              </a:rPr>
+            <a:endParaRPr lang="en-US" sz="2800" dirty="0"/>
+          </a:p>
+          <a:p>
+            <a:r>
+              <a:rPr lang="en-US" sz="2800" dirty="0"/>
               <a:t>{</a:t>
             </a:r>
           </a:p>
           <a:p>
             <a:r>
-              <a:rPr lang="en-US" sz="1814" dirty="0">
-                <a:solidFill>
-                  <a:schemeClr val="accent2">
-                    <a:lumMod val="50000"/>
-                  </a:schemeClr>
-                </a:solidFill>
-                <a:latin typeface="Consolas" pitchFamily="49" charset="0"/>
-              </a:rPr>
+              <a:rPr lang="en-US" sz="2800" dirty="0"/>
               <a:t>	public string </a:t>
             </a:r>
             <a:r>
-              <a:rPr lang="en-US" sz="1814" dirty="0" err="1">
-                <a:solidFill>
-                  <a:schemeClr val="accent2">
-                    <a:lumMod val="50000"/>
-                  </a:schemeClr>
-                </a:solidFill>
-                <a:latin typeface="Consolas" pitchFamily="49" charset="0"/>
-              </a:rPr>
+              <a:rPr lang="en-US" sz="2800" b="1" dirty="0" err="1"/>
               <a:t>SomeState</a:t>
             </a:r>
             <a:r>
-              <a:rPr lang="en-US" sz="1814" dirty="0">
-                <a:solidFill>
-                  <a:schemeClr val="accent2">
-                    <a:lumMod val="50000"/>
-                  </a:schemeClr>
-                </a:solidFill>
-                <a:latin typeface="Consolas" pitchFamily="49" charset="0"/>
-              </a:rPr>
+              <a:rPr lang="en-US" sz="2800" dirty="0"/>
               <a:t>{</a:t>
             </a:r>
             <a:r>
-              <a:rPr lang="en-US" sz="1814" dirty="0" err="1">
-                <a:solidFill>
-                  <a:schemeClr val="accent2">
-                    <a:lumMod val="50000"/>
-                  </a:schemeClr>
-                </a:solidFill>
-                <a:latin typeface="Consolas" pitchFamily="49" charset="0"/>
-              </a:rPr>
+              <a:rPr lang="en-US" sz="2800" dirty="0" err="1"/>
               <a:t>get;set</a:t>
             </a:r>
             <a:r>
-              <a:rPr lang="en-US" sz="1814" dirty="0">
-                <a:solidFill>
-                  <a:schemeClr val="accent2">
-                    <a:lumMod val="50000"/>
-                  </a:schemeClr>
-                </a:solidFill>
-                <a:latin typeface="Consolas" pitchFamily="49" charset="0"/>
-              </a:rPr>
+              <a:rPr lang="en-US" sz="2800" dirty="0"/>
               <a:t>;} </a:t>
             </a:r>
-            <a:endParaRPr lang="en-US" sz="1814" dirty="0">
-              <a:latin typeface="Consolas" pitchFamily="49" charset="0"/>
-            </a:endParaRPr>
-          </a:p>
-          <a:p>
-            <a:r>
-              <a:rPr lang="en-US" sz="1814" dirty="0">
-                <a:latin typeface="Consolas" pitchFamily="49" charset="0"/>
-              </a:rPr>
-              <a:t>}</a:t>
-            </a:r>
+          </a:p>
+          <a:p>
+            <a:r>
+              <a:rPr lang="en-US" sz="2800" dirty="0" smtClean="0"/>
+              <a:t>} </a:t>
+            </a:r>
+            <a:endParaRPr lang="en-US" sz="2800" dirty="0"/>
           </a:p>
         </p:txBody>
       </p:sp>
@@ -18303,8 +18650,8 @@
         </p:nvSpPr>
         <p:spPr>
           <a:xfrm>
-            <a:off x="1944044" y="4051145"/>
-            <a:ext cx="8230465" cy="1488228"/>
+            <a:off x="2049895" y="1940772"/>
+            <a:ext cx="8230465" cy="1938992"/>
           </a:xfrm>
           <a:prstGeom prst="rect">
             <a:avLst/>
@@ -18317,7 +18664,7 @@
           <a:lstStyle/>
           <a:p>
             <a:r>
-              <a:rPr lang="en-US" sz="1814" dirty="0">
+              <a:rPr lang="en-US" sz="2400" dirty="0">
                 <a:solidFill>
                   <a:srgbClr val="3333CC">
                     <a:lumMod val="50000"/>
@@ -18328,19 +18675,19 @@
               <a:t>public void </a:t>
             </a:r>
             <a:r>
-              <a:rPr lang="en-US" sz="1814" dirty="0">
+              <a:rPr lang="en-US" sz="2400" dirty="0">
                 <a:latin typeface="Consolas" pitchFamily="49" charset="0"/>
               </a:rPr>
               <a:t>Timeout(</a:t>
             </a:r>
             <a:r>
-              <a:rPr lang="en-US" sz="1814" dirty="0" err="1">
+              <a:rPr lang="en-US" sz="2400" dirty="0" err="1">
                 <a:latin typeface="Consolas" pitchFamily="49" charset="0"/>
               </a:rPr>
               <a:t>FedexTimedOut</a:t>
             </a:r>
             <a:r>
-              <a:rPr lang="en-US" sz="1814" dirty="0">
+              <a:rPr lang="en-US" sz="2400" dirty="0">
                 <a:latin typeface="Consolas" pitchFamily="49" charset="0"/>
               </a:rPr>
               <a:t> state) </a:t>
@@ -18348,7 +18695,7 @@
           </a:p>
           <a:p>
             <a:r>
-              <a:rPr lang="en-US" sz="1814" dirty="0">
+              <a:rPr lang="en-US" sz="2400" dirty="0">
                 <a:latin typeface="Consolas" pitchFamily="49" charset="0"/>
               </a:rPr>
               <a:t>{</a:t>
@@ -18356,19 +18703,19 @@
           </a:p>
           <a:p>
             <a:r>
-              <a:rPr lang="en-US" sz="1814" dirty="0">
+              <a:rPr lang="en-US" sz="2400" dirty="0">
                 <a:latin typeface="Consolas" pitchFamily="49" charset="0"/>
               </a:rPr>
               <a:t>	if(</a:t>
             </a:r>
             <a:r>
-              <a:rPr lang="en-US" sz="1814" dirty="0" err="1">
+              <a:rPr lang="en-US" sz="2400" b="1" dirty="0" err="1">
                 <a:latin typeface="Consolas" pitchFamily="49" charset="0"/>
               </a:rPr>
               <a:t>state.SomeState</a:t>
             </a:r>
             <a:r>
-              <a:rPr lang="en-US" sz="1814" dirty="0">
+              <a:rPr lang="en-US" sz="2400" dirty="0">
                 <a:latin typeface="Consolas" pitchFamily="49" charset="0"/>
               </a:rPr>
               <a:t>)</a:t>
@@ -18376,7 +18723,7 @@
           </a:p>
           <a:p>
             <a:r>
-              <a:rPr lang="en-US" sz="1814" dirty="0">
+              <a:rPr lang="en-US" sz="2400" dirty="0">
                 <a:latin typeface="Consolas" pitchFamily="49" charset="0"/>
               </a:rPr>
               <a:t>      …</a:t>
@@ -18384,7 +18731,7 @@
           </a:p>
           <a:p>
             <a:r>
-              <a:rPr lang="en-US" sz="1814" dirty="0">
+              <a:rPr lang="en-US" sz="2400" dirty="0">
                 <a:latin typeface="Consolas" pitchFamily="49" charset="0"/>
               </a:rPr>
               <a:t>}</a:t>
@@ -18473,15 +18820,7 @@
           <a:p>
             <a:r>
               <a:rPr lang="en-GB" dirty="0" smtClean="0"/>
-              <a:t>Dealing with </a:t>
-            </a:r>
-            <a:r>
-              <a:rPr lang="en-GB" dirty="0" smtClean="0"/>
-              <a:t>non-transactional </a:t>
-            </a:r>
-            <a:r>
-              <a:rPr lang="en-GB" dirty="0" smtClean="0"/>
-              <a:t>resources</a:t>
+              <a:t>Dealing with non-transactional resources</a:t>
             </a:r>
             <a:endParaRPr lang="sv-SE" dirty="0"/>
           </a:p>
@@ -26668,7 +27007,11 @@
             </a:pPr>
             <a:r>
               <a:rPr lang="en-GB" dirty="0" smtClean="0"/>
-              <a:t>In short: Sagas == </a:t>
+              <a:t>Sagas </a:t>
+            </a:r>
+            <a:r>
+              <a:rPr lang="en-GB" dirty="0" smtClean="0"/>
+              <a:t>== </a:t>
             </a:r>
             <a:r>
               <a:rPr lang="en-GB" dirty="0"/>
@@ -26833,12 +27176,16 @@
               <a:t>What happens if </a:t>
             </a:r>
             <a:r>
+              <a:rPr lang="en-US" dirty="0" err="1"/>
+              <a:t>F</a:t>
+            </a:r>
+            <a:r>
               <a:rPr lang="en-US" dirty="0" err="1" smtClean="0"/>
-              <a:t>fedex</a:t>
+              <a:t>edex</a:t>
             </a:r>
             <a:r>
               <a:rPr lang="en-US" dirty="0" smtClean="0"/>
-              <a:t> does return?</a:t>
+              <a:t> returns later?</a:t>
             </a:r>
             <a:endParaRPr lang="en-US" dirty="0"/>
           </a:p>
@@ -26846,652 +27193,246 @@
       </p:sp>
       <p:sp>
         <p:nvSpPr>
-          <p:cNvPr id="8" name="Rounded Rectangle 7"/>
+          <p:cNvPr id="29" name="Rectangle 28"/>
           <p:cNvSpPr/>
           <p:nvPr/>
         </p:nvSpPr>
-        <p:spPr bwMode="auto">
-          <a:xfrm>
-            <a:off x="6907190" y="2492438"/>
-            <a:ext cx="1556528" cy="960014"/>
-          </a:xfrm>
-          <a:prstGeom prst="roundRect">
-            <a:avLst/>
-          </a:prstGeom>
-          <a:solidFill>
-            <a:srgbClr val="FFD34F">
-              <a:lumMod val="75000"/>
-            </a:srgbClr>
-          </a:solidFill>
-          <a:ln w="9525" cap="flat" cmpd="sng" algn="ctr">
-            <a:solidFill>
-              <a:srgbClr val="FFFFFF"/>
-            </a:solidFill>
-            <a:prstDash val="solid"/>
-            <a:round/>
-            <a:headEnd type="none" w="med" len="med"/>
-            <a:tailEnd type="none" w="med" len="med"/>
-          </a:ln>
-          <a:effectLst/>
-        </p:spPr>
-        <p:txBody>
-          <a:bodyPr vert="horz" wrap="square" lIns="82953" tIns="41476" rIns="82953" bIns="41476" numCol="1" rtlCol="0" anchor="ctr" anchorCtr="0" compatLnSpc="1">
-            <a:prstTxWarp prst="textNoShape">
-              <a:avLst/>
-            </a:prstTxWarp>
-          </a:bodyPr>
-          <a:lstStyle/>
-          <a:p>
-            <a:pPr algn="ctr" defTabSz="829544" fontAlgn="base">
-              <a:spcBef>
-                <a:spcPct val="0"/>
-              </a:spcBef>
-              <a:spcAft>
-                <a:spcPct val="0"/>
-              </a:spcAft>
-              <a:defRPr/>
-            </a:pPr>
-            <a:r>
-              <a:rPr lang="en-US" sz="2540" b="1" kern="0" dirty="0">
-                <a:solidFill>
-                  <a:srgbClr val="000000"/>
-                </a:solidFill>
-                <a:latin typeface="Franklin Gothic Medium" pitchFamily="34" charset="0"/>
-              </a:rPr>
-              <a:t>FedEx </a:t>
-            </a:r>
-            <a:r>
-              <a:rPr lang="en-US" sz="2540" b="1" kern="0" dirty="0" smtClean="0">
-                <a:solidFill>
-                  <a:srgbClr val="000000"/>
-                </a:solidFill>
-                <a:latin typeface="Franklin Gothic Medium" pitchFamily="34" charset="0"/>
-              </a:rPr>
-              <a:t>gateway</a:t>
-            </a:r>
-            <a:endParaRPr lang="en-US" sz="2540" b="1" kern="0" dirty="0">
-              <a:solidFill>
-                <a:srgbClr val="000000"/>
-              </a:solidFill>
-              <a:latin typeface="Franklin Gothic Medium" pitchFamily="34" charset="0"/>
-            </a:endParaRPr>
-          </a:p>
-        </p:txBody>
-      </p:sp>
-      <p:sp>
-        <p:nvSpPr>
-          <p:cNvPr id="9" name="Rounded Rectangle 8"/>
-          <p:cNvSpPr/>
-          <p:nvPr/>
-        </p:nvSpPr>
-        <p:spPr bwMode="auto">
-          <a:xfrm>
-            <a:off x="2206537" y="2277289"/>
-            <a:ext cx="1925468" cy="3871126"/>
-          </a:xfrm>
-          <a:prstGeom prst="roundRect">
-            <a:avLst/>
-          </a:prstGeom>
-          <a:solidFill>
-            <a:srgbClr val="07CF2D"/>
-          </a:solidFill>
-          <a:ln w="9525" cap="flat" cmpd="sng" algn="ctr">
-            <a:solidFill>
-              <a:srgbClr val="FFFFFF"/>
-            </a:solidFill>
-            <a:prstDash val="solid"/>
-            <a:round/>
-            <a:headEnd type="none" w="med" len="med"/>
-            <a:tailEnd type="none" w="med" len="med"/>
-          </a:ln>
-          <a:effectLst/>
-        </p:spPr>
-        <p:txBody>
-          <a:bodyPr vert="horz" wrap="square" lIns="82953" tIns="41476" rIns="82953" bIns="41476" numCol="1" rtlCol="0" anchor="t" anchorCtr="0" compatLnSpc="1">
-            <a:prstTxWarp prst="textNoShape">
-              <a:avLst/>
-            </a:prstTxWarp>
-          </a:bodyPr>
-          <a:lstStyle/>
-          <a:p>
-            <a:pPr algn="ctr" defTabSz="829544" fontAlgn="base">
-              <a:spcBef>
-                <a:spcPct val="0"/>
-              </a:spcBef>
-              <a:spcAft>
-                <a:spcPct val="0"/>
-              </a:spcAft>
-              <a:defRPr/>
-            </a:pPr>
-            <a:r>
-              <a:rPr lang="en-US" sz="2903" b="1" kern="0" dirty="0">
-                <a:solidFill>
-                  <a:srgbClr val="000000"/>
-                </a:solidFill>
-                <a:latin typeface="Franklin Gothic Medium" pitchFamily="34" charset="0"/>
-              </a:rPr>
-              <a:t>Shipping</a:t>
-            </a:r>
-          </a:p>
-        </p:txBody>
-      </p:sp>
-      <p:cxnSp>
-        <p:nvCxnSpPr>
-          <p:cNvPr id="10" name="Straight Arrow Connector 9"/>
-          <p:cNvCxnSpPr/>
-          <p:nvPr/>
-        </p:nvCxnSpPr>
-        <p:spPr>
-          <a:xfrm flipV="1">
-            <a:off x="4142100" y="2622925"/>
-            <a:ext cx="2654487" cy="0"/>
-          </a:xfrm>
-          <a:prstGeom prst="straightConnector1">
-            <a:avLst/>
-          </a:prstGeom>
-          <a:noFill/>
-          <a:ln w="38100" cap="flat" cmpd="sng" algn="ctr">
-            <a:solidFill>
-              <a:schemeClr val="tx1"/>
-            </a:solidFill>
-            <a:prstDash val="solid"/>
-            <a:tailEnd type="stealth" w="lg" len="lg"/>
-          </a:ln>
-          <a:effectLst/>
-        </p:spPr>
-      </p:cxnSp>
-      <p:cxnSp>
-        <p:nvCxnSpPr>
-          <p:cNvPr id="11" name="Straight Arrow Connector 10"/>
-          <p:cNvCxnSpPr/>
-          <p:nvPr/>
-        </p:nvCxnSpPr>
-        <p:spPr>
-          <a:xfrm flipH="1" flipV="1">
-            <a:off x="5524645" y="3314197"/>
-            <a:ext cx="1244291" cy="0"/>
-          </a:xfrm>
-          <a:prstGeom prst="straightConnector1">
-            <a:avLst/>
-          </a:prstGeom>
-          <a:noFill/>
-          <a:ln w="38100" cap="flat" cmpd="dbl" algn="ctr">
-            <a:solidFill>
-              <a:schemeClr val="tx1"/>
-            </a:solidFill>
-            <a:prstDash val="sysDot"/>
-            <a:tailEnd type="stealth" w="lg" len="lg"/>
-          </a:ln>
-          <a:effectLst/>
-        </p:spPr>
-      </p:cxnSp>
-      <p:cxnSp>
-        <p:nvCxnSpPr>
-          <p:cNvPr id="12" name="Straight Arrow Connector 11"/>
-          <p:cNvCxnSpPr/>
-          <p:nvPr/>
-        </p:nvCxnSpPr>
-        <p:spPr>
-          <a:xfrm flipV="1">
-            <a:off x="4142100" y="5188401"/>
-            <a:ext cx="2654487" cy="0"/>
-          </a:xfrm>
-          <a:prstGeom prst="straightConnector1">
-            <a:avLst/>
-          </a:prstGeom>
-          <a:noFill/>
-          <a:ln w="38100" cap="flat" cmpd="sng" algn="ctr">
-            <a:solidFill>
-              <a:schemeClr val="tx1"/>
-            </a:solidFill>
-            <a:prstDash val="solid"/>
-            <a:tailEnd type="stealth" w="lg" len="lg"/>
-          </a:ln>
-          <a:effectLst/>
-        </p:spPr>
-      </p:cxnSp>
-      <p:cxnSp>
-        <p:nvCxnSpPr>
-          <p:cNvPr id="13" name="Straight Arrow Connector 12"/>
-          <p:cNvCxnSpPr/>
-          <p:nvPr/>
-        </p:nvCxnSpPr>
-        <p:spPr>
-          <a:xfrm flipH="1" flipV="1">
-            <a:off x="4142100" y="5741419"/>
-            <a:ext cx="2654487" cy="0"/>
-          </a:xfrm>
-          <a:prstGeom prst="straightConnector1">
-            <a:avLst/>
-          </a:prstGeom>
-          <a:noFill/>
-          <a:ln w="38100" cap="flat" cmpd="sng" algn="ctr">
-            <a:solidFill>
-              <a:schemeClr val="tx1"/>
-            </a:solidFill>
-            <a:prstDash val="solid"/>
-            <a:tailEnd type="stealth" w="lg" len="lg"/>
-          </a:ln>
-          <a:effectLst/>
-        </p:spPr>
-      </p:cxnSp>
-      <p:pic>
-        <p:nvPicPr>
-          <p:cNvPr id="14" name="Picture 2"/>
-          <p:cNvPicPr>
-            <a:picLocks noChangeAspect="1" noChangeArrowheads="1"/>
-          </p:cNvPicPr>
-          <p:nvPr/>
-        </p:nvPicPr>
-        <p:blipFill>
-          <a:blip r:embed="rId2" cstate="print"/>
-          <a:srcRect r="29756" b="34884"/>
-          <a:stretch>
-            <a:fillRect/>
-          </a:stretch>
-        </p:blipFill>
-        <p:spPr bwMode="auto">
-          <a:xfrm>
-            <a:off x="9188390" y="2484670"/>
-            <a:ext cx="1244291" cy="483891"/>
-          </a:xfrm>
-          <a:prstGeom prst="rect">
-            <a:avLst/>
-          </a:prstGeom>
-          <a:noFill/>
-          <a:ln w="9525">
-            <a:noFill/>
-            <a:miter lim="800000"/>
-            <a:headEnd/>
-            <a:tailEnd/>
-          </a:ln>
-        </p:spPr>
-      </p:pic>
-      <p:cxnSp>
-        <p:nvCxnSpPr>
-          <p:cNvPr id="15" name="Straight Arrow Connector 14"/>
-          <p:cNvCxnSpPr/>
-          <p:nvPr/>
-        </p:nvCxnSpPr>
-        <p:spPr>
-          <a:xfrm flipV="1">
-            <a:off x="8536467" y="2704814"/>
-            <a:ext cx="746574" cy="0"/>
-          </a:xfrm>
-          <a:prstGeom prst="straightConnector1">
-            <a:avLst/>
-          </a:prstGeom>
-          <a:noFill/>
-          <a:ln w="38100" cap="flat" cmpd="sng" algn="ctr">
-            <a:solidFill>
-              <a:schemeClr val="tx1"/>
-            </a:solidFill>
-            <a:prstDash val="solid"/>
-            <a:tailEnd type="stealth" w="lg" len="lg"/>
-          </a:ln>
-          <a:effectLst/>
-        </p:spPr>
-      </p:cxnSp>
-      <p:cxnSp>
-        <p:nvCxnSpPr>
-          <p:cNvPr id="16" name="Straight Arrow Connector 15"/>
-          <p:cNvCxnSpPr/>
-          <p:nvPr/>
-        </p:nvCxnSpPr>
-        <p:spPr>
-          <a:xfrm flipH="1" flipV="1">
-            <a:off x="8842753" y="3175943"/>
-            <a:ext cx="414764" cy="0"/>
-          </a:xfrm>
-          <a:prstGeom prst="straightConnector1">
-            <a:avLst/>
-          </a:prstGeom>
-          <a:noFill/>
-          <a:ln w="38100" cap="flat" cmpd="sng" algn="ctr">
-            <a:solidFill>
-              <a:schemeClr val="tx1"/>
-            </a:solidFill>
-            <a:prstDash val="sysDash"/>
-            <a:tailEnd type="stealth" w="lg" len="lg"/>
-          </a:ln>
-          <a:effectLst/>
-        </p:spPr>
-      </p:cxnSp>
-      <p:cxnSp>
-        <p:nvCxnSpPr>
-          <p:cNvPr id="18" name="Straight Arrow Connector 17"/>
-          <p:cNvCxnSpPr/>
-          <p:nvPr/>
-        </p:nvCxnSpPr>
-        <p:spPr>
-          <a:xfrm flipV="1">
-            <a:off x="8580070" y="5408545"/>
-            <a:ext cx="746574" cy="0"/>
-          </a:xfrm>
-          <a:prstGeom prst="straightConnector1">
-            <a:avLst/>
-          </a:prstGeom>
-          <a:noFill/>
-          <a:ln w="38100" cap="flat" cmpd="sng" algn="ctr">
-            <a:solidFill>
-              <a:schemeClr val="tx1"/>
-            </a:solidFill>
-            <a:prstDash val="solid"/>
-            <a:tailEnd type="stealth" w="lg" len="lg"/>
-          </a:ln>
-          <a:effectLst/>
-        </p:spPr>
-      </p:cxnSp>
-      <p:cxnSp>
-        <p:nvCxnSpPr>
-          <p:cNvPr id="19" name="Straight Arrow Connector 18"/>
-          <p:cNvCxnSpPr/>
-          <p:nvPr/>
-        </p:nvCxnSpPr>
-        <p:spPr>
-          <a:xfrm flipH="1" flipV="1">
-            <a:off x="8533274" y="5603164"/>
-            <a:ext cx="746574" cy="0"/>
-          </a:xfrm>
-          <a:prstGeom prst="straightConnector1">
-            <a:avLst/>
-          </a:prstGeom>
-          <a:noFill/>
-          <a:ln w="38100" cap="flat" cmpd="sng" algn="ctr">
-            <a:solidFill>
-              <a:schemeClr val="tx1"/>
-            </a:solidFill>
-            <a:prstDash val="sysDash"/>
-            <a:tailEnd type="stealth" w="lg" len="lg"/>
-          </a:ln>
-          <a:effectLst/>
-        </p:spPr>
-      </p:cxnSp>
-      <p:sp>
-        <p:nvSpPr>
-          <p:cNvPr id="20" name="Rectangle 3"/>
-          <p:cNvSpPr txBox="1">
-            <a:spLocks noChangeArrowheads="1"/>
-          </p:cNvSpPr>
-          <p:nvPr/>
-        </p:nvSpPr>
         <p:spPr>
           <a:xfrm>
-            <a:off x="4418609" y="1793398"/>
-            <a:ext cx="1797309" cy="414764"/>
+            <a:off x="1445742" y="1441689"/>
+            <a:ext cx="10027046" cy="4524315"/>
           </a:xfrm>
           <a:prstGeom prst="rect">
             <a:avLst/>
           </a:prstGeom>
         </p:spPr>
         <p:txBody>
-          <a:bodyPr/>
-          <a:lstStyle/>
-          <a:p>
-            <a:pPr defTabSz="829544" fontAlgn="base">
-              <a:spcBef>
-                <a:spcPts val="635"/>
-              </a:spcBef>
-              <a:spcAft>
-                <a:spcPct val="0"/>
-              </a:spcAft>
-              <a:buClr>
-                <a:srgbClr val="FFD34F"/>
-              </a:buClr>
-              <a:buSzPct val="95000"/>
-              <a:defRPr/>
-            </a:pPr>
-            <a:r>
-              <a:rPr lang="en-US" sz="2540" dirty="0">
-                <a:latin typeface="Franklin Gothic Book"/>
-              </a:rPr>
-              <a:t>Messaging</a:t>
-            </a:r>
-          </a:p>
-        </p:txBody>
-      </p:sp>
-      <p:sp>
-        <p:nvSpPr>
-          <p:cNvPr id="21" name="Rectangle 3"/>
-          <p:cNvSpPr txBox="1">
-            <a:spLocks noChangeArrowheads="1"/>
-          </p:cNvSpPr>
-          <p:nvPr/>
-        </p:nvSpPr>
-        <p:spPr>
-          <a:xfrm>
-            <a:off x="8635372" y="1793398"/>
-            <a:ext cx="829527" cy="414764"/>
-          </a:xfrm>
-          <a:prstGeom prst="rect">
-            <a:avLst/>
-          </a:prstGeom>
-        </p:spPr>
-        <p:txBody>
-          <a:bodyPr/>
-          <a:lstStyle/>
-          <a:p>
-            <a:pPr defTabSz="829544" fontAlgn="base">
-              <a:spcBef>
-                <a:spcPts val="635"/>
-              </a:spcBef>
-              <a:spcAft>
-                <a:spcPct val="0"/>
-              </a:spcAft>
-              <a:buClr>
-                <a:srgbClr val="FFD34F"/>
-              </a:buClr>
-              <a:buSzPct val="95000"/>
-              <a:defRPr/>
-            </a:pPr>
-            <a:r>
-              <a:rPr lang="en-US" sz="2540" dirty="0">
-                <a:latin typeface="Franklin Gothic Book"/>
-              </a:rPr>
-              <a:t>WS</a:t>
-            </a:r>
-          </a:p>
-        </p:txBody>
-      </p:sp>
-      <p:sp>
-        <p:nvSpPr>
-          <p:cNvPr id="22" name="TextBox 21"/>
-          <p:cNvSpPr txBox="1"/>
-          <p:nvPr/>
-        </p:nvSpPr>
-        <p:spPr>
-          <a:xfrm>
-            <a:off x="8427990" y="2830307"/>
-            <a:ext cx="378630" cy="594906"/>
-          </a:xfrm>
-          <a:prstGeom prst="rect">
-            <a:avLst/>
-          </a:prstGeom>
-          <a:noFill/>
-        </p:spPr>
-        <p:txBody>
-          <a:bodyPr wrap="none" rtlCol="0">
+          <a:bodyPr wrap="square">
             <a:spAutoFit/>
           </a:bodyPr>
           <a:lstStyle/>
           <a:p>
             <a:r>
-              <a:rPr lang="en-US" sz="3266" b="1" dirty="0">
+              <a:rPr lang="en-US" sz="2400" dirty="0">
                 <a:solidFill>
-                  <a:srgbClr val="C00000"/>
+                  <a:srgbClr val="3333CC">
+                    <a:lumMod val="50000"/>
+                  </a:srgbClr>
                 </a:solidFill>
+                <a:latin typeface="Consolas" pitchFamily="49" charset="0"/>
               </a:rPr>
-              <a:t>?</a:t>
-            </a:r>
-          </a:p>
-        </p:txBody>
-      </p:sp>
-      <p:sp>
-        <p:nvSpPr>
-          <p:cNvPr id="23" name="Rectangle 3"/>
-          <p:cNvSpPr txBox="1">
-            <a:spLocks noChangeArrowheads="1"/>
-          </p:cNvSpPr>
-          <p:nvPr/>
-        </p:nvSpPr>
-        <p:spPr>
-          <a:xfrm>
-            <a:off x="6976317" y="3521579"/>
-            <a:ext cx="3604699" cy="414764"/>
-          </a:xfrm>
-          <a:prstGeom prst="rect">
-            <a:avLst/>
-          </a:prstGeom>
-        </p:spPr>
-        <p:txBody>
-          <a:bodyPr/>
-          <a:lstStyle/>
-          <a:p>
-            <a:pPr defTabSz="829544" fontAlgn="base">
-              <a:spcBef>
-                <a:spcPts val="635"/>
-              </a:spcBef>
-              <a:spcAft>
-                <a:spcPct val="0"/>
-              </a:spcAft>
-              <a:buClr>
-                <a:srgbClr val="FFD34F"/>
-              </a:buClr>
-              <a:buSzPct val="95000"/>
-              <a:defRPr/>
-            </a:pPr>
-            <a:r>
-              <a:rPr lang="en-US" sz="1814" dirty="0">
-                <a:latin typeface="Franklin Gothic Book"/>
+              <a:t>public </a:t>
+            </a:r>
+            <a:r>
+              <a:rPr lang="en-US" sz="2400" dirty="0" smtClean="0">
+                <a:solidFill>
+                  <a:srgbClr val="3333CC">
+                    <a:lumMod val="50000"/>
+                  </a:srgbClr>
+                </a:solidFill>
+                <a:latin typeface="Consolas" pitchFamily="49" charset="0"/>
               </a:rPr>
-              <a:t>HTTP Timeout Exception &amp; Retry</a:t>
-            </a:r>
-          </a:p>
-        </p:txBody>
-      </p:sp>
-      <p:sp>
-        <p:nvSpPr>
-          <p:cNvPr id="24" name="TextBox 23"/>
-          <p:cNvSpPr txBox="1"/>
-          <p:nvPr/>
-        </p:nvSpPr>
-        <p:spPr>
-          <a:xfrm>
-            <a:off x="4548160" y="3037688"/>
-            <a:ext cx="378630" cy="594906"/>
-          </a:xfrm>
-          <a:prstGeom prst="rect">
-            <a:avLst/>
-          </a:prstGeom>
-          <a:noFill/>
-        </p:spPr>
-        <p:txBody>
-          <a:bodyPr wrap="none" rtlCol="0">
-            <a:spAutoFit/>
-          </a:bodyPr>
-          <a:lstStyle/>
-          <a:p>
-            <a:r>
-              <a:rPr lang="en-US" sz="3266" b="1" dirty="0">
-                <a:solidFill>
-                  <a:srgbClr val="C00000"/>
-                </a:solidFill>
+              <a:t>class </a:t>
+            </a:r>
+            <a:r>
+              <a:rPr lang="en-US" sz="2400" dirty="0" err="1" smtClean="0">
+                <a:latin typeface="Consolas" pitchFamily="49" charset="0"/>
               </a:rPr>
-              <a:t>?</a:t>
-            </a:r>
-          </a:p>
-        </p:txBody>
-      </p:sp>
-      <p:grpSp>
-        <p:nvGrpSpPr>
-          <p:cNvPr id="25" name="Group 24"/>
-          <p:cNvGrpSpPr/>
-          <p:nvPr/>
-        </p:nvGrpSpPr>
-        <p:grpSpPr>
-          <a:xfrm>
-            <a:off x="4211228" y="3659834"/>
-            <a:ext cx="4848990" cy="1209728"/>
-            <a:chOff x="3059112" y="3398837"/>
-            <a:chExt cx="5345113" cy="1333501"/>
-          </a:xfrm>
-        </p:grpSpPr>
-        <p:pic>
-          <p:nvPicPr>
-            <p:cNvPr id="26" name="Picture 4"/>
-            <p:cNvPicPr>
-              <a:picLocks noChangeAspect="1" noChangeArrowheads="1"/>
-            </p:cNvPicPr>
-            <p:nvPr/>
-          </p:nvPicPr>
-          <p:blipFill>
-            <a:blip r:embed="rId3" cstate="print"/>
-            <a:srcRect/>
-            <a:stretch>
-              <a:fillRect/>
-            </a:stretch>
-          </p:blipFill>
-          <p:spPr bwMode="auto">
-            <a:xfrm>
-              <a:off x="3059112" y="3398837"/>
-              <a:ext cx="1333501" cy="1333501"/>
-            </a:xfrm>
-            <a:prstGeom prst="rect">
-              <a:avLst/>
-            </a:prstGeom>
-            <a:noFill/>
-            <a:ln w="9525">
-              <a:noFill/>
-              <a:miter lim="800000"/>
-              <a:headEnd/>
-              <a:tailEnd/>
-            </a:ln>
-          </p:spPr>
-        </p:pic>
-        <p:sp>
-          <p:nvSpPr>
-            <p:cNvPr id="27" name="Rectangle 3"/>
-            <p:cNvSpPr txBox="1">
-              <a:spLocks noChangeArrowheads="1"/>
-            </p:cNvSpPr>
-            <p:nvPr/>
-          </p:nvSpPr>
-          <p:spPr>
-            <a:xfrm>
-              <a:off x="4430712" y="3856037"/>
-              <a:ext cx="3973513" cy="457200"/>
-            </a:xfrm>
-            <a:prstGeom prst="rect">
-              <a:avLst/>
-            </a:prstGeom>
-          </p:spPr>
-          <p:txBody>
-            <a:bodyPr/>
-            <a:lstStyle/>
-            <a:p>
-              <a:pPr defTabSz="829544" fontAlgn="base">
-                <a:spcBef>
-                  <a:spcPts val="635"/>
-                </a:spcBef>
-                <a:spcAft>
-                  <a:spcPct val="0"/>
-                </a:spcAft>
-                <a:buClr>
-                  <a:srgbClr val="FFD34F"/>
-                </a:buClr>
-                <a:buSzPct val="95000"/>
-                <a:defRPr/>
-              </a:pPr>
-              <a:r>
-                <a:rPr lang="en-US" sz="1814" dirty="0">
-                  <a:latin typeface="Franklin Gothic Book"/>
-                </a:rPr>
-                <a:t>Logical Timeout</a:t>
-              </a:r>
-            </a:p>
-          </p:txBody>
-        </p:sp>
-      </p:grpSp>
+              <a:t>MySaga</a:t>
+            </a:r>
+            <a:r>
+              <a:rPr lang="en-US" sz="2400" dirty="0" smtClean="0">
+                <a:latin typeface="Consolas" pitchFamily="49" charset="0"/>
+              </a:rPr>
+              <a:t>: </a:t>
+            </a:r>
+            <a:r>
+              <a:rPr lang="en-US" sz="2400" b="1" dirty="0" err="1" smtClean="0">
+                <a:latin typeface="Consolas" pitchFamily="49" charset="0"/>
+              </a:rPr>
+              <a:t>IHandleSagaNotFound</a:t>
+            </a:r>
+            <a:endParaRPr lang="en-US" sz="2400" b="1" dirty="0">
+              <a:latin typeface="Consolas" pitchFamily="49" charset="0"/>
+            </a:endParaRPr>
+          </a:p>
+          <a:p>
+            <a:r>
+              <a:rPr lang="en-US" sz="2400" dirty="0" smtClean="0">
+                <a:latin typeface="Consolas" pitchFamily="49" charset="0"/>
+              </a:rPr>
+              <a:t>{</a:t>
+            </a:r>
+          </a:p>
+          <a:p>
+            <a:r>
+              <a:rPr lang="en-US" sz="2400" dirty="0" smtClean="0">
+                <a:latin typeface="Consolas" pitchFamily="49" charset="0"/>
+              </a:rPr>
+              <a:t>	public void Handle(object message)</a:t>
+            </a:r>
+          </a:p>
+          <a:p>
+            <a:r>
+              <a:rPr lang="en-US" sz="2400" dirty="0" smtClean="0">
+                <a:latin typeface="Consolas" pitchFamily="49" charset="0"/>
+              </a:rPr>
+              <a:t>	{</a:t>
+            </a:r>
+          </a:p>
+          <a:p>
+            <a:pPr lvl="2"/>
+            <a:r>
+              <a:rPr lang="en-US" sz="2400" dirty="0">
+                <a:latin typeface="Consolas" pitchFamily="49" charset="0"/>
+              </a:rPr>
+              <a:t> </a:t>
+            </a:r>
+            <a:r>
+              <a:rPr lang="en-US" sz="2400" dirty="0" smtClean="0">
+                <a:latin typeface="Consolas" pitchFamily="49" charset="0"/>
+              </a:rPr>
+              <a:t>	</a:t>
+            </a:r>
+            <a:r>
+              <a:rPr lang="en-US" sz="2400" dirty="0" err="1" smtClean="0">
+                <a:latin typeface="Consolas" pitchFamily="49" charset="0"/>
+              </a:rPr>
+              <a:t>var</a:t>
+            </a:r>
+            <a:r>
+              <a:rPr lang="en-US" sz="2400" dirty="0" smtClean="0">
+                <a:latin typeface="Consolas" pitchFamily="49" charset="0"/>
+              </a:rPr>
+              <a:t> </a:t>
+            </a:r>
+            <a:r>
+              <a:rPr lang="en-US" sz="2400" dirty="0" err="1">
+                <a:latin typeface="Consolas" pitchFamily="49" charset="0"/>
+              </a:rPr>
+              <a:t>fedExResponse</a:t>
+            </a:r>
+            <a:r>
+              <a:rPr lang="en-US" sz="2400" dirty="0">
+                <a:latin typeface="Consolas" pitchFamily="49" charset="0"/>
+              </a:rPr>
+              <a:t> = </a:t>
+            </a:r>
+            <a:r>
+              <a:rPr lang="en-US" sz="2400" b="1" dirty="0">
+                <a:latin typeface="Consolas" pitchFamily="49" charset="0"/>
+              </a:rPr>
+              <a:t>message as </a:t>
+            </a:r>
+            <a:r>
+              <a:rPr lang="en-US" sz="2400" b="1" dirty="0" err="1">
+                <a:latin typeface="Consolas" pitchFamily="49" charset="0"/>
+              </a:rPr>
+              <a:t>FedExResponse</a:t>
+            </a:r>
+            <a:r>
+              <a:rPr lang="en-US" sz="2400" dirty="0">
+                <a:latin typeface="Consolas" pitchFamily="49" charset="0"/>
+              </a:rPr>
+              <a:t>;</a:t>
+            </a:r>
+          </a:p>
+          <a:p>
+            <a:pPr lvl="2"/>
+            <a:endParaRPr lang="en-US" sz="2400" dirty="0">
+              <a:latin typeface="Consolas" pitchFamily="49" charset="0"/>
+            </a:endParaRPr>
+          </a:p>
+          <a:p>
+            <a:pPr lvl="2"/>
+            <a:r>
+              <a:rPr lang="en-US" sz="2400" dirty="0" smtClean="0">
+                <a:latin typeface="Consolas" pitchFamily="49" charset="0"/>
+              </a:rPr>
+              <a:t>	if </a:t>
+            </a:r>
+            <a:r>
+              <a:rPr lang="en-US" sz="2400" dirty="0">
+                <a:latin typeface="Consolas" pitchFamily="49" charset="0"/>
+              </a:rPr>
+              <a:t>(</a:t>
+            </a:r>
+            <a:r>
+              <a:rPr lang="en-US" sz="2400" dirty="0" err="1">
+                <a:latin typeface="Consolas" pitchFamily="49" charset="0"/>
+              </a:rPr>
+              <a:t>fedExResponse</a:t>
+            </a:r>
+            <a:r>
+              <a:rPr lang="en-US" sz="2400" dirty="0">
+                <a:latin typeface="Consolas" pitchFamily="49" charset="0"/>
+              </a:rPr>
+              <a:t> != null)</a:t>
+            </a:r>
+          </a:p>
+          <a:p>
+            <a:pPr lvl="2"/>
+            <a:r>
+              <a:rPr lang="en-US" sz="2400" dirty="0" smtClean="0">
+                <a:latin typeface="Consolas" pitchFamily="49" charset="0"/>
+              </a:rPr>
+              <a:t>	{</a:t>
+            </a:r>
+          </a:p>
+          <a:p>
+            <a:pPr lvl="2"/>
+            <a:r>
+              <a:rPr lang="en-US" sz="2400" dirty="0">
+                <a:latin typeface="Consolas" pitchFamily="49" charset="0"/>
+              </a:rPr>
+              <a:t>	</a:t>
+            </a:r>
+            <a:r>
+              <a:rPr lang="en-US" sz="2400" dirty="0" smtClean="0">
+                <a:latin typeface="Consolas" pitchFamily="49" charset="0"/>
+              </a:rPr>
+              <a:t>	//take some action</a:t>
+            </a:r>
+            <a:endParaRPr lang="en-US" sz="2400" dirty="0">
+              <a:latin typeface="Consolas" pitchFamily="49" charset="0"/>
+            </a:endParaRPr>
+          </a:p>
+          <a:p>
+            <a:pPr lvl="2"/>
+            <a:r>
+              <a:rPr lang="en-US" sz="2400" dirty="0" smtClean="0">
+                <a:latin typeface="Consolas" pitchFamily="49" charset="0"/>
+              </a:rPr>
+              <a:t>	}</a:t>
+            </a:r>
+            <a:endParaRPr lang="en-US" sz="2400" dirty="0">
+              <a:latin typeface="Consolas" pitchFamily="49" charset="0"/>
+            </a:endParaRPr>
+          </a:p>
+          <a:p>
+            <a:r>
+              <a:rPr lang="en-US" sz="2400" dirty="0" smtClean="0">
+                <a:latin typeface="Consolas" pitchFamily="49" charset="0"/>
+              </a:rPr>
+              <a:t>	}</a:t>
+            </a:r>
+            <a:endParaRPr lang="en-US" sz="2400" dirty="0" smtClean="0">
+              <a:latin typeface="Consolas" pitchFamily="49" charset="0"/>
+            </a:endParaRPr>
+          </a:p>
+          <a:p>
+            <a:r>
+              <a:rPr lang="en-US" sz="2400" dirty="0" smtClean="0">
+                <a:latin typeface="Consolas" pitchFamily="49" charset="0"/>
+              </a:rPr>
+              <a:t>}</a:t>
+            </a:r>
+            <a:endParaRPr lang="en-US" sz="2400" dirty="0">
+              <a:latin typeface="Consolas" pitchFamily="49" charset="0"/>
+            </a:endParaRPr>
+          </a:p>
+        </p:txBody>
+      </p:sp>
     </p:spTree>
     <p:extLst>
       <p:ext uri="{BB962C8B-B14F-4D97-AF65-F5344CB8AC3E}">
@@ -27505,614 +27446,9 @@
   <p:timing>
     <p:tnLst>
       <p:par>
-        <p:cTn id="1" dur="indefinite" restart="never" nodeType="tmRoot">
-          <p:childTnLst>
-            <p:seq concurrent="1" nextAc="seek">
-              <p:cTn id="2" dur="indefinite" nodeType="mainSeq">
-                <p:childTnLst>
-                  <p:par>
-                    <p:cTn id="3" fill="hold">
-                      <p:stCondLst>
-                        <p:cond delay="indefinite"/>
-                      </p:stCondLst>
-                      <p:childTnLst>
-                        <p:par>
-                          <p:cTn id="4" fill="hold">
-                            <p:stCondLst>
-                              <p:cond delay="0"/>
-                            </p:stCondLst>
-                            <p:childTnLst>
-                              <p:par>
-                                <p:cTn id="5" presetID="22" presetClass="entr" presetSubtype="8" fill="hold" nodeType="clickEffect">
-                                  <p:stCondLst>
-                                    <p:cond delay="0"/>
-                                  </p:stCondLst>
-                                  <p:childTnLst>
-                                    <p:set>
-                                      <p:cBhvr>
-                                        <p:cTn id="6" dur="1" fill="hold">
-                                          <p:stCondLst>
-                                            <p:cond delay="0"/>
-                                          </p:stCondLst>
-                                        </p:cTn>
-                                        <p:tgtEl>
-                                          <p:spTgt spid="10"/>
-                                        </p:tgtEl>
-                                        <p:attrNameLst>
-                                          <p:attrName>style.visibility</p:attrName>
-                                        </p:attrNameLst>
-                                      </p:cBhvr>
-                                      <p:to>
-                                        <p:strVal val="visible"/>
-                                      </p:to>
-                                    </p:set>
-                                    <p:animEffect transition="in" filter="wipe(left)">
-                                      <p:cBhvr>
-                                        <p:cTn id="7" dur="500"/>
-                                        <p:tgtEl>
-                                          <p:spTgt spid="10"/>
-                                        </p:tgtEl>
-                                      </p:cBhvr>
-                                    </p:animEffect>
-                                  </p:childTnLst>
-                                </p:cTn>
-                              </p:par>
-                            </p:childTnLst>
-                          </p:cTn>
-                        </p:par>
-                      </p:childTnLst>
-                    </p:cTn>
-                  </p:par>
-                  <p:par>
-                    <p:cTn id="8" fill="hold">
-                      <p:stCondLst>
-                        <p:cond delay="indefinite"/>
-                      </p:stCondLst>
-                      <p:childTnLst>
-                        <p:par>
-                          <p:cTn id="9" fill="hold">
-                            <p:stCondLst>
-                              <p:cond delay="0"/>
-                            </p:stCondLst>
-                            <p:childTnLst>
-                              <p:par>
-                                <p:cTn id="10" presetID="22" presetClass="entr" presetSubtype="8" fill="hold" nodeType="clickEffect">
-                                  <p:stCondLst>
-                                    <p:cond delay="0"/>
-                                  </p:stCondLst>
-                                  <p:childTnLst>
-                                    <p:set>
-                                      <p:cBhvr>
-                                        <p:cTn id="11" dur="1" fill="hold">
-                                          <p:stCondLst>
-                                            <p:cond delay="0"/>
-                                          </p:stCondLst>
-                                        </p:cTn>
-                                        <p:tgtEl>
-                                          <p:spTgt spid="15"/>
-                                        </p:tgtEl>
-                                        <p:attrNameLst>
-                                          <p:attrName>style.visibility</p:attrName>
-                                        </p:attrNameLst>
-                                      </p:cBhvr>
-                                      <p:to>
-                                        <p:strVal val="visible"/>
-                                      </p:to>
-                                    </p:set>
-                                    <p:animEffect transition="in" filter="wipe(left)">
-                                      <p:cBhvr>
-                                        <p:cTn id="12" dur="500"/>
-                                        <p:tgtEl>
-                                          <p:spTgt spid="15"/>
-                                        </p:tgtEl>
-                                      </p:cBhvr>
-                                    </p:animEffect>
-                                  </p:childTnLst>
-                                </p:cTn>
-                              </p:par>
-                            </p:childTnLst>
-                          </p:cTn>
-                        </p:par>
-                      </p:childTnLst>
-                    </p:cTn>
-                  </p:par>
-                  <p:par>
-                    <p:cTn id="13" fill="hold">
-                      <p:stCondLst>
-                        <p:cond delay="indefinite"/>
-                      </p:stCondLst>
-                      <p:childTnLst>
-                        <p:par>
-                          <p:cTn id="14" fill="hold">
-                            <p:stCondLst>
-                              <p:cond delay="0"/>
-                            </p:stCondLst>
-                            <p:childTnLst>
-                              <p:par>
-                                <p:cTn id="15" presetID="22" presetClass="entr" presetSubtype="2" fill="hold" nodeType="clickEffect">
-                                  <p:stCondLst>
-                                    <p:cond delay="0"/>
-                                  </p:stCondLst>
-                                  <p:childTnLst>
-                                    <p:set>
-                                      <p:cBhvr>
-                                        <p:cTn id="16" dur="1" fill="hold">
-                                          <p:stCondLst>
-                                            <p:cond delay="0"/>
-                                          </p:stCondLst>
-                                        </p:cTn>
-                                        <p:tgtEl>
-                                          <p:spTgt spid="16"/>
-                                        </p:tgtEl>
-                                        <p:attrNameLst>
-                                          <p:attrName>style.visibility</p:attrName>
-                                        </p:attrNameLst>
-                                      </p:cBhvr>
-                                      <p:to>
-                                        <p:strVal val="visible"/>
-                                      </p:to>
-                                    </p:set>
-                                    <p:animEffect transition="in" filter="wipe(right)">
-                                      <p:cBhvr>
-                                        <p:cTn id="17" dur="500"/>
-                                        <p:tgtEl>
-                                          <p:spTgt spid="16"/>
-                                        </p:tgtEl>
-                                      </p:cBhvr>
-                                    </p:animEffect>
-                                  </p:childTnLst>
-                                </p:cTn>
-                              </p:par>
-                            </p:childTnLst>
-                          </p:cTn>
-                        </p:par>
-                        <p:par>
-                          <p:cTn id="18" fill="hold">
-                            <p:stCondLst>
-                              <p:cond delay="500"/>
-                            </p:stCondLst>
-                            <p:childTnLst>
-                              <p:par>
-                                <p:cTn id="19" presetID="1" presetClass="entr" presetSubtype="0" fill="hold" grpId="0" nodeType="afterEffect">
-                                  <p:stCondLst>
-                                    <p:cond delay="0"/>
-                                  </p:stCondLst>
-                                  <p:childTnLst>
-                                    <p:set>
-                                      <p:cBhvr>
-                                        <p:cTn id="20" dur="1" fill="hold">
-                                          <p:stCondLst>
-                                            <p:cond delay="0"/>
-                                          </p:stCondLst>
-                                        </p:cTn>
-                                        <p:tgtEl>
-                                          <p:spTgt spid="22"/>
-                                        </p:tgtEl>
-                                        <p:attrNameLst>
-                                          <p:attrName>style.visibility</p:attrName>
-                                        </p:attrNameLst>
-                                      </p:cBhvr>
-                                      <p:to>
-                                        <p:strVal val="visible"/>
-                                      </p:to>
-                                    </p:set>
-                                  </p:childTnLst>
-                                </p:cTn>
-                              </p:par>
-                            </p:childTnLst>
-                          </p:cTn>
-                        </p:par>
-                        <p:par>
-                          <p:cTn id="21" fill="hold">
-                            <p:stCondLst>
-                              <p:cond delay="500"/>
-                            </p:stCondLst>
-                            <p:childTnLst>
-                              <p:par>
-                                <p:cTn id="22" presetID="1" presetClass="entr" presetSubtype="0" fill="hold" grpId="0" nodeType="afterEffect">
-                                  <p:stCondLst>
-                                    <p:cond delay="0"/>
-                                  </p:stCondLst>
-                                  <p:childTnLst>
-                                    <p:set>
-                                      <p:cBhvr>
-                                        <p:cTn id="23" dur="1" fill="hold">
-                                          <p:stCondLst>
-                                            <p:cond delay="0"/>
-                                          </p:stCondLst>
-                                        </p:cTn>
-                                        <p:tgtEl>
-                                          <p:spTgt spid="23"/>
-                                        </p:tgtEl>
-                                        <p:attrNameLst>
-                                          <p:attrName>style.visibility</p:attrName>
-                                        </p:attrNameLst>
-                                      </p:cBhvr>
-                                      <p:to>
-                                        <p:strVal val="visible"/>
-                                      </p:to>
-                                    </p:set>
-                                  </p:childTnLst>
-                                </p:cTn>
-                              </p:par>
-                            </p:childTnLst>
-                          </p:cTn>
-                        </p:par>
-                      </p:childTnLst>
-                    </p:cTn>
-                  </p:par>
-                  <p:par>
-                    <p:cTn id="24" fill="hold">
-                      <p:stCondLst>
-                        <p:cond delay="indefinite"/>
-                      </p:stCondLst>
-                      <p:childTnLst>
-                        <p:par>
-                          <p:cTn id="25" fill="hold">
-                            <p:stCondLst>
-                              <p:cond delay="0"/>
-                            </p:stCondLst>
-                            <p:childTnLst>
-                              <p:par>
-                                <p:cTn id="26" presetID="22" presetClass="entr" presetSubtype="2" fill="hold" nodeType="clickEffect">
-                                  <p:stCondLst>
-                                    <p:cond delay="0"/>
-                                  </p:stCondLst>
-                                  <p:childTnLst>
-                                    <p:set>
-                                      <p:cBhvr>
-                                        <p:cTn id="27" dur="1" fill="hold">
-                                          <p:stCondLst>
-                                            <p:cond delay="0"/>
-                                          </p:stCondLst>
-                                        </p:cTn>
-                                        <p:tgtEl>
-                                          <p:spTgt spid="11"/>
-                                        </p:tgtEl>
-                                        <p:attrNameLst>
-                                          <p:attrName>style.visibility</p:attrName>
-                                        </p:attrNameLst>
-                                      </p:cBhvr>
-                                      <p:to>
-                                        <p:strVal val="visible"/>
-                                      </p:to>
-                                    </p:set>
-                                    <p:animEffect transition="in" filter="wipe(right)">
-                                      <p:cBhvr>
-                                        <p:cTn id="28" dur="500"/>
-                                        <p:tgtEl>
-                                          <p:spTgt spid="11"/>
-                                        </p:tgtEl>
-                                      </p:cBhvr>
-                                    </p:animEffect>
-                                  </p:childTnLst>
-                                </p:cTn>
-                              </p:par>
-                            </p:childTnLst>
-                          </p:cTn>
-                        </p:par>
-                        <p:par>
-                          <p:cTn id="29" fill="hold">
-                            <p:stCondLst>
-                              <p:cond delay="500"/>
-                            </p:stCondLst>
-                            <p:childTnLst>
-                              <p:par>
-                                <p:cTn id="30" presetID="1" presetClass="entr" presetSubtype="0" fill="hold" grpId="0" nodeType="afterEffect">
-                                  <p:stCondLst>
-                                    <p:cond delay="0"/>
-                                  </p:stCondLst>
-                                  <p:childTnLst>
-                                    <p:set>
-                                      <p:cBhvr>
-                                        <p:cTn id="31" dur="1" fill="hold">
-                                          <p:stCondLst>
-                                            <p:cond delay="0"/>
-                                          </p:stCondLst>
-                                        </p:cTn>
-                                        <p:tgtEl>
-                                          <p:spTgt spid="24"/>
-                                        </p:tgtEl>
-                                        <p:attrNameLst>
-                                          <p:attrName>style.visibility</p:attrName>
-                                        </p:attrNameLst>
-                                      </p:cBhvr>
-                                      <p:to>
-                                        <p:strVal val="visible"/>
-                                      </p:to>
-                                    </p:set>
-                                  </p:childTnLst>
-                                </p:cTn>
-                              </p:par>
-                            </p:childTnLst>
-                          </p:cTn>
-                        </p:par>
-                      </p:childTnLst>
-                    </p:cTn>
-                  </p:par>
-                  <p:par>
-                    <p:cTn id="32" fill="hold">
-                      <p:stCondLst>
-                        <p:cond delay="indefinite"/>
-                      </p:stCondLst>
-                      <p:childTnLst>
-                        <p:par>
-                          <p:cTn id="33" fill="hold">
-                            <p:stCondLst>
-                              <p:cond delay="0"/>
-                            </p:stCondLst>
-                            <p:childTnLst>
-                              <p:par>
-                                <p:cTn id="34" presetID="1" presetClass="entr" presetSubtype="0" fill="hold" nodeType="clickEffect">
-                                  <p:stCondLst>
-                                    <p:cond delay="0"/>
-                                  </p:stCondLst>
-                                  <p:childTnLst>
-                                    <p:set>
-                                      <p:cBhvr>
-                                        <p:cTn id="35" dur="1" fill="hold">
-                                          <p:stCondLst>
-                                            <p:cond delay="0"/>
-                                          </p:stCondLst>
-                                        </p:cTn>
-                                        <p:tgtEl>
-                                          <p:spTgt spid="25"/>
-                                        </p:tgtEl>
-                                        <p:attrNameLst>
-                                          <p:attrName>style.visibility</p:attrName>
-                                        </p:attrNameLst>
-                                      </p:cBhvr>
-                                      <p:to>
-                                        <p:strVal val="visible"/>
-                                      </p:to>
-                                    </p:set>
-                                  </p:childTnLst>
-                                </p:cTn>
-                              </p:par>
-                            </p:childTnLst>
-                          </p:cTn>
-                        </p:par>
-                      </p:childTnLst>
-                    </p:cTn>
-                  </p:par>
-                  <p:par>
-                    <p:cTn id="36" fill="hold">
-                      <p:stCondLst>
-                        <p:cond delay="indefinite"/>
-                      </p:stCondLst>
-                      <p:childTnLst>
-                        <p:par>
-                          <p:cTn id="37" fill="hold">
-                            <p:stCondLst>
-                              <p:cond delay="0"/>
-                            </p:stCondLst>
-                            <p:childTnLst>
-                              <p:par>
-                                <p:cTn id="38" presetID="22" presetClass="entr" presetSubtype="8" fill="hold" nodeType="clickEffect">
-                                  <p:stCondLst>
-                                    <p:cond delay="0"/>
-                                  </p:stCondLst>
-                                  <p:childTnLst>
-                                    <p:set>
-                                      <p:cBhvr>
-                                        <p:cTn id="39" dur="1" fill="hold">
-                                          <p:stCondLst>
-                                            <p:cond delay="0"/>
-                                          </p:stCondLst>
-                                        </p:cTn>
-                                        <p:tgtEl>
-                                          <p:spTgt spid="12"/>
-                                        </p:tgtEl>
-                                        <p:attrNameLst>
-                                          <p:attrName>style.visibility</p:attrName>
-                                        </p:attrNameLst>
-                                      </p:cBhvr>
-                                      <p:to>
-                                        <p:strVal val="visible"/>
-                                      </p:to>
-                                    </p:set>
-                                    <p:animEffect transition="in" filter="wipe(left)">
-                                      <p:cBhvr>
-                                        <p:cTn id="40" dur="500"/>
-                                        <p:tgtEl>
-                                          <p:spTgt spid="12"/>
-                                        </p:tgtEl>
-                                      </p:cBhvr>
-                                    </p:animEffect>
-                                  </p:childTnLst>
-                                </p:cTn>
-                              </p:par>
-                            </p:childTnLst>
-                          </p:cTn>
-                        </p:par>
-                      </p:childTnLst>
-                    </p:cTn>
-                  </p:par>
-                  <p:par>
-                    <p:cTn id="41" fill="hold">
-                      <p:stCondLst>
-                        <p:cond delay="indefinite"/>
-                      </p:stCondLst>
-                      <p:childTnLst>
-                        <p:par>
-                          <p:cTn id="42" fill="hold">
-                            <p:stCondLst>
-                              <p:cond delay="0"/>
-                            </p:stCondLst>
-                            <p:childTnLst>
-                              <p:par>
-                                <p:cTn id="43" presetID="22" presetClass="entr" presetSubtype="8" fill="hold" nodeType="clickEffect">
-                                  <p:stCondLst>
-                                    <p:cond delay="0"/>
-                                  </p:stCondLst>
-                                  <p:childTnLst>
-                                    <p:set>
-                                      <p:cBhvr>
-                                        <p:cTn id="44" dur="1" fill="hold">
-                                          <p:stCondLst>
-                                            <p:cond delay="0"/>
-                                          </p:stCondLst>
-                                        </p:cTn>
-                                        <p:tgtEl>
-                                          <p:spTgt spid="18"/>
-                                        </p:tgtEl>
-                                        <p:attrNameLst>
-                                          <p:attrName>style.visibility</p:attrName>
-                                        </p:attrNameLst>
-                                      </p:cBhvr>
-                                      <p:to>
-                                        <p:strVal val="visible"/>
-                                      </p:to>
-                                    </p:set>
-                                    <p:animEffect transition="in" filter="wipe(left)">
-                                      <p:cBhvr>
-                                        <p:cTn id="45" dur="500"/>
-                                        <p:tgtEl>
-                                          <p:spTgt spid="18"/>
-                                        </p:tgtEl>
-                                      </p:cBhvr>
-                                    </p:animEffect>
-                                  </p:childTnLst>
-                                </p:cTn>
-                              </p:par>
-                            </p:childTnLst>
-                          </p:cTn>
-                        </p:par>
-                      </p:childTnLst>
-                    </p:cTn>
-                  </p:par>
-                  <p:par>
-                    <p:cTn id="46" fill="hold">
-                      <p:stCondLst>
-                        <p:cond delay="indefinite"/>
-                      </p:stCondLst>
-                      <p:childTnLst>
-                        <p:par>
-                          <p:cTn id="47" fill="hold">
-                            <p:stCondLst>
-                              <p:cond delay="0"/>
-                            </p:stCondLst>
-                            <p:childTnLst>
-                              <p:par>
-                                <p:cTn id="48" presetID="22" presetClass="entr" presetSubtype="2" fill="hold" nodeType="clickEffect">
-                                  <p:stCondLst>
-                                    <p:cond delay="0"/>
-                                  </p:stCondLst>
-                                  <p:childTnLst>
-                                    <p:set>
-                                      <p:cBhvr>
-                                        <p:cTn id="49" dur="1" fill="hold">
-                                          <p:stCondLst>
-                                            <p:cond delay="0"/>
-                                          </p:stCondLst>
-                                        </p:cTn>
-                                        <p:tgtEl>
-                                          <p:spTgt spid="19"/>
-                                        </p:tgtEl>
-                                        <p:attrNameLst>
-                                          <p:attrName>style.visibility</p:attrName>
-                                        </p:attrNameLst>
-                                      </p:cBhvr>
-                                      <p:to>
-                                        <p:strVal val="visible"/>
-                                      </p:to>
-                                    </p:set>
-                                    <p:animEffect transition="in" filter="wipe(right)">
-                                      <p:cBhvr>
-                                        <p:cTn id="50" dur="500"/>
-                                        <p:tgtEl>
-                                          <p:spTgt spid="19"/>
-                                        </p:tgtEl>
-                                      </p:cBhvr>
-                                    </p:animEffect>
-                                  </p:childTnLst>
-                                </p:cTn>
-                              </p:par>
-                            </p:childTnLst>
-                          </p:cTn>
-                        </p:par>
-                      </p:childTnLst>
-                    </p:cTn>
-                  </p:par>
-                  <p:par>
-                    <p:cTn id="51" fill="hold">
-                      <p:stCondLst>
-                        <p:cond delay="indefinite"/>
-                      </p:stCondLst>
-                      <p:childTnLst>
-                        <p:par>
-                          <p:cTn id="52" fill="hold">
-                            <p:stCondLst>
-                              <p:cond delay="0"/>
-                            </p:stCondLst>
-                            <p:childTnLst>
-                              <p:par>
-                                <p:cTn id="53" presetID="22" presetClass="entr" presetSubtype="2" fill="hold" nodeType="clickEffect">
-                                  <p:stCondLst>
-                                    <p:cond delay="0"/>
-                                  </p:stCondLst>
-                                  <p:childTnLst>
-                                    <p:set>
-                                      <p:cBhvr>
-                                        <p:cTn id="54" dur="1" fill="hold">
-                                          <p:stCondLst>
-                                            <p:cond delay="0"/>
-                                          </p:stCondLst>
-                                        </p:cTn>
-                                        <p:tgtEl>
-                                          <p:spTgt spid="13"/>
-                                        </p:tgtEl>
-                                        <p:attrNameLst>
-                                          <p:attrName>style.visibility</p:attrName>
-                                        </p:attrNameLst>
-                                      </p:cBhvr>
-                                      <p:to>
-                                        <p:strVal val="visible"/>
-                                      </p:to>
-                                    </p:set>
-                                    <p:animEffect transition="in" filter="wipe(right)">
-                                      <p:cBhvr>
-                                        <p:cTn id="55" dur="500"/>
-                                        <p:tgtEl>
-                                          <p:spTgt spid="13"/>
-                                        </p:tgtEl>
-                                      </p:cBhvr>
-                                    </p:animEffect>
-                                  </p:childTnLst>
-                                </p:cTn>
-                              </p:par>
-                            </p:childTnLst>
-                          </p:cTn>
-                        </p:par>
-                      </p:childTnLst>
-                    </p:cTn>
-                  </p:par>
-                </p:childTnLst>
-              </p:cTn>
-              <p:prevCondLst>
-                <p:cond evt="onPrev" delay="0">
-                  <p:tgtEl>
-                    <p:sldTgt/>
-                  </p:tgtEl>
-                </p:cond>
-              </p:prevCondLst>
-              <p:nextCondLst>
-                <p:cond evt="onNext" delay="0">
-                  <p:tgtEl>
-                    <p:sldTgt/>
-                  </p:tgtEl>
-                </p:cond>
-              </p:nextCondLst>
-            </p:seq>
-          </p:childTnLst>
-        </p:cTn>
+        <p:cTn id="1" dur="indefinite" restart="never" nodeType="tmRoot"/>
       </p:par>
     </p:tnLst>
-    <p:bldLst>
-      <p:bldP spid="22" grpId="0"/>
-      <p:bldP spid="23" grpId="0"/>
-      <p:bldP spid="24" grpId="0"/>
-    </p:bldLst>
   </p:timing>
 </p:sld>
 </file>
@@ -34989,11 +34325,11 @@
   <p:clrMapOvr>
     <a:masterClrMapping/>
   </p:clrMapOvr>
-  <mc:AlternateContent xmlns:mc="http://schemas.openxmlformats.org/markup-compatibility/2006">
-    <mc:Choice xmlns:p14="http://schemas.microsoft.com/office/powerpoint/2010/main" Requires="p14">
+  <mc:AlternateContent xmlns:mc="http://schemas.openxmlformats.org/markup-compatibility/2006" xmlns:p14="http://schemas.microsoft.com/office/powerpoint/2010/main">
+    <mc:Choice Requires="p14">
       <p:transition spd="slow" p14:dur="2000"/>
     </mc:Choice>
-    <mc:Fallback>
+    <mc:Fallback xmlns="">
       <p:transition spd="slow"/>
     </mc:Fallback>
   </mc:AlternateContent>
@@ -35167,11 +34503,11 @@
   <p:clrMapOvr>
     <a:masterClrMapping/>
   </p:clrMapOvr>
-  <mc:AlternateContent xmlns:mc="http://schemas.openxmlformats.org/markup-compatibility/2006">
-    <mc:Choice xmlns:p14="http://schemas.microsoft.com/office/powerpoint/2010/main" Requires="p14">
+  <mc:AlternateContent xmlns:mc="http://schemas.openxmlformats.org/markup-compatibility/2006" xmlns:p14="http://schemas.microsoft.com/office/powerpoint/2010/main">
+    <mc:Choice Requires="p14">
       <p:transition spd="slow" p14:dur="2000"/>
     </mc:Choice>
-    <mc:Fallback>
+    <mc:Fallback xmlns="">
       <p:transition spd="slow"/>
     </mc:Fallback>
   </mc:AlternateContent>
@@ -35534,11 +34870,11 @@
   <p:clrMapOvr>
     <a:masterClrMapping/>
   </p:clrMapOvr>
-  <mc:AlternateContent xmlns:mc="http://schemas.openxmlformats.org/markup-compatibility/2006">
-    <mc:Choice xmlns:p14="http://schemas.microsoft.com/office/powerpoint/2010/main" Requires="p14">
+  <mc:AlternateContent xmlns:mc="http://schemas.openxmlformats.org/markup-compatibility/2006" xmlns:p14="http://schemas.microsoft.com/office/powerpoint/2010/main">
+    <mc:Choice Requires="p14">
       <p:transition spd="slow" p14:dur="2000"/>
     </mc:Choice>
-    <mc:Fallback>
+    <mc:Fallback xmlns="">
       <p:transition spd="slow"/>
     </mc:Fallback>
   </mc:AlternateContent>
@@ -35706,11 +35042,11 @@
   <p:clrMapOvr>
     <a:masterClrMapping/>
   </p:clrMapOvr>
-  <mc:AlternateContent xmlns:mc="http://schemas.openxmlformats.org/markup-compatibility/2006">
-    <mc:Choice xmlns:p14="http://schemas.microsoft.com/office/powerpoint/2010/main" Requires="p14">
+  <mc:AlternateContent xmlns:mc="http://schemas.openxmlformats.org/markup-compatibility/2006" xmlns:p14="http://schemas.microsoft.com/office/powerpoint/2010/main">
+    <mc:Choice Requires="p14">
       <p:transition spd="slow" p14:dur="2000"/>
     </mc:Choice>
-    <mc:Fallback>
+    <mc:Fallback xmlns="">
       <p:transition spd="slow"/>
     </mc:Fallback>
   </mc:AlternateContent>
@@ -38730,22 +38066,27 @@
             <a:pPr lvl="1"/>
             <a:r>
               <a:rPr lang="en-GB" dirty="0" smtClean="0"/>
-              <a:t>Orders are valid for 20 seconds</a:t>
-            </a:r>
+              <a:t>Orders </a:t>
+            </a:r>
+            <a:r>
+              <a:rPr lang="en-GB" dirty="0" smtClean="0"/>
+              <a:t>in the last </a:t>
+            </a:r>
+            <a:r>
+              <a:rPr lang="en-GB" dirty="0" smtClean="0"/>
+              <a:t>20 </a:t>
+            </a:r>
+            <a:r>
+              <a:rPr lang="en-GB" dirty="0" smtClean="0"/>
+              <a:t>seconds counts towards the running total</a:t>
+            </a:r>
+            <a:endParaRPr lang="en-GB" dirty="0" smtClean="0"/>
           </a:p>
           <a:p>
             <a:pPr lvl="1"/>
             <a:r>
               <a:rPr lang="en-GB" dirty="0" smtClean="0"/>
-              <a:t>Customers with a running total above </a:t>
-            </a:r>
-            <a:r>
-              <a:rPr lang="en-GB" dirty="0" smtClean="0"/>
-              <a:t>$5000 </a:t>
-            </a:r>
-            <a:r>
-              <a:rPr lang="en-GB" dirty="0" smtClean="0"/>
-              <a:t>is considered preferred</a:t>
+              <a:t>Customers with a running total above $5000 is considered preferred</a:t>
             </a:r>
           </a:p>
           <a:p>
@@ -38976,7 +38317,7 @@
           <a:p>
             <a:r>
               <a:rPr lang="en-GB" dirty="0" smtClean="0"/>
-              <a:t>Put some code here</a:t>
+              <a:t>Change timeouts in storage	</a:t>
             </a:r>
             <a:endParaRPr lang="sv-SE" dirty="0"/>
           </a:p>
@@ -38992,12 +38333,235 @@
             <p:ph idx="1"/>
           </p:nvPr>
         </p:nvSpPr>
-        <p:spPr/>
-        <p:txBody>
-          <a:bodyPr/>
-          <a:lstStyle/>
-          <a:p>
-            <a:endParaRPr lang="sv-SE"/>
+        <p:spPr>
+          <a:xfrm>
+            <a:off x="253314" y="1825625"/>
+            <a:ext cx="12257902" cy="4351338"/>
+          </a:xfrm>
+        </p:spPr>
+        <p:txBody>
+          <a:bodyPr>
+            <a:normAutofit lnSpcReduction="10000"/>
+          </a:bodyPr>
+          <a:lstStyle/>
+          <a:p>
+            <a:pPr marL="0" indent="0">
+              <a:buNone/>
+            </a:pPr>
+            <a:r>
+              <a:rPr lang="sv-SE" dirty="0">
+                <a:latin typeface="Consolas" panose="020B0609020204030204" pitchFamily="49" charset="0"/>
+                <a:cs typeface="Consolas" panose="020B0609020204030204" pitchFamily="49" charset="0"/>
+              </a:rPr>
+              <a:t>UPDATE </a:t>
+            </a:r>
+            <a:r>
+              <a:rPr lang="sv-SE" b="1" dirty="0">
+                <a:latin typeface="Consolas" panose="020B0609020204030204" pitchFamily="49" charset="0"/>
+                <a:cs typeface="Consolas" panose="020B0609020204030204" pitchFamily="49" charset="0"/>
+              </a:rPr>
+              <a:t>TimeoutEntity</a:t>
+            </a:r>
+          </a:p>
+          <a:p>
+            <a:pPr marL="0" indent="0">
+              <a:buNone/>
+            </a:pPr>
+            <a:r>
+              <a:rPr lang="sv-SE" dirty="0" smtClean="0">
+                <a:latin typeface="Consolas" panose="020B0609020204030204" pitchFamily="49" charset="0"/>
+                <a:cs typeface="Consolas" panose="020B0609020204030204" pitchFamily="49" charset="0"/>
+              </a:rPr>
+              <a:t>SET </a:t>
+            </a:r>
+            <a:r>
+              <a:rPr lang="sv-SE" b="1" dirty="0">
+                <a:latin typeface="Consolas" panose="020B0609020204030204" pitchFamily="49" charset="0"/>
+                <a:cs typeface="Consolas" panose="020B0609020204030204" pitchFamily="49" charset="0"/>
+              </a:rPr>
+              <a:t>Time</a:t>
+            </a:r>
+            <a:r>
+              <a:rPr lang="sv-SE" dirty="0">
+                <a:latin typeface="Consolas" panose="020B0609020204030204" pitchFamily="49" charset="0"/>
+                <a:cs typeface="Consolas" panose="020B0609020204030204" pitchFamily="49" charset="0"/>
+              </a:rPr>
+              <a:t> = DATEADD(day,10,Time)</a:t>
+            </a:r>
+          </a:p>
+          <a:p>
+            <a:pPr marL="0" indent="0">
+              <a:buNone/>
+            </a:pPr>
+            <a:r>
+              <a:rPr lang="sv-SE" dirty="0">
+                <a:latin typeface="Consolas" panose="020B0609020204030204" pitchFamily="49" charset="0"/>
+                <a:cs typeface="Consolas" panose="020B0609020204030204" pitchFamily="49" charset="0"/>
+              </a:rPr>
+              <a:t>WHERE id IN </a:t>
+            </a:r>
+          </a:p>
+          <a:p>
+            <a:pPr marL="0" indent="0">
+              <a:buNone/>
+            </a:pPr>
+            <a:r>
+              <a:rPr lang="sv-SE" dirty="0" smtClean="0">
+                <a:latin typeface="Consolas" panose="020B0609020204030204" pitchFamily="49" charset="0"/>
+                <a:cs typeface="Consolas" panose="020B0609020204030204" pitchFamily="49" charset="0"/>
+              </a:rPr>
+              <a:t>(</a:t>
+            </a:r>
+            <a:endParaRPr lang="sv-SE" dirty="0">
+              <a:latin typeface="Consolas" panose="020B0609020204030204" pitchFamily="49" charset="0"/>
+              <a:cs typeface="Consolas" panose="020B0609020204030204" pitchFamily="49" charset="0"/>
+            </a:endParaRPr>
+          </a:p>
+          <a:p>
+            <a:pPr marL="0" indent="0">
+              <a:buNone/>
+            </a:pPr>
+            <a:r>
+              <a:rPr lang="sv-SE" dirty="0">
+                <a:latin typeface="Consolas" panose="020B0609020204030204" pitchFamily="49" charset="0"/>
+                <a:cs typeface="Consolas" panose="020B0609020204030204" pitchFamily="49" charset="0"/>
+              </a:rPr>
+              <a:t>    </a:t>
+            </a:r>
+            <a:r>
+              <a:rPr lang="sv-SE" dirty="0" smtClean="0">
+                <a:latin typeface="Consolas" panose="020B0609020204030204" pitchFamily="49" charset="0"/>
+                <a:cs typeface="Consolas" panose="020B0609020204030204" pitchFamily="49" charset="0"/>
+              </a:rPr>
+              <a:t>	SELECT t.Id</a:t>
+            </a:r>
+            <a:endParaRPr lang="sv-SE" dirty="0">
+              <a:latin typeface="Consolas" panose="020B0609020204030204" pitchFamily="49" charset="0"/>
+              <a:cs typeface="Consolas" panose="020B0609020204030204" pitchFamily="49" charset="0"/>
+            </a:endParaRPr>
+          </a:p>
+          <a:p>
+            <a:pPr marL="0" indent="0">
+              <a:buNone/>
+            </a:pPr>
+            <a:r>
+              <a:rPr lang="sv-SE" dirty="0" smtClean="0">
+                <a:latin typeface="Consolas" panose="020B0609020204030204" pitchFamily="49" charset="0"/>
+                <a:cs typeface="Consolas" panose="020B0609020204030204" pitchFamily="49" charset="0"/>
+              </a:rPr>
+              <a:t>	FROM </a:t>
+            </a:r>
+            <a:r>
+              <a:rPr lang="sv-SE" dirty="0">
+                <a:latin typeface="Consolas" panose="020B0609020204030204" pitchFamily="49" charset="0"/>
+                <a:cs typeface="Consolas" panose="020B0609020204030204" pitchFamily="49" charset="0"/>
+              </a:rPr>
+              <a:t>TimeoutEntity </a:t>
+            </a:r>
+            <a:r>
+              <a:rPr lang="sv-SE" dirty="0" smtClean="0">
+                <a:latin typeface="Consolas" panose="020B0609020204030204" pitchFamily="49" charset="0"/>
+                <a:cs typeface="Consolas" panose="020B0609020204030204" pitchFamily="49" charset="0"/>
+              </a:rPr>
+              <a:t>t</a:t>
+            </a:r>
+            <a:endParaRPr lang="sv-SE" dirty="0">
+              <a:latin typeface="Consolas" panose="020B0609020204030204" pitchFamily="49" charset="0"/>
+              <a:cs typeface="Consolas" panose="020B0609020204030204" pitchFamily="49" charset="0"/>
+            </a:endParaRPr>
+          </a:p>
+          <a:p>
+            <a:pPr marL="0" indent="0">
+              <a:buNone/>
+            </a:pPr>
+            <a:r>
+              <a:rPr lang="sv-SE" dirty="0" smtClean="0">
+                <a:latin typeface="Consolas" panose="020B0609020204030204" pitchFamily="49" charset="0"/>
+                <a:cs typeface="Consolas" panose="020B0609020204030204" pitchFamily="49" charset="0"/>
+              </a:rPr>
+              <a:t>	OUTER APPLY </a:t>
+            </a:r>
+            <a:r>
+              <a:rPr lang="sv-SE" b="1" dirty="0" smtClean="0">
+                <a:latin typeface="Consolas" panose="020B0609020204030204" pitchFamily="49" charset="0"/>
+                <a:cs typeface="Consolas" panose="020B0609020204030204" pitchFamily="49" charset="0"/>
+              </a:rPr>
+              <a:t>dbo.parseJSON</a:t>
+            </a:r>
+            <a:r>
+              <a:rPr lang="sv-SE" dirty="0" smtClean="0">
+                <a:latin typeface="Consolas" panose="020B0609020204030204" pitchFamily="49" charset="0"/>
+                <a:cs typeface="Consolas" panose="020B0609020204030204" pitchFamily="49" charset="0"/>
+              </a:rPr>
+              <a:t>(t.Headers</a:t>
+            </a:r>
+            <a:r>
+              <a:rPr lang="sv-SE" dirty="0">
+                <a:latin typeface="Consolas" panose="020B0609020204030204" pitchFamily="49" charset="0"/>
+                <a:cs typeface="Consolas" panose="020B0609020204030204" pitchFamily="49" charset="0"/>
+              </a:rPr>
+              <a:t>) as parsed</a:t>
+            </a:r>
+          </a:p>
+          <a:p>
+            <a:pPr marL="0" indent="0">
+              <a:buNone/>
+            </a:pPr>
+            <a:r>
+              <a:rPr lang="sv-SE" dirty="0" smtClean="0">
+                <a:latin typeface="Consolas" panose="020B0609020204030204" pitchFamily="49" charset="0"/>
+                <a:cs typeface="Consolas" panose="020B0609020204030204" pitchFamily="49" charset="0"/>
+              </a:rPr>
+              <a:t>	WHERE </a:t>
+            </a:r>
+            <a:r>
+              <a:rPr lang="sv-SE" dirty="0">
+                <a:latin typeface="Consolas" panose="020B0609020204030204" pitchFamily="49" charset="0"/>
+                <a:cs typeface="Consolas" panose="020B0609020204030204" pitchFamily="49" charset="0"/>
+              </a:rPr>
+              <a:t>parsed.StringValue </a:t>
+            </a:r>
+            <a:r>
+              <a:rPr lang="sv-SE" dirty="0" smtClean="0">
+                <a:latin typeface="Consolas" panose="020B0609020204030204" pitchFamily="49" charset="0"/>
+                <a:cs typeface="Consolas" panose="020B0609020204030204" pitchFamily="49" charset="0"/>
+              </a:rPr>
+              <a:t>LIKE’%</a:t>
+            </a:r>
+            <a:r>
+              <a:rPr lang="sv-SE" b="1" dirty="0" smtClean="0">
+                <a:latin typeface="Consolas" panose="020B0609020204030204" pitchFamily="49" charset="0"/>
+                <a:cs typeface="Consolas" panose="020B0609020204030204" pitchFamily="49" charset="0"/>
+              </a:rPr>
+              <a:t>Contracts.OrderPlaced</a:t>
+            </a:r>
+            <a:r>
+              <a:rPr lang="sv-SE" dirty="0" smtClean="0">
+                <a:latin typeface="Consolas" panose="020B0609020204030204" pitchFamily="49" charset="0"/>
+                <a:cs typeface="Consolas" panose="020B0609020204030204" pitchFamily="49" charset="0"/>
+              </a:rPr>
+              <a:t>%'</a:t>
+            </a:r>
+            <a:endParaRPr lang="sv-SE" dirty="0">
+              <a:latin typeface="Consolas" panose="020B0609020204030204" pitchFamily="49" charset="0"/>
+              <a:cs typeface="Consolas" panose="020B0609020204030204" pitchFamily="49" charset="0"/>
+            </a:endParaRPr>
+          </a:p>
+          <a:p>
+            <a:pPr marL="0" indent="0">
+              <a:buNone/>
+            </a:pPr>
+            <a:r>
+              <a:rPr lang="sv-SE" dirty="0">
+                <a:latin typeface="Consolas" panose="020B0609020204030204" pitchFamily="49" charset="0"/>
+                <a:cs typeface="Consolas" panose="020B0609020204030204" pitchFamily="49" charset="0"/>
+              </a:rPr>
+              <a:t>)</a:t>
+            </a:r>
+            <a:endParaRPr lang="sv-SE" dirty="0">
+              <a:latin typeface="Consolas" panose="020B0609020204030204" pitchFamily="49" charset="0"/>
+              <a:cs typeface="Consolas" panose="020B0609020204030204" pitchFamily="49" charset="0"/>
+            </a:endParaRPr>
           </a:p>
         </p:txBody>
       </p:sp>
@@ -42545,8 +42109,55 @@
           <a:p>
             <a:r>
               <a:rPr lang="en-GB" dirty="0" smtClean="0"/>
-              <a:t>TBD</a:t>
-            </a:r>
+              <a:t>Implement the buyers remorse saga in sales</a:t>
+            </a:r>
+          </a:p>
+          <a:p>
+            <a:r>
+              <a:rPr lang="en-GB" dirty="0" smtClean="0"/>
+              <a:t>Emit a `</a:t>
+            </a:r>
+            <a:r>
+              <a:rPr lang="en-GB" dirty="0" err="1" smtClean="0"/>
+              <a:t>OrderAccepted</a:t>
+            </a:r>
+            <a:r>
+              <a:rPr lang="en-GB" dirty="0" smtClean="0"/>
+              <a:t>` event in addition to `</a:t>
+            </a:r>
+            <a:r>
+              <a:rPr lang="en-GB" dirty="0" err="1" smtClean="0"/>
+              <a:t>OrderPlaced</a:t>
+            </a:r>
+            <a:r>
+              <a:rPr lang="en-GB" dirty="0" smtClean="0"/>
+              <a:t>`</a:t>
+            </a:r>
+          </a:p>
+          <a:p>
+            <a:r>
+              <a:rPr lang="en-GB" dirty="0" smtClean="0"/>
+              <a:t>Adjust other sagas to use this new event where appropriate</a:t>
+            </a:r>
+          </a:p>
+          <a:p>
+            <a:endParaRPr lang="en-GB" dirty="0"/>
+          </a:p>
+          <a:p>
+            <a:pPr marL="0" indent="0">
+              <a:buNone/>
+            </a:pPr>
+            <a:r>
+              <a:rPr lang="en-GB" dirty="0" smtClean="0"/>
+              <a:t>Business rules</a:t>
+            </a:r>
+          </a:p>
+          <a:p>
+            <a:r>
+              <a:rPr lang="en-GB" dirty="0" smtClean="0"/>
+              <a:t>Buyers remorse timeout is 10 seconds</a:t>
+            </a:r>
+            <a:endParaRPr lang="en-GB" dirty="0" smtClean="0"/>
           </a:p>
         </p:txBody>
       </p:sp>

--- a/SagaMasterClass.pptx
+++ b/SagaMasterClass.pptx
@@ -375,31 +375,6 @@
 
 <file path=ppt/comments/comment3.xml><?xml version="1.0" encoding="utf-8"?>
 <p:cmLst xmlns:a="http://schemas.openxmlformats.org/drawingml/2006/main" xmlns:r="http://schemas.openxmlformats.org/officeDocument/2006/relationships" xmlns:p="http://schemas.openxmlformats.org/presentationml/2006/main">
-  <p:cm authorId="8" dt="2015-11-28T22:12:58.581" idx="1">
-    <p:pos x="10" y="10"/>
-    <p:text>The text here looks like an absolute mess for me.</p:text>
-    <p:extLst>
-      <p:ext uri="{C676402C-5697-4E1C-873F-D02D1690AC5C}">
-        <p15:threadingInfo xmlns:p15="http://schemas.microsoft.com/office/powerpoint/2012/main" timeZoneBias="360"/>
-      </p:ext>
-    </p:extLst>
-  </p:cm>
-  <p:cm authorId="13" dt="2015-11-30T10:06:31.812" idx="1">
-    <p:pos x="10" y="146"/>
-    <p:text>Daniel will fix :)</p:text>
-    <p:extLst>
-      <p:ext uri="{C676402C-5697-4E1C-873F-D02D1690AC5C}">
-        <p15:threadingInfo xmlns:p15="http://schemas.microsoft.com/office/powerpoint/2012/main" timeZoneBias="-60">
-          <p15:parentCm authorId="8" idx="1"/>
-        </p15:threadingInfo>
-      </p:ext>
-    </p:extLst>
-  </p:cm>
-</p:cmLst>
-</file>
-
-<file path=ppt/comments/comment4.xml><?xml version="1.0" encoding="utf-8"?>
-<p:cmLst xmlns:a="http://schemas.openxmlformats.org/drawingml/2006/main" xmlns:r="http://schemas.openxmlformats.org/officeDocument/2006/relationships" xmlns:p="http://schemas.openxmlformats.org/presentationml/2006/main">
   <p:cm authorId="9" dt="2015-11-28T22:14:10.089" idx="1">
     <p:pos x="10" y="10"/>
     <p:text>A bit lost on this slide. And notes in German?</p:text>
@@ -423,7 +398,7 @@
 </p:cmLst>
 </file>
 
-<file path=ppt/comments/comment5.xml><?xml version="1.0" encoding="utf-8"?>
+<file path=ppt/comments/comment4.xml><?xml version="1.0" encoding="utf-8"?>
 <p:cmLst xmlns:a="http://schemas.openxmlformats.org/drawingml/2006/main" xmlns:r="http://schemas.openxmlformats.org/officeDocument/2006/relationships" xmlns:p="http://schemas.openxmlformats.org/presentationml/2006/main">
   <p:cm authorId="10" dt="2015-11-28T22:20:12.652" idx="1">
     <p:pos x="3456" y="2803"/>
@@ -448,7 +423,7 @@
 </p:cmLst>
 </file>
 
-<file path=ppt/comments/comment6.xml><?xml version="1.0" encoding="utf-8"?>
+<file path=ppt/comments/comment5.xml><?xml version="1.0" encoding="utf-8"?>
 <p:cmLst xmlns:a="http://schemas.openxmlformats.org/drawingml/2006/main" xmlns:r="http://schemas.openxmlformats.org/officeDocument/2006/relationships" xmlns:p="http://schemas.openxmlformats.org/presentationml/2006/main">
   <p:cm authorId="11" dt="2015-11-28T22:20:58.104" idx="1">
     <p:pos x="10" y="10"/>
@@ -473,7 +448,7 @@
 </p:cmLst>
 </file>
 
-<file path=ppt/comments/comment7.xml><?xml version="1.0" encoding="utf-8"?>
+<file path=ppt/comments/comment6.xml><?xml version="1.0" encoding="utf-8"?>
 <p:cmLst xmlns:a="http://schemas.openxmlformats.org/drawingml/2006/main" xmlns:r="http://schemas.openxmlformats.org/officeDocument/2006/relationships" xmlns:p="http://schemas.openxmlformats.org/presentationml/2006/main">
   <p:cm authorId="12" dt="2015-11-28T22:24:07.803" idx="1">
     <p:pos x="10" y="10"/>
@@ -30955,9 +30930,918 @@
   <p:timing>
     <p:tnLst>
       <p:par>
-        <p:cTn id="1" dur="indefinite" restart="never" nodeType="tmRoot"/>
+        <p:cTn id="1" dur="indefinite" restart="never" nodeType="tmRoot">
+          <p:childTnLst>
+            <p:seq concurrent="1" nextAc="seek">
+              <p:cTn id="2" dur="indefinite" nodeType="mainSeq">
+                <p:childTnLst>
+                  <p:par>
+                    <p:cTn id="3" fill="hold">
+                      <p:stCondLst>
+                        <p:cond delay="indefinite"/>
+                      </p:stCondLst>
+                      <p:childTnLst>
+                        <p:par>
+                          <p:cTn id="4" fill="hold">
+                            <p:stCondLst>
+                              <p:cond delay="0"/>
+                            </p:stCondLst>
+                            <p:childTnLst>
+                              <p:par>
+                                <p:cTn id="5" presetID="2" presetClass="entr" presetSubtype="4" fill="hold" grpId="0" nodeType="clickEffect">
+                                  <p:stCondLst>
+                                    <p:cond delay="0"/>
+                                  </p:stCondLst>
+                                  <p:childTnLst>
+                                    <p:set>
+                                      <p:cBhvr>
+                                        <p:cTn id="6" dur="1" fill="hold">
+                                          <p:stCondLst>
+                                            <p:cond delay="0"/>
+                                          </p:stCondLst>
+                                        </p:cTn>
+                                        <p:tgtEl>
+                                          <p:spTgt spid="5"/>
+                                        </p:tgtEl>
+                                        <p:attrNameLst>
+                                          <p:attrName>style.visibility</p:attrName>
+                                        </p:attrNameLst>
+                                      </p:cBhvr>
+                                      <p:to>
+                                        <p:strVal val="visible"/>
+                                      </p:to>
+                                    </p:set>
+                                    <p:anim calcmode="lin" valueType="num">
+                                      <p:cBhvr additive="base">
+                                        <p:cTn id="7" dur="500" fill="hold"/>
+                                        <p:tgtEl>
+                                          <p:spTgt spid="5"/>
+                                        </p:tgtEl>
+                                        <p:attrNameLst>
+                                          <p:attrName>ppt_x</p:attrName>
+                                        </p:attrNameLst>
+                                      </p:cBhvr>
+                                      <p:tavLst>
+                                        <p:tav tm="0">
+                                          <p:val>
+                                            <p:strVal val="#ppt_x"/>
+                                          </p:val>
+                                        </p:tav>
+                                        <p:tav tm="100000">
+                                          <p:val>
+                                            <p:strVal val="#ppt_x"/>
+                                          </p:val>
+                                        </p:tav>
+                                      </p:tavLst>
+                                    </p:anim>
+                                    <p:anim calcmode="lin" valueType="num">
+                                      <p:cBhvr additive="base">
+                                        <p:cTn id="8" dur="500" fill="hold"/>
+                                        <p:tgtEl>
+                                          <p:spTgt spid="5"/>
+                                        </p:tgtEl>
+                                        <p:attrNameLst>
+                                          <p:attrName>ppt_y</p:attrName>
+                                        </p:attrNameLst>
+                                      </p:cBhvr>
+                                      <p:tavLst>
+                                        <p:tav tm="0">
+                                          <p:val>
+                                            <p:strVal val="1+#ppt_h/2"/>
+                                          </p:val>
+                                        </p:tav>
+                                        <p:tav tm="100000">
+                                          <p:val>
+                                            <p:strVal val="#ppt_y"/>
+                                          </p:val>
+                                        </p:tav>
+                                      </p:tavLst>
+                                    </p:anim>
+                                  </p:childTnLst>
+                                </p:cTn>
+                              </p:par>
+                              <p:par>
+                                <p:cTn id="9" presetID="2" presetClass="entr" presetSubtype="4" fill="hold" grpId="0" nodeType="withEffect">
+                                  <p:stCondLst>
+                                    <p:cond delay="0"/>
+                                  </p:stCondLst>
+                                  <p:childTnLst>
+                                    <p:set>
+                                      <p:cBhvr>
+                                        <p:cTn id="10" dur="1" fill="hold">
+                                          <p:stCondLst>
+                                            <p:cond delay="0"/>
+                                          </p:stCondLst>
+                                        </p:cTn>
+                                        <p:tgtEl>
+                                          <p:spTgt spid="2"/>
+                                        </p:tgtEl>
+                                        <p:attrNameLst>
+                                          <p:attrName>style.visibility</p:attrName>
+                                        </p:attrNameLst>
+                                      </p:cBhvr>
+                                      <p:to>
+                                        <p:strVal val="visible"/>
+                                      </p:to>
+                                    </p:set>
+                                    <p:anim calcmode="lin" valueType="num">
+                                      <p:cBhvr additive="base">
+                                        <p:cTn id="11" dur="500" fill="hold"/>
+                                        <p:tgtEl>
+                                          <p:spTgt spid="2"/>
+                                        </p:tgtEl>
+                                        <p:attrNameLst>
+                                          <p:attrName>ppt_x</p:attrName>
+                                        </p:attrNameLst>
+                                      </p:cBhvr>
+                                      <p:tavLst>
+                                        <p:tav tm="0">
+                                          <p:val>
+                                            <p:strVal val="#ppt_x"/>
+                                          </p:val>
+                                        </p:tav>
+                                        <p:tav tm="100000">
+                                          <p:val>
+                                            <p:strVal val="#ppt_x"/>
+                                          </p:val>
+                                        </p:tav>
+                                      </p:tavLst>
+                                    </p:anim>
+                                    <p:anim calcmode="lin" valueType="num">
+                                      <p:cBhvr additive="base">
+                                        <p:cTn id="12" dur="500" fill="hold"/>
+                                        <p:tgtEl>
+                                          <p:spTgt spid="2"/>
+                                        </p:tgtEl>
+                                        <p:attrNameLst>
+                                          <p:attrName>ppt_y</p:attrName>
+                                        </p:attrNameLst>
+                                      </p:cBhvr>
+                                      <p:tavLst>
+                                        <p:tav tm="0">
+                                          <p:val>
+                                            <p:strVal val="1+#ppt_h/2"/>
+                                          </p:val>
+                                        </p:tav>
+                                        <p:tav tm="100000">
+                                          <p:val>
+                                            <p:strVal val="#ppt_y"/>
+                                          </p:val>
+                                        </p:tav>
+                                      </p:tavLst>
+                                    </p:anim>
+                                  </p:childTnLst>
+                                </p:cTn>
+                              </p:par>
+                            </p:childTnLst>
+                          </p:cTn>
+                        </p:par>
+                      </p:childTnLst>
+                    </p:cTn>
+                  </p:par>
+                  <p:par>
+                    <p:cTn id="13" fill="hold">
+                      <p:stCondLst>
+                        <p:cond delay="indefinite"/>
+                      </p:stCondLst>
+                      <p:childTnLst>
+                        <p:par>
+                          <p:cTn id="14" fill="hold">
+                            <p:stCondLst>
+                              <p:cond delay="0"/>
+                            </p:stCondLst>
+                            <p:childTnLst>
+                              <p:par>
+                                <p:cTn id="15" presetID="2" presetClass="entr" presetSubtype="4" fill="hold" grpId="0" nodeType="clickEffect">
+                                  <p:stCondLst>
+                                    <p:cond delay="0"/>
+                                  </p:stCondLst>
+                                  <p:childTnLst>
+                                    <p:set>
+                                      <p:cBhvr>
+                                        <p:cTn id="16" dur="1" fill="hold">
+                                          <p:stCondLst>
+                                            <p:cond delay="0"/>
+                                          </p:stCondLst>
+                                        </p:cTn>
+                                        <p:tgtEl>
+                                          <p:spTgt spid="7"/>
+                                        </p:tgtEl>
+                                        <p:attrNameLst>
+                                          <p:attrName>style.visibility</p:attrName>
+                                        </p:attrNameLst>
+                                      </p:cBhvr>
+                                      <p:to>
+                                        <p:strVal val="visible"/>
+                                      </p:to>
+                                    </p:set>
+                                    <p:anim calcmode="lin" valueType="num">
+                                      <p:cBhvr additive="base">
+                                        <p:cTn id="17" dur="500" fill="hold"/>
+                                        <p:tgtEl>
+                                          <p:spTgt spid="7"/>
+                                        </p:tgtEl>
+                                        <p:attrNameLst>
+                                          <p:attrName>ppt_x</p:attrName>
+                                        </p:attrNameLst>
+                                      </p:cBhvr>
+                                      <p:tavLst>
+                                        <p:tav tm="0">
+                                          <p:val>
+                                            <p:strVal val="#ppt_x"/>
+                                          </p:val>
+                                        </p:tav>
+                                        <p:tav tm="100000">
+                                          <p:val>
+                                            <p:strVal val="#ppt_x"/>
+                                          </p:val>
+                                        </p:tav>
+                                      </p:tavLst>
+                                    </p:anim>
+                                    <p:anim calcmode="lin" valueType="num">
+                                      <p:cBhvr additive="base">
+                                        <p:cTn id="18" dur="500" fill="hold"/>
+                                        <p:tgtEl>
+                                          <p:spTgt spid="7"/>
+                                        </p:tgtEl>
+                                        <p:attrNameLst>
+                                          <p:attrName>ppt_y</p:attrName>
+                                        </p:attrNameLst>
+                                      </p:cBhvr>
+                                      <p:tavLst>
+                                        <p:tav tm="0">
+                                          <p:val>
+                                            <p:strVal val="1+#ppt_h/2"/>
+                                          </p:val>
+                                        </p:tav>
+                                        <p:tav tm="100000">
+                                          <p:val>
+                                            <p:strVal val="#ppt_y"/>
+                                          </p:val>
+                                        </p:tav>
+                                      </p:tavLst>
+                                    </p:anim>
+                                  </p:childTnLst>
+                                </p:cTn>
+                              </p:par>
+                            </p:childTnLst>
+                          </p:cTn>
+                        </p:par>
+                      </p:childTnLst>
+                    </p:cTn>
+                  </p:par>
+                  <p:par>
+                    <p:cTn id="19" fill="hold">
+                      <p:stCondLst>
+                        <p:cond delay="indefinite"/>
+                      </p:stCondLst>
+                      <p:childTnLst>
+                        <p:par>
+                          <p:cTn id="20" fill="hold">
+                            <p:stCondLst>
+                              <p:cond delay="0"/>
+                            </p:stCondLst>
+                            <p:childTnLst>
+                              <p:par>
+                                <p:cTn id="21" presetID="2" presetClass="entr" presetSubtype="4" fill="hold" grpId="0" nodeType="clickEffect">
+                                  <p:stCondLst>
+                                    <p:cond delay="0"/>
+                                  </p:stCondLst>
+                                  <p:childTnLst>
+                                    <p:set>
+                                      <p:cBhvr>
+                                        <p:cTn id="22" dur="1" fill="hold">
+                                          <p:stCondLst>
+                                            <p:cond delay="0"/>
+                                          </p:stCondLst>
+                                        </p:cTn>
+                                        <p:tgtEl>
+                                          <p:spTgt spid="20"/>
+                                        </p:tgtEl>
+                                        <p:attrNameLst>
+                                          <p:attrName>style.visibility</p:attrName>
+                                        </p:attrNameLst>
+                                      </p:cBhvr>
+                                      <p:to>
+                                        <p:strVal val="visible"/>
+                                      </p:to>
+                                    </p:set>
+                                    <p:anim calcmode="lin" valueType="num">
+                                      <p:cBhvr additive="base">
+                                        <p:cTn id="23" dur="500" fill="hold"/>
+                                        <p:tgtEl>
+                                          <p:spTgt spid="20"/>
+                                        </p:tgtEl>
+                                        <p:attrNameLst>
+                                          <p:attrName>ppt_x</p:attrName>
+                                        </p:attrNameLst>
+                                      </p:cBhvr>
+                                      <p:tavLst>
+                                        <p:tav tm="0">
+                                          <p:val>
+                                            <p:strVal val="#ppt_x"/>
+                                          </p:val>
+                                        </p:tav>
+                                        <p:tav tm="100000">
+                                          <p:val>
+                                            <p:strVal val="#ppt_x"/>
+                                          </p:val>
+                                        </p:tav>
+                                      </p:tavLst>
+                                    </p:anim>
+                                    <p:anim calcmode="lin" valueType="num">
+                                      <p:cBhvr additive="base">
+                                        <p:cTn id="24" dur="500" fill="hold"/>
+                                        <p:tgtEl>
+                                          <p:spTgt spid="20"/>
+                                        </p:tgtEl>
+                                        <p:attrNameLst>
+                                          <p:attrName>ppt_y</p:attrName>
+                                        </p:attrNameLst>
+                                      </p:cBhvr>
+                                      <p:tavLst>
+                                        <p:tav tm="0">
+                                          <p:val>
+                                            <p:strVal val="1+#ppt_h/2"/>
+                                          </p:val>
+                                        </p:tav>
+                                        <p:tav tm="100000">
+                                          <p:val>
+                                            <p:strVal val="#ppt_y"/>
+                                          </p:val>
+                                        </p:tav>
+                                      </p:tavLst>
+                                    </p:anim>
+                                  </p:childTnLst>
+                                </p:cTn>
+                              </p:par>
+                            </p:childTnLst>
+                          </p:cTn>
+                        </p:par>
+                      </p:childTnLst>
+                    </p:cTn>
+                  </p:par>
+                  <p:par>
+                    <p:cTn id="25" fill="hold">
+                      <p:stCondLst>
+                        <p:cond delay="indefinite"/>
+                      </p:stCondLst>
+                      <p:childTnLst>
+                        <p:par>
+                          <p:cTn id="26" fill="hold">
+                            <p:stCondLst>
+                              <p:cond delay="0"/>
+                            </p:stCondLst>
+                            <p:childTnLst>
+                              <p:par>
+                                <p:cTn id="27" presetID="2" presetClass="entr" presetSubtype="4" fill="hold" grpId="0" nodeType="clickEffect">
+                                  <p:stCondLst>
+                                    <p:cond delay="0"/>
+                                  </p:stCondLst>
+                                  <p:childTnLst>
+                                    <p:set>
+                                      <p:cBhvr>
+                                        <p:cTn id="28" dur="1" fill="hold">
+                                          <p:stCondLst>
+                                            <p:cond delay="0"/>
+                                          </p:stCondLst>
+                                        </p:cTn>
+                                        <p:tgtEl>
+                                          <p:spTgt spid="9"/>
+                                        </p:tgtEl>
+                                        <p:attrNameLst>
+                                          <p:attrName>style.visibility</p:attrName>
+                                        </p:attrNameLst>
+                                      </p:cBhvr>
+                                      <p:to>
+                                        <p:strVal val="visible"/>
+                                      </p:to>
+                                    </p:set>
+                                    <p:anim calcmode="lin" valueType="num">
+                                      <p:cBhvr additive="base">
+                                        <p:cTn id="29" dur="500" fill="hold"/>
+                                        <p:tgtEl>
+                                          <p:spTgt spid="9"/>
+                                        </p:tgtEl>
+                                        <p:attrNameLst>
+                                          <p:attrName>ppt_x</p:attrName>
+                                        </p:attrNameLst>
+                                      </p:cBhvr>
+                                      <p:tavLst>
+                                        <p:tav tm="0">
+                                          <p:val>
+                                            <p:strVal val="#ppt_x"/>
+                                          </p:val>
+                                        </p:tav>
+                                        <p:tav tm="100000">
+                                          <p:val>
+                                            <p:strVal val="#ppt_x"/>
+                                          </p:val>
+                                        </p:tav>
+                                      </p:tavLst>
+                                    </p:anim>
+                                    <p:anim calcmode="lin" valueType="num">
+                                      <p:cBhvr additive="base">
+                                        <p:cTn id="30" dur="500" fill="hold"/>
+                                        <p:tgtEl>
+                                          <p:spTgt spid="9"/>
+                                        </p:tgtEl>
+                                        <p:attrNameLst>
+                                          <p:attrName>ppt_y</p:attrName>
+                                        </p:attrNameLst>
+                                      </p:cBhvr>
+                                      <p:tavLst>
+                                        <p:tav tm="0">
+                                          <p:val>
+                                            <p:strVal val="1+#ppt_h/2"/>
+                                          </p:val>
+                                        </p:tav>
+                                        <p:tav tm="100000">
+                                          <p:val>
+                                            <p:strVal val="#ppt_y"/>
+                                          </p:val>
+                                        </p:tav>
+                                      </p:tavLst>
+                                    </p:anim>
+                                  </p:childTnLst>
+                                </p:cTn>
+                              </p:par>
+                            </p:childTnLst>
+                          </p:cTn>
+                        </p:par>
+                      </p:childTnLst>
+                    </p:cTn>
+                  </p:par>
+                  <p:par>
+                    <p:cTn id="31" fill="hold">
+                      <p:stCondLst>
+                        <p:cond delay="indefinite"/>
+                      </p:stCondLst>
+                      <p:childTnLst>
+                        <p:par>
+                          <p:cTn id="32" fill="hold">
+                            <p:stCondLst>
+                              <p:cond delay="0"/>
+                            </p:stCondLst>
+                            <p:childTnLst>
+                              <p:par>
+                                <p:cTn id="33" presetID="2" presetClass="entr" presetSubtype="4" fill="hold" grpId="0" nodeType="clickEffect">
+                                  <p:stCondLst>
+                                    <p:cond delay="0"/>
+                                  </p:stCondLst>
+                                  <p:childTnLst>
+                                    <p:set>
+                                      <p:cBhvr>
+                                        <p:cTn id="34" dur="1" fill="hold">
+                                          <p:stCondLst>
+                                            <p:cond delay="0"/>
+                                          </p:stCondLst>
+                                        </p:cTn>
+                                        <p:tgtEl>
+                                          <p:spTgt spid="21"/>
+                                        </p:tgtEl>
+                                        <p:attrNameLst>
+                                          <p:attrName>style.visibility</p:attrName>
+                                        </p:attrNameLst>
+                                      </p:cBhvr>
+                                      <p:to>
+                                        <p:strVal val="visible"/>
+                                      </p:to>
+                                    </p:set>
+                                    <p:anim calcmode="lin" valueType="num">
+                                      <p:cBhvr additive="base">
+                                        <p:cTn id="35" dur="500" fill="hold"/>
+                                        <p:tgtEl>
+                                          <p:spTgt spid="21"/>
+                                        </p:tgtEl>
+                                        <p:attrNameLst>
+                                          <p:attrName>ppt_x</p:attrName>
+                                        </p:attrNameLst>
+                                      </p:cBhvr>
+                                      <p:tavLst>
+                                        <p:tav tm="0">
+                                          <p:val>
+                                            <p:strVal val="#ppt_x"/>
+                                          </p:val>
+                                        </p:tav>
+                                        <p:tav tm="100000">
+                                          <p:val>
+                                            <p:strVal val="#ppt_x"/>
+                                          </p:val>
+                                        </p:tav>
+                                      </p:tavLst>
+                                    </p:anim>
+                                    <p:anim calcmode="lin" valueType="num">
+                                      <p:cBhvr additive="base">
+                                        <p:cTn id="36" dur="500" fill="hold"/>
+                                        <p:tgtEl>
+                                          <p:spTgt spid="21"/>
+                                        </p:tgtEl>
+                                        <p:attrNameLst>
+                                          <p:attrName>ppt_y</p:attrName>
+                                        </p:attrNameLst>
+                                      </p:cBhvr>
+                                      <p:tavLst>
+                                        <p:tav tm="0">
+                                          <p:val>
+                                            <p:strVal val="1+#ppt_h/2"/>
+                                          </p:val>
+                                        </p:tav>
+                                        <p:tav tm="100000">
+                                          <p:val>
+                                            <p:strVal val="#ppt_y"/>
+                                          </p:val>
+                                        </p:tav>
+                                      </p:tavLst>
+                                    </p:anim>
+                                  </p:childTnLst>
+                                </p:cTn>
+                              </p:par>
+                            </p:childTnLst>
+                          </p:cTn>
+                        </p:par>
+                      </p:childTnLst>
+                    </p:cTn>
+                  </p:par>
+                  <p:par>
+                    <p:cTn id="37" fill="hold">
+                      <p:stCondLst>
+                        <p:cond delay="indefinite"/>
+                      </p:stCondLst>
+                      <p:childTnLst>
+                        <p:par>
+                          <p:cTn id="38" fill="hold">
+                            <p:stCondLst>
+                              <p:cond delay="0"/>
+                            </p:stCondLst>
+                            <p:childTnLst>
+                              <p:par>
+                                <p:cTn id="39" presetID="2" presetClass="entr" presetSubtype="4" fill="hold" grpId="0" nodeType="clickEffect">
+                                  <p:stCondLst>
+                                    <p:cond delay="0"/>
+                                  </p:stCondLst>
+                                  <p:childTnLst>
+                                    <p:set>
+                                      <p:cBhvr>
+                                        <p:cTn id="40" dur="1" fill="hold">
+                                          <p:stCondLst>
+                                            <p:cond delay="0"/>
+                                          </p:stCondLst>
+                                        </p:cTn>
+                                        <p:tgtEl>
+                                          <p:spTgt spid="8"/>
+                                        </p:tgtEl>
+                                        <p:attrNameLst>
+                                          <p:attrName>style.visibility</p:attrName>
+                                        </p:attrNameLst>
+                                      </p:cBhvr>
+                                      <p:to>
+                                        <p:strVal val="visible"/>
+                                      </p:to>
+                                    </p:set>
+                                    <p:anim calcmode="lin" valueType="num">
+                                      <p:cBhvr additive="base">
+                                        <p:cTn id="41" dur="500" fill="hold"/>
+                                        <p:tgtEl>
+                                          <p:spTgt spid="8"/>
+                                        </p:tgtEl>
+                                        <p:attrNameLst>
+                                          <p:attrName>ppt_x</p:attrName>
+                                        </p:attrNameLst>
+                                      </p:cBhvr>
+                                      <p:tavLst>
+                                        <p:tav tm="0">
+                                          <p:val>
+                                            <p:strVal val="#ppt_x"/>
+                                          </p:val>
+                                        </p:tav>
+                                        <p:tav tm="100000">
+                                          <p:val>
+                                            <p:strVal val="#ppt_x"/>
+                                          </p:val>
+                                        </p:tav>
+                                      </p:tavLst>
+                                    </p:anim>
+                                    <p:anim calcmode="lin" valueType="num">
+                                      <p:cBhvr additive="base">
+                                        <p:cTn id="42" dur="500" fill="hold"/>
+                                        <p:tgtEl>
+                                          <p:spTgt spid="8"/>
+                                        </p:tgtEl>
+                                        <p:attrNameLst>
+                                          <p:attrName>ppt_y</p:attrName>
+                                        </p:attrNameLst>
+                                      </p:cBhvr>
+                                      <p:tavLst>
+                                        <p:tav tm="0">
+                                          <p:val>
+                                            <p:strVal val="1+#ppt_h/2"/>
+                                          </p:val>
+                                        </p:tav>
+                                        <p:tav tm="100000">
+                                          <p:val>
+                                            <p:strVal val="#ppt_y"/>
+                                          </p:val>
+                                        </p:tav>
+                                      </p:tavLst>
+                                    </p:anim>
+                                  </p:childTnLst>
+                                </p:cTn>
+                              </p:par>
+                            </p:childTnLst>
+                          </p:cTn>
+                        </p:par>
+                      </p:childTnLst>
+                    </p:cTn>
+                  </p:par>
+                  <p:par>
+                    <p:cTn id="43" fill="hold">
+                      <p:stCondLst>
+                        <p:cond delay="indefinite"/>
+                      </p:stCondLst>
+                      <p:childTnLst>
+                        <p:par>
+                          <p:cTn id="44" fill="hold">
+                            <p:stCondLst>
+                              <p:cond delay="0"/>
+                            </p:stCondLst>
+                            <p:childTnLst>
+                              <p:par>
+                                <p:cTn id="45" presetID="2" presetClass="entr" presetSubtype="4" fill="hold" grpId="0" nodeType="clickEffect">
+                                  <p:stCondLst>
+                                    <p:cond delay="0"/>
+                                  </p:stCondLst>
+                                  <p:childTnLst>
+                                    <p:set>
+                                      <p:cBhvr>
+                                        <p:cTn id="46" dur="1" fill="hold">
+                                          <p:stCondLst>
+                                            <p:cond delay="0"/>
+                                          </p:stCondLst>
+                                        </p:cTn>
+                                        <p:tgtEl>
+                                          <p:spTgt spid="22"/>
+                                        </p:tgtEl>
+                                        <p:attrNameLst>
+                                          <p:attrName>style.visibility</p:attrName>
+                                        </p:attrNameLst>
+                                      </p:cBhvr>
+                                      <p:to>
+                                        <p:strVal val="visible"/>
+                                      </p:to>
+                                    </p:set>
+                                    <p:anim calcmode="lin" valueType="num">
+                                      <p:cBhvr additive="base">
+                                        <p:cTn id="47" dur="500" fill="hold"/>
+                                        <p:tgtEl>
+                                          <p:spTgt spid="22"/>
+                                        </p:tgtEl>
+                                        <p:attrNameLst>
+                                          <p:attrName>ppt_x</p:attrName>
+                                        </p:attrNameLst>
+                                      </p:cBhvr>
+                                      <p:tavLst>
+                                        <p:tav tm="0">
+                                          <p:val>
+                                            <p:strVal val="#ppt_x"/>
+                                          </p:val>
+                                        </p:tav>
+                                        <p:tav tm="100000">
+                                          <p:val>
+                                            <p:strVal val="#ppt_x"/>
+                                          </p:val>
+                                        </p:tav>
+                                      </p:tavLst>
+                                    </p:anim>
+                                    <p:anim calcmode="lin" valueType="num">
+                                      <p:cBhvr additive="base">
+                                        <p:cTn id="48" dur="500" fill="hold"/>
+                                        <p:tgtEl>
+                                          <p:spTgt spid="22"/>
+                                        </p:tgtEl>
+                                        <p:attrNameLst>
+                                          <p:attrName>ppt_y</p:attrName>
+                                        </p:attrNameLst>
+                                      </p:cBhvr>
+                                      <p:tavLst>
+                                        <p:tav tm="0">
+                                          <p:val>
+                                            <p:strVal val="1+#ppt_h/2"/>
+                                          </p:val>
+                                        </p:tav>
+                                        <p:tav tm="100000">
+                                          <p:val>
+                                            <p:strVal val="#ppt_y"/>
+                                          </p:val>
+                                        </p:tav>
+                                      </p:tavLst>
+                                    </p:anim>
+                                  </p:childTnLst>
+                                </p:cTn>
+                              </p:par>
+                            </p:childTnLst>
+                          </p:cTn>
+                        </p:par>
+                      </p:childTnLst>
+                    </p:cTn>
+                  </p:par>
+                  <p:par>
+                    <p:cTn id="49" fill="hold">
+                      <p:stCondLst>
+                        <p:cond delay="indefinite"/>
+                      </p:stCondLst>
+                      <p:childTnLst>
+                        <p:par>
+                          <p:cTn id="50" fill="hold">
+                            <p:stCondLst>
+                              <p:cond delay="0"/>
+                            </p:stCondLst>
+                            <p:childTnLst>
+                              <p:par>
+                                <p:cTn id="51" presetID="2" presetClass="entr" presetSubtype="4" fill="hold" grpId="0" nodeType="clickEffect">
+                                  <p:stCondLst>
+                                    <p:cond delay="0"/>
+                                  </p:stCondLst>
+                                  <p:childTnLst>
+                                    <p:set>
+                                      <p:cBhvr>
+                                        <p:cTn id="52" dur="1" fill="hold">
+                                          <p:stCondLst>
+                                            <p:cond delay="0"/>
+                                          </p:stCondLst>
+                                        </p:cTn>
+                                        <p:tgtEl>
+                                          <p:spTgt spid="23"/>
+                                        </p:tgtEl>
+                                        <p:attrNameLst>
+                                          <p:attrName>style.visibility</p:attrName>
+                                        </p:attrNameLst>
+                                      </p:cBhvr>
+                                      <p:to>
+                                        <p:strVal val="visible"/>
+                                      </p:to>
+                                    </p:set>
+                                    <p:anim calcmode="lin" valueType="num">
+                                      <p:cBhvr additive="base">
+                                        <p:cTn id="53" dur="500" fill="hold"/>
+                                        <p:tgtEl>
+                                          <p:spTgt spid="23"/>
+                                        </p:tgtEl>
+                                        <p:attrNameLst>
+                                          <p:attrName>ppt_x</p:attrName>
+                                        </p:attrNameLst>
+                                      </p:cBhvr>
+                                      <p:tavLst>
+                                        <p:tav tm="0">
+                                          <p:val>
+                                            <p:strVal val="#ppt_x"/>
+                                          </p:val>
+                                        </p:tav>
+                                        <p:tav tm="100000">
+                                          <p:val>
+                                            <p:strVal val="#ppt_x"/>
+                                          </p:val>
+                                        </p:tav>
+                                      </p:tavLst>
+                                    </p:anim>
+                                    <p:anim calcmode="lin" valueType="num">
+                                      <p:cBhvr additive="base">
+                                        <p:cTn id="54" dur="500" fill="hold"/>
+                                        <p:tgtEl>
+                                          <p:spTgt spid="23"/>
+                                        </p:tgtEl>
+                                        <p:attrNameLst>
+                                          <p:attrName>ppt_y</p:attrName>
+                                        </p:attrNameLst>
+                                      </p:cBhvr>
+                                      <p:tavLst>
+                                        <p:tav tm="0">
+                                          <p:val>
+                                            <p:strVal val="1+#ppt_h/2"/>
+                                          </p:val>
+                                        </p:tav>
+                                        <p:tav tm="100000">
+                                          <p:val>
+                                            <p:strVal val="#ppt_y"/>
+                                          </p:val>
+                                        </p:tav>
+                                      </p:tavLst>
+                                    </p:anim>
+                                  </p:childTnLst>
+                                </p:cTn>
+                              </p:par>
+                              <p:par>
+                                <p:cTn id="55" presetID="2" presetClass="entr" presetSubtype="4" fill="hold" grpId="0" nodeType="withEffect">
+                                  <p:stCondLst>
+                                    <p:cond delay="0"/>
+                                  </p:stCondLst>
+                                  <p:childTnLst>
+                                    <p:set>
+                                      <p:cBhvr>
+                                        <p:cTn id="56" dur="1" fill="hold">
+                                          <p:stCondLst>
+                                            <p:cond delay="0"/>
+                                          </p:stCondLst>
+                                        </p:cTn>
+                                        <p:tgtEl>
+                                          <p:spTgt spid="24"/>
+                                        </p:tgtEl>
+                                        <p:attrNameLst>
+                                          <p:attrName>style.visibility</p:attrName>
+                                        </p:attrNameLst>
+                                      </p:cBhvr>
+                                      <p:to>
+                                        <p:strVal val="visible"/>
+                                      </p:to>
+                                    </p:set>
+                                    <p:anim calcmode="lin" valueType="num">
+                                      <p:cBhvr additive="base">
+                                        <p:cTn id="57" dur="500" fill="hold"/>
+                                        <p:tgtEl>
+                                          <p:spTgt spid="24"/>
+                                        </p:tgtEl>
+                                        <p:attrNameLst>
+                                          <p:attrName>ppt_x</p:attrName>
+                                        </p:attrNameLst>
+                                      </p:cBhvr>
+                                      <p:tavLst>
+                                        <p:tav tm="0">
+                                          <p:val>
+                                            <p:strVal val="#ppt_x"/>
+                                          </p:val>
+                                        </p:tav>
+                                        <p:tav tm="100000">
+                                          <p:val>
+                                            <p:strVal val="#ppt_x"/>
+                                          </p:val>
+                                        </p:tav>
+                                      </p:tavLst>
+                                    </p:anim>
+                                    <p:anim calcmode="lin" valueType="num">
+                                      <p:cBhvr additive="base">
+                                        <p:cTn id="58" dur="500" fill="hold"/>
+                                        <p:tgtEl>
+                                          <p:spTgt spid="24"/>
+                                        </p:tgtEl>
+                                        <p:attrNameLst>
+                                          <p:attrName>ppt_y</p:attrName>
+                                        </p:attrNameLst>
+                                      </p:cBhvr>
+                                      <p:tavLst>
+                                        <p:tav tm="0">
+                                          <p:val>
+                                            <p:strVal val="1+#ppt_h/2"/>
+                                          </p:val>
+                                        </p:tav>
+                                        <p:tav tm="100000">
+                                          <p:val>
+                                            <p:strVal val="#ppt_y"/>
+                                          </p:val>
+                                        </p:tav>
+                                      </p:tavLst>
+                                    </p:anim>
+                                  </p:childTnLst>
+                                </p:cTn>
+                              </p:par>
+                            </p:childTnLst>
+                          </p:cTn>
+                        </p:par>
+                      </p:childTnLst>
+                    </p:cTn>
+                  </p:par>
+                </p:childTnLst>
+              </p:cTn>
+              <p:prevCondLst>
+                <p:cond evt="onPrev" delay="0">
+                  <p:tgtEl>
+                    <p:sldTgt/>
+                  </p:tgtEl>
+                </p:cond>
+              </p:prevCondLst>
+              <p:nextCondLst>
+                <p:cond evt="onNext" delay="0">
+                  <p:tgtEl>
+                    <p:sldTgt/>
+                  </p:tgtEl>
+                </p:cond>
+              </p:nextCondLst>
+            </p:seq>
+          </p:childTnLst>
+        </p:cTn>
       </p:par>
     </p:tnLst>
+    <p:bldLst>
+      <p:bldP spid="2" grpId="0"/>
+      <p:bldP spid="5" grpId="0" animBg="1"/>
+      <p:bldP spid="7" grpId="0" animBg="1"/>
+      <p:bldP spid="8" grpId="0" animBg="1"/>
+      <p:bldP spid="9" grpId="0" animBg="1"/>
+      <p:bldP spid="20" grpId="0" animBg="1"/>
+      <p:bldP spid="21" grpId="0" animBg="1"/>
+      <p:bldP spid="22" grpId="0" animBg="1"/>
+      <p:bldP spid="23" grpId="0" animBg="1"/>
+      <p:bldP spid="24" grpId="0"/>
+    </p:bldLst>
   </p:timing>
 </p:sld>
 </file>
@@ -32724,9 +33608,1650 @@
   <p:timing>
     <p:tnLst>
       <p:par>
-        <p:cTn id="1" dur="indefinite" restart="never" nodeType="tmRoot"/>
+        <p:cTn id="1" dur="indefinite" restart="never" nodeType="tmRoot">
+          <p:childTnLst>
+            <p:seq concurrent="1" nextAc="seek">
+              <p:cTn id="2" dur="indefinite" nodeType="mainSeq">
+                <p:childTnLst>
+                  <p:par>
+                    <p:cTn id="3" fill="hold">
+                      <p:stCondLst>
+                        <p:cond delay="indefinite"/>
+                      </p:stCondLst>
+                      <p:childTnLst>
+                        <p:par>
+                          <p:cTn id="4" fill="hold">
+                            <p:stCondLst>
+                              <p:cond delay="0"/>
+                            </p:stCondLst>
+                            <p:childTnLst>
+                              <p:par>
+                                <p:cTn id="5" presetID="2" presetClass="entr" presetSubtype="4" fill="hold" grpId="0" nodeType="clickEffect">
+                                  <p:stCondLst>
+                                    <p:cond delay="0"/>
+                                  </p:stCondLst>
+                                  <p:childTnLst>
+                                    <p:set>
+                                      <p:cBhvr>
+                                        <p:cTn id="6" dur="1" fill="hold">
+                                          <p:stCondLst>
+                                            <p:cond delay="0"/>
+                                          </p:stCondLst>
+                                        </p:cTn>
+                                        <p:tgtEl>
+                                          <p:spTgt spid="2"/>
+                                        </p:tgtEl>
+                                        <p:attrNameLst>
+                                          <p:attrName>style.visibility</p:attrName>
+                                        </p:attrNameLst>
+                                      </p:cBhvr>
+                                      <p:to>
+                                        <p:strVal val="visible"/>
+                                      </p:to>
+                                    </p:set>
+                                    <p:anim calcmode="lin" valueType="num">
+                                      <p:cBhvr additive="base">
+                                        <p:cTn id="7" dur="500" fill="hold"/>
+                                        <p:tgtEl>
+                                          <p:spTgt spid="2"/>
+                                        </p:tgtEl>
+                                        <p:attrNameLst>
+                                          <p:attrName>ppt_x</p:attrName>
+                                        </p:attrNameLst>
+                                      </p:cBhvr>
+                                      <p:tavLst>
+                                        <p:tav tm="0">
+                                          <p:val>
+                                            <p:strVal val="#ppt_x"/>
+                                          </p:val>
+                                        </p:tav>
+                                        <p:tav tm="100000">
+                                          <p:val>
+                                            <p:strVal val="#ppt_x"/>
+                                          </p:val>
+                                        </p:tav>
+                                      </p:tavLst>
+                                    </p:anim>
+                                    <p:anim calcmode="lin" valueType="num">
+                                      <p:cBhvr additive="base">
+                                        <p:cTn id="8" dur="500" fill="hold"/>
+                                        <p:tgtEl>
+                                          <p:spTgt spid="2"/>
+                                        </p:tgtEl>
+                                        <p:attrNameLst>
+                                          <p:attrName>ppt_y</p:attrName>
+                                        </p:attrNameLst>
+                                      </p:cBhvr>
+                                      <p:tavLst>
+                                        <p:tav tm="0">
+                                          <p:val>
+                                            <p:strVal val="1+#ppt_h/2"/>
+                                          </p:val>
+                                        </p:tav>
+                                        <p:tav tm="100000">
+                                          <p:val>
+                                            <p:strVal val="#ppt_y"/>
+                                          </p:val>
+                                        </p:tav>
+                                      </p:tavLst>
+                                    </p:anim>
+                                  </p:childTnLst>
+                                </p:cTn>
+                              </p:par>
+                              <p:par>
+                                <p:cTn id="9" presetID="2" presetClass="entr" presetSubtype="4" fill="hold" grpId="0" nodeType="withEffect">
+                                  <p:stCondLst>
+                                    <p:cond delay="0"/>
+                                  </p:stCondLst>
+                                  <p:childTnLst>
+                                    <p:set>
+                                      <p:cBhvr>
+                                        <p:cTn id="10" dur="1" fill="hold">
+                                          <p:stCondLst>
+                                            <p:cond delay="0"/>
+                                          </p:stCondLst>
+                                        </p:cTn>
+                                        <p:tgtEl>
+                                          <p:spTgt spid="66"/>
+                                        </p:tgtEl>
+                                        <p:attrNameLst>
+                                          <p:attrName>style.visibility</p:attrName>
+                                        </p:attrNameLst>
+                                      </p:cBhvr>
+                                      <p:to>
+                                        <p:strVal val="visible"/>
+                                      </p:to>
+                                    </p:set>
+                                    <p:anim calcmode="lin" valueType="num">
+                                      <p:cBhvr additive="base">
+                                        <p:cTn id="11" dur="500" fill="hold"/>
+                                        <p:tgtEl>
+                                          <p:spTgt spid="66"/>
+                                        </p:tgtEl>
+                                        <p:attrNameLst>
+                                          <p:attrName>ppt_x</p:attrName>
+                                        </p:attrNameLst>
+                                      </p:cBhvr>
+                                      <p:tavLst>
+                                        <p:tav tm="0">
+                                          <p:val>
+                                            <p:strVal val="#ppt_x"/>
+                                          </p:val>
+                                        </p:tav>
+                                        <p:tav tm="100000">
+                                          <p:val>
+                                            <p:strVal val="#ppt_x"/>
+                                          </p:val>
+                                        </p:tav>
+                                      </p:tavLst>
+                                    </p:anim>
+                                    <p:anim calcmode="lin" valueType="num">
+                                      <p:cBhvr additive="base">
+                                        <p:cTn id="12" dur="500" fill="hold"/>
+                                        <p:tgtEl>
+                                          <p:spTgt spid="66"/>
+                                        </p:tgtEl>
+                                        <p:attrNameLst>
+                                          <p:attrName>ppt_y</p:attrName>
+                                        </p:attrNameLst>
+                                      </p:cBhvr>
+                                      <p:tavLst>
+                                        <p:tav tm="0">
+                                          <p:val>
+                                            <p:strVal val="1+#ppt_h/2"/>
+                                          </p:val>
+                                        </p:tav>
+                                        <p:tav tm="100000">
+                                          <p:val>
+                                            <p:strVal val="#ppt_y"/>
+                                          </p:val>
+                                        </p:tav>
+                                      </p:tavLst>
+                                    </p:anim>
+                                  </p:childTnLst>
+                                </p:cTn>
+                              </p:par>
+                            </p:childTnLst>
+                          </p:cTn>
+                        </p:par>
+                      </p:childTnLst>
+                    </p:cTn>
+                  </p:par>
+                  <p:par>
+                    <p:cTn id="13" fill="hold">
+                      <p:stCondLst>
+                        <p:cond delay="indefinite"/>
+                      </p:stCondLst>
+                      <p:childTnLst>
+                        <p:par>
+                          <p:cTn id="14" fill="hold">
+                            <p:stCondLst>
+                              <p:cond delay="0"/>
+                            </p:stCondLst>
+                            <p:childTnLst>
+                              <p:par>
+                                <p:cTn id="15" presetID="1" presetClass="entr" presetSubtype="0" fill="hold" grpId="0" nodeType="clickEffect">
+                                  <p:stCondLst>
+                                    <p:cond delay="0"/>
+                                  </p:stCondLst>
+                                  <p:childTnLst>
+                                    <p:set>
+                                      <p:cBhvr>
+                                        <p:cTn id="16" dur="1" fill="hold">
+                                          <p:stCondLst>
+                                            <p:cond delay="0"/>
+                                          </p:stCondLst>
+                                        </p:cTn>
+                                        <p:tgtEl>
+                                          <p:spTgt spid="67"/>
+                                        </p:tgtEl>
+                                        <p:attrNameLst>
+                                          <p:attrName>style.visibility</p:attrName>
+                                        </p:attrNameLst>
+                                      </p:cBhvr>
+                                      <p:to>
+                                        <p:strVal val="visible"/>
+                                      </p:to>
+                                    </p:set>
+                                  </p:childTnLst>
+                                </p:cTn>
+                              </p:par>
+                              <p:par>
+                                <p:cTn id="17" presetID="1" presetClass="entr" presetSubtype="0" fill="hold" grpId="0" nodeType="withEffect">
+                                  <p:stCondLst>
+                                    <p:cond delay="0"/>
+                                  </p:stCondLst>
+                                  <p:childTnLst>
+                                    <p:set>
+                                      <p:cBhvr>
+                                        <p:cTn id="18" dur="1" fill="hold">
+                                          <p:stCondLst>
+                                            <p:cond delay="0"/>
+                                          </p:stCondLst>
+                                        </p:cTn>
+                                        <p:tgtEl>
+                                          <p:spTgt spid="68"/>
+                                        </p:tgtEl>
+                                        <p:attrNameLst>
+                                          <p:attrName>style.visibility</p:attrName>
+                                        </p:attrNameLst>
+                                      </p:cBhvr>
+                                      <p:to>
+                                        <p:strVal val="visible"/>
+                                      </p:to>
+                                    </p:set>
+                                  </p:childTnLst>
+                                </p:cTn>
+                              </p:par>
+                              <p:par>
+                                <p:cTn id="19" presetID="1" presetClass="entr" presetSubtype="0" fill="hold" grpId="0" nodeType="withEffect">
+                                  <p:stCondLst>
+                                    <p:cond delay="0"/>
+                                  </p:stCondLst>
+                                  <p:childTnLst>
+                                    <p:set>
+                                      <p:cBhvr>
+                                        <p:cTn id="20" dur="1" fill="hold">
+                                          <p:stCondLst>
+                                            <p:cond delay="0"/>
+                                          </p:stCondLst>
+                                        </p:cTn>
+                                        <p:tgtEl>
+                                          <p:spTgt spid="69"/>
+                                        </p:tgtEl>
+                                        <p:attrNameLst>
+                                          <p:attrName>style.visibility</p:attrName>
+                                        </p:attrNameLst>
+                                      </p:cBhvr>
+                                      <p:to>
+                                        <p:strVal val="visible"/>
+                                      </p:to>
+                                    </p:set>
+                                  </p:childTnLst>
+                                </p:cTn>
+                              </p:par>
+                              <p:par>
+                                <p:cTn id="21" presetID="1" presetClass="entr" presetSubtype="0" fill="hold" grpId="0" nodeType="withEffect">
+                                  <p:stCondLst>
+                                    <p:cond delay="0"/>
+                                  </p:stCondLst>
+                                  <p:childTnLst>
+                                    <p:set>
+                                      <p:cBhvr>
+                                        <p:cTn id="22" dur="1" fill="hold">
+                                          <p:stCondLst>
+                                            <p:cond delay="0"/>
+                                          </p:stCondLst>
+                                        </p:cTn>
+                                        <p:tgtEl>
+                                          <p:spTgt spid="3"/>
+                                        </p:tgtEl>
+                                        <p:attrNameLst>
+                                          <p:attrName>style.visibility</p:attrName>
+                                        </p:attrNameLst>
+                                      </p:cBhvr>
+                                      <p:to>
+                                        <p:strVal val="visible"/>
+                                      </p:to>
+                                    </p:set>
+                                  </p:childTnLst>
+                                </p:cTn>
+                              </p:par>
+                            </p:childTnLst>
+                          </p:cTn>
+                        </p:par>
+                      </p:childTnLst>
+                    </p:cTn>
+                  </p:par>
+                  <p:par>
+                    <p:cTn id="23" fill="hold">
+                      <p:stCondLst>
+                        <p:cond delay="indefinite"/>
+                      </p:stCondLst>
+                      <p:childTnLst>
+                        <p:par>
+                          <p:cTn id="24" fill="hold">
+                            <p:stCondLst>
+                              <p:cond delay="0"/>
+                            </p:stCondLst>
+                            <p:childTnLst>
+                              <p:par>
+                                <p:cTn id="25" presetID="1" presetClass="entr" presetSubtype="0" fill="hold" grpId="0" nodeType="clickEffect">
+                                  <p:stCondLst>
+                                    <p:cond delay="0"/>
+                                  </p:stCondLst>
+                                  <p:childTnLst>
+                                    <p:set>
+                                      <p:cBhvr>
+                                        <p:cTn id="26" dur="1" fill="hold">
+                                          <p:stCondLst>
+                                            <p:cond delay="0"/>
+                                          </p:stCondLst>
+                                        </p:cTn>
+                                        <p:tgtEl>
+                                          <p:spTgt spid="70"/>
+                                        </p:tgtEl>
+                                        <p:attrNameLst>
+                                          <p:attrName>style.visibility</p:attrName>
+                                        </p:attrNameLst>
+                                      </p:cBhvr>
+                                      <p:to>
+                                        <p:strVal val="visible"/>
+                                      </p:to>
+                                    </p:set>
+                                  </p:childTnLst>
+                                </p:cTn>
+                              </p:par>
+                              <p:par>
+                                <p:cTn id="27" presetID="1" presetClass="entr" presetSubtype="0" fill="hold" grpId="0" nodeType="withEffect">
+                                  <p:stCondLst>
+                                    <p:cond delay="0"/>
+                                  </p:stCondLst>
+                                  <p:childTnLst>
+                                    <p:set>
+                                      <p:cBhvr>
+                                        <p:cTn id="28" dur="1" fill="hold">
+                                          <p:stCondLst>
+                                            <p:cond delay="0"/>
+                                          </p:stCondLst>
+                                        </p:cTn>
+                                        <p:tgtEl>
+                                          <p:spTgt spid="4"/>
+                                        </p:tgtEl>
+                                        <p:attrNameLst>
+                                          <p:attrName>style.visibility</p:attrName>
+                                        </p:attrNameLst>
+                                      </p:cBhvr>
+                                      <p:to>
+                                        <p:strVal val="visible"/>
+                                      </p:to>
+                                    </p:set>
+                                  </p:childTnLst>
+                                </p:cTn>
+                              </p:par>
+                            </p:childTnLst>
+                          </p:cTn>
+                        </p:par>
+                      </p:childTnLst>
+                    </p:cTn>
+                  </p:par>
+                  <p:par>
+                    <p:cTn id="29" fill="hold">
+                      <p:stCondLst>
+                        <p:cond delay="indefinite"/>
+                      </p:stCondLst>
+                      <p:childTnLst>
+                        <p:par>
+                          <p:cTn id="30" fill="hold">
+                            <p:stCondLst>
+                              <p:cond delay="0"/>
+                            </p:stCondLst>
+                            <p:childTnLst>
+                              <p:par>
+                                <p:cTn id="31" presetID="2" presetClass="entr" presetSubtype="4" fill="hold" grpId="0" nodeType="clickEffect">
+                                  <p:stCondLst>
+                                    <p:cond delay="0"/>
+                                  </p:stCondLst>
+                                  <p:childTnLst>
+                                    <p:set>
+                                      <p:cBhvr>
+                                        <p:cTn id="32" dur="1" fill="hold">
+                                          <p:stCondLst>
+                                            <p:cond delay="0"/>
+                                          </p:stCondLst>
+                                        </p:cTn>
+                                        <p:tgtEl>
+                                          <p:spTgt spid="61"/>
+                                        </p:tgtEl>
+                                        <p:attrNameLst>
+                                          <p:attrName>style.visibility</p:attrName>
+                                        </p:attrNameLst>
+                                      </p:cBhvr>
+                                      <p:to>
+                                        <p:strVal val="visible"/>
+                                      </p:to>
+                                    </p:set>
+                                    <p:anim calcmode="lin" valueType="num">
+                                      <p:cBhvr additive="base">
+                                        <p:cTn id="33" dur="500" fill="hold"/>
+                                        <p:tgtEl>
+                                          <p:spTgt spid="61"/>
+                                        </p:tgtEl>
+                                        <p:attrNameLst>
+                                          <p:attrName>ppt_x</p:attrName>
+                                        </p:attrNameLst>
+                                      </p:cBhvr>
+                                      <p:tavLst>
+                                        <p:tav tm="0">
+                                          <p:val>
+                                            <p:strVal val="#ppt_x"/>
+                                          </p:val>
+                                        </p:tav>
+                                        <p:tav tm="100000">
+                                          <p:val>
+                                            <p:strVal val="#ppt_x"/>
+                                          </p:val>
+                                        </p:tav>
+                                      </p:tavLst>
+                                    </p:anim>
+                                    <p:anim calcmode="lin" valueType="num">
+                                      <p:cBhvr additive="base">
+                                        <p:cTn id="34" dur="500" fill="hold"/>
+                                        <p:tgtEl>
+                                          <p:spTgt spid="61"/>
+                                        </p:tgtEl>
+                                        <p:attrNameLst>
+                                          <p:attrName>ppt_y</p:attrName>
+                                        </p:attrNameLst>
+                                      </p:cBhvr>
+                                      <p:tavLst>
+                                        <p:tav tm="0">
+                                          <p:val>
+                                            <p:strVal val="1+#ppt_h/2"/>
+                                          </p:val>
+                                        </p:tav>
+                                        <p:tav tm="100000">
+                                          <p:val>
+                                            <p:strVal val="#ppt_y"/>
+                                          </p:val>
+                                        </p:tav>
+                                      </p:tavLst>
+                                    </p:anim>
+                                  </p:childTnLst>
+                                </p:cTn>
+                              </p:par>
+                              <p:par>
+                                <p:cTn id="35" presetID="2" presetClass="entr" presetSubtype="4" fill="hold" grpId="0" nodeType="withEffect">
+                                  <p:stCondLst>
+                                    <p:cond delay="0"/>
+                                  </p:stCondLst>
+                                  <p:childTnLst>
+                                    <p:set>
+                                      <p:cBhvr>
+                                        <p:cTn id="36" dur="1" fill="hold">
+                                          <p:stCondLst>
+                                            <p:cond delay="0"/>
+                                          </p:stCondLst>
+                                        </p:cTn>
+                                        <p:tgtEl>
+                                          <p:spTgt spid="5"/>
+                                        </p:tgtEl>
+                                        <p:attrNameLst>
+                                          <p:attrName>style.visibility</p:attrName>
+                                        </p:attrNameLst>
+                                      </p:cBhvr>
+                                      <p:to>
+                                        <p:strVal val="visible"/>
+                                      </p:to>
+                                    </p:set>
+                                    <p:anim calcmode="lin" valueType="num">
+                                      <p:cBhvr additive="base">
+                                        <p:cTn id="37" dur="500" fill="hold"/>
+                                        <p:tgtEl>
+                                          <p:spTgt spid="5"/>
+                                        </p:tgtEl>
+                                        <p:attrNameLst>
+                                          <p:attrName>ppt_x</p:attrName>
+                                        </p:attrNameLst>
+                                      </p:cBhvr>
+                                      <p:tavLst>
+                                        <p:tav tm="0">
+                                          <p:val>
+                                            <p:strVal val="#ppt_x"/>
+                                          </p:val>
+                                        </p:tav>
+                                        <p:tav tm="100000">
+                                          <p:val>
+                                            <p:strVal val="#ppt_x"/>
+                                          </p:val>
+                                        </p:tav>
+                                      </p:tavLst>
+                                    </p:anim>
+                                    <p:anim calcmode="lin" valueType="num">
+                                      <p:cBhvr additive="base">
+                                        <p:cTn id="38" dur="500" fill="hold"/>
+                                        <p:tgtEl>
+                                          <p:spTgt spid="5"/>
+                                        </p:tgtEl>
+                                        <p:attrNameLst>
+                                          <p:attrName>ppt_y</p:attrName>
+                                        </p:attrNameLst>
+                                      </p:cBhvr>
+                                      <p:tavLst>
+                                        <p:tav tm="0">
+                                          <p:val>
+                                            <p:strVal val="1+#ppt_h/2"/>
+                                          </p:val>
+                                        </p:tav>
+                                        <p:tav tm="100000">
+                                          <p:val>
+                                            <p:strVal val="#ppt_y"/>
+                                          </p:val>
+                                        </p:tav>
+                                      </p:tavLst>
+                                    </p:anim>
+                                  </p:childTnLst>
+                                </p:cTn>
+                              </p:par>
+                            </p:childTnLst>
+                          </p:cTn>
+                        </p:par>
+                      </p:childTnLst>
+                    </p:cTn>
+                  </p:par>
+                  <p:par>
+                    <p:cTn id="39" fill="hold">
+                      <p:stCondLst>
+                        <p:cond delay="indefinite"/>
+                      </p:stCondLst>
+                      <p:childTnLst>
+                        <p:par>
+                          <p:cTn id="40" fill="hold">
+                            <p:stCondLst>
+                              <p:cond delay="0"/>
+                            </p:stCondLst>
+                            <p:childTnLst>
+                              <p:par>
+                                <p:cTn id="41" presetID="1" presetClass="entr" presetSubtype="0" fill="hold" grpId="0" nodeType="clickEffect">
+                                  <p:stCondLst>
+                                    <p:cond delay="0"/>
+                                  </p:stCondLst>
+                                  <p:childTnLst>
+                                    <p:set>
+                                      <p:cBhvr>
+                                        <p:cTn id="42" dur="1" fill="hold">
+                                          <p:stCondLst>
+                                            <p:cond delay="0"/>
+                                          </p:stCondLst>
+                                        </p:cTn>
+                                        <p:tgtEl>
+                                          <p:spTgt spid="71"/>
+                                        </p:tgtEl>
+                                        <p:attrNameLst>
+                                          <p:attrName>style.visibility</p:attrName>
+                                        </p:attrNameLst>
+                                      </p:cBhvr>
+                                      <p:to>
+                                        <p:strVal val="visible"/>
+                                      </p:to>
+                                    </p:set>
+                                  </p:childTnLst>
+                                </p:cTn>
+                              </p:par>
+                              <p:par>
+                                <p:cTn id="43" presetID="1" presetClass="entr" presetSubtype="0" fill="hold" grpId="0" nodeType="withEffect">
+                                  <p:stCondLst>
+                                    <p:cond delay="0"/>
+                                  </p:stCondLst>
+                                  <p:childTnLst>
+                                    <p:set>
+                                      <p:cBhvr>
+                                        <p:cTn id="44" dur="1" fill="hold">
+                                          <p:stCondLst>
+                                            <p:cond delay="0"/>
+                                          </p:stCondLst>
+                                        </p:cTn>
+                                        <p:tgtEl>
+                                          <p:spTgt spid="6"/>
+                                        </p:tgtEl>
+                                        <p:attrNameLst>
+                                          <p:attrName>style.visibility</p:attrName>
+                                        </p:attrNameLst>
+                                      </p:cBhvr>
+                                      <p:to>
+                                        <p:strVal val="visible"/>
+                                      </p:to>
+                                    </p:set>
+                                  </p:childTnLst>
+                                </p:cTn>
+                              </p:par>
+                            </p:childTnLst>
+                          </p:cTn>
+                        </p:par>
+                      </p:childTnLst>
+                    </p:cTn>
+                  </p:par>
+                  <p:par>
+                    <p:cTn id="45" fill="hold">
+                      <p:stCondLst>
+                        <p:cond delay="indefinite"/>
+                      </p:stCondLst>
+                      <p:childTnLst>
+                        <p:par>
+                          <p:cTn id="46" fill="hold">
+                            <p:stCondLst>
+                              <p:cond delay="0"/>
+                            </p:stCondLst>
+                            <p:childTnLst>
+                              <p:par>
+                                <p:cTn id="47" presetID="1" presetClass="entr" presetSubtype="0" fill="hold" grpId="0" nodeType="clickEffect">
+                                  <p:stCondLst>
+                                    <p:cond delay="0"/>
+                                  </p:stCondLst>
+                                  <p:childTnLst>
+                                    <p:set>
+                                      <p:cBhvr>
+                                        <p:cTn id="48" dur="1" fill="hold">
+                                          <p:stCondLst>
+                                            <p:cond delay="0"/>
+                                          </p:stCondLst>
+                                        </p:cTn>
+                                        <p:tgtEl>
+                                          <p:spTgt spid="7"/>
+                                        </p:tgtEl>
+                                        <p:attrNameLst>
+                                          <p:attrName>style.visibility</p:attrName>
+                                        </p:attrNameLst>
+                                      </p:cBhvr>
+                                      <p:to>
+                                        <p:strVal val="visible"/>
+                                      </p:to>
+                                    </p:set>
+                                  </p:childTnLst>
+                                </p:cTn>
+                              </p:par>
+                            </p:childTnLst>
+                          </p:cTn>
+                        </p:par>
+                      </p:childTnLst>
+                    </p:cTn>
+                  </p:par>
+                  <p:par>
+                    <p:cTn id="49" fill="hold">
+                      <p:stCondLst>
+                        <p:cond delay="indefinite"/>
+                      </p:stCondLst>
+                      <p:childTnLst>
+                        <p:par>
+                          <p:cTn id="50" fill="hold">
+                            <p:stCondLst>
+                              <p:cond delay="0"/>
+                            </p:stCondLst>
+                            <p:childTnLst>
+                              <p:par>
+                                <p:cTn id="51" presetID="2" presetClass="entr" presetSubtype="4" fill="hold" grpId="0" nodeType="clickEffect">
+                                  <p:stCondLst>
+                                    <p:cond delay="0"/>
+                                  </p:stCondLst>
+                                  <p:childTnLst>
+                                    <p:set>
+                                      <p:cBhvr>
+                                        <p:cTn id="52" dur="1" fill="hold">
+                                          <p:stCondLst>
+                                            <p:cond delay="0"/>
+                                          </p:stCondLst>
+                                        </p:cTn>
+                                        <p:tgtEl>
+                                          <p:spTgt spid="64"/>
+                                        </p:tgtEl>
+                                        <p:attrNameLst>
+                                          <p:attrName>style.visibility</p:attrName>
+                                        </p:attrNameLst>
+                                      </p:cBhvr>
+                                      <p:to>
+                                        <p:strVal val="visible"/>
+                                      </p:to>
+                                    </p:set>
+                                    <p:anim calcmode="lin" valueType="num">
+                                      <p:cBhvr additive="base">
+                                        <p:cTn id="53" dur="500" fill="hold"/>
+                                        <p:tgtEl>
+                                          <p:spTgt spid="64"/>
+                                        </p:tgtEl>
+                                        <p:attrNameLst>
+                                          <p:attrName>ppt_x</p:attrName>
+                                        </p:attrNameLst>
+                                      </p:cBhvr>
+                                      <p:tavLst>
+                                        <p:tav tm="0">
+                                          <p:val>
+                                            <p:strVal val="#ppt_x"/>
+                                          </p:val>
+                                        </p:tav>
+                                        <p:tav tm="100000">
+                                          <p:val>
+                                            <p:strVal val="#ppt_x"/>
+                                          </p:val>
+                                        </p:tav>
+                                      </p:tavLst>
+                                    </p:anim>
+                                    <p:anim calcmode="lin" valueType="num">
+                                      <p:cBhvr additive="base">
+                                        <p:cTn id="54" dur="500" fill="hold"/>
+                                        <p:tgtEl>
+                                          <p:spTgt spid="64"/>
+                                        </p:tgtEl>
+                                        <p:attrNameLst>
+                                          <p:attrName>ppt_y</p:attrName>
+                                        </p:attrNameLst>
+                                      </p:cBhvr>
+                                      <p:tavLst>
+                                        <p:tav tm="0">
+                                          <p:val>
+                                            <p:strVal val="1+#ppt_h/2"/>
+                                          </p:val>
+                                        </p:tav>
+                                        <p:tav tm="100000">
+                                          <p:val>
+                                            <p:strVal val="#ppt_y"/>
+                                          </p:val>
+                                        </p:tav>
+                                      </p:tavLst>
+                                    </p:anim>
+                                  </p:childTnLst>
+                                </p:cTn>
+                              </p:par>
+                              <p:par>
+                                <p:cTn id="55" presetID="2" presetClass="entr" presetSubtype="4" fill="hold" grpId="0" nodeType="withEffect">
+                                  <p:stCondLst>
+                                    <p:cond delay="0"/>
+                                  </p:stCondLst>
+                                  <p:childTnLst>
+                                    <p:set>
+                                      <p:cBhvr>
+                                        <p:cTn id="56" dur="1" fill="hold">
+                                          <p:stCondLst>
+                                            <p:cond delay="0"/>
+                                          </p:stCondLst>
+                                        </p:cTn>
+                                        <p:tgtEl>
+                                          <p:spTgt spid="15"/>
+                                        </p:tgtEl>
+                                        <p:attrNameLst>
+                                          <p:attrName>style.visibility</p:attrName>
+                                        </p:attrNameLst>
+                                      </p:cBhvr>
+                                      <p:to>
+                                        <p:strVal val="visible"/>
+                                      </p:to>
+                                    </p:set>
+                                    <p:anim calcmode="lin" valueType="num">
+                                      <p:cBhvr additive="base">
+                                        <p:cTn id="57" dur="500" fill="hold"/>
+                                        <p:tgtEl>
+                                          <p:spTgt spid="15"/>
+                                        </p:tgtEl>
+                                        <p:attrNameLst>
+                                          <p:attrName>ppt_x</p:attrName>
+                                        </p:attrNameLst>
+                                      </p:cBhvr>
+                                      <p:tavLst>
+                                        <p:tav tm="0">
+                                          <p:val>
+                                            <p:strVal val="#ppt_x"/>
+                                          </p:val>
+                                        </p:tav>
+                                        <p:tav tm="100000">
+                                          <p:val>
+                                            <p:strVal val="#ppt_x"/>
+                                          </p:val>
+                                        </p:tav>
+                                      </p:tavLst>
+                                    </p:anim>
+                                    <p:anim calcmode="lin" valueType="num">
+                                      <p:cBhvr additive="base">
+                                        <p:cTn id="58" dur="500" fill="hold"/>
+                                        <p:tgtEl>
+                                          <p:spTgt spid="15"/>
+                                        </p:tgtEl>
+                                        <p:attrNameLst>
+                                          <p:attrName>ppt_y</p:attrName>
+                                        </p:attrNameLst>
+                                      </p:cBhvr>
+                                      <p:tavLst>
+                                        <p:tav tm="0">
+                                          <p:val>
+                                            <p:strVal val="1+#ppt_h/2"/>
+                                          </p:val>
+                                        </p:tav>
+                                        <p:tav tm="100000">
+                                          <p:val>
+                                            <p:strVal val="#ppt_y"/>
+                                          </p:val>
+                                        </p:tav>
+                                      </p:tavLst>
+                                    </p:anim>
+                                  </p:childTnLst>
+                                </p:cTn>
+                              </p:par>
+                            </p:childTnLst>
+                          </p:cTn>
+                        </p:par>
+                      </p:childTnLst>
+                    </p:cTn>
+                  </p:par>
+                  <p:par>
+                    <p:cTn id="59" fill="hold">
+                      <p:stCondLst>
+                        <p:cond delay="indefinite"/>
+                      </p:stCondLst>
+                      <p:childTnLst>
+                        <p:par>
+                          <p:cTn id="60" fill="hold">
+                            <p:stCondLst>
+                              <p:cond delay="0"/>
+                            </p:stCondLst>
+                            <p:childTnLst>
+                              <p:par>
+                                <p:cTn id="61" presetID="2" presetClass="entr" presetSubtype="4" fill="hold" grpId="0" nodeType="clickEffect">
+                                  <p:stCondLst>
+                                    <p:cond delay="0"/>
+                                  </p:stCondLst>
+                                  <p:childTnLst>
+                                    <p:set>
+                                      <p:cBhvr>
+                                        <p:cTn id="62" dur="1" fill="hold">
+                                          <p:stCondLst>
+                                            <p:cond delay="0"/>
+                                          </p:stCondLst>
+                                        </p:cTn>
+                                        <p:tgtEl>
+                                          <p:spTgt spid="62"/>
+                                        </p:tgtEl>
+                                        <p:attrNameLst>
+                                          <p:attrName>style.visibility</p:attrName>
+                                        </p:attrNameLst>
+                                      </p:cBhvr>
+                                      <p:to>
+                                        <p:strVal val="visible"/>
+                                      </p:to>
+                                    </p:set>
+                                    <p:anim calcmode="lin" valueType="num">
+                                      <p:cBhvr additive="base">
+                                        <p:cTn id="63" dur="500" fill="hold"/>
+                                        <p:tgtEl>
+                                          <p:spTgt spid="62"/>
+                                        </p:tgtEl>
+                                        <p:attrNameLst>
+                                          <p:attrName>ppt_x</p:attrName>
+                                        </p:attrNameLst>
+                                      </p:cBhvr>
+                                      <p:tavLst>
+                                        <p:tav tm="0">
+                                          <p:val>
+                                            <p:strVal val="#ppt_x"/>
+                                          </p:val>
+                                        </p:tav>
+                                        <p:tav tm="100000">
+                                          <p:val>
+                                            <p:strVal val="#ppt_x"/>
+                                          </p:val>
+                                        </p:tav>
+                                      </p:tavLst>
+                                    </p:anim>
+                                    <p:anim calcmode="lin" valueType="num">
+                                      <p:cBhvr additive="base">
+                                        <p:cTn id="64" dur="500" fill="hold"/>
+                                        <p:tgtEl>
+                                          <p:spTgt spid="62"/>
+                                        </p:tgtEl>
+                                        <p:attrNameLst>
+                                          <p:attrName>ppt_y</p:attrName>
+                                        </p:attrNameLst>
+                                      </p:cBhvr>
+                                      <p:tavLst>
+                                        <p:tav tm="0">
+                                          <p:val>
+                                            <p:strVal val="1+#ppt_h/2"/>
+                                          </p:val>
+                                        </p:tav>
+                                        <p:tav tm="100000">
+                                          <p:val>
+                                            <p:strVal val="#ppt_y"/>
+                                          </p:val>
+                                        </p:tav>
+                                      </p:tavLst>
+                                    </p:anim>
+                                  </p:childTnLst>
+                                </p:cTn>
+                              </p:par>
+                              <p:par>
+                                <p:cTn id="65" presetID="2" presetClass="entr" presetSubtype="4" fill="hold" grpId="0" nodeType="withEffect">
+                                  <p:stCondLst>
+                                    <p:cond delay="0"/>
+                                  </p:stCondLst>
+                                  <p:childTnLst>
+                                    <p:set>
+                                      <p:cBhvr>
+                                        <p:cTn id="66" dur="1" fill="hold">
+                                          <p:stCondLst>
+                                            <p:cond delay="0"/>
+                                          </p:stCondLst>
+                                        </p:cTn>
+                                        <p:tgtEl>
+                                          <p:spTgt spid="8"/>
+                                        </p:tgtEl>
+                                        <p:attrNameLst>
+                                          <p:attrName>style.visibility</p:attrName>
+                                        </p:attrNameLst>
+                                      </p:cBhvr>
+                                      <p:to>
+                                        <p:strVal val="visible"/>
+                                      </p:to>
+                                    </p:set>
+                                    <p:anim calcmode="lin" valueType="num">
+                                      <p:cBhvr additive="base">
+                                        <p:cTn id="67" dur="500" fill="hold"/>
+                                        <p:tgtEl>
+                                          <p:spTgt spid="8"/>
+                                        </p:tgtEl>
+                                        <p:attrNameLst>
+                                          <p:attrName>ppt_x</p:attrName>
+                                        </p:attrNameLst>
+                                      </p:cBhvr>
+                                      <p:tavLst>
+                                        <p:tav tm="0">
+                                          <p:val>
+                                            <p:strVal val="#ppt_x"/>
+                                          </p:val>
+                                        </p:tav>
+                                        <p:tav tm="100000">
+                                          <p:val>
+                                            <p:strVal val="#ppt_x"/>
+                                          </p:val>
+                                        </p:tav>
+                                      </p:tavLst>
+                                    </p:anim>
+                                    <p:anim calcmode="lin" valueType="num">
+                                      <p:cBhvr additive="base">
+                                        <p:cTn id="68" dur="500" fill="hold"/>
+                                        <p:tgtEl>
+                                          <p:spTgt spid="8"/>
+                                        </p:tgtEl>
+                                        <p:attrNameLst>
+                                          <p:attrName>ppt_y</p:attrName>
+                                        </p:attrNameLst>
+                                      </p:cBhvr>
+                                      <p:tavLst>
+                                        <p:tav tm="0">
+                                          <p:val>
+                                            <p:strVal val="1+#ppt_h/2"/>
+                                          </p:val>
+                                        </p:tav>
+                                        <p:tav tm="100000">
+                                          <p:val>
+                                            <p:strVal val="#ppt_y"/>
+                                          </p:val>
+                                        </p:tav>
+                                      </p:tavLst>
+                                    </p:anim>
+                                  </p:childTnLst>
+                                </p:cTn>
+                              </p:par>
+                            </p:childTnLst>
+                          </p:cTn>
+                        </p:par>
+                      </p:childTnLst>
+                    </p:cTn>
+                  </p:par>
+                  <p:par>
+                    <p:cTn id="69" fill="hold">
+                      <p:stCondLst>
+                        <p:cond delay="indefinite"/>
+                      </p:stCondLst>
+                      <p:childTnLst>
+                        <p:par>
+                          <p:cTn id="70" fill="hold">
+                            <p:stCondLst>
+                              <p:cond delay="0"/>
+                            </p:stCondLst>
+                            <p:childTnLst>
+                              <p:par>
+                                <p:cTn id="71" presetID="1" presetClass="entr" presetSubtype="0" fill="hold" grpId="0" nodeType="clickEffect">
+                                  <p:stCondLst>
+                                    <p:cond delay="0"/>
+                                  </p:stCondLst>
+                                  <p:childTnLst>
+                                    <p:set>
+                                      <p:cBhvr>
+                                        <p:cTn id="72" dur="1" fill="hold">
+                                          <p:stCondLst>
+                                            <p:cond delay="0"/>
+                                          </p:stCondLst>
+                                        </p:cTn>
+                                        <p:tgtEl>
+                                          <p:spTgt spid="72"/>
+                                        </p:tgtEl>
+                                        <p:attrNameLst>
+                                          <p:attrName>style.visibility</p:attrName>
+                                        </p:attrNameLst>
+                                      </p:cBhvr>
+                                      <p:to>
+                                        <p:strVal val="visible"/>
+                                      </p:to>
+                                    </p:set>
+                                  </p:childTnLst>
+                                </p:cTn>
+                              </p:par>
+                              <p:par>
+                                <p:cTn id="73" presetID="1" presetClass="entr" presetSubtype="0" fill="hold" grpId="0" nodeType="withEffect">
+                                  <p:stCondLst>
+                                    <p:cond delay="0"/>
+                                  </p:stCondLst>
+                                  <p:childTnLst>
+                                    <p:set>
+                                      <p:cBhvr>
+                                        <p:cTn id="74" dur="1" fill="hold">
+                                          <p:stCondLst>
+                                            <p:cond delay="0"/>
+                                          </p:stCondLst>
+                                        </p:cTn>
+                                        <p:tgtEl>
+                                          <p:spTgt spid="9"/>
+                                        </p:tgtEl>
+                                        <p:attrNameLst>
+                                          <p:attrName>style.visibility</p:attrName>
+                                        </p:attrNameLst>
+                                      </p:cBhvr>
+                                      <p:to>
+                                        <p:strVal val="visible"/>
+                                      </p:to>
+                                    </p:set>
+                                  </p:childTnLst>
+                                </p:cTn>
+                              </p:par>
+                            </p:childTnLst>
+                          </p:cTn>
+                        </p:par>
+                      </p:childTnLst>
+                    </p:cTn>
+                  </p:par>
+                  <p:par>
+                    <p:cTn id="75" fill="hold">
+                      <p:stCondLst>
+                        <p:cond delay="indefinite"/>
+                      </p:stCondLst>
+                      <p:childTnLst>
+                        <p:par>
+                          <p:cTn id="76" fill="hold">
+                            <p:stCondLst>
+                              <p:cond delay="0"/>
+                            </p:stCondLst>
+                            <p:childTnLst>
+                              <p:par>
+                                <p:cTn id="77" presetID="1" presetClass="entr" presetSubtype="0" fill="hold" grpId="0" nodeType="clickEffect">
+                                  <p:stCondLst>
+                                    <p:cond delay="0"/>
+                                  </p:stCondLst>
+                                  <p:childTnLst>
+                                    <p:set>
+                                      <p:cBhvr>
+                                        <p:cTn id="78" dur="1" fill="hold">
+                                          <p:stCondLst>
+                                            <p:cond delay="0"/>
+                                          </p:stCondLst>
+                                        </p:cTn>
+                                        <p:tgtEl>
+                                          <p:spTgt spid="10"/>
+                                        </p:tgtEl>
+                                        <p:attrNameLst>
+                                          <p:attrName>style.visibility</p:attrName>
+                                        </p:attrNameLst>
+                                      </p:cBhvr>
+                                      <p:to>
+                                        <p:strVal val="visible"/>
+                                      </p:to>
+                                    </p:set>
+                                  </p:childTnLst>
+                                </p:cTn>
+                              </p:par>
+                            </p:childTnLst>
+                          </p:cTn>
+                        </p:par>
+                      </p:childTnLst>
+                    </p:cTn>
+                  </p:par>
+                  <p:par>
+                    <p:cTn id="79" fill="hold">
+                      <p:stCondLst>
+                        <p:cond delay="indefinite"/>
+                      </p:stCondLst>
+                      <p:childTnLst>
+                        <p:par>
+                          <p:cTn id="80" fill="hold">
+                            <p:stCondLst>
+                              <p:cond delay="0"/>
+                            </p:stCondLst>
+                            <p:childTnLst>
+                              <p:par>
+                                <p:cTn id="81" presetID="2" presetClass="entr" presetSubtype="4" fill="hold" grpId="0" nodeType="clickEffect">
+                                  <p:stCondLst>
+                                    <p:cond delay="0"/>
+                                  </p:stCondLst>
+                                  <p:childTnLst>
+                                    <p:set>
+                                      <p:cBhvr>
+                                        <p:cTn id="82" dur="1" fill="hold">
+                                          <p:stCondLst>
+                                            <p:cond delay="0"/>
+                                          </p:stCondLst>
+                                        </p:cTn>
+                                        <p:tgtEl>
+                                          <p:spTgt spid="16"/>
+                                        </p:tgtEl>
+                                        <p:attrNameLst>
+                                          <p:attrName>style.visibility</p:attrName>
+                                        </p:attrNameLst>
+                                      </p:cBhvr>
+                                      <p:to>
+                                        <p:strVal val="visible"/>
+                                      </p:to>
+                                    </p:set>
+                                    <p:anim calcmode="lin" valueType="num">
+                                      <p:cBhvr additive="base">
+                                        <p:cTn id="83" dur="500" fill="hold"/>
+                                        <p:tgtEl>
+                                          <p:spTgt spid="16"/>
+                                        </p:tgtEl>
+                                        <p:attrNameLst>
+                                          <p:attrName>ppt_x</p:attrName>
+                                        </p:attrNameLst>
+                                      </p:cBhvr>
+                                      <p:tavLst>
+                                        <p:tav tm="0">
+                                          <p:val>
+                                            <p:strVal val="#ppt_x"/>
+                                          </p:val>
+                                        </p:tav>
+                                        <p:tav tm="100000">
+                                          <p:val>
+                                            <p:strVal val="#ppt_x"/>
+                                          </p:val>
+                                        </p:tav>
+                                      </p:tavLst>
+                                    </p:anim>
+                                    <p:anim calcmode="lin" valueType="num">
+                                      <p:cBhvr additive="base">
+                                        <p:cTn id="84" dur="500" fill="hold"/>
+                                        <p:tgtEl>
+                                          <p:spTgt spid="16"/>
+                                        </p:tgtEl>
+                                        <p:attrNameLst>
+                                          <p:attrName>ppt_y</p:attrName>
+                                        </p:attrNameLst>
+                                      </p:cBhvr>
+                                      <p:tavLst>
+                                        <p:tav tm="0">
+                                          <p:val>
+                                            <p:strVal val="1+#ppt_h/2"/>
+                                          </p:val>
+                                        </p:tav>
+                                        <p:tav tm="100000">
+                                          <p:val>
+                                            <p:strVal val="#ppt_y"/>
+                                          </p:val>
+                                        </p:tav>
+                                      </p:tavLst>
+                                    </p:anim>
+                                  </p:childTnLst>
+                                </p:cTn>
+                              </p:par>
+                              <p:par>
+                                <p:cTn id="85" presetID="2" presetClass="entr" presetSubtype="4" fill="hold" grpId="0" nodeType="withEffect">
+                                  <p:stCondLst>
+                                    <p:cond delay="0"/>
+                                  </p:stCondLst>
+                                  <p:childTnLst>
+                                    <p:set>
+                                      <p:cBhvr>
+                                        <p:cTn id="86" dur="1" fill="hold">
+                                          <p:stCondLst>
+                                            <p:cond delay="0"/>
+                                          </p:stCondLst>
+                                        </p:cTn>
+                                        <p:tgtEl>
+                                          <p:spTgt spid="65"/>
+                                        </p:tgtEl>
+                                        <p:attrNameLst>
+                                          <p:attrName>style.visibility</p:attrName>
+                                        </p:attrNameLst>
+                                      </p:cBhvr>
+                                      <p:to>
+                                        <p:strVal val="visible"/>
+                                      </p:to>
+                                    </p:set>
+                                    <p:anim calcmode="lin" valueType="num">
+                                      <p:cBhvr additive="base">
+                                        <p:cTn id="87" dur="500" fill="hold"/>
+                                        <p:tgtEl>
+                                          <p:spTgt spid="65"/>
+                                        </p:tgtEl>
+                                        <p:attrNameLst>
+                                          <p:attrName>ppt_x</p:attrName>
+                                        </p:attrNameLst>
+                                      </p:cBhvr>
+                                      <p:tavLst>
+                                        <p:tav tm="0">
+                                          <p:val>
+                                            <p:strVal val="#ppt_x"/>
+                                          </p:val>
+                                        </p:tav>
+                                        <p:tav tm="100000">
+                                          <p:val>
+                                            <p:strVal val="#ppt_x"/>
+                                          </p:val>
+                                        </p:tav>
+                                      </p:tavLst>
+                                    </p:anim>
+                                    <p:anim calcmode="lin" valueType="num">
+                                      <p:cBhvr additive="base">
+                                        <p:cTn id="88" dur="500" fill="hold"/>
+                                        <p:tgtEl>
+                                          <p:spTgt spid="65"/>
+                                        </p:tgtEl>
+                                        <p:attrNameLst>
+                                          <p:attrName>ppt_y</p:attrName>
+                                        </p:attrNameLst>
+                                      </p:cBhvr>
+                                      <p:tavLst>
+                                        <p:tav tm="0">
+                                          <p:val>
+                                            <p:strVal val="1+#ppt_h/2"/>
+                                          </p:val>
+                                        </p:tav>
+                                        <p:tav tm="100000">
+                                          <p:val>
+                                            <p:strVal val="#ppt_y"/>
+                                          </p:val>
+                                        </p:tav>
+                                      </p:tavLst>
+                                    </p:anim>
+                                  </p:childTnLst>
+                                </p:cTn>
+                              </p:par>
+                            </p:childTnLst>
+                          </p:cTn>
+                        </p:par>
+                      </p:childTnLst>
+                    </p:cTn>
+                  </p:par>
+                  <p:par>
+                    <p:cTn id="89" fill="hold">
+                      <p:stCondLst>
+                        <p:cond delay="indefinite"/>
+                      </p:stCondLst>
+                      <p:childTnLst>
+                        <p:par>
+                          <p:cTn id="90" fill="hold">
+                            <p:stCondLst>
+                              <p:cond delay="0"/>
+                            </p:stCondLst>
+                            <p:childTnLst>
+                              <p:par>
+                                <p:cTn id="91" presetID="2" presetClass="entr" presetSubtype="4" fill="hold" grpId="0" nodeType="clickEffect">
+                                  <p:stCondLst>
+                                    <p:cond delay="0"/>
+                                  </p:stCondLst>
+                                  <p:childTnLst>
+                                    <p:set>
+                                      <p:cBhvr>
+                                        <p:cTn id="92" dur="1" fill="hold">
+                                          <p:stCondLst>
+                                            <p:cond delay="0"/>
+                                          </p:stCondLst>
+                                        </p:cTn>
+                                        <p:tgtEl>
+                                          <p:spTgt spid="63"/>
+                                        </p:tgtEl>
+                                        <p:attrNameLst>
+                                          <p:attrName>style.visibility</p:attrName>
+                                        </p:attrNameLst>
+                                      </p:cBhvr>
+                                      <p:to>
+                                        <p:strVal val="visible"/>
+                                      </p:to>
+                                    </p:set>
+                                    <p:anim calcmode="lin" valueType="num">
+                                      <p:cBhvr additive="base">
+                                        <p:cTn id="93" dur="500" fill="hold"/>
+                                        <p:tgtEl>
+                                          <p:spTgt spid="63"/>
+                                        </p:tgtEl>
+                                        <p:attrNameLst>
+                                          <p:attrName>ppt_x</p:attrName>
+                                        </p:attrNameLst>
+                                      </p:cBhvr>
+                                      <p:tavLst>
+                                        <p:tav tm="0">
+                                          <p:val>
+                                            <p:strVal val="#ppt_x"/>
+                                          </p:val>
+                                        </p:tav>
+                                        <p:tav tm="100000">
+                                          <p:val>
+                                            <p:strVal val="#ppt_x"/>
+                                          </p:val>
+                                        </p:tav>
+                                      </p:tavLst>
+                                    </p:anim>
+                                    <p:anim calcmode="lin" valueType="num">
+                                      <p:cBhvr additive="base">
+                                        <p:cTn id="94" dur="500" fill="hold"/>
+                                        <p:tgtEl>
+                                          <p:spTgt spid="63"/>
+                                        </p:tgtEl>
+                                        <p:attrNameLst>
+                                          <p:attrName>ppt_y</p:attrName>
+                                        </p:attrNameLst>
+                                      </p:cBhvr>
+                                      <p:tavLst>
+                                        <p:tav tm="0">
+                                          <p:val>
+                                            <p:strVal val="1+#ppt_h/2"/>
+                                          </p:val>
+                                        </p:tav>
+                                        <p:tav tm="100000">
+                                          <p:val>
+                                            <p:strVal val="#ppt_y"/>
+                                          </p:val>
+                                        </p:tav>
+                                      </p:tavLst>
+                                    </p:anim>
+                                  </p:childTnLst>
+                                </p:cTn>
+                              </p:par>
+                              <p:par>
+                                <p:cTn id="95" presetID="2" presetClass="entr" presetSubtype="4" fill="hold" grpId="0" nodeType="withEffect">
+                                  <p:stCondLst>
+                                    <p:cond delay="0"/>
+                                  </p:stCondLst>
+                                  <p:childTnLst>
+                                    <p:set>
+                                      <p:cBhvr>
+                                        <p:cTn id="96" dur="1" fill="hold">
+                                          <p:stCondLst>
+                                            <p:cond delay="0"/>
+                                          </p:stCondLst>
+                                        </p:cTn>
+                                        <p:tgtEl>
+                                          <p:spTgt spid="11"/>
+                                        </p:tgtEl>
+                                        <p:attrNameLst>
+                                          <p:attrName>style.visibility</p:attrName>
+                                        </p:attrNameLst>
+                                      </p:cBhvr>
+                                      <p:to>
+                                        <p:strVal val="visible"/>
+                                      </p:to>
+                                    </p:set>
+                                    <p:anim calcmode="lin" valueType="num">
+                                      <p:cBhvr additive="base">
+                                        <p:cTn id="97" dur="500" fill="hold"/>
+                                        <p:tgtEl>
+                                          <p:spTgt spid="11"/>
+                                        </p:tgtEl>
+                                        <p:attrNameLst>
+                                          <p:attrName>ppt_x</p:attrName>
+                                        </p:attrNameLst>
+                                      </p:cBhvr>
+                                      <p:tavLst>
+                                        <p:tav tm="0">
+                                          <p:val>
+                                            <p:strVal val="#ppt_x"/>
+                                          </p:val>
+                                        </p:tav>
+                                        <p:tav tm="100000">
+                                          <p:val>
+                                            <p:strVal val="#ppt_x"/>
+                                          </p:val>
+                                        </p:tav>
+                                      </p:tavLst>
+                                    </p:anim>
+                                    <p:anim calcmode="lin" valueType="num">
+                                      <p:cBhvr additive="base">
+                                        <p:cTn id="98" dur="500" fill="hold"/>
+                                        <p:tgtEl>
+                                          <p:spTgt spid="11"/>
+                                        </p:tgtEl>
+                                        <p:attrNameLst>
+                                          <p:attrName>ppt_y</p:attrName>
+                                        </p:attrNameLst>
+                                      </p:cBhvr>
+                                      <p:tavLst>
+                                        <p:tav tm="0">
+                                          <p:val>
+                                            <p:strVal val="1+#ppt_h/2"/>
+                                          </p:val>
+                                        </p:tav>
+                                        <p:tav tm="100000">
+                                          <p:val>
+                                            <p:strVal val="#ppt_y"/>
+                                          </p:val>
+                                        </p:tav>
+                                      </p:tavLst>
+                                    </p:anim>
+                                  </p:childTnLst>
+                                </p:cTn>
+                              </p:par>
+                            </p:childTnLst>
+                          </p:cTn>
+                        </p:par>
+                      </p:childTnLst>
+                    </p:cTn>
+                  </p:par>
+                  <p:par>
+                    <p:cTn id="99" fill="hold">
+                      <p:stCondLst>
+                        <p:cond delay="indefinite"/>
+                      </p:stCondLst>
+                      <p:childTnLst>
+                        <p:par>
+                          <p:cTn id="100" fill="hold">
+                            <p:stCondLst>
+                              <p:cond delay="0"/>
+                            </p:stCondLst>
+                            <p:childTnLst>
+                              <p:par>
+                                <p:cTn id="101" presetID="1" presetClass="entr" presetSubtype="0" fill="hold" grpId="0" nodeType="clickEffect">
+                                  <p:stCondLst>
+                                    <p:cond delay="0"/>
+                                  </p:stCondLst>
+                                  <p:childTnLst>
+                                    <p:set>
+                                      <p:cBhvr>
+                                        <p:cTn id="102" dur="1" fill="hold">
+                                          <p:stCondLst>
+                                            <p:cond delay="0"/>
+                                          </p:stCondLst>
+                                        </p:cTn>
+                                        <p:tgtEl>
+                                          <p:spTgt spid="73"/>
+                                        </p:tgtEl>
+                                        <p:attrNameLst>
+                                          <p:attrName>style.visibility</p:attrName>
+                                        </p:attrNameLst>
+                                      </p:cBhvr>
+                                      <p:to>
+                                        <p:strVal val="visible"/>
+                                      </p:to>
+                                    </p:set>
+                                  </p:childTnLst>
+                                </p:cTn>
+                              </p:par>
+                              <p:par>
+                                <p:cTn id="103" presetID="1" presetClass="entr" presetSubtype="0" fill="hold" grpId="0" nodeType="withEffect">
+                                  <p:stCondLst>
+                                    <p:cond delay="0"/>
+                                  </p:stCondLst>
+                                  <p:childTnLst>
+                                    <p:set>
+                                      <p:cBhvr>
+                                        <p:cTn id="104" dur="1" fill="hold">
+                                          <p:stCondLst>
+                                            <p:cond delay="0"/>
+                                          </p:stCondLst>
+                                        </p:cTn>
+                                        <p:tgtEl>
+                                          <p:spTgt spid="12"/>
+                                        </p:tgtEl>
+                                        <p:attrNameLst>
+                                          <p:attrName>style.visibility</p:attrName>
+                                        </p:attrNameLst>
+                                      </p:cBhvr>
+                                      <p:to>
+                                        <p:strVal val="visible"/>
+                                      </p:to>
+                                    </p:set>
+                                  </p:childTnLst>
+                                </p:cTn>
+                              </p:par>
+                            </p:childTnLst>
+                          </p:cTn>
+                        </p:par>
+                      </p:childTnLst>
+                    </p:cTn>
+                  </p:par>
+                  <p:par>
+                    <p:cTn id="105" fill="hold">
+                      <p:stCondLst>
+                        <p:cond delay="indefinite"/>
+                      </p:stCondLst>
+                      <p:childTnLst>
+                        <p:par>
+                          <p:cTn id="106" fill="hold">
+                            <p:stCondLst>
+                              <p:cond delay="0"/>
+                            </p:stCondLst>
+                            <p:childTnLst>
+                              <p:par>
+                                <p:cTn id="107" presetID="1" presetClass="entr" presetSubtype="0" fill="hold" grpId="0" nodeType="clickEffect">
+                                  <p:stCondLst>
+                                    <p:cond delay="0"/>
+                                  </p:stCondLst>
+                                  <p:childTnLst>
+                                    <p:set>
+                                      <p:cBhvr>
+                                        <p:cTn id="108" dur="1" fill="hold">
+                                          <p:stCondLst>
+                                            <p:cond delay="0"/>
+                                          </p:stCondLst>
+                                        </p:cTn>
+                                        <p:tgtEl>
+                                          <p:spTgt spid="13"/>
+                                        </p:tgtEl>
+                                        <p:attrNameLst>
+                                          <p:attrName>style.visibility</p:attrName>
+                                        </p:attrNameLst>
+                                      </p:cBhvr>
+                                      <p:to>
+                                        <p:strVal val="visible"/>
+                                      </p:to>
+                                    </p:set>
+                                  </p:childTnLst>
+                                </p:cTn>
+                              </p:par>
+                              <p:par>
+                                <p:cTn id="109" presetID="1" presetClass="entr" presetSubtype="0" fill="hold" grpId="0" nodeType="withEffect">
+                                  <p:stCondLst>
+                                    <p:cond delay="0"/>
+                                  </p:stCondLst>
+                                  <p:childTnLst>
+                                    <p:set>
+                                      <p:cBhvr>
+                                        <p:cTn id="110" dur="1" fill="hold">
+                                          <p:stCondLst>
+                                            <p:cond delay="0"/>
+                                          </p:stCondLst>
+                                        </p:cTn>
+                                        <p:tgtEl>
+                                          <p:spTgt spid="14"/>
+                                        </p:tgtEl>
+                                        <p:attrNameLst>
+                                          <p:attrName>style.visibility</p:attrName>
+                                        </p:attrNameLst>
+                                      </p:cBhvr>
+                                      <p:to>
+                                        <p:strVal val="visible"/>
+                                      </p:to>
+                                    </p:set>
+                                  </p:childTnLst>
+                                </p:cTn>
+                              </p:par>
+                              <p:par>
+                                <p:cTn id="111" presetID="1" presetClass="entr" presetSubtype="0" fill="hold" grpId="0" nodeType="withEffect">
+                                  <p:stCondLst>
+                                    <p:cond delay="0"/>
+                                  </p:stCondLst>
+                                  <p:childTnLst>
+                                    <p:set>
+                                      <p:cBhvr>
+                                        <p:cTn id="112" dur="1" fill="hold">
+                                          <p:stCondLst>
+                                            <p:cond delay="0"/>
+                                          </p:stCondLst>
+                                        </p:cTn>
+                                        <p:tgtEl>
+                                          <p:spTgt spid="74"/>
+                                        </p:tgtEl>
+                                        <p:attrNameLst>
+                                          <p:attrName>style.visibility</p:attrName>
+                                        </p:attrNameLst>
+                                      </p:cBhvr>
+                                      <p:to>
+                                        <p:strVal val="visible"/>
+                                      </p:to>
+                                    </p:set>
+                                  </p:childTnLst>
+                                </p:cTn>
+                              </p:par>
+                            </p:childTnLst>
+                          </p:cTn>
+                        </p:par>
+                      </p:childTnLst>
+                    </p:cTn>
+                  </p:par>
+                </p:childTnLst>
+              </p:cTn>
+              <p:prevCondLst>
+                <p:cond evt="onPrev" delay="0">
+                  <p:tgtEl>
+                    <p:sldTgt/>
+                  </p:tgtEl>
+                </p:cond>
+              </p:prevCondLst>
+              <p:nextCondLst>
+                <p:cond evt="onNext" delay="0">
+                  <p:tgtEl>
+                    <p:sldTgt/>
+                  </p:tgtEl>
+                </p:cond>
+              </p:nextCondLst>
+            </p:seq>
+          </p:childTnLst>
+        </p:cTn>
       </p:par>
     </p:tnLst>
+    <p:bldLst>
+      <p:bldP spid="2" grpId="0"/>
+      <p:bldP spid="3" grpId="0"/>
+      <p:bldP spid="4" grpId="0"/>
+      <p:bldP spid="5" grpId="0"/>
+      <p:bldP spid="6" grpId="0"/>
+      <p:bldP spid="7" grpId="0"/>
+      <p:bldP spid="8" grpId="0"/>
+      <p:bldP spid="9" grpId="0"/>
+      <p:bldP spid="10" grpId="0"/>
+      <p:bldP spid="11" grpId="0"/>
+      <p:bldP spid="12" grpId="0"/>
+      <p:bldP spid="13" grpId="0"/>
+      <p:bldP spid="14" grpId="0"/>
+      <p:bldP spid="15" grpId="0"/>
+      <p:bldP spid="16" grpId="0"/>
+      <p:bldP spid="61" grpId="0" animBg="1"/>
+      <p:bldP spid="62" grpId="0" animBg="1"/>
+      <p:bldP spid="63" grpId="0" animBg="1"/>
+      <p:bldP spid="64" grpId="0" animBg="1"/>
+      <p:bldP spid="65" grpId="0" animBg="1"/>
+      <p:bldP spid="66" grpId="0" animBg="1"/>
+      <p:bldP spid="67" grpId="0" animBg="1"/>
+      <p:bldP spid="68" grpId="0" animBg="1"/>
+      <p:bldP spid="69" grpId="0" animBg="1"/>
+      <p:bldP spid="70" grpId="0" animBg="1"/>
+      <p:bldP spid="71" grpId="0" animBg="1"/>
+      <p:bldP spid="72" grpId="0" animBg="1"/>
+      <p:bldP spid="73" grpId="0" animBg="1"/>
+      <p:bldP spid="74" grpId="0" animBg="1"/>
+    </p:bldLst>
   </p:timing>
 </p:sld>
 </file>

--- a/SagaMasterClass.pptx
+++ b/SagaMasterClass.pptx
@@ -375,31 +375,6 @@
 
 <file path=ppt/comments/comment3.xml><?xml version="1.0" encoding="utf-8"?>
 <p:cmLst xmlns:a="http://schemas.openxmlformats.org/drawingml/2006/main" xmlns:r="http://schemas.openxmlformats.org/officeDocument/2006/relationships" xmlns:p="http://schemas.openxmlformats.org/presentationml/2006/main">
-  <p:cm authorId="9" dt="2015-11-28T22:14:10.089" idx="1">
-    <p:pos x="10" y="10"/>
-    <p:text>A bit lost on this slide. And notes in German?</p:text>
-    <p:extLst>
-      <p:ext uri="{C676402C-5697-4E1C-873F-D02D1690AC5C}">
-        <p15:threadingInfo xmlns:p15="http://schemas.microsoft.com/office/powerpoint/2012/main" timeZoneBias="360"/>
-      </p:ext>
-    </p:extLst>
-  </p:cm>
-  <p:cm authorId="13" dt="2015-11-30T10:06:54.149" idx="2">
-    <p:pos x="10" y="146"/>
-    <p:text>Daniel will fix</p:text>
-    <p:extLst>
-      <p:ext uri="{C676402C-5697-4E1C-873F-D02D1690AC5C}">
-        <p15:threadingInfo xmlns:p15="http://schemas.microsoft.com/office/powerpoint/2012/main" timeZoneBias="-60">
-          <p15:parentCm authorId="9" idx="1"/>
-        </p15:threadingInfo>
-      </p:ext>
-    </p:extLst>
-  </p:cm>
-</p:cmLst>
-</file>
-
-<file path=ppt/comments/comment4.xml><?xml version="1.0" encoding="utf-8"?>
-<p:cmLst xmlns:a="http://schemas.openxmlformats.org/drawingml/2006/main" xmlns:r="http://schemas.openxmlformats.org/officeDocument/2006/relationships" xmlns:p="http://schemas.openxmlformats.org/presentationml/2006/main">
   <p:cm authorId="10" dt="2015-11-28T22:20:12.652" idx="1">
     <p:pos x="3456" y="2803"/>
     <p:text>You mean the running total is only valid for 20 seconds? That could be quick to test.</p:text>
@@ -423,7 +398,7 @@
 </p:cmLst>
 </file>
 
-<file path=ppt/comments/comment5.xml><?xml version="1.0" encoding="utf-8"?>
+<file path=ppt/comments/comment4.xml><?xml version="1.0" encoding="utf-8"?>
 <p:cmLst xmlns:a="http://schemas.openxmlformats.org/drawingml/2006/main" xmlns:r="http://schemas.openxmlformats.org/officeDocument/2006/relationships" xmlns:p="http://schemas.openxmlformats.org/presentationml/2006/main">
   <p:cm authorId="11" dt="2015-11-28T22:20:58.104" idx="1">
     <p:pos x="10" y="10"/>
@@ -448,7 +423,7 @@
 </p:cmLst>
 </file>
 
-<file path=ppt/comments/comment6.xml><?xml version="1.0" encoding="utf-8"?>
+<file path=ppt/comments/comment5.xml><?xml version="1.0" encoding="utf-8"?>
 <p:cmLst xmlns:a="http://schemas.openxmlformats.org/drawingml/2006/main" xmlns:r="http://schemas.openxmlformats.org/officeDocument/2006/relationships" xmlns:p="http://schemas.openxmlformats.org/presentationml/2006/main">
   <p:cm authorId="12" dt="2015-11-28T22:24:07.803" idx="1">
     <p:pos x="10" y="10"/>
@@ -1743,201 +1718,26 @@
             <a:pPr marL="342900" indent="-342900"/>
             <a:r>
               <a:rPr lang="en-US" dirty="0" smtClean="0"/>
-              <a:t>Fast </a:t>
-            </a:r>
-            <a:r>
-              <a:rPr lang="en-US" dirty="0" err="1" smtClean="0"/>
-              <a:t>wie</a:t>
-            </a:r>
-            <a:r>
-              <a:rPr lang="en-US" dirty="0" smtClean="0"/>
-              <a:t> Onion </a:t>
-            </a:r>
-            <a:r>
-              <a:rPr lang="en-US" dirty="0" err="1" smtClean="0"/>
-              <a:t>oder</a:t>
-            </a:r>
-            <a:r>
-              <a:rPr lang="en-US" dirty="0" smtClean="0"/>
-              <a:t> </a:t>
-            </a:r>
-            <a:r>
-              <a:rPr lang="en-US" dirty="0" err="1" smtClean="0"/>
-              <a:t>Hexagonale</a:t>
-            </a:r>
-            <a:r>
-              <a:rPr lang="en-US" dirty="0" smtClean="0"/>
-              <a:t> </a:t>
-            </a:r>
-            <a:r>
-              <a:rPr lang="en-US" dirty="0" err="1" smtClean="0"/>
-              <a:t>Architektur</a:t>
-            </a:r>
-            <a:r>
-              <a:rPr lang="en-US" dirty="0" smtClean="0"/>
-              <a:t>. Layering von </a:t>
-            </a:r>
-            <a:r>
-              <a:rPr lang="en-US" dirty="0" err="1" smtClean="0"/>
-              <a:t>Prozessmanagers</a:t>
-            </a:r>
-            <a:r>
-              <a:rPr lang="en-US" dirty="0" smtClean="0"/>
-              <a:t>/Sagas</a:t>
+              <a:t>Similar to Onion or Hexagonal architecture.</a:t>
+            </a:r>
+            <a:r>
+              <a:rPr lang="en-US" baseline="0" dirty="0" smtClean="0"/>
+              <a:t> We have rings of </a:t>
+            </a:r>
+            <a:r>
+              <a:rPr lang="en-US" baseline="0" dirty="0" err="1" smtClean="0"/>
+              <a:t>prozess</a:t>
+            </a:r>
+            <a:r>
+              <a:rPr lang="en-US" baseline="0" dirty="0" smtClean="0"/>
+              <a:t> managers/sagas</a:t>
             </a:r>
           </a:p>
           <a:p>
             <a:pPr marL="342900" indent="-342900"/>
             <a:r>
-              <a:rPr lang="en-US" dirty="0" smtClean="0"/>
-              <a:t>Die </a:t>
-            </a:r>
-            <a:r>
-              <a:rPr lang="en-US" dirty="0" err="1" smtClean="0"/>
-              <a:t>Buildingblocks</a:t>
-            </a:r>
-            <a:r>
-              <a:rPr lang="en-US" dirty="0" smtClean="0"/>
-              <a:t> </a:t>
-            </a:r>
-            <a:r>
-              <a:rPr lang="en-US" dirty="0" err="1" smtClean="0"/>
-              <a:t>zu</a:t>
-            </a:r>
-            <a:r>
-              <a:rPr lang="en-US" dirty="0" smtClean="0"/>
-              <a:t> </a:t>
-            </a:r>
-            <a:r>
-              <a:rPr lang="en-US" dirty="0" err="1" smtClean="0"/>
-              <a:t>verwenden</a:t>
-            </a:r>
-            <a:r>
-              <a:rPr lang="en-US" dirty="0" smtClean="0"/>
-              <a:t> </a:t>
-            </a:r>
-            <a:r>
-              <a:rPr lang="en-US" dirty="0" err="1" smtClean="0"/>
-              <a:t>ist</a:t>
-            </a:r>
-            <a:r>
-              <a:rPr lang="en-US" dirty="0" smtClean="0"/>
-              <a:t> </a:t>
-            </a:r>
-            <a:r>
-              <a:rPr lang="en-US" dirty="0" err="1" smtClean="0"/>
-              <a:t>einfach</a:t>
-            </a:r>
-            <a:r>
-              <a:rPr lang="en-US" dirty="0" smtClean="0"/>
-              <a:t>, </a:t>
-            </a:r>
-            <a:r>
-              <a:rPr lang="en-US" dirty="0" err="1" smtClean="0"/>
-              <a:t>schwierig</a:t>
-            </a:r>
-            <a:r>
               <a:rPr lang="en-US" baseline="0" dirty="0" smtClean="0"/>
-              <a:t> </a:t>
-            </a:r>
-            <a:r>
-              <a:rPr lang="en-US" baseline="0" dirty="0" err="1" smtClean="0"/>
-              <a:t>ist</a:t>
-            </a:r>
-            <a:r>
-              <a:rPr lang="en-US" baseline="0" dirty="0" smtClean="0"/>
-              <a:t> den </a:t>
-            </a:r>
-            <a:r>
-              <a:rPr lang="en-US" baseline="0" dirty="0" err="1" smtClean="0"/>
-              <a:t>Prozess</a:t>
-            </a:r>
-            <a:r>
-              <a:rPr lang="en-US" baseline="0" dirty="0" smtClean="0"/>
-              <a:t> und die </a:t>
-            </a:r>
-            <a:r>
-              <a:rPr lang="en-US" baseline="0" dirty="0" err="1" smtClean="0"/>
-              <a:t>Schritte</a:t>
-            </a:r>
-            <a:r>
-              <a:rPr lang="en-US" baseline="0" dirty="0" smtClean="0"/>
-              <a:t> </a:t>
-            </a:r>
-            <a:r>
-              <a:rPr lang="en-US" baseline="0" dirty="0" err="1" smtClean="0"/>
-              <a:t>zu</a:t>
-            </a:r>
-            <a:r>
-              <a:rPr lang="en-US" baseline="0" dirty="0" smtClean="0"/>
-              <a:t> </a:t>
-            </a:r>
-            <a:r>
-              <a:rPr lang="en-US" baseline="0" dirty="0" err="1" smtClean="0"/>
-              <a:t>identifizieren</a:t>
-            </a:r>
-            <a:r>
-              <a:rPr lang="en-US" baseline="0" dirty="0" smtClean="0"/>
-              <a:t>.</a:t>
-            </a:r>
-          </a:p>
-          <a:p>
-            <a:pPr marL="342900" indent="-342900"/>
-            <a:r>
-              <a:rPr lang="en-US" baseline="0" dirty="0" err="1" smtClean="0"/>
-              <a:t>Mit</a:t>
-            </a:r>
-            <a:r>
-              <a:rPr lang="en-US" baseline="0" dirty="0" smtClean="0"/>
-              <a:t> Legacy </a:t>
-            </a:r>
-            <a:r>
-              <a:rPr lang="en-US" baseline="0" dirty="0" err="1" smtClean="0"/>
-              <a:t>Systemen</a:t>
-            </a:r>
-            <a:r>
-              <a:rPr lang="en-US" baseline="0" dirty="0" smtClean="0"/>
-              <a:t> </a:t>
-            </a:r>
-            <a:r>
-              <a:rPr lang="en-US" baseline="0" dirty="0" err="1" smtClean="0"/>
-              <a:t>ein</a:t>
-            </a:r>
-            <a:r>
-              <a:rPr lang="en-US" baseline="0" dirty="0" smtClean="0"/>
-              <a:t> </a:t>
-            </a:r>
-            <a:r>
-              <a:rPr lang="en-US" baseline="0" dirty="0" err="1" smtClean="0"/>
-              <a:t>Prozessmanager</a:t>
-            </a:r>
-            <a:r>
-              <a:rPr lang="en-US" baseline="0" dirty="0" smtClean="0"/>
-              <a:t> </a:t>
-            </a:r>
-            <a:r>
-              <a:rPr lang="en-US" baseline="0" dirty="0" err="1" smtClean="0"/>
-              <a:t>für</a:t>
-            </a:r>
-            <a:r>
-              <a:rPr lang="en-US" baseline="0" dirty="0" smtClean="0"/>
-              <a:t> den Flow, </a:t>
-            </a:r>
-            <a:r>
-              <a:rPr lang="en-US" baseline="0" dirty="0" err="1" smtClean="0"/>
-              <a:t>ein</a:t>
-            </a:r>
-            <a:r>
-              <a:rPr lang="en-US" baseline="0" dirty="0" smtClean="0"/>
-              <a:t> Adapter </a:t>
-            </a:r>
-            <a:r>
-              <a:rPr lang="en-US" baseline="0" dirty="0" err="1" smtClean="0"/>
-              <a:t>für</a:t>
-            </a:r>
-            <a:r>
-              <a:rPr lang="en-US" baseline="0" dirty="0" smtClean="0"/>
-              <a:t> die Integration</a:t>
+              <a:t>When you integrate with Legacy Systems you usually have one process manager for the overall flow and one adapter for each integration point</a:t>
             </a:r>
             <a:endParaRPr lang="en-US" dirty="0" smtClean="0"/>
           </a:p>

--- a/SagaMasterClass.pptx
+++ b/SagaMasterClass.pptx
@@ -336,11 +336,7 @@
     <p:extLst/>
   </p:cmAuthor>
   <p:cmAuthor id="13" name="andreas.ohlund" initials="a" lastIdx="5" clrIdx="12">
-    <p:extLst>
-      <p:ext uri="{19B8F6BF-5375-455C-9EA6-DF929625EA0E}">
-        <p15:presenceInfo xmlns:p15="http://schemas.microsoft.com/office/powerpoint/2012/main" userId="andreas.ohlund" providerId="None"/>
-      </p:ext>
-    </p:extLst>
+    <p:extLst/>
   </p:cmAuthor>
 </p:cmAuthorLst>
 </file>
@@ -367,81 +363,6 @@
     <p:extLst>
       <p:ext uri="{C676402C-5697-4E1C-873F-D02D1690AC5C}">
         <p15:threadingInfo xmlns:p15="http://schemas.microsoft.com/office/powerpoint/2012/main" timeZoneBias="360"/>
-      </p:ext>
-    </p:extLst>
-  </p:cm>
-</p:cmLst>
-</file>
-
-<file path=ppt/comments/comment3.xml><?xml version="1.0" encoding="utf-8"?>
-<p:cmLst xmlns:a="http://schemas.openxmlformats.org/drawingml/2006/main" xmlns:r="http://schemas.openxmlformats.org/officeDocument/2006/relationships" xmlns:p="http://schemas.openxmlformats.org/presentationml/2006/main">
-  <p:cm authorId="10" dt="2015-11-28T22:20:12.652" idx="1">
-    <p:pos x="3456" y="2803"/>
-    <p:text>You mean the running total is only valid for 20 seconds? That could be quick to test.</p:text>
-    <p:extLst>
-      <p:ext uri="{C676402C-5697-4E1C-873F-D02D1690AC5C}">
-        <p15:threadingInfo xmlns:p15="http://schemas.microsoft.com/office/powerpoint/2012/main" timeZoneBias="360"/>
-      </p:ext>
-    </p:extLst>
-  </p:cm>
-  <p:cm authorId="13" dt="2015-11-30T10:08:36.430" idx="3">
-    <p:pos x="3456" y="2939"/>
-    <p:text>reworded</p:text>
-    <p:extLst>
-      <p:ext uri="{C676402C-5697-4E1C-873F-D02D1690AC5C}">
-        <p15:threadingInfo xmlns:p15="http://schemas.microsoft.com/office/powerpoint/2012/main" timeZoneBias="-60">
-          <p15:parentCm authorId="10" idx="1"/>
-        </p15:threadingInfo>
-      </p:ext>
-    </p:extLst>
-  </p:cm>
-</p:cmLst>
-</file>
-
-<file path=ppt/comments/comment4.xml><?xml version="1.0" encoding="utf-8"?>
-<p:cmLst xmlns:a="http://schemas.openxmlformats.org/drawingml/2006/main" xmlns:r="http://schemas.openxmlformats.org/officeDocument/2006/relationships" xmlns:p="http://schemas.openxmlformats.org/presentationml/2006/main">
-  <p:cm authorId="11" dt="2015-11-28T22:20:58.104" idx="1">
-    <p:pos x="10" y="10"/>
-    <p:text>Code missing</p:text>
-    <p:extLst>
-      <p:ext uri="{C676402C-5697-4E1C-873F-D02D1690AC5C}">
-        <p15:threadingInfo xmlns:p15="http://schemas.microsoft.com/office/powerpoint/2012/main" timeZoneBias="360"/>
-      </p:ext>
-    </p:extLst>
-  </p:cm>
-  <p:cm authorId="13" dt="2015-11-30T10:13:54.682" idx="4">
-    <p:pos x="10" y="146"/>
-    <p:text>Code added</p:text>
-    <p:extLst>
-      <p:ext uri="{C676402C-5697-4E1C-873F-D02D1690AC5C}">
-        <p15:threadingInfo xmlns:p15="http://schemas.microsoft.com/office/powerpoint/2012/main" timeZoneBias="-60">
-          <p15:parentCm authorId="11" idx="1"/>
-        </p15:threadingInfo>
-      </p:ext>
-    </p:extLst>
-  </p:cm>
-</p:cmLst>
-</file>
-
-<file path=ppt/comments/comment5.xml><?xml version="1.0" encoding="utf-8"?>
-<p:cmLst xmlns:a="http://schemas.openxmlformats.org/drawingml/2006/main" xmlns:r="http://schemas.openxmlformats.org/officeDocument/2006/relationships" xmlns:p="http://schemas.openxmlformats.org/presentationml/2006/main">
-  <p:cm authorId="12" dt="2015-11-28T22:24:07.803" idx="1">
-    <p:pos x="10" y="10"/>
-    <p:text>Buyers Remorse Exercise still TBD</p:text>
-    <p:extLst>
-      <p:ext uri="{C676402C-5697-4E1C-873F-D02D1690AC5C}">
-        <p15:threadingInfo xmlns:p15="http://schemas.microsoft.com/office/powerpoint/2012/main" timeZoneBias="360"/>
-      </p:ext>
-    </p:extLst>
-  </p:cm>
-  <p:cm authorId="13" dt="2015-11-30T10:16:00.231" idx="5">
-    <p:pos x="10" y="146"/>
-    <p:text>Added instructions, no code yet. Not sure we need it</p:text>
-    <p:extLst>
-      <p:ext uri="{C676402C-5697-4E1C-873F-D02D1690AC5C}">
-        <p15:threadingInfo xmlns:p15="http://schemas.microsoft.com/office/powerpoint/2012/main" timeZoneBias="-60">
-          <p15:parentCm authorId="12" idx="1"/>
-        </p15:threadingInfo>
       </p:ext>
     </p:extLst>
   </p:cm>
@@ -17472,17 +17393,8 @@
             <a:pPr lvl="1"/>
             <a:r>
               <a:rPr lang="en-GB" dirty="0" smtClean="0"/>
-              <a:t>Consider </a:t>
-            </a:r>
-            <a:r>
-              <a:rPr lang="en-GB" dirty="0" smtClean="0"/>
-              <a:t>using a row version property to avoid the above </a:t>
-            </a:r>
-            <a:r>
-              <a:rPr lang="en-GB" dirty="0" smtClean="0"/>
-              <a:t>issues</a:t>
-            </a:r>
-            <a:endParaRPr lang="en-GB" dirty="0" smtClean="0"/>
+              <a:t>Consider using a row version property to avoid the above issues</a:t>
+            </a:r>
           </a:p>
           <a:p>
             <a:pPr marL="914400" lvl="2" indent="0">
@@ -17512,11 +17424,7 @@
             </a:r>
             <a:r>
               <a:rPr lang="en-GB" dirty="0" smtClean="0"/>
-              <a:t> Version{ get; set; </a:t>
-            </a:r>
-            <a:r>
-              <a:rPr lang="en-GB" dirty="0" smtClean="0"/>
-              <a:t>} </a:t>
+              <a:t> Version{ get; set; } </a:t>
             </a:r>
           </a:p>
           <a:p>
@@ -37137,11 +37045,11 @@
   <p:clrMapOvr>
     <a:masterClrMapping/>
   </p:clrMapOvr>
-  <mc:AlternateContent xmlns:mc="http://schemas.openxmlformats.org/markup-compatibility/2006" xmlns:p14="http://schemas.microsoft.com/office/powerpoint/2010/main">
-    <mc:Choice Requires="p14">
+  <mc:AlternateContent xmlns:mc="http://schemas.openxmlformats.org/markup-compatibility/2006">
+    <mc:Choice xmlns:p14="http://schemas.microsoft.com/office/powerpoint/2010/main" Requires="p14">
       <p:transition spd="slow" p14:dur="2000"/>
     </mc:Choice>
-    <mc:Fallback xmlns="">
+    <mc:Fallback>
       <p:transition spd="slow"/>
     </mc:Fallback>
   </mc:AlternateContent>
@@ -37315,11 +37223,11 @@
   <p:clrMapOvr>
     <a:masterClrMapping/>
   </p:clrMapOvr>
-  <mc:AlternateContent xmlns:mc="http://schemas.openxmlformats.org/markup-compatibility/2006" xmlns:p14="http://schemas.microsoft.com/office/powerpoint/2010/main">
-    <mc:Choice Requires="p14">
+  <mc:AlternateContent xmlns:mc="http://schemas.openxmlformats.org/markup-compatibility/2006">
+    <mc:Choice xmlns:p14="http://schemas.microsoft.com/office/powerpoint/2010/main" Requires="p14">
       <p:transition spd="slow" p14:dur="2000"/>
     </mc:Choice>
-    <mc:Fallback xmlns="">
+    <mc:Fallback>
       <p:transition spd="slow"/>
     </mc:Fallback>
   </mc:AlternateContent>
@@ -37682,11 +37590,11 @@
   <p:clrMapOvr>
     <a:masterClrMapping/>
   </p:clrMapOvr>
-  <mc:AlternateContent xmlns:mc="http://schemas.openxmlformats.org/markup-compatibility/2006" xmlns:p14="http://schemas.microsoft.com/office/powerpoint/2010/main">
-    <mc:Choice Requires="p14">
+  <mc:AlternateContent xmlns:mc="http://schemas.openxmlformats.org/markup-compatibility/2006">
+    <mc:Choice xmlns:p14="http://schemas.microsoft.com/office/powerpoint/2010/main" Requires="p14">
       <p:transition spd="slow" p14:dur="2000"/>
     </mc:Choice>
-    <mc:Fallback xmlns="">
+    <mc:Fallback>
       <p:transition spd="slow"/>
     </mc:Fallback>
   </mc:AlternateContent>
@@ -37854,11 +37762,11 @@
   <p:clrMapOvr>
     <a:masterClrMapping/>
   </p:clrMapOvr>
-  <mc:AlternateContent xmlns:mc="http://schemas.openxmlformats.org/markup-compatibility/2006" xmlns:p14="http://schemas.microsoft.com/office/powerpoint/2010/main">
-    <mc:Choice Requires="p14">
+  <mc:AlternateContent xmlns:mc="http://schemas.openxmlformats.org/markup-compatibility/2006">
+    <mc:Choice xmlns:p14="http://schemas.microsoft.com/office/powerpoint/2010/main" Requires="p14">
       <p:transition spd="slow" p14:dur="2000"/>
     </mc:Choice>
-    <mc:Fallback xmlns="">
+    <mc:Fallback>
       <p:transition spd="slow"/>
     </mc:Fallback>
   </mc:AlternateContent>
@@ -41314,21 +41222,28 @@
               <a:t>	WHERE </a:t>
             </a:r>
             <a:r>
+              <a:rPr lang="sv-SE" dirty="0" err="1">
+                <a:latin typeface="Consolas" panose="020B0609020204030204" pitchFamily="49" charset="0"/>
+                <a:cs typeface="Consolas" panose="020B0609020204030204" pitchFamily="49" charset="0"/>
+              </a:rPr>
+              <a:t>parsed.StringValue</a:t>
+            </a:r>
+            <a:r>
               <a:rPr lang="sv-SE" dirty="0">
                 <a:latin typeface="Consolas" panose="020B0609020204030204" pitchFamily="49" charset="0"/>
                 <a:cs typeface="Consolas" panose="020B0609020204030204" pitchFamily="49" charset="0"/>
               </a:rPr>
-              <a:t>parsed.StringValue </a:t>
+              <a:t> </a:t>
             </a:r>
             <a:r>
               <a:rPr lang="sv-SE" dirty="0" smtClean="0">
                 <a:latin typeface="Consolas" panose="020B0609020204030204" pitchFamily="49" charset="0"/>
                 <a:cs typeface="Consolas" panose="020B0609020204030204" pitchFamily="49" charset="0"/>
               </a:rPr>
-              <a:t>LIKE’%</a:t>
-            </a:r>
-            <a:r>
-              <a:rPr lang="sv-SE" b="1" dirty="0" smtClean="0">
+              <a:t>LIKE '%</a:t>
+            </a:r>
+            <a:r>
+              <a:rPr lang="sv-SE" b="1" dirty="0" err="1" smtClean="0">
                 <a:latin typeface="Consolas" panose="020B0609020204030204" pitchFamily="49" charset="0"/>
                 <a:cs typeface="Consolas" panose="020B0609020204030204" pitchFamily="49" charset="0"/>
               </a:rPr>
@@ -44910,24 +44825,37 @@
           <a:p>
             <a:r>
               <a:rPr lang="en-GB" dirty="0" smtClean="0"/>
-              <a:t>Emit a `</a:t>
-            </a:r>
-            <a:r>
-              <a:rPr lang="en-GB" dirty="0" err="1" smtClean="0"/>
+              <a:t>Emit a </a:t>
+            </a:r>
+            <a:r>
+              <a:rPr lang="en-GB" dirty="0" err="1" smtClean="0">
+                <a:latin typeface="Consolas" charset="0"/>
+                <a:ea typeface="Consolas" charset="0"/>
+                <a:cs typeface="Consolas" charset="0"/>
+              </a:rPr>
               <a:t>OrderAccepted</a:t>
             </a:r>
             <a:r>
               <a:rPr lang="en-GB" dirty="0" smtClean="0"/>
-              <a:t>` event in addition to `</a:t>
-            </a:r>
-            <a:r>
-              <a:rPr lang="en-GB" dirty="0" err="1" smtClean="0"/>
+              <a:t> </a:t>
+            </a:r>
+            <a:r>
+              <a:rPr lang="en-GB" dirty="0" smtClean="0"/>
+              <a:t>event in addition to </a:t>
+            </a:r>
+            <a:r>
+              <a:rPr lang="en-GB" dirty="0" err="1" smtClean="0">
+                <a:latin typeface="Consolas" charset="0"/>
+                <a:ea typeface="Consolas" charset="0"/>
+                <a:cs typeface="Consolas" charset="0"/>
+              </a:rPr>
               <a:t>OrderPlaced</a:t>
             </a:r>
-            <a:r>
-              <a:rPr lang="en-GB" dirty="0" smtClean="0"/>
-              <a:t>`</a:t>
-            </a:r>
+            <a:endParaRPr lang="en-GB" dirty="0" smtClean="0">
+              <a:latin typeface="Consolas" charset="0"/>
+              <a:ea typeface="Consolas" charset="0"/>
+              <a:cs typeface="Consolas" charset="0"/>
+            </a:endParaRPr>
           </a:p>
           <a:p>
             <a:r>

--- a/SagaMasterClass.pptx
+++ b/SagaMasterClass.pptx
@@ -841,8 +841,46 @@
           <a:p>
             <a:r>
               <a:rPr lang="sv-SE" dirty="0" smtClean="0"/>
-              <a:t>ActiveMq: Uses it’s own SLR mechanism</a:t>
-            </a:r>
+              <a:t>ActiveMq: Uses it’s own SLR </a:t>
+            </a:r>
+            <a:r>
+              <a:rPr lang="sv-SE" dirty="0" smtClean="0"/>
+              <a:t>mechanism</a:t>
+            </a:r>
+          </a:p>
+          <a:p>
+            <a:endParaRPr lang="en-GB" dirty="0" smtClean="0"/>
+          </a:p>
+          <a:p>
+            <a:r>
+              <a:rPr lang="en-GB" dirty="0" smtClean="0"/>
+              <a:t>Ask the users if they would like to go back and reconsider</a:t>
+            </a:r>
+            <a:r>
+              <a:rPr lang="en-GB" baseline="0" dirty="0" smtClean="0"/>
+              <a:t> what messages should really start a saga? (</a:t>
+            </a:r>
+            <a:r>
+              <a:rPr lang="en-GB" baseline="0" dirty="0" err="1" smtClean="0"/>
+              <a:t>eg</a:t>
+            </a:r>
+            <a:r>
+              <a:rPr lang="en-GB" baseline="0" dirty="0" smtClean="0"/>
+              <a:t>. </a:t>
+            </a:r>
+            <a:r>
+              <a:rPr lang="en-GB" baseline="0" dirty="0" err="1" smtClean="0"/>
+              <a:t>Startorder</a:t>
+            </a:r>
+            <a:r>
+              <a:rPr lang="en-GB" baseline="0" dirty="0" smtClean="0"/>
+              <a:t> could be in the error queue while place </a:t>
+            </a:r>
+            <a:r>
+              <a:rPr lang="en-GB" baseline="0" smtClean="0"/>
+              <a:t>order arrives)</a:t>
+            </a:r>
+            <a:endParaRPr lang="sv-SE" dirty="0" smtClean="0"/>
           </a:p>
           <a:p>
             <a:endParaRPr lang="sv-SE" dirty="0" smtClean="0"/>
@@ -935,31 +973,14 @@
           <a:p>
             <a:r>
               <a:rPr lang="en-GB" dirty="0" smtClean="0"/>
-              <a:t>You are exposed to concurrency when</a:t>
+              <a:t>We’re on</a:t>
             </a:r>
             <a:r>
               <a:rPr lang="en-GB" baseline="0" dirty="0" smtClean="0"/>
-              <a:t> </a:t>
-            </a:r>
-            <a:r>
-              <a:rPr lang="en-GB" dirty="0" smtClean="0"/>
-              <a:t>concurrency SETTINGS &gt;1 </a:t>
-            </a:r>
-          </a:p>
-          <a:p>
-            <a:endParaRPr lang="en-GB" dirty="0" smtClean="0"/>
-          </a:p>
-          <a:p>
-            <a:r>
-              <a:rPr lang="en-GB" dirty="0" smtClean="0"/>
-              <a:t>will the default in v6</a:t>
-            </a:r>
-          </a:p>
-          <a:p>
-            <a:pPr marL="0" indent="0">
-              <a:buFont typeface="Arial" panose="020B0604020202020204" pitchFamily="34" charset="0"/>
-              <a:buNone/>
-            </a:pPr>
+              <a:t> a transport + storage combo that supports MSDTC</a:t>
+            </a:r>
+          </a:p>
+          <a:p>
             <a:endParaRPr lang="sv-SE" dirty="0"/>
           </a:p>
         </p:txBody>
@@ -981,7 +1002,7 @@
           <a:p>
             <a:fld id="{D5BB19A3-B3B6-4398-9889-160C3A008821}" type="slidenum">
               <a:rPr lang="sv-SE" smtClean="0"/>
-              <a:t>24</a:t>
+              <a:t>23</a:t>
             </a:fld>
             <a:endParaRPr lang="sv-SE"/>
           </a:p>
@@ -990,7 +1011,7 @@
     </p:spTree>
     <p:extLst>
       <p:ext uri="{BB962C8B-B14F-4D97-AF65-F5344CB8AC3E}">
-        <p14:creationId xmlns:p14="http://schemas.microsoft.com/office/powerpoint/2010/main" val="3550659935"/>
+        <p14:creationId xmlns:p14="http://schemas.microsoft.com/office/powerpoint/2010/main" val="3588285247"/>
       </p:ext>
     </p:extLst>
   </p:cSld>
@@ -1046,12 +1067,31 @@
           <a:p>
             <a:r>
               <a:rPr lang="en-GB" dirty="0" smtClean="0"/>
-              <a:t>This is the exercise</a:t>
+              <a:t>You are exposed to concurrency when</a:t>
             </a:r>
             <a:r>
               <a:rPr lang="en-GB" baseline="0" dirty="0" smtClean="0"/>
-              <a:t> they just coded</a:t>
-            </a:r>
+              <a:t> </a:t>
+            </a:r>
+            <a:r>
+              <a:rPr lang="en-GB" dirty="0" smtClean="0"/>
+              <a:t>concurrency SETTINGS &gt;1 </a:t>
+            </a:r>
+          </a:p>
+          <a:p>
+            <a:endParaRPr lang="en-GB" dirty="0" smtClean="0"/>
+          </a:p>
+          <a:p>
+            <a:r>
+              <a:rPr lang="en-GB" dirty="0" smtClean="0"/>
+              <a:t>will the default in v6</a:t>
+            </a:r>
+          </a:p>
+          <a:p>
+            <a:pPr marL="0" indent="0">
+              <a:buFont typeface="Arial" panose="020B0604020202020204" pitchFamily="34" charset="0"/>
+              <a:buNone/>
+            </a:pPr>
             <a:endParaRPr lang="sv-SE" dirty="0"/>
           </a:p>
         </p:txBody>
@@ -1073,7 +1113,7 @@
           <a:p>
             <a:fld id="{D5BB19A3-B3B6-4398-9889-160C3A008821}" type="slidenum">
               <a:rPr lang="sv-SE" smtClean="0"/>
-              <a:t>25</a:t>
+              <a:t>24</a:t>
             </a:fld>
             <a:endParaRPr lang="sv-SE"/>
           </a:p>
@@ -1082,7 +1122,7 @@
     </p:spTree>
     <p:extLst>
       <p:ext uri="{BB962C8B-B14F-4D97-AF65-F5344CB8AC3E}">
-        <p14:creationId xmlns:p14="http://schemas.microsoft.com/office/powerpoint/2010/main" val="3704050602"/>
+        <p14:creationId xmlns:p14="http://schemas.microsoft.com/office/powerpoint/2010/main" val="3550659935"/>
       </p:ext>
     </p:extLst>
   </p:cSld>
@@ -1136,244 +1176,14 @@
           <a:bodyPr/>
           <a:lstStyle/>
           <a:p>
-            <a:pPr marL="0" marR="0" indent="0" algn="l" defTabSz="914400" rtl="0" eaLnBrk="1" fontAlgn="auto" latinLnBrk="0" hangingPunct="1">
-              <a:lnSpc>
-                <a:spcPct val="100000"/>
-              </a:lnSpc>
-              <a:spcBef>
-                <a:spcPts val="0"/>
-              </a:spcBef>
-              <a:spcAft>
-                <a:spcPts val="0"/>
-              </a:spcAft>
-              <a:buClrTx/>
-              <a:buSzTx/>
-              <a:buFontTx/>
-              <a:buNone/>
-              <a:tabLst/>
-              <a:defRPr/>
-            </a:pPr>
-            <a:r>
-              <a:rPr lang="en-US" dirty="0" smtClean="0"/>
-              <a:t>exec </a:t>
-            </a:r>
-            <a:r>
-              <a:rPr lang="en-US" dirty="0" err="1" smtClean="0"/>
-              <a:t>sp_executesql</a:t>
-            </a:r>
-            <a:r>
-              <a:rPr lang="en-US" dirty="0" smtClean="0"/>
-              <a:t> N'UPDATE </a:t>
-            </a:r>
-            <a:r>
-              <a:rPr lang="en-US" dirty="0" err="1" smtClean="0"/>
-              <a:t>ShippingPolicy</a:t>
-            </a:r>
-            <a:r>
-              <a:rPr lang="en-US" dirty="0" smtClean="0"/>
-              <a:t> SET Billed = @p0 </a:t>
-            </a:r>
-            <a:r>
-              <a:rPr lang="en-US" sz="1600" dirty="0" smtClean="0"/>
-              <a:t>WHERE</a:t>
-            </a:r>
-            <a:r>
-              <a:rPr lang="en-US" dirty="0" smtClean="0"/>
-              <a:t> Id = @p1 AND Originator = @p2 AND </a:t>
-            </a:r>
-            <a:r>
-              <a:rPr lang="en-US" dirty="0" err="1" smtClean="0"/>
-              <a:t>OriginalMessageId</a:t>
-            </a:r>
-            <a:r>
-              <a:rPr lang="en-US" dirty="0" smtClean="0"/>
-              <a:t> = @p3 AND </a:t>
-            </a:r>
-            <a:r>
-              <a:rPr lang="en-US" dirty="0" err="1" smtClean="0"/>
-              <a:t>OrderId</a:t>
-            </a:r>
-            <a:r>
-              <a:rPr lang="en-US" dirty="0" smtClean="0"/>
-              <a:t> = @p4 AND Placed = @p5 AND Billed = @p6',N'@p0 bit,@p1 uniqueidentifier,@p2 </a:t>
-            </a:r>
-            <a:r>
-              <a:rPr lang="en-US" dirty="0" err="1" smtClean="0"/>
-              <a:t>nvarchar</a:t>
-            </a:r>
-            <a:r>
-              <a:rPr lang="en-US" dirty="0" smtClean="0"/>
-              <a:t>(4000),@p3 </a:t>
-            </a:r>
-            <a:r>
-              <a:rPr lang="en-US" dirty="0" err="1" smtClean="0"/>
-              <a:t>nvarchar</a:t>
-            </a:r>
-            <a:r>
-              <a:rPr lang="en-US" dirty="0" smtClean="0"/>
-              <a:t>(4000),@p4 </a:t>
-            </a:r>
-            <a:r>
-              <a:rPr lang="en-US" dirty="0" err="1" smtClean="0"/>
-              <a:t>nvarchar</a:t>
-            </a:r>
-            <a:r>
-              <a:rPr lang="en-US" dirty="0" smtClean="0"/>
-              <a:t>(4000),@p5 bit,@p6 bit',@p0=1,@p1='870D112B-44D1-4206-A4DB-A55B015DA80A',@p2=N'Sales@ANDREAS2015',@p3=N'baf9b6bb-a0da-41b9-8a81-a55b015d7a05',@p4=N'a23a2438-3af6-4c0a-a108-7f8e72d12083',@p5=1,@p6=0</a:t>
-            </a:r>
-          </a:p>
-          <a:p>
-            <a:pPr marL="0" marR="0" indent="0" algn="l" defTabSz="914400" rtl="0" eaLnBrk="1" fontAlgn="auto" latinLnBrk="0" hangingPunct="1">
-              <a:lnSpc>
-                <a:spcPct val="100000"/>
-              </a:lnSpc>
-              <a:spcBef>
-                <a:spcPts val="0"/>
-              </a:spcBef>
-              <a:spcAft>
-                <a:spcPts val="0"/>
-              </a:spcAft>
-              <a:buClrTx/>
-              <a:buSzTx/>
-              <a:buFontTx/>
-              <a:buNone/>
-              <a:tabLst/>
-              <a:defRPr/>
-            </a:pPr>
-            <a:endParaRPr lang="en-US" dirty="0" smtClean="0"/>
-          </a:p>
-          <a:p>
-            <a:pPr marL="0" marR="0" indent="0" algn="l" defTabSz="914400" rtl="0" eaLnBrk="1" fontAlgn="auto" latinLnBrk="0" hangingPunct="1">
-              <a:lnSpc>
-                <a:spcPct val="100000"/>
-              </a:lnSpc>
-              <a:spcBef>
-                <a:spcPts val="0"/>
-              </a:spcBef>
-              <a:spcAft>
-                <a:spcPts val="0"/>
-              </a:spcAft>
-              <a:buClrTx/>
-              <a:buSzTx/>
-              <a:buFontTx/>
-              <a:buNone/>
-              <a:tabLst/>
-              <a:defRPr/>
-            </a:pPr>
-            <a:r>
-              <a:rPr lang="en-US" dirty="0" smtClean="0"/>
-              <a:t>After </a:t>
-            </a:r>
-            <a:r>
-              <a:rPr lang="en-US" dirty="0" err="1" smtClean="0"/>
-              <a:t>rowversion</a:t>
-            </a:r>
-            <a:r>
-              <a:rPr lang="en-US" dirty="0" smtClean="0"/>
-              <a:t> trick:</a:t>
-            </a:r>
-          </a:p>
-          <a:p>
-            <a:pPr marL="0" marR="0" indent="0" algn="l" defTabSz="914400" rtl="0" eaLnBrk="1" fontAlgn="auto" latinLnBrk="0" hangingPunct="1">
-              <a:lnSpc>
-                <a:spcPct val="100000"/>
-              </a:lnSpc>
-              <a:spcBef>
-                <a:spcPts val="0"/>
-              </a:spcBef>
-              <a:spcAft>
-                <a:spcPts val="0"/>
-              </a:spcAft>
-              <a:buClrTx/>
-              <a:buSzTx/>
-              <a:buFontTx/>
-              <a:buNone/>
-              <a:tabLst/>
-              <a:defRPr/>
-            </a:pPr>
-            <a:endParaRPr lang="en-US" dirty="0" smtClean="0"/>
-          </a:p>
-          <a:p>
-            <a:pPr marL="0" marR="0" indent="0" algn="l" defTabSz="914400" rtl="0" eaLnBrk="1" fontAlgn="auto" latinLnBrk="0" hangingPunct="1">
-              <a:lnSpc>
-                <a:spcPct val="100000"/>
-              </a:lnSpc>
-              <a:spcBef>
-                <a:spcPts val="0"/>
-              </a:spcBef>
-              <a:spcAft>
-                <a:spcPts val="0"/>
-              </a:spcAft>
-              <a:buClrTx/>
-              <a:buSzTx/>
-              <a:buFontTx/>
-              <a:buNone/>
-              <a:tabLst/>
-              <a:defRPr/>
-            </a:pPr>
-            <a:r>
-              <a:rPr lang="en-US" dirty="0" smtClean="0"/>
-              <a:t>exec </a:t>
-            </a:r>
-            <a:r>
-              <a:rPr lang="en-US" dirty="0" err="1" smtClean="0"/>
-              <a:t>sp_executesql</a:t>
-            </a:r>
-            <a:r>
-              <a:rPr lang="en-US" dirty="0" smtClean="0"/>
-              <a:t> N'UPDATE </a:t>
-            </a:r>
-            <a:r>
-              <a:rPr lang="en-US" dirty="0" err="1" smtClean="0"/>
-              <a:t>ShippingPolicy</a:t>
-            </a:r>
-            <a:r>
-              <a:rPr lang="en-US" dirty="0" smtClean="0"/>
-              <a:t> SET Version = @p0, </a:t>
-            </a:r>
-            <a:r>
-              <a:rPr lang="en-US" dirty="0" err="1" smtClean="0"/>
-              <a:t>OrderId</a:t>
-            </a:r>
-            <a:r>
-              <a:rPr lang="en-US" dirty="0" smtClean="0"/>
-              <a:t> = @p1, Placed = @p2, Billed = @p3, Originator = @p4, </a:t>
-            </a:r>
-            <a:r>
-              <a:rPr lang="en-US" dirty="0" err="1" smtClean="0"/>
-              <a:t>OriginalMessageId</a:t>
-            </a:r>
-            <a:r>
-              <a:rPr lang="en-US" dirty="0" smtClean="0"/>
-              <a:t> = @p5 WHERE Id = @p6 AND Version = @p7',N'@p0 int,@p1 </a:t>
-            </a:r>
-            <a:r>
-              <a:rPr lang="en-US" dirty="0" err="1" smtClean="0"/>
-              <a:t>nvarchar</a:t>
-            </a:r>
-            <a:r>
-              <a:rPr lang="en-US" dirty="0" smtClean="0"/>
-              <a:t>(4000),@p2 bit,@p3 bit,@p4 </a:t>
-            </a:r>
-            <a:r>
-              <a:rPr lang="en-US" dirty="0" err="1" smtClean="0"/>
-              <a:t>nvarchar</a:t>
-            </a:r>
-            <a:r>
-              <a:rPr lang="en-US" dirty="0" smtClean="0"/>
-              <a:t>(4000),@p5 </a:t>
-            </a:r>
-            <a:r>
-              <a:rPr lang="en-US" dirty="0" err="1" smtClean="0"/>
-              <a:t>nvarchar</a:t>
-            </a:r>
-            <a:r>
-              <a:rPr lang="en-US" dirty="0" smtClean="0"/>
-              <a:t>(4000),@p6 uniqueidentifier,@p7 int',@p0=2,@p1=N'86427be3-59a5-453d-9c75-aab2a4b466be',@p2=1,@p3=1,@p4=N'Sales@ANDREAS2015',@p5=N'b5e51adb-9d18-40b9-bcea-a55c01356c38',@p6='3FAD8522-46EE-4C0E-B18D-A55C01356DA4',@p7=1</a:t>
-            </a:r>
-            <a:endParaRPr lang="en-GB" dirty="0" smtClean="0"/>
-          </a:p>
-          <a:p>
+            <a:r>
+              <a:rPr lang="en-GB" dirty="0" smtClean="0"/>
+              <a:t>This is the exercise</a:t>
+            </a:r>
+            <a:r>
+              <a:rPr lang="en-GB" baseline="0" dirty="0" smtClean="0"/>
+              <a:t> they just coded</a:t>
+            </a:r>
             <a:endParaRPr lang="sv-SE" dirty="0"/>
           </a:p>
         </p:txBody>
@@ -1395,7 +1205,7 @@
           <a:p>
             <a:fld id="{D5BB19A3-B3B6-4398-9889-160C3A008821}" type="slidenum">
               <a:rPr lang="sv-SE" smtClean="0"/>
-              <a:t>26</a:t>
+              <a:t>25</a:t>
             </a:fld>
             <a:endParaRPr lang="sv-SE"/>
           </a:p>
@@ -1404,7 +1214,7 @@
     </p:spTree>
     <p:extLst>
       <p:ext uri="{BB962C8B-B14F-4D97-AF65-F5344CB8AC3E}">
-        <p14:creationId xmlns:p14="http://schemas.microsoft.com/office/powerpoint/2010/main" val="3287629598"/>
+        <p14:creationId xmlns:p14="http://schemas.microsoft.com/office/powerpoint/2010/main" val="3704050602"/>
       </p:ext>
     </p:extLst>
   </p:cSld>
@@ -1485,23 +1295,23 @@
             </a:r>
             <a:r>
               <a:rPr lang="en-US" dirty="0" smtClean="0"/>
-              <a:t> N'SELECT </a:t>
+              <a:t> N'UPDATE </a:t>
             </a:r>
             <a:r>
               <a:rPr lang="en-US" dirty="0" err="1" smtClean="0"/>
-              <a:t>this_.Id</a:t>
+              <a:t>ShippingPolicy</a:t>
             </a:r>
             <a:r>
               <a:rPr lang="en-US" dirty="0" smtClean="0"/>
-              <a:t> as Id0_0_, </a:t>
-            </a:r>
-            <a:r>
-              <a:rPr lang="en-US" dirty="0" err="1" smtClean="0"/>
-              <a:t>this_.Originator</a:t>
+              <a:t> SET Billed = @p0 </a:t>
+            </a:r>
+            <a:r>
+              <a:rPr lang="en-US" sz="1600" dirty="0" smtClean="0"/>
+              <a:t>WHERE</a:t>
             </a:r>
             <a:r>
               <a:rPr lang="en-US" dirty="0" smtClean="0"/>
-              <a:t> as Originator0_0_, this_.</a:t>
+              <a:t> Id = @p1 AND Originator = @p2 AND </a:t>
             </a:r>
             <a:r>
               <a:rPr lang="en-US" dirty="0" err="1" smtClean="0"/>
@@ -1509,7 +1319,7 @@
             </a:r>
             <a:r>
               <a:rPr lang="en-US" dirty="0" smtClean="0"/>
-              <a:t> as Original3_0_0_, this_.</a:t>
+              <a:t> = @p3 AND </a:t>
             </a:r>
             <a:r>
               <a:rPr lang="en-US" dirty="0" err="1" smtClean="0"/>
@@ -1517,39 +1327,141 @@
             </a:r>
             <a:r>
               <a:rPr lang="en-US" dirty="0" smtClean="0"/>
-              <a:t> as OrderId1_0_, this_.</a:t>
+              <a:t> = @p4 AND Placed = @p5 AND Billed = @p6',N'@p0 bit,@p1 uniqueidentifier,@p2 </a:t>
             </a:r>
             <a:r>
               <a:rPr lang="en-US" dirty="0" err="1" smtClean="0"/>
-              <a:t>SentToFedex</a:t>
+              <a:t>nvarchar</a:t>
             </a:r>
             <a:r>
               <a:rPr lang="en-US" dirty="0" smtClean="0"/>
-              <a:t> as SentToFe2_1_0_ FROM </a:t>
+              <a:t>(4000),@p3 </a:t>
             </a:r>
             <a:r>
               <a:rPr lang="en-US" dirty="0" err="1" smtClean="0"/>
-              <a:t>ShipOrderPolicy</a:t>
+              <a:t>nvarchar</a:t>
             </a:r>
             <a:r>
               <a:rPr lang="en-US" dirty="0" smtClean="0"/>
-              <a:t> this_ </a:t>
-            </a:r>
-            <a:r>
-              <a:rPr lang="en-US" sz="3600" dirty="0" smtClean="0"/>
-              <a:t>with (</a:t>
-            </a:r>
-            <a:r>
-              <a:rPr lang="en-US" sz="3600" dirty="0" err="1" smtClean="0"/>
-              <a:t>updlock</a:t>
-            </a:r>
-            <a:r>
-              <a:rPr lang="en-US" sz="3600" dirty="0" smtClean="0"/>
-              <a:t>, rowlock) </a:t>
+              <a:t>(4000),@p4 </a:t>
+            </a:r>
+            <a:r>
+              <a:rPr lang="en-US" dirty="0" err="1" smtClean="0"/>
+              <a:t>nvarchar</a:t>
             </a:r>
             <a:r>
               <a:rPr lang="en-US" dirty="0" smtClean="0"/>
-              <a:t>WHERE this_.</a:t>
+              <a:t>(4000),@p5 bit,@p6 bit',@p0=1,@p1='870D112B-44D1-4206-A4DB-A55B015DA80A',@p2=N'Sales@ANDREAS2015',@p3=N'baf9b6bb-a0da-41b9-8a81-a55b015d7a05',@p4=N'a23a2438-3af6-4c0a-a108-7f8e72d12083',@p5=1,@p6=0</a:t>
+            </a:r>
+          </a:p>
+          <a:p>
+            <a:pPr marL="0" marR="0" indent="0" algn="l" defTabSz="914400" rtl="0" eaLnBrk="1" fontAlgn="auto" latinLnBrk="0" hangingPunct="1">
+              <a:lnSpc>
+                <a:spcPct val="100000"/>
+              </a:lnSpc>
+              <a:spcBef>
+                <a:spcPts val="0"/>
+              </a:spcBef>
+              <a:spcAft>
+                <a:spcPts val="0"/>
+              </a:spcAft>
+              <a:buClrTx/>
+              <a:buSzTx/>
+              <a:buFontTx/>
+              <a:buNone/>
+              <a:tabLst/>
+              <a:defRPr/>
+            </a:pPr>
+            <a:endParaRPr lang="en-US" dirty="0" smtClean="0"/>
+          </a:p>
+          <a:p>
+            <a:pPr marL="0" marR="0" indent="0" algn="l" defTabSz="914400" rtl="0" eaLnBrk="1" fontAlgn="auto" latinLnBrk="0" hangingPunct="1">
+              <a:lnSpc>
+                <a:spcPct val="100000"/>
+              </a:lnSpc>
+              <a:spcBef>
+                <a:spcPts val="0"/>
+              </a:spcBef>
+              <a:spcAft>
+                <a:spcPts val="0"/>
+              </a:spcAft>
+              <a:buClrTx/>
+              <a:buSzTx/>
+              <a:buFontTx/>
+              <a:buNone/>
+              <a:tabLst/>
+              <a:defRPr/>
+            </a:pPr>
+            <a:r>
+              <a:rPr lang="en-US" dirty="0" smtClean="0"/>
+              <a:t>After </a:t>
+            </a:r>
+            <a:r>
+              <a:rPr lang="en-US" dirty="0" err="1" smtClean="0"/>
+              <a:t>rowversion</a:t>
+            </a:r>
+            <a:r>
+              <a:rPr lang="en-US" dirty="0" smtClean="0"/>
+              <a:t> trick:</a:t>
+            </a:r>
+          </a:p>
+          <a:p>
+            <a:pPr marL="0" marR="0" indent="0" algn="l" defTabSz="914400" rtl="0" eaLnBrk="1" fontAlgn="auto" latinLnBrk="0" hangingPunct="1">
+              <a:lnSpc>
+                <a:spcPct val="100000"/>
+              </a:lnSpc>
+              <a:spcBef>
+                <a:spcPts val="0"/>
+              </a:spcBef>
+              <a:spcAft>
+                <a:spcPts val="0"/>
+              </a:spcAft>
+              <a:buClrTx/>
+              <a:buSzTx/>
+              <a:buFontTx/>
+              <a:buNone/>
+              <a:tabLst/>
+              <a:defRPr/>
+            </a:pPr>
+            <a:endParaRPr lang="en-US" dirty="0" smtClean="0"/>
+          </a:p>
+          <a:p>
+            <a:pPr marL="0" marR="0" indent="0" algn="l" defTabSz="914400" rtl="0" eaLnBrk="1" fontAlgn="auto" latinLnBrk="0" hangingPunct="1">
+              <a:lnSpc>
+                <a:spcPct val="100000"/>
+              </a:lnSpc>
+              <a:spcBef>
+                <a:spcPts val="0"/>
+              </a:spcBef>
+              <a:spcAft>
+                <a:spcPts val="0"/>
+              </a:spcAft>
+              <a:buClrTx/>
+              <a:buSzTx/>
+              <a:buFontTx/>
+              <a:buNone/>
+              <a:tabLst/>
+              <a:defRPr/>
+            </a:pPr>
+            <a:r>
+              <a:rPr lang="en-US" dirty="0" smtClean="0"/>
+              <a:t>exec </a:t>
+            </a:r>
+            <a:r>
+              <a:rPr lang="en-US" dirty="0" err="1" smtClean="0"/>
+              <a:t>sp_executesql</a:t>
+            </a:r>
+            <a:r>
+              <a:rPr lang="en-US" dirty="0" smtClean="0"/>
+              <a:t> N'UPDATE </a:t>
+            </a:r>
+            <a:r>
+              <a:rPr lang="en-US" dirty="0" err="1" smtClean="0"/>
+              <a:t>ShippingPolicy</a:t>
+            </a:r>
+            <a:r>
+              <a:rPr lang="en-US" dirty="0" smtClean="0"/>
+              <a:t> SET Version = @p0, </a:t>
             </a:r>
             <a:r>
               <a:rPr lang="en-US" dirty="0" err="1" smtClean="0"/>
@@ -1557,7 +1469,15 @@
             </a:r>
             <a:r>
               <a:rPr lang="en-US" dirty="0" smtClean="0"/>
-              <a:t> = @p0',N'@p0 </a:t>
+              <a:t> = @p1, Placed = @p2, Billed = @p3, Originator = @p4, </a:t>
+            </a:r>
+            <a:r>
+              <a:rPr lang="en-US" dirty="0" err="1" smtClean="0"/>
+              <a:t>OriginalMessageId</a:t>
+            </a:r>
+            <a:r>
+              <a:rPr lang="en-US" dirty="0" smtClean="0"/>
+              <a:t> = @p5 WHERE Id = @p6 AND Version = @p7',N'@p0 int,@p1 </a:t>
             </a:r>
             <a:r>
               <a:rPr lang="en-US" dirty="0" err="1" smtClean="0"/>
@@ -1565,9 +1485,25 @@
             </a:r>
             <a:r>
               <a:rPr lang="en-US" dirty="0" smtClean="0"/>
-              <a:t>(4000)',@p0=N'ac9598f9-79cc-4d1c-bea2-32d8b73675b4'</a:t>
-            </a:r>
-            <a:endParaRPr lang="sv-SE" dirty="0" smtClean="0"/>
+              <a:t>(4000),@p2 bit,@p3 bit,@p4 </a:t>
+            </a:r>
+            <a:r>
+              <a:rPr lang="en-US" dirty="0" err="1" smtClean="0"/>
+              <a:t>nvarchar</a:t>
+            </a:r>
+            <a:r>
+              <a:rPr lang="en-US" dirty="0" smtClean="0"/>
+              <a:t>(4000),@p5 </a:t>
+            </a:r>
+            <a:r>
+              <a:rPr lang="en-US" dirty="0" err="1" smtClean="0"/>
+              <a:t>nvarchar</a:t>
+            </a:r>
+            <a:r>
+              <a:rPr lang="en-US" dirty="0" smtClean="0"/>
+              <a:t>(4000),@p6 uniqueidentifier,@p7 int',@p0=2,@p1=N'86427be3-59a5-453d-9c75-aab2a4b466be',@p2=1,@p3=1,@p4=N'Sales@ANDREAS2015',@p5=N'b5e51adb-9d18-40b9-bcea-a55c01356c38',@p6='3FAD8522-46EE-4C0E-B18D-A55C01356DA4',@p7=1</a:t>
+            </a:r>
+            <a:endParaRPr lang="en-GB" dirty="0" smtClean="0"/>
           </a:p>
           <a:p>
             <a:endParaRPr lang="sv-SE" dirty="0"/>
@@ -1591,7 +1527,7 @@
           <a:p>
             <a:fld id="{D5BB19A3-B3B6-4398-9889-160C3A008821}" type="slidenum">
               <a:rPr lang="sv-SE" smtClean="0"/>
-              <a:t>28</a:t>
+              <a:t>26</a:t>
             </a:fld>
             <a:endParaRPr lang="sv-SE"/>
           </a:p>
@@ -1600,7 +1536,7 @@
     </p:spTree>
     <p:extLst>
       <p:ext uri="{BB962C8B-B14F-4D97-AF65-F5344CB8AC3E}">
-        <p14:creationId xmlns:p14="http://schemas.microsoft.com/office/powerpoint/2010/main" val="1433424628"/>
+        <p14:creationId xmlns:p14="http://schemas.microsoft.com/office/powerpoint/2010/main" val="3287629598"/>
       </p:ext>
     </p:extLst>
   </p:cSld>
@@ -1654,6 +1590,118 @@
           <a:bodyPr/>
           <a:lstStyle/>
           <a:p>
+            <a:pPr marL="0" marR="0" indent="0" algn="l" defTabSz="914400" rtl="0" eaLnBrk="1" fontAlgn="auto" latinLnBrk="0" hangingPunct="1">
+              <a:lnSpc>
+                <a:spcPct val="100000"/>
+              </a:lnSpc>
+              <a:spcBef>
+                <a:spcPts val="0"/>
+              </a:spcBef>
+              <a:spcAft>
+                <a:spcPts val="0"/>
+              </a:spcAft>
+              <a:buClrTx/>
+              <a:buSzTx/>
+              <a:buFontTx/>
+              <a:buNone/>
+              <a:tabLst/>
+              <a:defRPr/>
+            </a:pPr>
+            <a:r>
+              <a:rPr lang="en-US" dirty="0" smtClean="0"/>
+              <a:t>exec </a:t>
+            </a:r>
+            <a:r>
+              <a:rPr lang="en-US" dirty="0" err="1" smtClean="0"/>
+              <a:t>sp_executesql</a:t>
+            </a:r>
+            <a:r>
+              <a:rPr lang="en-US" dirty="0" smtClean="0"/>
+              <a:t> N'SELECT </a:t>
+            </a:r>
+            <a:r>
+              <a:rPr lang="en-US" dirty="0" err="1" smtClean="0"/>
+              <a:t>this_.Id</a:t>
+            </a:r>
+            <a:r>
+              <a:rPr lang="en-US" dirty="0" smtClean="0"/>
+              <a:t> as Id0_0_, </a:t>
+            </a:r>
+            <a:r>
+              <a:rPr lang="en-US" dirty="0" err="1" smtClean="0"/>
+              <a:t>this_.Originator</a:t>
+            </a:r>
+            <a:r>
+              <a:rPr lang="en-US" dirty="0" smtClean="0"/>
+              <a:t> as Originator0_0_, this_.</a:t>
+            </a:r>
+            <a:r>
+              <a:rPr lang="en-US" dirty="0" err="1" smtClean="0"/>
+              <a:t>OriginalMessageId</a:t>
+            </a:r>
+            <a:r>
+              <a:rPr lang="en-US" dirty="0" smtClean="0"/>
+              <a:t> as Original3_0_0_, this_.</a:t>
+            </a:r>
+            <a:r>
+              <a:rPr lang="en-US" dirty="0" err="1" smtClean="0"/>
+              <a:t>OrderId</a:t>
+            </a:r>
+            <a:r>
+              <a:rPr lang="en-US" dirty="0" smtClean="0"/>
+              <a:t> as OrderId1_0_, this_.</a:t>
+            </a:r>
+            <a:r>
+              <a:rPr lang="en-US" dirty="0" err="1" smtClean="0"/>
+              <a:t>SentToFedex</a:t>
+            </a:r>
+            <a:r>
+              <a:rPr lang="en-US" dirty="0" smtClean="0"/>
+              <a:t> as SentToFe2_1_0_ FROM </a:t>
+            </a:r>
+            <a:r>
+              <a:rPr lang="en-US" dirty="0" err="1" smtClean="0"/>
+              <a:t>ShipOrderPolicy</a:t>
+            </a:r>
+            <a:r>
+              <a:rPr lang="en-US" dirty="0" smtClean="0"/>
+              <a:t> this_ </a:t>
+            </a:r>
+            <a:r>
+              <a:rPr lang="en-US" sz="3600" dirty="0" smtClean="0"/>
+              <a:t>with (</a:t>
+            </a:r>
+            <a:r>
+              <a:rPr lang="en-US" sz="3600" dirty="0" err="1" smtClean="0"/>
+              <a:t>updlock</a:t>
+            </a:r>
+            <a:r>
+              <a:rPr lang="en-US" sz="3600" dirty="0" smtClean="0"/>
+              <a:t>, rowlock) </a:t>
+            </a:r>
+            <a:r>
+              <a:rPr lang="en-US" dirty="0" smtClean="0"/>
+              <a:t>WHERE this_.</a:t>
+            </a:r>
+            <a:r>
+              <a:rPr lang="en-US" dirty="0" err="1" smtClean="0"/>
+              <a:t>OrderId</a:t>
+            </a:r>
+            <a:r>
+              <a:rPr lang="en-US" dirty="0" smtClean="0"/>
+              <a:t> = @p0',N'@p0 </a:t>
+            </a:r>
+            <a:r>
+              <a:rPr lang="en-US" dirty="0" err="1" smtClean="0"/>
+              <a:t>nvarchar</a:t>
+            </a:r>
+            <a:r>
+              <a:rPr lang="en-US" dirty="0" smtClean="0"/>
+              <a:t>(4000)',@p0=N'ac9598f9-79cc-4d1c-bea2-32d8b73675b4'</a:t>
+            </a:r>
+            <a:endParaRPr lang="sv-SE" dirty="0" smtClean="0"/>
+          </a:p>
+          <a:p>
             <a:endParaRPr lang="sv-SE" dirty="0"/>
           </a:p>
         </p:txBody>
@@ -1675,7 +1723,7 @@
           <a:p>
             <a:fld id="{D5BB19A3-B3B6-4398-9889-160C3A008821}" type="slidenum">
               <a:rPr lang="sv-SE" smtClean="0"/>
-              <a:t>30</a:t>
+              <a:t>28</a:t>
             </a:fld>
             <a:endParaRPr lang="sv-SE"/>
           </a:p>
@@ -1684,7 +1732,7 @@
     </p:spTree>
     <p:extLst>
       <p:ext uri="{BB962C8B-B14F-4D97-AF65-F5344CB8AC3E}">
-        <p14:creationId xmlns:p14="http://schemas.microsoft.com/office/powerpoint/2010/main" val="2250360170"/>
+        <p14:creationId xmlns:p14="http://schemas.microsoft.com/office/powerpoint/2010/main" val="1433424628"/>
       </p:ext>
     </p:extLst>
   </p:cSld>
@@ -1738,15 +1786,7 @@
           <a:bodyPr/>
           <a:lstStyle/>
           <a:p>
-            <a:r>
-              <a:rPr lang="de-CH" dirty="0" smtClean="0"/>
-              <a:t>Wichtig: Saga</a:t>
-            </a:r>
-            <a:r>
-              <a:rPr lang="de-CH" baseline="0" dirty="0" smtClean="0"/>
-              <a:t> erhält Korrelationsschlüssel, jede Nachricht die von einer Saga weg geht beinhaltet diesen</a:t>
-            </a:r>
-            <a:endParaRPr lang="de-CH" dirty="0"/>
+            <a:endParaRPr lang="sv-SE" dirty="0"/>
           </a:p>
         </p:txBody>
       </p:sp>
@@ -1765,18 +1805,18 @@
           <a:bodyPr/>
           <a:lstStyle/>
           <a:p>
-            <a:fld id="{F4C83ACB-D749-4CD6-B969-202298D6FED6}" type="slidenum">
-              <a:rPr lang="de-CH" smtClean="0"/>
-              <a:t>32</a:t>
+            <a:fld id="{D5BB19A3-B3B6-4398-9889-160C3A008821}" type="slidenum">
+              <a:rPr lang="sv-SE" smtClean="0"/>
+              <a:t>30</a:t>
             </a:fld>
-            <a:endParaRPr lang="de-CH"/>
+            <a:endParaRPr lang="sv-SE"/>
           </a:p>
         </p:txBody>
       </p:sp>
     </p:spTree>
     <p:extLst>
       <p:ext uri="{BB962C8B-B14F-4D97-AF65-F5344CB8AC3E}">
-        <p14:creationId xmlns:p14="http://schemas.microsoft.com/office/powerpoint/2010/main" val="1553877967"/>
+        <p14:creationId xmlns:p14="http://schemas.microsoft.com/office/powerpoint/2010/main" val="2250360170"/>
       </p:ext>
     </p:extLst>
   </p:cSld>
@@ -1832,36 +1872,13 @@
           <a:p>
             <a:r>
               <a:rPr lang="de-CH" dirty="0" smtClean="0"/>
-              <a:t>Verarbeitun</a:t>
+              <a:t>Wichtig: Saga</a:t>
             </a:r>
             <a:r>
               <a:rPr lang="de-CH" baseline="0" dirty="0" smtClean="0"/>
-              <a:t>g kann auf mehreren Prozessen / Maschinen gleichzeitig erfolgen</a:t>
-            </a:r>
-          </a:p>
-          <a:p>
-            <a:r>
-              <a:rPr lang="de-CH" baseline="0" dirty="0" smtClean="0"/>
-              <a:t>Saga-Eindeutigkeit muss definiert werden, Infrastruktur handhabt dann das Rollback</a:t>
-            </a:r>
-          </a:p>
-          <a:p>
-            <a:r>
-              <a:rPr lang="de-CH" baseline="0" dirty="0" smtClean="0"/>
-              <a:t>Sonst läuft der Systemzustand aus dem Ruder!</a:t>
-            </a:r>
-          </a:p>
-          <a:p>
-            <a:endParaRPr lang="de-CH" baseline="0" dirty="0" smtClean="0"/>
-          </a:p>
-          <a:p>
-            <a:r>
-              <a:rPr lang="de-CH" baseline="0" dirty="0" smtClean="0"/>
-              <a:t>Schwierigkeit: Sagas zu modellieren (Einzelschritte etc.), Viel Kommunikation mit dem BA notwendig., auch für Legacysysteme geeignet</a:t>
-            </a:r>
-          </a:p>
-          <a:p>
-            <a:endParaRPr lang="de-CH" baseline="0" dirty="0" smtClean="0"/>
+              <a:t> erhält Korrelationsschlüssel, jede Nachricht die von einer Saga weg geht beinhaltet diesen</a:t>
+            </a:r>
+            <a:endParaRPr lang="de-CH" dirty="0"/>
           </a:p>
         </p:txBody>
       </p:sp>
@@ -1882,7 +1899,7 @@
           <a:p>
             <a:fld id="{F4C83ACB-D749-4CD6-B969-202298D6FED6}" type="slidenum">
               <a:rPr lang="de-CH" smtClean="0"/>
-              <a:t>33</a:t>
+              <a:t>32</a:t>
             </a:fld>
             <a:endParaRPr lang="de-CH"/>
           </a:p>
@@ -1891,7 +1908,7 @@
     </p:spTree>
     <p:extLst>
       <p:ext uri="{BB962C8B-B14F-4D97-AF65-F5344CB8AC3E}">
-        <p14:creationId xmlns:p14="http://schemas.microsoft.com/office/powerpoint/2010/main" val="1768624293"/>
+        <p14:creationId xmlns:p14="http://schemas.microsoft.com/office/powerpoint/2010/main" val="1553877967"/>
       </p:ext>
     </p:extLst>
   </p:cSld>
@@ -1947,31 +1964,36 @@
           <a:p>
             <a:r>
               <a:rPr lang="de-CH" dirty="0" smtClean="0"/>
-              <a:t>Important to note here is that the Timeout Data doesn’t have to be a message type. It can be any poco.</a:t>
-            </a:r>
-          </a:p>
-          <a:p>
-            <a:r>
-              <a:rPr lang="de-CH" dirty="0" smtClean="0"/>
-              <a:t>Why is there no virtual since the TM persister will serialize it to a </a:t>
-            </a:r>
-            <a:r>
-              <a:rPr lang="de-CH" dirty="0" err="1" smtClean="0"/>
-              <a:t>string</a:t>
-            </a:r>
-            <a:r>
-              <a:rPr lang="de-CH" dirty="0" smtClean="0"/>
-              <a:t> </a:t>
-            </a:r>
-            <a:r>
-              <a:rPr lang="de-CH" dirty="0" err="1" smtClean="0"/>
-              <a:t>format</a:t>
-            </a:r>
-            <a:r>
-              <a:rPr lang="de-CH" dirty="0" smtClean="0"/>
-              <a:t> (JSON)</a:t>
-            </a:r>
-            <a:endParaRPr lang="de-CH" dirty="0"/>
+              <a:t>Verarbeitun</a:t>
+            </a:r>
+            <a:r>
+              <a:rPr lang="de-CH" baseline="0" dirty="0" smtClean="0"/>
+              <a:t>g kann auf mehreren Prozessen / Maschinen gleichzeitig erfolgen</a:t>
+            </a:r>
+          </a:p>
+          <a:p>
+            <a:r>
+              <a:rPr lang="de-CH" baseline="0" dirty="0" smtClean="0"/>
+              <a:t>Saga-Eindeutigkeit muss definiert werden, Infrastruktur handhabt dann das Rollback</a:t>
+            </a:r>
+          </a:p>
+          <a:p>
+            <a:r>
+              <a:rPr lang="de-CH" baseline="0" dirty="0" smtClean="0"/>
+              <a:t>Sonst läuft der Systemzustand aus dem Ruder!</a:t>
+            </a:r>
+          </a:p>
+          <a:p>
+            <a:endParaRPr lang="de-CH" baseline="0" dirty="0" smtClean="0"/>
+          </a:p>
+          <a:p>
+            <a:r>
+              <a:rPr lang="de-CH" baseline="0" dirty="0" smtClean="0"/>
+              <a:t>Schwierigkeit: Sagas zu modellieren (Einzelschritte etc.), Viel Kommunikation mit dem BA notwendig., auch für Legacysysteme geeignet</a:t>
+            </a:r>
+          </a:p>
+          <a:p>
+            <a:endParaRPr lang="de-CH" baseline="0" dirty="0" smtClean="0"/>
           </a:p>
         </p:txBody>
       </p:sp>
@@ -1982,7 +2004,7 @@
             <a:spLocks noGrp="1"/>
           </p:cNvSpPr>
           <p:nvPr>
-            <p:ph type="sldNum" idx="10"/>
+            <p:ph type="sldNum" sz="quarter" idx="10"/>
           </p:nvPr>
         </p:nvSpPr>
         <p:spPr/>
@@ -1990,19 +2012,18 @@
           <a:bodyPr/>
           <a:lstStyle/>
           <a:p>
-            <a:fld id="{7ACA2796-6D5E-4AAD-9D66-AE6CE657D5C0}" type="slidenum">
-              <a:rPr lang="en-GB" smtClean="0"/>
-              <a:pPr/>
-              <a:t>37</a:t>
+            <a:fld id="{F4C83ACB-D749-4CD6-B969-202298D6FED6}" type="slidenum">
+              <a:rPr lang="de-CH" smtClean="0"/>
+              <a:t>33</a:t>
             </a:fld>
-            <a:endParaRPr lang="en-GB"/>
+            <a:endParaRPr lang="de-CH"/>
           </a:p>
         </p:txBody>
       </p:sp>
     </p:spTree>
     <p:extLst>
       <p:ext uri="{BB962C8B-B14F-4D97-AF65-F5344CB8AC3E}">
-        <p14:creationId xmlns:p14="http://schemas.microsoft.com/office/powerpoint/2010/main" val="3241142037"/>
+        <p14:creationId xmlns:p14="http://schemas.microsoft.com/office/powerpoint/2010/main" val="1768624293"/>
       </p:ext>
     </p:extLst>
   </p:cSld>
@@ -2053,30 +2074,36 @@
         </p:nvSpPr>
         <p:spPr/>
         <p:txBody>
-          <a:bodyPr>
-            <a:normAutofit/>
-          </a:bodyPr>
+          <a:bodyPr/>
           <a:lstStyle/>
           <a:p>
             <a:r>
-              <a:rPr lang="en-US" dirty="0" smtClean="0"/>
-              <a:t>Talk about </a:t>
-            </a:r>
-            <a:r>
-              <a:rPr lang="en-US" dirty="0" err="1" smtClean="0"/>
-              <a:t>idempotency</a:t>
-            </a:r>
-            <a:r>
-              <a:rPr lang="en-US" dirty="0" smtClean="0"/>
-              <a:t> so that duplicate calls due to retries will</a:t>
-            </a:r>
-            <a:r>
-              <a:rPr lang="en-US" baseline="0" dirty="0" smtClean="0"/>
-              <a:t> be OK – use of the message ID as a correlation ID in the web service</a:t>
-            </a:r>
-          </a:p>
-          <a:p>
-            <a:endParaRPr lang="en-US" dirty="0"/>
+              <a:rPr lang="de-CH" dirty="0" smtClean="0"/>
+              <a:t>Important to note here is that the Timeout Data doesn’t have to be a message type. It can be any poco.</a:t>
+            </a:r>
+          </a:p>
+          <a:p>
+            <a:r>
+              <a:rPr lang="de-CH" dirty="0" smtClean="0"/>
+              <a:t>Why is there no virtual since the TM persister will serialize it to a </a:t>
+            </a:r>
+            <a:r>
+              <a:rPr lang="de-CH" dirty="0" err="1" smtClean="0"/>
+              <a:t>string</a:t>
+            </a:r>
+            <a:r>
+              <a:rPr lang="de-CH" dirty="0" smtClean="0"/>
+              <a:t> </a:t>
+            </a:r>
+            <a:r>
+              <a:rPr lang="de-CH" dirty="0" err="1" smtClean="0"/>
+              <a:t>format</a:t>
+            </a:r>
+            <a:r>
+              <a:rPr lang="de-CH" dirty="0" smtClean="0"/>
+              <a:t> (JSON)</a:t>
+            </a:r>
+            <a:endParaRPr lang="de-CH" dirty="0"/>
           </a:p>
         </p:txBody>
       </p:sp>
@@ -2098,7 +2125,7 @@
             <a:fld id="{7ACA2796-6D5E-4AAD-9D66-AE6CE657D5C0}" type="slidenum">
               <a:rPr lang="en-GB" smtClean="0"/>
               <a:pPr/>
-              <a:t>41</a:t>
+              <a:t>37</a:t>
             </a:fld>
             <a:endParaRPr lang="en-GB"/>
           </a:p>
@@ -2107,7 +2134,7 @@
     </p:spTree>
     <p:extLst>
       <p:ext uri="{BB962C8B-B14F-4D97-AF65-F5344CB8AC3E}">
-        <p14:creationId xmlns:p14="http://schemas.microsoft.com/office/powerpoint/2010/main" val="2393542536"/>
+        <p14:creationId xmlns:p14="http://schemas.microsoft.com/office/powerpoint/2010/main" val="3241142037"/>
       </p:ext>
     </p:extLst>
   </p:cSld>
@@ -2167,7 +2194,28 @@
             </a:r>
             <a:r>
               <a:rPr lang="en-GB" baseline="0" dirty="0" smtClean="0"/>
-              <a:t> database guys from the 80’ies needed to break up long business process into shorter parts to avoid massive locking</a:t>
+              <a:t> database guys from the 80’ies needed to break up long business process into shorter parts to avoid massive </a:t>
+            </a:r>
+            <a:r>
+              <a:rPr lang="en-GB" baseline="0" dirty="0" smtClean="0"/>
+              <a:t>locking</a:t>
+            </a:r>
+          </a:p>
+          <a:p>
+            <a:endParaRPr lang="en-GB" baseline="0" dirty="0" smtClean="0"/>
+          </a:p>
+          <a:p>
+            <a:r>
+              <a:rPr lang="en-GB" baseline="0" dirty="0" smtClean="0"/>
+              <a:t>Yes there is some </a:t>
+            </a:r>
+            <a:r>
+              <a:rPr lang="en-GB" baseline="0" dirty="0" err="1" smtClean="0"/>
+              <a:t>debat</a:t>
+            </a:r>
+            <a:r>
+              <a:rPr lang="en-GB" baseline="0" dirty="0" smtClean="0"/>
+              <a:t> on what a saga really is, some call it process managers, we call it sagas</a:t>
             </a:r>
             <a:endParaRPr lang="sv-SE" dirty="0"/>
           </a:p>
@@ -2257,33 +2305,22 @@
           <a:p>
             <a:r>
               <a:rPr lang="en-US" dirty="0" smtClean="0"/>
-              <a:t>Fed Ex is our</a:t>
+              <a:t>Talk about </a:t>
+            </a:r>
+            <a:r>
+              <a:rPr lang="en-US" dirty="0" err="1" smtClean="0"/>
+              <a:t>idempotency</a:t>
+            </a:r>
+            <a:r>
+              <a:rPr lang="en-US" dirty="0" smtClean="0"/>
+              <a:t> so that duplicate calls due to retries will</a:t>
             </a:r>
             <a:r>
               <a:rPr lang="en-US" baseline="0" dirty="0" smtClean="0"/>
-              <a:t> preferred shipping provider, but if they don’t answer in a timely manner, we’ll turn to other shipping providers like UPS</a:t>
-            </a:r>
-          </a:p>
-          <a:p>
-            <a:endParaRPr lang="en-US" baseline="0" dirty="0" smtClean="0"/>
-          </a:p>
-          <a:p>
-            <a:r>
-              <a:rPr lang="en-US" baseline="0" dirty="0" smtClean="0"/>
-              <a:t>What happens if we shutdown part of the system, the </a:t>
-            </a:r>
-            <a:r>
-              <a:rPr lang="en-US" baseline="0" dirty="0" err="1" smtClean="0"/>
-              <a:t>fedex</a:t>
-            </a:r>
-            <a:r>
-              <a:rPr lang="en-US" baseline="0" dirty="0" smtClean="0"/>
-              <a:t> proxy is still running, succeeds and we restart shipping while the timeout is </a:t>
-            </a:r>
-            <a:r>
-              <a:rPr lang="en-US" baseline="0" smtClean="0"/>
-              <a:t>over?</a:t>
-            </a:r>
+              <a:t> be OK – use of the message ID as a correlation ID in the web service</a:t>
+            </a:r>
+          </a:p>
+          <a:p>
             <a:endParaRPr lang="en-US" dirty="0"/>
           </a:p>
         </p:txBody>
@@ -2306,7 +2343,7 @@
             <a:fld id="{7ACA2796-6D5E-4AAD-9D66-AE6CE657D5C0}" type="slidenum">
               <a:rPr lang="en-GB" smtClean="0"/>
               <a:pPr/>
-              <a:t>42</a:t>
+              <a:t>41</a:t>
             </a:fld>
             <a:endParaRPr lang="en-GB"/>
           </a:p>
@@ -2315,7 +2352,7 @@
     </p:spTree>
     <p:extLst>
       <p:ext uri="{BB962C8B-B14F-4D97-AF65-F5344CB8AC3E}">
-        <p14:creationId xmlns:p14="http://schemas.microsoft.com/office/powerpoint/2010/main" val="990345126"/>
+        <p14:creationId xmlns:p14="http://schemas.microsoft.com/office/powerpoint/2010/main" val="2393542536"/>
       </p:ext>
     </p:extLst>
   </p:cSld>
@@ -2366,90 +2403,41 @@
         </p:nvSpPr>
         <p:spPr/>
         <p:txBody>
-          <a:bodyPr/>
+          <a:bodyPr>
+            <a:normAutofit/>
+          </a:bodyPr>
           <a:lstStyle/>
           <a:p>
-            <a:pPr marL="342900" indent="-342900"/>
             <a:r>
               <a:rPr lang="en-US" dirty="0" smtClean="0"/>
-              <a:t>Similar to Onion or Hexagonal architecture.</a:t>
+              <a:t>Fed Ex is our</a:t>
             </a:r>
             <a:r>
               <a:rPr lang="en-US" baseline="0" dirty="0" smtClean="0"/>
-              <a:t> We have rings of </a:t>
+              <a:t> preferred shipping provider, but if they don’t answer in a timely manner, we’ll turn to other shipping providers like UPS</a:t>
+            </a:r>
+          </a:p>
+          <a:p>
+            <a:endParaRPr lang="en-US" baseline="0" dirty="0" smtClean="0"/>
+          </a:p>
+          <a:p>
+            <a:r>
+              <a:rPr lang="en-US" baseline="0" dirty="0" smtClean="0"/>
+              <a:t>What happens if we shutdown part of the system, the </a:t>
             </a:r>
             <a:r>
               <a:rPr lang="en-US" baseline="0" dirty="0" err="1" smtClean="0"/>
-              <a:t>prozess</a:t>
+              <a:t>fedex</a:t>
             </a:r>
             <a:r>
               <a:rPr lang="en-US" baseline="0" dirty="0" smtClean="0"/>
-              <a:t> managers/sagas</a:t>
-            </a:r>
-          </a:p>
-          <a:p>
-            <a:pPr marL="342900" indent="-342900"/>
-            <a:r>
-              <a:rPr lang="en-US" baseline="0" dirty="0" smtClean="0"/>
-              <a:t>When you integrate with Legacy Systems you usually have one process manager for the overall flow and one adapter for each integration point</a:t>
-            </a:r>
-            <a:endParaRPr lang="en-US" dirty="0" smtClean="0"/>
-          </a:p>
-          <a:p>
-            <a:pPr marL="342900" indent="-342900"/>
-            <a:endParaRPr lang="en-US" dirty="0" smtClean="0"/>
-          </a:p>
-          <a:p>
-            <a:pPr marL="342900" indent="-342900"/>
-            <a:r>
-              <a:rPr lang="en-US" b="1" dirty="0" smtClean="0"/>
-              <a:t>Orchestration is not a thing by itself.</a:t>
-            </a:r>
-          </a:p>
-          <a:p>
-            <a:pPr marL="342900" indent="-342900"/>
-            <a:endParaRPr lang="en-US" dirty="0" smtClean="0"/>
-          </a:p>
-          <a:p>
-            <a:pPr marL="342900" indent="-342900"/>
-            <a:r>
-              <a:rPr lang="en-US" dirty="0" smtClean="0"/>
-              <a:t>Divide up workflows/orchestrations along service boundaries</a:t>
-            </a:r>
-          </a:p>
-          <a:p>
-            <a:pPr marL="738188" lvl="1" indent="-342900"/>
-            <a:r>
-              <a:rPr lang="en-US" dirty="0" smtClean="0"/>
-              <a:t>Events are published at the end of the sub-flow in a service</a:t>
-            </a:r>
-          </a:p>
-          <a:p>
-            <a:pPr marL="738188" lvl="1" indent="-342900"/>
-            <a:r>
-              <a:rPr lang="en-US" dirty="0" smtClean="0"/>
-              <a:t>Events trigger a sub-flow in other services</a:t>
-            </a:r>
-          </a:p>
-          <a:p>
-            <a:pPr marL="342900" indent="-342900"/>
-            <a:endParaRPr lang="en-US" dirty="0" smtClean="0"/>
-          </a:p>
-          <a:p>
-            <a:pPr marL="342900" indent="-342900"/>
-            <a:r>
-              <a:rPr lang="en-US" dirty="0" smtClean="0"/>
-              <a:t>Sagas can be used for CEP/ESP:</a:t>
-            </a:r>
-          </a:p>
-          <a:p>
-            <a:pPr marL="342900" indent="-342900">
-              <a:buNone/>
-            </a:pPr>
-            <a:r>
-              <a:rPr lang="en-US" dirty="0" smtClean="0"/>
-              <a:t>	complex event processing, event-stream proc.</a:t>
-            </a:r>
+              <a:t> proxy is still running, succeeds and we restart shipping while the timeout is </a:t>
+            </a:r>
+            <a:r>
+              <a:rPr lang="en-US" baseline="0" smtClean="0"/>
+              <a:t>over?</a:t>
+            </a:r>
+            <a:endParaRPr lang="en-US" dirty="0"/>
           </a:p>
         </p:txBody>
       </p:sp>
@@ -2460,7 +2448,7 @@
             <a:spLocks noGrp="1"/>
           </p:cNvSpPr>
           <p:nvPr>
-            <p:ph type="sldNum" sz="quarter" idx="10"/>
+            <p:ph type="sldNum" idx="10"/>
           </p:nvPr>
         </p:nvSpPr>
         <p:spPr/>
@@ -2468,18 +2456,19 @@
           <a:bodyPr/>
           <a:lstStyle/>
           <a:p>
-            <a:fld id="{3993D047-D8B4-43AA-8641-D9CCF4EC54F4}" type="slidenum">
-              <a:rPr lang="de-CH" smtClean="0"/>
-              <a:t>43</a:t>
+            <a:fld id="{7ACA2796-6D5E-4AAD-9D66-AE6CE657D5C0}" type="slidenum">
+              <a:rPr lang="en-GB" smtClean="0"/>
+              <a:pPr/>
+              <a:t>42</a:t>
             </a:fld>
-            <a:endParaRPr lang="de-CH"/>
+            <a:endParaRPr lang="en-GB"/>
           </a:p>
         </p:txBody>
       </p:sp>
     </p:spTree>
     <p:extLst>
       <p:ext uri="{BB962C8B-B14F-4D97-AF65-F5344CB8AC3E}">
-        <p14:creationId xmlns:p14="http://schemas.microsoft.com/office/powerpoint/2010/main" val="783631915"/>
+        <p14:creationId xmlns:p14="http://schemas.microsoft.com/office/powerpoint/2010/main" val="990345126"/>
       </p:ext>
     </p:extLst>
   </p:cSld>
@@ -2530,28 +2519,90 @@
         </p:nvSpPr>
         <p:spPr/>
         <p:txBody>
-          <a:bodyPr>
-            <a:normAutofit/>
-          </a:bodyPr>
+          <a:bodyPr/>
           <a:lstStyle/>
           <a:p>
+            <a:pPr marL="342900" indent="-342900"/>
             <a:r>
               <a:rPr lang="en-US" dirty="0" smtClean="0"/>
-              <a:t>Demonstrate</a:t>
+              <a:t>Similar to Onion or Hexagonal architecture.</a:t>
             </a:r>
             <a:r>
               <a:rPr lang="en-US" baseline="0" dirty="0" smtClean="0"/>
-              <a:t> sample: </a:t>
+              <a:t> We have rings of </a:t>
             </a:r>
             <a:r>
               <a:rPr lang="en-US" baseline="0" dirty="0" err="1" smtClean="0"/>
-              <a:t>WcfIntegration</a:t>
+              <a:t>prozess</a:t>
             </a:r>
             <a:r>
               <a:rPr lang="en-US" baseline="0" dirty="0" smtClean="0"/>
-              <a:t> (NServiceBus Main Repo Integration Tests)</a:t>
-            </a:r>
-            <a:endParaRPr lang="en-US" dirty="0"/>
+              <a:t> managers/sagas</a:t>
+            </a:r>
+          </a:p>
+          <a:p>
+            <a:pPr marL="342900" indent="-342900"/>
+            <a:r>
+              <a:rPr lang="en-US" baseline="0" dirty="0" smtClean="0"/>
+              <a:t>When you integrate with Legacy Systems you usually have one process manager for the overall flow and one adapter for each integration point</a:t>
+            </a:r>
+            <a:endParaRPr lang="en-US" dirty="0" smtClean="0"/>
+          </a:p>
+          <a:p>
+            <a:pPr marL="342900" indent="-342900"/>
+            <a:endParaRPr lang="en-US" dirty="0" smtClean="0"/>
+          </a:p>
+          <a:p>
+            <a:pPr marL="342900" indent="-342900"/>
+            <a:r>
+              <a:rPr lang="en-US" b="1" dirty="0" smtClean="0"/>
+              <a:t>Orchestration is not a thing by itself.</a:t>
+            </a:r>
+          </a:p>
+          <a:p>
+            <a:pPr marL="342900" indent="-342900"/>
+            <a:endParaRPr lang="en-US" dirty="0" smtClean="0"/>
+          </a:p>
+          <a:p>
+            <a:pPr marL="342900" indent="-342900"/>
+            <a:r>
+              <a:rPr lang="en-US" dirty="0" smtClean="0"/>
+              <a:t>Divide up workflows/orchestrations along service boundaries</a:t>
+            </a:r>
+          </a:p>
+          <a:p>
+            <a:pPr marL="738188" lvl="1" indent="-342900"/>
+            <a:r>
+              <a:rPr lang="en-US" dirty="0" smtClean="0"/>
+              <a:t>Events are published at the end of the sub-flow in a service</a:t>
+            </a:r>
+          </a:p>
+          <a:p>
+            <a:pPr marL="738188" lvl="1" indent="-342900"/>
+            <a:r>
+              <a:rPr lang="en-US" dirty="0" smtClean="0"/>
+              <a:t>Events trigger a sub-flow in other services</a:t>
+            </a:r>
+          </a:p>
+          <a:p>
+            <a:pPr marL="342900" indent="-342900"/>
+            <a:endParaRPr lang="en-US" dirty="0" smtClean="0"/>
+          </a:p>
+          <a:p>
+            <a:pPr marL="342900" indent="-342900"/>
+            <a:r>
+              <a:rPr lang="en-US" dirty="0" smtClean="0"/>
+              <a:t>Sagas can be used for CEP/ESP:</a:t>
+            </a:r>
+          </a:p>
+          <a:p>
+            <a:pPr marL="342900" indent="-342900">
+              <a:buNone/>
+            </a:pPr>
+            <a:r>
+              <a:rPr lang="en-US" dirty="0" smtClean="0"/>
+              <a:t>	complex event processing, event-stream proc.</a:t>
+            </a:r>
           </a:p>
         </p:txBody>
       </p:sp>
@@ -2562,7 +2613,7 @@
             <a:spLocks noGrp="1"/>
           </p:cNvSpPr>
           <p:nvPr>
-            <p:ph type="sldNum" idx="10"/>
+            <p:ph type="sldNum" sz="quarter" idx="10"/>
           </p:nvPr>
         </p:nvSpPr>
         <p:spPr/>
@@ -2570,19 +2621,18 @@
           <a:bodyPr/>
           <a:lstStyle/>
           <a:p>
-            <a:fld id="{7ACA2796-6D5E-4AAD-9D66-AE6CE657D5C0}" type="slidenum">
-              <a:rPr lang="en-GB" smtClean="0"/>
-              <a:pPr/>
-              <a:t>48</a:t>
+            <a:fld id="{3993D047-D8B4-43AA-8641-D9CCF4EC54F4}" type="slidenum">
+              <a:rPr lang="de-CH" smtClean="0"/>
+              <a:t>43</a:t>
             </a:fld>
-            <a:endParaRPr lang="en-GB"/>
+            <a:endParaRPr lang="de-CH"/>
           </a:p>
         </p:txBody>
       </p:sp>
     </p:spTree>
     <p:extLst>
       <p:ext uri="{BB962C8B-B14F-4D97-AF65-F5344CB8AC3E}">
-        <p14:creationId xmlns:p14="http://schemas.microsoft.com/office/powerpoint/2010/main" val="58117029"/>
+        <p14:creationId xmlns:p14="http://schemas.microsoft.com/office/powerpoint/2010/main" val="783631915"/>
       </p:ext>
     </p:extLst>
   </p:cSld>
@@ -2633,24 +2683,28 @@
         </p:nvSpPr>
         <p:spPr/>
         <p:txBody>
-          <a:bodyPr/>
+          <a:bodyPr>
+            <a:normAutofit/>
+          </a:bodyPr>
           <a:lstStyle/>
           <a:p>
             <a:r>
-              <a:rPr lang="en-GB" dirty="0" smtClean="0"/>
-              <a:t>Observer</a:t>
-            </a:r>
-            <a:r>
-              <a:rPr lang="en-GB" baseline="0" dirty="0" smtClean="0"/>
-              <a:t> sagas live fro ever</a:t>
-            </a:r>
-          </a:p>
-          <a:p>
-            <a:r>
-              <a:rPr lang="en-GB" baseline="0" dirty="0" smtClean="0"/>
-              <a:t>Command sagas complete when done</a:t>
-            </a:r>
-            <a:endParaRPr lang="sv-SE" dirty="0"/>
+              <a:rPr lang="en-US" dirty="0" smtClean="0"/>
+              <a:t>Demonstrate</a:t>
+            </a:r>
+            <a:r>
+              <a:rPr lang="en-US" baseline="0" dirty="0" smtClean="0"/>
+              <a:t> sample: </a:t>
+            </a:r>
+            <a:r>
+              <a:rPr lang="en-US" baseline="0" dirty="0" err="1" smtClean="0"/>
+              <a:t>WcfIntegration</a:t>
+            </a:r>
+            <a:r>
+              <a:rPr lang="en-US" baseline="0" dirty="0" smtClean="0"/>
+              <a:t> (NServiceBus Main Repo Integration Tests)</a:t>
+            </a:r>
+            <a:endParaRPr lang="en-US" dirty="0"/>
           </a:p>
         </p:txBody>
       </p:sp>
@@ -2661,7 +2715,7 @@
             <a:spLocks noGrp="1"/>
           </p:cNvSpPr>
           <p:nvPr>
-            <p:ph type="sldNum" sz="quarter" idx="10"/>
+            <p:ph type="sldNum" idx="10"/>
           </p:nvPr>
         </p:nvSpPr>
         <p:spPr/>
@@ -2669,18 +2723,19 @@
           <a:bodyPr/>
           <a:lstStyle/>
           <a:p>
-            <a:fld id="{D5BB19A3-B3B6-4398-9889-160C3A008821}" type="slidenum">
-              <a:rPr lang="sv-SE" smtClean="0"/>
-              <a:t>50</a:t>
+            <a:fld id="{7ACA2796-6D5E-4AAD-9D66-AE6CE657D5C0}" type="slidenum">
+              <a:rPr lang="en-GB" smtClean="0"/>
+              <a:pPr/>
+              <a:t>48</a:t>
             </a:fld>
-            <a:endParaRPr lang="sv-SE"/>
+            <a:endParaRPr lang="en-GB"/>
           </a:p>
         </p:txBody>
       </p:sp>
     </p:spTree>
     <p:extLst>
       <p:ext uri="{BB962C8B-B14F-4D97-AF65-F5344CB8AC3E}">
-        <p14:creationId xmlns:p14="http://schemas.microsoft.com/office/powerpoint/2010/main" val="4076966085"/>
+        <p14:creationId xmlns:p14="http://schemas.microsoft.com/office/powerpoint/2010/main" val="58117029"/>
       </p:ext>
     </p:extLst>
   </p:cSld>
@@ -2735,14 +2790,20 @@
           <a:lstStyle/>
           <a:p>
             <a:r>
-              <a:rPr lang="de-CH" dirty="0" smtClean="0"/>
-              <a:t>Klassisches Integration</a:t>
-            </a:r>
-            <a:r>
-              <a:rPr lang="de-CH" baseline="0" dirty="0" smtClean="0"/>
-              <a:t> Beispiel</a:t>
-            </a:r>
-            <a:endParaRPr lang="de-CH" dirty="0"/>
+              <a:rPr lang="en-GB" dirty="0" smtClean="0"/>
+              <a:t>Observer</a:t>
+            </a:r>
+            <a:r>
+              <a:rPr lang="en-GB" baseline="0" dirty="0" smtClean="0"/>
+              <a:t> sagas live fro ever</a:t>
+            </a:r>
+          </a:p>
+          <a:p>
+            <a:r>
+              <a:rPr lang="en-GB" baseline="0" dirty="0" smtClean="0"/>
+              <a:t>Command sagas complete when done</a:t>
+            </a:r>
+            <a:endParaRPr lang="sv-SE" dirty="0"/>
           </a:p>
         </p:txBody>
       </p:sp>
@@ -2761,18 +2822,18 @@
           <a:bodyPr/>
           <a:lstStyle/>
           <a:p>
-            <a:fld id="{3993D047-D8B4-43AA-8641-D9CCF4EC54F4}" type="slidenum">
-              <a:rPr lang="de-CH" smtClean="0"/>
-              <a:t>51</a:t>
+            <a:fld id="{D5BB19A3-B3B6-4398-9889-160C3A008821}" type="slidenum">
+              <a:rPr lang="sv-SE" smtClean="0"/>
+              <a:t>50</a:t>
             </a:fld>
-            <a:endParaRPr lang="de-CH"/>
+            <a:endParaRPr lang="sv-SE"/>
           </a:p>
         </p:txBody>
       </p:sp>
     </p:spTree>
     <p:extLst>
       <p:ext uri="{BB962C8B-B14F-4D97-AF65-F5344CB8AC3E}">
-        <p14:creationId xmlns:p14="http://schemas.microsoft.com/office/powerpoint/2010/main" val="3142864389"/>
+        <p14:creationId xmlns:p14="http://schemas.microsoft.com/office/powerpoint/2010/main" val="4076966085"/>
       </p:ext>
     </p:extLst>
   </p:cSld>
@@ -2855,7 +2916,7 @@
           <a:p>
             <a:fld id="{3993D047-D8B4-43AA-8641-D9CCF4EC54F4}" type="slidenum">
               <a:rPr lang="de-CH" smtClean="0"/>
-              <a:t>52</a:t>
+              <a:t>51</a:t>
             </a:fld>
             <a:endParaRPr lang="de-CH"/>
           </a:p>
@@ -2864,7 +2925,7 @@
     </p:spTree>
     <p:extLst>
       <p:ext uri="{BB962C8B-B14F-4D97-AF65-F5344CB8AC3E}">
-        <p14:creationId xmlns:p14="http://schemas.microsoft.com/office/powerpoint/2010/main" val="1763752134"/>
+        <p14:creationId xmlns:p14="http://schemas.microsoft.com/office/powerpoint/2010/main" val="3142864389"/>
       </p:ext>
     </p:extLst>
   </p:cSld>
@@ -2920,7 +2981,11 @@
           <a:p>
             <a:r>
               <a:rPr lang="de-CH" dirty="0" smtClean="0"/>
-              <a:t>Prozesshandling wie es aussehen könnte</a:t>
+              <a:t>Klassisches Integration</a:t>
+            </a:r>
+            <a:r>
+              <a:rPr lang="de-CH" baseline="0" dirty="0" smtClean="0"/>
+              <a:t> Beispiel</a:t>
             </a:r>
             <a:endParaRPr lang="de-CH" dirty="0"/>
           </a:p>
@@ -2943,7 +3008,7 @@
           <a:p>
             <a:fld id="{3993D047-D8B4-43AA-8641-D9CCF4EC54F4}" type="slidenum">
               <a:rPr lang="de-CH" smtClean="0"/>
-              <a:t>53</a:t>
+              <a:t>52</a:t>
             </a:fld>
             <a:endParaRPr lang="de-CH"/>
           </a:p>
@@ -2952,7 +3017,7 @@
     </p:spTree>
     <p:extLst>
       <p:ext uri="{BB962C8B-B14F-4D97-AF65-F5344CB8AC3E}">
-        <p14:creationId xmlns:p14="http://schemas.microsoft.com/office/powerpoint/2010/main" val="1697730364"/>
+        <p14:creationId xmlns:p14="http://schemas.microsoft.com/office/powerpoint/2010/main" val="1763752134"/>
       </p:ext>
     </p:extLst>
   </p:cSld>
@@ -3007,32 +3072,10 @@
           <a:lstStyle/>
           <a:p>
             <a:r>
-              <a:rPr lang="sv-SE" dirty="0" smtClean="0"/>
-              <a:t>Domain</a:t>
-            </a:r>
-            <a:r>
-              <a:rPr lang="sv-SE" baseline="0" dirty="0" smtClean="0"/>
-              <a:t>model</a:t>
-            </a:r>
-          </a:p>
-          <a:p>
-            <a:r>
-              <a:rPr lang="sv-SE" baseline="0" dirty="0" smtClean="0"/>
-              <a:t>Select n+1</a:t>
-            </a:r>
-          </a:p>
-          <a:p>
-            <a:r>
-              <a:rPr lang="sv-SE" baseline="0" dirty="0" smtClean="0"/>
-              <a:t>Fetching strategies</a:t>
-            </a:r>
-          </a:p>
-          <a:p>
-            <a:r>
-              <a:rPr lang="sv-SE" baseline="0" dirty="0" smtClean="0"/>
-              <a:t>Lets run them during the night</a:t>
-            </a:r>
-            <a:endParaRPr lang="sv-SE" dirty="0"/>
+              <a:rPr lang="de-CH" dirty="0" smtClean="0"/>
+              <a:t>Prozesshandling wie es aussehen könnte</a:t>
+            </a:r>
+            <a:endParaRPr lang="de-CH" dirty="0"/>
           </a:p>
         </p:txBody>
       </p:sp>
@@ -3051,18 +3094,18 @@
           <a:bodyPr/>
           <a:lstStyle/>
           <a:p>
-            <a:fld id="{A905A5AB-8DC5-4B60-A895-8FAC0E3D9A22}" type="slidenum">
-              <a:rPr lang="sv-SE" smtClean="0"/>
-              <a:t>56</a:t>
+            <a:fld id="{3993D047-D8B4-43AA-8641-D9CCF4EC54F4}" type="slidenum">
+              <a:rPr lang="de-CH" smtClean="0"/>
+              <a:t>53</a:t>
             </a:fld>
-            <a:endParaRPr lang="sv-SE"/>
+            <a:endParaRPr lang="de-CH"/>
           </a:p>
         </p:txBody>
       </p:sp>
     </p:spTree>
     <p:extLst>
       <p:ext uri="{BB962C8B-B14F-4D97-AF65-F5344CB8AC3E}">
-        <p14:creationId xmlns:p14="http://schemas.microsoft.com/office/powerpoint/2010/main" val="1202191226"/>
+        <p14:creationId xmlns:p14="http://schemas.microsoft.com/office/powerpoint/2010/main" val="1697730364"/>
       </p:ext>
     </p:extLst>
   </p:cSld>
@@ -3116,6 +3159,32 @@
           <a:bodyPr/>
           <a:lstStyle/>
           <a:p>
+            <a:r>
+              <a:rPr lang="sv-SE" dirty="0" smtClean="0"/>
+              <a:t>Domain</a:t>
+            </a:r>
+            <a:r>
+              <a:rPr lang="sv-SE" baseline="0" dirty="0" smtClean="0"/>
+              <a:t>model</a:t>
+            </a:r>
+          </a:p>
+          <a:p>
+            <a:r>
+              <a:rPr lang="sv-SE" baseline="0" dirty="0" smtClean="0"/>
+              <a:t>Select n+1</a:t>
+            </a:r>
+          </a:p>
+          <a:p>
+            <a:r>
+              <a:rPr lang="sv-SE" baseline="0" dirty="0" smtClean="0"/>
+              <a:t>Fetching strategies</a:t>
+            </a:r>
+          </a:p>
+          <a:p>
+            <a:r>
+              <a:rPr lang="sv-SE" baseline="0" dirty="0" smtClean="0"/>
+              <a:t>Lets run them during the night</a:t>
+            </a:r>
             <a:endParaRPr lang="sv-SE" dirty="0"/>
           </a:p>
         </p:txBody>
@@ -3135,9 +3204,9 @@
           <a:bodyPr/>
           <a:lstStyle/>
           <a:p>
-            <a:fld id="{D5BB19A3-B3B6-4398-9889-160C3A008821}" type="slidenum">
+            <a:fld id="{A905A5AB-8DC5-4B60-A895-8FAC0E3D9A22}" type="slidenum">
               <a:rPr lang="sv-SE" smtClean="0"/>
-              <a:t>57</a:t>
+              <a:t>56</a:t>
             </a:fld>
             <a:endParaRPr lang="sv-SE"/>
           </a:p>
@@ -3146,7 +3215,7 @@
     </p:spTree>
     <p:extLst>
       <p:ext uri="{BB962C8B-B14F-4D97-AF65-F5344CB8AC3E}">
-        <p14:creationId xmlns:p14="http://schemas.microsoft.com/office/powerpoint/2010/main" val="3204655635"/>
+        <p14:creationId xmlns:p14="http://schemas.microsoft.com/office/powerpoint/2010/main" val="1202191226"/>
       </p:ext>
     </p:extLst>
   </p:cSld>
@@ -3200,18 +3269,6 @@
           <a:bodyPr/>
           <a:lstStyle/>
           <a:p>
-            <a:r>
-              <a:rPr lang="en-GB" dirty="0" err="1" smtClean="0"/>
-              <a:t>parseJson</a:t>
-            </a:r>
-            <a:r>
-              <a:rPr lang="en-GB" baseline="0" dirty="0" smtClean="0"/>
-              <a:t> is a custom </a:t>
-            </a:r>
-            <a:r>
-              <a:rPr lang="en-GB" baseline="0" dirty="0" err="1" smtClean="0"/>
-              <a:t>func</a:t>
-            </a:r>
             <a:endParaRPr lang="sv-SE" dirty="0"/>
           </a:p>
         </p:txBody>
@@ -3233,7 +3290,7 @@
           <a:p>
             <a:fld id="{D5BB19A3-B3B6-4398-9889-160C3A008821}" type="slidenum">
               <a:rPr lang="sv-SE" smtClean="0"/>
-              <a:t>62</a:t>
+              <a:t>57</a:t>
             </a:fld>
             <a:endParaRPr lang="sv-SE"/>
           </a:p>
@@ -3242,7 +3299,7 @@
     </p:spTree>
     <p:extLst>
       <p:ext uri="{BB962C8B-B14F-4D97-AF65-F5344CB8AC3E}">
-        <p14:creationId xmlns:p14="http://schemas.microsoft.com/office/powerpoint/2010/main" val="4029256152"/>
+        <p14:creationId xmlns:p14="http://schemas.microsoft.com/office/powerpoint/2010/main" val="3204655635"/>
       </p:ext>
     </p:extLst>
   </p:cSld>
@@ -3411,16 +3468,22 @@
         </p:nvSpPr>
         <p:spPr/>
         <p:txBody>
-          <a:bodyPr>
-            <a:normAutofit/>
-          </a:bodyPr>
+          <a:bodyPr/>
           <a:lstStyle/>
           <a:p>
             <a:r>
-              <a:rPr lang="en-US" dirty="0" smtClean="0"/>
-              <a:t>Use the “explain it to me like I was 5 years old” business analysis technique.</a:t>
-            </a:r>
-            <a:endParaRPr lang="en-US" dirty="0"/>
+              <a:rPr lang="en-GB" dirty="0" err="1" smtClean="0"/>
+              <a:t>parseJson</a:t>
+            </a:r>
+            <a:r>
+              <a:rPr lang="en-GB" baseline="0" dirty="0" smtClean="0"/>
+              <a:t> is a custom </a:t>
+            </a:r>
+            <a:r>
+              <a:rPr lang="en-GB" baseline="0" dirty="0" err="1" smtClean="0"/>
+              <a:t>func</a:t>
+            </a:r>
+            <a:endParaRPr lang="sv-SE" dirty="0"/>
           </a:p>
         </p:txBody>
       </p:sp>
@@ -3431,7 +3494,7 @@
             <a:spLocks noGrp="1"/>
           </p:cNvSpPr>
           <p:nvPr>
-            <p:ph type="sldNum" idx="10"/>
+            <p:ph type="sldNum" sz="quarter" idx="10"/>
           </p:nvPr>
         </p:nvSpPr>
         <p:spPr/>
@@ -3439,19 +3502,18 @@
           <a:bodyPr/>
           <a:lstStyle/>
           <a:p>
-            <a:fld id="{7ACA2796-6D5E-4AAD-9D66-AE6CE657D5C0}" type="slidenum">
-              <a:rPr lang="en-GB" smtClean="0"/>
-              <a:pPr/>
-              <a:t>69</a:t>
+            <a:fld id="{D5BB19A3-B3B6-4398-9889-160C3A008821}" type="slidenum">
+              <a:rPr lang="sv-SE" smtClean="0"/>
+              <a:t>62</a:t>
             </a:fld>
-            <a:endParaRPr lang="en-GB"/>
+            <a:endParaRPr lang="sv-SE"/>
           </a:p>
         </p:txBody>
       </p:sp>
     </p:spTree>
     <p:extLst>
       <p:ext uri="{BB962C8B-B14F-4D97-AF65-F5344CB8AC3E}">
-        <p14:creationId xmlns:p14="http://schemas.microsoft.com/office/powerpoint/2010/main" val="152178608"/>
+        <p14:creationId xmlns:p14="http://schemas.microsoft.com/office/powerpoint/2010/main" val="4029256152"/>
       </p:ext>
     </p:extLst>
   </p:cSld>
@@ -3509,7 +3571,7 @@
           <a:p>
             <a:r>
               <a:rPr lang="en-US" dirty="0" smtClean="0"/>
-              <a:t>So, no real race condition – we have the time and space to run business logic later.</a:t>
+              <a:t>Use the “explain it to me like I was 5 years old” business analysis technique.</a:t>
             </a:r>
             <a:endParaRPr lang="en-US" dirty="0"/>
           </a:p>
@@ -3533,7 +3595,7 @@
             <a:fld id="{7ACA2796-6D5E-4AAD-9D66-AE6CE657D5C0}" type="slidenum">
               <a:rPr lang="en-GB" smtClean="0"/>
               <a:pPr/>
-              <a:t>70</a:t>
+              <a:t>69</a:t>
             </a:fld>
             <a:endParaRPr lang="en-GB"/>
           </a:p>
@@ -3542,7 +3604,7 @@
     </p:spTree>
     <p:extLst>
       <p:ext uri="{BB962C8B-B14F-4D97-AF65-F5344CB8AC3E}">
-        <p14:creationId xmlns:p14="http://schemas.microsoft.com/office/powerpoint/2010/main" val="345938652"/>
+        <p14:creationId xmlns:p14="http://schemas.microsoft.com/office/powerpoint/2010/main" val="152178608"/>
       </p:ext>
     </p:extLst>
   </p:cSld>
@@ -3600,27 +3662,7 @@
           <a:p>
             <a:r>
               <a:rPr lang="en-US" dirty="0" smtClean="0"/>
-              <a:t>Products returned in 30 days – full refund (less shipping and handling)</a:t>
-            </a:r>
-          </a:p>
-          <a:p>
-            <a:r>
-              <a:rPr lang="en-US" dirty="0" smtClean="0"/>
-              <a:t>Products returned in 60</a:t>
-            </a:r>
-            <a:r>
-              <a:rPr lang="en-US" baseline="0" dirty="0" smtClean="0"/>
-              <a:t> days – 50% refund </a:t>
-            </a:r>
-            <a:r>
-              <a:rPr lang="en-US" dirty="0" smtClean="0"/>
-              <a:t>(less shipping and handling)</a:t>
-            </a:r>
-          </a:p>
-          <a:p>
-            <a:r>
-              <a:rPr lang="en-US" dirty="0" smtClean="0"/>
-              <a:t>Later than 60 days – no refund</a:t>
+              <a:t>So, no real race condition – we have the time and space to run business logic later.</a:t>
             </a:r>
             <a:endParaRPr lang="en-US" dirty="0"/>
           </a:p>
@@ -3644,7 +3686,7 @@
             <a:fld id="{7ACA2796-6D5E-4AAD-9D66-AE6CE657D5C0}" type="slidenum">
               <a:rPr lang="en-GB" smtClean="0"/>
               <a:pPr/>
-              <a:t>72</a:t>
+              <a:t>70</a:t>
             </a:fld>
             <a:endParaRPr lang="en-GB"/>
           </a:p>
@@ -3653,7 +3695,7 @@
     </p:spTree>
     <p:extLst>
       <p:ext uri="{BB962C8B-B14F-4D97-AF65-F5344CB8AC3E}">
-        <p14:creationId xmlns:p14="http://schemas.microsoft.com/office/powerpoint/2010/main" val="2617882635"/>
+        <p14:creationId xmlns:p14="http://schemas.microsoft.com/office/powerpoint/2010/main" val="345938652"/>
       </p:ext>
     </p:extLst>
   </p:cSld>
@@ -3704,6 +3746,117 @@
         </p:nvSpPr>
         <p:spPr/>
         <p:txBody>
+          <a:bodyPr>
+            <a:normAutofit/>
+          </a:bodyPr>
+          <a:lstStyle/>
+          <a:p>
+            <a:r>
+              <a:rPr lang="en-US" dirty="0" smtClean="0"/>
+              <a:t>Products returned in 30 days – full refund (less shipping and handling)</a:t>
+            </a:r>
+          </a:p>
+          <a:p>
+            <a:r>
+              <a:rPr lang="en-US" dirty="0" smtClean="0"/>
+              <a:t>Products returned in 60</a:t>
+            </a:r>
+            <a:r>
+              <a:rPr lang="en-US" baseline="0" dirty="0" smtClean="0"/>
+              <a:t> days – 50% refund </a:t>
+            </a:r>
+            <a:r>
+              <a:rPr lang="en-US" dirty="0" smtClean="0"/>
+              <a:t>(less shipping and handling)</a:t>
+            </a:r>
+          </a:p>
+          <a:p>
+            <a:r>
+              <a:rPr lang="en-US" dirty="0" smtClean="0"/>
+              <a:t>Later than 60 days – no refund</a:t>
+            </a:r>
+            <a:endParaRPr lang="en-US" dirty="0"/>
+          </a:p>
+        </p:txBody>
+      </p:sp>
+      <p:sp>
+        <p:nvSpPr>
+          <p:cNvPr id="4" name="Slide Number Placeholder 3"/>
+          <p:cNvSpPr>
+            <a:spLocks noGrp="1"/>
+          </p:cNvSpPr>
+          <p:nvPr>
+            <p:ph type="sldNum" idx="10"/>
+          </p:nvPr>
+        </p:nvSpPr>
+        <p:spPr/>
+        <p:txBody>
+          <a:bodyPr/>
+          <a:lstStyle/>
+          <a:p>
+            <a:fld id="{7ACA2796-6D5E-4AAD-9D66-AE6CE657D5C0}" type="slidenum">
+              <a:rPr lang="en-GB" smtClean="0"/>
+              <a:pPr/>
+              <a:t>72</a:t>
+            </a:fld>
+            <a:endParaRPr lang="en-GB"/>
+          </a:p>
+        </p:txBody>
+      </p:sp>
+    </p:spTree>
+    <p:extLst>
+      <p:ext uri="{BB962C8B-B14F-4D97-AF65-F5344CB8AC3E}">
+        <p14:creationId xmlns:p14="http://schemas.microsoft.com/office/powerpoint/2010/main" val="2617882635"/>
+      </p:ext>
+    </p:extLst>
+  </p:cSld>
+  <p:clrMapOvr>
+    <a:masterClrMapping/>
+  </p:clrMapOvr>
+</p:notes>
+</file>
+
+<file path=ppt/notesSlides/notesSlide34.xml><?xml version="1.0" encoding="utf-8"?>
+<p:notes xmlns:a="http://schemas.openxmlformats.org/drawingml/2006/main" xmlns:r="http://schemas.openxmlformats.org/officeDocument/2006/relationships" xmlns:p="http://schemas.openxmlformats.org/presentationml/2006/main">
+  <p:cSld>
+    <p:spTree>
+      <p:nvGrpSpPr>
+        <p:cNvPr id="1" name=""/>
+        <p:cNvGrpSpPr/>
+        <p:nvPr/>
+      </p:nvGrpSpPr>
+      <p:grpSpPr>
+        <a:xfrm>
+          <a:off x="0" y="0"/>
+          <a:ext cx="0" cy="0"/>
+          <a:chOff x="0" y="0"/>
+          <a:chExt cx="0" cy="0"/>
+        </a:xfrm>
+      </p:grpSpPr>
+      <p:sp>
+        <p:nvSpPr>
+          <p:cNvPr id="2" name="Slide Image Placeholder 1"/>
+          <p:cNvSpPr>
+            <a:spLocks noGrp="1" noRot="1" noChangeAspect="1"/>
+          </p:cNvSpPr>
+          <p:nvPr>
+            <p:ph type="sldImg"/>
+          </p:nvPr>
+        </p:nvSpPr>
+        <p:spPr/>
+      </p:sp>
+      <p:sp>
+        <p:nvSpPr>
+          <p:cNvPr id="3" name="Notes Placeholder 2"/>
+          <p:cNvSpPr>
+            <a:spLocks noGrp="1"/>
+          </p:cNvSpPr>
+          <p:nvPr>
+            <p:ph type="body" idx="1"/>
+          </p:nvPr>
+        </p:nvSpPr>
+        <p:spPr/>
+        <p:txBody>
           <a:bodyPr/>
           <a:lstStyle/>
           <a:p>
@@ -3751,7 +3904,7 @@
 </p:notes>
 </file>
 
-<file path=ppt/notesSlides/notesSlide34.xml><?xml version="1.0" encoding="utf-8"?>
+<file path=ppt/notesSlides/notesSlide35.xml><?xml version="1.0" encoding="utf-8"?>
 <p:notes xmlns:a="http://schemas.openxmlformats.org/drawingml/2006/main" xmlns:r="http://schemas.openxmlformats.org/officeDocument/2006/relationships" xmlns:p="http://schemas.openxmlformats.org/presentationml/2006/main">
   <p:cSld>
     <p:spTree>
@@ -7323,7 +7476,12 @@
             <p:ph type="ctrTitle"/>
           </p:nvPr>
         </p:nvSpPr>
-        <p:spPr/>
+        <p:spPr>
+          <a:xfrm>
+            <a:off x="1524000" y="753194"/>
+            <a:ext cx="9144000" cy="2387600"/>
+          </a:xfrm>
+        </p:spPr>
         <p:txBody>
           <a:bodyPr/>
           <a:lstStyle/>
@@ -7346,7 +7504,12 @@
             <p:ph type="subTitle" idx="1"/>
           </p:nvPr>
         </p:nvSpPr>
-        <p:spPr/>
+        <p:spPr>
+          <a:xfrm>
+            <a:off x="1524000" y="3232869"/>
+            <a:ext cx="9144000" cy="1655762"/>
+          </a:xfrm>
+        </p:spPr>
         <p:txBody>
           <a:bodyPr/>
           <a:lstStyle/>
@@ -7359,6 +7522,36 @@
           </a:p>
         </p:txBody>
       </p:sp>
+      <p:pic>
+        <p:nvPicPr>
+          <p:cNvPr id="4" name="Picture 3"/>
+          <p:cNvPicPr>
+            <a:picLocks noChangeAspect="1"/>
+          </p:cNvPicPr>
+          <p:nvPr/>
+        </p:nvPicPr>
+        <p:blipFill>
+          <a:blip r:embed="rId3" cstate="print">
+            <a:extLst>
+              <a:ext uri="{28A0092B-C50C-407E-A947-70E740481C1C}">
+                <a14:useLocalDpi xmlns:a14="http://schemas.microsoft.com/office/drawing/2010/main" val="0"/>
+              </a:ext>
+            </a:extLst>
+          </a:blip>
+          <a:stretch>
+            <a:fillRect/>
+          </a:stretch>
+        </p:blipFill>
+        <p:spPr>
+          <a:xfrm>
+            <a:off x="5302631" y="4122624"/>
+            <a:ext cx="1433259" cy="1416972"/>
+          </a:xfrm>
+          <a:prstGeom prst="rect">
+            <a:avLst/>
+          </a:prstGeom>
+        </p:spPr>
+      </p:pic>
     </p:spTree>
     <p:extLst>
       <p:ext uri="{BB962C8B-B14F-4D97-AF65-F5344CB8AC3E}">
@@ -8674,7 +8867,7 @@
         </p:nvSpPr>
         <p:spPr bwMode="auto">
           <a:xfrm>
-            <a:off x="3744912" y="2027237"/>
+            <a:off x="5102330" y="1334329"/>
             <a:ext cx="1715784" cy="1058238"/>
           </a:xfrm>
           <a:prstGeom prst="roundRect">
@@ -8748,7 +8941,7 @@
         </p:nvCxnSpPr>
         <p:spPr>
           <a:xfrm rot="5400000">
-            <a:off x="2020996" y="3686941"/>
+            <a:off x="3378414" y="2994033"/>
             <a:ext cx="2438400" cy="1447800"/>
           </a:xfrm>
           <a:prstGeom prst="straightConnector1">
@@ -8775,7 +8968,7 @@
         </p:nvSpPr>
         <p:spPr>
           <a:xfrm>
-            <a:off x="611295" y="3633605"/>
+            <a:off x="1968713" y="2940697"/>
             <a:ext cx="3275215" cy="990600"/>
           </a:xfrm>
           <a:prstGeom prst="rect">
@@ -8862,7 +9055,7 @@
         </p:nvCxnSpPr>
         <p:spPr>
           <a:xfrm rot="5400000" flipH="1" flipV="1">
-            <a:off x="1982896" y="3877441"/>
+            <a:off x="3340314" y="3184533"/>
             <a:ext cx="2667000" cy="1600200"/>
           </a:xfrm>
           <a:prstGeom prst="straightConnector1">
@@ -8889,7 +9082,7 @@
         </p:nvSpPr>
         <p:spPr>
           <a:xfrm>
-            <a:off x="3037221" y="5401441"/>
+            <a:off x="4394639" y="4708533"/>
             <a:ext cx="3409604" cy="990600"/>
           </a:xfrm>
           <a:prstGeom prst="rect">
@@ -8990,7 +9183,7 @@
         </p:nvSpPr>
         <p:spPr bwMode="auto">
           <a:xfrm flipH="1">
-            <a:off x="3168702" y="2505841"/>
+            <a:off x="4526120" y="1812933"/>
             <a:ext cx="508000" cy="304799"/>
           </a:xfrm>
           <a:custGeom>
@@ -9101,7 +9294,7 @@
         </p:nvSpPr>
         <p:spPr>
           <a:xfrm>
-            <a:off x="603593" y="2429641"/>
+            <a:off x="1961011" y="1736733"/>
             <a:ext cx="2709805" cy="457200"/>
           </a:xfrm>
           <a:prstGeom prst="rect">
@@ -9156,7 +9349,7 @@
         </p:nvCxnSpPr>
         <p:spPr>
           <a:xfrm rot="16200000" flipH="1">
-            <a:off x="5335696" y="3115441"/>
+            <a:off x="6693114" y="2422533"/>
             <a:ext cx="2514600" cy="2514600"/>
           </a:xfrm>
           <a:prstGeom prst="straightConnector1">
@@ -9183,7 +9376,7 @@
         </p:nvSpPr>
         <p:spPr>
           <a:xfrm>
-            <a:off x="6108576" y="3428949"/>
+            <a:off x="7465994" y="2736041"/>
             <a:ext cx="3124200" cy="990600"/>
           </a:xfrm>
           <a:prstGeom prst="rect">
@@ -9270,7 +9463,7 @@
         </p:nvCxnSpPr>
         <p:spPr>
           <a:xfrm rot="16200000" flipV="1">
-            <a:off x="5221396" y="3382141"/>
+            <a:off x="6578814" y="2689233"/>
             <a:ext cx="2590800" cy="2514600"/>
           </a:xfrm>
           <a:prstGeom prst="straightConnector1">
@@ -9297,7 +9490,7 @@
         </p:nvSpPr>
         <p:spPr>
           <a:xfrm>
-            <a:off x="3621896" y="4567391"/>
+            <a:off x="4979314" y="3874483"/>
             <a:ext cx="3124200" cy="990600"/>
           </a:xfrm>
           <a:prstGeom prst="rect">
@@ -9398,7 +9591,7 @@
         </p:nvSpPr>
         <p:spPr bwMode="auto">
           <a:xfrm>
-            <a:off x="5494088" y="2505841"/>
+            <a:off x="6851506" y="1812933"/>
             <a:ext cx="508000" cy="304799"/>
           </a:xfrm>
           <a:custGeom>
@@ -9509,7 +9702,7 @@
         </p:nvSpPr>
         <p:spPr>
           <a:xfrm>
-            <a:off x="6021495" y="2429641"/>
+            <a:off x="7378913" y="1736733"/>
             <a:ext cx="2919153" cy="457200"/>
           </a:xfrm>
           <a:prstGeom prst="rect">
@@ -9573,7 +9766,7 @@
         </p:blipFill>
         <p:spPr bwMode="auto">
           <a:xfrm flipH="1">
-            <a:off x="8393112" y="1742117"/>
+            <a:off x="9750530" y="1049209"/>
             <a:ext cx="1371600" cy="1371600"/>
           </a:xfrm>
           <a:prstGeom prst="rect">
@@ -9597,7 +9790,7 @@
         </p:nvCxnSpPr>
         <p:spPr>
           <a:xfrm rot="10800000" flipV="1">
-            <a:off x="5560358" y="2217307"/>
+            <a:off x="6917776" y="1524399"/>
             <a:ext cx="2468880" cy="0"/>
           </a:xfrm>
           <a:prstGeom prst="straightConnector1">
@@ -9624,7 +9817,7 @@
         </p:nvSpPr>
         <p:spPr>
           <a:xfrm>
-            <a:off x="6326295" y="1802913"/>
+            <a:off x="7683713" y="1110005"/>
             <a:ext cx="1749829" cy="401782"/>
           </a:xfrm>
           <a:prstGeom prst="rect">
@@ -9682,7 +9875,7 @@
         </p:nvSpPr>
         <p:spPr>
           <a:xfrm>
-            <a:off x="4773498" y="2715605"/>
+            <a:off x="6130916" y="2022697"/>
             <a:ext cx="245409" cy="333061"/>
           </a:xfrm>
           <a:prstGeom prst="curvedLeftArrow">
@@ -9747,7 +9940,7 @@
         </p:nvSpPr>
         <p:spPr>
           <a:xfrm flipV="1">
-            <a:off x="4315984" y="2678739"/>
+            <a:off x="5673402" y="1985831"/>
             <a:ext cx="294491" cy="363281"/>
           </a:xfrm>
           <a:prstGeom prst="curvedRightArrow">
@@ -9812,7 +10005,7 @@
         </p:nvCxnSpPr>
         <p:spPr>
           <a:xfrm rot="16200000" flipH="1">
-            <a:off x="5107096" y="3648841"/>
+            <a:off x="6464514" y="2955933"/>
             <a:ext cx="2819400" cy="2667000"/>
           </a:xfrm>
           <a:prstGeom prst="straightConnector1">
@@ -9837,7 +10030,7 @@
         </p:nvCxnSpPr>
         <p:spPr>
           <a:xfrm rot="5400000">
-            <a:off x="2020996" y="4144141"/>
+            <a:off x="3378414" y="3451233"/>
             <a:ext cx="2743200" cy="1752600"/>
           </a:xfrm>
           <a:prstGeom prst="straightConnector1">
@@ -9864,7 +10057,7 @@
         </p:nvSpPr>
         <p:spPr>
           <a:xfrm>
-            <a:off x="3811696" y="6392041"/>
+            <a:off x="5169114" y="5699133"/>
             <a:ext cx="3124200" cy="533400"/>
           </a:xfrm>
           <a:prstGeom prst="rect">
@@ -9942,7 +10135,7 @@
         </p:nvCxnSpPr>
         <p:spPr>
           <a:xfrm rot="5400000" flipH="1" flipV="1">
-            <a:off x="2093744" y="5152069"/>
+            <a:off x="3451162" y="4459161"/>
             <a:ext cx="838201" cy="120517"/>
           </a:xfrm>
           <a:prstGeom prst="straightConnector1">
@@ -9967,7 +10160,7 @@
         </p:nvCxnSpPr>
         <p:spPr>
           <a:xfrm rot="16200000" flipV="1">
-            <a:off x="1644855" y="5089705"/>
+            <a:off x="3002273" y="4396797"/>
             <a:ext cx="824347" cy="331144"/>
           </a:xfrm>
           <a:prstGeom prst="straightConnector1">
@@ -9992,7 +10185,7 @@
         </p:nvCxnSpPr>
         <p:spPr>
           <a:xfrm rot="5400000" flipH="1" flipV="1">
-            <a:off x="7948675" y="5104963"/>
+            <a:off x="9306093" y="4412055"/>
             <a:ext cx="838201" cy="120517"/>
           </a:xfrm>
           <a:prstGeom prst="straightConnector1">
@@ -10017,7 +10210,7 @@
         </p:nvCxnSpPr>
         <p:spPr>
           <a:xfrm rot="16200000" flipV="1">
-            <a:off x="7499786" y="5042599"/>
+            <a:off x="8857204" y="4349691"/>
             <a:ext cx="824347" cy="331144"/>
           </a:xfrm>
           <a:prstGeom prst="straightConnector1">
@@ -10042,7 +10235,7 @@
         </p:nvCxnSpPr>
         <p:spPr>
           <a:xfrm rot="16200000" flipH="1">
-            <a:off x="4668842" y="3866499"/>
+            <a:off x="6026260" y="3173591"/>
             <a:ext cx="964277" cy="498763"/>
           </a:xfrm>
           <a:prstGeom prst="straightConnector1">
@@ -10067,7 +10260,7 @@
         </p:nvCxnSpPr>
         <p:spPr>
           <a:xfrm rot="5400000">
-            <a:off x="3936387" y="4058160"/>
+            <a:off x="5293805" y="3365252"/>
             <a:ext cx="947651" cy="182880"/>
           </a:xfrm>
           <a:prstGeom prst="straightConnector1">
@@ -10092,7 +10285,7 @@
         </p:nvSpPr>
         <p:spPr bwMode="auto">
           <a:xfrm>
-            <a:off x="7883687" y="5703673"/>
+            <a:off x="9241105" y="5010765"/>
             <a:ext cx="1715784" cy="1058238"/>
           </a:xfrm>
           <a:prstGeom prst="roundRect">
@@ -10165,7 +10358,7 @@
         </p:nvSpPr>
         <p:spPr bwMode="auto">
           <a:xfrm>
-            <a:off x="722600" y="5713947"/>
+            <a:off x="2080018" y="5021039"/>
             <a:ext cx="1715784" cy="1058238"/>
           </a:xfrm>
           <a:prstGeom prst="roundRect">
@@ -10239,6 +10432,10 @@
           </p:nvPr>
         </p:nvSpPr>
         <p:spPr>
+          <a:xfrm>
+            <a:off x="368514" y="-15791"/>
+            <a:ext cx="10515600" cy="1325563"/>
+          </a:xfrm>
           <a:prstGeom prst="rect">
             <a:avLst/>
           </a:prstGeom>
@@ -12087,7 +12284,7 @@
         </p:nvSpPr>
         <p:spPr bwMode="auto">
           <a:xfrm>
-            <a:off x="1343328" y="1874837"/>
+            <a:off x="2404580" y="1198970"/>
             <a:ext cx="1715784" cy="1058238"/>
           </a:xfrm>
           <a:prstGeom prst="roundRect">
@@ -12163,7 +12360,7 @@
         </p:nvSpPr>
         <p:spPr>
           <a:xfrm>
-            <a:off x="7021513" y="4084637"/>
+            <a:off x="8082765" y="3408770"/>
             <a:ext cx="1600200" cy="457200"/>
           </a:xfrm>
           <a:prstGeom prst="rect">
@@ -12220,7 +12417,7 @@
         </p:nvCxnSpPr>
         <p:spPr>
           <a:xfrm>
-            <a:off x="2201220" y="2933075"/>
+            <a:off x="3262472" y="2257208"/>
             <a:ext cx="2266308" cy="2714690"/>
           </a:xfrm>
           <a:prstGeom prst="straightConnector1">
@@ -12247,7 +12444,7 @@
         </p:nvCxnSpPr>
         <p:spPr>
           <a:xfrm flipH="1">
-            <a:off x="5494763" y="2933075"/>
+            <a:off x="6556015" y="2257208"/>
             <a:ext cx="2269057" cy="2714690"/>
           </a:xfrm>
           <a:prstGeom prst="straightConnector1">
@@ -12272,7 +12469,7 @@
         </p:nvSpPr>
         <p:spPr bwMode="auto">
           <a:xfrm>
-            <a:off x="6905928" y="1874837"/>
+            <a:off x="7967180" y="1198970"/>
             <a:ext cx="1715784" cy="1058238"/>
           </a:xfrm>
           <a:prstGeom prst="roundRect">
@@ -12345,7 +12542,7 @@
         </p:nvSpPr>
         <p:spPr bwMode="auto">
           <a:xfrm>
-            <a:off x="3973512" y="5714422"/>
+            <a:off x="5034764" y="5038555"/>
             <a:ext cx="2122472" cy="1058238"/>
           </a:xfrm>
           <a:prstGeom prst="roundRect">
@@ -12418,7 +12615,7 @@
         </p:nvSpPr>
         <p:spPr>
           <a:xfrm>
-            <a:off x="2982912" y="2865437"/>
+            <a:off x="4044164" y="2189570"/>
             <a:ext cx="1981200" cy="457200"/>
           </a:xfrm>
           <a:prstGeom prst="rect">
@@ -12476,7 +12673,7 @@
         </p:nvCxnSpPr>
         <p:spPr>
           <a:xfrm>
-            <a:off x="3059112" y="2403956"/>
+            <a:off x="4120364" y="1728089"/>
             <a:ext cx="3846816" cy="1588"/>
           </a:xfrm>
           <a:prstGeom prst="straightConnector1">
@@ -12501,7 +12698,7 @@
         </p:nvGrpSpPr>
         <p:grpSpPr>
           <a:xfrm>
-            <a:off x="6132512" y="5866822"/>
+            <a:off x="7193764" y="5190955"/>
             <a:ext cx="3632200" cy="609600"/>
             <a:chOff x="6132512" y="6065837"/>
             <a:chExt cx="3632200" cy="609600"/>
@@ -12684,7 +12881,7 @@
         </p:nvGrpSpPr>
         <p:grpSpPr>
           <a:xfrm>
-            <a:off x="165207" y="5743426"/>
+            <a:off x="1226459" y="5067559"/>
             <a:ext cx="3689972" cy="911445"/>
             <a:chOff x="597125" y="4396335"/>
             <a:chExt cx="3689972" cy="911445"/>
@@ -12770,6 +12967,10 @@
           </p:nvPr>
         </p:nvSpPr>
         <p:spPr>
+          <a:xfrm>
+            <a:off x="439819" y="-39592"/>
+            <a:ext cx="10515600" cy="1325563"/>
+          </a:xfrm>
           <a:prstGeom prst="rect">
             <a:avLst/>
           </a:prstGeom>
@@ -13777,11 +13978,7 @@
             <a:pPr lvl="1"/>
             <a:r>
               <a:rPr lang="sv-SE" dirty="0" smtClean="0"/>
-              <a:t>Including Management </a:t>
-            </a:r>
-            <a:r>
-              <a:rPr lang="sv-SE" dirty="0" smtClean="0"/>
-              <a:t>tools</a:t>
+              <a:t>Including Management tools</a:t>
             </a:r>
           </a:p>
           <a:p>
@@ -15497,7 +15694,7 @@
         </p:nvSpPr>
         <p:spPr bwMode="auto">
           <a:xfrm>
-            <a:off x="7755054" y="2184710"/>
+            <a:off x="6852013" y="1699811"/>
             <a:ext cx="691273" cy="1451672"/>
           </a:xfrm>
           <a:prstGeom prst="upDownArrow">
@@ -15555,7 +15752,7 @@
         </p:nvSpPr>
         <p:spPr>
           <a:xfrm>
-            <a:off x="8653709" y="2253837"/>
+            <a:off x="7653081" y="1604329"/>
             <a:ext cx="968535" cy="343620"/>
           </a:xfrm>
           <a:prstGeom prst="rect">
@@ -15584,7 +15781,7 @@
         </p:nvSpPr>
         <p:spPr>
           <a:xfrm>
-            <a:off x="8653709" y="3249770"/>
+            <a:off x="7653081" y="2807863"/>
             <a:ext cx="1127553" cy="343620"/>
           </a:xfrm>
           <a:prstGeom prst="rect">
@@ -15613,7 +15810,7 @@
         </p:nvSpPr>
         <p:spPr bwMode="auto">
           <a:xfrm>
-            <a:off x="2363128" y="6055836"/>
+            <a:off x="2266577" y="5908169"/>
             <a:ext cx="6705344" cy="345636"/>
           </a:xfrm>
           <a:prstGeom prst="roundRect">
@@ -15750,7 +15947,7 @@
           <p:nvPr/>
         </p:nvPicPr>
         <p:blipFill>
-          <a:blip r:embed="rId2" cstate="print"/>
+          <a:blip r:embed="rId3" cstate="print"/>
           <a:srcRect/>
           <a:stretch>
             <a:fillRect/>
@@ -15789,7 +15986,7 @@
           <p:nvPr/>
         </p:nvPicPr>
         <p:blipFill>
-          <a:blip r:embed="rId2" cstate="print"/>
+          <a:blip r:embed="rId3" cstate="print"/>
           <a:srcRect/>
           <a:stretch>
             <a:fillRect/>
@@ -16894,7 +17091,7 @@
             <p:nvPr/>
           </p:nvPicPr>
           <p:blipFill>
-            <a:blip r:embed="rId3" cstate="print">
+            <a:blip r:embed="rId4" cstate="print">
               <a:clrChange>
                 <a:clrFrom>
                   <a:srgbClr val="000000"/>
@@ -17174,7 +17371,7 @@
             <p:nvPr/>
           </p:nvPicPr>
           <p:blipFill>
-            <a:blip r:embed="rId3" cstate="print">
+            <a:blip r:embed="rId4" cstate="print">
               <a:clrChange>
                 <a:clrFrom>
                   <a:srgbClr val="000000"/>
@@ -45369,14 +45566,7 @@
                 <a:latin typeface="Consolas" panose="020B0609020204030204" pitchFamily="49" charset="0"/>
                 <a:cs typeface="Consolas" panose="020B0609020204030204" pitchFamily="49" charset="0"/>
               </a:rPr>
-              <a:t>: </a:t>
-            </a:r>
-            <a:r>
-              <a:rPr lang="en-GB" dirty="0" smtClean="0">
-                <a:latin typeface="Consolas" panose="020B0609020204030204" pitchFamily="49" charset="0"/>
-                <a:cs typeface="Consolas" panose="020B0609020204030204" pitchFamily="49" charset="0"/>
-              </a:rPr>
-              <a:t>Saga&lt;</a:t>
+              <a:t>: Saga&lt;</a:t>
             </a:r>
             <a:r>
               <a:rPr lang="en-GB" b="1" dirty="0" err="1" smtClean="0">
@@ -50167,6 +50357,13 @@
   <p:clrMapOvr>
     <a:masterClrMapping/>
   </p:clrMapOvr>
+  <p:timing>
+    <p:tnLst>
+      <p:par>
+        <p:cTn id="1" dur="indefinite" restart="never" nodeType="tmRoot"/>
+      </p:par>
+    </p:tnLst>
+  </p:timing>
 </p:sld>
 </file>
 
@@ -50331,6 +50528,13 @@
   <p:clrMapOvr>
     <a:masterClrMapping/>
   </p:clrMapOvr>
+  <p:timing>
+    <p:tnLst>
+      <p:par>
+        <p:cTn id="1" dur="indefinite" restart="never" nodeType="tmRoot"/>
+      </p:par>
+    </p:tnLst>
+  </p:timing>
 </p:sld>
 </file>
 

--- a/SagaMasterClass.pptx
+++ b/SagaMasterClass.pptx
@@ -5,7 +5,7 @@
     <p:sldMasterId id="2147483648" r:id="rId1"/>
   </p:sldMasterIdLst>
   <p:notesMasterIdLst>
-    <p:notesMasterId r:id="rId78"/>
+    <p:notesMasterId r:id="rId77"/>
   </p:notesMasterIdLst>
   <p:sldIdLst>
     <p:sldId id="256" r:id="rId2"/>
@@ -60,30 +60,29 @@
     <p:sldId id="291" r:id="rId51"/>
     <p:sldId id="292" r:id="rId52"/>
     <p:sldId id="347" r:id="rId53"/>
-    <p:sldId id="293" r:id="rId54"/>
-    <p:sldId id="288" r:id="rId55"/>
-    <p:sldId id="306" r:id="rId56"/>
-    <p:sldId id="308" r:id="rId57"/>
-    <p:sldId id="314" r:id="rId58"/>
-    <p:sldId id="317" r:id="rId59"/>
-    <p:sldId id="323" r:id="rId60"/>
-    <p:sldId id="324" r:id="rId61"/>
-    <p:sldId id="337" r:id="rId62"/>
-    <p:sldId id="338" r:id="rId63"/>
-    <p:sldId id="287" r:id="rId64"/>
-    <p:sldId id="278" r:id="rId65"/>
-    <p:sldId id="279" r:id="rId66"/>
-    <p:sldId id="280" r:id="rId67"/>
-    <p:sldId id="281" r:id="rId68"/>
-    <p:sldId id="282" r:id="rId69"/>
-    <p:sldId id="283" r:id="rId70"/>
-    <p:sldId id="284" r:id="rId71"/>
-    <p:sldId id="285" r:id="rId72"/>
-    <p:sldId id="286" r:id="rId73"/>
-    <p:sldId id="325" r:id="rId74"/>
-    <p:sldId id="326" r:id="rId75"/>
-    <p:sldId id="264" r:id="rId76"/>
-    <p:sldId id="339" r:id="rId77"/>
+    <p:sldId id="288" r:id="rId54"/>
+    <p:sldId id="306" r:id="rId55"/>
+    <p:sldId id="308" r:id="rId56"/>
+    <p:sldId id="314" r:id="rId57"/>
+    <p:sldId id="317" r:id="rId58"/>
+    <p:sldId id="323" r:id="rId59"/>
+    <p:sldId id="324" r:id="rId60"/>
+    <p:sldId id="337" r:id="rId61"/>
+    <p:sldId id="338" r:id="rId62"/>
+    <p:sldId id="287" r:id="rId63"/>
+    <p:sldId id="278" r:id="rId64"/>
+    <p:sldId id="279" r:id="rId65"/>
+    <p:sldId id="280" r:id="rId66"/>
+    <p:sldId id="281" r:id="rId67"/>
+    <p:sldId id="282" r:id="rId68"/>
+    <p:sldId id="283" r:id="rId69"/>
+    <p:sldId id="284" r:id="rId70"/>
+    <p:sldId id="285" r:id="rId71"/>
+    <p:sldId id="286" r:id="rId72"/>
+    <p:sldId id="325" r:id="rId73"/>
+    <p:sldId id="326" r:id="rId74"/>
+    <p:sldId id="264" r:id="rId75"/>
+    <p:sldId id="339" r:id="rId76"/>
   </p:sldIdLst>
   <p:sldSz cx="12192000" cy="6858000"/>
   <p:notesSz cx="6858000" cy="9144000"/>
@@ -239,7 +238,6 @@
             <p14:sldId id="291"/>
             <p14:sldId id="292"/>
             <p14:sldId id="347"/>
-            <p14:sldId id="293"/>
             <p14:sldId id="288"/>
             <p14:sldId id="306"/>
             <p14:sldId id="308"/>
@@ -874,11 +872,7 @@
             </a:r>
             <a:r>
               <a:rPr lang="en-GB" baseline="0" dirty="0" smtClean="0"/>
-              <a:t> could be in the error queue while place </a:t>
-            </a:r>
-            <a:r>
-              <a:rPr lang="en-GB" baseline="0" smtClean="0"/>
-              <a:t>order arrives)</a:t>
+              <a:t> could be in the error queue while place order arrives)</a:t>
             </a:r>
             <a:endParaRPr lang="sv-SE" dirty="0" smtClean="0"/>
           </a:p>
@@ -3072,10 +3066,32 @@
           <a:lstStyle/>
           <a:p>
             <a:r>
-              <a:rPr lang="de-CH" dirty="0" smtClean="0"/>
-              <a:t>Prozesshandling wie es aussehen könnte</a:t>
-            </a:r>
-            <a:endParaRPr lang="de-CH" dirty="0"/>
+              <a:rPr lang="sv-SE" dirty="0" smtClean="0"/>
+              <a:t>Domain</a:t>
+            </a:r>
+            <a:r>
+              <a:rPr lang="sv-SE" baseline="0" dirty="0" smtClean="0"/>
+              <a:t>model</a:t>
+            </a:r>
+          </a:p>
+          <a:p>
+            <a:r>
+              <a:rPr lang="sv-SE" baseline="0" dirty="0" smtClean="0"/>
+              <a:t>Select n+1</a:t>
+            </a:r>
+          </a:p>
+          <a:p>
+            <a:r>
+              <a:rPr lang="sv-SE" baseline="0" dirty="0" smtClean="0"/>
+              <a:t>Fetching strategies</a:t>
+            </a:r>
+          </a:p>
+          <a:p>
+            <a:r>
+              <a:rPr lang="sv-SE" baseline="0" dirty="0" smtClean="0"/>
+              <a:t>Lets run them during the night</a:t>
+            </a:r>
+            <a:endParaRPr lang="sv-SE" dirty="0"/>
           </a:p>
         </p:txBody>
       </p:sp>
@@ -3094,18 +3110,18 @@
           <a:bodyPr/>
           <a:lstStyle/>
           <a:p>
-            <a:fld id="{3993D047-D8B4-43AA-8641-D9CCF4EC54F4}" type="slidenum">
-              <a:rPr lang="de-CH" smtClean="0"/>
-              <a:t>53</a:t>
+            <a:fld id="{A905A5AB-8DC5-4B60-A895-8FAC0E3D9A22}" type="slidenum">
+              <a:rPr lang="sv-SE" smtClean="0"/>
+              <a:t>55</a:t>
             </a:fld>
-            <a:endParaRPr lang="de-CH"/>
+            <a:endParaRPr lang="sv-SE"/>
           </a:p>
         </p:txBody>
       </p:sp>
     </p:spTree>
     <p:extLst>
       <p:ext uri="{BB962C8B-B14F-4D97-AF65-F5344CB8AC3E}">
-        <p14:creationId xmlns:p14="http://schemas.microsoft.com/office/powerpoint/2010/main" val="1697730364"/>
+        <p14:creationId xmlns:p14="http://schemas.microsoft.com/office/powerpoint/2010/main" val="1202191226"/>
       </p:ext>
     </p:extLst>
   </p:cSld>
@@ -3159,32 +3175,6 @@
           <a:bodyPr/>
           <a:lstStyle/>
           <a:p>
-            <a:r>
-              <a:rPr lang="sv-SE" dirty="0" smtClean="0"/>
-              <a:t>Domain</a:t>
-            </a:r>
-            <a:r>
-              <a:rPr lang="sv-SE" baseline="0" dirty="0" smtClean="0"/>
-              <a:t>model</a:t>
-            </a:r>
-          </a:p>
-          <a:p>
-            <a:r>
-              <a:rPr lang="sv-SE" baseline="0" dirty="0" smtClean="0"/>
-              <a:t>Select n+1</a:t>
-            </a:r>
-          </a:p>
-          <a:p>
-            <a:r>
-              <a:rPr lang="sv-SE" baseline="0" dirty="0" smtClean="0"/>
-              <a:t>Fetching strategies</a:t>
-            </a:r>
-          </a:p>
-          <a:p>
-            <a:r>
-              <a:rPr lang="sv-SE" baseline="0" dirty="0" smtClean="0"/>
-              <a:t>Lets run them during the night</a:t>
-            </a:r>
             <a:endParaRPr lang="sv-SE" dirty="0"/>
           </a:p>
         </p:txBody>
@@ -3204,7 +3194,7 @@
           <a:bodyPr/>
           <a:lstStyle/>
           <a:p>
-            <a:fld id="{A905A5AB-8DC5-4B60-A895-8FAC0E3D9A22}" type="slidenum">
+            <a:fld id="{D5BB19A3-B3B6-4398-9889-160C3A008821}" type="slidenum">
               <a:rPr lang="sv-SE" smtClean="0"/>
               <a:t>56</a:t>
             </a:fld>
@@ -3215,7 +3205,7 @@
     </p:spTree>
     <p:extLst>
       <p:ext uri="{BB962C8B-B14F-4D97-AF65-F5344CB8AC3E}">
-        <p14:creationId xmlns:p14="http://schemas.microsoft.com/office/powerpoint/2010/main" val="1202191226"/>
+        <p14:creationId xmlns:p14="http://schemas.microsoft.com/office/powerpoint/2010/main" val="3204655635"/>
       </p:ext>
     </p:extLst>
   </p:cSld>
@@ -3269,6 +3259,23 @@
           <a:bodyPr/>
           <a:lstStyle/>
           <a:p>
+            <a:r>
+              <a:rPr lang="en-GB" dirty="0" smtClean="0"/>
+              <a:t>Mention never ending sagas</a:t>
+            </a:r>
+          </a:p>
+          <a:p>
+            <a:endParaRPr lang="en-GB" dirty="0" smtClean="0"/>
+          </a:p>
+          <a:p>
+            <a:r>
+              <a:rPr lang="en-GB" dirty="0" smtClean="0"/>
+              <a:t>Keep in mind when upgrading</a:t>
+            </a:r>
+            <a:r>
+              <a:rPr lang="en-GB" baseline="0" dirty="0" smtClean="0"/>
+              <a:t> btw major version</a:t>
+            </a:r>
             <a:endParaRPr lang="sv-SE" dirty="0"/>
           </a:p>
         </p:txBody>
@@ -3299,7 +3306,7 @@
     </p:spTree>
     <p:extLst>
       <p:ext uri="{BB962C8B-B14F-4D97-AF65-F5344CB8AC3E}">
-        <p14:creationId xmlns:p14="http://schemas.microsoft.com/office/powerpoint/2010/main" val="3204655635"/>
+        <p14:creationId xmlns:p14="http://schemas.microsoft.com/office/powerpoint/2010/main" val="3978834604"/>
       </p:ext>
     </p:extLst>
   </p:cSld>
@@ -3472,16 +3479,12 @@
           <a:lstStyle/>
           <a:p>
             <a:r>
-              <a:rPr lang="en-GB" dirty="0" err="1" smtClean="0"/>
-              <a:t>parseJson</a:t>
+              <a:rPr lang="en-GB" dirty="0" smtClean="0"/>
+              <a:t>First</a:t>
             </a:r>
             <a:r>
               <a:rPr lang="en-GB" baseline="0" dirty="0" smtClean="0"/>
-              <a:t> is a custom </a:t>
-            </a:r>
-            <a:r>
-              <a:rPr lang="en-GB" baseline="0" dirty="0" err="1" smtClean="0"/>
-              <a:t>func</a:t>
+              <a:t> figure out if the business really wants to change this for all existing sagas? Or only new ones?</a:t>
             </a:r>
             <a:endParaRPr lang="sv-SE" dirty="0"/>
           </a:p>
@@ -3504,7 +3507,7 @@
           <a:p>
             <a:fld id="{D5BB19A3-B3B6-4398-9889-160C3A008821}" type="slidenum">
               <a:rPr lang="sv-SE" smtClean="0"/>
-              <a:t>62</a:t>
+              <a:t>60</a:t>
             </a:fld>
             <a:endParaRPr lang="sv-SE"/>
           </a:p>
@@ -3513,7 +3516,7 @@
     </p:spTree>
     <p:extLst>
       <p:ext uri="{BB962C8B-B14F-4D97-AF65-F5344CB8AC3E}">
-        <p14:creationId xmlns:p14="http://schemas.microsoft.com/office/powerpoint/2010/main" val="4029256152"/>
+        <p14:creationId xmlns:p14="http://schemas.microsoft.com/office/powerpoint/2010/main" val="2725442822"/>
       </p:ext>
     </p:extLst>
   </p:cSld>
@@ -3564,16 +3567,22 @@
         </p:nvSpPr>
         <p:spPr/>
         <p:txBody>
-          <a:bodyPr>
-            <a:normAutofit/>
-          </a:bodyPr>
+          <a:bodyPr/>
           <a:lstStyle/>
           <a:p>
             <a:r>
-              <a:rPr lang="en-US" dirty="0" smtClean="0"/>
-              <a:t>Use the “explain it to me like I was 5 years old” business analysis technique.</a:t>
-            </a:r>
-            <a:endParaRPr lang="en-US" dirty="0"/>
+              <a:rPr lang="en-GB" dirty="0" err="1" smtClean="0"/>
+              <a:t>parseJson</a:t>
+            </a:r>
+            <a:r>
+              <a:rPr lang="en-GB" baseline="0" dirty="0" smtClean="0"/>
+              <a:t> is a custom </a:t>
+            </a:r>
+            <a:r>
+              <a:rPr lang="en-GB" baseline="0" dirty="0" err="1" smtClean="0"/>
+              <a:t>func</a:t>
+            </a:r>
+            <a:endParaRPr lang="sv-SE" dirty="0"/>
           </a:p>
         </p:txBody>
       </p:sp>
@@ -3584,7 +3593,7 @@
             <a:spLocks noGrp="1"/>
           </p:cNvSpPr>
           <p:nvPr>
-            <p:ph type="sldNum" idx="10"/>
+            <p:ph type="sldNum" sz="quarter" idx="10"/>
           </p:nvPr>
         </p:nvSpPr>
         <p:spPr/>
@@ -3592,19 +3601,18 @@
           <a:bodyPr/>
           <a:lstStyle/>
           <a:p>
-            <a:fld id="{7ACA2796-6D5E-4AAD-9D66-AE6CE657D5C0}" type="slidenum">
-              <a:rPr lang="en-GB" smtClean="0"/>
-              <a:pPr/>
-              <a:t>69</a:t>
+            <a:fld id="{D5BB19A3-B3B6-4398-9889-160C3A008821}" type="slidenum">
+              <a:rPr lang="sv-SE" smtClean="0"/>
+              <a:t>61</a:t>
             </a:fld>
-            <a:endParaRPr lang="en-GB"/>
+            <a:endParaRPr lang="sv-SE"/>
           </a:p>
         </p:txBody>
       </p:sp>
     </p:spTree>
     <p:extLst>
       <p:ext uri="{BB962C8B-B14F-4D97-AF65-F5344CB8AC3E}">
-        <p14:creationId xmlns:p14="http://schemas.microsoft.com/office/powerpoint/2010/main" val="152178608"/>
+        <p14:creationId xmlns:p14="http://schemas.microsoft.com/office/powerpoint/2010/main" val="4029256152"/>
       </p:ext>
     </p:extLst>
   </p:cSld>
@@ -3662,7 +3670,7 @@
           <a:p>
             <a:r>
               <a:rPr lang="en-US" dirty="0" smtClean="0"/>
-              <a:t>So, no real race condition – we have the time and space to run business logic later.</a:t>
+              <a:t>Use the “explain it to me like I was 5 years old” business analysis technique.</a:t>
             </a:r>
             <a:endParaRPr lang="en-US" dirty="0"/>
           </a:p>
@@ -3686,7 +3694,7 @@
             <a:fld id="{7ACA2796-6D5E-4AAD-9D66-AE6CE657D5C0}" type="slidenum">
               <a:rPr lang="en-GB" smtClean="0"/>
               <a:pPr/>
-              <a:t>70</a:t>
+              <a:t>68</a:t>
             </a:fld>
             <a:endParaRPr lang="en-GB"/>
           </a:p>
@@ -3695,7 +3703,7 @@
     </p:spTree>
     <p:extLst>
       <p:ext uri="{BB962C8B-B14F-4D97-AF65-F5344CB8AC3E}">
-        <p14:creationId xmlns:p14="http://schemas.microsoft.com/office/powerpoint/2010/main" val="345938652"/>
+        <p14:creationId xmlns:p14="http://schemas.microsoft.com/office/powerpoint/2010/main" val="152178608"/>
       </p:ext>
     </p:extLst>
   </p:cSld>
@@ -3753,27 +3761,7 @@
           <a:p>
             <a:r>
               <a:rPr lang="en-US" dirty="0" smtClean="0"/>
-              <a:t>Products returned in 30 days – full refund (less shipping and handling)</a:t>
-            </a:r>
-          </a:p>
-          <a:p>
-            <a:r>
-              <a:rPr lang="en-US" dirty="0" smtClean="0"/>
-              <a:t>Products returned in 60</a:t>
-            </a:r>
-            <a:r>
-              <a:rPr lang="en-US" baseline="0" dirty="0" smtClean="0"/>
-              <a:t> days – 50% refund </a:t>
-            </a:r>
-            <a:r>
-              <a:rPr lang="en-US" dirty="0" smtClean="0"/>
-              <a:t>(less shipping and handling)</a:t>
-            </a:r>
-          </a:p>
-          <a:p>
-            <a:r>
-              <a:rPr lang="en-US" dirty="0" smtClean="0"/>
-              <a:t>Later than 60 days – no refund</a:t>
+              <a:t>So, no real race condition – we have the time and space to run business logic later.</a:t>
             </a:r>
             <a:endParaRPr lang="en-US" dirty="0"/>
           </a:p>
@@ -3797,7 +3785,7 @@
             <a:fld id="{7ACA2796-6D5E-4AAD-9D66-AE6CE657D5C0}" type="slidenum">
               <a:rPr lang="en-GB" smtClean="0"/>
               <a:pPr/>
-              <a:t>72</a:t>
+              <a:t>69</a:t>
             </a:fld>
             <a:endParaRPr lang="en-GB"/>
           </a:p>
@@ -3806,7 +3794,7 @@
     </p:spTree>
     <p:extLst>
       <p:ext uri="{BB962C8B-B14F-4D97-AF65-F5344CB8AC3E}">
-        <p14:creationId xmlns:p14="http://schemas.microsoft.com/office/powerpoint/2010/main" val="2617882635"/>
+        <p14:creationId xmlns:p14="http://schemas.microsoft.com/office/powerpoint/2010/main" val="345938652"/>
       </p:ext>
     </p:extLst>
   </p:cSld>
@@ -3857,12 +3845,34 @@
         </p:nvSpPr>
         <p:spPr/>
         <p:txBody>
-          <a:bodyPr/>
+          <a:bodyPr>
+            <a:normAutofit/>
+          </a:bodyPr>
           <a:lstStyle/>
           <a:p>
             <a:r>
               <a:rPr lang="en-US" dirty="0" smtClean="0"/>
-              <a:t>If they get done early, they could do the refund policy in Billing</a:t>
+              <a:t>Products returned in 30 days – full refund (less shipping and handling)</a:t>
+            </a:r>
+          </a:p>
+          <a:p>
+            <a:r>
+              <a:rPr lang="en-US" dirty="0" smtClean="0"/>
+              <a:t>Products returned in 60</a:t>
+            </a:r>
+            <a:r>
+              <a:rPr lang="en-US" baseline="0" dirty="0" smtClean="0"/>
+              <a:t> days – 50% refund </a:t>
+            </a:r>
+            <a:r>
+              <a:rPr lang="en-US" dirty="0" smtClean="0"/>
+              <a:t>(less shipping and handling)</a:t>
+            </a:r>
+          </a:p>
+          <a:p>
+            <a:r>
+              <a:rPr lang="en-US" dirty="0" smtClean="0"/>
+              <a:t>Later than 60 days – no refund</a:t>
             </a:r>
             <a:endParaRPr lang="en-US" dirty="0"/>
           </a:p>
@@ -3875,7 +3885,7 @@
             <a:spLocks noGrp="1"/>
           </p:cNvSpPr>
           <p:nvPr>
-            <p:ph type="sldNum" sz="quarter" idx="10"/>
+            <p:ph type="sldNum" idx="10"/>
           </p:nvPr>
         </p:nvSpPr>
         <p:spPr/>
@@ -3883,18 +3893,19 @@
           <a:bodyPr/>
           <a:lstStyle/>
           <a:p>
-            <a:fld id="{D5BB19A3-B3B6-4398-9889-160C3A008821}" type="slidenum">
-              <a:rPr lang="sv-SE" smtClean="0"/>
-              <a:t>73</a:t>
+            <a:fld id="{7ACA2796-6D5E-4AAD-9D66-AE6CE657D5C0}" type="slidenum">
+              <a:rPr lang="en-GB" smtClean="0"/>
+              <a:pPr/>
+              <a:t>71</a:t>
             </a:fld>
-            <a:endParaRPr lang="sv-SE"/>
+            <a:endParaRPr lang="en-GB"/>
           </a:p>
         </p:txBody>
       </p:sp>
     </p:spTree>
     <p:extLst>
       <p:ext uri="{BB962C8B-B14F-4D97-AF65-F5344CB8AC3E}">
-        <p14:creationId xmlns:p14="http://schemas.microsoft.com/office/powerpoint/2010/main" val="343969998"/>
+        <p14:creationId xmlns:p14="http://schemas.microsoft.com/office/powerpoint/2010/main" val="2617882635"/>
       </p:ext>
     </p:extLst>
   </p:cSld>
@@ -3949,71 +3960,10 @@
           <a:lstStyle/>
           <a:p>
             <a:r>
-              <a:rPr lang="en-GB" dirty="0" smtClean="0"/>
-              <a:t>Upgrade the sales endpoint to v6 and remove:</a:t>
-            </a:r>
-          </a:p>
-          <a:p>
-            <a:pPr marL="171450" indent="-171450">
-              <a:buFont typeface="Arial" panose="020B0604020202020204" pitchFamily="34" charset="0"/>
-              <a:buChar char="•"/>
-            </a:pPr>
-            <a:r>
-              <a:rPr lang="en-GB" baseline="0" dirty="0" smtClean="0"/>
-              <a:t>Unique</a:t>
-            </a:r>
-          </a:p>
-          <a:p>
-            <a:pPr marL="171450" indent="-171450">
-              <a:buFont typeface="Arial" panose="020B0604020202020204" pitchFamily="34" charset="0"/>
-              <a:buChar char="•"/>
-            </a:pPr>
-            <a:r>
-              <a:rPr lang="en-GB" baseline="0" dirty="0" smtClean="0"/>
-              <a:t>Set of the </a:t>
-            </a:r>
-            <a:r>
-              <a:rPr lang="en-GB" baseline="0" dirty="0" err="1" smtClean="0"/>
-              <a:t>corr</a:t>
-            </a:r>
-            <a:r>
-              <a:rPr lang="en-GB" baseline="0" dirty="0" smtClean="0"/>
-              <a:t> prop</a:t>
-            </a:r>
-          </a:p>
-          <a:p>
-            <a:pPr marL="171450" indent="-171450">
-              <a:buFont typeface="Arial" panose="020B0604020202020204" pitchFamily="34" charset="0"/>
-              <a:buChar char="•"/>
-            </a:pPr>
-            <a:r>
-              <a:rPr lang="en-GB" baseline="0" dirty="0" smtClean="0"/>
-              <a:t>Show that it blows if no </a:t>
-            </a:r>
-            <a:r>
-              <a:rPr lang="en-GB" baseline="0" dirty="0" err="1" smtClean="0"/>
-              <a:t>IAmStartedByExists</a:t>
-            </a:r>
-            <a:endParaRPr lang="en-GB" baseline="0" dirty="0" smtClean="0"/>
-          </a:p>
-          <a:p>
-            <a:pPr marL="171450" indent="-171450">
-              <a:buFont typeface="Arial" panose="020B0604020202020204" pitchFamily="34" charset="0"/>
-              <a:buChar char="•"/>
-            </a:pPr>
-            <a:r>
-              <a:rPr lang="en-GB" baseline="0" dirty="0" smtClean="0"/>
-              <a:t>Show that a mapping is required for each I am started </a:t>
-            </a:r>
-            <a:r>
-              <a:rPr lang="en-GB" baseline="0" dirty="0" err="1" smtClean="0"/>
-              <a:t>bys</a:t>
-            </a:r>
-            <a:r>
-              <a:rPr lang="en-GB" baseline="0" dirty="0" smtClean="0"/>
-              <a:t> (double check this)</a:t>
-            </a:r>
-            <a:endParaRPr lang="sv-SE" dirty="0"/>
+              <a:rPr lang="en-US" dirty="0" smtClean="0"/>
+              <a:t>If they get done early, they could do the refund policy in Billing</a:t>
+            </a:r>
+            <a:endParaRPr lang="en-US" dirty="0"/>
           </a:p>
         </p:txBody>
       </p:sp>
@@ -4034,7 +3984,156 @@
           <a:p>
             <a:fld id="{D5BB19A3-B3B6-4398-9889-160C3A008821}" type="slidenum">
               <a:rPr lang="sv-SE" smtClean="0"/>
-              <a:t>75</a:t>
+              <a:t>72</a:t>
+            </a:fld>
+            <a:endParaRPr lang="sv-SE"/>
+          </a:p>
+        </p:txBody>
+      </p:sp>
+    </p:spTree>
+    <p:extLst>
+      <p:ext uri="{BB962C8B-B14F-4D97-AF65-F5344CB8AC3E}">
+        <p14:creationId xmlns:p14="http://schemas.microsoft.com/office/powerpoint/2010/main" val="343969998"/>
+      </p:ext>
+    </p:extLst>
+  </p:cSld>
+  <p:clrMapOvr>
+    <a:masterClrMapping/>
+  </p:clrMapOvr>
+</p:notes>
+</file>
+
+<file path=ppt/notesSlides/notesSlide36.xml><?xml version="1.0" encoding="utf-8"?>
+<p:notes xmlns:a="http://schemas.openxmlformats.org/drawingml/2006/main" xmlns:r="http://schemas.openxmlformats.org/officeDocument/2006/relationships" xmlns:p="http://schemas.openxmlformats.org/presentationml/2006/main">
+  <p:cSld>
+    <p:spTree>
+      <p:nvGrpSpPr>
+        <p:cNvPr id="1" name=""/>
+        <p:cNvGrpSpPr/>
+        <p:nvPr/>
+      </p:nvGrpSpPr>
+      <p:grpSpPr>
+        <a:xfrm>
+          <a:off x="0" y="0"/>
+          <a:ext cx="0" cy="0"/>
+          <a:chOff x="0" y="0"/>
+          <a:chExt cx="0" cy="0"/>
+        </a:xfrm>
+      </p:grpSpPr>
+      <p:sp>
+        <p:nvSpPr>
+          <p:cNvPr id="2" name="Slide Image Placeholder 1"/>
+          <p:cNvSpPr>
+            <a:spLocks noGrp="1" noRot="1" noChangeAspect="1"/>
+          </p:cNvSpPr>
+          <p:nvPr>
+            <p:ph type="sldImg"/>
+          </p:nvPr>
+        </p:nvSpPr>
+        <p:spPr/>
+      </p:sp>
+      <p:sp>
+        <p:nvSpPr>
+          <p:cNvPr id="3" name="Notes Placeholder 2"/>
+          <p:cNvSpPr>
+            <a:spLocks noGrp="1"/>
+          </p:cNvSpPr>
+          <p:nvPr>
+            <p:ph type="body" idx="1"/>
+          </p:nvPr>
+        </p:nvSpPr>
+        <p:spPr/>
+        <p:txBody>
+          <a:bodyPr/>
+          <a:lstStyle/>
+          <a:p>
+            <a:r>
+              <a:rPr lang="en-GB" dirty="0" smtClean="0"/>
+              <a:t>Upgrade the sales endpoint to v6 and remove:</a:t>
+            </a:r>
+          </a:p>
+          <a:p>
+            <a:pPr marL="171450" indent="-171450">
+              <a:buFont typeface="Arial" panose="020B0604020202020204" pitchFamily="34" charset="0"/>
+              <a:buChar char="•"/>
+            </a:pPr>
+            <a:r>
+              <a:rPr lang="en-GB" baseline="0" dirty="0" smtClean="0"/>
+              <a:t>Unique</a:t>
+            </a:r>
+          </a:p>
+          <a:p>
+            <a:pPr marL="171450" indent="-171450">
+              <a:buFont typeface="Arial" panose="020B0604020202020204" pitchFamily="34" charset="0"/>
+              <a:buChar char="•"/>
+            </a:pPr>
+            <a:r>
+              <a:rPr lang="en-GB" baseline="0" dirty="0" smtClean="0"/>
+              <a:t>Set of the </a:t>
+            </a:r>
+            <a:r>
+              <a:rPr lang="en-GB" baseline="0" dirty="0" err="1" smtClean="0"/>
+              <a:t>corr</a:t>
+            </a:r>
+            <a:r>
+              <a:rPr lang="en-GB" baseline="0" dirty="0" smtClean="0"/>
+              <a:t> prop</a:t>
+            </a:r>
+          </a:p>
+          <a:p>
+            <a:pPr marL="171450" indent="-171450">
+              <a:buFont typeface="Arial" panose="020B0604020202020204" pitchFamily="34" charset="0"/>
+              <a:buChar char="•"/>
+            </a:pPr>
+            <a:r>
+              <a:rPr lang="en-GB" baseline="0" dirty="0" smtClean="0"/>
+              <a:t>Show that it blows if no </a:t>
+            </a:r>
+            <a:r>
+              <a:rPr lang="en-GB" baseline="0" dirty="0" err="1" smtClean="0"/>
+              <a:t>IAmStartedByExists</a:t>
+            </a:r>
+            <a:endParaRPr lang="en-GB" baseline="0" dirty="0" smtClean="0"/>
+          </a:p>
+          <a:p>
+            <a:pPr marL="171450" indent="-171450">
+              <a:buFont typeface="Arial" panose="020B0604020202020204" pitchFamily="34" charset="0"/>
+              <a:buChar char="•"/>
+            </a:pPr>
+            <a:r>
+              <a:rPr lang="en-GB" baseline="0" dirty="0" smtClean="0"/>
+              <a:t>Show that a mapping is required for each I am started </a:t>
+            </a:r>
+            <a:r>
+              <a:rPr lang="en-GB" baseline="0" dirty="0" err="1" smtClean="0"/>
+              <a:t>bys</a:t>
+            </a:r>
+            <a:r>
+              <a:rPr lang="en-GB" baseline="0" dirty="0" smtClean="0"/>
+              <a:t> (double check this)</a:t>
+            </a:r>
+            <a:endParaRPr lang="sv-SE" dirty="0"/>
+          </a:p>
+        </p:txBody>
+      </p:sp>
+      <p:sp>
+        <p:nvSpPr>
+          <p:cNvPr id="4" name="Slide Number Placeholder 3"/>
+          <p:cNvSpPr>
+            <a:spLocks noGrp="1"/>
+          </p:cNvSpPr>
+          <p:nvPr>
+            <p:ph type="sldNum" sz="quarter" idx="10"/>
+          </p:nvPr>
+        </p:nvSpPr>
+        <p:spPr/>
+        <p:txBody>
+          <a:bodyPr/>
+          <a:lstStyle/>
+          <a:p>
+            <a:fld id="{D5BB19A3-B3B6-4398-9889-160C3A008821}" type="slidenum">
+              <a:rPr lang="sv-SE" smtClean="0"/>
+              <a:t>74</a:t>
             </a:fld>
             <a:endParaRPr lang="sv-SE"/>
           </a:p>
@@ -13647,7 +13746,7 @@
               <a:t>Implement </a:t>
             </a:r>
             <a:r>
-              <a:rPr lang="en-US" dirty="0" err="1" smtClean="0"/>
+              <a:rPr lang="en-US" b="1" dirty="0" err="1" smtClean="0"/>
               <a:t>IAmStartedByMessages</a:t>
             </a:r>
             <a:r>
@@ -13755,13 +13854,17 @@
           <a:p>
             <a:r>
               <a:rPr lang="en-GB" dirty="0" smtClean="0"/>
-              <a:t>Include the Billing and Shipping projects</a:t>
+              <a:t>Using the Billing and Shipping projects</a:t>
             </a:r>
           </a:p>
           <a:p>
             <a:r>
               <a:rPr lang="en-GB" dirty="0" smtClean="0"/>
-              <a:t>Create a event handler in Billing that emits the `</a:t>
+              <a:t>Create </a:t>
+            </a:r>
+            <a:r>
+              <a:rPr lang="en-GB" dirty="0" smtClean="0"/>
+              <a:t>a event handler in Billing that emits the `</a:t>
             </a:r>
             <a:r>
               <a:rPr lang="en-GB" dirty="0" err="1" smtClean="0"/>
@@ -18230,7 +18333,15 @@
           <a:p>
             <a:r>
               <a:rPr lang="en-US" dirty="0" smtClean="0"/>
-              <a:t>Make sure to add the [Unique] attribute to the correlated property</a:t>
+              <a:t>Make sure to add the </a:t>
+            </a:r>
+            <a:r>
+              <a:rPr lang="en-US" b="1" dirty="0" smtClean="0"/>
+              <a:t>[Unique] </a:t>
+            </a:r>
+            <a:r>
+              <a:rPr lang="en-US" dirty="0" smtClean="0"/>
+              <a:t>attribute to the correlated property</a:t>
             </a:r>
           </a:p>
           <a:p>
@@ -18280,7 +18391,30 @@
                 <a:latin typeface="Consolas" panose="020B0609020204030204" pitchFamily="49" charset="0"/>
                 <a:cs typeface="Consolas" panose="020B0609020204030204" pitchFamily="49" charset="0"/>
               </a:rPr>
-              <a:t>] ADD UNIQUE NONCLUSTERED </a:t>
+              <a:t>] </a:t>
+            </a:r>
+            <a:endParaRPr lang="en-US" dirty="0" smtClean="0">
+              <a:latin typeface="Consolas" panose="020B0609020204030204" pitchFamily="49" charset="0"/>
+              <a:cs typeface="Consolas" panose="020B0609020204030204" pitchFamily="49" charset="0"/>
+            </a:endParaRPr>
+          </a:p>
+          <a:p>
+            <a:pPr marL="0" indent="0">
+              <a:buNone/>
+            </a:pPr>
+            <a:r>
+              <a:rPr lang="en-US" dirty="0" smtClean="0">
+                <a:latin typeface="Consolas" panose="020B0609020204030204" pitchFamily="49" charset="0"/>
+                <a:cs typeface="Consolas" panose="020B0609020204030204" pitchFamily="49" charset="0"/>
+              </a:rPr>
+              <a:t>ADD </a:t>
+            </a:r>
+            <a:r>
+              <a:rPr lang="en-US" dirty="0">
+                <a:latin typeface="Consolas" panose="020B0609020204030204" pitchFamily="49" charset="0"/>
+                <a:cs typeface="Consolas" panose="020B0609020204030204" pitchFamily="49" charset="0"/>
+              </a:rPr>
+              <a:t>UNIQUE NONCLUSTERED </a:t>
             </a:r>
           </a:p>
           <a:p>
@@ -18434,8 +18568,13 @@
           <a:p>
             <a:r>
               <a:rPr lang="en-GB" dirty="0" smtClean="0"/>
-              <a:t>NHibernate used</a:t>
-            </a:r>
+              <a:t>NHibernate </a:t>
+            </a:r>
+            <a:r>
+              <a:rPr lang="en-GB" dirty="0" smtClean="0"/>
+              <a:t>uses</a:t>
+            </a:r>
+            <a:endParaRPr lang="en-GB" dirty="0" smtClean="0"/>
           </a:p>
           <a:p>
             <a:pPr lvl="1"/>
@@ -18543,7 +18682,7 @@
 </file>
 
 <file path=ppt/slides/slide27.xml><?xml version="1.0" encoding="utf-8"?>
-<p:sld xmlns:a="http://schemas.openxmlformats.org/drawingml/2006/main" xmlns:r="http://schemas.openxmlformats.org/officeDocument/2006/relationships" xmlns:p="http://schemas.openxmlformats.org/presentationml/2006/main">
+<p:sld xmlns:a="http://schemas.openxmlformats.org/drawingml/2006/main" xmlns:r="http://schemas.openxmlformats.org/officeDocument/2006/relationships" xmlns:p="http://schemas.openxmlformats.org/presentationml/2006/main" show="0">
   <p:cSld>
     <p:spTree>
       <p:nvGrpSpPr>
@@ -19037,6 +19176,14 @@
   <p:clrMapOvr>
     <a:masterClrMapping/>
   </p:clrMapOvr>
+  <mc:AlternateContent xmlns:mc="http://schemas.openxmlformats.org/markup-compatibility/2006">
+    <mc:Choice xmlns:p14="http://schemas.microsoft.com/office/powerpoint/2010/main" Requires="p14">
+      <p:transition spd="slow" p14:dur="2000"/>
+    </mc:Choice>
+    <mc:Fallback>
+      <p:transition spd="slow"/>
+    </mc:Fallback>
+  </mc:AlternateContent>
 </p:sld>
 </file>
 
@@ -19224,7 +19371,15 @@
           <a:p>
             <a:r>
               <a:rPr lang="en-GB" dirty="0" smtClean="0"/>
-              <a:t>Make sure that the billing endpoint is stopped</a:t>
+              <a:t>Make sure that the </a:t>
+            </a:r>
+            <a:r>
+              <a:rPr lang="en-GB" dirty="0" smtClean="0"/>
+              <a:t>Shipping </a:t>
+            </a:r>
+            <a:r>
+              <a:rPr lang="en-GB" dirty="0" smtClean="0"/>
+              <a:t>endpoint is stopped</a:t>
             </a:r>
           </a:p>
           <a:p>
@@ -19236,7 +19391,19 @@
           <a:p>
             <a:r>
               <a:rPr lang="en-GB" dirty="0" smtClean="0"/>
-              <a:t>Start the Shipping endpoint after the Billing event has arrived</a:t>
+              <a:t>Start the Shipping endpoint after the </a:t>
+            </a:r>
+            <a:r>
+              <a:rPr lang="en-GB" dirty="0" err="1" smtClean="0"/>
+              <a:t>OrderBilled</a:t>
+            </a:r>
+            <a:r>
+              <a:rPr lang="en-GB" dirty="0" smtClean="0"/>
+              <a:t> </a:t>
+            </a:r>
+            <a:r>
+              <a:rPr lang="en-GB" dirty="0" smtClean="0"/>
+              <a:t>event has arrived</a:t>
             </a:r>
           </a:p>
           <a:p>
@@ -19264,8 +19431,13 @@
             </a:r>
             <a:r>
               <a:rPr lang="en-GB" dirty="0" smtClean="0"/>
-              <a:t> in /bin/debug</a:t>
-            </a:r>
+              <a:t> in </a:t>
+            </a:r>
+            <a:r>
+              <a:rPr lang="en-GB" dirty="0" smtClean="0"/>
+              <a:t>Shipping/bin/debug</a:t>
+            </a:r>
+            <a:endParaRPr lang="en-GB" dirty="0" smtClean="0"/>
           </a:p>
           <a:p>
             <a:pPr lvl="1"/>
@@ -22824,14 +22996,22 @@
             <a:pPr lvl="1"/>
             <a:r>
               <a:rPr lang="en-GB" dirty="0" smtClean="0"/>
-              <a:t>Avoid the need for mapping responses</a:t>
+              <a:t>Avoids </a:t>
+            </a:r>
+            <a:r>
+              <a:rPr lang="en-GB" dirty="0" smtClean="0"/>
+              <a:t>the need for mapping responses</a:t>
             </a:r>
           </a:p>
           <a:p>
             <a:pPr lvl="1"/>
             <a:r>
+              <a:rPr lang="en-GB" b="1" dirty="0" smtClean="0"/>
+              <a:t>Caveat</a:t>
+            </a:r>
+            <a:r>
               <a:rPr lang="en-GB" dirty="0" smtClean="0"/>
-              <a:t>Caveat: Does not work between sagas</a:t>
+              <a:t>: Does not work between sagas</a:t>
             </a:r>
             <a:endParaRPr lang="sv-SE" dirty="0"/>
           </a:p>
@@ -23286,7 +23466,15 @@
                 <a:ea typeface="Consolas" charset="0"/>
                 <a:cs typeface="Consolas" charset="0"/>
               </a:rPr>
-              <a:t>    // Mapping for Response not needed!</a:t>
+              <a:t>    </a:t>
+            </a:r>
+            <a:r>
+              <a:rPr lang="en-US" sz="1800" b="1" dirty="0">
+                <a:latin typeface="Consolas" charset="0"/>
+                <a:ea typeface="Consolas" charset="0"/>
+                <a:cs typeface="Consolas" charset="0"/>
+              </a:rPr>
+              <a:t>// Mapping for Response not needed!</a:t>
             </a:r>
           </a:p>
           <a:p>
@@ -23506,6 +23694,13 @@
   <p:clrMapOvr>
     <a:masterClrMapping/>
   </p:clrMapOvr>
+  <p:timing>
+    <p:tnLst>
+      <p:par>
+        <p:cTn id="1" dur="indefinite" restart="never" nodeType="tmRoot"/>
+      </p:par>
+    </p:tnLst>
+  </p:timing>
 </p:sld>
 </file>
 
@@ -23592,11 +23787,15 @@
               <a:t>	public string </a:t>
             </a:r>
             <a:r>
-              <a:rPr lang="en-US" sz="2800" b="1" dirty="0" err="1"/>
+              <a:rPr lang="en-US" sz="2800" b="1" dirty="0" err="1" smtClean="0"/>
               <a:t>SomeState</a:t>
             </a:r>
             <a:r>
-              <a:rPr lang="en-US" sz="2800" dirty="0"/>
+              <a:rPr lang="en-US" sz="2800" b="1" dirty="0" smtClean="0"/>
+              <a:t> </a:t>
+            </a:r>
+            <a:r>
+              <a:rPr lang="en-US" sz="2800" dirty="0" smtClean="0"/>
               <a:t>{</a:t>
             </a:r>
             <a:r>
@@ -29864,6 +30063,9 @@
           <a:prstGeom prst="roundRect">
             <a:avLst/>
           </a:prstGeom>
+          <a:solidFill>
+            <a:schemeClr val="accent1"/>
+          </a:solidFill>
           <a:ln>
             <a:headEnd type="none" w="med" len="med"/>
             <a:tailEnd type="none" w="med" len="med"/>
@@ -30029,6 +30231,9 @@
           <a:prstGeom prst="roundRect">
             <a:avLst/>
           </a:prstGeom>
+          <a:solidFill>
+            <a:schemeClr val="accent4"/>
+          </a:solidFill>
           <a:ln>
             <a:headEnd type="none" w="med" len="med"/>
             <a:tailEnd type="none" w="med" len="med"/>
@@ -39334,3424 +39539,6 @@
 </file>
 
 <file path=ppt/slides/slide53.xml><?xml version="1.0" encoding="utf-8"?>
-<p:sld xmlns:a="http://schemas.openxmlformats.org/drawingml/2006/main" xmlns:r="http://schemas.openxmlformats.org/officeDocument/2006/relationships" xmlns:p="http://schemas.openxmlformats.org/presentationml/2006/main" show="0">
-  <p:cSld>
-    <p:spTree>
-      <p:nvGrpSpPr>
-        <p:cNvPr id="1" name=""/>
-        <p:cNvGrpSpPr/>
-        <p:nvPr/>
-      </p:nvGrpSpPr>
-      <p:grpSpPr>
-        <a:xfrm>
-          <a:off x="0" y="0"/>
-          <a:ext cx="0" cy="0"/>
-          <a:chOff x="0" y="0"/>
-          <a:chExt cx="0" cy="0"/>
-        </a:xfrm>
-      </p:grpSpPr>
-      <p:sp>
-        <p:nvSpPr>
-          <p:cNvPr id="76" name="Line 18"/>
-          <p:cNvSpPr>
-            <a:spLocks noChangeShapeType="1"/>
-          </p:cNvSpPr>
-          <p:nvPr/>
-        </p:nvSpPr>
-        <p:spPr bwMode="auto">
-          <a:xfrm flipH="1">
-            <a:off x="4229099" y="1559846"/>
-            <a:ext cx="0" cy="4267200"/>
-          </a:xfrm>
-          <a:prstGeom prst="line">
-            <a:avLst/>
-          </a:prstGeom>
-          <a:noFill/>
-          <a:ln w="38100">
-            <a:solidFill>
-              <a:srgbClr val="83A9E5"/>
-            </a:solidFill>
-            <a:round/>
-            <a:headEnd/>
-            <a:tailEnd/>
-          </a:ln>
-          <a:effectLst>
-            <a:outerShdw dist="35921" dir="2700000" algn="ctr" rotWithShape="0">
-              <a:schemeClr val="bg2"/>
-            </a:outerShdw>
-          </a:effectLst>
-        </p:spPr>
-        <p:txBody>
-          <a:bodyPr wrap="none" anchor="ctr"/>
-          <a:lstStyle/>
-          <a:p>
-            <a:endParaRPr lang="en-GB">
-              <a:latin typeface="Steelfish Rg" panose="020B0608020202040504" pitchFamily="34" charset="0"/>
-            </a:endParaRPr>
-          </a:p>
-        </p:txBody>
-      </p:sp>
-      <p:sp>
-        <p:nvSpPr>
-          <p:cNvPr id="2" name="Text Box 2"/>
-          <p:cNvSpPr txBox="1">
-            <a:spLocks noChangeArrowheads="1"/>
-          </p:cNvSpPr>
-          <p:nvPr/>
-        </p:nvSpPr>
-        <p:spPr bwMode="auto">
-          <a:xfrm>
-            <a:off x="1894166" y="1459159"/>
-            <a:ext cx="1524000" cy="430887"/>
-          </a:xfrm>
-          <a:prstGeom prst="rect">
-            <a:avLst/>
-          </a:prstGeom>
-          <a:noFill/>
-          <a:ln w="9525" algn="ctr">
-            <a:noFill/>
-            <a:miter lim="800000"/>
-            <a:headEnd/>
-            <a:tailEnd/>
-          </a:ln>
-          <a:effectLst/>
-        </p:spPr>
-        <p:txBody>
-          <a:bodyPr>
-            <a:spAutoFit/>
-          </a:bodyPr>
-          <a:lstStyle/>
-          <a:p>
-            <a:pPr algn="ctr">
-              <a:spcBef>
-                <a:spcPct val="50000"/>
-              </a:spcBef>
-            </a:pPr>
-            <a:r>
-              <a:rPr lang="en-US" sz="2200" dirty="0">
-                <a:latin typeface="Steelfish Rg" panose="020B0608020202040504" pitchFamily="34" charset="0"/>
-                <a:cs typeface="Arial" charset="0"/>
-              </a:rPr>
-              <a:t>Request</a:t>
-            </a:r>
-          </a:p>
-        </p:txBody>
-      </p:sp>
-      <p:sp>
-        <p:nvSpPr>
-          <p:cNvPr id="3" name="Text Box 3"/>
-          <p:cNvSpPr txBox="1">
-            <a:spLocks noChangeArrowheads="1"/>
-          </p:cNvSpPr>
-          <p:nvPr/>
-        </p:nvSpPr>
-        <p:spPr bwMode="auto">
-          <a:xfrm>
-            <a:off x="6076576" y="1381311"/>
-            <a:ext cx="2146300" cy="769441"/>
-          </a:xfrm>
-          <a:prstGeom prst="rect">
-            <a:avLst/>
-          </a:prstGeom>
-          <a:noFill/>
-          <a:ln w="9525" algn="ctr">
-            <a:noFill/>
-            <a:miter lim="800000"/>
-            <a:headEnd/>
-            <a:tailEnd/>
-          </a:ln>
-          <a:effectLst/>
-        </p:spPr>
-        <p:txBody>
-          <a:bodyPr>
-            <a:spAutoFit/>
-          </a:bodyPr>
-          <a:lstStyle/>
-          <a:p>
-            <a:pPr algn="ctr">
-              <a:spcBef>
-                <a:spcPct val="50000"/>
-              </a:spcBef>
-            </a:pPr>
-            <a:r>
-              <a:rPr lang="en-US" sz="2200" dirty="0">
-                <a:latin typeface="Steelfish Rg" panose="020B0608020202040504" pitchFamily="34" charset="0"/>
-                <a:cs typeface="Arial" charset="0"/>
-              </a:rPr>
-              <a:t>Send requests to 3 other </a:t>
-            </a:r>
-            <a:r>
-              <a:rPr lang="en-US" sz="2200" dirty="0" smtClean="0">
-                <a:latin typeface="Steelfish Rg" panose="020B0608020202040504" pitchFamily="34" charset="0"/>
-                <a:cs typeface="Arial" charset="0"/>
-              </a:rPr>
-              <a:t>partners</a:t>
-            </a:r>
-            <a:endParaRPr lang="en-US" sz="2200" dirty="0">
-              <a:latin typeface="Steelfish Rg" panose="020B0608020202040504" pitchFamily="34" charset="0"/>
-              <a:cs typeface="Arial" charset="0"/>
-            </a:endParaRPr>
-          </a:p>
-        </p:txBody>
-      </p:sp>
-      <p:sp>
-        <p:nvSpPr>
-          <p:cNvPr id="4" name="Text Box 4"/>
-          <p:cNvSpPr txBox="1">
-            <a:spLocks noChangeArrowheads="1"/>
-          </p:cNvSpPr>
-          <p:nvPr/>
-        </p:nvSpPr>
-        <p:spPr bwMode="auto">
-          <a:xfrm>
-            <a:off x="5232026" y="2339104"/>
-            <a:ext cx="2146300" cy="430887"/>
-          </a:xfrm>
-          <a:prstGeom prst="rect">
-            <a:avLst/>
-          </a:prstGeom>
-          <a:noFill/>
-          <a:ln w="9525" algn="ctr">
-            <a:noFill/>
-            <a:miter lim="800000"/>
-            <a:headEnd/>
-            <a:tailEnd/>
-          </a:ln>
-          <a:effectLst/>
-        </p:spPr>
-        <p:txBody>
-          <a:bodyPr>
-            <a:spAutoFit/>
-          </a:bodyPr>
-          <a:lstStyle/>
-          <a:p>
-            <a:pPr algn="ctr">
-              <a:spcBef>
-                <a:spcPct val="50000"/>
-              </a:spcBef>
-            </a:pPr>
-            <a:r>
-              <a:rPr lang="en-US" sz="2200" dirty="0">
-                <a:latin typeface="Steelfish Rg" panose="020B0608020202040504" pitchFamily="34" charset="0"/>
-                <a:cs typeface="Arial" charset="0"/>
-              </a:rPr>
-              <a:t>Save requests state</a:t>
-            </a:r>
-          </a:p>
-        </p:txBody>
-      </p:sp>
-      <p:sp>
-        <p:nvSpPr>
-          <p:cNvPr id="5" name="Text Box 5"/>
-          <p:cNvSpPr txBox="1">
-            <a:spLocks noChangeArrowheads="1"/>
-          </p:cNvSpPr>
-          <p:nvPr/>
-        </p:nvSpPr>
-        <p:spPr bwMode="auto">
-          <a:xfrm>
-            <a:off x="2009027" y="2769991"/>
-            <a:ext cx="1524000" cy="430887"/>
-          </a:xfrm>
-          <a:prstGeom prst="rect">
-            <a:avLst/>
-          </a:prstGeom>
-          <a:noFill/>
-          <a:ln w="9525" algn="ctr">
-            <a:noFill/>
-            <a:miter lim="800000"/>
-            <a:headEnd/>
-            <a:tailEnd/>
-          </a:ln>
-          <a:effectLst/>
-        </p:spPr>
-        <p:txBody>
-          <a:bodyPr>
-            <a:spAutoFit/>
-          </a:bodyPr>
-          <a:lstStyle/>
-          <a:p>
-            <a:pPr algn="ctr">
-              <a:spcBef>
-                <a:spcPct val="50000"/>
-              </a:spcBef>
-            </a:pPr>
-            <a:r>
-              <a:rPr lang="en-US" sz="2200" dirty="0">
-                <a:latin typeface="Steelfish Rg" panose="020B0608020202040504" pitchFamily="34" charset="0"/>
-                <a:cs typeface="Arial" charset="0"/>
-              </a:rPr>
-              <a:t>Response 2</a:t>
-            </a:r>
-          </a:p>
-        </p:txBody>
-      </p:sp>
-      <p:sp>
-        <p:nvSpPr>
-          <p:cNvPr id="6" name="Text Box 6"/>
-          <p:cNvSpPr txBox="1">
-            <a:spLocks noChangeArrowheads="1"/>
-          </p:cNvSpPr>
-          <p:nvPr/>
-        </p:nvSpPr>
-        <p:spPr bwMode="auto">
-          <a:xfrm>
-            <a:off x="4334437" y="2757012"/>
-            <a:ext cx="1333500" cy="430887"/>
-          </a:xfrm>
-          <a:prstGeom prst="rect">
-            <a:avLst/>
-          </a:prstGeom>
-          <a:noFill/>
-          <a:ln w="9525" algn="ctr">
-            <a:noFill/>
-            <a:miter lim="800000"/>
-            <a:headEnd/>
-            <a:tailEnd/>
-          </a:ln>
-          <a:effectLst/>
-        </p:spPr>
-        <p:txBody>
-          <a:bodyPr>
-            <a:spAutoFit/>
-          </a:bodyPr>
-          <a:lstStyle/>
-          <a:p>
-            <a:pPr algn="ctr">
-              <a:spcBef>
-                <a:spcPct val="50000"/>
-              </a:spcBef>
-            </a:pPr>
-            <a:r>
-              <a:rPr lang="en-US" sz="2200" dirty="0">
-                <a:latin typeface="Steelfish Rg" panose="020B0608020202040504" pitchFamily="34" charset="0"/>
-                <a:cs typeface="Arial" charset="0"/>
-              </a:rPr>
-              <a:t>Update state</a:t>
-            </a:r>
-          </a:p>
-        </p:txBody>
-      </p:sp>
-      <p:sp>
-        <p:nvSpPr>
-          <p:cNvPr id="7" name="Text Box 7"/>
-          <p:cNvSpPr txBox="1">
-            <a:spLocks noChangeArrowheads="1"/>
-          </p:cNvSpPr>
-          <p:nvPr/>
-        </p:nvSpPr>
-        <p:spPr bwMode="auto">
-          <a:xfrm>
-            <a:off x="4374776" y="3273611"/>
-            <a:ext cx="1524000" cy="430887"/>
-          </a:xfrm>
-          <a:prstGeom prst="rect">
-            <a:avLst/>
-          </a:prstGeom>
-          <a:noFill/>
-          <a:ln w="9525" algn="ctr">
-            <a:noFill/>
-            <a:miter lim="800000"/>
-            <a:headEnd/>
-            <a:tailEnd/>
-          </a:ln>
-          <a:effectLst/>
-        </p:spPr>
-        <p:txBody>
-          <a:bodyPr>
-            <a:spAutoFit/>
-          </a:bodyPr>
-          <a:lstStyle/>
-          <a:p>
-            <a:pPr algn="ctr">
-              <a:spcBef>
-                <a:spcPct val="50000"/>
-              </a:spcBef>
-            </a:pPr>
-            <a:r>
-              <a:rPr lang="en-US" sz="2200" dirty="0">
-                <a:latin typeface="Steelfish Rg" panose="020B0608020202040504" pitchFamily="34" charset="0"/>
-                <a:cs typeface="Arial" charset="0"/>
-              </a:rPr>
-              <a:t>Check if done</a:t>
-            </a:r>
-          </a:p>
-        </p:txBody>
-      </p:sp>
-      <p:sp>
-        <p:nvSpPr>
-          <p:cNvPr id="8" name="Text Box 8"/>
-          <p:cNvSpPr txBox="1">
-            <a:spLocks noChangeArrowheads="1"/>
-          </p:cNvSpPr>
-          <p:nvPr/>
-        </p:nvSpPr>
-        <p:spPr bwMode="auto">
-          <a:xfrm>
-            <a:off x="2088028" y="3697669"/>
-            <a:ext cx="1524000" cy="430887"/>
-          </a:xfrm>
-          <a:prstGeom prst="rect">
-            <a:avLst/>
-          </a:prstGeom>
-          <a:noFill/>
-          <a:ln w="9525" algn="ctr">
-            <a:noFill/>
-            <a:miter lim="800000"/>
-            <a:headEnd/>
-            <a:tailEnd/>
-          </a:ln>
-          <a:effectLst/>
-        </p:spPr>
-        <p:txBody>
-          <a:bodyPr>
-            <a:spAutoFit/>
-          </a:bodyPr>
-          <a:lstStyle/>
-          <a:p>
-            <a:pPr algn="ctr">
-              <a:spcBef>
-                <a:spcPct val="50000"/>
-              </a:spcBef>
-            </a:pPr>
-            <a:r>
-              <a:rPr lang="en-US" sz="2200" dirty="0">
-                <a:latin typeface="Steelfish Rg" panose="020B0608020202040504" pitchFamily="34" charset="0"/>
-                <a:cs typeface="Arial" charset="0"/>
-              </a:rPr>
-              <a:t>Response 3</a:t>
-            </a:r>
-          </a:p>
-        </p:txBody>
-      </p:sp>
-      <p:sp>
-        <p:nvSpPr>
-          <p:cNvPr id="9" name="Text Box 9"/>
-          <p:cNvSpPr txBox="1">
-            <a:spLocks noChangeArrowheads="1"/>
-          </p:cNvSpPr>
-          <p:nvPr/>
-        </p:nvSpPr>
-        <p:spPr bwMode="auto">
-          <a:xfrm>
-            <a:off x="5174876" y="3857811"/>
-            <a:ext cx="1333500" cy="430887"/>
-          </a:xfrm>
-          <a:prstGeom prst="rect">
-            <a:avLst/>
-          </a:prstGeom>
-          <a:noFill/>
-          <a:ln w="9525" algn="ctr">
-            <a:noFill/>
-            <a:miter lim="800000"/>
-            <a:headEnd/>
-            <a:tailEnd/>
-          </a:ln>
-          <a:effectLst/>
-        </p:spPr>
-        <p:txBody>
-          <a:bodyPr>
-            <a:spAutoFit/>
-          </a:bodyPr>
-          <a:lstStyle/>
-          <a:p>
-            <a:pPr algn="ctr">
-              <a:spcBef>
-                <a:spcPct val="50000"/>
-              </a:spcBef>
-            </a:pPr>
-            <a:r>
-              <a:rPr lang="en-US" sz="2200" dirty="0">
-                <a:latin typeface="Steelfish Rg" panose="020B0608020202040504" pitchFamily="34" charset="0"/>
-                <a:cs typeface="Arial" charset="0"/>
-              </a:rPr>
-              <a:t>Update state</a:t>
-            </a:r>
-          </a:p>
-        </p:txBody>
-      </p:sp>
-      <p:sp>
-        <p:nvSpPr>
-          <p:cNvPr id="10" name="Text Box 10"/>
-          <p:cNvSpPr txBox="1">
-            <a:spLocks noChangeArrowheads="1"/>
-          </p:cNvSpPr>
-          <p:nvPr/>
-        </p:nvSpPr>
-        <p:spPr bwMode="auto">
-          <a:xfrm>
-            <a:off x="4235076" y="4162611"/>
-            <a:ext cx="1397000" cy="430887"/>
-          </a:xfrm>
-          <a:prstGeom prst="rect">
-            <a:avLst/>
-          </a:prstGeom>
-          <a:noFill/>
-          <a:ln w="9525" algn="ctr">
-            <a:noFill/>
-            <a:miter lim="800000"/>
-            <a:headEnd/>
-            <a:tailEnd/>
-          </a:ln>
-          <a:effectLst/>
-        </p:spPr>
-        <p:txBody>
-          <a:bodyPr>
-            <a:spAutoFit/>
-          </a:bodyPr>
-          <a:lstStyle/>
-          <a:p>
-            <a:pPr algn="ctr">
-              <a:spcBef>
-                <a:spcPct val="50000"/>
-              </a:spcBef>
-            </a:pPr>
-            <a:r>
-              <a:rPr lang="en-US" sz="2200" dirty="0">
-                <a:latin typeface="Steelfish Rg" panose="020B0608020202040504" pitchFamily="34" charset="0"/>
-                <a:cs typeface="Arial" charset="0"/>
-              </a:rPr>
-              <a:t>Check if done</a:t>
-            </a:r>
-          </a:p>
-        </p:txBody>
-      </p:sp>
-      <p:sp>
-        <p:nvSpPr>
-          <p:cNvPr id="11" name="Text Box 11"/>
-          <p:cNvSpPr txBox="1">
-            <a:spLocks noChangeArrowheads="1"/>
-          </p:cNvSpPr>
-          <p:nvPr/>
-        </p:nvSpPr>
-        <p:spPr bwMode="auto">
-          <a:xfrm>
-            <a:off x="2079811" y="4646580"/>
-            <a:ext cx="1524000" cy="430887"/>
-          </a:xfrm>
-          <a:prstGeom prst="rect">
-            <a:avLst/>
-          </a:prstGeom>
-          <a:noFill/>
-          <a:ln w="9525" algn="ctr">
-            <a:noFill/>
-            <a:miter lim="800000"/>
-            <a:headEnd/>
-            <a:tailEnd/>
-          </a:ln>
-          <a:effectLst/>
-        </p:spPr>
-        <p:txBody>
-          <a:bodyPr>
-            <a:spAutoFit/>
-          </a:bodyPr>
-          <a:lstStyle/>
-          <a:p>
-            <a:pPr algn="ctr">
-              <a:spcBef>
-                <a:spcPct val="50000"/>
-              </a:spcBef>
-            </a:pPr>
-            <a:r>
-              <a:rPr lang="en-US" sz="2200" dirty="0">
-                <a:latin typeface="Steelfish Rg" panose="020B0608020202040504" pitchFamily="34" charset="0"/>
-                <a:cs typeface="Arial" charset="0"/>
-              </a:rPr>
-              <a:t>Response 1</a:t>
-            </a:r>
-          </a:p>
-        </p:txBody>
-      </p:sp>
-      <p:sp>
-        <p:nvSpPr>
-          <p:cNvPr id="12" name="Text Box 12"/>
-          <p:cNvSpPr txBox="1">
-            <a:spLocks noChangeArrowheads="1"/>
-          </p:cNvSpPr>
-          <p:nvPr/>
-        </p:nvSpPr>
-        <p:spPr bwMode="auto">
-          <a:xfrm>
-            <a:off x="4654176" y="4835711"/>
-            <a:ext cx="2298700" cy="430887"/>
-          </a:xfrm>
-          <a:prstGeom prst="rect">
-            <a:avLst/>
-          </a:prstGeom>
-          <a:noFill/>
-          <a:ln w="9525" algn="ctr">
-            <a:noFill/>
-            <a:miter lim="800000"/>
-            <a:headEnd/>
-            <a:tailEnd/>
-          </a:ln>
-          <a:effectLst/>
-        </p:spPr>
-        <p:txBody>
-          <a:bodyPr>
-            <a:spAutoFit/>
-          </a:bodyPr>
-          <a:lstStyle/>
-          <a:p>
-            <a:pPr algn="ctr">
-              <a:spcBef>
-                <a:spcPct val="50000"/>
-              </a:spcBef>
-            </a:pPr>
-            <a:r>
-              <a:rPr lang="en-US" sz="2200" dirty="0">
-                <a:latin typeface="Steelfish Rg" panose="020B0608020202040504" pitchFamily="34" charset="0"/>
-                <a:cs typeface="Arial" charset="0"/>
-              </a:rPr>
-              <a:t>Update state + resolve</a:t>
-            </a:r>
-          </a:p>
-        </p:txBody>
-      </p:sp>
-      <p:sp>
-        <p:nvSpPr>
-          <p:cNvPr id="13" name="Text Box 13"/>
-          <p:cNvSpPr txBox="1">
-            <a:spLocks noChangeArrowheads="1"/>
-          </p:cNvSpPr>
-          <p:nvPr/>
-        </p:nvSpPr>
-        <p:spPr bwMode="auto">
-          <a:xfrm>
-            <a:off x="4171576" y="5267511"/>
-            <a:ext cx="1079500" cy="430887"/>
-          </a:xfrm>
-          <a:prstGeom prst="rect">
-            <a:avLst/>
-          </a:prstGeom>
-          <a:noFill/>
-          <a:ln w="9525" algn="ctr">
-            <a:noFill/>
-            <a:miter lim="800000"/>
-            <a:headEnd/>
-            <a:tailEnd/>
-          </a:ln>
-          <a:effectLst/>
-        </p:spPr>
-        <p:txBody>
-          <a:bodyPr wrap="square">
-            <a:spAutoFit/>
-          </a:bodyPr>
-          <a:lstStyle/>
-          <a:p>
-            <a:pPr algn="ctr">
-              <a:spcBef>
-                <a:spcPct val="50000"/>
-              </a:spcBef>
-            </a:pPr>
-            <a:r>
-              <a:rPr lang="en-US" sz="2200" dirty="0">
-                <a:latin typeface="Steelfish Rg" panose="020B0608020202040504" pitchFamily="34" charset="0"/>
-                <a:cs typeface="Arial" charset="0"/>
-              </a:rPr>
-              <a:t>Done! </a:t>
-            </a:r>
-          </a:p>
-        </p:txBody>
-      </p:sp>
-      <p:sp>
-        <p:nvSpPr>
-          <p:cNvPr id="14" name="Text Box 14"/>
-          <p:cNvSpPr txBox="1">
-            <a:spLocks noChangeArrowheads="1"/>
-          </p:cNvSpPr>
-          <p:nvPr/>
-        </p:nvSpPr>
-        <p:spPr bwMode="auto">
-          <a:xfrm>
-            <a:off x="6311153" y="5218359"/>
-            <a:ext cx="3695700" cy="430887"/>
-          </a:xfrm>
-          <a:prstGeom prst="rect">
-            <a:avLst/>
-          </a:prstGeom>
-          <a:noFill/>
-          <a:ln w="9525" algn="ctr">
-            <a:noFill/>
-            <a:miter lim="800000"/>
-            <a:headEnd/>
-            <a:tailEnd/>
-          </a:ln>
-          <a:effectLst/>
-        </p:spPr>
-        <p:txBody>
-          <a:bodyPr wrap="square">
-            <a:spAutoFit/>
-          </a:bodyPr>
-          <a:lstStyle/>
-          <a:p>
-            <a:pPr algn="ctr">
-              <a:spcBef>
-                <a:spcPct val="50000"/>
-              </a:spcBef>
-            </a:pPr>
-            <a:r>
-              <a:rPr lang="en-US" sz="2200" dirty="0" err="1">
-                <a:latin typeface="Steelfish Rg" panose="020B0608020202040504" pitchFamily="34" charset="0"/>
-                <a:cs typeface="Arial" charset="0"/>
-              </a:rPr>
-              <a:t>Enqueue</a:t>
-            </a:r>
-            <a:r>
-              <a:rPr lang="en-US" sz="2200" dirty="0">
-                <a:latin typeface="Steelfish Rg" panose="020B0608020202040504" pitchFamily="34" charset="0"/>
-                <a:cs typeface="Arial" charset="0"/>
-              </a:rPr>
-              <a:t> </a:t>
-            </a:r>
-            <a:r>
-              <a:rPr lang="en-US" sz="2200" dirty="0" smtClean="0">
-                <a:latin typeface="Steelfish Rg" panose="020B0608020202040504" pitchFamily="34" charset="0"/>
-                <a:cs typeface="Arial" charset="0"/>
-              </a:rPr>
-              <a:t>Response or publish event</a:t>
-            </a:r>
-            <a:endParaRPr lang="en-US" sz="2200" dirty="0">
-              <a:latin typeface="Steelfish Rg" panose="020B0608020202040504" pitchFamily="34" charset="0"/>
-              <a:cs typeface="Arial" charset="0"/>
-            </a:endParaRPr>
-          </a:p>
-        </p:txBody>
-      </p:sp>
-      <p:sp>
-        <p:nvSpPr>
-          <p:cNvPr id="15" name="Text Box 15"/>
-          <p:cNvSpPr txBox="1">
-            <a:spLocks noChangeArrowheads="1"/>
-          </p:cNvSpPr>
-          <p:nvPr/>
-        </p:nvSpPr>
-        <p:spPr bwMode="auto">
-          <a:xfrm>
-            <a:off x="2060760" y="3303313"/>
-            <a:ext cx="1524000" cy="430887"/>
-          </a:xfrm>
-          <a:prstGeom prst="rect">
-            <a:avLst/>
-          </a:prstGeom>
-          <a:noFill/>
-          <a:ln w="9525" algn="ctr">
-            <a:noFill/>
-            <a:miter lim="800000"/>
-            <a:headEnd/>
-            <a:tailEnd/>
-          </a:ln>
-          <a:effectLst/>
-        </p:spPr>
-        <p:txBody>
-          <a:bodyPr>
-            <a:spAutoFit/>
-          </a:bodyPr>
-          <a:lstStyle/>
-          <a:p>
-            <a:pPr algn="ctr">
-              <a:spcBef>
-                <a:spcPct val="50000"/>
-              </a:spcBef>
-            </a:pPr>
-            <a:r>
-              <a:rPr lang="en-US" sz="2200" dirty="0">
-                <a:latin typeface="Steelfish Rg" panose="020B0608020202040504" pitchFamily="34" charset="0"/>
-                <a:cs typeface="Arial" charset="0"/>
-              </a:rPr>
-              <a:t>Other Request</a:t>
-            </a:r>
-          </a:p>
-        </p:txBody>
-      </p:sp>
-      <p:sp>
-        <p:nvSpPr>
-          <p:cNvPr id="16" name="Text Box 16"/>
-          <p:cNvSpPr txBox="1">
-            <a:spLocks noChangeArrowheads="1"/>
-          </p:cNvSpPr>
-          <p:nvPr/>
-        </p:nvSpPr>
-        <p:spPr bwMode="auto">
-          <a:xfrm>
-            <a:off x="2111187" y="4240181"/>
-            <a:ext cx="1524000" cy="430887"/>
-          </a:xfrm>
-          <a:prstGeom prst="rect">
-            <a:avLst/>
-          </a:prstGeom>
-          <a:noFill/>
-          <a:ln w="9525" algn="ctr">
-            <a:noFill/>
-            <a:miter lim="800000"/>
-            <a:headEnd/>
-            <a:tailEnd/>
-          </a:ln>
-          <a:effectLst/>
-        </p:spPr>
-        <p:txBody>
-          <a:bodyPr>
-            <a:spAutoFit/>
-          </a:bodyPr>
-          <a:lstStyle/>
-          <a:p>
-            <a:pPr algn="ctr">
-              <a:spcBef>
-                <a:spcPct val="50000"/>
-              </a:spcBef>
-            </a:pPr>
-            <a:r>
-              <a:rPr lang="en-US" sz="2200" dirty="0">
-                <a:latin typeface="Steelfish Rg" panose="020B0608020202040504" pitchFamily="34" charset="0"/>
-                <a:cs typeface="Arial" charset="0"/>
-              </a:rPr>
-              <a:t>Other Request</a:t>
-            </a:r>
-          </a:p>
-        </p:txBody>
-      </p:sp>
-      <p:sp>
-        <p:nvSpPr>
-          <p:cNvPr id="18" name="Text Box 19"/>
-          <p:cNvSpPr txBox="1">
-            <a:spLocks noChangeArrowheads="1"/>
-          </p:cNvSpPr>
-          <p:nvPr/>
-        </p:nvSpPr>
-        <p:spPr bwMode="auto">
-          <a:xfrm>
-            <a:off x="2977776" y="1152711"/>
-            <a:ext cx="2489200" cy="400110"/>
-          </a:xfrm>
-          <a:prstGeom prst="rect">
-            <a:avLst/>
-          </a:prstGeom>
-          <a:solidFill>
-            <a:srgbClr val="566F97"/>
-          </a:solidFill>
-          <a:ln w="9525" algn="ctr">
-            <a:solidFill>
-              <a:schemeClr val="bg2"/>
-            </a:solidFill>
-            <a:miter lim="800000"/>
-            <a:headEnd/>
-            <a:tailEnd/>
-          </a:ln>
-          <a:effectLst/>
-        </p:spPr>
-        <p:txBody>
-          <a:bodyPr>
-            <a:spAutoFit/>
-          </a:bodyPr>
-          <a:lstStyle/>
-          <a:p>
-            <a:pPr algn="ctr">
-              <a:spcBef>
-                <a:spcPct val="50000"/>
-              </a:spcBef>
-            </a:pPr>
-            <a:r>
-              <a:rPr lang="en-US" sz="2000" dirty="0" smtClean="0">
-                <a:solidFill>
-                  <a:schemeClr val="bg1"/>
-                </a:solidFill>
-                <a:latin typeface="Steelfish Rg" panose="020B0608020202040504" pitchFamily="34" charset="0"/>
-                <a:cs typeface="Arial" charset="0"/>
-              </a:rPr>
-              <a:t>Process</a:t>
-            </a:r>
-            <a:endParaRPr lang="en-US" sz="2000" dirty="0">
-              <a:solidFill>
-                <a:schemeClr val="bg1"/>
-              </a:solidFill>
-              <a:latin typeface="Steelfish Rg" panose="020B0608020202040504" pitchFamily="34" charset="0"/>
-              <a:cs typeface="Arial" charset="0"/>
-            </a:endParaRPr>
-          </a:p>
-        </p:txBody>
-      </p:sp>
-      <p:sp>
-        <p:nvSpPr>
-          <p:cNvPr id="20" name="Rectangle 21"/>
-          <p:cNvSpPr>
-            <a:spLocks noChangeArrowheads="1"/>
-          </p:cNvSpPr>
-          <p:nvPr/>
-        </p:nvSpPr>
-        <p:spPr bwMode="auto">
-          <a:xfrm>
-            <a:off x="4146176" y="1851211"/>
-            <a:ext cx="127000" cy="863600"/>
-          </a:xfrm>
-          <a:prstGeom prst="rect">
-            <a:avLst/>
-          </a:prstGeom>
-          <a:solidFill>
-            <a:srgbClr val="495E7F"/>
-          </a:solidFill>
-          <a:ln w="9525" algn="ctr">
-            <a:solidFill>
-              <a:schemeClr val="bg2"/>
-            </a:solidFill>
-            <a:miter lim="800000"/>
-            <a:headEnd/>
-            <a:tailEnd/>
-          </a:ln>
-          <a:effectLst/>
-        </p:spPr>
-        <p:txBody>
-          <a:bodyPr wrap="none" anchor="ctr"/>
-          <a:lstStyle/>
-          <a:p>
-            <a:endParaRPr lang="en-GB">
-              <a:latin typeface="Steelfish Rg" panose="020B0608020202040504" pitchFamily="34" charset="0"/>
-            </a:endParaRPr>
-          </a:p>
-        </p:txBody>
-      </p:sp>
-      <p:sp>
-        <p:nvSpPr>
-          <p:cNvPr id="24" name="AutoShape 25"/>
-          <p:cNvSpPr>
-            <a:spLocks noChangeArrowheads="1"/>
-          </p:cNvSpPr>
-          <p:nvPr/>
-        </p:nvSpPr>
-        <p:spPr bwMode="auto">
-          <a:xfrm>
-            <a:off x="7270376" y="2829111"/>
-            <a:ext cx="1193800" cy="558800"/>
-          </a:xfrm>
-          <a:prstGeom prst="flowChartMagneticDisk">
-            <a:avLst/>
-          </a:prstGeom>
-          <a:solidFill>
-            <a:srgbClr val="566F97"/>
-          </a:solidFill>
-          <a:ln w="9525">
-            <a:solidFill>
-              <a:schemeClr val="bg2"/>
-            </a:solidFill>
-            <a:round/>
-            <a:headEnd/>
-            <a:tailEnd/>
-          </a:ln>
-          <a:effectLst/>
-        </p:spPr>
-        <p:txBody>
-          <a:bodyPr wrap="none" anchor="ctr"/>
-          <a:lstStyle/>
-          <a:p>
-            <a:endParaRPr lang="en-GB">
-              <a:latin typeface="Steelfish Rg" panose="020B0608020202040504" pitchFamily="34" charset="0"/>
-            </a:endParaRPr>
-          </a:p>
-        </p:txBody>
-      </p:sp>
-      <p:sp>
-        <p:nvSpPr>
-          <p:cNvPr id="25" name="Text Box 26"/>
-          <p:cNvSpPr txBox="1">
-            <a:spLocks noChangeArrowheads="1"/>
-          </p:cNvSpPr>
-          <p:nvPr/>
-        </p:nvSpPr>
-        <p:spPr bwMode="auto">
-          <a:xfrm>
-            <a:off x="7270376" y="2968811"/>
-            <a:ext cx="1181100" cy="400110"/>
-          </a:xfrm>
-          <a:prstGeom prst="rect">
-            <a:avLst/>
-          </a:prstGeom>
-          <a:noFill/>
-          <a:ln w="9525" algn="ctr">
-            <a:noFill/>
-            <a:miter lim="800000"/>
-            <a:headEnd/>
-            <a:tailEnd/>
-          </a:ln>
-          <a:effectLst/>
-        </p:spPr>
-        <p:txBody>
-          <a:bodyPr>
-            <a:spAutoFit/>
-          </a:bodyPr>
-          <a:lstStyle/>
-          <a:p>
-            <a:pPr algn="ctr">
-              <a:spcBef>
-                <a:spcPct val="50000"/>
-              </a:spcBef>
-            </a:pPr>
-            <a:r>
-              <a:rPr lang="en-US" sz="2000">
-                <a:solidFill>
-                  <a:schemeClr val="bg1"/>
-                </a:solidFill>
-                <a:latin typeface="Steelfish Rg" panose="020B0608020202040504" pitchFamily="34" charset="0"/>
-                <a:cs typeface="Arial" charset="0"/>
-              </a:rPr>
-              <a:t>Store</a:t>
-            </a:r>
-          </a:p>
-        </p:txBody>
-      </p:sp>
-      <p:sp>
-        <p:nvSpPr>
-          <p:cNvPr id="28" name="Rectangle 29"/>
-          <p:cNvSpPr>
-            <a:spLocks noChangeArrowheads="1"/>
-          </p:cNvSpPr>
-          <p:nvPr/>
-        </p:nvSpPr>
-        <p:spPr bwMode="auto">
-          <a:xfrm>
-            <a:off x="4133476" y="3159311"/>
-            <a:ext cx="127000" cy="406400"/>
-          </a:xfrm>
-          <a:prstGeom prst="rect">
-            <a:avLst/>
-          </a:prstGeom>
-          <a:solidFill>
-            <a:srgbClr val="495E7F"/>
-          </a:solidFill>
-          <a:ln w="9525" algn="ctr">
-            <a:solidFill>
-              <a:schemeClr val="bg2"/>
-            </a:solidFill>
-            <a:miter lim="800000"/>
-            <a:headEnd/>
-            <a:tailEnd/>
-          </a:ln>
-          <a:effectLst/>
-        </p:spPr>
-        <p:txBody>
-          <a:bodyPr wrap="none" anchor="ctr"/>
-          <a:lstStyle/>
-          <a:p>
-            <a:endParaRPr lang="en-GB">
-              <a:latin typeface="Steelfish Rg" panose="020B0608020202040504" pitchFamily="34" charset="0"/>
-            </a:endParaRPr>
-          </a:p>
-        </p:txBody>
-      </p:sp>
-      <p:sp>
-        <p:nvSpPr>
-          <p:cNvPr id="31" name="Rectangle 32"/>
-          <p:cNvSpPr>
-            <a:spLocks noChangeArrowheads="1"/>
-          </p:cNvSpPr>
-          <p:nvPr/>
-        </p:nvSpPr>
-        <p:spPr bwMode="auto">
-          <a:xfrm>
-            <a:off x="4146176" y="4073711"/>
-            <a:ext cx="127000" cy="406400"/>
-          </a:xfrm>
-          <a:prstGeom prst="rect">
-            <a:avLst/>
-          </a:prstGeom>
-          <a:solidFill>
-            <a:srgbClr val="495E7F"/>
-          </a:solidFill>
-          <a:ln w="9525" algn="ctr">
-            <a:solidFill>
-              <a:schemeClr val="bg2"/>
-            </a:solidFill>
-            <a:miter lim="800000"/>
-            <a:headEnd/>
-            <a:tailEnd/>
-          </a:ln>
-          <a:effectLst/>
-        </p:spPr>
-        <p:txBody>
-          <a:bodyPr wrap="none" anchor="ctr"/>
-          <a:lstStyle/>
-          <a:p>
-            <a:endParaRPr lang="en-GB">
-              <a:latin typeface="Steelfish Rg" panose="020B0608020202040504" pitchFamily="34" charset="0"/>
-            </a:endParaRPr>
-          </a:p>
-        </p:txBody>
-      </p:sp>
-      <p:sp>
-        <p:nvSpPr>
-          <p:cNvPr id="34" name="Rectangle 35"/>
-          <p:cNvSpPr>
-            <a:spLocks noChangeArrowheads="1"/>
-          </p:cNvSpPr>
-          <p:nvPr/>
-        </p:nvSpPr>
-        <p:spPr bwMode="auto">
-          <a:xfrm>
-            <a:off x="4133476" y="5038911"/>
-            <a:ext cx="127000" cy="736600"/>
-          </a:xfrm>
-          <a:prstGeom prst="rect">
-            <a:avLst/>
-          </a:prstGeom>
-          <a:solidFill>
-            <a:srgbClr val="495E7F"/>
-          </a:solidFill>
-          <a:ln w="9525" algn="ctr">
-            <a:solidFill>
-              <a:schemeClr val="bg2"/>
-            </a:solidFill>
-            <a:miter lim="800000"/>
-            <a:headEnd/>
-            <a:tailEnd/>
-          </a:ln>
-          <a:effectLst/>
-        </p:spPr>
-        <p:txBody>
-          <a:bodyPr wrap="none" anchor="ctr"/>
-          <a:lstStyle/>
-          <a:p>
-            <a:endParaRPr lang="en-GB">
-              <a:latin typeface="Steelfish Rg" panose="020B0608020202040504" pitchFamily="34" charset="0"/>
-            </a:endParaRPr>
-          </a:p>
-        </p:txBody>
-      </p:sp>
-      <p:sp>
-        <p:nvSpPr>
-          <p:cNvPr id="37" name="Text Box 38"/>
-          <p:cNvSpPr txBox="1">
-            <a:spLocks noChangeArrowheads="1"/>
-          </p:cNvSpPr>
-          <p:nvPr/>
-        </p:nvSpPr>
-        <p:spPr bwMode="auto">
-          <a:xfrm>
-            <a:off x="9543676" y="1101911"/>
-            <a:ext cx="1333500" cy="400110"/>
-          </a:xfrm>
-          <a:prstGeom prst="rect">
-            <a:avLst/>
-          </a:prstGeom>
-          <a:solidFill>
-            <a:srgbClr val="566F97"/>
-          </a:solidFill>
-          <a:ln w="9525" algn="ctr">
-            <a:solidFill>
-              <a:schemeClr val="bg2"/>
-            </a:solidFill>
-            <a:miter lim="800000"/>
-            <a:headEnd/>
-            <a:tailEnd/>
-          </a:ln>
-          <a:effectLst/>
-        </p:spPr>
-        <p:txBody>
-          <a:bodyPr>
-            <a:spAutoFit/>
-          </a:bodyPr>
-          <a:lstStyle/>
-          <a:p>
-            <a:pPr algn="ctr">
-              <a:spcBef>
-                <a:spcPct val="50000"/>
-              </a:spcBef>
-            </a:pPr>
-            <a:r>
-              <a:rPr lang="en-US" sz="2000" dirty="0">
-                <a:solidFill>
-                  <a:schemeClr val="bg1"/>
-                </a:solidFill>
-                <a:latin typeface="Steelfish Rg" panose="020B0608020202040504" pitchFamily="34" charset="0"/>
-                <a:cs typeface="Arial" charset="0"/>
-              </a:rPr>
-              <a:t>Queue</a:t>
-            </a:r>
-          </a:p>
-        </p:txBody>
-      </p:sp>
-      <p:sp>
-        <p:nvSpPr>
-          <p:cNvPr id="61" name="Line 28"/>
-          <p:cNvSpPr>
-            <a:spLocks noChangeShapeType="1"/>
-          </p:cNvSpPr>
-          <p:nvPr/>
-        </p:nvSpPr>
-        <p:spPr bwMode="auto">
-          <a:xfrm flipV="1">
-            <a:off x="2088776" y="3210111"/>
-            <a:ext cx="2019300" cy="0"/>
-          </a:xfrm>
-          <a:prstGeom prst="line">
-            <a:avLst/>
-          </a:prstGeom>
-          <a:noFill/>
-          <a:ln w="38100">
-            <a:solidFill>
-              <a:srgbClr val="83A9E5"/>
-            </a:solidFill>
-            <a:round/>
-            <a:headEnd/>
-            <a:tailEnd type="stealth" w="lg" len="lg"/>
-          </a:ln>
-          <a:effectLst>
-            <a:outerShdw dist="35921" dir="2700000" algn="ctr" rotWithShape="0">
-              <a:schemeClr val="bg2"/>
-            </a:outerShdw>
-          </a:effectLst>
-        </p:spPr>
-        <p:txBody>
-          <a:bodyPr wrap="none" anchor="ctr"/>
-          <a:lstStyle/>
-          <a:p>
-            <a:endParaRPr lang="en-GB">
-              <a:latin typeface="Steelfish Rg" panose="020B0608020202040504" pitchFamily="34" charset="0"/>
-            </a:endParaRPr>
-          </a:p>
-        </p:txBody>
-      </p:sp>
-      <p:sp>
-        <p:nvSpPr>
-          <p:cNvPr id="62" name="Line 31"/>
-          <p:cNvSpPr>
-            <a:spLocks noChangeShapeType="1"/>
-          </p:cNvSpPr>
-          <p:nvPr/>
-        </p:nvSpPr>
-        <p:spPr bwMode="auto">
-          <a:xfrm flipV="1">
-            <a:off x="2101476" y="4124511"/>
-            <a:ext cx="2019300" cy="0"/>
-          </a:xfrm>
-          <a:prstGeom prst="line">
-            <a:avLst/>
-          </a:prstGeom>
-          <a:noFill/>
-          <a:ln w="38100">
-            <a:solidFill>
-              <a:srgbClr val="83A9E5"/>
-            </a:solidFill>
-            <a:round/>
-            <a:headEnd/>
-            <a:tailEnd type="stealth" w="lg" len="lg"/>
-          </a:ln>
-          <a:effectLst>
-            <a:outerShdw dist="35921" dir="2700000" algn="ctr" rotWithShape="0">
-              <a:schemeClr val="bg2"/>
-            </a:outerShdw>
-          </a:effectLst>
-        </p:spPr>
-        <p:txBody>
-          <a:bodyPr wrap="none" anchor="ctr"/>
-          <a:lstStyle/>
-          <a:p>
-            <a:endParaRPr lang="en-GB">
-              <a:latin typeface="Steelfish Rg" panose="020B0608020202040504" pitchFamily="34" charset="0"/>
-            </a:endParaRPr>
-          </a:p>
-        </p:txBody>
-      </p:sp>
-      <p:sp>
-        <p:nvSpPr>
-          <p:cNvPr id="63" name="Line 34"/>
-          <p:cNvSpPr>
-            <a:spLocks noChangeShapeType="1"/>
-          </p:cNvSpPr>
-          <p:nvPr/>
-        </p:nvSpPr>
-        <p:spPr bwMode="auto">
-          <a:xfrm flipV="1">
-            <a:off x="2088776" y="5089711"/>
-            <a:ext cx="2019300" cy="0"/>
-          </a:xfrm>
-          <a:prstGeom prst="line">
-            <a:avLst/>
-          </a:prstGeom>
-          <a:noFill/>
-          <a:ln w="38100">
-            <a:solidFill>
-              <a:srgbClr val="83A9E5"/>
-            </a:solidFill>
-            <a:round/>
-            <a:headEnd/>
-            <a:tailEnd type="stealth" w="lg" len="lg"/>
-          </a:ln>
-          <a:effectLst>
-            <a:outerShdw dist="35921" dir="2700000" algn="ctr" rotWithShape="0">
-              <a:schemeClr val="bg2"/>
-            </a:outerShdw>
-          </a:effectLst>
-        </p:spPr>
-        <p:txBody>
-          <a:bodyPr wrap="none" anchor="ctr"/>
-          <a:lstStyle/>
-          <a:p>
-            <a:endParaRPr lang="en-GB">
-              <a:latin typeface="Steelfish Rg" panose="020B0608020202040504" pitchFamily="34" charset="0"/>
-            </a:endParaRPr>
-          </a:p>
-        </p:txBody>
-      </p:sp>
-      <p:sp>
-        <p:nvSpPr>
-          <p:cNvPr id="64" name="Line 40"/>
-          <p:cNvSpPr>
-            <a:spLocks noChangeShapeType="1"/>
-          </p:cNvSpPr>
-          <p:nvPr/>
-        </p:nvSpPr>
-        <p:spPr bwMode="auto">
-          <a:xfrm flipV="1">
-            <a:off x="2088776" y="3730811"/>
-            <a:ext cx="2019300" cy="0"/>
-          </a:xfrm>
-          <a:prstGeom prst="line">
-            <a:avLst/>
-          </a:prstGeom>
-          <a:noFill/>
-          <a:ln w="38100">
-            <a:solidFill>
-              <a:srgbClr val="83A9E5"/>
-            </a:solidFill>
-            <a:round/>
-            <a:headEnd/>
-            <a:tailEnd type="stealth" w="lg" len="lg"/>
-          </a:ln>
-          <a:effectLst>
-            <a:outerShdw dist="35921" dir="2700000" algn="ctr" rotWithShape="0">
-              <a:schemeClr val="bg2"/>
-            </a:outerShdw>
-          </a:effectLst>
-        </p:spPr>
-        <p:txBody>
-          <a:bodyPr wrap="none" anchor="ctr"/>
-          <a:lstStyle/>
-          <a:p>
-            <a:endParaRPr lang="en-GB">
-              <a:latin typeface="Steelfish Rg" panose="020B0608020202040504" pitchFamily="34" charset="0"/>
-            </a:endParaRPr>
-          </a:p>
-        </p:txBody>
-      </p:sp>
-      <p:sp>
-        <p:nvSpPr>
-          <p:cNvPr id="65" name="Line 41"/>
-          <p:cNvSpPr>
-            <a:spLocks noChangeShapeType="1"/>
-          </p:cNvSpPr>
-          <p:nvPr/>
-        </p:nvSpPr>
-        <p:spPr bwMode="auto">
-          <a:xfrm flipV="1">
-            <a:off x="2114176" y="4683311"/>
-            <a:ext cx="2019300" cy="0"/>
-          </a:xfrm>
-          <a:prstGeom prst="line">
-            <a:avLst/>
-          </a:prstGeom>
-          <a:noFill/>
-          <a:ln w="38100">
-            <a:solidFill>
-              <a:srgbClr val="83A9E5"/>
-            </a:solidFill>
-            <a:round/>
-            <a:headEnd/>
-            <a:tailEnd type="stealth" w="lg" len="lg"/>
-          </a:ln>
-          <a:effectLst>
-            <a:outerShdw dist="35921" dir="2700000" algn="ctr" rotWithShape="0">
-              <a:schemeClr val="bg2"/>
-            </a:outerShdw>
-          </a:effectLst>
-        </p:spPr>
-        <p:txBody>
-          <a:bodyPr wrap="none" anchor="ctr"/>
-          <a:lstStyle/>
-          <a:p>
-            <a:endParaRPr lang="en-GB">
-              <a:latin typeface="Steelfish Rg" panose="020B0608020202040504" pitchFamily="34" charset="0"/>
-            </a:endParaRPr>
-          </a:p>
-        </p:txBody>
-      </p:sp>
-      <p:sp>
-        <p:nvSpPr>
-          <p:cNvPr id="66" name="Line 20"/>
-          <p:cNvSpPr>
-            <a:spLocks noChangeShapeType="1"/>
-          </p:cNvSpPr>
-          <p:nvPr/>
-        </p:nvSpPr>
-        <p:spPr bwMode="auto">
-          <a:xfrm flipV="1">
-            <a:off x="2133599" y="1890046"/>
-            <a:ext cx="2019300" cy="0"/>
-          </a:xfrm>
-          <a:prstGeom prst="line">
-            <a:avLst/>
-          </a:prstGeom>
-          <a:noFill/>
-          <a:ln w="38100">
-            <a:solidFill>
-              <a:srgbClr val="83A9E5"/>
-            </a:solidFill>
-            <a:round/>
-            <a:headEnd/>
-            <a:tailEnd type="stealth" w="lg" len="lg"/>
-          </a:ln>
-          <a:effectLst>
-            <a:outerShdw dist="35921" dir="2700000" algn="ctr" rotWithShape="0">
-              <a:schemeClr val="bg2"/>
-            </a:outerShdw>
-          </a:effectLst>
-        </p:spPr>
-        <p:txBody>
-          <a:bodyPr wrap="none" anchor="ctr"/>
-          <a:lstStyle/>
-          <a:p>
-            <a:endParaRPr lang="en-GB">
-              <a:latin typeface="Steelfish Rg" panose="020B0608020202040504" pitchFamily="34" charset="0"/>
-            </a:endParaRPr>
-          </a:p>
-        </p:txBody>
-      </p:sp>
-      <p:sp>
-        <p:nvSpPr>
-          <p:cNvPr id="67" name="Line 22"/>
-          <p:cNvSpPr>
-            <a:spLocks noChangeShapeType="1"/>
-          </p:cNvSpPr>
-          <p:nvPr/>
-        </p:nvSpPr>
-        <p:spPr bwMode="auto">
-          <a:xfrm flipV="1">
-            <a:off x="4343399" y="1966246"/>
-            <a:ext cx="2019300" cy="0"/>
-          </a:xfrm>
-          <a:prstGeom prst="line">
-            <a:avLst/>
-          </a:prstGeom>
-          <a:noFill/>
-          <a:ln w="38100">
-            <a:solidFill>
-              <a:srgbClr val="83A9E5"/>
-            </a:solidFill>
-            <a:round/>
-            <a:headEnd/>
-            <a:tailEnd type="stealth" w="lg" len="lg"/>
-          </a:ln>
-          <a:effectLst>
-            <a:outerShdw dist="35921" dir="2700000" algn="ctr" rotWithShape="0">
-              <a:schemeClr val="bg2"/>
-            </a:outerShdw>
-          </a:effectLst>
-        </p:spPr>
-        <p:txBody>
-          <a:bodyPr wrap="none" anchor="ctr"/>
-          <a:lstStyle/>
-          <a:p>
-            <a:endParaRPr lang="en-GB">
-              <a:latin typeface="Steelfish Rg" panose="020B0608020202040504" pitchFamily="34" charset="0"/>
-            </a:endParaRPr>
-          </a:p>
-        </p:txBody>
-      </p:sp>
-      <p:sp>
-        <p:nvSpPr>
-          <p:cNvPr id="68" name="Line 23"/>
-          <p:cNvSpPr>
-            <a:spLocks noChangeShapeType="1"/>
-          </p:cNvSpPr>
-          <p:nvPr/>
-        </p:nvSpPr>
-        <p:spPr bwMode="auto">
-          <a:xfrm flipV="1">
-            <a:off x="4356099" y="2067846"/>
-            <a:ext cx="2019300" cy="0"/>
-          </a:xfrm>
-          <a:prstGeom prst="line">
-            <a:avLst/>
-          </a:prstGeom>
-          <a:noFill/>
-          <a:ln w="38100">
-            <a:solidFill>
-              <a:srgbClr val="83A9E5"/>
-            </a:solidFill>
-            <a:round/>
-            <a:headEnd/>
-            <a:tailEnd type="stealth" w="lg" len="lg"/>
-          </a:ln>
-          <a:effectLst>
-            <a:outerShdw dist="35921" dir="2700000" algn="ctr" rotWithShape="0">
-              <a:schemeClr val="bg2"/>
-            </a:outerShdw>
-          </a:effectLst>
-        </p:spPr>
-        <p:txBody>
-          <a:bodyPr wrap="none" anchor="ctr"/>
-          <a:lstStyle/>
-          <a:p>
-            <a:endParaRPr lang="en-GB">
-              <a:latin typeface="Steelfish Rg" panose="020B0608020202040504" pitchFamily="34" charset="0"/>
-            </a:endParaRPr>
-          </a:p>
-        </p:txBody>
-      </p:sp>
-      <p:sp>
-        <p:nvSpPr>
-          <p:cNvPr id="69" name="Line 24"/>
-          <p:cNvSpPr>
-            <a:spLocks noChangeShapeType="1"/>
-          </p:cNvSpPr>
-          <p:nvPr/>
-        </p:nvSpPr>
-        <p:spPr bwMode="auto">
-          <a:xfrm flipV="1">
-            <a:off x="4356099" y="2169446"/>
-            <a:ext cx="2019300" cy="0"/>
-          </a:xfrm>
-          <a:prstGeom prst="line">
-            <a:avLst/>
-          </a:prstGeom>
-          <a:noFill/>
-          <a:ln w="38100">
-            <a:solidFill>
-              <a:srgbClr val="83A9E5"/>
-            </a:solidFill>
-            <a:round/>
-            <a:headEnd/>
-            <a:tailEnd type="stealth" w="lg" len="lg"/>
-          </a:ln>
-          <a:effectLst>
-            <a:outerShdw dist="35921" dir="2700000" algn="ctr" rotWithShape="0">
-              <a:schemeClr val="bg2"/>
-            </a:outerShdw>
-          </a:effectLst>
-        </p:spPr>
-        <p:txBody>
-          <a:bodyPr wrap="none" anchor="ctr"/>
-          <a:lstStyle/>
-          <a:p>
-            <a:endParaRPr lang="en-GB">
-              <a:latin typeface="Steelfish Rg" panose="020B0608020202040504" pitchFamily="34" charset="0"/>
-            </a:endParaRPr>
-          </a:p>
-        </p:txBody>
-      </p:sp>
-      <p:sp>
-        <p:nvSpPr>
-          <p:cNvPr id="70" name="Line 27"/>
-          <p:cNvSpPr>
-            <a:spLocks noChangeShapeType="1"/>
-          </p:cNvSpPr>
-          <p:nvPr/>
-        </p:nvSpPr>
-        <p:spPr bwMode="auto">
-          <a:xfrm>
-            <a:off x="4368799" y="2550446"/>
-            <a:ext cx="2806700" cy="482600"/>
-          </a:xfrm>
-          <a:prstGeom prst="line">
-            <a:avLst/>
-          </a:prstGeom>
-          <a:noFill/>
-          <a:ln w="38100">
-            <a:solidFill>
-              <a:srgbClr val="83A9E5"/>
-            </a:solidFill>
-            <a:round/>
-            <a:headEnd/>
-            <a:tailEnd type="stealth" w="lg" len="lg"/>
-          </a:ln>
-          <a:effectLst>
-            <a:outerShdw dist="35921" dir="2700000" algn="ctr" rotWithShape="0">
-              <a:schemeClr val="bg2"/>
-            </a:outerShdw>
-          </a:effectLst>
-        </p:spPr>
-        <p:txBody>
-          <a:bodyPr wrap="none" anchor="ctr"/>
-          <a:lstStyle/>
-          <a:p>
-            <a:endParaRPr lang="en-GB">
-              <a:latin typeface="Steelfish Rg" panose="020B0608020202040504" pitchFamily="34" charset="0"/>
-            </a:endParaRPr>
-          </a:p>
-        </p:txBody>
-      </p:sp>
-      <p:sp>
-        <p:nvSpPr>
-          <p:cNvPr id="71" name="Line 30"/>
-          <p:cNvSpPr>
-            <a:spLocks noChangeShapeType="1"/>
-          </p:cNvSpPr>
-          <p:nvPr/>
-        </p:nvSpPr>
-        <p:spPr bwMode="auto">
-          <a:xfrm>
-            <a:off x="4356099" y="3185446"/>
-            <a:ext cx="2781300" cy="0"/>
-          </a:xfrm>
-          <a:prstGeom prst="line">
-            <a:avLst/>
-          </a:prstGeom>
-          <a:noFill/>
-          <a:ln w="38100">
-            <a:solidFill>
-              <a:srgbClr val="83A9E5"/>
-            </a:solidFill>
-            <a:round/>
-            <a:headEnd/>
-            <a:tailEnd type="stealth" w="lg" len="lg"/>
-          </a:ln>
-          <a:effectLst>
-            <a:outerShdw dist="35921" dir="2700000" algn="ctr" rotWithShape="0">
-              <a:schemeClr val="bg2"/>
-            </a:outerShdw>
-          </a:effectLst>
-        </p:spPr>
-        <p:txBody>
-          <a:bodyPr wrap="none" anchor="ctr"/>
-          <a:lstStyle/>
-          <a:p>
-            <a:endParaRPr lang="en-GB">
-              <a:latin typeface="Steelfish Rg" panose="020B0608020202040504" pitchFamily="34" charset="0"/>
-            </a:endParaRPr>
-          </a:p>
-        </p:txBody>
-      </p:sp>
-      <p:sp>
-        <p:nvSpPr>
-          <p:cNvPr id="72" name="Line 33"/>
-          <p:cNvSpPr>
-            <a:spLocks noChangeShapeType="1"/>
-          </p:cNvSpPr>
-          <p:nvPr/>
-        </p:nvSpPr>
-        <p:spPr bwMode="auto">
-          <a:xfrm flipV="1">
-            <a:off x="4368799" y="3363246"/>
-            <a:ext cx="2755900" cy="736600"/>
-          </a:xfrm>
-          <a:prstGeom prst="line">
-            <a:avLst/>
-          </a:prstGeom>
-          <a:noFill/>
-          <a:ln w="38100">
-            <a:solidFill>
-              <a:srgbClr val="83A9E5"/>
-            </a:solidFill>
-            <a:round/>
-            <a:headEnd/>
-            <a:tailEnd type="stealth" w="lg" len="lg"/>
-          </a:ln>
-          <a:effectLst>
-            <a:outerShdw dist="35921" dir="2700000" algn="ctr" rotWithShape="0">
-              <a:schemeClr val="bg2"/>
-            </a:outerShdw>
-          </a:effectLst>
-        </p:spPr>
-        <p:txBody>
-          <a:bodyPr wrap="none" anchor="ctr"/>
-          <a:lstStyle/>
-          <a:p>
-            <a:endParaRPr lang="en-GB">
-              <a:latin typeface="Steelfish Rg" panose="020B0608020202040504" pitchFamily="34" charset="0"/>
-            </a:endParaRPr>
-          </a:p>
-        </p:txBody>
-      </p:sp>
-      <p:sp>
-        <p:nvSpPr>
-          <p:cNvPr id="73" name="Line 36"/>
-          <p:cNvSpPr>
-            <a:spLocks noChangeShapeType="1"/>
-          </p:cNvSpPr>
-          <p:nvPr/>
-        </p:nvSpPr>
-        <p:spPr bwMode="auto">
-          <a:xfrm flipV="1">
-            <a:off x="4356099" y="3502946"/>
-            <a:ext cx="3517900" cy="1562100"/>
-          </a:xfrm>
-          <a:prstGeom prst="line">
-            <a:avLst/>
-          </a:prstGeom>
-          <a:noFill/>
-          <a:ln w="38100">
-            <a:solidFill>
-              <a:srgbClr val="83A9E5"/>
-            </a:solidFill>
-            <a:round/>
-            <a:headEnd/>
-            <a:tailEnd type="stealth" w="lg" len="lg"/>
-          </a:ln>
-          <a:effectLst>
-            <a:outerShdw dist="35921" dir="2700000" algn="ctr" rotWithShape="0">
-              <a:schemeClr val="bg2"/>
-            </a:outerShdw>
-          </a:effectLst>
-        </p:spPr>
-        <p:txBody>
-          <a:bodyPr wrap="none" anchor="ctr"/>
-          <a:lstStyle/>
-          <a:p>
-            <a:endParaRPr lang="en-GB">
-              <a:latin typeface="Steelfish Rg" panose="020B0608020202040504" pitchFamily="34" charset="0"/>
-            </a:endParaRPr>
-          </a:p>
-        </p:txBody>
-      </p:sp>
-      <p:sp>
-        <p:nvSpPr>
-          <p:cNvPr id="74" name="Line 39"/>
-          <p:cNvSpPr>
-            <a:spLocks noChangeShapeType="1"/>
-          </p:cNvSpPr>
-          <p:nvPr/>
-        </p:nvSpPr>
-        <p:spPr bwMode="auto">
-          <a:xfrm flipV="1">
-            <a:off x="4343399" y="5700046"/>
-            <a:ext cx="5740400" cy="0"/>
-          </a:xfrm>
-          <a:prstGeom prst="line">
-            <a:avLst/>
-          </a:prstGeom>
-          <a:noFill/>
-          <a:ln w="38100">
-            <a:solidFill>
-              <a:srgbClr val="83A9E5"/>
-            </a:solidFill>
-            <a:round/>
-            <a:headEnd/>
-            <a:tailEnd type="stealth" w="lg" len="lg"/>
-          </a:ln>
-          <a:effectLst>
-            <a:outerShdw dist="35921" dir="2700000" algn="ctr" rotWithShape="0">
-              <a:schemeClr val="bg2"/>
-            </a:outerShdw>
-          </a:effectLst>
-        </p:spPr>
-        <p:txBody>
-          <a:bodyPr wrap="none" anchor="ctr"/>
-          <a:lstStyle/>
-          <a:p>
-            <a:endParaRPr lang="en-GB">
-              <a:latin typeface="Steelfish Rg" panose="020B0608020202040504" pitchFamily="34" charset="0"/>
-            </a:endParaRPr>
-          </a:p>
-        </p:txBody>
-      </p:sp>
-      <p:sp>
-        <p:nvSpPr>
-          <p:cNvPr id="75" name="Line 37"/>
-          <p:cNvSpPr>
-            <a:spLocks noChangeShapeType="1"/>
-          </p:cNvSpPr>
-          <p:nvPr/>
-        </p:nvSpPr>
-        <p:spPr bwMode="auto">
-          <a:xfrm flipH="1">
-            <a:off x="10178676" y="1546411"/>
-            <a:ext cx="12700" cy="4254500"/>
-          </a:xfrm>
-          <a:prstGeom prst="line">
-            <a:avLst/>
-          </a:prstGeom>
-          <a:noFill/>
-          <a:ln w="38100">
-            <a:solidFill>
-              <a:srgbClr val="83A9E5"/>
-            </a:solidFill>
-            <a:round/>
-            <a:headEnd/>
-            <a:tailEnd/>
-          </a:ln>
-          <a:effectLst>
-            <a:outerShdw dist="35921" dir="2700000" algn="ctr" rotWithShape="0">
-              <a:schemeClr val="bg2"/>
-            </a:outerShdw>
-          </a:effectLst>
-        </p:spPr>
-        <p:txBody>
-          <a:bodyPr wrap="none" anchor="ctr"/>
-          <a:lstStyle/>
-          <a:p>
-            <a:endParaRPr lang="en-GB">
-              <a:latin typeface="Steelfish Rg" panose="020B0608020202040504" pitchFamily="34" charset="0"/>
-            </a:endParaRPr>
-          </a:p>
-        </p:txBody>
-      </p:sp>
-    </p:spTree>
-    <p:extLst>
-      <p:ext uri="{BB962C8B-B14F-4D97-AF65-F5344CB8AC3E}">
-        <p14:creationId xmlns:p14="http://schemas.microsoft.com/office/powerpoint/2010/main" val="2714633198"/>
-      </p:ext>
-    </p:extLst>
-  </p:cSld>
-  <p:clrMapOvr>
-    <a:masterClrMapping/>
-  </p:clrMapOvr>
-  <mc:AlternateContent xmlns:mc="http://schemas.openxmlformats.org/markup-compatibility/2006" xmlns:p14="http://schemas.microsoft.com/office/powerpoint/2010/main">
-    <mc:Choice Requires="p14">
-      <p:transition spd="slow" p14:dur="2000"/>
-    </mc:Choice>
-    <mc:Fallback xmlns="">
-      <p:transition spd="slow"/>
-    </mc:Fallback>
-  </mc:AlternateContent>
-  <p:timing>
-    <p:tnLst>
-      <p:par>
-        <p:cTn id="1" dur="indefinite" restart="never" nodeType="tmRoot">
-          <p:childTnLst>
-            <p:seq concurrent="1" nextAc="seek">
-              <p:cTn id="2" dur="indefinite" nodeType="mainSeq">
-                <p:childTnLst>
-                  <p:par>
-                    <p:cTn id="3" fill="hold">
-                      <p:stCondLst>
-                        <p:cond delay="indefinite"/>
-                      </p:stCondLst>
-                      <p:childTnLst>
-                        <p:par>
-                          <p:cTn id="4" fill="hold">
-                            <p:stCondLst>
-                              <p:cond delay="0"/>
-                            </p:stCondLst>
-                            <p:childTnLst>
-                              <p:par>
-                                <p:cTn id="5" presetID="2" presetClass="entr" presetSubtype="4" fill="hold" grpId="0" nodeType="clickEffect">
-                                  <p:stCondLst>
-                                    <p:cond delay="0"/>
-                                  </p:stCondLst>
-                                  <p:childTnLst>
-                                    <p:set>
-                                      <p:cBhvr>
-                                        <p:cTn id="6" dur="1" fill="hold">
-                                          <p:stCondLst>
-                                            <p:cond delay="0"/>
-                                          </p:stCondLst>
-                                        </p:cTn>
-                                        <p:tgtEl>
-                                          <p:spTgt spid="2"/>
-                                        </p:tgtEl>
-                                        <p:attrNameLst>
-                                          <p:attrName>style.visibility</p:attrName>
-                                        </p:attrNameLst>
-                                      </p:cBhvr>
-                                      <p:to>
-                                        <p:strVal val="visible"/>
-                                      </p:to>
-                                    </p:set>
-                                    <p:anim calcmode="lin" valueType="num">
-                                      <p:cBhvr additive="base">
-                                        <p:cTn id="7" dur="500" fill="hold"/>
-                                        <p:tgtEl>
-                                          <p:spTgt spid="2"/>
-                                        </p:tgtEl>
-                                        <p:attrNameLst>
-                                          <p:attrName>ppt_x</p:attrName>
-                                        </p:attrNameLst>
-                                      </p:cBhvr>
-                                      <p:tavLst>
-                                        <p:tav tm="0">
-                                          <p:val>
-                                            <p:strVal val="#ppt_x"/>
-                                          </p:val>
-                                        </p:tav>
-                                        <p:tav tm="100000">
-                                          <p:val>
-                                            <p:strVal val="#ppt_x"/>
-                                          </p:val>
-                                        </p:tav>
-                                      </p:tavLst>
-                                    </p:anim>
-                                    <p:anim calcmode="lin" valueType="num">
-                                      <p:cBhvr additive="base">
-                                        <p:cTn id="8" dur="500" fill="hold"/>
-                                        <p:tgtEl>
-                                          <p:spTgt spid="2"/>
-                                        </p:tgtEl>
-                                        <p:attrNameLst>
-                                          <p:attrName>ppt_y</p:attrName>
-                                        </p:attrNameLst>
-                                      </p:cBhvr>
-                                      <p:tavLst>
-                                        <p:tav tm="0">
-                                          <p:val>
-                                            <p:strVal val="1+#ppt_h/2"/>
-                                          </p:val>
-                                        </p:tav>
-                                        <p:tav tm="100000">
-                                          <p:val>
-                                            <p:strVal val="#ppt_y"/>
-                                          </p:val>
-                                        </p:tav>
-                                      </p:tavLst>
-                                    </p:anim>
-                                  </p:childTnLst>
-                                </p:cTn>
-                              </p:par>
-                              <p:par>
-                                <p:cTn id="9" presetID="2" presetClass="entr" presetSubtype="4" fill="hold" grpId="0" nodeType="withEffect">
-                                  <p:stCondLst>
-                                    <p:cond delay="0"/>
-                                  </p:stCondLst>
-                                  <p:childTnLst>
-                                    <p:set>
-                                      <p:cBhvr>
-                                        <p:cTn id="10" dur="1" fill="hold">
-                                          <p:stCondLst>
-                                            <p:cond delay="0"/>
-                                          </p:stCondLst>
-                                        </p:cTn>
-                                        <p:tgtEl>
-                                          <p:spTgt spid="66"/>
-                                        </p:tgtEl>
-                                        <p:attrNameLst>
-                                          <p:attrName>style.visibility</p:attrName>
-                                        </p:attrNameLst>
-                                      </p:cBhvr>
-                                      <p:to>
-                                        <p:strVal val="visible"/>
-                                      </p:to>
-                                    </p:set>
-                                    <p:anim calcmode="lin" valueType="num">
-                                      <p:cBhvr additive="base">
-                                        <p:cTn id="11" dur="500" fill="hold"/>
-                                        <p:tgtEl>
-                                          <p:spTgt spid="66"/>
-                                        </p:tgtEl>
-                                        <p:attrNameLst>
-                                          <p:attrName>ppt_x</p:attrName>
-                                        </p:attrNameLst>
-                                      </p:cBhvr>
-                                      <p:tavLst>
-                                        <p:tav tm="0">
-                                          <p:val>
-                                            <p:strVal val="#ppt_x"/>
-                                          </p:val>
-                                        </p:tav>
-                                        <p:tav tm="100000">
-                                          <p:val>
-                                            <p:strVal val="#ppt_x"/>
-                                          </p:val>
-                                        </p:tav>
-                                      </p:tavLst>
-                                    </p:anim>
-                                    <p:anim calcmode="lin" valueType="num">
-                                      <p:cBhvr additive="base">
-                                        <p:cTn id="12" dur="500" fill="hold"/>
-                                        <p:tgtEl>
-                                          <p:spTgt spid="66"/>
-                                        </p:tgtEl>
-                                        <p:attrNameLst>
-                                          <p:attrName>ppt_y</p:attrName>
-                                        </p:attrNameLst>
-                                      </p:cBhvr>
-                                      <p:tavLst>
-                                        <p:tav tm="0">
-                                          <p:val>
-                                            <p:strVal val="1+#ppt_h/2"/>
-                                          </p:val>
-                                        </p:tav>
-                                        <p:tav tm="100000">
-                                          <p:val>
-                                            <p:strVal val="#ppt_y"/>
-                                          </p:val>
-                                        </p:tav>
-                                      </p:tavLst>
-                                    </p:anim>
-                                  </p:childTnLst>
-                                </p:cTn>
-                              </p:par>
-                            </p:childTnLst>
-                          </p:cTn>
-                        </p:par>
-                      </p:childTnLst>
-                    </p:cTn>
-                  </p:par>
-                  <p:par>
-                    <p:cTn id="13" fill="hold">
-                      <p:stCondLst>
-                        <p:cond delay="indefinite"/>
-                      </p:stCondLst>
-                      <p:childTnLst>
-                        <p:par>
-                          <p:cTn id="14" fill="hold">
-                            <p:stCondLst>
-                              <p:cond delay="0"/>
-                            </p:stCondLst>
-                            <p:childTnLst>
-                              <p:par>
-                                <p:cTn id="15" presetID="1" presetClass="entr" presetSubtype="0" fill="hold" grpId="0" nodeType="clickEffect">
-                                  <p:stCondLst>
-                                    <p:cond delay="0"/>
-                                  </p:stCondLst>
-                                  <p:childTnLst>
-                                    <p:set>
-                                      <p:cBhvr>
-                                        <p:cTn id="16" dur="1" fill="hold">
-                                          <p:stCondLst>
-                                            <p:cond delay="0"/>
-                                          </p:stCondLst>
-                                        </p:cTn>
-                                        <p:tgtEl>
-                                          <p:spTgt spid="67"/>
-                                        </p:tgtEl>
-                                        <p:attrNameLst>
-                                          <p:attrName>style.visibility</p:attrName>
-                                        </p:attrNameLst>
-                                      </p:cBhvr>
-                                      <p:to>
-                                        <p:strVal val="visible"/>
-                                      </p:to>
-                                    </p:set>
-                                  </p:childTnLst>
-                                </p:cTn>
-                              </p:par>
-                              <p:par>
-                                <p:cTn id="17" presetID="1" presetClass="entr" presetSubtype="0" fill="hold" grpId="0" nodeType="withEffect">
-                                  <p:stCondLst>
-                                    <p:cond delay="0"/>
-                                  </p:stCondLst>
-                                  <p:childTnLst>
-                                    <p:set>
-                                      <p:cBhvr>
-                                        <p:cTn id="18" dur="1" fill="hold">
-                                          <p:stCondLst>
-                                            <p:cond delay="0"/>
-                                          </p:stCondLst>
-                                        </p:cTn>
-                                        <p:tgtEl>
-                                          <p:spTgt spid="68"/>
-                                        </p:tgtEl>
-                                        <p:attrNameLst>
-                                          <p:attrName>style.visibility</p:attrName>
-                                        </p:attrNameLst>
-                                      </p:cBhvr>
-                                      <p:to>
-                                        <p:strVal val="visible"/>
-                                      </p:to>
-                                    </p:set>
-                                  </p:childTnLst>
-                                </p:cTn>
-                              </p:par>
-                              <p:par>
-                                <p:cTn id="19" presetID="1" presetClass="entr" presetSubtype="0" fill="hold" grpId="0" nodeType="withEffect">
-                                  <p:stCondLst>
-                                    <p:cond delay="0"/>
-                                  </p:stCondLst>
-                                  <p:childTnLst>
-                                    <p:set>
-                                      <p:cBhvr>
-                                        <p:cTn id="20" dur="1" fill="hold">
-                                          <p:stCondLst>
-                                            <p:cond delay="0"/>
-                                          </p:stCondLst>
-                                        </p:cTn>
-                                        <p:tgtEl>
-                                          <p:spTgt spid="69"/>
-                                        </p:tgtEl>
-                                        <p:attrNameLst>
-                                          <p:attrName>style.visibility</p:attrName>
-                                        </p:attrNameLst>
-                                      </p:cBhvr>
-                                      <p:to>
-                                        <p:strVal val="visible"/>
-                                      </p:to>
-                                    </p:set>
-                                  </p:childTnLst>
-                                </p:cTn>
-                              </p:par>
-                              <p:par>
-                                <p:cTn id="21" presetID="1" presetClass="entr" presetSubtype="0" fill="hold" grpId="0" nodeType="withEffect">
-                                  <p:stCondLst>
-                                    <p:cond delay="0"/>
-                                  </p:stCondLst>
-                                  <p:childTnLst>
-                                    <p:set>
-                                      <p:cBhvr>
-                                        <p:cTn id="22" dur="1" fill="hold">
-                                          <p:stCondLst>
-                                            <p:cond delay="0"/>
-                                          </p:stCondLst>
-                                        </p:cTn>
-                                        <p:tgtEl>
-                                          <p:spTgt spid="3"/>
-                                        </p:tgtEl>
-                                        <p:attrNameLst>
-                                          <p:attrName>style.visibility</p:attrName>
-                                        </p:attrNameLst>
-                                      </p:cBhvr>
-                                      <p:to>
-                                        <p:strVal val="visible"/>
-                                      </p:to>
-                                    </p:set>
-                                  </p:childTnLst>
-                                </p:cTn>
-                              </p:par>
-                            </p:childTnLst>
-                          </p:cTn>
-                        </p:par>
-                      </p:childTnLst>
-                    </p:cTn>
-                  </p:par>
-                  <p:par>
-                    <p:cTn id="23" fill="hold">
-                      <p:stCondLst>
-                        <p:cond delay="indefinite"/>
-                      </p:stCondLst>
-                      <p:childTnLst>
-                        <p:par>
-                          <p:cTn id="24" fill="hold">
-                            <p:stCondLst>
-                              <p:cond delay="0"/>
-                            </p:stCondLst>
-                            <p:childTnLst>
-                              <p:par>
-                                <p:cTn id="25" presetID="1" presetClass="entr" presetSubtype="0" fill="hold" grpId="0" nodeType="clickEffect">
-                                  <p:stCondLst>
-                                    <p:cond delay="0"/>
-                                  </p:stCondLst>
-                                  <p:childTnLst>
-                                    <p:set>
-                                      <p:cBhvr>
-                                        <p:cTn id="26" dur="1" fill="hold">
-                                          <p:stCondLst>
-                                            <p:cond delay="0"/>
-                                          </p:stCondLst>
-                                        </p:cTn>
-                                        <p:tgtEl>
-                                          <p:spTgt spid="70"/>
-                                        </p:tgtEl>
-                                        <p:attrNameLst>
-                                          <p:attrName>style.visibility</p:attrName>
-                                        </p:attrNameLst>
-                                      </p:cBhvr>
-                                      <p:to>
-                                        <p:strVal val="visible"/>
-                                      </p:to>
-                                    </p:set>
-                                  </p:childTnLst>
-                                </p:cTn>
-                              </p:par>
-                              <p:par>
-                                <p:cTn id="27" presetID="1" presetClass="entr" presetSubtype="0" fill="hold" grpId="0" nodeType="withEffect">
-                                  <p:stCondLst>
-                                    <p:cond delay="0"/>
-                                  </p:stCondLst>
-                                  <p:childTnLst>
-                                    <p:set>
-                                      <p:cBhvr>
-                                        <p:cTn id="28" dur="1" fill="hold">
-                                          <p:stCondLst>
-                                            <p:cond delay="0"/>
-                                          </p:stCondLst>
-                                        </p:cTn>
-                                        <p:tgtEl>
-                                          <p:spTgt spid="4"/>
-                                        </p:tgtEl>
-                                        <p:attrNameLst>
-                                          <p:attrName>style.visibility</p:attrName>
-                                        </p:attrNameLst>
-                                      </p:cBhvr>
-                                      <p:to>
-                                        <p:strVal val="visible"/>
-                                      </p:to>
-                                    </p:set>
-                                  </p:childTnLst>
-                                </p:cTn>
-                              </p:par>
-                            </p:childTnLst>
-                          </p:cTn>
-                        </p:par>
-                      </p:childTnLst>
-                    </p:cTn>
-                  </p:par>
-                  <p:par>
-                    <p:cTn id="29" fill="hold">
-                      <p:stCondLst>
-                        <p:cond delay="indefinite"/>
-                      </p:stCondLst>
-                      <p:childTnLst>
-                        <p:par>
-                          <p:cTn id="30" fill="hold">
-                            <p:stCondLst>
-                              <p:cond delay="0"/>
-                            </p:stCondLst>
-                            <p:childTnLst>
-                              <p:par>
-                                <p:cTn id="31" presetID="2" presetClass="entr" presetSubtype="4" fill="hold" grpId="0" nodeType="clickEffect">
-                                  <p:stCondLst>
-                                    <p:cond delay="0"/>
-                                  </p:stCondLst>
-                                  <p:childTnLst>
-                                    <p:set>
-                                      <p:cBhvr>
-                                        <p:cTn id="32" dur="1" fill="hold">
-                                          <p:stCondLst>
-                                            <p:cond delay="0"/>
-                                          </p:stCondLst>
-                                        </p:cTn>
-                                        <p:tgtEl>
-                                          <p:spTgt spid="61"/>
-                                        </p:tgtEl>
-                                        <p:attrNameLst>
-                                          <p:attrName>style.visibility</p:attrName>
-                                        </p:attrNameLst>
-                                      </p:cBhvr>
-                                      <p:to>
-                                        <p:strVal val="visible"/>
-                                      </p:to>
-                                    </p:set>
-                                    <p:anim calcmode="lin" valueType="num">
-                                      <p:cBhvr additive="base">
-                                        <p:cTn id="33" dur="500" fill="hold"/>
-                                        <p:tgtEl>
-                                          <p:spTgt spid="61"/>
-                                        </p:tgtEl>
-                                        <p:attrNameLst>
-                                          <p:attrName>ppt_x</p:attrName>
-                                        </p:attrNameLst>
-                                      </p:cBhvr>
-                                      <p:tavLst>
-                                        <p:tav tm="0">
-                                          <p:val>
-                                            <p:strVal val="#ppt_x"/>
-                                          </p:val>
-                                        </p:tav>
-                                        <p:tav tm="100000">
-                                          <p:val>
-                                            <p:strVal val="#ppt_x"/>
-                                          </p:val>
-                                        </p:tav>
-                                      </p:tavLst>
-                                    </p:anim>
-                                    <p:anim calcmode="lin" valueType="num">
-                                      <p:cBhvr additive="base">
-                                        <p:cTn id="34" dur="500" fill="hold"/>
-                                        <p:tgtEl>
-                                          <p:spTgt spid="61"/>
-                                        </p:tgtEl>
-                                        <p:attrNameLst>
-                                          <p:attrName>ppt_y</p:attrName>
-                                        </p:attrNameLst>
-                                      </p:cBhvr>
-                                      <p:tavLst>
-                                        <p:tav tm="0">
-                                          <p:val>
-                                            <p:strVal val="1+#ppt_h/2"/>
-                                          </p:val>
-                                        </p:tav>
-                                        <p:tav tm="100000">
-                                          <p:val>
-                                            <p:strVal val="#ppt_y"/>
-                                          </p:val>
-                                        </p:tav>
-                                      </p:tavLst>
-                                    </p:anim>
-                                  </p:childTnLst>
-                                </p:cTn>
-                              </p:par>
-                              <p:par>
-                                <p:cTn id="35" presetID="2" presetClass="entr" presetSubtype="4" fill="hold" grpId="0" nodeType="withEffect">
-                                  <p:stCondLst>
-                                    <p:cond delay="0"/>
-                                  </p:stCondLst>
-                                  <p:childTnLst>
-                                    <p:set>
-                                      <p:cBhvr>
-                                        <p:cTn id="36" dur="1" fill="hold">
-                                          <p:stCondLst>
-                                            <p:cond delay="0"/>
-                                          </p:stCondLst>
-                                        </p:cTn>
-                                        <p:tgtEl>
-                                          <p:spTgt spid="5"/>
-                                        </p:tgtEl>
-                                        <p:attrNameLst>
-                                          <p:attrName>style.visibility</p:attrName>
-                                        </p:attrNameLst>
-                                      </p:cBhvr>
-                                      <p:to>
-                                        <p:strVal val="visible"/>
-                                      </p:to>
-                                    </p:set>
-                                    <p:anim calcmode="lin" valueType="num">
-                                      <p:cBhvr additive="base">
-                                        <p:cTn id="37" dur="500" fill="hold"/>
-                                        <p:tgtEl>
-                                          <p:spTgt spid="5"/>
-                                        </p:tgtEl>
-                                        <p:attrNameLst>
-                                          <p:attrName>ppt_x</p:attrName>
-                                        </p:attrNameLst>
-                                      </p:cBhvr>
-                                      <p:tavLst>
-                                        <p:tav tm="0">
-                                          <p:val>
-                                            <p:strVal val="#ppt_x"/>
-                                          </p:val>
-                                        </p:tav>
-                                        <p:tav tm="100000">
-                                          <p:val>
-                                            <p:strVal val="#ppt_x"/>
-                                          </p:val>
-                                        </p:tav>
-                                      </p:tavLst>
-                                    </p:anim>
-                                    <p:anim calcmode="lin" valueType="num">
-                                      <p:cBhvr additive="base">
-                                        <p:cTn id="38" dur="500" fill="hold"/>
-                                        <p:tgtEl>
-                                          <p:spTgt spid="5"/>
-                                        </p:tgtEl>
-                                        <p:attrNameLst>
-                                          <p:attrName>ppt_y</p:attrName>
-                                        </p:attrNameLst>
-                                      </p:cBhvr>
-                                      <p:tavLst>
-                                        <p:tav tm="0">
-                                          <p:val>
-                                            <p:strVal val="1+#ppt_h/2"/>
-                                          </p:val>
-                                        </p:tav>
-                                        <p:tav tm="100000">
-                                          <p:val>
-                                            <p:strVal val="#ppt_y"/>
-                                          </p:val>
-                                        </p:tav>
-                                      </p:tavLst>
-                                    </p:anim>
-                                  </p:childTnLst>
-                                </p:cTn>
-                              </p:par>
-                            </p:childTnLst>
-                          </p:cTn>
-                        </p:par>
-                      </p:childTnLst>
-                    </p:cTn>
-                  </p:par>
-                  <p:par>
-                    <p:cTn id="39" fill="hold">
-                      <p:stCondLst>
-                        <p:cond delay="indefinite"/>
-                      </p:stCondLst>
-                      <p:childTnLst>
-                        <p:par>
-                          <p:cTn id="40" fill="hold">
-                            <p:stCondLst>
-                              <p:cond delay="0"/>
-                            </p:stCondLst>
-                            <p:childTnLst>
-                              <p:par>
-                                <p:cTn id="41" presetID="1" presetClass="entr" presetSubtype="0" fill="hold" grpId="0" nodeType="clickEffect">
-                                  <p:stCondLst>
-                                    <p:cond delay="0"/>
-                                  </p:stCondLst>
-                                  <p:childTnLst>
-                                    <p:set>
-                                      <p:cBhvr>
-                                        <p:cTn id="42" dur="1" fill="hold">
-                                          <p:stCondLst>
-                                            <p:cond delay="0"/>
-                                          </p:stCondLst>
-                                        </p:cTn>
-                                        <p:tgtEl>
-                                          <p:spTgt spid="71"/>
-                                        </p:tgtEl>
-                                        <p:attrNameLst>
-                                          <p:attrName>style.visibility</p:attrName>
-                                        </p:attrNameLst>
-                                      </p:cBhvr>
-                                      <p:to>
-                                        <p:strVal val="visible"/>
-                                      </p:to>
-                                    </p:set>
-                                  </p:childTnLst>
-                                </p:cTn>
-                              </p:par>
-                              <p:par>
-                                <p:cTn id="43" presetID="1" presetClass="entr" presetSubtype="0" fill="hold" grpId="0" nodeType="withEffect">
-                                  <p:stCondLst>
-                                    <p:cond delay="0"/>
-                                  </p:stCondLst>
-                                  <p:childTnLst>
-                                    <p:set>
-                                      <p:cBhvr>
-                                        <p:cTn id="44" dur="1" fill="hold">
-                                          <p:stCondLst>
-                                            <p:cond delay="0"/>
-                                          </p:stCondLst>
-                                        </p:cTn>
-                                        <p:tgtEl>
-                                          <p:spTgt spid="6"/>
-                                        </p:tgtEl>
-                                        <p:attrNameLst>
-                                          <p:attrName>style.visibility</p:attrName>
-                                        </p:attrNameLst>
-                                      </p:cBhvr>
-                                      <p:to>
-                                        <p:strVal val="visible"/>
-                                      </p:to>
-                                    </p:set>
-                                  </p:childTnLst>
-                                </p:cTn>
-                              </p:par>
-                            </p:childTnLst>
-                          </p:cTn>
-                        </p:par>
-                      </p:childTnLst>
-                    </p:cTn>
-                  </p:par>
-                  <p:par>
-                    <p:cTn id="45" fill="hold">
-                      <p:stCondLst>
-                        <p:cond delay="indefinite"/>
-                      </p:stCondLst>
-                      <p:childTnLst>
-                        <p:par>
-                          <p:cTn id="46" fill="hold">
-                            <p:stCondLst>
-                              <p:cond delay="0"/>
-                            </p:stCondLst>
-                            <p:childTnLst>
-                              <p:par>
-                                <p:cTn id="47" presetID="1" presetClass="entr" presetSubtype="0" fill="hold" grpId="0" nodeType="clickEffect">
-                                  <p:stCondLst>
-                                    <p:cond delay="0"/>
-                                  </p:stCondLst>
-                                  <p:childTnLst>
-                                    <p:set>
-                                      <p:cBhvr>
-                                        <p:cTn id="48" dur="1" fill="hold">
-                                          <p:stCondLst>
-                                            <p:cond delay="0"/>
-                                          </p:stCondLst>
-                                        </p:cTn>
-                                        <p:tgtEl>
-                                          <p:spTgt spid="7"/>
-                                        </p:tgtEl>
-                                        <p:attrNameLst>
-                                          <p:attrName>style.visibility</p:attrName>
-                                        </p:attrNameLst>
-                                      </p:cBhvr>
-                                      <p:to>
-                                        <p:strVal val="visible"/>
-                                      </p:to>
-                                    </p:set>
-                                  </p:childTnLst>
-                                </p:cTn>
-                              </p:par>
-                            </p:childTnLst>
-                          </p:cTn>
-                        </p:par>
-                      </p:childTnLst>
-                    </p:cTn>
-                  </p:par>
-                  <p:par>
-                    <p:cTn id="49" fill="hold">
-                      <p:stCondLst>
-                        <p:cond delay="indefinite"/>
-                      </p:stCondLst>
-                      <p:childTnLst>
-                        <p:par>
-                          <p:cTn id="50" fill="hold">
-                            <p:stCondLst>
-                              <p:cond delay="0"/>
-                            </p:stCondLst>
-                            <p:childTnLst>
-                              <p:par>
-                                <p:cTn id="51" presetID="2" presetClass="entr" presetSubtype="4" fill="hold" grpId="0" nodeType="clickEffect">
-                                  <p:stCondLst>
-                                    <p:cond delay="0"/>
-                                  </p:stCondLst>
-                                  <p:childTnLst>
-                                    <p:set>
-                                      <p:cBhvr>
-                                        <p:cTn id="52" dur="1" fill="hold">
-                                          <p:stCondLst>
-                                            <p:cond delay="0"/>
-                                          </p:stCondLst>
-                                        </p:cTn>
-                                        <p:tgtEl>
-                                          <p:spTgt spid="64"/>
-                                        </p:tgtEl>
-                                        <p:attrNameLst>
-                                          <p:attrName>style.visibility</p:attrName>
-                                        </p:attrNameLst>
-                                      </p:cBhvr>
-                                      <p:to>
-                                        <p:strVal val="visible"/>
-                                      </p:to>
-                                    </p:set>
-                                    <p:anim calcmode="lin" valueType="num">
-                                      <p:cBhvr additive="base">
-                                        <p:cTn id="53" dur="500" fill="hold"/>
-                                        <p:tgtEl>
-                                          <p:spTgt spid="64"/>
-                                        </p:tgtEl>
-                                        <p:attrNameLst>
-                                          <p:attrName>ppt_x</p:attrName>
-                                        </p:attrNameLst>
-                                      </p:cBhvr>
-                                      <p:tavLst>
-                                        <p:tav tm="0">
-                                          <p:val>
-                                            <p:strVal val="#ppt_x"/>
-                                          </p:val>
-                                        </p:tav>
-                                        <p:tav tm="100000">
-                                          <p:val>
-                                            <p:strVal val="#ppt_x"/>
-                                          </p:val>
-                                        </p:tav>
-                                      </p:tavLst>
-                                    </p:anim>
-                                    <p:anim calcmode="lin" valueType="num">
-                                      <p:cBhvr additive="base">
-                                        <p:cTn id="54" dur="500" fill="hold"/>
-                                        <p:tgtEl>
-                                          <p:spTgt spid="64"/>
-                                        </p:tgtEl>
-                                        <p:attrNameLst>
-                                          <p:attrName>ppt_y</p:attrName>
-                                        </p:attrNameLst>
-                                      </p:cBhvr>
-                                      <p:tavLst>
-                                        <p:tav tm="0">
-                                          <p:val>
-                                            <p:strVal val="1+#ppt_h/2"/>
-                                          </p:val>
-                                        </p:tav>
-                                        <p:tav tm="100000">
-                                          <p:val>
-                                            <p:strVal val="#ppt_y"/>
-                                          </p:val>
-                                        </p:tav>
-                                      </p:tavLst>
-                                    </p:anim>
-                                  </p:childTnLst>
-                                </p:cTn>
-                              </p:par>
-                              <p:par>
-                                <p:cTn id="55" presetID="2" presetClass="entr" presetSubtype="4" fill="hold" grpId="0" nodeType="withEffect">
-                                  <p:stCondLst>
-                                    <p:cond delay="0"/>
-                                  </p:stCondLst>
-                                  <p:childTnLst>
-                                    <p:set>
-                                      <p:cBhvr>
-                                        <p:cTn id="56" dur="1" fill="hold">
-                                          <p:stCondLst>
-                                            <p:cond delay="0"/>
-                                          </p:stCondLst>
-                                        </p:cTn>
-                                        <p:tgtEl>
-                                          <p:spTgt spid="15"/>
-                                        </p:tgtEl>
-                                        <p:attrNameLst>
-                                          <p:attrName>style.visibility</p:attrName>
-                                        </p:attrNameLst>
-                                      </p:cBhvr>
-                                      <p:to>
-                                        <p:strVal val="visible"/>
-                                      </p:to>
-                                    </p:set>
-                                    <p:anim calcmode="lin" valueType="num">
-                                      <p:cBhvr additive="base">
-                                        <p:cTn id="57" dur="500" fill="hold"/>
-                                        <p:tgtEl>
-                                          <p:spTgt spid="15"/>
-                                        </p:tgtEl>
-                                        <p:attrNameLst>
-                                          <p:attrName>ppt_x</p:attrName>
-                                        </p:attrNameLst>
-                                      </p:cBhvr>
-                                      <p:tavLst>
-                                        <p:tav tm="0">
-                                          <p:val>
-                                            <p:strVal val="#ppt_x"/>
-                                          </p:val>
-                                        </p:tav>
-                                        <p:tav tm="100000">
-                                          <p:val>
-                                            <p:strVal val="#ppt_x"/>
-                                          </p:val>
-                                        </p:tav>
-                                      </p:tavLst>
-                                    </p:anim>
-                                    <p:anim calcmode="lin" valueType="num">
-                                      <p:cBhvr additive="base">
-                                        <p:cTn id="58" dur="500" fill="hold"/>
-                                        <p:tgtEl>
-                                          <p:spTgt spid="15"/>
-                                        </p:tgtEl>
-                                        <p:attrNameLst>
-                                          <p:attrName>ppt_y</p:attrName>
-                                        </p:attrNameLst>
-                                      </p:cBhvr>
-                                      <p:tavLst>
-                                        <p:tav tm="0">
-                                          <p:val>
-                                            <p:strVal val="1+#ppt_h/2"/>
-                                          </p:val>
-                                        </p:tav>
-                                        <p:tav tm="100000">
-                                          <p:val>
-                                            <p:strVal val="#ppt_y"/>
-                                          </p:val>
-                                        </p:tav>
-                                      </p:tavLst>
-                                    </p:anim>
-                                  </p:childTnLst>
-                                </p:cTn>
-                              </p:par>
-                            </p:childTnLst>
-                          </p:cTn>
-                        </p:par>
-                      </p:childTnLst>
-                    </p:cTn>
-                  </p:par>
-                  <p:par>
-                    <p:cTn id="59" fill="hold">
-                      <p:stCondLst>
-                        <p:cond delay="indefinite"/>
-                      </p:stCondLst>
-                      <p:childTnLst>
-                        <p:par>
-                          <p:cTn id="60" fill="hold">
-                            <p:stCondLst>
-                              <p:cond delay="0"/>
-                            </p:stCondLst>
-                            <p:childTnLst>
-                              <p:par>
-                                <p:cTn id="61" presetID="2" presetClass="entr" presetSubtype="4" fill="hold" grpId="0" nodeType="clickEffect">
-                                  <p:stCondLst>
-                                    <p:cond delay="0"/>
-                                  </p:stCondLst>
-                                  <p:childTnLst>
-                                    <p:set>
-                                      <p:cBhvr>
-                                        <p:cTn id="62" dur="1" fill="hold">
-                                          <p:stCondLst>
-                                            <p:cond delay="0"/>
-                                          </p:stCondLst>
-                                        </p:cTn>
-                                        <p:tgtEl>
-                                          <p:spTgt spid="62"/>
-                                        </p:tgtEl>
-                                        <p:attrNameLst>
-                                          <p:attrName>style.visibility</p:attrName>
-                                        </p:attrNameLst>
-                                      </p:cBhvr>
-                                      <p:to>
-                                        <p:strVal val="visible"/>
-                                      </p:to>
-                                    </p:set>
-                                    <p:anim calcmode="lin" valueType="num">
-                                      <p:cBhvr additive="base">
-                                        <p:cTn id="63" dur="500" fill="hold"/>
-                                        <p:tgtEl>
-                                          <p:spTgt spid="62"/>
-                                        </p:tgtEl>
-                                        <p:attrNameLst>
-                                          <p:attrName>ppt_x</p:attrName>
-                                        </p:attrNameLst>
-                                      </p:cBhvr>
-                                      <p:tavLst>
-                                        <p:tav tm="0">
-                                          <p:val>
-                                            <p:strVal val="#ppt_x"/>
-                                          </p:val>
-                                        </p:tav>
-                                        <p:tav tm="100000">
-                                          <p:val>
-                                            <p:strVal val="#ppt_x"/>
-                                          </p:val>
-                                        </p:tav>
-                                      </p:tavLst>
-                                    </p:anim>
-                                    <p:anim calcmode="lin" valueType="num">
-                                      <p:cBhvr additive="base">
-                                        <p:cTn id="64" dur="500" fill="hold"/>
-                                        <p:tgtEl>
-                                          <p:spTgt spid="62"/>
-                                        </p:tgtEl>
-                                        <p:attrNameLst>
-                                          <p:attrName>ppt_y</p:attrName>
-                                        </p:attrNameLst>
-                                      </p:cBhvr>
-                                      <p:tavLst>
-                                        <p:tav tm="0">
-                                          <p:val>
-                                            <p:strVal val="1+#ppt_h/2"/>
-                                          </p:val>
-                                        </p:tav>
-                                        <p:tav tm="100000">
-                                          <p:val>
-                                            <p:strVal val="#ppt_y"/>
-                                          </p:val>
-                                        </p:tav>
-                                      </p:tavLst>
-                                    </p:anim>
-                                  </p:childTnLst>
-                                </p:cTn>
-                              </p:par>
-                              <p:par>
-                                <p:cTn id="65" presetID="2" presetClass="entr" presetSubtype="4" fill="hold" grpId="0" nodeType="withEffect">
-                                  <p:stCondLst>
-                                    <p:cond delay="0"/>
-                                  </p:stCondLst>
-                                  <p:childTnLst>
-                                    <p:set>
-                                      <p:cBhvr>
-                                        <p:cTn id="66" dur="1" fill="hold">
-                                          <p:stCondLst>
-                                            <p:cond delay="0"/>
-                                          </p:stCondLst>
-                                        </p:cTn>
-                                        <p:tgtEl>
-                                          <p:spTgt spid="8"/>
-                                        </p:tgtEl>
-                                        <p:attrNameLst>
-                                          <p:attrName>style.visibility</p:attrName>
-                                        </p:attrNameLst>
-                                      </p:cBhvr>
-                                      <p:to>
-                                        <p:strVal val="visible"/>
-                                      </p:to>
-                                    </p:set>
-                                    <p:anim calcmode="lin" valueType="num">
-                                      <p:cBhvr additive="base">
-                                        <p:cTn id="67" dur="500" fill="hold"/>
-                                        <p:tgtEl>
-                                          <p:spTgt spid="8"/>
-                                        </p:tgtEl>
-                                        <p:attrNameLst>
-                                          <p:attrName>ppt_x</p:attrName>
-                                        </p:attrNameLst>
-                                      </p:cBhvr>
-                                      <p:tavLst>
-                                        <p:tav tm="0">
-                                          <p:val>
-                                            <p:strVal val="#ppt_x"/>
-                                          </p:val>
-                                        </p:tav>
-                                        <p:tav tm="100000">
-                                          <p:val>
-                                            <p:strVal val="#ppt_x"/>
-                                          </p:val>
-                                        </p:tav>
-                                      </p:tavLst>
-                                    </p:anim>
-                                    <p:anim calcmode="lin" valueType="num">
-                                      <p:cBhvr additive="base">
-                                        <p:cTn id="68" dur="500" fill="hold"/>
-                                        <p:tgtEl>
-                                          <p:spTgt spid="8"/>
-                                        </p:tgtEl>
-                                        <p:attrNameLst>
-                                          <p:attrName>ppt_y</p:attrName>
-                                        </p:attrNameLst>
-                                      </p:cBhvr>
-                                      <p:tavLst>
-                                        <p:tav tm="0">
-                                          <p:val>
-                                            <p:strVal val="1+#ppt_h/2"/>
-                                          </p:val>
-                                        </p:tav>
-                                        <p:tav tm="100000">
-                                          <p:val>
-                                            <p:strVal val="#ppt_y"/>
-                                          </p:val>
-                                        </p:tav>
-                                      </p:tavLst>
-                                    </p:anim>
-                                  </p:childTnLst>
-                                </p:cTn>
-                              </p:par>
-                            </p:childTnLst>
-                          </p:cTn>
-                        </p:par>
-                      </p:childTnLst>
-                    </p:cTn>
-                  </p:par>
-                  <p:par>
-                    <p:cTn id="69" fill="hold">
-                      <p:stCondLst>
-                        <p:cond delay="indefinite"/>
-                      </p:stCondLst>
-                      <p:childTnLst>
-                        <p:par>
-                          <p:cTn id="70" fill="hold">
-                            <p:stCondLst>
-                              <p:cond delay="0"/>
-                            </p:stCondLst>
-                            <p:childTnLst>
-                              <p:par>
-                                <p:cTn id="71" presetID="1" presetClass="entr" presetSubtype="0" fill="hold" grpId="0" nodeType="clickEffect">
-                                  <p:stCondLst>
-                                    <p:cond delay="0"/>
-                                  </p:stCondLst>
-                                  <p:childTnLst>
-                                    <p:set>
-                                      <p:cBhvr>
-                                        <p:cTn id="72" dur="1" fill="hold">
-                                          <p:stCondLst>
-                                            <p:cond delay="0"/>
-                                          </p:stCondLst>
-                                        </p:cTn>
-                                        <p:tgtEl>
-                                          <p:spTgt spid="72"/>
-                                        </p:tgtEl>
-                                        <p:attrNameLst>
-                                          <p:attrName>style.visibility</p:attrName>
-                                        </p:attrNameLst>
-                                      </p:cBhvr>
-                                      <p:to>
-                                        <p:strVal val="visible"/>
-                                      </p:to>
-                                    </p:set>
-                                  </p:childTnLst>
-                                </p:cTn>
-                              </p:par>
-                              <p:par>
-                                <p:cTn id="73" presetID="1" presetClass="entr" presetSubtype="0" fill="hold" grpId="0" nodeType="withEffect">
-                                  <p:stCondLst>
-                                    <p:cond delay="0"/>
-                                  </p:stCondLst>
-                                  <p:childTnLst>
-                                    <p:set>
-                                      <p:cBhvr>
-                                        <p:cTn id="74" dur="1" fill="hold">
-                                          <p:stCondLst>
-                                            <p:cond delay="0"/>
-                                          </p:stCondLst>
-                                        </p:cTn>
-                                        <p:tgtEl>
-                                          <p:spTgt spid="9"/>
-                                        </p:tgtEl>
-                                        <p:attrNameLst>
-                                          <p:attrName>style.visibility</p:attrName>
-                                        </p:attrNameLst>
-                                      </p:cBhvr>
-                                      <p:to>
-                                        <p:strVal val="visible"/>
-                                      </p:to>
-                                    </p:set>
-                                  </p:childTnLst>
-                                </p:cTn>
-                              </p:par>
-                            </p:childTnLst>
-                          </p:cTn>
-                        </p:par>
-                      </p:childTnLst>
-                    </p:cTn>
-                  </p:par>
-                  <p:par>
-                    <p:cTn id="75" fill="hold">
-                      <p:stCondLst>
-                        <p:cond delay="indefinite"/>
-                      </p:stCondLst>
-                      <p:childTnLst>
-                        <p:par>
-                          <p:cTn id="76" fill="hold">
-                            <p:stCondLst>
-                              <p:cond delay="0"/>
-                            </p:stCondLst>
-                            <p:childTnLst>
-                              <p:par>
-                                <p:cTn id="77" presetID="1" presetClass="entr" presetSubtype="0" fill="hold" grpId="0" nodeType="clickEffect">
-                                  <p:stCondLst>
-                                    <p:cond delay="0"/>
-                                  </p:stCondLst>
-                                  <p:childTnLst>
-                                    <p:set>
-                                      <p:cBhvr>
-                                        <p:cTn id="78" dur="1" fill="hold">
-                                          <p:stCondLst>
-                                            <p:cond delay="0"/>
-                                          </p:stCondLst>
-                                        </p:cTn>
-                                        <p:tgtEl>
-                                          <p:spTgt spid="10"/>
-                                        </p:tgtEl>
-                                        <p:attrNameLst>
-                                          <p:attrName>style.visibility</p:attrName>
-                                        </p:attrNameLst>
-                                      </p:cBhvr>
-                                      <p:to>
-                                        <p:strVal val="visible"/>
-                                      </p:to>
-                                    </p:set>
-                                  </p:childTnLst>
-                                </p:cTn>
-                              </p:par>
-                            </p:childTnLst>
-                          </p:cTn>
-                        </p:par>
-                      </p:childTnLst>
-                    </p:cTn>
-                  </p:par>
-                  <p:par>
-                    <p:cTn id="79" fill="hold">
-                      <p:stCondLst>
-                        <p:cond delay="indefinite"/>
-                      </p:stCondLst>
-                      <p:childTnLst>
-                        <p:par>
-                          <p:cTn id="80" fill="hold">
-                            <p:stCondLst>
-                              <p:cond delay="0"/>
-                            </p:stCondLst>
-                            <p:childTnLst>
-                              <p:par>
-                                <p:cTn id="81" presetID="2" presetClass="entr" presetSubtype="4" fill="hold" grpId="0" nodeType="clickEffect">
-                                  <p:stCondLst>
-                                    <p:cond delay="0"/>
-                                  </p:stCondLst>
-                                  <p:childTnLst>
-                                    <p:set>
-                                      <p:cBhvr>
-                                        <p:cTn id="82" dur="1" fill="hold">
-                                          <p:stCondLst>
-                                            <p:cond delay="0"/>
-                                          </p:stCondLst>
-                                        </p:cTn>
-                                        <p:tgtEl>
-                                          <p:spTgt spid="16"/>
-                                        </p:tgtEl>
-                                        <p:attrNameLst>
-                                          <p:attrName>style.visibility</p:attrName>
-                                        </p:attrNameLst>
-                                      </p:cBhvr>
-                                      <p:to>
-                                        <p:strVal val="visible"/>
-                                      </p:to>
-                                    </p:set>
-                                    <p:anim calcmode="lin" valueType="num">
-                                      <p:cBhvr additive="base">
-                                        <p:cTn id="83" dur="500" fill="hold"/>
-                                        <p:tgtEl>
-                                          <p:spTgt spid="16"/>
-                                        </p:tgtEl>
-                                        <p:attrNameLst>
-                                          <p:attrName>ppt_x</p:attrName>
-                                        </p:attrNameLst>
-                                      </p:cBhvr>
-                                      <p:tavLst>
-                                        <p:tav tm="0">
-                                          <p:val>
-                                            <p:strVal val="#ppt_x"/>
-                                          </p:val>
-                                        </p:tav>
-                                        <p:tav tm="100000">
-                                          <p:val>
-                                            <p:strVal val="#ppt_x"/>
-                                          </p:val>
-                                        </p:tav>
-                                      </p:tavLst>
-                                    </p:anim>
-                                    <p:anim calcmode="lin" valueType="num">
-                                      <p:cBhvr additive="base">
-                                        <p:cTn id="84" dur="500" fill="hold"/>
-                                        <p:tgtEl>
-                                          <p:spTgt spid="16"/>
-                                        </p:tgtEl>
-                                        <p:attrNameLst>
-                                          <p:attrName>ppt_y</p:attrName>
-                                        </p:attrNameLst>
-                                      </p:cBhvr>
-                                      <p:tavLst>
-                                        <p:tav tm="0">
-                                          <p:val>
-                                            <p:strVal val="1+#ppt_h/2"/>
-                                          </p:val>
-                                        </p:tav>
-                                        <p:tav tm="100000">
-                                          <p:val>
-                                            <p:strVal val="#ppt_y"/>
-                                          </p:val>
-                                        </p:tav>
-                                      </p:tavLst>
-                                    </p:anim>
-                                  </p:childTnLst>
-                                </p:cTn>
-                              </p:par>
-                              <p:par>
-                                <p:cTn id="85" presetID="2" presetClass="entr" presetSubtype="4" fill="hold" grpId="0" nodeType="withEffect">
-                                  <p:stCondLst>
-                                    <p:cond delay="0"/>
-                                  </p:stCondLst>
-                                  <p:childTnLst>
-                                    <p:set>
-                                      <p:cBhvr>
-                                        <p:cTn id="86" dur="1" fill="hold">
-                                          <p:stCondLst>
-                                            <p:cond delay="0"/>
-                                          </p:stCondLst>
-                                        </p:cTn>
-                                        <p:tgtEl>
-                                          <p:spTgt spid="65"/>
-                                        </p:tgtEl>
-                                        <p:attrNameLst>
-                                          <p:attrName>style.visibility</p:attrName>
-                                        </p:attrNameLst>
-                                      </p:cBhvr>
-                                      <p:to>
-                                        <p:strVal val="visible"/>
-                                      </p:to>
-                                    </p:set>
-                                    <p:anim calcmode="lin" valueType="num">
-                                      <p:cBhvr additive="base">
-                                        <p:cTn id="87" dur="500" fill="hold"/>
-                                        <p:tgtEl>
-                                          <p:spTgt spid="65"/>
-                                        </p:tgtEl>
-                                        <p:attrNameLst>
-                                          <p:attrName>ppt_x</p:attrName>
-                                        </p:attrNameLst>
-                                      </p:cBhvr>
-                                      <p:tavLst>
-                                        <p:tav tm="0">
-                                          <p:val>
-                                            <p:strVal val="#ppt_x"/>
-                                          </p:val>
-                                        </p:tav>
-                                        <p:tav tm="100000">
-                                          <p:val>
-                                            <p:strVal val="#ppt_x"/>
-                                          </p:val>
-                                        </p:tav>
-                                      </p:tavLst>
-                                    </p:anim>
-                                    <p:anim calcmode="lin" valueType="num">
-                                      <p:cBhvr additive="base">
-                                        <p:cTn id="88" dur="500" fill="hold"/>
-                                        <p:tgtEl>
-                                          <p:spTgt spid="65"/>
-                                        </p:tgtEl>
-                                        <p:attrNameLst>
-                                          <p:attrName>ppt_y</p:attrName>
-                                        </p:attrNameLst>
-                                      </p:cBhvr>
-                                      <p:tavLst>
-                                        <p:tav tm="0">
-                                          <p:val>
-                                            <p:strVal val="1+#ppt_h/2"/>
-                                          </p:val>
-                                        </p:tav>
-                                        <p:tav tm="100000">
-                                          <p:val>
-                                            <p:strVal val="#ppt_y"/>
-                                          </p:val>
-                                        </p:tav>
-                                      </p:tavLst>
-                                    </p:anim>
-                                  </p:childTnLst>
-                                </p:cTn>
-                              </p:par>
-                            </p:childTnLst>
-                          </p:cTn>
-                        </p:par>
-                      </p:childTnLst>
-                    </p:cTn>
-                  </p:par>
-                  <p:par>
-                    <p:cTn id="89" fill="hold">
-                      <p:stCondLst>
-                        <p:cond delay="indefinite"/>
-                      </p:stCondLst>
-                      <p:childTnLst>
-                        <p:par>
-                          <p:cTn id="90" fill="hold">
-                            <p:stCondLst>
-                              <p:cond delay="0"/>
-                            </p:stCondLst>
-                            <p:childTnLst>
-                              <p:par>
-                                <p:cTn id="91" presetID="2" presetClass="entr" presetSubtype="4" fill="hold" grpId="0" nodeType="clickEffect">
-                                  <p:stCondLst>
-                                    <p:cond delay="0"/>
-                                  </p:stCondLst>
-                                  <p:childTnLst>
-                                    <p:set>
-                                      <p:cBhvr>
-                                        <p:cTn id="92" dur="1" fill="hold">
-                                          <p:stCondLst>
-                                            <p:cond delay="0"/>
-                                          </p:stCondLst>
-                                        </p:cTn>
-                                        <p:tgtEl>
-                                          <p:spTgt spid="63"/>
-                                        </p:tgtEl>
-                                        <p:attrNameLst>
-                                          <p:attrName>style.visibility</p:attrName>
-                                        </p:attrNameLst>
-                                      </p:cBhvr>
-                                      <p:to>
-                                        <p:strVal val="visible"/>
-                                      </p:to>
-                                    </p:set>
-                                    <p:anim calcmode="lin" valueType="num">
-                                      <p:cBhvr additive="base">
-                                        <p:cTn id="93" dur="500" fill="hold"/>
-                                        <p:tgtEl>
-                                          <p:spTgt spid="63"/>
-                                        </p:tgtEl>
-                                        <p:attrNameLst>
-                                          <p:attrName>ppt_x</p:attrName>
-                                        </p:attrNameLst>
-                                      </p:cBhvr>
-                                      <p:tavLst>
-                                        <p:tav tm="0">
-                                          <p:val>
-                                            <p:strVal val="#ppt_x"/>
-                                          </p:val>
-                                        </p:tav>
-                                        <p:tav tm="100000">
-                                          <p:val>
-                                            <p:strVal val="#ppt_x"/>
-                                          </p:val>
-                                        </p:tav>
-                                      </p:tavLst>
-                                    </p:anim>
-                                    <p:anim calcmode="lin" valueType="num">
-                                      <p:cBhvr additive="base">
-                                        <p:cTn id="94" dur="500" fill="hold"/>
-                                        <p:tgtEl>
-                                          <p:spTgt spid="63"/>
-                                        </p:tgtEl>
-                                        <p:attrNameLst>
-                                          <p:attrName>ppt_y</p:attrName>
-                                        </p:attrNameLst>
-                                      </p:cBhvr>
-                                      <p:tavLst>
-                                        <p:tav tm="0">
-                                          <p:val>
-                                            <p:strVal val="1+#ppt_h/2"/>
-                                          </p:val>
-                                        </p:tav>
-                                        <p:tav tm="100000">
-                                          <p:val>
-                                            <p:strVal val="#ppt_y"/>
-                                          </p:val>
-                                        </p:tav>
-                                      </p:tavLst>
-                                    </p:anim>
-                                  </p:childTnLst>
-                                </p:cTn>
-                              </p:par>
-                              <p:par>
-                                <p:cTn id="95" presetID="2" presetClass="entr" presetSubtype="4" fill="hold" grpId="0" nodeType="withEffect">
-                                  <p:stCondLst>
-                                    <p:cond delay="0"/>
-                                  </p:stCondLst>
-                                  <p:childTnLst>
-                                    <p:set>
-                                      <p:cBhvr>
-                                        <p:cTn id="96" dur="1" fill="hold">
-                                          <p:stCondLst>
-                                            <p:cond delay="0"/>
-                                          </p:stCondLst>
-                                        </p:cTn>
-                                        <p:tgtEl>
-                                          <p:spTgt spid="11"/>
-                                        </p:tgtEl>
-                                        <p:attrNameLst>
-                                          <p:attrName>style.visibility</p:attrName>
-                                        </p:attrNameLst>
-                                      </p:cBhvr>
-                                      <p:to>
-                                        <p:strVal val="visible"/>
-                                      </p:to>
-                                    </p:set>
-                                    <p:anim calcmode="lin" valueType="num">
-                                      <p:cBhvr additive="base">
-                                        <p:cTn id="97" dur="500" fill="hold"/>
-                                        <p:tgtEl>
-                                          <p:spTgt spid="11"/>
-                                        </p:tgtEl>
-                                        <p:attrNameLst>
-                                          <p:attrName>ppt_x</p:attrName>
-                                        </p:attrNameLst>
-                                      </p:cBhvr>
-                                      <p:tavLst>
-                                        <p:tav tm="0">
-                                          <p:val>
-                                            <p:strVal val="#ppt_x"/>
-                                          </p:val>
-                                        </p:tav>
-                                        <p:tav tm="100000">
-                                          <p:val>
-                                            <p:strVal val="#ppt_x"/>
-                                          </p:val>
-                                        </p:tav>
-                                      </p:tavLst>
-                                    </p:anim>
-                                    <p:anim calcmode="lin" valueType="num">
-                                      <p:cBhvr additive="base">
-                                        <p:cTn id="98" dur="500" fill="hold"/>
-                                        <p:tgtEl>
-                                          <p:spTgt spid="11"/>
-                                        </p:tgtEl>
-                                        <p:attrNameLst>
-                                          <p:attrName>ppt_y</p:attrName>
-                                        </p:attrNameLst>
-                                      </p:cBhvr>
-                                      <p:tavLst>
-                                        <p:tav tm="0">
-                                          <p:val>
-                                            <p:strVal val="1+#ppt_h/2"/>
-                                          </p:val>
-                                        </p:tav>
-                                        <p:tav tm="100000">
-                                          <p:val>
-                                            <p:strVal val="#ppt_y"/>
-                                          </p:val>
-                                        </p:tav>
-                                      </p:tavLst>
-                                    </p:anim>
-                                  </p:childTnLst>
-                                </p:cTn>
-                              </p:par>
-                            </p:childTnLst>
-                          </p:cTn>
-                        </p:par>
-                      </p:childTnLst>
-                    </p:cTn>
-                  </p:par>
-                  <p:par>
-                    <p:cTn id="99" fill="hold">
-                      <p:stCondLst>
-                        <p:cond delay="indefinite"/>
-                      </p:stCondLst>
-                      <p:childTnLst>
-                        <p:par>
-                          <p:cTn id="100" fill="hold">
-                            <p:stCondLst>
-                              <p:cond delay="0"/>
-                            </p:stCondLst>
-                            <p:childTnLst>
-                              <p:par>
-                                <p:cTn id="101" presetID="1" presetClass="entr" presetSubtype="0" fill="hold" grpId="0" nodeType="clickEffect">
-                                  <p:stCondLst>
-                                    <p:cond delay="0"/>
-                                  </p:stCondLst>
-                                  <p:childTnLst>
-                                    <p:set>
-                                      <p:cBhvr>
-                                        <p:cTn id="102" dur="1" fill="hold">
-                                          <p:stCondLst>
-                                            <p:cond delay="0"/>
-                                          </p:stCondLst>
-                                        </p:cTn>
-                                        <p:tgtEl>
-                                          <p:spTgt spid="73"/>
-                                        </p:tgtEl>
-                                        <p:attrNameLst>
-                                          <p:attrName>style.visibility</p:attrName>
-                                        </p:attrNameLst>
-                                      </p:cBhvr>
-                                      <p:to>
-                                        <p:strVal val="visible"/>
-                                      </p:to>
-                                    </p:set>
-                                  </p:childTnLst>
-                                </p:cTn>
-                              </p:par>
-                              <p:par>
-                                <p:cTn id="103" presetID="1" presetClass="entr" presetSubtype="0" fill="hold" grpId="0" nodeType="withEffect">
-                                  <p:stCondLst>
-                                    <p:cond delay="0"/>
-                                  </p:stCondLst>
-                                  <p:childTnLst>
-                                    <p:set>
-                                      <p:cBhvr>
-                                        <p:cTn id="104" dur="1" fill="hold">
-                                          <p:stCondLst>
-                                            <p:cond delay="0"/>
-                                          </p:stCondLst>
-                                        </p:cTn>
-                                        <p:tgtEl>
-                                          <p:spTgt spid="12"/>
-                                        </p:tgtEl>
-                                        <p:attrNameLst>
-                                          <p:attrName>style.visibility</p:attrName>
-                                        </p:attrNameLst>
-                                      </p:cBhvr>
-                                      <p:to>
-                                        <p:strVal val="visible"/>
-                                      </p:to>
-                                    </p:set>
-                                  </p:childTnLst>
-                                </p:cTn>
-                              </p:par>
-                            </p:childTnLst>
-                          </p:cTn>
-                        </p:par>
-                      </p:childTnLst>
-                    </p:cTn>
-                  </p:par>
-                  <p:par>
-                    <p:cTn id="105" fill="hold">
-                      <p:stCondLst>
-                        <p:cond delay="indefinite"/>
-                      </p:stCondLst>
-                      <p:childTnLst>
-                        <p:par>
-                          <p:cTn id="106" fill="hold">
-                            <p:stCondLst>
-                              <p:cond delay="0"/>
-                            </p:stCondLst>
-                            <p:childTnLst>
-                              <p:par>
-                                <p:cTn id="107" presetID="1" presetClass="entr" presetSubtype="0" fill="hold" grpId="0" nodeType="clickEffect">
-                                  <p:stCondLst>
-                                    <p:cond delay="0"/>
-                                  </p:stCondLst>
-                                  <p:childTnLst>
-                                    <p:set>
-                                      <p:cBhvr>
-                                        <p:cTn id="108" dur="1" fill="hold">
-                                          <p:stCondLst>
-                                            <p:cond delay="0"/>
-                                          </p:stCondLst>
-                                        </p:cTn>
-                                        <p:tgtEl>
-                                          <p:spTgt spid="13"/>
-                                        </p:tgtEl>
-                                        <p:attrNameLst>
-                                          <p:attrName>style.visibility</p:attrName>
-                                        </p:attrNameLst>
-                                      </p:cBhvr>
-                                      <p:to>
-                                        <p:strVal val="visible"/>
-                                      </p:to>
-                                    </p:set>
-                                  </p:childTnLst>
-                                </p:cTn>
-                              </p:par>
-                              <p:par>
-                                <p:cTn id="109" presetID="1" presetClass="entr" presetSubtype="0" fill="hold" grpId="0" nodeType="withEffect">
-                                  <p:stCondLst>
-                                    <p:cond delay="0"/>
-                                  </p:stCondLst>
-                                  <p:childTnLst>
-                                    <p:set>
-                                      <p:cBhvr>
-                                        <p:cTn id="110" dur="1" fill="hold">
-                                          <p:stCondLst>
-                                            <p:cond delay="0"/>
-                                          </p:stCondLst>
-                                        </p:cTn>
-                                        <p:tgtEl>
-                                          <p:spTgt spid="14"/>
-                                        </p:tgtEl>
-                                        <p:attrNameLst>
-                                          <p:attrName>style.visibility</p:attrName>
-                                        </p:attrNameLst>
-                                      </p:cBhvr>
-                                      <p:to>
-                                        <p:strVal val="visible"/>
-                                      </p:to>
-                                    </p:set>
-                                  </p:childTnLst>
-                                </p:cTn>
-                              </p:par>
-                              <p:par>
-                                <p:cTn id="111" presetID="1" presetClass="entr" presetSubtype="0" fill="hold" grpId="0" nodeType="withEffect">
-                                  <p:stCondLst>
-                                    <p:cond delay="0"/>
-                                  </p:stCondLst>
-                                  <p:childTnLst>
-                                    <p:set>
-                                      <p:cBhvr>
-                                        <p:cTn id="112" dur="1" fill="hold">
-                                          <p:stCondLst>
-                                            <p:cond delay="0"/>
-                                          </p:stCondLst>
-                                        </p:cTn>
-                                        <p:tgtEl>
-                                          <p:spTgt spid="74"/>
-                                        </p:tgtEl>
-                                        <p:attrNameLst>
-                                          <p:attrName>style.visibility</p:attrName>
-                                        </p:attrNameLst>
-                                      </p:cBhvr>
-                                      <p:to>
-                                        <p:strVal val="visible"/>
-                                      </p:to>
-                                    </p:set>
-                                  </p:childTnLst>
-                                </p:cTn>
-                              </p:par>
-                            </p:childTnLst>
-                          </p:cTn>
-                        </p:par>
-                      </p:childTnLst>
-                    </p:cTn>
-                  </p:par>
-                </p:childTnLst>
-              </p:cTn>
-              <p:prevCondLst>
-                <p:cond evt="onPrev" delay="0">
-                  <p:tgtEl>
-                    <p:sldTgt/>
-                  </p:tgtEl>
-                </p:cond>
-              </p:prevCondLst>
-              <p:nextCondLst>
-                <p:cond evt="onNext" delay="0">
-                  <p:tgtEl>
-                    <p:sldTgt/>
-                  </p:tgtEl>
-                </p:cond>
-              </p:nextCondLst>
-            </p:seq>
-          </p:childTnLst>
-        </p:cTn>
-      </p:par>
-    </p:tnLst>
-    <p:bldLst>
-      <p:bldP spid="2" grpId="0"/>
-      <p:bldP spid="3" grpId="0"/>
-      <p:bldP spid="4" grpId="0"/>
-      <p:bldP spid="5" grpId="0"/>
-      <p:bldP spid="6" grpId="0"/>
-      <p:bldP spid="7" grpId="0"/>
-      <p:bldP spid="8" grpId="0"/>
-      <p:bldP spid="9" grpId="0"/>
-      <p:bldP spid="10" grpId="0"/>
-      <p:bldP spid="11" grpId="0"/>
-      <p:bldP spid="12" grpId="0"/>
-      <p:bldP spid="13" grpId="0"/>
-      <p:bldP spid="14" grpId="0"/>
-      <p:bldP spid="15" grpId="0"/>
-      <p:bldP spid="16" grpId="0"/>
-      <p:bldP spid="61" grpId="0" animBg="1"/>
-      <p:bldP spid="62" grpId="0" animBg="1"/>
-      <p:bldP spid="63" grpId="0" animBg="1"/>
-      <p:bldP spid="64" grpId="0" animBg="1"/>
-      <p:bldP spid="65" grpId="0" animBg="1"/>
-      <p:bldP spid="66" grpId="0" animBg="1"/>
-      <p:bldP spid="67" grpId="0" animBg="1"/>
-      <p:bldP spid="68" grpId="0" animBg="1"/>
-      <p:bldP spid="69" grpId="0" animBg="1"/>
-      <p:bldP spid="70" grpId="0" animBg="1"/>
-      <p:bldP spid="71" grpId="0" animBg="1"/>
-      <p:bldP spid="72" grpId="0" animBg="1"/>
-      <p:bldP spid="73" grpId="0" animBg="1"/>
-      <p:bldP spid="74" grpId="0" animBg="1"/>
-    </p:bldLst>
-  </p:timing>
-</p:sld>
-</file>
-
-<file path=ppt/slides/slide54.xml><?xml version="1.0" encoding="utf-8"?>
 <p:sld xmlns:a="http://schemas.openxmlformats.org/drawingml/2006/main" xmlns:r="http://schemas.openxmlformats.org/officeDocument/2006/relationships" xmlns:p="http://schemas.openxmlformats.org/presentationml/2006/main">
   <p:cSld>
     <p:spTree>
@@ -42830,7 +39617,7 @@
 </p:sld>
 </file>
 
-<file path=ppt/slides/slide55.xml><?xml version="1.0" encoding="utf-8"?>
+<file path=ppt/slides/slide54.xml><?xml version="1.0" encoding="utf-8"?>
 <p:sld xmlns:a="http://schemas.openxmlformats.org/drawingml/2006/main" xmlns:r="http://schemas.openxmlformats.org/officeDocument/2006/relationships" xmlns:p="http://schemas.openxmlformats.org/presentationml/2006/main">
   <p:cSld>
     <p:spTree>
@@ -42936,7 +39723,7 @@
 </p:sld>
 </file>
 
-<file path=ppt/slides/slide56.xml><?xml version="1.0" encoding="utf-8"?>
+<file path=ppt/slides/slide55.xml><?xml version="1.0" encoding="utf-8"?>
 <p:sld xmlns:a="http://schemas.openxmlformats.org/drawingml/2006/main" xmlns:r="http://schemas.openxmlformats.org/officeDocument/2006/relationships" xmlns:p="http://schemas.openxmlformats.org/presentationml/2006/main">
   <p:cSld>
     <p:spTree>
@@ -43125,7 +39912,7 @@
 </p:sld>
 </file>
 
-<file path=ppt/slides/slide57.xml><?xml version="1.0" encoding="utf-8"?>
+<file path=ppt/slides/slide56.xml><?xml version="1.0" encoding="utf-8"?>
 <p:sld xmlns:a="http://schemas.openxmlformats.org/drawingml/2006/main" xmlns:r="http://schemas.openxmlformats.org/officeDocument/2006/relationships" xmlns:p="http://schemas.openxmlformats.org/presentationml/2006/main">
   <p:cSld>
     <p:bg>
@@ -44148,7 +40935,7 @@
 </p:sld>
 </file>
 
-<file path=ppt/slides/slide58.xml><?xml version="1.0" encoding="utf-8"?>
+<file path=ppt/slides/slide57.xml><?xml version="1.0" encoding="utf-8"?>
 <p:sld xmlns:a="http://schemas.openxmlformats.org/drawingml/2006/main" xmlns:r="http://schemas.openxmlformats.org/officeDocument/2006/relationships" xmlns:p="http://schemas.openxmlformats.org/presentationml/2006/main">
   <p:cSld>
     <p:bg>
@@ -45304,6 +42091,182 @@
 </p:sld>
 </file>
 
+<file path=ppt/slides/slide58.xml><?xml version="1.0" encoding="utf-8"?>
+<p:sld xmlns:a="http://schemas.openxmlformats.org/drawingml/2006/main" xmlns:r="http://schemas.openxmlformats.org/officeDocument/2006/relationships" xmlns:p="http://schemas.openxmlformats.org/presentationml/2006/main">
+  <p:cSld>
+    <p:spTree>
+      <p:nvGrpSpPr>
+        <p:cNvPr id="1" name=""/>
+        <p:cNvGrpSpPr/>
+        <p:nvPr/>
+      </p:nvGrpSpPr>
+      <p:grpSpPr>
+        <a:xfrm>
+          <a:off x="0" y="0"/>
+          <a:ext cx="0" cy="0"/>
+          <a:chOff x="0" y="0"/>
+          <a:chExt cx="0" cy="0"/>
+        </a:xfrm>
+      </p:grpSpPr>
+      <p:sp>
+        <p:nvSpPr>
+          <p:cNvPr id="2" name="Title 1"/>
+          <p:cNvSpPr>
+            <a:spLocks noGrp="1"/>
+          </p:cNvSpPr>
+          <p:nvPr>
+            <p:ph type="title"/>
+          </p:nvPr>
+        </p:nvSpPr>
+        <p:spPr/>
+        <p:txBody>
+          <a:bodyPr/>
+          <a:lstStyle/>
+          <a:p>
+            <a:r>
+              <a:rPr lang="en-GB" dirty="0" smtClean="0"/>
+              <a:t>Exercise 5 – Preferred customers</a:t>
+            </a:r>
+            <a:endParaRPr lang="sv-SE" dirty="0"/>
+          </a:p>
+        </p:txBody>
+      </p:sp>
+      <p:sp>
+        <p:nvSpPr>
+          <p:cNvPr id="3" name="Content Placeholder 2"/>
+          <p:cNvSpPr>
+            <a:spLocks noGrp="1"/>
+          </p:cNvSpPr>
+          <p:nvPr>
+            <p:ph idx="1"/>
+          </p:nvPr>
+        </p:nvSpPr>
+        <p:spPr/>
+        <p:txBody>
+          <a:bodyPr>
+            <a:normAutofit/>
+          </a:bodyPr>
+          <a:lstStyle/>
+          <a:p>
+            <a:r>
+              <a:rPr lang="en-GB" dirty="0" smtClean="0"/>
+              <a:t>In the </a:t>
+            </a:r>
+            <a:r>
+              <a:rPr lang="en-GB" dirty="0" err="1" smtClean="0"/>
+              <a:t>CustomerCare</a:t>
+            </a:r>
+            <a:r>
+              <a:rPr lang="en-GB" dirty="0" smtClean="0"/>
+              <a:t> service</a:t>
+            </a:r>
+          </a:p>
+          <a:p>
+            <a:pPr lvl="1"/>
+            <a:r>
+              <a:rPr lang="en-GB" dirty="0" smtClean="0"/>
+              <a:t>Build the preferred customer policy</a:t>
+            </a:r>
+          </a:p>
+          <a:p>
+            <a:pPr lvl="1"/>
+            <a:r>
+              <a:rPr lang="en-GB" dirty="0" smtClean="0"/>
+              <a:t>Emit </a:t>
+            </a:r>
+            <a:r>
+              <a:rPr lang="en-GB" dirty="0" err="1" smtClean="0"/>
+              <a:t>CustomerMadePrefered</a:t>
+            </a:r>
+            <a:r>
+              <a:rPr lang="en-GB" dirty="0" smtClean="0"/>
+              <a:t> and </a:t>
+            </a:r>
+            <a:r>
+              <a:rPr lang="en-GB" dirty="0" err="1" smtClean="0"/>
+              <a:t>CustomerDemoted</a:t>
+            </a:r>
+            <a:r>
+              <a:rPr lang="en-GB" dirty="0" smtClean="0"/>
+              <a:t> events</a:t>
+            </a:r>
+          </a:p>
+          <a:p>
+            <a:r>
+              <a:rPr lang="en-GB" dirty="0" smtClean="0"/>
+              <a:t>Calculate customer discounts based on the above events</a:t>
+            </a:r>
+          </a:p>
+          <a:p>
+            <a:pPr lvl="1"/>
+            <a:r>
+              <a:rPr lang="en-GB" dirty="0" err="1" smtClean="0"/>
+              <a:t>Console.WriteLine</a:t>
+            </a:r>
+            <a:r>
+              <a:rPr lang="en-GB" dirty="0" smtClean="0"/>
+              <a:t> is good enough</a:t>
+            </a:r>
+          </a:p>
+          <a:p>
+            <a:r>
+              <a:rPr lang="en-GB" dirty="0" smtClean="0"/>
+              <a:t>Business rules</a:t>
+            </a:r>
+          </a:p>
+          <a:p>
+            <a:pPr lvl="1"/>
+            <a:r>
+              <a:rPr lang="en-GB" dirty="0" smtClean="0"/>
+              <a:t>Orders in the last 20 seconds counts towards the running total</a:t>
+            </a:r>
+          </a:p>
+          <a:p>
+            <a:pPr lvl="1"/>
+            <a:r>
+              <a:rPr lang="en-GB" dirty="0" smtClean="0"/>
+              <a:t>Customers with a running total above $5000 are considered preferred</a:t>
+            </a:r>
+          </a:p>
+          <a:p>
+            <a:r>
+              <a:rPr lang="en-GB" dirty="0" smtClean="0"/>
+              <a:t>Use `</a:t>
+            </a:r>
+            <a:r>
+              <a:rPr lang="en-GB" dirty="0" err="1" smtClean="0"/>
+              <a:t>placeorder</a:t>
+            </a:r>
+            <a:r>
+              <a:rPr lang="en-GB" dirty="0" smtClean="0"/>
+              <a:t> {amount}` in the shop application to test</a:t>
+            </a:r>
+          </a:p>
+          <a:p>
+            <a:endParaRPr lang="en-GB" dirty="0" smtClean="0"/>
+          </a:p>
+        </p:txBody>
+      </p:sp>
+    </p:spTree>
+    <p:extLst>
+      <p:ext uri="{BB962C8B-B14F-4D97-AF65-F5344CB8AC3E}">
+        <p14:creationId xmlns:p14="http://schemas.microsoft.com/office/powerpoint/2010/main" val="3882837462"/>
+      </p:ext>
+    </p:extLst>
+  </p:cSld>
+  <p:clrMapOvr>
+    <a:masterClrMapping/>
+  </p:clrMapOvr>
+  <p:timing>
+    <p:tnLst>
+      <p:par>
+        <p:cTn id="1" dur="indefinite" restart="never" nodeType="tmRoot"/>
+      </p:par>
+    </p:tnLst>
+  </p:timing>
+</p:sld>
+</file>
+
 <file path=ppt/slides/slide59.xml><?xml version="1.0" encoding="utf-8"?>
 <p:sld xmlns:a="http://schemas.openxmlformats.org/drawingml/2006/main" xmlns:r="http://schemas.openxmlformats.org/officeDocument/2006/relationships" xmlns:p="http://schemas.openxmlformats.org/presentationml/2006/main">
   <p:cSld>
@@ -45338,7 +42301,7 @@
           <a:p>
             <a:r>
               <a:rPr lang="en-GB" dirty="0" smtClean="0"/>
-              <a:t>Exercise 5 – Preferred customers</a:t>
+              <a:t>Walkthrough</a:t>
             </a:r>
             <a:endParaRPr lang="sv-SE" dirty="0"/>
           </a:p>
@@ -45346,124 +42309,31 @@
       </p:sp>
       <p:sp>
         <p:nvSpPr>
-          <p:cNvPr id="3" name="Content Placeholder 2"/>
+          <p:cNvPr id="4" name="Text Placeholder 3"/>
           <p:cNvSpPr>
             <a:spLocks noGrp="1"/>
           </p:cNvSpPr>
           <p:nvPr>
-            <p:ph idx="1"/>
+            <p:ph type="body" idx="1"/>
           </p:nvPr>
         </p:nvSpPr>
         <p:spPr/>
         <p:txBody>
-          <a:bodyPr>
-            <a:normAutofit/>
-          </a:bodyPr>
+          <a:bodyPr/>
           <a:lstStyle/>
           <a:p>
             <a:r>
-              <a:rPr lang="en-GB" dirty="0" smtClean="0"/>
-              <a:t>Create a </a:t>
-            </a:r>
-            <a:r>
-              <a:rPr lang="en-GB" dirty="0" err="1" smtClean="0"/>
-              <a:t>CustomerCare</a:t>
-            </a:r>
-            <a:r>
-              <a:rPr lang="en-GB" dirty="0" smtClean="0"/>
-              <a:t> service</a:t>
-            </a:r>
-          </a:p>
-          <a:p>
-            <a:pPr lvl="1"/>
-            <a:r>
-              <a:rPr lang="en-GB" dirty="0" smtClean="0"/>
-              <a:t>Build the preferred customer policy</a:t>
-            </a:r>
-          </a:p>
-          <a:p>
-            <a:pPr lvl="1"/>
-            <a:r>
-              <a:rPr lang="en-GB" dirty="0" smtClean="0"/>
-              <a:t>Emit </a:t>
-            </a:r>
-            <a:r>
-              <a:rPr lang="en-GB" dirty="0" err="1" smtClean="0"/>
-              <a:t>CustomerMadePrefered</a:t>
-            </a:r>
-            <a:r>
-              <a:rPr lang="en-GB" dirty="0" smtClean="0"/>
-              <a:t> and </a:t>
-            </a:r>
-            <a:r>
-              <a:rPr lang="en-GB" dirty="0" err="1" smtClean="0"/>
-              <a:t>CustomerDemoted</a:t>
-            </a:r>
-            <a:r>
-              <a:rPr lang="en-GB" dirty="0" smtClean="0"/>
-              <a:t> events</a:t>
-            </a:r>
-          </a:p>
-          <a:p>
-            <a:r>
-              <a:rPr lang="en-GB" dirty="0" smtClean="0"/>
-              <a:t>Calculate customer discounts based on the above events</a:t>
-            </a:r>
-          </a:p>
-          <a:p>
-            <a:pPr lvl="1"/>
-            <a:r>
-              <a:rPr lang="en-GB" dirty="0" err="1" smtClean="0"/>
-              <a:t>Console.WriteLine</a:t>
-            </a:r>
-            <a:r>
-              <a:rPr lang="en-GB" dirty="0" smtClean="0"/>
-              <a:t> is good enough</a:t>
-            </a:r>
-          </a:p>
-          <a:p>
-            <a:r>
-              <a:rPr lang="en-GB" dirty="0" smtClean="0"/>
-              <a:t>Business rules</a:t>
-            </a:r>
-          </a:p>
-          <a:p>
-            <a:pPr lvl="1"/>
-            <a:r>
-              <a:rPr lang="en-GB" dirty="0" smtClean="0"/>
-              <a:t>Orders in the last 20 seconds counts towards the running total</a:t>
-            </a:r>
-          </a:p>
-          <a:p>
-            <a:pPr lvl="1"/>
-            <a:r>
-              <a:rPr lang="en-GB" dirty="0" smtClean="0"/>
-              <a:t>Customers with a running total above $5000 are considered preferred</a:t>
-            </a:r>
-          </a:p>
-          <a:p>
-            <a:r>
-              <a:rPr lang="en-GB" dirty="0" smtClean="0"/>
-              <a:t>Use `</a:t>
-            </a:r>
-            <a:r>
-              <a:rPr lang="en-GB" dirty="0" err="1" smtClean="0"/>
-              <a:t>placeorder</a:t>
-            </a:r>
-            <a:r>
-              <a:rPr lang="en-GB" dirty="0" smtClean="0"/>
-              <a:t> {amount}` in the shop application to test</a:t>
-            </a:r>
-          </a:p>
-          <a:p>
-            <a:endParaRPr lang="en-GB" dirty="0" smtClean="0"/>
+              <a:rPr lang="en-GB" dirty="0"/>
+              <a:t>Exercise 5</a:t>
+            </a:r>
+            <a:endParaRPr lang="sv-SE" dirty="0"/>
           </a:p>
         </p:txBody>
       </p:sp>
     </p:spTree>
     <p:extLst>
       <p:ext uri="{BB962C8B-B14F-4D97-AF65-F5344CB8AC3E}">
-        <p14:creationId xmlns:p14="http://schemas.microsoft.com/office/powerpoint/2010/main" val="3882837462"/>
+        <p14:creationId xmlns:p14="http://schemas.microsoft.com/office/powerpoint/2010/main" val="2904774473"/>
       </p:ext>
     </p:extLst>
   </p:cSld>
@@ -45760,7 +42630,7 @@
           <a:p>
             <a:r>
               <a:rPr lang="en-GB" dirty="0" smtClean="0"/>
-              <a:t>Walkthrough</a:t>
+              <a:t>Rescheduling of timeouts</a:t>
             </a:r>
             <a:endParaRPr lang="sv-SE" dirty="0"/>
           </a:p>
@@ -45768,7 +42638,7 @@
       </p:sp>
       <p:sp>
         <p:nvSpPr>
-          <p:cNvPr id="4" name="Text Placeholder 3"/>
+          <p:cNvPr id="3" name="Text Placeholder 2"/>
           <p:cNvSpPr>
             <a:spLocks noGrp="1"/>
           </p:cNvSpPr>
@@ -45781,10 +42651,6 @@
           <a:bodyPr/>
           <a:lstStyle/>
           <a:p>
-            <a:r>
-              <a:rPr lang="en-GB" dirty="0"/>
-              <a:t>Exercise 5</a:t>
-            </a:r>
             <a:endParaRPr lang="sv-SE" dirty="0"/>
           </a:p>
         </p:txBody>
@@ -45792,7 +42658,7 @@
     </p:spTree>
     <p:extLst>
       <p:ext uri="{BB962C8B-B14F-4D97-AF65-F5344CB8AC3E}">
-        <p14:creationId xmlns:p14="http://schemas.microsoft.com/office/powerpoint/2010/main" val="2904774473"/>
+        <p14:creationId xmlns:p14="http://schemas.microsoft.com/office/powerpoint/2010/main" val="2188304921"/>
       </p:ext>
     </p:extLst>
   </p:cSld>
@@ -45828,7 +42694,7 @@
       </p:grpSpPr>
       <p:sp>
         <p:nvSpPr>
-          <p:cNvPr id="2" name="Title 1"/>
+          <p:cNvPr id="4" name="Title 3"/>
           <p:cNvSpPr>
             <a:spLocks noGrp="1"/>
           </p:cNvSpPr>
@@ -45843,7 +42709,7 @@
           <a:p>
             <a:r>
               <a:rPr lang="en-GB" dirty="0" smtClean="0"/>
-              <a:t>Rescheduling of timeouts</a:t>
+              <a:t>Change timeouts in storage	</a:t>
             </a:r>
             <a:endParaRPr lang="sv-SE" dirty="0"/>
           </a:p>
@@ -45851,27 +42717,253 @@
       </p:sp>
       <p:sp>
         <p:nvSpPr>
-          <p:cNvPr id="3" name="Text Placeholder 2"/>
+          <p:cNvPr id="5" name="Content Placeholder 4"/>
           <p:cNvSpPr>
             <a:spLocks noGrp="1"/>
           </p:cNvSpPr>
           <p:nvPr>
-            <p:ph type="body" idx="1"/>
+            <p:ph idx="1"/>
           </p:nvPr>
         </p:nvSpPr>
-        <p:spPr/>
+        <p:spPr>
+          <a:xfrm>
+            <a:off x="253314" y="1825625"/>
+            <a:ext cx="12257902" cy="4351338"/>
+          </a:xfrm>
+        </p:spPr>
         <p:txBody>
-          <a:bodyPr/>
+          <a:bodyPr>
+            <a:normAutofit lnSpcReduction="10000"/>
+          </a:bodyPr>
           <a:lstStyle/>
           <a:p>
-            <a:endParaRPr lang="sv-SE" dirty="0"/>
+            <a:pPr marL="0" indent="0">
+              <a:buNone/>
+            </a:pPr>
+            <a:r>
+              <a:rPr lang="sv-SE" dirty="0">
+                <a:latin typeface="Consolas" panose="020B0609020204030204" pitchFamily="49" charset="0"/>
+                <a:cs typeface="Consolas" panose="020B0609020204030204" pitchFamily="49" charset="0"/>
+              </a:rPr>
+              <a:t>UPDATE </a:t>
+            </a:r>
+            <a:r>
+              <a:rPr lang="sv-SE" b="1" dirty="0">
+                <a:latin typeface="Consolas" panose="020B0609020204030204" pitchFamily="49" charset="0"/>
+                <a:cs typeface="Consolas" panose="020B0609020204030204" pitchFamily="49" charset="0"/>
+              </a:rPr>
+              <a:t>TimeoutEntity</a:t>
+            </a:r>
+          </a:p>
+          <a:p>
+            <a:pPr marL="0" indent="0">
+              <a:buNone/>
+            </a:pPr>
+            <a:r>
+              <a:rPr lang="sv-SE" dirty="0" smtClean="0">
+                <a:latin typeface="Consolas" panose="020B0609020204030204" pitchFamily="49" charset="0"/>
+                <a:cs typeface="Consolas" panose="020B0609020204030204" pitchFamily="49" charset="0"/>
+              </a:rPr>
+              <a:t>SET </a:t>
+            </a:r>
+            <a:r>
+              <a:rPr lang="sv-SE" b="1" dirty="0">
+                <a:latin typeface="Consolas" panose="020B0609020204030204" pitchFamily="49" charset="0"/>
+                <a:cs typeface="Consolas" panose="020B0609020204030204" pitchFamily="49" charset="0"/>
+              </a:rPr>
+              <a:t>Time</a:t>
+            </a:r>
+            <a:r>
+              <a:rPr lang="sv-SE" dirty="0">
+                <a:latin typeface="Consolas" panose="020B0609020204030204" pitchFamily="49" charset="0"/>
+                <a:cs typeface="Consolas" panose="020B0609020204030204" pitchFamily="49" charset="0"/>
+              </a:rPr>
+              <a:t> = DATEADD(day,10,Time)</a:t>
+            </a:r>
+          </a:p>
+          <a:p>
+            <a:pPr marL="0" indent="0">
+              <a:buNone/>
+            </a:pPr>
+            <a:r>
+              <a:rPr lang="sv-SE" dirty="0">
+                <a:latin typeface="Consolas" panose="020B0609020204030204" pitchFamily="49" charset="0"/>
+                <a:cs typeface="Consolas" panose="020B0609020204030204" pitchFamily="49" charset="0"/>
+              </a:rPr>
+              <a:t>WHERE id IN </a:t>
+            </a:r>
+          </a:p>
+          <a:p>
+            <a:pPr marL="0" indent="0">
+              <a:buNone/>
+            </a:pPr>
+            <a:r>
+              <a:rPr lang="sv-SE" dirty="0" smtClean="0">
+                <a:latin typeface="Consolas" panose="020B0609020204030204" pitchFamily="49" charset="0"/>
+                <a:cs typeface="Consolas" panose="020B0609020204030204" pitchFamily="49" charset="0"/>
+              </a:rPr>
+              <a:t>(</a:t>
+            </a:r>
+            <a:endParaRPr lang="sv-SE" dirty="0">
+              <a:latin typeface="Consolas" panose="020B0609020204030204" pitchFamily="49" charset="0"/>
+              <a:cs typeface="Consolas" panose="020B0609020204030204" pitchFamily="49" charset="0"/>
+            </a:endParaRPr>
+          </a:p>
+          <a:p>
+            <a:pPr marL="0" indent="0">
+              <a:buNone/>
+            </a:pPr>
+            <a:r>
+              <a:rPr lang="sv-SE" dirty="0">
+                <a:latin typeface="Consolas" panose="020B0609020204030204" pitchFamily="49" charset="0"/>
+                <a:cs typeface="Consolas" panose="020B0609020204030204" pitchFamily="49" charset="0"/>
+              </a:rPr>
+              <a:t>    </a:t>
+            </a:r>
+            <a:r>
+              <a:rPr lang="sv-SE" dirty="0" smtClean="0">
+                <a:latin typeface="Consolas" panose="020B0609020204030204" pitchFamily="49" charset="0"/>
+                <a:cs typeface="Consolas" panose="020B0609020204030204" pitchFamily="49" charset="0"/>
+              </a:rPr>
+              <a:t>	SELECT t.Id</a:t>
+            </a:r>
+            <a:endParaRPr lang="sv-SE" dirty="0">
+              <a:latin typeface="Consolas" panose="020B0609020204030204" pitchFamily="49" charset="0"/>
+              <a:cs typeface="Consolas" panose="020B0609020204030204" pitchFamily="49" charset="0"/>
+            </a:endParaRPr>
+          </a:p>
+          <a:p>
+            <a:pPr marL="0" indent="0">
+              <a:buNone/>
+            </a:pPr>
+            <a:r>
+              <a:rPr lang="sv-SE" dirty="0" smtClean="0">
+                <a:latin typeface="Consolas" panose="020B0609020204030204" pitchFamily="49" charset="0"/>
+                <a:cs typeface="Consolas" panose="020B0609020204030204" pitchFamily="49" charset="0"/>
+              </a:rPr>
+              <a:t>	FROM </a:t>
+            </a:r>
+            <a:r>
+              <a:rPr lang="sv-SE" dirty="0">
+                <a:latin typeface="Consolas" panose="020B0609020204030204" pitchFamily="49" charset="0"/>
+                <a:cs typeface="Consolas" panose="020B0609020204030204" pitchFamily="49" charset="0"/>
+              </a:rPr>
+              <a:t>TimeoutEntity </a:t>
+            </a:r>
+            <a:r>
+              <a:rPr lang="sv-SE" dirty="0" smtClean="0">
+                <a:latin typeface="Consolas" panose="020B0609020204030204" pitchFamily="49" charset="0"/>
+                <a:cs typeface="Consolas" panose="020B0609020204030204" pitchFamily="49" charset="0"/>
+              </a:rPr>
+              <a:t>t</a:t>
+            </a:r>
+            <a:endParaRPr lang="sv-SE" dirty="0">
+              <a:latin typeface="Consolas" panose="020B0609020204030204" pitchFamily="49" charset="0"/>
+              <a:cs typeface="Consolas" panose="020B0609020204030204" pitchFamily="49" charset="0"/>
+            </a:endParaRPr>
+          </a:p>
+          <a:p>
+            <a:pPr marL="0" indent="0">
+              <a:buNone/>
+            </a:pPr>
+            <a:r>
+              <a:rPr lang="sv-SE" dirty="0" smtClean="0">
+                <a:latin typeface="Consolas" panose="020B0609020204030204" pitchFamily="49" charset="0"/>
+                <a:cs typeface="Consolas" panose="020B0609020204030204" pitchFamily="49" charset="0"/>
+              </a:rPr>
+              <a:t>	OUTER APPLY </a:t>
+            </a:r>
+            <a:r>
+              <a:rPr lang="sv-SE" b="1" dirty="0" smtClean="0">
+                <a:latin typeface="Consolas" panose="020B0609020204030204" pitchFamily="49" charset="0"/>
+                <a:cs typeface="Consolas" panose="020B0609020204030204" pitchFamily="49" charset="0"/>
+              </a:rPr>
+              <a:t>dbo.parseJSON</a:t>
+            </a:r>
+            <a:r>
+              <a:rPr lang="sv-SE" dirty="0" smtClean="0">
+                <a:latin typeface="Consolas" panose="020B0609020204030204" pitchFamily="49" charset="0"/>
+                <a:cs typeface="Consolas" panose="020B0609020204030204" pitchFamily="49" charset="0"/>
+              </a:rPr>
+              <a:t>(t.Headers</a:t>
+            </a:r>
+            <a:r>
+              <a:rPr lang="sv-SE" dirty="0">
+                <a:latin typeface="Consolas" panose="020B0609020204030204" pitchFamily="49" charset="0"/>
+                <a:cs typeface="Consolas" panose="020B0609020204030204" pitchFamily="49" charset="0"/>
+              </a:rPr>
+              <a:t>) as parsed</a:t>
+            </a:r>
+          </a:p>
+          <a:p>
+            <a:pPr marL="0" indent="0">
+              <a:buNone/>
+            </a:pPr>
+            <a:r>
+              <a:rPr lang="sv-SE" dirty="0" smtClean="0">
+                <a:latin typeface="Consolas" panose="020B0609020204030204" pitchFamily="49" charset="0"/>
+                <a:cs typeface="Consolas" panose="020B0609020204030204" pitchFamily="49" charset="0"/>
+              </a:rPr>
+              <a:t>	WHERE </a:t>
+            </a:r>
+            <a:r>
+              <a:rPr lang="sv-SE" dirty="0" err="1">
+                <a:latin typeface="Consolas" panose="020B0609020204030204" pitchFamily="49" charset="0"/>
+                <a:cs typeface="Consolas" panose="020B0609020204030204" pitchFamily="49" charset="0"/>
+              </a:rPr>
+              <a:t>parsed.StringValue</a:t>
+            </a:r>
+            <a:r>
+              <a:rPr lang="sv-SE" dirty="0">
+                <a:latin typeface="Consolas" panose="020B0609020204030204" pitchFamily="49" charset="0"/>
+                <a:cs typeface="Consolas" panose="020B0609020204030204" pitchFamily="49" charset="0"/>
+              </a:rPr>
+              <a:t> </a:t>
+            </a:r>
+            <a:r>
+              <a:rPr lang="sv-SE" dirty="0" smtClean="0">
+                <a:latin typeface="Consolas" panose="020B0609020204030204" pitchFamily="49" charset="0"/>
+                <a:cs typeface="Consolas" panose="020B0609020204030204" pitchFamily="49" charset="0"/>
+              </a:rPr>
+              <a:t>LIKE '%</a:t>
+            </a:r>
+            <a:r>
+              <a:rPr lang="sv-SE" b="1" dirty="0" err="1" smtClean="0">
+                <a:latin typeface="Consolas" panose="020B0609020204030204" pitchFamily="49" charset="0"/>
+                <a:cs typeface="Consolas" panose="020B0609020204030204" pitchFamily="49" charset="0"/>
+              </a:rPr>
+              <a:t>Contracts.OrderPlaced</a:t>
+            </a:r>
+            <a:r>
+              <a:rPr lang="sv-SE" dirty="0" smtClean="0">
+                <a:latin typeface="Consolas" panose="020B0609020204030204" pitchFamily="49" charset="0"/>
+                <a:cs typeface="Consolas" panose="020B0609020204030204" pitchFamily="49" charset="0"/>
+              </a:rPr>
+              <a:t>%'</a:t>
+            </a:r>
+            <a:endParaRPr lang="sv-SE" dirty="0">
+              <a:latin typeface="Consolas" panose="020B0609020204030204" pitchFamily="49" charset="0"/>
+              <a:cs typeface="Consolas" panose="020B0609020204030204" pitchFamily="49" charset="0"/>
+            </a:endParaRPr>
+          </a:p>
+          <a:p>
+            <a:pPr marL="0" indent="0">
+              <a:buNone/>
+            </a:pPr>
+            <a:r>
+              <a:rPr lang="sv-SE" dirty="0">
+                <a:latin typeface="Consolas" panose="020B0609020204030204" pitchFamily="49" charset="0"/>
+                <a:cs typeface="Consolas" panose="020B0609020204030204" pitchFamily="49" charset="0"/>
+              </a:rPr>
+              <a:t>)</a:t>
+            </a:r>
           </a:p>
         </p:txBody>
       </p:sp>
     </p:spTree>
     <p:extLst>
       <p:ext uri="{BB962C8B-B14F-4D97-AF65-F5344CB8AC3E}">
-        <p14:creationId xmlns:p14="http://schemas.microsoft.com/office/powerpoint/2010/main" val="2188304921"/>
+        <p14:creationId xmlns:p14="http://schemas.microsoft.com/office/powerpoint/2010/main" val="3911019974"/>
       </p:ext>
     </p:extLst>
   </p:cSld>
@@ -45922,7 +43014,7 @@
           <a:p>
             <a:r>
               <a:rPr lang="en-GB" dirty="0" smtClean="0"/>
-              <a:t>Change timeouts in storage	</a:t>
+              <a:t>Sagas are your domain model</a:t>
             </a:r>
             <a:endParaRPr lang="sv-SE" dirty="0"/>
           </a:p>
@@ -45930,253 +43022,27 @@
       </p:sp>
       <p:sp>
         <p:nvSpPr>
-          <p:cNvPr id="5" name="Content Placeholder 4"/>
+          <p:cNvPr id="5" name="Text Placeholder 4"/>
           <p:cNvSpPr>
             <a:spLocks noGrp="1"/>
           </p:cNvSpPr>
           <p:nvPr>
-            <p:ph idx="1"/>
+            <p:ph type="body" idx="1"/>
           </p:nvPr>
         </p:nvSpPr>
-        <p:spPr>
-          <a:xfrm>
-            <a:off x="253314" y="1825625"/>
-            <a:ext cx="12257902" cy="4351338"/>
-          </a:xfrm>
-        </p:spPr>
+        <p:spPr/>
         <p:txBody>
-          <a:bodyPr>
-            <a:normAutofit lnSpcReduction="10000"/>
-          </a:bodyPr>
+          <a:bodyPr/>
           <a:lstStyle/>
           <a:p>
-            <a:pPr marL="0" indent="0">
-              <a:buNone/>
-            </a:pPr>
-            <a:r>
-              <a:rPr lang="sv-SE" dirty="0">
-                <a:latin typeface="Consolas" panose="020B0609020204030204" pitchFamily="49" charset="0"/>
-                <a:cs typeface="Consolas" panose="020B0609020204030204" pitchFamily="49" charset="0"/>
-              </a:rPr>
-              <a:t>UPDATE </a:t>
-            </a:r>
-            <a:r>
-              <a:rPr lang="sv-SE" b="1" dirty="0">
-                <a:latin typeface="Consolas" panose="020B0609020204030204" pitchFamily="49" charset="0"/>
-                <a:cs typeface="Consolas" panose="020B0609020204030204" pitchFamily="49" charset="0"/>
-              </a:rPr>
-              <a:t>TimeoutEntity</a:t>
-            </a:r>
-          </a:p>
-          <a:p>
-            <a:pPr marL="0" indent="0">
-              <a:buNone/>
-            </a:pPr>
-            <a:r>
-              <a:rPr lang="sv-SE" dirty="0" smtClean="0">
-                <a:latin typeface="Consolas" panose="020B0609020204030204" pitchFamily="49" charset="0"/>
-                <a:cs typeface="Consolas" panose="020B0609020204030204" pitchFamily="49" charset="0"/>
-              </a:rPr>
-              <a:t>SET </a:t>
-            </a:r>
-            <a:r>
-              <a:rPr lang="sv-SE" b="1" dirty="0">
-                <a:latin typeface="Consolas" panose="020B0609020204030204" pitchFamily="49" charset="0"/>
-                <a:cs typeface="Consolas" panose="020B0609020204030204" pitchFamily="49" charset="0"/>
-              </a:rPr>
-              <a:t>Time</a:t>
-            </a:r>
-            <a:r>
-              <a:rPr lang="sv-SE" dirty="0">
-                <a:latin typeface="Consolas" panose="020B0609020204030204" pitchFamily="49" charset="0"/>
-                <a:cs typeface="Consolas" panose="020B0609020204030204" pitchFamily="49" charset="0"/>
-              </a:rPr>
-              <a:t> = DATEADD(day,10,Time)</a:t>
-            </a:r>
-          </a:p>
-          <a:p>
-            <a:pPr marL="0" indent="0">
-              <a:buNone/>
-            </a:pPr>
-            <a:r>
-              <a:rPr lang="sv-SE" dirty="0">
-                <a:latin typeface="Consolas" panose="020B0609020204030204" pitchFamily="49" charset="0"/>
-                <a:cs typeface="Consolas" panose="020B0609020204030204" pitchFamily="49" charset="0"/>
-              </a:rPr>
-              <a:t>WHERE id IN </a:t>
-            </a:r>
-          </a:p>
-          <a:p>
-            <a:pPr marL="0" indent="0">
-              <a:buNone/>
-            </a:pPr>
-            <a:r>
-              <a:rPr lang="sv-SE" dirty="0" smtClean="0">
-                <a:latin typeface="Consolas" panose="020B0609020204030204" pitchFamily="49" charset="0"/>
-                <a:cs typeface="Consolas" panose="020B0609020204030204" pitchFamily="49" charset="0"/>
-              </a:rPr>
-              <a:t>(</a:t>
-            </a:r>
-            <a:endParaRPr lang="sv-SE" dirty="0">
-              <a:latin typeface="Consolas" panose="020B0609020204030204" pitchFamily="49" charset="0"/>
-              <a:cs typeface="Consolas" panose="020B0609020204030204" pitchFamily="49" charset="0"/>
-            </a:endParaRPr>
-          </a:p>
-          <a:p>
-            <a:pPr marL="0" indent="0">
-              <a:buNone/>
-            </a:pPr>
-            <a:r>
-              <a:rPr lang="sv-SE" dirty="0">
-                <a:latin typeface="Consolas" panose="020B0609020204030204" pitchFamily="49" charset="0"/>
-                <a:cs typeface="Consolas" panose="020B0609020204030204" pitchFamily="49" charset="0"/>
-              </a:rPr>
-              <a:t>    </a:t>
-            </a:r>
-            <a:r>
-              <a:rPr lang="sv-SE" dirty="0" smtClean="0">
-                <a:latin typeface="Consolas" panose="020B0609020204030204" pitchFamily="49" charset="0"/>
-                <a:cs typeface="Consolas" panose="020B0609020204030204" pitchFamily="49" charset="0"/>
-              </a:rPr>
-              <a:t>	SELECT t.Id</a:t>
-            </a:r>
-            <a:endParaRPr lang="sv-SE" dirty="0">
-              <a:latin typeface="Consolas" panose="020B0609020204030204" pitchFamily="49" charset="0"/>
-              <a:cs typeface="Consolas" panose="020B0609020204030204" pitchFamily="49" charset="0"/>
-            </a:endParaRPr>
-          </a:p>
-          <a:p>
-            <a:pPr marL="0" indent="0">
-              <a:buNone/>
-            </a:pPr>
-            <a:r>
-              <a:rPr lang="sv-SE" dirty="0" smtClean="0">
-                <a:latin typeface="Consolas" panose="020B0609020204030204" pitchFamily="49" charset="0"/>
-                <a:cs typeface="Consolas" panose="020B0609020204030204" pitchFamily="49" charset="0"/>
-              </a:rPr>
-              <a:t>	FROM </a:t>
-            </a:r>
-            <a:r>
-              <a:rPr lang="sv-SE" dirty="0">
-                <a:latin typeface="Consolas" panose="020B0609020204030204" pitchFamily="49" charset="0"/>
-                <a:cs typeface="Consolas" panose="020B0609020204030204" pitchFamily="49" charset="0"/>
-              </a:rPr>
-              <a:t>TimeoutEntity </a:t>
-            </a:r>
-            <a:r>
-              <a:rPr lang="sv-SE" dirty="0" smtClean="0">
-                <a:latin typeface="Consolas" panose="020B0609020204030204" pitchFamily="49" charset="0"/>
-                <a:cs typeface="Consolas" panose="020B0609020204030204" pitchFamily="49" charset="0"/>
-              </a:rPr>
-              <a:t>t</a:t>
-            </a:r>
-            <a:endParaRPr lang="sv-SE" dirty="0">
-              <a:latin typeface="Consolas" panose="020B0609020204030204" pitchFamily="49" charset="0"/>
-              <a:cs typeface="Consolas" panose="020B0609020204030204" pitchFamily="49" charset="0"/>
-            </a:endParaRPr>
-          </a:p>
-          <a:p>
-            <a:pPr marL="0" indent="0">
-              <a:buNone/>
-            </a:pPr>
-            <a:r>
-              <a:rPr lang="sv-SE" dirty="0" smtClean="0">
-                <a:latin typeface="Consolas" panose="020B0609020204030204" pitchFamily="49" charset="0"/>
-                <a:cs typeface="Consolas" panose="020B0609020204030204" pitchFamily="49" charset="0"/>
-              </a:rPr>
-              <a:t>	OUTER APPLY </a:t>
-            </a:r>
-            <a:r>
-              <a:rPr lang="sv-SE" b="1" dirty="0" smtClean="0">
-                <a:latin typeface="Consolas" panose="020B0609020204030204" pitchFamily="49" charset="0"/>
-                <a:cs typeface="Consolas" panose="020B0609020204030204" pitchFamily="49" charset="0"/>
-              </a:rPr>
-              <a:t>dbo.parseJSON</a:t>
-            </a:r>
-            <a:r>
-              <a:rPr lang="sv-SE" dirty="0" smtClean="0">
-                <a:latin typeface="Consolas" panose="020B0609020204030204" pitchFamily="49" charset="0"/>
-                <a:cs typeface="Consolas" panose="020B0609020204030204" pitchFamily="49" charset="0"/>
-              </a:rPr>
-              <a:t>(t.Headers</a:t>
-            </a:r>
-            <a:r>
-              <a:rPr lang="sv-SE" dirty="0">
-                <a:latin typeface="Consolas" panose="020B0609020204030204" pitchFamily="49" charset="0"/>
-                <a:cs typeface="Consolas" panose="020B0609020204030204" pitchFamily="49" charset="0"/>
-              </a:rPr>
-              <a:t>) as parsed</a:t>
-            </a:r>
-          </a:p>
-          <a:p>
-            <a:pPr marL="0" indent="0">
-              <a:buNone/>
-            </a:pPr>
-            <a:r>
-              <a:rPr lang="sv-SE" dirty="0" smtClean="0">
-                <a:latin typeface="Consolas" panose="020B0609020204030204" pitchFamily="49" charset="0"/>
-                <a:cs typeface="Consolas" panose="020B0609020204030204" pitchFamily="49" charset="0"/>
-              </a:rPr>
-              <a:t>	WHERE </a:t>
-            </a:r>
-            <a:r>
-              <a:rPr lang="sv-SE" dirty="0" err="1">
-                <a:latin typeface="Consolas" panose="020B0609020204030204" pitchFamily="49" charset="0"/>
-                <a:cs typeface="Consolas" panose="020B0609020204030204" pitchFamily="49" charset="0"/>
-              </a:rPr>
-              <a:t>parsed.StringValue</a:t>
-            </a:r>
-            <a:r>
-              <a:rPr lang="sv-SE" dirty="0">
-                <a:latin typeface="Consolas" panose="020B0609020204030204" pitchFamily="49" charset="0"/>
-                <a:cs typeface="Consolas" panose="020B0609020204030204" pitchFamily="49" charset="0"/>
-              </a:rPr>
-              <a:t> </a:t>
-            </a:r>
-            <a:r>
-              <a:rPr lang="sv-SE" dirty="0" smtClean="0">
-                <a:latin typeface="Consolas" panose="020B0609020204030204" pitchFamily="49" charset="0"/>
-                <a:cs typeface="Consolas" panose="020B0609020204030204" pitchFamily="49" charset="0"/>
-              </a:rPr>
-              <a:t>LIKE '%</a:t>
-            </a:r>
-            <a:r>
-              <a:rPr lang="sv-SE" b="1" dirty="0" err="1" smtClean="0">
-                <a:latin typeface="Consolas" panose="020B0609020204030204" pitchFamily="49" charset="0"/>
-                <a:cs typeface="Consolas" panose="020B0609020204030204" pitchFamily="49" charset="0"/>
-              </a:rPr>
-              <a:t>Contracts.OrderPlaced</a:t>
-            </a:r>
-            <a:r>
-              <a:rPr lang="sv-SE" dirty="0" smtClean="0">
-                <a:latin typeface="Consolas" panose="020B0609020204030204" pitchFamily="49" charset="0"/>
-                <a:cs typeface="Consolas" panose="020B0609020204030204" pitchFamily="49" charset="0"/>
-              </a:rPr>
-              <a:t>%'</a:t>
-            </a:r>
-            <a:endParaRPr lang="sv-SE" dirty="0">
-              <a:latin typeface="Consolas" panose="020B0609020204030204" pitchFamily="49" charset="0"/>
-              <a:cs typeface="Consolas" panose="020B0609020204030204" pitchFamily="49" charset="0"/>
-            </a:endParaRPr>
-          </a:p>
-          <a:p>
-            <a:pPr marL="0" indent="0">
-              <a:buNone/>
-            </a:pPr>
-            <a:r>
-              <a:rPr lang="sv-SE" dirty="0">
-                <a:latin typeface="Consolas" panose="020B0609020204030204" pitchFamily="49" charset="0"/>
-                <a:cs typeface="Consolas" panose="020B0609020204030204" pitchFamily="49" charset="0"/>
-              </a:rPr>
-              <a:t>)</a:t>
-            </a:r>
+            <a:endParaRPr lang="sv-SE"/>
           </a:p>
         </p:txBody>
       </p:sp>
     </p:spTree>
     <p:extLst>
       <p:ext uri="{BB962C8B-B14F-4D97-AF65-F5344CB8AC3E}">
-        <p14:creationId xmlns:p14="http://schemas.microsoft.com/office/powerpoint/2010/main" val="3911019974"/>
+        <p14:creationId xmlns:p14="http://schemas.microsoft.com/office/powerpoint/2010/main" val="1066127796"/>
       </p:ext>
     </p:extLst>
   </p:cSld>
@@ -46212,7 +43078,7 @@
       </p:grpSpPr>
       <p:sp>
         <p:nvSpPr>
-          <p:cNvPr id="4" name="Title 3"/>
+          <p:cNvPr id="2" name="Title 1"/>
           <p:cNvSpPr>
             <a:spLocks noGrp="1"/>
           </p:cNvSpPr>
@@ -46226,36 +43092,56 @@
           <a:lstStyle/>
           <a:p>
             <a:r>
-              <a:rPr lang="en-GB" dirty="0" smtClean="0"/>
-              <a:t>Sagas are your domain model</a:t>
-            </a:r>
-            <a:endParaRPr lang="sv-SE" dirty="0"/>
+              <a:rPr lang="en-US" dirty="0" smtClean="0"/>
+              <a:t>Race Conditions – the secret sauce</a:t>
+            </a:r>
+            <a:endParaRPr lang="en-US" dirty="0"/>
           </a:p>
         </p:txBody>
       </p:sp>
       <p:sp>
         <p:nvSpPr>
-          <p:cNvPr id="5" name="Text Placeholder 4"/>
+          <p:cNvPr id="3" name="Content Placeholder 2"/>
           <p:cNvSpPr>
             <a:spLocks noGrp="1"/>
           </p:cNvSpPr>
           <p:nvPr>
-            <p:ph type="body" idx="1"/>
+            <p:ph idx="1"/>
           </p:nvPr>
         </p:nvSpPr>
-        <p:spPr/>
+        <p:spPr>
+          <a:xfrm>
+            <a:off x="1980049" y="1604329"/>
+            <a:ext cx="8470968" cy="4524955"/>
+          </a:xfrm>
+        </p:spPr>
         <p:txBody>
           <a:bodyPr/>
           <a:lstStyle/>
           <a:p>
-            <a:endParaRPr lang="sv-SE"/>
+            <a:r>
+              <a:rPr lang="en-US" dirty="0" smtClean="0"/>
+              <a:t>Race conditions may indicate a collaborative domain</a:t>
+            </a:r>
+          </a:p>
+          <a:p>
+            <a:r>
+              <a:rPr lang="en-US" dirty="0" smtClean="0"/>
+              <a:t>May need to think about different patterns (e.g. CQRS)</a:t>
+            </a:r>
+          </a:p>
+          <a:p>
+            <a:r>
+              <a:rPr lang="en-US" dirty="0" smtClean="0"/>
+              <a:t>May even make you think your service boundaries are wrong</a:t>
+            </a:r>
           </a:p>
         </p:txBody>
       </p:sp>
     </p:spTree>
     <p:extLst>
       <p:ext uri="{BB962C8B-B14F-4D97-AF65-F5344CB8AC3E}">
-        <p14:creationId xmlns:p14="http://schemas.microsoft.com/office/powerpoint/2010/main" val="1066127796"/>
+        <p14:creationId xmlns:p14="http://schemas.microsoft.com/office/powerpoint/2010/main" val="1807594229"/>
       </p:ext>
     </p:extLst>
   </p:cSld>
@@ -46306,7 +43192,7 @@
           <a:p>
             <a:r>
               <a:rPr lang="en-US" dirty="0" smtClean="0"/>
-              <a:t>Race Conditions – the secret sauce</a:t>
+              <a:t>Real World Requirements</a:t>
             </a:r>
             <a:endParaRPr lang="en-US" dirty="0"/>
           </a:p>
@@ -46322,39 +43208,38 @@
             <p:ph idx="1"/>
           </p:nvPr>
         </p:nvSpPr>
-        <p:spPr>
-          <a:xfrm>
-            <a:off x="1980049" y="1604329"/>
-            <a:ext cx="8470968" cy="4524955"/>
-          </a:xfrm>
-        </p:spPr>
+        <p:spPr/>
         <p:txBody>
           <a:bodyPr/>
           <a:lstStyle/>
           <a:p>
             <a:r>
               <a:rPr lang="en-US" dirty="0" smtClean="0"/>
-              <a:t>Race conditions may indicate a collaborative domain</a:t>
+              <a:t>Do not allow users to cancel shipped orders</a:t>
             </a:r>
           </a:p>
           <a:p>
             <a:r>
               <a:rPr lang="en-US" dirty="0" smtClean="0"/>
-              <a:t>May need to think about different patterns (e.g. CQRS)</a:t>
-            </a:r>
+              <a:t>Don’t ship cancelled orders</a:t>
+            </a:r>
+          </a:p>
+          <a:p>
+            <a:endParaRPr lang="en-US" dirty="0" smtClean="0"/>
           </a:p>
           <a:p>
             <a:r>
               <a:rPr lang="en-US" dirty="0" smtClean="0"/>
-              <a:t>May even make you think your service boundaries are wrong</a:t>
-            </a:r>
+              <a:t>As we shrink the time between actions, a race condition presents itself</a:t>
+            </a:r>
+            <a:endParaRPr lang="en-US" dirty="0"/>
           </a:p>
         </p:txBody>
       </p:sp>
     </p:spTree>
     <p:extLst>
       <p:ext uri="{BB962C8B-B14F-4D97-AF65-F5344CB8AC3E}">
-        <p14:creationId xmlns:p14="http://schemas.microsoft.com/office/powerpoint/2010/main" val="1807594229"/>
+        <p14:creationId xmlns:p14="http://schemas.microsoft.com/office/powerpoint/2010/main" val="4008778819"/>
       </p:ext>
     </p:extLst>
   </p:cSld>
@@ -46405,7 +43290,7 @@
           <a:p>
             <a:r>
               <a:rPr lang="en-US" dirty="0" smtClean="0"/>
-              <a:t>Real World Requirements</a:t>
+              <a:t>Service Boundary Issues</a:t>
             </a:r>
             <a:endParaRPr lang="en-US" dirty="0"/>
           </a:p>
@@ -46428,13 +43313,13 @@
           <a:p>
             <a:r>
               <a:rPr lang="en-US" dirty="0" smtClean="0"/>
-              <a:t>Do not allow users to cancel shipped orders</a:t>
+              <a:t>Cancelling an order is in the Sales service</a:t>
             </a:r>
           </a:p>
           <a:p>
             <a:r>
               <a:rPr lang="en-US" dirty="0" smtClean="0"/>
-              <a:t>Don’t ship cancelled orders</a:t>
+              <a:t>Shipping an order is in the Shipping service</a:t>
             </a:r>
           </a:p>
           <a:p>
@@ -46443,7 +43328,7 @@
           <a:p>
             <a:r>
               <a:rPr lang="en-US" dirty="0" smtClean="0"/>
-              <a:t>As we shrink the time between actions, a race condition presents itself</a:t>
+              <a:t>Requirements seem to imply need for consistency/transactions between services</a:t>
             </a:r>
             <a:endParaRPr lang="en-US" dirty="0"/>
           </a:p>
@@ -46452,7 +43337,7 @@
     </p:spTree>
     <p:extLst>
       <p:ext uri="{BB962C8B-B14F-4D97-AF65-F5344CB8AC3E}">
-        <p14:creationId xmlns:p14="http://schemas.microsoft.com/office/powerpoint/2010/main" val="4008778819"/>
+        <p14:creationId xmlns:p14="http://schemas.microsoft.com/office/powerpoint/2010/main" val="903092030"/>
       </p:ext>
     </p:extLst>
   </p:cSld>
@@ -46503,104 +43388,6 @@
           <a:p>
             <a:r>
               <a:rPr lang="en-US" dirty="0" smtClean="0"/>
-              <a:t>Service Boundary Issues</a:t>
-            </a:r>
-            <a:endParaRPr lang="en-US" dirty="0"/>
-          </a:p>
-        </p:txBody>
-      </p:sp>
-      <p:sp>
-        <p:nvSpPr>
-          <p:cNvPr id="3" name="Content Placeholder 2"/>
-          <p:cNvSpPr>
-            <a:spLocks noGrp="1"/>
-          </p:cNvSpPr>
-          <p:nvPr>
-            <p:ph idx="1"/>
-          </p:nvPr>
-        </p:nvSpPr>
-        <p:spPr/>
-        <p:txBody>
-          <a:bodyPr/>
-          <a:lstStyle/>
-          <a:p>
-            <a:r>
-              <a:rPr lang="en-US" dirty="0" smtClean="0"/>
-              <a:t>Cancelling an order is in the Sales service</a:t>
-            </a:r>
-          </a:p>
-          <a:p>
-            <a:r>
-              <a:rPr lang="en-US" dirty="0" smtClean="0"/>
-              <a:t>Shipping an order is in the Shipping service</a:t>
-            </a:r>
-          </a:p>
-          <a:p>
-            <a:endParaRPr lang="en-US" dirty="0" smtClean="0"/>
-          </a:p>
-          <a:p>
-            <a:r>
-              <a:rPr lang="en-US" dirty="0" smtClean="0"/>
-              <a:t>Requirements seem to imply need for consistency/transactions between services</a:t>
-            </a:r>
-            <a:endParaRPr lang="en-US" dirty="0"/>
-          </a:p>
-        </p:txBody>
-      </p:sp>
-    </p:spTree>
-    <p:extLst>
-      <p:ext uri="{BB962C8B-B14F-4D97-AF65-F5344CB8AC3E}">
-        <p14:creationId xmlns:p14="http://schemas.microsoft.com/office/powerpoint/2010/main" val="903092030"/>
-      </p:ext>
-    </p:extLst>
-  </p:cSld>
-  <p:clrMapOvr>
-    <a:masterClrMapping/>
-  </p:clrMapOvr>
-  <p:timing>
-    <p:tnLst>
-      <p:par>
-        <p:cTn id="1" dur="indefinite" restart="never" nodeType="tmRoot"/>
-      </p:par>
-    </p:tnLst>
-  </p:timing>
-</p:sld>
-</file>
-
-<file path=ppt/slides/slide67.xml><?xml version="1.0" encoding="utf-8"?>
-<p:sld xmlns:a="http://schemas.openxmlformats.org/drawingml/2006/main" xmlns:r="http://schemas.openxmlformats.org/officeDocument/2006/relationships" xmlns:p="http://schemas.openxmlformats.org/presentationml/2006/main">
-  <p:cSld>
-    <p:spTree>
-      <p:nvGrpSpPr>
-        <p:cNvPr id="1" name=""/>
-        <p:cNvGrpSpPr/>
-        <p:nvPr/>
-      </p:nvGrpSpPr>
-      <p:grpSpPr>
-        <a:xfrm>
-          <a:off x="0" y="0"/>
-          <a:ext cx="0" cy="0"/>
-          <a:chOff x="0" y="0"/>
-          <a:chExt cx="0" cy="0"/>
-        </a:xfrm>
-      </p:grpSpPr>
-      <p:sp>
-        <p:nvSpPr>
-          <p:cNvPr id="2" name="Title 1"/>
-          <p:cNvSpPr>
-            <a:spLocks noGrp="1"/>
-          </p:cNvSpPr>
-          <p:nvPr>
-            <p:ph type="title"/>
-          </p:nvPr>
-        </p:nvSpPr>
-        <p:spPr/>
-        <p:txBody>
-          <a:bodyPr/>
-          <a:lstStyle/>
-          <a:p>
-            <a:r>
-              <a:rPr lang="en-US" dirty="0" smtClean="0"/>
               <a:t>Implementation is simple with 3-Tier</a:t>
             </a:r>
             <a:endParaRPr lang="en-US" dirty="0"/>
@@ -47040,7 +43827,7 @@
 </p:sld>
 </file>
 
-<file path=ppt/slides/slide68.xml><?xml version="1.0" encoding="utf-8"?>
+<file path=ppt/slides/slide67.xml><?xml version="1.0" encoding="utf-8"?>
 <p:sld xmlns:a="http://schemas.openxmlformats.org/drawingml/2006/main" xmlns:r="http://schemas.openxmlformats.org/officeDocument/2006/relationships" xmlns:p="http://schemas.openxmlformats.org/presentationml/2006/main">
   <p:cSld>
     <p:spTree>
@@ -47272,7 +44059,7 @@
 </p:sld>
 </file>
 
-<file path=ppt/slides/slide69.xml><?xml version="1.0" encoding="utf-8"?>
+<file path=ppt/slides/slide68.xml><?xml version="1.0" encoding="utf-8"?>
 <p:sld xmlns:a="http://schemas.openxmlformats.org/drawingml/2006/main" xmlns:r="http://schemas.openxmlformats.org/officeDocument/2006/relationships" xmlns:p="http://schemas.openxmlformats.org/presentationml/2006/main">
   <p:cSld>
     <p:spTree>
@@ -48042,281 +44829,7 @@
 </p:sld>
 </file>
 
-<file path=ppt/slides/slide7.xml><?xml version="1.0" encoding="utf-8"?>
-<p:sld xmlns:a="http://schemas.openxmlformats.org/drawingml/2006/main" xmlns:r="http://schemas.openxmlformats.org/officeDocument/2006/relationships" xmlns:p="http://schemas.openxmlformats.org/presentationml/2006/main">
-  <p:cSld>
-    <p:spTree>
-      <p:nvGrpSpPr>
-        <p:cNvPr id="1" name=""/>
-        <p:cNvGrpSpPr/>
-        <p:nvPr/>
-      </p:nvGrpSpPr>
-      <p:grpSpPr>
-        <a:xfrm>
-          <a:off x="0" y="0"/>
-          <a:ext cx="0" cy="0"/>
-          <a:chOff x="0" y="0"/>
-          <a:chExt cx="0" cy="0"/>
-        </a:xfrm>
-      </p:grpSpPr>
-      <p:sp>
-        <p:nvSpPr>
-          <p:cNvPr id="2" name="Title 1"/>
-          <p:cNvSpPr>
-            <a:spLocks noGrp="1"/>
-          </p:cNvSpPr>
-          <p:nvPr>
-            <p:ph type="title"/>
-          </p:nvPr>
-        </p:nvSpPr>
-        <p:spPr/>
-        <p:txBody>
-          <a:bodyPr/>
-          <a:lstStyle/>
-          <a:p>
-            <a:r>
-              <a:rPr lang="en-GB" dirty="0" smtClean="0"/>
-              <a:t>Correlating messages to saga instances</a:t>
-            </a:r>
-            <a:endParaRPr lang="sv-SE" dirty="0"/>
-          </a:p>
-        </p:txBody>
-      </p:sp>
-      <p:sp>
-        <p:nvSpPr>
-          <p:cNvPr id="3" name="Content Placeholder 2"/>
-          <p:cNvSpPr>
-            <a:spLocks noGrp="1"/>
-          </p:cNvSpPr>
-          <p:nvPr>
-            <p:ph idx="1"/>
-          </p:nvPr>
-        </p:nvSpPr>
-        <p:spPr/>
-        <p:txBody>
-          <a:bodyPr>
-            <a:normAutofit lnSpcReduction="10000"/>
-          </a:bodyPr>
-          <a:lstStyle/>
-          <a:p>
-            <a:r>
-              <a:rPr lang="en-GB" dirty="0" smtClean="0"/>
-              <a:t>Decide on a property to correlate on</a:t>
-            </a:r>
-          </a:p>
-          <a:p>
-            <a:pPr lvl="1"/>
-            <a:r>
-              <a:rPr lang="en-GB" dirty="0" smtClean="0"/>
-              <a:t>Usually some kind of entity id like </a:t>
-            </a:r>
-            <a:r>
-              <a:rPr lang="en-GB" dirty="0" err="1" smtClean="0"/>
-              <a:t>OrderId</a:t>
-            </a:r>
-            <a:r>
-              <a:rPr lang="en-GB" dirty="0" smtClean="0"/>
-              <a:t>, </a:t>
-            </a:r>
-            <a:r>
-              <a:rPr lang="en-GB" dirty="0" err="1" smtClean="0"/>
-              <a:t>CustomerId</a:t>
-            </a:r>
-            <a:r>
-              <a:rPr lang="en-GB" dirty="0" smtClean="0"/>
-              <a:t> </a:t>
-            </a:r>
-            <a:r>
-              <a:rPr lang="en-GB" dirty="0" err="1" smtClean="0"/>
-              <a:t>etc</a:t>
-            </a:r>
-            <a:endParaRPr lang="en-GB" dirty="0" smtClean="0"/>
-          </a:p>
-          <a:p>
-            <a:r>
-              <a:rPr lang="en-GB" dirty="0" smtClean="0"/>
-              <a:t>Setup a mapping for each message</a:t>
-            </a:r>
-          </a:p>
-          <a:p>
-            <a:pPr lvl="1"/>
-            <a:r>
-              <a:rPr lang="en-GB" dirty="0" smtClean="0"/>
-              <a:t>Connects message property to saga property</a:t>
-            </a:r>
-          </a:p>
-          <a:p>
-            <a:pPr marL="0" indent="0">
-              <a:buNone/>
-            </a:pPr>
-            <a:r>
-              <a:rPr lang="sv-SE" sz="1900" dirty="0" smtClean="0">
-                <a:latin typeface="Consolas" panose="020B0609020204030204" pitchFamily="49" charset="0"/>
-                <a:cs typeface="Consolas" panose="020B0609020204030204" pitchFamily="49" charset="0"/>
-              </a:rPr>
-              <a:t>override </a:t>
-            </a:r>
-            <a:r>
-              <a:rPr lang="sv-SE" sz="1900" dirty="0">
-                <a:latin typeface="Consolas" panose="020B0609020204030204" pitchFamily="49" charset="0"/>
-                <a:cs typeface="Consolas" panose="020B0609020204030204" pitchFamily="49" charset="0"/>
-              </a:rPr>
-              <a:t>void ConfigureHowToFindSaga(SagaPropertyMapper&lt;State&gt; mapper)</a:t>
-            </a:r>
-          </a:p>
-          <a:p>
-            <a:pPr marL="0" indent="0">
-              <a:buNone/>
-            </a:pPr>
-            <a:r>
-              <a:rPr lang="sv-SE" sz="1900" dirty="0" smtClean="0">
-                <a:latin typeface="Consolas" panose="020B0609020204030204" pitchFamily="49" charset="0"/>
-                <a:cs typeface="Consolas" panose="020B0609020204030204" pitchFamily="49" charset="0"/>
-              </a:rPr>
-              <a:t>{</a:t>
-            </a:r>
-            <a:endParaRPr lang="sv-SE" sz="1900" dirty="0">
-              <a:latin typeface="Consolas" panose="020B0609020204030204" pitchFamily="49" charset="0"/>
-              <a:cs typeface="Consolas" panose="020B0609020204030204" pitchFamily="49" charset="0"/>
-            </a:endParaRPr>
-          </a:p>
-          <a:p>
-            <a:pPr marL="0" indent="0">
-              <a:buNone/>
-            </a:pPr>
-            <a:r>
-              <a:rPr lang="sv-SE" sz="1900" dirty="0">
-                <a:latin typeface="Consolas" panose="020B0609020204030204" pitchFamily="49" charset="0"/>
-                <a:cs typeface="Consolas" panose="020B0609020204030204" pitchFamily="49" charset="0"/>
-              </a:rPr>
-              <a:t>            mapper.ConfigureMapping&lt;OrderPlaced&gt;(</a:t>
-            </a:r>
-            <a:r>
-              <a:rPr lang="sv-SE" sz="1900" dirty="0" smtClean="0">
-                <a:latin typeface="Consolas" panose="020B0609020204030204" pitchFamily="49" charset="0"/>
-                <a:cs typeface="Consolas" panose="020B0609020204030204" pitchFamily="49" charset="0"/>
-              </a:rPr>
-              <a:t>msg </a:t>
-            </a:r>
-            <a:r>
-              <a:rPr lang="sv-SE" sz="1900" dirty="0">
-                <a:latin typeface="Consolas" panose="020B0609020204030204" pitchFamily="49" charset="0"/>
-                <a:cs typeface="Consolas" panose="020B0609020204030204" pitchFamily="49" charset="0"/>
-              </a:rPr>
-              <a:t>=&gt; </a:t>
-            </a:r>
-            <a:r>
-              <a:rPr lang="sv-SE" sz="1900" dirty="0" smtClean="0">
-                <a:latin typeface="Consolas" panose="020B0609020204030204" pitchFamily="49" charset="0"/>
-                <a:cs typeface="Consolas" panose="020B0609020204030204" pitchFamily="49" charset="0"/>
-              </a:rPr>
-              <a:t>msg.OrderId</a:t>
-            </a:r>
-            <a:r>
-              <a:rPr lang="sv-SE" sz="1900" dirty="0">
-                <a:latin typeface="Consolas" panose="020B0609020204030204" pitchFamily="49" charset="0"/>
-                <a:cs typeface="Consolas" panose="020B0609020204030204" pitchFamily="49" charset="0"/>
-              </a:rPr>
-              <a:t>)</a:t>
-            </a:r>
-          </a:p>
-          <a:p>
-            <a:pPr marL="0" indent="0">
-              <a:buNone/>
-            </a:pPr>
-            <a:r>
-              <a:rPr lang="sv-SE" sz="1900" dirty="0">
-                <a:latin typeface="Consolas" panose="020B0609020204030204" pitchFamily="49" charset="0"/>
-                <a:cs typeface="Consolas" panose="020B0609020204030204" pitchFamily="49" charset="0"/>
-              </a:rPr>
-              <a:t>                .</a:t>
-            </a:r>
-            <a:r>
-              <a:rPr lang="sv-SE" sz="1900" dirty="0" smtClean="0">
-                <a:latin typeface="Consolas" panose="020B0609020204030204" pitchFamily="49" charset="0"/>
-                <a:cs typeface="Consolas" panose="020B0609020204030204" pitchFamily="49" charset="0"/>
-              </a:rPr>
-              <a:t>ToSaga(state </a:t>
-            </a:r>
-            <a:r>
-              <a:rPr lang="sv-SE" sz="1900" dirty="0">
-                <a:latin typeface="Consolas" panose="020B0609020204030204" pitchFamily="49" charset="0"/>
-                <a:cs typeface="Consolas" panose="020B0609020204030204" pitchFamily="49" charset="0"/>
-              </a:rPr>
-              <a:t>=&gt; </a:t>
-            </a:r>
-            <a:r>
-              <a:rPr lang="sv-SE" sz="1900" dirty="0" smtClean="0">
-                <a:latin typeface="Consolas" panose="020B0609020204030204" pitchFamily="49" charset="0"/>
-                <a:cs typeface="Consolas" panose="020B0609020204030204" pitchFamily="49" charset="0"/>
-              </a:rPr>
-              <a:t>state.OrderId</a:t>
-            </a:r>
-            <a:r>
-              <a:rPr lang="sv-SE" sz="1900" dirty="0">
-                <a:latin typeface="Consolas" panose="020B0609020204030204" pitchFamily="49" charset="0"/>
-                <a:cs typeface="Consolas" panose="020B0609020204030204" pitchFamily="49" charset="0"/>
-              </a:rPr>
-              <a:t>);</a:t>
-            </a:r>
-          </a:p>
-          <a:p>
-            <a:pPr marL="0" indent="0">
-              <a:buNone/>
-            </a:pPr>
-            <a:r>
-              <a:rPr lang="sv-SE" sz="1900" dirty="0" smtClean="0">
-                <a:latin typeface="Consolas" panose="020B0609020204030204" pitchFamily="49" charset="0"/>
-                <a:cs typeface="Consolas" panose="020B0609020204030204" pitchFamily="49" charset="0"/>
-              </a:rPr>
-              <a:t>}</a:t>
-            </a:r>
-          </a:p>
-          <a:p>
-            <a:r>
-              <a:rPr lang="en-GB" dirty="0" smtClean="0"/>
-              <a:t>Make sure to set the saga property when starting the saga</a:t>
-            </a:r>
-            <a:endParaRPr lang="en-GB" dirty="0"/>
-          </a:p>
-          <a:p>
-            <a:pPr marL="0" indent="0">
-              <a:buNone/>
-            </a:pPr>
-            <a:r>
-              <a:rPr lang="en-GB" dirty="0" err="1" smtClean="0"/>
-              <a:t>this.Data.Orderid</a:t>
-            </a:r>
-            <a:r>
-              <a:rPr lang="en-GB" dirty="0" smtClean="0"/>
-              <a:t> = </a:t>
-            </a:r>
-            <a:r>
-              <a:rPr lang="en-GB" dirty="0" err="1" smtClean="0"/>
-              <a:t>message.OrderId</a:t>
-            </a:r>
-            <a:r>
-              <a:rPr lang="en-GB" dirty="0" smtClean="0"/>
-              <a:t> </a:t>
-            </a:r>
-            <a:endParaRPr lang="sv-SE" dirty="0"/>
-          </a:p>
-        </p:txBody>
-      </p:sp>
-    </p:spTree>
-    <p:extLst>
-      <p:ext uri="{BB962C8B-B14F-4D97-AF65-F5344CB8AC3E}">
-        <p14:creationId xmlns:p14="http://schemas.microsoft.com/office/powerpoint/2010/main" val="1134505641"/>
-      </p:ext>
-    </p:extLst>
-  </p:cSld>
-  <p:clrMapOvr>
-    <a:masterClrMapping/>
-  </p:clrMapOvr>
-</p:sld>
-</file>
-
-<file path=ppt/slides/slide70.xml><?xml version="1.0" encoding="utf-8"?>
+<file path=ppt/slides/slide69.xml><?xml version="1.0" encoding="utf-8"?>
 <p:sld xmlns:a="http://schemas.openxmlformats.org/drawingml/2006/main" xmlns:r="http://schemas.openxmlformats.org/officeDocument/2006/relationships" xmlns:p="http://schemas.openxmlformats.org/presentationml/2006/main">
   <p:cSld>
     <p:spTree>
@@ -48754,7 +45267,299 @@
 </p:sld>
 </file>
 
-<file path=ppt/slides/slide71.xml><?xml version="1.0" encoding="utf-8"?>
+<file path=ppt/slides/slide7.xml><?xml version="1.0" encoding="utf-8"?>
+<p:sld xmlns:a="http://schemas.openxmlformats.org/drawingml/2006/main" xmlns:r="http://schemas.openxmlformats.org/officeDocument/2006/relationships" xmlns:p="http://schemas.openxmlformats.org/presentationml/2006/main">
+  <p:cSld>
+    <p:spTree>
+      <p:nvGrpSpPr>
+        <p:cNvPr id="1" name=""/>
+        <p:cNvGrpSpPr/>
+        <p:nvPr/>
+      </p:nvGrpSpPr>
+      <p:grpSpPr>
+        <a:xfrm>
+          <a:off x="0" y="0"/>
+          <a:ext cx="0" cy="0"/>
+          <a:chOff x="0" y="0"/>
+          <a:chExt cx="0" cy="0"/>
+        </a:xfrm>
+      </p:grpSpPr>
+      <p:sp>
+        <p:nvSpPr>
+          <p:cNvPr id="2" name="Title 1"/>
+          <p:cNvSpPr>
+            <a:spLocks noGrp="1"/>
+          </p:cNvSpPr>
+          <p:nvPr>
+            <p:ph type="title"/>
+          </p:nvPr>
+        </p:nvSpPr>
+        <p:spPr/>
+        <p:txBody>
+          <a:bodyPr/>
+          <a:lstStyle/>
+          <a:p>
+            <a:r>
+              <a:rPr lang="en-GB" dirty="0" smtClean="0"/>
+              <a:t>Correlating messages to saga instances</a:t>
+            </a:r>
+            <a:endParaRPr lang="sv-SE" dirty="0"/>
+          </a:p>
+        </p:txBody>
+      </p:sp>
+      <p:sp>
+        <p:nvSpPr>
+          <p:cNvPr id="3" name="Content Placeholder 2"/>
+          <p:cNvSpPr>
+            <a:spLocks noGrp="1"/>
+          </p:cNvSpPr>
+          <p:nvPr>
+            <p:ph idx="1"/>
+          </p:nvPr>
+        </p:nvSpPr>
+        <p:spPr/>
+        <p:txBody>
+          <a:bodyPr>
+            <a:normAutofit lnSpcReduction="10000"/>
+          </a:bodyPr>
+          <a:lstStyle/>
+          <a:p>
+            <a:r>
+              <a:rPr lang="en-GB" dirty="0" smtClean="0"/>
+              <a:t>Decide on a property to correlate on</a:t>
+            </a:r>
+          </a:p>
+          <a:p>
+            <a:pPr lvl="1"/>
+            <a:r>
+              <a:rPr lang="en-GB" dirty="0" smtClean="0"/>
+              <a:t>Usually some kind of entity id like </a:t>
+            </a:r>
+            <a:r>
+              <a:rPr lang="en-GB" dirty="0" err="1" smtClean="0"/>
+              <a:t>OrderId</a:t>
+            </a:r>
+            <a:r>
+              <a:rPr lang="en-GB" dirty="0" smtClean="0"/>
+              <a:t>, </a:t>
+            </a:r>
+            <a:r>
+              <a:rPr lang="en-GB" dirty="0" err="1" smtClean="0"/>
+              <a:t>CustomerId</a:t>
+            </a:r>
+            <a:r>
+              <a:rPr lang="en-GB" dirty="0" smtClean="0"/>
+              <a:t> </a:t>
+            </a:r>
+            <a:r>
+              <a:rPr lang="en-GB" dirty="0" err="1" smtClean="0"/>
+              <a:t>etc</a:t>
+            </a:r>
+            <a:endParaRPr lang="en-GB" dirty="0" smtClean="0"/>
+          </a:p>
+          <a:p>
+            <a:r>
+              <a:rPr lang="en-GB" dirty="0" smtClean="0"/>
+              <a:t>Setup a mapping for each message</a:t>
+            </a:r>
+          </a:p>
+          <a:p>
+            <a:pPr lvl="1"/>
+            <a:r>
+              <a:rPr lang="en-GB" dirty="0" smtClean="0"/>
+              <a:t>Connects message property to saga property</a:t>
+            </a:r>
+          </a:p>
+          <a:p>
+            <a:pPr marL="0" indent="0">
+              <a:buNone/>
+            </a:pPr>
+            <a:r>
+              <a:rPr lang="sv-SE" sz="1900" dirty="0" smtClean="0">
+                <a:latin typeface="Consolas" panose="020B0609020204030204" pitchFamily="49" charset="0"/>
+                <a:cs typeface="Consolas" panose="020B0609020204030204" pitchFamily="49" charset="0"/>
+              </a:rPr>
+              <a:t>override </a:t>
+            </a:r>
+            <a:r>
+              <a:rPr lang="sv-SE" sz="1900" dirty="0">
+                <a:latin typeface="Consolas" panose="020B0609020204030204" pitchFamily="49" charset="0"/>
+                <a:cs typeface="Consolas" panose="020B0609020204030204" pitchFamily="49" charset="0"/>
+              </a:rPr>
+              <a:t>void ConfigureHowToFindSaga(SagaPropertyMapper&lt;State&gt; mapper)</a:t>
+            </a:r>
+          </a:p>
+          <a:p>
+            <a:pPr marL="0" indent="0">
+              <a:buNone/>
+            </a:pPr>
+            <a:r>
+              <a:rPr lang="sv-SE" sz="1900" dirty="0" smtClean="0">
+                <a:latin typeface="Consolas" panose="020B0609020204030204" pitchFamily="49" charset="0"/>
+                <a:cs typeface="Consolas" panose="020B0609020204030204" pitchFamily="49" charset="0"/>
+              </a:rPr>
+              <a:t>{</a:t>
+            </a:r>
+            <a:endParaRPr lang="sv-SE" sz="1900" dirty="0">
+              <a:latin typeface="Consolas" panose="020B0609020204030204" pitchFamily="49" charset="0"/>
+              <a:cs typeface="Consolas" panose="020B0609020204030204" pitchFamily="49" charset="0"/>
+            </a:endParaRPr>
+          </a:p>
+          <a:p>
+            <a:pPr marL="0" indent="0">
+              <a:buNone/>
+            </a:pPr>
+            <a:r>
+              <a:rPr lang="sv-SE" sz="1900" dirty="0">
+                <a:latin typeface="Consolas" panose="020B0609020204030204" pitchFamily="49" charset="0"/>
+                <a:cs typeface="Consolas" panose="020B0609020204030204" pitchFamily="49" charset="0"/>
+              </a:rPr>
+              <a:t>    </a:t>
+            </a:r>
+            <a:r>
+              <a:rPr lang="sv-SE" sz="1900" dirty="0" smtClean="0">
+                <a:latin typeface="Consolas" panose="020B0609020204030204" pitchFamily="49" charset="0"/>
+                <a:cs typeface="Consolas" panose="020B0609020204030204" pitchFamily="49" charset="0"/>
+              </a:rPr>
+              <a:t>mapper.ConfigureMapping&lt;OrderPlaced</a:t>
+            </a:r>
+            <a:r>
+              <a:rPr lang="sv-SE" sz="1900" dirty="0">
+                <a:latin typeface="Consolas" panose="020B0609020204030204" pitchFamily="49" charset="0"/>
+                <a:cs typeface="Consolas" panose="020B0609020204030204" pitchFamily="49" charset="0"/>
+              </a:rPr>
+              <a:t>&gt;(</a:t>
+            </a:r>
+            <a:r>
+              <a:rPr lang="sv-SE" sz="1900" dirty="0" smtClean="0">
+                <a:latin typeface="Consolas" panose="020B0609020204030204" pitchFamily="49" charset="0"/>
+                <a:cs typeface="Consolas" panose="020B0609020204030204" pitchFamily="49" charset="0"/>
+              </a:rPr>
+              <a:t>msg </a:t>
+            </a:r>
+            <a:r>
+              <a:rPr lang="sv-SE" sz="1900" dirty="0">
+                <a:latin typeface="Consolas" panose="020B0609020204030204" pitchFamily="49" charset="0"/>
+                <a:cs typeface="Consolas" panose="020B0609020204030204" pitchFamily="49" charset="0"/>
+              </a:rPr>
+              <a:t>=&gt; </a:t>
+            </a:r>
+            <a:r>
+              <a:rPr lang="sv-SE" sz="1900" dirty="0" smtClean="0">
+                <a:latin typeface="Consolas" panose="020B0609020204030204" pitchFamily="49" charset="0"/>
+                <a:cs typeface="Consolas" panose="020B0609020204030204" pitchFamily="49" charset="0"/>
+              </a:rPr>
+              <a:t>msg.OrderId</a:t>
+            </a:r>
+            <a:r>
+              <a:rPr lang="sv-SE" sz="1900" dirty="0">
+                <a:latin typeface="Consolas" panose="020B0609020204030204" pitchFamily="49" charset="0"/>
+                <a:cs typeface="Consolas" panose="020B0609020204030204" pitchFamily="49" charset="0"/>
+              </a:rPr>
+              <a:t>)</a:t>
+            </a:r>
+          </a:p>
+          <a:p>
+            <a:pPr marL="0" indent="0">
+              <a:buNone/>
+            </a:pPr>
+            <a:r>
+              <a:rPr lang="sv-SE" sz="1900" dirty="0">
+                <a:latin typeface="Consolas" panose="020B0609020204030204" pitchFamily="49" charset="0"/>
+                <a:cs typeface="Consolas" panose="020B0609020204030204" pitchFamily="49" charset="0"/>
+              </a:rPr>
+              <a:t>                .</a:t>
+            </a:r>
+            <a:r>
+              <a:rPr lang="sv-SE" sz="1900" dirty="0" smtClean="0">
+                <a:latin typeface="Consolas" panose="020B0609020204030204" pitchFamily="49" charset="0"/>
+                <a:cs typeface="Consolas" panose="020B0609020204030204" pitchFamily="49" charset="0"/>
+              </a:rPr>
+              <a:t>ToSaga(state </a:t>
+            </a:r>
+            <a:r>
+              <a:rPr lang="sv-SE" sz="1900" dirty="0">
+                <a:latin typeface="Consolas" panose="020B0609020204030204" pitchFamily="49" charset="0"/>
+                <a:cs typeface="Consolas" panose="020B0609020204030204" pitchFamily="49" charset="0"/>
+              </a:rPr>
+              <a:t>=&gt; </a:t>
+            </a:r>
+            <a:r>
+              <a:rPr lang="sv-SE" sz="1900" dirty="0" smtClean="0">
+                <a:latin typeface="Consolas" panose="020B0609020204030204" pitchFamily="49" charset="0"/>
+                <a:cs typeface="Consolas" panose="020B0609020204030204" pitchFamily="49" charset="0"/>
+              </a:rPr>
+              <a:t>state.OrderId</a:t>
+            </a:r>
+            <a:r>
+              <a:rPr lang="sv-SE" sz="1900" dirty="0">
+                <a:latin typeface="Consolas" panose="020B0609020204030204" pitchFamily="49" charset="0"/>
+                <a:cs typeface="Consolas" panose="020B0609020204030204" pitchFamily="49" charset="0"/>
+              </a:rPr>
+              <a:t>);</a:t>
+            </a:r>
+          </a:p>
+          <a:p>
+            <a:pPr marL="0" indent="0">
+              <a:buNone/>
+            </a:pPr>
+            <a:r>
+              <a:rPr lang="sv-SE" sz="1900" dirty="0" smtClean="0">
+                <a:latin typeface="Consolas" panose="020B0609020204030204" pitchFamily="49" charset="0"/>
+                <a:cs typeface="Consolas" panose="020B0609020204030204" pitchFamily="49" charset="0"/>
+              </a:rPr>
+              <a:t>}</a:t>
+            </a:r>
+          </a:p>
+          <a:p>
+            <a:r>
+              <a:rPr lang="en-GB" dirty="0" smtClean="0"/>
+              <a:t>Make sure to set the saga property when starting the saga</a:t>
+            </a:r>
+            <a:endParaRPr lang="en-GB" dirty="0"/>
+          </a:p>
+          <a:p>
+            <a:pPr marL="0" indent="0">
+              <a:buNone/>
+            </a:pPr>
+            <a:r>
+              <a:rPr lang="en-GB" dirty="0" err="1" smtClean="0"/>
+              <a:t>this.Data.OrderId</a:t>
+            </a:r>
+            <a:r>
+              <a:rPr lang="en-GB" dirty="0" smtClean="0"/>
+              <a:t> </a:t>
+            </a:r>
+            <a:r>
+              <a:rPr lang="en-GB" dirty="0" smtClean="0"/>
+              <a:t>= </a:t>
+            </a:r>
+            <a:r>
+              <a:rPr lang="en-GB" dirty="0" err="1" smtClean="0"/>
+              <a:t>message.OrderId</a:t>
+            </a:r>
+            <a:r>
+              <a:rPr lang="en-GB" dirty="0" smtClean="0"/>
+              <a:t> </a:t>
+            </a:r>
+            <a:endParaRPr lang="sv-SE" dirty="0"/>
+          </a:p>
+        </p:txBody>
+      </p:sp>
+    </p:spTree>
+    <p:extLst>
+      <p:ext uri="{BB962C8B-B14F-4D97-AF65-F5344CB8AC3E}">
+        <p14:creationId xmlns:p14="http://schemas.microsoft.com/office/powerpoint/2010/main" val="1134505641"/>
+      </p:ext>
+    </p:extLst>
+  </p:cSld>
+  <p:clrMapOvr>
+    <a:masterClrMapping/>
+  </p:clrMapOvr>
+</p:sld>
+</file>
+
+<file path=ppt/slides/slide70.xml><?xml version="1.0" encoding="utf-8"?>
 <p:sld xmlns:a="http://schemas.openxmlformats.org/drawingml/2006/main" xmlns:r="http://schemas.openxmlformats.org/officeDocument/2006/relationships" xmlns:p="http://schemas.openxmlformats.org/presentationml/2006/main">
   <p:cSld>
     <p:spTree>
@@ -49297,7 +46102,7 @@
 </p:sld>
 </file>
 
-<file path=ppt/slides/slide72.xml><?xml version="1.0" encoding="utf-8"?>
+<file path=ppt/slides/slide71.xml><?xml version="1.0" encoding="utf-8"?>
 <p:sld xmlns:a="http://schemas.openxmlformats.org/drawingml/2006/main" xmlns:r="http://schemas.openxmlformats.org/officeDocument/2006/relationships" xmlns:p="http://schemas.openxmlformats.org/presentationml/2006/main">
   <p:cSld>
     <p:spTree>
@@ -49701,6 +46506,145 @@
 </p:sld>
 </file>
 
+<file path=ppt/slides/slide72.xml><?xml version="1.0" encoding="utf-8"?>
+<p:sld xmlns:a="http://schemas.openxmlformats.org/drawingml/2006/main" xmlns:r="http://schemas.openxmlformats.org/officeDocument/2006/relationships" xmlns:p="http://schemas.openxmlformats.org/presentationml/2006/main">
+  <p:cSld>
+    <p:spTree>
+      <p:nvGrpSpPr>
+        <p:cNvPr id="1" name=""/>
+        <p:cNvGrpSpPr/>
+        <p:nvPr/>
+      </p:nvGrpSpPr>
+      <p:grpSpPr>
+        <a:xfrm>
+          <a:off x="0" y="0"/>
+          <a:ext cx="0" cy="0"/>
+          <a:chOff x="0" y="0"/>
+          <a:chExt cx="0" cy="0"/>
+        </a:xfrm>
+      </p:grpSpPr>
+      <p:sp>
+        <p:nvSpPr>
+          <p:cNvPr id="2" name="Title 1"/>
+          <p:cNvSpPr>
+            <a:spLocks noGrp="1"/>
+          </p:cNvSpPr>
+          <p:nvPr>
+            <p:ph type="title"/>
+          </p:nvPr>
+        </p:nvSpPr>
+        <p:spPr/>
+        <p:txBody>
+          <a:bodyPr/>
+          <a:lstStyle/>
+          <a:p>
+            <a:r>
+              <a:rPr lang="en-GB" dirty="0" smtClean="0"/>
+              <a:t>Exercise 6 – Buyers remorse</a:t>
+            </a:r>
+            <a:endParaRPr lang="sv-SE" dirty="0"/>
+          </a:p>
+        </p:txBody>
+      </p:sp>
+      <p:sp>
+        <p:nvSpPr>
+          <p:cNvPr id="3" name="Content Placeholder 2"/>
+          <p:cNvSpPr>
+            <a:spLocks noGrp="1"/>
+          </p:cNvSpPr>
+          <p:nvPr>
+            <p:ph idx="1"/>
+          </p:nvPr>
+        </p:nvSpPr>
+        <p:spPr/>
+        <p:txBody>
+          <a:bodyPr>
+            <a:normAutofit/>
+          </a:bodyPr>
+          <a:lstStyle/>
+          <a:p>
+            <a:r>
+              <a:rPr lang="en-GB" dirty="0" smtClean="0"/>
+              <a:t>Implement the buyers remorse saga in sales</a:t>
+            </a:r>
+          </a:p>
+          <a:p>
+            <a:r>
+              <a:rPr lang="en-GB" dirty="0" smtClean="0"/>
+              <a:t>Emit a </a:t>
+            </a:r>
+            <a:r>
+              <a:rPr lang="en-GB" dirty="0" err="1" smtClean="0">
+                <a:latin typeface="Consolas" charset="0"/>
+                <a:ea typeface="Consolas" charset="0"/>
+                <a:cs typeface="Consolas" charset="0"/>
+              </a:rPr>
+              <a:t>OrderAccepted</a:t>
+            </a:r>
+            <a:r>
+              <a:rPr lang="en-GB" dirty="0" smtClean="0"/>
+              <a:t> event in addition to </a:t>
+            </a:r>
+            <a:r>
+              <a:rPr lang="en-GB" dirty="0" err="1" smtClean="0">
+                <a:latin typeface="Consolas" charset="0"/>
+                <a:ea typeface="Consolas" charset="0"/>
+                <a:cs typeface="Consolas" charset="0"/>
+              </a:rPr>
+              <a:t>OrderPlaced</a:t>
+            </a:r>
+            <a:endParaRPr lang="en-GB" dirty="0" smtClean="0">
+              <a:latin typeface="Consolas" charset="0"/>
+              <a:ea typeface="Consolas" charset="0"/>
+              <a:cs typeface="Consolas" charset="0"/>
+            </a:endParaRPr>
+          </a:p>
+          <a:p>
+            <a:r>
+              <a:rPr lang="en-GB" dirty="0" smtClean="0"/>
+              <a:t>Adjust other sagas to use this new event where appropriate</a:t>
+            </a:r>
+          </a:p>
+          <a:p>
+            <a:endParaRPr lang="en-GB" dirty="0"/>
+          </a:p>
+          <a:p>
+            <a:pPr marL="0" indent="0">
+              <a:buNone/>
+            </a:pPr>
+            <a:r>
+              <a:rPr lang="en-GB" dirty="0" smtClean="0"/>
+              <a:t>Business rules</a:t>
+            </a:r>
+          </a:p>
+          <a:p>
+            <a:r>
+              <a:rPr lang="en-GB" dirty="0" smtClean="0"/>
+              <a:t>Buyers remorse timeout is 10 seconds</a:t>
+            </a:r>
+          </a:p>
+        </p:txBody>
+      </p:sp>
+    </p:spTree>
+    <p:extLst>
+      <p:ext uri="{BB962C8B-B14F-4D97-AF65-F5344CB8AC3E}">
+        <p14:creationId xmlns:p14="http://schemas.microsoft.com/office/powerpoint/2010/main" val="206784193"/>
+      </p:ext>
+    </p:extLst>
+  </p:cSld>
+  <p:clrMapOvr>
+    <a:masterClrMapping/>
+  </p:clrMapOvr>
+  <p:timing>
+    <p:tnLst>
+      <p:par>
+        <p:cTn id="1" dur="indefinite" restart="never" nodeType="tmRoot"/>
+      </p:par>
+    </p:tnLst>
+  </p:timing>
+</p:sld>
+</file>
+
 <file path=ppt/slides/slide73.xml><?xml version="1.0" encoding="utf-8"?>
 <p:sld xmlns:a="http://schemas.openxmlformats.org/drawingml/2006/main" xmlns:r="http://schemas.openxmlformats.org/officeDocument/2006/relationships" xmlns:p="http://schemas.openxmlformats.org/presentationml/2006/main">
   <p:cSld>
@@ -49735,7 +46679,7 @@
           <a:p>
             <a:r>
               <a:rPr lang="en-GB" dirty="0" smtClean="0"/>
-              <a:t>Exercise 6 – Buyers remorse</a:t>
+              <a:t>Walkthrough</a:t>
             </a:r>
             <a:endParaRPr lang="sv-SE" dirty="0"/>
           </a:p>
@@ -49743,87 +46687,35 @@
       </p:sp>
       <p:sp>
         <p:nvSpPr>
-          <p:cNvPr id="3" name="Content Placeholder 2"/>
+          <p:cNvPr id="4" name="Text Placeholder 3"/>
           <p:cNvSpPr>
             <a:spLocks noGrp="1"/>
           </p:cNvSpPr>
           <p:nvPr>
-            <p:ph idx="1"/>
+            <p:ph type="body" idx="1"/>
           </p:nvPr>
         </p:nvSpPr>
         <p:spPr/>
         <p:txBody>
-          <a:bodyPr>
-            <a:normAutofit/>
-          </a:bodyPr>
+          <a:bodyPr/>
           <a:lstStyle/>
           <a:p>
             <a:r>
-              <a:rPr lang="en-GB" dirty="0" smtClean="0"/>
-              <a:t>Implement the buyers remorse saga in sales</a:t>
-            </a:r>
-          </a:p>
-          <a:p>
-            <a:r>
-              <a:rPr lang="en-GB" dirty="0" smtClean="0"/>
-              <a:t>Emit a </a:t>
-            </a:r>
-            <a:r>
-              <a:rPr lang="en-GB" dirty="0" err="1" smtClean="0">
-                <a:latin typeface="Consolas" charset="0"/>
-                <a:ea typeface="Consolas" charset="0"/>
-                <a:cs typeface="Consolas" charset="0"/>
-              </a:rPr>
-              <a:t>OrderAccepted</a:t>
-            </a:r>
-            <a:r>
-              <a:rPr lang="en-GB" dirty="0" smtClean="0"/>
-              <a:t> event in addition to </a:t>
-            </a:r>
-            <a:r>
-              <a:rPr lang="en-GB" dirty="0" err="1" smtClean="0">
-                <a:latin typeface="Consolas" charset="0"/>
-                <a:ea typeface="Consolas" charset="0"/>
-                <a:cs typeface="Consolas" charset="0"/>
-              </a:rPr>
-              <a:t>OrderPlaced</a:t>
-            </a:r>
-            <a:endParaRPr lang="en-GB" dirty="0" smtClean="0">
-              <a:latin typeface="Consolas" charset="0"/>
-              <a:ea typeface="Consolas" charset="0"/>
-              <a:cs typeface="Consolas" charset="0"/>
-            </a:endParaRPr>
-          </a:p>
-          <a:p>
-            <a:r>
-              <a:rPr lang="en-GB" dirty="0" smtClean="0"/>
-              <a:t>Adjust other sagas to use this new event where appropriate</a:t>
-            </a:r>
-          </a:p>
-          <a:p>
-            <a:endParaRPr lang="en-GB" dirty="0"/>
-          </a:p>
-          <a:p>
-            <a:pPr marL="0" indent="0">
-              <a:buNone/>
-            </a:pPr>
-            <a:r>
-              <a:rPr lang="en-GB" dirty="0" smtClean="0"/>
-              <a:t>Business rules</a:t>
-            </a:r>
-          </a:p>
-          <a:p>
-            <a:r>
-              <a:rPr lang="en-GB" dirty="0" smtClean="0"/>
-              <a:t>Buyers remorse timeout is 10 seconds</a:t>
-            </a:r>
+              <a:rPr lang="en-GB"/>
+              <a:t>Exercise </a:t>
+            </a:r>
+            <a:r>
+              <a:rPr lang="en-GB" dirty="0"/>
+              <a:t>6</a:t>
+            </a:r>
+            <a:endParaRPr lang="sv-SE" dirty="0"/>
           </a:p>
         </p:txBody>
       </p:sp>
     </p:spTree>
     <p:extLst>
       <p:ext uri="{BB962C8B-B14F-4D97-AF65-F5344CB8AC3E}">
-        <p14:creationId xmlns:p14="http://schemas.microsoft.com/office/powerpoint/2010/main" val="206784193"/>
+        <p14:creationId xmlns:p14="http://schemas.microsoft.com/office/powerpoint/2010/main" val="1756094974"/>
       </p:ext>
     </p:extLst>
   </p:cSld>
@@ -49874,93 +46766,6 @@
           <a:p>
             <a:r>
               <a:rPr lang="en-GB" dirty="0" smtClean="0"/>
-              <a:t>Walkthrough</a:t>
-            </a:r>
-            <a:endParaRPr lang="sv-SE" dirty="0"/>
-          </a:p>
-        </p:txBody>
-      </p:sp>
-      <p:sp>
-        <p:nvSpPr>
-          <p:cNvPr id="4" name="Text Placeholder 3"/>
-          <p:cNvSpPr>
-            <a:spLocks noGrp="1"/>
-          </p:cNvSpPr>
-          <p:nvPr>
-            <p:ph type="body" idx="1"/>
-          </p:nvPr>
-        </p:nvSpPr>
-        <p:spPr/>
-        <p:txBody>
-          <a:bodyPr/>
-          <a:lstStyle/>
-          <a:p>
-            <a:r>
-              <a:rPr lang="en-GB"/>
-              <a:t>Exercise </a:t>
-            </a:r>
-            <a:r>
-              <a:rPr lang="en-GB" dirty="0"/>
-              <a:t>6</a:t>
-            </a:r>
-            <a:endParaRPr lang="sv-SE" dirty="0"/>
-          </a:p>
-        </p:txBody>
-      </p:sp>
-    </p:spTree>
-    <p:extLst>
-      <p:ext uri="{BB962C8B-B14F-4D97-AF65-F5344CB8AC3E}">
-        <p14:creationId xmlns:p14="http://schemas.microsoft.com/office/powerpoint/2010/main" val="1756094974"/>
-      </p:ext>
-    </p:extLst>
-  </p:cSld>
-  <p:clrMapOvr>
-    <a:masterClrMapping/>
-  </p:clrMapOvr>
-  <p:timing>
-    <p:tnLst>
-      <p:par>
-        <p:cTn id="1" dur="indefinite" restart="never" nodeType="tmRoot"/>
-      </p:par>
-    </p:tnLst>
-  </p:timing>
-</p:sld>
-</file>
-
-<file path=ppt/slides/slide75.xml><?xml version="1.0" encoding="utf-8"?>
-<p:sld xmlns:a="http://schemas.openxmlformats.org/drawingml/2006/main" xmlns:r="http://schemas.openxmlformats.org/officeDocument/2006/relationships" xmlns:p="http://schemas.openxmlformats.org/presentationml/2006/main">
-  <p:cSld>
-    <p:spTree>
-      <p:nvGrpSpPr>
-        <p:cNvPr id="1" name=""/>
-        <p:cNvGrpSpPr/>
-        <p:nvPr/>
-      </p:nvGrpSpPr>
-      <p:grpSpPr>
-        <a:xfrm>
-          <a:off x="0" y="0"/>
-          <a:ext cx="0" cy="0"/>
-          <a:chOff x="0" y="0"/>
-          <a:chExt cx="0" cy="0"/>
-        </a:xfrm>
-      </p:grpSpPr>
-      <p:sp>
-        <p:nvSpPr>
-          <p:cNvPr id="2" name="Title 1"/>
-          <p:cNvSpPr>
-            <a:spLocks noGrp="1"/>
-          </p:cNvSpPr>
-          <p:nvPr>
-            <p:ph type="title"/>
-          </p:nvPr>
-        </p:nvSpPr>
-        <p:spPr/>
-        <p:txBody>
-          <a:bodyPr/>
-          <a:lstStyle/>
-          <a:p>
-            <a:r>
-              <a:rPr lang="en-GB" dirty="0" smtClean="0"/>
               <a:t>Upcoming saga changes in v6</a:t>
             </a:r>
             <a:endParaRPr lang="sv-SE" dirty="0"/>
@@ -50006,7 +46811,7 @@
 </p:sld>
 </file>
 
-<file path=ppt/slides/slide76.xml><?xml version="1.0" encoding="utf-8"?>
+<file path=ppt/slides/slide75.xml><?xml version="1.0" encoding="utf-8"?>
 <p:sld xmlns:a="http://schemas.openxmlformats.org/drawingml/2006/main" xmlns:r="http://schemas.openxmlformats.org/officeDocument/2006/relationships" xmlns:p="http://schemas.openxmlformats.org/presentationml/2006/main">
   <p:cSld>
     <p:spTree>
@@ -50279,14 +47084,14 @@
                 <a:latin typeface="Consolas" panose="020B0609020204030204" pitchFamily="49" charset="0"/>
                 <a:cs typeface="Consolas" panose="020B0609020204030204" pitchFamily="49" charset="0"/>
               </a:rPr>
-              <a:t> </a:t>
+              <a:t>public </a:t>
             </a:r>
             <a:r>
               <a:rPr lang="sv-SE" dirty="0">
                 <a:latin typeface="Consolas" panose="020B0609020204030204" pitchFamily="49" charset="0"/>
                 <a:cs typeface="Consolas" panose="020B0609020204030204" pitchFamily="49" charset="0"/>
               </a:rPr>
-              <a:t>public void </a:t>
+              <a:t>void </a:t>
             </a:r>
             <a:r>
               <a:rPr lang="sv-SE" dirty="0" smtClean="0">
@@ -50440,7 +47245,21 @@
                 <a:latin typeface="Consolas" panose="020B0609020204030204" pitchFamily="49" charset="0"/>
                 <a:cs typeface="Consolas" panose="020B0609020204030204" pitchFamily="49" charset="0"/>
               </a:rPr>
-              <a:t>this.Bus.Send</a:t>
+              <a:t>this.</a:t>
+            </a:r>
+            <a:r>
+              <a:rPr lang="en-GB" b="1" dirty="0" err="1" smtClean="0">
+                <a:latin typeface="Consolas" panose="020B0609020204030204" pitchFamily="49" charset="0"/>
+                <a:cs typeface="Consolas" panose="020B0609020204030204" pitchFamily="49" charset="0"/>
+              </a:rPr>
+              <a:t>Bus</a:t>
+            </a:r>
+            <a:r>
+              <a:rPr lang="en-GB" dirty="0" err="1" smtClean="0">
+                <a:latin typeface="Consolas" panose="020B0609020204030204" pitchFamily="49" charset="0"/>
+                <a:cs typeface="Consolas" panose="020B0609020204030204" pitchFamily="49" charset="0"/>
+              </a:rPr>
+              <a:t>.Send</a:t>
             </a:r>
             <a:r>
               <a:rPr lang="en-GB" dirty="0" smtClean="0">
@@ -50482,7 +47301,21 @@
                 <a:latin typeface="Consolas" panose="020B0609020204030204" pitchFamily="49" charset="0"/>
                 <a:cs typeface="Consolas" panose="020B0609020204030204" pitchFamily="49" charset="0"/>
               </a:rPr>
-              <a:t>this.Bus.Publish</a:t>
+              <a:t>this.</a:t>
+            </a:r>
+            <a:r>
+              <a:rPr lang="en-GB" b="1" dirty="0" err="1" smtClean="0">
+                <a:latin typeface="Consolas" panose="020B0609020204030204" pitchFamily="49" charset="0"/>
+                <a:cs typeface="Consolas" panose="020B0609020204030204" pitchFamily="49" charset="0"/>
+              </a:rPr>
+              <a:t>Bus</a:t>
+            </a:r>
+            <a:r>
+              <a:rPr lang="en-GB" dirty="0" err="1" smtClean="0">
+                <a:latin typeface="Consolas" panose="020B0609020204030204" pitchFamily="49" charset="0"/>
+                <a:cs typeface="Consolas" panose="020B0609020204030204" pitchFamily="49" charset="0"/>
+              </a:rPr>
+              <a:t>.Publish</a:t>
             </a:r>
             <a:r>
               <a:rPr lang="en-GB" dirty="0" smtClean="0">
